--- a/Outputs/Backgrounds.pptx
+++ b/Outputs/Backgrounds.pptx
@@ -10,9 +10,10 @@
     <p:sldId id="258" r:id="rId4"/>
     <p:sldId id="259" r:id="rId5"/>
     <p:sldId id="263" r:id="rId6"/>
-    <p:sldId id="260" r:id="rId7"/>
-    <p:sldId id="261" r:id="rId8"/>
-    <p:sldId id="262" r:id="rId9"/>
+    <p:sldId id="264" r:id="rId7"/>
+    <p:sldId id="260" r:id="rId8"/>
+    <p:sldId id="261" r:id="rId9"/>
+    <p:sldId id="262" r:id="rId10"/>
   </p:sldIdLst>
   <p:sldSz cx="12192000" cy="6858000"/>
   <p:notesSz cx="6858000" cy="9144000"/>
@@ -202,7 +203,7 @@
           <inkml:channelProperty channel="F" name="resolution" value="0" units="1/dev"/>
         </inkml:channelProperties>
       </inkml:inkSource>
-      <inkml:timestamp xml:id="ts0" timeString="2025-10-07T10:45:53.917"/>
+      <inkml:timestamp xml:id="ts0" timeString="2025-10-07T10:49:41.693"/>
     </inkml:context>
     <inkml:brush xml:id="br0">
       <inkml:brushProperty name="width" value="0.35" units="cm"/>
@@ -212,7 +213,7 @@
       <inkml:brushProperty name="inkEffects" value="pencil"/>
     </inkml:brush>
   </inkml:definitions>
-  <inkml:trace contextRef="#ctx0" brushRef="#br0">4116 2058 0,'-2'81'0,"-2"-1"0,-4 1 0,-3-1 0,-4-1 0,-2 0 0,-3 0 0,-4-2 0,-2-1 0,-4 0 0,-2-2 0,-3-2 0,-3 0 0,-3-3 0,-3-1 0,-2-1 0,-3-3 0,-2-1 0,-3-3 0,-2-2 0,-2-2 0,-2-2 0,-3-3 0,-1-2 0,-3-3 0,-1-2 0,-1-3 0,-3-3 0,0-3 0,-2-3 0,-2-2 0,0-4 0,-1-2 0,-2-4 0,0-3 0,0-2 0,-1-4 0,-1-3 0,1-4 0,-1-2 0,0-4 0,1-2 0,-1-4 0,1-3 0,1-4 0,0-2 0,0-3 0,2-4 0,1-2 0,0-4 0,2-2 0,2-3 0,0-3 0,3-3 0,1-3 0,1-2 0,3-3 0,1-2 0,3-3 0,2-2 0,2-2 0,2-2 0,3-3 0,2-1 0,3-3 0,2-1 0,3-1 0,3-3 0,3 0 0,3-2 0,2-2 0,4 0 0,2-1 0,4-2 0,3 0 0,2 0 0,4-1 0,3-1 0,4 1 0,2-1 0,4 0 0,2 1 0,4-1 0,3 1 0,4 1 0,2 0 0,3 0 0,4 2 0,2 1 0,4 0 0,2 2 0,3 2 0,3 0 0,3 3 0,3 1 0,2 1 0,3 3 0,2 1 0,3 3 0,2 2 0,2 2 0,2 2 0,3 3 0,1 2 0,3 3 0,1 2 0,1 3 0,3 3 0,0 3 0,2 3 0,2 2 0,0 4 0,1 2 0,2 4 0,0 3 0,0 2 0,1 4 0,1 3 0,-1 4 0,1 2 0,0 4 0,-1 2 0,1 4 0,-1 3 0,-1 4 0,0 2 0,0 3 0,-2 4 0,-1 2 0,0 4 0,-2 2 0,-2 3 0,0 3 0,-3 3 0,-1 3 0,-1 2 0,-3 3 0,-1 2 0,-3 3 0,-2 2 0,-2 2 0,-2 2 0,-3 3 0,-2 1 0,-3 3 0,-2 1 0,-3 1 0,-3 3 0,-3 0 0,-3 2 0,-2 2 0,-4 0 0,-2 1 0,-4 2 0,-3 0 0,-2 0 0,-4 1 0,-3 1 0,-4-1 0,-2 1 0</inkml:trace>
+  <inkml:trace contextRef="#ctx0" brushRef="#br0">1612 806 0,'-1'32'0,"0"-1"0,-3 1 0,0-1 0,-1 0 0,-2 0 0,-1 0 0,-1-1 0,-2 0 0,0-1 0,-2 0 0,-1 0 0,-1-1 0,-1-1 0,-1 0 0,-1-1 0,-1-1 0,-1-1 0,-1 0 0,-1-1 0,-1-1 0,-1-1 0,0-1 0,-1-1 0,-1-1 0,-1-1 0,0-1 0,-1-1 0,-1-1 0,0-1 0,0-2 0,-1 0 0,0-2 0,-1-1 0,0-1 0,0-2 0,0-1 0,-1 0 0,1-3 0,-1 0 0,0-2 0,1 0 0,-1-3 0,1 0 0,0-1 0,0-2 0,0-1 0,1-1 0,0-2 0,1 0 0,0-2 0,0-1 0,1-1 0,1-1 0,0-1 0,1-1 0,1-1 0,1-1 0,0-1 0,1-1 0,1-1 0,1-1 0,1 0 0,1-1 0,1-1 0,1-1 0,1 0 0,1-1 0,1-1 0,1 0 0,2 0 0,0-1 0,2 0 0,1-1 0,1 0 0,2 0 0,1 0 0,0-1 0,3 1 0,0-1 0,2 0 0,0 1 0,3-1 0,0 1 0,1 0 0,2 0 0,1 0 0,1 1 0,2 0 0,0 1 0,2 0 0,1 0 0,1 1 0,1 1 0,1 0 0,1 1 0,1 1 0,1 1 0,1 0 0,1 1 0,1 1 0,1 1 0,0 1 0,1 1 0,1 1 0,1 1 0,0 1 0,1 1 0,1 1 0,0 1 0,0 2 0,1 0 0,0 2 0,1 1 0,0 1 0,0 2 0,0 1 0,1 0 0,-1 3 0,1 0 0,0 2 0,-1 0 0,1 3 0,-1 0 0,0 1 0,0 2 0,0 1 0,-1 1 0,0 2 0,-1 0 0,0 2 0,0 1 0,-1 1 0,-1 1 0,0 1 0,-1 1 0,-1 1 0,-1 1 0,0 1 0,-1 1 0,-1 1 0,-1 1 0,-1 0 0,-1 1 0,-1 1 0,-1 1 0,-1 0 0,-1 1 0,-1 1 0,-1 0 0,-2 0 0,0 1 0,-2 0 0,-1 1 0,-1 0 0,-2 0 0,-1 0 0,0 1 0,-3-1 0,0 1 0</inkml:trace>
 </inkml:ink>
 </file>
 
@@ -232,7 +233,7 @@
           <inkml:channelProperty channel="F" name="resolution" value="0" units="1/dev"/>
         </inkml:channelProperties>
       </inkml:inkSource>
-      <inkml:timestamp xml:id="ts0" timeString="2025-10-07T10:49:36.782"/>
+      <inkml:timestamp xml:id="ts0" timeString="2025-10-07T10:49:42.139"/>
     </inkml:context>
     <inkml:brush xml:id="br0">
       <inkml:brushProperty name="width" value="0.35" units="cm"/>
@@ -262,7 +263,7 @@
           <inkml:channelProperty channel="F" name="resolution" value="0" units="1/dev"/>
         </inkml:channelProperties>
       </inkml:inkSource>
-      <inkml:timestamp xml:id="ts0" timeString="2025-10-07T10:49:42.139"/>
+      <inkml:timestamp xml:id="ts0" timeString="2025-10-07T10:49:42.523"/>
     </inkml:context>
     <inkml:brush xml:id="br0">
       <inkml:brushProperty name="width" value="0.35" units="cm"/>
@@ -284,15 +285,13 @@
         <inkml:traceFormat>
           <inkml:channel name="X" type="integer" min="-2.14748E9" max="2.14748E9" units="cm"/>
           <inkml:channel name="Y" type="integer" min="-2.14748E9" max="2.14748E9" units="cm"/>
-          <inkml:channel name="F" type="integer" max="32767" units="dev"/>
         </inkml:traceFormat>
         <inkml:channelProperties>
           <inkml:channelProperty channel="X" name="resolution" value="1000" units="1/cm"/>
           <inkml:channelProperty channel="Y" name="resolution" value="1000" units="1/cm"/>
-          <inkml:channelProperty channel="F" name="resolution" value="0" units="1/dev"/>
         </inkml:channelProperties>
       </inkml:inkSource>
-      <inkml:timestamp xml:id="ts0" timeString="2025-10-07T10:49:42.523"/>
+      <inkml:timestamp xml:id="ts0" timeString="2025-10-07T10:51:46.317"/>
     </inkml:context>
     <inkml:brush xml:id="br0">
       <inkml:brushProperty name="width" value="0.35" units="cm"/>
@@ -302,7 +301,7 @@
       <inkml:brushProperty name="inkEffects" value="pencil"/>
     </inkml:brush>
   </inkml:definitions>
-  <inkml:trace contextRef="#ctx0" brushRef="#br0">1612 806 0,'-1'32'0,"0"-1"0,-3 1 0,0-1 0,-1 0 0,-2 0 0,-1 0 0,-1-1 0,-2 0 0,0-1 0,-2 0 0,-1 0 0,-1-1 0,-1-1 0,-1 0 0,-1-1 0,-1-1 0,-1-1 0,-1 0 0,-1-1 0,-1-1 0,-1-1 0,0-1 0,-1-1 0,-1-1 0,-1-1 0,0-1 0,-1-1 0,-1-1 0,0-1 0,0-2 0,-1 0 0,0-2 0,-1-1 0,0-1 0,0-2 0,0-1 0,-1 0 0,1-3 0,-1 0 0,0-2 0,1 0 0,-1-3 0,1 0 0,0-1 0,0-2 0,0-1 0,1-1 0,0-2 0,1 0 0,0-2 0,0-1 0,1-1 0,1-1 0,0-1 0,1-1 0,1-1 0,1-1 0,0-1 0,1-1 0,1-1 0,1-1 0,1 0 0,1-1 0,1-1 0,1-1 0,1 0 0,1-1 0,1-1 0,1 0 0,2 0 0,0-1 0,2 0 0,1-1 0,1 0 0,2 0 0,1 0 0,0-1 0,3 1 0,0-1 0,2 0 0,0 1 0,3-1 0,0 1 0,1 0 0,2 0 0,1 0 0,1 1 0,2 0 0,0 1 0,2 0 0,1 0 0,1 1 0,1 1 0,1 0 0,1 1 0,1 1 0,1 1 0,1 0 0,1 1 0,1 1 0,1 1 0,0 1 0,1 1 0,1 1 0,1 1 0,0 1 0,1 1 0,1 1 0,0 1 0,0 2 0,1 0 0,0 2 0,1 1 0,0 1 0,0 2 0,0 1 0,1 0 0,-1 3 0,1 0 0,0 2 0,-1 0 0,1 3 0,-1 0 0,0 1 0,0 2 0,0 1 0,-1 1 0,0 2 0,-1 0 0,0 2 0,0 1 0,-1 1 0,-1 1 0,0 1 0,-1 1 0,-1 1 0,-1 1 0,0 1 0,-1 1 0,-1 1 0,-1 1 0,-1 0 0,-1 1 0,-1 1 0,-1 1 0,-1 0 0,-1 1 0,-1 1 0,-1 0 0,-2 0 0,0 1 0,-2 0 0,-1 1 0,-1 0 0,-2 0 0,-1 0 0,0 1 0,-3-1 0,0 1 0</inkml:trace>
+  <inkml:trace contextRef="#ctx0" brushRef="#br0">1 591,'0'-4,"4"-6,15-2,18 2,10 3,11 2,12-3,4 1,-6 1,2-7,2-1,-2 1,1 4,0-2,-3 2,1-3,1 1,2-6,1-1,-2 4,4-1,2 2,5-1,3 2,4 3,-1-6,12-4,10 0,4 4,4 5,9-1,13-7,13-5,11-2,8 2,2 1,-8 4,3-3,4 1,7 5,20 5,12 3,5 0,0 0,-2 1,2 3,-2 1,-1 0,5 2,6 0,-6 0,0 1,-7-1,-5 0,-2 0,-10 1,-4-1,-7 0,-14 0,-18 0,-13 0,-18 0,-24 0,-24 0,-25 0</inkml:trace>
 </inkml:ink>
 </file>
 
@@ -320,7 +319,7 @@
           <inkml:channelProperty channel="Y" name="resolution" value="1000" units="1/cm"/>
         </inkml:channelProperties>
       </inkml:inkSource>
-      <inkml:timestamp xml:id="ts0" timeString="2025-10-07T10:53:34.283"/>
+      <inkml:timestamp xml:id="ts0" timeString="2025-10-07T10:51:49.051"/>
     </inkml:context>
     <inkml:brush xml:id="br0">
       <inkml:brushProperty name="width" value="0.35" units="cm"/>
@@ -330,7 +329,7 @@
       <inkml:brushProperty name="inkEffects" value="pencil"/>
     </inkml:brush>
   </inkml:definitions>
-  <inkml:trace contextRef="#ctx0" brushRef="#br0">0 287,'13'0,"18"0,16-5,9-1,8 1,2-4,7 0,0 1,1 3,0 1,-3 2,-5 2,-1-1,2 2,7-1,12 0,10 1,5-1,17 0,9 0,2 0,8 0,3 0,5 0,-2 0,6 0,-5-4,-1-2,-2-4,0 0,-6 1,-4 3,-12-3,-3 1,-5-3,-4 0,-2-2,3 1,0-1,-1 1,4-7,-5-3,-6 1,-17 5,-13 5,-15 4,-7 3,-12 3</inkml:trace>
+  <inkml:trace contextRef="#ctx0" brushRef="#br0">0 0,'5'5,"5"1,5 4,5 0,-1 3,1-1,5-2,3 1,6 4,0 3,1-2,1 2,0-3,2-4,-1 5,-2 0,-3-3,-7 1,-3-2,-1-4,0-2,-3 2,-1 3,2 1,1 2,2 3,-2 3,-6 3,-4 6,-4 2,-8 1,-8 7,-6 2,-5-1,-3 0,-2-6,3-5,2-6,0-9,3-1,-4 1,-3 3,-1 3,0-3,-1 1,0 2,5 1,-2 2,2 1,1-3,3-1,2-4,-2-5,3 1,-1 2,-7 7,-3 5,3 3,5-5</inkml:trace>
 </inkml:ink>
 </file>
 
@@ -348,7 +347,7 @@
           <inkml:channelProperty channel="Y" name="resolution" value="1000" units="1/cm"/>
         </inkml:channelProperties>
       </inkml:inkSource>
-      <inkml:timestamp xml:id="ts0" timeString="2025-10-07T10:53:35.660"/>
+      <inkml:timestamp xml:id="ts0" timeString="2025-10-07T10:51:51.621"/>
     </inkml:context>
     <inkml:brush xml:id="br0">
       <inkml:brushProperty name="width" value="0.35" units="cm"/>
@@ -358,7 +357,7 @@
       <inkml:brushProperty name="inkEffects" value="pencil"/>
     </inkml:brush>
   </inkml:definitions>
-  <inkml:trace contextRef="#ctx0" brushRef="#br0">1 0,'0'9,"8"3,13-1,10 2,5-1,9-2,15-3,9-3,3-2,1 3,-6 0,-3 5,-2-1,-4 0,-7-3,-8 2,-7 0,-9 7,-14 10,-14 18,-15 19,-9 13,-9 5,1-1,-2-1,4-9,3-4,3-4,0-4,1-11,4-5,5-5,6-5,4-6</inkml:trace>
+  <inkml:trace contextRef="#ctx0" brushRef="#br0">0 1,'9'4,"7"2,5 3,0 6,-1-1,2 3,1-3,1 2,5 1,2-1,13 1,30 1,37 7,39 8,42 2,41 5,28-1,18 2,6-2,1-3,-3-7,-16-5,-31 2,-29-2,-33-7,-28-5,-22 0,-18-3,-15-3,-1 3,2-1,3-2,2-2,3-1,10-1,8-2,2 0,-3 0,-3-1,-8 1,-4 0,-8 0,-5 0,-10-1,-5 1,2 0,2 0,0 0,4 1,2-1,0 0,-2-5,-2-5,-5-1,-7 1,-2-2,5-4,4-7,-7 0,-10 4,2 1,4-6,0 2,-2 5,-3 0,-3 4,-6-1,1-2,5-3,-3 2,-1-1,-1 3,-1 4,1 0,-5-3,-6-4,0 2,1-1,-2-2,-3 2,-3 0,-3 2,-3 5,-5-1,2 1,1-1,2-4,-1 1,0-2,5-2,1-3,-5 3</inkml:trace>
 </inkml:ink>
 </file>
 
@@ -376,7 +375,7 @@
           <inkml:channelProperty channel="Y" name="resolution" value="1000" units="1/cm"/>
         </inkml:channelProperties>
       </inkml:inkSource>
-      <inkml:timestamp xml:id="ts0" timeString="2025-10-07T10:53:37.742"/>
+      <inkml:timestamp xml:id="ts0" timeString="2025-10-07T10:51:53.460"/>
     </inkml:context>
     <inkml:brush xml:id="br0">
       <inkml:brushProperty name="width" value="0.35" units="cm"/>
@@ -386,7 +385,7 @@
       <inkml:brushProperty name="inkEffects" value="pencil"/>
     </inkml:brush>
   </inkml:definitions>
-  <inkml:trace contextRef="#ctx0" brushRef="#br0">1 0,'4'5,"15"9,17 25,16 23,16 14,14 11,19 14,15 10,13 5,11 3,8 0,5-8,-6-9,-2-5,-4-10,9-2,6 1,-3-4,8-9,3-2,0-1,-3-4,3 1,-1-3,-10-3,-1-4,-9-2,-15-3,-17-5,-5-6,-12-2,-9-2,-10-4,-9 1,-3-5,-4 2,-2-1,-3-1,-1 0,-6-2,-11-5</inkml:trace>
+  <inkml:trace contextRef="#ctx0" brushRef="#br0">12 1,'-4'0,"-2"4,5 2,2 4,6 0,10 3,6 8,5 0,1-3,8-5,4-4,6 4,1 1,0-2,-3-4,-1-2,-3 1,4 0,-1-1,0-2,-2-2,0 4,-3 0,6 0,-1-2,-8 4,-10 3,-10 15,-6 14,-7 11,-2 4,-2 6,-1 2,0-1,-4-3,-1-7,0-8,2-7,2-1,1 2,-3-1,-2 6,2 1,1-4,1-8</inkml:trace>
 </inkml:ink>
 </file>
 
@@ -404,7 +403,7 @@
           <inkml:channelProperty channel="Y" name="resolution" value="1000" units="1/cm"/>
         </inkml:channelProperties>
       </inkml:inkSource>
-      <inkml:timestamp xml:id="ts0" timeString="2025-10-07T10:53:38.947"/>
+      <inkml:timestamp xml:id="ts0" timeString="2025-10-07T10:52:03.388"/>
     </inkml:context>
     <inkml:brush xml:id="br0">
       <inkml:brushProperty name="width" value="0.35" units="cm"/>
@@ -414,7 +413,7 @@
       <inkml:brushProperty name="inkEffects" value="pencil"/>
     </inkml:brush>
   </inkml:definitions>
-  <inkml:trace contextRef="#ctx0" brushRef="#br0">361 0,'8'5,"13"18,23 19,18 10,20 11,5 2,-3-10,-4-4,-11-13,-12-7,-7-5,-13-2,-12 3,-19 10,-24-1,-35 6,-26 6,-25 6,-13-1,-9 4,1-4,-1-10,12-9,22-1,21-7,24-6</inkml:trace>
+  <inkml:trace contextRef="#ctx0" brushRef="#br0">0 1,'4'4,"6"6,6 2,13 2,10 0,12-3,10-4,12-2,16-3,14-1,16-1,5 0,4-1,-3 0,-1 1,-4 0,-9-1,-11 1,-13 0,-13 0,-14 0,-10 0,-3 0,-2 0,0 0,-2 0,-5 0,0 0,-2 0,1 0,4 0,3 0,-6 0</inkml:trace>
 </inkml:ink>
 </file>
 
@@ -432,7 +431,7 @@
           <inkml:channelProperty channel="Y" name="resolution" value="1000" units="1/cm"/>
         </inkml:channelProperties>
       </inkml:inkSource>
-      <inkml:timestamp xml:id="ts0" timeString="2025-10-07T10:53:42.003"/>
+      <inkml:timestamp xml:id="ts0" timeString="2025-10-07T10:52:04.723"/>
     </inkml:context>
     <inkml:brush xml:id="br0">
       <inkml:brushProperty name="width" value="0.35" units="cm"/>
@@ -442,7 +441,7 @@
       <inkml:brushProperty name="inkEffects" value="pencil"/>
     </inkml:brush>
   </inkml:definitions>
-  <inkml:trace contextRef="#ctx0" brushRef="#br0">1204 28,'-4'0,"-11"0,-15 0,-12 0,-11 0,-6 0,-1 0,-4 0,-4 0,5 0,5 0,8 0,-1 0,-1 0,1 0,-5 0,3 0,2 0,4 0,7 0,6 0,4-5,2 0,3-1,0 1,1 2,-1 1,0 1,5 1</inkml:trace>
+  <inkml:trace contextRef="#ctx0" brushRef="#br0">11 0,'-5'0,"0"5,8 5,13 10,8 6,21 12,17 3,11 0,-3-8,-1-9,2 0,2 0,-3-3,-5-7,-13 5,-16 2,-13 7,-12 3,-15 9,-16 7,-19 3,-14 8,-8 6,-6 5,3-4,13-10,16-13</inkml:trace>
 </inkml:ink>
 </file>
 
@@ -460,7 +459,7 @@
           <inkml:channelProperty channel="Y" name="resolution" value="1000" units="1/cm"/>
         </inkml:channelProperties>
       </inkml:inkSource>
-      <inkml:timestamp xml:id="ts0" timeString="2025-10-07T10:53:43.140"/>
+      <inkml:timestamp xml:id="ts0" timeString="2025-10-07T10:52:06.291"/>
     </inkml:context>
     <inkml:brush xml:id="br0">
       <inkml:brushProperty name="width" value="0.35" units="cm"/>
@@ -470,7 +469,7 @@
       <inkml:brushProperty name="inkEffects" value="pencil"/>
     </inkml:brush>
   </inkml:definitions>
-  <inkml:trace contextRef="#ctx0" brushRef="#br0">885 0,'-5'4,"-13"7,-14 4,-10 14,-10 10,-6 3,3-1,3-3,4-4,3-4,5-1,-1-3,8 0,4-6,-1-5,0 3,1-1,1-4,1 0,-4 3,-6 2,5 3,2-2,2-4,6 4,12 11,15 15,16 7,18 4,19 10,9 3,1-2,7 0,0-6,-1 4,1-9,-8-6,-11-11,-11-8,-13-9</inkml:trace>
+  <inkml:trace contextRef="#ctx0" brushRef="#br0">0 1,'4'4,"15"6,13 2,5-2,0-3,8 3,0-1,-3-2,4 2,4-1,1 4,-3-1,-2-3,1-2,5 3,-1-2,3 0,5 1,7 1,0-2,6-2,4-1,7-3,2 0,5-1,-1 0,-7-1,-8 1,-12 0,-13 0,-10-1,-7 1,-5 0,-2 0,-2 0,0 0,1 0,0 0,9 0,4 0,-1 0,3 0,3 0,-1 0,1 0,-2 0,1-4,2-2,-2 0,-3 2,-8 1</inkml:trace>
 </inkml:ink>
 </file>
 
@@ -516,6 +515,34 @@
           <inkml:channelProperty channel="Y" name="resolution" value="1000" units="1/cm"/>
         </inkml:channelProperties>
       </inkml:inkSource>
+      <inkml:timestamp xml:id="ts0" timeString="2025-10-07T10:52:08.155"/>
+    </inkml:context>
+    <inkml:brush xml:id="br0">
+      <inkml:brushProperty name="width" value="0.35" units="cm"/>
+      <inkml:brushProperty name="height" value="2.1" units="cm"/>
+      <inkml:brushProperty name="color" value="#FFFFFF"/>
+      <inkml:brushProperty name="ignorePressure" value="1"/>
+      <inkml:brushProperty name="inkEffects" value="pencil"/>
+    </inkml:brush>
+  </inkml:definitions>
+  <inkml:trace contextRef="#ctx0" brushRef="#br0">0 0,'5'0,"9"0,7 5,5 1,6 8,2 2,0 3,3-3,-1 6,-2 3,2-3,4-1,-1 1,-3 0,2 2,2-4,4-1,-1 1,-4-3,-9 0,-9 6,-8 3,-6 15,-9 22,-4 9,-6 5,-9 4,-1-9,-1-12,-1-7,3-9,6-6,0-3,-1-1,-2-3,-3-3,3 4,-1 0,0-1,2-1,4 2,0 1,-2-1,-3-2,2-1,3-6</inkml:trace>
+</inkml:ink>
+</file>
+
+<file path=ppt/ink/ink111.xml><?xml version="1.0" encoding="utf-8"?>
+<inkml:ink xmlns:inkml="http://www.w3.org/2003/InkML">
+  <inkml:definitions>
+    <inkml:context xml:id="ctx0">
+      <inkml:inkSource xml:id="inkSrc0">
+        <inkml:traceFormat>
+          <inkml:channel name="X" type="integer" min="-2.14748E9" max="2.14748E9" units="cm"/>
+          <inkml:channel name="Y" type="integer" min="-2.14748E9" max="2.14748E9" units="cm"/>
+        </inkml:traceFormat>
+        <inkml:channelProperties>
+          <inkml:channelProperty channel="X" name="resolution" value="1000" units="1/cm"/>
+          <inkml:channelProperty channel="Y" name="resolution" value="1000" units="1/cm"/>
+        </inkml:channelProperties>
+      </inkml:inkSource>
       <inkml:timestamp xml:id="ts0" timeString="2025-10-07T10:04:20.885"/>
     </inkml:context>
     <inkml:brush xml:id="br0">
@@ -530,7 +557,7 @@
 </inkml:ink>
 </file>
 
-<file path=ppt/ink/ink111.xml><?xml version="1.0" encoding="utf-8"?>
+<file path=ppt/ink/ink112.xml><?xml version="1.0" encoding="utf-8"?>
 <inkml:ink xmlns:inkml="http://www.w3.org/2003/InkML">
   <inkml:definitions>
     <inkml:context xml:id="ctx0">
@@ -560,7 +587,7 @@
 </inkml:ink>
 </file>
 
-<file path=ppt/ink/ink112.xml><?xml version="1.0" encoding="utf-8"?>
+<file path=ppt/ink/ink113.xml><?xml version="1.0" encoding="utf-8"?>
 <inkml:ink xmlns:inkml="http://www.w3.org/2003/InkML">
   <inkml:definitions>
     <inkml:context xml:id="ctx0">
@@ -590,7 +617,7 @@
 </inkml:ink>
 </file>
 
-<file path=ppt/ink/ink113.xml><?xml version="1.0" encoding="utf-8"?>
+<file path=ppt/ink/ink114.xml><?xml version="1.0" encoding="utf-8"?>
 <inkml:ink xmlns:inkml="http://www.w3.org/2003/InkML">
   <inkml:definitions>
     <inkml:context xml:id="ctx0">
@@ -620,7 +647,7 @@
 </inkml:ink>
 </file>
 
-<file path=ppt/ink/ink114.xml><?xml version="1.0" encoding="utf-8"?>
+<file path=ppt/ink/ink115.xml><?xml version="1.0" encoding="utf-8"?>
 <inkml:ink xmlns:inkml="http://www.w3.org/2003/InkML">
   <inkml:definitions>
     <inkml:context xml:id="ctx0">
@@ -650,7 +677,7 @@
 </inkml:ink>
 </file>
 
-<file path=ppt/ink/ink115.xml><?xml version="1.0" encoding="utf-8"?>
+<file path=ppt/ink/ink116.xml><?xml version="1.0" encoding="utf-8"?>
 <inkml:ink xmlns:inkml="http://www.w3.org/2003/InkML">
   <inkml:definitions>
     <inkml:context xml:id="ctx0">
@@ -680,7 +707,7 @@
 </inkml:ink>
 </file>
 
-<file path=ppt/ink/ink116.xml><?xml version="1.0" encoding="utf-8"?>
+<file path=ppt/ink/ink117.xml><?xml version="1.0" encoding="utf-8"?>
 <inkml:ink xmlns:inkml="http://www.w3.org/2003/InkML">
   <inkml:definitions>
     <inkml:context xml:id="ctx0">
@@ -710,7 +737,7 @@
 </inkml:ink>
 </file>
 
-<file path=ppt/ink/ink117.xml><?xml version="1.0" encoding="utf-8"?>
+<file path=ppt/ink/ink118.xml><?xml version="1.0" encoding="utf-8"?>
 <inkml:ink xmlns:inkml="http://www.w3.org/2003/InkML">
   <inkml:definitions>
     <inkml:context xml:id="ctx0">
@@ -738,7 +765,7 @@
 </inkml:ink>
 </file>
 
-<file path=ppt/ink/ink118.xml><?xml version="1.0" encoding="utf-8"?>
+<file path=ppt/ink/ink119.xml><?xml version="1.0" encoding="utf-8"?>
 <inkml:ink xmlns:inkml="http://www.w3.org/2003/InkML">
   <inkml:definitions>
     <inkml:context xml:id="ctx0">
@@ -765,36 +792,6 @@
     </inkml:brush>
   </inkml:definitions>
   <inkml:trace contextRef="#ctx0" brushRef="#br0">0 0 0,'3902'27'0</inkml:trace>
-</inkml:ink>
-</file>
-
-<file path=ppt/ink/ink119.xml><?xml version="1.0" encoding="utf-8"?>
-<inkml:ink xmlns:inkml="http://www.w3.org/2003/InkML">
-  <inkml:definitions>
-    <inkml:context xml:id="ctx0">
-      <inkml:inkSource xml:id="inkSrc0">
-        <inkml:traceFormat>
-          <inkml:channel name="X" type="integer" min="-2.14748E9" max="2.14748E9" units="cm"/>
-          <inkml:channel name="Y" type="integer" min="-2.14748E9" max="2.14748E9" units="cm"/>
-          <inkml:channel name="F" type="integer" max="32767" units="dev"/>
-        </inkml:traceFormat>
-        <inkml:channelProperties>
-          <inkml:channelProperty channel="X" name="resolution" value="1000" units="1/cm"/>
-          <inkml:channelProperty channel="Y" name="resolution" value="1000" units="1/cm"/>
-          <inkml:channelProperty channel="F" name="resolution" value="0" units="1/dev"/>
-        </inkml:channelProperties>
-      </inkml:inkSource>
-      <inkml:timestamp xml:id="ts0" timeString="2025-10-07T10:06:39.058"/>
-    </inkml:context>
-    <inkml:brush xml:id="br0">
-      <inkml:brushProperty name="width" value="0.35" units="cm"/>
-      <inkml:brushProperty name="height" value="2.1" units="cm"/>
-      <inkml:brushProperty name="color" value="#FFFFFF"/>
-      <inkml:brushProperty name="ignorePressure" value="1"/>
-      <inkml:brushProperty name="inkEffects" value="pencil"/>
-    </inkml:brush>
-  </inkml:definitions>
-  <inkml:trace contextRef="#ctx0" brushRef="#br0">0 0 0,'3981'26'0</inkml:trace>
 </inkml:ink>
 </file>
 
@@ -842,6 +839,36 @@
           <inkml:channelProperty channel="F" name="resolution" value="0" units="1/dev"/>
         </inkml:channelProperties>
       </inkml:inkSource>
+      <inkml:timestamp xml:id="ts0" timeString="2025-10-07T10:06:39.058"/>
+    </inkml:context>
+    <inkml:brush xml:id="br0">
+      <inkml:brushProperty name="width" value="0.35" units="cm"/>
+      <inkml:brushProperty name="height" value="2.1" units="cm"/>
+      <inkml:brushProperty name="color" value="#FFFFFF"/>
+      <inkml:brushProperty name="ignorePressure" value="1"/>
+      <inkml:brushProperty name="inkEffects" value="pencil"/>
+    </inkml:brush>
+  </inkml:definitions>
+  <inkml:trace contextRef="#ctx0" brushRef="#br0">0 0 0,'3981'26'0</inkml:trace>
+</inkml:ink>
+</file>
+
+<file path=ppt/ink/ink121.xml><?xml version="1.0" encoding="utf-8"?>
+<inkml:ink xmlns:inkml="http://www.w3.org/2003/InkML">
+  <inkml:definitions>
+    <inkml:context xml:id="ctx0">
+      <inkml:inkSource xml:id="inkSrc0">
+        <inkml:traceFormat>
+          <inkml:channel name="X" type="integer" min="-2.14748E9" max="2.14748E9" units="cm"/>
+          <inkml:channel name="Y" type="integer" min="-2.14748E9" max="2.14748E9" units="cm"/>
+          <inkml:channel name="F" type="integer" max="32767" units="dev"/>
+        </inkml:traceFormat>
+        <inkml:channelProperties>
+          <inkml:channelProperty channel="X" name="resolution" value="1000" units="1/cm"/>
+          <inkml:channelProperty channel="Y" name="resolution" value="1000" units="1/cm"/>
+          <inkml:channelProperty channel="F" name="resolution" value="0" units="1/dev"/>
+        </inkml:channelProperties>
+      </inkml:inkSource>
       <inkml:timestamp xml:id="ts0" timeString="2025-10-07T10:06:42.387"/>
     </inkml:context>
     <inkml:brush xml:id="br0">
@@ -856,7 +883,7 @@
 </inkml:ink>
 </file>
 
-<file path=ppt/ink/ink121.xml><?xml version="1.0" encoding="utf-8"?>
+<file path=ppt/ink/ink122.xml><?xml version="1.0" encoding="utf-8"?>
 <inkml:ink xmlns:inkml="http://www.w3.org/2003/InkML">
   <inkml:definitions>
     <inkml:context xml:id="ctx0">
@@ -886,7 +913,7 @@
 </inkml:ink>
 </file>
 
-<file path=ppt/ink/ink122.xml><?xml version="1.0" encoding="utf-8"?>
+<file path=ppt/ink/ink123.xml><?xml version="1.0" encoding="utf-8"?>
 <inkml:ink xmlns:inkml="http://www.w3.org/2003/InkML">
   <inkml:definitions>
     <inkml:context xml:id="ctx0">
@@ -916,7 +943,7 @@
 </inkml:ink>
 </file>
 
-<file path=ppt/ink/ink123.xml><?xml version="1.0" encoding="utf-8"?>
+<file path=ppt/ink/ink124.xml><?xml version="1.0" encoding="utf-8"?>
 <inkml:ink xmlns:inkml="http://www.w3.org/2003/InkML">
   <inkml:definitions>
     <inkml:context xml:id="ctx0">
@@ -944,7 +971,7 @@
 </inkml:ink>
 </file>
 
-<file path=ppt/ink/ink124.xml><?xml version="1.0" encoding="utf-8"?>
+<file path=ppt/ink/ink125.xml><?xml version="1.0" encoding="utf-8"?>
 <inkml:ink xmlns:inkml="http://www.w3.org/2003/InkML">
   <inkml:definitions>
     <inkml:context xml:id="ctx0">
@@ -974,7 +1001,7 @@
 </inkml:ink>
 </file>
 
-<file path=ppt/ink/ink125.xml><?xml version="1.0" encoding="utf-8"?>
+<file path=ppt/ink/ink126.xml><?xml version="1.0" encoding="utf-8"?>
 <inkml:ink xmlns:inkml="http://www.w3.org/2003/InkML">
   <inkml:definitions>
     <inkml:context xml:id="ctx0">
@@ -1004,7 +1031,7 @@
 </inkml:ink>
 </file>
 
-<file path=ppt/ink/ink126.xml><?xml version="1.0" encoding="utf-8"?>
+<file path=ppt/ink/ink127.xml><?xml version="1.0" encoding="utf-8"?>
 <inkml:ink xmlns:inkml="http://www.w3.org/2003/InkML">
   <inkml:definitions>
     <inkml:context xml:id="ctx0">
@@ -1034,7 +1061,7 @@
 </inkml:ink>
 </file>
 
-<file path=ppt/ink/ink127.xml><?xml version="1.0" encoding="utf-8"?>
+<file path=ppt/ink/ink128.xml><?xml version="1.0" encoding="utf-8"?>
 <inkml:ink xmlns:inkml="http://www.w3.org/2003/InkML">
   <inkml:definitions>
     <inkml:context xml:id="ctx0">
@@ -1064,7 +1091,7 @@
 </inkml:ink>
 </file>
 
-<file path=ppt/ink/ink128.xml><?xml version="1.0" encoding="utf-8"?>
+<file path=ppt/ink/ink129.xml><?xml version="1.0" encoding="utf-8"?>
 <inkml:ink xmlns:inkml="http://www.w3.org/2003/InkML">
   <inkml:definitions>
     <inkml:context xml:id="ctx0">
@@ -1091,36 +1118,6 @@
     </inkml:brush>
   </inkml:definitions>
   <inkml:trace contextRef="#ctx0" brushRef="#br0">4116 2058 0,'-2'81'0,"-2"-1"0,-4 1 0,-3-1 0,-4-1 0,-2 0 0,-3 0 0,-4-2 0,-2-1 0,-4 0 0,-2-2 0,-3-2 0,-3 0 0,-3-3 0,-3-1 0,-2-1 0,-3-3 0,-2-1 0,-3-3 0,-2-2 0,-2-2 0,-2-2 0,-3-3 0,-1-2 0,-3-3 0,-1-2 0,-1-3 0,-3-3 0,0-3 0,-2-3 0,-2-2 0,0-4 0,-1-2 0,-2-4 0,0-3 0,0-2 0,-1-4 0,-1-3 0,1-4 0,-1-2 0,0-4 0,1-2 0,-1-4 0,1-3 0,1-4 0,0-2 0,0-3 0,2-4 0,1-2 0,0-4 0,2-2 0,2-3 0,0-3 0,3-3 0,1-3 0,1-2 0,3-3 0,1-2 0,3-3 0,2-2 0,2-2 0,2-2 0,3-3 0,2-1 0,3-3 0,2-1 0,3-1 0,3-3 0,3 0 0,3-2 0,2-2 0,4 0 0,2-1 0,4-2 0,3 0 0,2 0 0,4-1 0,3-1 0,4 1 0,2-1 0,4 0 0,2 1 0,4-1 0,3 1 0,4 1 0,2 0 0,3 0 0,4 2 0,2 1 0,4 0 0,2 2 0,3 2 0,3 0 0,3 3 0,3 1 0,2 1 0,3 3 0,2 1 0,3 3 0,2 2 0,2 2 0,2 2 0,3 3 0,1 2 0,3 3 0,1 2 0,1 3 0,3 3 0,0 3 0,2 3 0,2 2 0,0 4 0,1 2 0,2 4 0,0 3 0,0 2 0,1 4 0,1 3 0,-1 4 0,1 2 0,0 4 0,-1 2 0,1 4 0,-1 3 0,-1 4 0,0 2 0,0 3 0,-2 4 0,-1 2 0,0 4 0,-2 2 0,-2 3 0,0 3 0,-3 3 0,-1 3 0,-1 2 0,-3 3 0,-1 2 0,-3 3 0,-2 2 0,-2 2 0,-2 2 0,-3 3 0,-2 1 0,-3 3 0,-2 1 0,-3 1 0,-3 3 0,-3 0 0,-3 2 0,-2 2 0,-4 0 0,-2 1 0,-4 2 0,-3 0 0,-2 0 0,-4 1 0,-3 1 0,-4-1 0,-2 1 0</inkml:trace>
-</inkml:ink>
-</file>
-
-<file path=ppt/ink/ink129.xml><?xml version="1.0" encoding="utf-8"?>
-<inkml:ink xmlns:inkml="http://www.w3.org/2003/InkML">
-  <inkml:definitions>
-    <inkml:context xml:id="ctx0">
-      <inkml:inkSource xml:id="inkSrc0">
-        <inkml:traceFormat>
-          <inkml:channel name="X" type="integer" min="-2.14748E9" max="2.14748E9" units="cm"/>
-          <inkml:channel name="Y" type="integer" min="-2.14748E9" max="2.14748E9" units="cm"/>
-          <inkml:channel name="F" type="integer" max="32767" units="dev"/>
-        </inkml:traceFormat>
-        <inkml:channelProperties>
-          <inkml:channelProperty channel="X" name="resolution" value="1000" units="1/cm"/>
-          <inkml:channelProperty channel="Y" name="resolution" value="1000" units="1/cm"/>
-          <inkml:channelProperty channel="F" name="resolution" value="0" units="1/dev"/>
-        </inkml:channelProperties>
-      </inkml:inkSource>
-      <inkml:timestamp xml:id="ts0" timeString="2025-10-07T10:49:36.782"/>
-    </inkml:context>
-    <inkml:brush xml:id="br0">
-      <inkml:brushProperty name="width" value="0.35" units="cm"/>
-      <inkml:brushProperty name="height" value="2.1" units="cm"/>
-      <inkml:brushProperty name="color" value="#FFFFFF"/>
-      <inkml:brushProperty name="ignorePressure" value="1"/>
-      <inkml:brushProperty name="inkEffects" value="pencil"/>
-    </inkml:brush>
-  </inkml:definitions>
-  <inkml:trace contextRef="#ctx0" brushRef="#br0">1612 806 0,'-1'32'0,"0"-1"0,-3 1 0,0-1 0,-1 0 0,-2 0 0,-1 0 0,-1-1 0,-2 0 0,0-1 0,-2 0 0,-1 0 0,-1-1 0,-1-1 0,-1 0 0,-1-1 0,-1-1 0,-1-1 0,-1 0 0,-1-1 0,-1-1 0,-1-1 0,0-1 0,-1-1 0,-1-1 0,-1-1 0,0-1 0,-1-1 0,-1-1 0,0-1 0,0-2 0,-1 0 0,0-2 0,-1-1 0,0-1 0,0-2 0,0-1 0,-1 0 0,1-3 0,-1 0 0,0-2 0,1 0 0,-1-3 0,1 0 0,0-1 0,0-2 0,0-1 0,1-1 0,0-2 0,1 0 0,0-2 0,0-1 0,1-1 0,1-1 0,0-1 0,1-1 0,1-1 0,1-1 0,0-1 0,1-1 0,1-1 0,1-1 0,1 0 0,1-1 0,1-1 0,1-1 0,1 0 0,1-1 0,1-1 0,1 0 0,2 0 0,0-1 0,2 0 0,1-1 0,1 0 0,2 0 0,1 0 0,0-1 0,3 1 0,0-1 0,2 0 0,0 1 0,3-1 0,0 1 0,1 0 0,2 0 0,1 0 0,1 1 0,2 0 0,0 1 0,2 0 0,1 0 0,1 1 0,1 1 0,1 0 0,1 1 0,1 1 0,1 1 0,1 0 0,1 1 0,1 1 0,1 1 0,0 1 0,1 1 0,1 1 0,1 1 0,0 1 0,1 1 0,1 1 0,0 1 0,0 2 0,1 0 0,0 2 0,1 1 0,0 1 0,0 2 0,0 1 0,1 0 0,-1 3 0,1 0 0,0 2 0,-1 0 0,1 3 0,-1 0 0,0 1 0,0 2 0,0 1 0,-1 1 0,0 2 0,-1 0 0,0 2 0,0 1 0,-1 1 0,-1 1 0,0 1 0,-1 1 0,-1 1 0,-1 1 0,0 1 0,-1 1 0,-1 1 0,-1 1 0,-1 0 0,-1 1 0,-1 1 0,-1 1 0,-1 0 0,-1 1 0,-1 1 0,-1 0 0,-2 0 0,0 1 0,-2 0 0,-1 1 0,-1 0 0,-2 0 0,-1 0 0,0 1 0,-3-1 0,0 1 0</inkml:trace>
 </inkml:ink>
 </file>
 
@@ -1168,7 +1165,7 @@
           <inkml:channelProperty channel="F" name="resolution" value="0" units="1/dev"/>
         </inkml:channelProperties>
       </inkml:inkSource>
-      <inkml:timestamp xml:id="ts0" timeString="2025-10-07T10:49:42.139"/>
+      <inkml:timestamp xml:id="ts0" timeString="2025-10-07T10:49:36.782"/>
     </inkml:context>
     <inkml:brush xml:id="br0">
       <inkml:brushProperty name="width" value="0.35" units="cm"/>
@@ -1198,7 +1195,7 @@
           <inkml:channelProperty channel="F" name="resolution" value="0" units="1/dev"/>
         </inkml:channelProperties>
       </inkml:inkSource>
-      <inkml:timestamp xml:id="ts0" timeString="2025-10-07T10:49:42.523"/>
+      <inkml:timestamp xml:id="ts0" timeString="2025-10-07T10:49:42.139"/>
     </inkml:context>
     <inkml:brush xml:id="br0">
       <inkml:brushProperty name="width" value="0.35" units="cm"/>
@@ -1220,13 +1217,15 @@
         <inkml:traceFormat>
           <inkml:channel name="X" type="integer" min="-2.14748E9" max="2.14748E9" units="cm"/>
           <inkml:channel name="Y" type="integer" min="-2.14748E9" max="2.14748E9" units="cm"/>
+          <inkml:channel name="F" type="integer" max="32767" units="dev"/>
         </inkml:traceFormat>
         <inkml:channelProperties>
           <inkml:channelProperty channel="X" name="resolution" value="1000" units="1/cm"/>
           <inkml:channelProperty channel="Y" name="resolution" value="1000" units="1/cm"/>
+          <inkml:channelProperty channel="F" name="resolution" value="0" units="1/dev"/>
         </inkml:channelProperties>
       </inkml:inkSource>
-      <inkml:timestamp xml:id="ts0" timeString="2025-10-07T10:54:32.804"/>
+      <inkml:timestamp xml:id="ts0" timeString="2025-10-07T10:49:42.523"/>
     </inkml:context>
     <inkml:brush xml:id="br0">
       <inkml:brushProperty name="width" value="0.35" units="cm"/>
@@ -1236,7 +1235,7 @@
       <inkml:brushProperty name="inkEffects" value="pencil"/>
     </inkml:brush>
   </inkml:definitions>
-  <inkml:trace contextRef="#ctx0" brushRef="#br0">1 519,'9'0,"11"0,7 0,7 0,12 0,10 0,18-9,27-2,27-9,21-5,22 2,15-4,8 2,-8-2,-10-2,-3 4,-1 2,-4 1,0-5,3-2,1 4,8 1,3 2,6-6,-4-1,-2 3,-6 7,-7 7,-3 4,-2 5,5 2,4 2,8 0,7 0,7 0,5 0,11 0,15-1,6 0,13 0,3 0,-6 0,-9 0,4 0,0 0,-9 0,-5 0,4 0,-8 0,-4 0,-19 0,-12 0,-15 0,-11 0,-14 0,-20 0,-22 0,-19 0,-20 0,-17 0,-16 0</inkml:trace>
+  <inkml:trace contextRef="#ctx0" brushRef="#br0">1612 806 0,'-1'32'0,"0"-1"0,-3 1 0,0-1 0,-1 0 0,-2 0 0,-1 0 0,-1-1 0,-2 0 0,0-1 0,-2 0 0,-1 0 0,-1-1 0,-1-1 0,-1 0 0,-1-1 0,-1-1 0,-1-1 0,-1 0 0,-1-1 0,-1-1 0,-1-1 0,0-1 0,-1-1 0,-1-1 0,-1-1 0,0-1 0,-1-1 0,-1-1 0,0-1 0,0-2 0,-1 0 0,0-2 0,-1-1 0,0-1 0,0-2 0,0-1 0,-1 0 0,1-3 0,-1 0 0,0-2 0,1 0 0,-1-3 0,1 0 0,0-1 0,0-2 0,0-1 0,1-1 0,0-2 0,1 0 0,0-2 0,0-1 0,1-1 0,1-1 0,0-1 0,1-1 0,1-1 0,1-1 0,0-1 0,1-1 0,1-1 0,1-1 0,1 0 0,1-1 0,1-1 0,1-1 0,1 0 0,1-1 0,1-1 0,1 0 0,2 0 0,0-1 0,2 0 0,1-1 0,1 0 0,2 0 0,1 0 0,0-1 0,3 1 0,0-1 0,2 0 0,0 1 0,3-1 0,0 1 0,1 0 0,2 0 0,1 0 0,1 1 0,2 0 0,0 1 0,2 0 0,1 0 0,1 1 0,1 1 0,1 0 0,1 1 0,1 1 0,1 1 0,1 0 0,1 1 0,1 1 0,1 1 0,0 1 0,1 1 0,1 1 0,1 1 0,0 1 0,1 1 0,1 1 0,0 1 0,0 2 0,1 0 0,0 2 0,1 1 0,0 1 0,0 2 0,0 1 0,1 0 0,-1 3 0,1 0 0,0 2 0,-1 0 0,1 3 0,-1 0 0,0 1 0,0 2 0,0 1 0,-1 1 0,0 2 0,-1 0 0,0 2 0,0 1 0,-1 1 0,-1 1 0,0 1 0,-1 1 0,-1 1 0,-1 1 0,0 1 0,-1 1 0,-1 1 0,-1 1 0,-1 0 0,-1 1 0,-1 1 0,-1 1 0,-1 0 0,-1 1 0,-1 1 0,-1 0 0,-2 0 0,0 1 0,-2 0 0,-1 1 0,-1 0 0,-2 0 0,-1 0 0,0 1 0,-3-1 0,0 1 0</inkml:trace>
 </inkml:ink>
 </file>
 
@@ -1254,7 +1253,7 @@
           <inkml:channelProperty channel="Y" name="resolution" value="1000" units="1/cm"/>
         </inkml:channelProperties>
       </inkml:inkSource>
-      <inkml:timestamp xml:id="ts0" timeString="2025-10-07T10:54:34.123"/>
+      <inkml:timestamp xml:id="ts0" timeString="2025-10-07T10:53:34.283"/>
     </inkml:context>
     <inkml:brush xml:id="br0">
       <inkml:brushProperty name="width" value="0.35" units="cm"/>
@@ -1264,7 +1263,7 @@
       <inkml:brushProperty name="inkEffects" value="pencil"/>
     </inkml:brush>
   </inkml:definitions>
-  <inkml:trace contextRef="#ctx0" brushRef="#br0">271 0,'-4'0,"-2"4,0 11,11 2,12 7,12 8,15 4,12-1,10 3,7-1,5-2,-4-3,-4-7,-10-3,-16-1,-15 9,-16 8,-38 15,-27 7,-26 11,-18 15,-14 11,-6 10,8-4,5 2,16-12,9-9,19-19</inkml:trace>
+  <inkml:trace contextRef="#ctx0" brushRef="#br0">0 287,'13'0,"18"0,16-5,9-1,8 1,2-4,7 0,0 1,1 3,0 1,-3 2,-5 2,-1-1,2 2,7-1,12 0,10 1,5-1,17 0,9 0,2 0,8 0,3 0,5 0,-2 0,6 0,-5-4,-1-2,-2-4,0 0,-6 1,-4 3,-12-3,-3 1,-5-3,-4 0,-2-2,3 1,0-1,-1 1,4-7,-5-3,-6 1,-17 5,-13 5,-15 4,-7 3,-12 3</inkml:trace>
 </inkml:ink>
 </file>
 
@@ -1282,7 +1281,7 @@
           <inkml:channelProperty channel="Y" name="resolution" value="1000" units="1/cm"/>
         </inkml:channelProperties>
       </inkml:inkSource>
-      <inkml:timestamp xml:id="ts0" timeString="2025-10-07T10:54:37.772"/>
+      <inkml:timestamp xml:id="ts0" timeString="2025-10-07T10:53:35.660"/>
     </inkml:context>
     <inkml:brush xml:id="br0">
       <inkml:brushProperty name="width" value="0.35" units="cm"/>
@@ -1292,7 +1291,7 @@
       <inkml:brushProperty name="inkEffects" value="pencil"/>
     </inkml:brush>
   </inkml:definitions>
-  <inkml:trace contextRef="#ctx0" brushRef="#br0">1 3567,'4'0,"19"0,10 0,17 0,17 0,24 0,9 0,9-8,0-8,-1-6,24-11,16-5,13-5,10-8,11 1,9 3,16 2,-1 4,4 1,-9-3,-15-2,-9-6,-14 0,-7-7,-13-8,-14-1,-7-7,-10 1,-4-5,-10 6,-10 3,-6 8,1 2,-11 11,-3 0,-1 5,-3 4,-4 1,1 6,12 0,10-7,22-6,10 0,16-1,16-10,-4 5,-5 2,-12-4,-11 3,-4 1,-15 5,-17 5,-12 9,-10 2,-10 0,-9 6,-6 2,-5-1,-7 0,2 3,0 1,2-2,1-2,17-10,6-5,4-8,5 2,-2 5,2-10,0 4,3 1,-4 2,-4 4,3 4,1-1,-1 0,-2 1,4-1,0 3,0-5,-2-2,-2 1,4-1,-5 0,-1 3,-2 3,-9 1,-3 3,6 1,-1 0,-4 1,2 0,-8-1,-4 1,-3-4,-2 2,-4 1,2 2,-1 4</inkml:trace>
+  <inkml:trace contextRef="#ctx0" brushRef="#br0">1 0,'0'9,"8"3,13-1,10 2,5-1,9-2,15-3,9-3,3-2,1 3,-6 0,-3 5,-2-1,-4 0,-7-3,-8 2,-7 0,-9 7,-14 10,-14 18,-15 19,-9 13,-9 5,1-1,-2-1,4-9,3-4,3-4,0-4,1-11,4-5,5-5,6-5,4-6</inkml:trace>
 </inkml:ink>
 </file>
 
@@ -1310,7 +1309,7 @@
           <inkml:channelProperty channel="Y" name="resolution" value="1000" units="1/cm"/>
         </inkml:channelProperties>
       </inkml:inkSource>
-      <inkml:timestamp xml:id="ts0" timeString="2025-10-07T10:54:39.235"/>
+      <inkml:timestamp xml:id="ts0" timeString="2025-10-07T10:53:37.742"/>
     </inkml:context>
     <inkml:brush xml:id="br0">
       <inkml:brushProperty name="width" value="0.35" units="cm"/>
@@ -1320,7 +1319,7 @@
       <inkml:brushProperty name="inkEffects" value="pencil"/>
     </inkml:brush>
   </inkml:definitions>
-  <inkml:trace contextRef="#ctx0" brushRef="#br0">1 141,'17'0,"33"0,33 0,29 0,17 0,4 0,-7 0,-4-13,-9-4,-15 0,-15 3,-14 0,-14 3,-11 2,-6 4,-3-3,-5 1,-2 1,-2 2,-1 1,4-3,1 0,5 9,1 26,-2 26,-7 25,-3 25,3 21,-4 20,-5 6,-5-4,-6-11,-4-11,-2-18,-1-18,-1-26</inkml:trace>
+  <inkml:trace contextRef="#ctx0" brushRef="#br0">1 0,'4'5,"15"9,17 25,16 23,16 14,14 11,19 14,15 10,13 5,11 3,8 0,5-8,-6-9,-2-5,-4-10,9-2,6 1,-3-4,8-9,3-2,0-1,-3-4,3 1,-1-3,-10-3,-1-4,-9-2,-15-3,-17-5,-5-6,-12-2,-9-2,-10-4,-9 1,-3-5,-4 2,-2-1,-3-1,-1 0,-6-2,-11-5</inkml:trace>
 </inkml:ink>
 </file>
 
@@ -1338,7 +1337,7 @@
           <inkml:channelProperty channel="Y" name="resolution" value="1000" units="1/cm"/>
         </inkml:channelProperties>
       </inkml:inkSource>
-      <inkml:timestamp xml:id="ts0" timeString="2025-10-07T10:54:40.956"/>
+      <inkml:timestamp xml:id="ts0" timeString="2025-10-07T10:53:38.947"/>
     </inkml:context>
     <inkml:brush xml:id="br0">
       <inkml:brushProperty name="width" value="0.35" units="cm"/>
@@ -1348,7 +1347,7 @@
       <inkml:brushProperty name="inkEffects" value="pencil"/>
     </inkml:brush>
   </inkml:definitions>
-  <inkml:trace contextRef="#ctx0" brushRef="#br0">0 0,'5'0,"31"0,50 0,53 0,51 0,46 0,35 0,28 0,29 0,28 0,10 0,13 0,16 0,2 0,12 0,46 0,28 0,15 0,9 0,-36 0,-30 0,-28 0,-33 0,-32 0,-40 0,-34 0,-55 0,-55 0,-56 0</inkml:trace>
+  <inkml:trace contextRef="#ctx0" brushRef="#br0">361 0,'8'5,"13"18,23 19,18 10,20 11,5 2,-3-10,-4-4,-11-13,-12-7,-7-5,-13-2,-12 3,-19 10,-24-1,-35 6,-26 6,-25 6,-13-1,-9 4,1-4,-1-10,12-9,22-1,21-7,24-6</inkml:trace>
 </inkml:ink>
 </file>
 
@@ -1366,7 +1365,7 @@
           <inkml:channelProperty channel="Y" name="resolution" value="1000" units="1/cm"/>
         </inkml:channelProperties>
       </inkml:inkSource>
-      <inkml:timestamp xml:id="ts0" timeString="2025-10-07T10:54:42.268"/>
+      <inkml:timestamp xml:id="ts0" timeString="2025-10-07T10:53:42.003"/>
     </inkml:context>
     <inkml:brush xml:id="br0">
       <inkml:brushProperty name="width" value="0.35" units="cm"/>
@@ -1376,7 +1375,63 @@
       <inkml:brushProperty name="inkEffects" value="pencil"/>
     </inkml:brush>
   </inkml:definitions>
-  <inkml:trace contextRef="#ctx0" brushRef="#br0">1 1,'4'0,"6"0,10 0,20 8,14 8,13 10,16 13,16 18,17 8,11 5,10-4,-5-9,-13-10,-21-13,-28-8,-25-3,-39 6,-32 8,-39 10,-30 6,-24 20,-2 3,12-4,6-1,17-7,19-12,11-9,12-12,13-12</inkml:trace>
+  <inkml:trace contextRef="#ctx0" brushRef="#br0">1204 28,'-4'0,"-11"0,-15 0,-12 0,-11 0,-6 0,-1 0,-4 0,-4 0,5 0,5 0,8 0,-1 0,-1 0,1 0,-5 0,3 0,2 0,4 0,7 0,6 0,4-5,2 0,3-1,0 1,1 2,-1 1,0 1,5 1</inkml:trace>
+</inkml:ink>
+</file>
+
+<file path=ppt/ink/ink138.xml><?xml version="1.0" encoding="utf-8"?>
+<inkml:ink xmlns:inkml="http://www.w3.org/2003/InkML">
+  <inkml:definitions>
+    <inkml:context xml:id="ctx0">
+      <inkml:inkSource xml:id="inkSrc0">
+        <inkml:traceFormat>
+          <inkml:channel name="X" type="integer" min="-2.14748E9" max="2.14748E9" units="cm"/>
+          <inkml:channel name="Y" type="integer" min="-2.14748E9" max="2.14748E9" units="cm"/>
+        </inkml:traceFormat>
+        <inkml:channelProperties>
+          <inkml:channelProperty channel="X" name="resolution" value="1000" units="1/cm"/>
+          <inkml:channelProperty channel="Y" name="resolution" value="1000" units="1/cm"/>
+        </inkml:channelProperties>
+      </inkml:inkSource>
+      <inkml:timestamp xml:id="ts0" timeString="2025-10-07T10:53:43.140"/>
+    </inkml:context>
+    <inkml:brush xml:id="br0">
+      <inkml:brushProperty name="width" value="0.35" units="cm"/>
+      <inkml:brushProperty name="height" value="2.1" units="cm"/>
+      <inkml:brushProperty name="color" value="#FFFFFF"/>
+      <inkml:brushProperty name="ignorePressure" value="1"/>
+      <inkml:brushProperty name="inkEffects" value="pencil"/>
+    </inkml:brush>
+  </inkml:definitions>
+  <inkml:trace contextRef="#ctx0" brushRef="#br0">885 0,'-5'4,"-13"7,-14 4,-10 14,-10 10,-6 3,3-1,3-3,4-4,3-4,5-1,-1-3,8 0,4-6,-1-5,0 3,1-1,1-4,1 0,-4 3,-6 2,5 3,2-2,2-4,6 4,12 11,15 15,16 7,18 4,19 10,9 3,1-2,7 0,0-6,-1 4,1-9,-8-6,-11-11,-11-8,-13-9</inkml:trace>
+</inkml:ink>
+</file>
+
+<file path=ppt/ink/ink139.xml><?xml version="1.0" encoding="utf-8"?>
+<inkml:ink xmlns:inkml="http://www.w3.org/2003/InkML">
+  <inkml:definitions>
+    <inkml:context xml:id="ctx0">
+      <inkml:inkSource xml:id="inkSrc0">
+        <inkml:traceFormat>
+          <inkml:channel name="X" type="integer" min="-2.14748E9" max="2.14748E9" units="cm"/>
+          <inkml:channel name="Y" type="integer" min="-2.14748E9" max="2.14748E9" units="cm"/>
+        </inkml:traceFormat>
+        <inkml:channelProperties>
+          <inkml:channelProperty channel="X" name="resolution" value="1000" units="1/cm"/>
+          <inkml:channelProperty channel="Y" name="resolution" value="1000" units="1/cm"/>
+        </inkml:channelProperties>
+      </inkml:inkSource>
+      <inkml:timestamp xml:id="ts0" timeString="2025-10-07T10:04:20.885"/>
+    </inkml:context>
+    <inkml:brush xml:id="br0">
+      <inkml:brushProperty name="width" value="0.35" units="cm"/>
+      <inkml:brushProperty name="height" value="2.1" units="cm"/>
+      <inkml:brushProperty name="color" value="#FFFFFF"/>
+      <inkml:brushProperty name="ignorePressure" value="1"/>
+      <inkml:brushProperty name="inkEffects" value="pencil"/>
+    </inkml:brush>
+  </inkml:definitions>
+  <inkml:trace contextRef="#ctx0" brushRef="#br0">1 1,'0'0</inkml:trace>
 </inkml:ink>
 </file>
 
@@ -1405,6 +1460,304 @@
     </inkml:brush>
   </inkml:definitions>
   <inkml:trace contextRef="#ctx0" brushRef="#br0">688 1,'-5'0,"-5"0,-14 0,-17 4,-9 11,-6 2,-10 7,2 4,-2 2,2 0,3-6,12-2,10-4,7-6,5-5,7 5,7 10,14 4,20 8,24 6,22 10,8 4,4 12,7 2,-3 3,-7-10,1-8,-3-3,-11-10,-7-9,-12-8</inkml:trace>
+</inkml:ink>
+</file>
+
+<file path=ppt/ink/ink140.xml><?xml version="1.0" encoding="utf-8"?>
+<inkml:ink xmlns:inkml="http://www.w3.org/2003/InkML">
+  <inkml:definitions>
+    <inkml:context xml:id="ctx0">
+      <inkml:inkSource xml:id="inkSrc0">
+        <inkml:traceFormat>
+          <inkml:channel name="X" type="integer" min="-2.14748E9" max="2.14748E9" units="cm"/>
+          <inkml:channel name="Y" type="integer" min="-2.14748E9" max="2.14748E9" units="cm"/>
+          <inkml:channel name="F" type="integer" max="32767" units="dev"/>
+        </inkml:traceFormat>
+        <inkml:channelProperties>
+          <inkml:channelProperty channel="X" name="resolution" value="1000" units="1/cm"/>
+          <inkml:channelProperty channel="Y" name="resolution" value="1000" units="1/cm"/>
+          <inkml:channelProperty channel="F" name="resolution" value="0" units="1/dev"/>
+        </inkml:channelProperties>
+      </inkml:inkSource>
+      <inkml:timestamp xml:id="ts0" timeString="2025-10-07T10:04:33.522"/>
+    </inkml:context>
+    <inkml:brush xml:id="br0">
+      <inkml:brushProperty name="width" value="0.35" units="cm"/>
+      <inkml:brushProperty name="height" value="2.1" units="cm"/>
+      <inkml:brushProperty name="color" value="#FFFFFF"/>
+      <inkml:brushProperty name="ignorePressure" value="1"/>
+      <inkml:brushProperty name="inkEffects" value="pencil"/>
+    </inkml:brush>
+  </inkml:definitions>
+  <inkml:trace contextRef="#ctx0" brushRef="#br0">0 0 0,'27965'53'0</inkml:trace>
+</inkml:ink>
+</file>
+
+<file path=ppt/ink/ink141.xml><?xml version="1.0" encoding="utf-8"?>
+<inkml:ink xmlns:inkml="http://www.w3.org/2003/InkML">
+  <inkml:definitions>
+    <inkml:context xml:id="ctx0">
+      <inkml:inkSource xml:id="inkSrc0">
+        <inkml:traceFormat>
+          <inkml:channel name="X" type="integer" min="-2.14748E9" max="2.14748E9" units="cm"/>
+          <inkml:channel name="Y" type="integer" min="-2.14748E9" max="2.14748E9" units="cm"/>
+          <inkml:channel name="F" type="integer" max="32767" units="dev"/>
+        </inkml:traceFormat>
+        <inkml:channelProperties>
+          <inkml:channelProperty channel="X" name="resolution" value="1000" units="1/cm"/>
+          <inkml:channelProperty channel="Y" name="resolution" value="1000" units="1/cm"/>
+          <inkml:channelProperty channel="F" name="resolution" value="0" units="1/dev"/>
+        </inkml:channelProperties>
+      </inkml:inkSource>
+      <inkml:timestamp xml:id="ts0" timeString="2025-10-07T10:04:41.932"/>
+    </inkml:context>
+    <inkml:brush xml:id="br0">
+      <inkml:brushProperty name="width" value="0.35" units="cm"/>
+      <inkml:brushProperty name="height" value="2.1" units="cm"/>
+      <inkml:brushProperty name="color" value="#FFFFFF"/>
+      <inkml:brushProperty name="ignorePressure" value="1"/>
+      <inkml:brushProperty name="inkEffects" value="pencil"/>
+    </inkml:brush>
+  </inkml:definitions>
+  <inkml:trace contextRef="#ctx0" brushRef="#br0">181 0 0,'-181'15698'0</inkml:trace>
+</inkml:ink>
+</file>
+
+<file path=ppt/ink/ink142.xml><?xml version="1.0" encoding="utf-8"?>
+<inkml:ink xmlns:inkml="http://www.w3.org/2003/InkML">
+  <inkml:definitions>
+    <inkml:context xml:id="ctx0">
+      <inkml:inkSource xml:id="inkSrc0">
+        <inkml:traceFormat>
+          <inkml:channel name="X" type="integer" min="-2.14748E9" max="2.14748E9" units="cm"/>
+          <inkml:channel name="Y" type="integer" min="-2.14748E9" max="2.14748E9" units="cm"/>
+          <inkml:channel name="F" type="integer" max="32767" units="dev"/>
+        </inkml:traceFormat>
+        <inkml:channelProperties>
+          <inkml:channelProperty channel="X" name="resolution" value="1000" units="1/cm"/>
+          <inkml:channelProperty channel="Y" name="resolution" value="1000" units="1/cm"/>
+          <inkml:channelProperty channel="F" name="resolution" value="0" units="1/dev"/>
+        </inkml:channelProperties>
+      </inkml:inkSource>
+      <inkml:timestamp xml:id="ts0" timeString="2025-10-07T10:05:07.090"/>
+    </inkml:context>
+    <inkml:brush xml:id="br0">
+      <inkml:brushProperty name="width" value="0.35" units="cm"/>
+      <inkml:brushProperty name="height" value="2.1" units="cm"/>
+      <inkml:brushProperty name="color" value="#FFFFFF"/>
+      <inkml:brushProperty name="ignorePressure" value="1"/>
+      <inkml:brushProperty name="inkEffects" value="pencil"/>
+    </inkml:brush>
+  </inkml:definitions>
+  <inkml:trace contextRef="#ctx0" brushRef="#br0">0 53 0,'28098'-53'0</inkml:trace>
+</inkml:ink>
+</file>
+
+<file path=ppt/ink/ink143.xml><?xml version="1.0" encoding="utf-8"?>
+<inkml:ink xmlns:inkml="http://www.w3.org/2003/InkML">
+  <inkml:definitions>
+    <inkml:context xml:id="ctx0">
+      <inkml:inkSource xml:id="inkSrc0">
+        <inkml:traceFormat>
+          <inkml:channel name="X" type="integer" min="-2.14748E9" max="2.14748E9" units="cm"/>
+          <inkml:channel name="Y" type="integer" min="-2.14748E9" max="2.14748E9" units="cm"/>
+          <inkml:channel name="F" type="integer" max="32767" units="dev"/>
+        </inkml:traceFormat>
+        <inkml:channelProperties>
+          <inkml:channelProperty channel="X" name="resolution" value="1000" units="1/cm"/>
+          <inkml:channelProperty channel="Y" name="resolution" value="1000" units="1/cm"/>
+          <inkml:channelProperty channel="F" name="resolution" value="0" units="1/dev"/>
+        </inkml:channelProperties>
+      </inkml:inkSource>
+      <inkml:timestamp xml:id="ts0" timeString="2025-10-07T10:05:12.231"/>
+    </inkml:context>
+    <inkml:brush xml:id="br0">
+      <inkml:brushProperty name="width" value="0.35" units="cm"/>
+      <inkml:brushProperty name="height" value="2.1" units="cm"/>
+      <inkml:brushProperty name="color" value="#FFFFFF"/>
+      <inkml:brushProperty name="ignorePressure" value="1"/>
+      <inkml:brushProperty name="inkEffects" value="pencil"/>
+    </inkml:brush>
+  </inkml:definitions>
+  <inkml:trace contextRef="#ctx0" brushRef="#br0">0 0 0,'105'15895'0</inkml:trace>
+</inkml:ink>
+</file>
+
+<file path=ppt/ink/ink144.xml><?xml version="1.0" encoding="utf-8"?>
+<inkml:ink xmlns:inkml="http://www.w3.org/2003/InkML">
+  <inkml:definitions>
+    <inkml:context xml:id="ctx0">
+      <inkml:inkSource xml:id="inkSrc0">
+        <inkml:traceFormat>
+          <inkml:channel name="X" type="integer" min="-2.14748E9" max="2.14748E9" units="cm"/>
+          <inkml:channel name="Y" type="integer" min="-2.14748E9" max="2.14748E9" units="cm"/>
+          <inkml:channel name="F" type="integer" max="32767" units="dev"/>
+        </inkml:traceFormat>
+        <inkml:channelProperties>
+          <inkml:channelProperty channel="X" name="resolution" value="1000" units="1/cm"/>
+          <inkml:channelProperty channel="Y" name="resolution" value="1000" units="1/cm"/>
+          <inkml:channelProperty channel="F" name="resolution" value="0" units="1/dev"/>
+        </inkml:channelProperties>
+      </inkml:inkSource>
+      <inkml:timestamp xml:id="ts0" timeString="2025-10-07T10:06:11.194"/>
+    </inkml:context>
+    <inkml:brush xml:id="br0">
+      <inkml:brushProperty name="width" value="0.35" units="cm"/>
+      <inkml:brushProperty name="height" value="2.1" units="cm"/>
+      <inkml:brushProperty name="color" value="#FFFFFF"/>
+      <inkml:brushProperty name="ignorePressure" value="1"/>
+      <inkml:brushProperty name="inkEffects" value="pencil"/>
+    </inkml:brush>
+  </inkml:definitions>
+  <inkml:trace contextRef="#ctx0" brushRef="#br0">0 0 0,'7096'78'0</inkml:trace>
+</inkml:ink>
+</file>
+
+<file path=ppt/ink/ink145.xml><?xml version="1.0" encoding="utf-8"?>
+<inkml:ink xmlns:inkml="http://www.w3.org/2003/InkML">
+  <inkml:definitions>
+    <inkml:context xml:id="ctx0">
+      <inkml:inkSource xml:id="inkSrc0">
+        <inkml:traceFormat>
+          <inkml:channel name="X" type="integer" min="-2.14748E9" max="2.14748E9" units="cm"/>
+          <inkml:channel name="Y" type="integer" min="-2.14748E9" max="2.14748E9" units="cm"/>
+          <inkml:channel name="F" type="integer" max="32767" units="dev"/>
+        </inkml:traceFormat>
+        <inkml:channelProperties>
+          <inkml:channelProperty channel="X" name="resolution" value="1000" units="1/cm"/>
+          <inkml:channelProperty channel="Y" name="resolution" value="1000" units="1/cm"/>
+          <inkml:channelProperty channel="F" name="resolution" value="0" units="1/dev"/>
+        </inkml:channelProperties>
+      </inkml:inkSource>
+      <inkml:timestamp xml:id="ts0" timeString="2025-10-07T10:06:17.934"/>
+    </inkml:context>
+    <inkml:brush xml:id="br0">
+      <inkml:brushProperty name="width" value="0.35" units="cm"/>
+      <inkml:brushProperty name="height" value="2.1" units="cm"/>
+      <inkml:brushProperty name="color" value="#FFFFFF"/>
+      <inkml:brushProperty name="ignorePressure" value="1"/>
+      <inkml:brushProperty name="inkEffects" value="pencil"/>
+    </inkml:brush>
+  </inkml:definitions>
+  <inkml:trace contextRef="#ctx0" brushRef="#br0">0 53 0,'7306'-53'0</inkml:trace>
+</inkml:ink>
+</file>
+
+<file path=ppt/ink/ink146.xml><?xml version="1.0" encoding="utf-8"?>
+<inkml:ink xmlns:inkml="http://www.w3.org/2003/InkML">
+  <inkml:definitions>
+    <inkml:context xml:id="ctx0">
+      <inkml:inkSource xml:id="inkSrc0">
+        <inkml:traceFormat>
+          <inkml:channel name="X" type="integer" min="-2.14748E9" max="2.14748E9" units="cm"/>
+          <inkml:channel name="Y" type="integer" min="-2.14748E9" max="2.14748E9" units="cm"/>
+        </inkml:traceFormat>
+        <inkml:channelProperties>
+          <inkml:channelProperty channel="X" name="resolution" value="1000" units="1/cm"/>
+          <inkml:channelProperty channel="Y" name="resolution" value="1000" units="1/cm"/>
+        </inkml:channelProperties>
+      </inkml:inkSource>
+      <inkml:timestamp xml:id="ts0" timeString="2025-10-07T10:06:24.583"/>
+    </inkml:context>
+    <inkml:brush xml:id="br0">
+      <inkml:brushProperty name="width" value="0.35" units="cm"/>
+      <inkml:brushProperty name="height" value="2.1" units="cm"/>
+      <inkml:brushProperty name="color" value="#FFFFFF"/>
+      <inkml:brushProperty name="ignorePressure" value="1"/>
+      <inkml:brushProperty name="inkEffects" value="pencil"/>
+    </inkml:brush>
+  </inkml:definitions>
+  <inkml:trace contextRef="#ctx0" brushRef="#br0">1 0,'0'4,"0"7,0 5,0 4,0 4,0 6,0 3,0 0,0-1,0-2,0-1,0-1,0-1,0-1,0 0,0 0,0 0,0 0,0 0,0 0,0 0,0 0,0 5,0 1,0 0,0 3,0 0,0-1,0-2,0-2,0 2,0 1,0 0,0 2,4-5,2 2,-1 0,0 3,-2 0,-1-1,-1-2,0 2,-1 0,-1-1,1-2,0 2,0 6,0-1,-1-2,1-2,0-3,0-2,0-1,0-2,0 0,0 0,0-1,0 1,0 4,0 2,0 0,0 3,0 5,0-1,0-1,5-4,1 2,0-1,-2-2,0-2,-2 3,-1 0,-1-2,0-1,0-2,0 3,0 0,-1 5,1 4,0 0,0 1,0-1,0 0,0-1,0-4,0 2,0 2,0 0,0-3,0-4,0-2,0-2,0-2,0-1,0 4,0 2,0-1,0-1,0 4,0 4,0 5,0 0,0-4,0-3,0-3,0-4,0-1,0-2,0 0,0-1,0 1,0-1,0 1,0 4,0 7,0 5,0 5,0-2,0-3,0-1,0-2,0-4,0-2,0-4,4 3,2 0,0 0,-2-2,0-2,-2 5,-1-1,-1 5,0-1,0 4,0 3,-1 3,1-2,0 1,0-2,0 3,0 4,0-2,4-1,2 1,0-3,-1-1,-2-3,-1 0,-1-2,0 1,-1 3,0-2,-1-3,1-4,0 1,0 0,0-2,0-3,0-1,0 3,0 1,0-2,0 0,0-2,0 3,0 1,0 4,0-1,0 3,0 0,0-4,0 3,0-2,0 3,0-2,0 3,0-2,0 2,0 3,0 3,0 3,0-3,0-4,0-6,0 1,0 2,0 0,0 2,0-2,0-3,0-3,0 2,0-1,0-2,0-1,0-3,0 0,0-1,0-1,0 0,0 0,0 4,0 2,0 4,0 0,0 4,0-2,0 3,0 3,0-2,0 1,0-2,0 0,0 3,0-2,0 1,0-3,0 1,0-2,0-3,0-4,0-2,0 3,0-1,0 0,0-2,0-1,0 3,0 0,0 0,0-1,0-2,0-1,0 3,0 2,0 3,0 1,0 2,0 4,0-1,0-4,0 2,0 2,0 3,0-2,0 1,0 2,0-3,0 1,0-3,0 0,0-2,0 2,0-3,0 2,0-2,0 2,0-2,0 2,0-2,0 2,0-1,0-4,0-2,0-3,0-2,0 3,0 1,0 0,0-2,0-1,0-2,0 0,0 0,0-1,0 0,0 0,0 0,0 0,0 0,0 0,0 0,0 0,0 0,0 1,0-1,0 0,0 0,0 0,0 1,0-1,0 0,0 0,0 0,0-4</inkml:trace>
+</inkml:ink>
+</file>
+
+<file path=ppt/ink/ink147.xml><?xml version="1.0" encoding="utf-8"?>
+<inkml:ink xmlns:inkml="http://www.w3.org/2003/InkML">
+  <inkml:definitions>
+    <inkml:context xml:id="ctx0">
+      <inkml:inkSource xml:id="inkSrc0">
+        <inkml:traceFormat>
+          <inkml:channel name="X" type="integer" min="-2.14748E9" max="2.14748E9" units="cm"/>
+          <inkml:channel name="Y" type="integer" min="-2.14748E9" max="2.14748E9" units="cm"/>
+          <inkml:channel name="F" type="integer" max="32767" units="dev"/>
+        </inkml:traceFormat>
+        <inkml:channelProperties>
+          <inkml:channelProperty channel="X" name="resolution" value="1000" units="1/cm"/>
+          <inkml:channelProperty channel="Y" name="resolution" value="1000" units="1/cm"/>
+          <inkml:channelProperty channel="F" name="resolution" value="0" units="1/dev"/>
+        </inkml:channelProperties>
+      </inkml:inkSource>
+      <inkml:timestamp xml:id="ts0" timeString="2025-10-07T10:06:29.724"/>
+    </inkml:context>
+    <inkml:brush xml:id="br0">
+      <inkml:brushProperty name="width" value="0.35" units="cm"/>
+      <inkml:brushProperty name="height" value="2.1" units="cm"/>
+      <inkml:brushProperty name="color" value="#FFFFFF"/>
+      <inkml:brushProperty name="ignorePressure" value="1"/>
+      <inkml:brushProperty name="inkEffects" value="pencil"/>
+    </inkml:brush>
+  </inkml:definitions>
+  <inkml:trace contextRef="#ctx0" brushRef="#br0">0 0 0,'3902'27'0</inkml:trace>
+</inkml:ink>
+</file>
+
+<file path=ppt/ink/ink148.xml><?xml version="1.0" encoding="utf-8"?>
+<inkml:ink xmlns:inkml="http://www.w3.org/2003/InkML">
+  <inkml:definitions>
+    <inkml:context xml:id="ctx0">
+      <inkml:inkSource xml:id="inkSrc0">
+        <inkml:traceFormat>
+          <inkml:channel name="X" type="integer" min="-2.14748E9" max="2.14748E9" units="cm"/>
+          <inkml:channel name="Y" type="integer" min="-2.14748E9" max="2.14748E9" units="cm"/>
+          <inkml:channel name="F" type="integer" max="32767" units="dev"/>
+        </inkml:traceFormat>
+        <inkml:channelProperties>
+          <inkml:channelProperty channel="X" name="resolution" value="1000" units="1/cm"/>
+          <inkml:channelProperty channel="Y" name="resolution" value="1000" units="1/cm"/>
+          <inkml:channelProperty channel="F" name="resolution" value="0" units="1/dev"/>
+        </inkml:channelProperties>
+      </inkml:inkSource>
+      <inkml:timestamp xml:id="ts0" timeString="2025-10-07T10:06:39.058"/>
+    </inkml:context>
+    <inkml:brush xml:id="br0">
+      <inkml:brushProperty name="width" value="0.35" units="cm"/>
+      <inkml:brushProperty name="height" value="2.1" units="cm"/>
+      <inkml:brushProperty name="color" value="#FFFFFF"/>
+      <inkml:brushProperty name="ignorePressure" value="1"/>
+      <inkml:brushProperty name="inkEffects" value="pencil"/>
+    </inkml:brush>
+  </inkml:definitions>
+  <inkml:trace contextRef="#ctx0" brushRef="#br0">0 0 0,'3981'26'0</inkml:trace>
+</inkml:ink>
+</file>
+
+<file path=ppt/ink/ink149.xml><?xml version="1.0" encoding="utf-8"?>
+<inkml:ink xmlns:inkml="http://www.w3.org/2003/InkML">
+  <inkml:definitions>
+    <inkml:context xml:id="ctx0">
+      <inkml:inkSource xml:id="inkSrc0">
+        <inkml:traceFormat>
+          <inkml:channel name="X" type="integer" min="-2.14748E9" max="2.14748E9" units="cm"/>
+          <inkml:channel name="Y" type="integer" min="-2.14748E9" max="2.14748E9" units="cm"/>
+          <inkml:channel name="F" type="integer" max="32767" units="dev"/>
+        </inkml:traceFormat>
+        <inkml:channelProperties>
+          <inkml:channelProperty channel="X" name="resolution" value="1000" units="1/cm"/>
+          <inkml:channelProperty channel="Y" name="resolution" value="1000" units="1/cm"/>
+          <inkml:channelProperty channel="F" name="resolution" value="0" units="1/dev"/>
+        </inkml:channelProperties>
+      </inkml:inkSource>
+      <inkml:timestamp xml:id="ts0" timeString="2025-10-07T10:06:42.387"/>
+    </inkml:context>
+    <inkml:brush xml:id="br0">
+      <inkml:brushProperty name="width" value="0.35" units="cm"/>
+      <inkml:brushProperty name="height" value="2.1" units="cm"/>
+      <inkml:brushProperty name="color" value="#FFFFFF"/>
+      <inkml:brushProperty name="ignorePressure" value="1"/>
+      <inkml:brushProperty name="inkEffects" value="pencil"/>
+    </inkml:brush>
+  </inkml:definitions>
+  <inkml:trace contextRef="#ctx0" brushRef="#br0">105 0 0,'-105'5839'0</inkml:trace>
 </inkml:ink>
 </file>
 
@@ -1438,6 +1791,304 @@
 </inkml:ink>
 </file>
 
+<file path=ppt/ink/ink150.xml><?xml version="1.0" encoding="utf-8"?>
+<inkml:ink xmlns:inkml="http://www.w3.org/2003/InkML">
+  <inkml:definitions>
+    <inkml:context xml:id="ctx0">
+      <inkml:inkSource xml:id="inkSrc0">
+        <inkml:traceFormat>
+          <inkml:channel name="X" type="integer" min="-2.14748E9" max="2.14748E9" units="cm"/>
+          <inkml:channel name="Y" type="integer" min="-2.14748E9" max="2.14748E9" units="cm"/>
+          <inkml:channel name="F" type="integer" max="32767" units="dev"/>
+        </inkml:traceFormat>
+        <inkml:channelProperties>
+          <inkml:channelProperty channel="X" name="resolution" value="1000" units="1/cm"/>
+          <inkml:channelProperty channel="Y" name="resolution" value="1000" units="1/cm"/>
+          <inkml:channelProperty channel="F" name="resolution" value="0" units="1/dev"/>
+        </inkml:channelProperties>
+      </inkml:inkSource>
+      <inkml:timestamp xml:id="ts0" timeString="2025-10-07T10:07:09.387"/>
+    </inkml:context>
+    <inkml:brush xml:id="br0">
+      <inkml:brushProperty name="width" value="0.35" units="cm"/>
+      <inkml:brushProperty name="height" value="2.1" units="cm"/>
+      <inkml:brushProperty name="color" value="#FFFFFF"/>
+      <inkml:brushProperty name="ignorePressure" value="1"/>
+      <inkml:brushProperty name="inkEffects" value="pencil"/>
+    </inkml:brush>
+  </inkml:definitions>
+  <inkml:trace contextRef="#ctx0" brushRef="#br0">0 0 0,'7096'78'0</inkml:trace>
+</inkml:ink>
+</file>
+
+<file path=ppt/ink/ink151.xml><?xml version="1.0" encoding="utf-8"?>
+<inkml:ink xmlns:inkml="http://www.w3.org/2003/InkML">
+  <inkml:definitions>
+    <inkml:context xml:id="ctx0">
+      <inkml:inkSource xml:id="inkSrc0">
+        <inkml:traceFormat>
+          <inkml:channel name="X" type="integer" min="-2.14748E9" max="2.14748E9" units="cm"/>
+          <inkml:channel name="Y" type="integer" min="-2.14748E9" max="2.14748E9" units="cm"/>
+          <inkml:channel name="F" type="integer" max="32767" units="dev"/>
+        </inkml:traceFormat>
+        <inkml:channelProperties>
+          <inkml:channelProperty channel="X" name="resolution" value="1000" units="1/cm"/>
+          <inkml:channelProperty channel="Y" name="resolution" value="1000" units="1/cm"/>
+          <inkml:channelProperty channel="F" name="resolution" value="0" units="1/dev"/>
+        </inkml:channelProperties>
+      </inkml:inkSource>
+      <inkml:timestamp xml:id="ts0" timeString="2025-10-07T10:07:09.388"/>
+    </inkml:context>
+    <inkml:brush xml:id="br0">
+      <inkml:brushProperty name="width" value="0.35" units="cm"/>
+      <inkml:brushProperty name="height" value="2.1" units="cm"/>
+      <inkml:brushProperty name="color" value="#FFFFFF"/>
+      <inkml:brushProperty name="ignorePressure" value="1"/>
+      <inkml:brushProperty name="inkEffects" value="pencil"/>
+    </inkml:brush>
+  </inkml:definitions>
+  <inkml:trace contextRef="#ctx0" brushRef="#br0">0 53 0,'7306'-53'0</inkml:trace>
+</inkml:ink>
+</file>
+
+<file path=ppt/ink/ink152.xml><?xml version="1.0" encoding="utf-8"?>
+<inkml:ink xmlns:inkml="http://www.w3.org/2003/InkML">
+  <inkml:definitions>
+    <inkml:context xml:id="ctx0">
+      <inkml:inkSource xml:id="inkSrc0">
+        <inkml:traceFormat>
+          <inkml:channel name="X" type="integer" min="-2.14748E9" max="2.14748E9" units="cm"/>
+          <inkml:channel name="Y" type="integer" min="-2.14748E9" max="2.14748E9" units="cm"/>
+        </inkml:traceFormat>
+        <inkml:channelProperties>
+          <inkml:channelProperty channel="X" name="resolution" value="1000" units="1/cm"/>
+          <inkml:channelProperty channel="Y" name="resolution" value="1000" units="1/cm"/>
+        </inkml:channelProperties>
+      </inkml:inkSource>
+      <inkml:timestamp xml:id="ts0" timeString="2025-10-07T10:07:09.389"/>
+    </inkml:context>
+    <inkml:brush xml:id="br0">
+      <inkml:brushProperty name="width" value="0.35" units="cm"/>
+      <inkml:brushProperty name="height" value="2.1" units="cm"/>
+      <inkml:brushProperty name="color" value="#FFFFFF"/>
+      <inkml:brushProperty name="ignorePressure" value="1"/>
+      <inkml:brushProperty name="inkEffects" value="pencil"/>
+    </inkml:brush>
+  </inkml:definitions>
+  <inkml:trace contextRef="#ctx0" brushRef="#br0">1 0,'0'4,"0"7,0 5,0 4,0 4,0 6,0 3,0 0,0-1,0-2,0-1,0-1,0-1,0-1,0 0,0 0,0 0,0 0,0 0,0 0,0 0,0 0,0 5,0 1,0 0,0 3,0 0,0-1,0-2,0-2,0 2,0 1,0 0,0 2,4-5,2 2,-1 0,0 3,-2 0,-1-1,-1-2,0 2,-1 0,-1-1,1-2,0 2,0 6,0-1,-1-2,1-2,0-3,0-2,0-1,0-2,0 0,0 0,0-1,0 1,0 4,0 2,0 0,0 3,0 5,0-1,0-1,5-4,1 2,0-1,-2-2,0-2,-2 3,-1 0,-1-2,0-1,0-2,0 3,0 0,-1 5,1 4,0 0,0 1,0-1,0 0,0-1,0-4,0 2,0 2,0 0,0-3,0-4,0-2,0-2,0-2,0-1,0 4,0 2,0-1,0-1,0 4,0 4,0 5,0 0,0-4,0-3,0-3,0-4,0-1,0-2,0 0,0-1,0 1,0-1,0 1,0 4,0 7,0 5,0 5,0-2,0-3,0-1,0-2,0-4,0-2,0-4,4 3,2 0,0 0,-2-2,0-2,-2 5,-1-1,-1 5,0-1,0 4,0 3,-1 3,1-2,0 1,0-2,0 3,0 4,0-2,4-1,2 1,0-3,-1-1,-2-3,-1 0,-1-2,0 1,-1 3,0-2,-1-3,1-4,0 1,0 0,0-2,0-3,0-1,0 3,0 1,0-2,0 0,0-2,0 3,0 1,0 4,0-1,0 3,0 0,0-4,0 3,0-2,0 3,0-2,0 3,0-2,0 2,0 3,0 3,0 3,0-3,0-4,0-6,0 1,0 2,0 0,0 2,0-2,0-3,0-3,0 2,0-1,0-2,0-1,0-3,0 0,0-1,0-1,0 0,0 0,0 4,0 2,0 4,0 0,0 4,0-2,0 3,0 3,0-2,0 1,0-2,0 0,0 3,0-2,0 1,0-3,0 1,0-2,0-3,0-4,0-2,0 3,0-1,0 0,0-2,0-1,0 3,0 0,0 0,0-1,0-2,0-1,0 3,0 2,0 3,0 1,0 2,0 4,0-1,0-4,0 2,0 2,0 3,0-2,0 1,0 2,0-3,0 1,0-3,0 0,0-2,0 2,0-3,0 2,0-2,0 2,0-2,0 2,0-2,0 2,0-1,0-4,0-2,0-3,0-2,0 3,0 1,0 0,0-2,0-1,0-2,0 0,0 0,0-1,0 0,0 0,0 0,0 0,0 0,0 0,0 0,0 0,0 0,0 1,0-1,0 0,0 0,0 0,0 1,0-1,0 0,0 0,0 0,0-4</inkml:trace>
+</inkml:ink>
+</file>
+
+<file path=ppt/ink/ink153.xml><?xml version="1.0" encoding="utf-8"?>
+<inkml:ink xmlns:inkml="http://www.w3.org/2003/InkML">
+  <inkml:definitions>
+    <inkml:context xml:id="ctx0">
+      <inkml:inkSource xml:id="inkSrc0">
+        <inkml:traceFormat>
+          <inkml:channel name="X" type="integer" min="-2.14748E9" max="2.14748E9" units="cm"/>
+          <inkml:channel name="Y" type="integer" min="-2.14748E9" max="2.14748E9" units="cm"/>
+          <inkml:channel name="F" type="integer" max="32767" units="dev"/>
+        </inkml:traceFormat>
+        <inkml:channelProperties>
+          <inkml:channelProperty channel="X" name="resolution" value="1000" units="1/cm"/>
+          <inkml:channelProperty channel="Y" name="resolution" value="1000" units="1/cm"/>
+          <inkml:channelProperty channel="F" name="resolution" value="0" units="1/dev"/>
+        </inkml:channelProperties>
+      </inkml:inkSource>
+      <inkml:timestamp xml:id="ts0" timeString="2025-10-07T10:07:09.390"/>
+    </inkml:context>
+    <inkml:brush xml:id="br0">
+      <inkml:brushProperty name="width" value="0.35" units="cm"/>
+      <inkml:brushProperty name="height" value="2.1" units="cm"/>
+      <inkml:brushProperty name="color" value="#FFFFFF"/>
+      <inkml:brushProperty name="ignorePressure" value="1"/>
+      <inkml:brushProperty name="inkEffects" value="pencil"/>
+    </inkml:brush>
+  </inkml:definitions>
+  <inkml:trace contextRef="#ctx0" brushRef="#br0">0 0 0,'3902'27'0</inkml:trace>
+</inkml:ink>
+</file>
+
+<file path=ppt/ink/ink154.xml><?xml version="1.0" encoding="utf-8"?>
+<inkml:ink xmlns:inkml="http://www.w3.org/2003/InkML">
+  <inkml:definitions>
+    <inkml:context xml:id="ctx0">
+      <inkml:inkSource xml:id="inkSrc0">
+        <inkml:traceFormat>
+          <inkml:channel name="X" type="integer" min="-2.14748E9" max="2.14748E9" units="cm"/>
+          <inkml:channel name="Y" type="integer" min="-2.14748E9" max="2.14748E9" units="cm"/>
+          <inkml:channel name="F" type="integer" max="32767" units="dev"/>
+        </inkml:traceFormat>
+        <inkml:channelProperties>
+          <inkml:channelProperty channel="X" name="resolution" value="1000" units="1/cm"/>
+          <inkml:channelProperty channel="Y" name="resolution" value="1000" units="1/cm"/>
+          <inkml:channelProperty channel="F" name="resolution" value="0" units="1/dev"/>
+        </inkml:channelProperties>
+      </inkml:inkSource>
+      <inkml:timestamp xml:id="ts0" timeString="2025-10-07T10:07:09.391"/>
+    </inkml:context>
+    <inkml:brush xml:id="br0">
+      <inkml:brushProperty name="width" value="0.35" units="cm"/>
+      <inkml:brushProperty name="height" value="2.1" units="cm"/>
+      <inkml:brushProperty name="color" value="#FFFFFF"/>
+      <inkml:brushProperty name="ignorePressure" value="1"/>
+      <inkml:brushProperty name="inkEffects" value="pencil"/>
+    </inkml:brush>
+  </inkml:definitions>
+  <inkml:trace contextRef="#ctx0" brushRef="#br0">0 0 0,'3981'26'0</inkml:trace>
+</inkml:ink>
+</file>
+
+<file path=ppt/ink/ink155.xml><?xml version="1.0" encoding="utf-8"?>
+<inkml:ink xmlns:inkml="http://www.w3.org/2003/InkML">
+  <inkml:definitions>
+    <inkml:context xml:id="ctx0">
+      <inkml:inkSource xml:id="inkSrc0">
+        <inkml:traceFormat>
+          <inkml:channel name="X" type="integer" min="-2.14748E9" max="2.14748E9" units="cm"/>
+          <inkml:channel name="Y" type="integer" min="-2.14748E9" max="2.14748E9" units="cm"/>
+          <inkml:channel name="F" type="integer" max="32767" units="dev"/>
+        </inkml:traceFormat>
+        <inkml:channelProperties>
+          <inkml:channelProperty channel="X" name="resolution" value="1000" units="1/cm"/>
+          <inkml:channelProperty channel="Y" name="resolution" value="1000" units="1/cm"/>
+          <inkml:channelProperty channel="F" name="resolution" value="0" units="1/dev"/>
+        </inkml:channelProperties>
+      </inkml:inkSource>
+      <inkml:timestamp xml:id="ts0" timeString="2025-10-07T10:07:09.392"/>
+    </inkml:context>
+    <inkml:brush xml:id="br0">
+      <inkml:brushProperty name="width" value="0.35" units="cm"/>
+      <inkml:brushProperty name="height" value="2.1" units="cm"/>
+      <inkml:brushProperty name="color" value="#FFFFFF"/>
+      <inkml:brushProperty name="ignorePressure" value="1"/>
+      <inkml:brushProperty name="inkEffects" value="pencil"/>
+    </inkml:brush>
+  </inkml:definitions>
+  <inkml:trace contextRef="#ctx0" brushRef="#br0">105 0 0,'-105'5839'0</inkml:trace>
+</inkml:ink>
+</file>
+
+<file path=ppt/ink/ink156.xml><?xml version="1.0" encoding="utf-8"?>
+<inkml:ink xmlns:inkml="http://www.w3.org/2003/InkML">
+  <inkml:definitions>
+    <inkml:context xml:id="ctx0">
+      <inkml:inkSource xml:id="inkSrc0">
+        <inkml:traceFormat>
+          <inkml:channel name="X" type="integer" min="-2.14748E9" max="2.14748E9" units="cm"/>
+          <inkml:channel name="Y" type="integer" min="-2.14748E9" max="2.14748E9" units="cm"/>
+          <inkml:channel name="F" type="integer" max="32767" units="dev"/>
+        </inkml:traceFormat>
+        <inkml:channelProperties>
+          <inkml:channelProperty channel="X" name="resolution" value="1000" units="1/cm"/>
+          <inkml:channelProperty channel="Y" name="resolution" value="1000" units="1/cm"/>
+          <inkml:channelProperty channel="F" name="resolution" value="0" units="1/dev"/>
+        </inkml:channelProperties>
+      </inkml:inkSource>
+      <inkml:timestamp xml:id="ts0" timeString="2025-10-07T10:45:29.618"/>
+    </inkml:context>
+    <inkml:brush xml:id="br0">
+      <inkml:brushProperty name="width" value="0.35" units="cm"/>
+      <inkml:brushProperty name="height" value="2.1" units="cm"/>
+      <inkml:brushProperty name="color" value="#FFFFFF"/>
+      <inkml:brushProperty name="ignorePressure" value="1"/>
+      <inkml:brushProperty name="inkEffects" value="pencil"/>
+    </inkml:brush>
+  </inkml:definitions>
+  <inkml:trace contextRef="#ctx0" brushRef="#br0">0 0 0,'25'15830'0</inkml:trace>
+</inkml:ink>
+</file>
+
+<file path=ppt/ink/ink157.xml><?xml version="1.0" encoding="utf-8"?>
+<inkml:ink xmlns:inkml="http://www.w3.org/2003/InkML">
+  <inkml:definitions>
+    <inkml:context xml:id="ctx0">
+      <inkml:inkSource xml:id="inkSrc0">
+        <inkml:traceFormat>
+          <inkml:channel name="X" type="integer" min="-2.14748E9" max="2.14748E9" units="cm"/>
+          <inkml:channel name="Y" type="integer" min="-2.14748E9" max="2.14748E9" units="cm"/>
+          <inkml:channel name="F" type="integer" max="32767" units="dev"/>
+        </inkml:traceFormat>
+        <inkml:channelProperties>
+          <inkml:channelProperty channel="X" name="resolution" value="1000" units="1/cm"/>
+          <inkml:channelProperty channel="Y" name="resolution" value="1000" units="1/cm"/>
+          <inkml:channelProperty channel="F" name="resolution" value="0" units="1/dev"/>
+        </inkml:channelProperties>
+      </inkml:inkSource>
+      <inkml:timestamp xml:id="ts0" timeString="2025-10-07T10:45:53.917"/>
+    </inkml:context>
+    <inkml:brush xml:id="br0">
+      <inkml:brushProperty name="width" value="0.35" units="cm"/>
+      <inkml:brushProperty name="height" value="2.1" units="cm"/>
+      <inkml:brushProperty name="color" value="#FFFFFF"/>
+      <inkml:brushProperty name="ignorePressure" value="1"/>
+      <inkml:brushProperty name="inkEffects" value="pencil"/>
+    </inkml:brush>
+  </inkml:definitions>
+  <inkml:trace contextRef="#ctx0" brushRef="#br0">4116 2058 0,'-2'81'0,"-2"-1"0,-4 1 0,-3-1 0,-4-1 0,-2 0 0,-3 0 0,-4-2 0,-2-1 0,-4 0 0,-2-2 0,-3-2 0,-3 0 0,-3-3 0,-3-1 0,-2-1 0,-3-3 0,-2-1 0,-3-3 0,-2-2 0,-2-2 0,-2-2 0,-3-3 0,-1-2 0,-3-3 0,-1-2 0,-1-3 0,-3-3 0,0-3 0,-2-3 0,-2-2 0,0-4 0,-1-2 0,-2-4 0,0-3 0,0-2 0,-1-4 0,-1-3 0,1-4 0,-1-2 0,0-4 0,1-2 0,-1-4 0,1-3 0,1-4 0,0-2 0,0-3 0,2-4 0,1-2 0,0-4 0,2-2 0,2-3 0,0-3 0,3-3 0,1-3 0,1-2 0,3-3 0,1-2 0,3-3 0,2-2 0,2-2 0,2-2 0,3-3 0,2-1 0,3-3 0,2-1 0,3-1 0,3-3 0,3 0 0,3-2 0,2-2 0,4 0 0,2-1 0,4-2 0,3 0 0,2 0 0,4-1 0,3-1 0,4 1 0,2-1 0,4 0 0,2 1 0,4-1 0,3 1 0,4 1 0,2 0 0,3 0 0,4 2 0,2 1 0,4 0 0,2 2 0,3 2 0,3 0 0,3 3 0,3 1 0,2 1 0,3 3 0,2 1 0,3 3 0,2 2 0,2 2 0,2 2 0,3 3 0,1 2 0,3 3 0,1 2 0,1 3 0,3 3 0,0 3 0,2 3 0,2 2 0,0 4 0,1 2 0,2 4 0,0 3 0,0 2 0,1 4 0,1 3 0,-1 4 0,1 2 0,0 4 0,-1 2 0,1 4 0,-1 3 0,-1 4 0,0 2 0,0 3 0,-2 4 0,-1 2 0,0 4 0,-2 2 0,-2 3 0,0 3 0,-3 3 0,-1 3 0,-1 2 0,-3 3 0,-1 2 0,-3 3 0,-2 2 0,-2 2 0,-2 2 0,-3 3 0,-2 1 0,-3 3 0,-2 1 0,-3 1 0,-3 3 0,-3 0 0,-3 2 0,-2 2 0,-4 0 0,-2 1 0,-4 2 0,-3 0 0,-2 0 0,-4 1 0,-3 1 0,-4-1 0,-2 1 0</inkml:trace>
+</inkml:ink>
+</file>
+
+<file path=ppt/ink/ink158.xml><?xml version="1.0" encoding="utf-8"?>
+<inkml:ink xmlns:inkml="http://www.w3.org/2003/InkML">
+  <inkml:definitions>
+    <inkml:context xml:id="ctx0">
+      <inkml:inkSource xml:id="inkSrc0">
+        <inkml:traceFormat>
+          <inkml:channel name="X" type="integer" min="-2.14748E9" max="2.14748E9" units="cm"/>
+          <inkml:channel name="Y" type="integer" min="-2.14748E9" max="2.14748E9" units="cm"/>
+          <inkml:channel name="F" type="integer" max="32767" units="dev"/>
+        </inkml:traceFormat>
+        <inkml:channelProperties>
+          <inkml:channelProperty channel="X" name="resolution" value="1000" units="1/cm"/>
+          <inkml:channelProperty channel="Y" name="resolution" value="1000" units="1/cm"/>
+          <inkml:channelProperty channel="F" name="resolution" value="0" units="1/dev"/>
+        </inkml:channelProperties>
+      </inkml:inkSource>
+      <inkml:timestamp xml:id="ts0" timeString="2025-10-07T10:49:36.782"/>
+    </inkml:context>
+    <inkml:brush xml:id="br0">
+      <inkml:brushProperty name="width" value="0.35" units="cm"/>
+      <inkml:brushProperty name="height" value="2.1" units="cm"/>
+      <inkml:brushProperty name="color" value="#FFFFFF"/>
+      <inkml:brushProperty name="ignorePressure" value="1"/>
+      <inkml:brushProperty name="inkEffects" value="pencil"/>
+    </inkml:brush>
+  </inkml:definitions>
+  <inkml:trace contextRef="#ctx0" brushRef="#br0">1612 806 0,'-1'32'0,"0"-1"0,-3 1 0,0-1 0,-1 0 0,-2 0 0,-1 0 0,-1-1 0,-2 0 0,0-1 0,-2 0 0,-1 0 0,-1-1 0,-1-1 0,-1 0 0,-1-1 0,-1-1 0,-1-1 0,-1 0 0,-1-1 0,-1-1 0,-1-1 0,0-1 0,-1-1 0,-1-1 0,-1-1 0,0-1 0,-1-1 0,-1-1 0,0-1 0,0-2 0,-1 0 0,0-2 0,-1-1 0,0-1 0,0-2 0,0-1 0,-1 0 0,1-3 0,-1 0 0,0-2 0,1 0 0,-1-3 0,1 0 0,0-1 0,0-2 0,0-1 0,1-1 0,0-2 0,1 0 0,0-2 0,0-1 0,1-1 0,1-1 0,0-1 0,1-1 0,1-1 0,1-1 0,0-1 0,1-1 0,1-1 0,1-1 0,1 0 0,1-1 0,1-1 0,1-1 0,1 0 0,1-1 0,1-1 0,1 0 0,2 0 0,0-1 0,2 0 0,1-1 0,1 0 0,2 0 0,1 0 0,0-1 0,3 1 0,0-1 0,2 0 0,0 1 0,3-1 0,0 1 0,1 0 0,2 0 0,1 0 0,1 1 0,2 0 0,0 1 0,2 0 0,1 0 0,1 1 0,1 1 0,1 0 0,1 1 0,1 1 0,1 1 0,1 0 0,1 1 0,1 1 0,1 1 0,0 1 0,1 1 0,1 1 0,1 1 0,0 1 0,1 1 0,1 1 0,0 1 0,0 2 0,1 0 0,0 2 0,1 1 0,0 1 0,0 2 0,0 1 0,1 0 0,-1 3 0,1 0 0,0 2 0,-1 0 0,1 3 0,-1 0 0,0 1 0,0 2 0,0 1 0,-1 1 0,0 2 0,-1 0 0,0 2 0,0 1 0,-1 1 0,-1 1 0,0 1 0,-1 1 0,-1 1 0,-1 1 0,0 1 0,-1 1 0,-1 1 0,-1 1 0,-1 0 0,-1 1 0,-1 1 0,-1 1 0,-1 0 0,-1 1 0,-1 1 0,-1 0 0,-2 0 0,0 1 0,-2 0 0,-1 1 0,-1 0 0,-2 0 0,-1 0 0,0 1 0,-3-1 0,0 1 0</inkml:trace>
+</inkml:ink>
+</file>
+
+<file path=ppt/ink/ink159.xml><?xml version="1.0" encoding="utf-8"?>
+<inkml:ink xmlns:inkml="http://www.w3.org/2003/InkML">
+  <inkml:definitions>
+    <inkml:context xml:id="ctx0">
+      <inkml:inkSource xml:id="inkSrc0">
+        <inkml:traceFormat>
+          <inkml:channel name="X" type="integer" min="-2.14748E9" max="2.14748E9" units="cm"/>
+          <inkml:channel name="Y" type="integer" min="-2.14748E9" max="2.14748E9" units="cm"/>
+          <inkml:channel name="F" type="integer" max="32767" units="dev"/>
+        </inkml:traceFormat>
+        <inkml:channelProperties>
+          <inkml:channelProperty channel="X" name="resolution" value="1000" units="1/cm"/>
+          <inkml:channelProperty channel="Y" name="resolution" value="1000" units="1/cm"/>
+          <inkml:channelProperty channel="F" name="resolution" value="0" units="1/dev"/>
+        </inkml:channelProperties>
+      </inkml:inkSource>
+      <inkml:timestamp xml:id="ts0" timeString="2025-10-07T10:49:42.139"/>
+    </inkml:context>
+    <inkml:brush xml:id="br0">
+      <inkml:brushProperty name="width" value="0.35" units="cm"/>
+      <inkml:brushProperty name="height" value="2.1" units="cm"/>
+      <inkml:brushProperty name="color" value="#FFFFFF"/>
+      <inkml:brushProperty name="ignorePressure" value="1"/>
+      <inkml:brushProperty name="inkEffects" value="pencil"/>
+    </inkml:brush>
+  </inkml:definitions>
+  <inkml:trace contextRef="#ctx0" brushRef="#br0">1612 806 0,'-1'32'0,"0"-1"0,-3 1 0,0-1 0,-1 0 0,-2 0 0,-1 0 0,-1-1 0,-2 0 0,0-1 0,-2 0 0,-1 0 0,-1-1 0,-1-1 0,-1 0 0,-1-1 0,-1-1 0,-1-1 0,-1 0 0,-1-1 0,-1-1 0,-1-1 0,0-1 0,-1-1 0,-1-1 0,-1-1 0,0-1 0,-1-1 0,-1-1 0,0-1 0,0-2 0,-1 0 0,0-2 0,-1-1 0,0-1 0,0-2 0,0-1 0,-1 0 0,1-3 0,-1 0 0,0-2 0,1 0 0,-1-3 0,1 0 0,0-1 0,0-2 0,0-1 0,1-1 0,0-2 0,1 0 0,0-2 0,0-1 0,1-1 0,1-1 0,0-1 0,1-1 0,1-1 0,1-1 0,0-1 0,1-1 0,1-1 0,1-1 0,1 0 0,1-1 0,1-1 0,1-1 0,1 0 0,1-1 0,1-1 0,1 0 0,2 0 0,0-1 0,2 0 0,1-1 0,1 0 0,2 0 0,1 0 0,0-1 0,3 1 0,0-1 0,2 0 0,0 1 0,3-1 0,0 1 0,1 0 0,2 0 0,1 0 0,1 1 0,2 0 0,0 1 0,2 0 0,1 0 0,1 1 0,1 1 0,1 0 0,1 1 0,1 1 0,1 1 0,1 0 0,1 1 0,1 1 0,1 1 0,0 1 0,1 1 0,1 1 0,1 1 0,0 1 0,1 1 0,1 1 0,0 1 0,0 2 0,1 0 0,0 2 0,1 1 0,0 1 0,0 2 0,0 1 0,1 0 0,-1 3 0,1 0 0,0 2 0,-1 0 0,1 3 0,-1 0 0,0 1 0,0 2 0,0 1 0,-1 1 0,0 2 0,-1 0 0,0 2 0,0 1 0,-1 1 0,-1 1 0,0 1 0,-1 1 0,-1 1 0,-1 1 0,0 1 0,-1 1 0,-1 1 0,-1 1 0,-1 0 0,-1 1 0,-1 1 0,-1 1 0,-1 0 0,-1 1 0,-1 1 0,-1 0 0,-2 0 0,0 1 0,-2 0 0,-1 1 0,-1 0 0,-2 0 0,-1 0 0,0 1 0,-3-1 0,0 1 0</inkml:trace>
+</inkml:ink>
+</file>
+
 <file path=ppt/ink/ink16.xml><?xml version="1.0" encoding="utf-8"?>
 <inkml:ink xmlns:inkml="http://www.w3.org/2003/InkML">
   <inkml:definitions>
@@ -1463,6 +2114,204 @@
     </inkml:brush>
   </inkml:definitions>
   <inkml:trace contextRef="#ctx0" brushRef="#br0">1 1,'0'0</inkml:trace>
+</inkml:ink>
+</file>
+
+<file path=ppt/ink/ink160.xml><?xml version="1.0" encoding="utf-8"?>
+<inkml:ink xmlns:inkml="http://www.w3.org/2003/InkML">
+  <inkml:definitions>
+    <inkml:context xml:id="ctx0">
+      <inkml:inkSource xml:id="inkSrc0">
+        <inkml:traceFormat>
+          <inkml:channel name="X" type="integer" min="-2.14748E9" max="2.14748E9" units="cm"/>
+          <inkml:channel name="Y" type="integer" min="-2.14748E9" max="2.14748E9" units="cm"/>
+          <inkml:channel name="F" type="integer" max="32767" units="dev"/>
+        </inkml:traceFormat>
+        <inkml:channelProperties>
+          <inkml:channelProperty channel="X" name="resolution" value="1000" units="1/cm"/>
+          <inkml:channelProperty channel="Y" name="resolution" value="1000" units="1/cm"/>
+          <inkml:channelProperty channel="F" name="resolution" value="0" units="1/dev"/>
+        </inkml:channelProperties>
+      </inkml:inkSource>
+      <inkml:timestamp xml:id="ts0" timeString="2025-10-07T10:49:42.523"/>
+    </inkml:context>
+    <inkml:brush xml:id="br0">
+      <inkml:brushProperty name="width" value="0.35" units="cm"/>
+      <inkml:brushProperty name="height" value="2.1" units="cm"/>
+      <inkml:brushProperty name="color" value="#FFFFFF"/>
+      <inkml:brushProperty name="ignorePressure" value="1"/>
+      <inkml:brushProperty name="inkEffects" value="pencil"/>
+    </inkml:brush>
+  </inkml:definitions>
+  <inkml:trace contextRef="#ctx0" brushRef="#br0">1612 806 0,'-1'32'0,"0"-1"0,-3 1 0,0-1 0,-1 0 0,-2 0 0,-1 0 0,-1-1 0,-2 0 0,0-1 0,-2 0 0,-1 0 0,-1-1 0,-1-1 0,-1 0 0,-1-1 0,-1-1 0,-1-1 0,-1 0 0,-1-1 0,-1-1 0,-1-1 0,0-1 0,-1-1 0,-1-1 0,-1-1 0,0-1 0,-1-1 0,-1-1 0,0-1 0,0-2 0,-1 0 0,0-2 0,-1-1 0,0-1 0,0-2 0,0-1 0,-1 0 0,1-3 0,-1 0 0,0-2 0,1 0 0,-1-3 0,1 0 0,0-1 0,0-2 0,0-1 0,1-1 0,0-2 0,1 0 0,0-2 0,0-1 0,1-1 0,1-1 0,0-1 0,1-1 0,1-1 0,1-1 0,0-1 0,1-1 0,1-1 0,1-1 0,1 0 0,1-1 0,1-1 0,1-1 0,1 0 0,1-1 0,1-1 0,1 0 0,2 0 0,0-1 0,2 0 0,1-1 0,1 0 0,2 0 0,1 0 0,0-1 0,3 1 0,0-1 0,2 0 0,0 1 0,3-1 0,0 1 0,1 0 0,2 0 0,1 0 0,1 1 0,2 0 0,0 1 0,2 0 0,1 0 0,1 1 0,1 1 0,1 0 0,1 1 0,1 1 0,1 1 0,1 0 0,1 1 0,1 1 0,1 1 0,0 1 0,1 1 0,1 1 0,1 1 0,0 1 0,1 1 0,1 1 0,0 1 0,0 2 0,1 0 0,0 2 0,1 1 0,0 1 0,0 2 0,0 1 0,1 0 0,-1 3 0,1 0 0,0 2 0,-1 0 0,1 3 0,-1 0 0,0 1 0,0 2 0,0 1 0,-1 1 0,0 2 0,-1 0 0,0 2 0,0 1 0,-1 1 0,-1 1 0,0 1 0,-1 1 0,-1 1 0,-1 1 0,0 1 0,-1 1 0,-1 1 0,-1 1 0,-1 0 0,-1 1 0,-1 1 0,-1 1 0,-1 0 0,-1 1 0,-1 1 0,-1 0 0,-2 0 0,0 1 0,-2 0 0,-1 1 0,-1 0 0,-2 0 0,-1 0 0,0 1 0,-3-1 0,0 1 0</inkml:trace>
+</inkml:ink>
+</file>
+
+<file path=ppt/ink/ink161.xml><?xml version="1.0" encoding="utf-8"?>
+<inkml:ink xmlns:inkml="http://www.w3.org/2003/InkML">
+  <inkml:definitions>
+    <inkml:context xml:id="ctx0">
+      <inkml:inkSource xml:id="inkSrc0">
+        <inkml:traceFormat>
+          <inkml:channel name="X" type="integer" min="-2.14748E9" max="2.14748E9" units="cm"/>
+          <inkml:channel name="Y" type="integer" min="-2.14748E9" max="2.14748E9" units="cm"/>
+        </inkml:traceFormat>
+        <inkml:channelProperties>
+          <inkml:channelProperty channel="X" name="resolution" value="1000" units="1/cm"/>
+          <inkml:channelProperty channel="Y" name="resolution" value="1000" units="1/cm"/>
+        </inkml:channelProperties>
+      </inkml:inkSource>
+      <inkml:timestamp xml:id="ts0" timeString="2025-10-07T10:54:32.804"/>
+    </inkml:context>
+    <inkml:brush xml:id="br0">
+      <inkml:brushProperty name="width" value="0.35" units="cm"/>
+      <inkml:brushProperty name="height" value="2.1" units="cm"/>
+      <inkml:brushProperty name="color" value="#FFFFFF"/>
+      <inkml:brushProperty name="ignorePressure" value="1"/>
+      <inkml:brushProperty name="inkEffects" value="pencil"/>
+    </inkml:brush>
+  </inkml:definitions>
+  <inkml:trace contextRef="#ctx0" brushRef="#br0">1 519,'9'0,"11"0,7 0,7 0,12 0,10 0,18-9,27-2,27-9,21-5,22 2,15-4,8 2,-8-2,-10-2,-3 4,-1 2,-4 1,0-5,3-2,1 4,8 1,3 2,6-6,-4-1,-2 3,-6 7,-7 7,-3 4,-2 5,5 2,4 2,8 0,7 0,7 0,5 0,11 0,15-1,6 0,13 0,3 0,-6 0,-9 0,4 0,0 0,-9 0,-5 0,4 0,-8 0,-4 0,-19 0,-12 0,-15 0,-11 0,-14 0,-20 0,-22 0,-19 0,-20 0,-17 0,-16 0</inkml:trace>
+</inkml:ink>
+</file>
+
+<file path=ppt/ink/ink162.xml><?xml version="1.0" encoding="utf-8"?>
+<inkml:ink xmlns:inkml="http://www.w3.org/2003/InkML">
+  <inkml:definitions>
+    <inkml:context xml:id="ctx0">
+      <inkml:inkSource xml:id="inkSrc0">
+        <inkml:traceFormat>
+          <inkml:channel name="X" type="integer" min="-2.14748E9" max="2.14748E9" units="cm"/>
+          <inkml:channel name="Y" type="integer" min="-2.14748E9" max="2.14748E9" units="cm"/>
+        </inkml:traceFormat>
+        <inkml:channelProperties>
+          <inkml:channelProperty channel="X" name="resolution" value="1000" units="1/cm"/>
+          <inkml:channelProperty channel="Y" name="resolution" value="1000" units="1/cm"/>
+        </inkml:channelProperties>
+      </inkml:inkSource>
+      <inkml:timestamp xml:id="ts0" timeString="2025-10-07T10:54:34.123"/>
+    </inkml:context>
+    <inkml:brush xml:id="br0">
+      <inkml:brushProperty name="width" value="0.35" units="cm"/>
+      <inkml:brushProperty name="height" value="2.1" units="cm"/>
+      <inkml:brushProperty name="color" value="#FFFFFF"/>
+      <inkml:brushProperty name="ignorePressure" value="1"/>
+      <inkml:brushProperty name="inkEffects" value="pencil"/>
+    </inkml:brush>
+  </inkml:definitions>
+  <inkml:trace contextRef="#ctx0" brushRef="#br0">271 0,'-4'0,"-2"4,0 11,11 2,12 7,12 8,15 4,12-1,10 3,7-1,5-2,-4-3,-4-7,-10-3,-16-1,-15 9,-16 8,-38 15,-27 7,-26 11,-18 15,-14 11,-6 10,8-4,5 2,16-12,9-9,19-19</inkml:trace>
+</inkml:ink>
+</file>
+
+<file path=ppt/ink/ink163.xml><?xml version="1.0" encoding="utf-8"?>
+<inkml:ink xmlns:inkml="http://www.w3.org/2003/InkML">
+  <inkml:definitions>
+    <inkml:context xml:id="ctx0">
+      <inkml:inkSource xml:id="inkSrc0">
+        <inkml:traceFormat>
+          <inkml:channel name="X" type="integer" min="-2.14748E9" max="2.14748E9" units="cm"/>
+          <inkml:channel name="Y" type="integer" min="-2.14748E9" max="2.14748E9" units="cm"/>
+        </inkml:traceFormat>
+        <inkml:channelProperties>
+          <inkml:channelProperty channel="X" name="resolution" value="1000" units="1/cm"/>
+          <inkml:channelProperty channel="Y" name="resolution" value="1000" units="1/cm"/>
+        </inkml:channelProperties>
+      </inkml:inkSource>
+      <inkml:timestamp xml:id="ts0" timeString="2025-10-07T10:54:37.772"/>
+    </inkml:context>
+    <inkml:brush xml:id="br0">
+      <inkml:brushProperty name="width" value="0.35" units="cm"/>
+      <inkml:brushProperty name="height" value="2.1" units="cm"/>
+      <inkml:brushProperty name="color" value="#FFFFFF"/>
+      <inkml:brushProperty name="ignorePressure" value="1"/>
+      <inkml:brushProperty name="inkEffects" value="pencil"/>
+    </inkml:brush>
+  </inkml:definitions>
+  <inkml:trace contextRef="#ctx0" brushRef="#br0">1 3567,'4'0,"19"0,10 0,17 0,17 0,24 0,9 0,9-8,0-8,-1-6,24-11,16-5,13-5,10-8,11 1,9 3,16 2,-1 4,4 1,-9-3,-15-2,-9-6,-14 0,-7-7,-13-8,-14-1,-7-7,-10 1,-4-5,-10 6,-10 3,-6 8,1 2,-11 11,-3 0,-1 5,-3 4,-4 1,1 6,12 0,10-7,22-6,10 0,16-1,16-10,-4 5,-5 2,-12-4,-11 3,-4 1,-15 5,-17 5,-12 9,-10 2,-10 0,-9 6,-6 2,-5-1,-7 0,2 3,0 1,2-2,1-2,17-10,6-5,4-8,5 2,-2 5,2-10,0 4,3 1,-4 2,-4 4,3 4,1-1,-1 0,-2 1,4-1,0 3,0-5,-2-2,-2 1,4-1,-5 0,-1 3,-2 3,-9 1,-3 3,6 1,-1 0,-4 1,2 0,-8-1,-4 1,-3-4,-2 2,-4 1,2 2,-1 4</inkml:trace>
+</inkml:ink>
+</file>
+
+<file path=ppt/ink/ink164.xml><?xml version="1.0" encoding="utf-8"?>
+<inkml:ink xmlns:inkml="http://www.w3.org/2003/InkML">
+  <inkml:definitions>
+    <inkml:context xml:id="ctx0">
+      <inkml:inkSource xml:id="inkSrc0">
+        <inkml:traceFormat>
+          <inkml:channel name="X" type="integer" min="-2.14748E9" max="2.14748E9" units="cm"/>
+          <inkml:channel name="Y" type="integer" min="-2.14748E9" max="2.14748E9" units="cm"/>
+        </inkml:traceFormat>
+        <inkml:channelProperties>
+          <inkml:channelProperty channel="X" name="resolution" value="1000" units="1/cm"/>
+          <inkml:channelProperty channel="Y" name="resolution" value="1000" units="1/cm"/>
+        </inkml:channelProperties>
+      </inkml:inkSource>
+      <inkml:timestamp xml:id="ts0" timeString="2025-10-07T10:54:39.235"/>
+    </inkml:context>
+    <inkml:brush xml:id="br0">
+      <inkml:brushProperty name="width" value="0.35" units="cm"/>
+      <inkml:brushProperty name="height" value="2.1" units="cm"/>
+      <inkml:brushProperty name="color" value="#FFFFFF"/>
+      <inkml:brushProperty name="ignorePressure" value="1"/>
+      <inkml:brushProperty name="inkEffects" value="pencil"/>
+    </inkml:brush>
+  </inkml:definitions>
+  <inkml:trace contextRef="#ctx0" brushRef="#br0">1 141,'17'0,"33"0,33 0,29 0,17 0,4 0,-7 0,-4-13,-9-4,-15 0,-15 3,-14 0,-14 3,-11 2,-6 4,-3-3,-5 1,-2 1,-2 2,-1 1,4-3,1 0,5 9,1 26,-2 26,-7 25,-3 25,3 21,-4 20,-5 6,-5-4,-6-11,-4-11,-2-18,-1-18,-1-26</inkml:trace>
+</inkml:ink>
+</file>
+
+<file path=ppt/ink/ink165.xml><?xml version="1.0" encoding="utf-8"?>
+<inkml:ink xmlns:inkml="http://www.w3.org/2003/InkML">
+  <inkml:definitions>
+    <inkml:context xml:id="ctx0">
+      <inkml:inkSource xml:id="inkSrc0">
+        <inkml:traceFormat>
+          <inkml:channel name="X" type="integer" min="-2.14748E9" max="2.14748E9" units="cm"/>
+          <inkml:channel name="Y" type="integer" min="-2.14748E9" max="2.14748E9" units="cm"/>
+        </inkml:traceFormat>
+        <inkml:channelProperties>
+          <inkml:channelProperty channel="X" name="resolution" value="1000" units="1/cm"/>
+          <inkml:channelProperty channel="Y" name="resolution" value="1000" units="1/cm"/>
+        </inkml:channelProperties>
+      </inkml:inkSource>
+      <inkml:timestamp xml:id="ts0" timeString="2025-10-07T10:54:40.956"/>
+    </inkml:context>
+    <inkml:brush xml:id="br0">
+      <inkml:brushProperty name="width" value="0.35" units="cm"/>
+      <inkml:brushProperty name="height" value="2.1" units="cm"/>
+      <inkml:brushProperty name="color" value="#FFFFFF"/>
+      <inkml:brushProperty name="ignorePressure" value="1"/>
+      <inkml:brushProperty name="inkEffects" value="pencil"/>
+    </inkml:brush>
+  </inkml:definitions>
+  <inkml:trace contextRef="#ctx0" brushRef="#br0">0 0,'5'0,"31"0,50 0,53 0,51 0,46 0,35 0,28 0,29 0,28 0,10 0,13 0,16 0,2 0,12 0,46 0,28 0,15 0,9 0,-36 0,-30 0,-28 0,-33 0,-32 0,-40 0,-34 0,-55 0,-55 0,-56 0</inkml:trace>
+</inkml:ink>
+</file>
+
+<file path=ppt/ink/ink166.xml><?xml version="1.0" encoding="utf-8"?>
+<inkml:ink xmlns:inkml="http://www.w3.org/2003/InkML">
+  <inkml:definitions>
+    <inkml:context xml:id="ctx0">
+      <inkml:inkSource xml:id="inkSrc0">
+        <inkml:traceFormat>
+          <inkml:channel name="X" type="integer" min="-2.14748E9" max="2.14748E9" units="cm"/>
+          <inkml:channel name="Y" type="integer" min="-2.14748E9" max="2.14748E9" units="cm"/>
+        </inkml:traceFormat>
+        <inkml:channelProperties>
+          <inkml:channelProperty channel="X" name="resolution" value="1000" units="1/cm"/>
+          <inkml:channelProperty channel="Y" name="resolution" value="1000" units="1/cm"/>
+        </inkml:channelProperties>
+      </inkml:inkSource>
+      <inkml:timestamp xml:id="ts0" timeString="2025-10-07T10:54:42.268"/>
+    </inkml:context>
+    <inkml:brush xml:id="br0">
+      <inkml:brushProperty name="width" value="0.35" units="cm"/>
+      <inkml:brushProperty name="height" value="2.1" units="cm"/>
+      <inkml:brushProperty name="color" value="#FFFFFF"/>
+      <inkml:brushProperty name="ignorePressure" value="1"/>
+      <inkml:brushProperty name="inkEffects" value="pencil"/>
+    </inkml:brush>
+  </inkml:definitions>
+  <inkml:trace contextRef="#ctx0" brushRef="#br0">1 1,'4'0,"6"0,10 0,20 8,14 8,13 10,16 13,16 18,17 8,11 5,10-4,-5-9,-13-10,-21-13,-28-8,-25-3,-39 6,-32 8,-39 10,-30 6,-24 20,-2 3,12-4,6-1,17-7,19-12,11-9,12-12,13-12</inkml:trace>
 </inkml:ink>
 </file>
 
@@ -3216,29 +4065,111 @@
         <inkml:traceFormat>
           <inkml:channel name="X" type="integer" min="-2.14748E9" max="2.14748E9" units="cm"/>
           <inkml:channel name="Y" type="integer" min="-2.14748E9" max="2.14748E9" units="cm"/>
-          <inkml:channel name="F" type="integer" max="32767" units="dev"/>
         </inkml:traceFormat>
         <inkml:channelProperties>
           <inkml:channelProperty channel="X" name="resolution" value="1000" units="1/cm"/>
           <inkml:channelProperty channel="Y" name="resolution" value="1000" units="1/cm"/>
-          <inkml:channelProperty channel="F" name="resolution" value="0" units="1/dev"/>
         </inkml:channelProperties>
       </inkml:inkSource>
-      <inkml:timestamp xml:id="ts0" timeString="2025-10-07T10:49:36.782"/>
+      <inkml:timestamp xml:id="ts0" timeString="2025-10-09T05:43:16.983"/>
     </inkml:context>
     <inkml:brush xml:id="br0">
-      <inkml:brushProperty name="width" value="0.35" units="cm"/>
-      <inkml:brushProperty name="height" value="2.1" units="cm"/>
+      <inkml:brushProperty name="width" value="0.1" units="cm"/>
+      <inkml:brushProperty name="height" value="0.6" units="cm"/>
       <inkml:brushProperty name="color" value="#FFFFFF"/>
       <inkml:brushProperty name="ignorePressure" value="1"/>
       <inkml:brushProperty name="inkEffects" value="pencil"/>
     </inkml:brush>
   </inkml:definitions>
-  <inkml:trace contextRef="#ctx0" brushRef="#br0">1612 806 0,'-1'32'0,"0"-1"0,-3 1 0,0-1 0,-1 0 0,-2 0 0,-1 0 0,-1-1 0,-2 0 0,0-1 0,-2 0 0,-1 0 0,-1-1 0,-1-1 0,-1 0 0,-1-1 0,-1-1 0,-1-1 0,-1 0 0,-1-1 0,-1-1 0,-1-1 0,0-1 0,-1-1 0,-1-1 0,-1-1 0,0-1 0,-1-1 0,-1-1 0,0-1 0,0-2 0,-1 0 0,0-2 0,-1-1 0,0-1 0,0-2 0,0-1 0,-1 0 0,1-3 0,-1 0 0,0-2 0,1 0 0,-1-3 0,1 0 0,0-1 0,0-2 0,0-1 0,1-1 0,0-2 0,1 0 0,0-2 0,0-1 0,1-1 0,1-1 0,0-1 0,1-1 0,1-1 0,1-1 0,0-1 0,1-1 0,1-1 0,1-1 0,1 0 0,1-1 0,1-1 0,1-1 0,1 0 0,1-1 0,1-1 0,1 0 0,2 0 0,0-1 0,2 0 0,1-1 0,1 0 0,2 0 0,1 0 0,0-1 0,3 1 0,0-1 0,2 0 0,0 1 0,3-1 0,0 1 0,1 0 0,2 0 0,1 0 0,1 1 0,2 0 0,0 1 0,2 0 0,1 0 0,1 1 0,1 1 0,1 0 0,1 1 0,1 1 0,1 1 0,1 0 0,1 1 0,1 1 0,1 1 0,0 1 0,1 1 0,1 1 0,1 1 0,0 1 0,1 1 0,1 1 0,0 1 0,0 2 0,1 0 0,0 2 0,1 1 0,0 1 0,0 2 0,0 1 0,1 0 0,-1 3 0,1 0 0,0 2 0,-1 0 0,1 3 0,-1 0 0,0 1 0,0 2 0,0 1 0,-1 1 0,0 2 0,-1 0 0,0 2 0,0 1 0,-1 1 0,-1 1 0,0 1 0,-1 1 0,-1 1 0,-1 1 0,0 1 0,-1 1 0,-1 1 0,-1 1 0,-1 0 0,-1 1 0,-1 1 0,-1 1 0,-1 0 0,-1 1 0,-1 1 0,-1 0 0,-2 0 0,0 1 0,-2 0 0,-1 1 0,-1 0 0,-2 0 0,-1 0 0,0 1 0,-3-1 0,0 1 0</inkml:trace>
+  <inkml:trace contextRef="#ctx0" brushRef="#br0">0 1,'9'0,"8"0,6 0,3 0,2 0,1 0,1 0,3 0,2 0,-1 0,-1 0,-3 0,0 0,3 0,1 0,-1 0,3 0,1 0,-2 0,-2 0,-2 0,-2 0,4 0,1 0,-1 0,3 0,-4 0</inkml:trace>
 </inkml:ink>
 </file>
 
 <file path=ppt/ink/ink71.xml><?xml version="1.0" encoding="utf-8"?>
+<inkml:ink xmlns:inkml="http://www.w3.org/2003/InkML">
+  <inkml:definitions>
+    <inkml:context xml:id="ctx0">
+      <inkml:inkSource xml:id="inkSrc0">
+        <inkml:traceFormat>
+          <inkml:channel name="X" type="integer" min="-2.14748E9" max="2.14748E9" units="cm"/>
+          <inkml:channel name="Y" type="integer" min="-2.14748E9" max="2.14748E9" units="cm"/>
+        </inkml:traceFormat>
+        <inkml:channelProperties>
+          <inkml:channelProperty channel="X" name="resolution" value="1000" units="1/cm"/>
+          <inkml:channelProperty channel="Y" name="resolution" value="1000" units="1/cm"/>
+        </inkml:channelProperties>
+      </inkml:inkSource>
+      <inkml:timestamp xml:id="ts0" timeString="2025-10-09T05:43:18.635"/>
+    </inkml:context>
+    <inkml:brush xml:id="br0">
+      <inkml:brushProperty name="width" value="0.1" units="cm"/>
+      <inkml:brushProperty name="height" value="0.6" units="cm"/>
+      <inkml:brushProperty name="color" value="#FFFFFF"/>
+      <inkml:brushProperty name="ignorePressure" value="1"/>
+      <inkml:brushProperty name="inkEffects" value="pencil"/>
+    </inkml:brush>
+  </inkml:definitions>
+  <inkml:trace contextRef="#ctx0" brushRef="#br0">0 1,'5'0,"5"4,3 7,2 1,4-1,7-3,5 2,-3 4,-2 0,-1 2,0 2,-4 4,-5 2,-6 6,-9 4,-5-1,-6 0,-2-2,1 4,-1-5,-4-2,0-2,-1 0,3 0,3-5</inkml:trace>
+</inkml:ink>
+</file>
+
+<file path=ppt/ink/ink72.xml><?xml version="1.0" encoding="utf-8"?>
+<inkml:ink xmlns:inkml="http://www.w3.org/2003/InkML">
+  <inkml:definitions>
+    <inkml:context xml:id="ctx0">
+      <inkml:inkSource xml:id="inkSrc0">
+        <inkml:traceFormat>
+          <inkml:channel name="X" type="integer" min="-2.14748E9" max="2.14748E9" units="cm"/>
+          <inkml:channel name="Y" type="integer" min="-2.14748E9" max="2.14748E9" units="cm"/>
+        </inkml:traceFormat>
+        <inkml:channelProperties>
+          <inkml:channelProperty channel="X" name="resolution" value="1000" units="1/cm"/>
+          <inkml:channelProperty channel="Y" name="resolution" value="1000" units="1/cm"/>
+        </inkml:channelProperties>
+      </inkml:inkSource>
+      <inkml:timestamp xml:id="ts0" timeString="2025-10-09T05:43:21.990"/>
+    </inkml:context>
+    <inkml:brush xml:id="br0">
+      <inkml:brushProperty name="width" value="0.1" units="cm"/>
+      <inkml:brushProperty name="height" value="0.6" units="cm"/>
+      <inkml:brushProperty name="color" value="#FFFFFF"/>
+      <inkml:brushProperty name="ignorePressure" value="1"/>
+      <inkml:brushProperty name="inkEffects" value="pencil"/>
+    </inkml:brush>
+  </inkml:definitions>
+  <inkml:trace contextRef="#ctx0" brushRef="#br0">0 0,'5'5,"10"1,12 0,7-2,2 0,-1-2,-2-1,-1-1,-2 0,-1 0,-1 0,-1-1,4 1,3 0,-1 0,-2 0,5 0,-1 0,-1 0,-1 5,-2 1,2 0,2-1,-2-2,-1-1,-2 0,-1-2,-5 0</inkml:trace>
+</inkml:ink>
+</file>
+
+<file path=ppt/ink/ink73.xml><?xml version="1.0" encoding="utf-8"?>
+<inkml:ink xmlns:inkml="http://www.w3.org/2003/InkML">
+  <inkml:definitions>
+    <inkml:context xml:id="ctx0">
+      <inkml:inkSource xml:id="inkSrc0">
+        <inkml:traceFormat>
+          <inkml:channel name="X" type="integer" min="-2.14748E9" max="2.14748E9" units="cm"/>
+          <inkml:channel name="Y" type="integer" min="-2.14748E9" max="2.14748E9" units="cm"/>
+        </inkml:traceFormat>
+        <inkml:channelProperties>
+          <inkml:channelProperty channel="X" name="resolution" value="1000" units="1/cm"/>
+          <inkml:channelProperty channel="Y" name="resolution" value="1000" units="1/cm"/>
+        </inkml:channelProperties>
+      </inkml:inkSource>
+      <inkml:timestamp xml:id="ts0" timeString="2025-10-09T05:43:23.925"/>
+    </inkml:context>
+    <inkml:brush xml:id="br0">
+      <inkml:brushProperty name="width" value="0.1" units="cm"/>
+      <inkml:brushProperty name="height" value="0.6" units="cm"/>
+      <inkml:brushProperty name="color" value="#FFFFFF"/>
+      <inkml:brushProperty name="ignorePressure" value="1"/>
+      <inkml:brushProperty name="inkEffects" value="pencil"/>
+    </inkml:brush>
+  </inkml:definitions>
+  <inkml:trace contextRef="#ctx0" brushRef="#br0">1 0,'0'5,"4"10,7 3,5 3,6-1,3-6,1-3,-2-1,-2-1,1-2,5 7,3 1,1-2,-6 1,-6 3,-12 4,-12 2,-5 2,-5-3,-6-5,-8-6,-9 0,2 3,6 4,5-2,1 2,0 2,3-2</inkml:trace>
+</inkml:ink>
+</file>
+
+<file path=ppt/ink/ink74.xml><?xml version="1.0" encoding="utf-8"?>
 <inkml:ink xmlns:inkml="http://www.w3.org/2003/InkML">
   <inkml:definitions>
     <inkml:context xml:id="ctx0">
@@ -3254,105 +4185,17 @@
           <inkml:channelProperty channel="F" name="resolution" value="0" units="1/dev"/>
         </inkml:channelProperties>
       </inkml:inkSource>
-      <inkml:timestamp xml:id="ts0" timeString="2025-10-07T10:49:41.693"/>
+      <inkml:timestamp xml:id="ts0" timeString="2025-10-09T05:43:28.697"/>
     </inkml:context>
     <inkml:brush xml:id="br0">
-      <inkml:brushProperty name="width" value="0.35" units="cm"/>
-      <inkml:brushProperty name="height" value="2.1" units="cm"/>
+      <inkml:brushProperty name="width" value="0.1" units="cm"/>
+      <inkml:brushProperty name="height" value="0.6" units="cm"/>
       <inkml:brushProperty name="color" value="#FFFFFF"/>
       <inkml:brushProperty name="ignorePressure" value="1"/>
       <inkml:brushProperty name="inkEffects" value="pencil"/>
     </inkml:brush>
   </inkml:definitions>
-  <inkml:trace contextRef="#ctx0" brushRef="#br0">1612 806 0,'-1'32'0,"0"-1"0,-3 1 0,0-1 0,-1 0 0,-2 0 0,-1 0 0,-1-1 0,-2 0 0,0-1 0,-2 0 0,-1 0 0,-1-1 0,-1-1 0,-1 0 0,-1-1 0,-1-1 0,-1-1 0,-1 0 0,-1-1 0,-1-1 0,-1-1 0,0-1 0,-1-1 0,-1-1 0,-1-1 0,0-1 0,-1-1 0,-1-1 0,0-1 0,0-2 0,-1 0 0,0-2 0,-1-1 0,0-1 0,0-2 0,0-1 0,-1 0 0,1-3 0,-1 0 0,0-2 0,1 0 0,-1-3 0,1 0 0,0-1 0,0-2 0,0-1 0,1-1 0,0-2 0,1 0 0,0-2 0,0-1 0,1-1 0,1-1 0,0-1 0,1-1 0,1-1 0,1-1 0,0-1 0,1-1 0,1-1 0,1-1 0,1 0 0,1-1 0,1-1 0,1-1 0,1 0 0,1-1 0,1-1 0,1 0 0,2 0 0,0-1 0,2 0 0,1-1 0,1 0 0,2 0 0,1 0 0,0-1 0,3 1 0,0-1 0,2 0 0,0 1 0,3-1 0,0 1 0,1 0 0,2 0 0,1 0 0,1 1 0,2 0 0,0 1 0,2 0 0,1 0 0,1 1 0,1 1 0,1 0 0,1 1 0,1 1 0,1 1 0,1 0 0,1 1 0,1 1 0,1 1 0,0 1 0,1 1 0,1 1 0,1 1 0,0 1 0,1 1 0,1 1 0,0 1 0,0 2 0,1 0 0,0 2 0,1 1 0,0 1 0,0 2 0,0 1 0,1 0 0,-1 3 0,1 0 0,0 2 0,-1 0 0,1 3 0,-1 0 0,0 1 0,0 2 0,0 1 0,-1 1 0,0 2 0,-1 0 0,0 2 0,0 1 0,-1 1 0,-1 1 0,0 1 0,-1 1 0,-1 1 0,-1 1 0,0 1 0,-1 1 0,-1 1 0,-1 1 0,-1 0 0,-1 1 0,-1 1 0,-1 1 0,-1 0 0,-1 1 0,-1 1 0,-1 0 0,-2 0 0,0 1 0,-2 0 0,-1 1 0,-1 0 0,-2 0 0,-1 0 0,0 1 0,-3-1 0,0 1 0</inkml:trace>
-</inkml:ink>
-</file>
-
-<file path=ppt/ink/ink72.xml><?xml version="1.0" encoding="utf-8"?>
-<inkml:ink xmlns:inkml="http://www.w3.org/2003/InkML">
-  <inkml:definitions>
-    <inkml:context xml:id="ctx0">
-      <inkml:inkSource xml:id="inkSrc0">
-        <inkml:traceFormat>
-          <inkml:channel name="X" type="integer" min="-2.14748E9" max="2.14748E9" units="cm"/>
-          <inkml:channel name="Y" type="integer" min="-2.14748E9" max="2.14748E9" units="cm"/>
-          <inkml:channel name="F" type="integer" max="32767" units="dev"/>
-        </inkml:traceFormat>
-        <inkml:channelProperties>
-          <inkml:channelProperty channel="X" name="resolution" value="1000" units="1/cm"/>
-          <inkml:channelProperty channel="Y" name="resolution" value="1000" units="1/cm"/>
-          <inkml:channelProperty channel="F" name="resolution" value="0" units="1/dev"/>
-        </inkml:channelProperties>
-      </inkml:inkSource>
-      <inkml:timestamp xml:id="ts0" timeString="2025-10-07T10:49:42.139"/>
-    </inkml:context>
-    <inkml:brush xml:id="br0">
-      <inkml:brushProperty name="width" value="0.35" units="cm"/>
-      <inkml:brushProperty name="height" value="2.1" units="cm"/>
-      <inkml:brushProperty name="color" value="#FFFFFF"/>
-      <inkml:brushProperty name="ignorePressure" value="1"/>
-      <inkml:brushProperty name="inkEffects" value="pencil"/>
-    </inkml:brush>
-  </inkml:definitions>
-  <inkml:trace contextRef="#ctx0" brushRef="#br0">1612 806 0,'-1'32'0,"0"-1"0,-3 1 0,0-1 0,-1 0 0,-2 0 0,-1 0 0,-1-1 0,-2 0 0,0-1 0,-2 0 0,-1 0 0,-1-1 0,-1-1 0,-1 0 0,-1-1 0,-1-1 0,-1-1 0,-1 0 0,-1-1 0,-1-1 0,-1-1 0,0-1 0,-1-1 0,-1-1 0,-1-1 0,0-1 0,-1-1 0,-1-1 0,0-1 0,0-2 0,-1 0 0,0-2 0,-1-1 0,0-1 0,0-2 0,0-1 0,-1 0 0,1-3 0,-1 0 0,0-2 0,1 0 0,-1-3 0,1 0 0,0-1 0,0-2 0,0-1 0,1-1 0,0-2 0,1 0 0,0-2 0,0-1 0,1-1 0,1-1 0,0-1 0,1-1 0,1-1 0,1-1 0,0-1 0,1-1 0,1-1 0,1-1 0,1 0 0,1-1 0,1-1 0,1-1 0,1 0 0,1-1 0,1-1 0,1 0 0,2 0 0,0-1 0,2 0 0,1-1 0,1 0 0,2 0 0,1 0 0,0-1 0,3 1 0,0-1 0,2 0 0,0 1 0,3-1 0,0 1 0,1 0 0,2 0 0,1 0 0,1 1 0,2 0 0,0 1 0,2 0 0,1 0 0,1 1 0,1 1 0,1 0 0,1 1 0,1 1 0,1 1 0,1 0 0,1 1 0,1 1 0,1 1 0,0 1 0,1 1 0,1 1 0,1 1 0,0 1 0,1 1 0,1 1 0,0 1 0,0 2 0,1 0 0,0 2 0,1 1 0,0 1 0,0 2 0,0 1 0,1 0 0,-1 3 0,1 0 0,0 2 0,-1 0 0,1 3 0,-1 0 0,0 1 0,0 2 0,0 1 0,-1 1 0,0 2 0,-1 0 0,0 2 0,0 1 0,-1 1 0,-1 1 0,0 1 0,-1 1 0,-1 1 0,-1 1 0,0 1 0,-1 1 0,-1 1 0,-1 1 0,-1 0 0,-1 1 0,-1 1 0,-1 1 0,-1 0 0,-1 1 0,-1 1 0,-1 0 0,-2 0 0,0 1 0,-2 0 0,-1 1 0,-1 0 0,-2 0 0,-1 0 0,0 1 0,-3-1 0,0 1 0</inkml:trace>
-</inkml:ink>
-</file>
-
-<file path=ppt/ink/ink73.xml><?xml version="1.0" encoding="utf-8"?>
-<inkml:ink xmlns:inkml="http://www.w3.org/2003/InkML">
-  <inkml:definitions>
-    <inkml:context xml:id="ctx0">
-      <inkml:inkSource xml:id="inkSrc0">
-        <inkml:traceFormat>
-          <inkml:channel name="X" type="integer" min="-2.14748E9" max="2.14748E9" units="cm"/>
-          <inkml:channel name="Y" type="integer" min="-2.14748E9" max="2.14748E9" units="cm"/>
-          <inkml:channel name="F" type="integer" max="32767" units="dev"/>
-        </inkml:traceFormat>
-        <inkml:channelProperties>
-          <inkml:channelProperty channel="X" name="resolution" value="1000" units="1/cm"/>
-          <inkml:channelProperty channel="Y" name="resolution" value="1000" units="1/cm"/>
-          <inkml:channelProperty channel="F" name="resolution" value="0" units="1/dev"/>
-        </inkml:channelProperties>
-      </inkml:inkSource>
-      <inkml:timestamp xml:id="ts0" timeString="2025-10-07T10:49:42.523"/>
-    </inkml:context>
-    <inkml:brush xml:id="br0">
-      <inkml:brushProperty name="width" value="0.35" units="cm"/>
-      <inkml:brushProperty name="height" value="2.1" units="cm"/>
-      <inkml:brushProperty name="color" value="#FFFFFF"/>
-      <inkml:brushProperty name="ignorePressure" value="1"/>
-      <inkml:brushProperty name="inkEffects" value="pencil"/>
-    </inkml:brush>
-  </inkml:definitions>
-  <inkml:trace contextRef="#ctx0" brushRef="#br0">1612 806 0,'-1'32'0,"0"-1"0,-3 1 0,0-1 0,-1 0 0,-2 0 0,-1 0 0,-1-1 0,-2 0 0,0-1 0,-2 0 0,-1 0 0,-1-1 0,-1-1 0,-1 0 0,-1-1 0,-1-1 0,-1-1 0,-1 0 0,-1-1 0,-1-1 0,-1-1 0,0-1 0,-1-1 0,-1-1 0,-1-1 0,0-1 0,-1-1 0,-1-1 0,0-1 0,0-2 0,-1 0 0,0-2 0,-1-1 0,0-1 0,0-2 0,0-1 0,-1 0 0,1-3 0,-1 0 0,0-2 0,1 0 0,-1-3 0,1 0 0,0-1 0,0-2 0,0-1 0,1-1 0,0-2 0,1 0 0,0-2 0,0-1 0,1-1 0,1-1 0,0-1 0,1-1 0,1-1 0,1-1 0,0-1 0,1-1 0,1-1 0,1-1 0,1 0 0,1-1 0,1-1 0,1-1 0,1 0 0,1-1 0,1-1 0,1 0 0,2 0 0,0-1 0,2 0 0,1-1 0,1 0 0,2 0 0,1 0 0,0-1 0,3 1 0,0-1 0,2 0 0,0 1 0,3-1 0,0 1 0,1 0 0,2 0 0,1 0 0,1 1 0,2 0 0,0 1 0,2 0 0,1 0 0,1 1 0,1 1 0,1 0 0,1 1 0,1 1 0,1 1 0,1 0 0,1 1 0,1 1 0,1 1 0,0 1 0,1 1 0,1 1 0,1 1 0,0 1 0,1 1 0,1 1 0,0 1 0,0 2 0,1 0 0,0 2 0,1 1 0,0 1 0,0 2 0,0 1 0,1 0 0,-1 3 0,1 0 0,0 2 0,-1 0 0,1 3 0,-1 0 0,0 1 0,0 2 0,0 1 0,-1 1 0,0 2 0,-1 0 0,0 2 0,0 1 0,-1 1 0,-1 1 0,0 1 0,-1 1 0,-1 1 0,-1 1 0,0 1 0,-1 1 0,-1 1 0,-1 1 0,-1 0 0,-1 1 0,-1 1 0,-1 1 0,-1 0 0,-1 1 0,-1 1 0,-1 0 0,-2 0 0,0 1 0,-2 0 0,-1 1 0,-1 0 0,-2 0 0,-1 0 0,0 1 0,-3-1 0,0 1 0</inkml:trace>
-</inkml:ink>
-</file>
-
-<file path=ppt/ink/ink74.xml><?xml version="1.0" encoding="utf-8"?>
-<inkml:ink xmlns:inkml="http://www.w3.org/2003/InkML">
-  <inkml:definitions>
-    <inkml:context xml:id="ctx0">
-      <inkml:inkSource xml:id="inkSrc0">
-        <inkml:traceFormat>
-          <inkml:channel name="X" type="integer" min="-2.14748E9" max="2.14748E9" units="cm"/>
-          <inkml:channel name="Y" type="integer" min="-2.14748E9" max="2.14748E9" units="cm"/>
-        </inkml:traceFormat>
-        <inkml:channelProperties>
-          <inkml:channelProperty channel="X" name="resolution" value="1000" units="1/cm"/>
-          <inkml:channelProperty channel="Y" name="resolution" value="1000" units="1/cm"/>
-        </inkml:channelProperties>
-      </inkml:inkSource>
-      <inkml:timestamp xml:id="ts0" timeString="2025-10-07T10:51:46.317"/>
-    </inkml:context>
-    <inkml:brush xml:id="br0">
-      <inkml:brushProperty name="width" value="0.35" units="cm"/>
-      <inkml:brushProperty name="height" value="2.1" units="cm"/>
-      <inkml:brushProperty name="color" value="#FFFFFF"/>
-      <inkml:brushProperty name="ignorePressure" value="1"/>
-      <inkml:brushProperty name="inkEffects" value="pencil"/>
-    </inkml:brush>
-  </inkml:definitions>
-  <inkml:trace contextRef="#ctx0" brushRef="#br0">1 591,'0'-4,"4"-6,15-2,18 2,10 3,11 2,12-3,4 1,-6 1,2-7,2-1,-2 1,1 4,0-2,-3 2,1-3,1 1,2-6,1-1,-2 4,4-1,2 2,5-1,3 2,4 3,-1-6,12-4,10 0,4 4,4 5,9-1,13-7,13-5,11-2,8 2,2 1,-8 4,3-3,4 1,7 5,20 5,12 3,5 0,0 0,-2 1,2 3,-2 1,-1 0,5 2,6 0,-6 0,0 1,-7-1,-5 0,-2 0,-10 1,-4-1,-7 0,-14 0,-18 0,-13 0,-18 0,-24 0,-24 0,-25 0</inkml:trace>
+  <inkml:trace contextRef="#ctx0" brushRef="#br0">1 1 0,'0'684'0</inkml:trace>
 </inkml:ink>
 </file>
 
@@ -3370,17 +4213,17 @@
           <inkml:channelProperty channel="Y" name="resolution" value="1000" units="1/cm"/>
         </inkml:channelProperties>
       </inkml:inkSource>
-      <inkml:timestamp xml:id="ts0" timeString="2025-10-07T10:51:49.051"/>
+      <inkml:timestamp xml:id="ts0" timeString="2025-10-09T05:43:30.780"/>
     </inkml:context>
     <inkml:brush xml:id="br0">
-      <inkml:brushProperty name="width" value="0.35" units="cm"/>
-      <inkml:brushProperty name="height" value="2.1" units="cm"/>
+      <inkml:brushProperty name="width" value="0.1" units="cm"/>
+      <inkml:brushProperty name="height" value="0.6" units="cm"/>
       <inkml:brushProperty name="color" value="#FFFFFF"/>
       <inkml:brushProperty name="ignorePressure" value="1"/>
       <inkml:brushProperty name="inkEffects" value="pencil"/>
     </inkml:brush>
   </inkml:definitions>
-  <inkml:trace contextRef="#ctx0" brushRef="#br0">0 0,'5'5,"5"1,5 4,5 0,-1 3,1-1,5-2,3 1,6 4,0 3,1-2,1 2,0-3,2-4,-1 5,-2 0,-3-3,-7 1,-3-2,-1-4,0-2,-3 2,-1 3,2 1,1 2,2 3,-2 3,-6 3,-4 6,-4 2,-8 1,-8 7,-6 2,-5-1,-3 0,-2-6,3-5,2-6,0-9,3-1,-4 1,-3 3,-1 3,0-3,-1 1,0 2,5 1,-2 2,2 1,1-3,3-1,2-4,-2-5,3 1,-1 2,-7 7,-3 5,3 3,5-5</inkml:trace>
+  <inkml:trace contextRef="#ctx0" brushRef="#br0">1 164,'5'0,"10"5,8 1,5 5,1 0,1-2,0-2,0-3,3 3,2 1,-1-2,3-1,-5 2,-3 1,-2-2,-1-5,0-9,5-7,-3-6,-2-8,-5-4,-6-6,-1 4,2 3,-2 2,-4 7</inkml:trace>
 </inkml:ink>
 </file>
 
@@ -3398,17 +4241,17 @@
           <inkml:channelProperty channel="Y" name="resolution" value="1000" units="1/cm"/>
         </inkml:channelProperties>
       </inkml:inkSource>
-      <inkml:timestamp xml:id="ts0" timeString="2025-10-07T10:51:51.621"/>
+      <inkml:timestamp xml:id="ts0" timeString="2025-10-09T05:43:34.604"/>
     </inkml:context>
     <inkml:brush xml:id="br0">
-      <inkml:brushProperty name="width" value="0.35" units="cm"/>
-      <inkml:brushProperty name="height" value="2.1" units="cm"/>
+      <inkml:brushProperty name="width" value="0.1" units="cm"/>
+      <inkml:brushProperty name="height" value="0.6" units="cm"/>
       <inkml:brushProperty name="color" value="#FFFFFF"/>
       <inkml:brushProperty name="ignorePressure" value="1"/>
       <inkml:brushProperty name="inkEffects" value="pencil"/>
     </inkml:brush>
   </inkml:definitions>
-  <inkml:trace contextRef="#ctx0" brushRef="#br0">0 1,'9'4,"7"2,5 3,0 6,-1-1,2 3,1-3,1 2,5 1,2-1,13 1,30 1,37 7,39 8,42 2,41 5,28-1,18 2,6-2,1-3,-3-7,-16-5,-31 2,-29-2,-33-7,-28-5,-22 0,-18-3,-15-3,-1 3,2-1,3-2,2-2,3-1,10-1,8-2,2 0,-3 0,-3-1,-8 1,-4 0,-8 0,-5 0,-10-1,-5 1,2 0,2 0,0 0,4 1,2-1,0 0,-2-5,-2-5,-5-1,-7 1,-2-2,5-4,4-7,-7 0,-10 4,2 1,4-6,0 2,-2 5,-3 0,-3 4,-6-1,1-2,5-3,-3 2,-1-1,-1 3,-1 4,1 0,-5-3,-6-4,0 2,1-1,-2-2,-3 2,-3 0,-3 2,-3 5,-5-1,2 1,1-1,2-4,-1 1,0-2,5-2,1-3,-5 3</inkml:trace>
+  <inkml:trace contextRef="#ctx0" brushRef="#br0">748 0,'-5'0,"-5"0,-7 0,-5 0,-2 0,-3 0,-1 0,-1 0,-4 0,-2 0,1 0,-3 0,0 0,-7 0,-2 0,3 0,4 0,-1 0,3 0,2 0,2 0,3 0,-3 0,4 0</inkml:trace>
 </inkml:ink>
 </file>
 
@@ -3426,17 +4269,17 @@
           <inkml:channelProperty channel="Y" name="resolution" value="1000" units="1/cm"/>
         </inkml:channelProperties>
       </inkml:inkSource>
-      <inkml:timestamp xml:id="ts0" timeString="2025-10-07T10:51:53.460"/>
+      <inkml:timestamp xml:id="ts0" timeString="2025-10-09T05:43:36.785"/>
     </inkml:context>
     <inkml:brush xml:id="br0">
-      <inkml:brushProperty name="width" value="0.35" units="cm"/>
-      <inkml:brushProperty name="height" value="2.1" units="cm"/>
+      <inkml:brushProperty name="width" value="0.1" units="cm"/>
+      <inkml:brushProperty name="height" value="0.6" units="cm"/>
       <inkml:brushProperty name="color" value="#FFFFFF"/>
       <inkml:brushProperty name="ignorePressure" value="1"/>
       <inkml:brushProperty name="inkEffects" value="pencil"/>
     </inkml:brush>
   </inkml:definitions>
-  <inkml:trace contextRef="#ctx0" brushRef="#br0">12 1,'-4'0,"-2"4,5 2,2 4,6 0,10 3,6 8,5 0,1-3,8-5,4-4,6 4,1 1,0-2,-3-4,-1-2,-3 1,4 0,-1-1,0-2,-2-2,0 4,-3 0,6 0,-1-2,-8 4,-10 3,-10 15,-6 14,-7 11,-2 4,-2 6,-1 2,0-1,-4-3,-1-7,0-8,2-7,2-1,1 2,-3-1,-2 6,2 1,1-4,1-8</inkml:trace>
+  <inkml:trace contextRef="#ctx0" brushRef="#br0">327 0,'0'5,"0"6,-4 1,-7-1,-6 1,-5 9,-7 1,-4 0,-1 2,1-3,1-1,1 2,2 0,6 2,6 2,6 0,10 1,10 5,8 2,5-5,-1-3,1-1,2-5,-5-1,1 1,0-3,3 0,-4 2,0 3,2-3,-4-5</inkml:trace>
 </inkml:ink>
 </file>
 
@@ -3448,23 +4291,25 @@
         <inkml:traceFormat>
           <inkml:channel name="X" type="integer" min="-2.14748E9" max="2.14748E9" units="cm"/>
           <inkml:channel name="Y" type="integer" min="-2.14748E9" max="2.14748E9" units="cm"/>
+          <inkml:channel name="F" type="integer" max="32767" units="dev"/>
         </inkml:traceFormat>
         <inkml:channelProperties>
           <inkml:channelProperty channel="X" name="resolution" value="1000" units="1/cm"/>
           <inkml:channelProperty channel="Y" name="resolution" value="1000" units="1/cm"/>
+          <inkml:channelProperty channel="F" name="resolution" value="0" units="1/dev"/>
         </inkml:channelProperties>
       </inkml:inkSource>
-      <inkml:timestamp xml:id="ts0" timeString="2025-10-07T10:52:03.388"/>
+      <inkml:timestamp xml:id="ts0" timeString="2025-10-09T05:43:41.193"/>
     </inkml:context>
     <inkml:brush xml:id="br0">
-      <inkml:brushProperty name="width" value="0.35" units="cm"/>
-      <inkml:brushProperty name="height" value="2.1" units="cm"/>
+      <inkml:brushProperty name="width" value="0.1" units="cm"/>
+      <inkml:brushProperty name="height" value="0.6" units="cm"/>
       <inkml:brushProperty name="color" value="#FFFFFF"/>
       <inkml:brushProperty name="ignorePressure" value="1"/>
       <inkml:brushProperty name="inkEffects" value="pencil"/>
     </inkml:brush>
   </inkml:definitions>
-  <inkml:trace contextRef="#ctx0" brushRef="#br0">0 1,'4'4,"6"6,6 2,13 2,10 0,12-3,10-4,12-2,16-3,14-1,16-1,5 0,4-1,-3 0,-1 1,-4 0,-9-1,-11 1,-13 0,-13 0,-14 0,-10 0,-3 0,-2 0,0 0,-2 0,-5 0,0 0,-2 0,1 0,4 0,3 0,-6 0</inkml:trace>
+  <inkml:trace contextRef="#ctx0" brushRef="#br0">793 28 0,'-793'-28'0</inkml:trace>
 </inkml:ink>
 </file>
 
@@ -3482,17 +4327,17 @@
           <inkml:channelProperty channel="Y" name="resolution" value="1000" units="1/cm"/>
         </inkml:channelProperties>
       </inkml:inkSource>
-      <inkml:timestamp xml:id="ts0" timeString="2025-10-07T10:52:04.723"/>
+      <inkml:timestamp xml:id="ts0" timeString="2025-10-09T05:43:54.724"/>
     </inkml:context>
     <inkml:brush xml:id="br0">
-      <inkml:brushProperty name="width" value="0.35" units="cm"/>
-      <inkml:brushProperty name="height" value="2.1" units="cm"/>
+      <inkml:brushProperty name="width" value="0.1" units="cm"/>
+      <inkml:brushProperty name="height" value="0.6" units="cm"/>
       <inkml:brushProperty name="color" value="#FFFFFF"/>
       <inkml:brushProperty name="ignorePressure" value="1"/>
       <inkml:brushProperty name="inkEffects" value="pencil"/>
     </inkml:brush>
   </inkml:definitions>
-  <inkml:trace contextRef="#ctx0" brushRef="#br0">11 0,'-5'0,"0"5,8 5,13 10,8 6,21 12,17 3,11 0,-3-8,-1-9,2 0,2 0,-3-3,-5-7,-13 5,-16 2,-13 7,-12 3,-15 9,-16 7,-19 3,-14 8,-8 6,-6 5,3-4,13-10,16-13</inkml:trace>
+  <inkml:trace contextRef="#ctx0" brushRef="#br0">490 1,'-5'0,"-6"0,-10 0,-7 4,-3 2,4 5,-3-1,-5 4,2 4,4 3,0-2,2-3,5-1,2-3,-6 7,-2-1,-1 1,4 8,6 3,7 1,10 0,9-1,9 0,11 3,5 2,2-2,0-5,-6-4,-3-5,4-2,-4 2,-5 1,-2-2,1 1,1 0,3-1,1-5,-3-4</inkml:trace>
 </inkml:ink>
 </file>
 
@@ -3538,62 +4383,6 @@
           <inkml:channelProperty channel="Y" name="resolution" value="1000" units="1/cm"/>
         </inkml:channelProperties>
       </inkml:inkSource>
-      <inkml:timestamp xml:id="ts0" timeString="2025-10-07T10:52:06.291"/>
-    </inkml:context>
-    <inkml:brush xml:id="br0">
-      <inkml:brushProperty name="width" value="0.35" units="cm"/>
-      <inkml:brushProperty name="height" value="2.1" units="cm"/>
-      <inkml:brushProperty name="color" value="#FFFFFF"/>
-      <inkml:brushProperty name="ignorePressure" value="1"/>
-      <inkml:brushProperty name="inkEffects" value="pencil"/>
-    </inkml:brush>
-  </inkml:definitions>
-  <inkml:trace contextRef="#ctx0" brushRef="#br0">0 1,'4'4,"15"6,13 2,5-2,0-3,8 3,0-1,-3-2,4 2,4-1,1 4,-3-1,-2-3,1-2,5 3,-1-2,3 0,5 1,7 1,0-2,6-2,4-1,7-3,2 0,5-1,-1 0,-7-1,-8 1,-12 0,-13 0,-10-1,-7 1,-5 0,-2 0,-2 0,0 0,1 0,0 0,9 0,4 0,-1 0,3 0,3 0,-1 0,1 0,-2 0,1-4,2-2,-2 0,-3 2,-8 1</inkml:trace>
-</inkml:ink>
-</file>
-
-<file path=ppt/ink/ink81.xml><?xml version="1.0" encoding="utf-8"?>
-<inkml:ink xmlns:inkml="http://www.w3.org/2003/InkML">
-  <inkml:definitions>
-    <inkml:context xml:id="ctx0">
-      <inkml:inkSource xml:id="inkSrc0">
-        <inkml:traceFormat>
-          <inkml:channel name="X" type="integer" min="-2.14748E9" max="2.14748E9" units="cm"/>
-          <inkml:channel name="Y" type="integer" min="-2.14748E9" max="2.14748E9" units="cm"/>
-        </inkml:traceFormat>
-        <inkml:channelProperties>
-          <inkml:channelProperty channel="X" name="resolution" value="1000" units="1/cm"/>
-          <inkml:channelProperty channel="Y" name="resolution" value="1000" units="1/cm"/>
-        </inkml:channelProperties>
-      </inkml:inkSource>
-      <inkml:timestamp xml:id="ts0" timeString="2025-10-07T10:52:08.155"/>
-    </inkml:context>
-    <inkml:brush xml:id="br0">
-      <inkml:brushProperty name="width" value="0.35" units="cm"/>
-      <inkml:brushProperty name="height" value="2.1" units="cm"/>
-      <inkml:brushProperty name="color" value="#FFFFFF"/>
-      <inkml:brushProperty name="ignorePressure" value="1"/>
-      <inkml:brushProperty name="inkEffects" value="pencil"/>
-    </inkml:brush>
-  </inkml:definitions>
-  <inkml:trace contextRef="#ctx0" brushRef="#br0">0 0,'5'0,"9"0,7 5,5 1,6 8,2 2,0 3,3-3,-1 6,-2 3,2-3,4-1,-1 1,-3 0,2 2,2-4,4-1,-1 1,-4-3,-9 0,-9 6,-8 3,-6 15,-9 22,-4 9,-6 5,-9 4,-1-9,-1-12,-1-7,3-9,6-6,0-3,-1-1,-2-3,-3-3,3 4,-1 0,0-1,2-1,4 2,0 1,-2-1,-3-2,2-1,3-6</inkml:trace>
-</inkml:ink>
-</file>
-
-<file path=ppt/ink/ink82.xml><?xml version="1.0" encoding="utf-8"?>
-<inkml:ink xmlns:inkml="http://www.w3.org/2003/InkML">
-  <inkml:definitions>
-    <inkml:context xml:id="ctx0">
-      <inkml:inkSource xml:id="inkSrc0">
-        <inkml:traceFormat>
-          <inkml:channel name="X" type="integer" min="-2.14748E9" max="2.14748E9" units="cm"/>
-          <inkml:channel name="Y" type="integer" min="-2.14748E9" max="2.14748E9" units="cm"/>
-        </inkml:traceFormat>
-        <inkml:channelProperties>
-          <inkml:channelProperty channel="X" name="resolution" value="1000" units="1/cm"/>
-          <inkml:channelProperty channel="Y" name="resolution" value="1000" units="1/cm"/>
-        </inkml:channelProperties>
-      </inkml:inkSource>
       <inkml:timestamp xml:id="ts0" timeString="2025-10-07T10:04:20.885"/>
     </inkml:context>
     <inkml:brush xml:id="br0">
@@ -3608,7 +4397,7 @@
 </inkml:ink>
 </file>
 
-<file path=ppt/ink/ink83.xml><?xml version="1.0" encoding="utf-8"?>
+<file path=ppt/ink/ink81.xml><?xml version="1.0" encoding="utf-8"?>
 <inkml:ink xmlns:inkml="http://www.w3.org/2003/InkML">
   <inkml:definitions>
     <inkml:context xml:id="ctx0">
@@ -3638,7 +4427,7 @@
 </inkml:ink>
 </file>
 
-<file path=ppt/ink/ink84.xml><?xml version="1.0" encoding="utf-8"?>
+<file path=ppt/ink/ink82.xml><?xml version="1.0" encoding="utf-8"?>
 <inkml:ink xmlns:inkml="http://www.w3.org/2003/InkML">
   <inkml:definitions>
     <inkml:context xml:id="ctx0">
@@ -3668,7 +4457,7 @@
 </inkml:ink>
 </file>
 
-<file path=ppt/ink/ink85.xml><?xml version="1.0" encoding="utf-8"?>
+<file path=ppt/ink/ink83.xml><?xml version="1.0" encoding="utf-8"?>
 <inkml:ink xmlns:inkml="http://www.w3.org/2003/InkML">
   <inkml:definitions>
     <inkml:context xml:id="ctx0">
@@ -3698,7 +4487,7 @@
 </inkml:ink>
 </file>
 
-<file path=ppt/ink/ink86.xml><?xml version="1.0" encoding="utf-8"?>
+<file path=ppt/ink/ink84.xml><?xml version="1.0" encoding="utf-8"?>
 <inkml:ink xmlns:inkml="http://www.w3.org/2003/InkML">
   <inkml:definitions>
     <inkml:context xml:id="ctx0">
@@ -3728,7 +4517,7 @@
 </inkml:ink>
 </file>
 
-<file path=ppt/ink/ink87.xml><?xml version="1.0" encoding="utf-8"?>
+<file path=ppt/ink/ink85.xml><?xml version="1.0" encoding="utf-8"?>
 <inkml:ink xmlns:inkml="http://www.w3.org/2003/InkML">
   <inkml:definitions>
     <inkml:context xml:id="ctx0">
@@ -3758,7 +4547,7 @@
 </inkml:ink>
 </file>
 
-<file path=ppt/ink/ink88.xml><?xml version="1.0" encoding="utf-8"?>
+<file path=ppt/ink/ink86.xml><?xml version="1.0" encoding="utf-8"?>
 <inkml:ink xmlns:inkml="http://www.w3.org/2003/InkML">
   <inkml:definitions>
     <inkml:context xml:id="ctx0">
@@ -3788,7 +4577,7 @@
 </inkml:ink>
 </file>
 
-<file path=ppt/ink/ink89.xml><?xml version="1.0" encoding="utf-8"?>
+<file path=ppt/ink/ink87.xml><?xml version="1.0" encoding="utf-8"?>
 <inkml:ink xmlns:inkml="http://www.w3.org/2003/InkML">
   <inkml:definitions>
     <inkml:context xml:id="ctx0">
@@ -3813,6 +4602,66 @@
     </inkml:brush>
   </inkml:definitions>
   <inkml:trace contextRef="#ctx0" brushRef="#br0">1 0,'0'4,"0"7,0 5,0 4,0 4,0 6,0 3,0 0,0-1,0-2,0-1,0-1,0-1,0-1,0 0,0 0,0 0,0 0,0 0,0 0,0 0,0 0,0 5,0 1,0 0,0 3,0 0,0-1,0-2,0-2,0 2,0 1,0 0,0 2,4-5,2 2,-1 0,0 3,-2 0,-1-1,-1-2,0 2,-1 0,-1-1,1-2,0 2,0 6,0-1,-1-2,1-2,0-3,0-2,0-1,0-2,0 0,0 0,0-1,0 1,0 4,0 2,0 0,0 3,0 5,0-1,0-1,5-4,1 2,0-1,-2-2,0-2,-2 3,-1 0,-1-2,0-1,0-2,0 3,0 0,-1 5,1 4,0 0,0 1,0-1,0 0,0-1,0-4,0 2,0 2,0 0,0-3,0-4,0-2,0-2,0-2,0-1,0 4,0 2,0-1,0-1,0 4,0 4,0 5,0 0,0-4,0-3,0-3,0-4,0-1,0-2,0 0,0-1,0 1,0-1,0 1,0 4,0 7,0 5,0 5,0-2,0-3,0-1,0-2,0-4,0-2,0-4,4 3,2 0,0 0,-2-2,0-2,-2 5,-1-1,-1 5,0-1,0 4,0 3,-1 3,1-2,0 1,0-2,0 3,0 4,0-2,4-1,2 1,0-3,-1-1,-2-3,-1 0,-1-2,0 1,-1 3,0-2,-1-3,1-4,0 1,0 0,0-2,0-3,0-1,0 3,0 1,0-2,0 0,0-2,0 3,0 1,0 4,0-1,0 3,0 0,0-4,0 3,0-2,0 3,0-2,0 3,0-2,0 2,0 3,0 3,0 3,0-3,0-4,0-6,0 1,0 2,0 0,0 2,0-2,0-3,0-3,0 2,0-1,0-2,0-1,0-3,0 0,0-1,0-1,0 0,0 0,0 4,0 2,0 4,0 0,0 4,0-2,0 3,0 3,0-2,0 1,0-2,0 0,0 3,0-2,0 1,0-3,0 1,0-2,0-3,0-4,0-2,0 3,0-1,0 0,0-2,0-1,0 3,0 0,0 0,0-1,0-2,0-1,0 3,0 2,0 3,0 1,0 2,0 4,0-1,0-4,0 2,0 2,0 3,0-2,0 1,0 2,0-3,0 1,0-3,0 0,0-2,0 2,0-3,0 2,0-2,0 2,0-2,0 2,0-2,0 2,0-1,0-4,0-2,0-3,0-2,0 3,0 1,0 0,0-2,0-1,0-2,0 0,0 0,0-1,0 0,0 0,0 0,0 0,0 0,0 0,0 0,0 0,0 0,0 1,0-1,0 0,0 0,0 0,0 1,0-1,0 0,0 0,0 0,0-4</inkml:trace>
+</inkml:ink>
+</file>
+
+<file path=ppt/ink/ink88.xml><?xml version="1.0" encoding="utf-8"?>
+<inkml:ink xmlns:inkml="http://www.w3.org/2003/InkML">
+  <inkml:definitions>
+    <inkml:context xml:id="ctx0">
+      <inkml:inkSource xml:id="inkSrc0">
+        <inkml:traceFormat>
+          <inkml:channel name="X" type="integer" min="-2.14748E9" max="2.14748E9" units="cm"/>
+          <inkml:channel name="Y" type="integer" min="-2.14748E9" max="2.14748E9" units="cm"/>
+          <inkml:channel name="F" type="integer" max="32767" units="dev"/>
+        </inkml:traceFormat>
+        <inkml:channelProperties>
+          <inkml:channelProperty channel="X" name="resolution" value="1000" units="1/cm"/>
+          <inkml:channelProperty channel="Y" name="resolution" value="1000" units="1/cm"/>
+          <inkml:channelProperty channel="F" name="resolution" value="0" units="1/dev"/>
+        </inkml:channelProperties>
+      </inkml:inkSource>
+      <inkml:timestamp xml:id="ts0" timeString="2025-10-07T10:06:29.724"/>
+    </inkml:context>
+    <inkml:brush xml:id="br0">
+      <inkml:brushProperty name="width" value="0.35" units="cm"/>
+      <inkml:brushProperty name="height" value="2.1" units="cm"/>
+      <inkml:brushProperty name="color" value="#FFFFFF"/>
+      <inkml:brushProperty name="ignorePressure" value="1"/>
+      <inkml:brushProperty name="inkEffects" value="pencil"/>
+    </inkml:brush>
+  </inkml:definitions>
+  <inkml:trace contextRef="#ctx0" brushRef="#br0">0 0 0,'3902'27'0</inkml:trace>
+</inkml:ink>
+</file>
+
+<file path=ppt/ink/ink89.xml><?xml version="1.0" encoding="utf-8"?>
+<inkml:ink xmlns:inkml="http://www.w3.org/2003/InkML">
+  <inkml:definitions>
+    <inkml:context xml:id="ctx0">
+      <inkml:inkSource xml:id="inkSrc0">
+        <inkml:traceFormat>
+          <inkml:channel name="X" type="integer" min="-2.14748E9" max="2.14748E9" units="cm"/>
+          <inkml:channel name="Y" type="integer" min="-2.14748E9" max="2.14748E9" units="cm"/>
+          <inkml:channel name="F" type="integer" max="32767" units="dev"/>
+        </inkml:traceFormat>
+        <inkml:channelProperties>
+          <inkml:channelProperty channel="X" name="resolution" value="1000" units="1/cm"/>
+          <inkml:channelProperty channel="Y" name="resolution" value="1000" units="1/cm"/>
+          <inkml:channelProperty channel="F" name="resolution" value="0" units="1/dev"/>
+        </inkml:channelProperties>
+      </inkml:inkSource>
+      <inkml:timestamp xml:id="ts0" timeString="2025-10-07T10:06:39.058"/>
+    </inkml:context>
+    <inkml:brush xml:id="br0">
+      <inkml:brushProperty name="width" value="0.35" units="cm"/>
+      <inkml:brushProperty name="height" value="2.1" units="cm"/>
+      <inkml:brushProperty name="color" value="#FFFFFF"/>
+      <inkml:brushProperty name="ignorePressure" value="1"/>
+      <inkml:brushProperty name="inkEffects" value="pencil"/>
+    </inkml:brush>
+  </inkml:definitions>
+  <inkml:trace contextRef="#ctx0" brushRef="#br0">0 0 0,'3981'26'0</inkml:trace>
 </inkml:ink>
 </file>
 
@@ -3860,66 +4709,6 @@
           <inkml:channelProperty channel="F" name="resolution" value="0" units="1/dev"/>
         </inkml:channelProperties>
       </inkml:inkSource>
-      <inkml:timestamp xml:id="ts0" timeString="2025-10-07T10:06:29.724"/>
-    </inkml:context>
-    <inkml:brush xml:id="br0">
-      <inkml:brushProperty name="width" value="0.35" units="cm"/>
-      <inkml:brushProperty name="height" value="2.1" units="cm"/>
-      <inkml:brushProperty name="color" value="#FFFFFF"/>
-      <inkml:brushProperty name="ignorePressure" value="1"/>
-      <inkml:brushProperty name="inkEffects" value="pencil"/>
-    </inkml:brush>
-  </inkml:definitions>
-  <inkml:trace contextRef="#ctx0" brushRef="#br0">0 0 0,'3902'27'0</inkml:trace>
-</inkml:ink>
-</file>
-
-<file path=ppt/ink/ink91.xml><?xml version="1.0" encoding="utf-8"?>
-<inkml:ink xmlns:inkml="http://www.w3.org/2003/InkML">
-  <inkml:definitions>
-    <inkml:context xml:id="ctx0">
-      <inkml:inkSource xml:id="inkSrc0">
-        <inkml:traceFormat>
-          <inkml:channel name="X" type="integer" min="-2.14748E9" max="2.14748E9" units="cm"/>
-          <inkml:channel name="Y" type="integer" min="-2.14748E9" max="2.14748E9" units="cm"/>
-          <inkml:channel name="F" type="integer" max="32767" units="dev"/>
-        </inkml:traceFormat>
-        <inkml:channelProperties>
-          <inkml:channelProperty channel="X" name="resolution" value="1000" units="1/cm"/>
-          <inkml:channelProperty channel="Y" name="resolution" value="1000" units="1/cm"/>
-          <inkml:channelProperty channel="F" name="resolution" value="0" units="1/dev"/>
-        </inkml:channelProperties>
-      </inkml:inkSource>
-      <inkml:timestamp xml:id="ts0" timeString="2025-10-07T10:06:39.058"/>
-    </inkml:context>
-    <inkml:brush xml:id="br0">
-      <inkml:brushProperty name="width" value="0.35" units="cm"/>
-      <inkml:brushProperty name="height" value="2.1" units="cm"/>
-      <inkml:brushProperty name="color" value="#FFFFFF"/>
-      <inkml:brushProperty name="ignorePressure" value="1"/>
-      <inkml:brushProperty name="inkEffects" value="pencil"/>
-    </inkml:brush>
-  </inkml:definitions>
-  <inkml:trace contextRef="#ctx0" brushRef="#br0">0 0 0,'3981'26'0</inkml:trace>
-</inkml:ink>
-</file>
-
-<file path=ppt/ink/ink92.xml><?xml version="1.0" encoding="utf-8"?>
-<inkml:ink xmlns:inkml="http://www.w3.org/2003/InkML">
-  <inkml:definitions>
-    <inkml:context xml:id="ctx0">
-      <inkml:inkSource xml:id="inkSrc0">
-        <inkml:traceFormat>
-          <inkml:channel name="X" type="integer" min="-2.14748E9" max="2.14748E9" units="cm"/>
-          <inkml:channel name="Y" type="integer" min="-2.14748E9" max="2.14748E9" units="cm"/>
-          <inkml:channel name="F" type="integer" max="32767" units="dev"/>
-        </inkml:traceFormat>
-        <inkml:channelProperties>
-          <inkml:channelProperty channel="X" name="resolution" value="1000" units="1/cm"/>
-          <inkml:channelProperty channel="Y" name="resolution" value="1000" units="1/cm"/>
-          <inkml:channelProperty channel="F" name="resolution" value="0" units="1/dev"/>
-        </inkml:channelProperties>
-      </inkml:inkSource>
       <inkml:timestamp xml:id="ts0" timeString="2025-10-07T10:06:42.387"/>
     </inkml:context>
     <inkml:brush xml:id="br0">
@@ -3934,7 +4723,7 @@
 </inkml:ink>
 </file>
 
-<file path=ppt/ink/ink93.xml><?xml version="1.0" encoding="utf-8"?>
+<file path=ppt/ink/ink91.xml><?xml version="1.0" encoding="utf-8"?>
 <inkml:ink xmlns:inkml="http://www.w3.org/2003/InkML">
   <inkml:definitions>
     <inkml:context xml:id="ctx0">
@@ -3964,7 +4753,7 @@
 </inkml:ink>
 </file>
 
-<file path=ppt/ink/ink94.xml><?xml version="1.0" encoding="utf-8"?>
+<file path=ppt/ink/ink92.xml><?xml version="1.0" encoding="utf-8"?>
 <inkml:ink xmlns:inkml="http://www.w3.org/2003/InkML">
   <inkml:definitions>
     <inkml:context xml:id="ctx0">
@@ -3994,7 +4783,7 @@
 </inkml:ink>
 </file>
 
-<file path=ppt/ink/ink95.xml><?xml version="1.0" encoding="utf-8"?>
+<file path=ppt/ink/ink93.xml><?xml version="1.0" encoding="utf-8"?>
 <inkml:ink xmlns:inkml="http://www.w3.org/2003/InkML">
   <inkml:definitions>
     <inkml:context xml:id="ctx0">
@@ -4022,7 +4811,7 @@
 </inkml:ink>
 </file>
 
-<file path=ppt/ink/ink96.xml><?xml version="1.0" encoding="utf-8"?>
+<file path=ppt/ink/ink94.xml><?xml version="1.0" encoding="utf-8"?>
 <inkml:ink xmlns:inkml="http://www.w3.org/2003/InkML">
   <inkml:definitions>
     <inkml:context xml:id="ctx0">
@@ -4052,7 +4841,7 @@
 </inkml:ink>
 </file>
 
-<file path=ppt/ink/ink97.xml><?xml version="1.0" encoding="utf-8"?>
+<file path=ppt/ink/ink95.xml><?xml version="1.0" encoding="utf-8"?>
 <inkml:ink xmlns:inkml="http://www.w3.org/2003/InkML">
   <inkml:definitions>
     <inkml:context xml:id="ctx0">
@@ -4082,7 +4871,7 @@
 </inkml:ink>
 </file>
 
-<file path=ppt/ink/ink98.xml><?xml version="1.0" encoding="utf-8"?>
+<file path=ppt/ink/ink96.xml><?xml version="1.0" encoding="utf-8"?>
 <inkml:ink xmlns:inkml="http://www.w3.org/2003/InkML">
   <inkml:definitions>
     <inkml:context xml:id="ctx0">
@@ -4112,7 +4901,7 @@
 </inkml:ink>
 </file>
 
-<file path=ppt/ink/ink99.xml><?xml version="1.0" encoding="utf-8"?>
+<file path=ppt/ink/ink97.xml><?xml version="1.0" encoding="utf-8"?>
 <inkml:ink xmlns:inkml="http://www.w3.org/2003/InkML">
   <inkml:definitions>
     <inkml:context xml:id="ctx0">
@@ -4139,6 +4928,66 @@
     </inkml:brush>
   </inkml:definitions>
   <inkml:trace contextRef="#ctx0" brushRef="#br0">0 0 0,'25'15830'0</inkml:trace>
+</inkml:ink>
+</file>
+
+<file path=ppt/ink/ink98.xml><?xml version="1.0" encoding="utf-8"?>
+<inkml:ink xmlns:inkml="http://www.w3.org/2003/InkML">
+  <inkml:definitions>
+    <inkml:context xml:id="ctx0">
+      <inkml:inkSource xml:id="inkSrc0">
+        <inkml:traceFormat>
+          <inkml:channel name="X" type="integer" min="-2.14748E9" max="2.14748E9" units="cm"/>
+          <inkml:channel name="Y" type="integer" min="-2.14748E9" max="2.14748E9" units="cm"/>
+          <inkml:channel name="F" type="integer" max="32767" units="dev"/>
+        </inkml:traceFormat>
+        <inkml:channelProperties>
+          <inkml:channelProperty channel="X" name="resolution" value="1000" units="1/cm"/>
+          <inkml:channelProperty channel="Y" name="resolution" value="1000" units="1/cm"/>
+          <inkml:channelProperty channel="F" name="resolution" value="0" units="1/dev"/>
+        </inkml:channelProperties>
+      </inkml:inkSource>
+      <inkml:timestamp xml:id="ts0" timeString="2025-10-07T10:45:53.917"/>
+    </inkml:context>
+    <inkml:brush xml:id="br0">
+      <inkml:brushProperty name="width" value="0.35" units="cm"/>
+      <inkml:brushProperty name="height" value="2.1" units="cm"/>
+      <inkml:brushProperty name="color" value="#FFFFFF"/>
+      <inkml:brushProperty name="ignorePressure" value="1"/>
+      <inkml:brushProperty name="inkEffects" value="pencil"/>
+    </inkml:brush>
+  </inkml:definitions>
+  <inkml:trace contextRef="#ctx0" brushRef="#br0">4116 2058 0,'-2'81'0,"-2"-1"0,-4 1 0,-3-1 0,-4-1 0,-2 0 0,-3 0 0,-4-2 0,-2-1 0,-4 0 0,-2-2 0,-3-2 0,-3 0 0,-3-3 0,-3-1 0,-2-1 0,-3-3 0,-2-1 0,-3-3 0,-2-2 0,-2-2 0,-2-2 0,-3-3 0,-1-2 0,-3-3 0,-1-2 0,-1-3 0,-3-3 0,0-3 0,-2-3 0,-2-2 0,0-4 0,-1-2 0,-2-4 0,0-3 0,0-2 0,-1-4 0,-1-3 0,1-4 0,-1-2 0,0-4 0,1-2 0,-1-4 0,1-3 0,1-4 0,0-2 0,0-3 0,2-4 0,1-2 0,0-4 0,2-2 0,2-3 0,0-3 0,3-3 0,1-3 0,1-2 0,3-3 0,1-2 0,3-3 0,2-2 0,2-2 0,2-2 0,3-3 0,2-1 0,3-3 0,2-1 0,3-1 0,3-3 0,3 0 0,3-2 0,2-2 0,4 0 0,2-1 0,4-2 0,3 0 0,2 0 0,4-1 0,3-1 0,4 1 0,2-1 0,4 0 0,2 1 0,4-1 0,3 1 0,4 1 0,2 0 0,3 0 0,4 2 0,2 1 0,4 0 0,2 2 0,3 2 0,3 0 0,3 3 0,3 1 0,2 1 0,3 3 0,2 1 0,3 3 0,2 2 0,2 2 0,2 2 0,3 3 0,1 2 0,3 3 0,1 2 0,1 3 0,3 3 0,0 3 0,2 3 0,2 2 0,0 4 0,1 2 0,2 4 0,0 3 0,0 2 0,1 4 0,1 3 0,-1 4 0,1 2 0,0 4 0,-1 2 0,1 4 0,-1 3 0,-1 4 0,0 2 0,0 3 0,-2 4 0,-1 2 0,0 4 0,-2 2 0,-2 3 0,0 3 0,-3 3 0,-1 3 0,-1 2 0,-3 3 0,-1 2 0,-3 3 0,-2 2 0,-2 2 0,-2 2 0,-3 3 0,-2 1 0,-3 3 0,-2 1 0,-3 1 0,-3 3 0,-3 0 0,-3 2 0,-2 2 0,-4 0 0,-2 1 0,-4 2 0,-3 0 0,-2 0 0,-4 1 0,-3 1 0,-4-1 0,-2 1 0</inkml:trace>
+</inkml:ink>
+</file>
+
+<file path=ppt/ink/ink99.xml><?xml version="1.0" encoding="utf-8"?>
+<inkml:ink xmlns:inkml="http://www.w3.org/2003/InkML">
+  <inkml:definitions>
+    <inkml:context xml:id="ctx0">
+      <inkml:inkSource xml:id="inkSrc0">
+        <inkml:traceFormat>
+          <inkml:channel name="X" type="integer" min="-2.14748E9" max="2.14748E9" units="cm"/>
+          <inkml:channel name="Y" type="integer" min="-2.14748E9" max="2.14748E9" units="cm"/>
+          <inkml:channel name="F" type="integer" max="32767" units="dev"/>
+        </inkml:traceFormat>
+        <inkml:channelProperties>
+          <inkml:channelProperty channel="X" name="resolution" value="1000" units="1/cm"/>
+          <inkml:channelProperty channel="Y" name="resolution" value="1000" units="1/cm"/>
+          <inkml:channelProperty channel="F" name="resolution" value="0" units="1/dev"/>
+        </inkml:channelProperties>
+      </inkml:inkSource>
+      <inkml:timestamp xml:id="ts0" timeString="2025-10-07T10:49:36.782"/>
+    </inkml:context>
+    <inkml:brush xml:id="br0">
+      <inkml:brushProperty name="width" value="0.35" units="cm"/>
+      <inkml:brushProperty name="height" value="2.1" units="cm"/>
+      <inkml:brushProperty name="color" value="#FFFFFF"/>
+      <inkml:brushProperty name="ignorePressure" value="1"/>
+      <inkml:brushProperty name="inkEffects" value="pencil"/>
+    </inkml:brush>
+  </inkml:definitions>
+  <inkml:trace contextRef="#ctx0" brushRef="#br0">1612 806 0,'-1'32'0,"0"-1"0,-3 1 0,0-1 0,-1 0 0,-2 0 0,-1 0 0,-1-1 0,-2 0 0,0-1 0,-2 0 0,-1 0 0,-1-1 0,-1-1 0,-1 0 0,-1-1 0,-1-1 0,-1-1 0,-1 0 0,-1-1 0,-1-1 0,-1-1 0,0-1 0,-1-1 0,-1-1 0,-1-1 0,0-1 0,-1-1 0,-1-1 0,0-1 0,0-2 0,-1 0 0,0-2 0,-1-1 0,0-1 0,0-2 0,0-1 0,-1 0 0,1-3 0,-1 0 0,0-2 0,1 0 0,-1-3 0,1 0 0,0-1 0,0-2 0,0-1 0,1-1 0,0-2 0,1 0 0,0-2 0,0-1 0,1-1 0,1-1 0,0-1 0,1-1 0,1-1 0,1-1 0,0-1 0,1-1 0,1-1 0,1-1 0,1 0 0,1-1 0,1-1 0,1-1 0,1 0 0,1-1 0,1-1 0,1 0 0,2 0 0,0-1 0,2 0 0,1-1 0,1 0 0,2 0 0,1 0 0,0-1 0,3 1 0,0-1 0,2 0 0,0 1 0,3-1 0,0 1 0,1 0 0,2 0 0,1 0 0,1 1 0,2 0 0,0 1 0,2 0 0,1 0 0,1 1 0,1 1 0,1 0 0,1 1 0,1 1 0,1 1 0,1 0 0,1 1 0,1 1 0,1 1 0,0 1 0,1 1 0,1 1 0,1 1 0,0 1 0,1 1 0,1 1 0,0 1 0,0 2 0,1 0 0,0 2 0,1 1 0,0 1 0,0 2 0,0 1 0,1 0 0,-1 3 0,1 0 0,0 2 0,-1 0 0,1 3 0,-1 0 0,0 1 0,0 2 0,0 1 0,-1 1 0,0 2 0,-1 0 0,0 2 0,0 1 0,-1 1 0,-1 1 0,0 1 0,-1 1 0,-1 1 0,-1 1 0,0 1 0,-1 1 0,-1 1 0,-1 1 0,-1 0 0,-1 1 0,-1 1 0,-1 1 0,-1 0 0,-1 1 0,-1 1 0,-1 0 0,-2 0 0,0 1 0,-2 0 0,-1 1 0,-1 0 0,-2 0 0,-1 0 0,0 1 0,-3-1 0,0 1 0</inkml:trace>
 </inkml:ink>
 </file>
 
@@ -4291,7 +5140,7 @@
           <a:p>
             <a:fld id="{B8F9F58D-54D6-49D3-825B-81C29B586EBC}" type="datetimeFigureOut">
               <a:rPr lang="en-ZA" smtClean="0"/>
-              <a:t>2025/10/07</a:t>
+              <a:t>2025/10/09</a:t>
             </a:fld>
             <a:endParaRPr lang="en-ZA"/>
           </a:p>
@@ -4491,7 +5340,7 @@
           <a:p>
             <a:fld id="{B8F9F58D-54D6-49D3-825B-81C29B586EBC}" type="datetimeFigureOut">
               <a:rPr lang="en-ZA" smtClean="0"/>
-              <a:t>2025/10/07</a:t>
+              <a:t>2025/10/09</a:t>
             </a:fld>
             <a:endParaRPr lang="en-ZA"/>
           </a:p>
@@ -4701,7 +5550,7 @@
           <a:p>
             <a:fld id="{B8F9F58D-54D6-49D3-825B-81C29B586EBC}" type="datetimeFigureOut">
               <a:rPr lang="en-ZA" smtClean="0"/>
-              <a:t>2025/10/07</a:t>
+              <a:t>2025/10/09</a:t>
             </a:fld>
             <a:endParaRPr lang="en-ZA"/>
           </a:p>
@@ -4901,7 +5750,7 @@
           <a:p>
             <a:fld id="{B8F9F58D-54D6-49D3-825B-81C29B586EBC}" type="datetimeFigureOut">
               <a:rPr lang="en-ZA" smtClean="0"/>
-              <a:t>2025/10/07</a:t>
+              <a:t>2025/10/09</a:t>
             </a:fld>
             <a:endParaRPr lang="en-ZA"/>
           </a:p>
@@ -5177,7 +6026,7 @@
           <a:p>
             <a:fld id="{B8F9F58D-54D6-49D3-825B-81C29B586EBC}" type="datetimeFigureOut">
               <a:rPr lang="en-ZA" smtClean="0"/>
-              <a:t>2025/10/07</a:t>
+              <a:t>2025/10/09</a:t>
             </a:fld>
             <a:endParaRPr lang="en-ZA"/>
           </a:p>
@@ -5445,7 +6294,7 @@
           <a:p>
             <a:fld id="{B8F9F58D-54D6-49D3-825B-81C29B586EBC}" type="datetimeFigureOut">
               <a:rPr lang="en-ZA" smtClean="0"/>
-              <a:t>2025/10/07</a:t>
+              <a:t>2025/10/09</a:t>
             </a:fld>
             <a:endParaRPr lang="en-ZA"/>
           </a:p>
@@ -5860,7 +6709,7 @@
           <a:p>
             <a:fld id="{B8F9F58D-54D6-49D3-825B-81C29B586EBC}" type="datetimeFigureOut">
               <a:rPr lang="en-ZA" smtClean="0"/>
-              <a:t>2025/10/07</a:t>
+              <a:t>2025/10/09</a:t>
             </a:fld>
             <a:endParaRPr lang="en-ZA"/>
           </a:p>
@@ -6002,7 +6851,7 @@
           <a:p>
             <a:fld id="{B8F9F58D-54D6-49D3-825B-81C29B586EBC}" type="datetimeFigureOut">
               <a:rPr lang="en-ZA" smtClean="0"/>
-              <a:t>2025/10/07</a:t>
+              <a:t>2025/10/09</a:t>
             </a:fld>
             <a:endParaRPr lang="en-ZA"/>
           </a:p>
@@ -6115,7 +6964,7 @@
           <a:p>
             <a:fld id="{B8F9F58D-54D6-49D3-825B-81C29B586EBC}" type="datetimeFigureOut">
               <a:rPr lang="en-ZA" smtClean="0"/>
-              <a:t>2025/10/07</a:t>
+              <a:t>2025/10/09</a:t>
             </a:fld>
             <a:endParaRPr lang="en-ZA"/>
           </a:p>
@@ -6428,7 +7277,7 @@
           <a:p>
             <a:fld id="{B8F9F58D-54D6-49D3-825B-81C29B586EBC}" type="datetimeFigureOut">
               <a:rPr lang="en-ZA" smtClean="0"/>
-              <a:t>2025/10/07</a:t>
+              <a:t>2025/10/09</a:t>
             </a:fld>
             <a:endParaRPr lang="en-ZA"/>
           </a:p>
@@ -6717,7 +7566,7 @@
           <a:p>
             <a:fld id="{B8F9F58D-54D6-49D3-825B-81C29B586EBC}" type="datetimeFigureOut">
               <a:rPr lang="en-ZA" smtClean="0"/>
-              <a:t>2025/10/07</a:t>
+              <a:t>2025/10/09</a:t>
             </a:fld>
             <a:endParaRPr lang="en-ZA"/>
           </a:p>
@@ -6960,7 +7809,7 @@
           <a:p>
             <a:fld id="{B8F9F58D-54D6-49D3-825B-81C29B586EBC}" type="datetimeFigureOut">
               <a:rPr lang="en-ZA" smtClean="0"/>
-              <a:t>2025/10/07</a:t>
+              <a:t>2025/10/09</a:t>
             </a:fld>
             <a:endParaRPr lang="en-ZA"/>
           </a:p>
@@ -8157,8 +9006,8 @@
           </a:p>
         </p:txBody>
       </p:sp>
-      <mc:AlternateContent xmlns:mc="http://schemas.openxmlformats.org/markup-compatibility/2006">
-        <mc:Choice xmlns:p14="http://schemas.microsoft.com/office/powerpoint/2010/main" xmlns:aink="http://schemas.microsoft.com/office/drawing/2016/ink" Requires="p14 aink">
+      <mc:AlternateContent xmlns:mc="http://schemas.openxmlformats.org/markup-compatibility/2006" xmlns:p14="http://schemas.microsoft.com/office/powerpoint/2010/main" xmlns:aink="http://schemas.microsoft.com/office/drawing/2016/ink">
+        <mc:Choice Requires="p14 aink">
           <p:contentPart p14:bwMode="auto" r:id="rId3">
             <p14:nvContentPartPr>
               <p14:cNvPr id="20" name="Ink 19">
@@ -8177,7 +9026,7 @@
             </p14:xfrm>
           </p:contentPart>
         </mc:Choice>
-        <mc:Fallback>
+        <mc:Fallback xmlns="">
           <p:pic>
             <p:nvPicPr>
               <p:cNvPr id="20" name="Ink 19">
@@ -8208,8 +9057,8 @@
           </p:pic>
         </mc:Fallback>
       </mc:AlternateContent>
-      <mc:AlternateContent xmlns:mc="http://schemas.openxmlformats.org/markup-compatibility/2006">
-        <mc:Choice xmlns:p14="http://schemas.microsoft.com/office/powerpoint/2010/main" xmlns:aink="http://schemas.microsoft.com/office/drawing/2016/ink" Requires="p14 aink">
+      <mc:AlternateContent xmlns:mc="http://schemas.openxmlformats.org/markup-compatibility/2006" xmlns:p14="http://schemas.microsoft.com/office/powerpoint/2010/main" xmlns:aink="http://schemas.microsoft.com/office/drawing/2016/ink">
+        <mc:Choice Requires="p14 aink">
           <p:contentPart p14:bwMode="auto" r:id="rId5">
             <p14:nvContentPartPr>
               <p14:cNvPr id="23" name="Ink 22">
@@ -8228,7 +9077,7 @@
             </p14:xfrm>
           </p:contentPart>
         </mc:Choice>
-        <mc:Fallback>
+        <mc:Fallback xmlns="">
           <p:pic>
             <p:nvPicPr>
               <p:cNvPr id="23" name="Ink 22">
@@ -8279,8 +9128,8 @@
             <a:chExt cx="1859400" cy="385200"/>
           </a:xfrm>
         </p:grpSpPr>
-        <mc:AlternateContent xmlns:mc="http://schemas.openxmlformats.org/markup-compatibility/2006">
-          <mc:Choice xmlns:p14="http://schemas.microsoft.com/office/powerpoint/2010/main" xmlns:aink="http://schemas.microsoft.com/office/drawing/2016/ink" Requires="p14 aink">
+        <mc:AlternateContent xmlns:mc="http://schemas.openxmlformats.org/markup-compatibility/2006" xmlns:p14="http://schemas.microsoft.com/office/powerpoint/2010/main" xmlns:aink="http://schemas.microsoft.com/office/drawing/2016/ink">
+          <mc:Choice Requires="p14 aink">
             <p:contentPart p14:bwMode="auto" r:id="rId7">
               <p14:nvContentPartPr>
                 <p14:cNvPr id="24" name="Ink 23">
@@ -8299,7 +9148,7 @@
               </p14:xfrm>
             </p:contentPart>
           </mc:Choice>
-          <mc:Fallback>
+          <mc:Fallback xmlns="">
             <p:pic>
               <p:nvPicPr>
                 <p:cNvPr id="24" name="Ink 23">
@@ -8330,8 +9179,8 @@
             </p:pic>
           </mc:Fallback>
         </mc:AlternateContent>
-        <mc:AlternateContent xmlns:mc="http://schemas.openxmlformats.org/markup-compatibility/2006">
-          <mc:Choice xmlns:p14="http://schemas.microsoft.com/office/powerpoint/2010/main" xmlns:aink="http://schemas.microsoft.com/office/drawing/2016/ink" Requires="p14 aink">
+        <mc:AlternateContent xmlns:mc="http://schemas.openxmlformats.org/markup-compatibility/2006" xmlns:p14="http://schemas.microsoft.com/office/powerpoint/2010/main" xmlns:aink="http://schemas.microsoft.com/office/drawing/2016/ink">
+          <mc:Choice Requires="p14 aink">
             <p:contentPart p14:bwMode="auto" r:id="rId9">
               <p14:nvContentPartPr>
                 <p14:cNvPr id="25" name="Ink 24">
@@ -8350,7 +9199,7 @@
               </p14:xfrm>
             </p:contentPart>
           </mc:Choice>
-          <mc:Fallback>
+          <mc:Fallback xmlns="">
             <p:pic>
               <p:nvPicPr>
                 <p:cNvPr id="25" name="Ink 24">
@@ -8402,8 +9251,8 @@
             <a:chExt cx="2159640" cy="628200"/>
           </a:xfrm>
         </p:grpSpPr>
-        <mc:AlternateContent xmlns:mc="http://schemas.openxmlformats.org/markup-compatibility/2006">
-          <mc:Choice xmlns:p14="http://schemas.microsoft.com/office/powerpoint/2010/main" xmlns:aink="http://schemas.microsoft.com/office/drawing/2016/ink" Requires="p14 aink">
+        <mc:AlternateContent xmlns:mc="http://schemas.openxmlformats.org/markup-compatibility/2006" xmlns:p14="http://schemas.microsoft.com/office/powerpoint/2010/main" xmlns:aink="http://schemas.microsoft.com/office/drawing/2016/ink">
+          <mc:Choice Requires="p14 aink">
             <p:contentPart p14:bwMode="auto" r:id="rId11">
               <p14:nvContentPartPr>
                 <p14:cNvPr id="29" name="Ink 28">
@@ -8422,7 +9271,7 @@
               </p14:xfrm>
             </p:contentPart>
           </mc:Choice>
-          <mc:Fallback>
+          <mc:Fallback xmlns="">
             <p:pic>
               <p:nvPicPr>
                 <p:cNvPr id="29" name="Ink 28">
@@ -8453,8 +9302,8 @@
             </p:pic>
           </mc:Fallback>
         </mc:AlternateContent>
-        <mc:AlternateContent xmlns:mc="http://schemas.openxmlformats.org/markup-compatibility/2006">
-          <mc:Choice xmlns:p14="http://schemas.microsoft.com/office/powerpoint/2010/main" xmlns:aink="http://schemas.microsoft.com/office/drawing/2016/ink" Requires="p14 aink">
+        <mc:AlternateContent xmlns:mc="http://schemas.openxmlformats.org/markup-compatibility/2006" xmlns:p14="http://schemas.microsoft.com/office/powerpoint/2010/main" xmlns:aink="http://schemas.microsoft.com/office/drawing/2016/ink">
+          <mc:Choice Requires="p14 aink">
             <p:contentPart p14:bwMode="auto" r:id="rId13">
               <p14:nvContentPartPr>
                 <p14:cNvPr id="30" name="Ink 29">
@@ -8473,7 +9322,7 @@
               </p14:xfrm>
             </p:contentPart>
           </mc:Choice>
-          <mc:Fallback>
+          <mc:Fallback xmlns="">
             <p:pic>
               <p:nvPicPr>
                 <p:cNvPr id="30" name="Ink 29">
@@ -8525,8 +9374,8 @@
             <a:chExt cx="2321280" cy="849960"/>
           </a:xfrm>
         </p:grpSpPr>
-        <mc:AlternateContent xmlns:mc="http://schemas.openxmlformats.org/markup-compatibility/2006">
-          <mc:Choice xmlns:p14="http://schemas.microsoft.com/office/powerpoint/2010/main" xmlns:aink="http://schemas.microsoft.com/office/drawing/2016/ink" Requires="p14 aink">
+        <mc:AlternateContent xmlns:mc="http://schemas.openxmlformats.org/markup-compatibility/2006" xmlns:p14="http://schemas.microsoft.com/office/powerpoint/2010/main" xmlns:aink="http://schemas.microsoft.com/office/drawing/2016/ink">
+          <mc:Choice Requires="p14 aink">
             <p:contentPart p14:bwMode="auto" r:id="rId15">
               <p14:nvContentPartPr>
                 <p14:cNvPr id="33" name="Ink 32">
@@ -8545,7 +9394,7 @@
               </p14:xfrm>
             </p:contentPart>
           </mc:Choice>
-          <mc:Fallback>
+          <mc:Fallback xmlns="">
             <p:pic>
               <p:nvPicPr>
                 <p:cNvPr id="33" name="Ink 32">
@@ -8576,8 +9425,8 @@
             </p:pic>
           </mc:Fallback>
         </mc:AlternateContent>
-        <mc:AlternateContent xmlns:mc="http://schemas.openxmlformats.org/markup-compatibility/2006">
-          <mc:Choice xmlns:p14="http://schemas.microsoft.com/office/powerpoint/2010/main" xmlns:aink="http://schemas.microsoft.com/office/drawing/2016/ink" Requires="p14 aink">
+        <mc:AlternateContent xmlns:mc="http://schemas.openxmlformats.org/markup-compatibility/2006" xmlns:p14="http://schemas.microsoft.com/office/powerpoint/2010/main" xmlns:aink="http://schemas.microsoft.com/office/drawing/2016/ink">
+          <mc:Choice Requires="p14 aink">
             <p:contentPart p14:bwMode="auto" r:id="rId17">
               <p14:nvContentPartPr>
                 <p14:cNvPr id="34" name="Ink 33">
@@ -8596,7 +9445,7 @@
               </p14:xfrm>
             </p:contentPart>
           </mc:Choice>
-          <mc:Fallback>
+          <mc:Fallback xmlns="">
             <p:pic>
               <p:nvPicPr>
                 <p:cNvPr id="34" name="Ink 33">
@@ -8648,8 +9497,8 @@
             <a:chExt cx="3396960" cy="526680"/>
           </a:xfrm>
         </p:grpSpPr>
-        <mc:AlternateContent xmlns:mc="http://schemas.openxmlformats.org/markup-compatibility/2006">
-          <mc:Choice xmlns:p14="http://schemas.microsoft.com/office/powerpoint/2010/main" xmlns:aink="http://schemas.microsoft.com/office/drawing/2016/ink" Requires="p14 aink">
+        <mc:AlternateContent xmlns:mc="http://schemas.openxmlformats.org/markup-compatibility/2006" xmlns:p14="http://schemas.microsoft.com/office/powerpoint/2010/main" xmlns:aink="http://schemas.microsoft.com/office/drawing/2016/ink">
+          <mc:Choice Requires="p14 aink">
             <p:contentPart p14:bwMode="auto" r:id="rId19">
               <p14:nvContentPartPr>
                 <p14:cNvPr id="36" name="Ink 35">
@@ -8668,7 +9517,7 @@
               </p14:xfrm>
             </p:contentPart>
           </mc:Choice>
-          <mc:Fallback>
+          <mc:Fallback xmlns="">
             <p:pic>
               <p:nvPicPr>
                 <p:cNvPr id="36" name="Ink 35">
@@ -8699,8 +9548,8 @@
             </p:pic>
           </mc:Fallback>
         </mc:AlternateContent>
-        <mc:AlternateContent xmlns:mc="http://schemas.openxmlformats.org/markup-compatibility/2006">
-          <mc:Choice xmlns:p14="http://schemas.microsoft.com/office/powerpoint/2010/main" xmlns:aink="http://schemas.microsoft.com/office/drawing/2016/ink" Requires="p14 aink">
+        <mc:AlternateContent xmlns:mc="http://schemas.openxmlformats.org/markup-compatibility/2006" xmlns:p14="http://schemas.microsoft.com/office/powerpoint/2010/main" xmlns:aink="http://schemas.microsoft.com/office/drawing/2016/ink">
+          <mc:Choice Requires="p14 aink">
             <p:contentPart p14:bwMode="auto" r:id="rId21">
               <p14:nvContentPartPr>
                 <p14:cNvPr id="37" name="Ink 36">
@@ -8719,7 +9568,7 @@
               </p14:xfrm>
             </p:contentPart>
           </mc:Choice>
-          <mc:Fallback>
+          <mc:Fallback xmlns="">
             <p:pic>
               <p:nvPicPr>
                 <p:cNvPr id="37" name="Ink 36">
@@ -8751,8 +9600,8 @@
           </mc:Fallback>
         </mc:AlternateContent>
       </p:grpSp>
-      <mc:AlternateContent xmlns:mc="http://schemas.openxmlformats.org/markup-compatibility/2006">
-        <mc:Choice xmlns:p14="http://schemas.microsoft.com/office/powerpoint/2010/main" xmlns:aink="http://schemas.microsoft.com/office/drawing/2016/ink" Requires="p14 aink">
+      <mc:AlternateContent xmlns:mc="http://schemas.openxmlformats.org/markup-compatibility/2006" xmlns:p14="http://schemas.microsoft.com/office/powerpoint/2010/main" xmlns:aink="http://schemas.microsoft.com/office/drawing/2016/ink">
+        <mc:Choice Requires="p14 aink">
           <p:contentPart p14:bwMode="auto" r:id="rId23">
             <p14:nvContentPartPr>
               <p14:cNvPr id="39" name="Ink 38">
@@ -8771,7 +9620,7 @@
             </p14:xfrm>
           </p:contentPart>
         </mc:Choice>
-        <mc:Fallback>
+        <mc:Fallback xmlns="">
           <p:pic>
             <p:nvPicPr>
               <p:cNvPr id="39" name="Ink 38">
@@ -8802,8 +9651,8 @@
           </p:pic>
         </mc:Fallback>
       </mc:AlternateContent>
-      <mc:AlternateContent xmlns:mc="http://schemas.openxmlformats.org/markup-compatibility/2006">
-        <mc:Choice xmlns:p14="http://schemas.microsoft.com/office/powerpoint/2010/main" xmlns:aink="http://schemas.microsoft.com/office/drawing/2016/ink" Requires="p14 aink">
+      <mc:AlternateContent xmlns:mc="http://schemas.openxmlformats.org/markup-compatibility/2006" xmlns:p14="http://schemas.microsoft.com/office/powerpoint/2010/main" xmlns:aink="http://schemas.microsoft.com/office/drawing/2016/ink">
+        <mc:Choice Requires="p14 aink">
           <p:contentPart p14:bwMode="auto" r:id="rId25">
             <p14:nvContentPartPr>
               <p14:cNvPr id="42" name="Ink 41">
@@ -8822,7 +9671,7 @@
             </p14:xfrm>
           </p:contentPart>
         </mc:Choice>
-        <mc:Fallback>
+        <mc:Fallback xmlns="">
           <p:pic>
             <p:nvPicPr>
               <p:cNvPr id="42" name="Ink 41">
@@ -8873,8 +9722,8 @@
             <a:chExt cx="589680" cy="336240"/>
           </a:xfrm>
         </p:grpSpPr>
-        <mc:AlternateContent xmlns:mc="http://schemas.openxmlformats.org/markup-compatibility/2006">
-          <mc:Choice xmlns:p14="http://schemas.microsoft.com/office/powerpoint/2010/main" xmlns:aink="http://schemas.microsoft.com/office/drawing/2016/ink" Requires="p14 aink">
+        <mc:AlternateContent xmlns:mc="http://schemas.openxmlformats.org/markup-compatibility/2006" xmlns:p14="http://schemas.microsoft.com/office/powerpoint/2010/main" xmlns:aink="http://schemas.microsoft.com/office/drawing/2016/ink">
+          <mc:Choice Requires="p14 aink">
             <p:contentPart p14:bwMode="auto" r:id="rId27">
               <p14:nvContentPartPr>
                 <p14:cNvPr id="43" name="Ink 42">
@@ -8893,7 +9742,7 @@
               </p14:xfrm>
             </p:contentPart>
           </mc:Choice>
-          <mc:Fallback>
+          <mc:Fallback xmlns="">
             <p:pic>
               <p:nvPicPr>
                 <p:cNvPr id="43" name="Ink 42">
@@ -8924,8 +9773,8 @@
             </p:pic>
           </mc:Fallback>
         </mc:AlternateContent>
-        <mc:AlternateContent xmlns:mc="http://schemas.openxmlformats.org/markup-compatibility/2006">
-          <mc:Choice xmlns:p14="http://schemas.microsoft.com/office/powerpoint/2010/main" xmlns:aink="http://schemas.microsoft.com/office/drawing/2016/ink" Requires="p14 aink">
+        <mc:AlternateContent xmlns:mc="http://schemas.openxmlformats.org/markup-compatibility/2006" xmlns:p14="http://schemas.microsoft.com/office/powerpoint/2010/main" xmlns:aink="http://schemas.microsoft.com/office/drawing/2016/ink">
+          <mc:Choice Requires="p14 aink">
             <p:contentPart p14:bwMode="auto" r:id="rId29">
               <p14:nvContentPartPr>
                 <p14:cNvPr id="44" name="Ink 43">
@@ -8944,7 +9793,7 @@
               </p14:xfrm>
             </p:contentPart>
           </mc:Choice>
-          <mc:Fallback>
+          <mc:Fallback xmlns="">
             <p:pic>
               <p:nvPicPr>
                 <p:cNvPr id="44" name="Ink 43">
@@ -9078,8 +9927,8 @@
           </a:prstGeom>
         </p:spPr>
       </p:pic>
-      <mc:AlternateContent xmlns:mc="http://schemas.openxmlformats.org/markup-compatibility/2006">
-        <mc:Choice xmlns:p14="http://schemas.microsoft.com/office/powerpoint/2010/main" xmlns:aink="http://schemas.microsoft.com/office/drawing/2016/ink" Requires="p14 aink">
+      <mc:AlternateContent xmlns:mc="http://schemas.openxmlformats.org/markup-compatibility/2006" xmlns:p14="http://schemas.microsoft.com/office/powerpoint/2010/main" xmlns:aink="http://schemas.microsoft.com/office/drawing/2016/ink">
+        <mc:Choice Requires="p14 aink">
           <p:contentPart p14:bwMode="auto" r:id="rId3">
             <p14:nvContentPartPr>
               <p14:cNvPr id="21" name="Ink 20">
@@ -9098,7 +9947,7 @@
             </p14:xfrm>
           </p:contentPart>
         </mc:Choice>
-        <mc:Fallback>
+        <mc:Fallback xmlns="">
           <p:pic>
             <p:nvPicPr>
               <p:cNvPr id="21" name="Ink 20">
@@ -9129,8 +9978,8 @@
           </p:pic>
         </mc:Fallback>
       </mc:AlternateContent>
-      <mc:AlternateContent xmlns:mc="http://schemas.openxmlformats.org/markup-compatibility/2006">
-        <mc:Choice xmlns:p14="http://schemas.microsoft.com/office/powerpoint/2010/main" xmlns:aink="http://schemas.microsoft.com/office/drawing/2016/ink" Requires="p14 aink">
+      <mc:AlternateContent xmlns:mc="http://schemas.openxmlformats.org/markup-compatibility/2006" xmlns:p14="http://schemas.microsoft.com/office/powerpoint/2010/main" xmlns:aink="http://schemas.microsoft.com/office/drawing/2016/ink">
+        <mc:Choice Requires="p14 aink">
           <p:contentPart p14:bwMode="auto" r:id="rId5">
             <p14:nvContentPartPr>
               <p14:cNvPr id="22" name="Ink 21">
@@ -9149,7 +9998,7 @@
             </p14:xfrm>
           </p:contentPart>
         </mc:Choice>
-        <mc:Fallback>
+        <mc:Fallback xmlns="">
           <p:pic>
             <p:nvPicPr>
               <p:cNvPr id="22" name="Ink 21">
@@ -9180,8 +10029,8 @@
           </p:pic>
         </mc:Fallback>
       </mc:AlternateContent>
-      <mc:AlternateContent xmlns:mc="http://schemas.openxmlformats.org/markup-compatibility/2006">
-        <mc:Choice xmlns:p14="http://schemas.microsoft.com/office/powerpoint/2010/main" xmlns:aink="http://schemas.microsoft.com/office/drawing/2016/ink" Requires="p14 aink">
+      <mc:AlternateContent xmlns:mc="http://schemas.openxmlformats.org/markup-compatibility/2006" xmlns:p14="http://schemas.microsoft.com/office/powerpoint/2010/main" xmlns:aink="http://schemas.microsoft.com/office/drawing/2016/ink">
+        <mc:Choice Requires="p14 aink">
           <p:contentPart p14:bwMode="auto" r:id="rId7">
             <p14:nvContentPartPr>
               <p14:cNvPr id="46" name="Ink 45">
@@ -9200,7 +10049,7 @@
             </p14:xfrm>
           </p:contentPart>
         </mc:Choice>
-        <mc:Fallback>
+        <mc:Fallback xmlns="">
           <p:pic>
             <p:nvPicPr>
               <p:cNvPr id="46" name="Ink 45">
@@ -9231,8 +10080,8 @@
           </p:pic>
         </mc:Fallback>
       </mc:AlternateContent>
-      <mc:AlternateContent xmlns:mc="http://schemas.openxmlformats.org/markup-compatibility/2006">
-        <mc:Choice xmlns:p14="http://schemas.microsoft.com/office/powerpoint/2010/main" xmlns:aink="http://schemas.microsoft.com/office/drawing/2016/ink" Requires="p14 aink">
+      <mc:AlternateContent xmlns:mc="http://schemas.openxmlformats.org/markup-compatibility/2006" xmlns:p14="http://schemas.microsoft.com/office/powerpoint/2010/main" xmlns:aink="http://schemas.microsoft.com/office/drawing/2016/ink">
+        <mc:Choice Requires="p14 aink">
           <p:contentPart p14:bwMode="auto" r:id="rId9">
             <p14:nvContentPartPr>
               <p14:cNvPr id="48" name="Ink 47">
@@ -9251,7 +10100,7 @@
             </p14:xfrm>
           </p:contentPart>
         </mc:Choice>
-        <mc:Fallback>
+        <mc:Fallback xmlns="">
           <p:pic>
             <p:nvPicPr>
               <p:cNvPr id="48" name="Ink 47">
@@ -9302,8 +10151,8 @@
             <a:chExt cx="1820520" cy="2060280"/>
           </a:xfrm>
         </p:grpSpPr>
-        <mc:AlternateContent xmlns:mc="http://schemas.openxmlformats.org/markup-compatibility/2006">
-          <mc:Choice xmlns:p14="http://schemas.microsoft.com/office/powerpoint/2010/main" xmlns:aink="http://schemas.microsoft.com/office/drawing/2016/ink" Requires="p14 aink">
+        <mc:AlternateContent xmlns:mc="http://schemas.openxmlformats.org/markup-compatibility/2006" xmlns:p14="http://schemas.microsoft.com/office/powerpoint/2010/main" xmlns:aink="http://schemas.microsoft.com/office/drawing/2016/ink">
+          <mc:Choice Requires="p14 aink">
             <p:contentPart p14:bwMode="auto" r:id="rId11">
               <p14:nvContentPartPr>
                 <p14:cNvPr id="51" name="Ink 50">
@@ -9322,7 +10171,7 @@
               </p14:xfrm>
             </p:contentPart>
           </mc:Choice>
-          <mc:Fallback>
+          <mc:Fallback xmlns="">
             <p:pic>
               <p:nvPicPr>
                 <p:cNvPr id="51" name="Ink 50">
@@ -9353,8 +10202,8 @@
             </p:pic>
           </mc:Fallback>
         </mc:AlternateContent>
-        <mc:AlternateContent xmlns:mc="http://schemas.openxmlformats.org/markup-compatibility/2006">
-          <mc:Choice xmlns:p14="http://schemas.microsoft.com/office/powerpoint/2010/main" xmlns:aink="http://schemas.microsoft.com/office/drawing/2016/ink" Requires="p14 aink">
+        <mc:AlternateContent xmlns:mc="http://schemas.openxmlformats.org/markup-compatibility/2006" xmlns:p14="http://schemas.microsoft.com/office/powerpoint/2010/main" xmlns:aink="http://schemas.microsoft.com/office/drawing/2016/ink">
+          <mc:Choice Requires="p14 aink">
             <p:contentPart p14:bwMode="auto" r:id="rId13">
               <p14:nvContentPartPr>
                 <p14:cNvPr id="52" name="Ink 51">
@@ -9373,7 +10222,7 @@
               </p14:xfrm>
             </p:contentPart>
           </mc:Choice>
-          <mc:Fallback>
+          <mc:Fallback xmlns="">
             <p:pic>
               <p:nvPicPr>
                 <p:cNvPr id="52" name="Ink 51">
@@ -9404,8 +10253,8 @@
             </p:pic>
           </mc:Fallback>
         </mc:AlternateContent>
-        <mc:AlternateContent xmlns:mc="http://schemas.openxmlformats.org/markup-compatibility/2006">
-          <mc:Choice xmlns:p14="http://schemas.microsoft.com/office/powerpoint/2010/main" xmlns:aink="http://schemas.microsoft.com/office/drawing/2016/ink" Requires="p14 aink">
+        <mc:AlternateContent xmlns:mc="http://schemas.openxmlformats.org/markup-compatibility/2006" xmlns:p14="http://schemas.microsoft.com/office/powerpoint/2010/main" xmlns:aink="http://schemas.microsoft.com/office/drawing/2016/ink">
+          <mc:Choice Requires="p14 aink">
             <p:contentPart p14:bwMode="auto" r:id="rId15">
               <p14:nvContentPartPr>
                 <p14:cNvPr id="53" name="Ink 52">
@@ -9424,7 +10273,7 @@
               </p14:xfrm>
             </p:contentPart>
           </mc:Choice>
-          <mc:Fallback>
+          <mc:Fallback xmlns="">
             <p:pic>
               <p:nvPicPr>
                 <p:cNvPr id="53" name="Ink 52">
@@ -9476,8 +10325,8 @@
             <a:chExt cx="1081440" cy="1386000"/>
           </a:xfrm>
         </p:grpSpPr>
-        <mc:AlternateContent xmlns:mc="http://schemas.openxmlformats.org/markup-compatibility/2006">
-          <mc:Choice xmlns:p14="http://schemas.microsoft.com/office/powerpoint/2010/main" xmlns:aink="http://schemas.microsoft.com/office/drawing/2016/ink" Requires="p14 aink">
+        <mc:AlternateContent xmlns:mc="http://schemas.openxmlformats.org/markup-compatibility/2006" xmlns:p14="http://schemas.microsoft.com/office/powerpoint/2010/main" xmlns:aink="http://schemas.microsoft.com/office/drawing/2016/ink">
+          <mc:Choice Requires="p14 aink">
             <p:contentPart p14:bwMode="auto" r:id="rId17">
               <p14:nvContentPartPr>
                 <p14:cNvPr id="56" name="Ink 55">
@@ -9496,7 +10345,7 @@
               </p14:xfrm>
             </p:contentPart>
           </mc:Choice>
-          <mc:Fallback>
+          <mc:Fallback xmlns="">
             <p:pic>
               <p:nvPicPr>
                 <p:cNvPr id="56" name="Ink 55">
@@ -9527,8 +10376,8 @@
             </p:pic>
           </mc:Fallback>
         </mc:AlternateContent>
-        <mc:AlternateContent xmlns:mc="http://schemas.openxmlformats.org/markup-compatibility/2006">
-          <mc:Choice xmlns:p14="http://schemas.microsoft.com/office/powerpoint/2010/main" xmlns:aink="http://schemas.microsoft.com/office/drawing/2016/ink" Requires="p14 aink">
+        <mc:AlternateContent xmlns:mc="http://schemas.openxmlformats.org/markup-compatibility/2006" xmlns:p14="http://schemas.microsoft.com/office/powerpoint/2010/main" xmlns:aink="http://schemas.microsoft.com/office/drawing/2016/ink">
+          <mc:Choice Requires="p14 aink">
             <p:contentPart p14:bwMode="auto" r:id="rId19">
               <p14:nvContentPartPr>
                 <p14:cNvPr id="59" name="Ink 58">
@@ -9547,7 +10396,7 @@
               </p14:xfrm>
             </p:contentPart>
           </mc:Choice>
-          <mc:Fallback>
+          <mc:Fallback xmlns="">
             <p:pic>
               <p:nvPicPr>
                 <p:cNvPr id="59" name="Ink 58">
@@ -9578,8 +10427,8 @@
             </p:pic>
           </mc:Fallback>
         </mc:AlternateContent>
-        <mc:AlternateContent xmlns:mc="http://schemas.openxmlformats.org/markup-compatibility/2006">
-          <mc:Choice xmlns:p14="http://schemas.microsoft.com/office/powerpoint/2010/main" xmlns:aink="http://schemas.microsoft.com/office/drawing/2016/ink" Requires="p14 aink">
+        <mc:AlternateContent xmlns:mc="http://schemas.openxmlformats.org/markup-compatibility/2006" xmlns:p14="http://schemas.microsoft.com/office/powerpoint/2010/main" xmlns:aink="http://schemas.microsoft.com/office/drawing/2016/ink">
+          <mc:Choice Requires="p14 aink">
             <p:contentPart p14:bwMode="auto" r:id="rId21">
               <p14:nvContentPartPr>
                 <p14:cNvPr id="62" name="Ink 61">
@@ -9598,7 +10447,7 @@
               </p14:xfrm>
             </p:contentPart>
           </mc:Choice>
-          <mc:Fallback>
+          <mc:Fallback xmlns="">
             <p:pic>
               <p:nvPicPr>
                 <p:cNvPr id="62" name="Ink 61">
@@ -9630,8 +10479,8 @@
           </mc:Fallback>
         </mc:AlternateContent>
       </p:grpSp>
-      <mc:AlternateContent xmlns:mc="http://schemas.openxmlformats.org/markup-compatibility/2006">
-        <mc:Choice xmlns:p14="http://schemas.microsoft.com/office/powerpoint/2010/main" xmlns:aink="http://schemas.microsoft.com/office/drawing/2016/ink" Requires="p14 aink">
+      <mc:AlternateContent xmlns:mc="http://schemas.openxmlformats.org/markup-compatibility/2006" xmlns:p14="http://schemas.microsoft.com/office/powerpoint/2010/main" xmlns:aink="http://schemas.microsoft.com/office/drawing/2016/ink">
+        <mc:Choice Requires="p14 aink">
           <p:contentPart p14:bwMode="auto" r:id="rId23">
             <p14:nvContentPartPr>
               <p14:cNvPr id="64" name="Ink 63">
@@ -9650,7 +10499,7 @@
             </p14:xfrm>
           </p:contentPart>
         </mc:Choice>
-        <mc:Fallback>
+        <mc:Fallback xmlns="">
           <p:pic>
             <p:nvPicPr>
               <p:cNvPr id="64" name="Ink 63">
@@ -9701,8 +10550,8 @@
             <a:chExt cx="1081440" cy="1386000"/>
           </a:xfrm>
         </p:grpSpPr>
-        <mc:AlternateContent xmlns:mc="http://schemas.openxmlformats.org/markup-compatibility/2006">
-          <mc:Choice xmlns:p14="http://schemas.microsoft.com/office/powerpoint/2010/main" xmlns:aink="http://schemas.microsoft.com/office/drawing/2016/ink" Requires="p14 aink">
+        <mc:AlternateContent xmlns:mc="http://schemas.openxmlformats.org/markup-compatibility/2006" xmlns:p14="http://schemas.microsoft.com/office/powerpoint/2010/main" xmlns:aink="http://schemas.microsoft.com/office/drawing/2016/ink">
+          <mc:Choice Requires="p14 aink">
             <p:contentPart p14:bwMode="auto" r:id="rId25">
               <p14:nvContentPartPr>
                 <p14:cNvPr id="67" name="Ink 66">
@@ -9721,7 +10570,7 @@
               </p14:xfrm>
             </p:contentPart>
           </mc:Choice>
-          <mc:Fallback>
+          <mc:Fallback xmlns="">
             <p:pic>
               <p:nvPicPr>
                 <p:cNvPr id="67" name="Ink 66">
@@ -9752,8 +10601,8 @@
             </p:pic>
           </mc:Fallback>
         </mc:AlternateContent>
-        <mc:AlternateContent xmlns:mc="http://schemas.openxmlformats.org/markup-compatibility/2006">
-          <mc:Choice xmlns:p14="http://schemas.microsoft.com/office/powerpoint/2010/main" xmlns:aink="http://schemas.microsoft.com/office/drawing/2016/ink" Requires="p14 aink">
+        <mc:AlternateContent xmlns:mc="http://schemas.openxmlformats.org/markup-compatibility/2006" xmlns:p14="http://schemas.microsoft.com/office/powerpoint/2010/main" xmlns:aink="http://schemas.microsoft.com/office/drawing/2016/ink">
+          <mc:Choice Requires="p14 aink">
             <p:contentPart p14:bwMode="auto" r:id="rId27">
               <p14:nvContentPartPr>
                 <p14:cNvPr id="68" name="Ink 67">
@@ -9772,7 +10621,7 @@
               </p14:xfrm>
             </p:contentPart>
           </mc:Choice>
-          <mc:Fallback>
+          <mc:Fallback xmlns="">
             <p:pic>
               <p:nvPicPr>
                 <p:cNvPr id="68" name="Ink 67">
@@ -9803,8 +10652,8 @@
             </p:pic>
           </mc:Fallback>
         </mc:AlternateContent>
-        <mc:AlternateContent xmlns:mc="http://schemas.openxmlformats.org/markup-compatibility/2006">
-          <mc:Choice xmlns:p14="http://schemas.microsoft.com/office/powerpoint/2010/main" xmlns:aink="http://schemas.microsoft.com/office/drawing/2016/ink" Requires="p14 aink">
+        <mc:AlternateContent xmlns:mc="http://schemas.openxmlformats.org/markup-compatibility/2006" xmlns:p14="http://schemas.microsoft.com/office/powerpoint/2010/main" xmlns:aink="http://schemas.microsoft.com/office/drawing/2016/ink">
+          <mc:Choice Requires="p14 aink">
             <p:contentPart p14:bwMode="auto" r:id="rId29">
               <p14:nvContentPartPr>
                 <p14:cNvPr id="69" name="Ink 68">
@@ -9823,7 +10672,7 @@
               </p14:xfrm>
             </p:contentPart>
           </mc:Choice>
-          <mc:Fallback>
+          <mc:Fallback xmlns="">
             <p:pic>
               <p:nvPicPr>
                 <p:cNvPr id="69" name="Ink 68">
@@ -9855,8 +10704,8 @@
           </mc:Fallback>
         </mc:AlternateContent>
       </p:grpSp>
-      <mc:AlternateContent xmlns:mc="http://schemas.openxmlformats.org/markup-compatibility/2006">
-        <mc:Choice xmlns:p14="http://schemas.microsoft.com/office/powerpoint/2010/main" xmlns:aink="http://schemas.microsoft.com/office/drawing/2016/ink" Requires="p14 aink">
+      <mc:AlternateContent xmlns:mc="http://schemas.openxmlformats.org/markup-compatibility/2006" xmlns:p14="http://schemas.microsoft.com/office/powerpoint/2010/main" xmlns:aink="http://schemas.microsoft.com/office/drawing/2016/ink">
+        <mc:Choice Requires="p14 aink">
           <p:contentPart p14:bwMode="auto" r:id="rId31">
             <p14:nvContentPartPr>
               <p14:cNvPr id="73" name="Ink 72">
@@ -9875,7 +10724,7 @@
             </p14:xfrm>
           </p:contentPart>
         </mc:Choice>
-        <mc:Fallback>
+        <mc:Fallback xmlns="">
           <p:pic>
             <p:nvPicPr>
               <p:cNvPr id="73" name="Ink 72">
@@ -9906,8 +10755,8 @@
           </p:pic>
         </mc:Fallback>
       </mc:AlternateContent>
-      <mc:AlternateContent xmlns:mc="http://schemas.openxmlformats.org/markup-compatibility/2006">
-        <mc:Choice xmlns:p14="http://schemas.microsoft.com/office/powerpoint/2010/main" xmlns:aink="http://schemas.microsoft.com/office/drawing/2016/ink" Requires="p14 aink">
+      <mc:AlternateContent xmlns:mc="http://schemas.openxmlformats.org/markup-compatibility/2006" xmlns:p14="http://schemas.microsoft.com/office/powerpoint/2010/main" xmlns:aink="http://schemas.microsoft.com/office/drawing/2016/ink">
+        <mc:Choice Requires="p14 aink">
           <p:contentPart p14:bwMode="auto" r:id="rId33">
             <p14:nvContentPartPr>
               <p14:cNvPr id="75" name="Ink 74">
@@ -9926,7 +10775,7 @@
             </p14:xfrm>
           </p:contentPart>
         </mc:Choice>
-        <mc:Fallback>
+        <mc:Fallback xmlns="">
           <p:pic>
             <p:nvPicPr>
               <p:cNvPr id="75" name="Ink 74">
@@ -10015,8 +10864,8 @@
           <a:chExt cx="0" cy="0"/>
         </a:xfrm>
       </p:grpSpPr>
-      <mc:AlternateContent xmlns:mc="http://schemas.openxmlformats.org/markup-compatibility/2006">
-        <mc:Choice xmlns:p14="http://schemas.microsoft.com/office/powerpoint/2010/main" xmlns:aink="http://schemas.microsoft.com/office/drawing/2016/ink" Requires="p14 aink">
+      <mc:AlternateContent xmlns:mc="http://schemas.openxmlformats.org/markup-compatibility/2006" xmlns:p14="http://schemas.microsoft.com/office/powerpoint/2010/main" xmlns:aink="http://schemas.microsoft.com/office/drawing/2016/ink">
+        <mc:Choice Requires="p14 aink">
           <p:contentPart p14:bwMode="auto" r:id="rId2">
             <p14:nvContentPartPr>
               <p14:cNvPr id="2" name="Ink 1">
@@ -10035,7 +10884,7 @@
             </p14:xfrm>
           </p:contentPart>
         </mc:Choice>
-        <mc:Fallback>
+        <mc:Fallback xmlns="">
           <p:pic>
             <p:nvPicPr>
               <p:cNvPr id="2" name="Ink 1">
@@ -10080,7 +10929,7 @@
         </p:nvSpPr>
         <p:spPr>
           <a:xfrm>
-            <a:off x="3120165" y="615736"/>
+            <a:off x="3120911" y="381608"/>
             <a:ext cx="5832184" cy="830997"/>
           </a:xfrm>
           <a:prstGeom prst="rect">
@@ -10147,7 +10996,7 @@
         </p:nvSpPr>
         <p:spPr>
           <a:xfrm>
-            <a:off x="3179908" y="1462036"/>
+            <a:off x="3179908" y="1212605"/>
             <a:ext cx="5832184" cy="646331"/>
           </a:xfrm>
           <a:prstGeom prst="rect">
@@ -10354,6 +11203,50 @@
           </a:extLst>
         </p:spPr>
       </p:pic>
+      <p:sp>
+        <p:nvSpPr>
+          <p:cNvPr id="3" name="TextBox 2">
+            <a:extLst>
+              <a:ext uri="{FF2B5EF4-FFF2-40B4-BE49-F238E27FC236}">
+                <a16:creationId xmlns:a16="http://schemas.microsoft.com/office/drawing/2014/main" id="{C53BBDA9-241B-5C0D-FF0B-BD3038A5BA15}"/>
+              </a:ext>
+            </a:extLst>
+          </p:cNvPr>
+          <p:cNvSpPr txBox="1"/>
+          <p:nvPr/>
+        </p:nvSpPr>
+        <p:spPr>
+          <a:xfrm>
+            <a:off x="2999888" y="1938418"/>
+            <a:ext cx="5832184" cy="307777"/>
+          </a:xfrm>
+          <a:prstGeom prst="rect">
+            <a:avLst/>
+          </a:prstGeom>
+          <a:noFill/>
+        </p:spPr>
+        <p:txBody>
+          <a:bodyPr wrap="square" rtlCol="0">
+            <a:spAutoFit/>
+          </a:bodyPr>
+          <a:lstStyle/>
+          <a:p>
+            <a:pPr algn="ctr"/>
+            <a:r>
+              <a:rPr lang="en-ZA" sz="1400" dirty="0">
+                <a:solidFill>
+                  <a:schemeClr val="bg1">
+                    <a:alpha val="60000"/>
+                  </a:schemeClr>
+                </a:solidFill>
+                <a:latin typeface="Segoe Print" panose="02000600000000000000" pitchFamily="2" charset="0"/>
+                <a:cs typeface="IrisUPC" panose="020B0502040204020203" pitchFamily="34" charset="-34"/>
+              </a:rPr>
+              <a:t>An evidence-based approach to football excellence.</a:t>
+            </a:r>
+          </a:p>
+        </p:txBody>
+      </p:sp>
     </p:spTree>
     <p:extLst>
       <p:ext uri="{BB962C8B-B14F-4D97-AF65-F5344CB8AC3E}">
@@ -10412,8 +11305,8 @@
           <a:chExt cx="0" cy="0"/>
         </a:xfrm>
       </p:grpSpPr>
-      <mc:AlternateContent xmlns:mc="http://schemas.openxmlformats.org/markup-compatibility/2006">
-        <mc:Choice xmlns:p14="http://schemas.microsoft.com/office/powerpoint/2010/main" xmlns:aink="http://schemas.microsoft.com/office/drawing/2016/ink" Requires="p14 aink">
+      <mc:AlternateContent xmlns:mc="http://schemas.openxmlformats.org/markup-compatibility/2006" xmlns:p14="http://schemas.microsoft.com/office/powerpoint/2010/main" xmlns:aink="http://schemas.microsoft.com/office/drawing/2016/ink">
+        <mc:Choice Requires="p14 aink">
           <p:contentPart p14:bwMode="auto" r:id="rId2">
             <p14:nvContentPartPr>
               <p14:cNvPr id="2" name="Ink 1">
@@ -10432,7 +11325,7 @@
             </p14:xfrm>
           </p:contentPart>
         </mc:Choice>
-        <mc:Fallback>
+        <mc:Fallback xmlns="">
           <p:pic>
             <p:nvPicPr>
               <p:cNvPr id="2" name="Ink 1">
@@ -10463,8 +11356,8 @@
           </p:pic>
         </mc:Fallback>
       </mc:AlternateContent>
-      <mc:AlternateContent xmlns:mc="http://schemas.openxmlformats.org/markup-compatibility/2006">
-        <mc:Choice xmlns:p14="http://schemas.microsoft.com/office/powerpoint/2010/main" xmlns:aink="http://schemas.microsoft.com/office/drawing/2016/ink" Requires="p14 aink">
+      <mc:AlternateContent xmlns:mc="http://schemas.openxmlformats.org/markup-compatibility/2006" xmlns:p14="http://schemas.microsoft.com/office/powerpoint/2010/main" xmlns:aink="http://schemas.microsoft.com/office/drawing/2016/ink">
+        <mc:Choice Requires="p14 aink">
           <p:contentPart p14:bwMode="auto" r:id="rId4">
             <p14:nvContentPartPr>
               <p14:cNvPr id="6" name="Ink 5">
@@ -10483,7 +11376,7 @@
             </p14:xfrm>
           </p:contentPart>
         </mc:Choice>
-        <mc:Fallback>
+        <mc:Fallback xmlns="">
           <p:pic>
             <p:nvPicPr>
               <p:cNvPr id="6" name="Ink 5">
@@ -10514,8 +11407,8 @@
           </p:pic>
         </mc:Fallback>
       </mc:AlternateContent>
-      <mc:AlternateContent xmlns:mc="http://schemas.openxmlformats.org/markup-compatibility/2006">
-        <mc:Choice xmlns:p14="http://schemas.microsoft.com/office/powerpoint/2010/main" xmlns:aink="http://schemas.microsoft.com/office/drawing/2016/ink" Requires="p14 aink">
+      <mc:AlternateContent xmlns:mc="http://schemas.openxmlformats.org/markup-compatibility/2006" xmlns:p14="http://schemas.microsoft.com/office/powerpoint/2010/main" xmlns:aink="http://schemas.microsoft.com/office/drawing/2016/ink">
+        <mc:Choice Requires="p14 aink">
           <p:contentPart p14:bwMode="auto" r:id="rId6">
             <p14:nvContentPartPr>
               <p14:cNvPr id="10" name="Ink 9">
@@ -10534,7 +11427,7 @@
             </p14:xfrm>
           </p:contentPart>
         </mc:Choice>
-        <mc:Fallback>
+        <mc:Fallback xmlns="">
           <p:pic>
             <p:nvPicPr>
               <p:cNvPr id="10" name="Ink 9">
@@ -10565,8 +11458,8 @@
           </p:pic>
         </mc:Fallback>
       </mc:AlternateContent>
-      <mc:AlternateContent xmlns:mc="http://schemas.openxmlformats.org/markup-compatibility/2006">
-        <mc:Choice xmlns:p14="http://schemas.microsoft.com/office/powerpoint/2010/main" xmlns:aink="http://schemas.microsoft.com/office/drawing/2016/ink" Requires="p14 aink">
+      <mc:AlternateContent xmlns:mc="http://schemas.openxmlformats.org/markup-compatibility/2006" xmlns:p14="http://schemas.microsoft.com/office/powerpoint/2010/main" xmlns:aink="http://schemas.microsoft.com/office/drawing/2016/ink">
+        <mc:Choice Requires="p14 aink">
           <p:contentPart p14:bwMode="auto" r:id="rId8">
             <p14:nvContentPartPr>
               <p14:cNvPr id="12" name="Ink 11">
@@ -10585,7 +11478,7 @@
             </p14:xfrm>
           </p:contentPart>
         </mc:Choice>
-        <mc:Fallback>
+        <mc:Fallback xmlns="">
           <p:pic>
             <p:nvPicPr>
               <p:cNvPr id="12" name="Ink 11">
@@ -10616,8 +11509,8 @@
           </p:pic>
         </mc:Fallback>
       </mc:AlternateContent>
-      <mc:AlternateContent xmlns:mc="http://schemas.openxmlformats.org/markup-compatibility/2006">
-        <mc:Choice xmlns:p14="http://schemas.microsoft.com/office/powerpoint/2010/main" xmlns:aink="http://schemas.microsoft.com/office/drawing/2016/ink" Requires="p14 aink">
+      <mc:AlternateContent xmlns:mc="http://schemas.openxmlformats.org/markup-compatibility/2006" xmlns:p14="http://schemas.microsoft.com/office/powerpoint/2010/main" xmlns:aink="http://schemas.microsoft.com/office/drawing/2016/ink">
+        <mc:Choice Requires="p14 aink">
           <p:contentPart p14:bwMode="auto" r:id="rId10">
             <p14:nvContentPartPr>
               <p14:cNvPr id="14" name="Ink 13">
@@ -10636,7 +11529,7 @@
             </p14:xfrm>
           </p:contentPart>
         </mc:Choice>
-        <mc:Fallback>
+        <mc:Fallback xmlns="">
           <p:pic>
             <p:nvPicPr>
               <p:cNvPr id="14" name="Ink 13">
@@ -10687,8 +11580,8 @@
             <a:chExt cx="2630520" cy="3638160"/>
           </a:xfrm>
         </p:grpSpPr>
-        <mc:AlternateContent xmlns:mc="http://schemas.openxmlformats.org/markup-compatibility/2006">
-          <mc:Choice xmlns:p14="http://schemas.microsoft.com/office/powerpoint/2010/main" xmlns:aink="http://schemas.microsoft.com/office/drawing/2016/ink" Requires="p14 aink">
+        <mc:AlternateContent xmlns:mc="http://schemas.openxmlformats.org/markup-compatibility/2006" xmlns:p14="http://schemas.microsoft.com/office/powerpoint/2010/main" xmlns:aink="http://schemas.microsoft.com/office/drawing/2016/ink">
+          <mc:Choice Requires="p14 aink">
             <p:contentPart p14:bwMode="auto" r:id="rId12">
               <p14:nvContentPartPr>
                 <p14:cNvPr id="27" name="Ink 26">
@@ -10707,7 +11600,7 @@
               </p14:xfrm>
             </p:contentPart>
           </mc:Choice>
-          <mc:Fallback>
+          <mc:Fallback xmlns="">
             <p:pic>
               <p:nvPicPr>
                 <p:cNvPr id="27" name="Ink 26">
@@ -10738,8 +11631,8 @@
             </p:pic>
           </mc:Fallback>
         </mc:AlternateContent>
-        <mc:AlternateContent xmlns:mc="http://schemas.openxmlformats.org/markup-compatibility/2006">
-          <mc:Choice xmlns:p14="http://schemas.microsoft.com/office/powerpoint/2010/main" xmlns:aink="http://schemas.microsoft.com/office/drawing/2016/ink" Requires="p14 aink">
+        <mc:AlternateContent xmlns:mc="http://schemas.openxmlformats.org/markup-compatibility/2006" xmlns:p14="http://schemas.microsoft.com/office/powerpoint/2010/main" xmlns:aink="http://schemas.microsoft.com/office/drawing/2016/ink">
+          <mc:Choice Requires="p14 aink">
             <p:contentPart p14:bwMode="auto" r:id="rId14">
               <p14:nvContentPartPr>
                 <p14:cNvPr id="29" name="Ink 28">
@@ -10758,7 +11651,7 @@
               </p14:xfrm>
             </p:contentPart>
           </mc:Choice>
-          <mc:Fallback>
+          <mc:Fallback xmlns="">
             <p:pic>
               <p:nvPicPr>
                 <p:cNvPr id="29" name="Ink 28">
@@ -10789,8 +11682,8 @@
             </p:pic>
           </mc:Fallback>
         </mc:AlternateContent>
-        <mc:AlternateContent xmlns:mc="http://schemas.openxmlformats.org/markup-compatibility/2006">
-          <mc:Choice xmlns:p14="http://schemas.microsoft.com/office/powerpoint/2010/main" xmlns:aink="http://schemas.microsoft.com/office/drawing/2016/ink" Requires="p14 aink">
+        <mc:AlternateContent xmlns:mc="http://schemas.openxmlformats.org/markup-compatibility/2006" xmlns:p14="http://schemas.microsoft.com/office/powerpoint/2010/main" xmlns:aink="http://schemas.microsoft.com/office/drawing/2016/ink">
+          <mc:Choice Requires="p14 aink">
             <p:contentPart p14:bwMode="auto" r:id="rId16">
               <p14:nvContentPartPr>
                 <p14:cNvPr id="30" name="Ink 29">
@@ -10809,7 +11702,7 @@
               </p14:xfrm>
             </p:contentPart>
           </mc:Choice>
-          <mc:Fallback>
+          <mc:Fallback xmlns="">
             <p:pic>
               <p:nvPicPr>
                 <p:cNvPr id="30" name="Ink 29">
@@ -10861,8 +11754,8 @@
             <a:chExt cx="1433520" cy="2112120"/>
           </a:xfrm>
         </p:grpSpPr>
-        <mc:AlternateContent xmlns:mc="http://schemas.openxmlformats.org/markup-compatibility/2006">
-          <mc:Choice xmlns:p14="http://schemas.microsoft.com/office/powerpoint/2010/main" xmlns:aink="http://schemas.microsoft.com/office/drawing/2016/ink" Requires="p14 aink">
+        <mc:AlternateContent xmlns:mc="http://schemas.openxmlformats.org/markup-compatibility/2006" xmlns:p14="http://schemas.microsoft.com/office/powerpoint/2010/main" xmlns:aink="http://schemas.microsoft.com/office/drawing/2016/ink">
+          <mc:Choice Requires="p14 aink">
             <p:contentPart p14:bwMode="auto" r:id="rId18">
               <p14:nvContentPartPr>
                 <p14:cNvPr id="32" name="Ink 31">
@@ -10881,7 +11774,7 @@
               </p14:xfrm>
             </p:contentPart>
           </mc:Choice>
-          <mc:Fallback>
+          <mc:Fallback xmlns="">
             <p:pic>
               <p:nvPicPr>
                 <p:cNvPr id="32" name="Ink 31">
@@ -10912,8 +11805,8 @@
             </p:pic>
           </mc:Fallback>
         </mc:AlternateContent>
-        <mc:AlternateContent xmlns:mc="http://schemas.openxmlformats.org/markup-compatibility/2006">
-          <mc:Choice xmlns:p14="http://schemas.microsoft.com/office/powerpoint/2010/main" xmlns:aink="http://schemas.microsoft.com/office/drawing/2016/ink" Requires="p14 aink">
+        <mc:AlternateContent xmlns:mc="http://schemas.openxmlformats.org/markup-compatibility/2006" xmlns:p14="http://schemas.microsoft.com/office/powerpoint/2010/main" xmlns:aink="http://schemas.microsoft.com/office/drawing/2016/ink">
+          <mc:Choice Requires="p14 aink">
             <p:contentPart p14:bwMode="auto" r:id="rId20">
               <p14:nvContentPartPr>
                 <p14:cNvPr id="36" name="Ink 35">
@@ -10932,7 +11825,7 @@
               </p14:xfrm>
             </p:contentPart>
           </mc:Choice>
-          <mc:Fallback>
+          <mc:Fallback xmlns="">
             <p:pic>
               <p:nvPicPr>
                 <p:cNvPr id="36" name="Ink 35">
@@ -10963,8 +11856,8 @@
             </p:pic>
           </mc:Fallback>
         </mc:AlternateContent>
-        <mc:AlternateContent xmlns:mc="http://schemas.openxmlformats.org/markup-compatibility/2006">
-          <mc:Choice xmlns:p14="http://schemas.microsoft.com/office/powerpoint/2010/main" xmlns:aink="http://schemas.microsoft.com/office/drawing/2016/ink" Requires="p14 aink">
+        <mc:AlternateContent xmlns:mc="http://schemas.openxmlformats.org/markup-compatibility/2006" xmlns:p14="http://schemas.microsoft.com/office/powerpoint/2010/main" xmlns:aink="http://schemas.microsoft.com/office/drawing/2016/ink">
+          <mc:Choice Requires="p14 aink">
             <p:contentPart p14:bwMode="auto" r:id="rId22">
               <p14:nvContentPartPr>
                 <p14:cNvPr id="38" name="Ink 37">
@@ -10983,7 +11876,7 @@
               </p14:xfrm>
             </p:contentPart>
           </mc:Choice>
-          <mc:Fallback>
+          <mc:Fallback xmlns="">
             <p:pic>
               <p:nvPicPr>
                 <p:cNvPr id="38" name="Ink 37">
@@ -11035,8 +11928,8 @@
             <a:chExt cx="2630520" cy="3638160"/>
           </a:xfrm>
         </p:grpSpPr>
-        <mc:AlternateContent xmlns:mc="http://schemas.openxmlformats.org/markup-compatibility/2006">
-          <mc:Choice xmlns:p14="http://schemas.microsoft.com/office/powerpoint/2010/main" xmlns:aink="http://schemas.microsoft.com/office/drawing/2016/ink" Requires="p14 aink">
+        <mc:AlternateContent xmlns:mc="http://schemas.openxmlformats.org/markup-compatibility/2006" xmlns:p14="http://schemas.microsoft.com/office/powerpoint/2010/main" xmlns:aink="http://schemas.microsoft.com/office/drawing/2016/ink">
+          <mc:Choice Requires="p14 aink">
             <p:contentPart p14:bwMode="auto" r:id="rId24">
               <p14:nvContentPartPr>
                 <p14:cNvPr id="42" name="Ink 41">
@@ -11055,7 +11948,7 @@
               </p14:xfrm>
             </p:contentPart>
           </mc:Choice>
-          <mc:Fallback>
+          <mc:Fallback xmlns="">
             <p:pic>
               <p:nvPicPr>
                 <p:cNvPr id="42" name="Ink 41">
@@ -11086,8 +11979,8 @@
             </p:pic>
           </mc:Fallback>
         </mc:AlternateContent>
-        <mc:AlternateContent xmlns:mc="http://schemas.openxmlformats.org/markup-compatibility/2006">
-          <mc:Choice xmlns:p14="http://schemas.microsoft.com/office/powerpoint/2010/main" xmlns:aink="http://schemas.microsoft.com/office/drawing/2016/ink" Requires="p14 aink">
+        <mc:AlternateContent xmlns:mc="http://schemas.openxmlformats.org/markup-compatibility/2006" xmlns:p14="http://schemas.microsoft.com/office/powerpoint/2010/main" xmlns:aink="http://schemas.microsoft.com/office/drawing/2016/ink">
+          <mc:Choice Requires="p14 aink">
             <p:contentPart p14:bwMode="auto" r:id="rId26">
               <p14:nvContentPartPr>
                 <p14:cNvPr id="43" name="Ink 42">
@@ -11106,7 +11999,7 @@
               </p14:xfrm>
             </p:contentPart>
           </mc:Choice>
-          <mc:Fallback>
+          <mc:Fallback xmlns="">
             <p:pic>
               <p:nvPicPr>
                 <p:cNvPr id="43" name="Ink 42">
@@ -11137,8 +12030,8 @@
             </p:pic>
           </mc:Fallback>
         </mc:AlternateContent>
-        <mc:AlternateContent xmlns:mc="http://schemas.openxmlformats.org/markup-compatibility/2006">
-          <mc:Choice xmlns:p14="http://schemas.microsoft.com/office/powerpoint/2010/main" xmlns:aink="http://schemas.microsoft.com/office/drawing/2016/ink" Requires="p14 aink">
+        <mc:AlternateContent xmlns:mc="http://schemas.openxmlformats.org/markup-compatibility/2006" xmlns:p14="http://schemas.microsoft.com/office/powerpoint/2010/main" xmlns:aink="http://schemas.microsoft.com/office/drawing/2016/ink">
+          <mc:Choice Requires="p14 aink">
             <p:contentPart p14:bwMode="auto" r:id="rId28">
               <p14:nvContentPartPr>
                 <p14:cNvPr id="44" name="Ink 43">
@@ -11157,7 +12050,7 @@
               </p14:xfrm>
             </p:contentPart>
           </mc:Choice>
-          <mc:Fallback>
+          <mc:Fallback xmlns="">
             <p:pic>
               <p:nvPicPr>
                 <p:cNvPr id="44" name="Ink 43">
@@ -11209,8 +12102,8 @@
             <a:chExt cx="1433520" cy="2112120"/>
           </a:xfrm>
         </p:grpSpPr>
-        <mc:AlternateContent xmlns:mc="http://schemas.openxmlformats.org/markup-compatibility/2006">
-          <mc:Choice xmlns:p14="http://schemas.microsoft.com/office/powerpoint/2010/main" xmlns:aink="http://schemas.microsoft.com/office/drawing/2016/ink" Requires="p14 aink">
+        <mc:AlternateContent xmlns:mc="http://schemas.openxmlformats.org/markup-compatibility/2006" xmlns:p14="http://schemas.microsoft.com/office/powerpoint/2010/main" xmlns:aink="http://schemas.microsoft.com/office/drawing/2016/ink">
+          <mc:Choice Requires="p14 aink">
             <p:contentPart p14:bwMode="auto" r:id="rId30">
               <p14:nvContentPartPr>
                 <p14:cNvPr id="47" name="Ink 46">
@@ -11229,7 +12122,7 @@
               </p14:xfrm>
             </p:contentPart>
           </mc:Choice>
-          <mc:Fallback>
+          <mc:Fallback xmlns="">
             <p:pic>
               <p:nvPicPr>
                 <p:cNvPr id="47" name="Ink 46">
@@ -11260,8 +12153,8 @@
             </p:pic>
           </mc:Fallback>
         </mc:AlternateContent>
-        <mc:AlternateContent xmlns:mc="http://schemas.openxmlformats.org/markup-compatibility/2006">
-          <mc:Choice xmlns:p14="http://schemas.microsoft.com/office/powerpoint/2010/main" xmlns:aink="http://schemas.microsoft.com/office/drawing/2016/ink" Requires="p14 aink">
+        <mc:AlternateContent xmlns:mc="http://schemas.openxmlformats.org/markup-compatibility/2006" xmlns:p14="http://schemas.microsoft.com/office/powerpoint/2010/main" xmlns:aink="http://schemas.microsoft.com/office/drawing/2016/ink">
+          <mc:Choice Requires="p14 aink">
             <p:contentPart p14:bwMode="auto" r:id="rId32">
               <p14:nvContentPartPr>
                 <p14:cNvPr id="49" name="Ink 48">
@@ -11280,7 +12173,7 @@
               </p14:xfrm>
             </p:contentPart>
           </mc:Choice>
-          <mc:Fallback>
+          <mc:Fallback xmlns="">
             <p:pic>
               <p:nvPicPr>
                 <p:cNvPr id="49" name="Ink 48">
@@ -11311,8 +12204,8 @@
             </p:pic>
           </mc:Fallback>
         </mc:AlternateContent>
-        <mc:AlternateContent xmlns:mc="http://schemas.openxmlformats.org/markup-compatibility/2006">
-          <mc:Choice xmlns:p14="http://schemas.microsoft.com/office/powerpoint/2010/main" xmlns:aink="http://schemas.microsoft.com/office/drawing/2016/ink" Requires="p14 aink">
+        <mc:AlternateContent xmlns:mc="http://schemas.openxmlformats.org/markup-compatibility/2006" xmlns:p14="http://schemas.microsoft.com/office/powerpoint/2010/main" xmlns:aink="http://schemas.microsoft.com/office/drawing/2016/ink">
+          <mc:Choice Requires="p14 aink">
             <p:contentPart p14:bwMode="auto" r:id="rId34">
               <p14:nvContentPartPr>
                 <p14:cNvPr id="50" name="Ink 49">
@@ -11331,7 +12224,7 @@
               </p14:xfrm>
             </p:contentPart>
           </mc:Choice>
-          <mc:Fallback>
+          <mc:Fallback xmlns="">
             <p:pic>
               <p:nvPicPr>
                 <p:cNvPr id="50" name="Ink 49">
@@ -11363,8 +12256,8 @@
           </mc:Fallback>
         </mc:AlternateContent>
       </p:grpSp>
-      <mc:AlternateContent xmlns:mc="http://schemas.openxmlformats.org/markup-compatibility/2006">
-        <mc:Choice xmlns:p14="http://schemas.microsoft.com/office/powerpoint/2010/main" xmlns:aink="http://schemas.microsoft.com/office/drawing/2016/ink" Requires="p14 aink">
+      <mc:AlternateContent xmlns:mc="http://schemas.openxmlformats.org/markup-compatibility/2006" xmlns:p14="http://schemas.microsoft.com/office/powerpoint/2010/main" xmlns:aink="http://schemas.microsoft.com/office/drawing/2016/ink">
+        <mc:Choice Requires="p14 aink">
           <p:contentPart p14:bwMode="auto" r:id="rId36">
             <p14:nvContentPartPr>
               <p14:cNvPr id="58" name="Ink 57">
@@ -11383,7 +12276,7 @@
             </p14:xfrm>
           </p:contentPart>
         </mc:Choice>
-        <mc:Fallback>
+        <mc:Fallback xmlns="">
           <p:pic>
             <p:nvPicPr>
               <p:cNvPr id="58" name="Ink 57">
@@ -11414,8 +12307,8 @@
           </p:pic>
         </mc:Fallback>
       </mc:AlternateContent>
-      <mc:AlternateContent xmlns:mc="http://schemas.openxmlformats.org/markup-compatibility/2006">
-        <mc:Choice xmlns:p14="http://schemas.microsoft.com/office/powerpoint/2010/main" xmlns:aink="http://schemas.microsoft.com/office/drawing/2016/ink" Requires="p14 aink">
+      <mc:AlternateContent xmlns:mc="http://schemas.openxmlformats.org/markup-compatibility/2006" xmlns:p14="http://schemas.microsoft.com/office/powerpoint/2010/main" xmlns:aink="http://schemas.microsoft.com/office/drawing/2016/ink">
+        <mc:Choice Requires="p14 aink">
           <p:contentPart p14:bwMode="auto" r:id="rId38">
             <p14:nvContentPartPr>
               <p14:cNvPr id="61" name="Ink 60">
@@ -11434,7 +12327,7 @@
             </p14:xfrm>
           </p:contentPart>
         </mc:Choice>
-        <mc:Fallback>
+        <mc:Fallback xmlns="">
           <p:pic>
             <p:nvPicPr>
               <p:cNvPr id="61" name="Ink 60">
@@ -11508,7 +12401,7 @@
         <p:cNvPr id="1" name="">
           <a:extLst>
             <a:ext uri="{FF2B5EF4-FFF2-40B4-BE49-F238E27FC236}">
-              <a16:creationId xmlns:a16="http://schemas.microsoft.com/office/drawing/2014/main" id="{5F1D1839-6F2E-B9A0-0691-E1A0BDF165F9}"/>
+              <a16:creationId xmlns:a16="http://schemas.microsoft.com/office/drawing/2014/main" id="{9FA6D7D0-2766-01D1-1AD6-AA0133E7A442}"/>
             </a:ext>
           </a:extLst>
         </p:cNvPr>
@@ -11530,7 +12423,7 @@
               <p14:cNvPr id="2" name="Ink 1">
                 <a:extLst>
                   <a:ext uri="{FF2B5EF4-FFF2-40B4-BE49-F238E27FC236}">
-                    <a16:creationId xmlns:a16="http://schemas.microsoft.com/office/drawing/2014/main" id="{F920A63D-01DC-EF24-AE7E-735005570F42}"/>
+                    <a16:creationId xmlns:a16="http://schemas.microsoft.com/office/drawing/2014/main" id="{B8124198-19CC-A305-E6CD-5193A263804C}"/>
                   </a:ext>
                 </a:extLst>
               </p14:cNvPr>
@@ -11549,7 +12442,7 @@
               <p:cNvPr id="2" name="Ink 1">
                 <a:extLst>
                   <a:ext uri="{FF2B5EF4-FFF2-40B4-BE49-F238E27FC236}">
-                    <a16:creationId xmlns:a16="http://schemas.microsoft.com/office/drawing/2014/main" id="{F920A63D-01DC-EF24-AE7E-735005570F42}"/>
+                    <a16:creationId xmlns:a16="http://schemas.microsoft.com/office/drawing/2014/main" id="{B8124198-19CC-A305-E6CD-5193A263804C}"/>
                   </a:ext>
                 </a:extLst>
               </p:cNvPr>
@@ -11581,7 +12474,7 @@
               <p14:cNvPr id="6" name="Ink 5">
                 <a:extLst>
                   <a:ext uri="{FF2B5EF4-FFF2-40B4-BE49-F238E27FC236}">
-                    <a16:creationId xmlns:a16="http://schemas.microsoft.com/office/drawing/2014/main" id="{1CB429A2-11D9-F3E5-EAD5-CF121B333C7C}"/>
+                    <a16:creationId xmlns:a16="http://schemas.microsoft.com/office/drawing/2014/main" id="{47394D39-117F-9CE6-CCD6-6D09D102A8CA}"/>
                   </a:ext>
                 </a:extLst>
               </p14:cNvPr>
@@ -11600,7 +12493,7 @@
               <p:cNvPr id="6" name="Ink 5">
                 <a:extLst>
                   <a:ext uri="{FF2B5EF4-FFF2-40B4-BE49-F238E27FC236}">
-                    <a16:creationId xmlns:a16="http://schemas.microsoft.com/office/drawing/2014/main" id="{1CB429A2-11D9-F3E5-EAD5-CF121B333C7C}"/>
+                    <a16:creationId xmlns:a16="http://schemas.microsoft.com/office/drawing/2014/main" id="{47394D39-117F-9CE6-CCD6-6D09D102A8CA}"/>
                   </a:ext>
                 </a:extLst>
               </p:cNvPr>
@@ -11632,7 +12525,7 @@
               <p14:cNvPr id="10" name="Ink 9">
                 <a:extLst>
                   <a:ext uri="{FF2B5EF4-FFF2-40B4-BE49-F238E27FC236}">
-                    <a16:creationId xmlns:a16="http://schemas.microsoft.com/office/drawing/2014/main" id="{78AE7ECB-5AC2-AAB2-90B1-65A655CA0C5C}"/>
+                    <a16:creationId xmlns:a16="http://schemas.microsoft.com/office/drawing/2014/main" id="{FEA97B0C-A19D-2D7B-4F6A-BA861BA928E5}"/>
                   </a:ext>
                 </a:extLst>
               </p14:cNvPr>
@@ -11651,7 +12544,7 @@
               <p:cNvPr id="10" name="Ink 9">
                 <a:extLst>
                   <a:ext uri="{FF2B5EF4-FFF2-40B4-BE49-F238E27FC236}">
-                    <a16:creationId xmlns:a16="http://schemas.microsoft.com/office/drawing/2014/main" id="{78AE7ECB-5AC2-AAB2-90B1-65A655CA0C5C}"/>
+                    <a16:creationId xmlns:a16="http://schemas.microsoft.com/office/drawing/2014/main" id="{FEA97B0C-A19D-2D7B-4F6A-BA861BA928E5}"/>
                   </a:ext>
                 </a:extLst>
               </p:cNvPr>
@@ -11683,7 +12576,7 @@
               <p14:cNvPr id="12" name="Ink 11">
                 <a:extLst>
                   <a:ext uri="{FF2B5EF4-FFF2-40B4-BE49-F238E27FC236}">
-                    <a16:creationId xmlns:a16="http://schemas.microsoft.com/office/drawing/2014/main" id="{8565395F-1AE6-E4BC-E874-FD7D8882E8E8}"/>
+                    <a16:creationId xmlns:a16="http://schemas.microsoft.com/office/drawing/2014/main" id="{E460E6AD-3079-5D12-BF4D-302B7BA4A156}"/>
                   </a:ext>
                 </a:extLst>
               </p14:cNvPr>
@@ -11702,7 +12595,7 @@
               <p:cNvPr id="12" name="Ink 11">
                 <a:extLst>
                   <a:ext uri="{FF2B5EF4-FFF2-40B4-BE49-F238E27FC236}">
-                    <a16:creationId xmlns:a16="http://schemas.microsoft.com/office/drawing/2014/main" id="{8565395F-1AE6-E4BC-E874-FD7D8882E8E8}"/>
+                    <a16:creationId xmlns:a16="http://schemas.microsoft.com/office/drawing/2014/main" id="{E460E6AD-3079-5D12-BF4D-302B7BA4A156}"/>
                   </a:ext>
                 </a:extLst>
               </p:cNvPr>
@@ -11734,6 +12627,2172 @@
               <p14:cNvPr id="14" name="Ink 13">
                 <a:extLst>
                   <a:ext uri="{FF2B5EF4-FFF2-40B4-BE49-F238E27FC236}">
+                    <a16:creationId xmlns:a16="http://schemas.microsoft.com/office/drawing/2014/main" id="{35828E8F-2DCB-D2D7-4702-D90FB017E944}"/>
+                  </a:ext>
+                </a:extLst>
+              </p14:cNvPr>
+              <p14:cNvContentPartPr/>
+              <p14:nvPr/>
+            </p14:nvContentPartPr>
+            <p14:xfrm>
+              <a:off x="11113901" y="584410"/>
+              <a:ext cx="38160" cy="5722560"/>
+            </p14:xfrm>
+          </p:contentPart>
+        </mc:Choice>
+        <mc:Fallback>
+          <p:pic>
+            <p:nvPicPr>
+              <p:cNvPr id="14" name="Ink 13">
+                <a:extLst>
+                  <a:ext uri="{FF2B5EF4-FFF2-40B4-BE49-F238E27FC236}">
+                    <a16:creationId xmlns:a16="http://schemas.microsoft.com/office/drawing/2014/main" id="{35828E8F-2DCB-D2D7-4702-D90FB017E944}"/>
+                  </a:ext>
+                </a:extLst>
+              </p:cNvPr>
+              <p:cNvPicPr/>
+              <p:nvPr/>
+            </p:nvPicPr>
+            <p:blipFill>
+              <a:blip r:embed="rId11"/>
+              <a:stretch>
+                <a:fillRect/>
+              </a:stretch>
+            </p:blipFill>
+            <p:spPr>
+              <a:xfrm>
+                <a:off x="11050901" y="206410"/>
+                <a:ext cx="163800" cy="6478200"/>
+              </a:xfrm>
+              <a:prstGeom prst="rect">
+                <a:avLst/>
+              </a:prstGeom>
+            </p:spPr>
+          </p:pic>
+        </mc:Fallback>
+      </mc:AlternateContent>
+      <p:grpSp>
+        <p:nvGrpSpPr>
+          <p:cNvPr id="39" name="Group 38">
+            <a:extLst>
+              <a:ext uri="{FF2B5EF4-FFF2-40B4-BE49-F238E27FC236}">
+                <a16:creationId xmlns:a16="http://schemas.microsoft.com/office/drawing/2014/main" id="{D304D2EA-4853-11FC-62D2-77004EAA9ED1}"/>
+              </a:ext>
+            </a:extLst>
+          </p:cNvPr>
+          <p:cNvGrpSpPr/>
+          <p:nvPr/>
+        </p:nvGrpSpPr>
+        <p:grpSpPr>
+          <a:xfrm>
+            <a:off x="1027421" y="1611850"/>
+            <a:ext cx="2630520" cy="3638160"/>
+            <a:chOff x="1027421" y="1611850"/>
+            <a:chExt cx="2630520" cy="3638160"/>
+          </a:xfrm>
+        </p:grpSpPr>
+        <mc:AlternateContent xmlns:mc="http://schemas.openxmlformats.org/markup-compatibility/2006">
+          <mc:Choice xmlns:p14="http://schemas.microsoft.com/office/powerpoint/2010/main" xmlns:aink="http://schemas.microsoft.com/office/drawing/2016/ink" Requires="p14 aink">
+            <p:contentPart p14:bwMode="auto" r:id="rId12">
+              <p14:nvContentPartPr>
+                <p14:cNvPr id="27" name="Ink 26">
+                  <a:extLst>
+                    <a:ext uri="{FF2B5EF4-FFF2-40B4-BE49-F238E27FC236}">
+                      <a16:creationId xmlns:a16="http://schemas.microsoft.com/office/drawing/2014/main" id="{33B172F4-1930-548F-E36D-499BBABAD31F}"/>
+                    </a:ext>
+                  </a:extLst>
+                </p14:cNvPr>
+                <p14:cNvContentPartPr/>
+                <p14:nvPr/>
+              </p14:nvContentPartPr>
+              <p14:xfrm>
+                <a:off x="1065221" y="1611850"/>
+                <a:ext cx="2554920" cy="28440"/>
+              </p14:xfrm>
+            </p:contentPart>
+          </mc:Choice>
+          <mc:Fallback>
+            <p:pic>
+              <p:nvPicPr>
+                <p:cNvPr id="27" name="Ink 26">
+                  <a:extLst>
+                    <a:ext uri="{FF2B5EF4-FFF2-40B4-BE49-F238E27FC236}">
+                      <a16:creationId xmlns:a16="http://schemas.microsoft.com/office/drawing/2014/main" id="{33B172F4-1930-548F-E36D-499BBABAD31F}"/>
+                    </a:ext>
+                  </a:extLst>
+                </p:cNvPr>
+                <p:cNvPicPr/>
+                <p:nvPr/>
+              </p:nvPicPr>
+              <p:blipFill>
+                <a:blip r:embed="rId13"/>
+                <a:stretch>
+                  <a:fillRect/>
+                </a:stretch>
+              </p:blipFill>
+              <p:spPr>
+                <a:xfrm>
+                  <a:off x="1002221" y="1233850"/>
+                  <a:ext cx="2680560" cy="784080"/>
+                </a:xfrm>
+                <a:prstGeom prst="rect">
+                  <a:avLst/>
+                </a:prstGeom>
+              </p:spPr>
+            </p:pic>
+          </mc:Fallback>
+        </mc:AlternateContent>
+        <mc:AlternateContent xmlns:mc="http://schemas.openxmlformats.org/markup-compatibility/2006">
+          <mc:Choice xmlns:p14="http://schemas.microsoft.com/office/powerpoint/2010/main" xmlns:aink="http://schemas.microsoft.com/office/drawing/2016/ink" Requires="p14 aink">
+            <p:contentPart p14:bwMode="auto" r:id="rId14">
+              <p14:nvContentPartPr>
+                <p14:cNvPr id="29" name="Ink 28">
+                  <a:extLst>
+                    <a:ext uri="{FF2B5EF4-FFF2-40B4-BE49-F238E27FC236}">
+                      <a16:creationId xmlns:a16="http://schemas.microsoft.com/office/drawing/2014/main" id="{A56FC424-A90F-1C0E-A761-7E0607BCB1B2}"/>
+                    </a:ext>
+                  </a:extLst>
+                </p14:cNvPr>
+                <p14:cNvContentPartPr/>
+                <p14:nvPr/>
+              </p14:nvContentPartPr>
+              <p14:xfrm>
+                <a:off x="1027421" y="5212930"/>
+                <a:ext cx="2630520" cy="19440"/>
+              </p14:xfrm>
+            </p:contentPart>
+          </mc:Choice>
+          <mc:Fallback>
+            <p:pic>
+              <p:nvPicPr>
+                <p:cNvPr id="29" name="Ink 28">
+                  <a:extLst>
+                    <a:ext uri="{FF2B5EF4-FFF2-40B4-BE49-F238E27FC236}">
+                      <a16:creationId xmlns:a16="http://schemas.microsoft.com/office/drawing/2014/main" id="{A56FC424-A90F-1C0E-A761-7E0607BCB1B2}"/>
+                    </a:ext>
+                  </a:extLst>
+                </p:cNvPr>
+                <p:cNvPicPr/>
+                <p:nvPr/>
+              </p:nvPicPr>
+              <p:blipFill>
+                <a:blip r:embed="rId15"/>
+                <a:stretch>
+                  <a:fillRect/>
+                </a:stretch>
+              </p:blipFill>
+              <p:spPr>
+                <a:xfrm>
+                  <a:off x="964421" y="4834930"/>
+                  <a:ext cx="2756160" cy="775080"/>
+                </a:xfrm>
+                <a:prstGeom prst="rect">
+                  <a:avLst/>
+                </a:prstGeom>
+              </p:spPr>
+            </p:pic>
+          </mc:Fallback>
+        </mc:AlternateContent>
+        <mc:AlternateContent xmlns:mc="http://schemas.openxmlformats.org/markup-compatibility/2006">
+          <mc:Choice xmlns:p14="http://schemas.microsoft.com/office/powerpoint/2010/main" xmlns:aink="http://schemas.microsoft.com/office/drawing/2016/ink" Requires="p14 aink">
+            <p:contentPart p14:bwMode="auto" r:id="rId16">
+              <p14:nvContentPartPr>
+                <p14:cNvPr id="30" name="Ink 29">
+                  <a:extLst>
+                    <a:ext uri="{FF2B5EF4-FFF2-40B4-BE49-F238E27FC236}">
+                      <a16:creationId xmlns:a16="http://schemas.microsoft.com/office/drawing/2014/main" id="{A38A35D9-21AF-8DBA-0C54-EAD9625D56E6}"/>
+                    </a:ext>
+                  </a:extLst>
+                </p14:cNvPr>
+                <p14:cNvContentPartPr/>
+                <p14:nvPr/>
+              </p14:nvContentPartPr>
+              <p14:xfrm>
+                <a:off x="3572621" y="1630930"/>
+                <a:ext cx="38520" cy="3619080"/>
+              </p14:xfrm>
+            </p:contentPart>
+          </mc:Choice>
+          <mc:Fallback>
+            <p:pic>
+              <p:nvPicPr>
+                <p:cNvPr id="30" name="Ink 29">
+                  <a:extLst>
+                    <a:ext uri="{FF2B5EF4-FFF2-40B4-BE49-F238E27FC236}">
+                      <a16:creationId xmlns:a16="http://schemas.microsoft.com/office/drawing/2014/main" id="{A38A35D9-21AF-8DBA-0C54-EAD9625D56E6}"/>
+                    </a:ext>
+                  </a:extLst>
+                </p:cNvPr>
+                <p:cNvPicPr/>
+                <p:nvPr/>
+              </p:nvPicPr>
+              <p:blipFill>
+                <a:blip r:embed="rId17"/>
+                <a:stretch>
+                  <a:fillRect/>
+                </a:stretch>
+              </p:blipFill>
+              <p:spPr>
+                <a:xfrm>
+                  <a:off x="3509621" y="1252930"/>
+                  <a:ext cx="164160" cy="4374720"/>
+                </a:xfrm>
+                <a:prstGeom prst="rect">
+                  <a:avLst/>
+                </a:prstGeom>
+              </p:spPr>
+            </p:pic>
+          </mc:Fallback>
+        </mc:AlternateContent>
+      </p:grpSp>
+      <p:grpSp>
+        <p:nvGrpSpPr>
+          <p:cNvPr id="40" name="Group 39">
+            <a:extLst>
+              <a:ext uri="{FF2B5EF4-FFF2-40B4-BE49-F238E27FC236}">
+                <a16:creationId xmlns:a16="http://schemas.microsoft.com/office/drawing/2014/main" id="{63C85011-0F83-B471-90C1-97AE9FD43986}"/>
+              </a:ext>
+            </a:extLst>
+          </p:cNvPr>
+          <p:cNvGrpSpPr/>
+          <p:nvPr/>
+        </p:nvGrpSpPr>
+        <p:grpSpPr>
+          <a:xfrm>
+            <a:off x="1048448" y="2370716"/>
+            <a:ext cx="1433520" cy="2112120"/>
+            <a:chOff x="1048448" y="2370716"/>
+            <a:chExt cx="1433520" cy="2112120"/>
+          </a:xfrm>
+        </p:grpSpPr>
+        <mc:AlternateContent xmlns:mc="http://schemas.openxmlformats.org/markup-compatibility/2006">
+          <mc:Choice xmlns:p14="http://schemas.microsoft.com/office/powerpoint/2010/main" xmlns:aink="http://schemas.microsoft.com/office/drawing/2016/ink" Requires="p14 aink">
+            <p:contentPart p14:bwMode="auto" r:id="rId18">
+              <p14:nvContentPartPr>
+                <p14:cNvPr id="32" name="Ink 31">
+                  <a:extLst>
+                    <a:ext uri="{FF2B5EF4-FFF2-40B4-BE49-F238E27FC236}">
+                      <a16:creationId xmlns:a16="http://schemas.microsoft.com/office/drawing/2014/main" id="{6424EE1E-EB34-E87C-0EDD-0028B8192C56}"/>
+                    </a:ext>
+                  </a:extLst>
+                </p14:cNvPr>
+                <p14:cNvContentPartPr/>
+                <p14:nvPr/>
+              </p14:nvContentPartPr>
+              <p14:xfrm>
+                <a:off x="1048448" y="2370716"/>
+                <a:ext cx="1405080" cy="10080"/>
+              </p14:xfrm>
+            </p:contentPart>
+          </mc:Choice>
+          <mc:Fallback>
+            <p:pic>
+              <p:nvPicPr>
+                <p:cNvPr id="32" name="Ink 31">
+                  <a:extLst>
+                    <a:ext uri="{FF2B5EF4-FFF2-40B4-BE49-F238E27FC236}">
+                      <a16:creationId xmlns:a16="http://schemas.microsoft.com/office/drawing/2014/main" id="{6424EE1E-EB34-E87C-0EDD-0028B8192C56}"/>
+                    </a:ext>
+                  </a:extLst>
+                </p:cNvPr>
+                <p:cNvPicPr/>
+                <p:nvPr/>
+              </p:nvPicPr>
+              <p:blipFill>
+                <a:blip r:embed="rId19"/>
+                <a:stretch>
+                  <a:fillRect/>
+                </a:stretch>
+              </p:blipFill>
+              <p:spPr>
+                <a:xfrm>
+                  <a:off x="985448" y="1992716"/>
+                  <a:ext cx="1530720" cy="765720"/>
+                </a:xfrm>
+                <a:prstGeom prst="rect">
+                  <a:avLst/>
+                </a:prstGeom>
+              </p:spPr>
+            </p:pic>
+          </mc:Fallback>
+        </mc:AlternateContent>
+        <mc:AlternateContent xmlns:mc="http://schemas.openxmlformats.org/markup-compatibility/2006">
+          <mc:Choice xmlns:p14="http://schemas.microsoft.com/office/powerpoint/2010/main" xmlns:aink="http://schemas.microsoft.com/office/drawing/2016/ink" Requires="p14 aink">
+            <p:contentPart p14:bwMode="auto" r:id="rId20">
+              <p14:nvContentPartPr>
+                <p14:cNvPr id="36" name="Ink 35">
+                  <a:extLst>
+                    <a:ext uri="{FF2B5EF4-FFF2-40B4-BE49-F238E27FC236}">
+                      <a16:creationId xmlns:a16="http://schemas.microsoft.com/office/drawing/2014/main" id="{B1DF8C76-15B3-62DF-AF6C-3D8FA46493EB}"/>
+                    </a:ext>
+                  </a:extLst>
+                </p14:cNvPr>
+                <p14:cNvContentPartPr/>
+                <p14:nvPr/>
+              </p14:nvContentPartPr>
+              <p14:xfrm>
+                <a:off x="1048448" y="4473116"/>
+                <a:ext cx="1433520" cy="9720"/>
+              </p14:xfrm>
+            </p:contentPart>
+          </mc:Choice>
+          <mc:Fallback>
+            <p:pic>
+              <p:nvPicPr>
+                <p:cNvPr id="36" name="Ink 35">
+                  <a:extLst>
+                    <a:ext uri="{FF2B5EF4-FFF2-40B4-BE49-F238E27FC236}">
+                      <a16:creationId xmlns:a16="http://schemas.microsoft.com/office/drawing/2014/main" id="{B1DF8C76-15B3-62DF-AF6C-3D8FA46493EB}"/>
+                    </a:ext>
+                  </a:extLst>
+                </p:cNvPr>
+                <p:cNvPicPr/>
+                <p:nvPr/>
+              </p:nvPicPr>
+              <p:blipFill>
+                <a:blip r:embed="rId21"/>
+                <a:stretch>
+                  <a:fillRect/>
+                </a:stretch>
+              </p:blipFill>
+              <p:spPr>
+                <a:xfrm>
+                  <a:off x="985448" y="4095116"/>
+                  <a:ext cx="1559160" cy="765360"/>
+                </a:xfrm>
+                <a:prstGeom prst="rect">
+                  <a:avLst/>
+                </a:prstGeom>
+              </p:spPr>
+            </p:pic>
+          </mc:Fallback>
+        </mc:AlternateContent>
+        <mc:AlternateContent xmlns:mc="http://schemas.openxmlformats.org/markup-compatibility/2006">
+          <mc:Choice xmlns:p14="http://schemas.microsoft.com/office/powerpoint/2010/main" xmlns:aink="http://schemas.microsoft.com/office/drawing/2016/ink" Requires="p14 aink">
+            <p:contentPart p14:bwMode="auto" r:id="rId22">
+              <p14:nvContentPartPr>
+                <p14:cNvPr id="38" name="Ink 37">
+                  <a:extLst>
+                    <a:ext uri="{FF2B5EF4-FFF2-40B4-BE49-F238E27FC236}">
+                      <a16:creationId xmlns:a16="http://schemas.microsoft.com/office/drawing/2014/main" id="{DCDBA225-C90D-BECF-97C6-70B844EE88B8}"/>
+                    </a:ext>
+                  </a:extLst>
+                </p14:cNvPr>
+                <p14:cNvContentPartPr/>
+                <p14:nvPr/>
+              </p14:nvContentPartPr>
+              <p14:xfrm>
+                <a:off x="2415368" y="2380436"/>
+                <a:ext cx="38160" cy="2102400"/>
+              </p14:xfrm>
+            </p:contentPart>
+          </mc:Choice>
+          <mc:Fallback>
+            <p:pic>
+              <p:nvPicPr>
+                <p:cNvPr id="38" name="Ink 37">
+                  <a:extLst>
+                    <a:ext uri="{FF2B5EF4-FFF2-40B4-BE49-F238E27FC236}">
+                      <a16:creationId xmlns:a16="http://schemas.microsoft.com/office/drawing/2014/main" id="{DCDBA225-C90D-BECF-97C6-70B844EE88B8}"/>
+                    </a:ext>
+                  </a:extLst>
+                </p:cNvPr>
+                <p:cNvPicPr/>
+                <p:nvPr/>
+              </p:nvPicPr>
+              <p:blipFill>
+                <a:blip r:embed="rId23"/>
+                <a:stretch>
+                  <a:fillRect/>
+                </a:stretch>
+              </p:blipFill>
+              <p:spPr>
+                <a:xfrm>
+                  <a:off x="2352368" y="2002436"/>
+                  <a:ext cx="163800" cy="2858040"/>
+                </a:xfrm>
+                <a:prstGeom prst="rect">
+                  <a:avLst/>
+                </a:prstGeom>
+              </p:spPr>
+            </p:pic>
+          </mc:Fallback>
+        </mc:AlternateContent>
+      </p:grpSp>
+      <p:grpSp>
+        <p:nvGrpSpPr>
+          <p:cNvPr id="41" name="Group 40">
+            <a:extLst>
+              <a:ext uri="{FF2B5EF4-FFF2-40B4-BE49-F238E27FC236}">
+                <a16:creationId xmlns:a16="http://schemas.microsoft.com/office/drawing/2014/main" id="{34C6E5F5-4D78-1980-CA01-6A8D1C3AEA75}"/>
+              </a:ext>
+            </a:extLst>
+          </p:cNvPr>
+          <p:cNvGrpSpPr/>
+          <p:nvPr/>
+        </p:nvGrpSpPr>
+        <p:grpSpPr>
+          <a:xfrm rot="10800000">
+            <a:off x="8461372" y="1609920"/>
+            <a:ext cx="2630520" cy="3638160"/>
+            <a:chOff x="1027421" y="1611850"/>
+            <a:chExt cx="2630520" cy="3638160"/>
+          </a:xfrm>
+        </p:grpSpPr>
+        <mc:AlternateContent xmlns:mc="http://schemas.openxmlformats.org/markup-compatibility/2006">
+          <mc:Choice xmlns:p14="http://schemas.microsoft.com/office/powerpoint/2010/main" xmlns:aink="http://schemas.microsoft.com/office/drawing/2016/ink" Requires="p14 aink">
+            <p:contentPart p14:bwMode="auto" r:id="rId24">
+              <p14:nvContentPartPr>
+                <p14:cNvPr id="42" name="Ink 41">
+                  <a:extLst>
+                    <a:ext uri="{FF2B5EF4-FFF2-40B4-BE49-F238E27FC236}">
+                      <a16:creationId xmlns:a16="http://schemas.microsoft.com/office/drawing/2014/main" id="{9B8E87FF-FED3-1C7F-5314-1C5199E8890F}"/>
+                    </a:ext>
+                  </a:extLst>
+                </p14:cNvPr>
+                <p14:cNvContentPartPr/>
+                <p14:nvPr/>
+              </p14:nvContentPartPr>
+              <p14:xfrm>
+                <a:off x="1065221" y="1611850"/>
+                <a:ext cx="2554920" cy="28440"/>
+              </p14:xfrm>
+            </p:contentPart>
+          </mc:Choice>
+          <mc:Fallback>
+            <p:pic>
+              <p:nvPicPr>
+                <p:cNvPr id="42" name="Ink 41">
+                  <a:extLst>
+                    <a:ext uri="{FF2B5EF4-FFF2-40B4-BE49-F238E27FC236}">
+                      <a16:creationId xmlns:a16="http://schemas.microsoft.com/office/drawing/2014/main" id="{9B8E87FF-FED3-1C7F-5314-1C5199E8890F}"/>
+                    </a:ext>
+                  </a:extLst>
+                </p:cNvPr>
+                <p:cNvPicPr/>
+                <p:nvPr/>
+              </p:nvPicPr>
+              <p:blipFill>
+                <a:blip r:embed="rId25"/>
+                <a:stretch>
+                  <a:fillRect/>
+                </a:stretch>
+              </p:blipFill>
+              <p:spPr>
+                <a:xfrm>
+                  <a:off x="1002221" y="1233850"/>
+                  <a:ext cx="2680560" cy="784080"/>
+                </a:xfrm>
+                <a:prstGeom prst="rect">
+                  <a:avLst/>
+                </a:prstGeom>
+              </p:spPr>
+            </p:pic>
+          </mc:Fallback>
+        </mc:AlternateContent>
+        <mc:AlternateContent xmlns:mc="http://schemas.openxmlformats.org/markup-compatibility/2006">
+          <mc:Choice xmlns:p14="http://schemas.microsoft.com/office/powerpoint/2010/main" xmlns:aink="http://schemas.microsoft.com/office/drawing/2016/ink" Requires="p14 aink">
+            <p:contentPart p14:bwMode="auto" r:id="rId26">
+              <p14:nvContentPartPr>
+                <p14:cNvPr id="43" name="Ink 42">
+                  <a:extLst>
+                    <a:ext uri="{FF2B5EF4-FFF2-40B4-BE49-F238E27FC236}">
+                      <a16:creationId xmlns:a16="http://schemas.microsoft.com/office/drawing/2014/main" id="{5C489D38-4BB1-E9C5-0782-F7602A309E4D}"/>
+                    </a:ext>
+                  </a:extLst>
+                </p14:cNvPr>
+                <p14:cNvContentPartPr/>
+                <p14:nvPr/>
+              </p14:nvContentPartPr>
+              <p14:xfrm>
+                <a:off x="1027421" y="5212930"/>
+                <a:ext cx="2630520" cy="19440"/>
+              </p14:xfrm>
+            </p:contentPart>
+          </mc:Choice>
+          <mc:Fallback>
+            <p:pic>
+              <p:nvPicPr>
+                <p:cNvPr id="43" name="Ink 42">
+                  <a:extLst>
+                    <a:ext uri="{FF2B5EF4-FFF2-40B4-BE49-F238E27FC236}">
+                      <a16:creationId xmlns:a16="http://schemas.microsoft.com/office/drawing/2014/main" id="{5C489D38-4BB1-E9C5-0782-F7602A309E4D}"/>
+                    </a:ext>
+                  </a:extLst>
+                </p:cNvPr>
+                <p:cNvPicPr/>
+                <p:nvPr/>
+              </p:nvPicPr>
+              <p:blipFill>
+                <a:blip r:embed="rId27"/>
+                <a:stretch>
+                  <a:fillRect/>
+                </a:stretch>
+              </p:blipFill>
+              <p:spPr>
+                <a:xfrm>
+                  <a:off x="964421" y="4834930"/>
+                  <a:ext cx="2756160" cy="775080"/>
+                </a:xfrm>
+                <a:prstGeom prst="rect">
+                  <a:avLst/>
+                </a:prstGeom>
+              </p:spPr>
+            </p:pic>
+          </mc:Fallback>
+        </mc:AlternateContent>
+        <mc:AlternateContent xmlns:mc="http://schemas.openxmlformats.org/markup-compatibility/2006">
+          <mc:Choice xmlns:p14="http://schemas.microsoft.com/office/powerpoint/2010/main" xmlns:aink="http://schemas.microsoft.com/office/drawing/2016/ink" Requires="p14 aink">
+            <p:contentPart p14:bwMode="auto" r:id="rId28">
+              <p14:nvContentPartPr>
+                <p14:cNvPr id="44" name="Ink 43">
+                  <a:extLst>
+                    <a:ext uri="{FF2B5EF4-FFF2-40B4-BE49-F238E27FC236}">
+                      <a16:creationId xmlns:a16="http://schemas.microsoft.com/office/drawing/2014/main" id="{B92EEFB7-6F04-2DDB-CBBB-293B71C57D01}"/>
+                    </a:ext>
+                  </a:extLst>
+                </p14:cNvPr>
+                <p14:cNvContentPartPr/>
+                <p14:nvPr/>
+              </p14:nvContentPartPr>
+              <p14:xfrm>
+                <a:off x="3572621" y="1630930"/>
+                <a:ext cx="38520" cy="3619080"/>
+              </p14:xfrm>
+            </p:contentPart>
+          </mc:Choice>
+          <mc:Fallback>
+            <p:pic>
+              <p:nvPicPr>
+                <p:cNvPr id="44" name="Ink 43">
+                  <a:extLst>
+                    <a:ext uri="{FF2B5EF4-FFF2-40B4-BE49-F238E27FC236}">
+                      <a16:creationId xmlns:a16="http://schemas.microsoft.com/office/drawing/2014/main" id="{B92EEFB7-6F04-2DDB-CBBB-293B71C57D01}"/>
+                    </a:ext>
+                  </a:extLst>
+                </p:cNvPr>
+                <p:cNvPicPr/>
+                <p:nvPr/>
+              </p:nvPicPr>
+              <p:blipFill>
+                <a:blip r:embed="rId29"/>
+                <a:stretch>
+                  <a:fillRect/>
+                </a:stretch>
+              </p:blipFill>
+              <p:spPr>
+                <a:xfrm>
+                  <a:off x="3509621" y="1252930"/>
+                  <a:ext cx="164160" cy="4374720"/>
+                </a:xfrm>
+                <a:prstGeom prst="rect">
+                  <a:avLst/>
+                </a:prstGeom>
+              </p:spPr>
+            </p:pic>
+          </mc:Fallback>
+        </mc:AlternateContent>
+      </p:grpSp>
+      <p:grpSp>
+        <p:nvGrpSpPr>
+          <p:cNvPr id="45" name="Group 44">
+            <a:extLst>
+              <a:ext uri="{FF2B5EF4-FFF2-40B4-BE49-F238E27FC236}">
+                <a16:creationId xmlns:a16="http://schemas.microsoft.com/office/drawing/2014/main" id="{9C561F6A-FA0D-58AA-2F53-8913FB47337C}"/>
+              </a:ext>
+            </a:extLst>
+          </p:cNvPr>
+          <p:cNvGrpSpPr/>
+          <p:nvPr/>
+        </p:nvGrpSpPr>
+        <p:grpSpPr>
+          <a:xfrm rot="10800000">
+            <a:off x="9650477" y="2384731"/>
+            <a:ext cx="1433520" cy="2112120"/>
+            <a:chOff x="1048448" y="2370716"/>
+            <a:chExt cx="1433520" cy="2112120"/>
+          </a:xfrm>
+        </p:grpSpPr>
+        <mc:AlternateContent xmlns:mc="http://schemas.openxmlformats.org/markup-compatibility/2006">
+          <mc:Choice xmlns:p14="http://schemas.microsoft.com/office/powerpoint/2010/main" xmlns:aink="http://schemas.microsoft.com/office/drawing/2016/ink" Requires="p14 aink">
+            <p:contentPart p14:bwMode="auto" r:id="rId30">
+              <p14:nvContentPartPr>
+                <p14:cNvPr id="47" name="Ink 46">
+                  <a:extLst>
+                    <a:ext uri="{FF2B5EF4-FFF2-40B4-BE49-F238E27FC236}">
+                      <a16:creationId xmlns:a16="http://schemas.microsoft.com/office/drawing/2014/main" id="{42E48E10-498C-E50A-B4F7-0BA54737786E}"/>
+                    </a:ext>
+                  </a:extLst>
+                </p14:cNvPr>
+                <p14:cNvContentPartPr/>
+                <p14:nvPr/>
+              </p14:nvContentPartPr>
+              <p14:xfrm>
+                <a:off x="1048448" y="2370716"/>
+                <a:ext cx="1405080" cy="10080"/>
+              </p14:xfrm>
+            </p:contentPart>
+          </mc:Choice>
+          <mc:Fallback>
+            <p:pic>
+              <p:nvPicPr>
+                <p:cNvPr id="47" name="Ink 46">
+                  <a:extLst>
+                    <a:ext uri="{FF2B5EF4-FFF2-40B4-BE49-F238E27FC236}">
+                      <a16:creationId xmlns:a16="http://schemas.microsoft.com/office/drawing/2014/main" id="{42E48E10-498C-E50A-B4F7-0BA54737786E}"/>
+                    </a:ext>
+                  </a:extLst>
+                </p:cNvPr>
+                <p:cNvPicPr/>
+                <p:nvPr/>
+              </p:nvPicPr>
+              <p:blipFill>
+                <a:blip r:embed="rId31"/>
+                <a:stretch>
+                  <a:fillRect/>
+                </a:stretch>
+              </p:blipFill>
+              <p:spPr>
+                <a:xfrm>
+                  <a:off x="985448" y="1992716"/>
+                  <a:ext cx="1530720" cy="765720"/>
+                </a:xfrm>
+                <a:prstGeom prst="rect">
+                  <a:avLst/>
+                </a:prstGeom>
+              </p:spPr>
+            </p:pic>
+          </mc:Fallback>
+        </mc:AlternateContent>
+        <mc:AlternateContent xmlns:mc="http://schemas.openxmlformats.org/markup-compatibility/2006">
+          <mc:Choice xmlns:p14="http://schemas.microsoft.com/office/powerpoint/2010/main" xmlns:aink="http://schemas.microsoft.com/office/drawing/2016/ink" Requires="p14 aink">
+            <p:contentPart p14:bwMode="auto" r:id="rId32">
+              <p14:nvContentPartPr>
+                <p14:cNvPr id="49" name="Ink 48">
+                  <a:extLst>
+                    <a:ext uri="{FF2B5EF4-FFF2-40B4-BE49-F238E27FC236}">
+                      <a16:creationId xmlns:a16="http://schemas.microsoft.com/office/drawing/2014/main" id="{4EED048B-A76A-9A38-ADB3-EC693B18D33F}"/>
+                    </a:ext>
+                  </a:extLst>
+                </p14:cNvPr>
+                <p14:cNvContentPartPr/>
+                <p14:nvPr/>
+              </p14:nvContentPartPr>
+              <p14:xfrm>
+                <a:off x="1048448" y="4473116"/>
+                <a:ext cx="1433520" cy="9720"/>
+              </p14:xfrm>
+            </p:contentPart>
+          </mc:Choice>
+          <mc:Fallback>
+            <p:pic>
+              <p:nvPicPr>
+                <p:cNvPr id="49" name="Ink 48">
+                  <a:extLst>
+                    <a:ext uri="{FF2B5EF4-FFF2-40B4-BE49-F238E27FC236}">
+                      <a16:creationId xmlns:a16="http://schemas.microsoft.com/office/drawing/2014/main" id="{4EED048B-A76A-9A38-ADB3-EC693B18D33F}"/>
+                    </a:ext>
+                  </a:extLst>
+                </p:cNvPr>
+                <p:cNvPicPr/>
+                <p:nvPr/>
+              </p:nvPicPr>
+              <p:blipFill>
+                <a:blip r:embed="rId33"/>
+                <a:stretch>
+                  <a:fillRect/>
+                </a:stretch>
+              </p:blipFill>
+              <p:spPr>
+                <a:xfrm>
+                  <a:off x="985448" y="4095116"/>
+                  <a:ext cx="1559160" cy="765360"/>
+                </a:xfrm>
+                <a:prstGeom prst="rect">
+                  <a:avLst/>
+                </a:prstGeom>
+              </p:spPr>
+            </p:pic>
+          </mc:Fallback>
+        </mc:AlternateContent>
+        <mc:AlternateContent xmlns:mc="http://schemas.openxmlformats.org/markup-compatibility/2006">
+          <mc:Choice xmlns:p14="http://schemas.microsoft.com/office/powerpoint/2010/main" xmlns:aink="http://schemas.microsoft.com/office/drawing/2016/ink" Requires="p14 aink">
+            <p:contentPart p14:bwMode="auto" r:id="rId34">
+              <p14:nvContentPartPr>
+                <p14:cNvPr id="50" name="Ink 49">
+                  <a:extLst>
+                    <a:ext uri="{FF2B5EF4-FFF2-40B4-BE49-F238E27FC236}">
+                      <a16:creationId xmlns:a16="http://schemas.microsoft.com/office/drawing/2014/main" id="{484698A0-49CB-9109-AA28-17365270CFCE}"/>
+                    </a:ext>
+                  </a:extLst>
+                </p14:cNvPr>
+                <p14:cNvContentPartPr/>
+                <p14:nvPr/>
+              </p14:nvContentPartPr>
+              <p14:xfrm>
+                <a:off x="2415368" y="2380436"/>
+                <a:ext cx="38160" cy="2102400"/>
+              </p14:xfrm>
+            </p:contentPart>
+          </mc:Choice>
+          <mc:Fallback>
+            <p:pic>
+              <p:nvPicPr>
+                <p:cNvPr id="50" name="Ink 49">
+                  <a:extLst>
+                    <a:ext uri="{FF2B5EF4-FFF2-40B4-BE49-F238E27FC236}">
+                      <a16:creationId xmlns:a16="http://schemas.microsoft.com/office/drawing/2014/main" id="{484698A0-49CB-9109-AA28-17365270CFCE}"/>
+                    </a:ext>
+                  </a:extLst>
+                </p:cNvPr>
+                <p:cNvPicPr/>
+                <p:nvPr/>
+              </p:nvPicPr>
+              <p:blipFill>
+                <a:blip r:embed="rId35"/>
+                <a:stretch>
+                  <a:fillRect/>
+                </a:stretch>
+              </p:blipFill>
+              <p:spPr>
+                <a:xfrm>
+                  <a:off x="2352368" y="2002436"/>
+                  <a:ext cx="163800" cy="2858040"/>
+                </a:xfrm>
+                <a:prstGeom prst="rect">
+                  <a:avLst/>
+                </a:prstGeom>
+              </p:spPr>
+            </p:pic>
+          </mc:Fallback>
+        </mc:AlternateContent>
+      </p:grpSp>
+      <mc:AlternateContent xmlns:mc="http://schemas.openxmlformats.org/markup-compatibility/2006">
+        <mc:Choice xmlns:p14="http://schemas.microsoft.com/office/powerpoint/2010/main" xmlns:aink="http://schemas.microsoft.com/office/drawing/2016/ink" Requires="p14 aink">
+          <p:contentPart p14:bwMode="auto" r:id="rId36">
+            <p14:nvContentPartPr>
+              <p14:cNvPr id="58" name="Ink 57">
+                <a:extLst>
+                  <a:ext uri="{FF2B5EF4-FFF2-40B4-BE49-F238E27FC236}">
+                    <a16:creationId xmlns:a16="http://schemas.microsoft.com/office/drawing/2014/main" id="{2841A21E-74CC-4958-39C0-BEF3CD6B6251}"/>
+                  </a:ext>
+                </a:extLst>
+              </p14:cNvPr>
+              <p14:cNvContentPartPr/>
+              <p14:nvPr/>
+            </p14:nvContentPartPr>
+            <p14:xfrm>
+              <a:off x="6105327" y="600073"/>
+              <a:ext cx="9360" cy="5699160"/>
+            </p14:xfrm>
+          </p:contentPart>
+        </mc:Choice>
+        <mc:Fallback>
+          <p:pic>
+            <p:nvPicPr>
+              <p:cNvPr id="58" name="Ink 57">
+                <a:extLst>
+                  <a:ext uri="{FF2B5EF4-FFF2-40B4-BE49-F238E27FC236}">
+                    <a16:creationId xmlns:a16="http://schemas.microsoft.com/office/drawing/2014/main" id="{2841A21E-74CC-4958-39C0-BEF3CD6B6251}"/>
+                  </a:ext>
+                </a:extLst>
+              </p:cNvPr>
+              <p:cNvPicPr/>
+              <p:nvPr/>
+            </p:nvPicPr>
+            <p:blipFill>
+              <a:blip r:embed="rId37"/>
+              <a:stretch>
+                <a:fillRect/>
+              </a:stretch>
+            </p:blipFill>
+            <p:spPr>
+              <a:xfrm>
+                <a:off x="6042327" y="222073"/>
+                <a:ext cx="135000" cy="6454800"/>
+              </a:xfrm>
+              <a:prstGeom prst="rect">
+                <a:avLst/>
+              </a:prstGeom>
+            </p:spPr>
+          </p:pic>
+        </mc:Fallback>
+      </mc:AlternateContent>
+      <mc:AlternateContent xmlns:mc="http://schemas.openxmlformats.org/markup-compatibility/2006">
+        <mc:Choice xmlns:p14="http://schemas.microsoft.com/office/powerpoint/2010/main" xmlns:aink="http://schemas.microsoft.com/office/drawing/2016/ink" Requires="p14 aink">
+          <p:contentPart p14:bwMode="auto" r:id="rId38">
+            <p14:nvContentPartPr>
+              <p14:cNvPr id="61" name="Ink 60">
+                <a:extLst>
+                  <a:ext uri="{FF2B5EF4-FFF2-40B4-BE49-F238E27FC236}">
+                    <a16:creationId xmlns:a16="http://schemas.microsoft.com/office/drawing/2014/main" id="{291CB4E6-9819-B4DA-5389-4A72FAC8F440}"/>
+                  </a:ext>
+                </a:extLst>
+              </p14:cNvPr>
+              <p14:cNvContentPartPr/>
+              <p14:nvPr/>
+            </p14:nvContentPartPr>
+            <p14:xfrm>
+              <a:off x="5373627" y="2704630"/>
+              <a:ext cx="1482120" cy="1482120"/>
+            </p14:xfrm>
+          </p:contentPart>
+        </mc:Choice>
+        <mc:Fallback>
+          <p:pic>
+            <p:nvPicPr>
+              <p:cNvPr id="61" name="Ink 60">
+                <a:extLst>
+                  <a:ext uri="{FF2B5EF4-FFF2-40B4-BE49-F238E27FC236}">
+                    <a16:creationId xmlns:a16="http://schemas.microsoft.com/office/drawing/2014/main" id="{291CB4E6-9819-B4DA-5389-4A72FAC8F440}"/>
+                  </a:ext>
+                </a:extLst>
+              </p:cNvPr>
+              <p:cNvPicPr/>
+              <p:nvPr/>
+            </p:nvPicPr>
+            <p:blipFill>
+              <a:blip r:embed="rId39"/>
+              <a:stretch>
+                <a:fillRect/>
+              </a:stretch>
+            </p:blipFill>
+            <p:spPr>
+              <a:xfrm>
+                <a:off x="5310627" y="2326630"/>
+                <a:ext cx="1607760" cy="2237760"/>
+              </a:xfrm>
+              <a:prstGeom prst="rect">
+                <a:avLst/>
+              </a:prstGeom>
+            </p:spPr>
+          </p:pic>
+        </mc:Fallback>
+      </mc:AlternateContent>
+      <p:sp>
+        <p:nvSpPr>
+          <p:cNvPr id="3" name="TextBox 2">
+            <a:extLst>
+              <a:ext uri="{FF2B5EF4-FFF2-40B4-BE49-F238E27FC236}">
+                <a16:creationId xmlns:a16="http://schemas.microsoft.com/office/drawing/2014/main" id="{963890F6-D7E7-E9BD-F65F-02FCAD3402B4}"/>
+              </a:ext>
+            </a:extLst>
+          </p:cNvPr>
+          <p:cNvSpPr txBox="1"/>
+          <p:nvPr/>
+        </p:nvSpPr>
+        <p:spPr>
+          <a:xfrm>
+            <a:off x="3177365" y="687478"/>
+            <a:ext cx="5832184" cy="461665"/>
+          </a:xfrm>
+          <a:prstGeom prst="rect">
+            <a:avLst/>
+          </a:prstGeom>
+          <a:noFill/>
+        </p:spPr>
+        <p:txBody>
+          <a:bodyPr wrap="square" rtlCol="0">
+            <a:spAutoFit/>
+          </a:bodyPr>
+          <a:lstStyle/>
+          <a:p>
+            <a:pPr algn="ctr"/>
+            <a:r>
+              <a:rPr lang="en-ZA" sz="2400" dirty="0">
+                <a:solidFill>
+                  <a:schemeClr val="bg1">
+                    <a:alpha val="60000"/>
+                  </a:schemeClr>
+                </a:solidFill>
+                <a:latin typeface="Segoe Print" panose="02000600000000000000" pitchFamily="2" charset="0"/>
+                <a:cs typeface="IrisUPC" panose="020B0502040204020203" pitchFamily="34" charset="-34"/>
+              </a:rPr>
+              <a:t>Project Flow</a:t>
+            </a:r>
+          </a:p>
+        </p:txBody>
+      </p:sp>
+      <p:sp>
+        <p:nvSpPr>
+          <p:cNvPr id="4" name="Rectangle 3">
+            <a:extLst>
+              <a:ext uri="{FF2B5EF4-FFF2-40B4-BE49-F238E27FC236}">
+                <a16:creationId xmlns:a16="http://schemas.microsoft.com/office/drawing/2014/main" id="{4711E0E7-135B-03BA-C418-F89F9BE7B9FE}"/>
+              </a:ext>
+            </a:extLst>
+          </p:cNvPr>
+          <p:cNvSpPr/>
+          <p:nvPr/>
+        </p:nvSpPr>
+        <p:spPr>
+          <a:xfrm>
+            <a:off x="1074581" y="1304764"/>
+            <a:ext cx="3067843" cy="716484"/>
+          </a:xfrm>
+          <a:prstGeom prst="rect">
+            <a:avLst/>
+          </a:prstGeom>
+          <a:gradFill flip="none" rotWithShape="1">
+            <a:gsLst>
+              <a:gs pos="0">
+                <a:srgbClr val="014D26"/>
+              </a:gs>
+              <a:gs pos="44000">
+                <a:srgbClr val="014D26"/>
+              </a:gs>
+              <a:gs pos="100000">
+                <a:srgbClr val="002D18"/>
+              </a:gs>
+            </a:gsLst>
+            <a:lin ang="10800000" scaled="1"/>
+            <a:tileRect/>
+          </a:gradFill>
+          <a:ln>
+            <a:solidFill>
+              <a:schemeClr val="accent3">
+                <a:lumMod val="75000"/>
+              </a:schemeClr>
+            </a:solidFill>
+          </a:ln>
+        </p:spPr>
+        <p:style>
+          <a:lnRef idx="2">
+            <a:schemeClr val="accent1">
+              <a:shade val="15000"/>
+            </a:schemeClr>
+          </a:lnRef>
+          <a:fillRef idx="1">
+            <a:schemeClr val="accent1"/>
+          </a:fillRef>
+          <a:effectRef idx="0">
+            <a:schemeClr val="accent1"/>
+          </a:effectRef>
+          <a:fontRef idx="minor">
+            <a:schemeClr val="lt1"/>
+          </a:fontRef>
+        </p:style>
+        <p:txBody>
+          <a:bodyPr rtlCol="0" anchor="ctr"/>
+          <a:lstStyle/>
+          <a:p>
+            <a:pPr algn="ctr"/>
+            <a:r>
+              <a:rPr lang="en-ZA" dirty="0">
+                <a:latin typeface="Segoe Print" panose="02000600000000000000" pitchFamily="2" charset="0"/>
+              </a:rPr>
+              <a:t>Data Collection</a:t>
+            </a:r>
+          </a:p>
+        </p:txBody>
+      </p:sp>
+      <p:sp>
+        <p:nvSpPr>
+          <p:cNvPr id="5" name="Rectangle 4">
+            <a:extLst>
+              <a:ext uri="{FF2B5EF4-FFF2-40B4-BE49-F238E27FC236}">
+                <a16:creationId xmlns:a16="http://schemas.microsoft.com/office/drawing/2014/main" id="{7EA9B03F-9AEA-6BE7-DB7B-D5CA4F75459D}"/>
+              </a:ext>
+            </a:extLst>
+          </p:cNvPr>
+          <p:cNvSpPr/>
+          <p:nvPr/>
+        </p:nvSpPr>
+        <p:spPr>
+          <a:xfrm>
+            <a:off x="4511040" y="1300858"/>
+            <a:ext cx="3067843" cy="716484"/>
+          </a:xfrm>
+          <a:prstGeom prst="rect">
+            <a:avLst/>
+          </a:prstGeom>
+          <a:gradFill flip="none" rotWithShape="1">
+            <a:gsLst>
+              <a:gs pos="0">
+                <a:srgbClr val="014D26"/>
+              </a:gs>
+              <a:gs pos="44000">
+                <a:srgbClr val="014D26"/>
+              </a:gs>
+              <a:gs pos="100000">
+                <a:srgbClr val="002D18"/>
+              </a:gs>
+            </a:gsLst>
+            <a:lin ang="10800000" scaled="1"/>
+            <a:tileRect/>
+          </a:gradFill>
+          <a:ln>
+            <a:solidFill>
+              <a:schemeClr val="accent3">
+                <a:lumMod val="75000"/>
+              </a:schemeClr>
+            </a:solidFill>
+          </a:ln>
+        </p:spPr>
+        <p:style>
+          <a:lnRef idx="2">
+            <a:schemeClr val="accent1">
+              <a:shade val="15000"/>
+            </a:schemeClr>
+          </a:lnRef>
+          <a:fillRef idx="1">
+            <a:schemeClr val="accent1"/>
+          </a:fillRef>
+          <a:effectRef idx="0">
+            <a:schemeClr val="accent1"/>
+          </a:effectRef>
+          <a:fontRef idx="minor">
+            <a:schemeClr val="lt1"/>
+          </a:fontRef>
+        </p:style>
+        <p:txBody>
+          <a:bodyPr rtlCol="0" anchor="ctr"/>
+          <a:lstStyle/>
+          <a:p>
+            <a:pPr algn="ctr"/>
+            <a:r>
+              <a:rPr lang="en-ZA" dirty="0">
+                <a:latin typeface="Segoe Print" panose="02000600000000000000" pitchFamily="2" charset="0"/>
+              </a:rPr>
+              <a:t>Data Cleaning</a:t>
+            </a:r>
+          </a:p>
+        </p:txBody>
+      </p:sp>
+      <p:sp>
+        <p:nvSpPr>
+          <p:cNvPr id="7" name="Rectangle 6">
+            <a:extLst>
+              <a:ext uri="{FF2B5EF4-FFF2-40B4-BE49-F238E27FC236}">
+                <a16:creationId xmlns:a16="http://schemas.microsoft.com/office/drawing/2014/main" id="{86F9628D-F386-5C1F-3456-8899593AD675}"/>
+              </a:ext>
+            </a:extLst>
+          </p:cNvPr>
+          <p:cNvSpPr/>
+          <p:nvPr/>
+        </p:nvSpPr>
+        <p:spPr>
+          <a:xfrm>
+            <a:off x="7950700" y="1288759"/>
+            <a:ext cx="3067843" cy="716484"/>
+          </a:xfrm>
+          <a:prstGeom prst="rect">
+            <a:avLst/>
+          </a:prstGeom>
+          <a:gradFill flip="none" rotWithShape="1">
+            <a:gsLst>
+              <a:gs pos="0">
+                <a:srgbClr val="014D26"/>
+              </a:gs>
+              <a:gs pos="44000">
+                <a:srgbClr val="014D26"/>
+              </a:gs>
+              <a:gs pos="100000">
+                <a:srgbClr val="002D18"/>
+              </a:gs>
+            </a:gsLst>
+            <a:lin ang="10800000" scaled="1"/>
+            <a:tileRect/>
+          </a:gradFill>
+          <a:ln>
+            <a:solidFill>
+              <a:schemeClr val="accent3">
+                <a:lumMod val="75000"/>
+              </a:schemeClr>
+            </a:solidFill>
+          </a:ln>
+        </p:spPr>
+        <p:style>
+          <a:lnRef idx="2">
+            <a:schemeClr val="accent1">
+              <a:shade val="15000"/>
+            </a:schemeClr>
+          </a:lnRef>
+          <a:fillRef idx="1">
+            <a:schemeClr val="accent1"/>
+          </a:fillRef>
+          <a:effectRef idx="0">
+            <a:schemeClr val="accent1"/>
+          </a:effectRef>
+          <a:fontRef idx="minor">
+            <a:schemeClr val="lt1"/>
+          </a:fontRef>
+        </p:style>
+        <p:txBody>
+          <a:bodyPr rtlCol="0" anchor="ctr"/>
+          <a:lstStyle/>
+          <a:p>
+            <a:pPr algn="ctr"/>
+            <a:r>
+              <a:rPr lang="en-ZA" dirty="0">
+                <a:latin typeface="Segoe Print" panose="02000600000000000000" pitchFamily="2" charset="0"/>
+              </a:rPr>
+              <a:t>Normalisation</a:t>
+            </a:r>
+          </a:p>
+        </p:txBody>
+      </p:sp>
+      <p:sp>
+        <p:nvSpPr>
+          <p:cNvPr id="8" name="Rectangle 7">
+            <a:extLst>
+              <a:ext uri="{FF2B5EF4-FFF2-40B4-BE49-F238E27FC236}">
+                <a16:creationId xmlns:a16="http://schemas.microsoft.com/office/drawing/2014/main" id="{7FFAE163-2DDF-4A32-EFAC-C23E1B7B11BF}"/>
+              </a:ext>
+            </a:extLst>
+          </p:cNvPr>
+          <p:cNvSpPr/>
+          <p:nvPr/>
+        </p:nvSpPr>
+        <p:spPr>
+          <a:xfrm>
+            <a:off x="1090511" y="2398357"/>
+            <a:ext cx="3067843" cy="716484"/>
+          </a:xfrm>
+          <a:prstGeom prst="rect">
+            <a:avLst/>
+          </a:prstGeom>
+          <a:gradFill flip="none" rotWithShape="1">
+            <a:gsLst>
+              <a:gs pos="0">
+                <a:srgbClr val="014D26"/>
+              </a:gs>
+              <a:gs pos="44000">
+                <a:srgbClr val="014D26"/>
+              </a:gs>
+              <a:gs pos="100000">
+                <a:srgbClr val="002D18"/>
+              </a:gs>
+            </a:gsLst>
+            <a:lin ang="10800000" scaled="1"/>
+            <a:tileRect/>
+          </a:gradFill>
+          <a:ln>
+            <a:solidFill>
+              <a:schemeClr val="accent3">
+                <a:lumMod val="75000"/>
+              </a:schemeClr>
+            </a:solidFill>
+          </a:ln>
+        </p:spPr>
+        <p:style>
+          <a:lnRef idx="2">
+            <a:schemeClr val="accent1">
+              <a:shade val="15000"/>
+            </a:schemeClr>
+          </a:lnRef>
+          <a:fillRef idx="1">
+            <a:schemeClr val="accent1"/>
+          </a:fillRef>
+          <a:effectRef idx="0">
+            <a:schemeClr val="accent1"/>
+          </a:effectRef>
+          <a:fontRef idx="minor">
+            <a:schemeClr val="lt1"/>
+          </a:fontRef>
+        </p:style>
+        <p:txBody>
+          <a:bodyPr rtlCol="0" anchor="ctr"/>
+          <a:lstStyle/>
+          <a:p>
+            <a:pPr algn="ctr"/>
+            <a:r>
+              <a:rPr lang="en-ZA" dirty="0">
+                <a:latin typeface="Segoe Print" panose="02000600000000000000" pitchFamily="2" charset="0"/>
+              </a:rPr>
+              <a:t>Comparison</a:t>
+            </a:r>
+          </a:p>
+        </p:txBody>
+      </p:sp>
+      <p:sp>
+        <p:nvSpPr>
+          <p:cNvPr id="9" name="Rectangle 8">
+            <a:extLst>
+              <a:ext uri="{FF2B5EF4-FFF2-40B4-BE49-F238E27FC236}">
+                <a16:creationId xmlns:a16="http://schemas.microsoft.com/office/drawing/2014/main" id="{8243358D-7F71-ECFB-C1E9-1D04DFFA1A53}"/>
+              </a:ext>
+            </a:extLst>
+          </p:cNvPr>
+          <p:cNvSpPr/>
+          <p:nvPr/>
+        </p:nvSpPr>
+        <p:spPr>
+          <a:xfrm>
+            <a:off x="4526970" y="2394451"/>
+            <a:ext cx="3067843" cy="716484"/>
+          </a:xfrm>
+          <a:prstGeom prst="rect">
+            <a:avLst/>
+          </a:prstGeom>
+          <a:gradFill flip="none" rotWithShape="1">
+            <a:gsLst>
+              <a:gs pos="0">
+                <a:srgbClr val="014D26"/>
+              </a:gs>
+              <a:gs pos="44000">
+                <a:srgbClr val="014D26"/>
+              </a:gs>
+              <a:gs pos="100000">
+                <a:srgbClr val="002D18"/>
+              </a:gs>
+            </a:gsLst>
+            <a:lin ang="10800000" scaled="1"/>
+            <a:tileRect/>
+          </a:gradFill>
+          <a:ln>
+            <a:solidFill>
+              <a:schemeClr val="accent3">
+                <a:lumMod val="75000"/>
+              </a:schemeClr>
+            </a:solidFill>
+          </a:ln>
+        </p:spPr>
+        <p:style>
+          <a:lnRef idx="2">
+            <a:schemeClr val="accent1">
+              <a:shade val="15000"/>
+            </a:schemeClr>
+          </a:lnRef>
+          <a:fillRef idx="1">
+            <a:schemeClr val="accent1"/>
+          </a:fillRef>
+          <a:effectRef idx="0">
+            <a:schemeClr val="accent1"/>
+          </a:effectRef>
+          <a:fontRef idx="minor">
+            <a:schemeClr val="lt1"/>
+          </a:fontRef>
+        </p:style>
+        <p:txBody>
+          <a:bodyPr rtlCol="0" anchor="ctr"/>
+          <a:lstStyle/>
+          <a:p>
+            <a:pPr algn="ctr"/>
+            <a:r>
+              <a:rPr lang="en-ZA" dirty="0">
+                <a:latin typeface="Segoe Print" panose="02000600000000000000" pitchFamily="2" charset="0"/>
+              </a:rPr>
+              <a:t>Scoring</a:t>
+            </a:r>
+          </a:p>
+        </p:txBody>
+      </p:sp>
+      <p:sp>
+        <p:nvSpPr>
+          <p:cNvPr id="11" name="Rectangle 10">
+            <a:extLst>
+              <a:ext uri="{FF2B5EF4-FFF2-40B4-BE49-F238E27FC236}">
+                <a16:creationId xmlns:a16="http://schemas.microsoft.com/office/drawing/2014/main" id="{72E52EB4-4872-B905-2538-25CCFFCD4B03}"/>
+              </a:ext>
+            </a:extLst>
+          </p:cNvPr>
+          <p:cNvSpPr/>
+          <p:nvPr/>
+        </p:nvSpPr>
+        <p:spPr>
+          <a:xfrm>
+            <a:off x="7966630" y="2382352"/>
+            <a:ext cx="3067843" cy="716484"/>
+          </a:xfrm>
+          <a:prstGeom prst="rect">
+            <a:avLst/>
+          </a:prstGeom>
+          <a:gradFill flip="none" rotWithShape="1">
+            <a:gsLst>
+              <a:gs pos="0">
+                <a:srgbClr val="014D26"/>
+              </a:gs>
+              <a:gs pos="44000">
+                <a:srgbClr val="014D26"/>
+              </a:gs>
+              <a:gs pos="100000">
+                <a:srgbClr val="002D18"/>
+              </a:gs>
+            </a:gsLst>
+            <a:lin ang="10800000" scaled="1"/>
+            <a:tileRect/>
+          </a:gradFill>
+          <a:ln>
+            <a:solidFill>
+              <a:schemeClr val="accent3">
+                <a:lumMod val="75000"/>
+              </a:schemeClr>
+            </a:solidFill>
+          </a:ln>
+        </p:spPr>
+        <p:style>
+          <a:lnRef idx="2">
+            <a:schemeClr val="accent1">
+              <a:shade val="15000"/>
+            </a:schemeClr>
+          </a:lnRef>
+          <a:fillRef idx="1">
+            <a:schemeClr val="accent1"/>
+          </a:fillRef>
+          <a:effectRef idx="0">
+            <a:schemeClr val="accent1"/>
+          </a:effectRef>
+          <a:fontRef idx="minor">
+            <a:schemeClr val="lt1"/>
+          </a:fontRef>
+        </p:style>
+        <p:txBody>
+          <a:bodyPr rtlCol="0" anchor="ctr"/>
+          <a:lstStyle/>
+          <a:p>
+            <a:pPr algn="ctr"/>
+            <a:r>
+              <a:rPr lang="en-ZA" dirty="0">
+                <a:latin typeface="Segoe Print" panose="02000600000000000000" pitchFamily="2" charset="0"/>
+              </a:rPr>
+              <a:t>Weighting</a:t>
+            </a:r>
+          </a:p>
+        </p:txBody>
+      </p:sp>
+      <p:grpSp>
+        <p:nvGrpSpPr>
+          <p:cNvPr id="19" name="Group 18">
+            <a:extLst>
+              <a:ext uri="{FF2B5EF4-FFF2-40B4-BE49-F238E27FC236}">
+                <a16:creationId xmlns:a16="http://schemas.microsoft.com/office/drawing/2014/main" id="{9C0F02D9-445A-9832-3FB8-5E44456B1560}"/>
+              </a:ext>
+            </a:extLst>
+          </p:cNvPr>
+          <p:cNvGrpSpPr/>
+          <p:nvPr/>
+        </p:nvGrpSpPr>
+        <p:grpSpPr>
+          <a:xfrm>
+            <a:off x="4168808" y="1622141"/>
+            <a:ext cx="304200" cy="186480"/>
+            <a:chOff x="4168808" y="1622141"/>
+            <a:chExt cx="304200" cy="186480"/>
+          </a:xfrm>
+        </p:grpSpPr>
+        <mc:AlternateContent xmlns:mc="http://schemas.openxmlformats.org/markup-compatibility/2006">
+          <mc:Choice xmlns:p14="http://schemas.microsoft.com/office/powerpoint/2010/main" xmlns:aink="http://schemas.microsoft.com/office/drawing/2016/ink" Requires="p14 aink">
+            <p:contentPart p14:bwMode="auto" r:id="rId40">
+              <p14:nvContentPartPr>
+                <p14:cNvPr id="17" name="Ink 16">
+                  <a:extLst>
+                    <a:ext uri="{FF2B5EF4-FFF2-40B4-BE49-F238E27FC236}">
+                      <a16:creationId xmlns:a16="http://schemas.microsoft.com/office/drawing/2014/main" id="{4751A176-BF96-9A5A-49E4-3687D4B94B5E}"/>
+                    </a:ext>
+                  </a:extLst>
+                </p14:cNvPr>
+                <p14:cNvContentPartPr/>
+                <p14:nvPr/>
+              </p14:nvContentPartPr>
+              <p14:xfrm>
+                <a:off x="4168808" y="1690901"/>
+                <a:ext cx="297720" cy="360"/>
+              </p14:xfrm>
+            </p:contentPart>
+          </mc:Choice>
+          <mc:Fallback>
+            <p:pic>
+              <p:nvPicPr>
+                <p:cNvPr id="17" name="Ink 16">
+                  <a:extLst>
+                    <a:ext uri="{FF2B5EF4-FFF2-40B4-BE49-F238E27FC236}">
+                      <a16:creationId xmlns:a16="http://schemas.microsoft.com/office/drawing/2014/main" id="{4751A176-BF96-9A5A-49E4-3687D4B94B5E}"/>
+                    </a:ext>
+                  </a:extLst>
+                </p:cNvPr>
+                <p:cNvPicPr/>
+                <p:nvPr/>
+              </p:nvPicPr>
+              <p:blipFill>
+                <a:blip r:embed="rId41"/>
+                <a:stretch>
+                  <a:fillRect/>
+                </a:stretch>
+              </p:blipFill>
+              <p:spPr>
+                <a:xfrm>
+                  <a:off x="4150808" y="1583261"/>
+                  <a:ext cx="333360" cy="216000"/>
+                </a:xfrm>
+                <a:prstGeom prst="rect">
+                  <a:avLst/>
+                </a:prstGeom>
+              </p:spPr>
+            </p:pic>
+          </mc:Fallback>
+        </mc:AlternateContent>
+        <mc:AlternateContent xmlns:mc="http://schemas.openxmlformats.org/markup-compatibility/2006">
+          <mc:Choice xmlns:p14="http://schemas.microsoft.com/office/powerpoint/2010/main" xmlns:aink="http://schemas.microsoft.com/office/drawing/2016/ink" Requires="p14 aink">
+            <p:contentPart p14:bwMode="auto" r:id="rId42">
+              <p14:nvContentPartPr>
+                <p14:cNvPr id="18" name="Ink 17">
+                  <a:extLst>
+                    <a:ext uri="{FF2B5EF4-FFF2-40B4-BE49-F238E27FC236}">
+                      <a16:creationId xmlns:a16="http://schemas.microsoft.com/office/drawing/2014/main" id="{DDBD9935-C1A9-346B-3DB7-2D3D85DA6F57}"/>
+                    </a:ext>
+                  </a:extLst>
+                </p14:cNvPr>
+                <p14:cNvContentPartPr/>
+                <p14:nvPr/>
+              </p14:nvContentPartPr>
+              <p14:xfrm>
+                <a:off x="4375448" y="1622141"/>
+                <a:ext cx="97560" cy="186480"/>
+              </p14:xfrm>
+            </p:contentPart>
+          </mc:Choice>
+          <mc:Fallback>
+            <p:pic>
+              <p:nvPicPr>
+                <p:cNvPr id="18" name="Ink 17">
+                  <a:extLst>
+                    <a:ext uri="{FF2B5EF4-FFF2-40B4-BE49-F238E27FC236}">
+                      <a16:creationId xmlns:a16="http://schemas.microsoft.com/office/drawing/2014/main" id="{DDBD9935-C1A9-346B-3DB7-2D3D85DA6F57}"/>
+                    </a:ext>
+                  </a:extLst>
+                </p:cNvPr>
+                <p:cNvPicPr/>
+                <p:nvPr/>
+              </p:nvPicPr>
+              <p:blipFill>
+                <a:blip r:embed="rId43"/>
+                <a:stretch>
+                  <a:fillRect/>
+                </a:stretch>
+              </p:blipFill>
+              <p:spPr>
+                <a:xfrm>
+                  <a:off x="4357448" y="1514501"/>
+                  <a:ext cx="133200" cy="402120"/>
+                </a:xfrm>
+                <a:prstGeom prst="rect">
+                  <a:avLst/>
+                </a:prstGeom>
+              </p:spPr>
+            </p:pic>
+          </mc:Fallback>
+        </mc:AlternateContent>
+      </p:grpSp>
+      <p:grpSp>
+        <p:nvGrpSpPr>
+          <p:cNvPr id="22" name="Group 21">
+            <a:extLst>
+              <a:ext uri="{FF2B5EF4-FFF2-40B4-BE49-F238E27FC236}">
+                <a16:creationId xmlns:a16="http://schemas.microsoft.com/office/drawing/2014/main" id="{5AE082F4-C547-0E1B-D04E-88BB91818245}"/>
+              </a:ext>
+            </a:extLst>
+          </p:cNvPr>
+          <p:cNvGrpSpPr/>
+          <p:nvPr/>
+        </p:nvGrpSpPr>
+        <p:grpSpPr>
+          <a:xfrm>
+            <a:off x="7600328" y="1602701"/>
+            <a:ext cx="340920" cy="157680"/>
+            <a:chOff x="7600328" y="1602701"/>
+            <a:chExt cx="340920" cy="157680"/>
+          </a:xfrm>
+        </p:grpSpPr>
+        <mc:AlternateContent xmlns:mc="http://schemas.openxmlformats.org/markup-compatibility/2006">
+          <mc:Choice xmlns:p14="http://schemas.microsoft.com/office/powerpoint/2010/main" xmlns:aink="http://schemas.microsoft.com/office/drawing/2016/ink" Requires="p14 aink">
+            <p:contentPart p14:bwMode="auto" r:id="rId44">
+              <p14:nvContentPartPr>
+                <p14:cNvPr id="20" name="Ink 19">
+                  <a:extLst>
+                    <a:ext uri="{FF2B5EF4-FFF2-40B4-BE49-F238E27FC236}">
+                      <a16:creationId xmlns:a16="http://schemas.microsoft.com/office/drawing/2014/main" id="{C970863F-09C9-976A-CDA8-BF91564E8CAF}"/>
+                    </a:ext>
+                  </a:extLst>
+                </p14:cNvPr>
+                <p14:cNvContentPartPr/>
+                <p14:nvPr/>
+              </p14:nvContentPartPr>
+              <p14:xfrm>
+                <a:off x="7600328" y="1671461"/>
+                <a:ext cx="304560" cy="20520"/>
+              </p14:xfrm>
+            </p:contentPart>
+          </mc:Choice>
+          <mc:Fallback>
+            <p:pic>
+              <p:nvPicPr>
+                <p:cNvPr id="20" name="Ink 19">
+                  <a:extLst>
+                    <a:ext uri="{FF2B5EF4-FFF2-40B4-BE49-F238E27FC236}">
+                      <a16:creationId xmlns:a16="http://schemas.microsoft.com/office/drawing/2014/main" id="{C970863F-09C9-976A-CDA8-BF91564E8CAF}"/>
+                    </a:ext>
+                  </a:extLst>
+                </p:cNvPr>
+                <p:cNvPicPr/>
+                <p:nvPr/>
+              </p:nvPicPr>
+              <p:blipFill>
+                <a:blip r:embed="rId45"/>
+                <a:stretch>
+                  <a:fillRect/>
+                </a:stretch>
+              </p:blipFill>
+              <p:spPr>
+                <a:xfrm>
+                  <a:off x="7582328" y="1563461"/>
+                  <a:ext cx="340200" cy="236160"/>
+                </a:xfrm>
+                <a:prstGeom prst="rect">
+                  <a:avLst/>
+                </a:prstGeom>
+              </p:spPr>
+            </p:pic>
+          </mc:Fallback>
+        </mc:AlternateContent>
+        <mc:AlternateContent xmlns:mc="http://schemas.openxmlformats.org/markup-compatibility/2006">
+          <mc:Choice xmlns:p14="http://schemas.microsoft.com/office/powerpoint/2010/main" xmlns:aink="http://schemas.microsoft.com/office/drawing/2016/ink" Requires="p14 aink">
+            <p:contentPart p14:bwMode="auto" r:id="rId46">
+              <p14:nvContentPartPr>
+                <p14:cNvPr id="21" name="Ink 20">
+                  <a:extLst>
+                    <a:ext uri="{FF2B5EF4-FFF2-40B4-BE49-F238E27FC236}">
+                      <a16:creationId xmlns:a16="http://schemas.microsoft.com/office/drawing/2014/main" id="{92A31C96-585C-149B-88CE-984746814529}"/>
+                    </a:ext>
+                  </a:extLst>
+                </p14:cNvPr>
+                <p14:cNvContentPartPr/>
+                <p14:nvPr/>
+              </p14:nvContentPartPr>
+              <p14:xfrm>
+                <a:off x="7826408" y="1602701"/>
+                <a:ext cx="114840" cy="157680"/>
+              </p14:xfrm>
+            </p:contentPart>
+          </mc:Choice>
+          <mc:Fallback>
+            <p:pic>
+              <p:nvPicPr>
+                <p:cNvPr id="21" name="Ink 20">
+                  <a:extLst>
+                    <a:ext uri="{FF2B5EF4-FFF2-40B4-BE49-F238E27FC236}">
+                      <a16:creationId xmlns:a16="http://schemas.microsoft.com/office/drawing/2014/main" id="{92A31C96-585C-149B-88CE-984746814529}"/>
+                    </a:ext>
+                  </a:extLst>
+                </p:cNvPr>
+                <p:cNvPicPr/>
+                <p:nvPr/>
+              </p:nvPicPr>
+              <p:blipFill>
+                <a:blip r:embed="rId47"/>
+                <a:stretch>
+                  <a:fillRect/>
+                </a:stretch>
+              </p:blipFill>
+              <p:spPr>
+                <a:xfrm>
+                  <a:off x="7808768" y="1494701"/>
+                  <a:ext cx="150480" cy="373320"/>
+                </a:xfrm>
+                <a:prstGeom prst="rect">
+                  <a:avLst/>
+                </a:prstGeom>
+              </p:spPr>
+            </p:pic>
+          </mc:Fallback>
+        </mc:AlternateContent>
+      </p:grpSp>
+      <mc:AlternateContent xmlns:mc="http://schemas.openxmlformats.org/markup-compatibility/2006">
+        <mc:Choice xmlns:p14="http://schemas.microsoft.com/office/powerpoint/2010/main" xmlns:aink="http://schemas.microsoft.com/office/drawing/2016/ink" Requires="p14 aink">
+          <p:contentPart p14:bwMode="auto" r:id="rId48">
+            <p14:nvContentPartPr>
+              <p14:cNvPr id="24" name="Ink 23">
+                <a:extLst>
+                  <a:ext uri="{FF2B5EF4-FFF2-40B4-BE49-F238E27FC236}">
+                    <a16:creationId xmlns:a16="http://schemas.microsoft.com/office/drawing/2014/main" id="{2E344F22-CEBF-2228-911B-7B1CA9FEB23E}"/>
+                  </a:ext>
+                </a:extLst>
+              </p14:cNvPr>
+              <p14:cNvContentPartPr/>
+              <p14:nvPr/>
+            </p14:nvContentPartPr>
+            <p14:xfrm>
+              <a:off x="9546848" y="2064221"/>
+              <a:ext cx="360" cy="246600"/>
+            </p14:xfrm>
+          </p:contentPart>
+        </mc:Choice>
+        <mc:Fallback>
+          <p:pic>
+            <p:nvPicPr>
+              <p:cNvPr id="24" name="Ink 23">
+                <a:extLst>
+                  <a:ext uri="{FF2B5EF4-FFF2-40B4-BE49-F238E27FC236}">
+                    <a16:creationId xmlns:a16="http://schemas.microsoft.com/office/drawing/2014/main" id="{2E344F22-CEBF-2228-911B-7B1CA9FEB23E}"/>
+                  </a:ext>
+                </a:extLst>
+              </p:cNvPr>
+              <p:cNvPicPr/>
+              <p:nvPr/>
+            </p:nvPicPr>
+            <p:blipFill>
+              <a:blip r:embed="rId49"/>
+              <a:stretch>
+                <a:fillRect/>
+              </a:stretch>
+            </p:blipFill>
+            <p:spPr>
+              <a:xfrm>
+                <a:off x="9529208" y="1956581"/>
+                <a:ext cx="36000" cy="462240"/>
+              </a:xfrm>
+              <a:prstGeom prst="rect">
+                <a:avLst/>
+              </a:prstGeom>
+            </p:spPr>
+          </p:pic>
+        </mc:Fallback>
+      </mc:AlternateContent>
+      <mc:AlternateContent xmlns:mc="http://schemas.openxmlformats.org/markup-compatibility/2006">
+        <mc:Choice xmlns:p14="http://schemas.microsoft.com/office/powerpoint/2010/main" xmlns:aink="http://schemas.microsoft.com/office/drawing/2016/ink" Requires="p14 aink">
+          <p:contentPart p14:bwMode="auto" r:id="rId50">
+            <p14:nvContentPartPr>
+              <p14:cNvPr id="25" name="Ink 24">
+                <a:extLst>
+                  <a:ext uri="{FF2B5EF4-FFF2-40B4-BE49-F238E27FC236}">
+                    <a16:creationId xmlns:a16="http://schemas.microsoft.com/office/drawing/2014/main" id="{208FAB6C-C6EB-1B0E-4621-DB1C2243F4B3}"/>
+                  </a:ext>
+                </a:extLst>
+              </p14:cNvPr>
+              <p14:cNvContentPartPr/>
+              <p14:nvPr/>
+            </p14:nvContentPartPr>
+            <p14:xfrm>
+              <a:off x="9428768" y="2221901"/>
+              <a:ext cx="232200" cy="95400"/>
+            </p14:xfrm>
+          </p:contentPart>
+        </mc:Choice>
+        <mc:Fallback>
+          <p:pic>
+            <p:nvPicPr>
+              <p:cNvPr id="25" name="Ink 24">
+                <a:extLst>
+                  <a:ext uri="{FF2B5EF4-FFF2-40B4-BE49-F238E27FC236}">
+                    <a16:creationId xmlns:a16="http://schemas.microsoft.com/office/drawing/2014/main" id="{208FAB6C-C6EB-1B0E-4621-DB1C2243F4B3}"/>
+                  </a:ext>
+                </a:extLst>
+              </p:cNvPr>
+              <p:cNvPicPr/>
+              <p:nvPr/>
+            </p:nvPicPr>
+            <p:blipFill>
+              <a:blip r:embed="rId51"/>
+              <a:stretch>
+                <a:fillRect/>
+              </a:stretch>
+            </p:blipFill>
+            <p:spPr>
+              <a:xfrm>
+                <a:off x="9411128" y="2113901"/>
+                <a:ext cx="267840" cy="311040"/>
+              </a:xfrm>
+              <a:prstGeom prst="rect">
+                <a:avLst/>
+              </a:prstGeom>
+            </p:spPr>
+          </p:pic>
+        </mc:Fallback>
+      </mc:AlternateContent>
+      <p:grpSp>
+        <p:nvGrpSpPr>
+          <p:cNvPr id="31" name="Group 30">
+            <a:extLst>
+              <a:ext uri="{FF2B5EF4-FFF2-40B4-BE49-F238E27FC236}">
+                <a16:creationId xmlns:a16="http://schemas.microsoft.com/office/drawing/2014/main" id="{DCFCED81-FD1E-650A-44F6-AE43FBEF173C}"/>
+              </a:ext>
+            </a:extLst>
+          </p:cNvPr>
+          <p:cNvGrpSpPr/>
+          <p:nvPr/>
+        </p:nvGrpSpPr>
+        <p:grpSpPr>
+          <a:xfrm>
+            <a:off x="7669448" y="2595581"/>
+            <a:ext cx="275040" cy="231120"/>
+            <a:chOff x="7669448" y="2595581"/>
+            <a:chExt cx="275040" cy="231120"/>
+          </a:xfrm>
+        </p:grpSpPr>
+        <mc:AlternateContent xmlns:mc="http://schemas.openxmlformats.org/markup-compatibility/2006">
+          <mc:Choice xmlns:p14="http://schemas.microsoft.com/office/powerpoint/2010/main" xmlns:aink="http://schemas.microsoft.com/office/drawing/2016/ink" Requires="p14 aink">
+            <p:contentPart p14:bwMode="auto" r:id="rId52">
+              <p14:nvContentPartPr>
+                <p14:cNvPr id="26" name="Ink 25">
+                  <a:extLst>
+                    <a:ext uri="{FF2B5EF4-FFF2-40B4-BE49-F238E27FC236}">
+                      <a16:creationId xmlns:a16="http://schemas.microsoft.com/office/drawing/2014/main" id="{9B98C7FD-74F8-A3AA-8F5A-E6440FF2217B}"/>
+                    </a:ext>
+                  </a:extLst>
+                </p14:cNvPr>
+                <p14:cNvContentPartPr/>
+                <p14:nvPr/>
+              </p14:nvContentPartPr>
+              <p14:xfrm>
+                <a:off x="7675208" y="2723381"/>
+                <a:ext cx="269280" cy="360"/>
+              </p14:xfrm>
+            </p:contentPart>
+          </mc:Choice>
+          <mc:Fallback>
+            <p:pic>
+              <p:nvPicPr>
+                <p:cNvPr id="26" name="Ink 25">
+                  <a:extLst>
+                    <a:ext uri="{FF2B5EF4-FFF2-40B4-BE49-F238E27FC236}">
+                      <a16:creationId xmlns:a16="http://schemas.microsoft.com/office/drawing/2014/main" id="{9B98C7FD-74F8-A3AA-8F5A-E6440FF2217B}"/>
+                    </a:ext>
+                  </a:extLst>
+                </p:cNvPr>
+                <p:cNvPicPr/>
+                <p:nvPr/>
+              </p:nvPicPr>
+              <p:blipFill>
+                <a:blip r:embed="rId53"/>
+                <a:stretch>
+                  <a:fillRect/>
+                </a:stretch>
+              </p:blipFill>
+              <p:spPr>
+                <a:xfrm>
+                  <a:off x="7657568" y="2615381"/>
+                  <a:ext cx="304920" cy="216000"/>
+                </a:xfrm>
+                <a:prstGeom prst="rect">
+                  <a:avLst/>
+                </a:prstGeom>
+              </p:spPr>
+            </p:pic>
+          </mc:Fallback>
+        </mc:AlternateContent>
+        <mc:AlternateContent xmlns:mc="http://schemas.openxmlformats.org/markup-compatibility/2006">
+          <mc:Choice xmlns:p14="http://schemas.microsoft.com/office/powerpoint/2010/main" xmlns:aink="http://schemas.microsoft.com/office/drawing/2016/ink" Requires="p14 aink">
+            <p:contentPart p14:bwMode="auto" r:id="rId54">
+              <p14:nvContentPartPr>
+                <p14:cNvPr id="28" name="Ink 27">
+                  <a:extLst>
+                    <a:ext uri="{FF2B5EF4-FFF2-40B4-BE49-F238E27FC236}">
+                      <a16:creationId xmlns:a16="http://schemas.microsoft.com/office/drawing/2014/main" id="{C089BA48-9FF5-EAC4-1961-AE059327DDC3}"/>
+                    </a:ext>
+                  </a:extLst>
+                </p14:cNvPr>
+                <p14:cNvContentPartPr/>
+                <p14:nvPr/>
+              </p14:nvContentPartPr>
+              <p14:xfrm>
+                <a:off x="7669448" y="2595581"/>
+                <a:ext cx="118080" cy="231120"/>
+              </p14:xfrm>
+            </p:contentPart>
+          </mc:Choice>
+          <mc:Fallback>
+            <p:pic>
+              <p:nvPicPr>
+                <p:cNvPr id="28" name="Ink 27">
+                  <a:extLst>
+                    <a:ext uri="{FF2B5EF4-FFF2-40B4-BE49-F238E27FC236}">
+                      <a16:creationId xmlns:a16="http://schemas.microsoft.com/office/drawing/2014/main" id="{C089BA48-9FF5-EAC4-1961-AE059327DDC3}"/>
+                    </a:ext>
+                  </a:extLst>
+                </p:cNvPr>
+                <p:cNvPicPr/>
+                <p:nvPr/>
+              </p:nvPicPr>
+              <p:blipFill>
+                <a:blip r:embed="rId55"/>
+                <a:stretch>
+                  <a:fillRect/>
+                </a:stretch>
+              </p:blipFill>
+              <p:spPr>
+                <a:xfrm>
+                  <a:off x="7651448" y="2487581"/>
+                  <a:ext cx="153720" cy="446760"/>
+                </a:xfrm>
+                <a:prstGeom prst="rect">
+                  <a:avLst/>
+                </a:prstGeom>
+              </p:spPr>
+            </p:pic>
+          </mc:Fallback>
+        </mc:AlternateContent>
+      </p:grpSp>
+      <mc:AlternateContent xmlns:mc="http://schemas.openxmlformats.org/markup-compatibility/2006">
+        <mc:Choice xmlns:p14="http://schemas.microsoft.com/office/powerpoint/2010/main" xmlns:aink="http://schemas.microsoft.com/office/drawing/2016/ink" Requires="p14 aink">
+          <p:contentPart p14:bwMode="auto" r:id="rId56">
+            <p14:nvContentPartPr>
+              <p14:cNvPr id="34" name="Ink 33">
+                <a:extLst>
+                  <a:ext uri="{FF2B5EF4-FFF2-40B4-BE49-F238E27FC236}">
+                    <a16:creationId xmlns:a16="http://schemas.microsoft.com/office/drawing/2014/main" id="{234DF96E-F7EE-E566-3949-01E9AEB99CD1}"/>
+                  </a:ext>
+                </a:extLst>
+              </p14:cNvPr>
+              <p14:cNvContentPartPr/>
+              <p14:nvPr/>
+            </p14:nvContentPartPr>
+            <p14:xfrm>
+              <a:off x="4197968" y="2713301"/>
+              <a:ext cx="285840" cy="10440"/>
+            </p14:xfrm>
+          </p:contentPart>
+        </mc:Choice>
+        <mc:Fallback>
+          <p:pic>
+            <p:nvPicPr>
+              <p:cNvPr id="34" name="Ink 33">
+                <a:extLst>
+                  <a:ext uri="{FF2B5EF4-FFF2-40B4-BE49-F238E27FC236}">
+                    <a16:creationId xmlns:a16="http://schemas.microsoft.com/office/drawing/2014/main" id="{234DF96E-F7EE-E566-3949-01E9AEB99CD1}"/>
+                  </a:ext>
+                </a:extLst>
+              </p:cNvPr>
+              <p:cNvPicPr/>
+              <p:nvPr/>
+            </p:nvPicPr>
+            <p:blipFill>
+              <a:blip r:embed="rId57"/>
+              <a:stretch>
+                <a:fillRect/>
+              </a:stretch>
+            </p:blipFill>
+            <p:spPr>
+              <a:xfrm>
+                <a:off x="4179968" y="2605301"/>
+                <a:ext cx="321480" cy="226080"/>
+              </a:xfrm>
+              <a:prstGeom prst="rect">
+                <a:avLst/>
+              </a:prstGeom>
+            </p:spPr>
+          </p:pic>
+        </mc:Fallback>
+      </mc:AlternateContent>
+      <mc:AlternateContent xmlns:mc="http://schemas.openxmlformats.org/markup-compatibility/2006">
+        <mc:Choice xmlns:p14="http://schemas.microsoft.com/office/powerpoint/2010/main" xmlns:aink="http://schemas.microsoft.com/office/drawing/2016/ink" Requires="p14 aink">
+          <p:contentPart p14:bwMode="auto" r:id="rId58">
+            <p14:nvContentPartPr>
+              <p14:cNvPr id="46" name="Ink 45">
+                <a:extLst>
+                  <a:ext uri="{FF2B5EF4-FFF2-40B4-BE49-F238E27FC236}">
+                    <a16:creationId xmlns:a16="http://schemas.microsoft.com/office/drawing/2014/main" id="{956282E6-3740-E17A-DEE8-136118BB561C}"/>
+                  </a:ext>
+                </a:extLst>
+              </p14:cNvPr>
+              <p14:cNvContentPartPr/>
+              <p14:nvPr/>
+            </p14:nvContentPartPr>
+            <p14:xfrm>
+              <a:off x="4159808" y="2585861"/>
+              <a:ext cx="176400" cy="254160"/>
+            </p14:xfrm>
+          </p:contentPart>
+        </mc:Choice>
+        <mc:Fallback>
+          <p:pic>
+            <p:nvPicPr>
+              <p:cNvPr id="46" name="Ink 45">
+                <a:extLst>
+                  <a:ext uri="{FF2B5EF4-FFF2-40B4-BE49-F238E27FC236}">
+                    <a16:creationId xmlns:a16="http://schemas.microsoft.com/office/drawing/2014/main" id="{956282E6-3740-E17A-DEE8-136118BB561C}"/>
+                  </a:ext>
+                </a:extLst>
+              </p:cNvPr>
+              <p:cNvPicPr/>
+              <p:nvPr/>
+            </p:nvPicPr>
+            <p:blipFill>
+              <a:blip r:embed="rId59"/>
+              <a:stretch>
+                <a:fillRect/>
+              </a:stretch>
+            </p:blipFill>
+            <p:spPr>
+              <a:xfrm>
+                <a:off x="4142168" y="2478221"/>
+                <a:ext cx="212040" cy="469800"/>
+              </a:xfrm>
+              <a:prstGeom prst="rect">
+                <a:avLst/>
+              </a:prstGeom>
+            </p:spPr>
+          </p:pic>
+        </mc:Fallback>
+      </mc:AlternateContent>
+    </p:spTree>
+    <p:extLst>
+      <p:ext uri="{BB962C8B-B14F-4D97-AF65-F5344CB8AC3E}">
+        <p14:creationId xmlns:p14="http://schemas.microsoft.com/office/powerpoint/2010/main" val="3327948781"/>
+      </p:ext>
+    </p:extLst>
+  </p:cSld>
+  <p:clrMapOvr>
+    <a:masterClrMapping/>
+  </p:clrMapOvr>
+</p:sld>
+</file>
+
+<file path=ppt/slides/slide7.xml><?xml version="1.0" encoding="utf-8"?>
+<p:sld xmlns:a="http://schemas.openxmlformats.org/drawingml/2006/main" xmlns:r="http://schemas.openxmlformats.org/officeDocument/2006/relationships" xmlns:p="http://schemas.openxmlformats.org/presentationml/2006/main">
+  <p:cSld>
+    <p:bg>
+      <p:bgPr>
+        <a:gradFill>
+          <a:gsLst>
+            <a:gs pos="0">
+              <a:srgbClr val="002D18"/>
+            </a:gs>
+            <a:gs pos="39000">
+              <a:srgbClr val="002D18"/>
+            </a:gs>
+            <a:gs pos="83000">
+              <a:srgbClr val="014D26"/>
+            </a:gs>
+            <a:gs pos="100000">
+              <a:srgbClr val="014D26"/>
+            </a:gs>
+          </a:gsLst>
+          <a:lin ang="10800000" scaled="1"/>
+        </a:gradFill>
+        <a:effectLst/>
+      </p:bgPr>
+    </p:bg>
+    <p:spTree>
+      <p:nvGrpSpPr>
+        <p:cNvPr id="1" name="">
+          <a:extLst>
+            <a:ext uri="{FF2B5EF4-FFF2-40B4-BE49-F238E27FC236}">
+              <a16:creationId xmlns:a16="http://schemas.microsoft.com/office/drawing/2014/main" id="{5F1D1839-6F2E-B9A0-0691-E1A0BDF165F9}"/>
+            </a:ext>
+          </a:extLst>
+        </p:cNvPr>
+        <p:cNvGrpSpPr/>
+        <p:nvPr/>
+      </p:nvGrpSpPr>
+      <p:grpSpPr>
+        <a:xfrm>
+          <a:off x="0" y="0"/>
+          <a:ext cx="0" cy="0"/>
+          <a:chOff x="0" y="0"/>
+          <a:chExt cx="0" cy="0"/>
+        </a:xfrm>
+      </p:grpSpPr>
+      <mc:AlternateContent xmlns:mc="http://schemas.openxmlformats.org/markup-compatibility/2006" xmlns:p14="http://schemas.microsoft.com/office/powerpoint/2010/main" xmlns:aink="http://schemas.microsoft.com/office/drawing/2016/ink">
+        <mc:Choice Requires="p14 aink">
+          <p:contentPart p14:bwMode="auto" r:id="rId2">
+            <p14:nvContentPartPr>
+              <p14:cNvPr id="2" name="Ink 1">
+                <a:extLst>
+                  <a:ext uri="{FF2B5EF4-FFF2-40B4-BE49-F238E27FC236}">
+                    <a16:creationId xmlns:a16="http://schemas.microsoft.com/office/drawing/2014/main" id="{F920A63D-01DC-EF24-AE7E-735005570F42}"/>
+                  </a:ext>
+                </a:extLst>
+              </p14:cNvPr>
+              <p14:cNvContentPartPr/>
+              <p14:nvPr/>
+            </p14:nvContentPartPr>
+            <p14:xfrm>
+              <a:off x="4553367" y="600073"/>
+              <a:ext cx="360" cy="360"/>
+            </p14:xfrm>
+          </p:contentPart>
+        </mc:Choice>
+        <mc:Fallback xmlns="">
+          <p:pic>
+            <p:nvPicPr>
+              <p:cNvPr id="2" name="Ink 1">
+                <a:extLst>
+                  <a:ext uri="{FF2B5EF4-FFF2-40B4-BE49-F238E27FC236}">
+                    <a16:creationId xmlns:a16="http://schemas.microsoft.com/office/drawing/2014/main" id="{F920A63D-01DC-EF24-AE7E-735005570F42}"/>
+                  </a:ext>
+                </a:extLst>
+              </p:cNvPr>
+              <p:cNvPicPr/>
+              <p:nvPr/>
+            </p:nvPicPr>
+            <p:blipFill>
+              <a:blip r:embed="rId3"/>
+              <a:stretch>
+                <a:fillRect/>
+              </a:stretch>
+            </p:blipFill>
+            <p:spPr>
+              <a:xfrm>
+                <a:off x="4490367" y="222073"/>
+                <a:ext cx="126000" cy="756000"/>
+              </a:xfrm>
+              <a:prstGeom prst="rect">
+                <a:avLst/>
+              </a:prstGeom>
+            </p:spPr>
+          </p:pic>
+        </mc:Fallback>
+      </mc:AlternateContent>
+      <mc:AlternateContent xmlns:mc="http://schemas.openxmlformats.org/markup-compatibility/2006" xmlns:p14="http://schemas.microsoft.com/office/powerpoint/2010/main" xmlns:aink="http://schemas.microsoft.com/office/drawing/2016/ink">
+        <mc:Choice Requires="p14 aink">
+          <p:contentPart p14:bwMode="auto" r:id="rId4">
+            <p14:nvContentPartPr>
+              <p14:cNvPr id="6" name="Ink 5">
+                <a:extLst>
+                  <a:ext uri="{FF2B5EF4-FFF2-40B4-BE49-F238E27FC236}">
+                    <a16:creationId xmlns:a16="http://schemas.microsoft.com/office/drawing/2014/main" id="{1CB429A2-11D9-F3E5-EAD5-CF121B333C7C}"/>
+                  </a:ext>
+                </a:extLst>
+              </p14:cNvPr>
+              <p14:cNvContentPartPr/>
+              <p14:nvPr/>
+            </p14:nvContentPartPr>
+            <p14:xfrm>
+              <a:off x="1065221" y="565330"/>
+              <a:ext cx="10067760" cy="19440"/>
+            </p14:xfrm>
+          </p:contentPart>
+        </mc:Choice>
+        <mc:Fallback xmlns="">
+          <p:pic>
+            <p:nvPicPr>
+              <p:cNvPr id="6" name="Ink 5">
+                <a:extLst>
+                  <a:ext uri="{FF2B5EF4-FFF2-40B4-BE49-F238E27FC236}">
+                    <a16:creationId xmlns:a16="http://schemas.microsoft.com/office/drawing/2014/main" id="{1CB429A2-11D9-F3E5-EAD5-CF121B333C7C}"/>
+                  </a:ext>
+                </a:extLst>
+              </p:cNvPr>
+              <p:cNvPicPr/>
+              <p:nvPr/>
+            </p:nvPicPr>
+            <p:blipFill>
+              <a:blip r:embed="rId5"/>
+              <a:stretch>
+                <a:fillRect/>
+              </a:stretch>
+            </p:blipFill>
+            <p:spPr>
+              <a:xfrm>
+                <a:off x="1002221" y="187330"/>
+                <a:ext cx="10193400" cy="775080"/>
+              </a:xfrm>
+              <a:prstGeom prst="rect">
+                <a:avLst/>
+              </a:prstGeom>
+            </p:spPr>
+          </p:pic>
+        </mc:Fallback>
+      </mc:AlternateContent>
+      <mc:AlternateContent xmlns:mc="http://schemas.openxmlformats.org/markup-compatibility/2006" xmlns:p14="http://schemas.microsoft.com/office/powerpoint/2010/main" xmlns:aink="http://schemas.microsoft.com/office/drawing/2016/ink">
+        <mc:Choice Requires="p14 aink">
+          <p:contentPart p14:bwMode="auto" r:id="rId6">
+            <p14:nvContentPartPr>
+              <p14:cNvPr id="10" name="Ink 9">
+                <a:extLst>
+                  <a:ext uri="{FF2B5EF4-FFF2-40B4-BE49-F238E27FC236}">
+                    <a16:creationId xmlns:a16="http://schemas.microsoft.com/office/drawing/2014/main" id="{78AE7ECB-5AC2-AAB2-90B1-65A655CA0C5C}"/>
+                  </a:ext>
+                </a:extLst>
+              </p14:cNvPr>
+              <p14:cNvContentPartPr/>
+              <p14:nvPr/>
+            </p14:nvContentPartPr>
+            <p14:xfrm>
+              <a:off x="1009161" y="593410"/>
+              <a:ext cx="65420" cy="5651740"/>
+            </p14:xfrm>
+          </p:contentPart>
+        </mc:Choice>
+        <mc:Fallback xmlns="">
+          <p:pic>
+            <p:nvPicPr>
+              <p:cNvPr id="10" name="Ink 9">
+                <a:extLst>
+                  <a:ext uri="{FF2B5EF4-FFF2-40B4-BE49-F238E27FC236}">
+                    <a16:creationId xmlns:a16="http://schemas.microsoft.com/office/drawing/2014/main" id="{78AE7ECB-5AC2-AAB2-90B1-65A655CA0C5C}"/>
+                  </a:ext>
+                </a:extLst>
+              </p:cNvPr>
+              <p:cNvPicPr/>
+              <p:nvPr/>
+            </p:nvPicPr>
+            <p:blipFill>
+              <a:blip r:embed="rId7"/>
+              <a:stretch>
+                <a:fillRect/>
+              </a:stretch>
+            </p:blipFill>
+            <p:spPr>
+              <a:xfrm>
+                <a:off x="946257" y="215403"/>
+                <a:ext cx="190868" cy="6407393"/>
+              </a:xfrm>
+              <a:prstGeom prst="rect">
+                <a:avLst/>
+              </a:prstGeom>
+            </p:spPr>
+          </p:pic>
+        </mc:Fallback>
+      </mc:AlternateContent>
+      <mc:AlternateContent xmlns:mc="http://schemas.openxmlformats.org/markup-compatibility/2006" xmlns:p14="http://schemas.microsoft.com/office/powerpoint/2010/main" xmlns:aink="http://schemas.microsoft.com/office/drawing/2016/ink">
+        <mc:Choice Requires="p14 aink">
+          <p:contentPart p14:bwMode="auto" r:id="rId8">
+            <p14:nvContentPartPr>
+              <p14:cNvPr id="12" name="Ink 11">
+                <a:extLst>
+                  <a:ext uri="{FF2B5EF4-FFF2-40B4-BE49-F238E27FC236}">
+                    <a16:creationId xmlns:a16="http://schemas.microsoft.com/office/drawing/2014/main" id="{8565395F-1AE6-E4BC-E874-FD7D8882E8E8}"/>
+                  </a:ext>
+                </a:extLst>
+              </p14:cNvPr>
+              <p14:cNvContentPartPr/>
+              <p14:nvPr/>
+            </p14:nvContentPartPr>
+            <p14:xfrm>
+              <a:off x="1046141" y="6277810"/>
+              <a:ext cx="10115640" cy="19440"/>
+            </p14:xfrm>
+          </p:contentPart>
+        </mc:Choice>
+        <mc:Fallback xmlns="">
+          <p:pic>
+            <p:nvPicPr>
+              <p:cNvPr id="12" name="Ink 11">
+                <a:extLst>
+                  <a:ext uri="{FF2B5EF4-FFF2-40B4-BE49-F238E27FC236}">
+                    <a16:creationId xmlns:a16="http://schemas.microsoft.com/office/drawing/2014/main" id="{8565395F-1AE6-E4BC-E874-FD7D8882E8E8}"/>
+                  </a:ext>
+                </a:extLst>
+              </p:cNvPr>
+              <p:cNvPicPr/>
+              <p:nvPr/>
+            </p:nvPicPr>
+            <p:blipFill>
+              <a:blip r:embed="rId9"/>
+              <a:stretch>
+                <a:fillRect/>
+              </a:stretch>
+            </p:blipFill>
+            <p:spPr>
+              <a:xfrm>
+                <a:off x="983141" y="5899810"/>
+                <a:ext cx="10241280" cy="775080"/>
+              </a:xfrm>
+              <a:prstGeom prst="rect">
+                <a:avLst/>
+              </a:prstGeom>
+            </p:spPr>
+          </p:pic>
+        </mc:Fallback>
+      </mc:AlternateContent>
+      <mc:AlternateContent xmlns:mc="http://schemas.openxmlformats.org/markup-compatibility/2006" xmlns:p14="http://schemas.microsoft.com/office/powerpoint/2010/main" xmlns:aink="http://schemas.microsoft.com/office/drawing/2016/ink">
+        <mc:Choice Requires="p14 aink">
+          <p:contentPart p14:bwMode="auto" r:id="rId10">
+            <p14:nvContentPartPr>
+              <p14:cNvPr id="14" name="Ink 13">
+                <a:extLst>
+                  <a:ext uri="{FF2B5EF4-FFF2-40B4-BE49-F238E27FC236}">
                     <a16:creationId xmlns:a16="http://schemas.microsoft.com/office/drawing/2014/main" id="{5EA845C1-37B1-EF02-1AED-CFBE5D194731}"/>
                   </a:ext>
                 </a:extLst>
@@ -11747,7 +14806,7 @@
             </p14:xfrm>
           </p:contentPart>
         </mc:Choice>
-        <mc:Fallback>
+        <mc:Fallback xmlns="">
           <p:pic>
             <p:nvPicPr>
               <p:cNvPr id="14" name="Ink 13">
@@ -11798,8 +14857,8 @@
             <a:chExt cx="2630520" cy="3638160"/>
           </a:xfrm>
         </p:grpSpPr>
-        <mc:AlternateContent xmlns:mc="http://schemas.openxmlformats.org/markup-compatibility/2006">
-          <mc:Choice xmlns:p14="http://schemas.microsoft.com/office/powerpoint/2010/main" xmlns:aink="http://schemas.microsoft.com/office/drawing/2016/ink" Requires="p14 aink">
+        <mc:AlternateContent xmlns:mc="http://schemas.openxmlformats.org/markup-compatibility/2006" xmlns:p14="http://schemas.microsoft.com/office/powerpoint/2010/main" xmlns:aink="http://schemas.microsoft.com/office/drawing/2016/ink">
+          <mc:Choice Requires="p14 aink">
             <p:contentPart p14:bwMode="auto" r:id="rId12">
               <p14:nvContentPartPr>
                 <p14:cNvPr id="27" name="Ink 26">
@@ -11818,7 +14877,7 @@
               </p14:xfrm>
             </p:contentPart>
           </mc:Choice>
-          <mc:Fallback>
+          <mc:Fallback xmlns="">
             <p:pic>
               <p:nvPicPr>
                 <p:cNvPr id="27" name="Ink 26">
@@ -11849,8 +14908,8 @@
             </p:pic>
           </mc:Fallback>
         </mc:AlternateContent>
-        <mc:AlternateContent xmlns:mc="http://schemas.openxmlformats.org/markup-compatibility/2006">
-          <mc:Choice xmlns:p14="http://schemas.microsoft.com/office/powerpoint/2010/main" xmlns:aink="http://schemas.microsoft.com/office/drawing/2016/ink" Requires="p14 aink">
+        <mc:AlternateContent xmlns:mc="http://schemas.openxmlformats.org/markup-compatibility/2006" xmlns:p14="http://schemas.microsoft.com/office/powerpoint/2010/main" xmlns:aink="http://schemas.microsoft.com/office/drawing/2016/ink">
+          <mc:Choice Requires="p14 aink">
             <p:contentPart p14:bwMode="auto" r:id="rId14">
               <p14:nvContentPartPr>
                 <p14:cNvPr id="29" name="Ink 28">
@@ -11869,7 +14928,7 @@
               </p14:xfrm>
             </p:contentPart>
           </mc:Choice>
-          <mc:Fallback>
+          <mc:Fallback xmlns="">
             <p:pic>
               <p:nvPicPr>
                 <p:cNvPr id="29" name="Ink 28">
@@ -11900,8 +14959,8 @@
             </p:pic>
           </mc:Fallback>
         </mc:AlternateContent>
-        <mc:AlternateContent xmlns:mc="http://schemas.openxmlformats.org/markup-compatibility/2006">
-          <mc:Choice xmlns:p14="http://schemas.microsoft.com/office/powerpoint/2010/main" xmlns:aink="http://schemas.microsoft.com/office/drawing/2016/ink" Requires="p14 aink">
+        <mc:AlternateContent xmlns:mc="http://schemas.openxmlformats.org/markup-compatibility/2006" xmlns:p14="http://schemas.microsoft.com/office/powerpoint/2010/main" xmlns:aink="http://schemas.microsoft.com/office/drawing/2016/ink">
+          <mc:Choice Requires="p14 aink">
             <p:contentPart p14:bwMode="auto" r:id="rId16">
               <p14:nvContentPartPr>
                 <p14:cNvPr id="30" name="Ink 29">
@@ -11920,7 +14979,7 @@
               </p14:xfrm>
             </p:contentPart>
           </mc:Choice>
-          <mc:Fallback>
+          <mc:Fallback xmlns="">
             <p:pic>
               <p:nvPicPr>
                 <p:cNvPr id="30" name="Ink 29">
@@ -11972,8 +15031,8 @@
             <a:chExt cx="1433520" cy="2112120"/>
           </a:xfrm>
         </p:grpSpPr>
-        <mc:AlternateContent xmlns:mc="http://schemas.openxmlformats.org/markup-compatibility/2006">
-          <mc:Choice xmlns:p14="http://schemas.microsoft.com/office/powerpoint/2010/main" xmlns:aink="http://schemas.microsoft.com/office/drawing/2016/ink" Requires="p14 aink">
+        <mc:AlternateContent xmlns:mc="http://schemas.openxmlformats.org/markup-compatibility/2006" xmlns:p14="http://schemas.microsoft.com/office/powerpoint/2010/main" xmlns:aink="http://schemas.microsoft.com/office/drawing/2016/ink">
+          <mc:Choice Requires="p14 aink">
             <p:contentPart p14:bwMode="auto" r:id="rId18">
               <p14:nvContentPartPr>
                 <p14:cNvPr id="32" name="Ink 31">
@@ -11992,7 +15051,7 @@
               </p14:xfrm>
             </p:contentPart>
           </mc:Choice>
-          <mc:Fallback>
+          <mc:Fallback xmlns="">
             <p:pic>
               <p:nvPicPr>
                 <p:cNvPr id="32" name="Ink 31">
@@ -12023,8 +15082,8 @@
             </p:pic>
           </mc:Fallback>
         </mc:AlternateContent>
-        <mc:AlternateContent xmlns:mc="http://schemas.openxmlformats.org/markup-compatibility/2006">
-          <mc:Choice xmlns:p14="http://schemas.microsoft.com/office/powerpoint/2010/main" xmlns:aink="http://schemas.microsoft.com/office/drawing/2016/ink" Requires="p14 aink">
+        <mc:AlternateContent xmlns:mc="http://schemas.openxmlformats.org/markup-compatibility/2006" xmlns:p14="http://schemas.microsoft.com/office/powerpoint/2010/main" xmlns:aink="http://schemas.microsoft.com/office/drawing/2016/ink">
+          <mc:Choice Requires="p14 aink">
             <p:contentPart p14:bwMode="auto" r:id="rId20">
               <p14:nvContentPartPr>
                 <p14:cNvPr id="36" name="Ink 35">
@@ -12043,7 +15102,7 @@
               </p14:xfrm>
             </p:contentPart>
           </mc:Choice>
-          <mc:Fallback>
+          <mc:Fallback xmlns="">
             <p:pic>
               <p:nvPicPr>
                 <p:cNvPr id="36" name="Ink 35">
@@ -12074,8 +15133,8 @@
             </p:pic>
           </mc:Fallback>
         </mc:AlternateContent>
-        <mc:AlternateContent xmlns:mc="http://schemas.openxmlformats.org/markup-compatibility/2006">
-          <mc:Choice xmlns:p14="http://schemas.microsoft.com/office/powerpoint/2010/main" xmlns:aink="http://schemas.microsoft.com/office/drawing/2016/ink" Requires="p14 aink">
+        <mc:AlternateContent xmlns:mc="http://schemas.openxmlformats.org/markup-compatibility/2006" xmlns:p14="http://schemas.microsoft.com/office/powerpoint/2010/main" xmlns:aink="http://schemas.microsoft.com/office/drawing/2016/ink">
+          <mc:Choice Requires="p14 aink">
             <p:contentPart p14:bwMode="auto" r:id="rId22">
               <p14:nvContentPartPr>
                 <p14:cNvPr id="38" name="Ink 37">
@@ -12094,7 +15153,7 @@
               </p14:xfrm>
             </p:contentPart>
           </mc:Choice>
-          <mc:Fallback>
+          <mc:Fallback xmlns="">
             <p:pic>
               <p:nvPicPr>
                 <p:cNvPr id="38" name="Ink 37">
@@ -12146,8 +15205,8 @@
             <a:chExt cx="2630520" cy="3638160"/>
           </a:xfrm>
         </p:grpSpPr>
-        <mc:AlternateContent xmlns:mc="http://schemas.openxmlformats.org/markup-compatibility/2006">
-          <mc:Choice xmlns:p14="http://schemas.microsoft.com/office/powerpoint/2010/main" xmlns:aink="http://schemas.microsoft.com/office/drawing/2016/ink" Requires="p14 aink">
+        <mc:AlternateContent xmlns:mc="http://schemas.openxmlformats.org/markup-compatibility/2006" xmlns:p14="http://schemas.microsoft.com/office/powerpoint/2010/main" xmlns:aink="http://schemas.microsoft.com/office/drawing/2016/ink">
+          <mc:Choice Requires="p14 aink">
             <p:contentPart p14:bwMode="auto" r:id="rId24">
               <p14:nvContentPartPr>
                 <p14:cNvPr id="42" name="Ink 41">
@@ -12166,7 +15225,7 @@
               </p14:xfrm>
             </p:contentPart>
           </mc:Choice>
-          <mc:Fallback>
+          <mc:Fallback xmlns="">
             <p:pic>
               <p:nvPicPr>
                 <p:cNvPr id="42" name="Ink 41">
@@ -12197,8 +15256,8 @@
             </p:pic>
           </mc:Fallback>
         </mc:AlternateContent>
-        <mc:AlternateContent xmlns:mc="http://schemas.openxmlformats.org/markup-compatibility/2006">
-          <mc:Choice xmlns:p14="http://schemas.microsoft.com/office/powerpoint/2010/main" xmlns:aink="http://schemas.microsoft.com/office/drawing/2016/ink" Requires="p14 aink">
+        <mc:AlternateContent xmlns:mc="http://schemas.openxmlformats.org/markup-compatibility/2006" xmlns:p14="http://schemas.microsoft.com/office/powerpoint/2010/main" xmlns:aink="http://schemas.microsoft.com/office/drawing/2016/ink">
+          <mc:Choice Requires="p14 aink">
             <p:contentPart p14:bwMode="auto" r:id="rId26">
               <p14:nvContentPartPr>
                 <p14:cNvPr id="43" name="Ink 42">
@@ -12217,7 +15276,7 @@
               </p14:xfrm>
             </p:contentPart>
           </mc:Choice>
-          <mc:Fallback>
+          <mc:Fallback xmlns="">
             <p:pic>
               <p:nvPicPr>
                 <p:cNvPr id="43" name="Ink 42">
@@ -12248,8 +15307,8 @@
             </p:pic>
           </mc:Fallback>
         </mc:AlternateContent>
-        <mc:AlternateContent xmlns:mc="http://schemas.openxmlformats.org/markup-compatibility/2006">
-          <mc:Choice xmlns:p14="http://schemas.microsoft.com/office/powerpoint/2010/main" xmlns:aink="http://schemas.microsoft.com/office/drawing/2016/ink" Requires="p14 aink">
+        <mc:AlternateContent xmlns:mc="http://schemas.openxmlformats.org/markup-compatibility/2006" xmlns:p14="http://schemas.microsoft.com/office/powerpoint/2010/main" xmlns:aink="http://schemas.microsoft.com/office/drawing/2016/ink">
+          <mc:Choice Requires="p14 aink">
             <p:contentPart p14:bwMode="auto" r:id="rId28">
               <p14:nvContentPartPr>
                 <p14:cNvPr id="44" name="Ink 43">
@@ -12268,7 +15327,7 @@
               </p14:xfrm>
             </p:contentPart>
           </mc:Choice>
-          <mc:Fallback>
+          <mc:Fallback xmlns="">
             <p:pic>
               <p:nvPicPr>
                 <p:cNvPr id="44" name="Ink 43">
@@ -12320,8 +15379,8 @@
             <a:chExt cx="1433520" cy="2112120"/>
           </a:xfrm>
         </p:grpSpPr>
-        <mc:AlternateContent xmlns:mc="http://schemas.openxmlformats.org/markup-compatibility/2006">
-          <mc:Choice xmlns:p14="http://schemas.microsoft.com/office/powerpoint/2010/main" xmlns:aink="http://schemas.microsoft.com/office/drawing/2016/ink" Requires="p14 aink">
+        <mc:AlternateContent xmlns:mc="http://schemas.openxmlformats.org/markup-compatibility/2006" xmlns:p14="http://schemas.microsoft.com/office/powerpoint/2010/main" xmlns:aink="http://schemas.microsoft.com/office/drawing/2016/ink">
+          <mc:Choice Requires="p14 aink">
             <p:contentPart p14:bwMode="auto" r:id="rId30">
               <p14:nvContentPartPr>
                 <p14:cNvPr id="47" name="Ink 46">
@@ -12340,7 +15399,7 @@
               </p14:xfrm>
             </p:contentPart>
           </mc:Choice>
-          <mc:Fallback>
+          <mc:Fallback xmlns="">
             <p:pic>
               <p:nvPicPr>
                 <p:cNvPr id="47" name="Ink 46">
@@ -12371,8 +15430,8 @@
             </p:pic>
           </mc:Fallback>
         </mc:AlternateContent>
-        <mc:AlternateContent xmlns:mc="http://schemas.openxmlformats.org/markup-compatibility/2006">
-          <mc:Choice xmlns:p14="http://schemas.microsoft.com/office/powerpoint/2010/main" xmlns:aink="http://schemas.microsoft.com/office/drawing/2016/ink" Requires="p14 aink">
+        <mc:AlternateContent xmlns:mc="http://schemas.openxmlformats.org/markup-compatibility/2006" xmlns:p14="http://schemas.microsoft.com/office/powerpoint/2010/main" xmlns:aink="http://schemas.microsoft.com/office/drawing/2016/ink">
+          <mc:Choice Requires="p14 aink">
             <p:contentPart p14:bwMode="auto" r:id="rId32">
               <p14:nvContentPartPr>
                 <p14:cNvPr id="49" name="Ink 48">
@@ -12391,7 +15450,7 @@
               </p14:xfrm>
             </p:contentPart>
           </mc:Choice>
-          <mc:Fallback>
+          <mc:Fallback xmlns="">
             <p:pic>
               <p:nvPicPr>
                 <p:cNvPr id="49" name="Ink 48">
@@ -12422,8 +15481,8 @@
             </p:pic>
           </mc:Fallback>
         </mc:AlternateContent>
-        <mc:AlternateContent xmlns:mc="http://schemas.openxmlformats.org/markup-compatibility/2006">
-          <mc:Choice xmlns:p14="http://schemas.microsoft.com/office/powerpoint/2010/main" xmlns:aink="http://schemas.microsoft.com/office/drawing/2016/ink" Requires="p14 aink">
+        <mc:AlternateContent xmlns:mc="http://schemas.openxmlformats.org/markup-compatibility/2006" xmlns:p14="http://schemas.microsoft.com/office/powerpoint/2010/main" xmlns:aink="http://schemas.microsoft.com/office/drawing/2016/ink">
+          <mc:Choice Requires="p14 aink">
             <p:contentPart p14:bwMode="auto" r:id="rId34">
               <p14:nvContentPartPr>
                 <p14:cNvPr id="50" name="Ink 49">
@@ -12442,7 +15501,7 @@
               </p14:xfrm>
             </p:contentPart>
           </mc:Choice>
-          <mc:Fallback>
+          <mc:Fallback xmlns="">
             <p:pic>
               <p:nvPicPr>
                 <p:cNvPr id="50" name="Ink 49">
@@ -12474,8 +15533,8 @@
           </mc:Fallback>
         </mc:AlternateContent>
       </p:grpSp>
-      <mc:AlternateContent xmlns:mc="http://schemas.openxmlformats.org/markup-compatibility/2006">
-        <mc:Choice xmlns:p14="http://schemas.microsoft.com/office/powerpoint/2010/main" xmlns:aink="http://schemas.microsoft.com/office/drawing/2016/ink" Requires="p14 aink">
+      <mc:AlternateContent xmlns:mc="http://schemas.openxmlformats.org/markup-compatibility/2006" xmlns:p14="http://schemas.microsoft.com/office/powerpoint/2010/main" xmlns:aink="http://schemas.microsoft.com/office/drawing/2016/ink">
+        <mc:Choice Requires="p14 aink">
           <p:contentPart p14:bwMode="auto" r:id="rId36">
             <p14:nvContentPartPr>
               <p14:cNvPr id="58" name="Ink 57">
@@ -12494,7 +15553,7 @@
             </p14:xfrm>
           </p:contentPart>
         </mc:Choice>
-        <mc:Fallback>
+        <mc:Fallback xmlns="">
           <p:pic>
             <p:nvPicPr>
               <p:cNvPr id="58" name="Ink 57">
@@ -12525,8 +15584,8 @@
           </p:pic>
         </mc:Fallback>
       </mc:AlternateContent>
-      <mc:AlternateContent xmlns:mc="http://schemas.openxmlformats.org/markup-compatibility/2006">
-        <mc:Choice xmlns:p14="http://schemas.microsoft.com/office/powerpoint/2010/main" xmlns:aink="http://schemas.microsoft.com/office/drawing/2016/ink" Requires="p14 aink">
+      <mc:AlternateContent xmlns:mc="http://schemas.openxmlformats.org/markup-compatibility/2006" xmlns:p14="http://schemas.microsoft.com/office/powerpoint/2010/main" xmlns:aink="http://schemas.microsoft.com/office/drawing/2016/ink">
+        <mc:Choice Requires="p14 aink">
           <p:contentPart p14:bwMode="auto" r:id="rId38">
             <p14:nvContentPartPr>
               <p14:cNvPr id="61" name="Ink 60">
@@ -12545,7 +15604,7 @@
             </p14:xfrm>
           </p:contentPart>
         </mc:Choice>
-        <mc:Fallback>
+        <mc:Fallback xmlns="">
           <p:pic>
             <p:nvPicPr>
               <p:cNvPr id="61" name="Ink 60">
@@ -12576,8 +15635,8 @@
           </p:pic>
         </mc:Fallback>
       </mc:AlternateContent>
-      <mc:AlternateContent xmlns:mc="http://schemas.openxmlformats.org/markup-compatibility/2006">
-        <mc:Choice xmlns:p14="http://schemas.microsoft.com/office/powerpoint/2010/main" xmlns:aink="http://schemas.microsoft.com/office/drawing/2016/ink" Requires="p14 aink">
+      <mc:AlternateContent xmlns:mc="http://schemas.openxmlformats.org/markup-compatibility/2006" xmlns:p14="http://schemas.microsoft.com/office/powerpoint/2010/main" xmlns:aink="http://schemas.microsoft.com/office/drawing/2016/ink">
+        <mc:Choice Requires="p14 aink">
           <p:contentPart p14:bwMode="auto" r:id="rId40">
             <p14:nvContentPartPr>
               <p14:cNvPr id="7" name="Ink 6">
@@ -12596,7 +15655,7 @@
             </p14:xfrm>
           </p:contentPart>
         </mc:Choice>
-        <mc:Fallback>
+        <mc:Fallback xmlns="">
           <p:pic>
             <p:nvPicPr>
               <p:cNvPr id="7" name="Ink 6">
@@ -12627,8 +15686,8 @@
           </p:pic>
         </mc:Fallback>
       </mc:AlternateContent>
-      <mc:AlternateContent xmlns:mc="http://schemas.openxmlformats.org/markup-compatibility/2006">
-        <mc:Choice xmlns:p14="http://schemas.microsoft.com/office/powerpoint/2010/main" xmlns:aink="http://schemas.microsoft.com/office/drawing/2016/ink" Requires="p14 aink">
+      <mc:AlternateContent xmlns:mc="http://schemas.openxmlformats.org/markup-compatibility/2006" xmlns:p14="http://schemas.microsoft.com/office/powerpoint/2010/main" xmlns:aink="http://schemas.microsoft.com/office/drawing/2016/ink">
+        <mc:Choice Requires="p14 aink">
           <p:contentPart p14:bwMode="auto" r:id="rId42">
             <p14:nvContentPartPr>
               <p14:cNvPr id="8" name="Ink 7">
@@ -12647,7 +15706,7 @@
             </p14:xfrm>
           </p:contentPart>
         </mc:Choice>
-        <mc:Fallback>
+        <mc:Fallback xmlns="">
           <p:pic>
             <p:nvPicPr>
               <p:cNvPr id="8" name="Ink 7">
@@ -12678,8 +15737,8 @@
           </p:pic>
         </mc:Fallback>
       </mc:AlternateContent>
-      <mc:AlternateContent xmlns:mc="http://schemas.openxmlformats.org/markup-compatibility/2006">
-        <mc:Choice xmlns:p14="http://schemas.microsoft.com/office/powerpoint/2010/main" xmlns:aink="http://schemas.microsoft.com/office/drawing/2016/ink" Requires="p14 aink">
+      <mc:AlternateContent xmlns:mc="http://schemas.openxmlformats.org/markup-compatibility/2006" xmlns:p14="http://schemas.microsoft.com/office/powerpoint/2010/main" xmlns:aink="http://schemas.microsoft.com/office/drawing/2016/ink">
+        <mc:Choice Requires="p14 aink">
           <p:contentPart p14:bwMode="auto" r:id="rId44">
             <p14:nvContentPartPr>
               <p14:cNvPr id="9" name="Ink 8">
@@ -12698,7 +15757,7 @@
             </p14:xfrm>
           </p:contentPart>
         </mc:Choice>
-        <mc:Fallback>
+        <mc:Fallback xmlns="">
           <p:pic>
             <p:nvPicPr>
               <p:cNvPr id="9" name="Ink 8">
@@ -12729,8 +15788,8 @@
           </p:pic>
         </mc:Fallback>
       </mc:AlternateContent>
-      <mc:AlternateContent xmlns:mc="http://schemas.openxmlformats.org/markup-compatibility/2006">
-        <mc:Choice xmlns:p14="http://schemas.microsoft.com/office/powerpoint/2010/main" xmlns:aink="http://schemas.microsoft.com/office/drawing/2016/ink" Requires="p14 aink">
+      <mc:AlternateContent xmlns:mc="http://schemas.openxmlformats.org/markup-compatibility/2006" xmlns:p14="http://schemas.microsoft.com/office/powerpoint/2010/main" xmlns:aink="http://schemas.microsoft.com/office/drawing/2016/ink">
+        <mc:Choice Requires="p14 aink">
           <p:contentPart p14:bwMode="auto" r:id="rId46">
             <p14:nvContentPartPr>
               <p14:cNvPr id="11" name="Ink 10">
@@ -12749,7 +15808,7 @@
             </p14:xfrm>
           </p:contentPart>
         </mc:Choice>
-        <mc:Fallback>
+        <mc:Fallback xmlns="">
           <p:pic>
             <p:nvPicPr>
               <p:cNvPr id="11" name="Ink 10">
@@ -12800,8 +15859,8 @@
             <a:chExt cx="2985840" cy="393840"/>
           </a:xfrm>
         </p:grpSpPr>
-        <mc:AlternateContent xmlns:mc="http://schemas.openxmlformats.org/markup-compatibility/2006">
-          <mc:Choice xmlns:p14="http://schemas.microsoft.com/office/powerpoint/2010/main" xmlns:aink="http://schemas.microsoft.com/office/drawing/2016/ink" Requires="p14 aink">
+        <mc:AlternateContent xmlns:mc="http://schemas.openxmlformats.org/markup-compatibility/2006" xmlns:p14="http://schemas.microsoft.com/office/powerpoint/2010/main" xmlns:aink="http://schemas.microsoft.com/office/drawing/2016/ink">
+          <mc:Choice Requires="p14 aink">
             <p:contentPart p14:bwMode="auto" r:id="rId48">
               <p14:nvContentPartPr>
                 <p14:cNvPr id="13" name="Ink 12">
@@ -12820,7 +15879,7 @@
               </p14:xfrm>
             </p:contentPart>
           </mc:Choice>
-          <mc:Fallback>
+          <mc:Fallback xmlns="">
             <p:pic>
               <p:nvPicPr>
                 <p:cNvPr id="13" name="Ink 12">
@@ -12851,8 +15910,8 @@
             </p:pic>
           </mc:Fallback>
         </mc:AlternateContent>
-        <mc:AlternateContent xmlns:mc="http://schemas.openxmlformats.org/markup-compatibility/2006">
-          <mc:Choice xmlns:p14="http://schemas.microsoft.com/office/powerpoint/2010/main" xmlns:aink="http://schemas.microsoft.com/office/drawing/2016/ink" Requires="p14 aink">
+        <mc:AlternateContent xmlns:mc="http://schemas.openxmlformats.org/markup-compatibility/2006" xmlns:p14="http://schemas.microsoft.com/office/powerpoint/2010/main" xmlns:aink="http://schemas.microsoft.com/office/drawing/2016/ink">
+          <mc:Choice Requires="p14 aink">
             <p:contentPart p14:bwMode="auto" r:id="rId50">
               <p14:nvContentPartPr>
                 <p14:cNvPr id="15" name="Ink 14">
@@ -12871,7 +15930,7 @@
               </p14:xfrm>
             </p:contentPart>
           </mc:Choice>
-          <mc:Fallback>
+          <mc:Fallback xmlns="">
             <p:pic>
               <p:nvPicPr>
                 <p:cNvPr id="15" name="Ink 14">
@@ -12923,8 +15982,8 @@
             <a:chExt cx="2922120" cy="383760"/>
           </a:xfrm>
         </p:grpSpPr>
-        <mc:AlternateContent xmlns:mc="http://schemas.openxmlformats.org/markup-compatibility/2006">
-          <mc:Choice xmlns:p14="http://schemas.microsoft.com/office/powerpoint/2010/main" xmlns:aink="http://schemas.microsoft.com/office/drawing/2016/ink" Requires="p14 aink">
+        <mc:AlternateContent xmlns:mc="http://schemas.openxmlformats.org/markup-compatibility/2006" xmlns:p14="http://schemas.microsoft.com/office/powerpoint/2010/main" xmlns:aink="http://schemas.microsoft.com/office/drawing/2016/ink">
+          <mc:Choice Requires="p14 aink">
             <p:contentPart p14:bwMode="auto" r:id="rId52">
               <p14:nvContentPartPr>
                 <p14:cNvPr id="17" name="Ink 16">
@@ -12943,7 +16002,7 @@
               </p14:xfrm>
             </p:contentPart>
           </mc:Choice>
-          <mc:Fallback>
+          <mc:Fallback xmlns="">
             <p:pic>
               <p:nvPicPr>
                 <p:cNvPr id="17" name="Ink 16">
@@ -12974,8 +16033,8 @@
             </p:pic>
           </mc:Fallback>
         </mc:AlternateContent>
-        <mc:AlternateContent xmlns:mc="http://schemas.openxmlformats.org/markup-compatibility/2006">
-          <mc:Choice xmlns:p14="http://schemas.microsoft.com/office/powerpoint/2010/main" xmlns:aink="http://schemas.microsoft.com/office/drawing/2016/ink" Requires="p14 aink">
+        <mc:AlternateContent xmlns:mc="http://schemas.openxmlformats.org/markup-compatibility/2006" xmlns:p14="http://schemas.microsoft.com/office/powerpoint/2010/main" xmlns:aink="http://schemas.microsoft.com/office/drawing/2016/ink">
+          <mc:Choice Requires="p14 aink">
             <p:contentPart p14:bwMode="auto" r:id="rId54">
               <p14:nvContentPartPr>
                 <p14:cNvPr id="18" name="Ink 17">
@@ -12994,7 +16053,7 @@
               </p14:xfrm>
             </p:contentPart>
           </mc:Choice>
-          <mc:Fallback>
+          <mc:Fallback xmlns="">
             <p:pic>
               <p:nvPicPr>
                 <p:cNvPr id="18" name="Ink 17">
@@ -13046,8 +16105,8 @@
             <a:chExt cx="991800" cy="327960"/>
           </a:xfrm>
         </p:grpSpPr>
-        <mc:AlternateContent xmlns:mc="http://schemas.openxmlformats.org/markup-compatibility/2006">
-          <mc:Choice xmlns:p14="http://schemas.microsoft.com/office/powerpoint/2010/main" xmlns:aink="http://schemas.microsoft.com/office/drawing/2016/ink" Requires="p14 aink">
+        <mc:AlternateContent xmlns:mc="http://schemas.openxmlformats.org/markup-compatibility/2006" xmlns:p14="http://schemas.microsoft.com/office/powerpoint/2010/main" xmlns:aink="http://schemas.microsoft.com/office/drawing/2016/ink">
+          <mc:Choice Requires="p14 aink">
             <p:contentPart p14:bwMode="auto" r:id="rId56">
               <p14:nvContentPartPr>
                 <p14:cNvPr id="20" name="Ink 19">
@@ -13066,7 +16125,7 @@
               </p14:xfrm>
             </p:contentPart>
           </mc:Choice>
-          <mc:Fallback>
+          <mc:Fallback xmlns="">
             <p:pic>
               <p:nvPicPr>
                 <p:cNvPr id="20" name="Ink 19">
@@ -13097,8 +16156,8 @@
             </p:pic>
           </mc:Fallback>
         </mc:AlternateContent>
-        <mc:AlternateContent xmlns:mc="http://schemas.openxmlformats.org/markup-compatibility/2006">
-          <mc:Choice xmlns:p14="http://schemas.microsoft.com/office/powerpoint/2010/main" xmlns:aink="http://schemas.microsoft.com/office/drawing/2016/ink" Requires="p14 aink">
+        <mc:AlternateContent xmlns:mc="http://schemas.openxmlformats.org/markup-compatibility/2006" xmlns:p14="http://schemas.microsoft.com/office/powerpoint/2010/main" xmlns:aink="http://schemas.microsoft.com/office/drawing/2016/ink">
+          <mc:Choice Requires="p14 aink">
             <p:contentPart p14:bwMode="auto" r:id="rId58">
               <p14:nvContentPartPr>
                 <p14:cNvPr id="21" name="Ink 20">
@@ -13117,7 +16176,7 @@
               </p14:xfrm>
             </p:contentPart>
           </mc:Choice>
-          <mc:Fallback>
+          <mc:Fallback xmlns="">
             <p:pic>
               <p:nvPicPr>
                 <p:cNvPr id="21" name="Ink 20">
@@ -13169,8 +16228,8 @@
             <a:chExt cx="999720" cy="507600"/>
           </a:xfrm>
         </p:grpSpPr>
-        <mc:AlternateContent xmlns:mc="http://schemas.openxmlformats.org/markup-compatibility/2006">
-          <mc:Choice xmlns:p14="http://schemas.microsoft.com/office/powerpoint/2010/main" xmlns:aink="http://schemas.microsoft.com/office/drawing/2016/ink" Requires="p14 aink">
+        <mc:AlternateContent xmlns:mc="http://schemas.openxmlformats.org/markup-compatibility/2006" xmlns:p14="http://schemas.microsoft.com/office/powerpoint/2010/main" xmlns:aink="http://schemas.microsoft.com/office/drawing/2016/ink">
+          <mc:Choice Requires="p14 aink">
             <p:contentPart p14:bwMode="auto" r:id="rId60">
               <p14:nvContentPartPr>
                 <p14:cNvPr id="23" name="Ink 22">
@@ -13189,7 +16248,7 @@
               </p14:xfrm>
             </p:contentPart>
           </mc:Choice>
-          <mc:Fallback>
+          <mc:Fallback xmlns="">
             <p:pic>
               <p:nvPicPr>
                 <p:cNvPr id="23" name="Ink 22">
@@ -13220,8 +16279,8 @@
             </p:pic>
           </mc:Fallback>
         </mc:AlternateContent>
-        <mc:AlternateContent xmlns:mc="http://schemas.openxmlformats.org/markup-compatibility/2006">
-          <mc:Choice xmlns:p14="http://schemas.microsoft.com/office/powerpoint/2010/main" xmlns:aink="http://schemas.microsoft.com/office/drawing/2016/ink" Requires="p14 aink">
+        <mc:AlternateContent xmlns:mc="http://schemas.openxmlformats.org/markup-compatibility/2006" xmlns:p14="http://schemas.microsoft.com/office/powerpoint/2010/main" xmlns:aink="http://schemas.microsoft.com/office/drawing/2016/ink">
+          <mc:Choice Requires="p14 aink">
             <p:contentPart p14:bwMode="auto" r:id="rId62">
               <p14:nvContentPartPr>
                 <p14:cNvPr id="24" name="Ink 23">
@@ -13240,7 +16299,7 @@
               </p14:xfrm>
             </p:contentPart>
           </mc:Choice>
-          <mc:Fallback>
+          <mc:Fallback xmlns="">
             <p:pic>
               <p:nvPicPr>
                 <p:cNvPr id="24" name="Ink 23">
@@ -13285,7 +16344,7 @@
 </p:sld>
 </file>
 
-<file path=ppt/slides/slide7.xml><?xml version="1.0" encoding="utf-8"?>
+<file path=ppt/slides/slide8.xml><?xml version="1.0" encoding="utf-8"?>
 <p:sld xmlns:a="http://schemas.openxmlformats.org/drawingml/2006/main" xmlns:r="http://schemas.openxmlformats.org/officeDocument/2006/relationships" xmlns:p="http://schemas.openxmlformats.org/presentationml/2006/main">
   <p:cSld>
     <p:bg>
@@ -13330,8 +16389,8 @@
           <a:chExt cx="0" cy="0"/>
         </a:xfrm>
       </p:grpSpPr>
-      <mc:AlternateContent xmlns:mc="http://schemas.openxmlformats.org/markup-compatibility/2006">
-        <mc:Choice xmlns:p14="http://schemas.microsoft.com/office/powerpoint/2010/main" xmlns:aink="http://schemas.microsoft.com/office/drawing/2016/ink" Requires="p14 aink">
+      <mc:AlternateContent xmlns:mc="http://schemas.openxmlformats.org/markup-compatibility/2006" xmlns:p14="http://schemas.microsoft.com/office/powerpoint/2010/main" xmlns:aink="http://schemas.microsoft.com/office/drawing/2016/ink">
+        <mc:Choice Requires="p14 aink">
           <p:contentPart p14:bwMode="auto" r:id="rId2">
             <p14:nvContentPartPr>
               <p14:cNvPr id="2" name="Ink 1">
@@ -13350,7 +16409,7 @@
             </p14:xfrm>
           </p:contentPart>
         </mc:Choice>
-        <mc:Fallback>
+        <mc:Fallback xmlns="">
           <p:pic>
             <p:nvPicPr>
               <p:cNvPr id="2" name="Ink 1">
@@ -13381,8 +16440,8 @@
           </p:pic>
         </mc:Fallback>
       </mc:AlternateContent>
-      <mc:AlternateContent xmlns:mc="http://schemas.openxmlformats.org/markup-compatibility/2006">
-        <mc:Choice xmlns:p14="http://schemas.microsoft.com/office/powerpoint/2010/main" xmlns:aink="http://schemas.microsoft.com/office/drawing/2016/ink" Requires="p14 aink">
+      <mc:AlternateContent xmlns:mc="http://schemas.openxmlformats.org/markup-compatibility/2006" xmlns:p14="http://schemas.microsoft.com/office/powerpoint/2010/main" xmlns:aink="http://schemas.microsoft.com/office/drawing/2016/ink">
+        <mc:Choice Requires="p14 aink">
           <p:contentPart p14:bwMode="auto" r:id="rId4">
             <p14:nvContentPartPr>
               <p14:cNvPr id="6" name="Ink 5">
@@ -13401,7 +16460,7 @@
             </p14:xfrm>
           </p:contentPart>
         </mc:Choice>
-        <mc:Fallback>
+        <mc:Fallback xmlns="">
           <p:pic>
             <p:nvPicPr>
               <p:cNvPr id="6" name="Ink 5">
@@ -13432,8 +16491,8 @@
           </p:pic>
         </mc:Fallback>
       </mc:AlternateContent>
-      <mc:AlternateContent xmlns:mc="http://schemas.openxmlformats.org/markup-compatibility/2006">
-        <mc:Choice xmlns:p14="http://schemas.microsoft.com/office/powerpoint/2010/main" xmlns:aink="http://schemas.microsoft.com/office/drawing/2016/ink" Requires="p14 aink">
+      <mc:AlternateContent xmlns:mc="http://schemas.openxmlformats.org/markup-compatibility/2006" xmlns:p14="http://schemas.microsoft.com/office/powerpoint/2010/main" xmlns:aink="http://schemas.microsoft.com/office/drawing/2016/ink">
+        <mc:Choice Requires="p14 aink">
           <p:contentPart p14:bwMode="auto" r:id="rId6">
             <p14:nvContentPartPr>
               <p14:cNvPr id="10" name="Ink 9">
@@ -13452,7 +16511,7 @@
             </p14:xfrm>
           </p:contentPart>
         </mc:Choice>
-        <mc:Fallback>
+        <mc:Fallback xmlns="">
           <p:pic>
             <p:nvPicPr>
               <p:cNvPr id="10" name="Ink 9">
@@ -13483,8 +16542,8 @@
           </p:pic>
         </mc:Fallback>
       </mc:AlternateContent>
-      <mc:AlternateContent xmlns:mc="http://schemas.openxmlformats.org/markup-compatibility/2006">
-        <mc:Choice xmlns:p14="http://schemas.microsoft.com/office/powerpoint/2010/main" xmlns:aink="http://schemas.microsoft.com/office/drawing/2016/ink" Requires="p14 aink">
+      <mc:AlternateContent xmlns:mc="http://schemas.openxmlformats.org/markup-compatibility/2006" xmlns:p14="http://schemas.microsoft.com/office/powerpoint/2010/main" xmlns:aink="http://schemas.microsoft.com/office/drawing/2016/ink">
+        <mc:Choice Requires="p14 aink">
           <p:contentPart p14:bwMode="auto" r:id="rId8">
             <p14:nvContentPartPr>
               <p14:cNvPr id="12" name="Ink 11">
@@ -13503,7 +16562,7 @@
             </p14:xfrm>
           </p:contentPart>
         </mc:Choice>
-        <mc:Fallback>
+        <mc:Fallback xmlns="">
           <p:pic>
             <p:nvPicPr>
               <p:cNvPr id="12" name="Ink 11">
@@ -13534,8 +16593,8 @@
           </p:pic>
         </mc:Fallback>
       </mc:AlternateContent>
-      <mc:AlternateContent xmlns:mc="http://schemas.openxmlformats.org/markup-compatibility/2006">
-        <mc:Choice xmlns:p14="http://schemas.microsoft.com/office/powerpoint/2010/main" xmlns:aink="http://schemas.microsoft.com/office/drawing/2016/ink" Requires="p14 aink">
+      <mc:AlternateContent xmlns:mc="http://schemas.openxmlformats.org/markup-compatibility/2006" xmlns:p14="http://schemas.microsoft.com/office/powerpoint/2010/main" xmlns:aink="http://schemas.microsoft.com/office/drawing/2016/ink">
+        <mc:Choice Requires="p14 aink">
           <p:contentPart p14:bwMode="auto" r:id="rId10">
             <p14:nvContentPartPr>
               <p14:cNvPr id="14" name="Ink 13">
@@ -13554,7 +16613,7 @@
             </p14:xfrm>
           </p:contentPart>
         </mc:Choice>
-        <mc:Fallback>
+        <mc:Fallback xmlns="">
           <p:pic>
             <p:nvPicPr>
               <p:cNvPr id="14" name="Ink 13">
@@ -13605,8 +16664,8 @@
             <a:chExt cx="2630520" cy="3638160"/>
           </a:xfrm>
         </p:grpSpPr>
-        <mc:AlternateContent xmlns:mc="http://schemas.openxmlformats.org/markup-compatibility/2006">
-          <mc:Choice xmlns:p14="http://schemas.microsoft.com/office/powerpoint/2010/main" xmlns:aink="http://schemas.microsoft.com/office/drawing/2016/ink" Requires="p14 aink">
+        <mc:AlternateContent xmlns:mc="http://schemas.openxmlformats.org/markup-compatibility/2006" xmlns:p14="http://schemas.microsoft.com/office/powerpoint/2010/main" xmlns:aink="http://schemas.microsoft.com/office/drawing/2016/ink">
+          <mc:Choice Requires="p14 aink">
             <p:contentPart p14:bwMode="auto" r:id="rId12">
               <p14:nvContentPartPr>
                 <p14:cNvPr id="27" name="Ink 26">
@@ -13625,7 +16684,7 @@
               </p14:xfrm>
             </p:contentPart>
           </mc:Choice>
-          <mc:Fallback>
+          <mc:Fallback xmlns="">
             <p:pic>
               <p:nvPicPr>
                 <p:cNvPr id="27" name="Ink 26">
@@ -13656,8 +16715,8 @@
             </p:pic>
           </mc:Fallback>
         </mc:AlternateContent>
-        <mc:AlternateContent xmlns:mc="http://schemas.openxmlformats.org/markup-compatibility/2006">
-          <mc:Choice xmlns:p14="http://schemas.microsoft.com/office/powerpoint/2010/main" xmlns:aink="http://schemas.microsoft.com/office/drawing/2016/ink" Requires="p14 aink">
+        <mc:AlternateContent xmlns:mc="http://schemas.openxmlformats.org/markup-compatibility/2006" xmlns:p14="http://schemas.microsoft.com/office/powerpoint/2010/main" xmlns:aink="http://schemas.microsoft.com/office/drawing/2016/ink">
+          <mc:Choice Requires="p14 aink">
             <p:contentPart p14:bwMode="auto" r:id="rId14">
               <p14:nvContentPartPr>
                 <p14:cNvPr id="29" name="Ink 28">
@@ -13676,7 +16735,7 @@
               </p14:xfrm>
             </p:contentPart>
           </mc:Choice>
-          <mc:Fallback>
+          <mc:Fallback xmlns="">
             <p:pic>
               <p:nvPicPr>
                 <p:cNvPr id="29" name="Ink 28">
@@ -13707,8 +16766,8 @@
             </p:pic>
           </mc:Fallback>
         </mc:AlternateContent>
-        <mc:AlternateContent xmlns:mc="http://schemas.openxmlformats.org/markup-compatibility/2006">
-          <mc:Choice xmlns:p14="http://schemas.microsoft.com/office/powerpoint/2010/main" xmlns:aink="http://schemas.microsoft.com/office/drawing/2016/ink" Requires="p14 aink">
+        <mc:AlternateContent xmlns:mc="http://schemas.openxmlformats.org/markup-compatibility/2006" xmlns:p14="http://schemas.microsoft.com/office/powerpoint/2010/main" xmlns:aink="http://schemas.microsoft.com/office/drawing/2016/ink">
+          <mc:Choice Requires="p14 aink">
             <p:contentPart p14:bwMode="auto" r:id="rId16">
               <p14:nvContentPartPr>
                 <p14:cNvPr id="30" name="Ink 29">
@@ -13727,7 +16786,7 @@
               </p14:xfrm>
             </p:contentPart>
           </mc:Choice>
-          <mc:Fallback>
+          <mc:Fallback xmlns="">
             <p:pic>
               <p:nvPicPr>
                 <p:cNvPr id="30" name="Ink 29">
@@ -13779,8 +16838,8 @@
             <a:chExt cx="1433520" cy="2112120"/>
           </a:xfrm>
         </p:grpSpPr>
-        <mc:AlternateContent xmlns:mc="http://schemas.openxmlformats.org/markup-compatibility/2006">
-          <mc:Choice xmlns:p14="http://schemas.microsoft.com/office/powerpoint/2010/main" xmlns:aink="http://schemas.microsoft.com/office/drawing/2016/ink" Requires="p14 aink">
+        <mc:AlternateContent xmlns:mc="http://schemas.openxmlformats.org/markup-compatibility/2006" xmlns:p14="http://schemas.microsoft.com/office/powerpoint/2010/main" xmlns:aink="http://schemas.microsoft.com/office/drawing/2016/ink">
+          <mc:Choice Requires="p14 aink">
             <p:contentPart p14:bwMode="auto" r:id="rId18">
               <p14:nvContentPartPr>
                 <p14:cNvPr id="32" name="Ink 31">
@@ -13799,7 +16858,7 @@
               </p14:xfrm>
             </p:contentPart>
           </mc:Choice>
-          <mc:Fallback>
+          <mc:Fallback xmlns="">
             <p:pic>
               <p:nvPicPr>
                 <p:cNvPr id="32" name="Ink 31">
@@ -13830,8 +16889,8 @@
             </p:pic>
           </mc:Fallback>
         </mc:AlternateContent>
-        <mc:AlternateContent xmlns:mc="http://schemas.openxmlformats.org/markup-compatibility/2006">
-          <mc:Choice xmlns:p14="http://schemas.microsoft.com/office/powerpoint/2010/main" xmlns:aink="http://schemas.microsoft.com/office/drawing/2016/ink" Requires="p14 aink">
+        <mc:AlternateContent xmlns:mc="http://schemas.openxmlformats.org/markup-compatibility/2006" xmlns:p14="http://schemas.microsoft.com/office/powerpoint/2010/main" xmlns:aink="http://schemas.microsoft.com/office/drawing/2016/ink">
+          <mc:Choice Requires="p14 aink">
             <p:contentPart p14:bwMode="auto" r:id="rId20">
               <p14:nvContentPartPr>
                 <p14:cNvPr id="36" name="Ink 35">
@@ -13850,7 +16909,7 @@
               </p14:xfrm>
             </p:contentPart>
           </mc:Choice>
-          <mc:Fallback>
+          <mc:Fallback xmlns="">
             <p:pic>
               <p:nvPicPr>
                 <p:cNvPr id="36" name="Ink 35">
@@ -13881,8 +16940,8 @@
             </p:pic>
           </mc:Fallback>
         </mc:AlternateContent>
-        <mc:AlternateContent xmlns:mc="http://schemas.openxmlformats.org/markup-compatibility/2006">
-          <mc:Choice xmlns:p14="http://schemas.microsoft.com/office/powerpoint/2010/main" xmlns:aink="http://schemas.microsoft.com/office/drawing/2016/ink" Requires="p14 aink">
+        <mc:AlternateContent xmlns:mc="http://schemas.openxmlformats.org/markup-compatibility/2006" xmlns:p14="http://schemas.microsoft.com/office/powerpoint/2010/main" xmlns:aink="http://schemas.microsoft.com/office/drawing/2016/ink">
+          <mc:Choice Requires="p14 aink">
             <p:contentPart p14:bwMode="auto" r:id="rId22">
               <p14:nvContentPartPr>
                 <p14:cNvPr id="38" name="Ink 37">
@@ -13901,7 +16960,7 @@
               </p14:xfrm>
             </p:contentPart>
           </mc:Choice>
-          <mc:Fallback>
+          <mc:Fallback xmlns="">
             <p:pic>
               <p:nvPicPr>
                 <p:cNvPr id="38" name="Ink 37">
@@ -13953,8 +17012,8 @@
             <a:chExt cx="2630520" cy="3638160"/>
           </a:xfrm>
         </p:grpSpPr>
-        <mc:AlternateContent xmlns:mc="http://schemas.openxmlformats.org/markup-compatibility/2006">
-          <mc:Choice xmlns:p14="http://schemas.microsoft.com/office/powerpoint/2010/main" xmlns:aink="http://schemas.microsoft.com/office/drawing/2016/ink" Requires="p14 aink">
+        <mc:AlternateContent xmlns:mc="http://schemas.openxmlformats.org/markup-compatibility/2006" xmlns:p14="http://schemas.microsoft.com/office/powerpoint/2010/main" xmlns:aink="http://schemas.microsoft.com/office/drawing/2016/ink">
+          <mc:Choice Requires="p14 aink">
             <p:contentPart p14:bwMode="auto" r:id="rId24">
               <p14:nvContentPartPr>
                 <p14:cNvPr id="42" name="Ink 41">
@@ -13973,7 +17032,7 @@
               </p14:xfrm>
             </p:contentPart>
           </mc:Choice>
-          <mc:Fallback>
+          <mc:Fallback xmlns="">
             <p:pic>
               <p:nvPicPr>
                 <p:cNvPr id="42" name="Ink 41">
@@ -14004,8 +17063,8 @@
             </p:pic>
           </mc:Fallback>
         </mc:AlternateContent>
-        <mc:AlternateContent xmlns:mc="http://schemas.openxmlformats.org/markup-compatibility/2006">
-          <mc:Choice xmlns:p14="http://schemas.microsoft.com/office/powerpoint/2010/main" xmlns:aink="http://schemas.microsoft.com/office/drawing/2016/ink" Requires="p14 aink">
+        <mc:AlternateContent xmlns:mc="http://schemas.openxmlformats.org/markup-compatibility/2006" xmlns:p14="http://schemas.microsoft.com/office/powerpoint/2010/main" xmlns:aink="http://schemas.microsoft.com/office/drawing/2016/ink">
+          <mc:Choice Requires="p14 aink">
             <p:contentPart p14:bwMode="auto" r:id="rId26">
               <p14:nvContentPartPr>
                 <p14:cNvPr id="43" name="Ink 42">
@@ -14024,7 +17083,7 @@
               </p14:xfrm>
             </p:contentPart>
           </mc:Choice>
-          <mc:Fallback>
+          <mc:Fallback xmlns="">
             <p:pic>
               <p:nvPicPr>
                 <p:cNvPr id="43" name="Ink 42">
@@ -14055,8 +17114,8 @@
             </p:pic>
           </mc:Fallback>
         </mc:AlternateContent>
-        <mc:AlternateContent xmlns:mc="http://schemas.openxmlformats.org/markup-compatibility/2006">
-          <mc:Choice xmlns:p14="http://schemas.microsoft.com/office/powerpoint/2010/main" xmlns:aink="http://schemas.microsoft.com/office/drawing/2016/ink" Requires="p14 aink">
+        <mc:AlternateContent xmlns:mc="http://schemas.openxmlformats.org/markup-compatibility/2006" xmlns:p14="http://schemas.microsoft.com/office/powerpoint/2010/main" xmlns:aink="http://schemas.microsoft.com/office/drawing/2016/ink">
+          <mc:Choice Requires="p14 aink">
             <p:contentPart p14:bwMode="auto" r:id="rId28">
               <p14:nvContentPartPr>
                 <p14:cNvPr id="44" name="Ink 43">
@@ -14075,7 +17134,7 @@
               </p14:xfrm>
             </p:contentPart>
           </mc:Choice>
-          <mc:Fallback>
+          <mc:Fallback xmlns="">
             <p:pic>
               <p:nvPicPr>
                 <p:cNvPr id="44" name="Ink 43">
@@ -14127,8 +17186,8 @@
             <a:chExt cx="1433520" cy="2112120"/>
           </a:xfrm>
         </p:grpSpPr>
-        <mc:AlternateContent xmlns:mc="http://schemas.openxmlformats.org/markup-compatibility/2006">
-          <mc:Choice xmlns:p14="http://schemas.microsoft.com/office/powerpoint/2010/main" xmlns:aink="http://schemas.microsoft.com/office/drawing/2016/ink" Requires="p14 aink">
+        <mc:AlternateContent xmlns:mc="http://schemas.openxmlformats.org/markup-compatibility/2006" xmlns:p14="http://schemas.microsoft.com/office/powerpoint/2010/main" xmlns:aink="http://schemas.microsoft.com/office/drawing/2016/ink">
+          <mc:Choice Requires="p14 aink">
             <p:contentPart p14:bwMode="auto" r:id="rId30">
               <p14:nvContentPartPr>
                 <p14:cNvPr id="47" name="Ink 46">
@@ -14147,7 +17206,7 @@
               </p14:xfrm>
             </p:contentPart>
           </mc:Choice>
-          <mc:Fallback>
+          <mc:Fallback xmlns="">
             <p:pic>
               <p:nvPicPr>
                 <p:cNvPr id="47" name="Ink 46">
@@ -14178,8 +17237,8 @@
             </p:pic>
           </mc:Fallback>
         </mc:AlternateContent>
-        <mc:AlternateContent xmlns:mc="http://schemas.openxmlformats.org/markup-compatibility/2006">
-          <mc:Choice xmlns:p14="http://schemas.microsoft.com/office/powerpoint/2010/main" xmlns:aink="http://schemas.microsoft.com/office/drawing/2016/ink" Requires="p14 aink">
+        <mc:AlternateContent xmlns:mc="http://schemas.openxmlformats.org/markup-compatibility/2006" xmlns:p14="http://schemas.microsoft.com/office/powerpoint/2010/main" xmlns:aink="http://schemas.microsoft.com/office/drawing/2016/ink">
+          <mc:Choice Requires="p14 aink">
             <p:contentPart p14:bwMode="auto" r:id="rId32">
               <p14:nvContentPartPr>
                 <p14:cNvPr id="49" name="Ink 48">
@@ -14198,7 +17257,7 @@
               </p14:xfrm>
             </p:contentPart>
           </mc:Choice>
-          <mc:Fallback>
+          <mc:Fallback xmlns="">
             <p:pic>
               <p:nvPicPr>
                 <p:cNvPr id="49" name="Ink 48">
@@ -14229,8 +17288,8 @@
             </p:pic>
           </mc:Fallback>
         </mc:AlternateContent>
-        <mc:AlternateContent xmlns:mc="http://schemas.openxmlformats.org/markup-compatibility/2006">
-          <mc:Choice xmlns:p14="http://schemas.microsoft.com/office/powerpoint/2010/main" xmlns:aink="http://schemas.microsoft.com/office/drawing/2016/ink" Requires="p14 aink">
+        <mc:AlternateContent xmlns:mc="http://schemas.openxmlformats.org/markup-compatibility/2006" xmlns:p14="http://schemas.microsoft.com/office/powerpoint/2010/main" xmlns:aink="http://schemas.microsoft.com/office/drawing/2016/ink">
+          <mc:Choice Requires="p14 aink">
             <p:contentPart p14:bwMode="auto" r:id="rId34">
               <p14:nvContentPartPr>
                 <p14:cNvPr id="50" name="Ink 49">
@@ -14249,7 +17308,7 @@
               </p14:xfrm>
             </p:contentPart>
           </mc:Choice>
-          <mc:Fallback>
+          <mc:Fallback xmlns="">
             <p:pic>
               <p:nvPicPr>
                 <p:cNvPr id="50" name="Ink 49">
@@ -14281,8 +17340,8 @@
           </mc:Fallback>
         </mc:AlternateContent>
       </p:grpSp>
-      <mc:AlternateContent xmlns:mc="http://schemas.openxmlformats.org/markup-compatibility/2006">
-        <mc:Choice xmlns:p14="http://schemas.microsoft.com/office/powerpoint/2010/main" xmlns:aink="http://schemas.microsoft.com/office/drawing/2016/ink" Requires="p14 aink">
+      <mc:AlternateContent xmlns:mc="http://schemas.openxmlformats.org/markup-compatibility/2006" xmlns:p14="http://schemas.microsoft.com/office/powerpoint/2010/main" xmlns:aink="http://schemas.microsoft.com/office/drawing/2016/ink">
+        <mc:Choice Requires="p14 aink">
           <p:contentPart p14:bwMode="auto" r:id="rId36">
             <p14:nvContentPartPr>
               <p14:cNvPr id="58" name="Ink 57">
@@ -14301,7 +17360,7 @@
             </p14:xfrm>
           </p:contentPart>
         </mc:Choice>
-        <mc:Fallback>
+        <mc:Fallback xmlns="">
           <p:pic>
             <p:nvPicPr>
               <p:cNvPr id="58" name="Ink 57">
@@ -14332,8 +17391,8 @@
           </p:pic>
         </mc:Fallback>
       </mc:AlternateContent>
-      <mc:AlternateContent xmlns:mc="http://schemas.openxmlformats.org/markup-compatibility/2006">
-        <mc:Choice xmlns:p14="http://schemas.microsoft.com/office/powerpoint/2010/main" xmlns:aink="http://schemas.microsoft.com/office/drawing/2016/ink" Requires="p14 aink">
+      <mc:AlternateContent xmlns:mc="http://schemas.openxmlformats.org/markup-compatibility/2006" xmlns:p14="http://schemas.microsoft.com/office/powerpoint/2010/main" xmlns:aink="http://schemas.microsoft.com/office/drawing/2016/ink">
+        <mc:Choice Requires="p14 aink">
           <p:contentPart p14:bwMode="auto" r:id="rId38">
             <p14:nvContentPartPr>
               <p14:cNvPr id="61" name="Ink 60">
@@ -14352,7 +17411,7 @@
             </p14:xfrm>
           </p:contentPart>
         </mc:Choice>
-        <mc:Fallback>
+        <mc:Fallback xmlns="">
           <p:pic>
             <p:nvPicPr>
               <p:cNvPr id="61" name="Ink 60">
@@ -14383,8 +17442,8 @@
           </p:pic>
         </mc:Fallback>
       </mc:AlternateContent>
-      <mc:AlternateContent xmlns:mc="http://schemas.openxmlformats.org/markup-compatibility/2006">
-        <mc:Choice xmlns:p14="http://schemas.microsoft.com/office/powerpoint/2010/main" xmlns:aink="http://schemas.microsoft.com/office/drawing/2016/ink" Requires="p14 aink">
+      <mc:AlternateContent xmlns:mc="http://schemas.openxmlformats.org/markup-compatibility/2006" xmlns:p14="http://schemas.microsoft.com/office/powerpoint/2010/main" xmlns:aink="http://schemas.microsoft.com/office/drawing/2016/ink">
+        <mc:Choice Requires="p14 aink">
           <p:contentPart p14:bwMode="auto" r:id="rId40">
             <p14:nvContentPartPr>
               <p14:cNvPr id="7" name="Ink 6">
@@ -14403,7 +17462,7 @@
             </p14:xfrm>
           </p:contentPart>
         </mc:Choice>
-        <mc:Fallback>
+        <mc:Fallback xmlns="">
           <p:pic>
             <p:nvPicPr>
               <p:cNvPr id="7" name="Ink 6">
@@ -14434,8 +17493,8 @@
           </p:pic>
         </mc:Fallback>
       </mc:AlternateContent>
-      <mc:AlternateContent xmlns:mc="http://schemas.openxmlformats.org/markup-compatibility/2006">
-        <mc:Choice xmlns:p14="http://schemas.microsoft.com/office/powerpoint/2010/main" xmlns:aink="http://schemas.microsoft.com/office/drawing/2016/ink" Requires="p14 aink">
+      <mc:AlternateContent xmlns:mc="http://schemas.openxmlformats.org/markup-compatibility/2006" xmlns:p14="http://schemas.microsoft.com/office/powerpoint/2010/main" xmlns:aink="http://schemas.microsoft.com/office/drawing/2016/ink">
+        <mc:Choice Requires="p14 aink">
           <p:contentPart p14:bwMode="auto" r:id="rId42">
             <p14:nvContentPartPr>
               <p14:cNvPr id="9" name="Ink 8">
@@ -14454,7 +17513,7 @@
             </p14:xfrm>
           </p:contentPart>
         </mc:Choice>
-        <mc:Fallback>
+        <mc:Fallback xmlns="">
           <p:pic>
             <p:nvPicPr>
               <p:cNvPr id="9" name="Ink 8">
@@ -14485,8 +17544,8 @@
           </p:pic>
         </mc:Fallback>
       </mc:AlternateContent>
-      <mc:AlternateContent xmlns:mc="http://schemas.openxmlformats.org/markup-compatibility/2006">
-        <mc:Choice xmlns:p14="http://schemas.microsoft.com/office/powerpoint/2010/main" xmlns:aink="http://schemas.microsoft.com/office/drawing/2016/ink" Requires="p14 aink">
+      <mc:AlternateContent xmlns:mc="http://schemas.openxmlformats.org/markup-compatibility/2006" xmlns:p14="http://schemas.microsoft.com/office/powerpoint/2010/main" xmlns:aink="http://schemas.microsoft.com/office/drawing/2016/ink">
+        <mc:Choice Requires="p14 aink">
           <p:contentPart p14:bwMode="auto" r:id="rId44">
             <p14:nvContentPartPr>
               <p14:cNvPr id="11" name="Ink 10">
@@ -14505,7 +17564,7 @@
             </p14:xfrm>
           </p:contentPart>
         </mc:Choice>
-        <mc:Fallback>
+        <mc:Fallback xmlns="">
           <p:pic>
             <p:nvPicPr>
               <p:cNvPr id="11" name="Ink 10">
@@ -14556,8 +17615,8 @@
             <a:chExt cx="1769760" cy="370080"/>
           </a:xfrm>
         </p:grpSpPr>
-        <mc:AlternateContent xmlns:mc="http://schemas.openxmlformats.org/markup-compatibility/2006">
-          <mc:Choice xmlns:p14="http://schemas.microsoft.com/office/powerpoint/2010/main" xmlns:aink="http://schemas.microsoft.com/office/drawing/2016/ink" Requires="p14 aink">
+        <mc:AlternateContent xmlns:mc="http://schemas.openxmlformats.org/markup-compatibility/2006" xmlns:p14="http://schemas.microsoft.com/office/powerpoint/2010/main" xmlns:aink="http://schemas.microsoft.com/office/drawing/2016/ink">
+          <mc:Choice Requires="p14 aink">
             <p:contentPart p14:bwMode="auto" r:id="rId46">
               <p14:nvContentPartPr>
                 <p14:cNvPr id="3" name="Ink 2">
@@ -14576,7 +17635,7 @@
               </p14:xfrm>
             </p:contentPart>
           </mc:Choice>
-          <mc:Fallback>
+          <mc:Fallback xmlns="">
             <p:pic>
               <p:nvPicPr>
                 <p:cNvPr id="3" name="Ink 2">
@@ -14607,8 +17666,8 @@
             </p:pic>
           </mc:Fallback>
         </mc:AlternateContent>
-        <mc:AlternateContent xmlns:mc="http://schemas.openxmlformats.org/markup-compatibility/2006">
-          <mc:Choice xmlns:p14="http://schemas.microsoft.com/office/powerpoint/2010/main" xmlns:aink="http://schemas.microsoft.com/office/drawing/2016/ink" Requires="p14 aink">
+        <mc:AlternateContent xmlns:mc="http://schemas.openxmlformats.org/markup-compatibility/2006" xmlns:p14="http://schemas.microsoft.com/office/powerpoint/2010/main" xmlns:aink="http://schemas.microsoft.com/office/drawing/2016/ink">
+          <mc:Choice Requires="p14 aink">
             <p:contentPart p14:bwMode="auto" r:id="rId48">
               <p14:nvContentPartPr>
                 <p14:cNvPr id="4" name="Ink 3">
@@ -14627,7 +17686,7 @@
               </p14:xfrm>
             </p:contentPart>
           </mc:Choice>
-          <mc:Fallback>
+          <mc:Fallback xmlns="">
             <p:pic>
               <p:nvPicPr>
                 <p:cNvPr id="4" name="Ink 3">
@@ -14679,8 +17738,8 @@
             <a:chExt cx="1743840" cy="1066320"/>
           </a:xfrm>
         </p:grpSpPr>
-        <mc:AlternateContent xmlns:mc="http://schemas.openxmlformats.org/markup-compatibility/2006">
-          <mc:Choice xmlns:p14="http://schemas.microsoft.com/office/powerpoint/2010/main" xmlns:aink="http://schemas.microsoft.com/office/drawing/2016/ink" Requires="p14 aink">
+        <mc:AlternateContent xmlns:mc="http://schemas.openxmlformats.org/markup-compatibility/2006" xmlns:p14="http://schemas.microsoft.com/office/powerpoint/2010/main" xmlns:aink="http://schemas.microsoft.com/office/drawing/2016/ink">
+          <mc:Choice Requires="p14 aink">
             <p:contentPart p14:bwMode="auto" r:id="rId50">
               <p14:nvContentPartPr>
                 <p14:cNvPr id="26" name="Ink 25">
@@ -14699,7 +17758,7 @@
               </p14:xfrm>
             </p:contentPart>
           </mc:Choice>
-          <mc:Fallback>
+          <mc:Fallback xmlns="">
             <p:pic>
               <p:nvPicPr>
                 <p:cNvPr id="26" name="Ink 25">
@@ -14730,8 +17789,8 @@
             </p:pic>
           </mc:Fallback>
         </mc:AlternateContent>
-        <mc:AlternateContent xmlns:mc="http://schemas.openxmlformats.org/markup-compatibility/2006">
-          <mc:Choice xmlns:p14="http://schemas.microsoft.com/office/powerpoint/2010/main" xmlns:aink="http://schemas.microsoft.com/office/drawing/2016/ink" Requires="p14 aink">
+        <mc:AlternateContent xmlns:mc="http://schemas.openxmlformats.org/markup-compatibility/2006" xmlns:p14="http://schemas.microsoft.com/office/powerpoint/2010/main" xmlns:aink="http://schemas.microsoft.com/office/drawing/2016/ink">
+          <mc:Choice Requires="p14 aink">
             <p:contentPart p14:bwMode="auto" r:id="rId52">
               <p14:nvContentPartPr>
                 <p14:cNvPr id="28" name="Ink 27">
@@ -14750,7 +17809,7 @@
               </p14:xfrm>
             </p:contentPart>
           </mc:Choice>
-          <mc:Fallback>
+          <mc:Fallback xmlns="">
             <p:pic>
               <p:nvPicPr>
                 <p:cNvPr id="28" name="Ink 27">
@@ -14802,8 +17861,8 @@
             <a:chExt cx="623520" cy="484200"/>
           </a:xfrm>
         </p:grpSpPr>
-        <mc:AlternateContent xmlns:mc="http://schemas.openxmlformats.org/markup-compatibility/2006">
-          <mc:Choice xmlns:p14="http://schemas.microsoft.com/office/powerpoint/2010/main" xmlns:aink="http://schemas.microsoft.com/office/drawing/2016/ink" Requires="p14 aink">
+        <mc:AlternateContent xmlns:mc="http://schemas.openxmlformats.org/markup-compatibility/2006" xmlns:p14="http://schemas.microsoft.com/office/powerpoint/2010/main" xmlns:aink="http://schemas.microsoft.com/office/drawing/2016/ink">
+          <mc:Choice Requires="p14 aink">
             <p:contentPart p14:bwMode="auto" r:id="rId54">
               <p14:nvContentPartPr>
                 <p14:cNvPr id="33" name="Ink 32">
@@ -14822,7 +17881,7 @@
               </p14:xfrm>
             </p:contentPart>
           </mc:Choice>
-          <mc:Fallback>
+          <mc:Fallback xmlns="">
             <p:pic>
               <p:nvPicPr>
                 <p:cNvPr id="33" name="Ink 32">
@@ -14853,8 +17912,8 @@
             </p:pic>
           </mc:Fallback>
         </mc:AlternateContent>
-        <mc:AlternateContent xmlns:mc="http://schemas.openxmlformats.org/markup-compatibility/2006">
-          <mc:Choice xmlns:p14="http://schemas.microsoft.com/office/powerpoint/2010/main" xmlns:aink="http://schemas.microsoft.com/office/drawing/2016/ink" Requires="p14 aink">
+        <mc:AlternateContent xmlns:mc="http://schemas.openxmlformats.org/markup-compatibility/2006" xmlns:p14="http://schemas.microsoft.com/office/powerpoint/2010/main" xmlns:aink="http://schemas.microsoft.com/office/drawing/2016/ink">
+          <mc:Choice Requires="p14 aink">
             <p:contentPart p14:bwMode="auto" r:id="rId56">
               <p14:nvContentPartPr>
                 <p14:cNvPr id="34" name="Ink 33">
@@ -14873,7 +17932,7 @@
               </p14:xfrm>
             </p:contentPart>
           </mc:Choice>
-          <mc:Fallback>
+          <mc:Fallback xmlns="">
             <p:pic>
               <p:nvPicPr>
                 <p:cNvPr id="34" name="Ink 33">
@@ -14918,7 +17977,7 @@
 </p:sld>
 </file>
 
-<file path=ppt/slides/slide8.xml><?xml version="1.0" encoding="utf-8"?>
+<file path=ppt/slides/slide9.xml><?xml version="1.0" encoding="utf-8"?>
 <p:sld xmlns:a="http://schemas.openxmlformats.org/drawingml/2006/main" xmlns:r="http://schemas.openxmlformats.org/officeDocument/2006/relationships" xmlns:p="http://schemas.openxmlformats.org/presentationml/2006/main">
   <p:cSld>
     <p:bg>
@@ -14963,8 +18022,8 @@
           <a:chExt cx="0" cy="0"/>
         </a:xfrm>
       </p:grpSpPr>
-      <mc:AlternateContent xmlns:mc="http://schemas.openxmlformats.org/markup-compatibility/2006">
-        <mc:Choice xmlns:p14="http://schemas.microsoft.com/office/powerpoint/2010/main" xmlns:aink="http://schemas.microsoft.com/office/drawing/2016/ink" Requires="p14 aink">
+      <mc:AlternateContent xmlns:mc="http://schemas.openxmlformats.org/markup-compatibility/2006" xmlns:p14="http://schemas.microsoft.com/office/powerpoint/2010/main" xmlns:aink="http://schemas.microsoft.com/office/drawing/2016/ink">
+        <mc:Choice Requires="p14 aink">
           <p:contentPart p14:bwMode="auto" r:id="rId2">
             <p14:nvContentPartPr>
               <p14:cNvPr id="2" name="Ink 1">
@@ -14983,7 +18042,7 @@
             </p14:xfrm>
           </p:contentPart>
         </mc:Choice>
-        <mc:Fallback>
+        <mc:Fallback xmlns="">
           <p:pic>
             <p:nvPicPr>
               <p:cNvPr id="2" name="Ink 1">
@@ -15014,8 +18073,8 @@
           </p:pic>
         </mc:Fallback>
       </mc:AlternateContent>
-      <mc:AlternateContent xmlns:mc="http://schemas.openxmlformats.org/markup-compatibility/2006">
-        <mc:Choice xmlns:p14="http://schemas.microsoft.com/office/powerpoint/2010/main" xmlns:aink="http://schemas.microsoft.com/office/drawing/2016/ink" Requires="p14 aink">
+      <mc:AlternateContent xmlns:mc="http://schemas.openxmlformats.org/markup-compatibility/2006" xmlns:p14="http://schemas.microsoft.com/office/powerpoint/2010/main" xmlns:aink="http://schemas.microsoft.com/office/drawing/2016/ink">
+        <mc:Choice Requires="p14 aink">
           <p:contentPart p14:bwMode="auto" r:id="rId4">
             <p14:nvContentPartPr>
               <p14:cNvPr id="6" name="Ink 5">
@@ -15034,7 +18093,7 @@
             </p14:xfrm>
           </p:contentPart>
         </mc:Choice>
-        <mc:Fallback>
+        <mc:Fallback xmlns="">
           <p:pic>
             <p:nvPicPr>
               <p:cNvPr id="6" name="Ink 5">
@@ -15065,8 +18124,8 @@
           </p:pic>
         </mc:Fallback>
       </mc:AlternateContent>
-      <mc:AlternateContent xmlns:mc="http://schemas.openxmlformats.org/markup-compatibility/2006">
-        <mc:Choice xmlns:p14="http://schemas.microsoft.com/office/powerpoint/2010/main" xmlns:aink="http://schemas.microsoft.com/office/drawing/2016/ink" Requires="p14 aink">
+      <mc:AlternateContent xmlns:mc="http://schemas.openxmlformats.org/markup-compatibility/2006" xmlns:p14="http://schemas.microsoft.com/office/powerpoint/2010/main" xmlns:aink="http://schemas.microsoft.com/office/drawing/2016/ink">
+        <mc:Choice Requires="p14 aink">
           <p:contentPart p14:bwMode="auto" r:id="rId6">
             <p14:nvContentPartPr>
               <p14:cNvPr id="10" name="Ink 9">
@@ -15085,7 +18144,7 @@
             </p14:xfrm>
           </p:contentPart>
         </mc:Choice>
-        <mc:Fallback>
+        <mc:Fallback xmlns="">
           <p:pic>
             <p:nvPicPr>
               <p:cNvPr id="10" name="Ink 9">
@@ -15116,8 +18175,8 @@
           </p:pic>
         </mc:Fallback>
       </mc:AlternateContent>
-      <mc:AlternateContent xmlns:mc="http://schemas.openxmlformats.org/markup-compatibility/2006">
-        <mc:Choice xmlns:p14="http://schemas.microsoft.com/office/powerpoint/2010/main" xmlns:aink="http://schemas.microsoft.com/office/drawing/2016/ink" Requires="p14 aink">
+      <mc:AlternateContent xmlns:mc="http://schemas.openxmlformats.org/markup-compatibility/2006" xmlns:p14="http://schemas.microsoft.com/office/powerpoint/2010/main" xmlns:aink="http://schemas.microsoft.com/office/drawing/2016/ink">
+        <mc:Choice Requires="p14 aink">
           <p:contentPart p14:bwMode="auto" r:id="rId8">
             <p14:nvContentPartPr>
               <p14:cNvPr id="12" name="Ink 11">
@@ -15136,7 +18195,7 @@
             </p14:xfrm>
           </p:contentPart>
         </mc:Choice>
-        <mc:Fallback>
+        <mc:Fallback xmlns="">
           <p:pic>
             <p:nvPicPr>
               <p:cNvPr id="12" name="Ink 11">
@@ -15167,8 +18226,8 @@
           </p:pic>
         </mc:Fallback>
       </mc:AlternateContent>
-      <mc:AlternateContent xmlns:mc="http://schemas.openxmlformats.org/markup-compatibility/2006">
-        <mc:Choice xmlns:p14="http://schemas.microsoft.com/office/powerpoint/2010/main" xmlns:aink="http://schemas.microsoft.com/office/drawing/2016/ink" Requires="p14 aink">
+      <mc:AlternateContent xmlns:mc="http://schemas.openxmlformats.org/markup-compatibility/2006" xmlns:p14="http://schemas.microsoft.com/office/powerpoint/2010/main" xmlns:aink="http://schemas.microsoft.com/office/drawing/2016/ink">
+        <mc:Choice Requires="p14 aink">
           <p:contentPart p14:bwMode="auto" r:id="rId10">
             <p14:nvContentPartPr>
               <p14:cNvPr id="14" name="Ink 13">
@@ -15187,7 +18246,7 @@
             </p14:xfrm>
           </p:contentPart>
         </mc:Choice>
-        <mc:Fallback>
+        <mc:Fallback xmlns="">
           <p:pic>
             <p:nvPicPr>
               <p:cNvPr id="14" name="Ink 13">
@@ -15238,8 +18297,8 @@
             <a:chExt cx="2630520" cy="3638160"/>
           </a:xfrm>
         </p:grpSpPr>
-        <mc:AlternateContent xmlns:mc="http://schemas.openxmlformats.org/markup-compatibility/2006">
-          <mc:Choice xmlns:p14="http://schemas.microsoft.com/office/powerpoint/2010/main" xmlns:aink="http://schemas.microsoft.com/office/drawing/2016/ink" Requires="p14 aink">
+        <mc:AlternateContent xmlns:mc="http://schemas.openxmlformats.org/markup-compatibility/2006" xmlns:p14="http://schemas.microsoft.com/office/powerpoint/2010/main" xmlns:aink="http://schemas.microsoft.com/office/drawing/2016/ink">
+          <mc:Choice Requires="p14 aink">
             <p:contentPart p14:bwMode="auto" r:id="rId12">
               <p14:nvContentPartPr>
                 <p14:cNvPr id="27" name="Ink 26">
@@ -15258,7 +18317,7 @@
               </p14:xfrm>
             </p:contentPart>
           </mc:Choice>
-          <mc:Fallback>
+          <mc:Fallback xmlns="">
             <p:pic>
               <p:nvPicPr>
                 <p:cNvPr id="27" name="Ink 26">
@@ -15289,8 +18348,8 @@
             </p:pic>
           </mc:Fallback>
         </mc:AlternateContent>
-        <mc:AlternateContent xmlns:mc="http://schemas.openxmlformats.org/markup-compatibility/2006">
-          <mc:Choice xmlns:p14="http://schemas.microsoft.com/office/powerpoint/2010/main" xmlns:aink="http://schemas.microsoft.com/office/drawing/2016/ink" Requires="p14 aink">
+        <mc:AlternateContent xmlns:mc="http://schemas.openxmlformats.org/markup-compatibility/2006" xmlns:p14="http://schemas.microsoft.com/office/powerpoint/2010/main" xmlns:aink="http://schemas.microsoft.com/office/drawing/2016/ink">
+          <mc:Choice Requires="p14 aink">
             <p:contentPart p14:bwMode="auto" r:id="rId14">
               <p14:nvContentPartPr>
                 <p14:cNvPr id="29" name="Ink 28">
@@ -15309,7 +18368,7 @@
               </p14:xfrm>
             </p:contentPart>
           </mc:Choice>
-          <mc:Fallback>
+          <mc:Fallback xmlns="">
             <p:pic>
               <p:nvPicPr>
                 <p:cNvPr id="29" name="Ink 28">
@@ -15340,8 +18399,8 @@
             </p:pic>
           </mc:Fallback>
         </mc:AlternateContent>
-        <mc:AlternateContent xmlns:mc="http://schemas.openxmlformats.org/markup-compatibility/2006">
-          <mc:Choice xmlns:p14="http://schemas.microsoft.com/office/powerpoint/2010/main" xmlns:aink="http://schemas.microsoft.com/office/drawing/2016/ink" Requires="p14 aink">
+        <mc:AlternateContent xmlns:mc="http://schemas.openxmlformats.org/markup-compatibility/2006" xmlns:p14="http://schemas.microsoft.com/office/powerpoint/2010/main" xmlns:aink="http://schemas.microsoft.com/office/drawing/2016/ink">
+          <mc:Choice Requires="p14 aink">
             <p:contentPart p14:bwMode="auto" r:id="rId16">
               <p14:nvContentPartPr>
                 <p14:cNvPr id="30" name="Ink 29">
@@ -15360,7 +18419,7 @@
               </p14:xfrm>
             </p:contentPart>
           </mc:Choice>
-          <mc:Fallback>
+          <mc:Fallback xmlns="">
             <p:pic>
               <p:nvPicPr>
                 <p:cNvPr id="30" name="Ink 29">
@@ -15412,8 +18471,8 @@
             <a:chExt cx="1433520" cy="2112120"/>
           </a:xfrm>
         </p:grpSpPr>
-        <mc:AlternateContent xmlns:mc="http://schemas.openxmlformats.org/markup-compatibility/2006">
-          <mc:Choice xmlns:p14="http://schemas.microsoft.com/office/powerpoint/2010/main" xmlns:aink="http://schemas.microsoft.com/office/drawing/2016/ink" Requires="p14 aink">
+        <mc:AlternateContent xmlns:mc="http://schemas.openxmlformats.org/markup-compatibility/2006" xmlns:p14="http://schemas.microsoft.com/office/powerpoint/2010/main" xmlns:aink="http://schemas.microsoft.com/office/drawing/2016/ink">
+          <mc:Choice Requires="p14 aink">
             <p:contentPart p14:bwMode="auto" r:id="rId18">
               <p14:nvContentPartPr>
                 <p14:cNvPr id="32" name="Ink 31">
@@ -15432,7 +18491,7 @@
               </p14:xfrm>
             </p:contentPart>
           </mc:Choice>
-          <mc:Fallback>
+          <mc:Fallback xmlns="">
             <p:pic>
               <p:nvPicPr>
                 <p:cNvPr id="32" name="Ink 31">
@@ -15463,8 +18522,8 @@
             </p:pic>
           </mc:Fallback>
         </mc:AlternateContent>
-        <mc:AlternateContent xmlns:mc="http://schemas.openxmlformats.org/markup-compatibility/2006">
-          <mc:Choice xmlns:p14="http://schemas.microsoft.com/office/powerpoint/2010/main" xmlns:aink="http://schemas.microsoft.com/office/drawing/2016/ink" Requires="p14 aink">
+        <mc:AlternateContent xmlns:mc="http://schemas.openxmlformats.org/markup-compatibility/2006" xmlns:p14="http://schemas.microsoft.com/office/powerpoint/2010/main" xmlns:aink="http://schemas.microsoft.com/office/drawing/2016/ink">
+          <mc:Choice Requires="p14 aink">
             <p:contentPart p14:bwMode="auto" r:id="rId20">
               <p14:nvContentPartPr>
                 <p14:cNvPr id="36" name="Ink 35">
@@ -15483,7 +18542,7 @@
               </p14:xfrm>
             </p:contentPart>
           </mc:Choice>
-          <mc:Fallback>
+          <mc:Fallback xmlns="">
             <p:pic>
               <p:nvPicPr>
                 <p:cNvPr id="36" name="Ink 35">
@@ -15514,8 +18573,8 @@
             </p:pic>
           </mc:Fallback>
         </mc:AlternateContent>
-        <mc:AlternateContent xmlns:mc="http://schemas.openxmlformats.org/markup-compatibility/2006">
-          <mc:Choice xmlns:p14="http://schemas.microsoft.com/office/powerpoint/2010/main" xmlns:aink="http://schemas.microsoft.com/office/drawing/2016/ink" Requires="p14 aink">
+        <mc:AlternateContent xmlns:mc="http://schemas.openxmlformats.org/markup-compatibility/2006" xmlns:p14="http://schemas.microsoft.com/office/powerpoint/2010/main" xmlns:aink="http://schemas.microsoft.com/office/drawing/2016/ink">
+          <mc:Choice Requires="p14 aink">
             <p:contentPart p14:bwMode="auto" r:id="rId22">
               <p14:nvContentPartPr>
                 <p14:cNvPr id="38" name="Ink 37">
@@ -15534,7 +18593,7 @@
               </p14:xfrm>
             </p:contentPart>
           </mc:Choice>
-          <mc:Fallback>
+          <mc:Fallback xmlns="">
             <p:pic>
               <p:nvPicPr>
                 <p:cNvPr id="38" name="Ink 37">
@@ -15586,8 +18645,8 @@
             <a:chExt cx="2630520" cy="3638160"/>
           </a:xfrm>
         </p:grpSpPr>
-        <mc:AlternateContent xmlns:mc="http://schemas.openxmlformats.org/markup-compatibility/2006">
-          <mc:Choice xmlns:p14="http://schemas.microsoft.com/office/powerpoint/2010/main" xmlns:aink="http://schemas.microsoft.com/office/drawing/2016/ink" Requires="p14 aink">
+        <mc:AlternateContent xmlns:mc="http://schemas.openxmlformats.org/markup-compatibility/2006" xmlns:p14="http://schemas.microsoft.com/office/powerpoint/2010/main" xmlns:aink="http://schemas.microsoft.com/office/drawing/2016/ink">
+          <mc:Choice Requires="p14 aink">
             <p:contentPart p14:bwMode="auto" r:id="rId24">
               <p14:nvContentPartPr>
                 <p14:cNvPr id="42" name="Ink 41">
@@ -15606,7 +18665,7 @@
               </p14:xfrm>
             </p:contentPart>
           </mc:Choice>
-          <mc:Fallback>
+          <mc:Fallback xmlns="">
             <p:pic>
               <p:nvPicPr>
                 <p:cNvPr id="42" name="Ink 41">
@@ -15637,8 +18696,8 @@
             </p:pic>
           </mc:Fallback>
         </mc:AlternateContent>
-        <mc:AlternateContent xmlns:mc="http://schemas.openxmlformats.org/markup-compatibility/2006">
-          <mc:Choice xmlns:p14="http://schemas.microsoft.com/office/powerpoint/2010/main" xmlns:aink="http://schemas.microsoft.com/office/drawing/2016/ink" Requires="p14 aink">
+        <mc:AlternateContent xmlns:mc="http://schemas.openxmlformats.org/markup-compatibility/2006" xmlns:p14="http://schemas.microsoft.com/office/powerpoint/2010/main" xmlns:aink="http://schemas.microsoft.com/office/drawing/2016/ink">
+          <mc:Choice Requires="p14 aink">
             <p:contentPart p14:bwMode="auto" r:id="rId26">
               <p14:nvContentPartPr>
                 <p14:cNvPr id="43" name="Ink 42">
@@ -15657,7 +18716,7 @@
               </p14:xfrm>
             </p:contentPart>
           </mc:Choice>
-          <mc:Fallback>
+          <mc:Fallback xmlns="">
             <p:pic>
               <p:nvPicPr>
                 <p:cNvPr id="43" name="Ink 42">
@@ -15688,8 +18747,8 @@
             </p:pic>
           </mc:Fallback>
         </mc:AlternateContent>
-        <mc:AlternateContent xmlns:mc="http://schemas.openxmlformats.org/markup-compatibility/2006">
-          <mc:Choice xmlns:p14="http://schemas.microsoft.com/office/powerpoint/2010/main" xmlns:aink="http://schemas.microsoft.com/office/drawing/2016/ink" Requires="p14 aink">
+        <mc:AlternateContent xmlns:mc="http://schemas.openxmlformats.org/markup-compatibility/2006" xmlns:p14="http://schemas.microsoft.com/office/powerpoint/2010/main" xmlns:aink="http://schemas.microsoft.com/office/drawing/2016/ink">
+          <mc:Choice Requires="p14 aink">
             <p:contentPart p14:bwMode="auto" r:id="rId28">
               <p14:nvContentPartPr>
                 <p14:cNvPr id="44" name="Ink 43">
@@ -15708,7 +18767,7 @@
               </p14:xfrm>
             </p:contentPart>
           </mc:Choice>
-          <mc:Fallback>
+          <mc:Fallback xmlns="">
             <p:pic>
               <p:nvPicPr>
                 <p:cNvPr id="44" name="Ink 43">
@@ -15760,8 +18819,8 @@
             <a:chExt cx="1433520" cy="2112120"/>
           </a:xfrm>
         </p:grpSpPr>
-        <mc:AlternateContent xmlns:mc="http://schemas.openxmlformats.org/markup-compatibility/2006">
-          <mc:Choice xmlns:p14="http://schemas.microsoft.com/office/powerpoint/2010/main" xmlns:aink="http://schemas.microsoft.com/office/drawing/2016/ink" Requires="p14 aink">
+        <mc:AlternateContent xmlns:mc="http://schemas.openxmlformats.org/markup-compatibility/2006" xmlns:p14="http://schemas.microsoft.com/office/powerpoint/2010/main" xmlns:aink="http://schemas.microsoft.com/office/drawing/2016/ink">
+          <mc:Choice Requires="p14 aink">
             <p:contentPart p14:bwMode="auto" r:id="rId30">
               <p14:nvContentPartPr>
                 <p14:cNvPr id="47" name="Ink 46">
@@ -15780,7 +18839,7 @@
               </p14:xfrm>
             </p:contentPart>
           </mc:Choice>
-          <mc:Fallback>
+          <mc:Fallback xmlns="">
             <p:pic>
               <p:nvPicPr>
                 <p:cNvPr id="47" name="Ink 46">
@@ -15811,8 +18870,8 @@
             </p:pic>
           </mc:Fallback>
         </mc:AlternateContent>
-        <mc:AlternateContent xmlns:mc="http://schemas.openxmlformats.org/markup-compatibility/2006">
-          <mc:Choice xmlns:p14="http://schemas.microsoft.com/office/powerpoint/2010/main" xmlns:aink="http://schemas.microsoft.com/office/drawing/2016/ink" Requires="p14 aink">
+        <mc:AlternateContent xmlns:mc="http://schemas.openxmlformats.org/markup-compatibility/2006" xmlns:p14="http://schemas.microsoft.com/office/powerpoint/2010/main" xmlns:aink="http://schemas.microsoft.com/office/drawing/2016/ink">
+          <mc:Choice Requires="p14 aink">
             <p:contentPart p14:bwMode="auto" r:id="rId32">
               <p14:nvContentPartPr>
                 <p14:cNvPr id="49" name="Ink 48">
@@ -15831,7 +18890,7 @@
               </p14:xfrm>
             </p:contentPart>
           </mc:Choice>
-          <mc:Fallback>
+          <mc:Fallback xmlns="">
             <p:pic>
               <p:nvPicPr>
                 <p:cNvPr id="49" name="Ink 48">
@@ -15862,8 +18921,8 @@
             </p:pic>
           </mc:Fallback>
         </mc:AlternateContent>
-        <mc:AlternateContent xmlns:mc="http://schemas.openxmlformats.org/markup-compatibility/2006">
-          <mc:Choice xmlns:p14="http://schemas.microsoft.com/office/powerpoint/2010/main" xmlns:aink="http://schemas.microsoft.com/office/drawing/2016/ink" Requires="p14 aink">
+        <mc:AlternateContent xmlns:mc="http://schemas.openxmlformats.org/markup-compatibility/2006" xmlns:p14="http://schemas.microsoft.com/office/powerpoint/2010/main" xmlns:aink="http://schemas.microsoft.com/office/drawing/2016/ink">
+          <mc:Choice Requires="p14 aink">
             <p:contentPart p14:bwMode="auto" r:id="rId34">
               <p14:nvContentPartPr>
                 <p14:cNvPr id="50" name="Ink 49">
@@ -15882,7 +18941,7 @@
               </p14:xfrm>
             </p:contentPart>
           </mc:Choice>
-          <mc:Fallback>
+          <mc:Fallback xmlns="">
             <p:pic>
               <p:nvPicPr>
                 <p:cNvPr id="50" name="Ink 49">
@@ -15914,8 +18973,8 @@
           </mc:Fallback>
         </mc:AlternateContent>
       </p:grpSp>
-      <mc:AlternateContent xmlns:mc="http://schemas.openxmlformats.org/markup-compatibility/2006">
-        <mc:Choice xmlns:p14="http://schemas.microsoft.com/office/powerpoint/2010/main" xmlns:aink="http://schemas.microsoft.com/office/drawing/2016/ink" Requires="p14 aink">
+      <mc:AlternateContent xmlns:mc="http://schemas.openxmlformats.org/markup-compatibility/2006" xmlns:p14="http://schemas.microsoft.com/office/powerpoint/2010/main" xmlns:aink="http://schemas.microsoft.com/office/drawing/2016/ink">
+        <mc:Choice Requires="p14 aink">
           <p:contentPart p14:bwMode="auto" r:id="rId36">
             <p14:nvContentPartPr>
               <p14:cNvPr id="58" name="Ink 57">
@@ -15934,7 +18993,7 @@
             </p14:xfrm>
           </p:contentPart>
         </mc:Choice>
-        <mc:Fallback>
+        <mc:Fallback xmlns="">
           <p:pic>
             <p:nvPicPr>
               <p:cNvPr id="58" name="Ink 57">
@@ -15965,8 +19024,8 @@
           </p:pic>
         </mc:Fallback>
       </mc:AlternateContent>
-      <mc:AlternateContent xmlns:mc="http://schemas.openxmlformats.org/markup-compatibility/2006">
-        <mc:Choice xmlns:p14="http://schemas.microsoft.com/office/powerpoint/2010/main" xmlns:aink="http://schemas.microsoft.com/office/drawing/2016/ink" Requires="p14 aink">
+      <mc:AlternateContent xmlns:mc="http://schemas.openxmlformats.org/markup-compatibility/2006" xmlns:p14="http://schemas.microsoft.com/office/powerpoint/2010/main" xmlns:aink="http://schemas.microsoft.com/office/drawing/2016/ink">
+        <mc:Choice Requires="p14 aink">
           <p:contentPart p14:bwMode="auto" r:id="rId38">
             <p14:nvContentPartPr>
               <p14:cNvPr id="61" name="Ink 60">
@@ -15985,7 +19044,7 @@
             </p14:xfrm>
           </p:contentPart>
         </mc:Choice>
-        <mc:Fallback>
+        <mc:Fallback xmlns="">
           <p:pic>
             <p:nvPicPr>
               <p:cNvPr id="61" name="Ink 60">
@@ -16016,8 +19075,8 @@
           </p:pic>
         </mc:Fallback>
       </mc:AlternateContent>
-      <mc:AlternateContent xmlns:mc="http://schemas.openxmlformats.org/markup-compatibility/2006">
-        <mc:Choice xmlns:p14="http://schemas.microsoft.com/office/powerpoint/2010/main" xmlns:aink="http://schemas.microsoft.com/office/drawing/2016/ink" Requires="p14 aink">
+      <mc:AlternateContent xmlns:mc="http://schemas.openxmlformats.org/markup-compatibility/2006" xmlns:p14="http://schemas.microsoft.com/office/powerpoint/2010/main" xmlns:aink="http://schemas.microsoft.com/office/drawing/2016/ink">
+        <mc:Choice Requires="p14 aink">
           <p:contentPart p14:bwMode="auto" r:id="rId40">
             <p14:nvContentPartPr>
               <p14:cNvPr id="7" name="Ink 6">
@@ -16036,7 +19095,7 @@
             </p14:xfrm>
           </p:contentPart>
         </mc:Choice>
-        <mc:Fallback>
+        <mc:Fallback xmlns="">
           <p:pic>
             <p:nvPicPr>
               <p:cNvPr id="7" name="Ink 6">
@@ -16067,8 +19126,8 @@
           </p:pic>
         </mc:Fallback>
       </mc:AlternateContent>
-      <mc:AlternateContent xmlns:mc="http://schemas.openxmlformats.org/markup-compatibility/2006">
-        <mc:Choice xmlns:p14="http://schemas.microsoft.com/office/powerpoint/2010/main" xmlns:aink="http://schemas.microsoft.com/office/drawing/2016/ink" Requires="p14 aink">
+      <mc:AlternateContent xmlns:mc="http://schemas.openxmlformats.org/markup-compatibility/2006" xmlns:p14="http://schemas.microsoft.com/office/powerpoint/2010/main" xmlns:aink="http://schemas.microsoft.com/office/drawing/2016/ink">
+        <mc:Choice Requires="p14 aink">
           <p:contentPart p14:bwMode="auto" r:id="rId42">
             <p14:nvContentPartPr>
               <p14:cNvPr id="9" name="Ink 8">
@@ -16087,7 +19146,7 @@
             </p14:xfrm>
           </p:contentPart>
         </mc:Choice>
-        <mc:Fallback>
+        <mc:Fallback xmlns="">
           <p:pic>
             <p:nvPicPr>
               <p:cNvPr id="9" name="Ink 8">
@@ -16118,8 +19177,8 @@
           </p:pic>
         </mc:Fallback>
       </mc:AlternateContent>
-      <mc:AlternateContent xmlns:mc="http://schemas.openxmlformats.org/markup-compatibility/2006">
-        <mc:Choice xmlns:p14="http://schemas.microsoft.com/office/powerpoint/2010/main" xmlns:aink="http://schemas.microsoft.com/office/drawing/2016/ink" Requires="p14 aink">
+      <mc:AlternateContent xmlns:mc="http://schemas.openxmlformats.org/markup-compatibility/2006" xmlns:p14="http://schemas.microsoft.com/office/powerpoint/2010/main" xmlns:aink="http://schemas.microsoft.com/office/drawing/2016/ink">
+        <mc:Choice Requires="p14 aink">
           <p:contentPart p14:bwMode="auto" r:id="rId44">
             <p14:nvContentPartPr>
               <p14:cNvPr id="11" name="Ink 10">
@@ -16138,7 +19197,7 @@
             </p14:xfrm>
           </p:contentPart>
         </mc:Choice>
-        <mc:Fallback>
+        <mc:Fallback xmlns="">
           <p:pic>
             <p:nvPicPr>
               <p:cNvPr id="11" name="Ink 10">
@@ -16189,8 +19248,8 @@
             <a:chExt cx="3704400" cy="491760"/>
           </a:xfrm>
         </p:grpSpPr>
-        <mc:AlternateContent xmlns:mc="http://schemas.openxmlformats.org/markup-compatibility/2006">
-          <mc:Choice xmlns:p14="http://schemas.microsoft.com/office/powerpoint/2010/main" xmlns:aink="http://schemas.microsoft.com/office/drawing/2016/ink" Requires="p14 aink">
+        <mc:AlternateContent xmlns:mc="http://schemas.openxmlformats.org/markup-compatibility/2006" xmlns:p14="http://schemas.microsoft.com/office/powerpoint/2010/main" xmlns:aink="http://schemas.microsoft.com/office/drawing/2016/ink">
+          <mc:Choice Requires="p14 aink">
             <p:contentPart p14:bwMode="auto" r:id="rId46">
               <p14:nvContentPartPr>
                 <p14:cNvPr id="13" name="Ink 12">
@@ -16209,7 +19268,7 @@
               </p14:xfrm>
             </p:contentPart>
           </mc:Choice>
-          <mc:Fallback>
+          <mc:Fallback xmlns="">
             <p:pic>
               <p:nvPicPr>
                 <p:cNvPr id="13" name="Ink 12">
@@ -16240,8 +19299,8 @@
             </p:pic>
           </mc:Fallback>
         </mc:AlternateContent>
-        <mc:AlternateContent xmlns:mc="http://schemas.openxmlformats.org/markup-compatibility/2006">
-          <mc:Choice xmlns:p14="http://schemas.microsoft.com/office/powerpoint/2010/main" xmlns:aink="http://schemas.microsoft.com/office/drawing/2016/ink" Requires="p14 aink">
+        <mc:AlternateContent xmlns:mc="http://schemas.openxmlformats.org/markup-compatibility/2006" xmlns:p14="http://schemas.microsoft.com/office/powerpoint/2010/main" xmlns:aink="http://schemas.microsoft.com/office/drawing/2016/ink">
+          <mc:Choice Requires="p14 aink">
             <p:contentPart p14:bwMode="auto" r:id="rId48">
               <p14:nvContentPartPr>
                 <p14:cNvPr id="15" name="Ink 14">
@@ -16260,7 +19319,7 @@
               </p14:xfrm>
             </p:contentPart>
           </mc:Choice>
-          <mc:Fallback>
+          <mc:Fallback xmlns="">
             <p:pic>
               <p:nvPicPr>
                 <p:cNvPr id="15" name="Ink 14">
@@ -16312,8 +19371,8 @@
             <a:chExt cx="2994840" cy="1306800"/>
           </a:xfrm>
         </p:grpSpPr>
-        <mc:AlternateContent xmlns:mc="http://schemas.openxmlformats.org/markup-compatibility/2006">
-          <mc:Choice xmlns:p14="http://schemas.microsoft.com/office/powerpoint/2010/main" xmlns:aink="http://schemas.microsoft.com/office/drawing/2016/ink" Requires="p14 aink">
+        <mc:AlternateContent xmlns:mc="http://schemas.openxmlformats.org/markup-compatibility/2006" xmlns:p14="http://schemas.microsoft.com/office/powerpoint/2010/main" xmlns:aink="http://schemas.microsoft.com/office/drawing/2016/ink">
+          <mc:Choice Requires="p14 aink">
             <p:contentPart p14:bwMode="auto" r:id="rId50">
               <p14:nvContentPartPr>
                 <p14:cNvPr id="17" name="Ink 16">
@@ -16332,7 +19391,7 @@
               </p14:xfrm>
             </p:contentPart>
           </mc:Choice>
-          <mc:Fallback>
+          <mc:Fallback xmlns="">
             <p:pic>
               <p:nvPicPr>
                 <p:cNvPr id="17" name="Ink 16">
@@ -16363,8 +19422,8 @@
             </p:pic>
           </mc:Fallback>
         </mc:AlternateContent>
-        <mc:AlternateContent xmlns:mc="http://schemas.openxmlformats.org/markup-compatibility/2006">
-          <mc:Choice xmlns:p14="http://schemas.microsoft.com/office/powerpoint/2010/main" xmlns:aink="http://schemas.microsoft.com/office/drawing/2016/ink" Requires="p14 aink">
+        <mc:AlternateContent xmlns:mc="http://schemas.openxmlformats.org/markup-compatibility/2006" xmlns:p14="http://schemas.microsoft.com/office/powerpoint/2010/main" xmlns:aink="http://schemas.microsoft.com/office/drawing/2016/ink">
+          <mc:Choice Requires="p14 aink">
             <p:contentPart p14:bwMode="auto" r:id="rId52">
               <p14:nvContentPartPr>
                 <p14:cNvPr id="18" name="Ink 17">
@@ -16383,7 +19442,7 @@
               </p14:xfrm>
             </p:contentPart>
           </mc:Choice>
-          <mc:Fallback>
+          <mc:Fallback xmlns="">
             <p:pic>
               <p:nvPicPr>
                 <p:cNvPr id="18" name="Ink 17">
@@ -16435,8 +19494,8 @@
             <a:chExt cx="3527280" cy="433080"/>
           </a:xfrm>
         </p:grpSpPr>
-        <mc:AlternateContent xmlns:mc="http://schemas.openxmlformats.org/markup-compatibility/2006">
-          <mc:Choice xmlns:p14="http://schemas.microsoft.com/office/powerpoint/2010/main" xmlns:aink="http://schemas.microsoft.com/office/drawing/2016/ink" Requires="p14 aink">
+        <mc:AlternateContent xmlns:mc="http://schemas.openxmlformats.org/markup-compatibility/2006" xmlns:p14="http://schemas.microsoft.com/office/powerpoint/2010/main" xmlns:aink="http://schemas.microsoft.com/office/drawing/2016/ink">
+          <mc:Choice Requires="p14 aink">
             <p:contentPart p14:bwMode="auto" r:id="rId54">
               <p14:nvContentPartPr>
                 <p14:cNvPr id="20" name="Ink 19">
@@ -16455,7 +19514,7 @@
               </p14:xfrm>
             </p:contentPart>
           </mc:Choice>
-          <mc:Fallback>
+          <mc:Fallback xmlns="">
             <p:pic>
               <p:nvPicPr>
                 <p:cNvPr id="20" name="Ink 19">
@@ -16486,8 +19545,8 @@
             </p:pic>
           </mc:Fallback>
         </mc:AlternateContent>
-        <mc:AlternateContent xmlns:mc="http://schemas.openxmlformats.org/markup-compatibility/2006">
-          <mc:Choice xmlns:p14="http://schemas.microsoft.com/office/powerpoint/2010/main" xmlns:aink="http://schemas.microsoft.com/office/drawing/2016/ink" Requires="p14 aink">
+        <mc:AlternateContent xmlns:mc="http://schemas.openxmlformats.org/markup-compatibility/2006" xmlns:p14="http://schemas.microsoft.com/office/powerpoint/2010/main" xmlns:aink="http://schemas.microsoft.com/office/drawing/2016/ink">
+          <mc:Choice Requires="p14 aink">
             <p:contentPart p14:bwMode="auto" r:id="rId56">
               <p14:nvContentPartPr>
                 <p14:cNvPr id="21" name="Ink 20">
@@ -16506,7 +19565,7 @@
               </p14:xfrm>
             </p:contentPart>
           </mc:Choice>
-          <mc:Fallback>
+          <mc:Fallback xmlns="">
             <p:pic>
               <p:nvPicPr>
                 <p:cNvPr id="21" name="Ink 20">

--- a/Outputs/Backgrounds.pptx
+++ b/Outputs/Backgrounds.pptx
@@ -5140,7 +5140,7 @@
           <a:p>
             <a:fld id="{B8F9F58D-54D6-49D3-825B-81C29B586EBC}" type="datetimeFigureOut">
               <a:rPr lang="en-ZA" smtClean="0"/>
-              <a:t>2025/10/09</a:t>
+              <a:t>2025/10/10</a:t>
             </a:fld>
             <a:endParaRPr lang="en-ZA"/>
           </a:p>
@@ -5340,7 +5340,7 @@
           <a:p>
             <a:fld id="{B8F9F58D-54D6-49D3-825B-81C29B586EBC}" type="datetimeFigureOut">
               <a:rPr lang="en-ZA" smtClean="0"/>
-              <a:t>2025/10/09</a:t>
+              <a:t>2025/10/10</a:t>
             </a:fld>
             <a:endParaRPr lang="en-ZA"/>
           </a:p>
@@ -5550,7 +5550,7 @@
           <a:p>
             <a:fld id="{B8F9F58D-54D6-49D3-825B-81C29B586EBC}" type="datetimeFigureOut">
               <a:rPr lang="en-ZA" smtClean="0"/>
-              <a:t>2025/10/09</a:t>
+              <a:t>2025/10/10</a:t>
             </a:fld>
             <a:endParaRPr lang="en-ZA"/>
           </a:p>
@@ -5750,7 +5750,7 @@
           <a:p>
             <a:fld id="{B8F9F58D-54D6-49D3-825B-81C29B586EBC}" type="datetimeFigureOut">
               <a:rPr lang="en-ZA" smtClean="0"/>
-              <a:t>2025/10/09</a:t>
+              <a:t>2025/10/10</a:t>
             </a:fld>
             <a:endParaRPr lang="en-ZA"/>
           </a:p>
@@ -6026,7 +6026,7 @@
           <a:p>
             <a:fld id="{B8F9F58D-54D6-49D3-825B-81C29B586EBC}" type="datetimeFigureOut">
               <a:rPr lang="en-ZA" smtClean="0"/>
-              <a:t>2025/10/09</a:t>
+              <a:t>2025/10/10</a:t>
             </a:fld>
             <a:endParaRPr lang="en-ZA"/>
           </a:p>
@@ -6294,7 +6294,7 @@
           <a:p>
             <a:fld id="{B8F9F58D-54D6-49D3-825B-81C29B586EBC}" type="datetimeFigureOut">
               <a:rPr lang="en-ZA" smtClean="0"/>
-              <a:t>2025/10/09</a:t>
+              <a:t>2025/10/10</a:t>
             </a:fld>
             <a:endParaRPr lang="en-ZA"/>
           </a:p>
@@ -6709,7 +6709,7 @@
           <a:p>
             <a:fld id="{B8F9F58D-54D6-49D3-825B-81C29B586EBC}" type="datetimeFigureOut">
               <a:rPr lang="en-ZA" smtClean="0"/>
-              <a:t>2025/10/09</a:t>
+              <a:t>2025/10/10</a:t>
             </a:fld>
             <a:endParaRPr lang="en-ZA"/>
           </a:p>
@@ -6851,7 +6851,7 @@
           <a:p>
             <a:fld id="{B8F9F58D-54D6-49D3-825B-81C29B586EBC}" type="datetimeFigureOut">
               <a:rPr lang="en-ZA" smtClean="0"/>
-              <a:t>2025/10/09</a:t>
+              <a:t>2025/10/10</a:t>
             </a:fld>
             <a:endParaRPr lang="en-ZA"/>
           </a:p>
@@ -6964,7 +6964,7 @@
           <a:p>
             <a:fld id="{B8F9F58D-54D6-49D3-825B-81C29B586EBC}" type="datetimeFigureOut">
               <a:rPr lang="en-ZA" smtClean="0"/>
-              <a:t>2025/10/09</a:t>
+              <a:t>2025/10/10</a:t>
             </a:fld>
             <a:endParaRPr lang="en-ZA"/>
           </a:p>
@@ -7277,7 +7277,7 @@
           <a:p>
             <a:fld id="{B8F9F58D-54D6-49D3-825B-81C29B586EBC}" type="datetimeFigureOut">
               <a:rPr lang="en-ZA" smtClean="0"/>
-              <a:t>2025/10/09</a:t>
+              <a:t>2025/10/10</a:t>
             </a:fld>
             <a:endParaRPr lang="en-ZA"/>
           </a:p>
@@ -7566,7 +7566,7 @@
           <a:p>
             <a:fld id="{B8F9F58D-54D6-49D3-825B-81C29B586EBC}" type="datetimeFigureOut">
               <a:rPr lang="en-ZA" smtClean="0"/>
-              <a:t>2025/10/09</a:t>
+              <a:t>2025/10/10</a:t>
             </a:fld>
             <a:endParaRPr lang="en-ZA"/>
           </a:p>
@@ -7809,7 +7809,7 @@
           <a:p>
             <a:fld id="{B8F9F58D-54D6-49D3-825B-81C29B586EBC}" type="datetimeFigureOut">
               <a:rPr lang="en-ZA" smtClean="0"/>
-              <a:t>2025/10/09</a:t>
+              <a:t>2025/10/10</a:t>
             </a:fld>
             <a:endParaRPr lang="en-ZA"/>
           </a:p>
@@ -12416,8 +12416,8 @@
           <a:chExt cx="0" cy="0"/>
         </a:xfrm>
       </p:grpSpPr>
-      <mc:AlternateContent xmlns:mc="http://schemas.openxmlformats.org/markup-compatibility/2006">
-        <mc:Choice xmlns:p14="http://schemas.microsoft.com/office/powerpoint/2010/main" xmlns:aink="http://schemas.microsoft.com/office/drawing/2016/ink" Requires="p14 aink">
+      <mc:AlternateContent xmlns:mc="http://schemas.openxmlformats.org/markup-compatibility/2006" xmlns:p14="http://schemas.microsoft.com/office/powerpoint/2010/main" xmlns:aink="http://schemas.microsoft.com/office/drawing/2016/ink">
+        <mc:Choice Requires="p14 aink">
           <p:contentPart p14:bwMode="auto" r:id="rId2">
             <p14:nvContentPartPr>
               <p14:cNvPr id="2" name="Ink 1">
@@ -12436,7 +12436,7 @@
             </p14:xfrm>
           </p:contentPart>
         </mc:Choice>
-        <mc:Fallback>
+        <mc:Fallback xmlns="">
           <p:pic>
             <p:nvPicPr>
               <p:cNvPr id="2" name="Ink 1">
@@ -12467,8 +12467,8 @@
           </p:pic>
         </mc:Fallback>
       </mc:AlternateContent>
-      <mc:AlternateContent xmlns:mc="http://schemas.openxmlformats.org/markup-compatibility/2006">
-        <mc:Choice xmlns:p14="http://schemas.microsoft.com/office/powerpoint/2010/main" xmlns:aink="http://schemas.microsoft.com/office/drawing/2016/ink" Requires="p14 aink">
+      <mc:AlternateContent xmlns:mc="http://schemas.openxmlformats.org/markup-compatibility/2006" xmlns:p14="http://schemas.microsoft.com/office/powerpoint/2010/main" xmlns:aink="http://schemas.microsoft.com/office/drawing/2016/ink">
+        <mc:Choice Requires="p14 aink">
           <p:contentPart p14:bwMode="auto" r:id="rId4">
             <p14:nvContentPartPr>
               <p14:cNvPr id="6" name="Ink 5">
@@ -12487,7 +12487,7 @@
             </p14:xfrm>
           </p:contentPart>
         </mc:Choice>
-        <mc:Fallback>
+        <mc:Fallback xmlns="">
           <p:pic>
             <p:nvPicPr>
               <p:cNvPr id="6" name="Ink 5">
@@ -12518,8 +12518,8 @@
           </p:pic>
         </mc:Fallback>
       </mc:AlternateContent>
-      <mc:AlternateContent xmlns:mc="http://schemas.openxmlformats.org/markup-compatibility/2006">
-        <mc:Choice xmlns:p14="http://schemas.microsoft.com/office/powerpoint/2010/main" xmlns:aink="http://schemas.microsoft.com/office/drawing/2016/ink" Requires="p14 aink">
+      <mc:AlternateContent xmlns:mc="http://schemas.openxmlformats.org/markup-compatibility/2006" xmlns:p14="http://schemas.microsoft.com/office/powerpoint/2010/main" xmlns:aink="http://schemas.microsoft.com/office/drawing/2016/ink">
+        <mc:Choice Requires="p14 aink">
           <p:contentPart p14:bwMode="auto" r:id="rId6">
             <p14:nvContentPartPr>
               <p14:cNvPr id="10" name="Ink 9">
@@ -12538,7 +12538,7 @@
             </p14:xfrm>
           </p:contentPart>
         </mc:Choice>
-        <mc:Fallback>
+        <mc:Fallback xmlns="">
           <p:pic>
             <p:nvPicPr>
               <p:cNvPr id="10" name="Ink 9">
@@ -12569,8 +12569,8 @@
           </p:pic>
         </mc:Fallback>
       </mc:AlternateContent>
-      <mc:AlternateContent xmlns:mc="http://schemas.openxmlformats.org/markup-compatibility/2006">
-        <mc:Choice xmlns:p14="http://schemas.microsoft.com/office/powerpoint/2010/main" xmlns:aink="http://schemas.microsoft.com/office/drawing/2016/ink" Requires="p14 aink">
+      <mc:AlternateContent xmlns:mc="http://schemas.openxmlformats.org/markup-compatibility/2006" xmlns:p14="http://schemas.microsoft.com/office/powerpoint/2010/main" xmlns:aink="http://schemas.microsoft.com/office/drawing/2016/ink">
+        <mc:Choice Requires="p14 aink">
           <p:contentPart p14:bwMode="auto" r:id="rId8">
             <p14:nvContentPartPr>
               <p14:cNvPr id="12" name="Ink 11">
@@ -12589,7 +12589,7 @@
             </p14:xfrm>
           </p:contentPart>
         </mc:Choice>
-        <mc:Fallback>
+        <mc:Fallback xmlns="">
           <p:pic>
             <p:nvPicPr>
               <p:cNvPr id="12" name="Ink 11">
@@ -12620,8 +12620,8 @@
           </p:pic>
         </mc:Fallback>
       </mc:AlternateContent>
-      <mc:AlternateContent xmlns:mc="http://schemas.openxmlformats.org/markup-compatibility/2006">
-        <mc:Choice xmlns:p14="http://schemas.microsoft.com/office/powerpoint/2010/main" xmlns:aink="http://schemas.microsoft.com/office/drawing/2016/ink" Requires="p14 aink">
+      <mc:AlternateContent xmlns:mc="http://schemas.openxmlformats.org/markup-compatibility/2006" xmlns:p14="http://schemas.microsoft.com/office/powerpoint/2010/main" xmlns:aink="http://schemas.microsoft.com/office/drawing/2016/ink">
+        <mc:Choice Requires="p14 aink">
           <p:contentPart p14:bwMode="auto" r:id="rId10">
             <p14:nvContentPartPr>
               <p14:cNvPr id="14" name="Ink 13">
@@ -12640,7 +12640,7 @@
             </p14:xfrm>
           </p:contentPart>
         </mc:Choice>
-        <mc:Fallback>
+        <mc:Fallback xmlns="">
           <p:pic>
             <p:nvPicPr>
               <p:cNvPr id="14" name="Ink 13">
@@ -12691,8 +12691,8 @@
             <a:chExt cx="2630520" cy="3638160"/>
           </a:xfrm>
         </p:grpSpPr>
-        <mc:AlternateContent xmlns:mc="http://schemas.openxmlformats.org/markup-compatibility/2006">
-          <mc:Choice xmlns:p14="http://schemas.microsoft.com/office/powerpoint/2010/main" xmlns:aink="http://schemas.microsoft.com/office/drawing/2016/ink" Requires="p14 aink">
+        <mc:AlternateContent xmlns:mc="http://schemas.openxmlformats.org/markup-compatibility/2006" xmlns:p14="http://schemas.microsoft.com/office/powerpoint/2010/main" xmlns:aink="http://schemas.microsoft.com/office/drawing/2016/ink">
+          <mc:Choice Requires="p14 aink">
             <p:contentPart p14:bwMode="auto" r:id="rId12">
               <p14:nvContentPartPr>
                 <p14:cNvPr id="27" name="Ink 26">
@@ -12711,7 +12711,7 @@
               </p14:xfrm>
             </p:contentPart>
           </mc:Choice>
-          <mc:Fallback>
+          <mc:Fallback xmlns="">
             <p:pic>
               <p:nvPicPr>
                 <p:cNvPr id="27" name="Ink 26">
@@ -12742,8 +12742,8 @@
             </p:pic>
           </mc:Fallback>
         </mc:AlternateContent>
-        <mc:AlternateContent xmlns:mc="http://schemas.openxmlformats.org/markup-compatibility/2006">
-          <mc:Choice xmlns:p14="http://schemas.microsoft.com/office/powerpoint/2010/main" xmlns:aink="http://schemas.microsoft.com/office/drawing/2016/ink" Requires="p14 aink">
+        <mc:AlternateContent xmlns:mc="http://schemas.openxmlformats.org/markup-compatibility/2006" xmlns:p14="http://schemas.microsoft.com/office/powerpoint/2010/main" xmlns:aink="http://schemas.microsoft.com/office/drawing/2016/ink">
+          <mc:Choice Requires="p14 aink">
             <p:contentPart p14:bwMode="auto" r:id="rId14">
               <p14:nvContentPartPr>
                 <p14:cNvPr id="29" name="Ink 28">
@@ -12762,7 +12762,7 @@
               </p14:xfrm>
             </p:contentPart>
           </mc:Choice>
-          <mc:Fallback>
+          <mc:Fallback xmlns="">
             <p:pic>
               <p:nvPicPr>
                 <p:cNvPr id="29" name="Ink 28">
@@ -12793,8 +12793,8 @@
             </p:pic>
           </mc:Fallback>
         </mc:AlternateContent>
-        <mc:AlternateContent xmlns:mc="http://schemas.openxmlformats.org/markup-compatibility/2006">
-          <mc:Choice xmlns:p14="http://schemas.microsoft.com/office/powerpoint/2010/main" xmlns:aink="http://schemas.microsoft.com/office/drawing/2016/ink" Requires="p14 aink">
+        <mc:AlternateContent xmlns:mc="http://schemas.openxmlformats.org/markup-compatibility/2006" xmlns:p14="http://schemas.microsoft.com/office/powerpoint/2010/main" xmlns:aink="http://schemas.microsoft.com/office/drawing/2016/ink">
+          <mc:Choice Requires="p14 aink">
             <p:contentPart p14:bwMode="auto" r:id="rId16">
               <p14:nvContentPartPr>
                 <p14:cNvPr id="30" name="Ink 29">
@@ -12813,7 +12813,7 @@
               </p14:xfrm>
             </p:contentPart>
           </mc:Choice>
-          <mc:Fallback>
+          <mc:Fallback xmlns="">
             <p:pic>
               <p:nvPicPr>
                 <p:cNvPr id="30" name="Ink 29">
@@ -12865,8 +12865,8 @@
             <a:chExt cx="1433520" cy="2112120"/>
           </a:xfrm>
         </p:grpSpPr>
-        <mc:AlternateContent xmlns:mc="http://schemas.openxmlformats.org/markup-compatibility/2006">
-          <mc:Choice xmlns:p14="http://schemas.microsoft.com/office/powerpoint/2010/main" xmlns:aink="http://schemas.microsoft.com/office/drawing/2016/ink" Requires="p14 aink">
+        <mc:AlternateContent xmlns:mc="http://schemas.openxmlformats.org/markup-compatibility/2006" xmlns:p14="http://schemas.microsoft.com/office/powerpoint/2010/main" xmlns:aink="http://schemas.microsoft.com/office/drawing/2016/ink">
+          <mc:Choice Requires="p14 aink">
             <p:contentPart p14:bwMode="auto" r:id="rId18">
               <p14:nvContentPartPr>
                 <p14:cNvPr id="32" name="Ink 31">
@@ -12885,7 +12885,7 @@
               </p14:xfrm>
             </p:contentPart>
           </mc:Choice>
-          <mc:Fallback>
+          <mc:Fallback xmlns="">
             <p:pic>
               <p:nvPicPr>
                 <p:cNvPr id="32" name="Ink 31">
@@ -12916,8 +12916,8 @@
             </p:pic>
           </mc:Fallback>
         </mc:AlternateContent>
-        <mc:AlternateContent xmlns:mc="http://schemas.openxmlformats.org/markup-compatibility/2006">
-          <mc:Choice xmlns:p14="http://schemas.microsoft.com/office/powerpoint/2010/main" xmlns:aink="http://schemas.microsoft.com/office/drawing/2016/ink" Requires="p14 aink">
+        <mc:AlternateContent xmlns:mc="http://schemas.openxmlformats.org/markup-compatibility/2006" xmlns:p14="http://schemas.microsoft.com/office/powerpoint/2010/main" xmlns:aink="http://schemas.microsoft.com/office/drawing/2016/ink">
+          <mc:Choice Requires="p14 aink">
             <p:contentPart p14:bwMode="auto" r:id="rId20">
               <p14:nvContentPartPr>
                 <p14:cNvPr id="36" name="Ink 35">
@@ -12936,7 +12936,7 @@
               </p14:xfrm>
             </p:contentPart>
           </mc:Choice>
-          <mc:Fallback>
+          <mc:Fallback xmlns="">
             <p:pic>
               <p:nvPicPr>
                 <p:cNvPr id="36" name="Ink 35">
@@ -12967,8 +12967,8 @@
             </p:pic>
           </mc:Fallback>
         </mc:AlternateContent>
-        <mc:AlternateContent xmlns:mc="http://schemas.openxmlformats.org/markup-compatibility/2006">
-          <mc:Choice xmlns:p14="http://schemas.microsoft.com/office/powerpoint/2010/main" xmlns:aink="http://schemas.microsoft.com/office/drawing/2016/ink" Requires="p14 aink">
+        <mc:AlternateContent xmlns:mc="http://schemas.openxmlformats.org/markup-compatibility/2006" xmlns:p14="http://schemas.microsoft.com/office/powerpoint/2010/main" xmlns:aink="http://schemas.microsoft.com/office/drawing/2016/ink">
+          <mc:Choice Requires="p14 aink">
             <p:contentPart p14:bwMode="auto" r:id="rId22">
               <p14:nvContentPartPr>
                 <p14:cNvPr id="38" name="Ink 37">
@@ -12987,7 +12987,7 @@
               </p14:xfrm>
             </p:contentPart>
           </mc:Choice>
-          <mc:Fallback>
+          <mc:Fallback xmlns="">
             <p:pic>
               <p:nvPicPr>
                 <p:cNvPr id="38" name="Ink 37">
@@ -13039,8 +13039,8 @@
             <a:chExt cx="2630520" cy="3638160"/>
           </a:xfrm>
         </p:grpSpPr>
-        <mc:AlternateContent xmlns:mc="http://schemas.openxmlformats.org/markup-compatibility/2006">
-          <mc:Choice xmlns:p14="http://schemas.microsoft.com/office/powerpoint/2010/main" xmlns:aink="http://schemas.microsoft.com/office/drawing/2016/ink" Requires="p14 aink">
+        <mc:AlternateContent xmlns:mc="http://schemas.openxmlformats.org/markup-compatibility/2006" xmlns:p14="http://schemas.microsoft.com/office/powerpoint/2010/main" xmlns:aink="http://schemas.microsoft.com/office/drawing/2016/ink">
+          <mc:Choice Requires="p14 aink">
             <p:contentPart p14:bwMode="auto" r:id="rId24">
               <p14:nvContentPartPr>
                 <p14:cNvPr id="42" name="Ink 41">
@@ -13059,7 +13059,7 @@
               </p14:xfrm>
             </p:contentPart>
           </mc:Choice>
-          <mc:Fallback>
+          <mc:Fallback xmlns="">
             <p:pic>
               <p:nvPicPr>
                 <p:cNvPr id="42" name="Ink 41">
@@ -13090,8 +13090,8 @@
             </p:pic>
           </mc:Fallback>
         </mc:AlternateContent>
-        <mc:AlternateContent xmlns:mc="http://schemas.openxmlformats.org/markup-compatibility/2006">
-          <mc:Choice xmlns:p14="http://schemas.microsoft.com/office/powerpoint/2010/main" xmlns:aink="http://schemas.microsoft.com/office/drawing/2016/ink" Requires="p14 aink">
+        <mc:AlternateContent xmlns:mc="http://schemas.openxmlformats.org/markup-compatibility/2006" xmlns:p14="http://schemas.microsoft.com/office/powerpoint/2010/main" xmlns:aink="http://schemas.microsoft.com/office/drawing/2016/ink">
+          <mc:Choice Requires="p14 aink">
             <p:contentPart p14:bwMode="auto" r:id="rId26">
               <p14:nvContentPartPr>
                 <p14:cNvPr id="43" name="Ink 42">
@@ -13110,7 +13110,7 @@
               </p14:xfrm>
             </p:contentPart>
           </mc:Choice>
-          <mc:Fallback>
+          <mc:Fallback xmlns="">
             <p:pic>
               <p:nvPicPr>
                 <p:cNvPr id="43" name="Ink 42">
@@ -13141,8 +13141,8 @@
             </p:pic>
           </mc:Fallback>
         </mc:AlternateContent>
-        <mc:AlternateContent xmlns:mc="http://schemas.openxmlformats.org/markup-compatibility/2006">
-          <mc:Choice xmlns:p14="http://schemas.microsoft.com/office/powerpoint/2010/main" xmlns:aink="http://schemas.microsoft.com/office/drawing/2016/ink" Requires="p14 aink">
+        <mc:AlternateContent xmlns:mc="http://schemas.openxmlformats.org/markup-compatibility/2006" xmlns:p14="http://schemas.microsoft.com/office/powerpoint/2010/main" xmlns:aink="http://schemas.microsoft.com/office/drawing/2016/ink">
+          <mc:Choice Requires="p14 aink">
             <p:contentPart p14:bwMode="auto" r:id="rId28">
               <p14:nvContentPartPr>
                 <p14:cNvPr id="44" name="Ink 43">
@@ -13161,7 +13161,7 @@
               </p14:xfrm>
             </p:contentPart>
           </mc:Choice>
-          <mc:Fallback>
+          <mc:Fallback xmlns="">
             <p:pic>
               <p:nvPicPr>
                 <p:cNvPr id="44" name="Ink 43">
@@ -13213,8 +13213,8 @@
             <a:chExt cx="1433520" cy="2112120"/>
           </a:xfrm>
         </p:grpSpPr>
-        <mc:AlternateContent xmlns:mc="http://schemas.openxmlformats.org/markup-compatibility/2006">
-          <mc:Choice xmlns:p14="http://schemas.microsoft.com/office/powerpoint/2010/main" xmlns:aink="http://schemas.microsoft.com/office/drawing/2016/ink" Requires="p14 aink">
+        <mc:AlternateContent xmlns:mc="http://schemas.openxmlformats.org/markup-compatibility/2006" xmlns:p14="http://schemas.microsoft.com/office/powerpoint/2010/main" xmlns:aink="http://schemas.microsoft.com/office/drawing/2016/ink">
+          <mc:Choice Requires="p14 aink">
             <p:contentPart p14:bwMode="auto" r:id="rId30">
               <p14:nvContentPartPr>
                 <p14:cNvPr id="47" name="Ink 46">
@@ -13233,7 +13233,7 @@
               </p14:xfrm>
             </p:contentPart>
           </mc:Choice>
-          <mc:Fallback>
+          <mc:Fallback xmlns="">
             <p:pic>
               <p:nvPicPr>
                 <p:cNvPr id="47" name="Ink 46">
@@ -13264,8 +13264,8 @@
             </p:pic>
           </mc:Fallback>
         </mc:AlternateContent>
-        <mc:AlternateContent xmlns:mc="http://schemas.openxmlformats.org/markup-compatibility/2006">
-          <mc:Choice xmlns:p14="http://schemas.microsoft.com/office/powerpoint/2010/main" xmlns:aink="http://schemas.microsoft.com/office/drawing/2016/ink" Requires="p14 aink">
+        <mc:AlternateContent xmlns:mc="http://schemas.openxmlformats.org/markup-compatibility/2006" xmlns:p14="http://schemas.microsoft.com/office/powerpoint/2010/main" xmlns:aink="http://schemas.microsoft.com/office/drawing/2016/ink">
+          <mc:Choice Requires="p14 aink">
             <p:contentPart p14:bwMode="auto" r:id="rId32">
               <p14:nvContentPartPr>
                 <p14:cNvPr id="49" name="Ink 48">
@@ -13284,7 +13284,7 @@
               </p14:xfrm>
             </p:contentPart>
           </mc:Choice>
-          <mc:Fallback>
+          <mc:Fallback xmlns="">
             <p:pic>
               <p:nvPicPr>
                 <p:cNvPr id="49" name="Ink 48">
@@ -13315,8 +13315,8 @@
             </p:pic>
           </mc:Fallback>
         </mc:AlternateContent>
-        <mc:AlternateContent xmlns:mc="http://schemas.openxmlformats.org/markup-compatibility/2006">
-          <mc:Choice xmlns:p14="http://schemas.microsoft.com/office/powerpoint/2010/main" xmlns:aink="http://schemas.microsoft.com/office/drawing/2016/ink" Requires="p14 aink">
+        <mc:AlternateContent xmlns:mc="http://schemas.openxmlformats.org/markup-compatibility/2006" xmlns:p14="http://schemas.microsoft.com/office/powerpoint/2010/main" xmlns:aink="http://schemas.microsoft.com/office/drawing/2016/ink">
+          <mc:Choice Requires="p14 aink">
             <p:contentPart p14:bwMode="auto" r:id="rId34">
               <p14:nvContentPartPr>
                 <p14:cNvPr id="50" name="Ink 49">
@@ -13335,7 +13335,7 @@
               </p14:xfrm>
             </p:contentPart>
           </mc:Choice>
-          <mc:Fallback>
+          <mc:Fallback xmlns="">
             <p:pic>
               <p:nvPicPr>
                 <p:cNvPr id="50" name="Ink 49">
@@ -13367,8 +13367,8 @@
           </mc:Fallback>
         </mc:AlternateContent>
       </p:grpSp>
-      <mc:AlternateContent xmlns:mc="http://schemas.openxmlformats.org/markup-compatibility/2006">
-        <mc:Choice xmlns:p14="http://schemas.microsoft.com/office/powerpoint/2010/main" xmlns:aink="http://schemas.microsoft.com/office/drawing/2016/ink" Requires="p14 aink">
+      <mc:AlternateContent xmlns:mc="http://schemas.openxmlformats.org/markup-compatibility/2006" xmlns:p14="http://schemas.microsoft.com/office/powerpoint/2010/main" xmlns:aink="http://schemas.microsoft.com/office/drawing/2016/ink">
+        <mc:Choice Requires="p14 aink">
           <p:contentPart p14:bwMode="auto" r:id="rId36">
             <p14:nvContentPartPr>
               <p14:cNvPr id="58" name="Ink 57">
@@ -13387,7 +13387,7 @@
             </p14:xfrm>
           </p:contentPart>
         </mc:Choice>
-        <mc:Fallback>
+        <mc:Fallback xmlns="">
           <p:pic>
             <p:nvPicPr>
               <p:cNvPr id="58" name="Ink 57">
@@ -13418,8 +13418,8 @@
           </p:pic>
         </mc:Fallback>
       </mc:AlternateContent>
-      <mc:AlternateContent xmlns:mc="http://schemas.openxmlformats.org/markup-compatibility/2006">
-        <mc:Choice xmlns:p14="http://schemas.microsoft.com/office/powerpoint/2010/main" xmlns:aink="http://schemas.microsoft.com/office/drawing/2016/ink" Requires="p14 aink">
+      <mc:AlternateContent xmlns:mc="http://schemas.openxmlformats.org/markup-compatibility/2006" xmlns:p14="http://schemas.microsoft.com/office/powerpoint/2010/main" xmlns:aink="http://schemas.microsoft.com/office/drawing/2016/ink">
+        <mc:Choice Requires="p14 aink">
           <p:contentPart p14:bwMode="auto" r:id="rId38">
             <p14:nvContentPartPr>
               <p14:cNvPr id="61" name="Ink 60">
@@ -13438,7 +13438,7 @@
             </p14:xfrm>
           </p:contentPart>
         </mc:Choice>
-        <mc:Fallback>
+        <mc:Fallback xmlns="">
           <p:pic>
             <p:nvPicPr>
               <p:cNvPr id="61" name="Ink 60">
@@ -13971,8 +13971,8 @@
             <a:chExt cx="304200" cy="186480"/>
           </a:xfrm>
         </p:grpSpPr>
-        <mc:AlternateContent xmlns:mc="http://schemas.openxmlformats.org/markup-compatibility/2006">
-          <mc:Choice xmlns:p14="http://schemas.microsoft.com/office/powerpoint/2010/main" xmlns:aink="http://schemas.microsoft.com/office/drawing/2016/ink" Requires="p14 aink">
+        <mc:AlternateContent xmlns:mc="http://schemas.openxmlformats.org/markup-compatibility/2006" xmlns:p14="http://schemas.microsoft.com/office/powerpoint/2010/main" xmlns:aink="http://schemas.microsoft.com/office/drawing/2016/ink">
+          <mc:Choice Requires="p14 aink">
             <p:contentPart p14:bwMode="auto" r:id="rId40">
               <p14:nvContentPartPr>
                 <p14:cNvPr id="17" name="Ink 16">
@@ -13991,7 +13991,7 @@
               </p14:xfrm>
             </p:contentPart>
           </mc:Choice>
-          <mc:Fallback>
+          <mc:Fallback xmlns="">
             <p:pic>
               <p:nvPicPr>
                 <p:cNvPr id="17" name="Ink 16">
@@ -14022,8 +14022,8 @@
             </p:pic>
           </mc:Fallback>
         </mc:AlternateContent>
-        <mc:AlternateContent xmlns:mc="http://schemas.openxmlformats.org/markup-compatibility/2006">
-          <mc:Choice xmlns:p14="http://schemas.microsoft.com/office/powerpoint/2010/main" xmlns:aink="http://schemas.microsoft.com/office/drawing/2016/ink" Requires="p14 aink">
+        <mc:AlternateContent xmlns:mc="http://schemas.openxmlformats.org/markup-compatibility/2006" xmlns:p14="http://schemas.microsoft.com/office/powerpoint/2010/main" xmlns:aink="http://schemas.microsoft.com/office/drawing/2016/ink">
+          <mc:Choice Requires="p14 aink">
             <p:contentPart p14:bwMode="auto" r:id="rId42">
               <p14:nvContentPartPr>
                 <p14:cNvPr id="18" name="Ink 17">
@@ -14042,7 +14042,7 @@
               </p14:xfrm>
             </p:contentPart>
           </mc:Choice>
-          <mc:Fallback>
+          <mc:Fallback xmlns="">
             <p:pic>
               <p:nvPicPr>
                 <p:cNvPr id="18" name="Ink 17">
@@ -14094,8 +14094,8 @@
             <a:chExt cx="340920" cy="157680"/>
           </a:xfrm>
         </p:grpSpPr>
-        <mc:AlternateContent xmlns:mc="http://schemas.openxmlformats.org/markup-compatibility/2006">
-          <mc:Choice xmlns:p14="http://schemas.microsoft.com/office/powerpoint/2010/main" xmlns:aink="http://schemas.microsoft.com/office/drawing/2016/ink" Requires="p14 aink">
+        <mc:AlternateContent xmlns:mc="http://schemas.openxmlformats.org/markup-compatibility/2006" xmlns:p14="http://schemas.microsoft.com/office/powerpoint/2010/main" xmlns:aink="http://schemas.microsoft.com/office/drawing/2016/ink">
+          <mc:Choice Requires="p14 aink">
             <p:contentPart p14:bwMode="auto" r:id="rId44">
               <p14:nvContentPartPr>
                 <p14:cNvPr id="20" name="Ink 19">
@@ -14114,7 +14114,7 @@
               </p14:xfrm>
             </p:contentPart>
           </mc:Choice>
-          <mc:Fallback>
+          <mc:Fallback xmlns="">
             <p:pic>
               <p:nvPicPr>
                 <p:cNvPr id="20" name="Ink 19">
@@ -14145,8 +14145,8 @@
             </p:pic>
           </mc:Fallback>
         </mc:AlternateContent>
-        <mc:AlternateContent xmlns:mc="http://schemas.openxmlformats.org/markup-compatibility/2006">
-          <mc:Choice xmlns:p14="http://schemas.microsoft.com/office/powerpoint/2010/main" xmlns:aink="http://schemas.microsoft.com/office/drawing/2016/ink" Requires="p14 aink">
+        <mc:AlternateContent xmlns:mc="http://schemas.openxmlformats.org/markup-compatibility/2006" xmlns:p14="http://schemas.microsoft.com/office/powerpoint/2010/main" xmlns:aink="http://schemas.microsoft.com/office/drawing/2016/ink">
+          <mc:Choice Requires="p14 aink">
             <p:contentPart p14:bwMode="auto" r:id="rId46">
               <p14:nvContentPartPr>
                 <p14:cNvPr id="21" name="Ink 20">
@@ -14165,7 +14165,7 @@
               </p14:xfrm>
             </p:contentPart>
           </mc:Choice>
-          <mc:Fallback>
+          <mc:Fallback xmlns="">
             <p:pic>
               <p:nvPicPr>
                 <p:cNvPr id="21" name="Ink 20">
@@ -14197,8 +14197,8 @@
           </mc:Fallback>
         </mc:AlternateContent>
       </p:grpSp>
-      <mc:AlternateContent xmlns:mc="http://schemas.openxmlformats.org/markup-compatibility/2006">
-        <mc:Choice xmlns:p14="http://schemas.microsoft.com/office/powerpoint/2010/main" xmlns:aink="http://schemas.microsoft.com/office/drawing/2016/ink" Requires="p14 aink">
+      <mc:AlternateContent xmlns:mc="http://schemas.openxmlformats.org/markup-compatibility/2006" xmlns:p14="http://schemas.microsoft.com/office/powerpoint/2010/main" xmlns:aink="http://schemas.microsoft.com/office/drawing/2016/ink">
+        <mc:Choice Requires="p14 aink">
           <p:contentPart p14:bwMode="auto" r:id="rId48">
             <p14:nvContentPartPr>
               <p14:cNvPr id="24" name="Ink 23">
@@ -14217,7 +14217,7 @@
             </p14:xfrm>
           </p:contentPart>
         </mc:Choice>
-        <mc:Fallback>
+        <mc:Fallback xmlns="">
           <p:pic>
             <p:nvPicPr>
               <p:cNvPr id="24" name="Ink 23">
@@ -14248,8 +14248,8 @@
           </p:pic>
         </mc:Fallback>
       </mc:AlternateContent>
-      <mc:AlternateContent xmlns:mc="http://schemas.openxmlformats.org/markup-compatibility/2006">
-        <mc:Choice xmlns:p14="http://schemas.microsoft.com/office/powerpoint/2010/main" xmlns:aink="http://schemas.microsoft.com/office/drawing/2016/ink" Requires="p14 aink">
+      <mc:AlternateContent xmlns:mc="http://schemas.openxmlformats.org/markup-compatibility/2006" xmlns:p14="http://schemas.microsoft.com/office/powerpoint/2010/main" xmlns:aink="http://schemas.microsoft.com/office/drawing/2016/ink">
+        <mc:Choice Requires="p14 aink">
           <p:contentPart p14:bwMode="auto" r:id="rId50">
             <p14:nvContentPartPr>
               <p14:cNvPr id="25" name="Ink 24">
@@ -14268,7 +14268,7 @@
             </p14:xfrm>
           </p:contentPart>
         </mc:Choice>
-        <mc:Fallback>
+        <mc:Fallback xmlns="">
           <p:pic>
             <p:nvPicPr>
               <p:cNvPr id="25" name="Ink 24">
@@ -14319,8 +14319,8 @@
             <a:chExt cx="275040" cy="231120"/>
           </a:xfrm>
         </p:grpSpPr>
-        <mc:AlternateContent xmlns:mc="http://schemas.openxmlformats.org/markup-compatibility/2006">
-          <mc:Choice xmlns:p14="http://schemas.microsoft.com/office/powerpoint/2010/main" xmlns:aink="http://schemas.microsoft.com/office/drawing/2016/ink" Requires="p14 aink">
+        <mc:AlternateContent xmlns:mc="http://schemas.openxmlformats.org/markup-compatibility/2006" xmlns:p14="http://schemas.microsoft.com/office/powerpoint/2010/main" xmlns:aink="http://schemas.microsoft.com/office/drawing/2016/ink">
+          <mc:Choice Requires="p14 aink">
             <p:contentPart p14:bwMode="auto" r:id="rId52">
               <p14:nvContentPartPr>
                 <p14:cNvPr id="26" name="Ink 25">
@@ -14339,7 +14339,7 @@
               </p14:xfrm>
             </p:contentPart>
           </mc:Choice>
-          <mc:Fallback>
+          <mc:Fallback xmlns="">
             <p:pic>
               <p:nvPicPr>
                 <p:cNvPr id="26" name="Ink 25">
@@ -14370,8 +14370,8 @@
             </p:pic>
           </mc:Fallback>
         </mc:AlternateContent>
-        <mc:AlternateContent xmlns:mc="http://schemas.openxmlformats.org/markup-compatibility/2006">
-          <mc:Choice xmlns:p14="http://schemas.microsoft.com/office/powerpoint/2010/main" xmlns:aink="http://schemas.microsoft.com/office/drawing/2016/ink" Requires="p14 aink">
+        <mc:AlternateContent xmlns:mc="http://schemas.openxmlformats.org/markup-compatibility/2006" xmlns:p14="http://schemas.microsoft.com/office/powerpoint/2010/main" xmlns:aink="http://schemas.microsoft.com/office/drawing/2016/ink">
+          <mc:Choice Requires="p14 aink">
             <p:contentPart p14:bwMode="auto" r:id="rId54">
               <p14:nvContentPartPr>
                 <p14:cNvPr id="28" name="Ink 27">
@@ -14390,7 +14390,7 @@
               </p14:xfrm>
             </p:contentPart>
           </mc:Choice>
-          <mc:Fallback>
+          <mc:Fallback xmlns="">
             <p:pic>
               <p:nvPicPr>
                 <p:cNvPr id="28" name="Ink 27">
@@ -14422,8 +14422,8 @@
           </mc:Fallback>
         </mc:AlternateContent>
       </p:grpSp>
-      <mc:AlternateContent xmlns:mc="http://schemas.openxmlformats.org/markup-compatibility/2006">
-        <mc:Choice xmlns:p14="http://schemas.microsoft.com/office/powerpoint/2010/main" xmlns:aink="http://schemas.microsoft.com/office/drawing/2016/ink" Requires="p14 aink">
+      <mc:AlternateContent xmlns:mc="http://schemas.openxmlformats.org/markup-compatibility/2006" xmlns:p14="http://schemas.microsoft.com/office/powerpoint/2010/main" xmlns:aink="http://schemas.microsoft.com/office/drawing/2016/ink">
+        <mc:Choice Requires="p14 aink">
           <p:contentPart p14:bwMode="auto" r:id="rId56">
             <p14:nvContentPartPr>
               <p14:cNvPr id="34" name="Ink 33">
@@ -14442,7 +14442,7 @@
             </p14:xfrm>
           </p:contentPart>
         </mc:Choice>
-        <mc:Fallback>
+        <mc:Fallback xmlns="">
           <p:pic>
             <p:nvPicPr>
               <p:cNvPr id="34" name="Ink 33">
@@ -14473,8 +14473,8 @@
           </p:pic>
         </mc:Fallback>
       </mc:AlternateContent>
-      <mc:AlternateContent xmlns:mc="http://schemas.openxmlformats.org/markup-compatibility/2006">
-        <mc:Choice xmlns:p14="http://schemas.microsoft.com/office/powerpoint/2010/main" xmlns:aink="http://schemas.microsoft.com/office/drawing/2016/ink" Requires="p14 aink">
+      <mc:AlternateContent xmlns:mc="http://schemas.openxmlformats.org/markup-compatibility/2006" xmlns:p14="http://schemas.microsoft.com/office/powerpoint/2010/main" xmlns:aink="http://schemas.microsoft.com/office/drawing/2016/ink">
+        <mc:Choice Requires="p14 aink">
           <p:contentPart p14:bwMode="auto" r:id="rId58">
             <p14:nvContentPartPr>
               <p14:cNvPr id="46" name="Ink 45">
@@ -14493,7 +14493,7 @@
             </p14:xfrm>
           </p:contentPart>
         </mc:Choice>
-        <mc:Fallback>
+        <mc:Fallback xmlns="">
           <p:pic>
             <p:nvPicPr>
               <p:cNvPr id="46" name="Ink 45">
@@ -14524,6 +14524,81 @@
           </p:pic>
         </mc:Fallback>
       </mc:AlternateContent>
+      <p:sp>
+        <p:nvSpPr>
+          <p:cNvPr id="13" name="TextBox 12">
+            <a:extLst>
+              <a:ext uri="{FF2B5EF4-FFF2-40B4-BE49-F238E27FC236}">
+                <a16:creationId xmlns:a16="http://schemas.microsoft.com/office/drawing/2014/main" id="{D672821D-6BD5-53D0-250D-B69EE8ED398D}"/>
+              </a:ext>
+            </a:extLst>
+          </p:cNvPr>
+          <p:cNvSpPr txBox="1"/>
+          <p:nvPr/>
+        </p:nvSpPr>
+        <p:spPr>
+          <a:xfrm>
+            <a:off x="7669448" y="6306970"/>
+            <a:ext cx="5004407" cy="646331"/>
+          </a:xfrm>
+          <a:prstGeom prst="rect">
+            <a:avLst/>
+          </a:prstGeom>
+          <a:noFill/>
+        </p:spPr>
+        <p:txBody>
+          <a:bodyPr wrap="square" rtlCol="0">
+            <a:spAutoFit/>
+          </a:bodyPr>
+          <a:lstStyle/>
+          <a:p>
+            <a:r>
+              <a:rPr lang="en-ZA" dirty="0">
+                <a:solidFill>
+                  <a:schemeClr val="bg1"/>
+                </a:solidFill>
+                <a:latin typeface="Segoe Print" panose="02000600000000000000" pitchFamily="2" charset="0"/>
+              </a:rPr>
+              <a:t>Data Source: </a:t>
+            </a:r>
+            <a:r>
+              <a:rPr lang="en-ZA" dirty="0" err="1">
+                <a:solidFill>
+                  <a:schemeClr val="bg1"/>
+                </a:solidFill>
+                <a:latin typeface="Segoe Print" panose="02000600000000000000" pitchFamily="2" charset="0"/>
+              </a:rPr>
+              <a:t>Fbref</a:t>
+            </a:r>
+            <a:r>
+              <a:rPr lang="en-ZA" dirty="0">
+                <a:solidFill>
+                  <a:schemeClr val="bg1"/>
+                </a:solidFill>
+                <a:latin typeface="Segoe Print" panose="02000600000000000000" pitchFamily="2" charset="0"/>
+              </a:rPr>
+              <a:t>, 2024-25 season</a:t>
+            </a:r>
+            <a:br>
+              <a:rPr lang="en-ZA" dirty="0">
+                <a:solidFill>
+                  <a:schemeClr val="bg1"/>
+                </a:solidFill>
+                <a:latin typeface="Segoe Print" panose="02000600000000000000" pitchFamily="2" charset="0"/>
+              </a:rPr>
+            </a:br>
+            <a:r>
+              <a:rPr lang="en-ZA" dirty="0">
+                <a:solidFill>
+                  <a:schemeClr val="bg1"/>
+                </a:solidFill>
+                <a:latin typeface="Segoe Print" panose="02000600000000000000" pitchFamily="2" charset="0"/>
+              </a:rPr>
+              <a:t>Min. 1800 Mins</a:t>
+            </a:r>
+          </a:p>
+        </p:txBody>
+      </p:sp>
     </p:spTree>
     <p:extLst>
       <p:ext uri="{BB962C8B-B14F-4D97-AF65-F5344CB8AC3E}">

--- a/Outputs/Backgrounds.pptx
+++ b/Outputs/Backgrounds.pptx
@@ -10,10 +10,11 @@
     <p:sldId id="258" r:id="rId4"/>
     <p:sldId id="259" r:id="rId5"/>
     <p:sldId id="263" r:id="rId6"/>
-    <p:sldId id="264" r:id="rId7"/>
-    <p:sldId id="260" r:id="rId8"/>
-    <p:sldId id="261" r:id="rId9"/>
-    <p:sldId id="262" r:id="rId10"/>
+    <p:sldId id="265" r:id="rId7"/>
+    <p:sldId id="264" r:id="rId8"/>
+    <p:sldId id="260" r:id="rId9"/>
+    <p:sldId id="261" r:id="rId10"/>
+    <p:sldId id="262" r:id="rId11"/>
   </p:sldIdLst>
   <p:sldSz cx="12192000" cy="6858000"/>
   <p:notesSz cx="6858000" cy="9144000"/>
@@ -195,25 +196,23 @@
         <inkml:traceFormat>
           <inkml:channel name="X" type="integer" min="-2.14748E9" max="2.14748E9" units="cm"/>
           <inkml:channel name="Y" type="integer" min="-2.14748E9" max="2.14748E9" units="cm"/>
-          <inkml:channel name="F" type="integer" max="32767" units="dev"/>
         </inkml:traceFormat>
         <inkml:channelProperties>
           <inkml:channelProperty channel="X" name="resolution" value="1000" units="1/cm"/>
           <inkml:channelProperty channel="Y" name="resolution" value="1000" units="1/cm"/>
-          <inkml:channelProperty channel="F" name="resolution" value="0" units="1/dev"/>
         </inkml:channelProperties>
       </inkml:inkSource>
-      <inkml:timestamp xml:id="ts0" timeString="2025-10-07T10:49:41.693"/>
+      <inkml:timestamp xml:id="ts0" timeString="2025-10-09T05:43:16.983"/>
     </inkml:context>
     <inkml:brush xml:id="br0">
-      <inkml:brushProperty name="width" value="0.35" units="cm"/>
-      <inkml:brushProperty name="height" value="2.1" units="cm"/>
+      <inkml:brushProperty name="width" value="0.1" units="cm"/>
+      <inkml:brushProperty name="height" value="0.6" units="cm"/>
       <inkml:brushProperty name="color" value="#FFFFFF"/>
       <inkml:brushProperty name="ignorePressure" value="1"/>
       <inkml:brushProperty name="inkEffects" value="pencil"/>
     </inkml:brush>
   </inkml:definitions>
-  <inkml:trace contextRef="#ctx0" brushRef="#br0">1612 806 0,'-1'32'0,"0"-1"0,-3 1 0,0-1 0,-1 0 0,-2 0 0,-1 0 0,-1-1 0,-2 0 0,0-1 0,-2 0 0,-1 0 0,-1-1 0,-1-1 0,-1 0 0,-1-1 0,-1-1 0,-1-1 0,-1 0 0,-1-1 0,-1-1 0,-1-1 0,0-1 0,-1-1 0,-1-1 0,-1-1 0,0-1 0,-1-1 0,-1-1 0,0-1 0,0-2 0,-1 0 0,0-2 0,-1-1 0,0-1 0,0-2 0,0-1 0,-1 0 0,1-3 0,-1 0 0,0-2 0,1 0 0,-1-3 0,1 0 0,0-1 0,0-2 0,0-1 0,1-1 0,0-2 0,1 0 0,0-2 0,0-1 0,1-1 0,1-1 0,0-1 0,1-1 0,1-1 0,1-1 0,0-1 0,1-1 0,1-1 0,1-1 0,1 0 0,1-1 0,1-1 0,1-1 0,1 0 0,1-1 0,1-1 0,1 0 0,2 0 0,0-1 0,2 0 0,1-1 0,1 0 0,2 0 0,1 0 0,0-1 0,3 1 0,0-1 0,2 0 0,0 1 0,3-1 0,0 1 0,1 0 0,2 0 0,1 0 0,1 1 0,2 0 0,0 1 0,2 0 0,1 0 0,1 1 0,1 1 0,1 0 0,1 1 0,1 1 0,1 1 0,1 0 0,1 1 0,1 1 0,1 1 0,0 1 0,1 1 0,1 1 0,1 1 0,0 1 0,1 1 0,1 1 0,0 1 0,0 2 0,1 0 0,0 2 0,1 1 0,0 1 0,0 2 0,0 1 0,1 0 0,-1 3 0,1 0 0,0 2 0,-1 0 0,1 3 0,-1 0 0,0 1 0,0 2 0,0 1 0,-1 1 0,0 2 0,-1 0 0,0 2 0,0 1 0,-1 1 0,-1 1 0,0 1 0,-1 1 0,-1 1 0,-1 1 0,0 1 0,-1 1 0,-1 1 0,-1 1 0,-1 0 0,-1 1 0,-1 1 0,-1 1 0,-1 0 0,-1 1 0,-1 1 0,-1 0 0,-2 0 0,0 1 0,-2 0 0,-1 1 0,-1 0 0,-2 0 0,-1 0 0,0 1 0,-3-1 0,0 1 0</inkml:trace>
+  <inkml:trace contextRef="#ctx0" brushRef="#br0">0 1,'9'0,"8"0,6 0,3 0,2 0,1 0,1 0,3 0,2 0,-1 0,-1 0,-3 0,0 0,3 0,1 0,-1 0,3 0,1 0,-2 0,-2 0,-2 0,-2 0,4 0,1 0,-1 0,3 0,-4 0</inkml:trace>
 </inkml:ink>
 </file>
 
@@ -225,25 +224,23 @@
         <inkml:traceFormat>
           <inkml:channel name="X" type="integer" min="-2.14748E9" max="2.14748E9" units="cm"/>
           <inkml:channel name="Y" type="integer" min="-2.14748E9" max="2.14748E9" units="cm"/>
-          <inkml:channel name="F" type="integer" max="32767" units="dev"/>
         </inkml:traceFormat>
         <inkml:channelProperties>
           <inkml:channelProperty channel="X" name="resolution" value="1000" units="1/cm"/>
           <inkml:channelProperty channel="Y" name="resolution" value="1000" units="1/cm"/>
-          <inkml:channelProperty channel="F" name="resolution" value="0" units="1/dev"/>
         </inkml:channelProperties>
       </inkml:inkSource>
-      <inkml:timestamp xml:id="ts0" timeString="2025-10-07T10:49:42.139"/>
+      <inkml:timestamp xml:id="ts0" timeString="2025-10-09T05:43:18.635"/>
     </inkml:context>
     <inkml:brush xml:id="br0">
-      <inkml:brushProperty name="width" value="0.35" units="cm"/>
-      <inkml:brushProperty name="height" value="2.1" units="cm"/>
+      <inkml:brushProperty name="width" value="0.1" units="cm"/>
+      <inkml:brushProperty name="height" value="0.6" units="cm"/>
       <inkml:brushProperty name="color" value="#FFFFFF"/>
       <inkml:brushProperty name="ignorePressure" value="1"/>
       <inkml:brushProperty name="inkEffects" value="pencil"/>
     </inkml:brush>
   </inkml:definitions>
-  <inkml:trace contextRef="#ctx0" brushRef="#br0">1612 806 0,'-1'32'0,"0"-1"0,-3 1 0,0-1 0,-1 0 0,-2 0 0,-1 0 0,-1-1 0,-2 0 0,0-1 0,-2 0 0,-1 0 0,-1-1 0,-1-1 0,-1 0 0,-1-1 0,-1-1 0,-1-1 0,-1 0 0,-1-1 0,-1-1 0,-1-1 0,0-1 0,-1-1 0,-1-1 0,-1-1 0,0-1 0,-1-1 0,-1-1 0,0-1 0,0-2 0,-1 0 0,0-2 0,-1-1 0,0-1 0,0-2 0,0-1 0,-1 0 0,1-3 0,-1 0 0,0-2 0,1 0 0,-1-3 0,1 0 0,0-1 0,0-2 0,0-1 0,1-1 0,0-2 0,1 0 0,0-2 0,0-1 0,1-1 0,1-1 0,0-1 0,1-1 0,1-1 0,1-1 0,0-1 0,1-1 0,1-1 0,1-1 0,1 0 0,1-1 0,1-1 0,1-1 0,1 0 0,1-1 0,1-1 0,1 0 0,2 0 0,0-1 0,2 0 0,1-1 0,1 0 0,2 0 0,1 0 0,0-1 0,3 1 0,0-1 0,2 0 0,0 1 0,3-1 0,0 1 0,1 0 0,2 0 0,1 0 0,1 1 0,2 0 0,0 1 0,2 0 0,1 0 0,1 1 0,1 1 0,1 0 0,1 1 0,1 1 0,1 1 0,1 0 0,1 1 0,1 1 0,1 1 0,0 1 0,1 1 0,1 1 0,1 1 0,0 1 0,1 1 0,1 1 0,0 1 0,0 2 0,1 0 0,0 2 0,1 1 0,0 1 0,0 2 0,0 1 0,1 0 0,-1 3 0,1 0 0,0 2 0,-1 0 0,1 3 0,-1 0 0,0 1 0,0 2 0,0 1 0,-1 1 0,0 2 0,-1 0 0,0 2 0,0 1 0,-1 1 0,-1 1 0,0 1 0,-1 1 0,-1 1 0,-1 1 0,0 1 0,-1 1 0,-1 1 0,-1 1 0,-1 0 0,-1 1 0,-1 1 0,-1 1 0,-1 0 0,-1 1 0,-1 1 0,-1 0 0,-2 0 0,0 1 0,-2 0 0,-1 1 0,-1 0 0,-2 0 0,-1 0 0,0 1 0,-3-1 0,0 1 0</inkml:trace>
+  <inkml:trace contextRef="#ctx0" brushRef="#br0">0 1,'5'0,"5"4,3 7,2 1,4-1,7-3,5 2,-3 4,-2 0,-1 2,0 2,-4 4,-5 2,-6 6,-9 4,-5-1,-6 0,-2-2,1 4,-1-5,-4-2,0-2,-1 0,3 0,3-5</inkml:trace>
 </inkml:ink>
 </file>
 
@@ -255,25 +252,23 @@
         <inkml:traceFormat>
           <inkml:channel name="X" type="integer" min="-2.14748E9" max="2.14748E9" units="cm"/>
           <inkml:channel name="Y" type="integer" min="-2.14748E9" max="2.14748E9" units="cm"/>
-          <inkml:channel name="F" type="integer" max="32767" units="dev"/>
         </inkml:traceFormat>
         <inkml:channelProperties>
           <inkml:channelProperty channel="X" name="resolution" value="1000" units="1/cm"/>
           <inkml:channelProperty channel="Y" name="resolution" value="1000" units="1/cm"/>
-          <inkml:channelProperty channel="F" name="resolution" value="0" units="1/dev"/>
         </inkml:channelProperties>
       </inkml:inkSource>
-      <inkml:timestamp xml:id="ts0" timeString="2025-10-07T10:49:42.523"/>
+      <inkml:timestamp xml:id="ts0" timeString="2025-10-09T05:43:21.990"/>
     </inkml:context>
     <inkml:brush xml:id="br0">
-      <inkml:brushProperty name="width" value="0.35" units="cm"/>
-      <inkml:brushProperty name="height" value="2.1" units="cm"/>
+      <inkml:brushProperty name="width" value="0.1" units="cm"/>
+      <inkml:brushProperty name="height" value="0.6" units="cm"/>
       <inkml:brushProperty name="color" value="#FFFFFF"/>
       <inkml:brushProperty name="ignorePressure" value="1"/>
       <inkml:brushProperty name="inkEffects" value="pencil"/>
     </inkml:brush>
   </inkml:definitions>
-  <inkml:trace contextRef="#ctx0" brushRef="#br0">1612 806 0,'-1'32'0,"0"-1"0,-3 1 0,0-1 0,-1 0 0,-2 0 0,-1 0 0,-1-1 0,-2 0 0,0-1 0,-2 0 0,-1 0 0,-1-1 0,-1-1 0,-1 0 0,-1-1 0,-1-1 0,-1-1 0,-1 0 0,-1-1 0,-1-1 0,-1-1 0,0-1 0,-1-1 0,-1-1 0,-1-1 0,0-1 0,-1-1 0,-1-1 0,0-1 0,0-2 0,-1 0 0,0-2 0,-1-1 0,0-1 0,0-2 0,0-1 0,-1 0 0,1-3 0,-1 0 0,0-2 0,1 0 0,-1-3 0,1 0 0,0-1 0,0-2 0,0-1 0,1-1 0,0-2 0,1 0 0,0-2 0,0-1 0,1-1 0,1-1 0,0-1 0,1-1 0,1-1 0,1-1 0,0-1 0,1-1 0,1-1 0,1-1 0,1 0 0,1-1 0,1-1 0,1-1 0,1 0 0,1-1 0,1-1 0,1 0 0,2 0 0,0-1 0,2 0 0,1-1 0,1 0 0,2 0 0,1 0 0,0-1 0,3 1 0,0-1 0,2 0 0,0 1 0,3-1 0,0 1 0,1 0 0,2 0 0,1 0 0,1 1 0,2 0 0,0 1 0,2 0 0,1 0 0,1 1 0,1 1 0,1 0 0,1 1 0,1 1 0,1 1 0,1 0 0,1 1 0,1 1 0,1 1 0,0 1 0,1 1 0,1 1 0,1 1 0,0 1 0,1 1 0,1 1 0,0 1 0,0 2 0,1 0 0,0 2 0,1 1 0,0 1 0,0 2 0,0 1 0,1 0 0,-1 3 0,1 0 0,0 2 0,-1 0 0,1 3 0,-1 0 0,0 1 0,0 2 0,0 1 0,-1 1 0,0 2 0,-1 0 0,0 2 0,0 1 0,-1 1 0,-1 1 0,0 1 0,-1 1 0,-1 1 0,-1 1 0,0 1 0,-1 1 0,-1 1 0,-1 1 0,-1 0 0,-1 1 0,-1 1 0,-1 1 0,-1 0 0,-1 1 0,-1 1 0,-1 0 0,-2 0 0,0 1 0,-2 0 0,-1 1 0,-1 0 0,-2 0 0,-1 0 0,0 1 0,-3-1 0,0 1 0</inkml:trace>
+  <inkml:trace contextRef="#ctx0" brushRef="#br0">0 0,'5'5,"10"1,12 0,7-2,2 0,-1-2,-2-1,-1-1,-2 0,-1 0,-1 0,-1-1,4 1,3 0,-1 0,-2 0,5 0,-1 0,-1 0,-1 5,-2 1,2 0,2-1,-2-2,-1-1,-2 0,-1-2,-5 0</inkml:trace>
 </inkml:ink>
 </file>
 
@@ -291,17 +286,17 @@
           <inkml:channelProperty channel="Y" name="resolution" value="1000" units="1/cm"/>
         </inkml:channelProperties>
       </inkml:inkSource>
-      <inkml:timestamp xml:id="ts0" timeString="2025-10-07T10:51:46.317"/>
+      <inkml:timestamp xml:id="ts0" timeString="2025-10-09T05:43:23.925"/>
     </inkml:context>
     <inkml:brush xml:id="br0">
-      <inkml:brushProperty name="width" value="0.35" units="cm"/>
-      <inkml:brushProperty name="height" value="2.1" units="cm"/>
+      <inkml:brushProperty name="width" value="0.1" units="cm"/>
+      <inkml:brushProperty name="height" value="0.6" units="cm"/>
       <inkml:brushProperty name="color" value="#FFFFFF"/>
       <inkml:brushProperty name="ignorePressure" value="1"/>
       <inkml:brushProperty name="inkEffects" value="pencil"/>
     </inkml:brush>
   </inkml:definitions>
-  <inkml:trace contextRef="#ctx0" brushRef="#br0">1 591,'0'-4,"4"-6,15-2,18 2,10 3,11 2,12-3,4 1,-6 1,2-7,2-1,-2 1,1 4,0-2,-3 2,1-3,1 1,2-6,1-1,-2 4,4-1,2 2,5-1,3 2,4 3,-1-6,12-4,10 0,4 4,4 5,9-1,13-7,13-5,11-2,8 2,2 1,-8 4,3-3,4 1,7 5,20 5,12 3,5 0,0 0,-2 1,2 3,-2 1,-1 0,5 2,6 0,-6 0,0 1,-7-1,-5 0,-2 0,-10 1,-4-1,-7 0,-14 0,-18 0,-13 0,-18 0,-24 0,-24 0,-25 0</inkml:trace>
+  <inkml:trace contextRef="#ctx0" brushRef="#br0">1 0,'0'5,"4"10,7 3,5 3,6-1,3-6,1-3,-2-1,-2-1,1-2,5 7,3 1,1-2,-6 1,-6 3,-12 4,-12 2,-5 2,-5-3,-6-5,-8-6,-9 0,2 3,6 4,5-2,1 2,0 2,3-2</inkml:trace>
 </inkml:ink>
 </file>
 
@@ -313,23 +308,25 @@
         <inkml:traceFormat>
           <inkml:channel name="X" type="integer" min="-2.14748E9" max="2.14748E9" units="cm"/>
           <inkml:channel name="Y" type="integer" min="-2.14748E9" max="2.14748E9" units="cm"/>
+          <inkml:channel name="F" type="integer" max="32767" units="dev"/>
         </inkml:traceFormat>
         <inkml:channelProperties>
           <inkml:channelProperty channel="X" name="resolution" value="1000" units="1/cm"/>
           <inkml:channelProperty channel="Y" name="resolution" value="1000" units="1/cm"/>
+          <inkml:channelProperty channel="F" name="resolution" value="0" units="1/dev"/>
         </inkml:channelProperties>
       </inkml:inkSource>
-      <inkml:timestamp xml:id="ts0" timeString="2025-10-07T10:51:49.051"/>
+      <inkml:timestamp xml:id="ts0" timeString="2025-10-09T05:43:28.697"/>
     </inkml:context>
     <inkml:brush xml:id="br0">
-      <inkml:brushProperty name="width" value="0.35" units="cm"/>
-      <inkml:brushProperty name="height" value="2.1" units="cm"/>
+      <inkml:brushProperty name="width" value="0.1" units="cm"/>
+      <inkml:brushProperty name="height" value="0.6" units="cm"/>
       <inkml:brushProperty name="color" value="#FFFFFF"/>
       <inkml:brushProperty name="ignorePressure" value="1"/>
       <inkml:brushProperty name="inkEffects" value="pencil"/>
     </inkml:brush>
   </inkml:definitions>
-  <inkml:trace contextRef="#ctx0" brushRef="#br0">0 0,'5'5,"5"1,5 4,5 0,-1 3,1-1,5-2,3 1,6 4,0 3,1-2,1 2,0-3,2-4,-1 5,-2 0,-3-3,-7 1,-3-2,-1-4,0-2,-3 2,-1 3,2 1,1 2,2 3,-2 3,-6 3,-4 6,-4 2,-8 1,-8 7,-6 2,-5-1,-3 0,-2-6,3-5,2-6,0-9,3-1,-4 1,-3 3,-1 3,0-3,-1 1,0 2,5 1,-2 2,2 1,1-3,3-1,2-4,-2-5,3 1,-1 2,-7 7,-3 5,3 3,5-5</inkml:trace>
+  <inkml:trace contextRef="#ctx0" brushRef="#br0">1 1 0,'0'684'0</inkml:trace>
 </inkml:ink>
 </file>
 
@@ -347,17 +344,17 @@
           <inkml:channelProperty channel="Y" name="resolution" value="1000" units="1/cm"/>
         </inkml:channelProperties>
       </inkml:inkSource>
-      <inkml:timestamp xml:id="ts0" timeString="2025-10-07T10:51:51.621"/>
+      <inkml:timestamp xml:id="ts0" timeString="2025-10-09T05:43:30.780"/>
     </inkml:context>
     <inkml:brush xml:id="br0">
-      <inkml:brushProperty name="width" value="0.35" units="cm"/>
-      <inkml:brushProperty name="height" value="2.1" units="cm"/>
+      <inkml:brushProperty name="width" value="0.1" units="cm"/>
+      <inkml:brushProperty name="height" value="0.6" units="cm"/>
       <inkml:brushProperty name="color" value="#FFFFFF"/>
       <inkml:brushProperty name="ignorePressure" value="1"/>
       <inkml:brushProperty name="inkEffects" value="pencil"/>
     </inkml:brush>
   </inkml:definitions>
-  <inkml:trace contextRef="#ctx0" brushRef="#br0">0 1,'9'4,"7"2,5 3,0 6,-1-1,2 3,1-3,1 2,5 1,2-1,13 1,30 1,37 7,39 8,42 2,41 5,28-1,18 2,6-2,1-3,-3-7,-16-5,-31 2,-29-2,-33-7,-28-5,-22 0,-18-3,-15-3,-1 3,2-1,3-2,2-2,3-1,10-1,8-2,2 0,-3 0,-3-1,-8 1,-4 0,-8 0,-5 0,-10-1,-5 1,2 0,2 0,0 0,4 1,2-1,0 0,-2-5,-2-5,-5-1,-7 1,-2-2,5-4,4-7,-7 0,-10 4,2 1,4-6,0 2,-2 5,-3 0,-3 4,-6-1,1-2,5-3,-3 2,-1-1,-1 3,-1 4,1 0,-5-3,-6-4,0 2,1-1,-2-2,-3 2,-3 0,-3 2,-3 5,-5-1,2 1,1-1,2-4,-1 1,0-2,5-2,1-3,-5 3</inkml:trace>
+  <inkml:trace contextRef="#ctx0" brushRef="#br0">1 164,'5'0,"10"5,8 1,5 5,1 0,1-2,0-2,0-3,3 3,2 1,-1-2,3-1,-5 2,-3 1,-2-2,-1-5,0-9,5-7,-3-6,-2-8,-5-4,-6-6,-1 4,2 3,-2 2,-4 7</inkml:trace>
 </inkml:ink>
 </file>
 
@@ -375,17 +372,17 @@
           <inkml:channelProperty channel="Y" name="resolution" value="1000" units="1/cm"/>
         </inkml:channelProperties>
       </inkml:inkSource>
-      <inkml:timestamp xml:id="ts0" timeString="2025-10-07T10:51:53.460"/>
+      <inkml:timestamp xml:id="ts0" timeString="2025-10-09T05:43:34.604"/>
     </inkml:context>
     <inkml:brush xml:id="br0">
-      <inkml:brushProperty name="width" value="0.35" units="cm"/>
-      <inkml:brushProperty name="height" value="2.1" units="cm"/>
+      <inkml:brushProperty name="width" value="0.1" units="cm"/>
+      <inkml:brushProperty name="height" value="0.6" units="cm"/>
       <inkml:brushProperty name="color" value="#FFFFFF"/>
       <inkml:brushProperty name="ignorePressure" value="1"/>
       <inkml:brushProperty name="inkEffects" value="pencil"/>
     </inkml:brush>
   </inkml:definitions>
-  <inkml:trace contextRef="#ctx0" brushRef="#br0">12 1,'-4'0,"-2"4,5 2,2 4,6 0,10 3,6 8,5 0,1-3,8-5,4-4,6 4,1 1,0-2,-3-4,-1-2,-3 1,4 0,-1-1,0-2,-2-2,0 4,-3 0,6 0,-1-2,-8 4,-10 3,-10 15,-6 14,-7 11,-2 4,-2 6,-1 2,0-1,-4-3,-1-7,0-8,2-7,2-1,1 2,-3-1,-2 6,2 1,1-4,1-8</inkml:trace>
+  <inkml:trace contextRef="#ctx0" brushRef="#br0">748 0,'-5'0,"-5"0,-7 0,-5 0,-2 0,-3 0,-1 0,-1 0,-4 0,-2 0,1 0,-3 0,0 0,-7 0,-2 0,3 0,4 0,-1 0,3 0,2 0,2 0,3 0,-3 0,4 0</inkml:trace>
 </inkml:ink>
 </file>
 
@@ -403,17 +400,17 @@
           <inkml:channelProperty channel="Y" name="resolution" value="1000" units="1/cm"/>
         </inkml:channelProperties>
       </inkml:inkSource>
-      <inkml:timestamp xml:id="ts0" timeString="2025-10-07T10:52:03.388"/>
+      <inkml:timestamp xml:id="ts0" timeString="2025-10-09T05:43:36.785"/>
     </inkml:context>
     <inkml:brush xml:id="br0">
-      <inkml:brushProperty name="width" value="0.35" units="cm"/>
-      <inkml:brushProperty name="height" value="2.1" units="cm"/>
+      <inkml:brushProperty name="width" value="0.1" units="cm"/>
+      <inkml:brushProperty name="height" value="0.6" units="cm"/>
       <inkml:brushProperty name="color" value="#FFFFFF"/>
       <inkml:brushProperty name="ignorePressure" value="1"/>
       <inkml:brushProperty name="inkEffects" value="pencil"/>
     </inkml:brush>
   </inkml:definitions>
-  <inkml:trace contextRef="#ctx0" brushRef="#br0">0 1,'4'4,"6"6,6 2,13 2,10 0,12-3,10-4,12-2,16-3,14-1,16-1,5 0,4-1,-3 0,-1 1,-4 0,-9-1,-11 1,-13 0,-13 0,-14 0,-10 0,-3 0,-2 0,0 0,-2 0,-5 0,0 0,-2 0,1 0,4 0,3 0,-6 0</inkml:trace>
+  <inkml:trace contextRef="#ctx0" brushRef="#br0">327 0,'0'5,"0"6,-4 1,-7-1,-6 1,-5 9,-7 1,-4 0,-1 2,1-3,1-1,1 2,2 0,6 2,6 2,6 0,10 1,10 5,8 2,5-5,-1-3,1-1,2-5,-5-1,1 1,0-3,3 0,-4 2,0 3,2-3,-4-5</inkml:trace>
 </inkml:ink>
 </file>
 
@@ -425,23 +422,25 @@
         <inkml:traceFormat>
           <inkml:channel name="X" type="integer" min="-2.14748E9" max="2.14748E9" units="cm"/>
           <inkml:channel name="Y" type="integer" min="-2.14748E9" max="2.14748E9" units="cm"/>
+          <inkml:channel name="F" type="integer" max="32767" units="dev"/>
         </inkml:traceFormat>
         <inkml:channelProperties>
           <inkml:channelProperty channel="X" name="resolution" value="1000" units="1/cm"/>
           <inkml:channelProperty channel="Y" name="resolution" value="1000" units="1/cm"/>
+          <inkml:channelProperty channel="F" name="resolution" value="0" units="1/dev"/>
         </inkml:channelProperties>
       </inkml:inkSource>
-      <inkml:timestamp xml:id="ts0" timeString="2025-10-07T10:52:04.723"/>
+      <inkml:timestamp xml:id="ts0" timeString="2025-10-09T05:43:41.193"/>
     </inkml:context>
     <inkml:brush xml:id="br0">
-      <inkml:brushProperty name="width" value="0.35" units="cm"/>
-      <inkml:brushProperty name="height" value="2.1" units="cm"/>
+      <inkml:brushProperty name="width" value="0.1" units="cm"/>
+      <inkml:brushProperty name="height" value="0.6" units="cm"/>
       <inkml:brushProperty name="color" value="#FFFFFF"/>
       <inkml:brushProperty name="ignorePressure" value="1"/>
       <inkml:brushProperty name="inkEffects" value="pencil"/>
     </inkml:brush>
   </inkml:definitions>
-  <inkml:trace contextRef="#ctx0" brushRef="#br0">11 0,'-5'0,"0"5,8 5,13 10,8 6,21 12,17 3,11 0,-3-8,-1-9,2 0,2 0,-3-3,-5-7,-13 5,-16 2,-13 7,-12 3,-15 9,-16 7,-19 3,-14 8,-8 6,-6 5,3-4,13-10,16-13</inkml:trace>
+  <inkml:trace contextRef="#ctx0" brushRef="#br0">793 28 0,'-793'-28'0</inkml:trace>
 </inkml:ink>
 </file>
 
@@ -459,17 +458,17 @@
           <inkml:channelProperty channel="Y" name="resolution" value="1000" units="1/cm"/>
         </inkml:channelProperties>
       </inkml:inkSource>
-      <inkml:timestamp xml:id="ts0" timeString="2025-10-07T10:52:06.291"/>
+      <inkml:timestamp xml:id="ts0" timeString="2025-10-09T05:43:54.724"/>
     </inkml:context>
     <inkml:brush xml:id="br0">
-      <inkml:brushProperty name="width" value="0.35" units="cm"/>
-      <inkml:brushProperty name="height" value="2.1" units="cm"/>
+      <inkml:brushProperty name="width" value="0.1" units="cm"/>
+      <inkml:brushProperty name="height" value="0.6" units="cm"/>
       <inkml:brushProperty name="color" value="#FFFFFF"/>
       <inkml:brushProperty name="ignorePressure" value="1"/>
       <inkml:brushProperty name="inkEffects" value="pencil"/>
     </inkml:brush>
   </inkml:definitions>
-  <inkml:trace contextRef="#ctx0" brushRef="#br0">0 1,'4'4,"15"6,13 2,5-2,0-3,8 3,0-1,-3-2,4 2,4-1,1 4,-3-1,-2-3,1-2,5 3,-1-2,3 0,5 1,7 1,0-2,6-2,4-1,7-3,2 0,5-1,-1 0,-7-1,-8 1,-12 0,-13 0,-10-1,-7 1,-5 0,-2 0,-2 0,0 0,1 0,0 0,9 0,4 0,-1 0,3 0,3 0,-1 0,1 0,-2 0,1-4,2-2,-2 0,-3 2,-8 1</inkml:trace>
+  <inkml:trace contextRef="#ctx0" brushRef="#br0">490 1,'-5'0,"-6"0,-10 0,-7 4,-3 2,4 5,-3-1,-5 4,2 4,4 3,0-2,2-3,5-1,2-3,-6 7,-2-1,-1 1,4 8,6 3,7 1,10 0,9-1,9 0,11 3,5 2,2-2,0-5,-6-4,-3-5,4-2,-4 2,-5 1,-2-2,1 1,1 0,3-1,1-5,-3-4</inkml:trace>
 </inkml:ink>
 </file>
 
@@ -515,34 +514,6 @@
           <inkml:channelProperty channel="Y" name="resolution" value="1000" units="1/cm"/>
         </inkml:channelProperties>
       </inkml:inkSource>
-      <inkml:timestamp xml:id="ts0" timeString="2025-10-07T10:52:08.155"/>
-    </inkml:context>
-    <inkml:brush xml:id="br0">
-      <inkml:brushProperty name="width" value="0.35" units="cm"/>
-      <inkml:brushProperty name="height" value="2.1" units="cm"/>
-      <inkml:brushProperty name="color" value="#FFFFFF"/>
-      <inkml:brushProperty name="ignorePressure" value="1"/>
-      <inkml:brushProperty name="inkEffects" value="pencil"/>
-    </inkml:brush>
-  </inkml:definitions>
-  <inkml:trace contextRef="#ctx0" brushRef="#br0">0 0,'5'0,"9"0,7 5,5 1,6 8,2 2,0 3,3-3,-1 6,-2 3,2-3,4-1,-1 1,-3 0,2 2,2-4,4-1,-1 1,-4-3,-9 0,-9 6,-8 3,-6 15,-9 22,-4 9,-6 5,-9 4,-1-9,-1-12,-1-7,3-9,6-6,0-3,-1-1,-2-3,-3-3,3 4,-1 0,0-1,2-1,4 2,0 1,-2-1,-3-2,2-1,3-6</inkml:trace>
-</inkml:ink>
-</file>
-
-<file path=ppt/ink/ink111.xml><?xml version="1.0" encoding="utf-8"?>
-<inkml:ink xmlns:inkml="http://www.w3.org/2003/InkML">
-  <inkml:definitions>
-    <inkml:context xml:id="ctx0">
-      <inkml:inkSource xml:id="inkSrc0">
-        <inkml:traceFormat>
-          <inkml:channel name="X" type="integer" min="-2.14748E9" max="2.14748E9" units="cm"/>
-          <inkml:channel name="Y" type="integer" min="-2.14748E9" max="2.14748E9" units="cm"/>
-        </inkml:traceFormat>
-        <inkml:channelProperties>
-          <inkml:channelProperty channel="X" name="resolution" value="1000" units="1/cm"/>
-          <inkml:channelProperty channel="Y" name="resolution" value="1000" units="1/cm"/>
-        </inkml:channelProperties>
-      </inkml:inkSource>
       <inkml:timestamp xml:id="ts0" timeString="2025-10-07T10:04:20.885"/>
     </inkml:context>
     <inkml:brush xml:id="br0">
@@ -557,7 +528,7 @@
 </inkml:ink>
 </file>
 
-<file path=ppt/ink/ink112.xml><?xml version="1.0" encoding="utf-8"?>
+<file path=ppt/ink/ink111.xml><?xml version="1.0" encoding="utf-8"?>
 <inkml:ink xmlns:inkml="http://www.w3.org/2003/InkML">
   <inkml:definitions>
     <inkml:context xml:id="ctx0">
@@ -587,7 +558,7 @@
 </inkml:ink>
 </file>
 
-<file path=ppt/ink/ink113.xml><?xml version="1.0" encoding="utf-8"?>
+<file path=ppt/ink/ink112.xml><?xml version="1.0" encoding="utf-8"?>
 <inkml:ink xmlns:inkml="http://www.w3.org/2003/InkML">
   <inkml:definitions>
     <inkml:context xml:id="ctx0">
@@ -617,7 +588,7 @@
 </inkml:ink>
 </file>
 
-<file path=ppt/ink/ink114.xml><?xml version="1.0" encoding="utf-8"?>
+<file path=ppt/ink/ink113.xml><?xml version="1.0" encoding="utf-8"?>
 <inkml:ink xmlns:inkml="http://www.w3.org/2003/InkML">
   <inkml:definitions>
     <inkml:context xml:id="ctx0">
@@ -647,7 +618,7 @@
 </inkml:ink>
 </file>
 
-<file path=ppt/ink/ink115.xml><?xml version="1.0" encoding="utf-8"?>
+<file path=ppt/ink/ink114.xml><?xml version="1.0" encoding="utf-8"?>
 <inkml:ink xmlns:inkml="http://www.w3.org/2003/InkML">
   <inkml:definitions>
     <inkml:context xml:id="ctx0">
@@ -677,7 +648,7 @@
 </inkml:ink>
 </file>
 
-<file path=ppt/ink/ink116.xml><?xml version="1.0" encoding="utf-8"?>
+<file path=ppt/ink/ink115.xml><?xml version="1.0" encoding="utf-8"?>
 <inkml:ink xmlns:inkml="http://www.w3.org/2003/InkML">
   <inkml:definitions>
     <inkml:context xml:id="ctx0">
@@ -707,7 +678,7 @@
 </inkml:ink>
 </file>
 
-<file path=ppt/ink/ink117.xml><?xml version="1.0" encoding="utf-8"?>
+<file path=ppt/ink/ink116.xml><?xml version="1.0" encoding="utf-8"?>
 <inkml:ink xmlns:inkml="http://www.w3.org/2003/InkML">
   <inkml:definitions>
     <inkml:context xml:id="ctx0">
@@ -737,7 +708,7 @@
 </inkml:ink>
 </file>
 
-<file path=ppt/ink/ink118.xml><?xml version="1.0" encoding="utf-8"?>
+<file path=ppt/ink/ink117.xml><?xml version="1.0" encoding="utf-8"?>
 <inkml:ink xmlns:inkml="http://www.w3.org/2003/InkML">
   <inkml:definitions>
     <inkml:context xml:id="ctx0">
@@ -765,7 +736,7 @@
 </inkml:ink>
 </file>
 
-<file path=ppt/ink/ink119.xml><?xml version="1.0" encoding="utf-8"?>
+<file path=ppt/ink/ink118.xml><?xml version="1.0" encoding="utf-8"?>
 <inkml:ink xmlns:inkml="http://www.w3.org/2003/InkML">
   <inkml:definitions>
     <inkml:context xml:id="ctx0">
@@ -792,6 +763,36 @@
     </inkml:brush>
   </inkml:definitions>
   <inkml:trace contextRef="#ctx0" brushRef="#br0">0 0 0,'3902'27'0</inkml:trace>
+</inkml:ink>
+</file>
+
+<file path=ppt/ink/ink119.xml><?xml version="1.0" encoding="utf-8"?>
+<inkml:ink xmlns:inkml="http://www.w3.org/2003/InkML">
+  <inkml:definitions>
+    <inkml:context xml:id="ctx0">
+      <inkml:inkSource xml:id="inkSrc0">
+        <inkml:traceFormat>
+          <inkml:channel name="X" type="integer" min="-2.14748E9" max="2.14748E9" units="cm"/>
+          <inkml:channel name="Y" type="integer" min="-2.14748E9" max="2.14748E9" units="cm"/>
+          <inkml:channel name="F" type="integer" max="32767" units="dev"/>
+        </inkml:traceFormat>
+        <inkml:channelProperties>
+          <inkml:channelProperty channel="X" name="resolution" value="1000" units="1/cm"/>
+          <inkml:channelProperty channel="Y" name="resolution" value="1000" units="1/cm"/>
+          <inkml:channelProperty channel="F" name="resolution" value="0" units="1/dev"/>
+        </inkml:channelProperties>
+      </inkml:inkSource>
+      <inkml:timestamp xml:id="ts0" timeString="2025-10-07T10:06:39.058"/>
+    </inkml:context>
+    <inkml:brush xml:id="br0">
+      <inkml:brushProperty name="width" value="0.35" units="cm"/>
+      <inkml:brushProperty name="height" value="2.1" units="cm"/>
+      <inkml:brushProperty name="color" value="#FFFFFF"/>
+      <inkml:brushProperty name="ignorePressure" value="1"/>
+      <inkml:brushProperty name="inkEffects" value="pencil"/>
+    </inkml:brush>
+  </inkml:definitions>
+  <inkml:trace contextRef="#ctx0" brushRef="#br0">0 0 0,'3981'26'0</inkml:trace>
 </inkml:ink>
 </file>
 
@@ -839,36 +840,6 @@
           <inkml:channelProperty channel="F" name="resolution" value="0" units="1/dev"/>
         </inkml:channelProperties>
       </inkml:inkSource>
-      <inkml:timestamp xml:id="ts0" timeString="2025-10-07T10:06:39.058"/>
-    </inkml:context>
-    <inkml:brush xml:id="br0">
-      <inkml:brushProperty name="width" value="0.35" units="cm"/>
-      <inkml:brushProperty name="height" value="2.1" units="cm"/>
-      <inkml:brushProperty name="color" value="#FFFFFF"/>
-      <inkml:brushProperty name="ignorePressure" value="1"/>
-      <inkml:brushProperty name="inkEffects" value="pencil"/>
-    </inkml:brush>
-  </inkml:definitions>
-  <inkml:trace contextRef="#ctx0" brushRef="#br0">0 0 0,'3981'26'0</inkml:trace>
-</inkml:ink>
-</file>
-
-<file path=ppt/ink/ink121.xml><?xml version="1.0" encoding="utf-8"?>
-<inkml:ink xmlns:inkml="http://www.w3.org/2003/InkML">
-  <inkml:definitions>
-    <inkml:context xml:id="ctx0">
-      <inkml:inkSource xml:id="inkSrc0">
-        <inkml:traceFormat>
-          <inkml:channel name="X" type="integer" min="-2.14748E9" max="2.14748E9" units="cm"/>
-          <inkml:channel name="Y" type="integer" min="-2.14748E9" max="2.14748E9" units="cm"/>
-          <inkml:channel name="F" type="integer" max="32767" units="dev"/>
-        </inkml:traceFormat>
-        <inkml:channelProperties>
-          <inkml:channelProperty channel="X" name="resolution" value="1000" units="1/cm"/>
-          <inkml:channelProperty channel="Y" name="resolution" value="1000" units="1/cm"/>
-          <inkml:channelProperty channel="F" name="resolution" value="0" units="1/dev"/>
-        </inkml:channelProperties>
-      </inkml:inkSource>
       <inkml:timestamp xml:id="ts0" timeString="2025-10-07T10:06:42.387"/>
     </inkml:context>
     <inkml:brush xml:id="br0">
@@ -883,7 +854,7 @@
 </inkml:ink>
 </file>
 
-<file path=ppt/ink/ink122.xml><?xml version="1.0" encoding="utf-8"?>
+<file path=ppt/ink/ink121.xml><?xml version="1.0" encoding="utf-8"?>
 <inkml:ink xmlns:inkml="http://www.w3.org/2003/InkML">
   <inkml:definitions>
     <inkml:context xml:id="ctx0">
@@ -913,7 +884,7 @@
 </inkml:ink>
 </file>
 
-<file path=ppt/ink/ink123.xml><?xml version="1.0" encoding="utf-8"?>
+<file path=ppt/ink/ink122.xml><?xml version="1.0" encoding="utf-8"?>
 <inkml:ink xmlns:inkml="http://www.w3.org/2003/InkML">
   <inkml:definitions>
     <inkml:context xml:id="ctx0">
@@ -943,7 +914,7 @@
 </inkml:ink>
 </file>
 
-<file path=ppt/ink/ink124.xml><?xml version="1.0" encoding="utf-8"?>
+<file path=ppt/ink/ink123.xml><?xml version="1.0" encoding="utf-8"?>
 <inkml:ink xmlns:inkml="http://www.w3.org/2003/InkML">
   <inkml:definitions>
     <inkml:context xml:id="ctx0">
@@ -971,7 +942,7 @@
 </inkml:ink>
 </file>
 
-<file path=ppt/ink/ink125.xml><?xml version="1.0" encoding="utf-8"?>
+<file path=ppt/ink/ink124.xml><?xml version="1.0" encoding="utf-8"?>
 <inkml:ink xmlns:inkml="http://www.w3.org/2003/InkML">
   <inkml:definitions>
     <inkml:context xml:id="ctx0">
@@ -1001,7 +972,7 @@
 </inkml:ink>
 </file>
 
-<file path=ppt/ink/ink126.xml><?xml version="1.0" encoding="utf-8"?>
+<file path=ppt/ink/ink125.xml><?xml version="1.0" encoding="utf-8"?>
 <inkml:ink xmlns:inkml="http://www.w3.org/2003/InkML">
   <inkml:definitions>
     <inkml:context xml:id="ctx0">
@@ -1031,7 +1002,7 @@
 </inkml:ink>
 </file>
 
-<file path=ppt/ink/ink127.xml><?xml version="1.0" encoding="utf-8"?>
+<file path=ppt/ink/ink126.xml><?xml version="1.0" encoding="utf-8"?>
 <inkml:ink xmlns:inkml="http://www.w3.org/2003/InkML">
   <inkml:definitions>
     <inkml:context xml:id="ctx0">
@@ -1061,7 +1032,7 @@
 </inkml:ink>
 </file>
 
-<file path=ppt/ink/ink128.xml><?xml version="1.0" encoding="utf-8"?>
+<file path=ppt/ink/ink127.xml><?xml version="1.0" encoding="utf-8"?>
 <inkml:ink xmlns:inkml="http://www.w3.org/2003/InkML">
   <inkml:definitions>
     <inkml:context xml:id="ctx0">
@@ -1091,7 +1062,7 @@
 </inkml:ink>
 </file>
 
-<file path=ppt/ink/ink129.xml><?xml version="1.0" encoding="utf-8"?>
+<file path=ppt/ink/ink128.xml><?xml version="1.0" encoding="utf-8"?>
 <inkml:ink xmlns:inkml="http://www.w3.org/2003/InkML">
   <inkml:definitions>
     <inkml:context xml:id="ctx0">
@@ -1118,6 +1089,36 @@
     </inkml:brush>
   </inkml:definitions>
   <inkml:trace contextRef="#ctx0" brushRef="#br0">4116 2058 0,'-2'81'0,"-2"-1"0,-4 1 0,-3-1 0,-4-1 0,-2 0 0,-3 0 0,-4-2 0,-2-1 0,-4 0 0,-2-2 0,-3-2 0,-3 0 0,-3-3 0,-3-1 0,-2-1 0,-3-3 0,-2-1 0,-3-3 0,-2-2 0,-2-2 0,-2-2 0,-3-3 0,-1-2 0,-3-3 0,-1-2 0,-1-3 0,-3-3 0,0-3 0,-2-3 0,-2-2 0,0-4 0,-1-2 0,-2-4 0,0-3 0,0-2 0,-1-4 0,-1-3 0,1-4 0,-1-2 0,0-4 0,1-2 0,-1-4 0,1-3 0,1-4 0,0-2 0,0-3 0,2-4 0,1-2 0,0-4 0,2-2 0,2-3 0,0-3 0,3-3 0,1-3 0,1-2 0,3-3 0,1-2 0,3-3 0,2-2 0,2-2 0,2-2 0,3-3 0,2-1 0,3-3 0,2-1 0,3-1 0,3-3 0,3 0 0,3-2 0,2-2 0,4 0 0,2-1 0,4-2 0,3 0 0,2 0 0,4-1 0,3-1 0,4 1 0,2-1 0,4 0 0,2 1 0,4-1 0,3 1 0,4 1 0,2 0 0,3 0 0,4 2 0,2 1 0,4 0 0,2 2 0,3 2 0,3 0 0,3 3 0,3 1 0,2 1 0,3 3 0,2 1 0,3 3 0,2 2 0,2 2 0,2 2 0,3 3 0,1 2 0,3 3 0,1 2 0,1 3 0,3 3 0,0 3 0,2 3 0,2 2 0,0 4 0,1 2 0,2 4 0,0 3 0,0 2 0,1 4 0,1 3 0,-1 4 0,1 2 0,0 4 0,-1 2 0,1 4 0,-1 3 0,-1 4 0,0 2 0,0 3 0,-2 4 0,-1 2 0,0 4 0,-2 2 0,-2 3 0,0 3 0,-3 3 0,-1 3 0,-1 2 0,-3 3 0,-1 2 0,-3 3 0,-2 2 0,-2 2 0,-2 2 0,-3 3 0,-2 1 0,-3 3 0,-2 1 0,-3 1 0,-3 3 0,-3 0 0,-3 2 0,-2 2 0,-4 0 0,-2 1 0,-4 2 0,-3 0 0,-2 0 0,-4 1 0,-3 1 0,-4-1 0,-2 1 0</inkml:trace>
+</inkml:ink>
+</file>
+
+<file path=ppt/ink/ink129.xml><?xml version="1.0" encoding="utf-8"?>
+<inkml:ink xmlns:inkml="http://www.w3.org/2003/InkML">
+  <inkml:definitions>
+    <inkml:context xml:id="ctx0">
+      <inkml:inkSource xml:id="inkSrc0">
+        <inkml:traceFormat>
+          <inkml:channel name="X" type="integer" min="-2.14748E9" max="2.14748E9" units="cm"/>
+          <inkml:channel name="Y" type="integer" min="-2.14748E9" max="2.14748E9" units="cm"/>
+          <inkml:channel name="F" type="integer" max="32767" units="dev"/>
+        </inkml:traceFormat>
+        <inkml:channelProperties>
+          <inkml:channelProperty channel="X" name="resolution" value="1000" units="1/cm"/>
+          <inkml:channelProperty channel="Y" name="resolution" value="1000" units="1/cm"/>
+          <inkml:channelProperty channel="F" name="resolution" value="0" units="1/dev"/>
+        </inkml:channelProperties>
+      </inkml:inkSource>
+      <inkml:timestamp xml:id="ts0" timeString="2025-10-07T10:49:36.782"/>
+    </inkml:context>
+    <inkml:brush xml:id="br0">
+      <inkml:brushProperty name="width" value="0.35" units="cm"/>
+      <inkml:brushProperty name="height" value="2.1" units="cm"/>
+      <inkml:brushProperty name="color" value="#FFFFFF"/>
+      <inkml:brushProperty name="ignorePressure" value="1"/>
+      <inkml:brushProperty name="inkEffects" value="pencil"/>
+    </inkml:brush>
+  </inkml:definitions>
+  <inkml:trace contextRef="#ctx0" brushRef="#br0">1612 806 0,'-1'32'0,"0"-1"0,-3 1 0,0-1 0,-1 0 0,-2 0 0,-1 0 0,-1-1 0,-2 0 0,0-1 0,-2 0 0,-1 0 0,-1-1 0,-1-1 0,-1 0 0,-1-1 0,-1-1 0,-1-1 0,-1 0 0,-1-1 0,-1-1 0,-1-1 0,0-1 0,-1-1 0,-1-1 0,-1-1 0,0-1 0,-1-1 0,-1-1 0,0-1 0,0-2 0,-1 0 0,0-2 0,-1-1 0,0-1 0,0-2 0,0-1 0,-1 0 0,1-3 0,-1 0 0,0-2 0,1 0 0,-1-3 0,1 0 0,0-1 0,0-2 0,0-1 0,1-1 0,0-2 0,1 0 0,0-2 0,0-1 0,1-1 0,1-1 0,0-1 0,1-1 0,1-1 0,1-1 0,0-1 0,1-1 0,1-1 0,1-1 0,1 0 0,1-1 0,1-1 0,1-1 0,1 0 0,1-1 0,1-1 0,1 0 0,2 0 0,0-1 0,2 0 0,1-1 0,1 0 0,2 0 0,1 0 0,0-1 0,3 1 0,0-1 0,2 0 0,0 1 0,3-1 0,0 1 0,1 0 0,2 0 0,1 0 0,1 1 0,2 0 0,0 1 0,2 0 0,1 0 0,1 1 0,1 1 0,1 0 0,1 1 0,1 1 0,1 1 0,1 0 0,1 1 0,1 1 0,1 1 0,0 1 0,1 1 0,1 1 0,1 1 0,0 1 0,1 1 0,1 1 0,0 1 0,0 2 0,1 0 0,0 2 0,1 1 0,0 1 0,0 2 0,0 1 0,1 0 0,-1 3 0,1 0 0,0 2 0,-1 0 0,1 3 0,-1 0 0,0 1 0,0 2 0,0 1 0,-1 1 0,0 2 0,-1 0 0,0 2 0,0 1 0,-1 1 0,-1 1 0,0 1 0,-1 1 0,-1 1 0,-1 1 0,0 1 0,-1 1 0,-1 1 0,-1 1 0,-1 0 0,-1 1 0,-1 1 0,-1 1 0,-1 0 0,-1 1 0,-1 1 0,-1 0 0,-2 0 0,0 1 0,-2 0 0,-1 1 0,-1 0 0,-2 0 0,-1 0 0,0 1 0,-3-1 0,0 1 0</inkml:trace>
 </inkml:ink>
 </file>
 
@@ -1165,7 +1166,7 @@
           <inkml:channelProperty channel="F" name="resolution" value="0" units="1/dev"/>
         </inkml:channelProperties>
       </inkml:inkSource>
-      <inkml:timestamp xml:id="ts0" timeString="2025-10-07T10:49:36.782"/>
+      <inkml:timestamp xml:id="ts0" timeString="2025-10-07T10:49:41.693"/>
     </inkml:context>
     <inkml:brush xml:id="br0">
       <inkml:brushProperty name="width" value="0.35" units="cm"/>
@@ -1253,7 +1254,7 @@
           <inkml:channelProperty channel="Y" name="resolution" value="1000" units="1/cm"/>
         </inkml:channelProperties>
       </inkml:inkSource>
-      <inkml:timestamp xml:id="ts0" timeString="2025-10-07T10:53:34.283"/>
+      <inkml:timestamp xml:id="ts0" timeString="2025-10-07T10:51:46.317"/>
     </inkml:context>
     <inkml:brush xml:id="br0">
       <inkml:brushProperty name="width" value="0.35" units="cm"/>
@@ -1263,7 +1264,7 @@
       <inkml:brushProperty name="inkEffects" value="pencil"/>
     </inkml:brush>
   </inkml:definitions>
-  <inkml:trace contextRef="#ctx0" brushRef="#br0">0 287,'13'0,"18"0,16-5,9-1,8 1,2-4,7 0,0 1,1 3,0 1,-3 2,-5 2,-1-1,2 2,7-1,12 0,10 1,5-1,17 0,9 0,2 0,8 0,3 0,5 0,-2 0,6 0,-5-4,-1-2,-2-4,0 0,-6 1,-4 3,-12-3,-3 1,-5-3,-4 0,-2-2,3 1,0-1,-1 1,4-7,-5-3,-6 1,-17 5,-13 5,-15 4,-7 3,-12 3</inkml:trace>
+  <inkml:trace contextRef="#ctx0" brushRef="#br0">1 591,'0'-4,"4"-6,15-2,18 2,10 3,11 2,12-3,4 1,-6 1,2-7,2-1,-2 1,1 4,0-2,-3 2,1-3,1 1,2-6,1-1,-2 4,4-1,2 2,5-1,3 2,4 3,-1-6,12-4,10 0,4 4,4 5,9-1,13-7,13-5,11-2,8 2,2 1,-8 4,3-3,4 1,7 5,20 5,12 3,5 0,0 0,-2 1,2 3,-2 1,-1 0,5 2,6 0,-6 0,0 1,-7-1,-5 0,-2 0,-10 1,-4-1,-7 0,-14 0,-18 0,-13 0,-18 0,-24 0,-24 0,-25 0</inkml:trace>
 </inkml:ink>
 </file>
 
@@ -1281,7 +1282,7 @@
           <inkml:channelProperty channel="Y" name="resolution" value="1000" units="1/cm"/>
         </inkml:channelProperties>
       </inkml:inkSource>
-      <inkml:timestamp xml:id="ts0" timeString="2025-10-07T10:53:35.660"/>
+      <inkml:timestamp xml:id="ts0" timeString="2025-10-07T10:51:49.051"/>
     </inkml:context>
     <inkml:brush xml:id="br0">
       <inkml:brushProperty name="width" value="0.35" units="cm"/>
@@ -1291,7 +1292,7 @@
       <inkml:brushProperty name="inkEffects" value="pencil"/>
     </inkml:brush>
   </inkml:definitions>
-  <inkml:trace contextRef="#ctx0" brushRef="#br0">1 0,'0'9,"8"3,13-1,10 2,5-1,9-2,15-3,9-3,3-2,1 3,-6 0,-3 5,-2-1,-4 0,-7-3,-8 2,-7 0,-9 7,-14 10,-14 18,-15 19,-9 13,-9 5,1-1,-2-1,4-9,3-4,3-4,0-4,1-11,4-5,5-5,6-5,4-6</inkml:trace>
+  <inkml:trace contextRef="#ctx0" brushRef="#br0">0 0,'5'5,"5"1,5 4,5 0,-1 3,1-1,5-2,3 1,6 4,0 3,1-2,1 2,0-3,2-4,-1 5,-2 0,-3-3,-7 1,-3-2,-1-4,0-2,-3 2,-1 3,2 1,1 2,2 3,-2 3,-6 3,-4 6,-4 2,-8 1,-8 7,-6 2,-5-1,-3 0,-2-6,3-5,2-6,0-9,3-1,-4 1,-3 3,-1 3,0-3,-1 1,0 2,5 1,-2 2,2 1,1-3,3-1,2-4,-2-5,3 1,-1 2,-7 7,-3 5,3 3,5-5</inkml:trace>
 </inkml:ink>
 </file>
 
@@ -1309,7 +1310,7 @@
           <inkml:channelProperty channel="Y" name="resolution" value="1000" units="1/cm"/>
         </inkml:channelProperties>
       </inkml:inkSource>
-      <inkml:timestamp xml:id="ts0" timeString="2025-10-07T10:53:37.742"/>
+      <inkml:timestamp xml:id="ts0" timeString="2025-10-07T10:51:51.621"/>
     </inkml:context>
     <inkml:brush xml:id="br0">
       <inkml:brushProperty name="width" value="0.35" units="cm"/>
@@ -1319,7 +1320,7 @@
       <inkml:brushProperty name="inkEffects" value="pencil"/>
     </inkml:brush>
   </inkml:definitions>
-  <inkml:trace contextRef="#ctx0" brushRef="#br0">1 0,'4'5,"15"9,17 25,16 23,16 14,14 11,19 14,15 10,13 5,11 3,8 0,5-8,-6-9,-2-5,-4-10,9-2,6 1,-3-4,8-9,3-2,0-1,-3-4,3 1,-1-3,-10-3,-1-4,-9-2,-15-3,-17-5,-5-6,-12-2,-9-2,-10-4,-9 1,-3-5,-4 2,-2-1,-3-1,-1 0,-6-2,-11-5</inkml:trace>
+  <inkml:trace contextRef="#ctx0" brushRef="#br0">0 1,'9'4,"7"2,5 3,0 6,-1-1,2 3,1-3,1 2,5 1,2-1,13 1,30 1,37 7,39 8,42 2,41 5,28-1,18 2,6-2,1-3,-3-7,-16-5,-31 2,-29-2,-33-7,-28-5,-22 0,-18-3,-15-3,-1 3,2-1,3-2,2-2,3-1,10-1,8-2,2 0,-3 0,-3-1,-8 1,-4 0,-8 0,-5 0,-10-1,-5 1,2 0,2 0,0 0,4 1,2-1,0 0,-2-5,-2-5,-5-1,-7 1,-2-2,5-4,4-7,-7 0,-10 4,2 1,4-6,0 2,-2 5,-3 0,-3 4,-6-1,1-2,5-3,-3 2,-1-1,-1 3,-1 4,1 0,-5-3,-6-4,0 2,1-1,-2-2,-3 2,-3 0,-3 2,-3 5,-5-1,2 1,1-1,2-4,-1 1,0-2,5-2,1-3,-5 3</inkml:trace>
 </inkml:ink>
 </file>
 
@@ -1337,7 +1338,7 @@
           <inkml:channelProperty channel="Y" name="resolution" value="1000" units="1/cm"/>
         </inkml:channelProperties>
       </inkml:inkSource>
-      <inkml:timestamp xml:id="ts0" timeString="2025-10-07T10:53:38.947"/>
+      <inkml:timestamp xml:id="ts0" timeString="2025-10-07T10:51:53.460"/>
     </inkml:context>
     <inkml:brush xml:id="br0">
       <inkml:brushProperty name="width" value="0.35" units="cm"/>
@@ -1347,7 +1348,7 @@
       <inkml:brushProperty name="inkEffects" value="pencil"/>
     </inkml:brush>
   </inkml:definitions>
-  <inkml:trace contextRef="#ctx0" brushRef="#br0">361 0,'8'5,"13"18,23 19,18 10,20 11,5 2,-3-10,-4-4,-11-13,-12-7,-7-5,-13-2,-12 3,-19 10,-24-1,-35 6,-26 6,-25 6,-13-1,-9 4,1-4,-1-10,12-9,22-1,21-7,24-6</inkml:trace>
+  <inkml:trace contextRef="#ctx0" brushRef="#br0">12 1,'-4'0,"-2"4,5 2,2 4,6 0,10 3,6 8,5 0,1-3,8-5,4-4,6 4,1 1,0-2,-3-4,-1-2,-3 1,4 0,-1-1,0-2,-2-2,0 4,-3 0,6 0,-1-2,-8 4,-10 3,-10 15,-6 14,-7 11,-2 4,-2 6,-1 2,0-1,-4-3,-1-7,0-8,2-7,2-1,1 2,-3-1,-2 6,2 1,1-4,1-8</inkml:trace>
 </inkml:ink>
 </file>
 
@@ -1365,7 +1366,7 @@
           <inkml:channelProperty channel="Y" name="resolution" value="1000" units="1/cm"/>
         </inkml:channelProperties>
       </inkml:inkSource>
-      <inkml:timestamp xml:id="ts0" timeString="2025-10-07T10:53:42.003"/>
+      <inkml:timestamp xml:id="ts0" timeString="2025-10-07T10:52:03.388"/>
     </inkml:context>
     <inkml:brush xml:id="br0">
       <inkml:brushProperty name="width" value="0.35" units="cm"/>
@@ -1375,7 +1376,7 @@
       <inkml:brushProperty name="inkEffects" value="pencil"/>
     </inkml:brush>
   </inkml:definitions>
-  <inkml:trace contextRef="#ctx0" brushRef="#br0">1204 28,'-4'0,"-11"0,-15 0,-12 0,-11 0,-6 0,-1 0,-4 0,-4 0,5 0,5 0,8 0,-1 0,-1 0,1 0,-5 0,3 0,2 0,4 0,7 0,6 0,4-5,2 0,3-1,0 1,1 2,-1 1,0 1,5 1</inkml:trace>
+  <inkml:trace contextRef="#ctx0" brushRef="#br0">0 1,'4'4,"6"6,6 2,13 2,10 0,12-3,10-4,12-2,16-3,14-1,16-1,5 0,4-1,-3 0,-1 1,-4 0,-9-1,-11 1,-13 0,-13 0,-14 0,-10 0,-3 0,-2 0,0 0,-2 0,-5 0,0 0,-2 0,1 0,4 0,3 0,-6 0</inkml:trace>
 </inkml:ink>
 </file>
 
@@ -1393,7 +1394,7 @@
           <inkml:channelProperty channel="Y" name="resolution" value="1000" units="1/cm"/>
         </inkml:channelProperties>
       </inkml:inkSource>
-      <inkml:timestamp xml:id="ts0" timeString="2025-10-07T10:53:43.140"/>
+      <inkml:timestamp xml:id="ts0" timeString="2025-10-07T10:52:04.723"/>
     </inkml:context>
     <inkml:brush xml:id="br0">
       <inkml:brushProperty name="width" value="0.35" units="cm"/>
@@ -1403,7 +1404,7 @@
       <inkml:brushProperty name="inkEffects" value="pencil"/>
     </inkml:brush>
   </inkml:definitions>
-  <inkml:trace contextRef="#ctx0" brushRef="#br0">885 0,'-5'4,"-13"7,-14 4,-10 14,-10 10,-6 3,3-1,3-3,4-4,3-4,5-1,-1-3,8 0,4-6,-1-5,0 3,1-1,1-4,1 0,-4 3,-6 2,5 3,2-2,2-4,6 4,12 11,15 15,16 7,18 4,19 10,9 3,1-2,7 0,0-6,-1 4,1-9,-8-6,-11-11,-11-8,-13-9</inkml:trace>
+  <inkml:trace contextRef="#ctx0" brushRef="#br0">11 0,'-5'0,"0"5,8 5,13 10,8 6,21 12,17 3,11 0,-3-8,-1-9,2 0,2 0,-3-3,-5-7,-13 5,-16 2,-13 7,-12 3,-15 9,-16 7,-19 3,-14 8,-8 6,-6 5,3-4,13-10,16-13</inkml:trace>
 </inkml:ink>
 </file>
 
@@ -1421,7 +1422,7 @@
           <inkml:channelProperty channel="Y" name="resolution" value="1000" units="1/cm"/>
         </inkml:channelProperties>
       </inkml:inkSource>
-      <inkml:timestamp xml:id="ts0" timeString="2025-10-07T10:04:20.885"/>
+      <inkml:timestamp xml:id="ts0" timeString="2025-10-07T10:52:06.291"/>
     </inkml:context>
     <inkml:brush xml:id="br0">
       <inkml:brushProperty name="width" value="0.35" units="cm"/>
@@ -1431,7 +1432,7 @@
       <inkml:brushProperty name="inkEffects" value="pencil"/>
     </inkml:brush>
   </inkml:definitions>
-  <inkml:trace contextRef="#ctx0" brushRef="#br0">1 1,'0'0</inkml:trace>
+  <inkml:trace contextRef="#ctx0" brushRef="#br0">0 1,'4'4,"15"6,13 2,5-2,0-3,8 3,0-1,-3-2,4 2,4-1,1 4,-3-1,-2-3,1-2,5 3,-1-2,3 0,5 1,7 1,0-2,6-2,4-1,7-3,2 0,5-1,-1 0,-7-1,-8 1,-12 0,-13 0,-10-1,-7 1,-5 0,-2 0,-2 0,0 0,1 0,0 0,9 0,4 0,-1 0,3 0,3 0,-1 0,1 0,-2 0,1-4,2-2,-2 0,-3 2,-8 1</inkml:trace>
 </inkml:ink>
 </file>
 
@@ -1471,6 +1472,62 @@
         <inkml:traceFormat>
           <inkml:channel name="X" type="integer" min="-2.14748E9" max="2.14748E9" units="cm"/>
           <inkml:channel name="Y" type="integer" min="-2.14748E9" max="2.14748E9" units="cm"/>
+        </inkml:traceFormat>
+        <inkml:channelProperties>
+          <inkml:channelProperty channel="X" name="resolution" value="1000" units="1/cm"/>
+          <inkml:channelProperty channel="Y" name="resolution" value="1000" units="1/cm"/>
+        </inkml:channelProperties>
+      </inkml:inkSource>
+      <inkml:timestamp xml:id="ts0" timeString="2025-10-07T10:52:08.155"/>
+    </inkml:context>
+    <inkml:brush xml:id="br0">
+      <inkml:brushProperty name="width" value="0.35" units="cm"/>
+      <inkml:brushProperty name="height" value="2.1" units="cm"/>
+      <inkml:brushProperty name="color" value="#FFFFFF"/>
+      <inkml:brushProperty name="ignorePressure" value="1"/>
+      <inkml:brushProperty name="inkEffects" value="pencil"/>
+    </inkml:brush>
+  </inkml:definitions>
+  <inkml:trace contextRef="#ctx0" brushRef="#br0">0 0,'5'0,"9"0,7 5,5 1,6 8,2 2,0 3,3-3,-1 6,-2 3,2-3,4-1,-1 1,-3 0,2 2,2-4,4-1,-1 1,-4-3,-9 0,-9 6,-8 3,-6 15,-9 22,-4 9,-6 5,-9 4,-1-9,-1-12,-1-7,3-9,6-6,0-3,-1-1,-2-3,-3-3,3 4,-1 0,0-1,2-1,4 2,0 1,-2-1,-3-2,2-1,3-6</inkml:trace>
+</inkml:ink>
+</file>
+
+<file path=ppt/ink/ink141.xml><?xml version="1.0" encoding="utf-8"?>
+<inkml:ink xmlns:inkml="http://www.w3.org/2003/InkML">
+  <inkml:definitions>
+    <inkml:context xml:id="ctx0">
+      <inkml:inkSource xml:id="inkSrc0">
+        <inkml:traceFormat>
+          <inkml:channel name="X" type="integer" min="-2.14748E9" max="2.14748E9" units="cm"/>
+          <inkml:channel name="Y" type="integer" min="-2.14748E9" max="2.14748E9" units="cm"/>
+        </inkml:traceFormat>
+        <inkml:channelProperties>
+          <inkml:channelProperty channel="X" name="resolution" value="1000" units="1/cm"/>
+          <inkml:channelProperty channel="Y" name="resolution" value="1000" units="1/cm"/>
+        </inkml:channelProperties>
+      </inkml:inkSource>
+      <inkml:timestamp xml:id="ts0" timeString="2025-10-07T10:04:20.885"/>
+    </inkml:context>
+    <inkml:brush xml:id="br0">
+      <inkml:brushProperty name="width" value="0.35" units="cm"/>
+      <inkml:brushProperty name="height" value="2.1" units="cm"/>
+      <inkml:brushProperty name="color" value="#FFFFFF"/>
+      <inkml:brushProperty name="ignorePressure" value="1"/>
+      <inkml:brushProperty name="inkEffects" value="pencil"/>
+    </inkml:brush>
+  </inkml:definitions>
+  <inkml:trace contextRef="#ctx0" brushRef="#br0">1 1,'0'0</inkml:trace>
+</inkml:ink>
+</file>
+
+<file path=ppt/ink/ink142.xml><?xml version="1.0" encoding="utf-8"?>
+<inkml:ink xmlns:inkml="http://www.w3.org/2003/InkML">
+  <inkml:definitions>
+    <inkml:context xml:id="ctx0">
+      <inkml:inkSource xml:id="inkSrc0">
+        <inkml:traceFormat>
+          <inkml:channel name="X" type="integer" min="-2.14748E9" max="2.14748E9" units="cm"/>
+          <inkml:channel name="Y" type="integer" min="-2.14748E9" max="2.14748E9" units="cm"/>
           <inkml:channel name="F" type="integer" max="32767" units="dev"/>
         </inkml:traceFormat>
         <inkml:channelProperties>
@@ -1493,7 +1550,7 @@
 </inkml:ink>
 </file>
 
-<file path=ppt/ink/ink141.xml><?xml version="1.0" encoding="utf-8"?>
+<file path=ppt/ink/ink143.xml><?xml version="1.0" encoding="utf-8"?>
 <inkml:ink xmlns:inkml="http://www.w3.org/2003/InkML">
   <inkml:definitions>
     <inkml:context xml:id="ctx0">
@@ -1523,7 +1580,7 @@
 </inkml:ink>
 </file>
 
-<file path=ppt/ink/ink142.xml><?xml version="1.0" encoding="utf-8"?>
+<file path=ppt/ink/ink144.xml><?xml version="1.0" encoding="utf-8"?>
 <inkml:ink xmlns:inkml="http://www.w3.org/2003/InkML">
   <inkml:definitions>
     <inkml:context xml:id="ctx0">
@@ -1553,7 +1610,7 @@
 </inkml:ink>
 </file>
 
-<file path=ppt/ink/ink143.xml><?xml version="1.0" encoding="utf-8"?>
+<file path=ppt/ink/ink145.xml><?xml version="1.0" encoding="utf-8"?>
 <inkml:ink xmlns:inkml="http://www.w3.org/2003/InkML">
   <inkml:definitions>
     <inkml:context xml:id="ctx0">
@@ -1583,7 +1640,7 @@
 </inkml:ink>
 </file>
 
-<file path=ppt/ink/ink144.xml><?xml version="1.0" encoding="utf-8"?>
+<file path=ppt/ink/ink146.xml><?xml version="1.0" encoding="utf-8"?>
 <inkml:ink xmlns:inkml="http://www.w3.org/2003/InkML">
   <inkml:definitions>
     <inkml:context xml:id="ctx0">
@@ -1613,7 +1670,7 @@
 </inkml:ink>
 </file>
 
-<file path=ppt/ink/ink145.xml><?xml version="1.0" encoding="utf-8"?>
+<file path=ppt/ink/ink147.xml><?xml version="1.0" encoding="utf-8"?>
 <inkml:ink xmlns:inkml="http://www.w3.org/2003/InkML">
   <inkml:definitions>
     <inkml:context xml:id="ctx0">
@@ -1643,7 +1700,7 @@
 </inkml:ink>
 </file>
 
-<file path=ppt/ink/ink146.xml><?xml version="1.0" encoding="utf-8"?>
+<file path=ppt/ink/ink148.xml><?xml version="1.0" encoding="utf-8"?>
 <inkml:ink xmlns:inkml="http://www.w3.org/2003/InkML">
   <inkml:definitions>
     <inkml:context xml:id="ctx0">
@@ -1671,7 +1728,7 @@
 </inkml:ink>
 </file>
 
-<file path=ppt/ink/ink147.xml><?xml version="1.0" encoding="utf-8"?>
+<file path=ppt/ink/ink149.xml><?xml version="1.0" encoding="utf-8"?>
 <inkml:ink xmlns:inkml="http://www.w3.org/2003/InkML">
   <inkml:definitions>
     <inkml:context xml:id="ctx0">
@@ -1698,66 +1755,6 @@
     </inkml:brush>
   </inkml:definitions>
   <inkml:trace contextRef="#ctx0" brushRef="#br0">0 0 0,'3902'27'0</inkml:trace>
-</inkml:ink>
-</file>
-
-<file path=ppt/ink/ink148.xml><?xml version="1.0" encoding="utf-8"?>
-<inkml:ink xmlns:inkml="http://www.w3.org/2003/InkML">
-  <inkml:definitions>
-    <inkml:context xml:id="ctx0">
-      <inkml:inkSource xml:id="inkSrc0">
-        <inkml:traceFormat>
-          <inkml:channel name="X" type="integer" min="-2.14748E9" max="2.14748E9" units="cm"/>
-          <inkml:channel name="Y" type="integer" min="-2.14748E9" max="2.14748E9" units="cm"/>
-          <inkml:channel name="F" type="integer" max="32767" units="dev"/>
-        </inkml:traceFormat>
-        <inkml:channelProperties>
-          <inkml:channelProperty channel="X" name="resolution" value="1000" units="1/cm"/>
-          <inkml:channelProperty channel="Y" name="resolution" value="1000" units="1/cm"/>
-          <inkml:channelProperty channel="F" name="resolution" value="0" units="1/dev"/>
-        </inkml:channelProperties>
-      </inkml:inkSource>
-      <inkml:timestamp xml:id="ts0" timeString="2025-10-07T10:06:39.058"/>
-    </inkml:context>
-    <inkml:brush xml:id="br0">
-      <inkml:brushProperty name="width" value="0.35" units="cm"/>
-      <inkml:brushProperty name="height" value="2.1" units="cm"/>
-      <inkml:brushProperty name="color" value="#FFFFFF"/>
-      <inkml:brushProperty name="ignorePressure" value="1"/>
-      <inkml:brushProperty name="inkEffects" value="pencil"/>
-    </inkml:brush>
-  </inkml:definitions>
-  <inkml:trace contextRef="#ctx0" brushRef="#br0">0 0 0,'3981'26'0</inkml:trace>
-</inkml:ink>
-</file>
-
-<file path=ppt/ink/ink149.xml><?xml version="1.0" encoding="utf-8"?>
-<inkml:ink xmlns:inkml="http://www.w3.org/2003/InkML">
-  <inkml:definitions>
-    <inkml:context xml:id="ctx0">
-      <inkml:inkSource xml:id="inkSrc0">
-        <inkml:traceFormat>
-          <inkml:channel name="X" type="integer" min="-2.14748E9" max="2.14748E9" units="cm"/>
-          <inkml:channel name="Y" type="integer" min="-2.14748E9" max="2.14748E9" units="cm"/>
-          <inkml:channel name="F" type="integer" max="32767" units="dev"/>
-        </inkml:traceFormat>
-        <inkml:channelProperties>
-          <inkml:channelProperty channel="X" name="resolution" value="1000" units="1/cm"/>
-          <inkml:channelProperty channel="Y" name="resolution" value="1000" units="1/cm"/>
-          <inkml:channelProperty channel="F" name="resolution" value="0" units="1/dev"/>
-        </inkml:channelProperties>
-      </inkml:inkSource>
-      <inkml:timestamp xml:id="ts0" timeString="2025-10-07T10:06:42.387"/>
-    </inkml:context>
-    <inkml:brush xml:id="br0">
-      <inkml:brushProperty name="width" value="0.35" units="cm"/>
-      <inkml:brushProperty name="height" value="2.1" units="cm"/>
-      <inkml:brushProperty name="color" value="#FFFFFF"/>
-      <inkml:brushProperty name="ignorePressure" value="1"/>
-      <inkml:brushProperty name="inkEffects" value="pencil"/>
-    </inkml:brush>
-  </inkml:definitions>
-  <inkml:trace contextRef="#ctx0" brushRef="#br0">105 0 0,'-105'5839'0</inkml:trace>
 </inkml:ink>
 </file>
 
@@ -1807,6 +1804,66 @@
           <inkml:channelProperty channel="F" name="resolution" value="0" units="1/dev"/>
         </inkml:channelProperties>
       </inkml:inkSource>
+      <inkml:timestamp xml:id="ts0" timeString="2025-10-07T10:06:39.058"/>
+    </inkml:context>
+    <inkml:brush xml:id="br0">
+      <inkml:brushProperty name="width" value="0.35" units="cm"/>
+      <inkml:brushProperty name="height" value="2.1" units="cm"/>
+      <inkml:brushProperty name="color" value="#FFFFFF"/>
+      <inkml:brushProperty name="ignorePressure" value="1"/>
+      <inkml:brushProperty name="inkEffects" value="pencil"/>
+    </inkml:brush>
+  </inkml:definitions>
+  <inkml:trace contextRef="#ctx0" brushRef="#br0">0 0 0,'3981'26'0</inkml:trace>
+</inkml:ink>
+</file>
+
+<file path=ppt/ink/ink151.xml><?xml version="1.0" encoding="utf-8"?>
+<inkml:ink xmlns:inkml="http://www.w3.org/2003/InkML">
+  <inkml:definitions>
+    <inkml:context xml:id="ctx0">
+      <inkml:inkSource xml:id="inkSrc0">
+        <inkml:traceFormat>
+          <inkml:channel name="X" type="integer" min="-2.14748E9" max="2.14748E9" units="cm"/>
+          <inkml:channel name="Y" type="integer" min="-2.14748E9" max="2.14748E9" units="cm"/>
+          <inkml:channel name="F" type="integer" max="32767" units="dev"/>
+        </inkml:traceFormat>
+        <inkml:channelProperties>
+          <inkml:channelProperty channel="X" name="resolution" value="1000" units="1/cm"/>
+          <inkml:channelProperty channel="Y" name="resolution" value="1000" units="1/cm"/>
+          <inkml:channelProperty channel="F" name="resolution" value="0" units="1/dev"/>
+        </inkml:channelProperties>
+      </inkml:inkSource>
+      <inkml:timestamp xml:id="ts0" timeString="2025-10-07T10:06:42.387"/>
+    </inkml:context>
+    <inkml:brush xml:id="br0">
+      <inkml:brushProperty name="width" value="0.35" units="cm"/>
+      <inkml:brushProperty name="height" value="2.1" units="cm"/>
+      <inkml:brushProperty name="color" value="#FFFFFF"/>
+      <inkml:brushProperty name="ignorePressure" value="1"/>
+      <inkml:brushProperty name="inkEffects" value="pencil"/>
+    </inkml:brush>
+  </inkml:definitions>
+  <inkml:trace contextRef="#ctx0" brushRef="#br0">105 0 0,'-105'5839'0</inkml:trace>
+</inkml:ink>
+</file>
+
+<file path=ppt/ink/ink152.xml><?xml version="1.0" encoding="utf-8"?>
+<inkml:ink xmlns:inkml="http://www.w3.org/2003/InkML">
+  <inkml:definitions>
+    <inkml:context xml:id="ctx0">
+      <inkml:inkSource xml:id="inkSrc0">
+        <inkml:traceFormat>
+          <inkml:channel name="X" type="integer" min="-2.14748E9" max="2.14748E9" units="cm"/>
+          <inkml:channel name="Y" type="integer" min="-2.14748E9" max="2.14748E9" units="cm"/>
+          <inkml:channel name="F" type="integer" max="32767" units="dev"/>
+        </inkml:traceFormat>
+        <inkml:channelProperties>
+          <inkml:channelProperty channel="X" name="resolution" value="1000" units="1/cm"/>
+          <inkml:channelProperty channel="Y" name="resolution" value="1000" units="1/cm"/>
+          <inkml:channelProperty channel="F" name="resolution" value="0" units="1/dev"/>
+        </inkml:channelProperties>
+      </inkml:inkSource>
       <inkml:timestamp xml:id="ts0" timeString="2025-10-07T10:07:09.387"/>
     </inkml:context>
     <inkml:brush xml:id="br0">
@@ -1821,7 +1878,7 @@
 </inkml:ink>
 </file>
 
-<file path=ppt/ink/ink151.xml><?xml version="1.0" encoding="utf-8"?>
+<file path=ppt/ink/ink153.xml><?xml version="1.0" encoding="utf-8"?>
 <inkml:ink xmlns:inkml="http://www.w3.org/2003/InkML">
   <inkml:definitions>
     <inkml:context xml:id="ctx0">
@@ -1851,7 +1908,7 @@
 </inkml:ink>
 </file>
 
-<file path=ppt/ink/ink152.xml><?xml version="1.0" encoding="utf-8"?>
+<file path=ppt/ink/ink154.xml><?xml version="1.0" encoding="utf-8"?>
 <inkml:ink xmlns:inkml="http://www.w3.org/2003/InkML">
   <inkml:definitions>
     <inkml:context xml:id="ctx0">
@@ -1879,7 +1936,7 @@
 </inkml:ink>
 </file>
 
-<file path=ppt/ink/ink153.xml><?xml version="1.0" encoding="utf-8"?>
+<file path=ppt/ink/ink155.xml><?xml version="1.0" encoding="utf-8"?>
 <inkml:ink xmlns:inkml="http://www.w3.org/2003/InkML">
   <inkml:definitions>
     <inkml:context xml:id="ctx0">
@@ -1909,7 +1966,7 @@
 </inkml:ink>
 </file>
 
-<file path=ppt/ink/ink154.xml><?xml version="1.0" encoding="utf-8"?>
+<file path=ppt/ink/ink156.xml><?xml version="1.0" encoding="utf-8"?>
 <inkml:ink xmlns:inkml="http://www.w3.org/2003/InkML">
   <inkml:definitions>
     <inkml:context xml:id="ctx0">
@@ -1939,7 +1996,7 @@
 </inkml:ink>
 </file>
 
-<file path=ppt/ink/ink155.xml><?xml version="1.0" encoding="utf-8"?>
+<file path=ppt/ink/ink157.xml><?xml version="1.0" encoding="utf-8"?>
 <inkml:ink xmlns:inkml="http://www.w3.org/2003/InkML">
   <inkml:definitions>
     <inkml:context xml:id="ctx0">
@@ -1969,7 +2026,7 @@
 </inkml:ink>
 </file>
 
-<file path=ppt/ink/ink156.xml><?xml version="1.0" encoding="utf-8"?>
+<file path=ppt/ink/ink158.xml><?xml version="1.0" encoding="utf-8"?>
 <inkml:ink xmlns:inkml="http://www.w3.org/2003/InkML">
   <inkml:definitions>
     <inkml:context xml:id="ctx0">
@@ -1999,7 +2056,7 @@
 </inkml:ink>
 </file>
 
-<file path=ppt/ink/ink157.xml><?xml version="1.0" encoding="utf-8"?>
+<file path=ppt/ink/ink159.xml><?xml version="1.0" encoding="utf-8"?>
 <inkml:ink xmlns:inkml="http://www.w3.org/2003/InkML">
   <inkml:definitions>
     <inkml:context xml:id="ctx0">
@@ -2026,66 +2083,6 @@
     </inkml:brush>
   </inkml:definitions>
   <inkml:trace contextRef="#ctx0" brushRef="#br0">4116 2058 0,'-2'81'0,"-2"-1"0,-4 1 0,-3-1 0,-4-1 0,-2 0 0,-3 0 0,-4-2 0,-2-1 0,-4 0 0,-2-2 0,-3-2 0,-3 0 0,-3-3 0,-3-1 0,-2-1 0,-3-3 0,-2-1 0,-3-3 0,-2-2 0,-2-2 0,-2-2 0,-3-3 0,-1-2 0,-3-3 0,-1-2 0,-1-3 0,-3-3 0,0-3 0,-2-3 0,-2-2 0,0-4 0,-1-2 0,-2-4 0,0-3 0,0-2 0,-1-4 0,-1-3 0,1-4 0,-1-2 0,0-4 0,1-2 0,-1-4 0,1-3 0,1-4 0,0-2 0,0-3 0,2-4 0,1-2 0,0-4 0,2-2 0,2-3 0,0-3 0,3-3 0,1-3 0,1-2 0,3-3 0,1-2 0,3-3 0,2-2 0,2-2 0,2-2 0,3-3 0,2-1 0,3-3 0,2-1 0,3-1 0,3-3 0,3 0 0,3-2 0,2-2 0,4 0 0,2-1 0,4-2 0,3 0 0,2 0 0,4-1 0,3-1 0,4 1 0,2-1 0,4 0 0,2 1 0,4-1 0,3 1 0,4 1 0,2 0 0,3 0 0,4 2 0,2 1 0,4 0 0,2 2 0,3 2 0,3 0 0,3 3 0,3 1 0,2 1 0,3 3 0,2 1 0,3 3 0,2 2 0,2 2 0,2 2 0,3 3 0,1 2 0,3 3 0,1 2 0,1 3 0,3 3 0,0 3 0,2 3 0,2 2 0,0 4 0,1 2 0,2 4 0,0 3 0,0 2 0,1 4 0,1 3 0,-1 4 0,1 2 0,0 4 0,-1 2 0,1 4 0,-1 3 0,-1 4 0,0 2 0,0 3 0,-2 4 0,-1 2 0,0 4 0,-2 2 0,-2 3 0,0 3 0,-3 3 0,-1 3 0,-1 2 0,-3 3 0,-1 2 0,-3 3 0,-2 2 0,-2 2 0,-2 2 0,-3 3 0,-2 1 0,-3 3 0,-2 1 0,-3 1 0,-3 3 0,-3 0 0,-3 2 0,-2 2 0,-4 0 0,-2 1 0,-4 2 0,-3 0 0,-2 0 0,-4 1 0,-3 1 0,-4-1 0,-2 1 0</inkml:trace>
-</inkml:ink>
-</file>
-
-<file path=ppt/ink/ink158.xml><?xml version="1.0" encoding="utf-8"?>
-<inkml:ink xmlns:inkml="http://www.w3.org/2003/InkML">
-  <inkml:definitions>
-    <inkml:context xml:id="ctx0">
-      <inkml:inkSource xml:id="inkSrc0">
-        <inkml:traceFormat>
-          <inkml:channel name="X" type="integer" min="-2.14748E9" max="2.14748E9" units="cm"/>
-          <inkml:channel name="Y" type="integer" min="-2.14748E9" max="2.14748E9" units="cm"/>
-          <inkml:channel name="F" type="integer" max="32767" units="dev"/>
-        </inkml:traceFormat>
-        <inkml:channelProperties>
-          <inkml:channelProperty channel="X" name="resolution" value="1000" units="1/cm"/>
-          <inkml:channelProperty channel="Y" name="resolution" value="1000" units="1/cm"/>
-          <inkml:channelProperty channel="F" name="resolution" value="0" units="1/dev"/>
-        </inkml:channelProperties>
-      </inkml:inkSource>
-      <inkml:timestamp xml:id="ts0" timeString="2025-10-07T10:49:36.782"/>
-    </inkml:context>
-    <inkml:brush xml:id="br0">
-      <inkml:brushProperty name="width" value="0.35" units="cm"/>
-      <inkml:brushProperty name="height" value="2.1" units="cm"/>
-      <inkml:brushProperty name="color" value="#FFFFFF"/>
-      <inkml:brushProperty name="ignorePressure" value="1"/>
-      <inkml:brushProperty name="inkEffects" value="pencil"/>
-    </inkml:brush>
-  </inkml:definitions>
-  <inkml:trace contextRef="#ctx0" brushRef="#br0">1612 806 0,'-1'32'0,"0"-1"0,-3 1 0,0-1 0,-1 0 0,-2 0 0,-1 0 0,-1-1 0,-2 0 0,0-1 0,-2 0 0,-1 0 0,-1-1 0,-1-1 0,-1 0 0,-1-1 0,-1-1 0,-1-1 0,-1 0 0,-1-1 0,-1-1 0,-1-1 0,0-1 0,-1-1 0,-1-1 0,-1-1 0,0-1 0,-1-1 0,-1-1 0,0-1 0,0-2 0,-1 0 0,0-2 0,-1-1 0,0-1 0,0-2 0,0-1 0,-1 0 0,1-3 0,-1 0 0,0-2 0,1 0 0,-1-3 0,1 0 0,0-1 0,0-2 0,0-1 0,1-1 0,0-2 0,1 0 0,0-2 0,0-1 0,1-1 0,1-1 0,0-1 0,1-1 0,1-1 0,1-1 0,0-1 0,1-1 0,1-1 0,1-1 0,1 0 0,1-1 0,1-1 0,1-1 0,1 0 0,1-1 0,1-1 0,1 0 0,2 0 0,0-1 0,2 0 0,1-1 0,1 0 0,2 0 0,1 0 0,0-1 0,3 1 0,0-1 0,2 0 0,0 1 0,3-1 0,0 1 0,1 0 0,2 0 0,1 0 0,1 1 0,2 0 0,0 1 0,2 0 0,1 0 0,1 1 0,1 1 0,1 0 0,1 1 0,1 1 0,1 1 0,1 0 0,1 1 0,1 1 0,1 1 0,0 1 0,1 1 0,1 1 0,1 1 0,0 1 0,1 1 0,1 1 0,0 1 0,0 2 0,1 0 0,0 2 0,1 1 0,0 1 0,0 2 0,0 1 0,1 0 0,-1 3 0,1 0 0,0 2 0,-1 0 0,1 3 0,-1 0 0,0 1 0,0 2 0,0 1 0,-1 1 0,0 2 0,-1 0 0,0 2 0,0 1 0,-1 1 0,-1 1 0,0 1 0,-1 1 0,-1 1 0,-1 1 0,0 1 0,-1 1 0,-1 1 0,-1 1 0,-1 0 0,-1 1 0,-1 1 0,-1 1 0,-1 0 0,-1 1 0,-1 1 0,-1 0 0,-2 0 0,0 1 0,-2 0 0,-1 1 0,-1 0 0,-2 0 0,-1 0 0,0 1 0,-3-1 0,0 1 0</inkml:trace>
-</inkml:ink>
-</file>
-
-<file path=ppt/ink/ink159.xml><?xml version="1.0" encoding="utf-8"?>
-<inkml:ink xmlns:inkml="http://www.w3.org/2003/InkML">
-  <inkml:definitions>
-    <inkml:context xml:id="ctx0">
-      <inkml:inkSource xml:id="inkSrc0">
-        <inkml:traceFormat>
-          <inkml:channel name="X" type="integer" min="-2.14748E9" max="2.14748E9" units="cm"/>
-          <inkml:channel name="Y" type="integer" min="-2.14748E9" max="2.14748E9" units="cm"/>
-          <inkml:channel name="F" type="integer" max="32767" units="dev"/>
-        </inkml:traceFormat>
-        <inkml:channelProperties>
-          <inkml:channelProperty channel="X" name="resolution" value="1000" units="1/cm"/>
-          <inkml:channelProperty channel="Y" name="resolution" value="1000" units="1/cm"/>
-          <inkml:channelProperty channel="F" name="resolution" value="0" units="1/dev"/>
-        </inkml:channelProperties>
-      </inkml:inkSource>
-      <inkml:timestamp xml:id="ts0" timeString="2025-10-07T10:49:42.139"/>
-    </inkml:context>
-    <inkml:brush xml:id="br0">
-      <inkml:brushProperty name="width" value="0.35" units="cm"/>
-      <inkml:brushProperty name="height" value="2.1" units="cm"/>
-      <inkml:brushProperty name="color" value="#FFFFFF"/>
-      <inkml:brushProperty name="ignorePressure" value="1"/>
-      <inkml:brushProperty name="inkEffects" value="pencil"/>
-    </inkml:brush>
-  </inkml:definitions>
-  <inkml:trace contextRef="#ctx0" brushRef="#br0">1612 806 0,'-1'32'0,"0"-1"0,-3 1 0,0-1 0,-1 0 0,-2 0 0,-1 0 0,-1-1 0,-2 0 0,0-1 0,-2 0 0,-1 0 0,-1-1 0,-1-1 0,-1 0 0,-1-1 0,-1-1 0,-1-1 0,-1 0 0,-1-1 0,-1-1 0,-1-1 0,0-1 0,-1-1 0,-1-1 0,-1-1 0,0-1 0,-1-1 0,-1-1 0,0-1 0,0-2 0,-1 0 0,0-2 0,-1-1 0,0-1 0,0-2 0,0-1 0,-1 0 0,1-3 0,-1 0 0,0-2 0,1 0 0,-1-3 0,1 0 0,0-1 0,0-2 0,0-1 0,1-1 0,0-2 0,1 0 0,0-2 0,0-1 0,1-1 0,1-1 0,0-1 0,1-1 0,1-1 0,1-1 0,0-1 0,1-1 0,1-1 0,1-1 0,1 0 0,1-1 0,1-1 0,1-1 0,1 0 0,1-1 0,1-1 0,1 0 0,2 0 0,0-1 0,2 0 0,1-1 0,1 0 0,2 0 0,1 0 0,0-1 0,3 1 0,0-1 0,2 0 0,0 1 0,3-1 0,0 1 0,1 0 0,2 0 0,1 0 0,1 1 0,2 0 0,0 1 0,2 0 0,1 0 0,1 1 0,1 1 0,1 0 0,1 1 0,1 1 0,1 1 0,1 0 0,1 1 0,1 1 0,1 1 0,0 1 0,1 1 0,1 1 0,1 1 0,0 1 0,1 1 0,1 1 0,0 1 0,0 2 0,1 0 0,0 2 0,1 1 0,0 1 0,0 2 0,0 1 0,1 0 0,-1 3 0,1 0 0,0 2 0,-1 0 0,1 3 0,-1 0 0,0 1 0,0 2 0,0 1 0,-1 1 0,0 2 0,-1 0 0,0 2 0,0 1 0,-1 1 0,-1 1 0,0 1 0,-1 1 0,-1 1 0,-1 1 0,0 1 0,-1 1 0,-1 1 0,-1 1 0,-1 0 0,-1 1 0,-1 1 0,-1 1 0,-1 0 0,-1 1 0,-1 1 0,-1 0 0,-2 0 0,0 1 0,-2 0 0,-1 1 0,-1 0 0,-2 0 0,-1 0 0,0 1 0,-3-1 0,0 1 0</inkml:trace>
 </inkml:ink>
 </file>
 
@@ -2133,7 +2130,7 @@
           <inkml:channelProperty channel="F" name="resolution" value="0" units="1/dev"/>
         </inkml:channelProperties>
       </inkml:inkSource>
-      <inkml:timestamp xml:id="ts0" timeString="2025-10-07T10:49:42.523"/>
+      <inkml:timestamp xml:id="ts0" timeString="2025-10-07T10:49:36.782"/>
     </inkml:context>
     <inkml:brush xml:id="br0">
       <inkml:brushProperty name="width" value="0.35" units="cm"/>
@@ -2155,13 +2152,15 @@
         <inkml:traceFormat>
           <inkml:channel name="X" type="integer" min="-2.14748E9" max="2.14748E9" units="cm"/>
           <inkml:channel name="Y" type="integer" min="-2.14748E9" max="2.14748E9" units="cm"/>
+          <inkml:channel name="F" type="integer" max="32767" units="dev"/>
         </inkml:traceFormat>
         <inkml:channelProperties>
           <inkml:channelProperty channel="X" name="resolution" value="1000" units="1/cm"/>
           <inkml:channelProperty channel="Y" name="resolution" value="1000" units="1/cm"/>
+          <inkml:channelProperty channel="F" name="resolution" value="0" units="1/dev"/>
         </inkml:channelProperties>
       </inkml:inkSource>
-      <inkml:timestamp xml:id="ts0" timeString="2025-10-07T10:54:32.804"/>
+      <inkml:timestamp xml:id="ts0" timeString="2025-10-07T10:49:42.139"/>
     </inkml:context>
     <inkml:brush xml:id="br0">
       <inkml:brushProperty name="width" value="0.35" units="cm"/>
@@ -2171,7 +2170,7 @@
       <inkml:brushProperty name="inkEffects" value="pencil"/>
     </inkml:brush>
   </inkml:definitions>
-  <inkml:trace contextRef="#ctx0" brushRef="#br0">1 519,'9'0,"11"0,7 0,7 0,12 0,10 0,18-9,27-2,27-9,21-5,22 2,15-4,8 2,-8-2,-10-2,-3 4,-1 2,-4 1,0-5,3-2,1 4,8 1,3 2,6-6,-4-1,-2 3,-6 7,-7 7,-3 4,-2 5,5 2,4 2,8 0,7 0,7 0,5 0,11 0,15-1,6 0,13 0,3 0,-6 0,-9 0,4 0,0 0,-9 0,-5 0,4 0,-8 0,-4 0,-19 0,-12 0,-15 0,-11 0,-14 0,-20 0,-22 0,-19 0,-20 0,-17 0,-16 0</inkml:trace>
+  <inkml:trace contextRef="#ctx0" brushRef="#br0">1612 806 0,'-1'32'0,"0"-1"0,-3 1 0,0-1 0,-1 0 0,-2 0 0,-1 0 0,-1-1 0,-2 0 0,0-1 0,-2 0 0,-1 0 0,-1-1 0,-1-1 0,-1 0 0,-1-1 0,-1-1 0,-1-1 0,-1 0 0,-1-1 0,-1-1 0,-1-1 0,0-1 0,-1-1 0,-1-1 0,-1-1 0,0-1 0,-1-1 0,-1-1 0,0-1 0,0-2 0,-1 0 0,0-2 0,-1-1 0,0-1 0,0-2 0,0-1 0,-1 0 0,1-3 0,-1 0 0,0-2 0,1 0 0,-1-3 0,1 0 0,0-1 0,0-2 0,0-1 0,1-1 0,0-2 0,1 0 0,0-2 0,0-1 0,1-1 0,1-1 0,0-1 0,1-1 0,1-1 0,1-1 0,0-1 0,1-1 0,1-1 0,1-1 0,1 0 0,1-1 0,1-1 0,1-1 0,1 0 0,1-1 0,1-1 0,1 0 0,2 0 0,0-1 0,2 0 0,1-1 0,1 0 0,2 0 0,1 0 0,0-1 0,3 1 0,0-1 0,2 0 0,0 1 0,3-1 0,0 1 0,1 0 0,2 0 0,1 0 0,1 1 0,2 0 0,0 1 0,2 0 0,1 0 0,1 1 0,1 1 0,1 0 0,1 1 0,1 1 0,1 1 0,1 0 0,1 1 0,1 1 0,1 1 0,0 1 0,1 1 0,1 1 0,1 1 0,0 1 0,1 1 0,1 1 0,0 1 0,0 2 0,1 0 0,0 2 0,1 1 0,0 1 0,0 2 0,0 1 0,1 0 0,-1 3 0,1 0 0,0 2 0,-1 0 0,1 3 0,-1 0 0,0 1 0,0 2 0,0 1 0,-1 1 0,0 2 0,-1 0 0,0 2 0,0 1 0,-1 1 0,-1 1 0,0 1 0,-1 1 0,-1 1 0,-1 1 0,0 1 0,-1 1 0,-1 1 0,-1 1 0,-1 0 0,-1 1 0,-1 1 0,-1 1 0,-1 0 0,-1 1 0,-1 1 0,-1 0 0,-2 0 0,0 1 0,-2 0 0,-1 1 0,-1 0 0,-2 0 0,-1 0 0,0 1 0,-3-1 0,0 1 0</inkml:trace>
 </inkml:ink>
 </file>
 
@@ -2183,13 +2182,15 @@
         <inkml:traceFormat>
           <inkml:channel name="X" type="integer" min="-2.14748E9" max="2.14748E9" units="cm"/>
           <inkml:channel name="Y" type="integer" min="-2.14748E9" max="2.14748E9" units="cm"/>
+          <inkml:channel name="F" type="integer" max="32767" units="dev"/>
         </inkml:traceFormat>
         <inkml:channelProperties>
           <inkml:channelProperty channel="X" name="resolution" value="1000" units="1/cm"/>
           <inkml:channelProperty channel="Y" name="resolution" value="1000" units="1/cm"/>
+          <inkml:channelProperty channel="F" name="resolution" value="0" units="1/dev"/>
         </inkml:channelProperties>
       </inkml:inkSource>
-      <inkml:timestamp xml:id="ts0" timeString="2025-10-07T10:54:34.123"/>
+      <inkml:timestamp xml:id="ts0" timeString="2025-10-07T10:49:42.523"/>
     </inkml:context>
     <inkml:brush xml:id="br0">
       <inkml:brushProperty name="width" value="0.35" units="cm"/>
@@ -2199,7 +2200,7 @@
       <inkml:brushProperty name="inkEffects" value="pencil"/>
     </inkml:brush>
   </inkml:definitions>
-  <inkml:trace contextRef="#ctx0" brushRef="#br0">271 0,'-4'0,"-2"4,0 11,11 2,12 7,12 8,15 4,12-1,10 3,7-1,5-2,-4-3,-4-7,-10-3,-16-1,-15 9,-16 8,-38 15,-27 7,-26 11,-18 15,-14 11,-6 10,8-4,5 2,16-12,9-9,19-19</inkml:trace>
+  <inkml:trace contextRef="#ctx0" brushRef="#br0">1612 806 0,'-1'32'0,"0"-1"0,-3 1 0,0-1 0,-1 0 0,-2 0 0,-1 0 0,-1-1 0,-2 0 0,0-1 0,-2 0 0,-1 0 0,-1-1 0,-1-1 0,-1 0 0,-1-1 0,-1-1 0,-1-1 0,-1 0 0,-1-1 0,-1-1 0,-1-1 0,0-1 0,-1-1 0,-1-1 0,-1-1 0,0-1 0,-1-1 0,-1-1 0,0-1 0,0-2 0,-1 0 0,0-2 0,-1-1 0,0-1 0,0-2 0,0-1 0,-1 0 0,1-3 0,-1 0 0,0-2 0,1 0 0,-1-3 0,1 0 0,0-1 0,0-2 0,0-1 0,1-1 0,0-2 0,1 0 0,0-2 0,0-1 0,1-1 0,1-1 0,0-1 0,1-1 0,1-1 0,1-1 0,0-1 0,1-1 0,1-1 0,1-1 0,1 0 0,1-1 0,1-1 0,1-1 0,1 0 0,1-1 0,1-1 0,1 0 0,2 0 0,0-1 0,2 0 0,1-1 0,1 0 0,2 0 0,1 0 0,0-1 0,3 1 0,0-1 0,2 0 0,0 1 0,3-1 0,0 1 0,1 0 0,2 0 0,1 0 0,1 1 0,2 0 0,0 1 0,2 0 0,1 0 0,1 1 0,1 1 0,1 0 0,1 1 0,1 1 0,1 1 0,1 0 0,1 1 0,1 1 0,1 1 0,0 1 0,1 1 0,1 1 0,1 1 0,0 1 0,1 1 0,1 1 0,0 1 0,0 2 0,1 0 0,0 2 0,1 1 0,0 1 0,0 2 0,0 1 0,1 0 0,-1 3 0,1 0 0,0 2 0,-1 0 0,1 3 0,-1 0 0,0 1 0,0 2 0,0 1 0,-1 1 0,0 2 0,-1 0 0,0 2 0,0 1 0,-1 1 0,-1 1 0,0 1 0,-1 1 0,-1 1 0,-1 1 0,0 1 0,-1 1 0,-1 1 0,-1 1 0,-1 0 0,-1 1 0,-1 1 0,-1 1 0,-1 0 0,-1 1 0,-1 1 0,-1 0 0,-2 0 0,0 1 0,-2 0 0,-1 1 0,-1 0 0,-2 0 0,-1 0 0,0 1 0,-3-1 0,0 1 0</inkml:trace>
 </inkml:ink>
 </file>
 
@@ -2217,7 +2218,7 @@
           <inkml:channelProperty channel="Y" name="resolution" value="1000" units="1/cm"/>
         </inkml:channelProperties>
       </inkml:inkSource>
-      <inkml:timestamp xml:id="ts0" timeString="2025-10-07T10:54:37.772"/>
+      <inkml:timestamp xml:id="ts0" timeString="2025-10-07T10:53:34.283"/>
     </inkml:context>
     <inkml:brush xml:id="br0">
       <inkml:brushProperty name="width" value="0.35" units="cm"/>
@@ -2227,7 +2228,7 @@
       <inkml:brushProperty name="inkEffects" value="pencil"/>
     </inkml:brush>
   </inkml:definitions>
-  <inkml:trace contextRef="#ctx0" brushRef="#br0">1 3567,'4'0,"19"0,10 0,17 0,17 0,24 0,9 0,9-8,0-8,-1-6,24-11,16-5,13-5,10-8,11 1,9 3,16 2,-1 4,4 1,-9-3,-15-2,-9-6,-14 0,-7-7,-13-8,-14-1,-7-7,-10 1,-4-5,-10 6,-10 3,-6 8,1 2,-11 11,-3 0,-1 5,-3 4,-4 1,1 6,12 0,10-7,22-6,10 0,16-1,16-10,-4 5,-5 2,-12-4,-11 3,-4 1,-15 5,-17 5,-12 9,-10 2,-10 0,-9 6,-6 2,-5-1,-7 0,2 3,0 1,2-2,1-2,17-10,6-5,4-8,5 2,-2 5,2-10,0 4,3 1,-4 2,-4 4,3 4,1-1,-1 0,-2 1,4-1,0 3,0-5,-2-2,-2 1,4-1,-5 0,-1 3,-2 3,-9 1,-3 3,6 1,-1 0,-4 1,2 0,-8-1,-4 1,-3-4,-2 2,-4 1,2 2,-1 4</inkml:trace>
+  <inkml:trace contextRef="#ctx0" brushRef="#br0">0 287,'13'0,"18"0,16-5,9-1,8 1,2-4,7 0,0 1,1 3,0 1,-3 2,-5 2,-1-1,2 2,7-1,12 0,10 1,5-1,17 0,9 0,2 0,8 0,3 0,5 0,-2 0,6 0,-5-4,-1-2,-2-4,0 0,-6 1,-4 3,-12-3,-3 1,-5-3,-4 0,-2-2,3 1,0-1,-1 1,4-7,-5-3,-6 1,-17 5,-13 5,-15 4,-7 3,-12 3</inkml:trace>
 </inkml:ink>
 </file>
 
@@ -2245,7 +2246,7 @@
           <inkml:channelProperty channel="Y" name="resolution" value="1000" units="1/cm"/>
         </inkml:channelProperties>
       </inkml:inkSource>
-      <inkml:timestamp xml:id="ts0" timeString="2025-10-07T10:54:39.235"/>
+      <inkml:timestamp xml:id="ts0" timeString="2025-10-07T10:53:35.660"/>
     </inkml:context>
     <inkml:brush xml:id="br0">
       <inkml:brushProperty name="width" value="0.35" units="cm"/>
@@ -2255,7 +2256,7 @@
       <inkml:brushProperty name="inkEffects" value="pencil"/>
     </inkml:brush>
   </inkml:definitions>
-  <inkml:trace contextRef="#ctx0" brushRef="#br0">1 141,'17'0,"33"0,33 0,29 0,17 0,4 0,-7 0,-4-13,-9-4,-15 0,-15 3,-14 0,-14 3,-11 2,-6 4,-3-3,-5 1,-2 1,-2 2,-1 1,4-3,1 0,5 9,1 26,-2 26,-7 25,-3 25,3 21,-4 20,-5 6,-5-4,-6-11,-4-11,-2-18,-1-18,-1-26</inkml:trace>
+  <inkml:trace contextRef="#ctx0" brushRef="#br0">1 0,'0'9,"8"3,13-1,10 2,5-1,9-2,15-3,9-3,3-2,1 3,-6 0,-3 5,-2-1,-4 0,-7-3,-8 2,-7 0,-9 7,-14 10,-14 18,-15 19,-9 13,-9 5,1-1,-2-1,4-9,3-4,3-4,0-4,1-11,4-5,5-5,6-5,4-6</inkml:trace>
 </inkml:ink>
 </file>
 
@@ -2273,7 +2274,7 @@
           <inkml:channelProperty channel="Y" name="resolution" value="1000" units="1/cm"/>
         </inkml:channelProperties>
       </inkml:inkSource>
-      <inkml:timestamp xml:id="ts0" timeString="2025-10-07T10:54:40.956"/>
+      <inkml:timestamp xml:id="ts0" timeString="2025-10-07T10:53:37.742"/>
     </inkml:context>
     <inkml:brush xml:id="br0">
       <inkml:brushProperty name="width" value="0.35" units="cm"/>
@@ -2283,7 +2284,7 @@
       <inkml:brushProperty name="inkEffects" value="pencil"/>
     </inkml:brush>
   </inkml:definitions>
-  <inkml:trace contextRef="#ctx0" brushRef="#br0">0 0,'5'0,"31"0,50 0,53 0,51 0,46 0,35 0,28 0,29 0,28 0,10 0,13 0,16 0,2 0,12 0,46 0,28 0,15 0,9 0,-36 0,-30 0,-28 0,-33 0,-32 0,-40 0,-34 0,-55 0,-55 0,-56 0</inkml:trace>
+  <inkml:trace contextRef="#ctx0" brushRef="#br0">1 0,'4'5,"15"9,17 25,16 23,16 14,14 11,19 14,15 10,13 5,11 3,8 0,5-8,-6-9,-2-5,-4-10,9-2,6 1,-3-4,8-9,3-2,0-1,-3-4,3 1,-1-3,-10-3,-1-4,-9-2,-15-3,-17-5,-5-6,-12-2,-9-2,-10-4,-9 1,-3-5,-4 2,-2-1,-3-1,-1 0,-6-2,-11-5</inkml:trace>
 </inkml:ink>
 </file>
 
@@ -2301,7 +2302,7 @@
           <inkml:channelProperty channel="Y" name="resolution" value="1000" units="1/cm"/>
         </inkml:channelProperties>
       </inkml:inkSource>
-      <inkml:timestamp xml:id="ts0" timeString="2025-10-07T10:54:42.268"/>
+      <inkml:timestamp xml:id="ts0" timeString="2025-10-07T10:53:38.947"/>
     </inkml:context>
     <inkml:brush xml:id="br0">
       <inkml:brushProperty name="width" value="0.35" units="cm"/>
@@ -2311,7 +2312,91 @@
       <inkml:brushProperty name="inkEffects" value="pencil"/>
     </inkml:brush>
   </inkml:definitions>
-  <inkml:trace contextRef="#ctx0" brushRef="#br0">1 1,'4'0,"6"0,10 0,20 8,14 8,13 10,16 13,16 18,17 8,11 5,10-4,-5-9,-13-10,-21-13,-28-8,-25-3,-39 6,-32 8,-39 10,-30 6,-24 20,-2 3,12-4,6-1,17-7,19-12,11-9,12-12,13-12</inkml:trace>
+  <inkml:trace contextRef="#ctx0" brushRef="#br0">361 0,'8'5,"13"18,23 19,18 10,20 11,5 2,-3-10,-4-4,-11-13,-12-7,-7-5,-13-2,-12 3,-19 10,-24-1,-35 6,-26 6,-25 6,-13-1,-9 4,1-4,-1-10,12-9,22-1,21-7,24-6</inkml:trace>
+</inkml:ink>
+</file>
+
+<file path=ppt/ink/ink167.xml><?xml version="1.0" encoding="utf-8"?>
+<inkml:ink xmlns:inkml="http://www.w3.org/2003/InkML">
+  <inkml:definitions>
+    <inkml:context xml:id="ctx0">
+      <inkml:inkSource xml:id="inkSrc0">
+        <inkml:traceFormat>
+          <inkml:channel name="X" type="integer" min="-2.14748E9" max="2.14748E9" units="cm"/>
+          <inkml:channel name="Y" type="integer" min="-2.14748E9" max="2.14748E9" units="cm"/>
+        </inkml:traceFormat>
+        <inkml:channelProperties>
+          <inkml:channelProperty channel="X" name="resolution" value="1000" units="1/cm"/>
+          <inkml:channelProperty channel="Y" name="resolution" value="1000" units="1/cm"/>
+        </inkml:channelProperties>
+      </inkml:inkSource>
+      <inkml:timestamp xml:id="ts0" timeString="2025-10-07T10:53:42.003"/>
+    </inkml:context>
+    <inkml:brush xml:id="br0">
+      <inkml:brushProperty name="width" value="0.35" units="cm"/>
+      <inkml:brushProperty name="height" value="2.1" units="cm"/>
+      <inkml:brushProperty name="color" value="#FFFFFF"/>
+      <inkml:brushProperty name="ignorePressure" value="1"/>
+      <inkml:brushProperty name="inkEffects" value="pencil"/>
+    </inkml:brush>
+  </inkml:definitions>
+  <inkml:trace contextRef="#ctx0" brushRef="#br0">1204 28,'-4'0,"-11"0,-15 0,-12 0,-11 0,-6 0,-1 0,-4 0,-4 0,5 0,5 0,8 0,-1 0,-1 0,1 0,-5 0,3 0,2 0,4 0,7 0,6 0,4-5,2 0,3-1,0 1,1 2,-1 1,0 1,5 1</inkml:trace>
+</inkml:ink>
+</file>
+
+<file path=ppt/ink/ink168.xml><?xml version="1.0" encoding="utf-8"?>
+<inkml:ink xmlns:inkml="http://www.w3.org/2003/InkML">
+  <inkml:definitions>
+    <inkml:context xml:id="ctx0">
+      <inkml:inkSource xml:id="inkSrc0">
+        <inkml:traceFormat>
+          <inkml:channel name="X" type="integer" min="-2.14748E9" max="2.14748E9" units="cm"/>
+          <inkml:channel name="Y" type="integer" min="-2.14748E9" max="2.14748E9" units="cm"/>
+        </inkml:traceFormat>
+        <inkml:channelProperties>
+          <inkml:channelProperty channel="X" name="resolution" value="1000" units="1/cm"/>
+          <inkml:channelProperty channel="Y" name="resolution" value="1000" units="1/cm"/>
+        </inkml:channelProperties>
+      </inkml:inkSource>
+      <inkml:timestamp xml:id="ts0" timeString="2025-10-07T10:53:43.140"/>
+    </inkml:context>
+    <inkml:brush xml:id="br0">
+      <inkml:brushProperty name="width" value="0.35" units="cm"/>
+      <inkml:brushProperty name="height" value="2.1" units="cm"/>
+      <inkml:brushProperty name="color" value="#FFFFFF"/>
+      <inkml:brushProperty name="ignorePressure" value="1"/>
+      <inkml:brushProperty name="inkEffects" value="pencil"/>
+    </inkml:brush>
+  </inkml:definitions>
+  <inkml:trace contextRef="#ctx0" brushRef="#br0">885 0,'-5'4,"-13"7,-14 4,-10 14,-10 10,-6 3,3-1,3-3,4-4,3-4,5-1,-1-3,8 0,4-6,-1-5,0 3,1-1,1-4,1 0,-4 3,-6 2,5 3,2-2,2-4,6 4,12 11,15 15,16 7,18 4,19 10,9 3,1-2,7 0,0-6,-1 4,1-9,-8-6,-11-11,-11-8,-13-9</inkml:trace>
+</inkml:ink>
+</file>
+
+<file path=ppt/ink/ink169.xml><?xml version="1.0" encoding="utf-8"?>
+<inkml:ink xmlns:inkml="http://www.w3.org/2003/InkML">
+  <inkml:definitions>
+    <inkml:context xml:id="ctx0">
+      <inkml:inkSource xml:id="inkSrc0">
+        <inkml:traceFormat>
+          <inkml:channel name="X" type="integer" min="-2.14748E9" max="2.14748E9" units="cm"/>
+          <inkml:channel name="Y" type="integer" min="-2.14748E9" max="2.14748E9" units="cm"/>
+        </inkml:traceFormat>
+        <inkml:channelProperties>
+          <inkml:channelProperty channel="X" name="resolution" value="1000" units="1/cm"/>
+          <inkml:channelProperty channel="Y" name="resolution" value="1000" units="1/cm"/>
+        </inkml:channelProperties>
+      </inkml:inkSource>
+      <inkml:timestamp xml:id="ts0" timeString="2025-10-07T10:04:20.885"/>
+    </inkml:context>
+    <inkml:brush xml:id="br0">
+      <inkml:brushProperty name="width" value="0.35" units="cm"/>
+      <inkml:brushProperty name="height" value="2.1" units="cm"/>
+      <inkml:brushProperty name="color" value="#FFFFFF"/>
+      <inkml:brushProperty name="ignorePressure" value="1"/>
+      <inkml:brushProperty name="inkEffects" value="pencil"/>
+    </inkml:brush>
+  </inkml:definitions>
+  <inkml:trace contextRef="#ctx0" brushRef="#br0">1 1,'0'0</inkml:trace>
 </inkml:ink>
 </file>
 
@@ -2345,6 +2430,304 @@
 </inkml:ink>
 </file>
 
+<file path=ppt/ink/ink170.xml><?xml version="1.0" encoding="utf-8"?>
+<inkml:ink xmlns:inkml="http://www.w3.org/2003/InkML">
+  <inkml:definitions>
+    <inkml:context xml:id="ctx0">
+      <inkml:inkSource xml:id="inkSrc0">
+        <inkml:traceFormat>
+          <inkml:channel name="X" type="integer" min="-2.14748E9" max="2.14748E9" units="cm"/>
+          <inkml:channel name="Y" type="integer" min="-2.14748E9" max="2.14748E9" units="cm"/>
+          <inkml:channel name="F" type="integer" max="32767" units="dev"/>
+        </inkml:traceFormat>
+        <inkml:channelProperties>
+          <inkml:channelProperty channel="X" name="resolution" value="1000" units="1/cm"/>
+          <inkml:channelProperty channel="Y" name="resolution" value="1000" units="1/cm"/>
+          <inkml:channelProperty channel="F" name="resolution" value="0" units="1/dev"/>
+        </inkml:channelProperties>
+      </inkml:inkSource>
+      <inkml:timestamp xml:id="ts0" timeString="2025-10-07T10:04:33.522"/>
+    </inkml:context>
+    <inkml:brush xml:id="br0">
+      <inkml:brushProperty name="width" value="0.35" units="cm"/>
+      <inkml:brushProperty name="height" value="2.1" units="cm"/>
+      <inkml:brushProperty name="color" value="#FFFFFF"/>
+      <inkml:brushProperty name="ignorePressure" value="1"/>
+      <inkml:brushProperty name="inkEffects" value="pencil"/>
+    </inkml:brush>
+  </inkml:definitions>
+  <inkml:trace contextRef="#ctx0" brushRef="#br0">0 0 0,'27965'53'0</inkml:trace>
+</inkml:ink>
+</file>
+
+<file path=ppt/ink/ink171.xml><?xml version="1.0" encoding="utf-8"?>
+<inkml:ink xmlns:inkml="http://www.w3.org/2003/InkML">
+  <inkml:definitions>
+    <inkml:context xml:id="ctx0">
+      <inkml:inkSource xml:id="inkSrc0">
+        <inkml:traceFormat>
+          <inkml:channel name="X" type="integer" min="-2.14748E9" max="2.14748E9" units="cm"/>
+          <inkml:channel name="Y" type="integer" min="-2.14748E9" max="2.14748E9" units="cm"/>
+          <inkml:channel name="F" type="integer" max="32767" units="dev"/>
+        </inkml:traceFormat>
+        <inkml:channelProperties>
+          <inkml:channelProperty channel="X" name="resolution" value="1000" units="1/cm"/>
+          <inkml:channelProperty channel="Y" name="resolution" value="1000" units="1/cm"/>
+          <inkml:channelProperty channel="F" name="resolution" value="0" units="1/dev"/>
+        </inkml:channelProperties>
+      </inkml:inkSource>
+      <inkml:timestamp xml:id="ts0" timeString="2025-10-07T10:04:41.932"/>
+    </inkml:context>
+    <inkml:brush xml:id="br0">
+      <inkml:brushProperty name="width" value="0.35" units="cm"/>
+      <inkml:brushProperty name="height" value="2.1" units="cm"/>
+      <inkml:brushProperty name="color" value="#FFFFFF"/>
+      <inkml:brushProperty name="ignorePressure" value="1"/>
+      <inkml:brushProperty name="inkEffects" value="pencil"/>
+    </inkml:brush>
+  </inkml:definitions>
+  <inkml:trace contextRef="#ctx0" brushRef="#br0">181 0 0,'-181'15698'0</inkml:trace>
+</inkml:ink>
+</file>
+
+<file path=ppt/ink/ink172.xml><?xml version="1.0" encoding="utf-8"?>
+<inkml:ink xmlns:inkml="http://www.w3.org/2003/InkML">
+  <inkml:definitions>
+    <inkml:context xml:id="ctx0">
+      <inkml:inkSource xml:id="inkSrc0">
+        <inkml:traceFormat>
+          <inkml:channel name="X" type="integer" min="-2.14748E9" max="2.14748E9" units="cm"/>
+          <inkml:channel name="Y" type="integer" min="-2.14748E9" max="2.14748E9" units="cm"/>
+          <inkml:channel name="F" type="integer" max="32767" units="dev"/>
+        </inkml:traceFormat>
+        <inkml:channelProperties>
+          <inkml:channelProperty channel="X" name="resolution" value="1000" units="1/cm"/>
+          <inkml:channelProperty channel="Y" name="resolution" value="1000" units="1/cm"/>
+          <inkml:channelProperty channel="F" name="resolution" value="0" units="1/dev"/>
+        </inkml:channelProperties>
+      </inkml:inkSource>
+      <inkml:timestamp xml:id="ts0" timeString="2025-10-07T10:05:07.090"/>
+    </inkml:context>
+    <inkml:brush xml:id="br0">
+      <inkml:brushProperty name="width" value="0.35" units="cm"/>
+      <inkml:brushProperty name="height" value="2.1" units="cm"/>
+      <inkml:brushProperty name="color" value="#FFFFFF"/>
+      <inkml:brushProperty name="ignorePressure" value="1"/>
+      <inkml:brushProperty name="inkEffects" value="pencil"/>
+    </inkml:brush>
+  </inkml:definitions>
+  <inkml:trace contextRef="#ctx0" brushRef="#br0">0 53 0,'28098'-53'0</inkml:trace>
+</inkml:ink>
+</file>
+
+<file path=ppt/ink/ink173.xml><?xml version="1.0" encoding="utf-8"?>
+<inkml:ink xmlns:inkml="http://www.w3.org/2003/InkML">
+  <inkml:definitions>
+    <inkml:context xml:id="ctx0">
+      <inkml:inkSource xml:id="inkSrc0">
+        <inkml:traceFormat>
+          <inkml:channel name="X" type="integer" min="-2.14748E9" max="2.14748E9" units="cm"/>
+          <inkml:channel name="Y" type="integer" min="-2.14748E9" max="2.14748E9" units="cm"/>
+          <inkml:channel name="F" type="integer" max="32767" units="dev"/>
+        </inkml:traceFormat>
+        <inkml:channelProperties>
+          <inkml:channelProperty channel="X" name="resolution" value="1000" units="1/cm"/>
+          <inkml:channelProperty channel="Y" name="resolution" value="1000" units="1/cm"/>
+          <inkml:channelProperty channel="F" name="resolution" value="0" units="1/dev"/>
+        </inkml:channelProperties>
+      </inkml:inkSource>
+      <inkml:timestamp xml:id="ts0" timeString="2025-10-07T10:05:12.231"/>
+    </inkml:context>
+    <inkml:brush xml:id="br0">
+      <inkml:brushProperty name="width" value="0.35" units="cm"/>
+      <inkml:brushProperty name="height" value="2.1" units="cm"/>
+      <inkml:brushProperty name="color" value="#FFFFFF"/>
+      <inkml:brushProperty name="ignorePressure" value="1"/>
+      <inkml:brushProperty name="inkEffects" value="pencil"/>
+    </inkml:brush>
+  </inkml:definitions>
+  <inkml:trace contextRef="#ctx0" brushRef="#br0">0 0 0,'105'15895'0</inkml:trace>
+</inkml:ink>
+</file>
+
+<file path=ppt/ink/ink174.xml><?xml version="1.0" encoding="utf-8"?>
+<inkml:ink xmlns:inkml="http://www.w3.org/2003/InkML">
+  <inkml:definitions>
+    <inkml:context xml:id="ctx0">
+      <inkml:inkSource xml:id="inkSrc0">
+        <inkml:traceFormat>
+          <inkml:channel name="X" type="integer" min="-2.14748E9" max="2.14748E9" units="cm"/>
+          <inkml:channel name="Y" type="integer" min="-2.14748E9" max="2.14748E9" units="cm"/>
+          <inkml:channel name="F" type="integer" max="32767" units="dev"/>
+        </inkml:traceFormat>
+        <inkml:channelProperties>
+          <inkml:channelProperty channel="X" name="resolution" value="1000" units="1/cm"/>
+          <inkml:channelProperty channel="Y" name="resolution" value="1000" units="1/cm"/>
+          <inkml:channelProperty channel="F" name="resolution" value="0" units="1/dev"/>
+        </inkml:channelProperties>
+      </inkml:inkSource>
+      <inkml:timestamp xml:id="ts0" timeString="2025-10-07T10:06:11.194"/>
+    </inkml:context>
+    <inkml:brush xml:id="br0">
+      <inkml:brushProperty name="width" value="0.35" units="cm"/>
+      <inkml:brushProperty name="height" value="2.1" units="cm"/>
+      <inkml:brushProperty name="color" value="#FFFFFF"/>
+      <inkml:brushProperty name="ignorePressure" value="1"/>
+      <inkml:brushProperty name="inkEffects" value="pencil"/>
+    </inkml:brush>
+  </inkml:definitions>
+  <inkml:trace contextRef="#ctx0" brushRef="#br0">0 0 0,'7096'78'0</inkml:trace>
+</inkml:ink>
+</file>
+
+<file path=ppt/ink/ink175.xml><?xml version="1.0" encoding="utf-8"?>
+<inkml:ink xmlns:inkml="http://www.w3.org/2003/InkML">
+  <inkml:definitions>
+    <inkml:context xml:id="ctx0">
+      <inkml:inkSource xml:id="inkSrc0">
+        <inkml:traceFormat>
+          <inkml:channel name="X" type="integer" min="-2.14748E9" max="2.14748E9" units="cm"/>
+          <inkml:channel name="Y" type="integer" min="-2.14748E9" max="2.14748E9" units="cm"/>
+          <inkml:channel name="F" type="integer" max="32767" units="dev"/>
+        </inkml:traceFormat>
+        <inkml:channelProperties>
+          <inkml:channelProperty channel="X" name="resolution" value="1000" units="1/cm"/>
+          <inkml:channelProperty channel="Y" name="resolution" value="1000" units="1/cm"/>
+          <inkml:channelProperty channel="F" name="resolution" value="0" units="1/dev"/>
+        </inkml:channelProperties>
+      </inkml:inkSource>
+      <inkml:timestamp xml:id="ts0" timeString="2025-10-07T10:06:17.934"/>
+    </inkml:context>
+    <inkml:brush xml:id="br0">
+      <inkml:brushProperty name="width" value="0.35" units="cm"/>
+      <inkml:brushProperty name="height" value="2.1" units="cm"/>
+      <inkml:brushProperty name="color" value="#FFFFFF"/>
+      <inkml:brushProperty name="ignorePressure" value="1"/>
+      <inkml:brushProperty name="inkEffects" value="pencil"/>
+    </inkml:brush>
+  </inkml:definitions>
+  <inkml:trace contextRef="#ctx0" brushRef="#br0">0 53 0,'7306'-53'0</inkml:trace>
+</inkml:ink>
+</file>
+
+<file path=ppt/ink/ink176.xml><?xml version="1.0" encoding="utf-8"?>
+<inkml:ink xmlns:inkml="http://www.w3.org/2003/InkML">
+  <inkml:definitions>
+    <inkml:context xml:id="ctx0">
+      <inkml:inkSource xml:id="inkSrc0">
+        <inkml:traceFormat>
+          <inkml:channel name="X" type="integer" min="-2.14748E9" max="2.14748E9" units="cm"/>
+          <inkml:channel name="Y" type="integer" min="-2.14748E9" max="2.14748E9" units="cm"/>
+        </inkml:traceFormat>
+        <inkml:channelProperties>
+          <inkml:channelProperty channel="X" name="resolution" value="1000" units="1/cm"/>
+          <inkml:channelProperty channel="Y" name="resolution" value="1000" units="1/cm"/>
+        </inkml:channelProperties>
+      </inkml:inkSource>
+      <inkml:timestamp xml:id="ts0" timeString="2025-10-07T10:06:24.583"/>
+    </inkml:context>
+    <inkml:brush xml:id="br0">
+      <inkml:brushProperty name="width" value="0.35" units="cm"/>
+      <inkml:brushProperty name="height" value="2.1" units="cm"/>
+      <inkml:brushProperty name="color" value="#FFFFFF"/>
+      <inkml:brushProperty name="ignorePressure" value="1"/>
+      <inkml:brushProperty name="inkEffects" value="pencil"/>
+    </inkml:brush>
+  </inkml:definitions>
+  <inkml:trace contextRef="#ctx0" brushRef="#br0">1 0,'0'4,"0"7,0 5,0 4,0 4,0 6,0 3,0 0,0-1,0-2,0-1,0-1,0-1,0-1,0 0,0 0,0 0,0 0,0 0,0 0,0 0,0 0,0 5,0 1,0 0,0 3,0 0,0-1,0-2,0-2,0 2,0 1,0 0,0 2,4-5,2 2,-1 0,0 3,-2 0,-1-1,-1-2,0 2,-1 0,-1-1,1-2,0 2,0 6,0-1,-1-2,1-2,0-3,0-2,0-1,0-2,0 0,0 0,0-1,0 1,0 4,0 2,0 0,0 3,0 5,0-1,0-1,5-4,1 2,0-1,-2-2,0-2,-2 3,-1 0,-1-2,0-1,0-2,0 3,0 0,-1 5,1 4,0 0,0 1,0-1,0 0,0-1,0-4,0 2,0 2,0 0,0-3,0-4,0-2,0-2,0-2,0-1,0 4,0 2,0-1,0-1,0 4,0 4,0 5,0 0,0-4,0-3,0-3,0-4,0-1,0-2,0 0,0-1,0 1,0-1,0 1,0 4,0 7,0 5,0 5,0-2,0-3,0-1,0-2,0-4,0-2,0-4,4 3,2 0,0 0,-2-2,0-2,-2 5,-1-1,-1 5,0-1,0 4,0 3,-1 3,1-2,0 1,0-2,0 3,0 4,0-2,4-1,2 1,0-3,-1-1,-2-3,-1 0,-1-2,0 1,-1 3,0-2,-1-3,1-4,0 1,0 0,0-2,0-3,0-1,0 3,0 1,0-2,0 0,0-2,0 3,0 1,0 4,0-1,0 3,0 0,0-4,0 3,0-2,0 3,0-2,0 3,0-2,0 2,0 3,0 3,0 3,0-3,0-4,0-6,0 1,0 2,0 0,0 2,0-2,0-3,0-3,0 2,0-1,0-2,0-1,0-3,0 0,0-1,0-1,0 0,0 0,0 4,0 2,0 4,0 0,0 4,0-2,0 3,0 3,0-2,0 1,0-2,0 0,0 3,0-2,0 1,0-3,0 1,0-2,0-3,0-4,0-2,0 3,0-1,0 0,0-2,0-1,0 3,0 0,0 0,0-1,0-2,0-1,0 3,0 2,0 3,0 1,0 2,0 4,0-1,0-4,0 2,0 2,0 3,0-2,0 1,0 2,0-3,0 1,0-3,0 0,0-2,0 2,0-3,0 2,0-2,0 2,0-2,0 2,0-2,0 2,0-1,0-4,0-2,0-3,0-2,0 3,0 1,0 0,0-2,0-1,0-2,0 0,0 0,0-1,0 0,0 0,0 0,0 0,0 0,0 0,0 0,0 0,0 0,0 1,0-1,0 0,0 0,0 0,0 1,0-1,0 0,0 0,0 0,0-4</inkml:trace>
+</inkml:ink>
+</file>
+
+<file path=ppt/ink/ink177.xml><?xml version="1.0" encoding="utf-8"?>
+<inkml:ink xmlns:inkml="http://www.w3.org/2003/InkML">
+  <inkml:definitions>
+    <inkml:context xml:id="ctx0">
+      <inkml:inkSource xml:id="inkSrc0">
+        <inkml:traceFormat>
+          <inkml:channel name="X" type="integer" min="-2.14748E9" max="2.14748E9" units="cm"/>
+          <inkml:channel name="Y" type="integer" min="-2.14748E9" max="2.14748E9" units="cm"/>
+          <inkml:channel name="F" type="integer" max="32767" units="dev"/>
+        </inkml:traceFormat>
+        <inkml:channelProperties>
+          <inkml:channelProperty channel="X" name="resolution" value="1000" units="1/cm"/>
+          <inkml:channelProperty channel="Y" name="resolution" value="1000" units="1/cm"/>
+          <inkml:channelProperty channel="F" name="resolution" value="0" units="1/dev"/>
+        </inkml:channelProperties>
+      </inkml:inkSource>
+      <inkml:timestamp xml:id="ts0" timeString="2025-10-07T10:06:29.724"/>
+    </inkml:context>
+    <inkml:brush xml:id="br0">
+      <inkml:brushProperty name="width" value="0.35" units="cm"/>
+      <inkml:brushProperty name="height" value="2.1" units="cm"/>
+      <inkml:brushProperty name="color" value="#FFFFFF"/>
+      <inkml:brushProperty name="ignorePressure" value="1"/>
+      <inkml:brushProperty name="inkEffects" value="pencil"/>
+    </inkml:brush>
+  </inkml:definitions>
+  <inkml:trace contextRef="#ctx0" brushRef="#br0">0 0 0,'3902'27'0</inkml:trace>
+</inkml:ink>
+</file>
+
+<file path=ppt/ink/ink178.xml><?xml version="1.0" encoding="utf-8"?>
+<inkml:ink xmlns:inkml="http://www.w3.org/2003/InkML">
+  <inkml:definitions>
+    <inkml:context xml:id="ctx0">
+      <inkml:inkSource xml:id="inkSrc0">
+        <inkml:traceFormat>
+          <inkml:channel name="X" type="integer" min="-2.14748E9" max="2.14748E9" units="cm"/>
+          <inkml:channel name="Y" type="integer" min="-2.14748E9" max="2.14748E9" units="cm"/>
+          <inkml:channel name="F" type="integer" max="32767" units="dev"/>
+        </inkml:traceFormat>
+        <inkml:channelProperties>
+          <inkml:channelProperty channel="X" name="resolution" value="1000" units="1/cm"/>
+          <inkml:channelProperty channel="Y" name="resolution" value="1000" units="1/cm"/>
+          <inkml:channelProperty channel="F" name="resolution" value="0" units="1/dev"/>
+        </inkml:channelProperties>
+      </inkml:inkSource>
+      <inkml:timestamp xml:id="ts0" timeString="2025-10-07T10:06:39.058"/>
+    </inkml:context>
+    <inkml:brush xml:id="br0">
+      <inkml:brushProperty name="width" value="0.35" units="cm"/>
+      <inkml:brushProperty name="height" value="2.1" units="cm"/>
+      <inkml:brushProperty name="color" value="#FFFFFF"/>
+      <inkml:brushProperty name="ignorePressure" value="1"/>
+      <inkml:brushProperty name="inkEffects" value="pencil"/>
+    </inkml:brush>
+  </inkml:definitions>
+  <inkml:trace contextRef="#ctx0" brushRef="#br0">0 0 0,'3981'26'0</inkml:trace>
+</inkml:ink>
+</file>
+
+<file path=ppt/ink/ink179.xml><?xml version="1.0" encoding="utf-8"?>
+<inkml:ink xmlns:inkml="http://www.w3.org/2003/InkML">
+  <inkml:definitions>
+    <inkml:context xml:id="ctx0">
+      <inkml:inkSource xml:id="inkSrc0">
+        <inkml:traceFormat>
+          <inkml:channel name="X" type="integer" min="-2.14748E9" max="2.14748E9" units="cm"/>
+          <inkml:channel name="Y" type="integer" min="-2.14748E9" max="2.14748E9" units="cm"/>
+          <inkml:channel name="F" type="integer" max="32767" units="dev"/>
+        </inkml:traceFormat>
+        <inkml:channelProperties>
+          <inkml:channelProperty channel="X" name="resolution" value="1000" units="1/cm"/>
+          <inkml:channelProperty channel="Y" name="resolution" value="1000" units="1/cm"/>
+          <inkml:channelProperty channel="F" name="resolution" value="0" units="1/dev"/>
+        </inkml:channelProperties>
+      </inkml:inkSource>
+      <inkml:timestamp xml:id="ts0" timeString="2025-10-07T10:06:42.387"/>
+    </inkml:context>
+    <inkml:brush xml:id="br0">
+      <inkml:brushProperty name="width" value="0.35" units="cm"/>
+      <inkml:brushProperty name="height" value="2.1" units="cm"/>
+      <inkml:brushProperty name="color" value="#FFFFFF"/>
+      <inkml:brushProperty name="ignorePressure" value="1"/>
+      <inkml:brushProperty name="inkEffects" value="pencil"/>
+    </inkml:brush>
+  </inkml:definitions>
+  <inkml:trace contextRef="#ctx0" brushRef="#br0">105 0 0,'-105'5839'0</inkml:trace>
+</inkml:ink>
+</file>
+
 <file path=ppt/ink/ink18.xml><?xml version="1.0" encoding="utf-8"?>
 <inkml:ink xmlns:inkml="http://www.w3.org/2003/InkML">
   <inkml:definitions>
@@ -2375,6 +2758,304 @@
 </inkml:ink>
 </file>
 
+<file path=ppt/ink/ink180.xml><?xml version="1.0" encoding="utf-8"?>
+<inkml:ink xmlns:inkml="http://www.w3.org/2003/InkML">
+  <inkml:definitions>
+    <inkml:context xml:id="ctx0">
+      <inkml:inkSource xml:id="inkSrc0">
+        <inkml:traceFormat>
+          <inkml:channel name="X" type="integer" min="-2.14748E9" max="2.14748E9" units="cm"/>
+          <inkml:channel name="Y" type="integer" min="-2.14748E9" max="2.14748E9" units="cm"/>
+          <inkml:channel name="F" type="integer" max="32767" units="dev"/>
+        </inkml:traceFormat>
+        <inkml:channelProperties>
+          <inkml:channelProperty channel="X" name="resolution" value="1000" units="1/cm"/>
+          <inkml:channelProperty channel="Y" name="resolution" value="1000" units="1/cm"/>
+          <inkml:channelProperty channel="F" name="resolution" value="0" units="1/dev"/>
+        </inkml:channelProperties>
+      </inkml:inkSource>
+      <inkml:timestamp xml:id="ts0" timeString="2025-10-07T10:07:09.387"/>
+    </inkml:context>
+    <inkml:brush xml:id="br0">
+      <inkml:brushProperty name="width" value="0.35" units="cm"/>
+      <inkml:brushProperty name="height" value="2.1" units="cm"/>
+      <inkml:brushProperty name="color" value="#FFFFFF"/>
+      <inkml:brushProperty name="ignorePressure" value="1"/>
+      <inkml:brushProperty name="inkEffects" value="pencil"/>
+    </inkml:brush>
+  </inkml:definitions>
+  <inkml:trace contextRef="#ctx0" brushRef="#br0">0 0 0,'7096'78'0</inkml:trace>
+</inkml:ink>
+</file>
+
+<file path=ppt/ink/ink181.xml><?xml version="1.0" encoding="utf-8"?>
+<inkml:ink xmlns:inkml="http://www.w3.org/2003/InkML">
+  <inkml:definitions>
+    <inkml:context xml:id="ctx0">
+      <inkml:inkSource xml:id="inkSrc0">
+        <inkml:traceFormat>
+          <inkml:channel name="X" type="integer" min="-2.14748E9" max="2.14748E9" units="cm"/>
+          <inkml:channel name="Y" type="integer" min="-2.14748E9" max="2.14748E9" units="cm"/>
+          <inkml:channel name="F" type="integer" max="32767" units="dev"/>
+        </inkml:traceFormat>
+        <inkml:channelProperties>
+          <inkml:channelProperty channel="X" name="resolution" value="1000" units="1/cm"/>
+          <inkml:channelProperty channel="Y" name="resolution" value="1000" units="1/cm"/>
+          <inkml:channelProperty channel="F" name="resolution" value="0" units="1/dev"/>
+        </inkml:channelProperties>
+      </inkml:inkSource>
+      <inkml:timestamp xml:id="ts0" timeString="2025-10-07T10:07:09.388"/>
+    </inkml:context>
+    <inkml:brush xml:id="br0">
+      <inkml:brushProperty name="width" value="0.35" units="cm"/>
+      <inkml:brushProperty name="height" value="2.1" units="cm"/>
+      <inkml:brushProperty name="color" value="#FFFFFF"/>
+      <inkml:brushProperty name="ignorePressure" value="1"/>
+      <inkml:brushProperty name="inkEffects" value="pencil"/>
+    </inkml:brush>
+  </inkml:definitions>
+  <inkml:trace contextRef="#ctx0" brushRef="#br0">0 53 0,'7306'-53'0</inkml:trace>
+</inkml:ink>
+</file>
+
+<file path=ppt/ink/ink182.xml><?xml version="1.0" encoding="utf-8"?>
+<inkml:ink xmlns:inkml="http://www.w3.org/2003/InkML">
+  <inkml:definitions>
+    <inkml:context xml:id="ctx0">
+      <inkml:inkSource xml:id="inkSrc0">
+        <inkml:traceFormat>
+          <inkml:channel name="X" type="integer" min="-2.14748E9" max="2.14748E9" units="cm"/>
+          <inkml:channel name="Y" type="integer" min="-2.14748E9" max="2.14748E9" units="cm"/>
+        </inkml:traceFormat>
+        <inkml:channelProperties>
+          <inkml:channelProperty channel="X" name="resolution" value="1000" units="1/cm"/>
+          <inkml:channelProperty channel="Y" name="resolution" value="1000" units="1/cm"/>
+        </inkml:channelProperties>
+      </inkml:inkSource>
+      <inkml:timestamp xml:id="ts0" timeString="2025-10-07T10:07:09.389"/>
+    </inkml:context>
+    <inkml:brush xml:id="br0">
+      <inkml:brushProperty name="width" value="0.35" units="cm"/>
+      <inkml:brushProperty name="height" value="2.1" units="cm"/>
+      <inkml:brushProperty name="color" value="#FFFFFF"/>
+      <inkml:brushProperty name="ignorePressure" value="1"/>
+      <inkml:brushProperty name="inkEffects" value="pencil"/>
+    </inkml:brush>
+  </inkml:definitions>
+  <inkml:trace contextRef="#ctx0" brushRef="#br0">1 0,'0'4,"0"7,0 5,0 4,0 4,0 6,0 3,0 0,0-1,0-2,0-1,0-1,0-1,0-1,0 0,0 0,0 0,0 0,0 0,0 0,0 0,0 0,0 5,0 1,0 0,0 3,0 0,0-1,0-2,0-2,0 2,0 1,0 0,0 2,4-5,2 2,-1 0,0 3,-2 0,-1-1,-1-2,0 2,-1 0,-1-1,1-2,0 2,0 6,0-1,-1-2,1-2,0-3,0-2,0-1,0-2,0 0,0 0,0-1,0 1,0 4,0 2,0 0,0 3,0 5,0-1,0-1,5-4,1 2,0-1,-2-2,0-2,-2 3,-1 0,-1-2,0-1,0-2,0 3,0 0,-1 5,1 4,0 0,0 1,0-1,0 0,0-1,0-4,0 2,0 2,0 0,0-3,0-4,0-2,0-2,0-2,0-1,0 4,0 2,0-1,0-1,0 4,0 4,0 5,0 0,0-4,0-3,0-3,0-4,0-1,0-2,0 0,0-1,0 1,0-1,0 1,0 4,0 7,0 5,0 5,0-2,0-3,0-1,0-2,0-4,0-2,0-4,4 3,2 0,0 0,-2-2,0-2,-2 5,-1-1,-1 5,0-1,0 4,0 3,-1 3,1-2,0 1,0-2,0 3,0 4,0-2,4-1,2 1,0-3,-1-1,-2-3,-1 0,-1-2,0 1,-1 3,0-2,-1-3,1-4,0 1,0 0,0-2,0-3,0-1,0 3,0 1,0-2,0 0,0-2,0 3,0 1,0 4,0-1,0 3,0 0,0-4,0 3,0-2,0 3,0-2,0 3,0-2,0 2,0 3,0 3,0 3,0-3,0-4,0-6,0 1,0 2,0 0,0 2,0-2,0-3,0-3,0 2,0-1,0-2,0-1,0-3,0 0,0-1,0-1,0 0,0 0,0 4,0 2,0 4,0 0,0 4,0-2,0 3,0 3,0-2,0 1,0-2,0 0,0 3,0-2,0 1,0-3,0 1,0-2,0-3,0-4,0-2,0 3,0-1,0 0,0-2,0-1,0 3,0 0,0 0,0-1,0-2,0-1,0 3,0 2,0 3,0 1,0 2,0 4,0-1,0-4,0 2,0 2,0 3,0-2,0 1,0 2,0-3,0 1,0-3,0 0,0-2,0 2,0-3,0 2,0-2,0 2,0-2,0 2,0-2,0 2,0-1,0-4,0-2,0-3,0-2,0 3,0 1,0 0,0-2,0-1,0-2,0 0,0 0,0-1,0 0,0 0,0 0,0 0,0 0,0 0,0 0,0 0,0 0,0 1,0-1,0 0,0 0,0 0,0 1,0-1,0 0,0 0,0 0,0-4</inkml:trace>
+</inkml:ink>
+</file>
+
+<file path=ppt/ink/ink183.xml><?xml version="1.0" encoding="utf-8"?>
+<inkml:ink xmlns:inkml="http://www.w3.org/2003/InkML">
+  <inkml:definitions>
+    <inkml:context xml:id="ctx0">
+      <inkml:inkSource xml:id="inkSrc0">
+        <inkml:traceFormat>
+          <inkml:channel name="X" type="integer" min="-2.14748E9" max="2.14748E9" units="cm"/>
+          <inkml:channel name="Y" type="integer" min="-2.14748E9" max="2.14748E9" units="cm"/>
+          <inkml:channel name="F" type="integer" max="32767" units="dev"/>
+        </inkml:traceFormat>
+        <inkml:channelProperties>
+          <inkml:channelProperty channel="X" name="resolution" value="1000" units="1/cm"/>
+          <inkml:channelProperty channel="Y" name="resolution" value="1000" units="1/cm"/>
+          <inkml:channelProperty channel="F" name="resolution" value="0" units="1/dev"/>
+        </inkml:channelProperties>
+      </inkml:inkSource>
+      <inkml:timestamp xml:id="ts0" timeString="2025-10-07T10:07:09.390"/>
+    </inkml:context>
+    <inkml:brush xml:id="br0">
+      <inkml:brushProperty name="width" value="0.35" units="cm"/>
+      <inkml:brushProperty name="height" value="2.1" units="cm"/>
+      <inkml:brushProperty name="color" value="#FFFFFF"/>
+      <inkml:brushProperty name="ignorePressure" value="1"/>
+      <inkml:brushProperty name="inkEffects" value="pencil"/>
+    </inkml:brush>
+  </inkml:definitions>
+  <inkml:trace contextRef="#ctx0" brushRef="#br0">0 0 0,'3902'27'0</inkml:trace>
+</inkml:ink>
+</file>
+
+<file path=ppt/ink/ink184.xml><?xml version="1.0" encoding="utf-8"?>
+<inkml:ink xmlns:inkml="http://www.w3.org/2003/InkML">
+  <inkml:definitions>
+    <inkml:context xml:id="ctx0">
+      <inkml:inkSource xml:id="inkSrc0">
+        <inkml:traceFormat>
+          <inkml:channel name="X" type="integer" min="-2.14748E9" max="2.14748E9" units="cm"/>
+          <inkml:channel name="Y" type="integer" min="-2.14748E9" max="2.14748E9" units="cm"/>
+          <inkml:channel name="F" type="integer" max="32767" units="dev"/>
+        </inkml:traceFormat>
+        <inkml:channelProperties>
+          <inkml:channelProperty channel="X" name="resolution" value="1000" units="1/cm"/>
+          <inkml:channelProperty channel="Y" name="resolution" value="1000" units="1/cm"/>
+          <inkml:channelProperty channel="F" name="resolution" value="0" units="1/dev"/>
+        </inkml:channelProperties>
+      </inkml:inkSource>
+      <inkml:timestamp xml:id="ts0" timeString="2025-10-07T10:07:09.391"/>
+    </inkml:context>
+    <inkml:brush xml:id="br0">
+      <inkml:brushProperty name="width" value="0.35" units="cm"/>
+      <inkml:brushProperty name="height" value="2.1" units="cm"/>
+      <inkml:brushProperty name="color" value="#FFFFFF"/>
+      <inkml:brushProperty name="ignorePressure" value="1"/>
+      <inkml:brushProperty name="inkEffects" value="pencil"/>
+    </inkml:brush>
+  </inkml:definitions>
+  <inkml:trace contextRef="#ctx0" brushRef="#br0">0 0 0,'3981'26'0</inkml:trace>
+</inkml:ink>
+</file>
+
+<file path=ppt/ink/ink185.xml><?xml version="1.0" encoding="utf-8"?>
+<inkml:ink xmlns:inkml="http://www.w3.org/2003/InkML">
+  <inkml:definitions>
+    <inkml:context xml:id="ctx0">
+      <inkml:inkSource xml:id="inkSrc0">
+        <inkml:traceFormat>
+          <inkml:channel name="X" type="integer" min="-2.14748E9" max="2.14748E9" units="cm"/>
+          <inkml:channel name="Y" type="integer" min="-2.14748E9" max="2.14748E9" units="cm"/>
+          <inkml:channel name="F" type="integer" max="32767" units="dev"/>
+        </inkml:traceFormat>
+        <inkml:channelProperties>
+          <inkml:channelProperty channel="X" name="resolution" value="1000" units="1/cm"/>
+          <inkml:channelProperty channel="Y" name="resolution" value="1000" units="1/cm"/>
+          <inkml:channelProperty channel="F" name="resolution" value="0" units="1/dev"/>
+        </inkml:channelProperties>
+      </inkml:inkSource>
+      <inkml:timestamp xml:id="ts0" timeString="2025-10-07T10:07:09.392"/>
+    </inkml:context>
+    <inkml:brush xml:id="br0">
+      <inkml:brushProperty name="width" value="0.35" units="cm"/>
+      <inkml:brushProperty name="height" value="2.1" units="cm"/>
+      <inkml:brushProperty name="color" value="#FFFFFF"/>
+      <inkml:brushProperty name="ignorePressure" value="1"/>
+      <inkml:brushProperty name="inkEffects" value="pencil"/>
+    </inkml:brush>
+  </inkml:definitions>
+  <inkml:trace contextRef="#ctx0" brushRef="#br0">105 0 0,'-105'5839'0</inkml:trace>
+</inkml:ink>
+</file>
+
+<file path=ppt/ink/ink186.xml><?xml version="1.0" encoding="utf-8"?>
+<inkml:ink xmlns:inkml="http://www.w3.org/2003/InkML">
+  <inkml:definitions>
+    <inkml:context xml:id="ctx0">
+      <inkml:inkSource xml:id="inkSrc0">
+        <inkml:traceFormat>
+          <inkml:channel name="X" type="integer" min="-2.14748E9" max="2.14748E9" units="cm"/>
+          <inkml:channel name="Y" type="integer" min="-2.14748E9" max="2.14748E9" units="cm"/>
+          <inkml:channel name="F" type="integer" max="32767" units="dev"/>
+        </inkml:traceFormat>
+        <inkml:channelProperties>
+          <inkml:channelProperty channel="X" name="resolution" value="1000" units="1/cm"/>
+          <inkml:channelProperty channel="Y" name="resolution" value="1000" units="1/cm"/>
+          <inkml:channelProperty channel="F" name="resolution" value="0" units="1/dev"/>
+        </inkml:channelProperties>
+      </inkml:inkSource>
+      <inkml:timestamp xml:id="ts0" timeString="2025-10-07T10:45:29.618"/>
+    </inkml:context>
+    <inkml:brush xml:id="br0">
+      <inkml:brushProperty name="width" value="0.35" units="cm"/>
+      <inkml:brushProperty name="height" value="2.1" units="cm"/>
+      <inkml:brushProperty name="color" value="#FFFFFF"/>
+      <inkml:brushProperty name="ignorePressure" value="1"/>
+      <inkml:brushProperty name="inkEffects" value="pencil"/>
+    </inkml:brush>
+  </inkml:definitions>
+  <inkml:trace contextRef="#ctx0" brushRef="#br0">0 0 0,'25'15830'0</inkml:trace>
+</inkml:ink>
+</file>
+
+<file path=ppt/ink/ink187.xml><?xml version="1.0" encoding="utf-8"?>
+<inkml:ink xmlns:inkml="http://www.w3.org/2003/InkML">
+  <inkml:definitions>
+    <inkml:context xml:id="ctx0">
+      <inkml:inkSource xml:id="inkSrc0">
+        <inkml:traceFormat>
+          <inkml:channel name="X" type="integer" min="-2.14748E9" max="2.14748E9" units="cm"/>
+          <inkml:channel name="Y" type="integer" min="-2.14748E9" max="2.14748E9" units="cm"/>
+          <inkml:channel name="F" type="integer" max="32767" units="dev"/>
+        </inkml:traceFormat>
+        <inkml:channelProperties>
+          <inkml:channelProperty channel="X" name="resolution" value="1000" units="1/cm"/>
+          <inkml:channelProperty channel="Y" name="resolution" value="1000" units="1/cm"/>
+          <inkml:channelProperty channel="F" name="resolution" value="0" units="1/dev"/>
+        </inkml:channelProperties>
+      </inkml:inkSource>
+      <inkml:timestamp xml:id="ts0" timeString="2025-10-07T10:45:53.917"/>
+    </inkml:context>
+    <inkml:brush xml:id="br0">
+      <inkml:brushProperty name="width" value="0.35" units="cm"/>
+      <inkml:brushProperty name="height" value="2.1" units="cm"/>
+      <inkml:brushProperty name="color" value="#FFFFFF"/>
+      <inkml:brushProperty name="ignorePressure" value="1"/>
+      <inkml:brushProperty name="inkEffects" value="pencil"/>
+    </inkml:brush>
+  </inkml:definitions>
+  <inkml:trace contextRef="#ctx0" brushRef="#br0">4116 2058 0,'-2'81'0,"-2"-1"0,-4 1 0,-3-1 0,-4-1 0,-2 0 0,-3 0 0,-4-2 0,-2-1 0,-4 0 0,-2-2 0,-3-2 0,-3 0 0,-3-3 0,-3-1 0,-2-1 0,-3-3 0,-2-1 0,-3-3 0,-2-2 0,-2-2 0,-2-2 0,-3-3 0,-1-2 0,-3-3 0,-1-2 0,-1-3 0,-3-3 0,0-3 0,-2-3 0,-2-2 0,0-4 0,-1-2 0,-2-4 0,0-3 0,0-2 0,-1-4 0,-1-3 0,1-4 0,-1-2 0,0-4 0,1-2 0,-1-4 0,1-3 0,1-4 0,0-2 0,0-3 0,2-4 0,1-2 0,0-4 0,2-2 0,2-3 0,0-3 0,3-3 0,1-3 0,1-2 0,3-3 0,1-2 0,3-3 0,2-2 0,2-2 0,2-2 0,3-3 0,2-1 0,3-3 0,2-1 0,3-1 0,3-3 0,3 0 0,3-2 0,2-2 0,4 0 0,2-1 0,4-2 0,3 0 0,2 0 0,4-1 0,3-1 0,4 1 0,2-1 0,4 0 0,2 1 0,4-1 0,3 1 0,4 1 0,2 0 0,3 0 0,4 2 0,2 1 0,4 0 0,2 2 0,3 2 0,3 0 0,3 3 0,3 1 0,2 1 0,3 3 0,2 1 0,3 3 0,2 2 0,2 2 0,2 2 0,3 3 0,1 2 0,3 3 0,1 2 0,1 3 0,3 3 0,0 3 0,2 3 0,2 2 0,0 4 0,1 2 0,2 4 0,0 3 0,0 2 0,1 4 0,1 3 0,-1 4 0,1 2 0,0 4 0,-1 2 0,1 4 0,-1 3 0,-1 4 0,0 2 0,0 3 0,-2 4 0,-1 2 0,0 4 0,-2 2 0,-2 3 0,0 3 0,-3 3 0,-1 3 0,-1 2 0,-3 3 0,-1 2 0,-3 3 0,-2 2 0,-2 2 0,-2 2 0,-3 3 0,-2 1 0,-3 3 0,-2 1 0,-3 1 0,-3 3 0,-3 0 0,-3 2 0,-2 2 0,-4 0 0,-2 1 0,-4 2 0,-3 0 0,-2 0 0,-4 1 0,-3 1 0,-4-1 0,-2 1 0</inkml:trace>
+</inkml:ink>
+</file>
+
+<file path=ppt/ink/ink188.xml><?xml version="1.0" encoding="utf-8"?>
+<inkml:ink xmlns:inkml="http://www.w3.org/2003/InkML">
+  <inkml:definitions>
+    <inkml:context xml:id="ctx0">
+      <inkml:inkSource xml:id="inkSrc0">
+        <inkml:traceFormat>
+          <inkml:channel name="X" type="integer" min="-2.14748E9" max="2.14748E9" units="cm"/>
+          <inkml:channel name="Y" type="integer" min="-2.14748E9" max="2.14748E9" units="cm"/>
+          <inkml:channel name="F" type="integer" max="32767" units="dev"/>
+        </inkml:traceFormat>
+        <inkml:channelProperties>
+          <inkml:channelProperty channel="X" name="resolution" value="1000" units="1/cm"/>
+          <inkml:channelProperty channel="Y" name="resolution" value="1000" units="1/cm"/>
+          <inkml:channelProperty channel="F" name="resolution" value="0" units="1/dev"/>
+        </inkml:channelProperties>
+      </inkml:inkSource>
+      <inkml:timestamp xml:id="ts0" timeString="2025-10-07T10:49:36.782"/>
+    </inkml:context>
+    <inkml:brush xml:id="br0">
+      <inkml:brushProperty name="width" value="0.35" units="cm"/>
+      <inkml:brushProperty name="height" value="2.1" units="cm"/>
+      <inkml:brushProperty name="color" value="#FFFFFF"/>
+      <inkml:brushProperty name="ignorePressure" value="1"/>
+      <inkml:brushProperty name="inkEffects" value="pencil"/>
+    </inkml:brush>
+  </inkml:definitions>
+  <inkml:trace contextRef="#ctx0" brushRef="#br0">1612 806 0,'-1'32'0,"0"-1"0,-3 1 0,0-1 0,-1 0 0,-2 0 0,-1 0 0,-1-1 0,-2 0 0,0-1 0,-2 0 0,-1 0 0,-1-1 0,-1-1 0,-1 0 0,-1-1 0,-1-1 0,-1-1 0,-1 0 0,-1-1 0,-1-1 0,-1-1 0,0-1 0,-1-1 0,-1-1 0,-1-1 0,0-1 0,-1-1 0,-1-1 0,0-1 0,0-2 0,-1 0 0,0-2 0,-1-1 0,0-1 0,0-2 0,0-1 0,-1 0 0,1-3 0,-1 0 0,0-2 0,1 0 0,-1-3 0,1 0 0,0-1 0,0-2 0,0-1 0,1-1 0,0-2 0,1 0 0,0-2 0,0-1 0,1-1 0,1-1 0,0-1 0,1-1 0,1-1 0,1-1 0,0-1 0,1-1 0,1-1 0,1-1 0,1 0 0,1-1 0,1-1 0,1-1 0,1 0 0,1-1 0,1-1 0,1 0 0,2 0 0,0-1 0,2 0 0,1-1 0,1 0 0,2 0 0,1 0 0,0-1 0,3 1 0,0-1 0,2 0 0,0 1 0,3-1 0,0 1 0,1 0 0,2 0 0,1 0 0,1 1 0,2 0 0,0 1 0,2 0 0,1 0 0,1 1 0,1 1 0,1 0 0,1 1 0,1 1 0,1 1 0,1 0 0,1 1 0,1 1 0,1 1 0,0 1 0,1 1 0,1 1 0,1 1 0,0 1 0,1 1 0,1 1 0,0 1 0,0 2 0,1 0 0,0 2 0,1 1 0,0 1 0,0 2 0,0 1 0,1 0 0,-1 3 0,1 0 0,0 2 0,-1 0 0,1 3 0,-1 0 0,0 1 0,0 2 0,0 1 0,-1 1 0,0 2 0,-1 0 0,0 2 0,0 1 0,-1 1 0,-1 1 0,0 1 0,-1 1 0,-1 1 0,-1 1 0,0 1 0,-1 1 0,-1 1 0,-1 1 0,-1 0 0,-1 1 0,-1 1 0,-1 1 0,-1 0 0,-1 1 0,-1 1 0,-1 0 0,-2 0 0,0 1 0,-2 0 0,-1 1 0,-1 0 0,-2 0 0,-1 0 0,0 1 0,-3-1 0,0 1 0</inkml:trace>
+</inkml:ink>
+</file>
+
+<file path=ppt/ink/ink189.xml><?xml version="1.0" encoding="utf-8"?>
+<inkml:ink xmlns:inkml="http://www.w3.org/2003/InkML">
+  <inkml:definitions>
+    <inkml:context xml:id="ctx0">
+      <inkml:inkSource xml:id="inkSrc0">
+        <inkml:traceFormat>
+          <inkml:channel name="X" type="integer" min="-2.14748E9" max="2.14748E9" units="cm"/>
+          <inkml:channel name="Y" type="integer" min="-2.14748E9" max="2.14748E9" units="cm"/>
+          <inkml:channel name="F" type="integer" max="32767" units="dev"/>
+        </inkml:traceFormat>
+        <inkml:channelProperties>
+          <inkml:channelProperty channel="X" name="resolution" value="1000" units="1/cm"/>
+          <inkml:channelProperty channel="Y" name="resolution" value="1000" units="1/cm"/>
+          <inkml:channelProperty channel="F" name="resolution" value="0" units="1/dev"/>
+        </inkml:channelProperties>
+      </inkml:inkSource>
+      <inkml:timestamp xml:id="ts0" timeString="2025-10-07T10:49:42.139"/>
+    </inkml:context>
+    <inkml:brush xml:id="br0">
+      <inkml:brushProperty name="width" value="0.35" units="cm"/>
+      <inkml:brushProperty name="height" value="2.1" units="cm"/>
+      <inkml:brushProperty name="color" value="#FFFFFF"/>
+      <inkml:brushProperty name="ignorePressure" value="1"/>
+      <inkml:brushProperty name="inkEffects" value="pencil"/>
+    </inkml:brush>
+  </inkml:definitions>
+  <inkml:trace contextRef="#ctx0" brushRef="#br0">1612 806 0,'-1'32'0,"0"-1"0,-3 1 0,0-1 0,-1 0 0,-2 0 0,-1 0 0,-1-1 0,-2 0 0,0-1 0,-2 0 0,-1 0 0,-1-1 0,-1-1 0,-1 0 0,-1-1 0,-1-1 0,-1-1 0,-1 0 0,-1-1 0,-1-1 0,-1-1 0,0-1 0,-1-1 0,-1-1 0,-1-1 0,0-1 0,-1-1 0,-1-1 0,0-1 0,0-2 0,-1 0 0,0-2 0,-1-1 0,0-1 0,0-2 0,0-1 0,-1 0 0,1-3 0,-1 0 0,0-2 0,1 0 0,-1-3 0,1 0 0,0-1 0,0-2 0,0-1 0,1-1 0,0-2 0,1 0 0,0-2 0,0-1 0,1-1 0,1-1 0,0-1 0,1-1 0,1-1 0,1-1 0,0-1 0,1-1 0,1-1 0,1-1 0,1 0 0,1-1 0,1-1 0,1-1 0,1 0 0,1-1 0,1-1 0,1 0 0,2 0 0,0-1 0,2 0 0,1-1 0,1 0 0,2 0 0,1 0 0,0-1 0,3 1 0,0-1 0,2 0 0,0 1 0,3-1 0,0 1 0,1 0 0,2 0 0,1 0 0,1 1 0,2 0 0,0 1 0,2 0 0,1 0 0,1 1 0,1 1 0,1 0 0,1 1 0,1 1 0,1 1 0,1 0 0,1 1 0,1 1 0,1 1 0,0 1 0,1 1 0,1 1 0,1 1 0,0 1 0,1 1 0,1 1 0,0 1 0,0 2 0,1 0 0,0 2 0,1 1 0,0 1 0,0 2 0,0 1 0,1 0 0,-1 3 0,1 0 0,0 2 0,-1 0 0,1 3 0,-1 0 0,0 1 0,0 2 0,0 1 0,-1 1 0,0 2 0,-1 0 0,0 2 0,0 1 0,-1 1 0,-1 1 0,0 1 0,-1 1 0,-1 1 0,-1 1 0,0 1 0,-1 1 0,-1 1 0,-1 1 0,-1 0 0,-1 1 0,-1 1 0,-1 1 0,-1 0 0,-1 1 0,-1 1 0,-1 0 0,-2 0 0,0 1 0,-2 0 0,-1 1 0,-1 0 0,-2 0 0,-1 0 0,0 1 0,-3-1 0,0 1 0</inkml:trace>
+</inkml:ink>
+</file>
+
 <file path=ppt/ink/ink19.xml><?xml version="1.0" encoding="utf-8"?>
 <inkml:ink xmlns:inkml="http://www.w3.org/2003/InkML">
   <inkml:definitions>
@@ -2402,6 +3083,204 @@
     </inkml:brush>
   </inkml:definitions>
   <inkml:trace contextRef="#ctx0" brushRef="#br0">0 0 0,'4979'0'0</inkml:trace>
+</inkml:ink>
+</file>
+
+<file path=ppt/ink/ink190.xml><?xml version="1.0" encoding="utf-8"?>
+<inkml:ink xmlns:inkml="http://www.w3.org/2003/InkML">
+  <inkml:definitions>
+    <inkml:context xml:id="ctx0">
+      <inkml:inkSource xml:id="inkSrc0">
+        <inkml:traceFormat>
+          <inkml:channel name="X" type="integer" min="-2.14748E9" max="2.14748E9" units="cm"/>
+          <inkml:channel name="Y" type="integer" min="-2.14748E9" max="2.14748E9" units="cm"/>
+          <inkml:channel name="F" type="integer" max="32767" units="dev"/>
+        </inkml:traceFormat>
+        <inkml:channelProperties>
+          <inkml:channelProperty channel="X" name="resolution" value="1000" units="1/cm"/>
+          <inkml:channelProperty channel="Y" name="resolution" value="1000" units="1/cm"/>
+          <inkml:channelProperty channel="F" name="resolution" value="0" units="1/dev"/>
+        </inkml:channelProperties>
+      </inkml:inkSource>
+      <inkml:timestamp xml:id="ts0" timeString="2025-10-07T10:49:42.523"/>
+    </inkml:context>
+    <inkml:brush xml:id="br0">
+      <inkml:brushProperty name="width" value="0.35" units="cm"/>
+      <inkml:brushProperty name="height" value="2.1" units="cm"/>
+      <inkml:brushProperty name="color" value="#FFFFFF"/>
+      <inkml:brushProperty name="ignorePressure" value="1"/>
+      <inkml:brushProperty name="inkEffects" value="pencil"/>
+    </inkml:brush>
+  </inkml:definitions>
+  <inkml:trace contextRef="#ctx0" brushRef="#br0">1612 806 0,'-1'32'0,"0"-1"0,-3 1 0,0-1 0,-1 0 0,-2 0 0,-1 0 0,-1-1 0,-2 0 0,0-1 0,-2 0 0,-1 0 0,-1-1 0,-1-1 0,-1 0 0,-1-1 0,-1-1 0,-1-1 0,-1 0 0,-1-1 0,-1-1 0,-1-1 0,0-1 0,-1-1 0,-1-1 0,-1-1 0,0-1 0,-1-1 0,-1-1 0,0-1 0,0-2 0,-1 0 0,0-2 0,-1-1 0,0-1 0,0-2 0,0-1 0,-1 0 0,1-3 0,-1 0 0,0-2 0,1 0 0,-1-3 0,1 0 0,0-1 0,0-2 0,0-1 0,1-1 0,0-2 0,1 0 0,0-2 0,0-1 0,1-1 0,1-1 0,0-1 0,1-1 0,1-1 0,1-1 0,0-1 0,1-1 0,1-1 0,1-1 0,1 0 0,1-1 0,1-1 0,1-1 0,1 0 0,1-1 0,1-1 0,1 0 0,2 0 0,0-1 0,2 0 0,1-1 0,1 0 0,2 0 0,1 0 0,0-1 0,3 1 0,0-1 0,2 0 0,0 1 0,3-1 0,0 1 0,1 0 0,2 0 0,1 0 0,1 1 0,2 0 0,0 1 0,2 0 0,1 0 0,1 1 0,1 1 0,1 0 0,1 1 0,1 1 0,1 1 0,1 0 0,1 1 0,1 1 0,1 1 0,0 1 0,1 1 0,1 1 0,1 1 0,0 1 0,1 1 0,1 1 0,0 1 0,0 2 0,1 0 0,0 2 0,1 1 0,0 1 0,0 2 0,0 1 0,1 0 0,-1 3 0,1 0 0,0 2 0,-1 0 0,1 3 0,-1 0 0,0 1 0,0 2 0,0 1 0,-1 1 0,0 2 0,-1 0 0,0 2 0,0 1 0,-1 1 0,-1 1 0,0 1 0,-1 1 0,-1 1 0,-1 1 0,0 1 0,-1 1 0,-1 1 0,-1 1 0,-1 0 0,-1 1 0,-1 1 0,-1 1 0,-1 0 0,-1 1 0,-1 1 0,-1 0 0,-2 0 0,0 1 0,-2 0 0,-1 1 0,-1 0 0,-2 0 0,-1 0 0,0 1 0,-3-1 0,0 1 0</inkml:trace>
+</inkml:ink>
+</file>
+
+<file path=ppt/ink/ink191.xml><?xml version="1.0" encoding="utf-8"?>
+<inkml:ink xmlns:inkml="http://www.w3.org/2003/InkML">
+  <inkml:definitions>
+    <inkml:context xml:id="ctx0">
+      <inkml:inkSource xml:id="inkSrc0">
+        <inkml:traceFormat>
+          <inkml:channel name="X" type="integer" min="-2.14748E9" max="2.14748E9" units="cm"/>
+          <inkml:channel name="Y" type="integer" min="-2.14748E9" max="2.14748E9" units="cm"/>
+        </inkml:traceFormat>
+        <inkml:channelProperties>
+          <inkml:channelProperty channel="X" name="resolution" value="1000" units="1/cm"/>
+          <inkml:channelProperty channel="Y" name="resolution" value="1000" units="1/cm"/>
+        </inkml:channelProperties>
+      </inkml:inkSource>
+      <inkml:timestamp xml:id="ts0" timeString="2025-10-07T10:54:32.804"/>
+    </inkml:context>
+    <inkml:brush xml:id="br0">
+      <inkml:brushProperty name="width" value="0.35" units="cm"/>
+      <inkml:brushProperty name="height" value="2.1" units="cm"/>
+      <inkml:brushProperty name="color" value="#FFFFFF"/>
+      <inkml:brushProperty name="ignorePressure" value="1"/>
+      <inkml:brushProperty name="inkEffects" value="pencil"/>
+    </inkml:brush>
+  </inkml:definitions>
+  <inkml:trace contextRef="#ctx0" brushRef="#br0">1 519,'9'0,"11"0,7 0,7 0,12 0,10 0,18-9,27-2,27-9,21-5,22 2,15-4,8 2,-8-2,-10-2,-3 4,-1 2,-4 1,0-5,3-2,1 4,8 1,3 2,6-6,-4-1,-2 3,-6 7,-7 7,-3 4,-2 5,5 2,4 2,8 0,7 0,7 0,5 0,11 0,15-1,6 0,13 0,3 0,-6 0,-9 0,4 0,0 0,-9 0,-5 0,4 0,-8 0,-4 0,-19 0,-12 0,-15 0,-11 0,-14 0,-20 0,-22 0,-19 0,-20 0,-17 0,-16 0</inkml:trace>
+</inkml:ink>
+</file>
+
+<file path=ppt/ink/ink192.xml><?xml version="1.0" encoding="utf-8"?>
+<inkml:ink xmlns:inkml="http://www.w3.org/2003/InkML">
+  <inkml:definitions>
+    <inkml:context xml:id="ctx0">
+      <inkml:inkSource xml:id="inkSrc0">
+        <inkml:traceFormat>
+          <inkml:channel name="X" type="integer" min="-2.14748E9" max="2.14748E9" units="cm"/>
+          <inkml:channel name="Y" type="integer" min="-2.14748E9" max="2.14748E9" units="cm"/>
+        </inkml:traceFormat>
+        <inkml:channelProperties>
+          <inkml:channelProperty channel="X" name="resolution" value="1000" units="1/cm"/>
+          <inkml:channelProperty channel="Y" name="resolution" value="1000" units="1/cm"/>
+        </inkml:channelProperties>
+      </inkml:inkSource>
+      <inkml:timestamp xml:id="ts0" timeString="2025-10-07T10:54:34.123"/>
+    </inkml:context>
+    <inkml:brush xml:id="br0">
+      <inkml:brushProperty name="width" value="0.35" units="cm"/>
+      <inkml:brushProperty name="height" value="2.1" units="cm"/>
+      <inkml:brushProperty name="color" value="#FFFFFF"/>
+      <inkml:brushProperty name="ignorePressure" value="1"/>
+      <inkml:brushProperty name="inkEffects" value="pencil"/>
+    </inkml:brush>
+  </inkml:definitions>
+  <inkml:trace contextRef="#ctx0" brushRef="#br0">271 0,'-4'0,"-2"4,0 11,11 2,12 7,12 8,15 4,12-1,10 3,7-1,5-2,-4-3,-4-7,-10-3,-16-1,-15 9,-16 8,-38 15,-27 7,-26 11,-18 15,-14 11,-6 10,8-4,5 2,16-12,9-9,19-19</inkml:trace>
+</inkml:ink>
+</file>
+
+<file path=ppt/ink/ink193.xml><?xml version="1.0" encoding="utf-8"?>
+<inkml:ink xmlns:inkml="http://www.w3.org/2003/InkML">
+  <inkml:definitions>
+    <inkml:context xml:id="ctx0">
+      <inkml:inkSource xml:id="inkSrc0">
+        <inkml:traceFormat>
+          <inkml:channel name="X" type="integer" min="-2.14748E9" max="2.14748E9" units="cm"/>
+          <inkml:channel name="Y" type="integer" min="-2.14748E9" max="2.14748E9" units="cm"/>
+        </inkml:traceFormat>
+        <inkml:channelProperties>
+          <inkml:channelProperty channel="X" name="resolution" value="1000" units="1/cm"/>
+          <inkml:channelProperty channel="Y" name="resolution" value="1000" units="1/cm"/>
+        </inkml:channelProperties>
+      </inkml:inkSource>
+      <inkml:timestamp xml:id="ts0" timeString="2025-10-07T10:54:37.772"/>
+    </inkml:context>
+    <inkml:brush xml:id="br0">
+      <inkml:brushProperty name="width" value="0.35" units="cm"/>
+      <inkml:brushProperty name="height" value="2.1" units="cm"/>
+      <inkml:brushProperty name="color" value="#FFFFFF"/>
+      <inkml:brushProperty name="ignorePressure" value="1"/>
+      <inkml:brushProperty name="inkEffects" value="pencil"/>
+    </inkml:brush>
+  </inkml:definitions>
+  <inkml:trace contextRef="#ctx0" brushRef="#br0">1 3567,'4'0,"19"0,10 0,17 0,17 0,24 0,9 0,9-8,0-8,-1-6,24-11,16-5,13-5,10-8,11 1,9 3,16 2,-1 4,4 1,-9-3,-15-2,-9-6,-14 0,-7-7,-13-8,-14-1,-7-7,-10 1,-4-5,-10 6,-10 3,-6 8,1 2,-11 11,-3 0,-1 5,-3 4,-4 1,1 6,12 0,10-7,22-6,10 0,16-1,16-10,-4 5,-5 2,-12-4,-11 3,-4 1,-15 5,-17 5,-12 9,-10 2,-10 0,-9 6,-6 2,-5-1,-7 0,2 3,0 1,2-2,1-2,17-10,6-5,4-8,5 2,-2 5,2-10,0 4,3 1,-4 2,-4 4,3 4,1-1,-1 0,-2 1,4-1,0 3,0-5,-2-2,-2 1,4-1,-5 0,-1 3,-2 3,-9 1,-3 3,6 1,-1 0,-4 1,2 0,-8-1,-4 1,-3-4,-2 2,-4 1,2 2,-1 4</inkml:trace>
+</inkml:ink>
+</file>
+
+<file path=ppt/ink/ink194.xml><?xml version="1.0" encoding="utf-8"?>
+<inkml:ink xmlns:inkml="http://www.w3.org/2003/InkML">
+  <inkml:definitions>
+    <inkml:context xml:id="ctx0">
+      <inkml:inkSource xml:id="inkSrc0">
+        <inkml:traceFormat>
+          <inkml:channel name="X" type="integer" min="-2.14748E9" max="2.14748E9" units="cm"/>
+          <inkml:channel name="Y" type="integer" min="-2.14748E9" max="2.14748E9" units="cm"/>
+        </inkml:traceFormat>
+        <inkml:channelProperties>
+          <inkml:channelProperty channel="X" name="resolution" value="1000" units="1/cm"/>
+          <inkml:channelProperty channel="Y" name="resolution" value="1000" units="1/cm"/>
+        </inkml:channelProperties>
+      </inkml:inkSource>
+      <inkml:timestamp xml:id="ts0" timeString="2025-10-07T10:54:39.235"/>
+    </inkml:context>
+    <inkml:brush xml:id="br0">
+      <inkml:brushProperty name="width" value="0.35" units="cm"/>
+      <inkml:brushProperty name="height" value="2.1" units="cm"/>
+      <inkml:brushProperty name="color" value="#FFFFFF"/>
+      <inkml:brushProperty name="ignorePressure" value="1"/>
+      <inkml:brushProperty name="inkEffects" value="pencil"/>
+    </inkml:brush>
+  </inkml:definitions>
+  <inkml:trace contextRef="#ctx0" brushRef="#br0">1 141,'17'0,"33"0,33 0,29 0,17 0,4 0,-7 0,-4-13,-9-4,-15 0,-15 3,-14 0,-14 3,-11 2,-6 4,-3-3,-5 1,-2 1,-2 2,-1 1,4-3,1 0,5 9,1 26,-2 26,-7 25,-3 25,3 21,-4 20,-5 6,-5-4,-6-11,-4-11,-2-18,-1-18,-1-26</inkml:trace>
+</inkml:ink>
+</file>
+
+<file path=ppt/ink/ink195.xml><?xml version="1.0" encoding="utf-8"?>
+<inkml:ink xmlns:inkml="http://www.w3.org/2003/InkML">
+  <inkml:definitions>
+    <inkml:context xml:id="ctx0">
+      <inkml:inkSource xml:id="inkSrc0">
+        <inkml:traceFormat>
+          <inkml:channel name="X" type="integer" min="-2.14748E9" max="2.14748E9" units="cm"/>
+          <inkml:channel name="Y" type="integer" min="-2.14748E9" max="2.14748E9" units="cm"/>
+        </inkml:traceFormat>
+        <inkml:channelProperties>
+          <inkml:channelProperty channel="X" name="resolution" value="1000" units="1/cm"/>
+          <inkml:channelProperty channel="Y" name="resolution" value="1000" units="1/cm"/>
+        </inkml:channelProperties>
+      </inkml:inkSource>
+      <inkml:timestamp xml:id="ts0" timeString="2025-10-07T10:54:40.956"/>
+    </inkml:context>
+    <inkml:brush xml:id="br0">
+      <inkml:brushProperty name="width" value="0.35" units="cm"/>
+      <inkml:brushProperty name="height" value="2.1" units="cm"/>
+      <inkml:brushProperty name="color" value="#FFFFFF"/>
+      <inkml:brushProperty name="ignorePressure" value="1"/>
+      <inkml:brushProperty name="inkEffects" value="pencil"/>
+    </inkml:brush>
+  </inkml:definitions>
+  <inkml:trace contextRef="#ctx0" brushRef="#br0">0 0,'5'0,"31"0,50 0,53 0,51 0,46 0,35 0,28 0,29 0,28 0,10 0,13 0,16 0,2 0,12 0,46 0,28 0,15 0,9 0,-36 0,-30 0,-28 0,-33 0,-32 0,-40 0,-34 0,-55 0,-55 0,-56 0</inkml:trace>
+</inkml:ink>
+</file>
+
+<file path=ppt/ink/ink196.xml><?xml version="1.0" encoding="utf-8"?>
+<inkml:ink xmlns:inkml="http://www.w3.org/2003/InkML">
+  <inkml:definitions>
+    <inkml:context xml:id="ctx0">
+      <inkml:inkSource xml:id="inkSrc0">
+        <inkml:traceFormat>
+          <inkml:channel name="X" type="integer" min="-2.14748E9" max="2.14748E9" units="cm"/>
+          <inkml:channel name="Y" type="integer" min="-2.14748E9" max="2.14748E9" units="cm"/>
+        </inkml:traceFormat>
+        <inkml:channelProperties>
+          <inkml:channelProperty channel="X" name="resolution" value="1000" units="1/cm"/>
+          <inkml:channelProperty channel="Y" name="resolution" value="1000" units="1/cm"/>
+        </inkml:channelProperties>
+      </inkml:inkSource>
+      <inkml:timestamp xml:id="ts0" timeString="2025-10-07T10:54:42.268"/>
+    </inkml:context>
+    <inkml:brush xml:id="br0">
+      <inkml:brushProperty name="width" value="0.35" units="cm"/>
+      <inkml:brushProperty name="height" value="2.1" units="cm"/>
+      <inkml:brushProperty name="color" value="#FFFFFF"/>
+      <inkml:brushProperty name="ignorePressure" value="1"/>
+      <inkml:brushProperty name="inkEffects" value="pencil"/>
+    </inkml:brush>
+  </inkml:definitions>
+  <inkml:trace contextRef="#ctx0" brushRef="#br0">1 1,'4'0,"6"0,10 0,20 8,14 8,13 10,16 13,16 18,17 8,11 5,10-4,-5-9,-13-10,-21-13,-28-8,-25-3,-39 6,-32 8,-39 10,-30 6,-24 20,-2 3,12-4,6-1,17-7,19-12,11-9,12-12,13-12</inkml:trace>
 </inkml:ink>
 </file>
 
@@ -4065,23 +4944,25 @@
         <inkml:traceFormat>
           <inkml:channel name="X" type="integer" min="-2.14748E9" max="2.14748E9" units="cm"/>
           <inkml:channel name="Y" type="integer" min="-2.14748E9" max="2.14748E9" units="cm"/>
+          <inkml:channel name="F" type="integer" max="32767" units="dev"/>
         </inkml:traceFormat>
         <inkml:channelProperties>
           <inkml:channelProperty channel="X" name="resolution" value="1000" units="1/cm"/>
           <inkml:channelProperty channel="Y" name="resolution" value="1000" units="1/cm"/>
+          <inkml:channelProperty channel="F" name="resolution" value="0" units="1/dev"/>
         </inkml:channelProperties>
       </inkml:inkSource>
-      <inkml:timestamp xml:id="ts0" timeString="2025-10-09T05:43:16.983"/>
+      <inkml:timestamp xml:id="ts0" timeString="2025-10-19T12:26:35.368"/>
     </inkml:context>
     <inkml:brush xml:id="br0">
-      <inkml:brushProperty name="width" value="0.1" units="cm"/>
-      <inkml:brushProperty name="height" value="0.6" units="cm"/>
+      <inkml:brushProperty name="width" value="0.2" units="cm"/>
+      <inkml:brushProperty name="height" value="1.2" units="cm"/>
       <inkml:brushProperty name="color" value="#FFFFFF"/>
       <inkml:brushProperty name="ignorePressure" value="1"/>
       <inkml:brushProperty name="inkEffects" value="pencil"/>
     </inkml:brush>
   </inkml:definitions>
-  <inkml:trace contextRef="#ctx0" brushRef="#br0">0 1,'9'0,"8"0,6 0,3 0,2 0,1 0,1 0,3 0,2 0,-1 0,-1 0,-3 0,0 0,3 0,1 0,-1 0,3 0,1 0,-2 0,-2 0,-2 0,-2 0,4 0,1 0,-1 0,3 0,-4 0</inkml:trace>
+  <inkml:trace contextRef="#ctx0" brushRef="#br0">1291 646 0,'0'25'0,"-2"0"0,0 1 0,-2-1 0,0 0 0,-2 0 0,0-1 0,-1 0 0,-2 0 0,0 0 0,-1-1 0,-1 0 0,-1-1 0,-1 0 0,-1-1 0,0 0 0,-1-1 0,-1 0 0,-1-1 0,-1-1 0,0 0 0,-1-1 0,-1-1 0,0-1 0,-1 0 0,0-2 0,-1 0 0,0-1 0,-1-1 0,0-1 0,-1-1 0,0 0 0,0-2 0,-1 0 0,1-2 0,-1-1 0,-1 0 0,1-2 0,0 0 0,0-2 0,-1 0 0,1-2 0,0 0 0,0-2 0,0 0 0,0-1 0,0-2 0,1 0 0,0-2 0,1 0 0,-1-1 0,2-1 0,-1-1 0,1-1 0,1 0 0,0-2 0,1 0 0,0-1 0,1-1 0,1-1 0,1 0 0,0-1 0,1-1 0,0 0 0,2-1 0,0 0 0,1-1 0,1 0 0,1-1 0,1 0 0,1-1 0,1 0 0,0 0 0,2 0 0,0-1 0,2 0 0,0 0 0,2-1 0,0 1 0,2 0 0,0-1 0,2 1 0,0 0 0,2 0 0,0 0 0,2 0 0,0 1 0,2-1 0,0 1 0,1 1 0,1 0 0,1 0 0,1 0 0,1 1 0,1 1 0,0 0 0,2 1 0,0 1 0,1 0 0,0 0 0,1 2 0,1 0 0,1 1 0,0 0 0,1 2 0,0 0 0,1 2 0,1 0 0,-1 1 0,2 0 0,-1 2 0,1 1 0,0 0 0,1 2 0,0 1 0,0 0 0,0 2 0,0 0 0,0 2 0,1 0 0,-1 2 0,0 0 0,0 2 0,1 0 0,-1 2 0,-1 0 0,1 1 0,-1 2 0,0 0 0,0 1 0,-1 2 0,0 0 0,-1 1 0,0 0 0,-1 2 0,0 0 0,-1 2 0,0 0 0,-1 1 0,-1 0 0,0 2 0,-1 0 0,-1 0 0,-1 1 0,-1 1 0,0 0 0,-1 1 0,-1 1 0,-1 0 0,-1 0 0,-1 0 0,0 1 0,-2 1 0,-1-1 0,0 1 0,-2 0 0,0 0 0,-2 0 0,0 0 0,-2 1 0</inkml:trace>
 </inkml:ink>
 </file>
 
@@ -4093,23 +4974,25 @@
         <inkml:traceFormat>
           <inkml:channel name="X" type="integer" min="-2.14748E9" max="2.14748E9" units="cm"/>
           <inkml:channel name="Y" type="integer" min="-2.14748E9" max="2.14748E9" units="cm"/>
+          <inkml:channel name="F" type="integer" max="32767" units="dev"/>
         </inkml:traceFormat>
         <inkml:channelProperties>
           <inkml:channelProperty channel="X" name="resolution" value="1000" units="1/cm"/>
           <inkml:channelProperty channel="Y" name="resolution" value="1000" units="1/cm"/>
+          <inkml:channelProperty channel="F" name="resolution" value="0" units="1/dev"/>
         </inkml:channelProperties>
       </inkml:inkSource>
-      <inkml:timestamp xml:id="ts0" timeString="2025-10-09T05:43:18.635"/>
+      <inkml:timestamp xml:id="ts0" timeString="2025-10-19T12:26:47.030"/>
     </inkml:context>
     <inkml:brush xml:id="br0">
-      <inkml:brushProperty name="width" value="0.1" units="cm"/>
-      <inkml:brushProperty name="height" value="0.6" units="cm"/>
+      <inkml:brushProperty name="width" value="0.2" units="cm"/>
+      <inkml:brushProperty name="height" value="1.2" units="cm"/>
       <inkml:brushProperty name="color" value="#FFFFFF"/>
       <inkml:brushProperty name="ignorePressure" value="1"/>
       <inkml:brushProperty name="inkEffects" value="pencil"/>
     </inkml:brush>
   </inkml:definitions>
-  <inkml:trace contextRef="#ctx0" brushRef="#br0">0 1,'5'0,"5"4,3 7,2 1,4-1,7-3,5 2,-3 4,-2 0,-1 2,0 2,-4 4,-5 2,-6 6,-9 4,-5-1,-6 0,-2-2,1 4,-1-5,-4-2,0-2,-1 0,3 0,3-5</inkml:trace>
+  <inkml:trace contextRef="#ctx0" brushRef="#br0">1291 646 0,'0'25'0,"-2"0"0,0 1 0,-2-1 0,0 0 0,-2 0 0,0-1 0,-1 0 0,-2 0 0,0 0 0,-1-1 0,-1 0 0,-1-1 0,-1 0 0,-1-1 0,0 0 0,-1-1 0,-1 0 0,-1-1 0,-1-1 0,0 0 0,-1-1 0,-1-1 0,0-1 0,-1 0 0,0-2 0,-1 0 0,0-1 0,-1-1 0,0-1 0,-1-1 0,0 0 0,0-2 0,-1 0 0,1-2 0,-1-1 0,-1 0 0,1-2 0,0 0 0,0-2 0,-1 0 0,1-2 0,0 0 0,0-2 0,0 0 0,0-1 0,0-2 0,1 0 0,0-2 0,1 0 0,-1-1 0,2-1 0,-1-1 0,1-1 0,1 0 0,0-2 0,1 0 0,0-1 0,1-1 0,1-1 0,1 0 0,0-1 0,1-1 0,0 0 0,2-1 0,0 0 0,1-1 0,1 0 0,1-1 0,1 0 0,1-1 0,1 0 0,0 0 0,2 0 0,0-1 0,2 0 0,0 0 0,2-1 0,0 1 0,2 0 0,0-1 0,2 1 0,0 0 0,2 0 0,0 0 0,2 0 0,0 1 0,2-1 0,0 1 0,1 1 0,1 0 0,1 0 0,1 0 0,1 1 0,1 1 0,0 0 0,2 1 0,0 1 0,1 0 0,0 0 0,1 2 0,1 0 0,1 1 0,0 0 0,1 2 0,0 0 0,1 2 0,1 0 0,-1 1 0,2 0 0,-1 2 0,1 1 0,0 0 0,1 2 0,0 1 0,0 0 0,0 2 0,0 0 0,0 2 0,1 0 0,-1 2 0,0 0 0,0 2 0,1 0 0,-1 2 0,-1 0 0,1 1 0,-1 2 0,0 0 0,0 1 0,-1 2 0,0 0 0,-1 1 0,0 0 0,-1 2 0,0 0 0,-1 2 0,0 0 0,-1 1 0,-1 0 0,0 2 0,-1 0 0,-1 0 0,-1 1 0,-1 1 0,0 0 0,-1 1 0,-1 1 0,-1 0 0,-1 0 0,-1 0 0,0 1 0,-2 1 0,-1-1 0,0 1 0,-2 0 0,0 0 0,-2 0 0,0 0 0,-2 1 0</inkml:trace>
 </inkml:ink>
 </file>
 
@@ -4121,23 +5004,25 @@
         <inkml:traceFormat>
           <inkml:channel name="X" type="integer" min="-2.14748E9" max="2.14748E9" units="cm"/>
           <inkml:channel name="Y" type="integer" min="-2.14748E9" max="2.14748E9" units="cm"/>
+          <inkml:channel name="F" type="integer" max="32767" units="dev"/>
         </inkml:traceFormat>
         <inkml:channelProperties>
           <inkml:channelProperty channel="X" name="resolution" value="1000" units="1/cm"/>
           <inkml:channelProperty channel="Y" name="resolution" value="1000" units="1/cm"/>
+          <inkml:channelProperty channel="F" name="resolution" value="0" units="1/dev"/>
         </inkml:channelProperties>
       </inkml:inkSource>
-      <inkml:timestamp xml:id="ts0" timeString="2025-10-09T05:43:21.990"/>
+      <inkml:timestamp xml:id="ts0" timeString="2025-10-19T12:26:50.737"/>
     </inkml:context>
     <inkml:brush xml:id="br0">
-      <inkml:brushProperty name="width" value="0.1" units="cm"/>
-      <inkml:brushProperty name="height" value="0.6" units="cm"/>
+      <inkml:brushProperty name="width" value="0.2" units="cm"/>
+      <inkml:brushProperty name="height" value="1.2" units="cm"/>
       <inkml:brushProperty name="color" value="#FFFFFF"/>
       <inkml:brushProperty name="ignorePressure" value="1"/>
       <inkml:brushProperty name="inkEffects" value="pencil"/>
     </inkml:brush>
   </inkml:definitions>
-  <inkml:trace contextRef="#ctx0" brushRef="#br0">0 0,'5'5,"10"1,12 0,7-2,2 0,-1-2,-2-1,-1-1,-2 0,-1 0,-1 0,-1-1,4 1,3 0,-1 0,-2 0,5 0,-1 0,-1 0,-1 5,-2 1,2 0,2-1,-2-2,-1-1,-2 0,-1-2,-5 0</inkml:trace>
+  <inkml:trace contextRef="#ctx0" brushRef="#br0">1291 646 0,'0'25'0,"-2"0"0,0 1 0,-2-1 0,0 0 0,-2 0 0,0-1 0,-1 0 0,-2 0 0,0 0 0,-1-1 0,-1 0 0,-1-1 0,-1 0 0,-1-1 0,0 0 0,-1-1 0,-1 0 0,-1-1 0,-1-1 0,0 0 0,-1-1 0,-1-1 0,0-1 0,-1 0 0,0-2 0,-1 0 0,0-1 0,-1-1 0,0-1 0,-1-1 0,0 0 0,0-2 0,-1 0 0,1-2 0,-1-1 0,-1 0 0,1-2 0,0 0 0,0-2 0,-1 0 0,1-2 0,0 0 0,0-2 0,0 0 0,0-1 0,0-2 0,1 0 0,0-2 0,1 0 0,-1-1 0,2-1 0,-1-1 0,1-1 0,1 0 0,0-2 0,1 0 0,0-1 0,1-1 0,1-1 0,1 0 0,0-1 0,1-1 0,0 0 0,2-1 0,0 0 0,1-1 0,1 0 0,1-1 0,1 0 0,1-1 0,1 0 0,0 0 0,2 0 0,0-1 0,2 0 0,0 0 0,2-1 0,0 1 0,2 0 0,0-1 0,2 1 0,0 0 0,2 0 0,0 0 0,2 0 0,0 1 0,2-1 0,0 1 0,1 1 0,1 0 0,1 0 0,1 0 0,1 1 0,1 1 0,0 0 0,2 1 0,0 1 0,1 0 0,0 0 0,1 2 0,1 0 0,1 1 0,0 0 0,1 2 0,0 0 0,1 2 0,1 0 0,-1 1 0,2 0 0,-1 2 0,1 1 0,0 0 0,1 2 0,0 1 0,0 0 0,0 2 0,0 0 0,0 2 0,1 0 0,-1 2 0,0 0 0,0 2 0,1 0 0,-1 2 0,-1 0 0,1 1 0,-1 2 0,0 0 0,0 1 0,-1 2 0,0 0 0,-1 1 0,0 0 0,-1 2 0,0 0 0,-1 2 0,0 0 0,-1 1 0,-1 0 0,0 2 0,-1 0 0,-1 0 0,-1 1 0,-1 1 0,0 0 0,-1 1 0,-1 1 0,-1 0 0,-1 0 0,-1 0 0,0 1 0,-2 1 0,-1-1 0,0 1 0,-2 0 0,0 0 0,-2 0 0,0 0 0,-2 1 0</inkml:trace>
 </inkml:ink>
 </file>
 
@@ -4149,23 +5034,25 @@
         <inkml:traceFormat>
           <inkml:channel name="X" type="integer" min="-2.14748E9" max="2.14748E9" units="cm"/>
           <inkml:channel name="Y" type="integer" min="-2.14748E9" max="2.14748E9" units="cm"/>
+          <inkml:channel name="F" type="integer" max="32767" units="dev"/>
         </inkml:traceFormat>
         <inkml:channelProperties>
           <inkml:channelProperty channel="X" name="resolution" value="1000" units="1/cm"/>
           <inkml:channelProperty channel="Y" name="resolution" value="1000" units="1/cm"/>
+          <inkml:channelProperty channel="F" name="resolution" value="0" units="1/dev"/>
         </inkml:channelProperties>
       </inkml:inkSource>
-      <inkml:timestamp xml:id="ts0" timeString="2025-10-09T05:43:23.925"/>
+      <inkml:timestamp xml:id="ts0" timeString="2025-10-19T12:27:01.115"/>
     </inkml:context>
     <inkml:brush xml:id="br0">
-      <inkml:brushProperty name="width" value="0.1" units="cm"/>
-      <inkml:brushProperty name="height" value="0.6" units="cm"/>
+      <inkml:brushProperty name="width" value="0.2" units="cm"/>
+      <inkml:brushProperty name="height" value="1.2" units="cm"/>
       <inkml:brushProperty name="color" value="#FFFFFF"/>
       <inkml:brushProperty name="ignorePressure" value="1"/>
       <inkml:brushProperty name="inkEffects" value="pencil"/>
     </inkml:brush>
   </inkml:definitions>
-  <inkml:trace contextRef="#ctx0" brushRef="#br0">1 0,'0'5,"4"10,7 3,5 3,6-1,3-6,1-3,-2-1,-2-1,1-2,5 7,3 1,1-2,-6 1,-6 3,-12 4,-12 2,-5 2,-5-3,-6-5,-8-6,-9 0,2 3,6 4,5-2,1 2,0 2,3-2</inkml:trace>
+  <inkml:trace contextRef="#ctx0" brushRef="#br0">1291 646 0,'0'25'0,"-2"0"0,0 1 0,-2-1 0,0 0 0,-2 0 0,0-1 0,-1 0 0,-2 0 0,0 0 0,-1-1 0,-1 0 0,-1-1 0,-1 0 0,-1-1 0,0 0 0,-1-1 0,-1 0 0,-1-1 0,-1-1 0,0 0 0,-1-1 0,-1-1 0,0-1 0,-1 0 0,0-2 0,-1 0 0,0-1 0,-1-1 0,0-1 0,-1-1 0,0 0 0,0-2 0,-1 0 0,1-2 0,-1-1 0,-1 0 0,1-2 0,0 0 0,0-2 0,-1 0 0,1-2 0,0 0 0,0-2 0,0 0 0,0-1 0,0-2 0,1 0 0,0-2 0,1 0 0,-1-1 0,2-1 0,-1-1 0,1-1 0,1 0 0,0-2 0,1 0 0,0-1 0,1-1 0,1-1 0,1 0 0,0-1 0,1-1 0,0 0 0,2-1 0,0 0 0,1-1 0,1 0 0,1-1 0,1 0 0,1-1 0,1 0 0,0 0 0,2 0 0,0-1 0,2 0 0,0 0 0,2-1 0,0 1 0,2 0 0,0-1 0,2 1 0,0 0 0,2 0 0,0 0 0,2 0 0,0 1 0,2-1 0,0 1 0,1 1 0,1 0 0,1 0 0,1 0 0,1 1 0,1 1 0,0 0 0,2 1 0,0 1 0,1 0 0,0 0 0,1 2 0,1 0 0,1 1 0,0 0 0,1 2 0,0 0 0,1 2 0,1 0 0,-1 1 0,2 0 0,-1 2 0,1 1 0,0 0 0,1 2 0,0 1 0,0 0 0,0 2 0,0 0 0,0 2 0,1 0 0,-1 2 0,0 0 0,0 2 0,1 0 0,-1 2 0,-1 0 0,1 1 0,-1 2 0,0 0 0,0 1 0,-1 2 0,0 0 0,-1 1 0,0 0 0,-1 2 0,0 0 0,-1 2 0,0 0 0,-1 1 0,-1 0 0,0 2 0,-1 0 0,-1 0 0,-1 1 0,-1 1 0,0 0 0,-1 1 0,-1 1 0,-1 0 0,-1 0 0,-1 0 0,0 1 0,-2 1 0,-1-1 0,0 1 0,-2 0 0,0 0 0,-2 0 0,0 0 0,-2 1 0</inkml:trace>
 </inkml:ink>
 </file>
 
@@ -4185,17 +5072,17 @@
           <inkml:channelProperty channel="F" name="resolution" value="0" units="1/dev"/>
         </inkml:channelProperties>
       </inkml:inkSource>
-      <inkml:timestamp xml:id="ts0" timeString="2025-10-09T05:43:28.697"/>
+      <inkml:timestamp xml:id="ts0" timeString="2025-10-19T12:27:12.126"/>
     </inkml:context>
     <inkml:brush xml:id="br0">
-      <inkml:brushProperty name="width" value="0.1" units="cm"/>
-      <inkml:brushProperty name="height" value="0.6" units="cm"/>
+      <inkml:brushProperty name="width" value="0.2" units="cm"/>
+      <inkml:brushProperty name="height" value="1.2" units="cm"/>
       <inkml:brushProperty name="color" value="#FFFFFF"/>
       <inkml:brushProperty name="ignorePressure" value="1"/>
       <inkml:brushProperty name="inkEffects" value="pencil"/>
     </inkml:brush>
   </inkml:definitions>
-  <inkml:trace contextRef="#ctx0" brushRef="#br0">1 1 0,'0'684'0</inkml:trace>
+  <inkml:trace contextRef="#ctx0" brushRef="#br0">1291 646 0,'0'25'0,"-2"0"0,0 1 0,-2-1 0,0 0 0,-2 0 0,0-1 0,-1 0 0,-2 0 0,0 0 0,-1-1 0,-1 0 0,-1-1 0,-1 0 0,-1-1 0,0 0 0,-1-1 0,-1 0 0,-1-1 0,-1-1 0,0 0 0,-1-1 0,-1-1 0,0-1 0,-1 0 0,0-2 0,-1 0 0,0-1 0,-1-1 0,0-1 0,-1-1 0,0 0 0,0-2 0,-1 0 0,1-2 0,-1-1 0,-1 0 0,1-2 0,0 0 0,0-2 0,-1 0 0,1-2 0,0 0 0,0-2 0,0 0 0,0-1 0,0-2 0,1 0 0,0-2 0,1 0 0,-1-1 0,2-1 0,-1-1 0,1-1 0,1 0 0,0-2 0,1 0 0,0-1 0,1-1 0,1-1 0,1 0 0,0-1 0,1-1 0,0 0 0,2-1 0,0 0 0,1-1 0,1 0 0,1-1 0,1 0 0,1-1 0,1 0 0,0 0 0,2 0 0,0-1 0,2 0 0,0 0 0,2-1 0,0 1 0,2 0 0,0-1 0,2 1 0,0 0 0,2 0 0,0 0 0,2 0 0,0 1 0,2-1 0,0 1 0,1 1 0,1 0 0,1 0 0,1 0 0,1 1 0,1 1 0,0 0 0,2 1 0,0 1 0,1 0 0,0 0 0,1 2 0,1 0 0,1 1 0,0 0 0,1 2 0,0 0 0,1 2 0,1 0 0,-1 1 0,2 0 0,-1 2 0,1 1 0,0 0 0,1 2 0,0 1 0,0 0 0,0 2 0,0 0 0,0 2 0,1 0 0,-1 2 0,0 0 0,0 2 0,1 0 0,-1 2 0,-1 0 0,1 1 0,-1 2 0,0 0 0,0 1 0,-1 2 0,0 0 0,-1 1 0,0 0 0,-1 2 0,0 0 0,-1 2 0,0 0 0,-1 1 0,-1 0 0,0 2 0,-1 0 0,-1 0 0,-1 1 0,-1 1 0,0 0 0,-1 1 0,-1 1 0,-1 0 0,-1 0 0,-1 0 0,0 1 0,-2 1 0,-1-1 0,0 1 0,-2 0 0,0 0 0,-2 0 0,0 0 0,-2 1 0</inkml:trace>
 </inkml:ink>
 </file>
 
@@ -4207,23 +5094,25 @@
         <inkml:traceFormat>
           <inkml:channel name="X" type="integer" min="-2.14748E9" max="2.14748E9" units="cm"/>
           <inkml:channel name="Y" type="integer" min="-2.14748E9" max="2.14748E9" units="cm"/>
+          <inkml:channel name="F" type="integer" max="32767" units="dev"/>
         </inkml:traceFormat>
         <inkml:channelProperties>
           <inkml:channelProperty channel="X" name="resolution" value="1000" units="1/cm"/>
           <inkml:channelProperty channel="Y" name="resolution" value="1000" units="1/cm"/>
+          <inkml:channelProperty channel="F" name="resolution" value="0" units="1/dev"/>
         </inkml:channelProperties>
       </inkml:inkSource>
-      <inkml:timestamp xml:id="ts0" timeString="2025-10-09T05:43:30.780"/>
+      <inkml:timestamp xml:id="ts0" timeString="2025-10-19T12:27:19.209"/>
     </inkml:context>
     <inkml:brush xml:id="br0">
-      <inkml:brushProperty name="width" value="0.1" units="cm"/>
-      <inkml:brushProperty name="height" value="0.6" units="cm"/>
+      <inkml:brushProperty name="width" value="0.2" units="cm"/>
+      <inkml:brushProperty name="height" value="1.2" units="cm"/>
       <inkml:brushProperty name="color" value="#FFFFFF"/>
       <inkml:brushProperty name="ignorePressure" value="1"/>
       <inkml:brushProperty name="inkEffects" value="pencil"/>
     </inkml:brush>
   </inkml:definitions>
-  <inkml:trace contextRef="#ctx0" brushRef="#br0">1 164,'5'0,"10"5,8 1,5 5,1 0,1-2,0-2,0-3,3 3,2 1,-1-2,3-1,-5 2,-3 1,-2-2,-1-5,0-9,5-7,-3-6,-2-8,-5-4,-6-6,-1 4,2 3,-2 2,-4 7</inkml:trace>
+  <inkml:trace contextRef="#ctx0" brushRef="#br0">1291 646 0,'0'25'0,"-2"0"0,0 1 0,-2-1 0,0 0 0,-2 0 0,0-1 0,-1 0 0,-2 0 0,0 0 0,-1-1 0,-1 0 0,-1-1 0,-1 0 0,-1-1 0,0 0 0,-1-1 0,-1 0 0,-1-1 0,-1-1 0,0 0 0,-1-1 0,-1-1 0,0-1 0,-1 0 0,0-2 0,-1 0 0,0-1 0,-1-1 0,0-1 0,-1-1 0,0 0 0,0-2 0,-1 0 0,1-2 0,-1-1 0,-1 0 0,1-2 0,0 0 0,0-2 0,-1 0 0,1-2 0,0 0 0,0-2 0,0 0 0,0-1 0,0-2 0,1 0 0,0-2 0,1 0 0,-1-1 0,2-1 0,-1-1 0,1-1 0,1 0 0,0-2 0,1 0 0,0-1 0,1-1 0,1-1 0,1 0 0,0-1 0,1-1 0,0 0 0,2-1 0,0 0 0,1-1 0,1 0 0,1-1 0,1 0 0,1-1 0,1 0 0,0 0 0,2 0 0,0-1 0,2 0 0,0 0 0,2-1 0,0 1 0,2 0 0,0-1 0,2 1 0,0 0 0,2 0 0,0 0 0,2 0 0,0 1 0,2-1 0,0 1 0,1 1 0,1 0 0,1 0 0,1 0 0,1 1 0,1 1 0,0 0 0,2 1 0,0 1 0,1 0 0,0 0 0,1 2 0,1 0 0,1 1 0,0 0 0,1 2 0,0 0 0,1 2 0,1 0 0,-1 1 0,2 0 0,-1 2 0,1 1 0,0 0 0,1 2 0,0 1 0,0 0 0,0 2 0,0 0 0,0 2 0,1 0 0,-1 2 0,0 0 0,0 2 0,1 0 0,-1 2 0,-1 0 0,1 1 0,-1 2 0,0 0 0,0 1 0,-1 2 0,0 0 0,-1 1 0,0 0 0,-1 2 0,0 0 0,-1 2 0,0 0 0,-1 1 0,-1 0 0,0 2 0,-1 0 0,-1 0 0,-1 1 0,-1 1 0,0 0 0,-1 1 0,-1 1 0,-1 0 0,-1 0 0,-1 0 0,0 1 0,-2 1 0,-1-1 0,0 1 0,-2 0 0,0 0 0,-2 0 0,0 0 0,-2 1 0</inkml:trace>
 </inkml:ink>
 </file>
 
@@ -4235,23 +5124,25 @@
         <inkml:traceFormat>
           <inkml:channel name="X" type="integer" min="-2.14748E9" max="2.14748E9" units="cm"/>
           <inkml:channel name="Y" type="integer" min="-2.14748E9" max="2.14748E9" units="cm"/>
+          <inkml:channel name="F" type="integer" max="32767" units="dev"/>
         </inkml:traceFormat>
         <inkml:channelProperties>
           <inkml:channelProperty channel="X" name="resolution" value="1000" units="1/cm"/>
           <inkml:channelProperty channel="Y" name="resolution" value="1000" units="1/cm"/>
+          <inkml:channelProperty channel="F" name="resolution" value="0" units="1/dev"/>
         </inkml:channelProperties>
       </inkml:inkSource>
-      <inkml:timestamp xml:id="ts0" timeString="2025-10-09T05:43:34.604"/>
+      <inkml:timestamp xml:id="ts0" timeString="2025-10-19T12:27:24.072"/>
     </inkml:context>
     <inkml:brush xml:id="br0">
-      <inkml:brushProperty name="width" value="0.1" units="cm"/>
-      <inkml:brushProperty name="height" value="0.6" units="cm"/>
+      <inkml:brushProperty name="width" value="0.2" units="cm"/>
+      <inkml:brushProperty name="height" value="1.2" units="cm"/>
       <inkml:brushProperty name="color" value="#FFFFFF"/>
       <inkml:brushProperty name="ignorePressure" value="1"/>
       <inkml:brushProperty name="inkEffects" value="pencil"/>
     </inkml:brush>
   </inkml:definitions>
-  <inkml:trace contextRef="#ctx0" brushRef="#br0">748 0,'-5'0,"-5"0,-7 0,-5 0,-2 0,-3 0,-1 0,-1 0,-4 0,-2 0,1 0,-3 0,0 0,-7 0,-2 0,3 0,4 0,-1 0,3 0,2 0,2 0,3 0,-3 0,4 0</inkml:trace>
+  <inkml:trace contextRef="#ctx0" brushRef="#br0">1291 646 0,'0'25'0,"-2"0"0,0 1 0,-2-1 0,0 0 0,-2 0 0,0-1 0,-1 0 0,-2 0 0,0 0 0,-1-1 0,-1 0 0,-1-1 0,-1 0 0,-1-1 0,0 0 0,-1-1 0,-1 0 0,-1-1 0,-1-1 0,0 0 0,-1-1 0,-1-1 0,0-1 0,-1 0 0,0-2 0,-1 0 0,0-1 0,-1-1 0,0-1 0,-1-1 0,0 0 0,0-2 0,-1 0 0,1-2 0,-1-1 0,-1 0 0,1-2 0,0 0 0,0-2 0,-1 0 0,1-2 0,0 0 0,0-2 0,0 0 0,0-1 0,0-2 0,1 0 0,0-2 0,1 0 0,-1-1 0,2-1 0,-1-1 0,1-1 0,1 0 0,0-2 0,1 0 0,0-1 0,1-1 0,1-1 0,1 0 0,0-1 0,1-1 0,0 0 0,2-1 0,0 0 0,1-1 0,1 0 0,1-1 0,1 0 0,1-1 0,1 0 0,0 0 0,2 0 0,0-1 0,2 0 0,0 0 0,2-1 0,0 1 0,2 0 0,0-1 0,2 1 0,0 0 0,2 0 0,0 0 0,2 0 0,0 1 0,2-1 0,0 1 0,1 1 0,1 0 0,1 0 0,1 0 0,1 1 0,1 1 0,0 0 0,2 1 0,0 1 0,1 0 0,0 0 0,1 2 0,1 0 0,1 1 0,0 0 0,1 2 0,0 0 0,1 2 0,1 0 0,-1 1 0,2 0 0,-1 2 0,1 1 0,0 0 0,1 2 0,0 1 0,0 0 0,0 2 0,0 0 0,0 2 0,1 0 0,-1 2 0,0 0 0,0 2 0,1 0 0,-1 2 0,-1 0 0,1 1 0,-1 2 0,0 0 0,0 1 0,-1 2 0,0 0 0,-1 1 0,0 0 0,-1 2 0,0 0 0,-1 2 0,0 0 0,-1 1 0,-1 0 0,0 2 0,-1 0 0,-1 0 0,-1 1 0,-1 1 0,0 0 0,-1 1 0,-1 1 0,-1 0 0,-1 0 0,-1 0 0,0 1 0,-2 1 0,-1-1 0,0 1 0,-2 0 0,0 0 0,-2 0 0,0 0 0,-2 1 0</inkml:trace>
 </inkml:ink>
 </file>
 
@@ -4263,23 +5154,25 @@
         <inkml:traceFormat>
           <inkml:channel name="X" type="integer" min="-2.14748E9" max="2.14748E9" units="cm"/>
           <inkml:channel name="Y" type="integer" min="-2.14748E9" max="2.14748E9" units="cm"/>
+          <inkml:channel name="F" type="integer" max="32767" units="dev"/>
         </inkml:traceFormat>
         <inkml:channelProperties>
           <inkml:channelProperty channel="X" name="resolution" value="1000" units="1/cm"/>
           <inkml:channelProperty channel="Y" name="resolution" value="1000" units="1/cm"/>
+          <inkml:channelProperty channel="F" name="resolution" value="0" units="1/dev"/>
         </inkml:channelProperties>
       </inkml:inkSource>
-      <inkml:timestamp xml:id="ts0" timeString="2025-10-09T05:43:36.785"/>
+      <inkml:timestamp xml:id="ts0" timeString="2025-10-19T12:27:27.467"/>
     </inkml:context>
     <inkml:brush xml:id="br0">
-      <inkml:brushProperty name="width" value="0.1" units="cm"/>
-      <inkml:brushProperty name="height" value="0.6" units="cm"/>
+      <inkml:brushProperty name="width" value="0.2" units="cm"/>
+      <inkml:brushProperty name="height" value="1.2" units="cm"/>
       <inkml:brushProperty name="color" value="#FFFFFF"/>
       <inkml:brushProperty name="ignorePressure" value="1"/>
       <inkml:brushProperty name="inkEffects" value="pencil"/>
     </inkml:brush>
   </inkml:definitions>
-  <inkml:trace contextRef="#ctx0" brushRef="#br0">327 0,'0'5,"0"6,-4 1,-7-1,-6 1,-5 9,-7 1,-4 0,-1 2,1-3,1-1,1 2,2 0,6 2,6 2,6 0,10 1,10 5,8 2,5-5,-1-3,1-1,2-5,-5-1,1 1,0-3,3 0,-4 2,0 3,2-3,-4-5</inkml:trace>
+  <inkml:trace contextRef="#ctx0" brushRef="#br0">1291 646 0,'0'25'0,"-2"0"0,0 1 0,-2-1 0,0 0 0,-2 0 0,0-1 0,-1 0 0,-2 0 0,0 0 0,-1-1 0,-1 0 0,-1-1 0,-1 0 0,-1-1 0,0 0 0,-1-1 0,-1 0 0,-1-1 0,-1-1 0,0 0 0,-1-1 0,-1-1 0,0-1 0,-1 0 0,0-2 0,-1 0 0,0-1 0,-1-1 0,0-1 0,-1-1 0,0 0 0,0-2 0,-1 0 0,1-2 0,-1-1 0,-1 0 0,1-2 0,0 0 0,0-2 0,-1 0 0,1-2 0,0 0 0,0-2 0,0 0 0,0-1 0,0-2 0,1 0 0,0-2 0,1 0 0,-1-1 0,2-1 0,-1-1 0,1-1 0,1 0 0,0-2 0,1 0 0,0-1 0,1-1 0,1-1 0,1 0 0,0-1 0,1-1 0,0 0 0,2-1 0,0 0 0,1-1 0,1 0 0,1-1 0,1 0 0,1-1 0,1 0 0,0 0 0,2 0 0,0-1 0,2 0 0,0 0 0,2-1 0,0 1 0,2 0 0,0-1 0,2 1 0,0 0 0,2 0 0,0 0 0,2 0 0,0 1 0,2-1 0,0 1 0,1 1 0,1 0 0,1 0 0,1 0 0,1 1 0,1 1 0,0 0 0,2 1 0,0 1 0,1 0 0,0 0 0,1 2 0,1 0 0,1 1 0,0 0 0,1 2 0,0 0 0,1 2 0,1 0 0,-1 1 0,2 0 0,-1 2 0,1 1 0,0 0 0,1 2 0,0 1 0,0 0 0,0 2 0,0 0 0,0 2 0,1 0 0,-1 2 0,0 0 0,0 2 0,1 0 0,-1 2 0,-1 0 0,1 1 0,-1 2 0,0 0 0,0 1 0,-1 2 0,0 0 0,-1 1 0,0 0 0,-1 2 0,0 0 0,-1 2 0,0 0 0,-1 1 0,-1 0 0,0 2 0,-1 0 0,-1 0 0,-1 1 0,-1 1 0,0 0 0,-1 1 0,-1 1 0,-1 0 0,-1 0 0,-1 0 0,0 1 0,-2 1 0,-1-1 0,0 1 0,-2 0 0,0 0 0,-2 0 0,0 0 0,-2 1 0</inkml:trace>
 </inkml:ink>
 </file>
 
@@ -4299,17 +5192,17 @@
           <inkml:channelProperty channel="F" name="resolution" value="0" units="1/dev"/>
         </inkml:channelProperties>
       </inkml:inkSource>
-      <inkml:timestamp xml:id="ts0" timeString="2025-10-09T05:43:41.193"/>
+      <inkml:timestamp xml:id="ts0" timeString="2025-10-19T12:27:35.083"/>
     </inkml:context>
     <inkml:brush xml:id="br0">
-      <inkml:brushProperty name="width" value="0.1" units="cm"/>
-      <inkml:brushProperty name="height" value="0.6" units="cm"/>
+      <inkml:brushProperty name="width" value="0.2" units="cm"/>
+      <inkml:brushProperty name="height" value="1.2" units="cm"/>
       <inkml:brushProperty name="color" value="#FFFFFF"/>
       <inkml:brushProperty name="ignorePressure" value="1"/>
       <inkml:brushProperty name="inkEffects" value="pencil"/>
     </inkml:brush>
   </inkml:definitions>
-  <inkml:trace contextRef="#ctx0" brushRef="#br0">793 28 0,'-793'-28'0</inkml:trace>
+  <inkml:trace contextRef="#ctx0" brushRef="#br0">1291 646 0,'0'25'0,"-2"0"0,0 1 0,-2-1 0,0 0 0,-2 0 0,0-1 0,-1 0 0,-2 0 0,0 0 0,-1-1 0,-1 0 0,-1-1 0,-1 0 0,-1-1 0,0 0 0,-1-1 0,-1 0 0,-1-1 0,-1-1 0,0 0 0,-1-1 0,-1-1 0,0-1 0,-1 0 0,0-2 0,-1 0 0,0-1 0,-1-1 0,0-1 0,-1-1 0,0 0 0,0-2 0,-1 0 0,1-2 0,-1-1 0,-1 0 0,1-2 0,0 0 0,0-2 0,-1 0 0,1-2 0,0 0 0,0-2 0,0 0 0,0-1 0,0-2 0,1 0 0,0-2 0,1 0 0,-1-1 0,2-1 0,-1-1 0,1-1 0,1 0 0,0-2 0,1 0 0,0-1 0,1-1 0,1-1 0,1 0 0,0-1 0,1-1 0,0 0 0,2-1 0,0 0 0,1-1 0,1 0 0,1-1 0,1 0 0,1-1 0,1 0 0,0 0 0,2 0 0,0-1 0,2 0 0,0 0 0,2-1 0,0 1 0,2 0 0,0-1 0,2 1 0,0 0 0,2 0 0,0 0 0,2 0 0,0 1 0,2-1 0,0 1 0,1 1 0,1 0 0,1 0 0,1 0 0,1 1 0,1 1 0,0 0 0,2 1 0,0 1 0,1 0 0,0 0 0,1 2 0,1 0 0,1 1 0,0 0 0,1 2 0,0 0 0,1 2 0,1 0 0,-1 1 0,2 0 0,-1 2 0,1 1 0,0 0 0,1 2 0,0 1 0,0 0 0,0 2 0,0 0 0,0 2 0,1 0 0,-1 2 0,0 0 0,0 2 0,1 0 0,-1 2 0,-1 0 0,1 1 0,-1 2 0,0 0 0,0 1 0,-1 2 0,0 0 0,-1 1 0,0 0 0,-1 2 0,0 0 0,-1 2 0,0 0 0,-1 1 0,-1 0 0,0 2 0,-1 0 0,-1 0 0,-1 1 0,-1 1 0,0 0 0,-1 1 0,-1 1 0,-1 0 0,-1 0 0,-1 0 0,0 1 0,-2 1 0,-1-1 0,0 1 0,-2 0 0,0 0 0,-2 0 0,0 0 0,-2 1 0</inkml:trace>
 </inkml:ink>
 </file>
 
@@ -4321,23 +5214,25 @@
         <inkml:traceFormat>
           <inkml:channel name="X" type="integer" min="-2.14748E9" max="2.14748E9" units="cm"/>
           <inkml:channel name="Y" type="integer" min="-2.14748E9" max="2.14748E9" units="cm"/>
+          <inkml:channel name="F" type="integer" max="32767" units="dev"/>
         </inkml:traceFormat>
         <inkml:channelProperties>
           <inkml:channelProperty channel="X" name="resolution" value="1000" units="1/cm"/>
           <inkml:channelProperty channel="Y" name="resolution" value="1000" units="1/cm"/>
+          <inkml:channelProperty channel="F" name="resolution" value="0" units="1/dev"/>
         </inkml:channelProperties>
       </inkml:inkSource>
-      <inkml:timestamp xml:id="ts0" timeString="2025-10-09T05:43:54.724"/>
+      <inkml:timestamp xml:id="ts0" timeString="2025-10-19T12:27:39.589"/>
     </inkml:context>
     <inkml:brush xml:id="br0">
-      <inkml:brushProperty name="width" value="0.1" units="cm"/>
-      <inkml:brushProperty name="height" value="0.6" units="cm"/>
+      <inkml:brushProperty name="width" value="0.2" units="cm"/>
+      <inkml:brushProperty name="height" value="1.2" units="cm"/>
       <inkml:brushProperty name="color" value="#FFFFFF"/>
       <inkml:brushProperty name="ignorePressure" value="1"/>
       <inkml:brushProperty name="inkEffects" value="pencil"/>
     </inkml:brush>
   </inkml:definitions>
-  <inkml:trace contextRef="#ctx0" brushRef="#br0">490 1,'-5'0,"-6"0,-10 0,-7 4,-3 2,4 5,-3-1,-5 4,2 4,4 3,0-2,2-3,5-1,2-3,-6 7,-2-1,-1 1,4 8,6 3,7 1,10 0,9-1,9 0,11 3,5 2,2-2,0-5,-6-4,-3-5,4-2,-4 2,-5 1,-2-2,1 1,1 0,3-1,1-5,-3-4</inkml:trace>
+  <inkml:trace contextRef="#ctx0" brushRef="#br0">1291 646 0,'0'25'0,"-2"0"0,0 1 0,-2-1 0,0 0 0,-2 0 0,0-1 0,-1 0 0,-2 0 0,0 0 0,-1-1 0,-1 0 0,-1-1 0,-1 0 0,-1-1 0,0 0 0,-1-1 0,-1 0 0,-1-1 0,-1-1 0,0 0 0,-1-1 0,-1-1 0,0-1 0,-1 0 0,0-2 0,-1 0 0,0-1 0,-1-1 0,0-1 0,-1-1 0,0 0 0,0-2 0,-1 0 0,1-2 0,-1-1 0,-1 0 0,1-2 0,0 0 0,0-2 0,-1 0 0,1-2 0,0 0 0,0-2 0,0 0 0,0-1 0,0-2 0,1 0 0,0-2 0,1 0 0,-1-1 0,2-1 0,-1-1 0,1-1 0,1 0 0,0-2 0,1 0 0,0-1 0,1-1 0,1-1 0,1 0 0,0-1 0,1-1 0,0 0 0,2-1 0,0 0 0,1-1 0,1 0 0,1-1 0,1 0 0,1-1 0,1 0 0,0 0 0,2 0 0,0-1 0,2 0 0,0 0 0,2-1 0,0 1 0,2 0 0,0-1 0,2 1 0,0 0 0,2 0 0,0 0 0,2 0 0,0 1 0,2-1 0,0 1 0,1 1 0,1 0 0,1 0 0,1 0 0,1 1 0,1 1 0,0 0 0,2 1 0,0 1 0,1 0 0,0 0 0,1 2 0,1 0 0,1 1 0,0 0 0,1 2 0,0 0 0,1 2 0,1 0 0,-1 1 0,2 0 0,-1 2 0,1 1 0,0 0 0,1 2 0,0 1 0,0 0 0,0 2 0,0 0 0,0 2 0,1 0 0,-1 2 0,0 0 0,0 2 0,1 0 0,-1 2 0,-1 0 0,1 1 0,-1 2 0,0 0 0,0 1 0,-1 2 0,0 0 0,-1 1 0,0 0 0,-1 2 0,0 0 0,-1 2 0,0 0 0,-1 1 0,-1 0 0,0 2 0,-1 0 0,-1 0 0,-1 1 0,-1 1 0,0 0 0,-1 1 0,-1 1 0,-1 0 0,-1 0 0,-1 0 0,0 1 0,-2 1 0,-1-1 0,0 1 0,-2 0 0,0 0 0,-2 0 0,0 0 0,-2 1 0</inkml:trace>
 </inkml:ink>
 </file>
 
@@ -4377,6 +5272,36 @@
         <inkml:traceFormat>
           <inkml:channel name="X" type="integer" min="-2.14748E9" max="2.14748E9" units="cm"/>
           <inkml:channel name="Y" type="integer" min="-2.14748E9" max="2.14748E9" units="cm"/>
+          <inkml:channel name="F" type="integer" max="32767" units="dev"/>
+        </inkml:traceFormat>
+        <inkml:channelProperties>
+          <inkml:channelProperty channel="X" name="resolution" value="1000" units="1/cm"/>
+          <inkml:channelProperty channel="Y" name="resolution" value="1000" units="1/cm"/>
+          <inkml:channelProperty channel="F" name="resolution" value="0" units="1/dev"/>
+        </inkml:channelProperties>
+      </inkml:inkSource>
+      <inkml:timestamp xml:id="ts0" timeString="2025-10-19T12:27:46.097"/>
+    </inkml:context>
+    <inkml:brush xml:id="br0">
+      <inkml:brushProperty name="width" value="0.2" units="cm"/>
+      <inkml:brushProperty name="height" value="1.2" units="cm"/>
+      <inkml:brushProperty name="color" value="#FFFFFF"/>
+      <inkml:brushProperty name="ignorePressure" value="1"/>
+      <inkml:brushProperty name="inkEffects" value="pencil"/>
+    </inkml:brush>
+  </inkml:definitions>
+  <inkml:trace contextRef="#ctx0" brushRef="#br0">1291 646 0,'0'25'0,"-2"0"0,0 1 0,-2-1 0,0 0 0,-2 0 0,0-1 0,-1 0 0,-2 0 0,0 0 0,-1-1 0,-1 0 0,-1-1 0,-1 0 0,-1-1 0,0 0 0,-1-1 0,-1 0 0,-1-1 0,-1-1 0,0 0 0,-1-1 0,-1-1 0,0-1 0,-1 0 0,0-2 0,-1 0 0,0-1 0,-1-1 0,0-1 0,-1-1 0,0 0 0,0-2 0,-1 0 0,1-2 0,-1-1 0,-1 0 0,1-2 0,0 0 0,0-2 0,-1 0 0,1-2 0,0 0 0,0-2 0,0 0 0,0-1 0,0-2 0,1 0 0,0-2 0,1 0 0,-1-1 0,2-1 0,-1-1 0,1-1 0,1 0 0,0-2 0,1 0 0,0-1 0,1-1 0,1-1 0,1 0 0,0-1 0,1-1 0,0 0 0,2-1 0,0 0 0,1-1 0,1 0 0,1-1 0,1 0 0,1-1 0,1 0 0,0 0 0,2 0 0,0-1 0,2 0 0,0 0 0,2-1 0,0 1 0,2 0 0,0-1 0,2 1 0,0 0 0,2 0 0,0 0 0,2 0 0,0 1 0,2-1 0,0 1 0,1 1 0,1 0 0,1 0 0,1 0 0,1 1 0,1 1 0,0 0 0,2 1 0,0 1 0,1 0 0,0 0 0,1 2 0,1 0 0,1 1 0,0 0 0,1 2 0,0 0 0,1 2 0,1 0 0,-1 1 0,2 0 0,-1 2 0,1 1 0,0 0 0,1 2 0,0 1 0,0 0 0,0 2 0,0 0 0,0 2 0,1 0 0,-1 2 0,0 0 0,0 2 0,1 0 0,-1 2 0,-1 0 0,1 1 0,-1 2 0,0 0 0,0 1 0,-1 2 0,0 0 0,-1 1 0,0 0 0,-1 2 0,0 0 0,-1 2 0,0 0 0,-1 1 0,-1 0 0,0 2 0,-1 0 0,-1 0 0,-1 1 0,-1 1 0,0 0 0,-1 1 0,-1 1 0,-1 0 0,-1 0 0,-1 0 0,0 1 0,-2 1 0,-1-1 0,0 1 0,-2 0 0,0 0 0,-2 0 0,0 0 0,-2 1 0</inkml:trace>
+</inkml:ink>
+</file>
+
+<file path=ppt/ink/ink81.xml><?xml version="1.0" encoding="utf-8"?>
+<inkml:ink xmlns:inkml="http://www.w3.org/2003/InkML">
+  <inkml:definitions>
+    <inkml:context xml:id="ctx0">
+      <inkml:inkSource xml:id="inkSrc0">
+        <inkml:traceFormat>
+          <inkml:channel name="X" type="integer" min="-2.14748E9" max="2.14748E9" units="cm"/>
+          <inkml:channel name="Y" type="integer" min="-2.14748E9" max="2.14748E9" units="cm"/>
         </inkml:traceFormat>
         <inkml:channelProperties>
           <inkml:channelProperty channel="X" name="resolution" value="1000" units="1/cm"/>
@@ -4397,7 +5322,7 @@
 </inkml:ink>
 </file>
 
-<file path=ppt/ink/ink81.xml><?xml version="1.0" encoding="utf-8"?>
+<file path=ppt/ink/ink82.xml><?xml version="1.0" encoding="utf-8"?>
 <inkml:ink xmlns:inkml="http://www.w3.org/2003/InkML">
   <inkml:definitions>
     <inkml:context xml:id="ctx0">
@@ -4427,7 +5352,7 @@
 </inkml:ink>
 </file>
 
-<file path=ppt/ink/ink82.xml><?xml version="1.0" encoding="utf-8"?>
+<file path=ppt/ink/ink83.xml><?xml version="1.0" encoding="utf-8"?>
 <inkml:ink xmlns:inkml="http://www.w3.org/2003/InkML">
   <inkml:definitions>
     <inkml:context xml:id="ctx0">
@@ -4457,7 +5382,7 @@
 </inkml:ink>
 </file>
 
-<file path=ppt/ink/ink83.xml><?xml version="1.0" encoding="utf-8"?>
+<file path=ppt/ink/ink84.xml><?xml version="1.0" encoding="utf-8"?>
 <inkml:ink xmlns:inkml="http://www.w3.org/2003/InkML">
   <inkml:definitions>
     <inkml:context xml:id="ctx0">
@@ -4487,7 +5412,7 @@
 </inkml:ink>
 </file>
 
-<file path=ppt/ink/ink84.xml><?xml version="1.0" encoding="utf-8"?>
+<file path=ppt/ink/ink85.xml><?xml version="1.0" encoding="utf-8"?>
 <inkml:ink xmlns:inkml="http://www.w3.org/2003/InkML">
   <inkml:definitions>
     <inkml:context xml:id="ctx0">
@@ -4517,7 +5442,7 @@
 </inkml:ink>
 </file>
 
-<file path=ppt/ink/ink85.xml><?xml version="1.0" encoding="utf-8"?>
+<file path=ppt/ink/ink86.xml><?xml version="1.0" encoding="utf-8"?>
 <inkml:ink xmlns:inkml="http://www.w3.org/2003/InkML">
   <inkml:definitions>
     <inkml:context xml:id="ctx0">
@@ -4547,7 +5472,7 @@
 </inkml:ink>
 </file>
 
-<file path=ppt/ink/ink86.xml><?xml version="1.0" encoding="utf-8"?>
+<file path=ppt/ink/ink87.xml><?xml version="1.0" encoding="utf-8"?>
 <inkml:ink xmlns:inkml="http://www.w3.org/2003/InkML">
   <inkml:definitions>
     <inkml:context xml:id="ctx0">
@@ -4577,7 +5502,7 @@
 </inkml:ink>
 </file>
 
-<file path=ppt/ink/ink87.xml><?xml version="1.0" encoding="utf-8"?>
+<file path=ppt/ink/ink88.xml><?xml version="1.0" encoding="utf-8"?>
 <inkml:ink xmlns:inkml="http://www.w3.org/2003/InkML">
   <inkml:definitions>
     <inkml:context xml:id="ctx0">
@@ -4605,7 +5530,7 @@
 </inkml:ink>
 </file>
 
-<file path=ppt/ink/ink88.xml><?xml version="1.0" encoding="utf-8"?>
+<file path=ppt/ink/ink89.xml><?xml version="1.0" encoding="utf-8"?>
 <inkml:ink xmlns:inkml="http://www.w3.org/2003/InkML">
   <inkml:definitions>
     <inkml:context xml:id="ctx0">
@@ -4632,36 +5557,6 @@
     </inkml:brush>
   </inkml:definitions>
   <inkml:trace contextRef="#ctx0" brushRef="#br0">0 0 0,'3902'27'0</inkml:trace>
-</inkml:ink>
-</file>
-
-<file path=ppt/ink/ink89.xml><?xml version="1.0" encoding="utf-8"?>
-<inkml:ink xmlns:inkml="http://www.w3.org/2003/InkML">
-  <inkml:definitions>
-    <inkml:context xml:id="ctx0">
-      <inkml:inkSource xml:id="inkSrc0">
-        <inkml:traceFormat>
-          <inkml:channel name="X" type="integer" min="-2.14748E9" max="2.14748E9" units="cm"/>
-          <inkml:channel name="Y" type="integer" min="-2.14748E9" max="2.14748E9" units="cm"/>
-          <inkml:channel name="F" type="integer" max="32767" units="dev"/>
-        </inkml:traceFormat>
-        <inkml:channelProperties>
-          <inkml:channelProperty channel="X" name="resolution" value="1000" units="1/cm"/>
-          <inkml:channelProperty channel="Y" name="resolution" value="1000" units="1/cm"/>
-          <inkml:channelProperty channel="F" name="resolution" value="0" units="1/dev"/>
-        </inkml:channelProperties>
-      </inkml:inkSource>
-      <inkml:timestamp xml:id="ts0" timeString="2025-10-07T10:06:39.058"/>
-    </inkml:context>
-    <inkml:brush xml:id="br0">
-      <inkml:brushProperty name="width" value="0.35" units="cm"/>
-      <inkml:brushProperty name="height" value="2.1" units="cm"/>
-      <inkml:brushProperty name="color" value="#FFFFFF"/>
-      <inkml:brushProperty name="ignorePressure" value="1"/>
-      <inkml:brushProperty name="inkEffects" value="pencil"/>
-    </inkml:brush>
-  </inkml:definitions>
-  <inkml:trace contextRef="#ctx0" brushRef="#br0">0 0 0,'3981'26'0</inkml:trace>
 </inkml:ink>
 </file>
 
@@ -4709,6 +5604,36 @@
           <inkml:channelProperty channel="F" name="resolution" value="0" units="1/dev"/>
         </inkml:channelProperties>
       </inkml:inkSource>
+      <inkml:timestamp xml:id="ts0" timeString="2025-10-07T10:06:39.058"/>
+    </inkml:context>
+    <inkml:brush xml:id="br0">
+      <inkml:brushProperty name="width" value="0.35" units="cm"/>
+      <inkml:brushProperty name="height" value="2.1" units="cm"/>
+      <inkml:brushProperty name="color" value="#FFFFFF"/>
+      <inkml:brushProperty name="ignorePressure" value="1"/>
+      <inkml:brushProperty name="inkEffects" value="pencil"/>
+    </inkml:brush>
+  </inkml:definitions>
+  <inkml:trace contextRef="#ctx0" brushRef="#br0">0 0 0,'3981'26'0</inkml:trace>
+</inkml:ink>
+</file>
+
+<file path=ppt/ink/ink91.xml><?xml version="1.0" encoding="utf-8"?>
+<inkml:ink xmlns:inkml="http://www.w3.org/2003/InkML">
+  <inkml:definitions>
+    <inkml:context xml:id="ctx0">
+      <inkml:inkSource xml:id="inkSrc0">
+        <inkml:traceFormat>
+          <inkml:channel name="X" type="integer" min="-2.14748E9" max="2.14748E9" units="cm"/>
+          <inkml:channel name="Y" type="integer" min="-2.14748E9" max="2.14748E9" units="cm"/>
+          <inkml:channel name="F" type="integer" max="32767" units="dev"/>
+        </inkml:traceFormat>
+        <inkml:channelProperties>
+          <inkml:channelProperty channel="X" name="resolution" value="1000" units="1/cm"/>
+          <inkml:channelProperty channel="Y" name="resolution" value="1000" units="1/cm"/>
+          <inkml:channelProperty channel="F" name="resolution" value="0" units="1/dev"/>
+        </inkml:channelProperties>
+      </inkml:inkSource>
       <inkml:timestamp xml:id="ts0" timeString="2025-10-07T10:06:42.387"/>
     </inkml:context>
     <inkml:brush xml:id="br0">
@@ -4723,7 +5648,7 @@
 </inkml:ink>
 </file>
 
-<file path=ppt/ink/ink91.xml><?xml version="1.0" encoding="utf-8"?>
+<file path=ppt/ink/ink92.xml><?xml version="1.0" encoding="utf-8"?>
 <inkml:ink xmlns:inkml="http://www.w3.org/2003/InkML">
   <inkml:definitions>
     <inkml:context xml:id="ctx0">
@@ -4753,7 +5678,7 @@
 </inkml:ink>
 </file>
 
-<file path=ppt/ink/ink92.xml><?xml version="1.0" encoding="utf-8"?>
+<file path=ppt/ink/ink93.xml><?xml version="1.0" encoding="utf-8"?>
 <inkml:ink xmlns:inkml="http://www.w3.org/2003/InkML">
   <inkml:definitions>
     <inkml:context xml:id="ctx0">
@@ -4783,7 +5708,7 @@
 </inkml:ink>
 </file>
 
-<file path=ppt/ink/ink93.xml><?xml version="1.0" encoding="utf-8"?>
+<file path=ppt/ink/ink94.xml><?xml version="1.0" encoding="utf-8"?>
 <inkml:ink xmlns:inkml="http://www.w3.org/2003/InkML">
   <inkml:definitions>
     <inkml:context xml:id="ctx0">
@@ -4811,7 +5736,7 @@
 </inkml:ink>
 </file>
 
-<file path=ppt/ink/ink94.xml><?xml version="1.0" encoding="utf-8"?>
+<file path=ppt/ink/ink95.xml><?xml version="1.0" encoding="utf-8"?>
 <inkml:ink xmlns:inkml="http://www.w3.org/2003/InkML">
   <inkml:definitions>
     <inkml:context xml:id="ctx0">
@@ -4841,7 +5766,7 @@
 </inkml:ink>
 </file>
 
-<file path=ppt/ink/ink95.xml><?xml version="1.0" encoding="utf-8"?>
+<file path=ppt/ink/ink96.xml><?xml version="1.0" encoding="utf-8"?>
 <inkml:ink xmlns:inkml="http://www.w3.org/2003/InkML">
   <inkml:definitions>
     <inkml:context xml:id="ctx0">
@@ -4871,7 +5796,7 @@
 </inkml:ink>
 </file>
 
-<file path=ppt/ink/ink96.xml><?xml version="1.0" encoding="utf-8"?>
+<file path=ppt/ink/ink97.xml><?xml version="1.0" encoding="utf-8"?>
 <inkml:ink xmlns:inkml="http://www.w3.org/2003/InkML">
   <inkml:definitions>
     <inkml:context xml:id="ctx0">
@@ -4901,7 +5826,7 @@
 </inkml:ink>
 </file>
 
-<file path=ppt/ink/ink97.xml><?xml version="1.0" encoding="utf-8"?>
+<file path=ppt/ink/ink98.xml><?xml version="1.0" encoding="utf-8"?>
 <inkml:ink xmlns:inkml="http://www.w3.org/2003/InkML">
   <inkml:definitions>
     <inkml:context xml:id="ctx0">
@@ -4931,7 +5856,7 @@
 </inkml:ink>
 </file>
 
-<file path=ppt/ink/ink98.xml><?xml version="1.0" encoding="utf-8"?>
+<file path=ppt/ink/ink99.xml><?xml version="1.0" encoding="utf-8"?>
 <inkml:ink xmlns:inkml="http://www.w3.org/2003/InkML">
   <inkml:definitions>
     <inkml:context xml:id="ctx0">
@@ -4958,36 +5883,6 @@
     </inkml:brush>
   </inkml:definitions>
   <inkml:trace contextRef="#ctx0" brushRef="#br0">4116 2058 0,'-2'81'0,"-2"-1"0,-4 1 0,-3-1 0,-4-1 0,-2 0 0,-3 0 0,-4-2 0,-2-1 0,-4 0 0,-2-2 0,-3-2 0,-3 0 0,-3-3 0,-3-1 0,-2-1 0,-3-3 0,-2-1 0,-3-3 0,-2-2 0,-2-2 0,-2-2 0,-3-3 0,-1-2 0,-3-3 0,-1-2 0,-1-3 0,-3-3 0,0-3 0,-2-3 0,-2-2 0,0-4 0,-1-2 0,-2-4 0,0-3 0,0-2 0,-1-4 0,-1-3 0,1-4 0,-1-2 0,0-4 0,1-2 0,-1-4 0,1-3 0,1-4 0,0-2 0,0-3 0,2-4 0,1-2 0,0-4 0,2-2 0,2-3 0,0-3 0,3-3 0,1-3 0,1-2 0,3-3 0,1-2 0,3-3 0,2-2 0,2-2 0,2-2 0,3-3 0,2-1 0,3-3 0,2-1 0,3-1 0,3-3 0,3 0 0,3-2 0,2-2 0,4 0 0,2-1 0,4-2 0,3 0 0,2 0 0,4-1 0,3-1 0,4 1 0,2-1 0,4 0 0,2 1 0,4-1 0,3 1 0,4 1 0,2 0 0,3 0 0,4 2 0,2 1 0,4 0 0,2 2 0,3 2 0,3 0 0,3 3 0,3 1 0,2 1 0,3 3 0,2 1 0,3 3 0,2 2 0,2 2 0,2 2 0,3 3 0,1 2 0,3 3 0,1 2 0,1 3 0,3 3 0,0 3 0,2 3 0,2 2 0,0 4 0,1 2 0,2 4 0,0 3 0,0 2 0,1 4 0,1 3 0,-1 4 0,1 2 0,0 4 0,-1 2 0,1 4 0,-1 3 0,-1 4 0,0 2 0,0 3 0,-2 4 0,-1 2 0,0 4 0,-2 2 0,-2 3 0,0 3 0,-3 3 0,-1 3 0,-1 2 0,-3 3 0,-1 2 0,-3 3 0,-2 2 0,-2 2 0,-2 2 0,-3 3 0,-2 1 0,-3 3 0,-2 1 0,-3 1 0,-3 3 0,-3 0 0,-3 2 0,-2 2 0,-4 0 0,-2 1 0,-4 2 0,-3 0 0,-2 0 0,-4 1 0,-3 1 0,-4-1 0,-2 1 0</inkml:trace>
-</inkml:ink>
-</file>
-
-<file path=ppt/ink/ink99.xml><?xml version="1.0" encoding="utf-8"?>
-<inkml:ink xmlns:inkml="http://www.w3.org/2003/InkML">
-  <inkml:definitions>
-    <inkml:context xml:id="ctx0">
-      <inkml:inkSource xml:id="inkSrc0">
-        <inkml:traceFormat>
-          <inkml:channel name="X" type="integer" min="-2.14748E9" max="2.14748E9" units="cm"/>
-          <inkml:channel name="Y" type="integer" min="-2.14748E9" max="2.14748E9" units="cm"/>
-          <inkml:channel name="F" type="integer" max="32767" units="dev"/>
-        </inkml:traceFormat>
-        <inkml:channelProperties>
-          <inkml:channelProperty channel="X" name="resolution" value="1000" units="1/cm"/>
-          <inkml:channelProperty channel="Y" name="resolution" value="1000" units="1/cm"/>
-          <inkml:channelProperty channel="F" name="resolution" value="0" units="1/dev"/>
-        </inkml:channelProperties>
-      </inkml:inkSource>
-      <inkml:timestamp xml:id="ts0" timeString="2025-10-07T10:49:36.782"/>
-    </inkml:context>
-    <inkml:brush xml:id="br0">
-      <inkml:brushProperty name="width" value="0.35" units="cm"/>
-      <inkml:brushProperty name="height" value="2.1" units="cm"/>
-      <inkml:brushProperty name="color" value="#FFFFFF"/>
-      <inkml:brushProperty name="ignorePressure" value="1"/>
-      <inkml:brushProperty name="inkEffects" value="pencil"/>
-    </inkml:brush>
-  </inkml:definitions>
-  <inkml:trace contextRef="#ctx0" brushRef="#br0">1612 806 0,'-1'32'0,"0"-1"0,-3 1 0,0-1 0,-1 0 0,-2 0 0,-1 0 0,-1-1 0,-2 0 0,0-1 0,-2 0 0,-1 0 0,-1-1 0,-1-1 0,-1 0 0,-1-1 0,-1-1 0,-1-1 0,-1 0 0,-1-1 0,-1-1 0,-1-1 0,0-1 0,-1-1 0,-1-1 0,-1-1 0,0-1 0,-1-1 0,-1-1 0,0-1 0,0-2 0,-1 0 0,0-2 0,-1-1 0,0-1 0,0-2 0,0-1 0,-1 0 0,1-3 0,-1 0 0,0-2 0,1 0 0,-1-3 0,1 0 0,0-1 0,0-2 0,0-1 0,1-1 0,0-2 0,1 0 0,0-2 0,0-1 0,1-1 0,1-1 0,0-1 0,1-1 0,1-1 0,1-1 0,0-1 0,1-1 0,1-1 0,1-1 0,1 0 0,1-1 0,1-1 0,1-1 0,1 0 0,1-1 0,1-1 0,1 0 0,2 0 0,0-1 0,2 0 0,1-1 0,1 0 0,2 0 0,1 0 0,0-1 0,3 1 0,0-1 0,2 0 0,0 1 0,3-1 0,0 1 0,1 0 0,2 0 0,1 0 0,1 1 0,2 0 0,0 1 0,2 0 0,1 0 0,1 1 0,1 1 0,1 0 0,1 1 0,1 1 0,1 1 0,1 0 0,1 1 0,1 1 0,1 1 0,0 1 0,1 1 0,1 1 0,1 1 0,0 1 0,1 1 0,1 1 0,0 1 0,0 2 0,1 0 0,0 2 0,1 1 0,0 1 0,0 2 0,0 1 0,1 0 0,-1 3 0,1 0 0,0 2 0,-1 0 0,1 3 0,-1 0 0,0 1 0,0 2 0,0 1 0,-1 1 0,0 2 0,-1 0 0,0 2 0,0 1 0,-1 1 0,-1 1 0,0 1 0,-1 1 0,-1 1 0,-1 1 0,0 1 0,-1 1 0,-1 1 0,-1 1 0,-1 0 0,-1 1 0,-1 1 0,-1 1 0,-1 0 0,-1 1 0,-1 1 0,-1 0 0,-2 0 0,0 1 0,-2 0 0,-1 1 0,-1 0 0,-2 0 0,-1 0 0,0 1 0,-3-1 0,0 1 0</inkml:trace>
 </inkml:ink>
 </file>
 
@@ -5140,7 +6035,7 @@
           <a:p>
             <a:fld id="{B8F9F58D-54D6-49D3-825B-81C29B586EBC}" type="datetimeFigureOut">
               <a:rPr lang="en-ZA" smtClean="0"/>
-              <a:t>2025/10/10</a:t>
+              <a:t>2025/10/19</a:t>
             </a:fld>
             <a:endParaRPr lang="en-ZA"/>
           </a:p>
@@ -5340,7 +6235,7 @@
           <a:p>
             <a:fld id="{B8F9F58D-54D6-49D3-825B-81C29B586EBC}" type="datetimeFigureOut">
               <a:rPr lang="en-ZA" smtClean="0"/>
-              <a:t>2025/10/10</a:t>
+              <a:t>2025/10/19</a:t>
             </a:fld>
             <a:endParaRPr lang="en-ZA"/>
           </a:p>
@@ -5550,7 +6445,7 @@
           <a:p>
             <a:fld id="{B8F9F58D-54D6-49D3-825B-81C29B586EBC}" type="datetimeFigureOut">
               <a:rPr lang="en-ZA" smtClean="0"/>
-              <a:t>2025/10/10</a:t>
+              <a:t>2025/10/19</a:t>
             </a:fld>
             <a:endParaRPr lang="en-ZA"/>
           </a:p>
@@ -5750,7 +6645,7 @@
           <a:p>
             <a:fld id="{B8F9F58D-54D6-49D3-825B-81C29B586EBC}" type="datetimeFigureOut">
               <a:rPr lang="en-ZA" smtClean="0"/>
-              <a:t>2025/10/10</a:t>
+              <a:t>2025/10/19</a:t>
             </a:fld>
             <a:endParaRPr lang="en-ZA"/>
           </a:p>
@@ -6026,7 +6921,7 @@
           <a:p>
             <a:fld id="{B8F9F58D-54D6-49D3-825B-81C29B586EBC}" type="datetimeFigureOut">
               <a:rPr lang="en-ZA" smtClean="0"/>
-              <a:t>2025/10/10</a:t>
+              <a:t>2025/10/19</a:t>
             </a:fld>
             <a:endParaRPr lang="en-ZA"/>
           </a:p>
@@ -6294,7 +7189,7 @@
           <a:p>
             <a:fld id="{B8F9F58D-54D6-49D3-825B-81C29B586EBC}" type="datetimeFigureOut">
               <a:rPr lang="en-ZA" smtClean="0"/>
-              <a:t>2025/10/10</a:t>
+              <a:t>2025/10/19</a:t>
             </a:fld>
             <a:endParaRPr lang="en-ZA"/>
           </a:p>
@@ -6709,7 +7604,7 @@
           <a:p>
             <a:fld id="{B8F9F58D-54D6-49D3-825B-81C29B586EBC}" type="datetimeFigureOut">
               <a:rPr lang="en-ZA" smtClean="0"/>
-              <a:t>2025/10/10</a:t>
+              <a:t>2025/10/19</a:t>
             </a:fld>
             <a:endParaRPr lang="en-ZA"/>
           </a:p>
@@ -6851,7 +7746,7 @@
           <a:p>
             <a:fld id="{B8F9F58D-54D6-49D3-825B-81C29B586EBC}" type="datetimeFigureOut">
               <a:rPr lang="en-ZA" smtClean="0"/>
-              <a:t>2025/10/10</a:t>
+              <a:t>2025/10/19</a:t>
             </a:fld>
             <a:endParaRPr lang="en-ZA"/>
           </a:p>
@@ -6964,7 +7859,7 @@
           <a:p>
             <a:fld id="{B8F9F58D-54D6-49D3-825B-81C29B586EBC}" type="datetimeFigureOut">
               <a:rPr lang="en-ZA" smtClean="0"/>
-              <a:t>2025/10/10</a:t>
+              <a:t>2025/10/19</a:t>
             </a:fld>
             <a:endParaRPr lang="en-ZA"/>
           </a:p>
@@ -7277,7 +8172,7 @@
           <a:p>
             <a:fld id="{B8F9F58D-54D6-49D3-825B-81C29B586EBC}" type="datetimeFigureOut">
               <a:rPr lang="en-ZA" smtClean="0"/>
-              <a:t>2025/10/10</a:t>
+              <a:t>2025/10/19</a:t>
             </a:fld>
             <a:endParaRPr lang="en-ZA"/>
           </a:p>
@@ -7566,7 +8461,7 @@
           <a:p>
             <a:fld id="{B8F9F58D-54D6-49D3-825B-81C29B586EBC}" type="datetimeFigureOut">
               <a:rPr lang="en-ZA" smtClean="0"/>
-              <a:t>2025/10/10</a:t>
+              <a:t>2025/10/19</a:t>
             </a:fld>
             <a:endParaRPr lang="en-ZA"/>
           </a:p>
@@ -7809,7 +8704,7 @@
           <a:p>
             <a:fld id="{B8F9F58D-54D6-49D3-825B-81C29B586EBC}" type="datetimeFigureOut">
               <a:rPr lang="en-ZA" smtClean="0"/>
-              <a:t>2025/10/10</a:t>
+              <a:t>2025/10/19</a:t>
             </a:fld>
             <a:endParaRPr lang="en-ZA"/>
           </a:p>
@@ -8367,6 +9262,1639 @@
     <p:extLst>
       <p:ext uri="{BB962C8B-B14F-4D97-AF65-F5344CB8AC3E}">
         <p14:creationId xmlns:p14="http://schemas.microsoft.com/office/powerpoint/2010/main" val="451451539"/>
+      </p:ext>
+    </p:extLst>
+  </p:cSld>
+  <p:clrMapOvr>
+    <a:masterClrMapping/>
+  </p:clrMapOvr>
+</p:sld>
+</file>
+
+<file path=ppt/slides/slide10.xml><?xml version="1.0" encoding="utf-8"?>
+<p:sld xmlns:a="http://schemas.openxmlformats.org/drawingml/2006/main" xmlns:r="http://schemas.openxmlformats.org/officeDocument/2006/relationships" xmlns:p="http://schemas.openxmlformats.org/presentationml/2006/main">
+  <p:cSld>
+    <p:bg>
+      <p:bgPr>
+        <a:gradFill>
+          <a:gsLst>
+            <a:gs pos="0">
+              <a:srgbClr val="002D18"/>
+            </a:gs>
+            <a:gs pos="39000">
+              <a:srgbClr val="002D18"/>
+            </a:gs>
+            <a:gs pos="83000">
+              <a:srgbClr val="014D26"/>
+            </a:gs>
+            <a:gs pos="100000">
+              <a:srgbClr val="014D26"/>
+            </a:gs>
+          </a:gsLst>
+          <a:lin ang="10800000" scaled="1"/>
+        </a:gradFill>
+        <a:effectLst/>
+      </p:bgPr>
+    </p:bg>
+    <p:spTree>
+      <p:nvGrpSpPr>
+        <p:cNvPr id="1" name="">
+          <a:extLst>
+            <a:ext uri="{FF2B5EF4-FFF2-40B4-BE49-F238E27FC236}">
+              <a16:creationId xmlns:a16="http://schemas.microsoft.com/office/drawing/2014/main" id="{5B64B603-0FB9-F399-8C96-F42610A68C61}"/>
+            </a:ext>
+          </a:extLst>
+        </p:cNvPr>
+        <p:cNvGrpSpPr/>
+        <p:nvPr/>
+      </p:nvGrpSpPr>
+      <p:grpSpPr>
+        <a:xfrm>
+          <a:off x="0" y="0"/>
+          <a:ext cx="0" cy="0"/>
+          <a:chOff x="0" y="0"/>
+          <a:chExt cx="0" cy="0"/>
+        </a:xfrm>
+      </p:grpSpPr>
+      <mc:AlternateContent xmlns:mc="http://schemas.openxmlformats.org/markup-compatibility/2006" xmlns:p14="http://schemas.microsoft.com/office/powerpoint/2010/main" xmlns:aink="http://schemas.microsoft.com/office/drawing/2016/ink">
+        <mc:Choice Requires="p14 aink">
+          <p:contentPart p14:bwMode="auto" r:id="rId2">
+            <p14:nvContentPartPr>
+              <p14:cNvPr id="2" name="Ink 1">
+                <a:extLst>
+                  <a:ext uri="{FF2B5EF4-FFF2-40B4-BE49-F238E27FC236}">
+                    <a16:creationId xmlns:a16="http://schemas.microsoft.com/office/drawing/2014/main" id="{762D949C-1CD7-527A-0335-D3ACF8B9521B}"/>
+                  </a:ext>
+                </a:extLst>
+              </p14:cNvPr>
+              <p14:cNvContentPartPr/>
+              <p14:nvPr/>
+            </p14:nvContentPartPr>
+            <p14:xfrm>
+              <a:off x="4553367" y="600073"/>
+              <a:ext cx="360" cy="360"/>
+            </p14:xfrm>
+          </p:contentPart>
+        </mc:Choice>
+        <mc:Fallback xmlns="">
+          <p:pic>
+            <p:nvPicPr>
+              <p:cNvPr id="2" name="Ink 1">
+                <a:extLst>
+                  <a:ext uri="{FF2B5EF4-FFF2-40B4-BE49-F238E27FC236}">
+                    <a16:creationId xmlns:a16="http://schemas.microsoft.com/office/drawing/2014/main" id="{762D949C-1CD7-527A-0335-D3ACF8B9521B}"/>
+                  </a:ext>
+                </a:extLst>
+              </p:cNvPr>
+              <p:cNvPicPr/>
+              <p:nvPr/>
+            </p:nvPicPr>
+            <p:blipFill>
+              <a:blip r:embed="rId3"/>
+              <a:stretch>
+                <a:fillRect/>
+              </a:stretch>
+            </p:blipFill>
+            <p:spPr>
+              <a:xfrm>
+                <a:off x="4490367" y="222073"/>
+                <a:ext cx="126000" cy="756000"/>
+              </a:xfrm>
+              <a:prstGeom prst="rect">
+                <a:avLst/>
+              </a:prstGeom>
+            </p:spPr>
+          </p:pic>
+        </mc:Fallback>
+      </mc:AlternateContent>
+      <mc:AlternateContent xmlns:mc="http://schemas.openxmlformats.org/markup-compatibility/2006" xmlns:p14="http://schemas.microsoft.com/office/powerpoint/2010/main" xmlns:aink="http://schemas.microsoft.com/office/drawing/2016/ink">
+        <mc:Choice Requires="p14 aink">
+          <p:contentPart p14:bwMode="auto" r:id="rId4">
+            <p14:nvContentPartPr>
+              <p14:cNvPr id="6" name="Ink 5">
+                <a:extLst>
+                  <a:ext uri="{FF2B5EF4-FFF2-40B4-BE49-F238E27FC236}">
+                    <a16:creationId xmlns:a16="http://schemas.microsoft.com/office/drawing/2014/main" id="{002827C2-B0DB-9F7C-ABAF-FFD8A1460DD3}"/>
+                  </a:ext>
+                </a:extLst>
+              </p14:cNvPr>
+              <p14:cNvContentPartPr/>
+              <p14:nvPr/>
+            </p14:nvContentPartPr>
+            <p14:xfrm>
+              <a:off x="1065221" y="565330"/>
+              <a:ext cx="10067760" cy="19440"/>
+            </p14:xfrm>
+          </p:contentPart>
+        </mc:Choice>
+        <mc:Fallback xmlns="">
+          <p:pic>
+            <p:nvPicPr>
+              <p:cNvPr id="6" name="Ink 5">
+                <a:extLst>
+                  <a:ext uri="{FF2B5EF4-FFF2-40B4-BE49-F238E27FC236}">
+                    <a16:creationId xmlns:a16="http://schemas.microsoft.com/office/drawing/2014/main" id="{002827C2-B0DB-9F7C-ABAF-FFD8A1460DD3}"/>
+                  </a:ext>
+                </a:extLst>
+              </p:cNvPr>
+              <p:cNvPicPr/>
+              <p:nvPr/>
+            </p:nvPicPr>
+            <p:blipFill>
+              <a:blip r:embed="rId5"/>
+              <a:stretch>
+                <a:fillRect/>
+              </a:stretch>
+            </p:blipFill>
+            <p:spPr>
+              <a:xfrm>
+                <a:off x="1002221" y="187330"/>
+                <a:ext cx="10193400" cy="775080"/>
+              </a:xfrm>
+              <a:prstGeom prst="rect">
+                <a:avLst/>
+              </a:prstGeom>
+            </p:spPr>
+          </p:pic>
+        </mc:Fallback>
+      </mc:AlternateContent>
+      <mc:AlternateContent xmlns:mc="http://schemas.openxmlformats.org/markup-compatibility/2006" xmlns:p14="http://schemas.microsoft.com/office/powerpoint/2010/main" xmlns:aink="http://schemas.microsoft.com/office/drawing/2016/ink">
+        <mc:Choice Requires="p14 aink">
+          <p:contentPart p14:bwMode="auto" r:id="rId6">
+            <p14:nvContentPartPr>
+              <p14:cNvPr id="10" name="Ink 9">
+                <a:extLst>
+                  <a:ext uri="{FF2B5EF4-FFF2-40B4-BE49-F238E27FC236}">
+                    <a16:creationId xmlns:a16="http://schemas.microsoft.com/office/drawing/2014/main" id="{E8512C24-274B-3434-E1DC-8D37E539C13D}"/>
+                  </a:ext>
+                </a:extLst>
+              </p14:cNvPr>
+              <p14:cNvContentPartPr/>
+              <p14:nvPr/>
+            </p14:nvContentPartPr>
+            <p14:xfrm>
+              <a:off x="1009161" y="593410"/>
+              <a:ext cx="65420" cy="5651740"/>
+            </p14:xfrm>
+          </p:contentPart>
+        </mc:Choice>
+        <mc:Fallback xmlns="">
+          <p:pic>
+            <p:nvPicPr>
+              <p:cNvPr id="10" name="Ink 9">
+                <a:extLst>
+                  <a:ext uri="{FF2B5EF4-FFF2-40B4-BE49-F238E27FC236}">
+                    <a16:creationId xmlns:a16="http://schemas.microsoft.com/office/drawing/2014/main" id="{E8512C24-274B-3434-E1DC-8D37E539C13D}"/>
+                  </a:ext>
+                </a:extLst>
+              </p:cNvPr>
+              <p:cNvPicPr/>
+              <p:nvPr/>
+            </p:nvPicPr>
+            <p:blipFill>
+              <a:blip r:embed="rId7"/>
+              <a:stretch>
+                <a:fillRect/>
+              </a:stretch>
+            </p:blipFill>
+            <p:spPr>
+              <a:xfrm>
+                <a:off x="946257" y="215403"/>
+                <a:ext cx="190868" cy="6407393"/>
+              </a:xfrm>
+              <a:prstGeom prst="rect">
+                <a:avLst/>
+              </a:prstGeom>
+            </p:spPr>
+          </p:pic>
+        </mc:Fallback>
+      </mc:AlternateContent>
+      <mc:AlternateContent xmlns:mc="http://schemas.openxmlformats.org/markup-compatibility/2006" xmlns:p14="http://schemas.microsoft.com/office/powerpoint/2010/main" xmlns:aink="http://schemas.microsoft.com/office/drawing/2016/ink">
+        <mc:Choice Requires="p14 aink">
+          <p:contentPart p14:bwMode="auto" r:id="rId8">
+            <p14:nvContentPartPr>
+              <p14:cNvPr id="12" name="Ink 11">
+                <a:extLst>
+                  <a:ext uri="{FF2B5EF4-FFF2-40B4-BE49-F238E27FC236}">
+                    <a16:creationId xmlns:a16="http://schemas.microsoft.com/office/drawing/2014/main" id="{27A89234-9612-1937-EEB4-1EFC29A05BF7}"/>
+                  </a:ext>
+                </a:extLst>
+              </p14:cNvPr>
+              <p14:cNvContentPartPr/>
+              <p14:nvPr/>
+            </p14:nvContentPartPr>
+            <p14:xfrm>
+              <a:off x="1046141" y="6277810"/>
+              <a:ext cx="10115640" cy="19440"/>
+            </p14:xfrm>
+          </p:contentPart>
+        </mc:Choice>
+        <mc:Fallback xmlns="">
+          <p:pic>
+            <p:nvPicPr>
+              <p:cNvPr id="12" name="Ink 11">
+                <a:extLst>
+                  <a:ext uri="{FF2B5EF4-FFF2-40B4-BE49-F238E27FC236}">
+                    <a16:creationId xmlns:a16="http://schemas.microsoft.com/office/drawing/2014/main" id="{27A89234-9612-1937-EEB4-1EFC29A05BF7}"/>
+                  </a:ext>
+                </a:extLst>
+              </p:cNvPr>
+              <p:cNvPicPr/>
+              <p:nvPr/>
+            </p:nvPicPr>
+            <p:blipFill>
+              <a:blip r:embed="rId9"/>
+              <a:stretch>
+                <a:fillRect/>
+              </a:stretch>
+            </p:blipFill>
+            <p:spPr>
+              <a:xfrm>
+                <a:off x="983141" y="5899810"/>
+                <a:ext cx="10241280" cy="775080"/>
+              </a:xfrm>
+              <a:prstGeom prst="rect">
+                <a:avLst/>
+              </a:prstGeom>
+            </p:spPr>
+          </p:pic>
+        </mc:Fallback>
+      </mc:AlternateContent>
+      <mc:AlternateContent xmlns:mc="http://schemas.openxmlformats.org/markup-compatibility/2006" xmlns:p14="http://schemas.microsoft.com/office/powerpoint/2010/main" xmlns:aink="http://schemas.microsoft.com/office/drawing/2016/ink">
+        <mc:Choice Requires="p14 aink">
+          <p:contentPart p14:bwMode="auto" r:id="rId10">
+            <p14:nvContentPartPr>
+              <p14:cNvPr id="14" name="Ink 13">
+                <a:extLst>
+                  <a:ext uri="{FF2B5EF4-FFF2-40B4-BE49-F238E27FC236}">
+                    <a16:creationId xmlns:a16="http://schemas.microsoft.com/office/drawing/2014/main" id="{C60F150C-FD8A-75D5-D003-ED0B51544B4A}"/>
+                  </a:ext>
+                </a:extLst>
+              </p14:cNvPr>
+              <p14:cNvContentPartPr/>
+              <p14:nvPr/>
+            </p14:nvContentPartPr>
+            <p14:xfrm>
+              <a:off x="11113901" y="584410"/>
+              <a:ext cx="38160" cy="5722560"/>
+            </p14:xfrm>
+          </p:contentPart>
+        </mc:Choice>
+        <mc:Fallback xmlns="">
+          <p:pic>
+            <p:nvPicPr>
+              <p:cNvPr id="14" name="Ink 13">
+                <a:extLst>
+                  <a:ext uri="{FF2B5EF4-FFF2-40B4-BE49-F238E27FC236}">
+                    <a16:creationId xmlns:a16="http://schemas.microsoft.com/office/drawing/2014/main" id="{C60F150C-FD8A-75D5-D003-ED0B51544B4A}"/>
+                  </a:ext>
+                </a:extLst>
+              </p:cNvPr>
+              <p:cNvPicPr/>
+              <p:nvPr/>
+            </p:nvPicPr>
+            <p:blipFill>
+              <a:blip r:embed="rId11"/>
+              <a:stretch>
+                <a:fillRect/>
+              </a:stretch>
+            </p:blipFill>
+            <p:spPr>
+              <a:xfrm>
+                <a:off x="11050901" y="206410"/>
+                <a:ext cx="163800" cy="6478200"/>
+              </a:xfrm>
+              <a:prstGeom prst="rect">
+                <a:avLst/>
+              </a:prstGeom>
+            </p:spPr>
+          </p:pic>
+        </mc:Fallback>
+      </mc:AlternateContent>
+      <p:grpSp>
+        <p:nvGrpSpPr>
+          <p:cNvPr id="39" name="Group 38">
+            <a:extLst>
+              <a:ext uri="{FF2B5EF4-FFF2-40B4-BE49-F238E27FC236}">
+                <a16:creationId xmlns:a16="http://schemas.microsoft.com/office/drawing/2014/main" id="{BA25E8D2-6118-5BD1-43E5-8897449FD8DE}"/>
+              </a:ext>
+            </a:extLst>
+          </p:cNvPr>
+          <p:cNvGrpSpPr/>
+          <p:nvPr/>
+        </p:nvGrpSpPr>
+        <p:grpSpPr>
+          <a:xfrm>
+            <a:off x="1027421" y="1611850"/>
+            <a:ext cx="2630520" cy="3638160"/>
+            <a:chOff x="1027421" y="1611850"/>
+            <a:chExt cx="2630520" cy="3638160"/>
+          </a:xfrm>
+        </p:grpSpPr>
+        <mc:AlternateContent xmlns:mc="http://schemas.openxmlformats.org/markup-compatibility/2006" xmlns:p14="http://schemas.microsoft.com/office/powerpoint/2010/main" xmlns:aink="http://schemas.microsoft.com/office/drawing/2016/ink">
+          <mc:Choice Requires="p14 aink">
+            <p:contentPart p14:bwMode="auto" r:id="rId12">
+              <p14:nvContentPartPr>
+                <p14:cNvPr id="27" name="Ink 26">
+                  <a:extLst>
+                    <a:ext uri="{FF2B5EF4-FFF2-40B4-BE49-F238E27FC236}">
+                      <a16:creationId xmlns:a16="http://schemas.microsoft.com/office/drawing/2014/main" id="{A3A1BC34-66ED-1BEA-796D-28950A772525}"/>
+                    </a:ext>
+                  </a:extLst>
+                </p14:cNvPr>
+                <p14:cNvContentPartPr/>
+                <p14:nvPr/>
+              </p14:nvContentPartPr>
+              <p14:xfrm>
+                <a:off x="1065221" y="1611850"/>
+                <a:ext cx="2554920" cy="28440"/>
+              </p14:xfrm>
+            </p:contentPart>
+          </mc:Choice>
+          <mc:Fallback xmlns="">
+            <p:pic>
+              <p:nvPicPr>
+                <p:cNvPr id="27" name="Ink 26">
+                  <a:extLst>
+                    <a:ext uri="{FF2B5EF4-FFF2-40B4-BE49-F238E27FC236}">
+                      <a16:creationId xmlns:a16="http://schemas.microsoft.com/office/drawing/2014/main" id="{A3A1BC34-66ED-1BEA-796D-28950A772525}"/>
+                    </a:ext>
+                  </a:extLst>
+                </p:cNvPr>
+                <p:cNvPicPr/>
+                <p:nvPr/>
+              </p:nvPicPr>
+              <p:blipFill>
+                <a:blip r:embed="rId13"/>
+                <a:stretch>
+                  <a:fillRect/>
+                </a:stretch>
+              </p:blipFill>
+              <p:spPr>
+                <a:xfrm>
+                  <a:off x="1002221" y="1233850"/>
+                  <a:ext cx="2680560" cy="784080"/>
+                </a:xfrm>
+                <a:prstGeom prst="rect">
+                  <a:avLst/>
+                </a:prstGeom>
+              </p:spPr>
+            </p:pic>
+          </mc:Fallback>
+        </mc:AlternateContent>
+        <mc:AlternateContent xmlns:mc="http://schemas.openxmlformats.org/markup-compatibility/2006" xmlns:p14="http://schemas.microsoft.com/office/powerpoint/2010/main" xmlns:aink="http://schemas.microsoft.com/office/drawing/2016/ink">
+          <mc:Choice Requires="p14 aink">
+            <p:contentPart p14:bwMode="auto" r:id="rId14">
+              <p14:nvContentPartPr>
+                <p14:cNvPr id="29" name="Ink 28">
+                  <a:extLst>
+                    <a:ext uri="{FF2B5EF4-FFF2-40B4-BE49-F238E27FC236}">
+                      <a16:creationId xmlns:a16="http://schemas.microsoft.com/office/drawing/2014/main" id="{D07076BC-B322-C6D0-3EC5-3975F63EAC47}"/>
+                    </a:ext>
+                  </a:extLst>
+                </p14:cNvPr>
+                <p14:cNvContentPartPr/>
+                <p14:nvPr/>
+              </p14:nvContentPartPr>
+              <p14:xfrm>
+                <a:off x="1027421" y="5212930"/>
+                <a:ext cx="2630520" cy="19440"/>
+              </p14:xfrm>
+            </p:contentPart>
+          </mc:Choice>
+          <mc:Fallback xmlns="">
+            <p:pic>
+              <p:nvPicPr>
+                <p:cNvPr id="29" name="Ink 28">
+                  <a:extLst>
+                    <a:ext uri="{FF2B5EF4-FFF2-40B4-BE49-F238E27FC236}">
+                      <a16:creationId xmlns:a16="http://schemas.microsoft.com/office/drawing/2014/main" id="{D07076BC-B322-C6D0-3EC5-3975F63EAC47}"/>
+                    </a:ext>
+                  </a:extLst>
+                </p:cNvPr>
+                <p:cNvPicPr/>
+                <p:nvPr/>
+              </p:nvPicPr>
+              <p:blipFill>
+                <a:blip r:embed="rId15"/>
+                <a:stretch>
+                  <a:fillRect/>
+                </a:stretch>
+              </p:blipFill>
+              <p:spPr>
+                <a:xfrm>
+                  <a:off x="964421" y="4834930"/>
+                  <a:ext cx="2756160" cy="775080"/>
+                </a:xfrm>
+                <a:prstGeom prst="rect">
+                  <a:avLst/>
+                </a:prstGeom>
+              </p:spPr>
+            </p:pic>
+          </mc:Fallback>
+        </mc:AlternateContent>
+        <mc:AlternateContent xmlns:mc="http://schemas.openxmlformats.org/markup-compatibility/2006" xmlns:p14="http://schemas.microsoft.com/office/powerpoint/2010/main" xmlns:aink="http://schemas.microsoft.com/office/drawing/2016/ink">
+          <mc:Choice Requires="p14 aink">
+            <p:contentPart p14:bwMode="auto" r:id="rId16">
+              <p14:nvContentPartPr>
+                <p14:cNvPr id="30" name="Ink 29">
+                  <a:extLst>
+                    <a:ext uri="{FF2B5EF4-FFF2-40B4-BE49-F238E27FC236}">
+                      <a16:creationId xmlns:a16="http://schemas.microsoft.com/office/drawing/2014/main" id="{EF7E9053-E46C-2BF6-22B1-578BB27551CD}"/>
+                    </a:ext>
+                  </a:extLst>
+                </p14:cNvPr>
+                <p14:cNvContentPartPr/>
+                <p14:nvPr/>
+              </p14:nvContentPartPr>
+              <p14:xfrm>
+                <a:off x="3572621" y="1630930"/>
+                <a:ext cx="38520" cy="3619080"/>
+              </p14:xfrm>
+            </p:contentPart>
+          </mc:Choice>
+          <mc:Fallback xmlns="">
+            <p:pic>
+              <p:nvPicPr>
+                <p:cNvPr id="30" name="Ink 29">
+                  <a:extLst>
+                    <a:ext uri="{FF2B5EF4-FFF2-40B4-BE49-F238E27FC236}">
+                      <a16:creationId xmlns:a16="http://schemas.microsoft.com/office/drawing/2014/main" id="{EF7E9053-E46C-2BF6-22B1-578BB27551CD}"/>
+                    </a:ext>
+                  </a:extLst>
+                </p:cNvPr>
+                <p:cNvPicPr/>
+                <p:nvPr/>
+              </p:nvPicPr>
+              <p:blipFill>
+                <a:blip r:embed="rId17"/>
+                <a:stretch>
+                  <a:fillRect/>
+                </a:stretch>
+              </p:blipFill>
+              <p:spPr>
+                <a:xfrm>
+                  <a:off x="3509621" y="1252930"/>
+                  <a:ext cx="164160" cy="4374720"/>
+                </a:xfrm>
+                <a:prstGeom prst="rect">
+                  <a:avLst/>
+                </a:prstGeom>
+              </p:spPr>
+            </p:pic>
+          </mc:Fallback>
+        </mc:AlternateContent>
+      </p:grpSp>
+      <p:grpSp>
+        <p:nvGrpSpPr>
+          <p:cNvPr id="40" name="Group 39">
+            <a:extLst>
+              <a:ext uri="{FF2B5EF4-FFF2-40B4-BE49-F238E27FC236}">
+                <a16:creationId xmlns:a16="http://schemas.microsoft.com/office/drawing/2014/main" id="{8D069C40-8A2A-D26E-3351-0D59D8DC6CB1}"/>
+              </a:ext>
+            </a:extLst>
+          </p:cNvPr>
+          <p:cNvGrpSpPr/>
+          <p:nvPr/>
+        </p:nvGrpSpPr>
+        <p:grpSpPr>
+          <a:xfrm>
+            <a:off x="1048448" y="2370716"/>
+            <a:ext cx="1433520" cy="2112120"/>
+            <a:chOff x="1048448" y="2370716"/>
+            <a:chExt cx="1433520" cy="2112120"/>
+          </a:xfrm>
+        </p:grpSpPr>
+        <mc:AlternateContent xmlns:mc="http://schemas.openxmlformats.org/markup-compatibility/2006" xmlns:p14="http://schemas.microsoft.com/office/powerpoint/2010/main" xmlns:aink="http://schemas.microsoft.com/office/drawing/2016/ink">
+          <mc:Choice Requires="p14 aink">
+            <p:contentPart p14:bwMode="auto" r:id="rId18">
+              <p14:nvContentPartPr>
+                <p14:cNvPr id="32" name="Ink 31">
+                  <a:extLst>
+                    <a:ext uri="{FF2B5EF4-FFF2-40B4-BE49-F238E27FC236}">
+                      <a16:creationId xmlns:a16="http://schemas.microsoft.com/office/drawing/2014/main" id="{0013A40A-D763-B82A-C08E-DA95BFDC0C19}"/>
+                    </a:ext>
+                  </a:extLst>
+                </p14:cNvPr>
+                <p14:cNvContentPartPr/>
+                <p14:nvPr/>
+              </p14:nvContentPartPr>
+              <p14:xfrm>
+                <a:off x="1048448" y="2370716"/>
+                <a:ext cx="1405080" cy="10080"/>
+              </p14:xfrm>
+            </p:contentPart>
+          </mc:Choice>
+          <mc:Fallback xmlns="">
+            <p:pic>
+              <p:nvPicPr>
+                <p:cNvPr id="32" name="Ink 31">
+                  <a:extLst>
+                    <a:ext uri="{FF2B5EF4-FFF2-40B4-BE49-F238E27FC236}">
+                      <a16:creationId xmlns:a16="http://schemas.microsoft.com/office/drawing/2014/main" id="{0013A40A-D763-B82A-C08E-DA95BFDC0C19}"/>
+                    </a:ext>
+                  </a:extLst>
+                </p:cNvPr>
+                <p:cNvPicPr/>
+                <p:nvPr/>
+              </p:nvPicPr>
+              <p:blipFill>
+                <a:blip r:embed="rId19"/>
+                <a:stretch>
+                  <a:fillRect/>
+                </a:stretch>
+              </p:blipFill>
+              <p:spPr>
+                <a:xfrm>
+                  <a:off x="985448" y="1992716"/>
+                  <a:ext cx="1530720" cy="765720"/>
+                </a:xfrm>
+                <a:prstGeom prst="rect">
+                  <a:avLst/>
+                </a:prstGeom>
+              </p:spPr>
+            </p:pic>
+          </mc:Fallback>
+        </mc:AlternateContent>
+        <mc:AlternateContent xmlns:mc="http://schemas.openxmlformats.org/markup-compatibility/2006" xmlns:p14="http://schemas.microsoft.com/office/powerpoint/2010/main" xmlns:aink="http://schemas.microsoft.com/office/drawing/2016/ink">
+          <mc:Choice Requires="p14 aink">
+            <p:contentPart p14:bwMode="auto" r:id="rId20">
+              <p14:nvContentPartPr>
+                <p14:cNvPr id="36" name="Ink 35">
+                  <a:extLst>
+                    <a:ext uri="{FF2B5EF4-FFF2-40B4-BE49-F238E27FC236}">
+                      <a16:creationId xmlns:a16="http://schemas.microsoft.com/office/drawing/2014/main" id="{B84D8077-4946-CC4B-E873-859E183DCD11}"/>
+                    </a:ext>
+                  </a:extLst>
+                </p14:cNvPr>
+                <p14:cNvContentPartPr/>
+                <p14:nvPr/>
+              </p14:nvContentPartPr>
+              <p14:xfrm>
+                <a:off x="1048448" y="4473116"/>
+                <a:ext cx="1433520" cy="9720"/>
+              </p14:xfrm>
+            </p:contentPart>
+          </mc:Choice>
+          <mc:Fallback xmlns="">
+            <p:pic>
+              <p:nvPicPr>
+                <p:cNvPr id="36" name="Ink 35">
+                  <a:extLst>
+                    <a:ext uri="{FF2B5EF4-FFF2-40B4-BE49-F238E27FC236}">
+                      <a16:creationId xmlns:a16="http://schemas.microsoft.com/office/drawing/2014/main" id="{B84D8077-4946-CC4B-E873-859E183DCD11}"/>
+                    </a:ext>
+                  </a:extLst>
+                </p:cNvPr>
+                <p:cNvPicPr/>
+                <p:nvPr/>
+              </p:nvPicPr>
+              <p:blipFill>
+                <a:blip r:embed="rId21"/>
+                <a:stretch>
+                  <a:fillRect/>
+                </a:stretch>
+              </p:blipFill>
+              <p:spPr>
+                <a:xfrm>
+                  <a:off x="985448" y="4095116"/>
+                  <a:ext cx="1559160" cy="765360"/>
+                </a:xfrm>
+                <a:prstGeom prst="rect">
+                  <a:avLst/>
+                </a:prstGeom>
+              </p:spPr>
+            </p:pic>
+          </mc:Fallback>
+        </mc:AlternateContent>
+        <mc:AlternateContent xmlns:mc="http://schemas.openxmlformats.org/markup-compatibility/2006" xmlns:p14="http://schemas.microsoft.com/office/powerpoint/2010/main" xmlns:aink="http://schemas.microsoft.com/office/drawing/2016/ink">
+          <mc:Choice Requires="p14 aink">
+            <p:contentPart p14:bwMode="auto" r:id="rId22">
+              <p14:nvContentPartPr>
+                <p14:cNvPr id="38" name="Ink 37">
+                  <a:extLst>
+                    <a:ext uri="{FF2B5EF4-FFF2-40B4-BE49-F238E27FC236}">
+                      <a16:creationId xmlns:a16="http://schemas.microsoft.com/office/drawing/2014/main" id="{FD41B90D-82DE-5E72-0E15-62F6C02737FC}"/>
+                    </a:ext>
+                  </a:extLst>
+                </p14:cNvPr>
+                <p14:cNvContentPartPr/>
+                <p14:nvPr/>
+              </p14:nvContentPartPr>
+              <p14:xfrm>
+                <a:off x="2415368" y="2380436"/>
+                <a:ext cx="38160" cy="2102400"/>
+              </p14:xfrm>
+            </p:contentPart>
+          </mc:Choice>
+          <mc:Fallback xmlns="">
+            <p:pic>
+              <p:nvPicPr>
+                <p:cNvPr id="38" name="Ink 37">
+                  <a:extLst>
+                    <a:ext uri="{FF2B5EF4-FFF2-40B4-BE49-F238E27FC236}">
+                      <a16:creationId xmlns:a16="http://schemas.microsoft.com/office/drawing/2014/main" id="{FD41B90D-82DE-5E72-0E15-62F6C02737FC}"/>
+                    </a:ext>
+                  </a:extLst>
+                </p:cNvPr>
+                <p:cNvPicPr/>
+                <p:nvPr/>
+              </p:nvPicPr>
+              <p:blipFill>
+                <a:blip r:embed="rId23"/>
+                <a:stretch>
+                  <a:fillRect/>
+                </a:stretch>
+              </p:blipFill>
+              <p:spPr>
+                <a:xfrm>
+                  <a:off x="2352368" y="2002436"/>
+                  <a:ext cx="163800" cy="2858040"/>
+                </a:xfrm>
+                <a:prstGeom prst="rect">
+                  <a:avLst/>
+                </a:prstGeom>
+              </p:spPr>
+            </p:pic>
+          </mc:Fallback>
+        </mc:AlternateContent>
+      </p:grpSp>
+      <p:grpSp>
+        <p:nvGrpSpPr>
+          <p:cNvPr id="41" name="Group 40">
+            <a:extLst>
+              <a:ext uri="{FF2B5EF4-FFF2-40B4-BE49-F238E27FC236}">
+                <a16:creationId xmlns:a16="http://schemas.microsoft.com/office/drawing/2014/main" id="{20333569-20FA-23E1-599B-2A412C22EB68}"/>
+              </a:ext>
+            </a:extLst>
+          </p:cNvPr>
+          <p:cNvGrpSpPr/>
+          <p:nvPr/>
+        </p:nvGrpSpPr>
+        <p:grpSpPr>
+          <a:xfrm rot="10800000">
+            <a:off x="8461372" y="1609920"/>
+            <a:ext cx="2630520" cy="3638160"/>
+            <a:chOff x="1027421" y="1611850"/>
+            <a:chExt cx="2630520" cy="3638160"/>
+          </a:xfrm>
+        </p:grpSpPr>
+        <mc:AlternateContent xmlns:mc="http://schemas.openxmlformats.org/markup-compatibility/2006" xmlns:p14="http://schemas.microsoft.com/office/powerpoint/2010/main" xmlns:aink="http://schemas.microsoft.com/office/drawing/2016/ink">
+          <mc:Choice Requires="p14 aink">
+            <p:contentPart p14:bwMode="auto" r:id="rId24">
+              <p14:nvContentPartPr>
+                <p14:cNvPr id="42" name="Ink 41">
+                  <a:extLst>
+                    <a:ext uri="{FF2B5EF4-FFF2-40B4-BE49-F238E27FC236}">
+                      <a16:creationId xmlns:a16="http://schemas.microsoft.com/office/drawing/2014/main" id="{0151725E-5027-37E9-5B2D-2EF957B5A416}"/>
+                    </a:ext>
+                  </a:extLst>
+                </p14:cNvPr>
+                <p14:cNvContentPartPr/>
+                <p14:nvPr/>
+              </p14:nvContentPartPr>
+              <p14:xfrm>
+                <a:off x="1065221" y="1611850"/>
+                <a:ext cx="2554920" cy="28440"/>
+              </p14:xfrm>
+            </p:contentPart>
+          </mc:Choice>
+          <mc:Fallback xmlns="">
+            <p:pic>
+              <p:nvPicPr>
+                <p:cNvPr id="42" name="Ink 41">
+                  <a:extLst>
+                    <a:ext uri="{FF2B5EF4-FFF2-40B4-BE49-F238E27FC236}">
+                      <a16:creationId xmlns:a16="http://schemas.microsoft.com/office/drawing/2014/main" id="{0151725E-5027-37E9-5B2D-2EF957B5A416}"/>
+                    </a:ext>
+                  </a:extLst>
+                </p:cNvPr>
+                <p:cNvPicPr/>
+                <p:nvPr/>
+              </p:nvPicPr>
+              <p:blipFill>
+                <a:blip r:embed="rId25"/>
+                <a:stretch>
+                  <a:fillRect/>
+                </a:stretch>
+              </p:blipFill>
+              <p:spPr>
+                <a:xfrm>
+                  <a:off x="1002221" y="1233850"/>
+                  <a:ext cx="2680560" cy="784080"/>
+                </a:xfrm>
+                <a:prstGeom prst="rect">
+                  <a:avLst/>
+                </a:prstGeom>
+              </p:spPr>
+            </p:pic>
+          </mc:Fallback>
+        </mc:AlternateContent>
+        <mc:AlternateContent xmlns:mc="http://schemas.openxmlformats.org/markup-compatibility/2006" xmlns:p14="http://schemas.microsoft.com/office/powerpoint/2010/main" xmlns:aink="http://schemas.microsoft.com/office/drawing/2016/ink">
+          <mc:Choice Requires="p14 aink">
+            <p:contentPart p14:bwMode="auto" r:id="rId26">
+              <p14:nvContentPartPr>
+                <p14:cNvPr id="43" name="Ink 42">
+                  <a:extLst>
+                    <a:ext uri="{FF2B5EF4-FFF2-40B4-BE49-F238E27FC236}">
+                      <a16:creationId xmlns:a16="http://schemas.microsoft.com/office/drawing/2014/main" id="{78B858F4-A9A5-56CD-737A-DAE243AFF3B0}"/>
+                    </a:ext>
+                  </a:extLst>
+                </p14:cNvPr>
+                <p14:cNvContentPartPr/>
+                <p14:nvPr/>
+              </p14:nvContentPartPr>
+              <p14:xfrm>
+                <a:off x="1027421" y="5212930"/>
+                <a:ext cx="2630520" cy="19440"/>
+              </p14:xfrm>
+            </p:contentPart>
+          </mc:Choice>
+          <mc:Fallback xmlns="">
+            <p:pic>
+              <p:nvPicPr>
+                <p:cNvPr id="43" name="Ink 42">
+                  <a:extLst>
+                    <a:ext uri="{FF2B5EF4-FFF2-40B4-BE49-F238E27FC236}">
+                      <a16:creationId xmlns:a16="http://schemas.microsoft.com/office/drawing/2014/main" id="{78B858F4-A9A5-56CD-737A-DAE243AFF3B0}"/>
+                    </a:ext>
+                  </a:extLst>
+                </p:cNvPr>
+                <p:cNvPicPr/>
+                <p:nvPr/>
+              </p:nvPicPr>
+              <p:blipFill>
+                <a:blip r:embed="rId27"/>
+                <a:stretch>
+                  <a:fillRect/>
+                </a:stretch>
+              </p:blipFill>
+              <p:spPr>
+                <a:xfrm>
+                  <a:off x="964421" y="4834930"/>
+                  <a:ext cx="2756160" cy="775080"/>
+                </a:xfrm>
+                <a:prstGeom prst="rect">
+                  <a:avLst/>
+                </a:prstGeom>
+              </p:spPr>
+            </p:pic>
+          </mc:Fallback>
+        </mc:AlternateContent>
+        <mc:AlternateContent xmlns:mc="http://schemas.openxmlformats.org/markup-compatibility/2006" xmlns:p14="http://schemas.microsoft.com/office/powerpoint/2010/main" xmlns:aink="http://schemas.microsoft.com/office/drawing/2016/ink">
+          <mc:Choice Requires="p14 aink">
+            <p:contentPart p14:bwMode="auto" r:id="rId28">
+              <p14:nvContentPartPr>
+                <p14:cNvPr id="44" name="Ink 43">
+                  <a:extLst>
+                    <a:ext uri="{FF2B5EF4-FFF2-40B4-BE49-F238E27FC236}">
+                      <a16:creationId xmlns:a16="http://schemas.microsoft.com/office/drawing/2014/main" id="{B5EA78AA-C1B1-F0AA-DCE5-2C7BE5F40749}"/>
+                    </a:ext>
+                  </a:extLst>
+                </p14:cNvPr>
+                <p14:cNvContentPartPr/>
+                <p14:nvPr/>
+              </p14:nvContentPartPr>
+              <p14:xfrm>
+                <a:off x="3572621" y="1630930"/>
+                <a:ext cx="38520" cy="3619080"/>
+              </p14:xfrm>
+            </p:contentPart>
+          </mc:Choice>
+          <mc:Fallback xmlns="">
+            <p:pic>
+              <p:nvPicPr>
+                <p:cNvPr id="44" name="Ink 43">
+                  <a:extLst>
+                    <a:ext uri="{FF2B5EF4-FFF2-40B4-BE49-F238E27FC236}">
+                      <a16:creationId xmlns:a16="http://schemas.microsoft.com/office/drawing/2014/main" id="{B5EA78AA-C1B1-F0AA-DCE5-2C7BE5F40749}"/>
+                    </a:ext>
+                  </a:extLst>
+                </p:cNvPr>
+                <p:cNvPicPr/>
+                <p:nvPr/>
+              </p:nvPicPr>
+              <p:blipFill>
+                <a:blip r:embed="rId29"/>
+                <a:stretch>
+                  <a:fillRect/>
+                </a:stretch>
+              </p:blipFill>
+              <p:spPr>
+                <a:xfrm>
+                  <a:off x="3509621" y="1252930"/>
+                  <a:ext cx="164160" cy="4374720"/>
+                </a:xfrm>
+                <a:prstGeom prst="rect">
+                  <a:avLst/>
+                </a:prstGeom>
+              </p:spPr>
+            </p:pic>
+          </mc:Fallback>
+        </mc:AlternateContent>
+      </p:grpSp>
+      <p:grpSp>
+        <p:nvGrpSpPr>
+          <p:cNvPr id="45" name="Group 44">
+            <a:extLst>
+              <a:ext uri="{FF2B5EF4-FFF2-40B4-BE49-F238E27FC236}">
+                <a16:creationId xmlns:a16="http://schemas.microsoft.com/office/drawing/2014/main" id="{D288D183-D76D-040D-F08B-1C1ECF5B495B}"/>
+              </a:ext>
+            </a:extLst>
+          </p:cNvPr>
+          <p:cNvGrpSpPr/>
+          <p:nvPr/>
+        </p:nvGrpSpPr>
+        <p:grpSpPr>
+          <a:xfrm rot="10800000">
+            <a:off x="9650477" y="2384731"/>
+            <a:ext cx="1433520" cy="2112120"/>
+            <a:chOff x="1048448" y="2370716"/>
+            <a:chExt cx="1433520" cy="2112120"/>
+          </a:xfrm>
+        </p:grpSpPr>
+        <mc:AlternateContent xmlns:mc="http://schemas.openxmlformats.org/markup-compatibility/2006" xmlns:p14="http://schemas.microsoft.com/office/powerpoint/2010/main" xmlns:aink="http://schemas.microsoft.com/office/drawing/2016/ink">
+          <mc:Choice Requires="p14 aink">
+            <p:contentPart p14:bwMode="auto" r:id="rId30">
+              <p14:nvContentPartPr>
+                <p14:cNvPr id="47" name="Ink 46">
+                  <a:extLst>
+                    <a:ext uri="{FF2B5EF4-FFF2-40B4-BE49-F238E27FC236}">
+                      <a16:creationId xmlns:a16="http://schemas.microsoft.com/office/drawing/2014/main" id="{FDBDD4F8-EC5C-18AE-3BC4-E7A0689F6D33}"/>
+                    </a:ext>
+                  </a:extLst>
+                </p14:cNvPr>
+                <p14:cNvContentPartPr/>
+                <p14:nvPr/>
+              </p14:nvContentPartPr>
+              <p14:xfrm>
+                <a:off x="1048448" y="2370716"/>
+                <a:ext cx="1405080" cy="10080"/>
+              </p14:xfrm>
+            </p:contentPart>
+          </mc:Choice>
+          <mc:Fallback xmlns="">
+            <p:pic>
+              <p:nvPicPr>
+                <p:cNvPr id="47" name="Ink 46">
+                  <a:extLst>
+                    <a:ext uri="{FF2B5EF4-FFF2-40B4-BE49-F238E27FC236}">
+                      <a16:creationId xmlns:a16="http://schemas.microsoft.com/office/drawing/2014/main" id="{FDBDD4F8-EC5C-18AE-3BC4-E7A0689F6D33}"/>
+                    </a:ext>
+                  </a:extLst>
+                </p:cNvPr>
+                <p:cNvPicPr/>
+                <p:nvPr/>
+              </p:nvPicPr>
+              <p:blipFill>
+                <a:blip r:embed="rId31"/>
+                <a:stretch>
+                  <a:fillRect/>
+                </a:stretch>
+              </p:blipFill>
+              <p:spPr>
+                <a:xfrm>
+                  <a:off x="985448" y="1992716"/>
+                  <a:ext cx="1530720" cy="765720"/>
+                </a:xfrm>
+                <a:prstGeom prst="rect">
+                  <a:avLst/>
+                </a:prstGeom>
+              </p:spPr>
+            </p:pic>
+          </mc:Fallback>
+        </mc:AlternateContent>
+        <mc:AlternateContent xmlns:mc="http://schemas.openxmlformats.org/markup-compatibility/2006" xmlns:p14="http://schemas.microsoft.com/office/powerpoint/2010/main" xmlns:aink="http://schemas.microsoft.com/office/drawing/2016/ink">
+          <mc:Choice Requires="p14 aink">
+            <p:contentPart p14:bwMode="auto" r:id="rId32">
+              <p14:nvContentPartPr>
+                <p14:cNvPr id="49" name="Ink 48">
+                  <a:extLst>
+                    <a:ext uri="{FF2B5EF4-FFF2-40B4-BE49-F238E27FC236}">
+                      <a16:creationId xmlns:a16="http://schemas.microsoft.com/office/drawing/2014/main" id="{BF125887-647B-BBF8-08B2-B25ABEB08957}"/>
+                    </a:ext>
+                  </a:extLst>
+                </p14:cNvPr>
+                <p14:cNvContentPartPr/>
+                <p14:nvPr/>
+              </p14:nvContentPartPr>
+              <p14:xfrm>
+                <a:off x="1048448" y="4473116"/>
+                <a:ext cx="1433520" cy="9720"/>
+              </p14:xfrm>
+            </p:contentPart>
+          </mc:Choice>
+          <mc:Fallback xmlns="">
+            <p:pic>
+              <p:nvPicPr>
+                <p:cNvPr id="49" name="Ink 48">
+                  <a:extLst>
+                    <a:ext uri="{FF2B5EF4-FFF2-40B4-BE49-F238E27FC236}">
+                      <a16:creationId xmlns:a16="http://schemas.microsoft.com/office/drawing/2014/main" id="{BF125887-647B-BBF8-08B2-B25ABEB08957}"/>
+                    </a:ext>
+                  </a:extLst>
+                </p:cNvPr>
+                <p:cNvPicPr/>
+                <p:nvPr/>
+              </p:nvPicPr>
+              <p:blipFill>
+                <a:blip r:embed="rId33"/>
+                <a:stretch>
+                  <a:fillRect/>
+                </a:stretch>
+              </p:blipFill>
+              <p:spPr>
+                <a:xfrm>
+                  <a:off x="985448" y="4095116"/>
+                  <a:ext cx="1559160" cy="765360"/>
+                </a:xfrm>
+                <a:prstGeom prst="rect">
+                  <a:avLst/>
+                </a:prstGeom>
+              </p:spPr>
+            </p:pic>
+          </mc:Fallback>
+        </mc:AlternateContent>
+        <mc:AlternateContent xmlns:mc="http://schemas.openxmlformats.org/markup-compatibility/2006" xmlns:p14="http://schemas.microsoft.com/office/powerpoint/2010/main" xmlns:aink="http://schemas.microsoft.com/office/drawing/2016/ink">
+          <mc:Choice Requires="p14 aink">
+            <p:contentPart p14:bwMode="auto" r:id="rId34">
+              <p14:nvContentPartPr>
+                <p14:cNvPr id="50" name="Ink 49">
+                  <a:extLst>
+                    <a:ext uri="{FF2B5EF4-FFF2-40B4-BE49-F238E27FC236}">
+                      <a16:creationId xmlns:a16="http://schemas.microsoft.com/office/drawing/2014/main" id="{068E6406-CD39-CF64-A873-396CA03064DE}"/>
+                    </a:ext>
+                  </a:extLst>
+                </p14:cNvPr>
+                <p14:cNvContentPartPr/>
+                <p14:nvPr/>
+              </p14:nvContentPartPr>
+              <p14:xfrm>
+                <a:off x="2415368" y="2380436"/>
+                <a:ext cx="38160" cy="2102400"/>
+              </p14:xfrm>
+            </p:contentPart>
+          </mc:Choice>
+          <mc:Fallback xmlns="">
+            <p:pic>
+              <p:nvPicPr>
+                <p:cNvPr id="50" name="Ink 49">
+                  <a:extLst>
+                    <a:ext uri="{FF2B5EF4-FFF2-40B4-BE49-F238E27FC236}">
+                      <a16:creationId xmlns:a16="http://schemas.microsoft.com/office/drawing/2014/main" id="{068E6406-CD39-CF64-A873-396CA03064DE}"/>
+                    </a:ext>
+                  </a:extLst>
+                </p:cNvPr>
+                <p:cNvPicPr/>
+                <p:nvPr/>
+              </p:nvPicPr>
+              <p:blipFill>
+                <a:blip r:embed="rId35"/>
+                <a:stretch>
+                  <a:fillRect/>
+                </a:stretch>
+              </p:blipFill>
+              <p:spPr>
+                <a:xfrm>
+                  <a:off x="2352368" y="2002436"/>
+                  <a:ext cx="163800" cy="2858040"/>
+                </a:xfrm>
+                <a:prstGeom prst="rect">
+                  <a:avLst/>
+                </a:prstGeom>
+              </p:spPr>
+            </p:pic>
+          </mc:Fallback>
+        </mc:AlternateContent>
+      </p:grpSp>
+      <mc:AlternateContent xmlns:mc="http://schemas.openxmlformats.org/markup-compatibility/2006" xmlns:p14="http://schemas.microsoft.com/office/powerpoint/2010/main" xmlns:aink="http://schemas.microsoft.com/office/drawing/2016/ink">
+        <mc:Choice Requires="p14 aink">
+          <p:contentPart p14:bwMode="auto" r:id="rId36">
+            <p14:nvContentPartPr>
+              <p14:cNvPr id="58" name="Ink 57">
+                <a:extLst>
+                  <a:ext uri="{FF2B5EF4-FFF2-40B4-BE49-F238E27FC236}">
+                    <a16:creationId xmlns:a16="http://schemas.microsoft.com/office/drawing/2014/main" id="{11F96314-BDE6-1C29-5E4B-6173DAEA0ECD}"/>
+                  </a:ext>
+                </a:extLst>
+              </p14:cNvPr>
+              <p14:cNvContentPartPr/>
+              <p14:nvPr/>
+            </p14:nvContentPartPr>
+            <p14:xfrm>
+              <a:off x="6105327" y="600073"/>
+              <a:ext cx="9360" cy="5699160"/>
+            </p14:xfrm>
+          </p:contentPart>
+        </mc:Choice>
+        <mc:Fallback xmlns="">
+          <p:pic>
+            <p:nvPicPr>
+              <p:cNvPr id="58" name="Ink 57">
+                <a:extLst>
+                  <a:ext uri="{FF2B5EF4-FFF2-40B4-BE49-F238E27FC236}">
+                    <a16:creationId xmlns:a16="http://schemas.microsoft.com/office/drawing/2014/main" id="{11F96314-BDE6-1C29-5E4B-6173DAEA0ECD}"/>
+                  </a:ext>
+                </a:extLst>
+              </p:cNvPr>
+              <p:cNvPicPr/>
+              <p:nvPr/>
+            </p:nvPicPr>
+            <p:blipFill>
+              <a:blip r:embed="rId37"/>
+              <a:stretch>
+                <a:fillRect/>
+              </a:stretch>
+            </p:blipFill>
+            <p:spPr>
+              <a:xfrm>
+                <a:off x="6042327" y="222073"/>
+                <a:ext cx="135000" cy="6454800"/>
+              </a:xfrm>
+              <a:prstGeom prst="rect">
+                <a:avLst/>
+              </a:prstGeom>
+            </p:spPr>
+          </p:pic>
+        </mc:Fallback>
+      </mc:AlternateContent>
+      <mc:AlternateContent xmlns:mc="http://schemas.openxmlformats.org/markup-compatibility/2006" xmlns:p14="http://schemas.microsoft.com/office/powerpoint/2010/main" xmlns:aink="http://schemas.microsoft.com/office/drawing/2016/ink">
+        <mc:Choice Requires="p14 aink">
+          <p:contentPart p14:bwMode="auto" r:id="rId38">
+            <p14:nvContentPartPr>
+              <p14:cNvPr id="61" name="Ink 60">
+                <a:extLst>
+                  <a:ext uri="{FF2B5EF4-FFF2-40B4-BE49-F238E27FC236}">
+                    <a16:creationId xmlns:a16="http://schemas.microsoft.com/office/drawing/2014/main" id="{20769901-ACF1-CEB5-11C8-B857DB0A34C9}"/>
+                  </a:ext>
+                </a:extLst>
+              </p14:cNvPr>
+              <p14:cNvContentPartPr/>
+              <p14:nvPr/>
+            </p14:nvContentPartPr>
+            <p14:xfrm>
+              <a:off x="5373627" y="2704630"/>
+              <a:ext cx="1482120" cy="1482120"/>
+            </p14:xfrm>
+          </p:contentPart>
+        </mc:Choice>
+        <mc:Fallback xmlns="">
+          <p:pic>
+            <p:nvPicPr>
+              <p:cNvPr id="61" name="Ink 60">
+                <a:extLst>
+                  <a:ext uri="{FF2B5EF4-FFF2-40B4-BE49-F238E27FC236}">
+                    <a16:creationId xmlns:a16="http://schemas.microsoft.com/office/drawing/2014/main" id="{20769901-ACF1-CEB5-11C8-B857DB0A34C9}"/>
+                  </a:ext>
+                </a:extLst>
+              </p:cNvPr>
+              <p:cNvPicPr/>
+              <p:nvPr/>
+            </p:nvPicPr>
+            <p:blipFill>
+              <a:blip r:embed="rId39"/>
+              <a:stretch>
+                <a:fillRect/>
+              </a:stretch>
+            </p:blipFill>
+            <p:spPr>
+              <a:xfrm>
+                <a:off x="5310627" y="2326630"/>
+                <a:ext cx="1607760" cy="2237760"/>
+              </a:xfrm>
+              <a:prstGeom prst="rect">
+                <a:avLst/>
+              </a:prstGeom>
+            </p:spPr>
+          </p:pic>
+        </mc:Fallback>
+      </mc:AlternateContent>
+      <mc:AlternateContent xmlns:mc="http://schemas.openxmlformats.org/markup-compatibility/2006" xmlns:p14="http://schemas.microsoft.com/office/powerpoint/2010/main" xmlns:aink="http://schemas.microsoft.com/office/drawing/2016/ink">
+        <mc:Choice Requires="p14 aink">
+          <p:contentPart p14:bwMode="auto" r:id="rId40">
+            <p14:nvContentPartPr>
+              <p14:cNvPr id="7" name="Ink 6">
+                <a:extLst>
+                  <a:ext uri="{FF2B5EF4-FFF2-40B4-BE49-F238E27FC236}">
+                    <a16:creationId xmlns:a16="http://schemas.microsoft.com/office/drawing/2014/main" id="{9B796519-DD23-9648-9AFC-0B24DD383B88}"/>
+                  </a:ext>
+                </a:extLst>
+              </p14:cNvPr>
+              <p14:cNvContentPartPr/>
+              <p14:nvPr/>
+            </p14:nvContentPartPr>
+            <p14:xfrm>
+              <a:off x="5248527" y="956995"/>
+              <a:ext cx="580680" cy="580680"/>
+            </p14:xfrm>
+          </p:contentPart>
+        </mc:Choice>
+        <mc:Fallback xmlns="">
+          <p:pic>
+            <p:nvPicPr>
+              <p:cNvPr id="7" name="Ink 6">
+                <a:extLst>
+                  <a:ext uri="{FF2B5EF4-FFF2-40B4-BE49-F238E27FC236}">
+                    <a16:creationId xmlns:a16="http://schemas.microsoft.com/office/drawing/2014/main" id="{9B796519-DD23-9648-9AFC-0B24DD383B88}"/>
+                  </a:ext>
+                </a:extLst>
+              </p:cNvPr>
+              <p:cNvPicPr/>
+              <p:nvPr/>
+            </p:nvPicPr>
+            <p:blipFill>
+              <a:blip r:embed="rId41"/>
+              <a:stretch>
+                <a:fillRect/>
+              </a:stretch>
+            </p:blipFill>
+            <p:spPr>
+              <a:xfrm>
+                <a:off x="5185527" y="578995"/>
+                <a:ext cx="706320" cy="1336320"/>
+              </a:xfrm>
+              <a:prstGeom prst="rect">
+                <a:avLst/>
+              </a:prstGeom>
+            </p:spPr>
+          </p:pic>
+        </mc:Fallback>
+      </mc:AlternateContent>
+      <mc:AlternateContent xmlns:mc="http://schemas.openxmlformats.org/markup-compatibility/2006" xmlns:p14="http://schemas.microsoft.com/office/powerpoint/2010/main" xmlns:aink="http://schemas.microsoft.com/office/drawing/2016/ink">
+        <mc:Choice Requires="p14 aink">
+          <p:contentPart p14:bwMode="auto" r:id="rId42">
+            <p14:nvContentPartPr>
+              <p14:cNvPr id="9" name="Ink 8">
+                <a:extLst>
+                  <a:ext uri="{FF2B5EF4-FFF2-40B4-BE49-F238E27FC236}">
+                    <a16:creationId xmlns:a16="http://schemas.microsoft.com/office/drawing/2014/main" id="{C9A6AA40-58EE-6BD7-89E0-06FC8760B617}"/>
+                  </a:ext>
+                </a:extLst>
+              </p14:cNvPr>
+              <p14:cNvContentPartPr/>
+              <p14:nvPr/>
+            </p14:nvContentPartPr>
+            <p14:xfrm>
+              <a:off x="5251301" y="3155350"/>
+              <a:ext cx="580680" cy="580680"/>
+            </p14:xfrm>
+          </p:contentPart>
+        </mc:Choice>
+        <mc:Fallback xmlns="">
+          <p:pic>
+            <p:nvPicPr>
+              <p:cNvPr id="9" name="Ink 8">
+                <a:extLst>
+                  <a:ext uri="{FF2B5EF4-FFF2-40B4-BE49-F238E27FC236}">
+                    <a16:creationId xmlns:a16="http://schemas.microsoft.com/office/drawing/2014/main" id="{C9A6AA40-58EE-6BD7-89E0-06FC8760B617}"/>
+                  </a:ext>
+                </a:extLst>
+              </p:cNvPr>
+              <p:cNvPicPr/>
+              <p:nvPr/>
+            </p:nvPicPr>
+            <p:blipFill>
+              <a:blip r:embed="rId43"/>
+              <a:stretch>
+                <a:fillRect/>
+              </a:stretch>
+            </p:blipFill>
+            <p:spPr>
+              <a:xfrm>
+                <a:off x="5188301" y="2777350"/>
+                <a:ext cx="706320" cy="1336320"/>
+              </a:xfrm>
+              <a:prstGeom prst="rect">
+                <a:avLst/>
+              </a:prstGeom>
+            </p:spPr>
+          </p:pic>
+        </mc:Fallback>
+      </mc:AlternateContent>
+      <mc:AlternateContent xmlns:mc="http://schemas.openxmlformats.org/markup-compatibility/2006" xmlns:p14="http://schemas.microsoft.com/office/powerpoint/2010/main" xmlns:aink="http://schemas.microsoft.com/office/drawing/2016/ink">
+        <mc:Choice Requires="p14 aink">
+          <p:contentPart p14:bwMode="auto" r:id="rId44">
+            <p14:nvContentPartPr>
+              <p14:cNvPr id="11" name="Ink 10">
+                <a:extLst>
+                  <a:ext uri="{FF2B5EF4-FFF2-40B4-BE49-F238E27FC236}">
+                    <a16:creationId xmlns:a16="http://schemas.microsoft.com/office/drawing/2014/main" id="{F0F77797-F4A4-681D-0E15-303407359C47}"/>
+                  </a:ext>
+                </a:extLst>
+              </p14:cNvPr>
+              <p14:cNvContentPartPr/>
+              <p14:nvPr/>
+            </p14:nvContentPartPr>
+            <p14:xfrm>
+              <a:off x="5247357" y="5486441"/>
+              <a:ext cx="580680" cy="580680"/>
+            </p14:xfrm>
+          </p:contentPart>
+        </mc:Choice>
+        <mc:Fallback xmlns="">
+          <p:pic>
+            <p:nvPicPr>
+              <p:cNvPr id="11" name="Ink 10">
+                <a:extLst>
+                  <a:ext uri="{FF2B5EF4-FFF2-40B4-BE49-F238E27FC236}">
+                    <a16:creationId xmlns:a16="http://schemas.microsoft.com/office/drawing/2014/main" id="{F0F77797-F4A4-681D-0E15-303407359C47}"/>
+                  </a:ext>
+                </a:extLst>
+              </p:cNvPr>
+              <p:cNvPicPr/>
+              <p:nvPr/>
+            </p:nvPicPr>
+            <p:blipFill>
+              <a:blip r:embed="rId45"/>
+              <a:stretch>
+                <a:fillRect/>
+              </a:stretch>
+            </p:blipFill>
+            <p:spPr>
+              <a:xfrm>
+                <a:off x="5184357" y="5108441"/>
+                <a:ext cx="706320" cy="1336320"/>
+              </a:xfrm>
+              <a:prstGeom prst="rect">
+                <a:avLst/>
+              </a:prstGeom>
+            </p:spPr>
+          </p:pic>
+        </mc:Fallback>
+      </mc:AlternateContent>
+      <p:grpSp>
+        <p:nvGrpSpPr>
+          <p:cNvPr id="16" name="Group 15">
+            <a:extLst>
+              <a:ext uri="{FF2B5EF4-FFF2-40B4-BE49-F238E27FC236}">
+                <a16:creationId xmlns:a16="http://schemas.microsoft.com/office/drawing/2014/main" id="{A117C9F4-F93B-2F2C-B81E-468164C571BB}"/>
+              </a:ext>
+            </a:extLst>
+          </p:cNvPr>
+          <p:cNvGrpSpPr/>
+          <p:nvPr/>
+        </p:nvGrpSpPr>
+        <p:grpSpPr>
+          <a:xfrm>
+            <a:off x="5855487" y="840553"/>
+            <a:ext cx="3704400" cy="491760"/>
+            <a:chOff x="5855487" y="840553"/>
+            <a:chExt cx="3704400" cy="491760"/>
+          </a:xfrm>
+        </p:grpSpPr>
+        <mc:AlternateContent xmlns:mc="http://schemas.openxmlformats.org/markup-compatibility/2006" xmlns:p14="http://schemas.microsoft.com/office/powerpoint/2010/main" xmlns:aink="http://schemas.microsoft.com/office/drawing/2016/ink">
+          <mc:Choice Requires="p14 aink">
+            <p:contentPart p14:bwMode="auto" r:id="rId46">
+              <p14:nvContentPartPr>
+                <p14:cNvPr id="13" name="Ink 12">
+                  <a:extLst>
+                    <a:ext uri="{FF2B5EF4-FFF2-40B4-BE49-F238E27FC236}">
+                      <a16:creationId xmlns:a16="http://schemas.microsoft.com/office/drawing/2014/main" id="{576EDD0E-4FBD-FA40-7053-331F1232AC06}"/>
+                    </a:ext>
+                  </a:extLst>
+                </p14:cNvPr>
+                <p14:cNvContentPartPr/>
+                <p14:nvPr/>
+              </p14:nvContentPartPr>
+              <p14:xfrm>
+                <a:off x="5855487" y="1023073"/>
+                <a:ext cx="3542400" cy="187200"/>
+              </p14:xfrm>
+            </p:contentPart>
+          </mc:Choice>
+          <mc:Fallback xmlns="">
+            <p:pic>
+              <p:nvPicPr>
+                <p:cNvPr id="13" name="Ink 12">
+                  <a:extLst>
+                    <a:ext uri="{FF2B5EF4-FFF2-40B4-BE49-F238E27FC236}">
+                      <a16:creationId xmlns:a16="http://schemas.microsoft.com/office/drawing/2014/main" id="{576EDD0E-4FBD-FA40-7053-331F1232AC06}"/>
+                    </a:ext>
+                  </a:extLst>
+                </p:cNvPr>
+                <p:cNvPicPr/>
+                <p:nvPr/>
+              </p:nvPicPr>
+              <p:blipFill>
+                <a:blip r:embed="rId47"/>
+                <a:stretch>
+                  <a:fillRect/>
+                </a:stretch>
+              </p:blipFill>
+              <p:spPr>
+                <a:xfrm>
+                  <a:off x="5792847" y="645073"/>
+                  <a:ext cx="3668040" cy="942840"/>
+                </a:xfrm>
+                <a:prstGeom prst="rect">
+                  <a:avLst/>
+                </a:prstGeom>
+              </p:spPr>
+            </p:pic>
+          </mc:Fallback>
+        </mc:AlternateContent>
+        <mc:AlternateContent xmlns:mc="http://schemas.openxmlformats.org/markup-compatibility/2006" xmlns:p14="http://schemas.microsoft.com/office/powerpoint/2010/main" xmlns:aink="http://schemas.microsoft.com/office/drawing/2016/ink">
+          <mc:Choice Requires="p14 aink">
+            <p:contentPart p14:bwMode="auto" r:id="rId48">
+              <p14:nvContentPartPr>
+                <p14:cNvPr id="15" name="Ink 14">
+                  <a:extLst>
+                    <a:ext uri="{FF2B5EF4-FFF2-40B4-BE49-F238E27FC236}">
+                      <a16:creationId xmlns:a16="http://schemas.microsoft.com/office/drawing/2014/main" id="{C95E687C-D328-3114-7193-5508CE0ACA19}"/>
+                    </a:ext>
+                  </a:extLst>
+                </p14:cNvPr>
+                <p14:cNvContentPartPr/>
+                <p14:nvPr/>
+              </p14:nvContentPartPr>
+              <p14:xfrm>
+                <a:off x="9231207" y="840553"/>
+                <a:ext cx="328680" cy="491760"/>
+              </p14:xfrm>
+            </p:contentPart>
+          </mc:Choice>
+          <mc:Fallback xmlns="">
+            <p:pic>
+              <p:nvPicPr>
+                <p:cNvPr id="15" name="Ink 14">
+                  <a:extLst>
+                    <a:ext uri="{FF2B5EF4-FFF2-40B4-BE49-F238E27FC236}">
+                      <a16:creationId xmlns:a16="http://schemas.microsoft.com/office/drawing/2014/main" id="{C95E687C-D328-3114-7193-5508CE0ACA19}"/>
+                    </a:ext>
+                  </a:extLst>
+                </p:cNvPr>
+                <p:cNvPicPr/>
+                <p:nvPr/>
+              </p:nvPicPr>
+              <p:blipFill>
+                <a:blip r:embed="rId49"/>
+                <a:stretch>
+                  <a:fillRect/>
+                </a:stretch>
+              </p:blipFill>
+              <p:spPr>
+                <a:xfrm>
+                  <a:off x="9168567" y="462553"/>
+                  <a:ext cx="454320" cy="1247400"/>
+                </a:xfrm>
+                <a:prstGeom prst="rect">
+                  <a:avLst/>
+                </a:prstGeom>
+              </p:spPr>
+            </p:pic>
+          </mc:Fallback>
+        </mc:AlternateContent>
+      </p:grpSp>
+      <p:grpSp>
+        <p:nvGrpSpPr>
+          <p:cNvPr id="19" name="Group 18">
+            <a:extLst>
+              <a:ext uri="{FF2B5EF4-FFF2-40B4-BE49-F238E27FC236}">
+                <a16:creationId xmlns:a16="http://schemas.microsoft.com/office/drawing/2014/main" id="{87043FC7-C1E9-FA14-FAE5-7D56E5CA656D}"/>
+              </a:ext>
+            </a:extLst>
+          </p:cNvPr>
+          <p:cNvGrpSpPr/>
+          <p:nvPr/>
+        </p:nvGrpSpPr>
+        <p:grpSpPr>
+          <a:xfrm>
+            <a:off x="5809407" y="4475113"/>
+            <a:ext cx="2994840" cy="1306800"/>
+            <a:chOff x="5809407" y="4475113"/>
+            <a:chExt cx="2994840" cy="1306800"/>
+          </a:xfrm>
+        </p:grpSpPr>
+        <mc:AlternateContent xmlns:mc="http://schemas.openxmlformats.org/markup-compatibility/2006" xmlns:p14="http://schemas.microsoft.com/office/powerpoint/2010/main" xmlns:aink="http://schemas.microsoft.com/office/drawing/2016/ink">
+          <mc:Choice Requires="p14 aink">
+            <p:contentPart p14:bwMode="auto" r:id="rId50">
+              <p14:nvContentPartPr>
+                <p14:cNvPr id="17" name="Ink 16">
+                  <a:extLst>
+                    <a:ext uri="{FF2B5EF4-FFF2-40B4-BE49-F238E27FC236}">
+                      <a16:creationId xmlns:a16="http://schemas.microsoft.com/office/drawing/2014/main" id="{77A867CB-F746-D156-299B-EC91A267ED24}"/>
+                    </a:ext>
+                  </a:extLst>
+                </p14:cNvPr>
+                <p14:cNvContentPartPr/>
+                <p14:nvPr/>
+              </p14:nvContentPartPr>
+              <p14:xfrm>
+                <a:off x="5809407" y="4497793"/>
+                <a:ext cx="2916720" cy="1284120"/>
+              </p14:xfrm>
+            </p:contentPart>
+          </mc:Choice>
+          <mc:Fallback xmlns="">
+            <p:pic>
+              <p:nvPicPr>
+                <p:cNvPr id="17" name="Ink 16">
+                  <a:extLst>
+                    <a:ext uri="{FF2B5EF4-FFF2-40B4-BE49-F238E27FC236}">
+                      <a16:creationId xmlns:a16="http://schemas.microsoft.com/office/drawing/2014/main" id="{77A867CB-F746-D156-299B-EC91A267ED24}"/>
+                    </a:ext>
+                  </a:extLst>
+                </p:cNvPr>
+                <p:cNvPicPr/>
+                <p:nvPr/>
+              </p:nvPicPr>
+              <p:blipFill>
+                <a:blip r:embed="rId51"/>
+                <a:stretch>
+                  <a:fillRect/>
+                </a:stretch>
+              </p:blipFill>
+              <p:spPr>
+                <a:xfrm>
+                  <a:off x="5746767" y="4120153"/>
+                  <a:ext cx="3042360" cy="2039760"/>
+                </a:xfrm>
+                <a:prstGeom prst="rect">
+                  <a:avLst/>
+                </a:prstGeom>
+              </p:spPr>
+            </p:pic>
+          </mc:Fallback>
+        </mc:AlternateContent>
+        <mc:AlternateContent xmlns:mc="http://schemas.openxmlformats.org/markup-compatibility/2006" xmlns:p14="http://schemas.microsoft.com/office/powerpoint/2010/main" xmlns:aink="http://schemas.microsoft.com/office/drawing/2016/ink">
+          <mc:Choice Requires="p14 aink">
+            <p:contentPart p14:bwMode="auto" r:id="rId52">
+              <p14:nvContentPartPr>
+                <p14:cNvPr id="18" name="Ink 17">
+                  <a:extLst>
+                    <a:ext uri="{FF2B5EF4-FFF2-40B4-BE49-F238E27FC236}">
+                      <a16:creationId xmlns:a16="http://schemas.microsoft.com/office/drawing/2014/main" id="{3BE22E84-016D-623C-6264-9A04115D0115}"/>
+                    </a:ext>
+                  </a:extLst>
+                </p14:cNvPr>
+                <p14:cNvContentPartPr/>
+                <p14:nvPr/>
+              </p14:nvContentPartPr>
+              <p14:xfrm>
+                <a:off x="8183247" y="4475113"/>
+                <a:ext cx="621000" cy="493200"/>
+              </p14:xfrm>
+            </p:contentPart>
+          </mc:Choice>
+          <mc:Fallback xmlns="">
+            <p:pic>
+              <p:nvPicPr>
+                <p:cNvPr id="18" name="Ink 17">
+                  <a:extLst>
+                    <a:ext uri="{FF2B5EF4-FFF2-40B4-BE49-F238E27FC236}">
+                      <a16:creationId xmlns:a16="http://schemas.microsoft.com/office/drawing/2014/main" id="{3BE22E84-016D-623C-6264-9A04115D0115}"/>
+                    </a:ext>
+                  </a:extLst>
+                </p:cNvPr>
+                <p:cNvPicPr/>
+                <p:nvPr/>
+              </p:nvPicPr>
+              <p:blipFill>
+                <a:blip r:embed="rId53"/>
+                <a:stretch>
+                  <a:fillRect/>
+                </a:stretch>
+              </p:blipFill>
+              <p:spPr>
+                <a:xfrm>
+                  <a:off x="8120607" y="4097473"/>
+                  <a:ext cx="746640" cy="1248840"/>
+                </a:xfrm>
+                <a:prstGeom prst="rect">
+                  <a:avLst/>
+                </a:prstGeom>
+              </p:spPr>
+            </p:pic>
+          </mc:Fallback>
+        </mc:AlternateContent>
+      </p:grpSp>
+      <p:grpSp>
+        <p:nvGrpSpPr>
+          <p:cNvPr id="22" name="Group 21">
+            <a:extLst>
+              <a:ext uri="{FF2B5EF4-FFF2-40B4-BE49-F238E27FC236}">
+                <a16:creationId xmlns:a16="http://schemas.microsoft.com/office/drawing/2014/main" id="{376FA9CD-C13A-B564-95B9-99D18496FF82}"/>
+              </a:ext>
+            </a:extLst>
+          </p:cNvPr>
+          <p:cNvGrpSpPr/>
+          <p:nvPr/>
+        </p:nvGrpSpPr>
+        <p:grpSpPr>
+          <a:xfrm>
+            <a:off x="5837127" y="3232393"/>
+            <a:ext cx="3527280" cy="433080"/>
+            <a:chOff x="5837127" y="3232393"/>
+            <a:chExt cx="3527280" cy="433080"/>
+          </a:xfrm>
+        </p:grpSpPr>
+        <mc:AlternateContent xmlns:mc="http://schemas.openxmlformats.org/markup-compatibility/2006" xmlns:p14="http://schemas.microsoft.com/office/powerpoint/2010/main" xmlns:aink="http://schemas.microsoft.com/office/drawing/2016/ink">
+          <mc:Choice Requires="p14 aink">
+            <p:contentPart p14:bwMode="auto" r:id="rId54">
+              <p14:nvContentPartPr>
+                <p14:cNvPr id="20" name="Ink 19">
+                  <a:extLst>
+                    <a:ext uri="{FF2B5EF4-FFF2-40B4-BE49-F238E27FC236}">
+                      <a16:creationId xmlns:a16="http://schemas.microsoft.com/office/drawing/2014/main" id="{E02935AB-3732-DBDE-1A93-488B0E7238F7}"/>
+                    </a:ext>
+                  </a:extLst>
+                </p14:cNvPr>
+                <p14:cNvContentPartPr/>
+                <p14:nvPr/>
+              </p14:nvContentPartPr>
+              <p14:xfrm>
+                <a:off x="5837127" y="3408073"/>
+                <a:ext cx="3225960" cy="360"/>
+              </p14:xfrm>
+            </p:contentPart>
+          </mc:Choice>
+          <mc:Fallback xmlns="">
+            <p:pic>
+              <p:nvPicPr>
+                <p:cNvPr id="20" name="Ink 19">
+                  <a:extLst>
+                    <a:ext uri="{FF2B5EF4-FFF2-40B4-BE49-F238E27FC236}">
+                      <a16:creationId xmlns:a16="http://schemas.microsoft.com/office/drawing/2014/main" id="{E02935AB-3732-DBDE-1A93-488B0E7238F7}"/>
+                    </a:ext>
+                  </a:extLst>
+                </p:cNvPr>
+                <p:cNvPicPr/>
+                <p:nvPr/>
+              </p:nvPicPr>
+              <p:blipFill>
+                <a:blip r:embed="rId55"/>
+                <a:stretch>
+                  <a:fillRect/>
+                </a:stretch>
+              </p:blipFill>
+              <p:spPr>
+                <a:xfrm>
+                  <a:off x="5774127" y="3030073"/>
+                  <a:ext cx="3351600" cy="756000"/>
+                </a:xfrm>
+                <a:prstGeom prst="rect">
+                  <a:avLst/>
+                </a:prstGeom>
+              </p:spPr>
+            </p:pic>
+          </mc:Fallback>
+        </mc:AlternateContent>
+        <mc:AlternateContent xmlns:mc="http://schemas.openxmlformats.org/markup-compatibility/2006" xmlns:p14="http://schemas.microsoft.com/office/powerpoint/2010/main" xmlns:aink="http://schemas.microsoft.com/office/drawing/2016/ink">
+          <mc:Choice Requires="p14 aink">
+            <p:contentPart p14:bwMode="auto" r:id="rId56">
+              <p14:nvContentPartPr>
+                <p14:cNvPr id="21" name="Ink 20">
+                  <a:extLst>
+                    <a:ext uri="{FF2B5EF4-FFF2-40B4-BE49-F238E27FC236}">
+                      <a16:creationId xmlns:a16="http://schemas.microsoft.com/office/drawing/2014/main" id="{307CC715-E7C4-28E8-BE4A-5DA2F125B983}"/>
+                    </a:ext>
+                  </a:extLst>
+                </p14:cNvPr>
+                <p14:cNvContentPartPr/>
+                <p14:nvPr/>
+              </p14:nvContentPartPr>
+              <p14:xfrm>
+                <a:off x="8921967" y="3232393"/>
+                <a:ext cx="442440" cy="433080"/>
+              </p14:xfrm>
+            </p:contentPart>
+          </mc:Choice>
+          <mc:Fallback xmlns="">
+            <p:pic>
+              <p:nvPicPr>
+                <p:cNvPr id="21" name="Ink 20">
+                  <a:extLst>
+                    <a:ext uri="{FF2B5EF4-FFF2-40B4-BE49-F238E27FC236}">
+                      <a16:creationId xmlns:a16="http://schemas.microsoft.com/office/drawing/2014/main" id="{307CC715-E7C4-28E8-BE4A-5DA2F125B983}"/>
+                    </a:ext>
+                  </a:extLst>
+                </p:cNvPr>
+                <p:cNvPicPr/>
+                <p:nvPr/>
+              </p:nvPicPr>
+              <p:blipFill>
+                <a:blip r:embed="rId57"/>
+                <a:stretch>
+                  <a:fillRect/>
+                </a:stretch>
+              </p:blipFill>
+              <p:spPr>
+                <a:xfrm>
+                  <a:off x="8859327" y="2854753"/>
+                  <a:ext cx="568080" cy="1188720"/>
+                </a:xfrm>
+                <a:prstGeom prst="rect">
+                  <a:avLst/>
+                </a:prstGeom>
+              </p:spPr>
+            </p:pic>
+          </mc:Fallback>
+        </mc:AlternateContent>
+      </p:grpSp>
+    </p:spTree>
+    <p:extLst>
+      <p:ext uri="{BB962C8B-B14F-4D97-AF65-F5344CB8AC3E}">
+        <p14:creationId xmlns:p14="http://schemas.microsoft.com/office/powerpoint/2010/main" val="2937371743"/>
       </p:ext>
     </p:extLst>
   </p:cSld>
@@ -12401,6 +14929,1678 @@
         <p:cNvPr id="1" name="">
           <a:extLst>
             <a:ext uri="{FF2B5EF4-FFF2-40B4-BE49-F238E27FC236}">
+              <a16:creationId xmlns:a16="http://schemas.microsoft.com/office/drawing/2014/main" id="{29F6BBB2-5297-DED0-A626-2C306783A355}"/>
+            </a:ext>
+          </a:extLst>
+        </p:cNvPr>
+        <p:cNvGrpSpPr/>
+        <p:nvPr/>
+      </p:nvGrpSpPr>
+      <p:grpSpPr>
+        <a:xfrm>
+          <a:off x="0" y="0"/>
+          <a:ext cx="0" cy="0"/>
+          <a:chOff x="0" y="0"/>
+          <a:chExt cx="0" cy="0"/>
+        </a:xfrm>
+      </p:grpSpPr>
+      <mc:AlternateContent xmlns:mc="http://schemas.openxmlformats.org/markup-compatibility/2006">
+        <mc:Choice xmlns:p14="http://schemas.microsoft.com/office/powerpoint/2010/main" xmlns:aink="http://schemas.microsoft.com/office/drawing/2016/ink" Requires="p14 aink">
+          <p:contentPart p14:bwMode="auto" r:id="rId2">
+            <p14:nvContentPartPr>
+              <p14:cNvPr id="2" name="Ink 1">
+                <a:extLst>
+                  <a:ext uri="{FF2B5EF4-FFF2-40B4-BE49-F238E27FC236}">
+                    <a16:creationId xmlns:a16="http://schemas.microsoft.com/office/drawing/2014/main" id="{2B901191-985F-0B3C-E8BB-2AF1B98C9BDD}"/>
+                  </a:ext>
+                </a:extLst>
+              </p14:cNvPr>
+              <p14:cNvContentPartPr/>
+              <p14:nvPr/>
+            </p14:nvContentPartPr>
+            <p14:xfrm>
+              <a:off x="4553367" y="600073"/>
+              <a:ext cx="360" cy="360"/>
+            </p14:xfrm>
+          </p:contentPart>
+        </mc:Choice>
+        <mc:Fallback>
+          <p:pic>
+            <p:nvPicPr>
+              <p:cNvPr id="2" name="Ink 1">
+                <a:extLst>
+                  <a:ext uri="{FF2B5EF4-FFF2-40B4-BE49-F238E27FC236}">
+                    <a16:creationId xmlns:a16="http://schemas.microsoft.com/office/drawing/2014/main" id="{2B901191-985F-0B3C-E8BB-2AF1B98C9BDD}"/>
+                  </a:ext>
+                </a:extLst>
+              </p:cNvPr>
+              <p:cNvPicPr/>
+              <p:nvPr/>
+            </p:nvPicPr>
+            <p:blipFill>
+              <a:blip r:embed="rId3"/>
+              <a:stretch>
+                <a:fillRect/>
+              </a:stretch>
+            </p:blipFill>
+            <p:spPr>
+              <a:xfrm>
+                <a:off x="4490367" y="222073"/>
+                <a:ext cx="126000" cy="756000"/>
+              </a:xfrm>
+              <a:prstGeom prst="rect">
+                <a:avLst/>
+              </a:prstGeom>
+            </p:spPr>
+          </p:pic>
+        </mc:Fallback>
+      </mc:AlternateContent>
+      <mc:AlternateContent xmlns:mc="http://schemas.openxmlformats.org/markup-compatibility/2006">
+        <mc:Choice xmlns:p14="http://schemas.microsoft.com/office/powerpoint/2010/main" xmlns:aink="http://schemas.microsoft.com/office/drawing/2016/ink" Requires="p14 aink">
+          <p:contentPart p14:bwMode="auto" r:id="rId4">
+            <p14:nvContentPartPr>
+              <p14:cNvPr id="6" name="Ink 5">
+                <a:extLst>
+                  <a:ext uri="{FF2B5EF4-FFF2-40B4-BE49-F238E27FC236}">
+                    <a16:creationId xmlns:a16="http://schemas.microsoft.com/office/drawing/2014/main" id="{EDBFC9FD-7A5A-0F37-C94E-E1CA7070AB05}"/>
+                  </a:ext>
+                </a:extLst>
+              </p14:cNvPr>
+              <p14:cNvContentPartPr/>
+              <p14:nvPr/>
+            </p14:nvContentPartPr>
+            <p14:xfrm>
+              <a:off x="1065221" y="565330"/>
+              <a:ext cx="10067760" cy="19440"/>
+            </p14:xfrm>
+          </p:contentPart>
+        </mc:Choice>
+        <mc:Fallback>
+          <p:pic>
+            <p:nvPicPr>
+              <p:cNvPr id="6" name="Ink 5">
+                <a:extLst>
+                  <a:ext uri="{FF2B5EF4-FFF2-40B4-BE49-F238E27FC236}">
+                    <a16:creationId xmlns:a16="http://schemas.microsoft.com/office/drawing/2014/main" id="{EDBFC9FD-7A5A-0F37-C94E-E1CA7070AB05}"/>
+                  </a:ext>
+                </a:extLst>
+              </p:cNvPr>
+              <p:cNvPicPr/>
+              <p:nvPr/>
+            </p:nvPicPr>
+            <p:blipFill>
+              <a:blip r:embed="rId5"/>
+              <a:stretch>
+                <a:fillRect/>
+              </a:stretch>
+            </p:blipFill>
+            <p:spPr>
+              <a:xfrm>
+                <a:off x="1002221" y="187330"/>
+                <a:ext cx="10193400" cy="775080"/>
+              </a:xfrm>
+              <a:prstGeom prst="rect">
+                <a:avLst/>
+              </a:prstGeom>
+            </p:spPr>
+          </p:pic>
+        </mc:Fallback>
+      </mc:AlternateContent>
+      <mc:AlternateContent xmlns:mc="http://schemas.openxmlformats.org/markup-compatibility/2006">
+        <mc:Choice xmlns:p14="http://schemas.microsoft.com/office/powerpoint/2010/main" xmlns:aink="http://schemas.microsoft.com/office/drawing/2016/ink" Requires="p14 aink">
+          <p:contentPart p14:bwMode="auto" r:id="rId6">
+            <p14:nvContentPartPr>
+              <p14:cNvPr id="10" name="Ink 9">
+                <a:extLst>
+                  <a:ext uri="{FF2B5EF4-FFF2-40B4-BE49-F238E27FC236}">
+                    <a16:creationId xmlns:a16="http://schemas.microsoft.com/office/drawing/2014/main" id="{8277058F-AD54-3DCB-9AB7-3D411EE2FB7B}"/>
+                  </a:ext>
+                </a:extLst>
+              </p14:cNvPr>
+              <p14:cNvContentPartPr/>
+              <p14:nvPr/>
+            </p14:nvContentPartPr>
+            <p14:xfrm>
+              <a:off x="1009161" y="593410"/>
+              <a:ext cx="65420" cy="5651740"/>
+            </p14:xfrm>
+          </p:contentPart>
+        </mc:Choice>
+        <mc:Fallback>
+          <p:pic>
+            <p:nvPicPr>
+              <p:cNvPr id="10" name="Ink 9">
+                <a:extLst>
+                  <a:ext uri="{FF2B5EF4-FFF2-40B4-BE49-F238E27FC236}">
+                    <a16:creationId xmlns:a16="http://schemas.microsoft.com/office/drawing/2014/main" id="{8277058F-AD54-3DCB-9AB7-3D411EE2FB7B}"/>
+                  </a:ext>
+                </a:extLst>
+              </p:cNvPr>
+              <p:cNvPicPr/>
+              <p:nvPr/>
+            </p:nvPicPr>
+            <p:blipFill>
+              <a:blip r:embed="rId7"/>
+              <a:stretch>
+                <a:fillRect/>
+              </a:stretch>
+            </p:blipFill>
+            <p:spPr>
+              <a:xfrm>
+                <a:off x="946257" y="215403"/>
+                <a:ext cx="190868" cy="6407393"/>
+              </a:xfrm>
+              <a:prstGeom prst="rect">
+                <a:avLst/>
+              </a:prstGeom>
+            </p:spPr>
+          </p:pic>
+        </mc:Fallback>
+      </mc:AlternateContent>
+      <mc:AlternateContent xmlns:mc="http://schemas.openxmlformats.org/markup-compatibility/2006">
+        <mc:Choice xmlns:p14="http://schemas.microsoft.com/office/powerpoint/2010/main" xmlns:aink="http://schemas.microsoft.com/office/drawing/2016/ink" Requires="p14 aink">
+          <p:contentPart p14:bwMode="auto" r:id="rId8">
+            <p14:nvContentPartPr>
+              <p14:cNvPr id="12" name="Ink 11">
+                <a:extLst>
+                  <a:ext uri="{FF2B5EF4-FFF2-40B4-BE49-F238E27FC236}">
+                    <a16:creationId xmlns:a16="http://schemas.microsoft.com/office/drawing/2014/main" id="{64D96B3F-449B-493A-3058-83B3E27A26EB}"/>
+                  </a:ext>
+                </a:extLst>
+              </p14:cNvPr>
+              <p14:cNvContentPartPr/>
+              <p14:nvPr/>
+            </p14:nvContentPartPr>
+            <p14:xfrm>
+              <a:off x="1046141" y="6277810"/>
+              <a:ext cx="10115640" cy="19440"/>
+            </p14:xfrm>
+          </p:contentPart>
+        </mc:Choice>
+        <mc:Fallback>
+          <p:pic>
+            <p:nvPicPr>
+              <p:cNvPr id="12" name="Ink 11">
+                <a:extLst>
+                  <a:ext uri="{FF2B5EF4-FFF2-40B4-BE49-F238E27FC236}">
+                    <a16:creationId xmlns:a16="http://schemas.microsoft.com/office/drawing/2014/main" id="{64D96B3F-449B-493A-3058-83B3E27A26EB}"/>
+                  </a:ext>
+                </a:extLst>
+              </p:cNvPr>
+              <p:cNvPicPr/>
+              <p:nvPr/>
+            </p:nvPicPr>
+            <p:blipFill>
+              <a:blip r:embed="rId9"/>
+              <a:stretch>
+                <a:fillRect/>
+              </a:stretch>
+            </p:blipFill>
+            <p:spPr>
+              <a:xfrm>
+                <a:off x="983141" y="5899810"/>
+                <a:ext cx="10241280" cy="775080"/>
+              </a:xfrm>
+              <a:prstGeom prst="rect">
+                <a:avLst/>
+              </a:prstGeom>
+            </p:spPr>
+          </p:pic>
+        </mc:Fallback>
+      </mc:AlternateContent>
+      <mc:AlternateContent xmlns:mc="http://schemas.openxmlformats.org/markup-compatibility/2006">
+        <mc:Choice xmlns:p14="http://schemas.microsoft.com/office/powerpoint/2010/main" xmlns:aink="http://schemas.microsoft.com/office/drawing/2016/ink" Requires="p14 aink">
+          <p:contentPart p14:bwMode="auto" r:id="rId10">
+            <p14:nvContentPartPr>
+              <p14:cNvPr id="14" name="Ink 13">
+                <a:extLst>
+                  <a:ext uri="{FF2B5EF4-FFF2-40B4-BE49-F238E27FC236}">
+                    <a16:creationId xmlns:a16="http://schemas.microsoft.com/office/drawing/2014/main" id="{8A6EB0DD-A5BB-7181-809A-CB124A86D05A}"/>
+                  </a:ext>
+                </a:extLst>
+              </p14:cNvPr>
+              <p14:cNvContentPartPr/>
+              <p14:nvPr/>
+            </p14:nvContentPartPr>
+            <p14:xfrm>
+              <a:off x="11113901" y="584410"/>
+              <a:ext cx="38160" cy="5722560"/>
+            </p14:xfrm>
+          </p:contentPart>
+        </mc:Choice>
+        <mc:Fallback>
+          <p:pic>
+            <p:nvPicPr>
+              <p:cNvPr id="14" name="Ink 13">
+                <a:extLst>
+                  <a:ext uri="{FF2B5EF4-FFF2-40B4-BE49-F238E27FC236}">
+                    <a16:creationId xmlns:a16="http://schemas.microsoft.com/office/drawing/2014/main" id="{8A6EB0DD-A5BB-7181-809A-CB124A86D05A}"/>
+                  </a:ext>
+                </a:extLst>
+              </p:cNvPr>
+              <p:cNvPicPr/>
+              <p:nvPr/>
+            </p:nvPicPr>
+            <p:blipFill>
+              <a:blip r:embed="rId11"/>
+              <a:stretch>
+                <a:fillRect/>
+              </a:stretch>
+            </p:blipFill>
+            <p:spPr>
+              <a:xfrm>
+                <a:off x="11050901" y="206410"/>
+                <a:ext cx="163800" cy="6478200"/>
+              </a:xfrm>
+              <a:prstGeom prst="rect">
+                <a:avLst/>
+              </a:prstGeom>
+            </p:spPr>
+          </p:pic>
+        </mc:Fallback>
+      </mc:AlternateContent>
+      <p:grpSp>
+        <p:nvGrpSpPr>
+          <p:cNvPr id="39" name="Group 38">
+            <a:extLst>
+              <a:ext uri="{FF2B5EF4-FFF2-40B4-BE49-F238E27FC236}">
+                <a16:creationId xmlns:a16="http://schemas.microsoft.com/office/drawing/2014/main" id="{4EDF2490-D92B-C5EA-91E4-549975120DD6}"/>
+              </a:ext>
+            </a:extLst>
+          </p:cNvPr>
+          <p:cNvGrpSpPr/>
+          <p:nvPr/>
+        </p:nvGrpSpPr>
+        <p:grpSpPr>
+          <a:xfrm>
+            <a:off x="1027421" y="1611850"/>
+            <a:ext cx="2630520" cy="3638160"/>
+            <a:chOff x="1027421" y="1611850"/>
+            <a:chExt cx="2630520" cy="3638160"/>
+          </a:xfrm>
+        </p:grpSpPr>
+        <mc:AlternateContent xmlns:mc="http://schemas.openxmlformats.org/markup-compatibility/2006">
+          <mc:Choice xmlns:p14="http://schemas.microsoft.com/office/powerpoint/2010/main" xmlns:aink="http://schemas.microsoft.com/office/drawing/2016/ink" Requires="p14 aink">
+            <p:contentPart p14:bwMode="auto" r:id="rId12">
+              <p14:nvContentPartPr>
+                <p14:cNvPr id="27" name="Ink 26">
+                  <a:extLst>
+                    <a:ext uri="{FF2B5EF4-FFF2-40B4-BE49-F238E27FC236}">
+                      <a16:creationId xmlns:a16="http://schemas.microsoft.com/office/drawing/2014/main" id="{06633332-6AE2-9709-C937-B93800477751}"/>
+                    </a:ext>
+                  </a:extLst>
+                </p14:cNvPr>
+                <p14:cNvContentPartPr/>
+                <p14:nvPr/>
+              </p14:nvContentPartPr>
+              <p14:xfrm>
+                <a:off x="1065221" y="1611850"/>
+                <a:ext cx="2554920" cy="28440"/>
+              </p14:xfrm>
+            </p:contentPart>
+          </mc:Choice>
+          <mc:Fallback>
+            <p:pic>
+              <p:nvPicPr>
+                <p:cNvPr id="27" name="Ink 26">
+                  <a:extLst>
+                    <a:ext uri="{FF2B5EF4-FFF2-40B4-BE49-F238E27FC236}">
+                      <a16:creationId xmlns:a16="http://schemas.microsoft.com/office/drawing/2014/main" id="{06633332-6AE2-9709-C937-B93800477751}"/>
+                    </a:ext>
+                  </a:extLst>
+                </p:cNvPr>
+                <p:cNvPicPr/>
+                <p:nvPr/>
+              </p:nvPicPr>
+              <p:blipFill>
+                <a:blip r:embed="rId13"/>
+                <a:stretch>
+                  <a:fillRect/>
+                </a:stretch>
+              </p:blipFill>
+              <p:spPr>
+                <a:xfrm>
+                  <a:off x="1002221" y="1233850"/>
+                  <a:ext cx="2680560" cy="784080"/>
+                </a:xfrm>
+                <a:prstGeom prst="rect">
+                  <a:avLst/>
+                </a:prstGeom>
+              </p:spPr>
+            </p:pic>
+          </mc:Fallback>
+        </mc:AlternateContent>
+        <mc:AlternateContent xmlns:mc="http://schemas.openxmlformats.org/markup-compatibility/2006">
+          <mc:Choice xmlns:p14="http://schemas.microsoft.com/office/powerpoint/2010/main" xmlns:aink="http://schemas.microsoft.com/office/drawing/2016/ink" Requires="p14 aink">
+            <p:contentPart p14:bwMode="auto" r:id="rId14">
+              <p14:nvContentPartPr>
+                <p14:cNvPr id="29" name="Ink 28">
+                  <a:extLst>
+                    <a:ext uri="{FF2B5EF4-FFF2-40B4-BE49-F238E27FC236}">
+                      <a16:creationId xmlns:a16="http://schemas.microsoft.com/office/drawing/2014/main" id="{3BFEFCAA-E18A-5A7B-C243-85B12A0FD58A}"/>
+                    </a:ext>
+                  </a:extLst>
+                </p14:cNvPr>
+                <p14:cNvContentPartPr/>
+                <p14:nvPr/>
+              </p14:nvContentPartPr>
+              <p14:xfrm>
+                <a:off x="1027421" y="5212930"/>
+                <a:ext cx="2630520" cy="19440"/>
+              </p14:xfrm>
+            </p:contentPart>
+          </mc:Choice>
+          <mc:Fallback>
+            <p:pic>
+              <p:nvPicPr>
+                <p:cNvPr id="29" name="Ink 28">
+                  <a:extLst>
+                    <a:ext uri="{FF2B5EF4-FFF2-40B4-BE49-F238E27FC236}">
+                      <a16:creationId xmlns:a16="http://schemas.microsoft.com/office/drawing/2014/main" id="{3BFEFCAA-E18A-5A7B-C243-85B12A0FD58A}"/>
+                    </a:ext>
+                  </a:extLst>
+                </p:cNvPr>
+                <p:cNvPicPr/>
+                <p:nvPr/>
+              </p:nvPicPr>
+              <p:blipFill>
+                <a:blip r:embed="rId15"/>
+                <a:stretch>
+                  <a:fillRect/>
+                </a:stretch>
+              </p:blipFill>
+              <p:spPr>
+                <a:xfrm>
+                  <a:off x="964421" y="4834930"/>
+                  <a:ext cx="2756160" cy="775080"/>
+                </a:xfrm>
+                <a:prstGeom prst="rect">
+                  <a:avLst/>
+                </a:prstGeom>
+              </p:spPr>
+            </p:pic>
+          </mc:Fallback>
+        </mc:AlternateContent>
+        <mc:AlternateContent xmlns:mc="http://schemas.openxmlformats.org/markup-compatibility/2006">
+          <mc:Choice xmlns:p14="http://schemas.microsoft.com/office/powerpoint/2010/main" xmlns:aink="http://schemas.microsoft.com/office/drawing/2016/ink" Requires="p14 aink">
+            <p:contentPart p14:bwMode="auto" r:id="rId16">
+              <p14:nvContentPartPr>
+                <p14:cNvPr id="30" name="Ink 29">
+                  <a:extLst>
+                    <a:ext uri="{FF2B5EF4-FFF2-40B4-BE49-F238E27FC236}">
+                      <a16:creationId xmlns:a16="http://schemas.microsoft.com/office/drawing/2014/main" id="{2081B7B0-50B6-9BF0-8511-80F67F1A228B}"/>
+                    </a:ext>
+                  </a:extLst>
+                </p14:cNvPr>
+                <p14:cNvContentPartPr/>
+                <p14:nvPr/>
+              </p14:nvContentPartPr>
+              <p14:xfrm>
+                <a:off x="3572621" y="1630930"/>
+                <a:ext cx="38520" cy="3619080"/>
+              </p14:xfrm>
+            </p:contentPart>
+          </mc:Choice>
+          <mc:Fallback>
+            <p:pic>
+              <p:nvPicPr>
+                <p:cNvPr id="30" name="Ink 29">
+                  <a:extLst>
+                    <a:ext uri="{FF2B5EF4-FFF2-40B4-BE49-F238E27FC236}">
+                      <a16:creationId xmlns:a16="http://schemas.microsoft.com/office/drawing/2014/main" id="{2081B7B0-50B6-9BF0-8511-80F67F1A228B}"/>
+                    </a:ext>
+                  </a:extLst>
+                </p:cNvPr>
+                <p:cNvPicPr/>
+                <p:nvPr/>
+              </p:nvPicPr>
+              <p:blipFill>
+                <a:blip r:embed="rId17"/>
+                <a:stretch>
+                  <a:fillRect/>
+                </a:stretch>
+              </p:blipFill>
+              <p:spPr>
+                <a:xfrm>
+                  <a:off x="3509621" y="1252930"/>
+                  <a:ext cx="164160" cy="4374720"/>
+                </a:xfrm>
+                <a:prstGeom prst="rect">
+                  <a:avLst/>
+                </a:prstGeom>
+              </p:spPr>
+            </p:pic>
+          </mc:Fallback>
+        </mc:AlternateContent>
+      </p:grpSp>
+      <p:grpSp>
+        <p:nvGrpSpPr>
+          <p:cNvPr id="40" name="Group 39">
+            <a:extLst>
+              <a:ext uri="{FF2B5EF4-FFF2-40B4-BE49-F238E27FC236}">
+                <a16:creationId xmlns:a16="http://schemas.microsoft.com/office/drawing/2014/main" id="{19AA8E5B-4D2C-8A79-B670-B121463C9FB2}"/>
+              </a:ext>
+            </a:extLst>
+          </p:cNvPr>
+          <p:cNvGrpSpPr/>
+          <p:nvPr/>
+        </p:nvGrpSpPr>
+        <p:grpSpPr>
+          <a:xfrm>
+            <a:off x="1048448" y="2370716"/>
+            <a:ext cx="1433520" cy="2112120"/>
+            <a:chOff x="1048448" y="2370716"/>
+            <a:chExt cx="1433520" cy="2112120"/>
+          </a:xfrm>
+        </p:grpSpPr>
+        <mc:AlternateContent xmlns:mc="http://schemas.openxmlformats.org/markup-compatibility/2006">
+          <mc:Choice xmlns:p14="http://schemas.microsoft.com/office/powerpoint/2010/main" xmlns:aink="http://schemas.microsoft.com/office/drawing/2016/ink" Requires="p14 aink">
+            <p:contentPart p14:bwMode="auto" r:id="rId18">
+              <p14:nvContentPartPr>
+                <p14:cNvPr id="32" name="Ink 31">
+                  <a:extLst>
+                    <a:ext uri="{FF2B5EF4-FFF2-40B4-BE49-F238E27FC236}">
+                      <a16:creationId xmlns:a16="http://schemas.microsoft.com/office/drawing/2014/main" id="{A19B1740-809E-328E-55C1-4F5036D5A800}"/>
+                    </a:ext>
+                  </a:extLst>
+                </p14:cNvPr>
+                <p14:cNvContentPartPr/>
+                <p14:nvPr/>
+              </p14:nvContentPartPr>
+              <p14:xfrm>
+                <a:off x="1048448" y="2370716"/>
+                <a:ext cx="1405080" cy="10080"/>
+              </p14:xfrm>
+            </p:contentPart>
+          </mc:Choice>
+          <mc:Fallback>
+            <p:pic>
+              <p:nvPicPr>
+                <p:cNvPr id="32" name="Ink 31">
+                  <a:extLst>
+                    <a:ext uri="{FF2B5EF4-FFF2-40B4-BE49-F238E27FC236}">
+                      <a16:creationId xmlns:a16="http://schemas.microsoft.com/office/drawing/2014/main" id="{A19B1740-809E-328E-55C1-4F5036D5A800}"/>
+                    </a:ext>
+                  </a:extLst>
+                </p:cNvPr>
+                <p:cNvPicPr/>
+                <p:nvPr/>
+              </p:nvPicPr>
+              <p:blipFill>
+                <a:blip r:embed="rId19"/>
+                <a:stretch>
+                  <a:fillRect/>
+                </a:stretch>
+              </p:blipFill>
+              <p:spPr>
+                <a:xfrm>
+                  <a:off x="985448" y="1992716"/>
+                  <a:ext cx="1530720" cy="765720"/>
+                </a:xfrm>
+                <a:prstGeom prst="rect">
+                  <a:avLst/>
+                </a:prstGeom>
+              </p:spPr>
+            </p:pic>
+          </mc:Fallback>
+        </mc:AlternateContent>
+        <mc:AlternateContent xmlns:mc="http://schemas.openxmlformats.org/markup-compatibility/2006">
+          <mc:Choice xmlns:p14="http://schemas.microsoft.com/office/powerpoint/2010/main" xmlns:aink="http://schemas.microsoft.com/office/drawing/2016/ink" Requires="p14 aink">
+            <p:contentPart p14:bwMode="auto" r:id="rId20">
+              <p14:nvContentPartPr>
+                <p14:cNvPr id="36" name="Ink 35">
+                  <a:extLst>
+                    <a:ext uri="{FF2B5EF4-FFF2-40B4-BE49-F238E27FC236}">
+                      <a16:creationId xmlns:a16="http://schemas.microsoft.com/office/drawing/2014/main" id="{56B1D497-B120-C4CB-B7DC-759F22FBBFE8}"/>
+                    </a:ext>
+                  </a:extLst>
+                </p14:cNvPr>
+                <p14:cNvContentPartPr/>
+                <p14:nvPr/>
+              </p14:nvContentPartPr>
+              <p14:xfrm>
+                <a:off x="1048448" y="4473116"/>
+                <a:ext cx="1433520" cy="9720"/>
+              </p14:xfrm>
+            </p:contentPart>
+          </mc:Choice>
+          <mc:Fallback>
+            <p:pic>
+              <p:nvPicPr>
+                <p:cNvPr id="36" name="Ink 35">
+                  <a:extLst>
+                    <a:ext uri="{FF2B5EF4-FFF2-40B4-BE49-F238E27FC236}">
+                      <a16:creationId xmlns:a16="http://schemas.microsoft.com/office/drawing/2014/main" id="{56B1D497-B120-C4CB-B7DC-759F22FBBFE8}"/>
+                    </a:ext>
+                  </a:extLst>
+                </p:cNvPr>
+                <p:cNvPicPr/>
+                <p:nvPr/>
+              </p:nvPicPr>
+              <p:blipFill>
+                <a:blip r:embed="rId21"/>
+                <a:stretch>
+                  <a:fillRect/>
+                </a:stretch>
+              </p:blipFill>
+              <p:spPr>
+                <a:xfrm>
+                  <a:off x="985448" y="4095116"/>
+                  <a:ext cx="1559160" cy="765360"/>
+                </a:xfrm>
+                <a:prstGeom prst="rect">
+                  <a:avLst/>
+                </a:prstGeom>
+              </p:spPr>
+            </p:pic>
+          </mc:Fallback>
+        </mc:AlternateContent>
+        <mc:AlternateContent xmlns:mc="http://schemas.openxmlformats.org/markup-compatibility/2006">
+          <mc:Choice xmlns:p14="http://schemas.microsoft.com/office/powerpoint/2010/main" xmlns:aink="http://schemas.microsoft.com/office/drawing/2016/ink" Requires="p14 aink">
+            <p:contentPart p14:bwMode="auto" r:id="rId22">
+              <p14:nvContentPartPr>
+                <p14:cNvPr id="38" name="Ink 37">
+                  <a:extLst>
+                    <a:ext uri="{FF2B5EF4-FFF2-40B4-BE49-F238E27FC236}">
+                      <a16:creationId xmlns:a16="http://schemas.microsoft.com/office/drawing/2014/main" id="{9EB2CCB9-DF1C-8F20-8208-96C52FCDAE21}"/>
+                    </a:ext>
+                  </a:extLst>
+                </p14:cNvPr>
+                <p14:cNvContentPartPr/>
+                <p14:nvPr/>
+              </p14:nvContentPartPr>
+              <p14:xfrm>
+                <a:off x="2415368" y="2380436"/>
+                <a:ext cx="38160" cy="2102400"/>
+              </p14:xfrm>
+            </p:contentPart>
+          </mc:Choice>
+          <mc:Fallback>
+            <p:pic>
+              <p:nvPicPr>
+                <p:cNvPr id="38" name="Ink 37">
+                  <a:extLst>
+                    <a:ext uri="{FF2B5EF4-FFF2-40B4-BE49-F238E27FC236}">
+                      <a16:creationId xmlns:a16="http://schemas.microsoft.com/office/drawing/2014/main" id="{9EB2CCB9-DF1C-8F20-8208-96C52FCDAE21}"/>
+                    </a:ext>
+                  </a:extLst>
+                </p:cNvPr>
+                <p:cNvPicPr/>
+                <p:nvPr/>
+              </p:nvPicPr>
+              <p:blipFill>
+                <a:blip r:embed="rId23"/>
+                <a:stretch>
+                  <a:fillRect/>
+                </a:stretch>
+              </p:blipFill>
+              <p:spPr>
+                <a:xfrm>
+                  <a:off x="2352368" y="2002436"/>
+                  <a:ext cx="163800" cy="2858040"/>
+                </a:xfrm>
+                <a:prstGeom prst="rect">
+                  <a:avLst/>
+                </a:prstGeom>
+              </p:spPr>
+            </p:pic>
+          </mc:Fallback>
+        </mc:AlternateContent>
+      </p:grpSp>
+      <p:grpSp>
+        <p:nvGrpSpPr>
+          <p:cNvPr id="41" name="Group 40">
+            <a:extLst>
+              <a:ext uri="{FF2B5EF4-FFF2-40B4-BE49-F238E27FC236}">
+                <a16:creationId xmlns:a16="http://schemas.microsoft.com/office/drawing/2014/main" id="{2A406726-DF7C-555A-FEA8-7FE013894CAD}"/>
+              </a:ext>
+            </a:extLst>
+          </p:cNvPr>
+          <p:cNvGrpSpPr/>
+          <p:nvPr/>
+        </p:nvGrpSpPr>
+        <p:grpSpPr>
+          <a:xfrm rot="10800000">
+            <a:off x="8461372" y="1609920"/>
+            <a:ext cx="2630520" cy="3638160"/>
+            <a:chOff x="1027421" y="1611850"/>
+            <a:chExt cx="2630520" cy="3638160"/>
+          </a:xfrm>
+        </p:grpSpPr>
+        <mc:AlternateContent xmlns:mc="http://schemas.openxmlformats.org/markup-compatibility/2006">
+          <mc:Choice xmlns:p14="http://schemas.microsoft.com/office/powerpoint/2010/main" xmlns:aink="http://schemas.microsoft.com/office/drawing/2016/ink" Requires="p14 aink">
+            <p:contentPart p14:bwMode="auto" r:id="rId24">
+              <p14:nvContentPartPr>
+                <p14:cNvPr id="42" name="Ink 41">
+                  <a:extLst>
+                    <a:ext uri="{FF2B5EF4-FFF2-40B4-BE49-F238E27FC236}">
+                      <a16:creationId xmlns:a16="http://schemas.microsoft.com/office/drawing/2014/main" id="{A53EC92E-D176-FF95-98EE-493BBC3F245F}"/>
+                    </a:ext>
+                  </a:extLst>
+                </p14:cNvPr>
+                <p14:cNvContentPartPr/>
+                <p14:nvPr/>
+              </p14:nvContentPartPr>
+              <p14:xfrm>
+                <a:off x="1065221" y="1611850"/>
+                <a:ext cx="2554920" cy="28440"/>
+              </p14:xfrm>
+            </p:contentPart>
+          </mc:Choice>
+          <mc:Fallback>
+            <p:pic>
+              <p:nvPicPr>
+                <p:cNvPr id="42" name="Ink 41">
+                  <a:extLst>
+                    <a:ext uri="{FF2B5EF4-FFF2-40B4-BE49-F238E27FC236}">
+                      <a16:creationId xmlns:a16="http://schemas.microsoft.com/office/drawing/2014/main" id="{A53EC92E-D176-FF95-98EE-493BBC3F245F}"/>
+                    </a:ext>
+                  </a:extLst>
+                </p:cNvPr>
+                <p:cNvPicPr/>
+                <p:nvPr/>
+              </p:nvPicPr>
+              <p:blipFill>
+                <a:blip r:embed="rId25"/>
+                <a:stretch>
+                  <a:fillRect/>
+                </a:stretch>
+              </p:blipFill>
+              <p:spPr>
+                <a:xfrm>
+                  <a:off x="1002221" y="1233850"/>
+                  <a:ext cx="2680560" cy="784080"/>
+                </a:xfrm>
+                <a:prstGeom prst="rect">
+                  <a:avLst/>
+                </a:prstGeom>
+              </p:spPr>
+            </p:pic>
+          </mc:Fallback>
+        </mc:AlternateContent>
+        <mc:AlternateContent xmlns:mc="http://schemas.openxmlformats.org/markup-compatibility/2006">
+          <mc:Choice xmlns:p14="http://schemas.microsoft.com/office/powerpoint/2010/main" xmlns:aink="http://schemas.microsoft.com/office/drawing/2016/ink" Requires="p14 aink">
+            <p:contentPart p14:bwMode="auto" r:id="rId26">
+              <p14:nvContentPartPr>
+                <p14:cNvPr id="43" name="Ink 42">
+                  <a:extLst>
+                    <a:ext uri="{FF2B5EF4-FFF2-40B4-BE49-F238E27FC236}">
+                      <a16:creationId xmlns:a16="http://schemas.microsoft.com/office/drawing/2014/main" id="{763EE8B8-3EF9-C12D-B280-CAD167CB92CE}"/>
+                    </a:ext>
+                  </a:extLst>
+                </p14:cNvPr>
+                <p14:cNvContentPartPr/>
+                <p14:nvPr/>
+              </p14:nvContentPartPr>
+              <p14:xfrm>
+                <a:off x="1027421" y="5212930"/>
+                <a:ext cx="2630520" cy="19440"/>
+              </p14:xfrm>
+            </p:contentPart>
+          </mc:Choice>
+          <mc:Fallback>
+            <p:pic>
+              <p:nvPicPr>
+                <p:cNvPr id="43" name="Ink 42">
+                  <a:extLst>
+                    <a:ext uri="{FF2B5EF4-FFF2-40B4-BE49-F238E27FC236}">
+                      <a16:creationId xmlns:a16="http://schemas.microsoft.com/office/drawing/2014/main" id="{763EE8B8-3EF9-C12D-B280-CAD167CB92CE}"/>
+                    </a:ext>
+                  </a:extLst>
+                </p:cNvPr>
+                <p:cNvPicPr/>
+                <p:nvPr/>
+              </p:nvPicPr>
+              <p:blipFill>
+                <a:blip r:embed="rId27"/>
+                <a:stretch>
+                  <a:fillRect/>
+                </a:stretch>
+              </p:blipFill>
+              <p:spPr>
+                <a:xfrm>
+                  <a:off x="964421" y="4834930"/>
+                  <a:ext cx="2756160" cy="775080"/>
+                </a:xfrm>
+                <a:prstGeom prst="rect">
+                  <a:avLst/>
+                </a:prstGeom>
+              </p:spPr>
+            </p:pic>
+          </mc:Fallback>
+        </mc:AlternateContent>
+        <mc:AlternateContent xmlns:mc="http://schemas.openxmlformats.org/markup-compatibility/2006">
+          <mc:Choice xmlns:p14="http://schemas.microsoft.com/office/powerpoint/2010/main" xmlns:aink="http://schemas.microsoft.com/office/drawing/2016/ink" Requires="p14 aink">
+            <p:contentPart p14:bwMode="auto" r:id="rId28">
+              <p14:nvContentPartPr>
+                <p14:cNvPr id="44" name="Ink 43">
+                  <a:extLst>
+                    <a:ext uri="{FF2B5EF4-FFF2-40B4-BE49-F238E27FC236}">
+                      <a16:creationId xmlns:a16="http://schemas.microsoft.com/office/drawing/2014/main" id="{BC578426-9DB7-62BA-DCA0-600624937F36}"/>
+                    </a:ext>
+                  </a:extLst>
+                </p14:cNvPr>
+                <p14:cNvContentPartPr/>
+                <p14:nvPr/>
+              </p14:nvContentPartPr>
+              <p14:xfrm>
+                <a:off x="3572621" y="1630930"/>
+                <a:ext cx="38520" cy="3619080"/>
+              </p14:xfrm>
+            </p:contentPart>
+          </mc:Choice>
+          <mc:Fallback>
+            <p:pic>
+              <p:nvPicPr>
+                <p:cNvPr id="44" name="Ink 43">
+                  <a:extLst>
+                    <a:ext uri="{FF2B5EF4-FFF2-40B4-BE49-F238E27FC236}">
+                      <a16:creationId xmlns:a16="http://schemas.microsoft.com/office/drawing/2014/main" id="{BC578426-9DB7-62BA-DCA0-600624937F36}"/>
+                    </a:ext>
+                  </a:extLst>
+                </p:cNvPr>
+                <p:cNvPicPr/>
+                <p:nvPr/>
+              </p:nvPicPr>
+              <p:blipFill>
+                <a:blip r:embed="rId29"/>
+                <a:stretch>
+                  <a:fillRect/>
+                </a:stretch>
+              </p:blipFill>
+              <p:spPr>
+                <a:xfrm>
+                  <a:off x="3509621" y="1252930"/>
+                  <a:ext cx="164160" cy="4374720"/>
+                </a:xfrm>
+                <a:prstGeom prst="rect">
+                  <a:avLst/>
+                </a:prstGeom>
+              </p:spPr>
+            </p:pic>
+          </mc:Fallback>
+        </mc:AlternateContent>
+      </p:grpSp>
+      <p:grpSp>
+        <p:nvGrpSpPr>
+          <p:cNvPr id="45" name="Group 44">
+            <a:extLst>
+              <a:ext uri="{FF2B5EF4-FFF2-40B4-BE49-F238E27FC236}">
+                <a16:creationId xmlns:a16="http://schemas.microsoft.com/office/drawing/2014/main" id="{0F589F28-AA57-0A99-9B76-0F34B45F39D4}"/>
+              </a:ext>
+            </a:extLst>
+          </p:cNvPr>
+          <p:cNvGrpSpPr/>
+          <p:nvPr/>
+        </p:nvGrpSpPr>
+        <p:grpSpPr>
+          <a:xfrm rot="10800000">
+            <a:off x="9650477" y="2384731"/>
+            <a:ext cx="1433520" cy="2112120"/>
+            <a:chOff x="1048448" y="2370716"/>
+            <a:chExt cx="1433520" cy="2112120"/>
+          </a:xfrm>
+        </p:grpSpPr>
+        <mc:AlternateContent xmlns:mc="http://schemas.openxmlformats.org/markup-compatibility/2006">
+          <mc:Choice xmlns:p14="http://schemas.microsoft.com/office/powerpoint/2010/main" xmlns:aink="http://schemas.microsoft.com/office/drawing/2016/ink" Requires="p14 aink">
+            <p:contentPart p14:bwMode="auto" r:id="rId30">
+              <p14:nvContentPartPr>
+                <p14:cNvPr id="47" name="Ink 46">
+                  <a:extLst>
+                    <a:ext uri="{FF2B5EF4-FFF2-40B4-BE49-F238E27FC236}">
+                      <a16:creationId xmlns:a16="http://schemas.microsoft.com/office/drawing/2014/main" id="{D8731AF1-0C42-0DDF-EE36-9B04CDBB5413}"/>
+                    </a:ext>
+                  </a:extLst>
+                </p14:cNvPr>
+                <p14:cNvContentPartPr/>
+                <p14:nvPr/>
+              </p14:nvContentPartPr>
+              <p14:xfrm>
+                <a:off x="1048448" y="2370716"/>
+                <a:ext cx="1405080" cy="10080"/>
+              </p14:xfrm>
+            </p:contentPart>
+          </mc:Choice>
+          <mc:Fallback>
+            <p:pic>
+              <p:nvPicPr>
+                <p:cNvPr id="47" name="Ink 46">
+                  <a:extLst>
+                    <a:ext uri="{FF2B5EF4-FFF2-40B4-BE49-F238E27FC236}">
+                      <a16:creationId xmlns:a16="http://schemas.microsoft.com/office/drawing/2014/main" id="{D8731AF1-0C42-0DDF-EE36-9B04CDBB5413}"/>
+                    </a:ext>
+                  </a:extLst>
+                </p:cNvPr>
+                <p:cNvPicPr/>
+                <p:nvPr/>
+              </p:nvPicPr>
+              <p:blipFill>
+                <a:blip r:embed="rId31"/>
+                <a:stretch>
+                  <a:fillRect/>
+                </a:stretch>
+              </p:blipFill>
+              <p:spPr>
+                <a:xfrm>
+                  <a:off x="985448" y="1992716"/>
+                  <a:ext cx="1530720" cy="765720"/>
+                </a:xfrm>
+                <a:prstGeom prst="rect">
+                  <a:avLst/>
+                </a:prstGeom>
+              </p:spPr>
+            </p:pic>
+          </mc:Fallback>
+        </mc:AlternateContent>
+        <mc:AlternateContent xmlns:mc="http://schemas.openxmlformats.org/markup-compatibility/2006">
+          <mc:Choice xmlns:p14="http://schemas.microsoft.com/office/powerpoint/2010/main" xmlns:aink="http://schemas.microsoft.com/office/drawing/2016/ink" Requires="p14 aink">
+            <p:contentPart p14:bwMode="auto" r:id="rId32">
+              <p14:nvContentPartPr>
+                <p14:cNvPr id="49" name="Ink 48">
+                  <a:extLst>
+                    <a:ext uri="{FF2B5EF4-FFF2-40B4-BE49-F238E27FC236}">
+                      <a16:creationId xmlns:a16="http://schemas.microsoft.com/office/drawing/2014/main" id="{59BB646F-AE50-A2B7-5510-27354EFB057E}"/>
+                    </a:ext>
+                  </a:extLst>
+                </p14:cNvPr>
+                <p14:cNvContentPartPr/>
+                <p14:nvPr/>
+              </p14:nvContentPartPr>
+              <p14:xfrm>
+                <a:off x="1048448" y="4473116"/>
+                <a:ext cx="1433520" cy="9720"/>
+              </p14:xfrm>
+            </p:contentPart>
+          </mc:Choice>
+          <mc:Fallback>
+            <p:pic>
+              <p:nvPicPr>
+                <p:cNvPr id="49" name="Ink 48">
+                  <a:extLst>
+                    <a:ext uri="{FF2B5EF4-FFF2-40B4-BE49-F238E27FC236}">
+                      <a16:creationId xmlns:a16="http://schemas.microsoft.com/office/drawing/2014/main" id="{59BB646F-AE50-A2B7-5510-27354EFB057E}"/>
+                    </a:ext>
+                  </a:extLst>
+                </p:cNvPr>
+                <p:cNvPicPr/>
+                <p:nvPr/>
+              </p:nvPicPr>
+              <p:blipFill>
+                <a:blip r:embed="rId33"/>
+                <a:stretch>
+                  <a:fillRect/>
+                </a:stretch>
+              </p:blipFill>
+              <p:spPr>
+                <a:xfrm>
+                  <a:off x="985448" y="4095116"/>
+                  <a:ext cx="1559160" cy="765360"/>
+                </a:xfrm>
+                <a:prstGeom prst="rect">
+                  <a:avLst/>
+                </a:prstGeom>
+              </p:spPr>
+            </p:pic>
+          </mc:Fallback>
+        </mc:AlternateContent>
+        <mc:AlternateContent xmlns:mc="http://schemas.openxmlformats.org/markup-compatibility/2006">
+          <mc:Choice xmlns:p14="http://schemas.microsoft.com/office/powerpoint/2010/main" xmlns:aink="http://schemas.microsoft.com/office/drawing/2016/ink" Requires="p14 aink">
+            <p:contentPart p14:bwMode="auto" r:id="rId34">
+              <p14:nvContentPartPr>
+                <p14:cNvPr id="50" name="Ink 49">
+                  <a:extLst>
+                    <a:ext uri="{FF2B5EF4-FFF2-40B4-BE49-F238E27FC236}">
+                      <a16:creationId xmlns:a16="http://schemas.microsoft.com/office/drawing/2014/main" id="{00E1076E-9124-24B3-F5EB-E8333F18FA3F}"/>
+                    </a:ext>
+                  </a:extLst>
+                </p14:cNvPr>
+                <p14:cNvContentPartPr/>
+                <p14:nvPr/>
+              </p14:nvContentPartPr>
+              <p14:xfrm>
+                <a:off x="2415368" y="2380436"/>
+                <a:ext cx="38160" cy="2102400"/>
+              </p14:xfrm>
+            </p:contentPart>
+          </mc:Choice>
+          <mc:Fallback>
+            <p:pic>
+              <p:nvPicPr>
+                <p:cNvPr id="50" name="Ink 49">
+                  <a:extLst>
+                    <a:ext uri="{FF2B5EF4-FFF2-40B4-BE49-F238E27FC236}">
+                      <a16:creationId xmlns:a16="http://schemas.microsoft.com/office/drawing/2014/main" id="{00E1076E-9124-24B3-F5EB-E8333F18FA3F}"/>
+                    </a:ext>
+                  </a:extLst>
+                </p:cNvPr>
+                <p:cNvPicPr/>
+                <p:nvPr/>
+              </p:nvPicPr>
+              <p:blipFill>
+                <a:blip r:embed="rId35"/>
+                <a:stretch>
+                  <a:fillRect/>
+                </a:stretch>
+              </p:blipFill>
+              <p:spPr>
+                <a:xfrm>
+                  <a:off x="2352368" y="2002436"/>
+                  <a:ext cx="163800" cy="2858040"/>
+                </a:xfrm>
+                <a:prstGeom prst="rect">
+                  <a:avLst/>
+                </a:prstGeom>
+              </p:spPr>
+            </p:pic>
+          </mc:Fallback>
+        </mc:AlternateContent>
+      </p:grpSp>
+      <mc:AlternateContent xmlns:mc="http://schemas.openxmlformats.org/markup-compatibility/2006">
+        <mc:Choice xmlns:p14="http://schemas.microsoft.com/office/powerpoint/2010/main" xmlns:aink="http://schemas.microsoft.com/office/drawing/2016/ink" Requires="p14 aink">
+          <p:contentPart p14:bwMode="auto" r:id="rId36">
+            <p14:nvContentPartPr>
+              <p14:cNvPr id="58" name="Ink 57">
+                <a:extLst>
+                  <a:ext uri="{FF2B5EF4-FFF2-40B4-BE49-F238E27FC236}">
+                    <a16:creationId xmlns:a16="http://schemas.microsoft.com/office/drawing/2014/main" id="{5DAAFFDD-30E6-5D7B-D426-9AFEED510627}"/>
+                  </a:ext>
+                </a:extLst>
+              </p14:cNvPr>
+              <p14:cNvContentPartPr/>
+              <p14:nvPr/>
+            </p14:nvContentPartPr>
+            <p14:xfrm>
+              <a:off x="6105327" y="600073"/>
+              <a:ext cx="9360" cy="5699160"/>
+            </p14:xfrm>
+          </p:contentPart>
+        </mc:Choice>
+        <mc:Fallback>
+          <p:pic>
+            <p:nvPicPr>
+              <p:cNvPr id="58" name="Ink 57">
+                <a:extLst>
+                  <a:ext uri="{FF2B5EF4-FFF2-40B4-BE49-F238E27FC236}">
+                    <a16:creationId xmlns:a16="http://schemas.microsoft.com/office/drawing/2014/main" id="{5DAAFFDD-30E6-5D7B-D426-9AFEED510627}"/>
+                  </a:ext>
+                </a:extLst>
+              </p:cNvPr>
+              <p:cNvPicPr/>
+              <p:nvPr/>
+            </p:nvPicPr>
+            <p:blipFill>
+              <a:blip r:embed="rId37"/>
+              <a:stretch>
+                <a:fillRect/>
+              </a:stretch>
+            </p:blipFill>
+            <p:spPr>
+              <a:xfrm>
+                <a:off x="6042327" y="222073"/>
+                <a:ext cx="135000" cy="6454800"/>
+              </a:xfrm>
+              <a:prstGeom prst="rect">
+                <a:avLst/>
+              </a:prstGeom>
+            </p:spPr>
+          </p:pic>
+        </mc:Fallback>
+      </mc:AlternateContent>
+      <mc:AlternateContent xmlns:mc="http://schemas.openxmlformats.org/markup-compatibility/2006">
+        <mc:Choice xmlns:p14="http://schemas.microsoft.com/office/powerpoint/2010/main" xmlns:aink="http://schemas.microsoft.com/office/drawing/2016/ink" Requires="p14 aink">
+          <p:contentPart p14:bwMode="auto" r:id="rId38">
+            <p14:nvContentPartPr>
+              <p14:cNvPr id="61" name="Ink 60">
+                <a:extLst>
+                  <a:ext uri="{FF2B5EF4-FFF2-40B4-BE49-F238E27FC236}">
+                    <a16:creationId xmlns:a16="http://schemas.microsoft.com/office/drawing/2014/main" id="{1EB4F4B1-2318-B0E5-0B21-2DDDD4BB5E2A}"/>
+                  </a:ext>
+                </a:extLst>
+              </p14:cNvPr>
+              <p14:cNvContentPartPr/>
+              <p14:nvPr/>
+            </p14:nvContentPartPr>
+            <p14:xfrm>
+              <a:off x="5373627" y="2704630"/>
+              <a:ext cx="1482120" cy="1482120"/>
+            </p14:xfrm>
+          </p:contentPart>
+        </mc:Choice>
+        <mc:Fallback>
+          <p:pic>
+            <p:nvPicPr>
+              <p:cNvPr id="61" name="Ink 60">
+                <a:extLst>
+                  <a:ext uri="{FF2B5EF4-FFF2-40B4-BE49-F238E27FC236}">
+                    <a16:creationId xmlns:a16="http://schemas.microsoft.com/office/drawing/2014/main" id="{1EB4F4B1-2318-B0E5-0B21-2DDDD4BB5E2A}"/>
+                  </a:ext>
+                </a:extLst>
+              </p:cNvPr>
+              <p:cNvPicPr/>
+              <p:nvPr/>
+            </p:nvPicPr>
+            <p:blipFill>
+              <a:blip r:embed="rId39"/>
+              <a:stretch>
+                <a:fillRect/>
+              </a:stretch>
+            </p:blipFill>
+            <p:spPr>
+              <a:xfrm>
+                <a:off x="5310627" y="2326630"/>
+                <a:ext cx="1607760" cy="2237760"/>
+              </a:xfrm>
+              <a:prstGeom prst="rect">
+                <a:avLst/>
+              </a:prstGeom>
+            </p:spPr>
+          </p:pic>
+        </mc:Fallback>
+      </mc:AlternateContent>
+      <mc:AlternateContent xmlns:mc="http://schemas.openxmlformats.org/markup-compatibility/2006">
+        <mc:Choice xmlns:p14="http://schemas.microsoft.com/office/powerpoint/2010/main" xmlns:aink="http://schemas.microsoft.com/office/drawing/2016/ink" Requires="p14 aink">
+          <p:contentPart p14:bwMode="auto" r:id="rId40">
+            <p14:nvContentPartPr>
+              <p14:cNvPr id="17" name="Ink 16">
+                <a:extLst>
+                  <a:ext uri="{FF2B5EF4-FFF2-40B4-BE49-F238E27FC236}">
+                    <a16:creationId xmlns:a16="http://schemas.microsoft.com/office/drawing/2014/main" id="{A61A6F34-A90E-927D-C096-38BD5A772E9E}"/>
+                  </a:ext>
+                </a:extLst>
+              </p14:cNvPr>
+              <p14:cNvContentPartPr/>
+              <p14:nvPr/>
+            </p14:nvContentPartPr>
+            <p14:xfrm>
+              <a:off x="1065221" y="3117517"/>
+              <a:ext cx="465120" cy="465120"/>
+            </p14:xfrm>
+          </p:contentPart>
+        </mc:Choice>
+        <mc:Fallback>
+          <p:pic>
+            <p:nvPicPr>
+              <p:cNvPr id="17" name="Ink 16">
+                <a:extLst>
+                  <a:ext uri="{FF2B5EF4-FFF2-40B4-BE49-F238E27FC236}">
+                    <a16:creationId xmlns:a16="http://schemas.microsoft.com/office/drawing/2014/main" id="{A61A6F34-A90E-927D-C096-38BD5A772E9E}"/>
+                  </a:ext>
+                </a:extLst>
+              </p:cNvPr>
+              <p:cNvPicPr/>
+              <p:nvPr/>
+            </p:nvPicPr>
+            <p:blipFill>
+              <a:blip r:embed="rId41"/>
+              <a:stretch>
+                <a:fillRect/>
+              </a:stretch>
+            </p:blipFill>
+            <p:spPr>
+              <a:xfrm>
+                <a:off x="1029221" y="2901517"/>
+                <a:ext cx="536760" cy="896760"/>
+              </a:xfrm>
+              <a:prstGeom prst="rect">
+                <a:avLst/>
+              </a:prstGeom>
+            </p:spPr>
+          </p:pic>
+        </mc:Fallback>
+      </mc:AlternateContent>
+      <mc:AlternateContent xmlns:mc="http://schemas.openxmlformats.org/markup-compatibility/2006">
+        <mc:Choice xmlns:p14="http://schemas.microsoft.com/office/powerpoint/2010/main" xmlns:aink="http://schemas.microsoft.com/office/drawing/2016/ink" Requires="p14 aink">
+          <p:contentPart p14:bwMode="auto" r:id="rId42">
+            <p14:nvContentPartPr>
+              <p14:cNvPr id="19" name="Ink 18">
+                <a:extLst>
+                  <a:ext uri="{FF2B5EF4-FFF2-40B4-BE49-F238E27FC236}">
+                    <a16:creationId xmlns:a16="http://schemas.microsoft.com/office/drawing/2014/main" id="{F0800A35-0149-95AD-2768-936A2E10A282}"/>
+                  </a:ext>
+                </a:extLst>
+              </p14:cNvPr>
+              <p14:cNvContentPartPr/>
+              <p14:nvPr/>
+            </p14:nvContentPartPr>
+            <p14:xfrm>
+              <a:off x="3146981" y="5563800"/>
+              <a:ext cx="465120" cy="465120"/>
+            </p14:xfrm>
+          </p:contentPart>
+        </mc:Choice>
+        <mc:Fallback>
+          <p:pic>
+            <p:nvPicPr>
+              <p:cNvPr id="19" name="Ink 18">
+                <a:extLst>
+                  <a:ext uri="{FF2B5EF4-FFF2-40B4-BE49-F238E27FC236}">
+                    <a16:creationId xmlns:a16="http://schemas.microsoft.com/office/drawing/2014/main" id="{F0800A35-0149-95AD-2768-936A2E10A282}"/>
+                  </a:ext>
+                </a:extLst>
+              </p:cNvPr>
+              <p:cNvPicPr/>
+              <p:nvPr/>
+            </p:nvPicPr>
+            <p:blipFill>
+              <a:blip r:embed="rId43"/>
+              <a:stretch>
+                <a:fillRect/>
+              </a:stretch>
+            </p:blipFill>
+            <p:spPr>
+              <a:xfrm>
+                <a:off x="3110981" y="5347800"/>
+                <a:ext cx="536760" cy="896760"/>
+              </a:xfrm>
+              <a:prstGeom prst="rect">
+                <a:avLst/>
+              </a:prstGeom>
+            </p:spPr>
+          </p:pic>
+        </mc:Fallback>
+      </mc:AlternateContent>
+      <mc:AlternateContent xmlns:mc="http://schemas.openxmlformats.org/markup-compatibility/2006">
+        <mc:Choice xmlns:p14="http://schemas.microsoft.com/office/powerpoint/2010/main" xmlns:aink="http://schemas.microsoft.com/office/drawing/2016/ink" Requires="p14 aink">
+          <p:contentPart p14:bwMode="auto" r:id="rId44">
+            <p14:nvContentPartPr>
+              <p14:cNvPr id="20" name="Ink 19">
+                <a:extLst>
+                  <a:ext uri="{FF2B5EF4-FFF2-40B4-BE49-F238E27FC236}">
+                    <a16:creationId xmlns:a16="http://schemas.microsoft.com/office/drawing/2014/main" id="{0AB5403D-2696-4402-57BE-A8575AA6E26F}"/>
+                  </a:ext>
+                </a:extLst>
+              </p14:cNvPr>
+              <p14:cNvContentPartPr/>
+              <p14:nvPr/>
+            </p14:nvContentPartPr>
+            <p14:xfrm>
+              <a:off x="2780514" y="3934930"/>
+              <a:ext cx="465120" cy="465120"/>
+            </p14:xfrm>
+          </p:contentPart>
+        </mc:Choice>
+        <mc:Fallback>
+          <p:pic>
+            <p:nvPicPr>
+              <p:cNvPr id="20" name="Ink 19">
+                <a:extLst>
+                  <a:ext uri="{FF2B5EF4-FFF2-40B4-BE49-F238E27FC236}">
+                    <a16:creationId xmlns:a16="http://schemas.microsoft.com/office/drawing/2014/main" id="{0AB5403D-2696-4402-57BE-A8575AA6E26F}"/>
+                  </a:ext>
+                </a:extLst>
+              </p:cNvPr>
+              <p:cNvPicPr/>
+              <p:nvPr/>
+            </p:nvPicPr>
+            <p:blipFill>
+              <a:blip r:embed="rId45"/>
+              <a:stretch>
+                <a:fillRect/>
+              </a:stretch>
+            </p:blipFill>
+            <p:spPr>
+              <a:xfrm>
+                <a:off x="2744514" y="3718930"/>
+                <a:ext cx="536760" cy="896760"/>
+              </a:xfrm>
+              <a:prstGeom prst="rect">
+                <a:avLst/>
+              </a:prstGeom>
+            </p:spPr>
+          </p:pic>
+        </mc:Fallback>
+      </mc:AlternateContent>
+      <mc:AlternateContent xmlns:mc="http://schemas.openxmlformats.org/markup-compatibility/2006">
+        <mc:Choice xmlns:p14="http://schemas.microsoft.com/office/powerpoint/2010/main" xmlns:aink="http://schemas.microsoft.com/office/drawing/2016/ink" Requires="p14 aink">
+          <p:contentPart p14:bwMode="auto" r:id="rId46">
+            <p14:nvContentPartPr>
+              <p14:cNvPr id="21" name="Ink 20">
+                <a:extLst>
+                  <a:ext uri="{FF2B5EF4-FFF2-40B4-BE49-F238E27FC236}">
+                    <a16:creationId xmlns:a16="http://schemas.microsoft.com/office/drawing/2014/main" id="{06C1D4C2-5CBB-AAC2-52B0-97F2D072F0BC}"/>
+                  </a:ext>
+                </a:extLst>
+              </p14:cNvPr>
+              <p14:cNvContentPartPr/>
+              <p14:nvPr/>
+            </p14:nvContentPartPr>
+            <p14:xfrm>
+              <a:off x="2756582" y="2346771"/>
+              <a:ext cx="465120" cy="465120"/>
+            </p14:xfrm>
+          </p:contentPart>
+        </mc:Choice>
+        <mc:Fallback>
+          <p:pic>
+            <p:nvPicPr>
+              <p:cNvPr id="21" name="Ink 20">
+                <a:extLst>
+                  <a:ext uri="{FF2B5EF4-FFF2-40B4-BE49-F238E27FC236}">
+                    <a16:creationId xmlns:a16="http://schemas.microsoft.com/office/drawing/2014/main" id="{06C1D4C2-5CBB-AAC2-52B0-97F2D072F0BC}"/>
+                  </a:ext>
+                </a:extLst>
+              </p:cNvPr>
+              <p:cNvPicPr/>
+              <p:nvPr/>
+            </p:nvPicPr>
+            <p:blipFill>
+              <a:blip r:embed="rId47"/>
+              <a:stretch>
+                <a:fillRect/>
+              </a:stretch>
+            </p:blipFill>
+            <p:spPr>
+              <a:xfrm>
+                <a:off x="2720582" y="2130771"/>
+                <a:ext cx="536760" cy="896760"/>
+              </a:xfrm>
+              <a:prstGeom prst="rect">
+                <a:avLst/>
+              </a:prstGeom>
+            </p:spPr>
+          </p:pic>
+        </mc:Fallback>
+      </mc:AlternateContent>
+      <mc:AlternateContent xmlns:mc="http://schemas.openxmlformats.org/markup-compatibility/2006">
+        <mc:Choice xmlns:p14="http://schemas.microsoft.com/office/powerpoint/2010/main" xmlns:aink="http://schemas.microsoft.com/office/drawing/2016/ink" Requires="p14 aink">
+          <p:contentPart p14:bwMode="auto" r:id="rId48">
+            <p14:nvContentPartPr>
+              <p14:cNvPr id="22" name="Ink 21">
+                <a:extLst>
+                  <a:ext uri="{FF2B5EF4-FFF2-40B4-BE49-F238E27FC236}">
+                    <a16:creationId xmlns:a16="http://schemas.microsoft.com/office/drawing/2014/main" id="{9FD1B467-BE9B-02DA-AB38-09F49DA132B1}"/>
+                  </a:ext>
+                </a:extLst>
+              </p14:cNvPr>
+              <p14:cNvContentPartPr/>
+              <p14:nvPr/>
+            </p14:nvContentPartPr>
+            <p14:xfrm>
+              <a:off x="3231478" y="802147"/>
+              <a:ext cx="465120" cy="465120"/>
+            </p14:xfrm>
+          </p:contentPart>
+        </mc:Choice>
+        <mc:Fallback>
+          <p:pic>
+            <p:nvPicPr>
+              <p:cNvPr id="22" name="Ink 21">
+                <a:extLst>
+                  <a:ext uri="{FF2B5EF4-FFF2-40B4-BE49-F238E27FC236}">
+                    <a16:creationId xmlns:a16="http://schemas.microsoft.com/office/drawing/2014/main" id="{9FD1B467-BE9B-02DA-AB38-09F49DA132B1}"/>
+                  </a:ext>
+                </a:extLst>
+              </p:cNvPr>
+              <p:cNvPicPr/>
+              <p:nvPr/>
+            </p:nvPicPr>
+            <p:blipFill>
+              <a:blip r:embed="rId49"/>
+              <a:stretch>
+                <a:fillRect/>
+              </a:stretch>
+            </p:blipFill>
+            <p:spPr>
+              <a:xfrm>
+                <a:off x="3195478" y="586147"/>
+                <a:ext cx="536760" cy="896760"/>
+              </a:xfrm>
+              <a:prstGeom prst="rect">
+                <a:avLst/>
+              </a:prstGeom>
+            </p:spPr>
+          </p:pic>
+        </mc:Fallback>
+      </mc:AlternateContent>
+      <mc:AlternateContent xmlns:mc="http://schemas.openxmlformats.org/markup-compatibility/2006">
+        <mc:Choice xmlns:p14="http://schemas.microsoft.com/office/powerpoint/2010/main" xmlns:aink="http://schemas.microsoft.com/office/drawing/2016/ink" Requires="p14 aink">
+          <p:contentPart p14:bwMode="auto" r:id="rId50">
+            <p14:nvContentPartPr>
+              <p14:cNvPr id="23" name="Ink 22">
+                <a:extLst>
+                  <a:ext uri="{FF2B5EF4-FFF2-40B4-BE49-F238E27FC236}">
+                    <a16:creationId xmlns:a16="http://schemas.microsoft.com/office/drawing/2014/main" id="{47AD6347-5EAD-B519-4DDF-7B566C5BB7D3}"/>
+                  </a:ext>
+                </a:extLst>
+              </p14:cNvPr>
+              <p14:cNvContentPartPr/>
+              <p14:nvPr/>
+            </p14:nvContentPartPr>
+            <p14:xfrm>
+              <a:off x="5288766" y="3117517"/>
+              <a:ext cx="465120" cy="465120"/>
+            </p14:xfrm>
+          </p:contentPart>
+        </mc:Choice>
+        <mc:Fallback>
+          <p:pic>
+            <p:nvPicPr>
+              <p:cNvPr id="23" name="Ink 22">
+                <a:extLst>
+                  <a:ext uri="{FF2B5EF4-FFF2-40B4-BE49-F238E27FC236}">
+                    <a16:creationId xmlns:a16="http://schemas.microsoft.com/office/drawing/2014/main" id="{47AD6347-5EAD-B519-4DDF-7B566C5BB7D3}"/>
+                  </a:ext>
+                </a:extLst>
+              </p:cNvPr>
+              <p:cNvPicPr/>
+              <p:nvPr/>
+            </p:nvPicPr>
+            <p:blipFill>
+              <a:blip r:embed="rId51"/>
+              <a:stretch>
+                <a:fillRect/>
+              </a:stretch>
+            </p:blipFill>
+            <p:spPr>
+              <a:xfrm>
+                <a:off x="5252766" y="2901517"/>
+                <a:ext cx="536760" cy="896760"/>
+              </a:xfrm>
+              <a:prstGeom prst="rect">
+                <a:avLst/>
+              </a:prstGeom>
+            </p:spPr>
+          </p:pic>
+        </mc:Fallback>
+      </mc:AlternateContent>
+      <mc:AlternateContent xmlns:mc="http://schemas.openxmlformats.org/markup-compatibility/2006">
+        <mc:Choice xmlns:p14="http://schemas.microsoft.com/office/powerpoint/2010/main" xmlns:aink="http://schemas.microsoft.com/office/drawing/2016/ink" Requires="p14 aink">
+          <p:contentPart p14:bwMode="auto" r:id="rId52">
+            <p14:nvContentPartPr>
+              <p14:cNvPr id="24" name="Ink 23">
+                <a:extLst>
+                  <a:ext uri="{FF2B5EF4-FFF2-40B4-BE49-F238E27FC236}">
+                    <a16:creationId xmlns:a16="http://schemas.microsoft.com/office/drawing/2014/main" id="{C2C4B934-6B5D-AB13-C0E7-04FC957E9674}"/>
+                  </a:ext>
+                </a:extLst>
+              </p14:cNvPr>
+              <p14:cNvContentPartPr/>
+              <p14:nvPr/>
+            </p14:nvContentPartPr>
+            <p14:xfrm>
+              <a:off x="5288766" y="4747810"/>
+              <a:ext cx="465120" cy="465120"/>
+            </p14:xfrm>
+          </p:contentPart>
+        </mc:Choice>
+        <mc:Fallback>
+          <p:pic>
+            <p:nvPicPr>
+              <p:cNvPr id="24" name="Ink 23">
+                <a:extLst>
+                  <a:ext uri="{FF2B5EF4-FFF2-40B4-BE49-F238E27FC236}">
+                    <a16:creationId xmlns:a16="http://schemas.microsoft.com/office/drawing/2014/main" id="{C2C4B934-6B5D-AB13-C0E7-04FC957E9674}"/>
+                  </a:ext>
+                </a:extLst>
+              </p:cNvPr>
+              <p:cNvPicPr/>
+              <p:nvPr/>
+            </p:nvPicPr>
+            <p:blipFill>
+              <a:blip r:embed="rId53"/>
+              <a:stretch>
+                <a:fillRect/>
+              </a:stretch>
+            </p:blipFill>
+            <p:spPr>
+              <a:xfrm>
+                <a:off x="5252766" y="4531810"/>
+                <a:ext cx="536760" cy="896760"/>
+              </a:xfrm>
+              <a:prstGeom prst="rect">
+                <a:avLst/>
+              </a:prstGeom>
+            </p:spPr>
+          </p:pic>
+        </mc:Fallback>
+      </mc:AlternateContent>
+      <mc:AlternateContent xmlns:mc="http://schemas.openxmlformats.org/markup-compatibility/2006">
+        <mc:Choice xmlns:p14="http://schemas.microsoft.com/office/powerpoint/2010/main" xmlns:aink="http://schemas.microsoft.com/office/drawing/2016/ink" Requires="p14 aink">
+          <p:contentPart p14:bwMode="auto" r:id="rId54">
+            <p14:nvContentPartPr>
+              <p14:cNvPr id="25" name="Ink 24">
+                <a:extLst>
+                  <a:ext uri="{FF2B5EF4-FFF2-40B4-BE49-F238E27FC236}">
+                    <a16:creationId xmlns:a16="http://schemas.microsoft.com/office/drawing/2014/main" id="{0BDF6421-9FB1-65C7-E406-A997C94413F8}"/>
+                  </a:ext>
+                </a:extLst>
+              </p14:cNvPr>
+              <p14:cNvContentPartPr/>
+              <p14:nvPr/>
+            </p14:nvContentPartPr>
+            <p14:xfrm>
+              <a:off x="5359941" y="1429684"/>
+              <a:ext cx="465120" cy="465120"/>
+            </p14:xfrm>
+          </p:contentPart>
+        </mc:Choice>
+        <mc:Fallback>
+          <p:pic>
+            <p:nvPicPr>
+              <p:cNvPr id="25" name="Ink 24">
+                <a:extLst>
+                  <a:ext uri="{FF2B5EF4-FFF2-40B4-BE49-F238E27FC236}">
+                    <a16:creationId xmlns:a16="http://schemas.microsoft.com/office/drawing/2014/main" id="{0BDF6421-9FB1-65C7-E406-A997C94413F8}"/>
+                  </a:ext>
+                </a:extLst>
+              </p:cNvPr>
+              <p:cNvPicPr/>
+              <p:nvPr/>
+            </p:nvPicPr>
+            <p:blipFill>
+              <a:blip r:embed="rId55"/>
+              <a:stretch>
+                <a:fillRect/>
+              </a:stretch>
+            </p:blipFill>
+            <p:spPr>
+              <a:xfrm>
+                <a:off x="5323941" y="1213684"/>
+                <a:ext cx="536760" cy="896760"/>
+              </a:xfrm>
+              <a:prstGeom prst="rect">
+                <a:avLst/>
+              </a:prstGeom>
+            </p:spPr>
+          </p:pic>
+        </mc:Fallback>
+      </mc:AlternateContent>
+      <mc:AlternateContent xmlns:mc="http://schemas.openxmlformats.org/markup-compatibility/2006">
+        <mc:Choice xmlns:p14="http://schemas.microsoft.com/office/powerpoint/2010/main" xmlns:aink="http://schemas.microsoft.com/office/drawing/2016/ink" Requires="p14 aink">
+          <p:contentPart p14:bwMode="auto" r:id="rId56">
+            <p14:nvContentPartPr>
+              <p14:cNvPr id="26" name="Ink 25">
+                <a:extLst>
+                  <a:ext uri="{FF2B5EF4-FFF2-40B4-BE49-F238E27FC236}">
+                    <a16:creationId xmlns:a16="http://schemas.microsoft.com/office/drawing/2014/main" id="{FD34A0C5-71A6-C132-FA14-7D9CEA27818F}"/>
+                  </a:ext>
+                </a:extLst>
+              </p14:cNvPr>
+              <p14:cNvContentPartPr/>
+              <p14:nvPr/>
+            </p14:nvContentPartPr>
+            <p14:xfrm>
+              <a:off x="7511511" y="911229"/>
+              <a:ext cx="465120" cy="465120"/>
+            </p14:xfrm>
+          </p:contentPart>
+        </mc:Choice>
+        <mc:Fallback>
+          <p:pic>
+            <p:nvPicPr>
+              <p:cNvPr id="26" name="Ink 25">
+                <a:extLst>
+                  <a:ext uri="{FF2B5EF4-FFF2-40B4-BE49-F238E27FC236}">
+                    <a16:creationId xmlns:a16="http://schemas.microsoft.com/office/drawing/2014/main" id="{FD34A0C5-71A6-C132-FA14-7D9CEA27818F}"/>
+                  </a:ext>
+                </a:extLst>
+              </p:cNvPr>
+              <p:cNvPicPr/>
+              <p:nvPr/>
+            </p:nvPicPr>
+            <p:blipFill>
+              <a:blip r:embed="rId57"/>
+              <a:stretch>
+                <a:fillRect/>
+              </a:stretch>
+            </p:blipFill>
+            <p:spPr>
+              <a:xfrm>
+                <a:off x="7475511" y="695229"/>
+                <a:ext cx="536760" cy="896760"/>
+              </a:xfrm>
+              <a:prstGeom prst="rect">
+                <a:avLst/>
+              </a:prstGeom>
+            </p:spPr>
+          </p:pic>
+        </mc:Fallback>
+      </mc:AlternateContent>
+      <mc:AlternateContent xmlns:mc="http://schemas.openxmlformats.org/markup-compatibility/2006">
+        <mc:Choice xmlns:p14="http://schemas.microsoft.com/office/powerpoint/2010/main" xmlns:aink="http://schemas.microsoft.com/office/drawing/2016/ink" Requires="p14 aink">
+          <p:contentPart p14:bwMode="auto" r:id="rId58">
+            <p14:nvContentPartPr>
+              <p14:cNvPr id="28" name="Ink 27">
+                <a:extLst>
+                  <a:ext uri="{FF2B5EF4-FFF2-40B4-BE49-F238E27FC236}">
+                    <a16:creationId xmlns:a16="http://schemas.microsoft.com/office/drawing/2014/main" id="{2FDC798A-7058-7A2A-2BDD-893A0832AD99}"/>
+                  </a:ext>
+                </a:extLst>
+              </p14:cNvPr>
+              <p14:cNvContentPartPr/>
+              <p14:nvPr/>
+            </p14:nvContentPartPr>
+            <p14:xfrm>
+              <a:off x="7990410" y="3059215"/>
+              <a:ext cx="465120" cy="465120"/>
+            </p14:xfrm>
+          </p:contentPart>
+        </mc:Choice>
+        <mc:Fallback>
+          <p:pic>
+            <p:nvPicPr>
+              <p:cNvPr id="28" name="Ink 27">
+                <a:extLst>
+                  <a:ext uri="{FF2B5EF4-FFF2-40B4-BE49-F238E27FC236}">
+                    <a16:creationId xmlns:a16="http://schemas.microsoft.com/office/drawing/2014/main" id="{2FDC798A-7058-7A2A-2BDD-893A0832AD99}"/>
+                  </a:ext>
+                </a:extLst>
+              </p:cNvPr>
+              <p:cNvPicPr/>
+              <p:nvPr/>
+            </p:nvPicPr>
+            <p:blipFill>
+              <a:blip r:embed="rId59"/>
+              <a:stretch>
+                <a:fillRect/>
+              </a:stretch>
+            </p:blipFill>
+            <p:spPr>
+              <a:xfrm>
+                <a:off x="7954410" y="2843215"/>
+                <a:ext cx="536760" cy="896760"/>
+              </a:xfrm>
+              <a:prstGeom prst="rect">
+                <a:avLst/>
+              </a:prstGeom>
+            </p:spPr>
+          </p:pic>
+        </mc:Fallback>
+      </mc:AlternateContent>
+      <mc:AlternateContent xmlns:mc="http://schemas.openxmlformats.org/markup-compatibility/2006">
+        <mc:Choice xmlns:p14="http://schemas.microsoft.com/office/powerpoint/2010/main" xmlns:aink="http://schemas.microsoft.com/office/drawing/2016/ink" Requires="p14 aink">
+          <p:contentPart p14:bwMode="auto" r:id="rId60">
+            <p14:nvContentPartPr>
+              <p14:cNvPr id="31" name="Ink 30">
+                <a:extLst>
+                  <a:ext uri="{FF2B5EF4-FFF2-40B4-BE49-F238E27FC236}">
+                    <a16:creationId xmlns:a16="http://schemas.microsoft.com/office/drawing/2014/main" id="{B3B56ACA-FADE-064F-B2A3-C9789790F0D6}"/>
+                  </a:ext>
+                </a:extLst>
+              </p14:cNvPr>
+              <p14:cNvContentPartPr/>
+              <p14:nvPr/>
+            </p14:nvContentPartPr>
+            <p14:xfrm>
+              <a:off x="7511511" y="5331240"/>
+              <a:ext cx="465120" cy="465120"/>
+            </p14:xfrm>
+          </p:contentPart>
+        </mc:Choice>
+        <mc:Fallback>
+          <p:pic>
+            <p:nvPicPr>
+              <p:cNvPr id="31" name="Ink 30">
+                <a:extLst>
+                  <a:ext uri="{FF2B5EF4-FFF2-40B4-BE49-F238E27FC236}">
+                    <a16:creationId xmlns:a16="http://schemas.microsoft.com/office/drawing/2014/main" id="{B3B56ACA-FADE-064F-B2A3-C9789790F0D6}"/>
+                  </a:ext>
+                </a:extLst>
+              </p:cNvPr>
+              <p:cNvPicPr/>
+              <p:nvPr/>
+            </p:nvPicPr>
+            <p:blipFill>
+              <a:blip r:embed="rId61"/>
+              <a:stretch>
+                <a:fillRect/>
+              </a:stretch>
+            </p:blipFill>
+            <p:spPr>
+              <a:xfrm>
+                <a:off x="7475511" y="5115240"/>
+                <a:ext cx="536760" cy="896760"/>
+              </a:xfrm>
+              <a:prstGeom prst="rect">
+                <a:avLst/>
+              </a:prstGeom>
+            </p:spPr>
+          </p:pic>
+        </mc:Fallback>
+      </mc:AlternateContent>
+    </p:spTree>
+    <p:extLst>
+      <p:ext uri="{BB962C8B-B14F-4D97-AF65-F5344CB8AC3E}">
+        <p14:creationId xmlns:p14="http://schemas.microsoft.com/office/powerpoint/2010/main" val="1948220406"/>
+      </p:ext>
+    </p:extLst>
+  </p:cSld>
+  <p:clrMapOvr>
+    <a:masterClrMapping/>
+  </p:clrMapOvr>
+</p:sld>
+</file>
+
+<file path=ppt/slides/slide7.xml><?xml version="1.0" encoding="utf-8"?>
+<p:sld xmlns:a="http://schemas.openxmlformats.org/drawingml/2006/main" xmlns:r="http://schemas.openxmlformats.org/officeDocument/2006/relationships" xmlns:p="http://schemas.openxmlformats.org/presentationml/2006/main">
+  <p:cSld>
+    <p:bg>
+      <p:bgPr>
+        <a:gradFill>
+          <a:gsLst>
+            <a:gs pos="0">
+              <a:srgbClr val="002D18"/>
+            </a:gs>
+            <a:gs pos="39000">
+              <a:srgbClr val="002D18"/>
+            </a:gs>
+            <a:gs pos="83000">
+              <a:srgbClr val="014D26"/>
+            </a:gs>
+            <a:gs pos="100000">
+              <a:srgbClr val="014D26"/>
+            </a:gs>
+          </a:gsLst>
+          <a:lin ang="10800000" scaled="1"/>
+        </a:gradFill>
+        <a:effectLst/>
+      </p:bgPr>
+    </p:bg>
+    <p:spTree>
+      <p:nvGrpSpPr>
+        <p:cNvPr id="1" name="">
+          <a:extLst>
+            <a:ext uri="{FF2B5EF4-FFF2-40B4-BE49-F238E27FC236}">
               <a16:creationId xmlns:a16="http://schemas.microsoft.com/office/drawing/2014/main" id="{9FA6D7D0-2766-01D1-1AD6-AA0133E7A442}"/>
             </a:ext>
           </a:extLst>
@@ -14612,7 +18812,7 @@
 </p:sld>
 </file>
 
-<file path=ppt/slides/slide7.xml><?xml version="1.0" encoding="utf-8"?>
+<file path=ppt/slides/slide8.xml><?xml version="1.0" encoding="utf-8"?>
 <p:sld xmlns:a="http://schemas.openxmlformats.org/drawingml/2006/main" xmlns:r="http://schemas.openxmlformats.org/officeDocument/2006/relationships" xmlns:p="http://schemas.openxmlformats.org/presentationml/2006/main">
   <p:cSld>
     <p:bg>
@@ -16419,7 +20619,7 @@
 </p:sld>
 </file>
 
-<file path=ppt/slides/slide8.xml><?xml version="1.0" encoding="utf-8"?>
+<file path=ppt/slides/slide9.xml><?xml version="1.0" encoding="utf-8"?>
 <p:sld xmlns:a="http://schemas.openxmlformats.org/drawingml/2006/main" xmlns:r="http://schemas.openxmlformats.org/officeDocument/2006/relationships" xmlns:p="http://schemas.openxmlformats.org/presentationml/2006/main">
   <p:cSld>
     <p:bg>
@@ -18052,1639 +22252,6 @@
 </p:sld>
 </file>
 
-<file path=ppt/slides/slide9.xml><?xml version="1.0" encoding="utf-8"?>
-<p:sld xmlns:a="http://schemas.openxmlformats.org/drawingml/2006/main" xmlns:r="http://schemas.openxmlformats.org/officeDocument/2006/relationships" xmlns:p="http://schemas.openxmlformats.org/presentationml/2006/main">
-  <p:cSld>
-    <p:bg>
-      <p:bgPr>
-        <a:gradFill>
-          <a:gsLst>
-            <a:gs pos="0">
-              <a:srgbClr val="002D18"/>
-            </a:gs>
-            <a:gs pos="39000">
-              <a:srgbClr val="002D18"/>
-            </a:gs>
-            <a:gs pos="83000">
-              <a:srgbClr val="014D26"/>
-            </a:gs>
-            <a:gs pos="100000">
-              <a:srgbClr val="014D26"/>
-            </a:gs>
-          </a:gsLst>
-          <a:lin ang="10800000" scaled="1"/>
-        </a:gradFill>
-        <a:effectLst/>
-      </p:bgPr>
-    </p:bg>
-    <p:spTree>
-      <p:nvGrpSpPr>
-        <p:cNvPr id="1" name="">
-          <a:extLst>
-            <a:ext uri="{FF2B5EF4-FFF2-40B4-BE49-F238E27FC236}">
-              <a16:creationId xmlns:a16="http://schemas.microsoft.com/office/drawing/2014/main" id="{5B64B603-0FB9-F399-8C96-F42610A68C61}"/>
-            </a:ext>
-          </a:extLst>
-        </p:cNvPr>
-        <p:cNvGrpSpPr/>
-        <p:nvPr/>
-      </p:nvGrpSpPr>
-      <p:grpSpPr>
-        <a:xfrm>
-          <a:off x="0" y="0"/>
-          <a:ext cx="0" cy="0"/>
-          <a:chOff x="0" y="0"/>
-          <a:chExt cx="0" cy="0"/>
-        </a:xfrm>
-      </p:grpSpPr>
-      <mc:AlternateContent xmlns:mc="http://schemas.openxmlformats.org/markup-compatibility/2006" xmlns:p14="http://schemas.microsoft.com/office/powerpoint/2010/main" xmlns:aink="http://schemas.microsoft.com/office/drawing/2016/ink">
-        <mc:Choice Requires="p14 aink">
-          <p:contentPart p14:bwMode="auto" r:id="rId2">
-            <p14:nvContentPartPr>
-              <p14:cNvPr id="2" name="Ink 1">
-                <a:extLst>
-                  <a:ext uri="{FF2B5EF4-FFF2-40B4-BE49-F238E27FC236}">
-                    <a16:creationId xmlns:a16="http://schemas.microsoft.com/office/drawing/2014/main" id="{762D949C-1CD7-527A-0335-D3ACF8B9521B}"/>
-                  </a:ext>
-                </a:extLst>
-              </p14:cNvPr>
-              <p14:cNvContentPartPr/>
-              <p14:nvPr/>
-            </p14:nvContentPartPr>
-            <p14:xfrm>
-              <a:off x="4553367" y="600073"/>
-              <a:ext cx="360" cy="360"/>
-            </p14:xfrm>
-          </p:contentPart>
-        </mc:Choice>
-        <mc:Fallback xmlns="">
-          <p:pic>
-            <p:nvPicPr>
-              <p:cNvPr id="2" name="Ink 1">
-                <a:extLst>
-                  <a:ext uri="{FF2B5EF4-FFF2-40B4-BE49-F238E27FC236}">
-                    <a16:creationId xmlns:a16="http://schemas.microsoft.com/office/drawing/2014/main" id="{762D949C-1CD7-527A-0335-D3ACF8B9521B}"/>
-                  </a:ext>
-                </a:extLst>
-              </p:cNvPr>
-              <p:cNvPicPr/>
-              <p:nvPr/>
-            </p:nvPicPr>
-            <p:blipFill>
-              <a:blip r:embed="rId3"/>
-              <a:stretch>
-                <a:fillRect/>
-              </a:stretch>
-            </p:blipFill>
-            <p:spPr>
-              <a:xfrm>
-                <a:off x="4490367" y="222073"/>
-                <a:ext cx="126000" cy="756000"/>
-              </a:xfrm>
-              <a:prstGeom prst="rect">
-                <a:avLst/>
-              </a:prstGeom>
-            </p:spPr>
-          </p:pic>
-        </mc:Fallback>
-      </mc:AlternateContent>
-      <mc:AlternateContent xmlns:mc="http://schemas.openxmlformats.org/markup-compatibility/2006" xmlns:p14="http://schemas.microsoft.com/office/powerpoint/2010/main" xmlns:aink="http://schemas.microsoft.com/office/drawing/2016/ink">
-        <mc:Choice Requires="p14 aink">
-          <p:contentPart p14:bwMode="auto" r:id="rId4">
-            <p14:nvContentPartPr>
-              <p14:cNvPr id="6" name="Ink 5">
-                <a:extLst>
-                  <a:ext uri="{FF2B5EF4-FFF2-40B4-BE49-F238E27FC236}">
-                    <a16:creationId xmlns:a16="http://schemas.microsoft.com/office/drawing/2014/main" id="{002827C2-B0DB-9F7C-ABAF-FFD8A1460DD3}"/>
-                  </a:ext>
-                </a:extLst>
-              </p14:cNvPr>
-              <p14:cNvContentPartPr/>
-              <p14:nvPr/>
-            </p14:nvContentPartPr>
-            <p14:xfrm>
-              <a:off x="1065221" y="565330"/>
-              <a:ext cx="10067760" cy="19440"/>
-            </p14:xfrm>
-          </p:contentPart>
-        </mc:Choice>
-        <mc:Fallback xmlns="">
-          <p:pic>
-            <p:nvPicPr>
-              <p:cNvPr id="6" name="Ink 5">
-                <a:extLst>
-                  <a:ext uri="{FF2B5EF4-FFF2-40B4-BE49-F238E27FC236}">
-                    <a16:creationId xmlns:a16="http://schemas.microsoft.com/office/drawing/2014/main" id="{002827C2-B0DB-9F7C-ABAF-FFD8A1460DD3}"/>
-                  </a:ext>
-                </a:extLst>
-              </p:cNvPr>
-              <p:cNvPicPr/>
-              <p:nvPr/>
-            </p:nvPicPr>
-            <p:blipFill>
-              <a:blip r:embed="rId5"/>
-              <a:stretch>
-                <a:fillRect/>
-              </a:stretch>
-            </p:blipFill>
-            <p:spPr>
-              <a:xfrm>
-                <a:off x="1002221" y="187330"/>
-                <a:ext cx="10193400" cy="775080"/>
-              </a:xfrm>
-              <a:prstGeom prst="rect">
-                <a:avLst/>
-              </a:prstGeom>
-            </p:spPr>
-          </p:pic>
-        </mc:Fallback>
-      </mc:AlternateContent>
-      <mc:AlternateContent xmlns:mc="http://schemas.openxmlformats.org/markup-compatibility/2006" xmlns:p14="http://schemas.microsoft.com/office/powerpoint/2010/main" xmlns:aink="http://schemas.microsoft.com/office/drawing/2016/ink">
-        <mc:Choice Requires="p14 aink">
-          <p:contentPart p14:bwMode="auto" r:id="rId6">
-            <p14:nvContentPartPr>
-              <p14:cNvPr id="10" name="Ink 9">
-                <a:extLst>
-                  <a:ext uri="{FF2B5EF4-FFF2-40B4-BE49-F238E27FC236}">
-                    <a16:creationId xmlns:a16="http://schemas.microsoft.com/office/drawing/2014/main" id="{E8512C24-274B-3434-E1DC-8D37E539C13D}"/>
-                  </a:ext>
-                </a:extLst>
-              </p14:cNvPr>
-              <p14:cNvContentPartPr/>
-              <p14:nvPr/>
-            </p14:nvContentPartPr>
-            <p14:xfrm>
-              <a:off x="1009161" y="593410"/>
-              <a:ext cx="65420" cy="5651740"/>
-            </p14:xfrm>
-          </p:contentPart>
-        </mc:Choice>
-        <mc:Fallback xmlns="">
-          <p:pic>
-            <p:nvPicPr>
-              <p:cNvPr id="10" name="Ink 9">
-                <a:extLst>
-                  <a:ext uri="{FF2B5EF4-FFF2-40B4-BE49-F238E27FC236}">
-                    <a16:creationId xmlns:a16="http://schemas.microsoft.com/office/drawing/2014/main" id="{E8512C24-274B-3434-E1DC-8D37E539C13D}"/>
-                  </a:ext>
-                </a:extLst>
-              </p:cNvPr>
-              <p:cNvPicPr/>
-              <p:nvPr/>
-            </p:nvPicPr>
-            <p:blipFill>
-              <a:blip r:embed="rId7"/>
-              <a:stretch>
-                <a:fillRect/>
-              </a:stretch>
-            </p:blipFill>
-            <p:spPr>
-              <a:xfrm>
-                <a:off x="946257" y="215403"/>
-                <a:ext cx="190868" cy="6407393"/>
-              </a:xfrm>
-              <a:prstGeom prst="rect">
-                <a:avLst/>
-              </a:prstGeom>
-            </p:spPr>
-          </p:pic>
-        </mc:Fallback>
-      </mc:AlternateContent>
-      <mc:AlternateContent xmlns:mc="http://schemas.openxmlformats.org/markup-compatibility/2006" xmlns:p14="http://schemas.microsoft.com/office/powerpoint/2010/main" xmlns:aink="http://schemas.microsoft.com/office/drawing/2016/ink">
-        <mc:Choice Requires="p14 aink">
-          <p:contentPart p14:bwMode="auto" r:id="rId8">
-            <p14:nvContentPartPr>
-              <p14:cNvPr id="12" name="Ink 11">
-                <a:extLst>
-                  <a:ext uri="{FF2B5EF4-FFF2-40B4-BE49-F238E27FC236}">
-                    <a16:creationId xmlns:a16="http://schemas.microsoft.com/office/drawing/2014/main" id="{27A89234-9612-1937-EEB4-1EFC29A05BF7}"/>
-                  </a:ext>
-                </a:extLst>
-              </p14:cNvPr>
-              <p14:cNvContentPartPr/>
-              <p14:nvPr/>
-            </p14:nvContentPartPr>
-            <p14:xfrm>
-              <a:off x="1046141" y="6277810"/>
-              <a:ext cx="10115640" cy="19440"/>
-            </p14:xfrm>
-          </p:contentPart>
-        </mc:Choice>
-        <mc:Fallback xmlns="">
-          <p:pic>
-            <p:nvPicPr>
-              <p:cNvPr id="12" name="Ink 11">
-                <a:extLst>
-                  <a:ext uri="{FF2B5EF4-FFF2-40B4-BE49-F238E27FC236}">
-                    <a16:creationId xmlns:a16="http://schemas.microsoft.com/office/drawing/2014/main" id="{27A89234-9612-1937-EEB4-1EFC29A05BF7}"/>
-                  </a:ext>
-                </a:extLst>
-              </p:cNvPr>
-              <p:cNvPicPr/>
-              <p:nvPr/>
-            </p:nvPicPr>
-            <p:blipFill>
-              <a:blip r:embed="rId9"/>
-              <a:stretch>
-                <a:fillRect/>
-              </a:stretch>
-            </p:blipFill>
-            <p:spPr>
-              <a:xfrm>
-                <a:off x="983141" y="5899810"/>
-                <a:ext cx="10241280" cy="775080"/>
-              </a:xfrm>
-              <a:prstGeom prst="rect">
-                <a:avLst/>
-              </a:prstGeom>
-            </p:spPr>
-          </p:pic>
-        </mc:Fallback>
-      </mc:AlternateContent>
-      <mc:AlternateContent xmlns:mc="http://schemas.openxmlformats.org/markup-compatibility/2006" xmlns:p14="http://schemas.microsoft.com/office/powerpoint/2010/main" xmlns:aink="http://schemas.microsoft.com/office/drawing/2016/ink">
-        <mc:Choice Requires="p14 aink">
-          <p:contentPart p14:bwMode="auto" r:id="rId10">
-            <p14:nvContentPartPr>
-              <p14:cNvPr id="14" name="Ink 13">
-                <a:extLst>
-                  <a:ext uri="{FF2B5EF4-FFF2-40B4-BE49-F238E27FC236}">
-                    <a16:creationId xmlns:a16="http://schemas.microsoft.com/office/drawing/2014/main" id="{C60F150C-FD8A-75D5-D003-ED0B51544B4A}"/>
-                  </a:ext>
-                </a:extLst>
-              </p14:cNvPr>
-              <p14:cNvContentPartPr/>
-              <p14:nvPr/>
-            </p14:nvContentPartPr>
-            <p14:xfrm>
-              <a:off x="11113901" y="584410"/>
-              <a:ext cx="38160" cy="5722560"/>
-            </p14:xfrm>
-          </p:contentPart>
-        </mc:Choice>
-        <mc:Fallback xmlns="">
-          <p:pic>
-            <p:nvPicPr>
-              <p:cNvPr id="14" name="Ink 13">
-                <a:extLst>
-                  <a:ext uri="{FF2B5EF4-FFF2-40B4-BE49-F238E27FC236}">
-                    <a16:creationId xmlns:a16="http://schemas.microsoft.com/office/drawing/2014/main" id="{C60F150C-FD8A-75D5-D003-ED0B51544B4A}"/>
-                  </a:ext>
-                </a:extLst>
-              </p:cNvPr>
-              <p:cNvPicPr/>
-              <p:nvPr/>
-            </p:nvPicPr>
-            <p:blipFill>
-              <a:blip r:embed="rId11"/>
-              <a:stretch>
-                <a:fillRect/>
-              </a:stretch>
-            </p:blipFill>
-            <p:spPr>
-              <a:xfrm>
-                <a:off x="11050901" y="206410"/>
-                <a:ext cx="163800" cy="6478200"/>
-              </a:xfrm>
-              <a:prstGeom prst="rect">
-                <a:avLst/>
-              </a:prstGeom>
-            </p:spPr>
-          </p:pic>
-        </mc:Fallback>
-      </mc:AlternateContent>
-      <p:grpSp>
-        <p:nvGrpSpPr>
-          <p:cNvPr id="39" name="Group 38">
-            <a:extLst>
-              <a:ext uri="{FF2B5EF4-FFF2-40B4-BE49-F238E27FC236}">
-                <a16:creationId xmlns:a16="http://schemas.microsoft.com/office/drawing/2014/main" id="{BA25E8D2-6118-5BD1-43E5-8897449FD8DE}"/>
-              </a:ext>
-            </a:extLst>
-          </p:cNvPr>
-          <p:cNvGrpSpPr/>
-          <p:nvPr/>
-        </p:nvGrpSpPr>
-        <p:grpSpPr>
-          <a:xfrm>
-            <a:off x="1027421" y="1611850"/>
-            <a:ext cx="2630520" cy="3638160"/>
-            <a:chOff x="1027421" y="1611850"/>
-            <a:chExt cx="2630520" cy="3638160"/>
-          </a:xfrm>
-        </p:grpSpPr>
-        <mc:AlternateContent xmlns:mc="http://schemas.openxmlformats.org/markup-compatibility/2006" xmlns:p14="http://schemas.microsoft.com/office/powerpoint/2010/main" xmlns:aink="http://schemas.microsoft.com/office/drawing/2016/ink">
-          <mc:Choice Requires="p14 aink">
-            <p:contentPart p14:bwMode="auto" r:id="rId12">
-              <p14:nvContentPartPr>
-                <p14:cNvPr id="27" name="Ink 26">
-                  <a:extLst>
-                    <a:ext uri="{FF2B5EF4-FFF2-40B4-BE49-F238E27FC236}">
-                      <a16:creationId xmlns:a16="http://schemas.microsoft.com/office/drawing/2014/main" id="{A3A1BC34-66ED-1BEA-796D-28950A772525}"/>
-                    </a:ext>
-                  </a:extLst>
-                </p14:cNvPr>
-                <p14:cNvContentPartPr/>
-                <p14:nvPr/>
-              </p14:nvContentPartPr>
-              <p14:xfrm>
-                <a:off x="1065221" y="1611850"/>
-                <a:ext cx="2554920" cy="28440"/>
-              </p14:xfrm>
-            </p:contentPart>
-          </mc:Choice>
-          <mc:Fallback xmlns="">
-            <p:pic>
-              <p:nvPicPr>
-                <p:cNvPr id="27" name="Ink 26">
-                  <a:extLst>
-                    <a:ext uri="{FF2B5EF4-FFF2-40B4-BE49-F238E27FC236}">
-                      <a16:creationId xmlns:a16="http://schemas.microsoft.com/office/drawing/2014/main" id="{A3A1BC34-66ED-1BEA-796D-28950A772525}"/>
-                    </a:ext>
-                  </a:extLst>
-                </p:cNvPr>
-                <p:cNvPicPr/>
-                <p:nvPr/>
-              </p:nvPicPr>
-              <p:blipFill>
-                <a:blip r:embed="rId13"/>
-                <a:stretch>
-                  <a:fillRect/>
-                </a:stretch>
-              </p:blipFill>
-              <p:spPr>
-                <a:xfrm>
-                  <a:off x="1002221" y="1233850"/>
-                  <a:ext cx="2680560" cy="784080"/>
-                </a:xfrm>
-                <a:prstGeom prst="rect">
-                  <a:avLst/>
-                </a:prstGeom>
-              </p:spPr>
-            </p:pic>
-          </mc:Fallback>
-        </mc:AlternateContent>
-        <mc:AlternateContent xmlns:mc="http://schemas.openxmlformats.org/markup-compatibility/2006" xmlns:p14="http://schemas.microsoft.com/office/powerpoint/2010/main" xmlns:aink="http://schemas.microsoft.com/office/drawing/2016/ink">
-          <mc:Choice Requires="p14 aink">
-            <p:contentPart p14:bwMode="auto" r:id="rId14">
-              <p14:nvContentPartPr>
-                <p14:cNvPr id="29" name="Ink 28">
-                  <a:extLst>
-                    <a:ext uri="{FF2B5EF4-FFF2-40B4-BE49-F238E27FC236}">
-                      <a16:creationId xmlns:a16="http://schemas.microsoft.com/office/drawing/2014/main" id="{D07076BC-B322-C6D0-3EC5-3975F63EAC47}"/>
-                    </a:ext>
-                  </a:extLst>
-                </p14:cNvPr>
-                <p14:cNvContentPartPr/>
-                <p14:nvPr/>
-              </p14:nvContentPartPr>
-              <p14:xfrm>
-                <a:off x="1027421" y="5212930"/>
-                <a:ext cx="2630520" cy="19440"/>
-              </p14:xfrm>
-            </p:contentPart>
-          </mc:Choice>
-          <mc:Fallback xmlns="">
-            <p:pic>
-              <p:nvPicPr>
-                <p:cNvPr id="29" name="Ink 28">
-                  <a:extLst>
-                    <a:ext uri="{FF2B5EF4-FFF2-40B4-BE49-F238E27FC236}">
-                      <a16:creationId xmlns:a16="http://schemas.microsoft.com/office/drawing/2014/main" id="{D07076BC-B322-C6D0-3EC5-3975F63EAC47}"/>
-                    </a:ext>
-                  </a:extLst>
-                </p:cNvPr>
-                <p:cNvPicPr/>
-                <p:nvPr/>
-              </p:nvPicPr>
-              <p:blipFill>
-                <a:blip r:embed="rId15"/>
-                <a:stretch>
-                  <a:fillRect/>
-                </a:stretch>
-              </p:blipFill>
-              <p:spPr>
-                <a:xfrm>
-                  <a:off x="964421" y="4834930"/>
-                  <a:ext cx="2756160" cy="775080"/>
-                </a:xfrm>
-                <a:prstGeom prst="rect">
-                  <a:avLst/>
-                </a:prstGeom>
-              </p:spPr>
-            </p:pic>
-          </mc:Fallback>
-        </mc:AlternateContent>
-        <mc:AlternateContent xmlns:mc="http://schemas.openxmlformats.org/markup-compatibility/2006" xmlns:p14="http://schemas.microsoft.com/office/powerpoint/2010/main" xmlns:aink="http://schemas.microsoft.com/office/drawing/2016/ink">
-          <mc:Choice Requires="p14 aink">
-            <p:contentPart p14:bwMode="auto" r:id="rId16">
-              <p14:nvContentPartPr>
-                <p14:cNvPr id="30" name="Ink 29">
-                  <a:extLst>
-                    <a:ext uri="{FF2B5EF4-FFF2-40B4-BE49-F238E27FC236}">
-                      <a16:creationId xmlns:a16="http://schemas.microsoft.com/office/drawing/2014/main" id="{EF7E9053-E46C-2BF6-22B1-578BB27551CD}"/>
-                    </a:ext>
-                  </a:extLst>
-                </p14:cNvPr>
-                <p14:cNvContentPartPr/>
-                <p14:nvPr/>
-              </p14:nvContentPartPr>
-              <p14:xfrm>
-                <a:off x="3572621" y="1630930"/>
-                <a:ext cx="38520" cy="3619080"/>
-              </p14:xfrm>
-            </p:contentPart>
-          </mc:Choice>
-          <mc:Fallback xmlns="">
-            <p:pic>
-              <p:nvPicPr>
-                <p:cNvPr id="30" name="Ink 29">
-                  <a:extLst>
-                    <a:ext uri="{FF2B5EF4-FFF2-40B4-BE49-F238E27FC236}">
-                      <a16:creationId xmlns:a16="http://schemas.microsoft.com/office/drawing/2014/main" id="{EF7E9053-E46C-2BF6-22B1-578BB27551CD}"/>
-                    </a:ext>
-                  </a:extLst>
-                </p:cNvPr>
-                <p:cNvPicPr/>
-                <p:nvPr/>
-              </p:nvPicPr>
-              <p:blipFill>
-                <a:blip r:embed="rId17"/>
-                <a:stretch>
-                  <a:fillRect/>
-                </a:stretch>
-              </p:blipFill>
-              <p:spPr>
-                <a:xfrm>
-                  <a:off x="3509621" y="1252930"/>
-                  <a:ext cx="164160" cy="4374720"/>
-                </a:xfrm>
-                <a:prstGeom prst="rect">
-                  <a:avLst/>
-                </a:prstGeom>
-              </p:spPr>
-            </p:pic>
-          </mc:Fallback>
-        </mc:AlternateContent>
-      </p:grpSp>
-      <p:grpSp>
-        <p:nvGrpSpPr>
-          <p:cNvPr id="40" name="Group 39">
-            <a:extLst>
-              <a:ext uri="{FF2B5EF4-FFF2-40B4-BE49-F238E27FC236}">
-                <a16:creationId xmlns:a16="http://schemas.microsoft.com/office/drawing/2014/main" id="{8D069C40-8A2A-D26E-3351-0D59D8DC6CB1}"/>
-              </a:ext>
-            </a:extLst>
-          </p:cNvPr>
-          <p:cNvGrpSpPr/>
-          <p:nvPr/>
-        </p:nvGrpSpPr>
-        <p:grpSpPr>
-          <a:xfrm>
-            <a:off x="1048448" y="2370716"/>
-            <a:ext cx="1433520" cy="2112120"/>
-            <a:chOff x="1048448" y="2370716"/>
-            <a:chExt cx="1433520" cy="2112120"/>
-          </a:xfrm>
-        </p:grpSpPr>
-        <mc:AlternateContent xmlns:mc="http://schemas.openxmlformats.org/markup-compatibility/2006" xmlns:p14="http://schemas.microsoft.com/office/powerpoint/2010/main" xmlns:aink="http://schemas.microsoft.com/office/drawing/2016/ink">
-          <mc:Choice Requires="p14 aink">
-            <p:contentPart p14:bwMode="auto" r:id="rId18">
-              <p14:nvContentPartPr>
-                <p14:cNvPr id="32" name="Ink 31">
-                  <a:extLst>
-                    <a:ext uri="{FF2B5EF4-FFF2-40B4-BE49-F238E27FC236}">
-                      <a16:creationId xmlns:a16="http://schemas.microsoft.com/office/drawing/2014/main" id="{0013A40A-D763-B82A-C08E-DA95BFDC0C19}"/>
-                    </a:ext>
-                  </a:extLst>
-                </p14:cNvPr>
-                <p14:cNvContentPartPr/>
-                <p14:nvPr/>
-              </p14:nvContentPartPr>
-              <p14:xfrm>
-                <a:off x="1048448" y="2370716"/>
-                <a:ext cx="1405080" cy="10080"/>
-              </p14:xfrm>
-            </p:contentPart>
-          </mc:Choice>
-          <mc:Fallback xmlns="">
-            <p:pic>
-              <p:nvPicPr>
-                <p:cNvPr id="32" name="Ink 31">
-                  <a:extLst>
-                    <a:ext uri="{FF2B5EF4-FFF2-40B4-BE49-F238E27FC236}">
-                      <a16:creationId xmlns:a16="http://schemas.microsoft.com/office/drawing/2014/main" id="{0013A40A-D763-B82A-C08E-DA95BFDC0C19}"/>
-                    </a:ext>
-                  </a:extLst>
-                </p:cNvPr>
-                <p:cNvPicPr/>
-                <p:nvPr/>
-              </p:nvPicPr>
-              <p:blipFill>
-                <a:blip r:embed="rId19"/>
-                <a:stretch>
-                  <a:fillRect/>
-                </a:stretch>
-              </p:blipFill>
-              <p:spPr>
-                <a:xfrm>
-                  <a:off x="985448" y="1992716"/>
-                  <a:ext cx="1530720" cy="765720"/>
-                </a:xfrm>
-                <a:prstGeom prst="rect">
-                  <a:avLst/>
-                </a:prstGeom>
-              </p:spPr>
-            </p:pic>
-          </mc:Fallback>
-        </mc:AlternateContent>
-        <mc:AlternateContent xmlns:mc="http://schemas.openxmlformats.org/markup-compatibility/2006" xmlns:p14="http://schemas.microsoft.com/office/powerpoint/2010/main" xmlns:aink="http://schemas.microsoft.com/office/drawing/2016/ink">
-          <mc:Choice Requires="p14 aink">
-            <p:contentPart p14:bwMode="auto" r:id="rId20">
-              <p14:nvContentPartPr>
-                <p14:cNvPr id="36" name="Ink 35">
-                  <a:extLst>
-                    <a:ext uri="{FF2B5EF4-FFF2-40B4-BE49-F238E27FC236}">
-                      <a16:creationId xmlns:a16="http://schemas.microsoft.com/office/drawing/2014/main" id="{B84D8077-4946-CC4B-E873-859E183DCD11}"/>
-                    </a:ext>
-                  </a:extLst>
-                </p14:cNvPr>
-                <p14:cNvContentPartPr/>
-                <p14:nvPr/>
-              </p14:nvContentPartPr>
-              <p14:xfrm>
-                <a:off x="1048448" y="4473116"/>
-                <a:ext cx="1433520" cy="9720"/>
-              </p14:xfrm>
-            </p:contentPart>
-          </mc:Choice>
-          <mc:Fallback xmlns="">
-            <p:pic>
-              <p:nvPicPr>
-                <p:cNvPr id="36" name="Ink 35">
-                  <a:extLst>
-                    <a:ext uri="{FF2B5EF4-FFF2-40B4-BE49-F238E27FC236}">
-                      <a16:creationId xmlns:a16="http://schemas.microsoft.com/office/drawing/2014/main" id="{B84D8077-4946-CC4B-E873-859E183DCD11}"/>
-                    </a:ext>
-                  </a:extLst>
-                </p:cNvPr>
-                <p:cNvPicPr/>
-                <p:nvPr/>
-              </p:nvPicPr>
-              <p:blipFill>
-                <a:blip r:embed="rId21"/>
-                <a:stretch>
-                  <a:fillRect/>
-                </a:stretch>
-              </p:blipFill>
-              <p:spPr>
-                <a:xfrm>
-                  <a:off x="985448" y="4095116"/>
-                  <a:ext cx="1559160" cy="765360"/>
-                </a:xfrm>
-                <a:prstGeom prst="rect">
-                  <a:avLst/>
-                </a:prstGeom>
-              </p:spPr>
-            </p:pic>
-          </mc:Fallback>
-        </mc:AlternateContent>
-        <mc:AlternateContent xmlns:mc="http://schemas.openxmlformats.org/markup-compatibility/2006" xmlns:p14="http://schemas.microsoft.com/office/powerpoint/2010/main" xmlns:aink="http://schemas.microsoft.com/office/drawing/2016/ink">
-          <mc:Choice Requires="p14 aink">
-            <p:contentPart p14:bwMode="auto" r:id="rId22">
-              <p14:nvContentPartPr>
-                <p14:cNvPr id="38" name="Ink 37">
-                  <a:extLst>
-                    <a:ext uri="{FF2B5EF4-FFF2-40B4-BE49-F238E27FC236}">
-                      <a16:creationId xmlns:a16="http://schemas.microsoft.com/office/drawing/2014/main" id="{FD41B90D-82DE-5E72-0E15-62F6C02737FC}"/>
-                    </a:ext>
-                  </a:extLst>
-                </p14:cNvPr>
-                <p14:cNvContentPartPr/>
-                <p14:nvPr/>
-              </p14:nvContentPartPr>
-              <p14:xfrm>
-                <a:off x="2415368" y="2380436"/>
-                <a:ext cx="38160" cy="2102400"/>
-              </p14:xfrm>
-            </p:contentPart>
-          </mc:Choice>
-          <mc:Fallback xmlns="">
-            <p:pic>
-              <p:nvPicPr>
-                <p:cNvPr id="38" name="Ink 37">
-                  <a:extLst>
-                    <a:ext uri="{FF2B5EF4-FFF2-40B4-BE49-F238E27FC236}">
-                      <a16:creationId xmlns:a16="http://schemas.microsoft.com/office/drawing/2014/main" id="{FD41B90D-82DE-5E72-0E15-62F6C02737FC}"/>
-                    </a:ext>
-                  </a:extLst>
-                </p:cNvPr>
-                <p:cNvPicPr/>
-                <p:nvPr/>
-              </p:nvPicPr>
-              <p:blipFill>
-                <a:blip r:embed="rId23"/>
-                <a:stretch>
-                  <a:fillRect/>
-                </a:stretch>
-              </p:blipFill>
-              <p:spPr>
-                <a:xfrm>
-                  <a:off x="2352368" y="2002436"/>
-                  <a:ext cx="163800" cy="2858040"/>
-                </a:xfrm>
-                <a:prstGeom prst="rect">
-                  <a:avLst/>
-                </a:prstGeom>
-              </p:spPr>
-            </p:pic>
-          </mc:Fallback>
-        </mc:AlternateContent>
-      </p:grpSp>
-      <p:grpSp>
-        <p:nvGrpSpPr>
-          <p:cNvPr id="41" name="Group 40">
-            <a:extLst>
-              <a:ext uri="{FF2B5EF4-FFF2-40B4-BE49-F238E27FC236}">
-                <a16:creationId xmlns:a16="http://schemas.microsoft.com/office/drawing/2014/main" id="{20333569-20FA-23E1-599B-2A412C22EB68}"/>
-              </a:ext>
-            </a:extLst>
-          </p:cNvPr>
-          <p:cNvGrpSpPr/>
-          <p:nvPr/>
-        </p:nvGrpSpPr>
-        <p:grpSpPr>
-          <a:xfrm rot="10800000">
-            <a:off x="8461372" y="1609920"/>
-            <a:ext cx="2630520" cy="3638160"/>
-            <a:chOff x="1027421" y="1611850"/>
-            <a:chExt cx="2630520" cy="3638160"/>
-          </a:xfrm>
-        </p:grpSpPr>
-        <mc:AlternateContent xmlns:mc="http://schemas.openxmlformats.org/markup-compatibility/2006" xmlns:p14="http://schemas.microsoft.com/office/powerpoint/2010/main" xmlns:aink="http://schemas.microsoft.com/office/drawing/2016/ink">
-          <mc:Choice Requires="p14 aink">
-            <p:contentPart p14:bwMode="auto" r:id="rId24">
-              <p14:nvContentPartPr>
-                <p14:cNvPr id="42" name="Ink 41">
-                  <a:extLst>
-                    <a:ext uri="{FF2B5EF4-FFF2-40B4-BE49-F238E27FC236}">
-                      <a16:creationId xmlns:a16="http://schemas.microsoft.com/office/drawing/2014/main" id="{0151725E-5027-37E9-5B2D-2EF957B5A416}"/>
-                    </a:ext>
-                  </a:extLst>
-                </p14:cNvPr>
-                <p14:cNvContentPartPr/>
-                <p14:nvPr/>
-              </p14:nvContentPartPr>
-              <p14:xfrm>
-                <a:off x="1065221" y="1611850"/>
-                <a:ext cx="2554920" cy="28440"/>
-              </p14:xfrm>
-            </p:contentPart>
-          </mc:Choice>
-          <mc:Fallback xmlns="">
-            <p:pic>
-              <p:nvPicPr>
-                <p:cNvPr id="42" name="Ink 41">
-                  <a:extLst>
-                    <a:ext uri="{FF2B5EF4-FFF2-40B4-BE49-F238E27FC236}">
-                      <a16:creationId xmlns:a16="http://schemas.microsoft.com/office/drawing/2014/main" id="{0151725E-5027-37E9-5B2D-2EF957B5A416}"/>
-                    </a:ext>
-                  </a:extLst>
-                </p:cNvPr>
-                <p:cNvPicPr/>
-                <p:nvPr/>
-              </p:nvPicPr>
-              <p:blipFill>
-                <a:blip r:embed="rId25"/>
-                <a:stretch>
-                  <a:fillRect/>
-                </a:stretch>
-              </p:blipFill>
-              <p:spPr>
-                <a:xfrm>
-                  <a:off x="1002221" y="1233850"/>
-                  <a:ext cx="2680560" cy="784080"/>
-                </a:xfrm>
-                <a:prstGeom prst="rect">
-                  <a:avLst/>
-                </a:prstGeom>
-              </p:spPr>
-            </p:pic>
-          </mc:Fallback>
-        </mc:AlternateContent>
-        <mc:AlternateContent xmlns:mc="http://schemas.openxmlformats.org/markup-compatibility/2006" xmlns:p14="http://schemas.microsoft.com/office/powerpoint/2010/main" xmlns:aink="http://schemas.microsoft.com/office/drawing/2016/ink">
-          <mc:Choice Requires="p14 aink">
-            <p:contentPart p14:bwMode="auto" r:id="rId26">
-              <p14:nvContentPartPr>
-                <p14:cNvPr id="43" name="Ink 42">
-                  <a:extLst>
-                    <a:ext uri="{FF2B5EF4-FFF2-40B4-BE49-F238E27FC236}">
-                      <a16:creationId xmlns:a16="http://schemas.microsoft.com/office/drawing/2014/main" id="{78B858F4-A9A5-56CD-737A-DAE243AFF3B0}"/>
-                    </a:ext>
-                  </a:extLst>
-                </p14:cNvPr>
-                <p14:cNvContentPartPr/>
-                <p14:nvPr/>
-              </p14:nvContentPartPr>
-              <p14:xfrm>
-                <a:off x="1027421" y="5212930"/>
-                <a:ext cx="2630520" cy="19440"/>
-              </p14:xfrm>
-            </p:contentPart>
-          </mc:Choice>
-          <mc:Fallback xmlns="">
-            <p:pic>
-              <p:nvPicPr>
-                <p:cNvPr id="43" name="Ink 42">
-                  <a:extLst>
-                    <a:ext uri="{FF2B5EF4-FFF2-40B4-BE49-F238E27FC236}">
-                      <a16:creationId xmlns:a16="http://schemas.microsoft.com/office/drawing/2014/main" id="{78B858F4-A9A5-56CD-737A-DAE243AFF3B0}"/>
-                    </a:ext>
-                  </a:extLst>
-                </p:cNvPr>
-                <p:cNvPicPr/>
-                <p:nvPr/>
-              </p:nvPicPr>
-              <p:blipFill>
-                <a:blip r:embed="rId27"/>
-                <a:stretch>
-                  <a:fillRect/>
-                </a:stretch>
-              </p:blipFill>
-              <p:spPr>
-                <a:xfrm>
-                  <a:off x="964421" y="4834930"/>
-                  <a:ext cx="2756160" cy="775080"/>
-                </a:xfrm>
-                <a:prstGeom prst="rect">
-                  <a:avLst/>
-                </a:prstGeom>
-              </p:spPr>
-            </p:pic>
-          </mc:Fallback>
-        </mc:AlternateContent>
-        <mc:AlternateContent xmlns:mc="http://schemas.openxmlformats.org/markup-compatibility/2006" xmlns:p14="http://schemas.microsoft.com/office/powerpoint/2010/main" xmlns:aink="http://schemas.microsoft.com/office/drawing/2016/ink">
-          <mc:Choice Requires="p14 aink">
-            <p:contentPart p14:bwMode="auto" r:id="rId28">
-              <p14:nvContentPartPr>
-                <p14:cNvPr id="44" name="Ink 43">
-                  <a:extLst>
-                    <a:ext uri="{FF2B5EF4-FFF2-40B4-BE49-F238E27FC236}">
-                      <a16:creationId xmlns:a16="http://schemas.microsoft.com/office/drawing/2014/main" id="{B5EA78AA-C1B1-F0AA-DCE5-2C7BE5F40749}"/>
-                    </a:ext>
-                  </a:extLst>
-                </p14:cNvPr>
-                <p14:cNvContentPartPr/>
-                <p14:nvPr/>
-              </p14:nvContentPartPr>
-              <p14:xfrm>
-                <a:off x="3572621" y="1630930"/>
-                <a:ext cx="38520" cy="3619080"/>
-              </p14:xfrm>
-            </p:contentPart>
-          </mc:Choice>
-          <mc:Fallback xmlns="">
-            <p:pic>
-              <p:nvPicPr>
-                <p:cNvPr id="44" name="Ink 43">
-                  <a:extLst>
-                    <a:ext uri="{FF2B5EF4-FFF2-40B4-BE49-F238E27FC236}">
-                      <a16:creationId xmlns:a16="http://schemas.microsoft.com/office/drawing/2014/main" id="{B5EA78AA-C1B1-F0AA-DCE5-2C7BE5F40749}"/>
-                    </a:ext>
-                  </a:extLst>
-                </p:cNvPr>
-                <p:cNvPicPr/>
-                <p:nvPr/>
-              </p:nvPicPr>
-              <p:blipFill>
-                <a:blip r:embed="rId29"/>
-                <a:stretch>
-                  <a:fillRect/>
-                </a:stretch>
-              </p:blipFill>
-              <p:spPr>
-                <a:xfrm>
-                  <a:off x="3509621" y="1252930"/>
-                  <a:ext cx="164160" cy="4374720"/>
-                </a:xfrm>
-                <a:prstGeom prst="rect">
-                  <a:avLst/>
-                </a:prstGeom>
-              </p:spPr>
-            </p:pic>
-          </mc:Fallback>
-        </mc:AlternateContent>
-      </p:grpSp>
-      <p:grpSp>
-        <p:nvGrpSpPr>
-          <p:cNvPr id="45" name="Group 44">
-            <a:extLst>
-              <a:ext uri="{FF2B5EF4-FFF2-40B4-BE49-F238E27FC236}">
-                <a16:creationId xmlns:a16="http://schemas.microsoft.com/office/drawing/2014/main" id="{D288D183-D76D-040D-F08B-1C1ECF5B495B}"/>
-              </a:ext>
-            </a:extLst>
-          </p:cNvPr>
-          <p:cNvGrpSpPr/>
-          <p:nvPr/>
-        </p:nvGrpSpPr>
-        <p:grpSpPr>
-          <a:xfrm rot="10800000">
-            <a:off x="9650477" y="2384731"/>
-            <a:ext cx="1433520" cy="2112120"/>
-            <a:chOff x="1048448" y="2370716"/>
-            <a:chExt cx="1433520" cy="2112120"/>
-          </a:xfrm>
-        </p:grpSpPr>
-        <mc:AlternateContent xmlns:mc="http://schemas.openxmlformats.org/markup-compatibility/2006" xmlns:p14="http://schemas.microsoft.com/office/powerpoint/2010/main" xmlns:aink="http://schemas.microsoft.com/office/drawing/2016/ink">
-          <mc:Choice Requires="p14 aink">
-            <p:contentPart p14:bwMode="auto" r:id="rId30">
-              <p14:nvContentPartPr>
-                <p14:cNvPr id="47" name="Ink 46">
-                  <a:extLst>
-                    <a:ext uri="{FF2B5EF4-FFF2-40B4-BE49-F238E27FC236}">
-                      <a16:creationId xmlns:a16="http://schemas.microsoft.com/office/drawing/2014/main" id="{FDBDD4F8-EC5C-18AE-3BC4-E7A0689F6D33}"/>
-                    </a:ext>
-                  </a:extLst>
-                </p14:cNvPr>
-                <p14:cNvContentPartPr/>
-                <p14:nvPr/>
-              </p14:nvContentPartPr>
-              <p14:xfrm>
-                <a:off x="1048448" y="2370716"/>
-                <a:ext cx="1405080" cy="10080"/>
-              </p14:xfrm>
-            </p:contentPart>
-          </mc:Choice>
-          <mc:Fallback xmlns="">
-            <p:pic>
-              <p:nvPicPr>
-                <p:cNvPr id="47" name="Ink 46">
-                  <a:extLst>
-                    <a:ext uri="{FF2B5EF4-FFF2-40B4-BE49-F238E27FC236}">
-                      <a16:creationId xmlns:a16="http://schemas.microsoft.com/office/drawing/2014/main" id="{FDBDD4F8-EC5C-18AE-3BC4-E7A0689F6D33}"/>
-                    </a:ext>
-                  </a:extLst>
-                </p:cNvPr>
-                <p:cNvPicPr/>
-                <p:nvPr/>
-              </p:nvPicPr>
-              <p:blipFill>
-                <a:blip r:embed="rId31"/>
-                <a:stretch>
-                  <a:fillRect/>
-                </a:stretch>
-              </p:blipFill>
-              <p:spPr>
-                <a:xfrm>
-                  <a:off x="985448" y="1992716"/>
-                  <a:ext cx="1530720" cy="765720"/>
-                </a:xfrm>
-                <a:prstGeom prst="rect">
-                  <a:avLst/>
-                </a:prstGeom>
-              </p:spPr>
-            </p:pic>
-          </mc:Fallback>
-        </mc:AlternateContent>
-        <mc:AlternateContent xmlns:mc="http://schemas.openxmlformats.org/markup-compatibility/2006" xmlns:p14="http://schemas.microsoft.com/office/powerpoint/2010/main" xmlns:aink="http://schemas.microsoft.com/office/drawing/2016/ink">
-          <mc:Choice Requires="p14 aink">
-            <p:contentPart p14:bwMode="auto" r:id="rId32">
-              <p14:nvContentPartPr>
-                <p14:cNvPr id="49" name="Ink 48">
-                  <a:extLst>
-                    <a:ext uri="{FF2B5EF4-FFF2-40B4-BE49-F238E27FC236}">
-                      <a16:creationId xmlns:a16="http://schemas.microsoft.com/office/drawing/2014/main" id="{BF125887-647B-BBF8-08B2-B25ABEB08957}"/>
-                    </a:ext>
-                  </a:extLst>
-                </p14:cNvPr>
-                <p14:cNvContentPartPr/>
-                <p14:nvPr/>
-              </p14:nvContentPartPr>
-              <p14:xfrm>
-                <a:off x="1048448" y="4473116"/>
-                <a:ext cx="1433520" cy="9720"/>
-              </p14:xfrm>
-            </p:contentPart>
-          </mc:Choice>
-          <mc:Fallback xmlns="">
-            <p:pic>
-              <p:nvPicPr>
-                <p:cNvPr id="49" name="Ink 48">
-                  <a:extLst>
-                    <a:ext uri="{FF2B5EF4-FFF2-40B4-BE49-F238E27FC236}">
-                      <a16:creationId xmlns:a16="http://schemas.microsoft.com/office/drawing/2014/main" id="{BF125887-647B-BBF8-08B2-B25ABEB08957}"/>
-                    </a:ext>
-                  </a:extLst>
-                </p:cNvPr>
-                <p:cNvPicPr/>
-                <p:nvPr/>
-              </p:nvPicPr>
-              <p:blipFill>
-                <a:blip r:embed="rId33"/>
-                <a:stretch>
-                  <a:fillRect/>
-                </a:stretch>
-              </p:blipFill>
-              <p:spPr>
-                <a:xfrm>
-                  <a:off x="985448" y="4095116"/>
-                  <a:ext cx="1559160" cy="765360"/>
-                </a:xfrm>
-                <a:prstGeom prst="rect">
-                  <a:avLst/>
-                </a:prstGeom>
-              </p:spPr>
-            </p:pic>
-          </mc:Fallback>
-        </mc:AlternateContent>
-        <mc:AlternateContent xmlns:mc="http://schemas.openxmlformats.org/markup-compatibility/2006" xmlns:p14="http://schemas.microsoft.com/office/powerpoint/2010/main" xmlns:aink="http://schemas.microsoft.com/office/drawing/2016/ink">
-          <mc:Choice Requires="p14 aink">
-            <p:contentPart p14:bwMode="auto" r:id="rId34">
-              <p14:nvContentPartPr>
-                <p14:cNvPr id="50" name="Ink 49">
-                  <a:extLst>
-                    <a:ext uri="{FF2B5EF4-FFF2-40B4-BE49-F238E27FC236}">
-                      <a16:creationId xmlns:a16="http://schemas.microsoft.com/office/drawing/2014/main" id="{068E6406-CD39-CF64-A873-396CA03064DE}"/>
-                    </a:ext>
-                  </a:extLst>
-                </p14:cNvPr>
-                <p14:cNvContentPartPr/>
-                <p14:nvPr/>
-              </p14:nvContentPartPr>
-              <p14:xfrm>
-                <a:off x="2415368" y="2380436"/>
-                <a:ext cx="38160" cy="2102400"/>
-              </p14:xfrm>
-            </p:contentPart>
-          </mc:Choice>
-          <mc:Fallback xmlns="">
-            <p:pic>
-              <p:nvPicPr>
-                <p:cNvPr id="50" name="Ink 49">
-                  <a:extLst>
-                    <a:ext uri="{FF2B5EF4-FFF2-40B4-BE49-F238E27FC236}">
-                      <a16:creationId xmlns:a16="http://schemas.microsoft.com/office/drawing/2014/main" id="{068E6406-CD39-CF64-A873-396CA03064DE}"/>
-                    </a:ext>
-                  </a:extLst>
-                </p:cNvPr>
-                <p:cNvPicPr/>
-                <p:nvPr/>
-              </p:nvPicPr>
-              <p:blipFill>
-                <a:blip r:embed="rId35"/>
-                <a:stretch>
-                  <a:fillRect/>
-                </a:stretch>
-              </p:blipFill>
-              <p:spPr>
-                <a:xfrm>
-                  <a:off x="2352368" y="2002436"/>
-                  <a:ext cx="163800" cy="2858040"/>
-                </a:xfrm>
-                <a:prstGeom prst="rect">
-                  <a:avLst/>
-                </a:prstGeom>
-              </p:spPr>
-            </p:pic>
-          </mc:Fallback>
-        </mc:AlternateContent>
-      </p:grpSp>
-      <mc:AlternateContent xmlns:mc="http://schemas.openxmlformats.org/markup-compatibility/2006" xmlns:p14="http://schemas.microsoft.com/office/powerpoint/2010/main" xmlns:aink="http://schemas.microsoft.com/office/drawing/2016/ink">
-        <mc:Choice Requires="p14 aink">
-          <p:contentPart p14:bwMode="auto" r:id="rId36">
-            <p14:nvContentPartPr>
-              <p14:cNvPr id="58" name="Ink 57">
-                <a:extLst>
-                  <a:ext uri="{FF2B5EF4-FFF2-40B4-BE49-F238E27FC236}">
-                    <a16:creationId xmlns:a16="http://schemas.microsoft.com/office/drawing/2014/main" id="{11F96314-BDE6-1C29-5E4B-6173DAEA0ECD}"/>
-                  </a:ext>
-                </a:extLst>
-              </p14:cNvPr>
-              <p14:cNvContentPartPr/>
-              <p14:nvPr/>
-            </p14:nvContentPartPr>
-            <p14:xfrm>
-              <a:off x="6105327" y="600073"/>
-              <a:ext cx="9360" cy="5699160"/>
-            </p14:xfrm>
-          </p:contentPart>
-        </mc:Choice>
-        <mc:Fallback xmlns="">
-          <p:pic>
-            <p:nvPicPr>
-              <p:cNvPr id="58" name="Ink 57">
-                <a:extLst>
-                  <a:ext uri="{FF2B5EF4-FFF2-40B4-BE49-F238E27FC236}">
-                    <a16:creationId xmlns:a16="http://schemas.microsoft.com/office/drawing/2014/main" id="{11F96314-BDE6-1C29-5E4B-6173DAEA0ECD}"/>
-                  </a:ext>
-                </a:extLst>
-              </p:cNvPr>
-              <p:cNvPicPr/>
-              <p:nvPr/>
-            </p:nvPicPr>
-            <p:blipFill>
-              <a:blip r:embed="rId37"/>
-              <a:stretch>
-                <a:fillRect/>
-              </a:stretch>
-            </p:blipFill>
-            <p:spPr>
-              <a:xfrm>
-                <a:off x="6042327" y="222073"/>
-                <a:ext cx="135000" cy="6454800"/>
-              </a:xfrm>
-              <a:prstGeom prst="rect">
-                <a:avLst/>
-              </a:prstGeom>
-            </p:spPr>
-          </p:pic>
-        </mc:Fallback>
-      </mc:AlternateContent>
-      <mc:AlternateContent xmlns:mc="http://schemas.openxmlformats.org/markup-compatibility/2006" xmlns:p14="http://schemas.microsoft.com/office/powerpoint/2010/main" xmlns:aink="http://schemas.microsoft.com/office/drawing/2016/ink">
-        <mc:Choice Requires="p14 aink">
-          <p:contentPart p14:bwMode="auto" r:id="rId38">
-            <p14:nvContentPartPr>
-              <p14:cNvPr id="61" name="Ink 60">
-                <a:extLst>
-                  <a:ext uri="{FF2B5EF4-FFF2-40B4-BE49-F238E27FC236}">
-                    <a16:creationId xmlns:a16="http://schemas.microsoft.com/office/drawing/2014/main" id="{20769901-ACF1-CEB5-11C8-B857DB0A34C9}"/>
-                  </a:ext>
-                </a:extLst>
-              </p14:cNvPr>
-              <p14:cNvContentPartPr/>
-              <p14:nvPr/>
-            </p14:nvContentPartPr>
-            <p14:xfrm>
-              <a:off x="5373627" y="2704630"/>
-              <a:ext cx="1482120" cy="1482120"/>
-            </p14:xfrm>
-          </p:contentPart>
-        </mc:Choice>
-        <mc:Fallback xmlns="">
-          <p:pic>
-            <p:nvPicPr>
-              <p:cNvPr id="61" name="Ink 60">
-                <a:extLst>
-                  <a:ext uri="{FF2B5EF4-FFF2-40B4-BE49-F238E27FC236}">
-                    <a16:creationId xmlns:a16="http://schemas.microsoft.com/office/drawing/2014/main" id="{20769901-ACF1-CEB5-11C8-B857DB0A34C9}"/>
-                  </a:ext>
-                </a:extLst>
-              </p:cNvPr>
-              <p:cNvPicPr/>
-              <p:nvPr/>
-            </p:nvPicPr>
-            <p:blipFill>
-              <a:blip r:embed="rId39"/>
-              <a:stretch>
-                <a:fillRect/>
-              </a:stretch>
-            </p:blipFill>
-            <p:spPr>
-              <a:xfrm>
-                <a:off x="5310627" y="2326630"/>
-                <a:ext cx="1607760" cy="2237760"/>
-              </a:xfrm>
-              <a:prstGeom prst="rect">
-                <a:avLst/>
-              </a:prstGeom>
-            </p:spPr>
-          </p:pic>
-        </mc:Fallback>
-      </mc:AlternateContent>
-      <mc:AlternateContent xmlns:mc="http://schemas.openxmlformats.org/markup-compatibility/2006" xmlns:p14="http://schemas.microsoft.com/office/powerpoint/2010/main" xmlns:aink="http://schemas.microsoft.com/office/drawing/2016/ink">
-        <mc:Choice Requires="p14 aink">
-          <p:contentPart p14:bwMode="auto" r:id="rId40">
-            <p14:nvContentPartPr>
-              <p14:cNvPr id="7" name="Ink 6">
-                <a:extLst>
-                  <a:ext uri="{FF2B5EF4-FFF2-40B4-BE49-F238E27FC236}">
-                    <a16:creationId xmlns:a16="http://schemas.microsoft.com/office/drawing/2014/main" id="{9B796519-DD23-9648-9AFC-0B24DD383B88}"/>
-                  </a:ext>
-                </a:extLst>
-              </p14:cNvPr>
-              <p14:cNvContentPartPr/>
-              <p14:nvPr/>
-            </p14:nvContentPartPr>
-            <p14:xfrm>
-              <a:off x="5248527" y="956995"/>
-              <a:ext cx="580680" cy="580680"/>
-            </p14:xfrm>
-          </p:contentPart>
-        </mc:Choice>
-        <mc:Fallback xmlns="">
-          <p:pic>
-            <p:nvPicPr>
-              <p:cNvPr id="7" name="Ink 6">
-                <a:extLst>
-                  <a:ext uri="{FF2B5EF4-FFF2-40B4-BE49-F238E27FC236}">
-                    <a16:creationId xmlns:a16="http://schemas.microsoft.com/office/drawing/2014/main" id="{9B796519-DD23-9648-9AFC-0B24DD383B88}"/>
-                  </a:ext>
-                </a:extLst>
-              </p:cNvPr>
-              <p:cNvPicPr/>
-              <p:nvPr/>
-            </p:nvPicPr>
-            <p:blipFill>
-              <a:blip r:embed="rId41"/>
-              <a:stretch>
-                <a:fillRect/>
-              </a:stretch>
-            </p:blipFill>
-            <p:spPr>
-              <a:xfrm>
-                <a:off x="5185527" y="578995"/>
-                <a:ext cx="706320" cy="1336320"/>
-              </a:xfrm>
-              <a:prstGeom prst="rect">
-                <a:avLst/>
-              </a:prstGeom>
-            </p:spPr>
-          </p:pic>
-        </mc:Fallback>
-      </mc:AlternateContent>
-      <mc:AlternateContent xmlns:mc="http://schemas.openxmlformats.org/markup-compatibility/2006" xmlns:p14="http://schemas.microsoft.com/office/powerpoint/2010/main" xmlns:aink="http://schemas.microsoft.com/office/drawing/2016/ink">
-        <mc:Choice Requires="p14 aink">
-          <p:contentPart p14:bwMode="auto" r:id="rId42">
-            <p14:nvContentPartPr>
-              <p14:cNvPr id="9" name="Ink 8">
-                <a:extLst>
-                  <a:ext uri="{FF2B5EF4-FFF2-40B4-BE49-F238E27FC236}">
-                    <a16:creationId xmlns:a16="http://schemas.microsoft.com/office/drawing/2014/main" id="{C9A6AA40-58EE-6BD7-89E0-06FC8760B617}"/>
-                  </a:ext>
-                </a:extLst>
-              </p14:cNvPr>
-              <p14:cNvContentPartPr/>
-              <p14:nvPr/>
-            </p14:nvContentPartPr>
-            <p14:xfrm>
-              <a:off x="5251301" y="3155350"/>
-              <a:ext cx="580680" cy="580680"/>
-            </p14:xfrm>
-          </p:contentPart>
-        </mc:Choice>
-        <mc:Fallback xmlns="">
-          <p:pic>
-            <p:nvPicPr>
-              <p:cNvPr id="9" name="Ink 8">
-                <a:extLst>
-                  <a:ext uri="{FF2B5EF4-FFF2-40B4-BE49-F238E27FC236}">
-                    <a16:creationId xmlns:a16="http://schemas.microsoft.com/office/drawing/2014/main" id="{C9A6AA40-58EE-6BD7-89E0-06FC8760B617}"/>
-                  </a:ext>
-                </a:extLst>
-              </p:cNvPr>
-              <p:cNvPicPr/>
-              <p:nvPr/>
-            </p:nvPicPr>
-            <p:blipFill>
-              <a:blip r:embed="rId43"/>
-              <a:stretch>
-                <a:fillRect/>
-              </a:stretch>
-            </p:blipFill>
-            <p:spPr>
-              <a:xfrm>
-                <a:off x="5188301" y="2777350"/>
-                <a:ext cx="706320" cy="1336320"/>
-              </a:xfrm>
-              <a:prstGeom prst="rect">
-                <a:avLst/>
-              </a:prstGeom>
-            </p:spPr>
-          </p:pic>
-        </mc:Fallback>
-      </mc:AlternateContent>
-      <mc:AlternateContent xmlns:mc="http://schemas.openxmlformats.org/markup-compatibility/2006" xmlns:p14="http://schemas.microsoft.com/office/powerpoint/2010/main" xmlns:aink="http://schemas.microsoft.com/office/drawing/2016/ink">
-        <mc:Choice Requires="p14 aink">
-          <p:contentPart p14:bwMode="auto" r:id="rId44">
-            <p14:nvContentPartPr>
-              <p14:cNvPr id="11" name="Ink 10">
-                <a:extLst>
-                  <a:ext uri="{FF2B5EF4-FFF2-40B4-BE49-F238E27FC236}">
-                    <a16:creationId xmlns:a16="http://schemas.microsoft.com/office/drawing/2014/main" id="{F0F77797-F4A4-681D-0E15-303407359C47}"/>
-                  </a:ext>
-                </a:extLst>
-              </p14:cNvPr>
-              <p14:cNvContentPartPr/>
-              <p14:nvPr/>
-            </p14:nvContentPartPr>
-            <p14:xfrm>
-              <a:off x="5247357" y="5486441"/>
-              <a:ext cx="580680" cy="580680"/>
-            </p14:xfrm>
-          </p:contentPart>
-        </mc:Choice>
-        <mc:Fallback xmlns="">
-          <p:pic>
-            <p:nvPicPr>
-              <p:cNvPr id="11" name="Ink 10">
-                <a:extLst>
-                  <a:ext uri="{FF2B5EF4-FFF2-40B4-BE49-F238E27FC236}">
-                    <a16:creationId xmlns:a16="http://schemas.microsoft.com/office/drawing/2014/main" id="{F0F77797-F4A4-681D-0E15-303407359C47}"/>
-                  </a:ext>
-                </a:extLst>
-              </p:cNvPr>
-              <p:cNvPicPr/>
-              <p:nvPr/>
-            </p:nvPicPr>
-            <p:blipFill>
-              <a:blip r:embed="rId45"/>
-              <a:stretch>
-                <a:fillRect/>
-              </a:stretch>
-            </p:blipFill>
-            <p:spPr>
-              <a:xfrm>
-                <a:off x="5184357" y="5108441"/>
-                <a:ext cx="706320" cy="1336320"/>
-              </a:xfrm>
-              <a:prstGeom prst="rect">
-                <a:avLst/>
-              </a:prstGeom>
-            </p:spPr>
-          </p:pic>
-        </mc:Fallback>
-      </mc:AlternateContent>
-      <p:grpSp>
-        <p:nvGrpSpPr>
-          <p:cNvPr id="16" name="Group 15">
-            <a:extLst>
-              <a:ext uri="{FF2B5EF4-FFF2-40B4-BE49-F238E27FC236}">
-                <a16:creationId xmlns:a16="http://schemas.microsoft.com/office/drawing/2014/main" id="{A117C9F4-F93B-2F2C-B81E-468164C571BB}"/>
-              </a:ext>
-            </a:extLst>
-          </p:cNvPr>
-          <p:cNvGrpSpPr/>
-          <p:nvPr/>
-        </p:nvGrpSpPr>
-        <p:grpSpPr>
-          <a:xfrm>
-            <a:off x="5855487" y="840553"/>
-            <a:ext cx="3704400" cy="491760"/>
-            <a:chOff x="5855487" y="840553"/>
-            <a:chExt cx="3704400" cy="491760"/>
-          </a:xfrm>
-        </p:grpSpPr>
-        <mc:AlternateContent xmlns:mc="http://schemas.openxmlformats.org/markup-compatibility/2006" xmlns:p14="http://schemas.microsoft.com/office/powerpoint/2010/main" xmlns:aink="http://schemas.microsoft.com/office/drawing/2016/ink">
-          <mc:Choice Requires="p14 aink">
-            <p:contentPart p14:bwMode="auto" r:id="rId46">
-              <p14:nvContentPartPr>
-                <p14:cNvPr id="13" name="Ink 12">
-                  <a:extLst>
-                    <a:ext uri="{FF2B5EF4-FFF2-40B4-BE49-F238E27FC236}">
-                      <a16:creationId xmlns:a16="http://schemas.microsoft.com/office/drawing/2014/main" id="{576EDD0E-4FBD-FA40-7053-331F1232AC06}"/>
-                    </a:ext>
-                  </a:extLst>
-                </p14:cNvPr>
-                <p14:cNvContentPartPr/>
-                <p14:nvPr/>
-              </p14:nvContentPartPr>
-              <p14:xfrm>
-                <a:off x="5855487" y="1023073"/>
-                <a:ext cx="3542400" cy="187200"/>
-              </p14:xfrm>
-            </p:contentPart>
-          </mc:Choice>
-          <mc:Fallback xmlns="">
-            <p:pic>
-              <p:nvPicPr>
-                <p:cNvPr id="13" name="Ink 12">
-                  <a:extLst>
-                    <a:ext uri="{FF2B5EF4-FFF2-40B4-BE49-F238E27FC236}">
-                      <a16:creationId xmlns:a16="http://schemas.microsoft.com/office/drawing/2014/main" id="{576EDD0E-4FBD-FA40-7053-331F1232AC06}"/>
-                    </a:ext>
-                  </a:extLst>
-                </p:cNvPr>
-                <p:cNvPicPr/>
-                <p:nvPr/>
-              </p:nvPicPr>
-              <p:blipFill>
-                <a:blip r:embed="rId47"/>
-                <a:stretch>
-                  <a:fillRect/>
-                </a:stretch>
-              </p:blipFill>
-              <p:spPr>
-                <a:xfrm>
-                  <a:off x="5792847" y="645073"/>
-                  <a:ext cx="3668040" cy="942840"/>
-                </a:xfrm>
-                <a:prstGeom prst="rect">
-                  <a:avLst/>
-                </a:prstGeom>
-              </p:spPr>
-            </p:pic>
-          </mc:Fallback>
-        </mc:AlternateContent>
-        <mc:AlternateContent xmlns:mc="http://schemas.openxmlformats.org/markup-compatibility/2006" xmlns:p14="http://schemas.microsoft.com/office/powerpoint/2010/main" xmlns:aink="http://schemas.microsoft.com/office/drawing/2016/ink">
-          <mc:Choice Requires="p14 aink">
-            <p:contentPart p14:bwMode="auto" r:id="rId48">
-              <p14:nvContentPartPr>
-                <p14:cNvPr id="15" name="Ink 14">
-                  <a:extLst>
-                    <a:ext uri="{FF2B5EF4-FFF2-40B4-BE49-F238E27FC236}">
-                      <a16:creationId xmlns:a16="http://schemas.microsoft.com/office/drawing/2014/main" id="{C95E687C-D328-3114-7193-5508CE0ACA19}"/>
-                    </a:ext>
-                  </a:extLst>
-                </p14:cNvPr>
-                <p14:cNvContentPartPr/>
-                <p14:nvPr/>
-              </p14:nvContentPartPr>
-              <p14:xfrm>
-                <a:off x="9231207" y="840553"/>
-                <a:ext cx="328680" cy="491760"/>
-              </p14:xfrm>
-            </p:contentPart>
-          </mc:Choice>
-          <mc:Fallback xmlns="">
-            <p:pic>
-              <p:nvPicPr>
-                <p:cNvPr id="15" name="Ink 14">
-                  <a:extLst>
-                    <a:ext uri="{FF2B5EF4-FFF2-40B4-BE49-F238E27FC236}">
-                      <a16:creationId xmlns:a16="http://schemas.microsoft.com/office/drawing/2014/main" id="{C95E687C-D328-3114-7193-5508CE0ACA19}"/>
-                    </a:ext>
-                  </a:extLst>
-                </p:cNvPr>
-                <p:cNvPicPr/>
-                <p:nvPr/>
-              </p:nvPicPr>
-              <p:blipFill>
-                <a:blip r:embed="rId49"/>
-                <a:stretch>
-                  <a:fillRect/>
-                </a:stretch>
-              </p:blipFill>
-              <p:spPr>
-                <a:xfrm>
-                  <a:off x="9168567" y="462553"/>
-                  <a:ext cx="454320" cy="1247400"/>
-                </a:xfrm>
-                <a:prstGeom prst="rect">
-                  <a:avLst/>
-                </a:prstGeom>
-              </p:spPr>
-            </p:pic>
-          </mc:Fallback>
-        </mc:AlternateContent>
-      </p:grpSp>
-      <p:grpSp>
-        <p:nvGrpSpPr>
-          <p:cNvPr id="19" name="Group 18">
-            <a:extLst>
-              <a:ext uri="{FF2B5EF4-FFF2-40B4-BE49-F238E27FC236}">
-                <a16:creationId xmlns:a16="http://schemas.microsoft.com/office/drawing/2014/main" id="{87043FC7-C1E9-FA14-FAE5-7D56E5CA656D}"/>
-              </a:ext>
-            </a:extLst>
-          </p:cNvPr>
-          <p:cNvGrpSpPr/>
-          <p:nvPr/>
-        </p:nvGrpSpPr>
-        <p:grpSpPr>
-          <a:xfrm>
-            <a:off x="5809407" y="4475113"/>
-            <a:ext cx="2994840" cy="1306800"/>
-            <a:chOff x="5809407" y="4475113"/>
-            <a:chExt cx="2994840" cy="1306800"/>
-          </a:xfrm>
-        </p:grpSpPr>
-        <mc:AlternateContent xmlns:mc="http://schemas.openxmlformats.org/markup-compatibility/2006" xmlns:p14="http://schemas.microsoft.com/office/powerpoint/2010/main" xmlns:aink="http://schemas.microsoft.com/office/drawing/2016/ink">
-          <mc:Choice Requires="p14 aink">
-            <p:contentPart p14:bwMode="auto" r:id="rId50">
-              <p14:nvContentPartPr>
-                <p14:cNvPr id="17" name="Ink 16">
-                  <a:extLst>
-                    <a:ext uri="{FF2B5EF4-FFF2-40B4-BE49-F238E27FC236}">
-                      <a16:creationId xmlns:a16="http://schemas.microsoft.com/office/drawing/2014/main" id="{77A867CB-F746-D156-299B-EC91A267ED24}"/>
-                    </a:ext>
-                  </a:extLst>
-                </p14:cNvPr>
-                <p14:cNvContentPartPr/>
-                <p14:nvPr/>
-              </p14:nvContentPartPr>
-              <p14:xfrm>
-                <a:off x="5809407" y="4497793"/>
-                <a:ext cx="2916720" cy="1284120"/>
-              </p14:xfrm>
-            </p:contentPart>
-          </mc:Choice>
-          <mc:Fallback xmlns="">
-            <p:pic>
-              <p:nvPicPr>
-                <p:cNvPr id="17" name="Ink 16">
-                  <a:extLst>
-                    <a:ext uri="{FF2B5EF4-FFF2-40B4-BE49-F238E27FC236}">
-                      <a16:creationId xmlns:a16="http://schemas.microsoft.com/office/drawing/2014/main" id="{77A867CB-F746-D156-299B-EC91A267ED24}"/>
-                    </a:ext>
-                  </a:extLst>
-                </p:cNvPr>
-                <p:cNvPicPr/>
-                <p:nvPr/>
-              </p:nvPicPr>
-              <p:blipFill>
-                <a:blip r:embed="rId51"/>
-                <a:stretch>
-                  <a:fillRect/>
-                </a:stretch>
-              </p:blipFill>
-              <p:spPr>
-                <a:xfrm>
-                  <a:off x="5746767" y="4120153"/>
-                  <a:ext cx="3042360" cy="2039760"/>
-                </a:xfrm>
-                <a:prstGeom prst="rect">
-                  <a:avLst/>
-                </a:prstGeom>
-              </p:spPr>
-            </p:pic>
-          </mc:Fallback>
-        </mc:AlternateContent>
-        <mc:AlternateContent xmlns:mc="http://schemas.openxmlformats.org/markup-compatibility/2006" xmlns:p14="http://schemas.microsoft.com/office/powerpoint/2010/main" xmlns:aink="http://schemas.microsoft.com/office/drawing/2016/ink">
-          <mc:Choice Requires="p14 aink">
-            <p:contentPart p14:bwMode="auto" r:id="rId52">
-              <p14:nvContentPartPr>
-                <p14:cNvPr id="18" name="Ink 17">
-                  <a:extLst>
-                    <a:ext uri="{FF2B5EF4-FFF2-40B4-BE49-F238E27FC236}">
-                      <a16:creationId xmlns:a16="http://schemas.microsoft.com/office/drawing/2014/main" id="{3BE22E84-016D-623C-6264-9A04115D0115}"/>
-                    </a:ext>
-                  </a:extLst>
-                </p14:cNvPr>
-                <p14:cNvContentPartPr/>
-                <p14:nvPr/>
-              </p14:nvContentPartPr>
-              <p14:xfrm>
-                <a:off x="8183247" y="4475113"/>
-                <a:ext cx="621000" cy="493200"/>
-              </p14:xfrm>
-            </p:contentPart>
-          </mc:Choice>
-          <mc:Fallback xmlns="">
-            <p:pic>
-              <p:nvPicPr>
-                <p:cNvPr id="18" name="Ink 17">
-                  <a:extLst>
-                    <a:ext uri="{FF2B5EF4-FFF2-40B4-BE49-F238E27FC236}">
-                      <a16:creationId xmlns:a16="http://schemas.microsoft.com/office/drawing/2014/main" id="{3BE22E84-016D-623C-6264-9A04115D0115}"/>
-                    </a:ext>
-                  </a:extLst>
-                </p:cNvPr>
-                <p:cNvPicPr/>
-                <p:nvPr/>
-              </p:nvPicPr>
-              <p:blipFill>
-                <a:blip r:embed="rId53"/>
-                <a:stretch>
-                  <a:fillRect/>
-                </a:stretch>
-              </p:blipFill>
-              <p:spPr>
-                <a:xfrm>
-                  <a:off x="8120607" y="4097473"/>
-                  <a:ext cx="746640" cy="1248840"/>
-                </a:xfrm>
-                <a:prstGeom prst="rect">
-                  <a:avLst/>
-                </a:prstGeom>
-              </p:spPr>
-            </p:pic>
-          </mc:Fallback>
-        </mc:AlternateContent>
-      </p:grpSp>
-      <p:grpSp>
-        <p:nvGrpSpPr>
-          <p:cNvPr id="22" name="Group 21">
-            <a:extLst>
-              <a:ext uri="{FF2B5EF4-FFF2-40B4-BE49-F238E27FC236}">
-                <a16:creationId xmlns:a16="http://schemas.microsoft.com/office/drawing/2014/main" id="{376FA9CD-C13A-B564-95B9-99D18496FF82}"/>
-              </a:ext>
-            </a:extLst>
-          </p:cNvPr>
-          <p:cNvGrpSpPr/>
-          <p:nvPr/>
-        </p:nvGrpSpPr>
-        <p:grpSpPr>
-          <a:xfrm>
-            <a:off x="5837127" y="3232393"/>
-            <a:ext cx="3527280" cy="433080"/>
-            <a:chOff x="5837127" y="3232393"/>
-            <a:chExt cx="3527280" cy="433080"/>
-          </a:xfrm>
-        </p:grpSpPr>
-        <mc:AlternateContent xmlns:mc="http://schemas.openxmlformats.org/markup-compatibility/2006" xmlns:p14="http://schemas.microsoft.com/office/powerpoint/2010/main" xmlns:aink="http://schemas.microsoft.com/office/drawing/2016/ink">
-          <mc:Choice Requires="p14 aink">
-            <p:contentPart p14:bwMode="auto" r:id="rId54">
-              <p14:nvContentPartPr>
-                <p14:cNvPr id="20" name="Ink 19">
-                  <a:extLst>
-                    <a:ext uri="{FF2B5EF4-FFF2-40B4-BE49-F238E27FC236}">
-                      <a16:creationId xmlns:a16="http://schemas.microsoft.com/office/drawing/2014/main" id="{E02935AB-3732-DBDE-1A93-488B0E7238F7}"/>
-                    </a:ext>
-                  </a:extLst>
-                </p14:cNvPr>
-                <p14:cNvContentPartPr/>
-                <p14:nvPr/>
-              </p14:nvContentPartPr>
-              <p14:xfrm>
-                <a:off x="5837127" y="3408073"/>
-                <a:ext cx="3225960" cy="360"/>
-              </p14:xfrm>
-            </p:contentPart>
-          </mc:Choice>
-          <mc:Fallback xmlns="">
-            <p:pic>
-              <p:nvPicPr>
-                <p:cNvPr id="20" name="Ink 19">
-                  <a:extLst>
-                    <a:ext uri="{FF2B5EF4-FFF2-40B4-BE49-F238E27FC236}">
-                      <a16:creationId xmlns:a16="http://schemas.microsoft.com/office/drawing/2014/main" id="{E02935AB-3732-DBDE-1A93-488B0E7238F7}"/>
-                    </a:ext>
-                  </a:extLst>
-                </p:cNvPr>
-                <p:cNvPicPr/>
-                <p:nvPr/>
-              </p:nvPicPr>
-              <p:blipFill>
-                <a:blip r:embed="rId55"/>
-                <a:stretch>
-                  <a:fillRect/>
-                </a:stretch>
-              </p:blipFill>
-              <p:spPr>
-                <a:xfrm>
-                  <a:off x="5774127" y="3030073"/>
-                  <a:ext cx="3351600" cy="756000"/>
-                </a:xfrm>
-                <a:prstGeom prst="rect">
-                  <a:avLst/>
-                </a:prstGeom>
-              </p:spPr>
-            </p:pic>
-          </mc:Fallback>
-        </mc:AlternateContent>
-        <mc:AlternateContent xmlns:mc="http://schemas.openxmlformats.org/markup-compatibility/2006" xmlns:p14="http://schemas.microsoft.com/office/powerpoint/2010/main" xmlns:aink="http://schemas.microsoft.com/office/drawing/2016/ink">
-          <mc:Choice Requires="p14 aink">
-            <p:contentPart p14:bwMode="auto" r:id="rId56">
-              <p14:nvContentPartPr>
-                <p14:cNvPr id="21" name="Ink 20">
-                  <a:extLst>
-                    <a:ext uri="{FF2B5EF4-FFF2-40B4-BE49-F238E27FC236}">
-                      <a16:creationId xmlns:a16="http://schemas.microsoft.com/office/drawing/2014/main" id="{307CC715-E7C4-28E8-BE4A-5DA2F125B983}"/>
-                    </a:ext>
-                  </a:extLst>
-                </p14:cNvPr>
-                <p14:cNvContentPartPr/>
-                <p14:nvPr/>
-              </p14:nvContentPartPr>
-              <p14:xfrm>
-                <a:off x="8921967" y="3232393"/>
-                <a:ext cx="442440" cy="433080"/>
-              </p14:xfrm>
-            </p:contentPart>
-          </mc:Choice>
-          <mc:Fallback xmlns="">
-            <p:pic>
-              <p:nvPicPr>
-                <p:cNvPr id="21" name="Ink 20">
-                  <a:extLst>
-                    <a:ext uri="{FF2B5EF4-FFF2-40B4-BE49-F238E27FC236}">
-                      <a16:creationId xmlns:a16="http://schemas.microsoft.com/office/drawing/2014/main" id="{307CC715-E7C4-28E8-BE4A-5DA2F125B983}"/>
-                    </a:ext>
-                  </a:extLst>
-                </p:cNvPr>
-                <p:cNvPicPr/>
-                <p:nvPr/>
-              </p:nvPicPr>
-              <p:blipFill>
-                <a:blip r:embed="rId57"/>
-                <a:stretch>
-                  <a:fillRect/>
-                </a:stretch>
-              </p:blipFill>
-              <p:spPr>
-                <a:xfrm>
-                  <a:off x="8859327" y="2854753"/>
-                  <a:ext cx="568080" cy="1188720"/>
-                </a:xfrm>
-                <a:prstGeom prst="rect">
-                  <a:avLst/>
-                </a:prstGeom>
-              </p:spPr>
-            </p:pic>
-          </mc:Fallback>
-        </mc:AlternateContent>
-      </p:grpSp>
-    </p:spTree>
-    <p:extLst>
-      <p:ext uri="{BB962C8B-B14F-4D97-AF65-F5344CB8AC3E}">
-        <p14:creationId xmlns:p14="http://schemas.microsoft.com/office/powerpoint/2010/main" val="2937371743"/>
-      </p:ext>
-    </p:extLst>
-  </p:cSld>
-  <p:clrMapOvr>
-    <a:masterClrMapping/>
-  </p:clrMapOvr>
-</p:sld>
-</file>
-
 <file path=ppt/theme/theme1.xml><?xml version="1.0" encoding="utf-8"?>
 <a:theme xmlns:a="http://schemas.openxmlformats.org/drawingml/2006/main" name="Office Theme">
   <a:themeElements>

--- a/Outputs/Backgrounds.pptx
+++ b/Outputs/Backgrounds.pptx
@@ -10,11 +10,12 @@
     <p:sldId id="258" r:id="rId4"/>
     <p:sldId id="259" r:id="rId5"/>
     <p:sldId id="263" r:id="rId6"/>
-    <p:sldId id="265" r:id="rId7"/>
-    <p:sldId id="264" r:id="rId8"/>
-    <p:sldId id="260" r:id="rId9"/>
-    <p:sldId id="261" r:id="rId10"/>
-    <p:sldId id="262" r:id="rId11"/>
+    <p:sldId id="266" r:id="rId7"/>
+    <p:sldId id="265" r:id="rId8"/>
+    <p:sldId id="264" r:id="rId9"/>
+    <p:sldId id="260" r:id="rId10"/>
+    <p:sldId id="261" r:id="rId11"/>
+    <p:sldId id="262" r:id="rId12"/>
   </p:sldIdLst>
   <p:sldSz cx="12192000" cy="6858000"/>
   <p:notesSz cx="6858000" cy="9144000"/>
@@ -202,17 +203,17 @@
           <inkml:channelProperty channel="Y" name="resolution" value="1000" units="1/cm"/>
         </inkml:channelProperties>
       </inkml:inkSource>
-      <inkml:timestamp xml:id="ts0" timeString="2025-10-09T05:43:16.983"/>
+      <inkml:timestamp xml:id="ts0" timeString="2025-10-07T10:04:20.885"/>
     </inkml:context>
     <inkml:brush xml:id="br0">
-      <inkml:brushProperty name="width" value="0.1" units="cm"/>
-      <inkml:brushProperty name="height" value="0.6" units="cm"/>
+      <inkml:brushProperty name="width" value="0.35" units="cm"/>
+      <inkml:brushProperty name="height" value="2.1" units="cm"/>
       <inkml:brushProperty name="color" value="#FFFFFF"/>
       <inkml:brushProperty name="ignorePressure" value="1"/>
       <inkml:brushProperty name="inkEffects" value="pencil"/>
     </inkml:brush>
   </inkml:definitions>
-  <inkml:trace contextRef="#ctx0" brushRef="#br0">0 1,'9'0,"8"0,6 0,3 0,2 0,1 0,1 0,3 0,2 0,-1 0,-1 0,-3 0,0 0,3 0,1 0,-1 0,3 0,1 0,-2 0,-2 0,-2 0,-2 0,4 0,1 0,-1 0,3 0,-4 0</inkml:trace>
+  <inkml:trace contextRef="#ctx0" brushRef="#br0">1 1,'0'0</inkml:trace>
 </inkml:ink>
 </file>
 
@@ -224,23 +225,25 @@
         <inkml:traceFormat>
           <inkml:channel name="X" type="integer" min="-2.14748E9" max="2.14748E9" units="cm"/>
           <inkml:channel name="Y" type="integer" min="-2.14748E9" max="2.14748E9" units="cm"/>
+          <inkml:channel name="F" type="integer" max="32767" units="dev"/>
         </inkml:traceFormat>
         <inkml:channelProperties>
           <inkml:channelProperty channel="X" name="resolution" value="1000" units="1/cm"/>
           <inkml:channelProperty channel="Y" name="resolution" value="1000" units="1/cm"/>
+          <inkml:channelProperty channel="F" name="resolution" value="0" units="1/dev"/>
         </inkml:channelProperties>
       </inkml:inkSource>
-      <inkml:timestamp xml:id="ts0" timeString="2025-10-09T05:43:18.635"/>
+      <inkml:timestamp xml:id="ts0" timeString="2025-10-07T10:04:33.522"/>
     </inkml:context>
     <inkml:brush xml:id="br0">
-      <inkml:brushProperty name="width" value="0.1" units="cm"/>
-      <inkml:brushProperty name="height" value="0.6" units="cm"/>
+      <inkml:brushProperty name="width" value="0.35" units="cm"/>
+      <inkml:brushProperty name="height" value="2.1" units="cm"/>
       <inkml:brushProperty name="color" value="#FFFFFF"/>
       <inkml:brushProperty name="ignorePressure" value="1"/>
       <inkml:brushProperty name="inkEffects" value="pencil"/>
     </inkml:brush>
   </inkml:definitions>
-  <inkml:trace contextRef="#ctx0" brushRef="#br0">0 1,'5'0,"5"4,3 7,2 1,4-1,7-3,5 2,-3 4,-2 0,-1 2,0 2,-4 4,-5 2,-6 6,-9 4,-5-1,-6 0,-2-2,1 4,-1-5,-4-2,0-2,-1 0,3 0,3-5</inkml:trace>
+  <inkml:trace contextRef="#ctx0" brushRef="#br0">0 0 0,'27965'53'0</inkml:trace>
 </inkml:ink>
 </file>
 
@@ -252,23 +255,25 @@
         <inkml:traceFormat>
           <inkml:channel name="X" type="integer" min="-2.14748E9" max="2.14748E9" units="cm"/>
           <inkml:channel name="Y" type="integer" min="-2.14748E9" max="2.14748E9" units="cm"/>
+          <inkml:channel name="F" type="integer" max="32767" units="dev"/>
         </inkml:traceFormat>
         <inkml:channelProperties>
           <inkml:channelProperty channel="X" name="resolution" value="1000" units="1/cm"/>
           <inkml:channelProperty channel="Y" name="resolution" value="1000" units="1/cm"/>
+          <inkml:channelProperty channel="F" name="resolution" value="0" units="1/dev"/>
         </inkml:channelProperties>
       </inkml:inkSource>
-      <inkml:timestamp xml:id="ts0" timeString="2025-10-09T05:43:21.990"/>
+      <inkml:timestamp xml:id="ts0" timeString="2025-10-07T10:04:41.932"/>
     </inkml:context>
     <inkml:brush xml:id="br0">
-      <inkml:brushProperty name="width" value="0.1" units="cm"/>
-      <inkml:brushProperty name="height" value="0.6" units="cm"/>
+      <inkml:brushProperty name="width" value="0.35" units="cm"/>
+      <inkml:brushProperty name="height" value="2.1" units="cm"/>
       <inkml:brushProperty name="color" value="#FFFFFF"/>
       <inkml:brushProperty name="ignorePressure" value="1"/>
       <inkml:brushProperty name="inkEffects" value="pencil"/>
     </inkml:brush>
   </inkml:definitions>
-  <inkml:trace contextRef="#ctx0" brushRef="#br0">0 0,'5'5,"10"1,12 0,7-2,2 0,-1-2,-2-1,-1-1,-2 0,-1 0,-1 0,-1-1,4 1,3 0,-1 0,-2 0,5 0,-1 0,-1 0,-1 5,-2 1,2 0,2-1,-2-2,-1-1,-2 0,-1-2,-5 0</inkml:trace>
+  <inkml:trace contextRef="#ctx0" brushRef="#br0">181 0 0,'-181'15698'0</inkml:trace>
 </inkml:ink>
 </file>
 
@@ -280,23 +285,25 @@
         <inkml:traceFormat>
           <inkml:channel name="X" type="integer" min="-2.14748E9" max="2.14748E9" units="cm"/>
           <inkml:channel name="Y" type="integer" min="-2.14748E9" max="2.14748E9" units="cm"/>
+          <inkml:channel name="F" type="integer" max="32767" units="dev"/>
         </inkml:traceFormat>
         <inkml:channelProperties>
           <inkml:channelProperty channel="X" name="resolution" value="1000" units="1/cm"/>
           <inkml:channelProperty channel="Y" name="resolution" value="1000" units="1/cm"/>
+          <inkml:channelProperty channel="F" name="resolution" value="0" units="1/dev"/>
         </inkml:channelProperties>
       </inkml:inkSource>
-      <inkml:timestamp xml:id="ts0" timeString="2025-10-09T05:43:23.925"/>
+      <inkml:timestamp xml:id="ts0" timeString="2025-10-07T10:05:07.090"/>
     </inkml:context>
     <inkml:brush xml:id="br0">
-      <inkml:brushProperty name="width" value="0.1" units="cm"/>
-      <inkml:brushProperty name="height" value="0.6" units="cm"/>
+      <inkml:brushProperty name="width" value="0.35" units="cm"/>
+      <inkml:brushProperty name="height" value="2.1" units="cm"/>
       <inkml:brushProperty name="color" value="#FFFFFF"/>
       <inkml:brushProperty name="ignorePressure" value="1"/>
       <inkml:brushProperty name="inkEffects" value="pencil"/>
     </inkml:brush>
   </inkml:definitions>
-  <inkml:trace contextRef="#ctx0" brushRef="#br0">1 0,'0'5,"4"10,7 3,5 3,6-1,3-6,1-3,-2-1,-2-1,1-2,5 7,3 1,1-2,-6 1,-6 3,-12 4,-12 2,-5 2,-5-3,-6-5,-8-6,-9 0,2 3,6 4,5-2,1 2,0 2,3-2</inkml:trace>
+  <inkml:trace contextRef="#ctx0" brushRef="#br0">0 53 0,'28098'-53'0</inkml:trace>
 </inkml:ink>
 </file>
 
@@ -316,17 +323,17 @@
           <inkml:channelProperty channel="F" name="resolution" value="0" units="1/dev"/>
         </inkml:channelProperties>
       </inkml:inkSource>
-      <inkml:timestamp xml:id="ts0" timeString="2025-10-09T05:43:28.697"/>
+      <inkml:timestamp xml:id="ts0" timeString="2025-10-07T10:05:12.231"/>
     </inkml:context>
     <inkml:brush xml:id="br0">
-      <inkml:brushProperty name="width" value="0.1" units="cm"/>
-      <inkml:brushProperty name="height" value="0.6" units="cm"/>
+      <inkml:brushProperty name="width" value="0.35" units="cm"/>
+      <inkml:brushProperty name="height" value="2.1" units="cm"/>
       <inkml:brushProperty name="color" value="#FFFFFF"/>
       <inkml:brushProperty name="ignorePressure" value="1"/>
       <inkml:brushProperty name="inkEffects" value="pencil"/>
     </inkml:brush>
   </inkml:definitions>
-  <inkml:trace contextRef="#ctx0" brushRef="#br0">1 1 0,'0'684'0</inkml:trace>
+  <inkml:trace contextRef="#ctx0" brushRef="#br0">0 0 0,'105'15895'0</inkml:trace>
 </inkml:ink>
 </file>
 
@@ -338,23 +345,25 @@
         <inkml:traceFormat>
           <inkml:channel name="X" type="integer" min="-2.14748E9" max="2.14748E9" units="cm"/>
           <inkml:channel name="Y" type="integer" min="-2.14748E9" max="2.14748E9" units="cm"/>
+          <inkml:channel name="F" type="integer" max="32767" units="dev"/>
         </inkml:traceFormat>
         <inkml:channelProperties>
           <inkml:channelProperty channel="X" name="resolution" value="1000" units="1/cm"/>
           <inkml:channelProperty channel="Y" name="resolution" value="1000" units="1/cm"/>
+          <inkml:channelProperty channel="F" name="resolution" value="0" units="1/dev"/>
         </inkml:channelProperties>
       </inkml:inkSource>
-      <inkml:timestamp xml:id="ts0" timeString="2025-10-09T05:43:30.780"/>
+      <inkml:timestamp xml:id="ts0" timeString="2025-10-07T10:06:11.194"/>
     </inkml:context>
     <inkml:brush xml:id="br0">
-      <inkml:brushProperty name="width" value="0.1" units="cm"/>
-      <inkml:brushProperty name="height" value="0.6" units="cm"/>
+      <inkml:brushProperty name="width" value="0.35" units="cm"/>
+      <inkml:brushProperty name="height" value="2.1" units="cm"/>
       <inkml:brushProperty name="color" value="#FFFFFF"/>
       <inkml:brushProperty name="ignorePressure" value="1"/>
       <inkml:brushProperty name="inkEffects" value="pencil"/>
     </inkml:brush>
   </inkml:definitions>
-  <inkml:trace contextRef="#ctx0" brushRef="#br0">1 164,'5'0,"10"5,8 1,5 5,1 0,1-2,0-2,0-3,3 3,2 1,-1-2,3-1,-5 2,-3 1,-2-2,-1-5,0-9,5-7,-3-6,-2-8,-5-4,-6-6,-1 4,2 3,-2 2,-4 7</inkml:trace>
+  <inkml:trace contextRef="#ctx0" brushRef="#br0">0 0 0,'7096'78'0</inkml:trace>
 </inkml:ink>
 </file>
 
@@ -366,23 +375,25 @@
         <inkml:traceFormat>
           <inkml:channel name="X" type="integer" min="-2.14748E9" max="2.14748E9" units="cm"/>
           <inkml:channel name="Y" type="integer" min="-2.14748E9" max="2.14748E9" units="cm"/>
+          <inkml:channel name="F" type="integer" max="32767" units="dev"/>
         </inkml:traceFormat>
         <inkml:channelProperties>
           <inkml:channelProperty channel="X" name="resolution" value="1000" units="1/cm"/>
           <inkml:channelProperty channel="Y" name="resolution" value="1000" units="1/cm"/>
+          <inkml:channelProperty channel="F" name="resolution" value="0" units="1/dev"/>
         </inkml:channelProperties>
       </inkml:inkSource>
-      <inkml:timestamp xml:id="ts0" timeString="2025-10-09T05:43:34.604"/>
+      <inkml:timestamp xml:id="ts0" timeString="2025-10-07T10:06:17.934"/>
     </inkml:context>
     <inkml:brush xml:id="br0">
-      <inkml:brushProperty name="width" value="0.1" units="cm"/>
-      <inkml:brushProperty name="height" value="0.6" units="cm"/>
+      <inkml:brushProperty name="width" value="0.35" units="cm"/>
+      <inkml:brushProperty name="height" value="2.1" units="cm"/>
       <inkml:brushProperty name="color" value="#FFFFFF"/>
       <inkml:brushProperty name="ignorePressure" value="1"/>
       <inkml:brushProperty name="inkEffects" value="pencil"/>
     </inkml:brush>
   </inkml:definitions>
-  <inkml:trace contextRef="#ctx0" brushRef="#br0">748 0,'-5'0,"-5"0,-7 0,-5 0,-2 0,-3 0,-1 0,-1 0,-4 0,-2 0,1 0,-3 0,0 0,-7 0,-2 0,3 0,4 0,-1 0,3 0,2 0,2 0,3 0,-3 0,4 0</inkml:trace>
+  <inkml:trace contextRef="#ctx0" brushRef="#br0">0 53 0,'7306'-53'0</inkml:trace>
 </inkml:ink>
 </file>
 
@@ -400,17 +411,17 @@
           <inkml:channelProperty channel="Y" name="resolution" value="1000" units="1/cm"/>
         </inkml:channelProperties>
       </inkml:inkSource>
-      <inkml:timestamp xml:id="ts0" timeString="2025-10-09T05:43:36.785"/>
+      <inkml:timestamp xml:id="ts0" timeString="2025-10-07T10:06:24.583"/>
     </inkml:context>
     <inkml:brush xml:id="br0">
-      <inkml:brushProperty name="width" value="0.1" units="cm"/>
-      <inkml:brushProperty name="height" value="0.6" units="cm"/>
+      <inkml:brushProperty name="width" value="0.35" units="cm"/>
+      <inkml:brushProperty name="height" value="2.1" units="cm"/>
       <inkml:brushProperty name="color" value="#FFFFFF"/>
       <inkml:brushProperty name="ignorePressure" value="1"/>
       <inkml:brushProperty name="inkEffects" value="pencil"/>
     </inkml:brush>
   </inkml:definitions>
-  <inkml:trace contextRef="#ctx0" brushRef="#br0">327 0,'0'5,"0"6,-4 1,-7-1,-6 1,-5 9,-7 1,-4 0,-1 2,1-3,1-1,1 2,2 0,6 2,6 2,6 0,10 1,10 5,8 2,5-5,-1-3,1-1,2-5,-5-1,1 1,0-3,3 0,-4 2,0 3,2-3,-4-5</inkml:trace>
+  <inkml:trace contextRef="#ctx0" brushRef="#br0">1 0,'0'4,"0"7,0 5,0 4,0 4,0 6,0 3,0 0,0-1,0-2,0-1,0-1,0-1,0-1,0 0,0 0,0 0,0 0,0 0,0 0,0 0,0 0,0 5,0 1,0 0,0 3,0 0,0-1,0-2,0-2,0 2,0 1,0 0,0 2,4-5,2 2,-1 0,0 3,-2 0,-1-1,-1-2,0 2,-1 0,-1-1,1-2,0 2,0 6,0-1,-1-2,1-2,0-3,0-2,0-1,0-2,0 0,0 0,0-1,0 1,0 4,0 2,0 0,0 3,0 5,0-1,0-1,5-4,1 2,0-1,-2-2,0-2,-2 3,-1 0,-1-2,0-1,0-2,0 3,0 0,-1 5,1 4,0 0,0 1,0-1,0 0,0-1,0-4,0 2,0 2,0 0,0-3,0-4,0-2,0-2,0-2,0-1,0 4,0 2,0-1,0-1,0 4,0 4,0 5,0 0,0-4,0-3,0-3,0-4,0-1,0-2,0 0,0-1,0 1,0-1,0 1,0 4,0 7,0 5,0 5,0-2,0-3,0-1,0-2,0-4,0-2,0-4,4 3,2 0,0 0,-2-2,0-2,-2 5,-1-1,-1 5,0-1,0 4,0 3,-1 3,1-2,0 1,0-2,0 3,0 4,0-2,4-1,2 1,0-3,-1-1,-2-3,-1 0,-1-2,0 1,-1 3,0-2,-1-3,1-4,0 1,0 0,0-2,0-3,0-1,0 3,0 1,0-2,0 0,0-2,0 3,0 1,0 4,0-1,0 3,0 0,0-4,0 3,0-2,0 3,0-2,0 3,0-2,0 2,0 3,0 3,0 3,0-3,0-4,0-6,0 1,0 2,0 0,0 2,0-2,0-3,0-3,0 2,0-1,0-2,0-1,0-3,0 0,0-1,0-1,0 0,0 0,0 4,0 2,0 4,0 0,0 4,0-2,0 3,0 3,0-2,0 1,0-2,0 0,0 3,0-2,0 1,0-3,0 1,0-2,0-3,0-4,0-2,0 3,0-1,0 0,0-2,0-1,0 3,0 0,0 0,0-1,0-2,0-1,0 3,0 2,0 3,0 1,0 2,0 4,0-1,0-4,0 2,0 2,0 3,0-2,0 1,0 2,0-3,0 1,0-3,0 0,0-2,0 2,0-3,0 2,0-2,0 2,0-2,0 2,0-2,0 2,0-1,0-4,0-2,0-3,0-2,0 3,0 1,0 0,0-2,0-1,0-2,0 0,0 0,0-1,0 0,0 0,0 0,0 0,0 0,0 0,0 0,0 0,0 0,0 1,0-1,0 0,0 0,0 0,0 1,0-1,0 0,0 0,0 0,0-4</inkml:trace>
 </inkml:ink>
 </file>
 
@@ -430,17 +441,17 @@
           <inkml:channelProperty channel="F" name="resolution" value="0" units="1/dev"/>
         </inkml:channelProperties>
       </inkml:inkSource>
-      <inkml:timestamp xml:id="ts0" timeString="2025-10-09T05:43:41.193"/>
+      <inkml:timestamp xml:id="ts0" timeString="2025-10-07T10:06:29.724"/>
     </inkml:context>
     <inkml:brush xml:id="br0">
-      <inkml:brushProperty name="width" value="0.1" units="cm"/>
-      <inkml:brushProperty name="height" value="0.6" units="cm"/>
+      <inkml:brushProperty name="width" value="0.35" units="cm"/>
+      <inkml:brushProperty name="height" value="2.1" units="cm"/>
       <inkml:brushProperty name="color" value="#FFFFFF"/>
       <inkml:brushProperty name="ignorePressure" value="1"/>
       <inkml:brushProperty name="inkEffects" value="pencil"/>
     </inkml:brush>
   </inkml:definitions>
-  <inkml:trace contextRef="#ctx0" brushRef="#br0">793 28 0,'-793'-28'0</inkml:trace>
+  <inkml:trace contextRef="#ctx0" brushRef="#br0">0 0 0,'3902'27'0</inkml:trace>
 </inkml:ink>
 </file>
 
@@ -452,23 +463,25 @@
         <inkml:traceFormat>
           <inkml:channel name="X" type="integer" min="-2.14748E9" max="2.14748E9" units="cm"/>
           <inkml:channel name="Y" type="integer" min="-2.14748E9" max="2.14748E9" units="cm"/>
+          <inkml:channel name="F" type="integer" max="32767" units="dev"/>
         </inkml:traceFormat>
         <inkml:channelProperties>
           <inkml:channelProperty channel="X" name="resolution" value="1000" units="1/cm"/>
           <inkml:channelProperty channel="Y" name="resolution" value="1000" units="1/cm"/>
+          <inkml:channelProperty channel="F" name="resolution" value="0" units="1/dev"/>
         </inkml:channelProperties>
       </inkml:inkSource>
-      <inkml:timestamp xml:id="ts0" timeString="2025-10-09T05:43:54.724"/>
+      <inkml:timestamp xml:id="ts0" timeString="2025-10-07T10:06:39.058"/>
     </inkml:context>
     <inkml:brush xml:id="br0">
-      <inkml:brushProperty name="width" value="0.1" units="cm"/>
-      <inkml:brushProperty name="height" value="0.6" units="cm"/>
+      <inkml:brushProperty name="width" value="0.35" units="cm"/>
+      <inkml:brushProperty name="height" value="2.1" units="cm"/>
       <inkml:brushProperty name="color" value="#FFFFFF"/>
       <inkml:brushProperty name="ignorePressure" value="1"/>
       <inkml:brushProperty name="inkEffects" value="pencil"/>
     </inkml:brush>
   </inkml:definitions>
-  <inkml:trace contextRef="#ctx0" brushRef="#br0">490 1,'-5'0,"-6"0,-10 0,-7 4,-3 2,4 5,-3-1,-5 4,2 4,4 3,0-2,2-3,5-1,2-3,-6 7,-2-1,-1 1,4 8,6 3,7 1,10 0,9-1,9 0,11 3,5 2,2-2,0-5,-6-4,-3-5,4-2,-4 2,-5 1,-2-2,1 1,1 0,3-1,1-5,-3-4</inkml:trace>
+  <inkml:trace contextRef="#ctx0" brushRef="#br0">0 0 0,'3981'26'0</inkml:trace>
 </inkml:ink>
 </file>
 
@@ -508,13 +521,15 @@
         <inkml:traceFormat>
           <inkml:channel name="X" type="integer" min="-2.14748E9" max="2.14748E9" units="cm"/>
           <inkml:channel name="Y" type="integer" min="-2.14748E9" max="2.14748E9" units="cm"/>
+          <inkml:channel name="F" type="integer" max="32767" units="dev"/>
         </inkml:traceFormat>
         <inkml:channelProperties>
           <inkml:channelProperty channel="X" name="resolution" value="1000" units="1/cm"/>
           <inkml:channelProperty channel="Y" name="resolution" value="1000" units="1/cm"/>
+          <inkml:channelProperty channel="F" name="resolution" value="0" units="1/dev"/>
         </inkml:channelProperties>
       </inkml:inkSource>
-      <inkml:timestamp xml:id="ts0" timeString="2025-10-07T10:04:20.885"/>
+      <inkml:timestamp xml:id="ts0" timeString="2025-10-07T10:06:42.387"/>
     </inkml:context>
     <inkml:brush xml:id="br0">
       <inkml:brushProperty name="width" value="0.35" units="cm"/>
@@ -524,7 +539,7 @@
       <inkml:brushProperty name="inkEffects" value="pencil"/>
     </inkml:brush>
   </inkml:definitions>
-  <inkml:trace contextRef="#ctx0" brushRef="#br0">1 1,'0'0</inkml:trace>
+  <inkml:trace contextRef="#ctx0" brushRef="#br0">105 0 0,'-105'5839'0</inkml:trace>
 </inkml:ink>
 </file>
 
@@ -544,7 +559,7 @@
           <inkml:channelProperty channel="F" name="resolution" value="0" units="1/dev"/>
         </inkml:channelProperties>
       </inkml:inkSource>
-      <inkml:timestamp xml:id="ts0" timeString="2025-10-07T10:04:33.522"/>
+      <inkml:timestamp xml:id="ts0" timeString="2025-10-07T10:07:09.387"/>
     </inkml:context>
     <inkml:brush xml:id="br0">
       <inkml:brushProperty name="width" value="0.35" units="cm"/>
@@ -554,7 +569,7 @@
       <inkml:brushProperty name="inkEffects" value="pencil"/>
     </inkml:brush>
   </inkml:definitions>
-  <inkml:trace contextRef="#ctx0" brushRef="#br0">0 0 0,'27965'53'0</inkml:trace>
+  <inkml:trace contextRef="#ctx0" brushRef="#br0">0 0 0,'7096'78'0</inkml:trace>
 </inkml:ink>
 </file>
 
@@ -574,7 +589,7 @@
           <inkml:channelProperty channel="F" name="resolution" value="0" units="1/dev"/>
         </inkml:channelProperties>
       </inkml:inkSource>
-      <inkml:timestamp xml:id="ts0" timeString="2025-10-07T10:04:41.932"/>
+      <inkml:timestamp xml:id="ts0" timeString="2025-10-07T10:07:09.388"/>
     </inkml:context>
     <inkml:brush xml:id="br0">
       <inkml:brushProperty name="width" value="0.35" units="cm"/>
@@ -584,7 +599,7 @@
       <inkml:brushProperty name="inkEffects" value="pencil"/>
     </inkml:brush>
   </inkml:definitions>
-  <inkml:trace contextRef="#ctx0" brushRef="#br0">181 0 0,'-181'15698'0</inkml:trace>
+  <inkml:trace contextRef="#ctx0" brushRef="#br0">0 53 0,'7306'-53'0</inkml:trace>
 </inkml:ink>
 </file>
 
@@ -596,15 +611,13 @@
         <inkml:traceFormat>
           <inkml:channel name="X" type="integer" min="-2.14748E9" max="2.14748E9" units="cm"/>
           <inkml:channel name="Y" type="integer" min="-2.14748E9" max="2.14748E9" units="cm"/>
-          <inkml:channel name="F" type="integer" max="32767" units="dev"/>
         </inkml:traceFormat>
         <inkml:channelProperties>
           <inkml:channelProperty channel="X" name="resolution" value="1000" units="1/cm"/>
           <inkml:channelProperty channel="Y" name="resolution" value="1000" units="1/cm"/>
-          <inkml:channelProperty channel="F" name="resolution" value="0" units="1/dev"/>
         </inkml:channelProperties>
       </inkml:inkSource>
-      <inkml:timestamp xml:id="ts0" timeString="2025-10-07T10:05:07.090"/>
+      <inkml:timestamp xml:id="ts0" timeString="2025-10-07T10:07:09.389"/>
     </inkml:context>
     <inkml:brush xml:id="br0">
       <inkml:brushProperty name="width" value="0.35" units="cm"/>
@@ -614,7 +627,7 @@
       <inkml:brushProperty name="inkEffects" value="pencil"/>
     </inkml:brush>
   </inkml:definitions>
-  <inkml:trace contextRef="#ctx0" brushRef="#br0">0 53 0,'28098'-53'0</inkml:trace>
+  <inkml:trace contextRef="#ctx0" brushRef="#br0">1 0,'0'4,"0"7,0 5,0 4,0 4,0 6,0 3,0 0,0-1,0-2,0-1,0-1,0-1,0-1,0 0,0 0,0 0,0 0,0 0,0 0,0 0,0 0,0 5,0 1,0 0,0 3,0 0,0-1,0-2,0-2,0 2,0 1,0 0,0 2,4-5,2 2,-1 0,0 3,-2 0,-1-1,-1-2,0 2,-1 0,-1-1,1-2,0 2,0 6,0-1,-1-2,1-2,0-3,0-2,0-1,0-2,0 0,0 0,0-1,0 1,0 4,0 2,0 0,0 3,0 5,0-1,0-1,5-4,1 2,0-1,-2-2,0-2,-2 3,-1 0,-1-2,0-1,0-2,0 3,0 0,-1 5,1 4,0 0,0 1,0-1,0 0,0-1,0-4,0 2,0 2,0 0,0-3,0-4,0-2,0-2,0-2,0-1,0 4,0 2,0-1,0-1,0 4,0 4,0 5,0 0,0-4,0-3,0-3,0-4,0-1,0-2,0 0,0-1,0 1,0-1,0 1,0 4,0 7,0 5,0 5,0-2,0-3,0-1,0-2,0-4,0-2,0-4,4 3,2 0,0 0,-2-2,0-2,-2 5,-1-1,-1 5,0-1,0 4,0 3,-1 3,1-2,0 1,0-2,0 3,0 4,0-2,4-1,2 1,0-3,-1-1,-2-3,-1 0,-1-2,0 1,-1 3,0-2,-1-3,1-4,0 1,0 0,0-2,0-3,0-1,0 3,0 1,0-2,0 0,0-2,0 3,0 1,0 4,0-1,0 3,0 0,0-4,0 3,0-2,0 3,0-2,0 3,0-2,0 2,0 3,0 3,0 3,0-3,0-4,0-6,0 1,0 2,0 0,0 2,0-2,0-3,0-3,0 2,0-1,0-2,0-1,0-3,0 0,0-1,0-1,0 0,0 0,0 4,0 2,0 4,0 0,0 4,0-2,0 3,0 3,0-2,0 1,0-2,0 0,0 3,0-2,0 1,0-3,0 1,0-2,0-3,0-4,0-2,0 3,0-1,0 0,0-2,0-1,0 3,0 0,0 0,0-1,0-2,0-1,0 3,0 2,0 3,0 1,0 2,0 4,0-1,0-4,0 2,0 2,0 3,0-2,0 1,0 2,0-3,0 1,0-3,0 0,0-2,0 2,0-3,0 2,0-2,0 2,0-2,0 2,0-2,0 2,0-1,0-4,0-2,0-3,0-2,0 3,0 1,0 0,0-2,0-1,0-2,0 0,0 0,0-1,0 0,0 0,0 0,0 0,0 0,0 0,0 0,0 0,0 0,0 1,0-1,0 0,0 0,0 0,0 1,0-1,0 0,0 0,0 0,0-4</inkml:trace>
 </inkml:ink>
 </file>
 
@@ -634,7 +647,7 @@
           <inkml:channelProperty channel="F" name="resolution" value="0" units="1/dev"/>
         </inkml:channelProperties>
       </inkml:inkSource>
-      <inkml:timestamp xml:id="ts0" timeString="2025-10-07T10:05:12.231"/>
+      <inkml:timestamp xml:id="ts0" timeString="2025-10-07T10:07:09.390"/>
     </inkml:context>
     <inkml:brush xml:id="br0">
       <inkml:brushProperty name="width" value="0.35" units="cm"/>
@@ -644,7 +657,7 @@
       <inkml:brushProperty name="inkEffects" value="pencil"/>
     </inkml:brush>
   </inkml:definitions>
-  <inkml:trace contextRef="#ctx0" brushRef="#br0">0 0 0,'105'15895'0</inkml:trace>
+  <inkml:trace contextRef="#ctx0" brushRef="#br0">0 0 0,'3902'27'0</inkml:trace>
 </inkml:ink>
 </file>
 
@@ -664,7 +677,7 @@
           <inkml:channelProperty channel="F" name="resolution" value="0" units="1/dev"/>
         </inkml:channelProperties>
       </inkml:inkSource>
-      <inkml:timestamp xml:id="ts0" timeString="2025-10-07T10:06:11.194"/>
+      <inkml:timestamp xml:id="ts0" timeString="2025-10-07T10:07:09.391"/>
     </inkml:context>
     <inkml:brush xml:id="br0">
       <inkml:brushProperty name="width" value="0.35" units="cm"/>
@@ -674,7 +687,7 @@
       <inkml:brushProperty name="inkEffects" value="pencil"/>
     </inkml:brush>
   </inkml:definitions>
-  <inkml:trace contextRef="#ctx0" brushRef="#br0">0 0 0,'7096'78'0</inkml:trace>
+  <inkml:trace contextRef="#ctx0" brushRef="#br0">0 0 0,'3981'26'0</inkml:trace>
 </inkml:ink>
 </file>
 
@@ -694,7 +707,7 @@
           <inkml:channelProperty channel="F" name="resolution" value="0" units="1/dev"/>
         </inkml:channelProperties>
       </inkml:inkSource>
-      <inkml:timestamp xml:id="ts0" timeString="2025-10-07T10:06:17.934"/>
+      <inkml:timestamp xml:id="ts0" timeString="2025-10-07T10:07:09.392"/>
     </inkml:context>
     <inkml:brush xml:id="br0">
       <inkml:brushProperty name="width" value="0.35" units="cm"/>
@@ -704,7 +717,7 @@
       <inkml:brushProperty name="inkEffects" value="pencil"/>
     </inkml:brush>
   </inkml:definitions>
-  <inkml:trace contextRef="#ctx0" brushRef="#br0">0 53 0,'7306'-53'0</inkml:trace>
+  <inkml:trace contextRef="#ctx0" brushRef="#br0">105 0 0,'-105'5839'0</inkml:trace>
 </inkml:ink>
 </file>
 
@@ -716,13 +729,15 @@
         <inkml:traceFormat>
           <inkml:channel name="X" type="integer" min="-2.14748E9" max="2.14748E9" units="cm"/>
           <inkml:channel name="Y" type="integer" min="-2.14748E9" max="2.14748E9" units="cm"/>
+          <inkml:channel name="F" type="integer" max="32767" units="dev"/>
         </inkml:traceFormat>
         <inkml:channelProperties>
           <inkml:channelProperty channel="X" name="resolution" value="1000" units="1/cm"/>
           <inkml:channelProperty channel="Y" name="resolution" value="1000" units="1/cm"/>
+          <inkml:channelProperty channel="F" name="resolution" value="0" units="1/dev"/>
         </inkml:channelProperties>
       </inkml:inkSource>
-      <inkml:timestamp xml:id="ts0" timeString="2025-10-07T10:06:24.583"/>
+      <inkml:timestamp xml:id="ts0" timeString="2025-10-07T10:45:29.618"/>
     </inkml:context>
     <inkml:brush xml:id="br0">
       <inkml:brushProperty name="width" value="0.35" units="cm"/>
@@ -732,7 +747,7 @@
       <inkml:brushProperty name="inkEffects" value="pencil"/>
     </inkml:brush>
   </inkml:definitions>
-  <inkml:trace contextRef="#ctx0" brushRef="#br0">1 0,'0'4,"0"7,0 5,0 4,0 4,0 6,0 3,0 0,0-1,0-2,0-1,0-1,0-1,0-1,0 0,0 0,0 0,0 0,0 0,0 0,0 0,0 0,0 5,0 1,0 0,0 3,0 0,0-1,0-2,0-2,0 2,0 1,0 0,0 2,4-5,2 2,-1 0,0 3,-2 0,-1-1,-1-2,0 2,-1 0,-1-1,1-2,0 2,0 6,0-1,-1-2,1-2,0-3,0-2,0-1,0-2,0 0,0 0,0-1,0 1,0 4,0 2,0 0,0 3,0 5,0-1,0-1,5-4,1 2,0-1,-2-2,0-2,-2 3,-1 0,-1-2,0-1,0-2,0 3,0 0,-1 5,1 4,0 0,0 1,0-1,0 0,0-1,0-4,0 2,0 2,0 0,0-3,0-4,0-2,0-2,0-2,0-1,0 4,0 2,0-1,0-1,0 4,0 4,0 5,0 0,0-4,0-3,0-3,0-4,0-1,0-2,0 0,0-1,0 1,0-1,0 1,0 4,0 7,0 5,0 5,0-2,0-3,0-1,0-2,0-4,0-2,0-4,4 3,2 0,0 0,-2-2,0-2,-2 5,-1-1,-1 5,0-1,0 4,0 3,-1 3,1-2,0 1,0-2,0 3,0 4,0-2,4-1,2 1,0-3,-1-1,-2-3,-1 0,-1-2,0 1,-1 3,0-2,-1-3,1-4,0 1,0 0,0-2,0-3,0-1,0 3,0 1,0-2,0 0,0-2,0 3,0 1,0 4,0-1,0 3,0 0,0-4,0 3,0-2,0 3,0-2,0 3,0-2,0 2,0 3,0 3,0 3,0-3,0-4,0-6,0 1,0 2,0 0,0 2,0-2,0-3,0-3,0 2,0-1,0-2,0-1,0-3,0 0,0-1,0-1,0 0,0 0,0 4,0 2,0 4,0 0,0 4,0-2,0 3,0 3,0-2,0 1,0-2,0 0,0 3,0-2,0 1,0-3,0 1,0-2,0-3,0-4,0-2,0 3,0-1,0 0,0-2,0-1,0 3,0 0,0 0,0-1,0-2,0-1,0 3,0 2,0 3,0 1,0 2,0 4,0-1,0-4,0 2,0 2,0 3,0-2,0 1,0 2,0-3,0 1,0-3,0 0,0-2,0 2,0-3,0 2,0-2,0 2,0-2,0 2,0-2,0 2,0-1,0-4,0-2,0-3,0-2,0 3,0 1,0 0,0-2,0-1,0-2,0 0,0 0,0-1,0 0,0 0,0 0,0 0,0 0,0 0,0 0,0 0,0 0,0 1,0-1,0 0,0 0,0 0,0 1,0-1,0 0,0 0,0 0,0-4</inkml:trace>
+  <inkml:trace contextRef="#ctx0" brushRef="#br0">0 0 0,'25'15830'0</inkml:trace>
 </inkml:ink>
 </file>
 
@@ -752,7 +767,7 @@
           <inkml:channelProperty channel="F" name="resolution" value="0" units="1/dev"/>
         </inkml:channelProperties>
       </inkml:inkSource>
-      <inkml:timestamp xml:id="ts0" timeString="2025-10-07T10:06:29.724"/>
+      <inkml:timestamp xml:id="ts0" timeString="2025-10-07T10:45:53.917"/>
     </inkml:context>
     <inkml:brush xml:id="br0">
       <inkml:brushProperty name="width" value="0.35" units="cm"/>
@@ -762,7 +777,7 @@
       <inkml:brushProperty name="inkEffects" value="pencil"/>
     </inkml:brush>
   </inkml:definitions>
-  <inkml:trace contextRef="#ctx0" brushRef="#br0">0 0 0,'3902'27'0</inkml:trace>
+  <inkml:trace contextRef="#ctx0" brushRef="#br0">4116 2058 0,'-2'81'0,"-2"-1"0,-4 1 0,-3-1 0,-4-1 0,-2 0 0,-3 0 0,-4-2 0,-2-1 0,-4 0 0,-2-2 0,-3-2 0,-3 0 0,-3-3 0,-3-1 0,-2-1 0,-3-3 0,-2-1 0,-3-3 0,-2-2 0,-2-2 0,-2-2 0,-3-3 0,-1-2 0,-3-3 0,-1-2 0,-1-3 0,-3-3 0,0-3 0,-2-3 0,-2-2 0,0-4 0,-1-2 0,-2-4 0,0-3 0,0-2 0,-1-4 0,-1-3 0,1-4 0,-1-2 0,0-4 0,1-2 0,-1-4 0,1-3 0,1-4 0,0-2 0,0-3 0,2-4 0,1-2 0,0-4 0,2-2 0,2-3 0,0-3 0,3-3 0,1-3 0,1-2 0,3-3 0,1-2 0,3-3 0,2-2 0,2-2 0,2-2 0,3-3 0,2-1 0,3-3 0,2-1 0,3-1 0,3-3 0,3 0 0,3-2 0,2-2 0,4 0 0,2-1 0,4-2 0,3 0 0,2 0 0,4-1 0,3-1 0,4 1 0,2-1 0,4 0 0,2 1 0,4-1 0,3 1 0,4 1 0,2 0 0,3 0 0,4 2 0,2 1 0,4 0 0,2 2 0,3 2 0,3 0 0,3 3 0,3 1 0,2 1 0,3 3 0,2 1 0,3 3 0,2 2 0,2 2 0,2 2 0,3 3 0,1 2 0,3 3 0,1 2 0,1 3 0,3 3 0,0 3 0,2 3 0,2 2 0,0 4 0,1 2 0,2 4 0,0 3 0,0 2 0,1 4 0,1 3 0,-1 4 0,1 2 0,0 4 0,-1 2 0,1 4 0,-1 3 0,-1 4 0,0 2 0,0 3 0,-2 4 0,-1 2 0,0 4 0,-2 2 0,-2 3 0,0 3 0,-3 3 0,-1 3 0,-1 2 0,-3 3 0,-1 2 0,-3 3 0,-2 2 0,-2 2 0,-2 2 0,-3 3 0,-2 1 0,-3 3 0,-2 1 0,-3 1 0,-3 3 0,-3 0 0,-3 2 0,-2 2 0,-4 0 0,-2 1 0,-4 2 0,-3 0 0,-2 0 0,-4 1 0,-3 1 0,-4-1 0,-2 1 0</inkml:trace>
 </inkml:ink>
 </file>
 
@@ -774,25 +789,23 @@
         <inkml:traceFormat>
           <inkml:channel name="X" type="integer" min="-2.14748E9" max="2.14748E9" units="cm"/>
           <inkml:channel name="Y" type="integer" min="-2.14748E9" max="2.14748E9" units="cm"/>
-          <inkml:channel name="F" type="integer" max="32767" units="dev"/>
         </inkml:traceFormat>
         <inkml:channelProperties>
           <inkml:channelProperty channel="X" name="resolution" value="1000" units="1/cm"/>
           <inkml:channelProperty channel="Y" name="resolution" value="1000" units="1/cm"/>
-          <inkml:channelProperty channel="F" name="resolution" value="0" units="1/dev"/>
         </inkml:channelProperties>
       </inkml:inkSource>
-      <inkml:timestamp xml:id="ts0" timeString="2025-10-07T10:06:39.058"/>
+      <inkml:timestamp xml:id="ts0" timeString="2025-10-09T05:43:16.983"/>
     </inkml:context>
     <inkml:brush xml:id="br0">
-      <inkml:brushProperty name="width" value="0.35" units="cm"/>
-      <inkml:brushProperty name="height" value="2.1" units="cm"/>
+      <inkml:brushProperty name="width" value="0.1" units="cm"/>
+      <inkml:brushProperty name="height" value="0.6" units="cm"/>
       <inkml:brushProperty name="color" value="#FFFFFF"/>
       <inkml:brushProperty name="ignorePressure" value="1"/>
       <inkml:brushProperty name="inkEffects" value="pencil"/>
     </inkml:brush>
   </inkml:definitions>
-  <inkml:trace contextRef="#ctx0" brushRef="#br0">0 0 0,'3981'26'0</inkml:trace>
+  <inkml:trace contextRef="#ctx0" brushRef="#br0">0 1,'9'0,"8"0,6 0,3 0,2 0,1 0,1 0,3 0,2 0,-1 0,-1 0,-3 0,0 0,3 0,1 0,-1 0,3 0,1 0,-2 0,-2 0,-2 0,-2 0,4 0,1 0,-1 0,3 0,-4 0</inkml:trace>
 </inkml:ink>
 </file>
 
@@ -832,29 +845,83 @@
         <inkml:traceFormat>
           <inkml:channel name="X" type="integer" min="-2.14748E9" max="2.14748E9" units="cm"/>
           <inkml:channel name="Y" type="integer" min="-2.14748E9" max="2.14748E9" units="cm"/>
-          <inkml:channel name="F" type="integer" max="32767" units="dev"/>
         </inkml:traceFormat>
         <inkml:channelProperties>
           <inkml:channelProperty channel="X" name="resolution" value="1000" units="1/cm"/>
           <inkml:channelProperty channel="Y" name="resolution" value="1000" units="1/cm"/>
-          <inkml:channelProperty channel="F" name="resolution" value="0" units="1/dev"/>
         </inkml:channelProperties>
       </inkml:inkSource>
-      <inkml:timestamp xml:id="ts0" timeString="2025-10-07T10:06:42.387"/>
+      <inkml:timestamp xml:id="ts0" timeString="2025-10-09T05:43:18.635"/>
     </inkml:context>
     <inkml:brush xml:id="br0">
-      <inkml:brushProperty name="width" value="0.35" units="cm"/>
-      <inkml:brushProperty name="height" value="2.1" units="cm"/>
+      <inkml:brushProperty name="width" value="0.1" units="cm"/>
+      <inkml:brushProperty name="height" value="0.6" units="cm"/>
       <inkml:brushProperty name="color" value="#FFFFFF"/>
       <inkml:brushProperty name="ignorePressure" value="1"/>
       <inkml:brushProperty name="inkEffects" value="pencil"/>
     </inkml:brush>
   </inkml:definitions>
-  <inkml:trace contextRef="#ctx0" brushRef="#br0">105 0 0,'-105'5839'0</inkml:trace>
+  <inkml:trace contextRef="#ctx0" brushRef="#br0">0 1,'5'0,"5"4,3 7,2 1,4-1,7-3,5 2,-3 4,-2 0,-1 2,0 2,-4 4,-5 2,-6 6,-9 4,-5-1,-6 0,-2-2,1 4,-1-5,-4-2,0-2,-1 0,3 0,3-5</inkml:trace>
 </inkml:ink>
 </file>
 
 <file path=ppt/ink/ink121.xml><?xml version="1.0" encoding="utf-8"?>
+<inkml:ink xmlns:inkml="http://www.w3.org/2003/InkML">
+  <inkml:definitions>
+    <inkml:context xml:id="ctx0">
+      <inkml:inkSource xml:id="inkSrc0">
+        <inkml:traceFormat>
+          <inkml:channel name="X" type="integer" min="-2.14748E9" max="2.14748E9" units="cm"/>
+          <inkml:channel name="Y" type="integer" min="-2.14748E9" max="2.14748E9" units="cm"/>
+        </inkml:traceFormat>
+        <inkml:channelProperties>
+          <inkml:channelProperty channel="X" name="resolution" value="1000" units="1/cm"/>
+          <inkml:channelProperty channel="Y" name="resolution" value="1000" units="1/cm"/>
+        </inkml:channelProperties>
+      </inkml:inkSource>
+      <inkml:timestamp xml:id="ts0" timeString="2025-10-09T05:43:21.990"/>
+    </inkml:context>
+    <inkml:brush xml:id="br0">
+      <inkml:brushProperty name="width" value="0.1" units="cm"/>
+      <inkml:brushProperty name="height" value="0.6" units="cm"/>
+      <inkml:brushProperty name="color" value="#FFFFFF"/>
+      <inkml:brushProperty name="ignorePressure" value="1"/>
+      <inkml:brushProperty name="inkEffects" value="pencil"/>
+    </inkml:brush>
+  </inkml:definitions>
+  <inkml:trace contextRef="#ctx0" brushRef="#br0">0 0,'5'5,"10"1,12 0,7-2,2 0,-1-2,-2-1,-1-1,-2 0,-1 0,-1 0,-1-1,4 1,3 0,-1 0,-2 0,5 0,-1 0,-1 0,-1 5,-2 1,2 0,2-1,-2-2,-1-1,-2 0,-1-2,-5 0</inkml:trace>
+</inkml:ink>
+</file>
+
+<file path=ppt/ink/ink122.xml><?xml version="1.0" encoding="utf-8"?>
+<inkml:ink xmlns:inkml="http://www.w3.org/2003/InkML">
+  <inkml:definitions>
+    <inkml:context xml:id="ctx0">
+      <inkml:inkSource xml:id="inkSrc0">
+        <inkml:traceFormat>
+          <inkml:channel name="X" type="integer" min="-2.14748E9" max="2.14748E9" units="cm"/>
+          <inkml:channel name="Y" type="integer" min="-2.14748E9" max="2.14748E9" units="cm"/>
+        </inkml:traceFormat>
+        <inkml:channelProperties>
+          <inkml:channelProperty channel="X" name="resolution" value="1000" units="1/cm"/>
+          <inkml:channelProperty channel="Y" name="resolution" value="1000" units="1/cm"/>
+        </inkml:channelProperties>
+      </inkml:inkSource>
+      <inkml:timestamp xml:id="ts0" timeString="2025-10-09T05:43:23.925"/>
+    </inkml:context>
+    <inkml:brush xml:id="br0">
+      <inkml:brushProperty name="width" value="0.1" units="cm"/>
+      <inkml:brushProperty name="height" value="0.6" units="cm"/>
+      <inkml:brushProperty name="color" value="#FFFFFF"/>
+      <inkml:brushProperty name="ignorePressure" value="1"/>
+      <inkml:brushProperty name="inkEffects" value="pencil"/>
+    </inkml:brush>
+  </inkml:definitions>
+  <inkml:trace contextRef="#ctx0" brushRef="#br0">1 0,'0'5,"4"10,7 3,5 3,6-1,3-6,1-3,-2-1,-2-1,1-2,5 7,3 1,1-2,-6 1,-6 3,-12 4,-12 2,-5 2,-5-3,-6-5,-8-6,-9 0,2 3,6 4,5-2,1 2,0 2,3-2</inkml:trace>
+</inkml:ink>
+</file>
+
+<file path=ppt/ink/ink123.xml><?xml version="1.0" encoding="utf-8"?>
 <inkml:ink xmlns:inkml="http://www.w3.org/2003/InkML">
   <inkml:definitions>
     <inkml:context xml:id="ctx0">
@@ -870,51 +937,21 @@
           <inkml:channelProperty channel="F" name="resolution" value="0" units="1/dev"/>
         </inkml:channelProperties>
       </inkml:inkSource>
-      <inkml:timestamp xml:id="ts0" timeString="2025-10-07T10:07:09.387"/>
+      <inkml:timestamp xml:id="ts0" timeString="2025-10-09T05:43:28.697"/>
     </inkml:context>
     <inkml:brush xml:id="br0">
-      <inkml:brushProperty name="width" value="0.35" units="cm"/>
-      <inkml:brushProperty name="height" value="2.1" units="cm"/>
+      <inkml:brushProperty name="width" value="0.1" units="cm"/>
+      <inkml:brushProperty name="height" value="0.6" units="cm"/>
       <inkml:brushProperty name="color" value="#FFFFFF"/>
       <inkml:brushProperty name="ignorePressure" value="1"/>
       <inkml:brushProperty name="inkEffects" value="pencil"/>
     </inkml:brush>
   </inkml:definitions>
-  <inkml:trace contextRef="#ctx0" brushRef="#br0">0 0 0,'7096'78'0</inkml:trace>
+  <inkml:trace contextRef="#ctx0" brushRef="#br0">1 1 0,'0'684'0</inkml:trace>
 </inkml:ink>
 </file>
 
-<file path=ppt/ink/ink122.xml><?xml version="1.0" encoding="utf-8"?>
-<inkml:ink xmlns:inkml="http://www.w3.org/2003/InkML">
-  <inkml:definitions>
-    <inkml:context xml:id="ctx0">
-      <inkml:inkSource xml:id="inkSrc0">
-        <inkml:traceFormat>
-          <inkml:channel name="X" type="integer" min="-2.14748E9" max="2.14748E9" units="cm"/>
-          <inkml:channel name="Y" type="integer" min="-2.14748E9" max="2.14748E9" units="cm"/>
-          <inkml:channel name="F" type="integer" max="32767" units="dev"/>
-        </inkml:traceFormat>
-        <inkml:channelProperties>
-          <inkml:channelProperty channel="X" name="resolution" value="1000" units="1/cm"/>
-          <inkml:channelProperty channel="Y" name="resolution" value="1000" units="1/cm"/>
-          <inkml:channelProperty channel="F" name="resolution" value="0" units="1/dev"/>
-        </inkml:channelProperties>
-      </inkml:inkSource>
-      <inkml:timestamp xml:id="ts0" timeString="2025-10-07T10:07:09.388"/>
-    </inkml:context>
-    <inkml:brush xml:id="br0">
-      <inkml:brushProperty name="width" value="0.35" units="cm"/>
-      <inkml:brushProperty name="height" value="2.1" units="cm"/>
-      <inkml:brushProperty name="color" value="#FFFFFF"/>
-      <inkml:brushProperty name="ignorePressure" value="1"/>
-      <inkml:brushProperty name="inkEffects" value="pencil"/>
-    </inkml:brush>
-  </inkml:definitions>
-  <inkml:trace contextRef="#ctx0" brushRef="#br0">0 53 0,'7306'-53'0</inkml:trace>
-</inkml:ink>
-</file>
-
-<file path=ppt/ink/ink123.xml><?xml version="1.0" encoding="utf-8"?>
+<file path=ppt/ink/ink124.xml><?xml version="1.0" encoding="utf-8"?>
 <inkml:ink xmlns:inkml="http://www.w3.org/2003/InkML">
   <inkml:definitions>
     <inkml:context xml:id="ctx0">
@@ -928,47 +965,17 @@
           <inkml:channelProperty channel="Y" name="resolution" value="1000" units="1/cm"/>
         </inkml:channelProperties>
       </inkml:inkSource>
-      <inkml:timestamp xml:id="ts0" timeString="2025-10-07T10:07:09.389"/>
+      <inkml:timestamp xml:id="ts0" timeString="2025-10-09T05:43:30.780"/>
     </inkml:context>
     <inkml:brush xml:id="br0">
-      <inkml:brushProperty name="width" value="0.35" units="cm"/>
-      <inkml:brushProperty name="height" value="2.1" units="cm"/>
+      <inkml:brushProperty name="width" value="0.1" units="cm"/>
+      <inkml:brushProperty name="height" value="0.6" units="cm"/>
       <inkml:brushProperty name="color" value="#FFFFFF"/>
       <inkml:brushProperty name="ignorePressure" value="1"/>
       <inkml:brushProperty name="inkEffects" value="pencil"/>
     </inkml:brush>
   </inkml:definitions>
-  <inkml:trace contextRef="#ctx0" brushRef="#br0">1 0,'0'4,"0"7,0 5,0 4,0 4,0 6,0 3,0 0,0-1,0-2,0-1,0-1,0-1,0-1,0 0,0 0,0 0,0 0,0 0,0 0,0 0,0 0,0 5,0 1,0 0,0 3,0 0,0-1,0-2,0-2,0 2,0 1,0 0,0 2,4-5,2 2,-1 0,0 3,-2 0,-1-1,-1-2,0 2,-1 0,-1-1,1-2,0 2,0 6,0-1,-1-2,1-2,0-3,0-2,0-1,0-2,0 0,0 0,0-1,0 1,0 4,0 2,0 0,0 3,0 5,0-1,0-1,5-4,1 2,0-1,-2-2,0-2,-2 3,-1 0,-1-2,0-1,0-2,0 3,0 0,-1 5,1 4,0 0,0 1,0-1,0 0,0-1,0-4,0 2,0 2,0 0,0-3,0-4,0-2,0-2,0-2,0-1,0 4,0 2,0-1,0-1,0 4,0 4,0 5,0 0,0-4,0-3,0-3,0-4,0-1,0-2,0 0,0-1,0 1,0-1,0 1,0 4,0 7,0 5,0 5,0-2,0-3,0-1,0-2,0-4,0-2,0-4,4 3,2 0,0 0,-2-2,0-2,-2 5,-1-1,-1 5,0-1,0 4,0 3,-1 3,1-2,0 1,0-2,0 3,0 4,0-2,4-1,2 1,0-3,-1-1,-2-3,-1 0,-1-2,0 1,-1 3,0-2,-1-3,1-4,0 1,0 0,0-2,0-3,0-1,0 3,0 1,0-2,0 0,0-2,0 3,0 1,0 4,0-1,0 3,0 0,0-4,0 3,0-2,0 3,0-2,0 3,0-2,0 2,0 3,0 3,0 3,0-3,0-4,0-6,0 1,0 2,0 0,0 2,0-2,0-3,0-3,0 2,0-1,0-2,0-1,0-3,0 0,0-1,0-1,0 0,0 0,0 4,0 2,0 4,0 0,0 4,0-2,0 3,0 3,0-2,0 1,0-2,0 0,0 3,0-2,0 1,0-3,0 1,0-2,0-3,0-4,0-2,0 3,0-1,0 0,0-2,0-1,0 3,0 0,0 0,0-1,0-2,0-1,0 3,0 2,0 3,0 1,0 2,0 4,0-1,0-4,0 2,0 2,0 3,0-2,0 1,0 2,0-3,0 1,0-3,0 0,0-2,0 2,0-3,0 2,0-2,0 2,0-2,0 2,0-2,0 2,0-1,0-4,0-2,0-3,0-2,0 3,0 1,0 0,0-2,0-1,0-2,0 0,0 0,0-1,0 0,0 0,0 0,0 0,0 0,0 0,0 0,0 0,0 0,0 1,0-1,0 0,0 0,0 0,0 1,0-1,0 0,0 0,0 0,0-4</inkml:trace>
-</inkml:ink>
-</file>
-
-<file path=ppt/ink/ink124.xml><?xml version="1.0" encoding="utf-8"?>
-<inkml:ink xmlns:inkml="http://www.w3.org/2003/InkML">
-  <inkml:definitions>
-    <inkml:context xml:id="ctx0">
-      <inkml:inkSource xml:id="inkSrc0">
-        <inkml:traceFormat>
-          <inkml:channel name="X" type="integer" min="-2.14748E9" max="2.14748E9" units="cm"/>
-          <inkml:channel name="Y" type="integer" min="-2.14748E9" max="2.14748E9" units="cm"/>
-          <inkml:channel name="F" type="integer" max="32767" units="dev"/>
-        </inkml:traceFormat>
-        <inkml:channelProperties>
-          <inkml:channelProperty channel="X" name="resolution" value="1000" units="1/cm"/>
-          <inkml:channelProperty channel="Y" name="resolution" value="1000" units="1/cm"/>
-          <inkml:channelProperty channel="F" name="resolution" value="0" units="1/dev"/>
-        </inkml:channelProperties>
-      </inkml:inkSource>
-      <inkml:timestamp xml:id="ts0" timeString="2025-10-07T10:07:09.390"/>
-    </inkml:context>
-    <inkml:brush xml:id="br0">
-      <inkml:brushProperty name="width" value="0.35" units="cm"/>
-      <inkml:brushProperty name="height" value="2.1" units="cm"/>
-      <inkml:brushProperty name="color" value="#FFFFFF"/>
-      <inkml:brushProperty name="ignorePressure" value="1"/>
-      <inkml:brushProperty name="inkEffects" value="pencil"/>
-    </inkml:brush>
-  </inkml:definitions>
-  <inkml:trace contextRef="#ctx0" brushRef="#br0">0 0 0,'3902'27'0</inkml:trace>
+  <inkml:trace contextRef="#ctx0" brushRef="#br0">1 164,'5'0,"10"5,8 1,5 5,1 0,1-2,0-2,0-3,3 3,2 1,-1-2,3-1,-5 2,-3 1,-2-2,-1-5,0-9,5-7,-3-6,-2-8,-5-4,-6-6,-1 4,2 3,-2 2,-4 7</inkml:trace>
 </inkml:ink>
 </file>
 
@@ -980,25 +987,23 @@
         <inkml:traceFormat>
           <inkml:channel name="X" type="integer" min="-2.14748E9" max="2.14748E9" units="cm"/>
           <inkml:channel name="Y" type="integer" min="-2.14748E9" max="2.14748E9" units="cm"/>
-          <inkml:channel name="F" type="integer" max="32767" units="dev"/>
         </inkml:traceFormat>
         <inkml:channelProperties>
           <inkml:channelProperty channel="X" name="resolution" value="1000" units="1/cm"/>
           <inkml:channelProperty channel="Y" name="resolution" value="1000" units="1/cm"/>
-          <inkml:channelProperty channel="F" name="resolution" value="0" units="1/dev"/>
         </inkml:channelProperties>
       </inkml:inkSource>
-      <inkml:timestamp xml:id="ts0" timeString="2025-10-07T10:07:09.391"/>
+      <inkml:timestamp xml:id="ts0" timeString="2025-10-09T05:43:34.604"/>
     </inkml:context>
     <inkml:brush xml:id="br0">
-      <inkml:brushProperty name="width" value="0.35" units="cm"/>
-      <inkml:brushProperty name="height" value="2.1" units="cm"/>
+      <inkml:brushProperty name="width" value="0.1" units="cm"/>
+      <inkml:brushProperty name="height" value="0.6" units="cm"/>
       <inkml:brushProperty name="color" value="#FFFFFF"/>
       <inkml:brushProperty name="ignorePressure" value="1"/>
       <inkml:brushProperty name="inkEffects" value="pencil"/>
     </inkml:brush>
   </inkml:definitions>
-  <inkml:trace contextRef="#ctx0" brushRef="#br0">0 0 0,'3981'26'0</inkml:trace>
+  <inkml:trace contextRef="#ctx0" brushRef="#br0">748 0,'-5'0,"-5"0,-7 0,-5 0,-2 0,-3 0,-1 0,-1 0,-4 0,-2 0,1 0,-3 0,0 0,-7 0,-2 0,3 0,4 0,-1 0,3 0,2 0,2 0,3 0,-3 0,4 0</inkml:trace>
 </inkml:ink>
 </file>
 
@@ -1010,25 +1015,23 @@
         <inkml:traceFormat>
           <inkml:channel name="X" type="integer" min="-2.14748E9" max="2.14748E9" units="cm"/>
           <inkml:channel name="Y" type="integer" min="-2.14748E9" max="2.14748E9" units="cm"/>
-          <inkml:channel name="F" type="integer" max="32767" units="dev"/>
         </inkml:traceFormat>
         <inkml:channelProperties>
           <inkml:channelProperty channel="X" name="resolution" value="1000" units="1/cm"/>
           <inkml:channelProperty channel="Y" name="resolution" value="1000" units="1/cm"/>
-          <inkml:channelProperty channel="F" name="resolution" value="0" units="1/dev"/>
         </inkml:channelProperties>
       </inkml:inkSource>
-      <inkml:timestamp xml:id="ts0" timeString="2025-10-07T10:07:09.392"/>
+      <inkml:timestamp xml:id="ts0" timeString="2025-10-09T05:43:36.785"/>
     </inkml:context>
     <inkml:brush xml:id="br0">
-      <inkml:brushProperty name="width" value="0.35" units="cm"/>
-      <inkml:brushProperty name="height" value="2.1" units="cm"/>
+      <inkml:brushProperty name="width" value="0.1" units="cm"/>
+      <inkml:brushProperty name="height" value="0.6" units="cm"/>
       <inkml:brushProperty name="color" value="#FFFFFF"/>
       <inkml:brushProperty name="ignorePressure" value="1"/>
       <inkml:brushProperty name="inkEffects" value="pencil"/>
     </inkml:brush>
   </inkml:definitions>
-  <inkml:trace contextRef="#ctx0" brushRef="#br0">105 0 0,'-105'5839'0</inkml:trace>
+  <inkml:trace contextRef="#ctx0" brushRef="#br0">327 0,'0'5,"0"6,-4 1,-7-1,-6 1,-5 9,-7 1,-4 0,-1 2,1-3,1-1,1 2,2 0,6 2,6 2,6 0,10 1,10 5,8 2,5-5,-1-3,1-1,2-5,-5-1,1 1,0-3,3 0,-4 2,0 3,2-3,-4-5</inkml:trace>
 </inkml:ink>
 </file>
 
@@ -1048,17 +1051,17 @@
           <inkml:channelProperty channel="F" name="resolution" value="0" units="1/dev"/>
         </inkml:channelProperties>
       </inkml:inkSource>
-      <inkml:timestamp xml:id="ts0" timeString="2025-10-07T10:45:29.618"/>
+      <inkml:timestamp xml:id="ts0" timeString="2025-10-09T05:43:41.193"/>
     </inkml:context>
     <inkml:brush xml:id="br0">
-      <inkml:brushProperty name="width" value="0.35" units="cm"/>
-      <inkml:brushProperty name="height" value="2.1" units="cm"/>
+      <inkml:brushProperty name="width" value="0.1" units="cm"/>
+      <inkml:brushProperty name="height" value="0.6" units="cm"/>
       <inkml:brushProperty name="color" value="#FFFFFF"/>
       <inkml:brushProperty name="ignorePressure" value="1"/>
       <inkml:brushProperty name="inkEffects" value="pencil"/>
     </inkml:brush>
   </inkml:definitions>
-  <inkml:trace contextRef="#ctx0" brushRef="#br0">0 0 0,'25'15830'0</inkml:trace>
+  <inkml:trace contextRef="#ctx0" brushRef="#br0">793 28 0,'-793'-28'0</inkml:trace>
 </inkml:ink>
 </file>
 
@@ -1070,25 +1073,23 @@
         <inkml:traceFormat>
           <inkml:channel name="X" type="integer" min="-2.14748E9" max="2.14748E9" units="cm"/>
           <inkml:channel name="Y" type="integer" min="-2.14748E9" max="2.14748E9" units="cm"/>
-          <inkml:channel name="F" type="integer" max="32767" units="dev"/>
         </inkml:traceFormat>
         <inkml:channelProperties>
           <inkml:channelProperty channel="X" name="resolution" value="1000" units="1/cm"/>
           <inkml:channelProperty channel="Y" name="resolution" value="1000" units="1/cm"/>
-          <inkml:channelProperty channel="F" name="resolution" value="0" units="1/dev"/>
         </inkml:channelProperties>
       </inkml:inkSource>
-      <inkml:timestamp xml:id="ts0" timeString="2025-10-07T10:45:53.917"/>
+      <inkml:timestamp xml:id="ts0" timeString="2025-10-09T05:43:54.724"/>
     </inkml:context>
     <inkml:brush xml:id="br0">
-      <inkml:brushProperty name="width" value="0.35" units="cm"/>
-      <inkml:brushProperty name="height" value="2.1" units="cm"/>
+      <inkml:brushProperty name="width" value="0.1" units="cm"/>
+      <inkml:brushProperty name="height" value="0.6" units="cm"/>
       <inkml:brushProperty name="color" value="#FFFFFF"/>
       <inkml:brushProperty name="ignorePressure" value="1"/>
       <inkml:brushProperty name="inkEffects" value="pencil"/>
     </inkml:brush>
   </inkml:definitions>
-  <inkml:trace contextRef="#ctx0" brushRef="#br0">4116 2058 0,'-2'81'0,"-2"-1"0,-4 1 0,-3-1 0,-4-1 0,-2 0 0,-3 0 0,-4-2 0,-2-1 0,-4 0 0,-2-2 0,-3-2 0,-3 0 0,-3-3 0,-3-1 0,-2-1 0,-3-3 0,-2-1 0,-3-3 0,-2-2 0,-2-2 0,-2-2 0,-3-3 0,-1-2 0,-3-3 0,-1-2 0,-1-3 0,-3-3 0,0-3 0,-2-3 0,-2-2 0,0-4 0,-1-2 0,-2-4 0,0-3 0,0-2 0,-1-4 0,-1-3 0,1-4 0,-1-2 0,0-4 0,1-2 0,-1-4 0,1-3 0,1-4 0,0-2 0,0-3 0,2-4 0,1-2 0,0-4 0,2-2 0,2-3 0,0-3 0,3-3 0,1-3 0,1-2 0,3-3 0,1-2 0,3-3 0,2-2 0,2-2 0,2-2 0,3-3 0,2-1 0,3-3 0,2-1 0,3-1 0,3-3 0,3 0 0,3-2 0,2-2 0,4 0 0,2-1 0,4-2 0,3 0 0,2 0 0,4-1 0,3-1 0,4 1 0,2-1 0,4 0 0,2 1 0,4-1 0,3 1 0,4 1 0,2 0 0,3 0 0,4 2 0,2 1 0,4 0 0,2 2 0,3 2 0,3 0 0,3 3 0,3 1 0,2 1 0,3 3 0,2 1 0,3 3 0,2 2 0,2 2 0,2 2 0,3 3 0,1 2 0,3 3 0,1 2 0,1 3 0,3 3 0,0 3 0,2 3 0,2 2 0,0 4 0,1 2 0,2 4 0,0 3 0,0 2 0,1 4 0,1 3 0,-1 4 0,1 2 0,0 4 0,-1 2 0,1 4 0,-1 3 0,-1 4 0,0 2 0,0 3 0,-2 4 0,-1 2 0,0 4 0,-2 2 0,-2 3 0,0 3 0,-3 3 0,-1 3 0,-1 2 0,-3 3 0,-1 2 0,-3 3 0,-2 2 0,-2 2 0,-2 2 0,-3 3 0,-2 1 0,-3 3 0,-2 1 0,-3 1 0,-3 3 0,-3 0 0,-3 2 0,-2 2 0,-4 0 0,-2 1 0,-4 2 0,-3 0 0,-2 0 0,-4 1 0,-3 1 0,-4-1 0,-2 1 0</inkml:trace>
+  <inkml:trace contextRef="#ctx0" brushRef="#br0">490 1,'-5'0,"-6"0,-10 0,-7 4,-3 2,4 5,-3-1,-5 4,2 4,4 3,0-2,2-3,5-1,2-3,-6 7,-2-1,-1 1,4 8,6 3,7 1,10 0,9-1,9 0,11 3,5 2,2-2,0-5,-6-4,-3-5,4-2,-4 2,-5 1,-2-2,1 1,1 0,3-1,1-5,-3-4</inkml:trace>
 </inkml:ink>
 </file>
 
@@ -1100,15 +1101,13 @@
         <inkml:traceFormat>
           <inkml:channel name="X" type="integer" min="-2.14748E9" max="2.14748E9" units="cm"/>
           <inkml:channel name="Y" type="integer" min="-2.14748E9" max="2.14748E9" units="cm"/>
-          <inkml:channel name="F" type="integer" max="32767" units="dev"/>
         </inkml:traceFormat>
         <inkml:channelProperties>
           <inkml:channelProperty channel="X" name="resolution" value="1000" units="1/cm"/>
           <inkml:channelProperty channel="Y" name="resolution" value="1000" units="1/cm"/>
-          <inkml:channelProperty channel="F" name="resolution" value="0" units="1/dev"/>
         </inkml:channelProperties>
       </inkml:inkSource>
-      <inkml:timestamp xml:id="ts0" timeString="2025-10-07T10:49:36.782"/>
+      <inkml:timestamp xml:id="ts0" timeString="2025-10-07T10:04:20.885"/>
     </inkml:context>
     <inkml:brush xml:id="br0">
       <inkml:brushProperty name="width" value="0.35" units="cm"/>
@@ -1118,7 +1117,7 @@
       <inkml:brushProperty name="inkEffects" value="pencil"/>
     </inkml:brush>
   </inkml:definitions>
-  <inkml:trace contextRef="#ctx0" brushRef="#br0">1612 806 0,'-1'32'0,"0"-1"0,-3 1 0,0-1 0,-1 0 0,-2 0 0,-1 0 0,-1-1 0,-2 0 0,0-1 0,-2 0 0,-1 0 0,-1-1 0,-1-1 0,-1 0 0,-1-1 0,-1-1 0,-1-1 0,-1 0 0,-1-1 0,-1-1 0,-1-1 0,0-1 0,-1-1 0,-1-1 0,-1-1 0,0-1 0,-1-1 0,-1-1 0,0-1 0,0-2 0,-1 0 0,0-2 0,-1-1 0,0-1 0,0-2 0,0-1 0,-1 0 0,1-3 0,-1 0 0,0-2 0,1 0 0,-1-3 0,1 0 0,0-1 0,0-2 0,0-1 0,1-1 0,0-2 0,1 0 0,0-2 0,0-1 0,1-1 0,1-1 0,0-1 0,1-1 0,1-1 0,1-1 0,0-1 0,1-1 0,1-1 0,1-1 0,1 0 0,1-1 0,1-1 0,1-1 0,1 0 0,1-1 0,1-1 0,1 0 0,2 0 0,0-1 0,2 0 0,1-1 0,1 0 0,2 0 0,1 0 0,0-1 0,3 1 0,0-1 0,2 0 0,0 1 0,3-1 0,0 1 0,1 0 0,2 0 0,1 0 0,1 1 0,2 0 0,0 1 0,2 0 0,1 0 0,1 1 0,1 1 0,1 0 0,1 1 0,1 1 0,1 1 0,1 0 0,1 1 0,1 1 0,1 1 0,0 1 0,1 1 0,1 1 0,1 1 0,0 1 0,1 1 0,1 1 0,0 1 0,0 2 0,1 0 0,0 2 0,1 1 0,0 1 0,0 2 0,0 1 0,1 0 0,-1 3 0,1 0 0,0 2 0,-1 0 0,1 3 0,-1 0 0,0 1 0,0 2 0,0 1 0,-1 1 0,0 2 0,-1 0 0,0 2 0,0 1 0,-1 1 0,-1 1 0,0 1 0,-1 1 0,-1 1 0,-1 1 0,0 1 0,-1 1 0,-1 1 0,-1 1 0,-1 0 0,-1 1 0,-1 1 0,-1 1 0,-1 0 0,-1 1 0,-1 1 0,-1 0 0,-2 0 0,0 1 0,-2 0 0,-1 1 0,-1 0 0,-2 0 0,-1 0 0,0 1 0,-3-1 0,0 1 0</inkml:trace>
+  <inkml:trace contextRef="#ctx0" brushRef="#br0">1 1,'0'0</inkml:trace>
 </inkml:ink>
 </file>
 
@@ -1166,7 +1165,7 @@
           <inkml:channelProperty channel="F" name="resolution" value="0" units="1/dev"/>
         </inkml:channelProperties>
       </inkml:inkSource>
-      <inkml:timestamp xml:id="ts0" timeString="2025-10-07T10:49:41.693"/>
+      <inkml:timestamp xml:id="ts0" timeString="2025-10-07T10:04:33.522"/>
     </inkml:context>
     <inkml:brush xml:id="br0">
       <inkml:brushProperty name="width" value="0.35" units="cm"/>
@@ -1176,7 +1175,7 @@
       <inkml:brushProperty name="inkEffects" value="pencil"/>
     </inkml:brush>
   </inkml:definitions>
-  <inkml:trace contextRef="#ctx0" brushRef="#br0">1612 806 0,'-1'32'0,"0"-1"0,-3 1 0,0-1 0,-1 0 0,-2 0 0,-1 0 0,-1-1 0,-2 0 0,0-1 0,-2 0 0,-1 0 0,-1-1 0,-1-1 0,-1 0 0,-1-1 0,-1-1 0,-1-1 0,-1 0 0,-1-1 0,-1-1 0,-1-1 0,0-1 0,-1-1 0,-1-1 0,-1-1 0,0-1 0,-1-1 0,-1-1 0,0-1 0,0-2 0,-1 0 0,0-2 0,-1-1 0,0-1 0,0-2 0,0-1 0,-1 0 0,1-3 0,-1 0 0,0-2 0,1 0 0,-1-3 0,1 0 0,0-1 0,0-2 0,0-1 0,1-1 0,0-2 0,1 0 0,0-2 0,0-1 0,1-1 0,1-1 0,0-1 0,1-1 0,1-1 0,1-1 0,0-1 0,1-1 0,1-1 0,1-1 0,1 0 0,1-1 0,1-1 0,1-1 0,1 0 0,1-1 0,1-1 0,1 0 0,2 0 0,0-1 0,2 0 0,1-1 0,1 0 0,2 0 0,1 0 0,0-1 0,3 1 0,0-1 0,2 0 0,0 1 0,3-1 0,0 1 0,1 0 0,2 0 0,1 0 0,1 1 0,2 0 0,0 1 0,2 0 0,1 0 0,1 1 0,1 1 0,1 0 0,1 1 0,1 1 0,1 1 0,1 0 0,1 1 0,1 1 0,1 1 0,0 1 0,1 1 0,1 1 0,1 1 0,0 1 0,1 1 0,1 1 0,0 1 0,0 2 0,1 0 0,0 2 0,1 1 0,0 1 0,0 2 0,0 1 0,1 0 0,-1 3 0,1 0 0,0 2 0,-1 0 0,1 3 0,-1 0 0,0 1 0,0 2 0,0 1 0,-1 1 0,0 2 0,-1 0 0,0 2 0,0 1 0,-1 1 0,-1 1 0,0 1 0,-1 1 0,-1 1 0,-1 1 0,0 1 0,-1 1 0,-1 1 0,-1 1 0,-1 0 0,-1 1 0,-1 1 0,-1 1 0,-1 0 0,-1 1 0,-1 1 0,-1 0 0,-2 0 0,0 1 0,-2 0 0,-1 1 0,-1 0 0,-2 0 0,-1 0 0,0 1 0,-3-1 0,0 1 0</inkml:trace>
+  <inkml:trace contextRef="#ctx0" brushRef="#br0">0 0 0,'27965'53'0</inkml:trace>
 </inkml:ink>
 </file>
 
@@ -1196,7 +1195,7 @@
           <inkml:channelProperty channel="F" name="resolution" value="0" units="1/dev"/>
         </inkml:channelProperties>
       </inkml:inkSource>
-      <inkml:timestamp xml:id="ts0" timeString="2025-10-07T10:49:42.139"/>
+      <inkml:timestamp xml:id="ts0" timeString="2025-10-07T10:04:41.932"/>
     </inkml:context>
     <inkml:brush xml:id="br0">
       <inkml:brushProperty name="width" value="0.35" units="cm"/>
@@ -1206,7 +1205,7 @@
       <inkml:brushProperty name="inkEffects" value="pencil"/>
     </inkml:brush>
   </inkml:definitions>
-  <inkml:trace contextRef="#ctx0" brushRef="#br0">1612 806 0,'-1'32'0,"0"-1"0,-3 1 0,0-1 0,-1 0 0,-2 0 0,-1 0 0,-1-1 0,-2 0 0,0-1 0,-2 0 0,-1 0 0,-1-1 0,-1-1 0,-1 0 0,-1-1 0,-1-1 0,-1-1 0,-1 0 0,-1-1 0,-1-1 0,-1-1 0,0-1 0,-1-1 0,-1-1 0,-1-1 0,0-1 0,-1-1 0,-1-1 0,0-1 0,0-2 0,-1 0 0,0-2 0,-1-1 0,0-1 0,0-2 0,0-1 0,-1 0 0,1-3 0,-1 0 0,0-2 0,1 0 0,-1-3 0,1 0 0,0-1 0,0-2 0,0-1 0,1-1 0,0-2 0,1 0 0,0-2 0,0-1 0,1-1 0,1-1 0,0-1 0,1-1 0,1-1 0,1-1 0,0-1 0,1-1 0,1-1 0,1-1 0,1 0 0,1-1 0,1-1 0,1-1 0,1 0 0,1-1 0,1-1 0,1 0 0,2 0 0,0-1 0,2 0 0,1-1 0,1 0 0,2 0 0,1 0 0,0-1 0,3 1 0,0-1 0,2 0 0,0 1 0,3-1 0,0 1 0,1 0 0,2 0 0,1 0 0,1 1 0,2 0 0,0 1 0,2 0 0,1 0 0,1 1 0,1 1 0,1 0 0,1 1 0,1 1 0,1 1 0,1 0 0,1 1 0,1 1 0,1 1 0,0 1 0,1 1 0,1 1 0,1 1 0,0 1 0,1 1 0,1 1 0,0 1 0,0 2 0,1 0 0,0 2 0,1 1 0,0 1 0,0 2 0,0 1 0,1 0 0,-1 3 0,1 0 0,0 2 0,-1 0 0,1 3 0,-1 0 0,0 1 0,0 2 0,0 1 0,-1 1 0,0 2 0,-1 0 0,0 2 0,0 1 0,-1 1 0,-1 1 0,0 1 0,-1 1 0,-1 1 0,-1 1 0,0 1 0,-1 1 0,-1 1 0,-1 1 0,-1 0 0,-1 1 0,-1 1 0,-1 1 0,-1 0 0,-1 1 0,-1 1 0,-1 0 0,-2 0 0,0 1 0,-2 0 0,-1 1 0,-1 0 0,-2 0 0,-1 0 0,0 1 0,-3-1 0,0 1 0</inkml:trace>
+  <inkml:trace contextRef="#ctx0" brushRef="#br0">181 0 0,'-181'15698'0</inkml:trace>
 </inkml:ink>
 </file>
 
@@ -1226,7 +1225,7 @@
           <inkml:channelProperty channel="F" name="resolution" value="0" units="1/dev"/>
         </inkml:channelProperties>
       </inkml:inkSource>
-      <inkml:timestamp xml:id="ts0" timeString="2025-10-07T10:49:42.523"/>
+      <inkml:timestamp xml:id="ts0" timeString="2025-10-07T10:05:07.090"/>
     </inkml:context>
     <inkml:brush xml:id="br0">
       <inkml:brushProperty name="width" value="0.35" units="cm"/>
@@ -1236,7 +1235,7 @@
       <inkml:brushProperty name="inkEffects" value="pencil"/>
     </inkml:brush>
   </inkml:definitions>
-  <inkml:trace contextRef="#ctx0" brushRef="#br0">1612 806 0,'-1'32'0,"0"-1"0,-3 1 0,0-1 0,-1 0 0,-2 0 0,-1 0 0,-1-1 0,-2 0 0,0-1 0,-2 0 0,-1 0 0,-1-1 0,-1-1 0,-1 0 0,-1-1 0,-1-1 0,-1-1 0,-1 0 0,-1-1 0,-1-1 0,-1-1 0,0-1 0,-1-1 0,-1-1 0,-1-1 0,0-1 0,-1-1 0,-1-1 0,0-1 0,0-2 0,-1 0 0,0-2 0,-1-1 0,0-1 0,0-2 0,0-1 0,-1 0 0,1-3 0,-1 0 0,0-2 0,1 0 0,-1-3 0,1 0 0,0-1 0,0-2 0,0-1 0,1-1 0,0-2 0,1 0 0,0-2 0,0-1 0,1-1 0,1-1 0,0-1 0,1-1 0,1-1 0,1-1 0,0-1 0,1-1 0,1-1 0,1-1 0,1 0 0,1-1 0,1-1 0,1-1 0,1 0 0,1-1 0,1-1 0,1 0 0,2 0 0,0-1 0,2 0 0,1-1 0,1 0 0,2 0 0,1 0 0,0-1 0,3 1 0,0-1 0,2 0 0,0 1 0,3-1 0,0 1 0,1 0 0,2 0 0,1 0 0,1 1 0,2 0 0,0 1 0,2 0 0,1 0 0,1 1 0,1 1 0,1 0 0,1 1 0,1 1 0,1 1 0,1 0 0,1 1 0,1 1 0,1 1 0,0 1 0,1 1 0,1 1 0,1 1 0,0 1 0,1 1 0,1 1 0,0 1 0,0 2 0,1 0 0,0 2 0,1 1 0,0 1 0,0 2 0,0 1 0,1 0 0,-1 3 0,1 0 0,0 2 0,-1 0 0,1 3 0,-1 0 0,0 1 0,0 2 0,0 1 0,-1 1 0,0 2 0,-1 0 0,0 2 0,0 1 0,-1 1 0,-1 1 0,0 1 0,-1 1 0,-1 1 0,-1 1 0,0 1 0,-1 1 0,-1 1 0,-1 1 0,-1 0 0,-1 1 0,-1 1 0,-1 1 0,-1 0 0,-1 1 0,-1 1 0,-1 0 0,-2 0 0,0 1 0,-2 0 0,-1 1 0,-1 0 0,-2 0 0,-1 0 0,0 1 0,-3-1 0,0 1 0</inkml:trace>
+  <inkml:trace contextRef="#ctx0" brushRef="#br0">0 53 0,'28098'-53'0</inkml:trace>
 </inkml:ink>
 </file>
 
@@ -1248,13 +1247,15 @@
         <inkml:traceFormat>
           <inkml:channel name="X" type="integer" min="-2.14748E9" max="2.14748E9" units="cm"/>
           <inkml:channel name="Y" type="integer" min="-2.14748E9" max="2.14748E9" units="cm"/>
+          <inkml:channel name="F" type="integer" max="32767" units="dev"/>
         </inkml:traceFormat>
         <inkml:channelProperties>
           <inkml:channelProperty channel="X" name="resolution" value="1000" units="1/cm"/>
           <inkml:channelProperty channel="Y" name="resolution" value="1000" units="1/cm"/>
+          <inkml:channelProperty channel="F" name="resolution" value="0" units="1/dev"/>
         </inkml:channelProperties>
       </inkml:inkSource>
-      <inkml:timestamp xml:id="ts0" timeString="2025-10-07T10:51:46.317"/>
+      <inkml:timestamp xml:id="ts0" timeString="2025-10-07T10:05:12.231"/>
     </inkml:context>
     <inkml:brush xml:id="br0">
       <inkml:brushProperty name="width" value="0.35" units="cm"/>
@@ -1264,7 +1265,7 @@
       <inkml:brushProperty name="inkEffects" value="pencil"/>
     </inkml:brush>
   </inkml:definitions>
-  <inkml:trace contextRef="#ctx0" brushRef="#br0">1 591,'0'-4,"4"-6,15-2,18 2,10 3,11 2,12-3,4 1,-6 1,2-7,2-1,-2 1,1 4,0-2,-3 2,1-3,1 1,2-6,1-1,-2 4,4-1,2 2,5-1,3 2,4 3,-1-6,12-4,10 0,4 4,4 5,9-1,13-7,13-5,11-2,8 2,2 1,-8 4,3-3,4 1,7 5,20 5,12 3,5 0,0 0,-2 1,2 3,-2 1,-1 0,5 2,6 0,-6 0,0 1,-7-1,-5 0,-2 0,-10 1,-4-1,-7 0,-14 0,-18 0,-13 0,-18 0,-24 0,-24 0,-25 0</inkml:trace>
+  <inkml:trace contextRef="#ctx0" brushRef="#br0">0 0 0,'105'15895'0</inkml:trace>
 </inkml:ink>
 </file>
 
@@ -1276,13 +1277,15 @@
         <inkml:traceFormat>
           <inkml:channel name="X" type="integer" min="-2.14748E9" max="2.14748E9" units="cm"/>
           <inkml:channel name="Y" type="integer" min="-2.14748E9" max="2.14748E9" units="cm"/>
+          <inkml:channel name="F" type="integer" max="32767" units="dev"/>
         </inkml:traceFormat>
         <inkml:channelProperties>
           <inkml:channelProperty channel="X" name="resolution" value="1000" units="1/cm"/>
           <inkml:channelProperty channel="Y" name="resolution" value="1000" units="1/cm"/>
+          <inkml:channelProperty channel="F" name="resolution" value="0" units="1/dev"/>
         </inkml:channelProperties>
       </inkml:inkSource>
-      <inkml:timestamp xml:id="ts0" timeString="2025-10-07T10:51:49.051"/>
+      <inkml:timestamp xml:id="ts0" timeString="2025-10-07T10:06:11.194"/>
     </inkml:context>
     <inkml:brush xml:id="br0">
       <inkml:brushProperty name="width" value="0.35" units="cm"/>
@@ -1292,7 +1295,7 @@
       <inkml:brushProperty name="inkEffects" value="pencil"/>
     </inkml:brush>
   </inkml:definitions>
-  <inkml:trace contextRef="#ctx0" brushRef="#br0">0 0,'5'5,"5"1,5 4,5 0,-1 3,1-1,5-2,3 1,6 4,0 3,1-2,1 2,0-3,2-4,-1 5,-2 0,-3-3,-7 1,-3-2,-1-4,0-2,-3 2,-1 3,2 1,1 2,2 3,-2 3,-6 3,-4 6,-4 2,-8 1,-8 7,-6 2,-5-1,-3 0,-2-6,3-5,2-6,0-9,3-1,-4 1,-3 3,-1 3,0-3,-1 1,0 2,5 1,-2 2,2 1,1-3,3-1,2-4,-2-5,3 1,-1 2,-7 7,-3 5,3 3,5-5</inkml:trace>
+  <inkml:trace contextRef="#ctx0" brushRef="#br0">0 0 0,'7096'78'0</inkml:trace>
 </inkml:ink>
 </file>
 
@@ -1304,13 +1307,15 @@
         <inkml:traceFormat>
           <inkml:channel name="X" type="integer" min="-2.14748E9" max="2.14748E9" units="cm"/>
           <inkml:channel name="Y" type="integer" min="-2.14748E9" max="2.14748E9" units="cm"/>
+          <inkml:channel name="F" type="integer" max="32767" units="dev"/>
         </inkml:traceFormat>
         <inkml:channelProperties>
           <inkml:channelProperty channel="X" name="resolution" value="1000" units="1/cm"/>
           <inkml:channelProperty channel="Y" name="resolution" value="1000" units="1/cm"/>
+          <inkml:channelProperty channel="F" name="resolution" value="0" units="1/dev"/>
         </inkml:channelProperties>
       </inkml:inkSource>
-      <inkml:timestamp xml:id="ts0" timeString="2025-10-07T10:51:51.621"/>
+      <inkml:timestamp xml:id="ts0" timeString="2025-10-07T10:06:17.934"/>
     </inkml:context>
     <inkml:brush xml:id="br0">
       <inkml:brushProperty name="width" value="0.35" units="cm"/>
@@ -1320,7 +1325,7 @@
       <inkml:brushProperty name="inkEffects" value="pencil"/>
     </inkml:brush>
   </inkml:definitions>
-  <inkml:trace contextRef="#ctx0" brushRef="#br0">0 1,'9'4,"7"2,5 3,0 6,-1-1,2 3,1-3,1 2,5 1,2-1,13 1,30 1,37 7,39 8,42 2,41 5,28-1,18 2,6-2,1-3,-3-7,-16-5,-31 2,-29-2,-33-7,-28-5,-22 0,-18-3,-15-3,-1 3,2-1,3-2,2-2,3-1,10-1,8-2,2 0,-3 0,-3-1,-8 1,-4 0,-8 0,-5 0,-10-1,-5 1,2 0,2 0,0 0,4 1,2-1,0 0,-2-5,-2-5,-5-1,-7 1,-2-2,5-4,4-7,-7 0,-10 4,2 1,4-6,0 2,-2 5,-3 0,-3 4,-6-1,1-2,5-3,-3 2,-1-1,-1 3,-1 4,1 0,-5-3,-6-4,0 2,1-1,-2-2,-3 2,-3 0,-3 2,-3 5,-5-1,2 1,1-1,2-4,-1 1,0-2,5-2,1-3,-5 3</inkml:trace>
+  <inkml:trace contextRef="#ctx0" brushRef="#br0">0 53 0,'7306'-53'0</inkml:trace>
 </inkml:ink>
 </file>
 
@@ -1338,7 +1343,7 @@
           <inkml:channelProperty channel="Y" name="resolution" value="1000" units="1/cm"/>
         </inkml:channelProperties>
       </inkml:inkSource>
-      <inkml:timestamp xml:id="ts0" timeString="2025-10-07T10:51:53.460"/>
+      <inkml:timestamp xml:id="ts0" timeString="2025-10-07T10:06:24.583"/>
     </inkml:context>
     <inkml:brush xml:id="br0">
       <inkml:brushProperty name="width" value="0.35" units="cm"/>
@@ -1348,7 +1353,7 @@
       <inkml:brushProperty name="inkEffects" value="pencil"/>
     </inkml:brush>
   </inkml:definitions>
-  <inkml:trace contextRef="#ctx0" brushRef="#br0">12 1,'-4'0,"-2"4,5 2,2 4,6 0,10 3,6 8,5 0,1-3,8-5,4-4,6 4,1 1,0-2,-3-4,-1-2,-3 1,4 0,-1-1,0-2,-2-2,0 4,-3 0,6 0,-1-2,-8 4,-10 3,-10 15,-6 14,-7 11,-2 4,-2 6,-1 2,0-1,-4-3,-1-7,0-8,2-7,2-1,1 2,-3-1,-2 6,2 1,1-4,1-8</inkml:trace>
+  <inkml:trace contextRef="#ctx0" brushRef="#br0">1 0,'0'4,"0"7,0 5,0 4,0 4,0 6,0 3,0 0,0-1,0-2,0-1,0-1,0-1,0-1,0 0,0 0,0 0,0 0,0 0,0 0,0 0,0 0,0 5,0 1,0 0,0 3,0 0,0-1,0-2,0-2,0 2,0 1,0 0,0 2,4-5,2 2,-1 0,0 3,-2 0,-1-1,-1-2,0 2,-1 0,-1-1,1-2,0 2,0 6,0-1,-1-2,1-2,0-3,0-2,0-1,0-2,0 0,0 0,0-1,0 1,0 4,0 2,0 0,0 3,0 5,0-1,0-1,5-4,1 2,0-1,-2-2,0-2,-2 3,-1 0,-1-2,0-1,0-2,0 3,0 0,-1 5,1 4,0 0,0 1,0-1,0 0,0-1,0-4,0 2,0 2,0 0,0-3,0-4,0-2,0-2,0-2,0-1,0 4,0 2,0-1,0-1,0 4,0 4,0 5,0 0,0-4,0-3,0-3,0-4,0-1,0-2,0 0,0-1,0 1,0-1,0 1,0 4,0 7,0 5,0 5,0-2,0-3,0-1,0-2,0-4,0-2,0-4,4 3,2 0,0 0,-2-2,0-2,-2 5,-1-1,-1 5,0-1,0 4,0 3,-1 3,1-2,0 1,0-2,0 3,0 4,0-2,4-1,2 1,0-3,-1-1,-2-3,-1 0,-1-2,0 1,-1 3,0-2,-1-3,1-4,0 1,0 0,0-2,0-3,0-1,0 3,0 1,0-2,0 0,0-2,0 3,0 1,0 4,0-1,0 3,0 0,0-4,0 3,0-2,0 3,0-2,0 3,0-2,0 2,0 3,0 3,0 3,0-3,0-4,0-6,0 1,0 2,0 0,0 2,0-2,0-3,0-3,0 2,0-1,0-2,0-1,0-3,0 0,0-1,0-1,0 0,0 0,0 4,0 2,0 4,0 0,0 4,0-2,0 3,0 3,0-2,0 1,0-2,0 0,0 3,0-2,0 1,0-3,0 1,0-2,0-3,0-4,0-2,0 3,0-1,0 0,0-2,0-1,0 3,0 0,0 0,0-1,0-2,0-1,0 3,0 2,0 3,0 1,0 2,0 4,0-1,0-4,0 2,0 2,0 3,0-2,0 1,0 2,0-3,0 1,0-3,0 0,0-2,0 2,0-3,0 2,0-2,0 2,0-2,0 2,0-2,0 2,0-1,0-4,0-2,0-3,0-2,0 3,0 1,0 0,0-2,0-1,0-2,0 0,0 0,0-1,0 0,0 0,0 0,0 0,0 0,0 0,0 0,0 0,0 0,0 1,0-1,0 0,0 0,0 0,0 1,0-1,0 0,0 0,0 0,0-4</inkml:trace>
 </inkml:ink>
 </file>
 
@@ -1360,13 +1365,15 @@
         <inkml:traceFormat>
           <inkml:channel name="X" type="integer" min="-2.14748E9" max="2.14748E9" units="cm"/>
           <inkml:channel name="Y" type="integer" min="-2.14748E9" max="2.14748E9" units="cm"/>
+          <inkml:channel name="F" type="integer" max="32767" units="dev"/>
         </inkml:traceFormat>
         <inkml:channelProperties>
           <inkml:channelProperty channel="X" name="resolution" value="1000" units="1/cm"/>
           <inkml:channelProperty channel="Y" name="resolution" value="1000" units="1/cm"/>
+          <inkml:channelProperty channel="F" name="resolution" value="0" units="1/dev"/>
         </inkml:channelProperties>
       </inkml:inkSource>
-      <inkml:timestamp xml:id="ts0" timeString="2025-10-07T10:52:03.388"/>
+      <inkml:timestamp xml:id="ts0" timeString="2025-10-07T10:06:29.724"/>
     </inkml:context>
     <inkml:brush xml:id="br0">
       <inkml:brushProperty name="width" value="0.35" units="cm"/>
@@ -1376,7 +1383,7 @@
       <inkml:brushProperty name="inkEffects" value="pencil"/>
     </inkml:brush>
   </inkml:definitions>
-  <inkml:trace contextRef="#ctx0" brushRef="#br0">0 1,'4'4,"6"6,6 2,13 2,10 0,12-3,10-4,12-2,16-3,14-1,16-1,5 0,4-1,-3 0,-1 1,-4 0,-9-1,-11 1,-13 0,-13 0,-14 0,-10 0,-3 0,-2 0,0 0,-2 0,-5 0,0 0,-2 0,1 0,4 0,3 0,-6 0</inkml:trace>
+  <inkml:trace contextRef="#ctx0" brushRef="#br0">0 0 0,'3902'27'0</inkml:trace>
 </inkml:ink>
 </file>
 
@@ -1388,13 +1395,15 @@
         <inkml:traceFormat>
           <inkml:channel name="X" type="integer" min="-2.14748E9" max="2.14748E9" units="cm"/>
           <inkml:channel name="Y" type="integer" min="-2.14748E9" max="2.14748E9" units="cm"/>
+          <inkml:channel name="F" type="integer" max="32767" units="dev"/>
         </inkml:traceFormat>
         <inkml:channelProperties>
           <inkml:channelProperty channel="X" name="resolution" value="1000" units="1/cm"/>
           <inkml:channelProperty channel="Y" name="resolution" value="1000" units="1/cm"/>
+          <inkml:channelProperty channel="F" name="resolution" value="0" units="1/dev"/>
         </inkml:channelProperties>
       </inkml:inkSource>
-      <inkml:timestamp xml:id="ts0" timeString="2025-10-07T10:52:04.723"/>
+      <inkml:timestamp xml:id="ts0" timeString="2025-10-07T10:06:39.058"/>
     </inkml:context>
     <inkml:brush xml:id="br0">
       <inkml:brushProperty name="width" value="0.35" units="cm"/>
@@ -1404,7 +1413,7 @@
       <inkml:brushProperty name="inkEffects" value="pencil"/>
     </inkml:brush>
   </inkml:definitions>
-  <inkml:trace contextRef="#ctx0" brushRef="#br0">11 0,'-5'0,"0"5,8 5,13 10,8 6,21 12,17 3,11 0,-3-8,-1-9,2 0,2 0,-3-3,-5-7,-13 5,-16 2,-13 7,-12 3,-15 9,-16 7,-19 3,-14 8,-8 6,-6 5,3-4,13-10,16-13</inkml:trace>
+  <inkml:trace contextRef="#ctx0" brushRef="#br0">0 0 0,'3981'26'0</inkml:trace>
 </inkml:ink>
 </file>
 
@@ -1416,13 +1425,15 @@
         <inkml:traceFormat>
           <inkml:channel name="X" type="integer" min="-2.14748E9" max="2.14748E9" units="cm"/>
           <inkml:channel name="Y" type="integer" min="-2.14748E9" max="2.14748E9" units="cm"/>
+          <inkml:channel name="F" type="integer" max="32767" units="dev"/>
         </inkml:traceFormat>
         <inkml:channelProperties>
           <inkml:channelProperty channel="X" name="resolution" value="1000" units="1/cm"/>
           <inkml:channelProperty channel="Y" name="resolution" value="1000" units="1/cm"/>
+          <inkml:channelProperty channel="F" name="resolution" value="0" units="1/dev"/>
         </inkml:channelProperties>
       </inkml:inkSource>
-      <inkml:timestamp xml:id="ts0" timeString="2025-10-07T10:52:06.291"/>
+      <inkml:timestamp xml:id="ts0" timeString="2025-10-07T10:06:42.387"/>
     </inkml:context>
     <inkml:brush xml:id="br0">
       <inkml:brushProperty name="width" value="0.35" units="cm"/>
@@ -1432,7 +1443,7 @@
       <inkml:brushProperty name="inkEffects" value="pencil"/>
     </inkml:brush>
   </inkml:definitions>
-  <inkml:trace contextRef="#ctx0" brushRef="#br0">0 1,'4'4,"15"6,13 2,5-2,0-3,8 3,0-1,-3-2,4 2,4-1,1 4,-3-1,-2-3,1-2,5 3,-1-2,3 0,5 1,7 1,0-2,6-2,4-1,7-3,2 0,5-1,-1 0,-7-1,-8 1,-12 0,-13 0,-10-1,-7 1,-5 0,-2 0,-2 0,0 0,1 0,0 0,9 0,4 0,-1 0,3 0,3 0,-1 0,1 0,-2 0,1-4,2-2,-2 0,-3 2,-8 1</inkml:trace>
+  <inkml:trace contextRef="#ctx0" brushRef="#br0">105 0 0,'-105'5839'0</inkml:trace>
 </inkml:ink>
 </file>
 
@@ -1472,13 +1483,15 @@
         <inkml:traceFormat>
           <inkml:channel name="X" type="integer" min="-2.14748E9" max="2.14748E9" units="cm"/>
           <inkml:channel name="Y" type="integer" min="-2.14748E9" max="2.14748E9" units="cm"/>
+          <inkml:channel name="F" type="integer" max="32767" units="dev"/>
         </inkml:traceFormat>
         <inkml:channelProperties>
           <inkml:channelProperty channel="X" name="resolution" value="1000" units="1/cm"/>
           <inkml:channelProperty channel="Y" name="resolution" value="1000" units="1/cm"/>
+          <inkml:channelProperty channel="F" name="resolution" value="0" units="1/dev"/>
         </inkml:channelProperties>
       </inkml:inkSource>
-      <inkml:timestamp xml:id="ts0" timeString="2025-10-07T10:52:08.155"/>
+      <inkml:timestamp xml:id="ts0" timeString="2025-10-07T10:07:09.387"/>
     </inkml:context>
     <inkml:brush xml:id="br0">
       <inkml:brushProperty name="width" value="0.35" units="cm"/>
@@ -1488,39 +1501,11 @@
       <inkml:brushProperty name="inkEffects" value="pencil"/>
     </inkml:brush>
   </inkml:definitions>
-  <inkml:trace contextRef="#ctx0" brushRef="#br0">0 0,'5'0,"9"0,7 5,5 1,6 8,2 2,0 3,3-3,-1 6,-2 3,2-3,4-1,-1 1,-3 0,2 2,2-4,4-1,-1 1,-4-3,-9 0,-9 6,-8 3,-6 15,-9 22,-4 9,-6 5,-9 4,-1-9,-1-12,-1-7,3-9,6-6,0-3,-1-1,-2-3,-3-3,3 4,-1 0,0-1,2-1,4 2,0 1,-2-1,-3-2,2-1,3-6</inkml:trace>
+  <inkml:trace contextRef="#ctx0" brushRef="#br0">0 0 0,'7096'78'0</inkml:trace>
 </inkml:ink>
 </file>
 
 <file path=ppt/ink/ink141.xml><?xml version="1.0" encoding="utf-8"?>
-<inkml:ink xmlns:inkml="http://www.w3.org/2003/InkML">
-  <inkml:definitions>
-    <inkml:context xml:id="ctx0">
-      <inkml:inkSource xml:id="inkSrc0">
-        <inkml:traceFormat>
-          <inkml:channel name="X" type="integer" min="-2.14748E9" max="2.14748E9" units="cm"/>
-          <inkml:channel name="Y" type="integer" min="-2.14748E9" max="2.14748E9" units="cm"/>
-        </inkml:traceFormat>
-        <inkml:channelProperties>
-          <inkml:channelProperty channel="X" name="resolution" value="1000" units="1/cm"/>
-          <inkml:channelProperty channel="Y" name="resolution" value="1000" units="1/cm"/>
-        </inkml:channelProperties>
-      </inkml:inkSource>
-      <inkml:timestamp xml:id="ts0" timeString="2025-10-07T10:04:20.885"/>
-    </inkml:context>
-    <inkml:brush xml:id="br0">
-      <inkml:brushProperty name="width" value="0.35" units="cm"/>
-      <inkml:brushProperty name="height" value="2.1" units="cm"/>
-      <inkml:brushProperty name="color" value="#FFFFFF"/>
-      <inkml:brushProperty name="ignorePressure" value="1"/>
-      <inkml:brushProperty name="inkEffects" value="pencil"/>
-    </inkml:brush>
-  </inkml:definitions>
-  <inkml:trace contextRef="#ctx0" brushRef="#br0">1 1,'0'0</inkml:trace>
-</inkml:ink>
-</file>
-
-<file path=ppt/ink/ink142.xml><?xml version="1.0" encoding="utf-8"?>
 <inkml:ink xmlns:inkml="http://www.w3.org/2003/InkML">
   <inkml:definitions>
     <inkml:context xml:id="ctx0">
@@ -1536,7 +1521,7 @@
           <inkml:channelProperty channel="F" name="resolution" value="0" units="1/dev"/>
         </inkml:channelProperties>
       </inkml:inkSource>
-      <inkml:timestamp xml:id="ts0" timeString="2025-10-07T10:04:33.522"/>
+      <inkml:timestamp xml:id="ts0" timeString="2025-10-07T10:07:09.388"/>
     </inkml:context>
     <inkml:brush xml:id="br0">
       <inkml:brushProperty name="width" value="0.35" units="cm"/>
@@ -1546,7 +1531,35 @@
       <inkml:brushProperty name="inkEffects" value="pencil"/>
     </inkml:brush>
   </inkml:definitions>
-  <inkml:trace contextRef="#ctx0" brushRef="#br0">0 0 0,'27965'53'0</inkml:trace>
+  <inkml:trace contextRef="#ctx0" brushRef="#br0">0 53 0,'7306'-53'0</inkml:trace>
+</inkml:ink>
+</file>
+
+<file path=ppt/ink/ink142.xml><?xml version="1.0" encoding="utf-8"?>
+<inkml:ink xmlns:inkml="http://www.w3.org/2003/InkML">
+  <inkml:definitions>
+    <inkml:context xml:id="ctx0">
+      <inkml:inkSource xml:id="inkSrc0">
+        <inkml:traceFormat>
+          <inkml:channel name="X" type="integer" min="-2.14748E9" max="2.14748E9" units="cm"/>
+          <inkml:channel name="Y" type="integer" min="-2.14748E9" max="2.14748E9" units="cm"/>
+        </inkml:traceFormat>
+        <inkml:channelProperties>
+          <inkml:channelProperty channel="X" name="resolution" value="1000" units="1/cm"/>
+          <inkml:channelProperty channel="Y" name="resolution" value="1000" units="1/cm"/>
+        </inkml:channelProperties>
+      </inkml:inkSource>
+      <inkml:timestamp xml:id="ts0" timeString="2025-10-07T10:07:09.389"/>
+    </inkml:context>
+    <inkml:brush xml:id="br0">
+      <inkml:brushProperty name="width" value="0.35" units="cm"/>
+      <inkml:brushProperty name="height" value="2.1" units="cm"/>
+      <inkml:brushProperty name="color" value="#FFFFFF"/>
+      <inkml:brushProperty name="ignorePressure" value="1"/>
+      <inkml:brushProperty name="inkEffects" value="pencil"/>
+    </inkml:brush>
+  </inkml:definitions>
+  <inkml:trace contextRef="#ctx0" brushRef="#br0">1 0,'0'4,"0"7,0 5,0 4,0 4,0 6,0 3,0 0,0-1,0-2,0-1,0-1,0-1,0-1,0 0,0 0,0 0,0 0,0 0,0 0,0 0,0 0,0 5,0 1,0 0,0 3,0 0,0-1,0-2,0-2,0 2,0 1,0 0,0 2,4-5,2 2,-1 0,0 3,-2 0,-1-1,-1-2,0 2,-1 0,-1-1,1-2,0 2,0 6,0-1,-1-2,1-2,0-3,0-2,0-1,0-2,0 0,0 0,0-1,0 1,0 4,0 2,0 0,0 3,0 5,0-1,0-1,5-4,1 2,0-1,-2-2,0-2,-2 3,-1 0,-1-2,0-1,0-2,0 3,0 0,-1 5,1 4,0 0,0 1,0-1,0 0,0-1,0-4,0 2,0 2,0 0,0-3,0-4,0-2,0-2,0-2,0-1,0 4,0 2,0-1,0-1,0 4,0 4,0 5,0 0,0-4,0-3,0-3,0-4,0-1,0-2,0 0,0-1,0 1,0-1,0 1,0 4,0 7,0 5,0 5,0-2,0-3,0-1,0-2,0-4,0-2,0-4,4 3,2 0,0 0,-2-2,0-2,-2 5,-1-1,-1 5,0-1,0 4,0 3,-1 3,1-2,0 1,0-2,0 3,0 4,0-2,4-1,2 1,0-3,-1-1,-2-3,-1 0,-1-2,0 1,-1 3,0-2,-1-3,1-4,0 1,0 0,0-2,0-3,0-1,0 3,0 1,0-2,0 0,0-2,0 3,0 1,0 4,0-1,0 3,0 0,0-4,0 3,0-2,0 3,0-2,0 3,0-2,0 2,0 3,0 3,0 3,0-3,0-4,0-6,0 1,0 2,0 0,0 2,0-2,0-3,0-3,0 2,0-1,0-2,0-1,0-3,0 0,0-1,0-1,0 0,0 0,0 4,0 2,0 4,0 0,0 4,0-2,0 3,0 3,0-2,0 1,0-2,0 0,0 3,0-2,0 1,0-3,0 1,0-2,0-3,0-4,0-2,0 3,0-1,0 0,0-2,0-1,0 3,0 0,0 0,0-1,0-2,0-1,0 3,0 2,0 3,0 1,0 2,0 4,0-1,0-4,0 2,0 2,0 3,0-2,0 1,0 2,0-3,0 1,0-3,0 0,0-2,0 2,0-3,0 2,0-2,0 2,0-2,0 2,0-2,0 2,0-1,0-4,0-2,0-3,0-2,0 3,0 1,0 0,0-2,0-1,0-2,0 0,0 0,0-1,0 0,0 0,0 0,0 0,0 0,0 0,0 0,0 0,0 0,0 1,0-1,0 0,0 0,0 0,0 1,0-1,0 0,0 0,0 0,0-4</inkml:trace>
 </inkml:ink>
 </file>
 
@@ -1566,7 +1579,7 @@
           <inkml:channelProperty channel="F" name="resolution" value="0" units="1/dev"/>
         </inkml:channelProperties>
       </inkml:inkSource>
-      <inkml:timestamp xml:id="ts0" timeString="2025-10-07T10:04:41.932"/>
+      <inkml:timestamp xml:id="ts0" timeString="2025-10-07T10:07:09.390"/>
     </inkml:context>
     <inkml:brush xml:id="br0">
       <inkml:brushProperty name="width" value="0.35" units="cm"/>
@@ -1576,7 +1589,7 @@
       <inkml:brushProperty name="inkEffects" value="pencil"/>
     </inkml:brush>
   </inkml:definitions>
-  <inkml:trace contextRef="#ctx0" brushRef="#br0">181 0 0,'-181'15698'0</inkml:trace>
+  <inkml:trace contextRef="#ctx0" brushRef="#br0">0 0 0,'3902'27'0</inkml:trace>
 </inkml:ink>
 </file>
 
@@ -1596,7 +1609,7 @@
           <inkml:channelProperty channel="F" name="resolution" value="0" units="1/dev"/>
         </inkml:channelProperties>
       </inkml:inkSource>
-      <inkml:timestamp xml:id="ts0" timeString="2025-10-07T10:05:07.090"/>
+      <inkml:timestamp xml:id="ts0" timeString="2025-10-07T10:07:09.391"/>
     </inkml:context>
     <inkml:brush xml:id="br0">
       <inkml:brushProperty name="width" value="0.35" units="cm"/>
@@ -1606,7 +1619,7 @@
       <inkml:brushProperty name="inkEffects" value="pencil"/>
     </inkml:brush>
   </inkml:definitions>
-  <inkml:trace contextRef="#ctx0" brushRef="#br0">0 53 0,'28098'-53'0</inkml:trace>
+  <inkml:trace contextRef="#ctx0" brushRef="#br0">0 0 0,'3981'26'0</inkml:trace>
 </inkml:ink>
 </file>
 
@@ -1626,7 +1639,7 @@
           <inkml:channelProperty channel="F" name="resolution" value="0" units="1/dev"/>
         </inkml:channelProperties>
       </inkml:inkSource>
-      <inkml:timestamp xml:id="ts0" timeString="2025-10-07T10:05:12.231"/>
+      <inkml:timestamp xml:id="ts0" timeString="2025-10-07T10:07:09.392"/>
     </inkml:context>
     <inkml:brush xml:id="br0">
       <inkml:brushProperty name="width" value="0.35" units="cm"/>
@@ -1636,7 +1649,7 @@
       <inkml:brushProperty name="inkEffects" value="pencil"/>
     </inkml:brush>
   </inkml:definitions>
-  <inkml:trace contextRef="#ctx0" brushRef="#br0">0 0 0,'105'15895'0</inkml:trace>
+  <inkml:trace contextRef="#ctx0" brushRef="#br0">105 0 0,'-105'5839'0</inkml:trace>
 </inkml:ink>
 </file>
 
@@ -1656,7 +1669,7 @@
           <inkml:channelProperty channel="F" name="resolution" value="0" units="1/dev"/>
         </inkml:channelProperties>
       </inkml:inkSource>
-      <inkml:timestamp xml:id="ts0" timeString="2025-10-07T10:06:11.194"/>
+      <inkml:timestamp xml:id="ts0" timeString="2025-10-07T10:45:29.618"/>
     </inkml:context>
     <inkml:brush xml:id="br0">
       <inkml:brushProperty name="width" value="0.35" units="cm"/>
@@ -1666,7 +1679,7 @@
       <inkml:brushProperty name="inkEffects" value="pencil"/>
     </inkml:brush>
   </inkml:definitions>
-  <inkml:trace contextRef="#ctx0" brushRef="#br0">0 0 0,'7096'78'0</inkml:trace>
+  <inkml:trace contextRef="#ctx0" brushRef="#br0">0 0 0,'25'15830'0</inkml:trace>
 </inkml:ink>
 </file>
 
@@ -1686,7 +1699,7 @@
           <inkml:channelProperty channel="F" name="resolution" value="0" units="1/dev"/>
         </inkml:channelProperties>
       </inkml:inkSource>
-      <inkml:timestamp xml:id="ts0" timeString="2025-10-07T10:06:17.934"/>
+      <inkml:timestamp xml:id="ts0" timeString="2025-10-07T10:45:53.917"/>
     </inkml:context>
     <inkml:brush xml:id="br0">
       <inkml:brushProperty name="width" value="0.35" units="cm"/>
@@ -1696,7 +1709,7 @@
       <inkml:brushProperty name="inkEffects" value="pencil"/>
     </inkml:brush>
   </inkml:definitions>
-  <inkml:trace contextRef="#ctx0" brushRef="#br0">0 53 0,'7306'-53'0</inkml:trace>
+  <inkml:trace contextRef="#ctx0" brushRef="#br0">4116 2058 0,'-2'81'0,"-2"-1"0,-4 1 0,-3-1 0,-4-1 0,-2 0 0,-3 0 0,-4-2 0,-2-1 0,-4 0 0,-2-2 0,-3-2 0,-3 0 0,-3-3 0,-3-1 0,-2-1 0,-3-3 0,-2-1 0,-3-3 0,-2-2 0,-2-2 0,-2-2 0,-3-3 0,-1-2 0,-3-3 0,-1-2 0,-1-3 0,-3-3 0,0-3 0,-2-3 0,-2-2 0,0-4 0,-1-2 0,-2-4 0,0-3 0,0-2 0,-1-4 0,-1-3 0,1-4 0,-1-2 0,0-4 0,1-2 0,-1-4 0,1-3 0,1-4 0,0-2 0,0-3 0,2-4 0,1-2 0,0-4 0,2-2 0,2-3 0,0-3 0,3-3 0,1-3 0,1-2 0,3-3 0,1-2 0,3-3 0,2-2 0,2-2 0,2-2 0,3-3 0,2-1 0,3-3 0,2-1 0,3-1 0,3-3 0,3 0 0,3-2 0,2-2 0,4 0 0,2-1 0,4-2 0,3 0 0,2 0 0,4-1 0,3-1 0,4 1 0,2-1 0,4 0 0,2 1 0,4-1 0,3 1 0,4 1 0,2 0 0,3 0 0,4 2 0,2 1 0,4 0 0,2 2 0,3 2 0,3 0 0,3 3 0,3 1 0,2 1 0,3 3 0,2 1 0,3 3 0,2 2 0,2 2 0,2 2 0,3 3 0,1 2 0,3 3 0,1 2 0,1 3 0,3 3 0,0 3 0,2 3 0,2 2 0,0 4 0,1 2 0,2 4 0,0 3 0,0 2 0,1 4 0,1 3 0,-1 4 0,1 2 0,0 4 0,-1 2 0,1 4 0,-1 3 0,-1 4 0,0 2 0,0 3 0,-2 4 0,-1 2 0,0 4 0,-2 2 0,-2 3 0,0 3 0,-3 3 0,-1 3 0,-1 2 0,-3 3 0,-1 2 0,-3 3 0,-2 2 0,-2 2 0,-2 2 0,-3 3 0,-2 1 0,-3 3 0,-2 1 0,-3 1 0,-3 3 0,-3 0 0,-3 2 0,-2 2 0,-4 0 0,-2 1 0,-4 2 0,-3 0 0,-2 0 0,-4 1 0,-3 1 0,-4-1 0,-2 1 0</inkml:trace>
 </inkml:ink>
 </file>
 
@@ -1708,13 +1721,15 @@
         <inkml:traceFormat>
           <inkml:channel name="X" type="integer" min="-2.14748E9" max="2.14748E9" units="cm"/>
           <inkml:channel name="Y" type="integer" min="-2.14748E9" max="2.14748E9" units="cm"/>
+          <inkml:channel name="F" type="integer" max="32767" units="dev"/>
         </inkml:traceFormat>
         <inkml:channelProperties>
           <inkml:channelProperty channel="X" name="resolution" value="1000" units="1/cm"/>
           <inkml:channelProperty channel="Y" name="resolution" value="1000" units="1/cm"/>
+          <inkml:channelProperty channel="F" name="resolution" value="0" units="1/dev"/>
         </inkml:channelProperties>
       </inkml:inkSource>
-      <inkml:timestamp xml:id="ts0" timeString="2025-10-07T10:06:24.583"/>
+      <inkml:timestamp xml:id="ts0" timeString="2025-10-07T10:49:36.782"/>
     </inkml:context>
     <inkml:brush xml:id="br0">
       <inkml:brushProperty name="width" value="0.35" units="cm"/>
@@ -1724,7 +1739,7 @@
       <inkml:brushProperty name="inkEffects" value="pencil"/>
     </inkml:brush>
   </inkml:definitions>
-  <inkml:trace contextRef="#ctx0" brushRef="#br0">1 0,'0'4,"0"7,0 5,0 4,0 4,0 6,0 3,0 0,0-1,0-2,0-1,0-1,0-1,0-1,0 0,0 0,0 0,0 0,0 0,0 0,0 0,0 0,0 5,0 1,0 0,0 3,0 0,0-1,0-2,0-2,0 2,0 1,0 0,0 2,4-5,2 2,-1 0,0 3,-2 0,-1-1,-1-2,0 2,-1 0,-1-1,1-2,0 2,0 6,0-1,-1-2,1-2,0-3,0-2,0-1,0-2,0 0,0 0,0-1,0 1,0 4,0 2,0 0,0 3,0 5,0-1,0-1,5-4,1 2,0-1,-2-2,0-2,-2 3,-1 0,-1-2,0-1,0-2,0 3,0 0,-1 5,1 4,0 0,0 1,0-1,0 0,0-1,0-4,0 2,0 2,0 0,0-3,0-4,0-2,0-2,0-2,0-1,0 4,0 2,0-1,0-1,0 4,0 4,0 5,0 0,0-4,0-3,0-3,0-4,0-1,0-2,0 0,0-1,0 1,0-1,0 1,0 4,0 7,0 5,0 5,0-2,0-3,0-1,0-2,0-4,0-2,0-4,4 3,2 0,0 0,-2-2,0-2,-2 5,-1-1,-1 5,0-1,0 4,0 3,-1 3,1-2,0 1,0-2,0 3,0 4,0-2,4-1,2 1,0-3,-1-1,-2-3,-1 0,-1-2,0 1,-1 3,0-2,-1-3,1-4,0 1,0 0,0-2,0-3,0-1,0 3,0 1,0-2,0 0,0-2,0 3,0 1,0 4,0-1,0 3,0 0,0-4,0 3,0-2,0 3,0-2,0 3,0-2,0 2,0 3,0 3,0 3,0-3,0-4,0-6,0 1,0 2,0 0,0 2,0-2,0-3,0-3,0 2,0-1,0-2,0-1,0-3,0 0,0-1,0-1,0 0,0 0,0 4,0 2,0 4,0 0,0 4,0-2,0 3,0 3,0-2,0 1,0-2,0 0,0 3,0-2,0 1,0-3,0 1,0-2,0-3,0-4,0-2,0 3,0-1,0 0,0-2,0-1,0 3,0 0,0 0,0-1,0-2,0-1,0 3,0 2,0 3,0 1,0 2,0 4,0-1,0-4,0 2,0 2,0 3,0-2,0 1,0 2,0-3,0 1,0-3,0 0,0-2,0 2,0-3,0 2,0-2,0 2,0-2,0 2,0-2,0 2,0-1,0-4,0-2,0-3,0-2,0 3,0 1,0 0,0-2,0-1,0-2,0 0,0 0,0-1,0 0,0 0,0 0,0 0,0 0,0 0,0 0,0 0,0 0,0 1,0-1,0 0,0 0,0 0,0 1,0-1,0 0,0 0,0 0,0-4</inkml:trace>
+  <inkml:trace contextRef="#ctx0" brushRef="#br0">1612 806 0,'-1'32'0,"0"-1"0,-3 1 0,0-1 0,-1 0 0,-2 0 0,-1 0 0,-1-1 0,-2 0 0,0-1 0,-2 0 0,-1 0 0,-1-1 0,-1-1 0,-1 0 0,-1-1 0,-1-1 0,-1-1 0,-1 0 0,-1-1 0,-1-1 0,-1-1 0,0-1 0,-1-1 0,-1-1 0,-1-1 0,0-1 0,-1-1 0,-1-1 0,0-1 0,0-2 0,-1 0 0,0-2 0,-1-1 0,0-1 0,0-2 0,0-1 0,-1 0 0,1-3 0,-1 0 0,0-2 0,1 0 0,-1-3 0,1 0 0,0-1 0,0-2 0,0-1 0,1-1 0,0-2 0,1 0 0,0-2 0,0-1 0,1-1 0,1-1 0,0-1 0,1-1 0,1-1 0,1-1 0,0-1 0,1-1 0,1-1 0,1-1 0,1 0 0,1-1 0,1-1 0,1-1 0,1 0 0,1-1 0,1-1 0,1 0 0,2 0 0,0-1 0,2 0 0,1-1 0,1 0 0,2 0 0,1 0 0,0-1 0,3 1 0,0-1 0,2 0 0,0 1 0,3-1 0,0 1 0,1 0 0,2 0 0,1 0 0,1 1 0,2 0 0,0 1 0,2 0 0,1 0 0,1 1 0,1 1 0,1 0 0,1 1 0,1 1 0,1 1 0,1 0 0,1 1 0,1 1 0,1 1 0,0 1 0,1 1 0,1 1 0,1 1 0,0 1 0,1 1 0,1 1 0,0 1 0,0 2 0,1 0 0,0 2 0,1 1 0,0 1 0,0 2 0,0 1 0,1 0 0,-1 3 0,1 0 0,0 2 0,-1 0 0,1 3 0,-1 0 0,0 1 0,0 2 0,0 1 0,-1 1 0,0 2 0,-1 0 0,0 2 0,0 1 0,-1 1 0,-1 1 0,0 1 0,-1 1 0,-1 1 0,-1 1 0,0 1 0,-1 1 0,-1 1 0,-1 1 0,-1 0 0,-1 1 0,-1 1 0,-1 1 0,-1 0 0,-1 1 0,-1 1 0,-1 0 0,-2 0 0,0 1 0,-2 0 0,-1 1 0,-1 0 0,-2 0 0,-1 0 0,0 1 0,-3-1 0,0 1 0</inkml:trace>
 </inkml:ink>
 </file>
 
@@ -1744,7 +1759,7 @@
           <inkml:channelProperty channel="F" name="resolution" value="0" units="1/dev"/>
         </inkml:channelProperties>
       </inkml:inkSource>
-      <inkml:timestamp xml:id="ts0" timeString="2025-10-07T10:06:29.724"/>
+      <inkml:timestamp xml:id="ts0" timeString="2025-10-07T10:49:41.693"/>
     </inkml:context>
     <inkml:brush xml:id="br0">
       <inkml:brushProperty name="width" value="0.35" units="cm"/>
@@ -1754,7 +1769,7 @@
       <inkml:brushProperty name="inkEffects" value="pencil"/>
     </inkml:brush>
   </inkml:definitions>
-  <inkml:trace contextRef="#ctx0" brushRef="#br0">0 0 0,'3902'27'0</inkml:trace>
+  <inkml:trace contextRef="#ctx0" brushRef="#br0">1612 806 0,'-1'32'0,"0"-1"0,-3 1 0,0-1 0,-1 0 0,-2 0 0,-1 0 0,-1-1 0,-2 0 0,0-1 0,-2 0 0,-1 0 0,-1-1 0,-1-1 0,-1 0 0,-1-1 0,-1-1 0,-1-1 0,-1 0 0,-1-1 0,-1-1 0,-1-1 0,0-1 0,-1-1 0,-1-1 0,-1-1 0,0-1 0,-1-1 0,-1-1 0,0-1 0,0-2 0,-1 0 0,0-2 0,-1-1 0,0-1 0,0-2 0,0-1 0,-1 0 0,1-3 0,-1 0 0,0-2 0,1 0 0,-1-3 0,1 0 0,0-1 0,0-2 0,0-1 0,1-1 0,0-2 0,1 0 0,0-2 0,0-1 0,1-1 0,1-1 0,0-1 0,1-1 0,1-1 0,1-1 0,0-1 0,1-1 0,1-1 0,1-1 0,1 0 0,1-1 0,1-1 0,1-1 0,1 0 0,1-1 0,1-1 0,1 0 0,2 0 0,0-1 0,2 0 0,1-1 0,1 0 0,2 0 0,1 0 0,0-1 0,3 1 0,0-1 0,2 0 0,0 1 0,3-1 0,0 1 0,1 0 0,2 0 0,1 0 0,1 1 0,2 0 0,0 1 0,2 0 0,1 0 0,1 1 0,1 1 0,1 0 0,1 1 0,1 1 0,1 1 0,1 0 0,1 1 0,1 1 0,1 1 0,0 1 0,1 1 0,1 1 0,1 1 0,0 1 0,1 1 0,1 1 0,0 1 0,0 2 0,1 0 0,0 2 0,1 1 0,0 1 0,0 2 0,0 1 0,1 0 0,-1 3 0,1 0 0,0 2 0,-1 0 0,1 3 0,-1 0 0,0 1 0,0 2 0,0 1 0,-1 1 0,0 2 0,-1 0 0,0 2 0,0 1 0,-1 1 0,-1 1 0,0 1 0,-1 1 0,-1 1 0,-1 1 0,0 1 0,-1 1 0,-1 1 0,-1 1 0,-1 0 0,-1 1 0,-1 1 0,-1 1 0,-1 0 0,-1 1 0,-1 1 0,-1 0 0,-2 0 0,0 1 0,-2 0 0,-1 1 0,-1 0 0,-2 0 0,-1 0 0,0 1 0,-3-1 0,0 1 0</inkml:trace>
 </inkml:ink>
 </file>
 
@@ -1804,7 +1819,7 @@
           <inkml:channelProperty channel="F" name="resolution" value="0" units="1/dev"/>
         </inkml:channelProperties>
       </inkml:inkSource>
-      <inkml:timestamp xml:id="ts0" timeString="2025-10-07T10:06:39.058"/>
+      <inkml:timestamp xml:id="ts0" timeString="2025-10-07T10:49:42.139"/>
     </inkml:context>
     <inkml:brush xml:id="br0">
       <inkml:brushProperty name="width" value="0.35" units="cm"/>
@@ -1814,7 +1829,7 @@
       <inkml:brushProperty name="inkEffects" value="pencil"/>
     </inkml:brush>
   </inkml:definitions>
-  <inkml:trace contextRef="#ctx0" brushRef="#br0">0 0 0,'3981'26'0</inkml:trace>
+  <inkml:trace contextRef="#ctx0" brushRef="#br0">1612 806 0,'-1'32'0,"0"-1"0,-3 1 0,0-1 0,-1 0 0,-2 0 0,-1 0 0,-1-1 0,-2 0 0,0-1 0,-2 0 0,-1 0 0,-1-1 0,-1-1 0,-1 0 0,-1-1 0,-1-1 0,-1-1 0,-1 0 0,-1-1 0,-1-1 0,-1-1 0,0-1 0,-1-1 0,-1-1 0,-1-1 0,0-1 0,-1-1 0,-1-1 0,0-1 0,0-2 0,-1 0 0,0-2 0,-1-1 0,0-1 0,0-2 0,0-1 0,-1 0 0,1-3 0,-1 0 0,0-2 0,1 0 0,-1-3 0,1 0 0,0-1 0,0-2 0,0-1 0,1-1 0,0-2 0,1 0 0,0-2 0,0-1 0,1-1 0,1-1 0,0-1 0,1-1 0,1-1 0,1-1 0,0-1 0,1-1 0,1-1 0,1-1 0,1 0 0,1-1 0,1-1 0,1-1 0,1 0 0,1-1 0,1-1 0,1 0 0,2 0 0,0-1 0,2 0 0,1-1 0,1 0 0,2 0 0,1 0 0,0-1 0,3 1 0,0-1 0,2 0 0,0 1 0,3-1 0,0 1 0,1 0 0,2 0 0,1 0 0,1 1 0,2 0 0,0 1 0,2 0 0,1 0 0,1 1 0,1 1 0,1 0 0,1 1 0,1 1 0,1 1 0,1 0 0,1 1 0,1 1 0,1 1 0,0 1 0,1 1 0,1 1 0,1 1 0,0 1 0,1 1 0,1 1 0,0 1 0,0 2 0,1 0 0,0 2 0,1 1 0,0 1 0,0 2 0,0 1 0,1 0 0,-1 3 0,1 0 0,0 2 0,-1 0 0,1 3 0,-1 0 0,0 1 0,0 2 0,0 1 0,-1 1 0,0 2 0,-1 0 0,0 2 0,0 1 0,-1 1 0,-1 1 0,0 1 0,-1 1 0,-1 1 0,-1 1 0,0 1 0,-1 1 0,-1 1 0,-1 1 0,-1 0 0,-1 1 0,-1 1 0,-1 1 0,-1 0 0,-1 1 0,-1 1 0,-1 0 0,-2 0 0,0 1 0,-2 0 0,-1 1 0,-1 0 0,-2 0 0,-1 0 0,0 1 0,-3-1 0,0 1 0</inkml:trace>
 </inkml:ink>
 </file>
 
@@ -1834,7 +1849,7 @@
           <inkml:channelProperty channel="F" name="resolution" value="0" units="1/dev"/>
         </inkml:channelProperties>
       </inkml:inkSource>
-      <inkml:timestamp xml:id="ts0" timeString="2025-10-07T10:06:42.387"/>
+      <inkml:timestamp xml:id="ts0" timeString="2025-10-07T10:49:42.523"/>
     </inkml:context>
     <inkml:brush xml:id="br0">
       <inkml:brushProperty name="width" value="0.35" units="cm"/>
@@ -1844,7 +1859,7 @@
       <inkml:brushProperty name="inkEffects" value="pencil"/>
     </inkml:brush>
   </inkml:definitions>
-  <inkml:trace contextRef="#ctx0" brushRef="#br0">105 0 0,'-105'5839'0</inkml:trace>
+  <inkml:trace contextRef="#ctx0" brushRef="#br0">1612 806 0,'-1'32'0,"0"-1"0,-3 1 0,0-1 0,-1 0 0,-2 0 0,-1 0 0,-1-1 0,-2 0 0,0-1 0,-2 0 0,-1 0 0,-1-1 0,-1-1 0,-1 0 0,-1-1 0,-1-1 0,-1-1 0,-1 0 0,-1-1 0,-1-1 0,-1-1 0,0-1 0,-1-1 0,-1-1 0,-1-1 0,0-1 0,-1-1 0,-1-1 0,0-1 0,0-2 0,-1 0 0,0-2 0,-1-1 0,0-1 0,0-2 0,0-1 0,-1 0 0,1-3 0,-1 0 0,0-2 0,1 0 0,-1-3 0,1 0 0,0-1 0,0-2 0,0-1 0,1-1 0,0-2 0,1 0 0,0-2 0,0-1 0,1-1 0,1-1 0,0-1 0,1-1 0,1-1 0,1-1 0,0-1 0,1-1 0,1-1 0,1-1 0,1 0 0,1-1 0,1-1 0,1-1 0,1 0 0,1-1 0,1-1 0,1 0 0,2 0 0,0-1 0,2 0 0,1-1 0,1 0 0,2 0 0,1 0 0,0-1 0,3 1 0,0-1 0,2 0 0,0 1 0,3-1 0,0 1 0,1 0 0,2 0 0,1 0 0,1 1 0,2 0 0,0 1 0,2 0 0,1 0 0,1 1 0,1 1 0,1 0 0,1 1 0,1 1 0,1 1 0,1 0 0,1 1 0,1 1 0,1 1 0,0 1 0,1 1 0,1 1 0,1 1 0,0 1 0,1 1 0,1 1 0,0 1 0,0 2 0,1 0 0,0 2 0,1 1 0,0 1 0,0 2 0,0 1 0,1 0 0,-1 3 0,1 0 0,0 2 0,-1 0 0,1 3 0,-1 0 0,0 1 0,0 2 0,0 1 0,-1 1 0,0 2 0,-1 0 0,0 2 0,0 1 0,-1 1 0,-1 1 0,0 1 0,-1 1 0,-1 1 0,-1 1 0,0 1 0,-1 1 0,-1 1 0,-1 1 0,-1 0 0,-1 1 0,-1 1 0,-1 1 0,-1 0 0,-1 1 0,-1 1 0,-1 0 0,-2 0 0,0 1 0,-2 0 0,-1 1 0,-1 0 0,-2 0 0,-1 0 0,0 1 0,-3-1 0,0 1 0</inkml:trace>
 </inkml:ink>
 </file>
 
@@ -1856,15 +1871,13 @@
         <inkml:traceFormat>
           <inkml:channel name="X" type="integer" min="-2.14748E9" max="2.14748E9" units="cm"/>
           <inkml:channel name="Y" type="integer" min="-2.14748E9" max="2.14748E9" units="cm"/>
-          <inkml:channel name="F" type="integer" max="32767" units="dev"/>
         </inkml:traceFormat>
         <inkml:channelProperties>
           <inkml:channelProperty channel="X" name="resolution" value="1000" units="1/cm"/>
           <inkml:channelProperty channel="Y" name="resolution" value="1000" units="1/cm"/>
-          <inkml:channelProperty channel="F" name="resolution" value="0" units="1/dev"/>
         </inkml:channelProperties>
       </inkml:inkSource>
-      <inkml:timestamp xml:id="ts0" timeString="2025-10-07T10:07:09.387"/>
+      <inkml:timestamp xml:id="ts0" timeString="2025-10-07T10:51:46.317"/>
     </inkml:context>
     <inkml:brush xml:id="br0">
       <inkml:brushProperty name="width" value="0.35" units="cm"/>
@@ -1874,7 +1887,7 @@
       <inkml:brushProperty name="inkEffects" value="pencil"/>
     </inkml:brush>
   </inkml:definitions>
-  <inkml:trace contextRef="#ctx0" brushRef="#br0">0 0 0,'7096'78'0</inkml:trace>
+  <inkml:trace contextRef="#ctx0" brushRef="#br0">1 591,'0'-4,"4"-6,15-2,18 2,10 3,11 2,12-3,4 1,-6 1,2-7,2-1,-2 1,1 4,0-2,-3 2,1-3,1 1,2-6,1-1,-2 4,4-1,2 2,5-1,3 2,4 3,-1-6,12-4,10 0,4 4,4 5,9-1,13-7,13-5,11-2,8 2,2 1,-8 4,3-3,4 1,7 5,20 5,12 3,5 0,0 0,-2 1,2 3,-2 1,-1 0,5 2,6 0,-6 0,0 1,-7-1,-5 0,-2 0,-10 1,-4-1,-7 0,-14 0,-18 0,-13 0,-18 0,-24 0,-24 0,-25 0</inkml:trace>
 </inkml:ink>
 </file>
 
@@ -1886,15 +1899,13 @@
         <inkml:traceFormat>
           <inkml:channel name="X" type="integer" min="-2.14748E9" max="2.14748E9" units="cm"/>
           <inkml:channel name="Y" type="integer" min="-2.14748E9" max="2.14748E9" units="cm"/>
-          <inkml:channel name="F" type="integer" max="32767" units="dev"/>
         </inkml:traceFormat>
         <inkml:channelProperties>
           <inkml:channelProperty channel="X" name="resolution" value="1000" units="1/cm"/>
           <inkml:channelProperty channel="Y" name="resolution" value="1000" units="1/cm"/>
-          <inkml:channelProperty channel="F" name="resolution" value="0" units="1/dev"/>
         </inkml:channelProperties>
       </inkml:inkSource>
-      <inkml:timestamp xml:id="ts0" timeString="2025-10-07T10:07:09.388"/>
+      <inkml:timestamp xml:id="ts0" timeString="2025-10-07T10:51:49.051"/>
     </inkml:context>
     <inkml:brush xml:id="br0">
       <inkml:brushProperty name="width" value="0.35" units="cm"/>
@@ -1904,7 +1915,7 @@
       <inkml:brushProperty name="inkEffects" value="pencil"/>
     </inkml:brush>
   </inkml:definitions>
-  <inkml:trace contextRef="#ctx0" brushRef="#br0">0 53 0,'7306'-53'0</inkml:trace>
+  <inkml:trace contextRef="#ctx0" brushRef="#br0">0 0,'5'5,"5"1,5 4,5 0,-1 3,1-1,5-2,3 1,6 4,0 3,1-2,1 2,0-3,2-4,-1 5,-2 0,-3-3,-7 1,-3-2,-1-4,0-2,-3 2,-1 3,2 1,1 2,2 3,-2 3,-6 3,-4 6,-4 2,-8 1,-8 7,-6 2,-5-1,-3 0,-2-6,3-5,2-6,0-9,3-1,-4 1,-3 3,-1 3,0-3,-1 1,0 2,5 1,-2 2,2 1,1-3,3-1,2-4,-2-5,3 1,-1 2,-7 7,-3 5,3 3,5-5</inkml:trace>
 </inkml:ink>
 </file>
 
@@ -1922,7 +1933,7 @@
           <inkml:channelProperty channel="Y" name="resolution" value="1000" units="1/cm"/>
         </inkml:channelProperties>
       </inkml:inkSource>
-      <inkml:timestamp xml:id="ts0" timeString="2025-10-07T10:07:09.389"/>
+      <inkml:timestamp xml:id="ts0" timeString="2025-10-07T10:51:51.621"/>
     </inkml:context>
     <inkml:brush xml:id="br0">
       <inkml:brushProperty name="width" value="0.35" units="cm"/>
@@ -1932,7 +1943,7 @@
       <inkml:brushProperty name="inkEffects" value="pencil"/>
     </inkml:brush>
   </inkml:definitions>
-  <inkml:trace contextRef="#ctx0" brushRef="#br0">1 0,'0'4,"0"7,0 5,0 4,0 4,0 6,0 3,0 0,0-1,0-2,0-1,0-1,0-1,0-1,0 0,0 0,0 0,0 0,0 0,0 0,0 0,0 0,0 5,0 1,0 0,0 3,0 0,0-1,0-2,0-2,0 2,0 1,0 0,0 2,4-5,2 2,-1 0,0 3,-2 0,-1-1,-1-2,0 2,-1 0,-1-1,1-2,0 2,0 6,0-1,-1-2,1-2,0-3,0-2,0-1,0-2,0 0,0 0,0-1,0 1,0 4,0 2,0 0,0 3,0 5,0-1,0-1,5-4,1 2,0-1,-2-2,0-2,-2 3,-1 0,-1-2,0-1,0-2,0 3,0 0,-1 5,1 4,0 0,0 1,0-1,0 0,0-1,0-4,0 2,0 2,0 0,0-3,0-4,0-2,0-2,0-2,0-1,0 4,0 2,0-1,0-1,0 4,0 4,0 5,0 0,0-4,0-3,0-3,0-4,0-1,0-2,0 0,0-1,0 1,0-1,0 1,0 4,0 7,0 5,0 5,0-2,0-3,0-1,0-2,0-4,0-2,0-4,4 3,2 0,0 0,-2-2,0-2,-2 5,-1-1,-1 5,0-1,0 4,0 3,-1 3,1-2,0 1,0-2,0 3,0 4,0-2,4-1,2 1,0-3,-1-1,-2-3,-1 0,-1-2,0 1,-1 3,0-2,-1-3,1-4,0 1,0 0,0-2,0-3,0-1,0 3,0 1,0-2,0 0,0-2,0 3,0 1,0 4,0-1,0 3,0 0,0-4,0 3,0-2,0 3,0-2,0 3,0-2,0 2,0 3,0 3,0 3,0-3,0-4,0-6,0 1,0 2,0 0,0 2,0-2,0-3,0-3,0 2,0-1,0-2,0-1,0-3,0 0,0-1,0-1,0 0,0 0,0 4,0 2,0 4,0 0,0 4,0-2,0 3,0 3,0-2,0 1,0-2,0 0,0 3,0-2,0 1,0-3,0 1,0-2,0-3,0-4,0-2,0 3,0-1,0 0,0-2,0-1,0 3,0 0,0 0,0-1,0-2,0-1,0 3,0 2,0 3,0 1,0 2,0 4,0-1,0-4,0 2,0 2,0 3,0-2,0 1,0 2,0-3,0 1,0-3,0 0,0-2,0 2,0-3,0 2,0-2,0 2,0-2,0 2,0-2,0 2,0-1,0-4,0-2,0-3,0-2,0 3,0 1,0 0,0-2,0-1,0-2,0 0,0 0,0-1,0 0,0 0,0 0,0 0,0 0,0 0,0 0,0 0,0 0,0 1,0-1,0 0,0 0,0 0,0 1,0-1,0 0,0 0,0 0,0-4</inkml:trace>
+  <inkml:trace contextRef="#ctx0" brushRef="#br0">0 1,'9'4,"7"2,5 3,0 6,-1-1,2 3,1-3,1 2,5 1,2-1,13 1,30 1,37 7,39 8,42 2,41 5,28-1,18 2,6-2,1-3,-3-7,-16-5,-31 2,-29-2,-33-7,-28-5,-22 0,-18-3,-15-3,-1 3,2-1,3-2,2-2,3-1,10-1,8-2,2 0,-3 0,-3-1,-8 1,-4 0,-8 0,-5 0,-10-1,-5 1,2 0,2 0,0 0,4 1,2-1,0 0,-2-5,-2-5,-5-1,-7 1,-2-2,5-4,4-7,-7 0,-10 4,2 1,4-6,0 2,-2 5,-3 0,-3 4,-6-1,1-2,5-3,-3 2,-1-1,-1 3,-1 4,1 0,-5-3,-6-4,0 2,1-1,-2-2,-3 2,-3 0,-3 2,-3 5,-5-1,2 1,1-1,2-4,-1 1,0-2,5-2,1-3,-5 3</inkml:trace>
 </inkml:ink>
 </file>
 
@@ -1944,15 +1955,13 @@
         <inkml:traceFormat>
           <inkml:channel name="X" type="integer" min="-2.14748E9" max="2.14748E9" units="cm"/>
           <inkml:channel name="Y" type="integer" min="-2.14748E9" max="2.14748E9" units="cm"/>
-          <inkml:channel name="F" type="integer" max="32767" units="dev"/>
         </inkml:traceFormat>
         <inkml:channelProperties>
           <inkml:channelProperty channel="X" name="resolution" value="1000" units="1/cm"/>
           <inkml:channelProperty channel="Y" name="resolution" value="1000" units="1/cm"/>
-          <inkml:channelProperty channel="F" name="resolution" value="0" units="1/dev"/>
         </inkml:channelProperties>
       </inkml:inkSource>
-      <inkml:timestamp xml:id="ts0" timeString="2025-10-07T10:07:09.390"/>
+      <inkml:timestamp xml:id="ts0" timeString="2025-10-07T10:51:53.460"/>
     </inkml:context>
     <inkml:brush xml:id="br0">
       <inkml:brushProperty name="width" value="0.35" units="cm"/>
@@ -1962,7 +1971,7 @@
       <inkml:brushProperty name="inkEffects" value="pencil"/>
     </inkml:brush>
   </inkml:definitions>
-  <inkml:trace contextRef="#ctx0" brushRef="#br0">0 0 0,'3902'27'0</inkml:trace>
+  <inkml:trace contextRef="#ctx0" brushRef="#br0">12 1,'-4'0,"-2"4,5 2,2 4,6 0,10 3,6 8,5 0,1-3,8-5,4-4,6 4,1 1,0-2,-3-4,-1-2,-3 1,4 0,-1-1,0-2,-2-2,0 4,-3 0,6 0,-1-2,-8 4,-10 3,-10 15,-6 14,-7 11,-2 4,-2 6,-1 2,0-1,-4-3,-1-7,0-8,2-7,2-1,1 2,-3-1,-2 6,2 1,1-4,1-8</inkml:trace>
 </inkml:ink>
 </file>
 
@@ -1974,15 +1983,13 @@
         <inkml:traceFormat>
           <inkml:channel name="X" type="integer" min="-2.14748E9" max="2.14748E9" units="cm"/>
           <inkml:channel name="Y" type="integer" min="-2.14748E9" max="2.14748E9" units="cm"/>
-          <inkml:channel name="F" type="integer" max="32767" units="dev"/>
         </inkml:traceFormat>
         <inkml:channelProperties>
           <inkml:channelProperty channel="X" name="resolution" value="1000" units="1/cm"/>
           <inkml:channelProperty channel="Y" name="resolution" value="1000" units="1/cm"/>
-          <inkml:channelProperty channel="F" name="resolution" value="0" units="1/dev"/>
         </inkml:channelProperties>
       </inkml:inkSource>
-      <inkml:timestamp xml:id="ts0" timeString="2025-10-07T10:07:09.391"/>
+      <inkml:timestamp xml:id="ts0" timeString="2025-10-07T10:52:03.388"/>
     </inkml:context>
     <inkml:brush xml:id="br0">
       <inkml:brushProperty name="width" value="0.35" units="cm"/>
@@ -1992,7 +1999,7 @@
       <inkml:brushProperty name="inkEffects" value="pencil"/>
     </inkml:brush>
   </inkml:definitions>
-  <inkml:trace contextRef="#ctx0" brushRef="#br0">0 0 0,'3981'26'0</inkml:trace>
+  <inkml:trace contextRef="#ctx0" brushRef="#br0">0 1,'4'4,"6"6,6 2,13 2,10 0,12-3,10-4,12-2,16-3,14-1,16-1,5 0,4-1,-3 0,-1 1,-4 0,-9-1,-11 1,-13 0,-13 0,-14 0,-10 0,-3 0,-2 0,0 0,-2 0,-5 0,0 0,-2 0,1 0,4 0,3 0,-6 0</inkml:trace>
 </inkml:ink>
 </file>
 
@@ -2004,15 +2011,13 @@
         <inkml:traceFormat>
           <inkml:channel name="X" type="integer" min="-2.14748E9" max="2.14748E9" units="cm"/>
           <inkml:channel name="Y" type="integer" min="-2.14748E9" max="2.14748E9" units="cm"/>
-          <inkml:channel name="F" type="integer" max="32767" units="dev"/>
         </inkml:traceFormat>
         <inkml:channelProperties>
           <inkml:channelProperty channel="X" name="resolution" value="1000" units="1/cm"/>
           <inkml:channelProperty channel="Y" name="resolution" value="1000" units="1/cm"/>
-          <inkml:channelProperty channel="F" name="resolution" value="0" units="1/dev"/>
         </inkml:channelProperties>
       </inkml:inkSource>
-      <inkml:timestamp xml:id="ts0" timeString="2025-10-07T10:07:09.392"/>
+      <inkml:timestamp xml:id="ts0" timeString="2025-10-07T10:52:04.723"/>
     </inkml:context>
     <inkml:brush xml:id="br0">
       <inkml:brushProperty name="width" value="0.35" units="cm"/>
@@ -2022,7 +2027,7 @@
       <inkml:brushProperty name="inkEffects" value="pencil"/>
     </inkml:brush>
   </inkml:definitions>
-  <inkml:trace contextRef="#ctx0" brushRef="#br0">105 0 0,'-105'5839'0</inkml:trace>
+  <inkml:trace contextRef="#ctx0" brushRef="#br0">11 0,'-5'0,"0"5,8 5,13 10,8 6,21 12,17 3,11 0,-3-8,-1-9,2 0,2 0,-3-3,-5-7,-13 5,-16 2,-13 7,-12 3,-15 9,-16 7,-19 3,-14 8,-8 6,-6 5,3-4,13-10,16-13</inkml:trace>
 </inkml:ink>
 </file>
 
@@ -2034,15 +2039,13 @@
         <inkml:traceFormat>
           <inkml:channel name="X" type="integer" min="-2.14748E9" max="2.14748E9" units="cm"/>
           <inkml:channel name="Y" type="integer" min="-2.14748E9" max="2.14748E9" units="cm"/>
-          <inkml:channel name="F" type="integer" max="32767" units="dev"/>
         </inkml:traceFormat>
         <inkml:channelProperties>
           <inkml:channelProperty channel="X" name="resolution" value="1000" units="1/cm"/>
           <inkml:channelProperty channel="Y" name="resolution" value="1000" units="1/cm"/>
-          <inkml:channelProperty channel="F" name="resolution" value="0" units="1/dev"/>
         </inkml:channelProperties>
       </inkml:inkSource>
-      <inkml:timestamp xml:id="ts0" timeString="2025-10-07T10:45:29.618"/>
+      <inkml:timestamp xml:id="ts0" timeString="2025-10-07T10:52:06.291"/>
     </inkml:context>
     <inkml:brush xml:id="br0">
       <inkml:brushProperty name="width" value="0.35" units="cm"/>
@@ -2052,7 +2055,7 @@
       <inkml:brushProperty name="inkEffects" value="pencil"/>
     </inkml:brush>
   </inkml:definitions>
-  <inkml:trace contextRef="#ctx0" brushRef="#br0">0 0 0,'25'15830'0</inkml:trace>
+  <inkml:trace contextRef="#ctx0" brushRef="#br0">0 1,'4'4,"15"6,13 2,5-2,0-3,8 3,0-1,-3-2,4 2,4-1,1 4,-3-1,-2-3,1-2,5 3,-1-2,3 0,5 1,7 1,0-2,6-2,4-1,7-3,2 0,5-1,-1 0,-7-1,-8 1,-12 0,-13 0,-10-1,-7 1,-5 0,-2 0,-2 0,0 0,1 0,0 0,9 0,4 0,-1 0,3 0,3 0,-1 0,1 0,-2 0,1-4,2-2,-2 0,-3 2,-8 1</inkml:trace>
 </inkml:ink>
 </file>
 
@@ -2064,15 +2067,13 @@
         <inkml:traceFormat>
           <inkml:channel name="X" type="integer" min="-2.14748E9" max="2.14748E9" units="cm"/>
           <inkml:channel name="Y" type="integer" min="-2.14748E9" max="2.14748E9" units="cm"/>
-          <inkml:channel name="F" type="integer" max="32767" units="dev"/>
         </inkml:traceFormat>
         <inkml:channelProperties>
           <inkml:channelProperty channel="X" name="resolution" value="1000" units="1/cm"/>
           <inkml:channelProperty channel="Y" name="resolution" value="1000" units="1/cm"/>
-          <inkml:channelProperty channel="F" name="resolution" value="0" units="1/dev"/>
         </inkml:channelProperties>
       </inkml:inkSource>
-      <inkml:timestamp xml:id="ts0" timeString="2025-10-07T10:45:53.917"/>
+      <inkml:timestamp xml:id="ts0" timeString="2025-10-07T10:52:08.155"/>
     </inkml:context>
     <inkml:brush xml:id="br0">
       <inkml:brushProperty name="width" value="0.35" units="cm"/>
@@ -2082,7 +2083,7 @@
       <inkml:brushProperty name="inkEffects" value="pencil"/>
     </inkml:brush>
   </inkml:definitions>
-  <inkml:trace contextRef="#ctx0" brushRef="#br0">4116 2058 0,'-2'81'0,"-2"-1"0,-4 1 0,-3-1 0,-4-1 0,-2 0 0,-3 0 0,-4-2 0,-2-1 0,-4 0 0,-2-2 0,-3-2 0,-3 0 0,-3-3 0,-3-1 0,-2-1 0,-3-3 0,-2-1 0,-3-3 0,-2-2 0,-2-2 0,-2-2 0,-3-3 0,-1-2 0,-3-3 0,-1-2 0,-1-3 0,-3-3 0,0-3 0,-2-3 0,-2-2 0,0-4 0,-1-2 0,-2-4 0,0-3 0,0-2 0,-1-4 0,-1-3 0,1-4 0,-1-2 0,0-4 0,1-2 0,-1-4 0,1-3 0,1-4 0,0-2 0,0-3 0,2-4 0,1-2 0,0-4 0,2-2 0,2-3 0,0-3 0,3-3 0,1-3 0,1-2 0,3-3 0,1-2 0,3-3 0,2-2 0,2-2 0,2-2 0,3-3 0,2-1 0,3-3 0,2-1 0,3-1 0,3-3 0,3 0 0,3-2 0,2-2 0,4 0 0,2-1 0,4-2 0,3 0 0,2 0 0,4-1 0,3-1 0,4 1 0,2-1 0,4 0 0,2 1 0,4-1 0,3 1 0,4 1 0,2 0 0,3 0 0,4 2 0,2 1 0,4 0 0,2 2 0,3 2 0,3 0 0,3 3 0,3 1 0,2 1 0,3 3 0,2 1 0,3 3 0,2 2 0,2 2 0,2 2 0,3 3 0,1 2 0,3 3 0,1 2 0,1 3 0,3 3 0,0 3 0,2 3 0,2 2 0,0 4 0,1 2 0,2 4 0,0 3 0,0 2 0,1 4 0,1 3 0,-1 4 0,1 2 0,0 4 0,-1 2 0,1 4 0,-1 3 0,-1 4 0,0 2 0,0 3 0,-2 4 0,-1 2 0,0 4 0,-2 2 0,-2 3 0,0 3 0,-3 3 0,-1 3 0,-1 2 0,-3 3 0,-1 2 0,-3 3 0,-2 2 0,-2 2 0,-2 2 0,-3 3 0,-2 1 0,-3 3 0,-2 1 0,-3 1 0,-3 3 0,-3 0 0,-3 2 0,-2 2 0,-4 0 0,-2 1 0,-4 2 0,-3 0 0,-2 0 0,-4 1 0,-3 1 0,-4-1 0,-2 1 0</inkml:trace>
+  <inkml:trace contextRef="#ctx0" brushRef="#br0">0 0,'5'0,"9"0,7 5,5 1,6 8,2 2,0 3,3-3,-1 6,-2 3,2-3,4-1,-1 1,-3 0,2 2,2-4,4-1,-1 1,-4-3,-9 0,-9 6,-8 3,-6 15,-9 22,-4 9,-6 5,-9 4,-1-9,-1-12,-1-7,3-9,6-6,0-3,-1-1,-2-3,-3-3,3 4,-1 0,0-1,2-1,4 2,0 1,-2-1,-3-2,2-1,3-6</inkml:trace>
 </inkml:ink>
 </file>
 
@@ -2122,15 +2123,13 @@
         <inkml:traceFormat>
           <inkml:channel name="X" type="integer" min="-2.14748E9" max="2.14748E9" units="cm"/>
           <inkml:channel name="Y" type="integer" min="-2.14748E9" max="2.14748E9" units="cm"/>
-          <inkml:channel name="F" type="integer" max="32767" units="dev"/>
         </inkml:traceFormat>
         <inkml:channelProperties>
           <inkml:channelProperty channel="X" name="resolution" value="1000" units="1/cm"/>
           <inkml:channelProperty channel="Y" name="resolution" value="1000" units="1/cm"/>
-          <inkml:channelProperty channel="F" name="resolution" value="0" units="1/dev"/>
         </inkml:channelProperties>
       </inkml:inkSource>
-      <inkml:timestamp xml:id="ts0" timeString="2025-10-07T10:49:36.782"/>
+      <inkml:timestamp xml:id="ts0" timeString="2025-10-07T10:04:20.885"/>
     </inkml:context>
     <inkml:brush xml:id="br0">
       <inkml:brushProperty name="width" value="0.35" units="cm"/>
@@ -2140,7 +2139,7 @@
       <inkml:brushProperty name="inkEffects" value="pencil"/>
     </inkml:brush>
   </inkml:definitions>
-  <inkml:trace contextRef="#ctx0" brushRef="#br0">1612 806 0,'-1'32'0,"0"-1"0,-3 1 0,0-1 0,-1 0 0,-2 0 0,-1 0 0,-1-1 0,-2 0 0,0-1 0,-2 0 0,-1 0 0,-1-1 0,-1-1 0,-1 0 0,-1-1 0,-1-1 0,-1-1 0,-1 0 0,-1-1 0,-1-1 0,-1-1 0,0-1 0,-1-1 0,-1-1 0,-1-1 0,0-1 0,-1-1 0,-1-1 0,0-1 0,0-2 0,-1 0 0,0-2 0,-1-1 0,0-1 0,0-2 0,0-1 0,-1 0 0,1-3 0,-1 0 0,0-2 0,1 0 0,-1-3 0,1 0 0,0-1 0,0-2 0,0-1 0,1-1 0,0-2 0,1 0 0,0-2 0,0-1 0,1-1 0,1-1 0,0-1 0,1-1 0,1-1 0,1-1 0,0-1 0,1-1 0,1-1 0,1-1 0,1 0 0,1-1 0,1-1 0,1-1 0,1 0 0,1-1 0,1-1 0,1 0 0,2 0 0,0-1 0,2 0 0,1-1 0,1 0 0,2 0 0,1 0 0,0-1 0,3 1 0,0-1 0,2 0 0,0 1 0,3-1 0,0 1 0,1 0 0,2 0 0,1 0 0,1 1 0,2 0 0,0 1 0,2 0 0,1 0 0,1 1 0,1 1 0,1 0 0,1 1 0,1 1 0,1 1 0,1 0 0,1 1 0,1 1 0,1 1 0,0 1 0,1 1 0,1 1 0,1 1 0,0 1 0,1 1 0,1 1 0,0 1 0,0 2 0,1 0 0,0 2 0,1 1 0,0 1 0,0 2 0,0 1 0,1 0 0,-1 3 0,1 0 0,0 2 0,-1 0 0,1 3 0,-1 0 0,0 1 0,0 2 0,0 1 0,-1 1 0,0 2 0,-1 0 0,0 2 0,0 1 0,-1 1 0,-1 1 0,0 1 0,-1 1 0,-1 1 0,-1 1 0,0 1 0,-1 1 0,-1 1 0,-1 1 0,-1 0 0,-1 1 0,-1 1 0,-1 1 0,-1 0 0,-1 1 0,-1 1 0,-1 0 0,-2 0 0,0 1 0,-2 0 0,-1 1 0,-1 0 0,-2 0 0,-1 0 0,0 1 0,-3-1 0,0 1 0</inkml:trace>
+  <inkml:trace contextRef="#ctx0" brushRef="#br0">1 1,'0'0</inkml:trace>
 </inkml:ink>
 </file>
 
@@ -2160,7 +2159,7 @@
           <inkml:channelProperty channel="F" name="resolution" value="0" units="1/dev"/>
         </inkml:channelProperties>
       </inkml:inkSource>
-      <inkml:timestamp xml:id="ts0" timeString="2025-10-07T10:49:42.139"/>
+      <inkml:timestamp xml:id="ts0" timeString="2025-10-07T10:04:33.522"/>
     </inkml:context>
     <inkml:brush xml:id="br0">
       <inkml:brushProperty name="width" value="0.35" units="cm"/>
@@ -2170,7 +2169,7 @@
       <inkml:brushProperty name="inkEffects" value="pencil"/>
     </inkml:brush>
   </inkml:definitions>
-  <inkml:trace contextRef="#ctx0" brushRef="#br0">1612 806 0,'-1'32'0,"0"-1"0,-3 1 0,0-1 0,-1 0 0,-2 0 0,-1 0 0,-1-1 0,-2 0 0,0-1 0,-2 0 0,-1 0 0,-1-1 0,-1-1 0,-1 0 0,-1-1 0,-1-1 0,-1-1 0,-1 0 0,-1-1 0,-1-1 0,-1-1 0,0-1 0,-1-1 0,-1-1 0,-1-1 0,0-1 0,-1-1 0,-1-1 0,0-1 0,0-2 0,-1 0 0,0-2 0,-1-1 0,0-1 0,0-2 0,0-1 0,-1 0 0,1-3 0,-1 0 0,0-2 0,1 0 0,-1-3 0,1 0 0,0-1 0,0-2 0,0-1 0,1-1 0,0-2 0,1 0 0,0-2 0,0-1 0,1-1 0,1-1 0,0-1 0,1-1 0,1-1 0,1-1 0,0-1 0,1-1 0,1-1 0,1-1 0,1 0 0,1-1 0,1-1 0,1-1 0,1 0 0,1-1 0,1-1 0,1 0 0,2 0 0,0-1 0,2 0 0,1-1 0,1 0 0,2 0 0,1 0 0,0-1 0,3 1 0,0-1 0,2 0 0,0 1 0,3-1 0,0 1 0,1 0 0,2 0 0,1 0 0,1 1 0,2 0 0,0 1 0,2 0 0,1 0 0,1 1 0,1 1 0,1 0 0,1 1 0,1 1 0,1 1 0,1 0 0,1 1 0,1 1 0,1 1 0,0 1 0,1 1 0,1 1 0,1 1 0,0 1 0,1 1 0,1 1 0,0 1 0,0 2 0,1 0 0,0 2 0,1 1 0,0 1 0,0 2 0,0 1 0,1 0 0,-1 3 0,1 0 0,0 2 0,-1 0 0,1 3 0,-1 0 0,0 1 0,0 2 0,0 1 0,-1 1 0,0 2 0,-1 0 0,0 2 0,0 1 0,-1 1 0,-1 1 0,0 1 0,-1 1 0,-1 1 0,-1 1 0,0 1 0,-1 1 0,-1 1 0,-1 1 0,-1 0 0,-1 1 0,-1 1 0,-1 1 0,-1 0 0,-1 1 0,-1 1 0,-1 0 0,-2 0 0,0 1 0,-2 0 0,-1 1 0,-1 0 0,-2 0 0,-1 0 0,0 1 0,-3-1 0,0 1 0</inkml:trace>
+  <inkml:trace contextRef="#ctx0" brushRef="#br0">0 0 0,'27965'53'0</inkml:trace>
 </inkml:ink>
 </file>
 
@@ -2190,7 +2189,7 @@
           <inkml:channelProperty channel="F" name="resolution" value="0" units="1/dev"/>
         </inkml:channelProperties>
       </inkml:inkSource>
-      <inkml:timestamp xml:id="ts0" timeString="2025-10-07T10:49:42.523"/>
+      <inkml:timestamp xml:id="ts0" timeString="2025-10-07T10:04:41.932"/>
     </inkml:context>
     <inkml:brush xml:id="br0">
       <inkml:brushProperty name="width" value="0.35" units="cm"/>
@@ -2200,7 +2199,7 @@
       <inkml:brushProperty name="inkEffects" value="pencil"/>
     </inkml:brush>
   </inkml:definitions>
-  <inkml:trace contextRef="#ctx0" brushRef="#br0">1612 806 0,'-1'32'0,"0"-1"0,-3 1 0,0-1 0,-1 0 0,-2 0 0,-1 0 0,-1-1 0,-2 0 0,0-1 0,-2 0 0,-1 0 0,-1-1 0,-1-1 0,-1 0 0,-1-1 0,-1-1 0,-1-1 0,-1 0 0,-1-1 0,-1-1 0,-1-1 0,0-1 0,-1-1 0,-1-1 0,-1-1 0,0-1 0,-1-1 0,-1-1 0,0-1 0,0-2 0,-1 0 0,0-2 0,-1-1 0,0-1 0,0-2 0,0-1 0,-1 0 0,1-3 0,-1 0 0,0-2 0,1 0 0,-1-3 0,1 0 0,0-1 0,0-2 0,0-1 0,1-1 0,0-2 0,1 0 0,0-2 0,0-1 0,1-1 0,1-1 0,0-1 0,1-1 0,1-1 0,1-1 0,0-1 0,1-1 0,1-1 0,1-1 0,1 0 0,1-1 0,1-1 0,1-1 0,1 0 0,1-1 0,1-1 0,1 0 0,2 0 0,0-1 0,2 0 0,1-1 0,1 0 0,2 0 0,1 0 0,0-1 0,3 1 0,0-1 0,2 0 0,0 1 0,3-1 0,0 1 0,1 0 0,2 0 0,1 0 0,1 1 0,2 0 0,0 1 0,2 0 0,1 0 0,1 1 0,1 1 0,1 0 0,1 1 0,1 1 0,1 1 0,1 0 0,1 1 0,1 1 0,1 1 0,0 1 0,1 1 0,1 1 0,1 1 0,0 1 0,1 1 0,1 1 0,0 1 0,0 2 0,1 0 0,0 2 0,1 1 0,0 1 0,0 2 0,0 1 0,1 0 0,-1 3 0,1 0 0,0 2 0,-1 0 0,1 3 0,-1 0 0,0 1 0,0 2 0,0 1 0,-1 1 0,0 2 0,-1 0 0,0 2 0,0 1 0,-1 1 0,-1 1 0,0 1 0,-1 1 0,-1 1 0,-1 1 0,0 1 0,-1 1 0,-1 1 0,-1 1 0,-1 0 0,-1 1 0,-1 1 0,-1 1 0,-1 0 0,-1 1 0,-1 1 0,-1 0 0,-2 0 0,0 1 0,-2 0 0,-1 1 0,-1 0 0,-2 0 0,-1 0 0,0 1 0,-3-1 0,0 1 0</inkml:trace>
+  <inkml:trace contextRef="#ctx0" brushRef="#br0">181 0 0,'-181'15698'0</inkml:trace>
 </inkml:ink>
 </file>
 
@@ -2212,13 +2211,15 @@
         <inkml:traceFormat>
           <inkml:channel name="X" type="integer" min="-2.14748E9" max="2.14748E9" units="cm"/>
           <inkml:channel name="Y" type="integer" min="-2.14748E9" max="2.14748E9" units="cm"/>
+          <inkml:channel name="F" type="integer" max="32767" units="dev"/>
         </inkml:traceFormat>
         <inkml:channelProperties>
           <inkml:channelProperty channel="X" name="resolution" value="1000" units="1/cm"/>
           <inkml:channelProperty channel="Y" name="resolution" value="1000" units="1/cm"/>
+          <inkml:channelProperty channel="F" name="resolution" value="0" units="1/dev"/>
         </inkml:channelProperties>
       </inkml:inkSource>
-      <inkml:timestamp xml:id="ts0" timeString="2025-10-07T10:53:34.283"/>
+      <inkml:timestamp xml:id="ts0" timeString="2025-10-07T10:05:07.090"/>
     </inkml:context>
     <inkml:brush xml:id="br0">
       <inkml:brushProperty name="width" value="0.35" units="cm"/>
@@ -2228,7 +2229,7 @@
       <inkml:brushProperty name="inkEffects" value="pencil"/>
     </inkml:brush>
   </inkml:definitions>
-  <inkml:trace contextRef="#ctx0" brushRef="#br0">0 287,'13'0,"18"0,16-5,9-1,8 1,2-4,7 0,0 1,1 3,0 1,-3 2,-5 2,-1-1,2 2,7-1,12 0,10 1,5-1,17 0,9 0,2 0,8 0,3 0,5 0,-2 0,6 0,-5-4,-1-2,-2-4,0 0,-6 1,-4 3,-12-3,-3 1,-5-3,-4 0,-2-2,3 1,0-1,-1 1,4-7,-5-3,-6 1,-17 5,-13 5,-15 4,-7 3,-12 3</inkml:trace>
+  <inkml:trace contextRef="#ctx0" brushRef="#br0">0 53 0,'28098'-53'0</inkml:trace>
 </inkml:ink>
 </file>
 
@@ -2240,13 +2241,15 @@
         <inkml:traceFormat>
           <inkml:channel name="X" type="integer" min="-2.14748E9" max="2.14748E9" units="cm"/>
           <inkml:channel name="Y" type="integer" min="-2.14748E9" max="2.14748E9" units="cm"/>
+          <inkml:channel name="F" type="integer" max="32767" units="dev"/>
         </inkml:traceFormat>
         <inkml:channelProperties>
           <inkml:channelProperty channel="X" name="resolution" value="1000" units="1/cm"/>
           <inkml:channelProperty channel="Y" name="resolution" value="1000" units="1/cm"/>
+          <inkml:channelProperty channel="F" name="resolution" value="0" units="1/dev"/>
         </inkml:channelProperties>
       </inkml:inkSource>
-      <inkml:timestamp xml:id="ts0" timeString="2025-10-07T10:53:35.660"/>
+      <inkml:timestamp xml:id="ts0" timeString="2025-10-07T10:05:12.231"/>
     </inkml:context>
     <inkml:brush xml:id="br0">
       <inkml:brushProperty name="width" value="0.35" units="cm"/>
@@ -2256,7 +2259,7 @@
       <inkml:brushProperty name="inkEffects" value="pencil"/>
     </inkml:brush>
   </inkml:definitions>
-  <inkml:trace contextRef="#ctx0" brushRef="#br0">1 0,'0'9,"8"3,13-1,10 2,5-1,9-2,15-3,9-3,3-2,1 3,-6 0,-3 5,-2-1,-4 0,-7-3,-8 2,-7 0,-9 7,-14 10,-14 18,-15 19,-9 13,-9 5,1-1,-2-1,4-9,3-4,3-4,0-4,1-11,4-5,5-5,6-5,4-6</inkml:trace>
+  <inkml:trace contextRef="#ctx0" brushRef="#br0">0 0 0,'105'15895'0</inkml:trace>
 </inkml:ink>
 </file>
 
@@ -2268,13 +2271,15 @@
         <inkml:traceFormat>
           <inkml:channel name="X" type="integer" min="-2.14748E9" max="2.14748E9" units="cm"/>
           <inkml:channel name="Y" type="integer" min="-2.14748E9" max="2.14748E9" units="cm"/>
+          <inkml:channel name="F" type="integer" max="32767" units="dev"/>
         </inkml:traceFormat>
         <inkml:channelProperties>
           <inkml:channelProperty channel="X" name="resolution" value="1000" units="1/cm"/>
           <inkml:channelProperty channel="Y" name="resolution" value="1000" units="1/cm"/>
+          <inkml:channelProperty channel="F" name="resolution" value="0" units="1/dev"/>
         </inkml:channelProperties>
       </inkml:inkSource>
-      <inkml:timestamp xml:id="ts0" timeString="2025-10-07T10:53:37.742"/>
+      <inkml:timestamp xml:id="ts0" timeString="2025-10-07T10:06:11.194"/>
     </inkml:context>
     <inkml:brush xml:id="br0">
       <inkml:brushProperty name="width" value="0.35" units="cm"/>
@@ -2284,7 +2289,7 @@
       <inkml:brushProperty name="inkEffects" value="pencil"/>
     </inkml:brush>
   </inkml:definitions>
-  <inkml:trace contextRef="#ctx0" brushRef="#br0">1 0,'4'5,"15"9,17 25,16 23,16 14,14 11,19 14,15 10,13 5,11 3,8 0,5-8,-6-9,-2-5,-4-10,9-2,6 1,-3-4,8-9,3-2,0-1,-3-4,3 1,-1-3,-10-3,-1-4,-9-2,-15-3,-17-5,-5-6,-12-2,-9-2,-10-4,-9 1,-3-5,-4 2,-2-1,-3-1,-1 0,-6-2,-11-5</inkml:trace>
+  <inkml:trace contextRef="#ctx0" brushRef="#br0">0 0 0,'7096'78'0</inkml:trace>
 </inkml:ink>
 </file>
 
@@ -2296,13 +2301,15 @@
         <inkml:traceFormat>
           <inkml:channel name="X" type="integer" min="-2.14748E9" max="2.14748E9" units="cm"/>
           <inkml:channel name="Y" type="integer" min="-2.14748E9" max="2.14748E9" units="cm"/>
+          <inkml:channel name="F" type="integer" max="32767" units="dev"/>
         </inkml:traceFormat>
         <inkml:channelProperties>
           <inkml:channelProperty channel="X" name="resolution" value="1000" units="1/cm"/>
           <inkml:channelProperty channel="Y" name="resolution" value="1000" units="1/cm"/>
+          <inkml:channelProperty channel="F" name="resolution" value="0" units="1/dev"/>
         </inkml:channelProperties>
       </inkml:inkSource>
-      <inkml:timestamp xml:id="ts0" timeString="2025-10-07T10:53:38.947"/>
+      <inkml:timestamp xml:id="ts0" timeString="2025-10-07T10:06:17.934"/>
     </inkml:context>
     <inkml:brush xml:id="br0">
       <inkml:brushProperty name="width" value="0.35" units="cm"/>
@@ -2312,7 +2319,7 @@
       <inkml:brushProperty name="inkEffects" value="pencil"/>
     </inkml:brush>
   </inkml:definitions>
-  <inkml:trace contextRef="#ctx0" brushRef="#br0">361 0,'8'5,"13"18,23 19,18 10,20 11,5 2,-3-10,-4-4,-11-13,-12-7,-7-5,-13-2,-12 3,-19 10,-24-1,-35 6,-26 6,-25 6,-13-1,-9 4,1-4,-1-10,12-9,22-1,21-7,24-6</inkml:trace>
+  <inkml:trace contextRef="#ctx0" brushRef="#br0">0 53 0,'7306'-53'0</inkml:trace>
 </inkml:ink>
 </file>
 
@@ -2330,7 +2337,7 @@
           <inkml:channelProperty channel="Y" name="resolution" value="1000" units="1/cm"/>
         </inkml:channelProperties>
       </inkml:inkSource>
-      <inkml:timestamp xml:id="ts0" timeString="2025-10-07T10:53:42.003"/>
+      <inkml:timestamp xml:id="ts0" timeString="2025-10-07T10:06:24.583"/>
     </inkml:context>
     <inkml:brush xml:id="br0">
       <inkml:brushProperty name="width" value="0.35" units="cm"/>
@@ -2340,7 +2347,7 @@
       <inkml:brushProperty name="inkEffects" value="pencil"/>
     </inkml:brush>
   </inkml:definitions>
-  <inkml:trace contextRef="#ctx0" brushRef="#br0">1204 28,'-4'0,"-11"0,-15 0,-12 0,-11 0,-6 0,-1 0,-4 0,-4 0,5 0,5 0,8 0,-1 0,-1 0,1 0,-5 0,3 0,2 0,4 0,7 0,6 0,4-5,2 0,3-1,0 1,1 2,-1 1,0 1,5 1</inkml:trace>
+  <inkml:trace contextRef="#ctx0" brushRef="#br0">1 0,'0'4,"0"7,0 5,0 4,0 4,0 6,0 3,0 0,0-1,0-2,0-1,0-1,0-1,0-1,0 0,0 0,0 0,0 0,0 0,0 0,0 0,0 0,0 5,0 1,0 0,0 3,0 0,0-1,0-2,0-2,0 2,0 1,0 0,0 2,4-5,2 2,-1 0,0 3,-2 0,-1-1,-1-2,0 2,-1 0,-1-1,1-2,0 2,0 6,0-1,-1-2,1-2,0-3,0-2,0-1,0-2,0 0,0 0,0-1,0 1,0 4,0 2,0 0,0 3,0 5,0-1,0-1,5-4,1 2,0-1,-2-2,0-2,-2 3,-1 0,-1-2,0-1,0-2,0 3,0 0,-1 5,1 4,0 0,0 1,0-1,0 0,0-1,0-4,0 2,0 2,0 0,0-3,0-4,0-2,0-2,0-2,0-1,0 4,0 2,0-1,0-1,0 4,0 4,0 5,0 0,0-4,0-3,0-3,0-4,0-1,0-2,0 0,0-1,0 1,0-1,0 1,0 4,0 7,0 5,0 5,0-2,0-3,0-1,0-2,0-4,0-2,0-4,4 3,2 0,0 0,-2-2,0-2,-2 5,-1-1,-1 5,0-1,0 4,0 3,-1 3,1-2,0 1,0-2,0 3,0 4,0-2,4-1,2 1,0-3,-1-1,-2-3,-1 0,-1-2,0 1,-1 3,0-2,-1-3,1-4,0 1,0 0,0-2,0-3,0-1,0 3,0 1,0-2,0 0,0-2,0 3,0 1,0 4,0-1,0 3,0 0,0-4,0 3,0-2,0 3,0-2,0 3,0-2,0 2,0 3,0 3,0 3,0-3,0-4,0-6,0 1,0 2,0 0,0 2,0-2,0-3,0-3,0 2,0-1,0-2,0-1,0-3,0 0,0-1,0-1,0 0,0 0,0 4,0 2,0 4,0 0,0 4,0-2,0 3,0 3,0-2,0 1,0-2,0 0,0 3,0-2,0 1,0-3,0 1,0-2,0-3,0-4,0-2,0 3,0-1,0 0,0-2,0-1,0 3,0 0,0 0,0-1,0-2,0-1,0 3,0 2,0 3,0 1,0 2,0 4,0-1,0-4,0 2,0 2,0 3,0-2,0 1,0 2,0-3,0 1,0-3,0 0,0-2,0 2,0-3,0 2,0-2,0 2,0-2,0 2,0-2,0 2,0-1,0-4,0-2,0-3,0-2,0 3,0 1,0 0,0-2,0-1,0-2,0 0,0 0,0-1,0 0,0 0,0 0,0 0,0 0,0 0,0 0,0 0,0 0,0 1,0-1,0 0,0 0,0 0,0 1,0-1,0 0,0 0,0 0,0-4</inkml:trace>
 </inkml:ink>
 </file>
 
@@ -2352,13 +2359,15 @@
         <inkml:traceFormat>
           <inkml:channel name="X" type="integer" min="-2.14748E9" max="2.14748E9" units="cm"/>
           <inkml:channel name="Y" type="integer" min="-2.14748E9" max="2.14748E9" units="cm"/>
+          <inkml:channel name="F" type="integer" max="32767" units="dev"/>
         </inkml:traceFormat>
         <inkml:channelProperties>
           <inkml:channelProperty channel="X" name="resolution" value="1000" units="1/cm"/>
           <inkml:channelProperty channel="Y" name="resolution" value="1000" units="1/cm"/>
+          <inkml:channelProperty channel="F" name="resolution" value="0" units="1/dev"/>
         </inkml:channelProperties>
       </inkml:inkSource>
-      <inkml:timestamp xml:id="ts0" timeString="2025-10-07T10:53:43.140"/>
+      <inkml:timestamp xml:id="ts0" timeString="2025-10-07T10:06:29.724"/>
     </inkml:context>
     <inkml:brush xml:id="br0">
       <inkml:brushProperty name="width" value="0.35" units="cm"/>
@@ -2368,7 +2377,7 @@
       <inkml:brushProperty name="inkEffects" value="pencil"/>
     </inkml:brush>
   </inkml:definitions>
-  <inkml:trace contextRef="#ctx0" brushRef="#br0">885 0,'-5'4,"-13"7,-14 4,-10 14,-10 10,-6 3,3-1,3-3,4-4,3-4,5-1,-1-3,8 0,4-6,-1-5,0 3,1-1,1-4,1 0,-4 3,-6 2,5 3,2-2,2-4,6 4,12 11,15 15,16 7,18 4,19 10,9 3,1-2,7 0,0-6,-1 4,1-9,-8-6,-11-11,-11-8,-13-9</inkml:trace>
+  <inkml:trace contextRef="#ctx0" brushRef="#br0">0 0 0,'3902'27'0</inkml:trace>
 </inkml:ink>
 </file>
 
@@ -2380,13 +2389,15 @@
         <inkml:traceFormat>
           <inkml:channel name="X" type="integer" min="-2.14748E9" max="2.14748E9" units="cm"/>
           <inkml:channel name="Y" type="integer" min="-2.14748E9" max="2.14748E9" units="cm"/>
+          <inkml:channel name="F" type="integer" max="32767" units="dev"/>
         </inkml:traceFormat>
         <inkml:channelProperties>
           <inkml:channelProperty channel="X" name="resolution" value="1000" units="1/cm"/>
           <inkml:channelProperty channel="Y" name="resolution" value="1000" units="1/cm"/>
+          <inkml:channelProperty channel="F" name="resolution" value="0" units="1/dev"/>
         </inkml:channelProperties>
       </inkml:inkSource>
-      <inkml:timestamp xml:id="ts0" timeString="2025-10-07T10:04:20.885"/>
+      <inkml:timestamp xml:id="ts0" timeString="2025-10-07T10:06:39.058"/>
     </inkml:context>
     <inkml:brush xml:id="br0">
       <inkml:brushProperty name="width" value="0.35" units="cm"/>
@@ -2396,7 +2407,7 @@
       <inkml:brushProperty name="inkEffects" value="pencil"/>
     </inkml:brush>
   </inkml:definitions>
-  <inkml:trace contextRef="#ctx0" brushRef="#br0">1 1,'0'0</inkml:trace>
+  <inkml:trace contextRef="#ctx0" brushRef="#br0">0 0 0,'3981'26'0</inkml:trace>
 </inkml:ink>
 </file>
 
@@ -2446,7 +2457,7 @@
           <inkml:channelProperty channel="F" name="resolution" value="0" units="1/dev"/>
         </inkml:channelProperties>
       </inkml:inkSource>
-      <inkml:timestamp xml:id="ts0" timeString="2025-10-07T10:04:33.522"/>
+      <inkml:timestamp xml:id="ts0" timeString="2025-10-07T10:06:42.387"/>
     </inkml:context>
     <inkml:brush xml:id="br0">
       <inkml:brushProperty name="width" value="0.35" units="cm"/>
@@ -2456,7 +2467,7 @@
       <inkml:brushProperty name="inkEffects" value="pencil"/>
     </inkml:brush>
   </inkml:definitions>
-  <inkml:trace contextRef="#ctx0" brushRef="#br0">0 0 0,'27965'53'0</inkml:trace>
+  <inkml:trace contextRef="#ctx0" brushRef="#br0">105 0 0,'-105'5839'0</inkml:trace>
 </inkml:ink>
 </file>
 
@@ -2476,7 +2487,7 @@
           <inkml:channelProperty channel="F" name="resolution" value="0" units="1/dev"/>
         </inkml:channelProperties>
       </inkml:inkSource>
-      <inkml:timestamp xml:id="ts0" timeString="2025-10-07T10:04:41.932"/>
+      <inkml:timestamp xml:id="ts0" timeString="2025-10-07T10:07:09.387"/>
     </inkml:context>
     <inkml:brush xml:id="br0">
       <inkml:brushProperty name="width" value="0.35" units="cm"/>
@@ -2486,7 +2497,7 @@
       <inkml:brushProperty name="inkEffects" value="pencil"/>
     </inkml:brush>
   </inkml:definitions>
-  <inkml:trace contextRef="#ctx0" brushRef="#br0">181 0 0,'-181'15698'0</inkml:trace>
+  <inkml:trace contextRef="#ctx0" brushRef="#br0">0 0 0,'7096'78'0</inkml:trace>
 </inkml:ink>
 </file>
 
@@ -2506,7 +2517,7 @@
           <inkml:channelProperty channel="F" name="resolution" value="0" units="1/dev"/>
         </inkml:channelProperties>
       </inkml:inkSource>
-      <inkml:timestamp xml:id="ts0" timeString="2025-10-07T10:05:07.090"/>
+      <inkml:timestamp xml:id="ts0" timeString="2025-10-07T10:07:09.388"/>
     </inkml:context>
     <inkml:brush xml:id="br0">
       <inkml:brushProperty name="width" value="0.35" units="cm"/>
@@ -2516,7 +2527,7 @@
       <inkml:brushProperty name="inkEffects" value="pencil"/>
     </inkml:brush>
   </inkml:definitions>
-  <inkml:trace contextRef="#ctx0" brushRef="#br0">0 53 0,'28098'-53'0</inkml:trace>
+  <inkml:trace contextRef="#ctx0" brushRef="#br0">0 53 0,'7306'-53'0</inkml:trace>
 </inkml:ink>
 </file>
 
@@ -2528,15 +2539,13 @@
         <inkml:traceFormat>
           <inkml:channel name="X" type="integer" min="-2.14748E9" max="2.14748E9" units="cm"/>
           <inkml:channel name="Y" type="integer" min="-2.14748E9" max="2.14748E9" units="cm"/>
-          <inkml:channel name="F" type="integer" max="32767" units="dev"/>
         </inkml:traceFormat>
         <inkml:channelProperties>
           <inkml:channelProperty channel="X" name="resolution" value="1000" units="1/cm"/>
           <inkml:channelProperty channel="Y" name="resolution" value="1000" units="1/cm"/>
-          <inkml:channelProperty channel="F" name="resolution" value="0" units="1/dev"/>
         </inkml:channelProperties>
       </inkml:inkSource>
-      <inkml:timestamp xml:id="ts0" timeString="2025-10-07T10:05:12.231"/>
+      <inkml:timestamp xml:id="ts0" timeString="2025-10-07T10:07:09.389"/>
     </inkml:context>
     <inkml:brush xml:id="br0">
       <inkml:brushProperty name="width" value="0.35" units="cm"/>
@@ -2546,7 +2555,7 @@
       <inkml:brushProperty name="inkEffects" value="pencil"/>
     </inkml:brush>
   </inkml:definitions>
-  <inkml:trace contextRef="#ctx0" brushRef="#br0">0 0 0,'105'15895'0</inkml:trace>
+  <inkml:trace contextRef="#ctx0" brushRef="#br0">1 0,'0'4,"0"7,0 5,0 4,0 4,0 6,0 3,0 0,0-1,0-2,0-1,0-1,0-1,0-1,0 0,0 0,0 0,0 0,0 0,0 0,0 0,0 0,0 5,0 1,0 0,0 3,0 0,0-1,0-2,0-2,0 2,0 1,0 0,0 2,4-5,2 2,-1 0,0 3,-2 0,-1-1,-1-2,0 2,-1 0,-1-1,1-2,0 2,0 6,0-1,-1-2,1-2,0-3,0-2,0-1,0-2,0 0,0 0,0-1,0 1,0 4,0 2,0 0,0 3,0 5,0-1,0-1,5-4,1 2,0-1,-2-2,0-2,-2 3,-1 0,-1-2,0-1,0-2,0 3,0 0,-1 5,1 4,0 0,0 1,0-1,0 0,0-1,0-4,0 2,0 2,0 0,0-3,0-4,0-2,0-2,0-2,0-1,0 4,0 2,0-1,0-1,0 4,0 4,0 5,0 0,0-4,0-3,0-3,0-4,0-1,0-2,0 0,0-1,0 1,0-1,0 1,0 4,0 7,0 5,0 5,0-2,0-3,0-1,0-2,0-4,0-2,0-4,4 3,2 0,0 0,-2-2,0-2,-2 5,-1-1,-1 5,0-1,0 4,0 3,-1 3,1-2,0 1,0-2,0 3,0 4,0-2,4-1,2 1,0-3,-1-1,-2-3,-1 0,-1-2,0 1,-1 3,0-2,-1-3,1-4,0 1,0 0,0-2,0-3,0-1,0 3,0 1,0-2,0 0,0-2,0 3,0 1,0 4,0-1,0 3,0 0,0-4,0 3,0-2,0 3,0-2,0 3,0-2,0 2,0 3,0 3,0 3,0-3,0-4,0-6,0 1,0 2,0 0,0 2,0-2,0-3,0-3,0 2,0-1,0-2,0-1,0-3,0 0,0-1,0-1,0 0,0 0,0 4,0 2,0 4,0 0,0 4,0-2,0 3,0 3,0-2,0 1,0-2,0 0,0 3,0-2,0 1,0-3,0 1,0-2,0-3,0-4,0-2,0 3,0-1,0 0,0-2,0-1,0 3,0 0,0 0,0-1,0-2,0-1,0 3,0 2,0 3,0 1,0 2,0 4,0-1,0-4,0 2,0 2,0 3,0-2,0 1,0 2,0-3,0 1,0-3,0 0,0-2,0 2,0-3,0 2,0-2,0 2,0-2,0 2,0-2,0 2,0-1,0-4,0-2,0-3,0-2,0 3,0 1,0 0,0-2,0-1,0-2,0 0,0 0,0-1,0 0,0 0,0 0,0 0,0 0,0 0,0 0,0 0,0 0,0 1,0-1,0 0,0 0,0 0,0 1,0-1,0 0,0 0,0 0,0-4</inkml:trace>
 </inkml:ink>
 </file>
 
@@ -2566,7 +2575,7 @@
           <inkml:channelProperty channel="F" name="resolution" value="0" units="1/dev"/>
         </inkml:channelProperties>
       </inkml:inkSource>
-      <inkml:timestamp xml:id="ts0" timeString="2025-10-07T10:06:11.194"/>
+      <inkml:timestamp xml:id="ts0" timeString="2025-10-07T10:07:09.390"/>
     </inkml:context>
     <inkml:brush xml:id="br0">
       <inkml:brushProperty name="width" value="0.35" units="cm"/>
@@ -2576,7 +2585,7 @@
       <inkml:brushProperty name="inkEffects" value="pencil"/>
     </inkml:brush>
   </inkml:definitions>
-  <inkml:trace contextRef="#ctx0" brushRef="#br0">0 0 0,'7096'78'0</inkml:trace>
+  <inkml:trace contextRef="#ctx0" brushRef="#br0">0 0 0,'3902'27'0</inkml:trace>
 </inkml:ink>
 </file>
 
@@ -2596,7 +2605,7 @@
           <inkml:channelProperty channel="F" name="resolution" value="0" units="1/dev"/>
         </inkml:channelProperties>
       </inkml:inkSource>
-      <inkml:timestamp xml:id="ts0" timeString="2025-10-07T10:06:17.934"/>
+      <inkml:timestamp xml:id="ts0" timeString="2025-10-07T10:07:09.391"/>
     </inkml:context>
     <inkml:brush xml:id="br0">
       <inkml:brushProperty name="width" value="0.35" units="cm"/>
@@ -2606,7 +2615,7 @@
       <inkml:brushProperty name="inkEffects" value="pencil"/>
     </inkml:brush>
   </inkml:definitions>
-  <inkml:trace contextRef="#ctx0" brushRef="#br0">0 53 0,'7306'-53'0</inkml:trace>
+  <inkml:trace contextRef="#ctx0" brushRef="#br0">0 0 0,'3981'26'0</inkml:trace>
 </inkml:ink>
 </file>
 
@@ -2618,13 +2627,15 @@
         <inkml:traceFormat>
           <inkml:channel name="X" type="integer" min="-2.14748E9" max="2.14748E9" units="cm"/>
           <inkml:channel name="Y" type="integer" min="-2.14748E9" max="2.14748E9" units="cm"/>
+          <inkml:channel name="F" type="integer" max="32767" units="dev"/>
         </inkml:traceFormat>
         <inkml:channelProperties>
           <inkml:channelProperty channel="X" name="resolution" value="1000" units="1/cm"/>
           <inkml:channelProperty channel="Y" name="resolution" value="1000" units="1/cm"/>
+          <inkml:channelProperty channel="F" name="resolution" value="0" units="1/dev"/>
         </inkml:channelProperties>
       </inkml:inkSource>
-      <inkml:timestamp xml:id="ts0" timeString="2025-10-07T10:06:24.583"/>
+      <inkml:timestamp xml:id="ts0" timeString="2025-10-07T10:07:09.392"/>
     </inkml:context>
     <inkml:brush xml:id="br0">
       <inkml:brushProperty name="width" value="0.35" units="cm"/>
@@ -2634,7 +2645,7 @@
       <inkml:brushProperty name="inkEffects" value="pencil"/>
     </inkml:brush>
   </inkml:definitions>
-  <inkml:trace contextRef="#ctx0" brushRef="#br0">1 0,'0'4,"0"7,0 5,0 4,0 4,0 6,0 3,0 0,0-1,0-2,0-1,0-1,0-1,0-1,0 0,0 0,0 0,0 0,0 0,0 0,0 0,0 0,0 5,0 1,0 0,0 3,0 0,0-1,0-2,0-2,0 2,0 1,0 0,0 2,4-5,2 2,-1 0,0 3,-2 0,-1-1,-1-2,0 2,-1 0,-1-1,1-2,0 2,0 6,0-1,-1-2,1-2,0-3,0-2,0-1,0-2,0 0,0 0,0-1,0 1,0 4,0 2,0 0,0 3,0 5,0-1,0-1,5-4,1 2,0-1,-2-2,0-2,-2 3,-1 0,-1-2,0-1,0-2,0 3,0 0,-1 5,1 4,0 0,0 1,0-1,0 0,0-1,0-4,0 2,0 2,0 0,0-3,0-4,0-2,0-2,0-2,0-1,0 4,0 2,0-1,0-1,0 4,0 4,0 5,0 0,0-4,0-3,0-3,0-4,0-1,0-2,0 0,0-1,0 1,0-1,0 1,0 4,0 7,0 5,0 5,0-2,0-3,0-1,0-2,0-4,0-2,0-4,4 3,2 0,0 0,-2-2,0-2,-2 5,-1-1,-1 5,0-1,0 4,0 3,-1 3,1-2,0 1,0-2,0 3,0 4,0-2,4-1,2 1,0-3,-1-1,-2-3,-1 0,-1-2,0 1,-1 3,0-2,-1-3,1-4,0 1,0 0,0-2,0-3,0-1,0 3,0 1,0-2,0 0,0-2,0 3,0 1,0 4,0-1,0 3,0 0,0-4,0 3,0-2,0 3,0-2,0 3,0-2,0 2,0 3,0 3,0 3,0-3,0-4,0-6,0 1,0 2,0 0,0 2,0-2,0-3,0-3,0 2,0-1,0-2,0-1,0-3,0 0,0-1,0-1,0 0,0 0,0 4,0 2,0 4,0 0,0 4,0-2,0 3,0 3,0-2,0 1,0-2,0 0,0 3,0-2,0 1,0-3,0 1,0-2,0-3,0-4,0-2,0 3,0-1,0 0,0-2,0-1,0 3,0 0,0 0,0-1,0-2,0-1,0 3,0 2,0 3,0 1,0 2,0 4,0-1,0-4,0 2,0 2,0 3,0-2,0 1,0 2,0-3,0 1,0-3,0 0,0-2,0 2,0-3,0 2,0-2,0 2,0-2,0 2,0-2,0 2,0-1,0-4,0-2,0-3,0-2,0 3,0 1,0 0,0-2,0-1,0-2,0 0,0 0,0-1,0 0,0 0,0 0,0 0,0 0,0 0,0 0,0 0,0 0,0 1,0-1,0 0,0 0,0 0,0 1,0-1,0 0,0 0,0 0,0-4</inkml:trace>
+  <inkml:trace contextRef="#ctx0" brushRef="#br0">105 0 0,'-105'5839'0</inkml:trace>
 </inkml:ink>
 </file>
 
@@ -2654,7 +2665,7 @@
           <inkml:channelProperty channel="F" name="resolution" value="0" units="1/dev"/>
         </inkml:channelProperties>
       </inkml:inkSource>
-      <inkml:timestamp xml:id="ts0" timeString="2025-10-07T10:06:29.724"/>
+      <inkml:timestamp xml:id="ts0" timeString="2025-10-07T10:45:29.618"/>
     </inkml:context>
     <inkml:brush xml:id="br0">
       <inkml:brushProperty name="width" value="0.35" units="cm"/>
@@ -2664,7 +2675,7 @@
       <inkml:brushProperty name="inkEffects" value="pencil"/>
     </inkml:brush>
   </inkml:definitions>
-  <inkml:trace contextRef="#ctx0" brushRef="#br0">0 0 0,'3902'27'0</inkml:trace>
+  <inkml:trace contextRef="#ctx0" brushRef="#br0">0 0 0,'25'15830'0</inkml:trace>
 </inkml:ink>
 </file>
 
@@ -2684,7 +2695,7 @@
           <inkml:channelProperty channel="F" name="resolution" value="0" units="1/dev"/>
         </inkml:channelProperties>
       </inkml:inkSource>
-      <inkml:timestamp xml:id="ts0" timeString="2025-10-07T10:06:39.058"/>
+      <inkml:timestamp xml:id="ts0" timeString="2025-10-07T10:45:53.917"/>
     </inkml:context>
     <inkml:brush xml:id="br0">
       <inkml:brushProperty name="width" value="0.35" units="cm"/>
@@ -2694,7 +2705,7 @@
       <inkml:brushProperty name="inkEffects" value="pencil"/>
     </inkml:brush>
   </inkml:definitions>
-  <inkml:trace contextRef="#ctx0" brushRef="#br0">0 0 0,'3981'26'0</inkml:trace>
+  <inkml:trace contextRef="#ctx0" brushRef="#br0">4116 2058 0,'-2'81'0,"-2"-1"0,-4 1 0,-3-1 0,-4-1 0,-2 0 0,-3 0 0,-4-2 0,-2-1 0,-4 0 0,-2-2 0,-3-2 0,-3 0 0,-3-3 0,-3-1 0,-2-1 0,-3-3 0,-2-1 0,-3-3 0,-2-2 0,-2-2 0,-2-2 0,-3-3 0,-1-2 0,-3-3 0,-1-2 0,-1-3 0,-3-3 0,0-3 0,-2-3 0,-2-2 0,0-4 0,-1-2 0,-2-4 0,0-3 0,0-2 0,-1-4 0,-1-3 0,1-4 0,-1-2 0,0-4 0,1-2 0,-1-4 0,1-3 0,1-4 0,0-2 0,0-3 0,2-4 0,1-2 0,0-4 0,2-2 0,2-3 0,0-3 0,3-3 0,1-3 0,1-2 0,3-3 0,1-2 0,3-3 0,2-2 0,2-2 0,2-2 0,3-3 0,2-1 0,3-3 0,2-1 0,3-1 0,3-3 0,3 0 0,3-2 0,2-2 0,4 0 0,2-1 0,4-2 0,3 0 0,2 0 0,4-1 0,3-1 0,4 1 0,2-1 0,4 0 0,2 1 0,4-1 0,3 1 0,4 1 0,2 0 0,3 0 0,4 2 0,2 1 0,4 0 0,2 2 0,3 2 0,3 0 0,3 3 0,3 1 0,2 1 0,3 3 0,2 1 0,3 3 0,2 2 0,2 2 0,2 2 0,3 3 0,1 2 0,3 3 0,1 2 0,1 3 0,3 3 0,0 3 0,2 3 0,2 2 0,0 4 0,1 2 0,2 4 0,0 3 0,0 2 0,1 4 0,1 3 0,-1 4 0,1 2 0,0 4 0,-1 2 0,1 4 0,-1 3 0,-1 4 0,0 2 0,0 3 0,-2 4 0,-1 2 0,0 4 0,-2 2 0,-2 3 0,0 3 0,-3 3 0,-1 3 0,-1 2 0,-3 3 0,-1 2 0,-3 3 0,-2 2 0,-2 2 0,-2 2 0,-3 3 0,-2 1 0,-3 3 0,-2 1 0,-3 1 0,-3 3 0,-3 0 0,-3 2 0,-2 2 0,-4 0 0,-2 1 0,-4 2 0,-3 0 0,-2 0 0,-4 1 0,-3 1 0,-4-1 0,-2 1 0</inkml:trace>
 </inkml:ink>
 </file>
 
@@ -2714,7 +2725,7 @@
           <inkml:channelProperty channel="F" name="resolution" value="0" units="1/dev"/>
         </inkml:channelProperties>
       </inkml:inkSource>
-      <inkml:timestamp xml:id="ts0" timeString="2025-10-07T10:06:42.387"/>
+      <inkml:timestamp xml:id="ts0" timeString="2025-10-07T10:49:36.782"/>
     </inkml:context>
     <inkml:brush xml:id="br0">
       <inkml:brushProperty name="width" value="0.35" units="cm"/>
@@ -2724,7 +2735,7 @@
       <inkml:brushProperty name="inkEffects" value="pencil"/>
     </inkml:brush>
   </inkml:definitions>
-  <inkml:trace contextRef="#ctx0" brushRef="#br0">105 0 0,'-105'5839'0</inkml:trace>
+  <inkml:trace contextRef="#ctx0" brushRef="#br0">1612 806 0,'-1'32'0,"0"-1"0,-3 1 0,0-1 0,-1 0 0,-2 0 0,-1 0 0,-1-1 0,-2 0 0,0-1 0,-2 0 0,-1 0 0,-1-1 0,-1-1 0,-1 0 0,-1-1 0,-1-1 0,-1-1 0,-1 0 0,-1-1 0,-1-1 0,-1-1 0,0-1 0,-1-1 0,-1-1 0,-1-1 0,0-1 0,-1-1 0,-1-1 0,0-1 0,0-2 0,-1 0 0,0-2 0,-1-1 0,0-1 0,0-2 0,0-1 0,-1 0 0,1-3 0,-1 0 0,0-2 0,1 0 0,-1-3 0,1 0 0,0-1 0,0-2 0,0-1 0,1-1 0,0-2 0,1 0 0,0-2 0,0-1 0,1-1 0,1-1 0,0-1 0,1-1 0,1-1 0,1-1 0,0-1 0,1-1 0,1-1 0,1-1 0,1 0 0,1-1 0,1-1 0,1-1 0,1 0 0,1-1 0,1-1 0,1 0 0,2 0 0,0-1 0,2 0 0,1-1 0,1 0 0,2 0 0,1 0 0,0-1 0,3 1 0,0-1 0,2 0 0,0 1 0,3-1 0,0 1 0,1 0 0,2 0 0,1 0 0,1 1 0,2 0 0,0 1 0,2 0 0,1 0 0,1 1 0,1 1 0,1 0 0,1 1 0,1 1 0,1 1 0,1 0 0,1 1 0,1 1 0,1 1 0,0 1 0,1 1 0,1 1 0,1 1 0,0 1 0,1 1 0,1 1 0,0 1 0,0 2 0,1 0 0,0 2 0,1 1 0,0 1 0,0 2 0,0 1 0,1 0 0,-1 3 0,1 0 0,0 2 0,-1 0 0,1 3 0,-1 0 0,0 1 0,0 2 0,0 1 0,-1 1 0,0 2 0,-1 0 0,0 2 0,0 1 0,-1 1 0,-1 1 0,0 1 0,-1 1 0,-1 1 0,-1 1 0,0 1 0,-1 1 0,-1 1 0,-1 1 0,-1 0 0,-1 1 0,-1 1 0,-1 1 0,-1 0 0,-1 1 0,-1 1 0,-1 0 0,-2 0 0,0 1 0,-2 0 0,-1 1 0,-1 0 0,-2 0 0,-1 0 0,0 1 0,-3-1 0,0 1 0</inkml:trace>
 </inkml:ink>
 </file>
 
@@ -2774,7 +2785,7 @@
           <inkml:channelProperty channel="F" name="resolution" value="0" units="1/dev"/>
         </inkml:channelProperties>
       </inkml:inkSource>
-      <inkml:timestamp xml:id="ts0" timeString="2025-10-07T10:07:09.387"/>
+      <inkml:timestamp xml:id="ts0" timeString="2025-10-07T10:49:42.139"/>
     </inkml:context>
     <inkml:brush xml:id="br0">
       <inkml:brushProperty name="width" value="0.35" units="cm"/>
@@ -2784,7 +2795,7 @@
       <inkml:brushProperty name="inkEffects" value="pencil"/>
     </inkml:brush>
   </inkml:definitions>
-  <inkml:trace contextRef="#ctx0" brushRef="#br0">0 0 0,'7096'78'0</inkml:trace>
+  <inkml:trace contextRef="#ctx0" brushRef="#br0">1612 806 0,'-1'32'0,"0"-1"0,-3 1 0,0-1 0,-1 0 0,-2 0 0,-1 0 0,-1-1 0,-2 0 0,0-1 0,-2 0 0,-1 0 0,-1-1 0,-1-1 0,-1 0 0,-1-1 0,-1-1 0,-1-1 0,-1 0 0,-1-1 0,-1-1 0,-1-1 0,0-1 0,-1-1 0,-1-1 0,-1-1 0,0-1 0,-1-1 0,-1-1 0,0-1 0,0-2 0,-1 0 0,0-2 0,-1-1 0,0-1 0,0-2 0,0-1 0,-1 0 0,1-3 0,-1 0 0,0-2 0,1 0 0,-1-3 0,1 0 0,0-1 0,0-2 0,0-1 0,1-1 0,0-2 0,1 0 0,0-2 0,0-1 0,1-1 0,1-1 0,0-1 0,1-1 0,1-1 0,1-1 0,0-1 0,1-1 0,1-1 0,1-1 0,1 0 0,1-1 0,1-1 0,1-1 0,1 0 0,1-1 0,1-1 0,1 0 0,2 0 0,0-1 0,2 0 0,1-1 0,1 0 0,2 0 0,1 0 0,0-1 0,3 1 0,0-1 0,2 0 0,0 1 0,3-1 0,0 1 0,1 0 0,2 0 0,1 0 0,1 1 0,2 0 0,0 1 0,2 0 0,1 0 0,1 1 0,1 1 0,1 0 0,1 1 0,1 1 0,1 1 0,1 0 0,1 1 0,1 1 0,1 1 0,0 1 0,1 1 0,1 1 0,1 1 0,0 1 0,1 1 0,1 1 0,0 1 0,0 2 0,1 0 0,0 2 0,1 1 0,0 1 0,0 2 0,0 1 0,1 0 0,-1 3 0,1 0 0,0 2 0,-1 0 0,1 3 0,-1 0 0,0 1 0,0 2 0,0 1 0,-1 1 0,0 2 0,-1 0 0,0 2 0,0 1 0,-1 1 0,-1 1 0,0 1 0,-1 1 0,-1 1 0,-1 1 0,0 1 0,-1 1 0,-1 1 0,-1 1 0,-1 0 0,-1 1 0,-1 1 0,-1 1 0,-1 0 0,-1 1 0,-1 1 0,-1 0 0,-2 0 0,0 1 0,-2 0 0,-1 1 0,-1 0 0,-2 0 0,-1 0 0,0 1 0,-3-1 0,0 1 0</inkml:trace>
 </inkml:ink>
 </file>
 
@@ -2804,7 +2815,7 @@
           <inkml:channelProperty channel="F" name="resolution" value="0" units="1/dev"/>
         </inkml:channelProperties>
       </inkml:inkSource>
-      <inkml:timestamp xml:id="ts0" timeString="2025-10-07T10:07:09.388"/>
+      <inkml:timestamp xml:id="ts0" timeString="2025-10-07T10:49:42.523"/>
     </inkml:context>
     <inkml:brush xml:id="br0">
       <inkml:brushProperty name="width" value="0.35" units="cm"/>
@@ -2814,7 +2825,7 @@
       <inkml:brushProperty name="inkEffects" value="pencil"/>
     </inkml:brush>
   </inkml:definitions>
-  <inkml:trace contextRef="#ctx0" brushRef="#br0">0 53 0,'7306'-53'0</inkml:trace>
+  <inkml:trace contextRef="#ctx0" brushRef="#br0">1612 806 0,'-1'32'0,"0"-1"0,-3 1 0,0-1 0,-1 0 0,-2 0 0,-1 0 0,-1-1 0,-2 0 0,0-1 0,-2 0 0,-1 0 0,-1-1 0,-1-1 0,-1 0 0,-1-1 0,-1-1 0,-1-1 0,-1 0 0,-1-1 0,-1-1 0,-1-1 0,0-1 0,-1-1 0,-1-1 0,-1-1 0,0-1 0,-1-1 0,-1-1 0,0-1 0,0-2 0,-1 0 0,0-2 0,-1-1 0,0-1 0,0-2 0,0-1 0,-1 0 0,1-3 0,-1 0 0,0-2 0,1 0 0,-1-3 0,1 0 0,0-1 0,0-2 0,0-1 0,1-1 0,0-2 0,1 0 0,0-2 0,0-1 0,1-1 0,1-1 0,0-1 0,1-1 0,1-1 0,1-1 0,0-1 0,1-1 0,1-1 0,1-1 0,1 0 0,1-1 0,1-1 0,1-1 0,1 0 0,1-1 0,1-1 0,1 0 0,2 0 0,0-1 0,2 0 0,1-1 0,1 0 0,2 0 0,1 0 0,0-1 0,3 1 0,0-1 0,2 0 0,0 1 0,3-1 0,0 1 0,1 0 0,2 0 0,1 0 0,1 1 0,2 0 0,0 1 0,2 0 0,1 0 0,1 1 0,1 1 0,1 0 0,1 1 0,1 1 0,1 1 0,1 0 0,1 1 0,1 1 0,1 1 0,0 1 0,1 1 0,1 1 0,1 1 0,0 1 0,1 1 0,1 1 0,0 1 0,0 2 0,1 0 0,0 2 0,1 1 0,0 1 0,0 2 0,0 1 0,1 0 0,-1 3 0,1 0 0,0 2 0,-1 0 0,1 3 0,-1 0 0,0 1 0,0 2 0,0 1 0,-1 1 0,0 2 0,-1 0 0,0 2 0,0 1 0,-1 1 0,-1 1 0,0 1 0,-1 1 0,-1 1 0,-1 1 0,0 1 0,-1 1 0,-1 1 0,-1 1 0,-1 0 0,-1 1 0,-1 1 0,-1 1 0,-1 0 0,-1 1 0,-1 1 0,-1 0 0,-2 0 0,0 1 0,-2 0 0,-1 1 0,-1 0 0,-2 0 0,-1 0 0,0 1 0,-3-1 0,0 1 0</inkml:trace>
 </inkml:ink>
 </file>
 
@@ -2832,7 +2843,7 @@
           <inkml:channelProperty channel="Y" name="resolution" value="1000" units="1/cm"/>
         </inkml:channelProperties>
       </inkml:inkSource>
-      <inkml:timestamp xml:id="ts0" timeString="2025-10-07T10:07:09.389"/>
+      <inkml:timestamp xml:id="ts0" timeString="2025-10-07T10:53:34.283"/>
     </inkml:context>
     <inkml:brush xml:id="br0">
       <inkml:brushProperty name="width" value="0.35" units="cm"/>
@@ -2842,7 +2853,7 @@
       <inkml:brushProperty name="inkEffects" value="pencil"/>
     </inkml:brush>
   </inkml:definitions>
-  <inkml:trace contextRef="#ctx0" brushRef="#br0">1 0,'0'4,"0"7,0 5,0 4,0 4,0 6,0 3,0 0,0-1,0-2,0-1,0-1,0-1,0-1,0 0,0 0,0 0,0 0,0 0,0 0,0 0,0 0,0 5,0 1,0 0,0 3,0 0,0-1,0-2,0-2,0 2,0 1,0 0,0 2,4-5,2 2,-1 0,0 3,-2 0,-1-1,-1-2,0 2,-1 0,-1-1,1-2,0 2,0 6,0-1,-1-2,1-2,0-3,0-2,0-1,0-2,0 0,0 0,0-1,0 1,0 4,0 2,0 0,0 3,0 5,0-1,0-1,5-4,1 2,0-1,-2-2,0-2,-2 3,-1 0,-1-2,0-1,0-2,0 3,0 0,-1 5,1 4,0 0,0 1,0-1,0 0,0-1,0-4,0 2,0 2,0 0,0-3,0-4,0-2,0-2,0-2,0-1,0 4,0 2,0-1,0-1,0 4,0 4,0 5,0 0,0-4,0-3,0-3,0-4,0-1,0-2,0 0,0-1,0 1,0-1,0 1,0 4,0 7,0 5,0 5,0-2,0-3,0-1,0-2,0-4,0-2,0-4,4 3,2 0,0 0,-2-2,0-2,-2 5,-1-1,-1 5,0-1,0 4,0 3,-1 3,1-2,0 1,0-2,0 3,0 4,0-2,4-1,2 1,0-3,-1-1,-2-3,-1 0,-1-2,0 1,-1 3,0-2,-1-3,1-4,0 1,0 0,0-2,0-3,0-1,0 3,0 1,0-2,0 0,0-2,0 3,0 1,0 4,0-1,0 3,0 0,0-4,0 3,0-2,0 3,0-2,0 3,0-2,0 2,0 3,0 3,0 3,0-3,0-4,0-6,0 1,0 2,0 0,0 2,0-2,0-3,0-3,0 2,0-1,0-2,0-1,0-3,0 0,0-1,0-1,0 0,0 0,0 4,0 2,0 4,0 0,0 4,0-2,0 3,0 3,0-2,0 1,0-2,0 0,0 3,0-2,0 1,0-3,0 1,0-2,0-3,0-4,0-2,0 3,0-1,0 0,0-2,0-1,0 3,0 0,0 0,0-1,0-2,0-1,0 3,0 2,0 3,0 1,0 2,0 4,0-1,0-4,0 2,0 2,0 3,0-2,0 1,0 2,0-3,0 1,0-3,0 0,0-2,0 2,0-3,0 2,0-2,0 2,0-2,0 2,0-2,0 2,0-1,0-4,0-2,0-3,0-2,0 3,0 1,0 0,0-2,0-1,0-2,0 0,0 0,0-1,0 0,0 0,0 0,0 0,0 0,0 0,0 0,0 0,0 0,0 1,0-1,0 0,0 0,0 0,0 1,0-1,0 0,0 0,0 0,0-4</inkml:trace>
+  <inkml:trace contextRef="#ctx0" brushRef="#br0">0 287,'13'0,"18"0,16-5,9-1,8 1,2-4,7 0,0 1,1 3,0 1,-3 2,-5 2,-1-1,2 2,7-1,12 0,10 1,5-1,17 0,9 0,2 0,8 0,3 0,5 0,-2 0,6 0,-5-4,-1-2,-2-4,0 0,-6 1,-4 3,-12-3,-3 1,-5-3,-4 0,-2-2,3 1,0-1,-1 1,4-7,-5-3,-6 1,-17 5,-13 5,-15 4,-7 3,-12 3</inkml:trace>
 </inkml:ink>
 </file>
 
@@ -2854,15 +2865,13 @@
         <inkml:traceFormat>
           <inkml:channel name="X" type="integer" min="-2.14748E9" max="2.14748E9" units="cm"/>
           <inkml:channel name="Y" type="integer" min="-2.14748E9" max="2.14748E9" units="cm"/>
-          <inkml:channel name="F" type="integer" max="32767" units="dev"/>
         </inkml:traceFormat>
         <inkml:channelProperties>
           <inkml:channelProperty channel="X" name="resolution" value="1000" units="1/cm"/>
           <inkml:channelProperty channel="Y" name="resolution" value="1000" units="1/cm"/>
-          <inkml:channelProperty channel="F" name="resolution" value="0" units="1/dev"/>
         </inkml:channelProperties>
       </inkml:inkSource>
-      <inkml:timestamp xml:id="ts0" timeString="2025-10-07T10:07:09.390"/>
+      <inkml:timestamp xml:id="ts0" timeString="2025-10-07T10:53:35.660"/>
     </inkml:context>
     <inkml:brush xml:id="br0">
       <inkml:brushProperty name="width" value="0.35" units="cm"/>
@@ -2872,7 +2881,7 @@
       <inkml:brushProperty name="inkEffects" value="pencil"/>
     </inkml:brush>
   </inkml:definitions>
-  <inkml:trace contextRef="#ctx0" brushRef="#br0">0 0 0,'3902'27'0</inkml:trace>
+  <inkml:trace contextRef="#ctx0" brushRef="#br0">1 0,'0'9,"8"3,13-1,10 2,5-1,9-2,15-3,9-3,3-2,1 3,-6 0,-3 5,-2-1,-4 0,-7-3,-8 2,-7 0,-9 7,-14 10,-14 18,-15 19,-9 13,-9 5,1-1,-2-1,4-9,3-4,3-4,0-4,1-11,4-5,5-5,6-5,4-6</inkml:trace>
 </inkml:ink>
 </file>
 
@@ -2884,15 +2893,13 @@
         <inkml:traceFormat>
           <inkml:channel name="X" type="integer" min="-2.14748E9" max="2.14748E9" units="cm"/>
           <inkml:channel name="Y" type="integer" min="-2.14748E9" max="2.14748E9" units="cm"/>
-          <inkml:channel name="F" type="integer" max="32767" units="dev"/>
         </inkml:traceFormat>
         <inkml:channelProperties>
           <inkml:channelProperty channel="X" name="resolution" value="1000" units="1/cm"/>
           <inkml:channelProperty channel="Y" name="resolution" value="1000" units="1/cm"/>
-          <inkml:channelProperty channel="F" name="resolution" value="0" units="1/dev"/>
         </inkml:channelProperties>
       </inkml:inkSource>
-      <inkml:timestamp xml:id="ts0" timeString="2025-10-07T10:07:09.391"/>
+      <inkml:timestamp xml:id="ts0" timeString="2025-10-07T10:53:37.742"/>
     </inkml:context>
     <inkml:brush xml:id="br0">
       <inkml:brushProperty name="width" value="0.35" units="cm"/>
@@ -2902,7 +2909,7 @@
       <inkml:brushProperty name="inkEffects" value="pencil"/>
     </inkml:brush>
   </inkml:definitions>
-  <inkml:trace contextRef="#ctx0" brushRef="#br0">0 0 0,'3981'26'0</inkml:trace>
+  <inkml:trace contextRef="#ctx0" brushRef="#br0">1 0,'4'5,"15"9,17 25,16 23,16 14,14 11,19 14,15 10,13 5,11 3,8 0,5-8,-6-9,-2-5,-4-10,9-2,6 1,-3-4,8-9,3-2,0-1,-3-4,3 1,-1-3,-10-3,-1-4,-9-2,-15-3,-17-5,-5-6,-12-2,-9-2,-10-4,-9 1,-3-5,-4 2,-2-1,-3-1,-1 0,-6-2,-11-5</inkml:trace>
 </inkml:ink>
 </file>
 
@@ -2914,15 +2921,13 @@
         <inkml:traceFormat>
           <inkml:channel name="X" type="integer" min="-2.14748E9" max="2.14748E9" units="cm"/>
           <inkml:channel name="Y" type="integer" min="-2.14748E9" max="2.14748E9" units="cm"/>
-          <inkml:channel name="F" type="integer" max="32767" units="dev"/>
         </inkml:traceFormat>
         <inkml:channelProperties>
           <inkml:channelProperty channel="X" name="resolution" value="1000" units="1/cm"/>
           <inkml:channelProperty channel="Y" name="resolution" value="1000" units="1/cm"/>
-          <inkml:channelProperty channel="F" name="resolution" value="0" units="1/dev"/>
         </inkml:channelProperties>
       </inkml:inkSource>
-      <inkml:timestamp xml:id="ts0" timeString="2025-10-07T10:07:09.392"/>
+      <inkml:timestamp xml:id="ts0" timeString="2025-10-07T10:53:38.947"/>
     </inkml:context>
     <inkml:brush xml:id="br0">
       <inkml:brushProperty name="width" value="0.35" units="cm"/>
@@ -2932,7 +2937,7 @@
       <inkml:brushProperty name="inkEffects" value="pencil"/>
     </inkml:brush>
   </inkml:definitions>
-  <inkml:trace contextRef="#ctx0" brushRef="#br0">105 0 0,'-105'5839'0</inkml:trace>
+  <inkml:trace contextRef="#ctx0" brushRef="#br0">361 0,'8'5,"13"18,23 19,18 10,20 11,5 2,-3-10,-4-4,-11-13,-12-7,-7-5,-13-2,-12 3,-19 10,-24-1,-35 6,-26 6,-25 6,-13-1,-9 4,1-4,-1-10,12-9,22-1,21-7,24-6</inkml:trace>
 </inkml:ink>
 </file>
 
@@ -2944,15 +2949,13 @@
         <inkml:traceFormat>
           <inkml:channel name="X" type="integer" min="-2.14748E9" max="2.14748E9" units="cm"/>
           <inkml:channel name="Y" type="integer" min="-2.14748E9" max="2.14748E9" units="cm"/>
-          <inkml:channel name="F" type="integer" max="32767" units="dev"/>
         </inkml:traceFormat>
         <inkml:channelProperties>
           <inkml:channelProperty channel="X" name="resolution" value="1000" units="1/cm"/>
           <inkml:channelProperty channel="Y" name="resolution" value="1000" units="1/cm"/>
-          <inkml:channelProperty channel="F" name="resolution" value="0" units="1/dev"/>
         </inkml:channelProperties>
       </inkml:inkSource>
-      <inkml:timestamp xml:id="ts0" timeString="2025-10-07T10:45:29.618"/>
+      <inkml:timestamp xml:id="ts0" timeString="2025-10-07T10:53:42.003"/>
     </inkml:context>
     <inkml:brush xml:id="br0">
       <inkml:brushProperty name="width" value="0.35" units="cm"/>
@@ -2962,7 +2965,7 @@
       <inkml:brushProperty name="inkEffects" value="pencil"/>
     </inkml:brush>
   </inkml:definitions>
-  <inkml:trace contextRef="#ctx0" brushRef="#br0">0 0 0,'25'15830'0</inkml:trace>
+  <inkml:trace contextRef="#ctx0" brushRef="#br0">1204 28,'-4'0,"-11"0,-15 0,-12 0,-11 0,-6 0,-1 0,-4 0,-4 0,5 0,5 0,8 0,-1 0,-1 0,1 0,-5 0,3 0,2 0,4 0,7 0,6 0,4-5,2 0,3-1,0 1,1 2,-1 1,0 1,5 1</inkml:trace>
 </inkml:ink>
 </file>
 
@@ -2974,15 +2977,13 @@
         <inkml:traceFormat>
           <inkml:channel name="X" type="integer" min="-2.14748E9" max="2.14748E9" units="cm"/>
           <inkml:channel name="Y" type="integer" min="-2.14748E9" max="2.14748E9" units="cm"/>
-          <inkml:channel name="F" type="integer" max="32767" units="dev"/>
         </inkml:traceFormat>
         <inkml:channelProperties>
           <inkml:channelProperty channel="X" name="resolution" value="1000" units="1/cm"/>
           <inkml:channelProperty channel="Y" name="resolution" value="1000" units="1/cm"/>
-          <inkml:channelProperty channel="F" name="resolution" value="0" units="1/dev"/>
         </inkml:channelProperties>
       </inkml:inkSource>
-      <inkml:timestamp xml:id="ts0" timeString="2025-10-07T10:45:53.917"/>
+      <inkml:timestamp xml:id="ts0" timeString="2025-10-07T10:53:43.140"/>
     </inkml:context>
     <inkml:brush xml:id="br0">
       <inkml:brushProperty name="width" value="0.35" units="cm"/>
@@ -2992,7 +2993,7 @@
       <inkml:brushProperty name="inkEffects" value="pencil"/>
     </inkml:brush>
   </inkml:definitions>
-  <inkml:trace contextRef="#ctx0" brushRef="#br0">4116 2058 0,'-2'81'0,"-2"-1"0,-4 1 0,-3-1 0,-4-1 0,-2 0 0,-3 0 0,-4-2 0,-2-1 0,-4 0 0,-2-2 0,-3-2 0,-3 0 0,-3-3 0,-3-1 0,-2-1 0,-3-3 0,-2-1 0,-3-3 0,-2-2 0,-2-2 0,-2-2 0,-3-3 0,-1-2 0,-3-3 0,-1-2 0,-1-3 0,-3-3 0,0-3 0,-2-3 0,-2-2 0,0-4 0,-1-2 0,-2-4 0,0-3 0,0-2 0,-1-4 0,-1-3 0,1-4 0,-1-2 0,0-4 0,1-2 0,-1-4 0,1-3 0,1-4 0,0-2 0,0-3 0,2-4 0,1-2 0,0-4 0,2-2 0,2-3 0,0-3 0,3-3 0,1-3 0,1-2 0,3-3 0,1-2 0,3-3 0,2-2 0,2-2 0,2-2 0,3-3 0,2-1 0,3-3 0,2-1 0,3-1 0,3-3 0,3 0 0,3-2 0,2-2 0,4 0 0,2-1 0,4-2 0,3 0 0,2 0 0,4-1 0,3-1 0,4 1 0,2-1 0,4 0 0,2 1 0,4-1 0,3 1 0,4 1 0,2 0 0,3 0 0,4 2 0,2 1 0,4 0 0,2 2 0,3 2 0,3 0 0,3 3 0,3 1 0,2 1 0,3 3 0,2 1 0,3 3 0,2 2 0,2 2 0,2 2 0,3 3 0,1 2 0,3 3 0,1 2 0,1 3 0,3 3 0,0 3 0,2 3 0,2 2 0,0 4 0,1 2 0,2 4 0,0 3 0,0 2 0,1 4 0,1 3 0,-1 4 0,1 2 0,0 4 0,-1 2 0,1 4 0,-1 3 0,-1 4 0,0 2 0,0 3 0,-2 4 0,-1 2 0,0 4 0,-2 2 0,-2 3 0,0 3 0,-3 3 0,-1 3 0,-1 2 0,-3 3 0,-1 2 0,-3 3 0,-2 2 0,-2 2 0,-2 2 0,-3 3 0,-2 1 0,-3 3 0,-2 1 0,-3 1 0,-3 3 0,-3 0 0,-3 2 0,-2 2 0,-4 0 0,-2 1 0,-4 2 0,-3 0 0,-2 0 0,-4 1 0,-3 1 0,-4-1 0,-2 1 0</inkml:trace>
+  <inkml:trace contextRef="#ctx0" brushRef="#br0">885 0,'-5'4,"-13"7,-14 4,-10 14,-10 10,-6 3,3-1,3-3,4-4,3-4,5-1,-1-3,8 0,4-6,-1-5,0 3,1-1,1-4,1 0,-4 3,-6 2,5 3,2-2,2-4,6 4,12 11,15 15,16 7,18 4,19 10,9 3,1-2,7 0,0-6,-1 4,1-9,-8-6,-11-11,-11-8,-13-9</inkml:trace>
 </inkml:ink>
 </file>
 
@@ -3004,15 +3005,13 @@
         <inkml:traceFormat>
           <inkml:channel name="X" type="integer" min="-2.14748E9" max="2.14748E9" units="cm"/>
           <inkml:channel name="Y" type="integer" min="-2.14748E9" max="2.14748E9" units="cm"/>
-          <inkml:channel name="F" type="integer" max="32767" units="dev"/>
         </inkml:traceFormat>
         <inkml:channelProperties>
           <inkml:channelProperty channel="X" name="resolution" value="1000" units="1/cm"/>
           <inkml:channelProperty channel="Y" name="resolution" value="1000" units="1/cm"/>
-          <inkml:channelProperty channel="F" name="resolution" value="0" units="1/dev"/>
         </inkml:channelProperties>
       </inkml:inkSource>
-      <inkml:timestamp xml:id="ts0" timeString="2025-10-07T10:49:36.782"/>
+      <inkml:timestamp xml:id="ts0" timeString="2025-10-07T10:04:20.885"/>
     </inkml:context>
     <inkml:brush xml:id="br0">
       <inkml:brushProperty name="width" value="0.35" units="cm"/>
@@ -3022,7 +3021,7 @@
       <inkml:brushProperty name="inkEffects" value="pencil"/>
     </inkml:brush>
   </inkml:definitions>
-  <inkml:trace contextRef="#ctx0" brushRef="#br0">1612 806 0,'-1'32'0,"0"-1"0,-3 1 0,0-1 0,-1 0 0,-2 0 0,-1 0 0,-1-1 0,-2 0 0,0-1 0,-2 0 0,-1 0 0,-1-1 0,-1-1 0,-1 0 0,-1-1 0,-1-1 0,-1-1 0,-1 0 0,-1-1 0,-1-1 0,-1-1 0,0-1 0,-1-1 0,-1-1 0,-1-1 0,0-1 0,-1-1 0,-1-1 0,0-1 0,0-2 0,-1 0 0,0-2 0,-1-1 0,0-1 0,0-2 0,0-1 0,-1 0 0,1-3 0,-1 0 0,0-2 0,1 0 0,-1-3 0,1 0 0,0-1 0,0-2 0,0-1 0,1-1 0,0-2 0,1 0 0,0-2 0,0-1 0,1-1 0,1-1 0,0-1 0,1-1 0,1-1 0,1-1 0,0-1 0,1-1 0,1-1 0,1-1 0,1 0 0,1-1 0,1-1 0,1-1 0,1 0 0,1-1 0,1-1 0,1 0 0,2 0 0,0-1 0,2 0 0,1-1 0,1 0 0,2 0 0,1 0 0,0-1 0,3 1 0,0-1 0,2 0 0,0 1 0,3-1 0,0 1 0,1 0 0,2 0 0,1 0 0,1 1 0,2 0 0,0 1 0,2 0 0,1 0 0,1 1 0,1 1 0,1 0 0,1 1 0,1 1 0,1 1 0,1 0 0,1 1 0,1 1 0,1 1 0,0 1 0,1 1 0,1 1 0,1 1 0,0 1 0,1 1 0,1 1 0,0 1 0,0 2 0,1 0 0,0 2 0,1 1 0,0 1 0,0 2 0,0 1 0,1 0 0,-1 3 0,1 0 0,0 2 0,-1 0 0,1 3 0,-1 0 0,0 1 0,0 2 0,0 1 0,-1 1 0,0 2 0,-1 0 0,0 2 0,0 1 0,-1 1 0,-1 1 0,0 1 0,-1 1 0,-1 1 0,-1 1 0,0 1 0,-1 1 0,-1 1 0,-1 1 0,-1 0 0,-1 1 0,-1 1 0,-1 1 0,-1 0 0,-1 1 0,-1 1 0,-1 0 0,-2 0 0,0 1 0,-2 0 0,-1 1 0,-1 0 0,-2 0 0,-1 0 0,0 1 0,-3-1 0,0 1 0</inkml:trace>
+  <inkml:trace contextRef="#ctx0" brushRef="#br0">1 1,'0'0</inkml:trace>
 </inkml:ink>
 </file>
 
@@ -3042,7 +3041,7 @@
           <inkml:channelProperty channel="F" name="resolution" value="0" units="1/dev"/>
         </inkml:channelProperties>
       </inkml:inkSource>
-      <inkml:timestamp xml:id="ts0" timeString="2025-10-07T10:49:42.139"/>
+      <inkml:timestamp xml:id="ts0" timeString="2025-10-07T10:04:33.522"/>
     </inkml:context>
     <inkml:brush xml:id="br0">
       <inkml:brushProperty name="width" value="0.35" units="cm"/>
@@ -3052,7 +3051,7 @@
       <inkml:brushProperty name="inkEffects" value="pencil"/>
     </inkml:brush>
   </inkml:definitions>
-  <inkml:trace contextRef="#ctx0" brushRef="#br0">1612 806 0,'-1'32'0,"0"-1"0,-3 1 0,0-1 0,-1 0 0,-2 0 0,-1 0 0,-1-1 0,-2 0 0,0-1 0,-2 0 0,-1 0 0,-1-1 0,-1-1 0,-1 0 0,-1-1 0,-1-1 0,-1-1 0,-1 0 0,-1-1 0,-1-1 0,-1-1 0,0-1 0,-1-1 0,-1-1 0,-1-1 0,0-1 0,-1-1 0,-1-1 0,0-1 0,0-2 0,-1 0 0,0-2 0,-1-1 0,0-1 0,0-2 0,0-1 0,-1 0 0,1-3 0,-1 0 0,0-2 0,1 0 0,-1-3 0,1 0 0,0-1 0,0-2 0,0-1 0,1-1 0,0-2 0,1 0 0,0-2 0,0-1 0,1-1 0,1-1 0,0-1 0,1-1 0,1-1 0,1-1 0,0-1 0,1-1 0,1-1 0,1-1 0,1 0 0,1-1 0,1-1 0,1-1 0,1 0 0,1-1 0,1-1 0,1 0 0,2 0 0,0-1 0,2 0 0,1-1 0,1 0 0,2 0 0,1 0 0,0-1 0,3 1 0,0-1 0,2 0 0,0 1 0,3-1 0,0 1 0,1 0 0,2 0 0,1 0 0,1 1 0,2 0 0,0 1 0,2 0 0,1 0 0,1 1 0,1 1 0,1 0 0,1 1 0,1 1 0,1 1 0,1 0 0,1 1 0,1 1 0,1 1 0,0 1 0,1 1 0,1 1 0,1 1 0,0 1 0,1 1 0,1 1 0,0 1 0,0 2 0,1 0 0,0 2 0,1 1 0,0 1 0,0 2 0,0 1 0,1 0 0,-1 3 0,1 0 0,0 2 0,-1 0 0,1 3 0,-1 0 0,0 1 0,0 2 0,0 1 0,-1 1 0,0 2 0,-1 0 0,0 2 0,0 1 0,-1 1 0,-1 1 0,0 1 0,-1 1 0,-1 1 0,-1 1 0,0 1 0,-1 1 0,-1 1 0,-1 1 0,-1 0 0,-1 1 0,-1 1 0,-1 1 0,-1 0 0,-1 1 0,-1 1 0,-1 0 0,-2 0 0,0 1 0,-2 0 0,-1 1 0,-1 0 0,-2 0 0,-1 0 0,0 1 0,-3-1 0,0 1 0</inkml:trace>
+  <inkml:trace contextRef="#ctx0" brushRef="#br0">0 0 0,'27965'53'0</inkml:trace>
 </inkml:ink>
 </file>
 
@@ -3102,7 +3101,7 @@
           <inkml:channelProperty channel="F" name="resolution" value="0" units="1/dev"/>
         </inkml:channelProperties>
       </inkml:inkSource>
-      <inkml:timestamp xml:id="ts0" timeString="2025-10-07T10:49:42.523"/>
+      <inkml:timestamp xml:id="ts0" timeString="2025-10-07T10:04:41.932"/>
     </inkml:context>
     <inkml:brush xml:id="br0">
       <inkml:brushProperty name="width" value="0.35" units="cm"/>
@@ -3112,7 +3111,7 @@
       <inkml:brushProperty name="inkEffects" value="pencil"/>
     </inkml:brush>
   </inkml:definitions>
-  <inkml:trace contextRef="#ctx0" brushRef="#br0">1612 806 0,'-1'32'0,"0"-1"0,-3 1 0,0-1 0,-1 0 0,-2 0 0,-1 0 0,-1-1 0,-2 0 0,0-1 0,-2 0 0,-1 0 0,-1-1 0,-1-1 0,-1 0 0,-1-1 0,-1-1 0,-1-1 0,-1 0 0,-1-1 0,-1-1 0,-1-1 0,0-1 0,-1-1 0,-1-1 0,-1-1 0,0-1 0,-1-1 0,-1-1 0,0-1 0,0-2 0,-1 0 0,0-2 0,-1-1 0,0-1 0,0-2 0,0-1 0,-1 0 0,1-3 0,-1 0 0,0-2 0,1 0 0,-1-3 0,1 0 0,0-1 0,0-2 0,0-1 0,1-1 0,0-2 0,1 0 0,0-2 0,0-1 0,1-1 0,1-1 0,0-1 0,1-1 0,1-1 0,1-1 0,0-1 0,1-1 0,1-1 0,1-1 0,1 0 0,1-1 0,1-1 0,1-1 0,1 0 0,1-1 0,1-1 0,1 0 0,2 0 0,0-1 0,2 0 0,1-1 0,1 0 0,2 0 0,1 0 0,0-1 0,3 1 0,0-1 0,2 0 0,0 1 0,3-1 0,0 1 0,1 0 0,2 0 0,1 0 0,1 1 0,2 0 0,0 1 0,2 0 0,1 0 0,1 1 0,1 1 0,1 0 0,1 1 0,1 1 0,1 1 0,1 0 0,1 1 0,1 1 0,1 1 0,0 1 0,1 1 0,1 1 0,1 1 0,0 1 0,1 1 0,1 1 0,0 1 0,0 2 0,1 0 0,0 2 0,1 1 0,0 1 0,0 2 0,0 1 0,1 0 0,-1 3 0,1 0 0,0 2 0,-1 0 0,1 3 0,-1 0 0,0 1 0,0 2 0,0 1 0,-1 1 0,0 2 0,-1 0 0,0 2 0,0 1 0,-1 1 0,-1 1 0,0 1 0,-1 1 0,-1 1 0,-1 1 0,0 1 0,-1 1 0,-1 1 0,-1 1 0,-1 0 0,-1 1 0,-1 1 0,-1 1 0,-1 0 0,-1 1 0,-1 1 0,-1 0 0,-2 0 0,0 1 0,-2 0 0,-1 1 0,-1 0 0,-2 0 0,-1 0 0,0 1 0,-3-1 0,0 1 0</inkml:trace>
+  <inkml:trace contextRef="#ctx0" brushRef="#br0">181 0 0,'-181'15698'0</inkml:trace>
 </inkml:ink>
 </file>
 
@@ -3124,13 +3123,15 @@
         <inkml:traceFormat>
           <inkml:channel name="X" type="integer" min="-2.14748E9" max="2.14748E9" units="cm"/>
           <inkml:channel name="Y" type="integer" min="-2.14748E9" max="2.14748E9" units="cm"/>
+          <inkml:channel name="F" type="integer" max="32767" units="dev"/>
         </inkml:traceFormat>
         <inkml:channelProperties>
           <inkml:channelProperty channel="X" name="resolution" value="1000" units="1/cm"/>
           <inkml:channelProperty channel="Y" name="resolution" value="1000" units="1/cm"/>
+          <inkml:channelProperty channel="F" name="resolution" value="0" units="1/dev"/>
         </inkml:channelProperties>
       </inkml:inkSource>
-      <inkml:timestamp xml:id="ts0" timeString="2025-10-07T10:54:32.804"/>
+      <inkml:timestamp xml:id="ts0" timeString="2025-10-07T10:05:07.090"/>
     </inkml:context>
     <inkml:brush xml:id="br0">
       <inkml:brushProperty name="width" value="0.35" units="cm"/>
@@ -3140,7 +3141,7 @@
       <inkml:brushProperty name="inkEffects" value="pencil"/>
     </inkml:brush>
   </inkml:definitions>
-  <inkml:trace contextRef="#ctx0" brushRef="#br0">1 519,'9'0,"11"0,7 0,7 0,12 0,10 0,18-9,27-2,27-9,21-5,22 2,15-4,8 2,-8-2,-10-2,-3 4,-1 2,-4 1,0-5,3-2,1 4,8 1,3 2,6-6,-4-1,-2 3,-6 7,-7 7,-3 4,-2 5,5 2,4 2,8 0,7 0,7 0,5 0,11 0,15-1,6 0,13 0,3 0,-6 0,-9 0,4 0,0 0,-9 0,-5 0,4 0,-8 0,-4 0,-19 0,-12 0,-15 0,-11 0,-14 0,-20 0,-22 0,-19 0,-20 0,-17 0,-16 0</inkml:trace>
+  <inkml:trace contextRef="#ctx0" brushRef="#br0">0 53 0,'28098'-53'0</inkml:trace>
 </inkml:ink>
 </file>
 
@@ -3152,13 +3153,15 @@
         <inkml:traceFormat>
           <inkml:channel name="X" type="integer" min="-2.14748E9" max="2.14748E9" units="cm"/>
           <inkml:channel name="Y" type="integer" min="-2.14748E9" max="2.14748E9" units="cm"/>
+          <inkml:channel name="F" type="integer" max="32767" units="dev"/>
         </inkml:traceFormat>
         <inkml:channelProperties>
           <inkml:channelProperty channel="X" name="resolution" value="1000" units="1/cm"/>
           <inkml:channelProperty channel="Y" name="resolution" value="1000" units="1/cm"/>
+          <inkml:channelProperty channel="F" name="resolution" value="0" units="1/dev"/>
         </inkml:channelProperties>
       </inkml:inkSource>
-      <inkml:timestamp xml:id="ts0" timeString="2025-10-07T10:54:34.123"/>
+      <inkml:timestamp xml:id="ts0" timeString="2025-10-07T10:05:12.231"/>
     </inkml:context>
     <inkml:brush xml:id="br0">
       <inkml:brushProperty name="width" value="0.35" units="cm"/>
@@ -3168,7 +3171,7 @@
       <inkml:brushProperty name="inkEffects" value="pencil"/>
     </inkml:brush>
   </inkml:definitions>
-  <inkml:trace contextRef="#ctx0" brushRef="#br0">271 0,'-4'0,"-2"4,0 11,11 2,12 7,12 8,15 4,12-1,10 3,7-1,5-2,-4-3,-4-7,-10-3,-16-1,-15 9,-16 8,-38 15,-27 7,-26 11,-18 15,-14 11,-6 10,8-4,5 2,16-12,9-9,19-19</inkml:trace>
+  <inkml:trace contextRef="#ctx0" brushRef="#br0">0 0 0,'105'15895'0</inkml:trace>
 </inkml:ink>
 </file>
 
@@ -3180,13 +3183,15 @@
         <inkml:traceFormat>
           <inkml:channel name="X" type="integer" min="-2.14748E9" max="2.14748E9" units="cm"/>
           <inkml:channel name="Y" type="integer" min="-2.14748E9" max="2.14748E9" units="cm"/>
+          <inkml:channel name="F" type="integer" max="32767" units="dev"/>
         </inkml:traceFormat>
         <inkml:channelProperties>
           <inkml:channelProperty channel="X" name="resolution" value="1000" units="1/cm"/>
           <inkml:channelProperty channel="Y" name="resolution" value="1000" units="1/cm"/>
+          <inkml:channelProperty channel="F" name="resolution" value="0" units="1/dev"/>
         </inkml:channelProperties>
       </inkml:inkSource>
-      <inkml:timestamp xml:id="ts0" timeString="2025-10-07T10:54:37.772"/>
+      <inkml:timestamp xml:id="ts0" timeString="2025-10-07T10:06:11.194"/>
     </inkml:context>
     <inkml:brush xml:id="br0">
       <inkml:brushProperty name="width" value="0.35" units="cm"/>
@@ -3196,7 +3201,7 @@
       <inkml:brushProperty name="inkEffects" value="pencil"/>
     </inkml:brush>
   </inkml:definitions>
-  <inkml:trace contextRef="#ctx0" brushRef="#br0">1 3567,'4'0,"19"0,10 0,17 0,17 0,24 0,9 0,9-8,0-8,-1-6,24-11,16-5,13-5,10-8,11 1,9 3,16 2,-1 4,4 1,-9-3,-15-2,-9-6,-14 0,-7-7,-13-8,-14-1,-7-7,-10 1,-4-5,-10 6,-10 3,-6 8,1 2,-11 11,-3 0,-1 5,-3 4,-4 1,1 6,12 0,10-7,22-6,10 0,16-1,16-10,-4 5,-5 2,-12-4,-11 3,-4 1,-15 5,-17 5,-12 9,-10 2,-10 0,-9 6,-6 2,-5-1,-7 0,2 3,0 1,2-2,1-2,17-10,6-5,4-8,5 2,-2 5,2-10,0 4,3 1,-4 2,-4 4,3 4,1-1,-1 0,-2 1,4-1,0 3,0-5,-2-2,-2 1,4-1,-5 0,-1 3,-2 3,-9 1,-3 3,6 1,-1 0,-4 1,2 0,-8-1,-4 1,-3-4,-2 2,-4 1,2 2,-1 4</inkml:trace>
+  <inkml:trace contextRef="#ctx0" brushRef="#br0">0 0 0,'7096'78'0</inkml:trace>
 </inkml:ink>
 </file>
 
@@ -3208,13 +3213,15 @@
         <inkml:traceFormat>
           <inkml:channel name="X" type="integer" min="-2.14748E9" max="2.14748E9" units="cm"/>
           <inkml:channel name="Y" type="integer" min="-2.14748E9" max="2.14748E9" units="cm"/>
+          <inkml:channel name="F" type="integer" max="32767" units="dev"/>
         </inkml:traceFormat>
         <inkml:channelProperties>
           <inkml:channelProperty channel="X" name="resolution" value="1000" units="1/cm"/>
           <inkml:channelProperty channel="Y" name="resolution" value="1000" units="1/cm"/>
+          <inkml:channelProperty channel="F" name="resolution" value="0" units="1/dev"/>
         </inkml:channelProperties>
       </inkml:inkSource>
-      <inkml:timestamp xml:id="ts0" timeString="2025-10-07T10:54:39.235"/>
+      <inkml:timestamp xml:id="ts0" timeString="2025-10-07T10:06:17.934"/>
     </inkml:context>
     <inkml:brush xml:id="br0">
       <inkml:brushProperty name="width" value="0.35" units="cm"/>
@@ -3224,7 +3231,7 @@
       <inkml:brushProperty name="inkEffects" value="pencil"/>
     </inkml:brush>
   </inkml:definitions>
-  <inkml:trace contextRef="#ctx0" brushRef="#br0">1 141,'17'0,"33"0,33 0,29 0,17 0,4 0,-7 0,-4-13,-9-4,-15 0,-15 3,-14 0,-14 3,-11 2,-6 4,-3-3,-5 1,-2 1,-2 2,-1 1,4-3,1 0,5 9,1 26,-2 26,-7 25,-3 25,3 21,-4 20,-5 6,-5-4,-6-11,-4-11,-2-18,-1-18,-1-26</inkml:trace>
+  <inkml:trace contextRef="#ctx0" brushRef="#br0">0 53 0,'7306'-53'0</inkml:trace>
 </inkml:ink>
 </file>
 
@@ -3242,7 +3249,7 @@
           <inkml:channelProperty channel="Y" name="resolution" value="1000" units="1/cm"/>
         </inkml:channelProperties>
       </inkml:inkSource>
-      <inkml:timestamp xml:id="ts0" timeString="2025-10-07T10:54:40.956"/>
+      <inkml:timestamp xml:id="ts0" timeString="2025-10-07T10:06:24.583"/>
     </inkml:context>
     <inkml:brush xml:id="br0">
       <inkml:brushProperty name="width" value="0.35" units="cm"/>
@@ -3252,7 +3259,7 @@
       <inkml:brushProperty name="inkEffects" value="pencil"/>
     </inkml:brush>
   </inkml:definitions>
-  <inkml:trace contextRef="#ctx0" brushRef="#br0">0 0,'5'0,"31"0,50 0,53 0,51 0,46 0,35 0,28 0,29 0,28 0,10 0,13 0,16 0,2 0,12 0,46 0,28 0,15 0,9 0,-36 0,-30 0,-28 0,-33 0,-32 0,-40 0,-34 0,-55 0,-55 0,-56 0</inkml:trace>
+  <inkml:trace contextRef="#ctx0" brushRef="#br0">1 0,'0'4,"0"7,0 5,0 4,0 4,0 6,0 3,0 0,0-1,0-2,0-1,0-1,0-1,0-1,0 0,0 0,0 0,0 0,0 0,0 0,0 0,0 0,0 5,0 1,0 0,0 3,0 0,0-1,0-2,0-2,0 2,0 1,0 0,0 2,4-5,2 2,-1 0,0 3,-2 0,-1-1,-1-2,0 2,-1 0,-1-1,1-2,0 2,0 6,0-1,-1-2,1-2,0-3,0-2,0-1,0-2,0 0,0 0,0-1,0 1,0 4,0 2,0 0,0 3,0 5,0-1,0-1,5-4,1 2,0-1,-2-2,0-2,-2 3,-1 0,-1-2,0-1,0-2,0 3,0 0,-1 5,1 4,0 0,0 1,0-1,0 0,0-1,0-4,0 2,0 2,0 0,0-3,0-4,0-2,0-2,0-2,0-1,0 4,0 2,0-1,0-1,0 4,0 4,0 5,0 0,0-4,0-3,0-3,0-4,0-1,0-2,0 0,0-1,0 1,0-1,0 1,0 4,0 7,0 5,0 5,0-2,0-3,0-1,0-2,0-4,0-2,0-4,4 3,2 0,0 0,-2-2,0-2,-2 5,-1-1,-1 5,0-1,0 4,0 3,-1 3,1-2,0 1,0-2,0 3,0 4,0-2,4-1,2 1,0-3,-1-1,-2-3,-1 0,-1-2,0 1,-1 3,0-2,-1-3,1-4,0 1,0 0,0-2,0-3,0-1,0 3,0 1,0-2,0 0,0-2,0 3,0 1,0 4,0-1,0 3,0 0,0-4,0 3,0-2,0 3,0-2,0 3,0-2,0 2,0 3,0 3,0 3,0-3,0-4,0-6,0 1,0 2,0 0,0 2,0-2,0-3,0-3,0 2,0-1,0-2,0-1,0-3,0 0,0-1,0-1,0 0,0 0,0 4,0 2,0 4,0 0,0 4,0-2,0 3,0 3,0-2,0 1,0-2,0 0,0 3,0-2,0 1,0-3,0 1,0-2,0-3,0-4,0-2,0 3,0-1,0 0,0-2,0-1,0 3,0 0,0 0,0-1,0-2,0-1,0 3,0 2,0 3,0 1,0 2,0 4,0-1,0-4,0 2,0 2,0 3,0-2,0 1,0 2,0-3,0 1,0-3,0 0,0-2,0 2,0-3,0 2,0-2,0 2,0-2,0 2,0-2,0 2,0-1,0-4,0-2,0-3,0-2,0 3,0 1,0 0,0-2,0-1,0-2,0 0,0 0,0-1,0 0,0 0,0 0,0 0,0 0,0 0,0 0,0 0,0 0,0 1,0-1,0 0,0 0,0 0,0 1,0-1,0 0,0 0,0 0,0-4</inkml:trace>
 </inkml:ink>
 </file>
 
@@ -3264,13 +3271,15 @@
         <inkml:traceFormat>
           <inkml:channel name="X" type="integer" min="-2.14748E9" max="2.14748E9" units="cm"/>
           <inkml:channel name="Y" type="integer" min="-2.14748E9" max="2.14748E9" units="cm"/>
+          <inkml:channel name="F" type="integer" max="32767" units="dev"/>
         </inkml:traceFormat>
         <inkml:channelProperties>
           <inkml:channelProperty channel="X" name="resolution" value="1000" units="1/cm"/>
           <inkml:channelProperty channel="Y" name="resolution" value="1000" units="1/cm"/>
+          <inkml:channelProperty channel="F" name="resolution" value="0" units="1/dev"/>
         </inkml:channelProperties>
       </inkml:inkSource>
-      <inkml:timestamp xml:id="ts0" timeString="2025-10-07T10:54:42.268"/>
+      <inkml:timestamp xml:id="ts0" timeString="2025-10-07T10:06:29.724"/>
     </inkml:context>
     <inkml:brush xml:id="br0">
       <inkml:brushProperty name="width" value="0.35" units="cm"/>
@@ -3280,7 +3289,97 @@
       <inkml:brushProperty name="inkEffects" value="pencil"/>
     </inkml:brush>
   </inkml:definitions>
-  <inkml:trace contextRef="#ctx0" brushRef="#br0">1 1,'4'0,"6"0,10 0,20 8,14 8,13 10,16 13,16 18,17 8,11 5,10-4,-5-9,-13-10,-21-13,-28-8,-25-3,-39 6,-32 8,-39 10,-30 6,-24 20,-2 3,12-4,6-1,17-7,19-12,11-9,12-12,13-12</inkml:trace>
+  <inkml:trace contextRef="#ctx0" brushRef="#br0">0 0 0,'3902'27'0</inkml:trace>
+</inkml:ink>
+</file>
+
+<file path=ppt/ink/ink197.xml><?xml version="1.0" encoding="utf-8"?>
+<inkml:ink xmlns:inkml="http://www.w3.org/2003/InkML">
+  <inkml:definitions>
+    <inkml:context xml:id="ctx0">
+      <inkml:inkSource xml:id="inkSrc0">
+        <inkml:traceFormat>
+          <inkml:channel name="X" type="integer" min="-2.14748E9" max="2.14748E9" units="cm"/>
+          <inkml:channel name="Y" type="integer" min="-2.14748E9" max="2.14748E9" units="cm"/>
+          <inkml:channel name="F" type="integer" max="32767" units="dev"/>
+        </inkml:traceFormat>
+        <inkml:channelProperties>
+          <inkml:channelProperty channel="X" name="resolution" value="1000" units="1/cm"/>
+          <inkml:channelProperty channel="Y" name="resolution" value="1000" units="1/cm"/>
+          <inkml:channelProperty channel="F" name="resolution" value="0" units="1/dev"/>
+        </inkml:channelProperties>
+      </inkml:inkSource>
+      <inkml:timestamp xml:id="ts0" timeString="2025-10-07T10:06:39.058"/>
+    </inkml:context>
+    <inkml:brush xml:id="br0">
+      <inkml:brushProperty name="width" value="0.35" units="cm"/>
+      <inkml:brushProperty name="height" value="2.1" units="cm"/>
+      <inkml:brushProperty name="color" value="#FFFFFF"/>
+      <inkml:brushProperty name="ignorePressure" value="1"/>
+      <inkml:brushProperty name="inkEffects" value="pencil"/>
+    </inkml:brush>
+  </inkml:definitions>
+  <inkml:trace contextRef="#ctx0" brushRef="#br0">0 0 0,'3981'26'0</inkml:trace>
+</inkml:ink>
+</file>
+
+<file path=ppt/ink/ink198.xml><?xml version="1.0" encoding="utf-8"?>
+<inkml:ink xmlns:inkml="http://www.w3.org/2003/InkML">
+  <inkml:definitions>
+    <inkml:context xml:id="ctx0">
+      <inkml:inkSource xml:id="inkSrc0">
+        <inkml:traceFormat>
+          <inkml:channel name="X" type="integer" min="-2.14748E9" max="2.14748E9" units="cm"/>
+          <inkml:channel name="Y" type="integer" min="-2.14748E9" max="2.14748E9" units="cm"/>
+          <inkml:channel name="F" type="integer" max="32767" units="dev"/>
+        </inkml:traceFormat>
+        <inkml:channelProperties>
+          <inkml:channelProperty channel="X" name="resolution" value="1000" units="1/cm"/>
+          <inkml:channelProperty channel="Y" name="resolution" value="1000" units="1/cm"/>
+          <inkml:channelProperty channel="F" name="resolution" value="0" units="1/dev"/>
+        </inkml:channelProperties>
+      </inkml:inkSource>
+      <inkml:timestamp xml:id="ts0" timeString="2025-10-07T10:06:42.387"/>
+    </inkml:context>
+    <inkml:brush xml:id="br0">
+      <inkml:brushProperty name="width" value="0.35" units="cm"/>
+      <inkml:brushProperty name="height" value="2.1" units="cm"/>
+      <inkml:brushProperty name="color" value="#FFFFFF"/>
+      <inkml:brushProperty name="ignorePressure" value="1"/>
+      <inkml:brushProperty name="inkEffects" value="pencil"/>
+    </inkml:brush>
+  </inkml:definitions>
+  <inkml:trace contextRef="#ctx0" brushRef="#br0">105 0 0,'-105'5839'0</inkml:trace>
+</inkml:ink>
+</file>
+
+<file path=ppt/ink/ink199.xml><?xml version="1.0" encoding="utf-8"?>
+<inkml:ink xmlns:inkml="http://www.w3.org/2003/InkML">
+  <inkml:definitions>
+    <inkml:context xml:id="ctx0">
+      <inkml:inkSource xml:id="inkSrc0">
+        <inkml:traceFormat>
+          <inkml:channel name="X" type="integer" min="-2.14748E9" max="2.14748E9" units="cm"/>
+          <inkml:channel name="Y" type="integer" min="-2.14748E9" max="2.14748E9" units="cm"/>
+          <inkml:channel name="F" type="integer" max="32767" units="dev"/>
+        </inkml:traceFormat>
+        <inkml:channelProperties>
+          <inkml:channelProperty channel="X" name="resolution" value="1000" units="1/cm"/>
+          <inkml:channelProperty channel="Y" name="resolution" value="1000" units="1/cm"/>
+          <inkml:channelProperty channel="F" name="resolution" value="0" units="1/dev"/>
+        </inkml:channelProperties>
+      </inkml:inkSource>
+      <inkml:timestamp xml:id="ts0" timeString="2025-10-07T10:07:09.387"/>
+    </inkml:context>
+    <inkml:brush xml:id="br0">
+      <inkml:brushProperty name="width" value="0.35" units="cm"/>
+      <inkml:brushProperty name="height" value="2.1" units="cm"/>
+      <inkml:brushProperty name="color" value="#FFFFFF"/>
+      <inkml:brushProperty name="ignorePressure" value="1"/>
+      <inkml:brushProperty name="inkEffects" value="pencil"/>
+    </inkml:brush>
+  </inkml:definitions>
+  <inkml:trace contextRef="#ctx0" brushRef="#br0">0 0 0,'7096'78'0</inkml:trace>
 </inkml:ink>
 </file>
 
@@ -3342,6 +3441,304 @@
 </inkml:ink>
 </file>
 
+<file path=ppt/ink/ink200.xml><?xml version="1.0" encoding="utf-8"?>
+<inkml:ink xmlns:inkml="http://www.w3.org/2003/InkML">
+  <inkml:definitions>
+    <inkml:context xml:id="ctx0">
+      <inkml:inkSource xml:id="inkSrc0">
+        <inkml:traceFormat>
+          <inkml:channel name="X" type="integer" min="-2.14748E9" max="2.14748E9" units="cm"/>
+          <inkml:channel name="Y" type="integer" min="-2.14748E9" max="2.14748E9" units="cm"/>
+          <inkml:channel name="F" type="integer" max="32767" units="dev"/>
+        </inkml:traceFormat>
+        <inkml:channelProperties>
+          <inkml:channelProperty channel="X" name="resolution" value="1000" units="1/cm"/>
+          <inkml:channelProperty channel="Y" name="resolution" value="1000" units="1/cm"/>
+          <inkml:channelProperty channel="F" name="resolution" value="0" units="1/dev"/>
+        </inkml:channelProperties>
+      </inkml:inkSource>
+      <inkml:timestamp xml:id="ts0" timeString="2025-10-07T10:07:09.388"/>
+    </inkml:context>
+    <inkml:brush xml:id="br0">
+      <inkml:brushProperty name="width" value="0.35" units="cm"/>
+      <inkml:brushProperty name="height" value="2.1" units="cm"/>
+      <inkml:brushProperty name="color" value="#FFFFFF"/>
+      <inkml:brushProperty name="ignorePressure" value="1"/>
+      <inkml:brushProperty name="inkEffects" value="pencil"/>
+    </inkml:brush>
+  </inkml:definitions>
+  <inkml:trace contextRef="#ctx0" brushRef="#br0">0 53 0,'7306'-53'0</inkml:trace>
+</inkml:ink>
+</file>
+
+<file path=ppt/ink/ink201.xml><?xml version="1.0" encoding="utf-8"?>
+<inkml:ink xmlns:inkml="http://www.w3.org/2003/InkML">
+  <inkml:definitions>
+    <inkml:context xml:id="ctx0">
+      <inkml:inkSource xml:id="inkSrc0">
+        <inkml:traceFormat>
+          <inkml:channel name="X" type="integer" min="-2.14748E9" max="2.14748E9" units="cm"/>
+          <inkml:channel name="Y" type="integer" min="-2.14748E9" max="2.14748E9" units="cm"/>
+        </inkml:traceFormat>
+        <inkml:channelProperties>
+          <inkml:channelProperty channel="X" name="resolution" value="1000" units="1/cm"/>
+          <inkml:channelProperty channel="Y" name="resolution" value="1000" units="1/cm"/>
+        </inkml:channelProperties>
+      </inkml:inkSource>
+      <inkml:timestamp xml:id="ts0" timeString="2025-10-07T10:07:09.389"/>
+    </inkml:context>
+    <inkml:brush xml:id="br0">
+      <inkml:brushProperty name="width" value="0.35" units="cm"/>
+      <inkml:brushProperty name="height" value="2.1" units="cm"/>
+      <inkml:brushProperty name="color" value="#FFFFFF"/>
+      <inkml:brushProperty name="ignorePressure" value="1"/>
+      <inkml:brushProperty name="inkEffects" value="pencil"/>
+    </inkml:brush>
+  </inkml:definitions>
+  <inkml:trace contextRef="#ctx0" brushRef="#br0">1 0,'0'4,"0"7,0 5,0 4,0 4,0 6,0 3,0 0,0-1,0-2,0-1,0-1,0-1,0-1,0 0,0 0,0 0,0 0,0 0,0 0,0 0,0 0,0 5,0 1,0 0,0 3,0 0,0-1,0-2,0-2,0 2,0 1,0 0,0 2,4-5,2 2,-1 0,0 3,-2 0,-1-1,-1-2,0 2,-1 0,-1-1,1-2,0 2,0 6,0-1,-1-2,1-2,0-3,0-2,0-1,0-2,0 0,0 0,0-1,0 1,0 4,0 2,0 0,0 3,0 5,0-1,0-1,5-4,1 2,0-1,-2-2,0-2,-2 3,-1 0,-1-2,0-1,0-2,0 3,0 0,-1 5,1 4,0 0,0 1,0-1,0 0,0-1,0-4,0 2,0 2,0 0,0-3,0-4,0-2,0-2,0-2,0-1,0 4,0 2,0-1,0-1,0 4,0 4,0 5,0 0,0-4,0-3,0-3,0-4,0-1,0-2,0 0,0-1,0 1,0-1,0 1,0 4,0 7,0 5,0 5,0-2,0-3,0-1,0-2,0-4,0-2,0-4,4 3,2 0,0 0,-2-2,0-2,-2 5,-1-1,-1 5,0-1,0 4,0 3,-1 3,1-2,0 1,0-2,0 3,0 4,0-2,4-1,2 1,0-3,-1-1,-2-3,-1 0,-1-2,0 1,-1 3,0-2,-1-3,1-4,0 1,0 0,0-2,0-3,0-1,0 3,0 1,0-2,0 0,0-2,0 3,0 1,0 4,0-1,0 3,0 0,0-4,0 3,0-2,0 3,0-2,0 3,0-2,0 2,0 3,0 3,0 3,0-3,0-4,0-6,0 1,0 2,0 0,0 2,0-2,0-3,0-3,0 2,0-1,0-2,0-1,0-3,0 0,0-1,0-1,0 0,0 0,0 4,0 2,0 4,0 0,0 4,0-2,0 3,0 3,0-2,0 1,0-2,0 0,0 3,0-2,0 1,0-3,0 1,0-2,0-3,0-4,0-2,0 3,0-1,0 0,0-2,0-1,0 3,0 0,0 0,0-1,0-2,0-1,0 3,0 2,0 3,0 1,0 2,0 4,0-1,0-4,0 2,0 2,0 3,0-2,0 1,0 2,0-3,0 1,0-3,0 0,0-2,0 2,0-3,0 2,0-2,0 2,0-2,0 2,0-2,0 2,0-1,0-4,0-2,0-3,0-2,0 3,0 1,0 0,0-2,0-1,0-2,0 0,0 0,0-1,0 0,0 0,0 0,0 0,0 0,0 0,0 0,0 0,0 0,0 1,0-1,0 0,0 0,0 0,0 1,0-1,0 0,0 0,0 0,0-4</inkml:trace>
+</inkml:ink>
+</file>
+
+<file path=ppt/ink/ink202.xml><?xml version="1.0" encoding="utf-8"?>
+<inkml:ink xmlns:inkml="http://www.w3.org/2003/InkML">
+  <inkml:definitions>
+    <inkml:context xml:id="ctx0">
+      <inkml:inkSource xml:id="inkSrc0">
+        <inkml:traceFormat>
+          <inkml:channel name="X" type="integer" min="-2.14748E9" max="2.14748E9" units="cm"/>
+          <inkml:channel name="Y" type="integer" min="-2.14748E9" max="2.14748E9" units="cm"/>
+          <inkml:channel name="F" type="integer" max="32767" units="dev"/>
+        </inkml:traceFormat>
+        <inkml:channelProperties>
+          <inkml:channelProperty channel="X" name="resolution" value="1000" units="1/cm"/>
+          <inkml:channelProperty channel="Y" name="resolution" value="1000" units="1/cm"/>
+          <inkml:channelProperty channel="F" name="resolution" value="0" units="1/dev"/>
+        </inkml:channelProperties>
+      </inkml:inkSource>
+      <inkml:timestamp xml:id="ts0" timeString="2025-10-07T10:07:09.390"/>
+    </inkml:context>
+    <inkml:brush xml:id="br0">
+      <inkml:brushProperty name="width" value="0.35" units="cm"/>
+      <inkml:brushProperty name="height" value="2.1" units="cm"/>
+      <inkml:brushProperty name="color" value="#FFFFFF"/>
+      <inkml:brushProperty name="ignorePressure" value="1"/>
+      <inkml:brushProperty name="inkEffects" value="pencil"/>
+    </inkml:brush>
+  </inkml:definitions>
+  <inkml:trace contextRef="#ctx0" brushRef="#br0">0 0 0,'3902'27'0</inkml:trace>
+</inkml:ink>
+</file>
+
+<file path=ppt/ink/ink203.xml><?xml version="1.0" encoding="utf-8"?>
+<inkml:ink xmlns:inkml="http://www.w3.org/2003/InkML">
+  <inkml:definitions>
+    <inkml:context xml:id="ctx0">
+      <inkml:inkSource xml:id="inkSrc0">
+        <inkml:traceFormat>
+          <inkml:channel name="X" type="integer" min="-2.14748E9" max="2.14748E9" units="cm"/>
+          <inkml:channel name="Y" type="integer" min="-2.14748E9" max="2.14748E9" units="cm"/>
+          <inkml:channel name="F" type="integer" max="32767" units="dev"/>
+        </inkml:traceFormat>
+        <inkml:channelProperties>
+          <inkml:channelProperty channel="X" name="resolution" value="1000" units="1/cm"/>
+          <inkml:channelProperty channel="Y" name="resolution" value="1000" units="1/cm"/>
+          <inkml:channelProperty channel="F" name="resolution" value="0" units="1/dev"/>
+        </inkml:channelProperties>
+      </inkml:inkSource>
+      <inkml:timestamp xml:id="ts0" timeString="2025-10-07T10:07:09.391"/>
+    </inkml:context>
+    <inkml:brush xml:id="br0">
+      <inkml:brushProperty name="width" value="0.35" units="cm"/>
+      <inkml:brushProperty name="height" value="2.1" units="cm"/>
+      <inkml:brushProperty name="color" value="#FFFFFF"/>
+      <inkml:brushProperty name="ignorePressure" value="1"/>
+      <inkml:brushProperty name="inkEffects" value="pencil"/>
+    </inkml:brush>
+  </inkml:definitions>
+  <inkml:trace contextRef="#ctx0" brushRef="#br0">0 0 0,'3981'26'0</inkml:trace>
+</inkml:ink>
+</file>
+
+<file path=ppt/ink/ink204.xml><?xml version="1.0" encoding="utf-8"?>
+<inkml:ink xmlns:inkml="http://www.w3.org/2003/InkML">
+  <inkml:definitions>
+    <inkml:context xml:id="ctx0">
+      <inkml:inkSource xml:id="inkSrc0">
+        <inkml:traceFormat>
+          <inkml:channel name="X" type="integer" min="-2.14748E9" max="2.14748E9" units="cm"/>
+          <inkml:channel name="Y" type="integer" min="-2.14748E9" max="2.14748E9" units="cm"/>
+          <inkml:channel name="F" type="integer" max="32767" units="dev"/>
+        </inkml:traceFormat>
+        <inkml:channelProperties>
+          <inkml:channelProperty channel="X" name="resolution" value="1000" units="1/cm"/>
+          <inkml:channelProperty channel="Y" name="resolution" value="1000" units="1/cm"/>
+          <inkml:channelProperty channel="F" name="resolution" value="0" units="1/dev"/>
+        </inkml:channelProperties>
+      </inkml:inkSource>
+      <inkml:timestamp xml:id="ts0" timeString="2025-10-07T10:07:09.392"/>
+    </inkml:context>
+    <inkml:brush xml:id="br0">
+      <inkml:brushProperty name="width" value="0.35" units="cm"/>
+      <inkml:brushProperty name="height" value="2.1" units="cm"/>
+      <inkml:brushProperty name="color" value="#FFFFFF"/>
+      <inkml:brushProperty name="ignorePressure" value="1"/>
+      <inkml:brushProperty name="inkEffects" value="pencil"/>
+    </inkml:brush>
+  </inkml:definitions>
+  <inkml:trace contextRef="#ctx0" brushRef="#br0">105 0 0,'-105'5839'0</inkml:trace>
+</inkml:ink>
+</file>
+
+<file path=ppt/ink/ink205.xml><?xml version="1.0" encoding="utf-8"?>
+<inkml:ink xmlns:inkml="http://www.w3.org/2003/InkML">
+  <inkml:definitions>
+    <inkml:context xml:id="ctx0">
+      <inkml:inkSource xml:id="inkSrc0">
+        <inkml:traceFormat>
+          <inkml:channel name="X" type="integer" min="-2.14748E9" max="2.14748E9" units="cm"/>
+          <inkml:channel name="Y" type="integer" min="-2.14748E9" max="2.14748E9" units="cm"/>
+          <inkml:channel name="F" type="integer" max="32767" units="dev"/>
+        </inkml:traceFormat>
+        <inkml:channelProperties>
+          <inkml:channelProperty channel="X" name="resolution" value="1000" units="1/cm"/>
+          <inkml:channelProperty channel="Y" name="resolution" value="1000" units="1/cm"/>
+          <inkml:channelProperty channel="F" name="resolution" value="0" units="1/dev"/>
+        </inkml:channelProperties>
+      </inkml:inkSource>
+      <inkml:timestamp xml:id="ts0" timeString="2025-10-07T10:45:29.618"/>
+    </inkml:context>
+    <inkml:brush xml:id="br0">
+      <inkml:brushProperty name="width" value="0.35" units="cm"/>
+      <inkml:brushProperty name="height" value="2.1" units="cm"/>
+      <inkml:brushProperty name="color" value="#FFFFFF"/>
+      <inkml:brushProperty name="ignorePressure" value="1"/>
+      <inkml:brushProperty name="inkEffects" value="pencil"/>
+    </inkml:brush>
+  </inkml:definitions>
+  <inkml:trace contextRef="#ctx0" brushRef="#br0">0 0 0,'25'15830'0</inkml:trace>
+</inkml:ink>
+</file>
+
+<file path=ppt/ink/ink206.xml><?xml version="1.0" encoding="utf-8"?>
+<inkml:ink xmlns:inkml="http://www.w3.org/2003/InkML">
+  <inkml:definitions>
+    <inkml:context xml:id="ctx0">
+      <inkml:inkSource xml:id="inkSrc0">
+        <inkml:traceFormat>
+          <inkml:channel name="X" type="integer" min="-2.14748E9" max="2.14748E9" units="cm"/>
+          <inkml:channel name="Y" type="integer" min="-2.14748E9" max="2.14748E9" units="cm"/>
+          <inkml:channel name="F" type="integer" max="32767" units="dev"/>
+        </inkml:traceFormat>
+        <inkml:channelProperties>
+          <inkml:channelProperty channel="X" name="resolution" value="1000" units="1/cm"/>
+          <inkml:channelProperty channel="Y" name="resolution" value="1000" units="1/cm"/>
+          <inkml:channelProperty channel="F" name="resolution" value="0" units="1/dev"/>
+        </inkml:channelProperties>
+      </inkml:inkSource>
+      <inkml:timestamp xml:id="ts0" timeString="2025-10-07T10:45:53.917"/>
+    </inkml:context>
+    <inkml:brush xml:id="br0">
+      <inkml:brushProperty name="width" value="0.35" units="cm"/>
+      <inkml:brushProperty name="height" value="2.1" units="cm"/>
+      <inkml:brushProperty name="color" value="#FFFFFF"/>
+      <inkml:brushProperty name="ignorePressure" value="1"/>
+      <inkml:brushProperty name="inkEffects" value="pencil"/>
+    </inkml:brush>
+  </inkml:definitions>
+  <inkml:trace contextRef="#ctx0" brushRef="#br0">4116 2058 0,'-2'81'0,"-2"-1"0,-4 1 0,-3-1 0,-4-1 0,-2 0 0,-3 0 0,-4-2 0,-2-1 0,-4 0 0,-2-2 0,-3-2 0,-3 0 0,-3-3 0,-3-1 0,-2-1 0,-3-3 0,-2-1 0,-3-3 0,-2-2 0,-2-2 0,-2-2 0,-3-3 0,-1-2 0,-3-3 0,-1-2 0,-1-3 0,-3-3 0,0-3 0,-2-3 0,-2-2 0,0-4 0,-1-2 0,-2-4 0,0-3 0,0-2 0,-1-4 0,-1-3 0,1-4 0,-1-2 0,0-4 0,1-2 0,-1-4 0,1-3 0,1-4 0,0-2 0,0-3 0,2-4 0,1-2 0,0-4 0,2-2 0,2-3 0,0-3 0,3-3 0,1-3 0,1-2 0,3-3 0,1-2 0,3-3 0,2-2 0,2-2 0,2-2 0,3-3 0,2-1 0,3-3 0,2-1 0,3-1 0,3-3 0,3 0 0,3-2 0,2-2 0,4 0 0,2-1 0,4-2 0,3 0 0,2 0 0,4-1 0,3-1 0,4 1 0,2-1 0,4 0 0,2 1 0,4-1 0,3 1 0,4 1 0,2 0 0,3 0 0,4 2 0,2 1 0,4 0 0,2 2 0,3 2 0,3 0 0,3 3 0,3 1 0,2 1 0,3 3 0,2 1 0,3 3 0,2 2 0,2 2 0,2 2 0,3 3 0,1 2 0,3 3 0,1 2 0,1 3 0,3 3 0,0 3 0,2 3 0,2 2 0,0 4 0,1 2 0,2 4 0,0 3 0,0 2 0,1 4 0,1 3 0,-1 4 0,1 2 0,0 4 0,-1 2 0,1 4 0,-1 3 0,-1 4 0,0 2 0,0 3 0,-2 4 0,-1 2 0,0 4 0,-2 2 0,-2 3 0,0 3 0,-3 3 0,-1 3 0,-1 2 0,-3 3 0,-1 2 0,-3 3 0,-2 2 0,-2 2 0,-2 2 0,-3 3 0,-2 1 0,-3 3 0,-2 1 0,-3 1 0,-3 3 0,-3 0 0,-3 2 0,-2 2 0,-4 0 0,-2 1 0,-4 2 0,-3 0 0,-2 0 0,-4 1 0,-3 1 0,-4-1 0,-2 1 0</inkml:trace>
+</inkml:ink>
+</file>
+
+<file path=ppt/ink/ink207.xml><?xml version="1.0" encoding="utf-8"?>
+<inkml:ink xmlns:inkml="http://www.w3.org/2003/InkML">
+  <inkml:definitions>
+    <inkml:context xml:id="ctx0">
+      <inkml:inkSource xml:id="inkSrc0">
+        <inkml:traceFormat>
+          <inkml:channel name="X" type="integer" min="-2.14748E9" max="2.14748E9" units="cm"/>
+          <inkml:channel name="Y" type="integer" min="-2.14748E9" max="2.14748E9" units="cm"/>
+          <inkml:channel name="F" type="integer" max="32767" units="dev"/>
+        </inkml:traceFormat>
+        <inkml:channelProperties>
+          <inkml:channelProperty channel="X" name="resolution" value="1000" units="1/cm"/>
+          <inkml:channelProperty channel="Y" name="resolution" value="1000" units="1/cm"/>
+          <inkml:channelProperty channel="F" name="resolution" value="0" units="1/dev"/>
+        </inkml:channelProperties>
+      </inkml:inkSource>
+      <inkml:timestamp xml:id="ts0" timeString="2025-10-07T10:49:36.782"/>
+    </inkml:context>
+    <inkml:brush xml:id="br0">
+      <inkml:brushProperty name="width" value="0.35" units="cm"/>
+      <inkml:brushProperty name="height" value="2.1" units="cm"/>
+      <inkml:brushProperty name="color" value="#FFFFFF"/>
+      <inkml:brushProperty name="ignorePressure" value="1"/>
+      <inkml:brushProperty name="inkEffects" value="pencil"/>
+    </inkml:brush>
+  </inkml:definitions>
+  <inkml:trace contextRef="#ctx0" brushRef="#br0">1612 806 0,'-1'32'0,"0"-1"0,-3 1 0,0-1 0,-1 0 0,-2 0 0,-1 0 0,-1-1 0,-2 0 0,0-1 0,-2 0 0,-1 0 0,-1-1 0,-1-1 0,-1 0 0,-1-1 0,-1-1 0,-1-1 0,-1 0 0,-1-1 0,-1-1 0,-1-1 0,0-1 0,-1-1 0,-1-1 0,-1-1 0,0-1 0,-1-1 0,-1-1 0,0-1 0,0-2 0,-1 0 0,0-2 0,-1-1 0,0-1 0,0-2 0,0-1 0,-1 0 0,1-3 0,-1 0 0,0-2 0,1 0 0,-1-3 0,1 0 0,0-1 0,0-2 0,0-1 0,1-1 0,0-2 0,1 0 0,0-2 0,0-1 0,1-1 0,1-1 0,0-1 0,1-1 0,1-1 0,1-1 0,0-1 0,1-1 0,1-1 0,1-1 0,1 0 0,1-1 0,1-1 0,1-1 0,1 0 0,1-1 0,1-1 0,1 0 0,2 0 0,0-1 0,2 0 0,1-1 0,1 0 0,2 0 0,1 0 0,0-1 0,3 1 0,0-1 0,2 0 0,0 1 0,3-1 0,0 1 0,1 0 0,2 0 0,1 0 0,1 1 0,2 0 0,0 1 0,2 0 0,1 0 0,1 1 0,1 1 0,1 0 0,1 1 0,1 1 0,1 1 0,1 0 0,1 1 0,1 1 0,1 1 0,0 1 0,1 1 0,1 1 0,1 1 0,0 1 0,1 1 0,1 1 0,0 1 0,0 2 0,1 0 0,0 2 0,1 1 0,0 1 0,0 2 0,0 1 0,1 0 0,-1 3 0,1 0 0,0 2 0,-1 0 0,1 3 0,-1 0 0,0 1 0,0 2 0,0 1 0,-1 1 0,0 2 0,-1 0 0,0 2 0,0 1 0,-1 1 0,-1 1 0,0 1 0,-1 1 0,-1 1 0,-1 1 0,0 1 0,-1 1 0,-1 1 0,-1 1 0,-1 0 0,-1 1 0,-1 1 0,-1 1 0,-1 0 0,-1 1 0,-1 1 0,-1 0 0,-2 0 0,0 1 0,-2 0 0,-1 1 0,-1 0 0,-2 0 0,-1 0 0,0 1 0,-3-1 0,0 1 0</inkml:trace>
+</inkml:ink>
+</file>
+
+<file path=ppt/ink/ink208.xml><?xml version="1.0" encoding="utf-8"?>
+<inkml:ink xmlns:inkml="http://www.w3.org/2003/InkML">
+  <inkml:definitions>
+    <inkml:context xml:id="ctx0">
+      <inkml:inkSource xml:id="inkSrc0">
+        <inkml:traceFormat>
+          <inkml:channel name="X" type="integer" min="-2.14748E9" max="2.14748E9" units="cm"/>
+          <inkml:channel name="Y" type="integer" min="-2.14748E9" max="2.14748E9" units="cm"/>
+          <inkml:channel name="F" type="integer" max="32767" units="dev"/>
+        </inkml:traceFormat>
+        <inkml:channelProperties>
+          <inkml:channelProperty channel="X" name="resolution" value="1000" units="1/cm"/>
+          <inkml:channelProperty channel="Y" name="resolution" value="1000" units="1/cm"/>
+          <inkml:channelProperty channel="F" name="resolution" value="0" units="1/dev"/>
+        </inkml:channelProperties>
+      </inkml:inkSource>
+      <inkml:timestamp xml:id="ts0" timeString="2025-10-07T10:49:42.139"/>
+    </inkml:context>
+    <inkml:brush xml:id="br0">
+      <inkml:brushProperty name="width" value="0.35" units="cm"/>
+      <inkml:brushProperty name="height" value="2.1" units="cm"/>
+      <inkml:brushProperty name="color" value="#FFFFFF"/>
+      <inkml:brushProperty name="ignorePressure" value="1"/>
+      <inkml:brushProperty name="inkEffects" value="pencil"/>
+    </inkml:brush>
+  </inkml:definitions>
+  <inkml:trace contextRef="#ctx0" brushRef="#br0">1612 806 0,'-1'32'0,"0"-1"0,-3 1 0,0-1 0,-1 0 0,-2 0 0,-1 0 0,-1-1 0,-2 0 0,0-1 0,-2 0 0,-1 0 0,-1-1 0,-1-1 0,-1 0 0,-1-1 0,-1-1 0,-1-1 0,-1 0 0,-1-1 0,-1-1 0,-1-1 0,0-1 0,-1-1 0,-1-1 0,-1-1 0,0-1 0,-1-1 0,-1-1 0,0-1 0,0-2 0,-1 0 0,0-2 0,-1-1 0,0-1 0,0-2 0,0-1 0,-1 0 0,1-3 0,-1 0 0,0-2 0,1 0 0,-1-3 0,1 0 0,0-1 0,0-2 0,0-1 0,1-1 0,0-2 0,1 0 0,0-2 0,0-1 0,1-1 0,1-1 0,0-1 0,1-1 0,1-1 0,1-1 0,0-1 0,1-1 0,1-1 0,1-1 0,1 0 0,1-1 0,1-1 0,1-1 0,1 0 0,1-1 0,1-1 0,1 0 0,2 0 0,0-1 0,2 0 0,1-1 0,1 0 0,2 0 0,1 0 0,0-1 0,3 1 0,0-1 0,2 0 0,0 1 0,3-1 0,0 1 0,1 0 0,2 0 0,1 0 0,1 1 0,2 0 0,0 1 0,2 0 0,1 0 0,1 1 0,1 1 0,1 0 0,1 1 0,1 1 0,1 1 0,1 0 0,1 1 0,1 1 0,1 1 0,0 1 0,1 1 0,1 1 0,1 1 0,0 1 0,1 1 0,1 1 0,0 1 0,0 2 0,1 0 0,0 2 0,1 1 0,0 1 0,0 2 0,0 1 0,1 0 0,-1 3 0,1 0 0,0 2 0,-1 0 0,1 3 0,-1 0 0,0 1 0,0 2 0,0 1 0,-1 1 0,0 2 0,-1 0 0,0 2 0,0 1 0,-1 1 0,-1 1 0,0 1 0,-1 1 0,-1 1 0,-1 1 0,0 1 0,-1 1 0,-1 1 0,-1 1 0,-1 0 0,-1 1 0,-1 1 0,-1 1 0,-1 0 0,-1 1 0,-1 1 0,-1 0 0,-2 0 0,0 1 0,-2 0 0,-1 1 0,-1 0 0,-2 0 0,-1 0 0,0 1 0,-3-1 0,0 1 0</inkml:trace>
+</inkml:ink>
+</file>
+
+<file path=ppt/ink/ink209.xml><?xml version="1.0" encoding="utf-8"?>
+<inkml:ink xmlns:inkml="http://www.w3.org/2003/InkML">
+  <inkml:definitions>
+    <inkml:context xml:id="ctx0">
+      <inkml:inkSource xml:id="inkSrc0">
+        <inkml:traceFormat>
+          <inkml:channel name="X" type="integer" min="-2.14748E9" max="2.14748E9" units="cm"/>
+          <inkml:channel name="Y" type="integer" min="-2.14748E9" max="2.14748E9" units="cm"/>
+          <inkml:channel name="F" type="integer" max="32767" units="dev"/>
+        </inkml:traceFormat>
+        <inkml:channelProperties>
+          <inkml:channelProperty channel="X" name="resolution" value="1000" units="1/cm"/>
+          <inkml:channelProperty channel="Y" name="resolution" value="1000" units="1/cm"/>
+          <inkml:channelProperty channel="F" name="resolution" value="0" units="1/dev"/>
+        </inkml:channelProperties>
+      </inkml:inkSource>
+      <inkml:timestamp xml:id="ts0" timeString="2025-10-07T10:49:42.523"/>
+    </inkml:context>
+    <inkml:brush xml:id="br0">
+      <inkml:brushProperty name="width" value="0.35" units="cm"/>
+      <inkml:brushProperty name="height" value="2.1" units="cm"/>
+      <inkml:brushProperty name="color" value="#FFFFFF"/>
+      <inkml:brushProperty name="ignorePressure" value="1"/>
+      <inkml:brushProperty name="inkEffects" value="pencil"/>
+    </inkml:brush>
+  </inkml:definitions>
+  <inkml:trace contextRef="#ctx0" brushRef="#br0">1612 806 0,'-1'32'0,"0"-1"0,-3 1 0,0-1 0,-1 0 0,-2 0 0,-1 0 0,-1-1 0,-2 0 0,0-1 0,-2 0 0,-1 0 0,-1-1 0,-1-1 0,-1 0 0,-1-1 0,-1-1 0,-1-1 0,-1 0 0,-1-1 0,-1-1 0,-1-1 0,0-1 0,-1-1 0,-1-1 0,-1-1 0,0-1 0,-1-1 0,-1-1 0,0-1 0,0-2 0,-1 0 0,0-2 0,-1-1 0,0-1 0,0-2 0,0-1 0,-1 0 0,1-3 0,-1 0 0,0-2 0,1 0 0,-1-3 0,1 0 0,0-1 0,0-2 0,0-1 0,1-1 0,0-2 0,1 0 0,0-2 0,0-1 0,1-1 0,1-1 0,0-1 0,1-1 0,1-1 0,1-1 0,0-1 0,1-1 0,1-1 0,1-1 0,1 0 0,1-1 0,1-1 0,1-1 0,1 0 0,1-1 0,1-1 0,1 0 0,2 0 0,0-1 0,2 0 0,1-1 0,1 0 0,2 0 0,1 0 0,0-1 0,3 1 0,0-1 0,2 0 0,0 1 0,3-1 0,0 1 0,1 0 0,2 0 0,1 0 0,1 1 0,2 0 0,0 1 0,2 0 0,1 0 0,1 1 0,1 1 0,1 0 0,1 1 0,1 1 0,1 1 0,1 0 0,1 1 0,1 1 0,1 1 0,0 1 0,1 1 0,1 1 0,1 1 0,0 1 0,1 1 0,1 1 0,0 1 0,0 2 0,1 0 0,0 2 0,1 1 0,0 1 0,0 2 0,0 1 0,1 0 0,-1 3 0,1 0 0,0 2 0,-1 0 0,1 3 0,-1 0 0,0 1 0,0 2 0,0 1 0,-1 1 0,0 2 0,-1 0 0,0 2 0,0 1 0,-1 1 0,-1 1 0,0 1 0,-1 1 0,-1 1 0,-1 1 0,0 1 0,-1 1 0,-1 1 0,-1 1 0,-1 0 0,-1 1 0,-1 1 0,-1 1 0,-1 0 0,-1 1 0,-1 1 0,-1 0 0,-2 0 0,0 1 0,-2 0 0,-1 1 0,-1 0 0,-2 0 0,-1 0 0,0 1 0,-3-1 0,0 1 0</inkml:trace>
+</inkml:ink>
+</file>
+
 <file path=ppt/ink/ink21.xml><?xml version="1.0" encoding="utf-8"?>
 <inkml:ink xmlns:inkml="http://www.w3.org/2003/InkML">
   <inkml:definitions>
@@ -3369,6 +3766,174 @@
     </inkml:brush>
   </inkml:definitions>
   <inkml:trace contextRef="#ctx0" brushRef="#br0">0 7039 0,'25'-7039'0</inkml:trace>
+</inkml:ink>
+</file>
+
+<file path=ppt/ink/ink210.xml><?xml version="1.0" encoding="utf-8"?>
+<inkml:ink xmlns:inkml="http://www.w3.org/2003/InkML">
+  <inkml:definitions>
+    <inkml:context xml:id="ctx0">
+      <inkml:inkSource xml:id="inkSrc0">
+        <inkml:traceFormat>
+          <inkml:channel name="X" type="integer" min="-2.14748E9" max="2.14748E9" units="cm"/>
+          <inkml:channel name="Y" type="integer" min="-2.14748E9" max="2.14748E9" units="cm"/>
+        </inkml:traceFormat>
+        <inkml:channelProperties>
+          <inkml:channelProperty channel="X" name="resolution" value="1000" units="1/cm"/>
+          <inkml:channelProperty channel="Y" name="resolution" value="1000" units="1/cm"/>
+        </inkml:channelProperties>
+      </inkml:inkSource>
+      <inkml:timestamp xml:id="ts0" timeString="2025-10-07T10:54:32.804"/>
+    </inkml:context>
+    <inkml:brush xml:id="br0">
+      <inkml:brushProperty name="width" value="0.35" units="cm"/>
+      <inkml:brushProperty name="height" value="2.1" units="cm"/>
+      <inkml:brushProperty name="color" value="#FFFFFF"/>
+      <inkml:brushProperty name="ignorePressure" value="1"/>
+      <inkml:brushProperty name="inkEffects" value="pencil"/>
+    </inkml:brush>
+  </inkml:definitions>
+  <inkml:trace contextRef="#ctx0" brushRef="#br0">1 519,'9'0,"11"0,7 0,7 0,12 0,10 0,18-9,27-2,27-9,21-5,22 2,15-4,8 2,-8-2,-10-2,-3 4,-1 2,-4 1,0-5,3-2,1 4,8 1,3 2,6-6,-4-1,-2 3,-6 7,-7 7,-3 4,-2 5,5 2,4 2,8 0,7 0,7 0,5 0,11 0,15-1,6 0,13 0,3 0,-6 0,-9 0,4 0,0 0,-9 0,-5 0,4 0,-8 0,-4 0,-19 0,-12 0,-15 0,-11 0,-14 0,-20 0,-22 0,-19 0,-20 0,-17 0,-16 0</inkml:trace>
+</inkml:ink>
+</file>
+
+<file path=ppt/ink/ink211.xml><?xml version="1.0" encoding="utf-8"?>
+<inkml:ink xmlns:inkml="http://www.w3.org/2003/InkML">
+  <inkml:definitions>
+    <inkml:context xml:id="ctx0">
+      <inkml:inkSource xml:id="inkSrc0">
+        <inkml:traceFormat>
+          <inkml:channel name="X" type="integer" min="-2.14748E9" max="2.14748E9" units="cm"/>
+          <inkml:channel name="Y" type="integer" min="-2.14748E9" max="2.14748E9" units="cm"/>
+        </inkml:traceFormat>
+        <inkml:channelProperties>
+          <inkml:channelProperty channel="X" name="resolution" value="1000" units="1/cm"/>
+          <inkml:channelProperty channel="Y" name="resolution" value="1000" units="1/cm"/>
+        </inkml:channelProperties>
+      </inkml:inkSource>
+      <inkml:timestamp xml:id="ts0" timeString="2025-10-07T10:54:34.123"/>
+    </inkml:context>
+    <inkml:brush xml:id="br0">
+      <inkml:brushProperty name="width" value="0.35" units="cm"/>
+      <inkml:brushProperty name="height" value="2.1" units="cm"/>
+      <inkml:brushProperty name="color" value="#FFFFFF"/>
+      <inkml:brushProperty name="ignorePressure" value="1"/>
+      <inkml:brushProperty name="inkEffects" value="pencil"/>
+    </inkml:brush>
+  </inkml:definitions>
+  <inkml:trace contextRef="#ctx0" brushRef="#br0">271 0,'-4'0,"-2"4,0 11,11 2,12 7,12 8,15 4,12-1,10 3,7-1,5-2,-4-3,-4-7,-10-3,-16-1,-15 9,-16 8,-38 15,-27 7,-26 11,-18 15,-14 11,-6 10,8-4,5 2,16-12,9-9,19-19</inkml:trace>
+</inkml:ink>
+</file>
+
+<file path=ppt/ink/ink212.xml><?xml version="1.0" encoding="utf-8"?>
+<inkml:ink xmlns:inkml="http://www.w3.org/2003/InkML">
+  <inkml:definitions>
+    <inkml:context xml:id="ctx0">
+      <inkml:inkSource xml:id="inkSrc0">
+        <inkml:traceFormat>
+          <inkml:channel name="X" type="integer" min="-2.14748E9" max="2.14748E9" units="cm"/>
+          <inkml:channel name="Y" type="integer" min="-2.14748E9" max="2.14748E9" units="cm"/>
+        </inkml:traceFormat>
+        <inkml:channelProperties>
+          <inkml:channelProperty channel="X" name="resolution" value="1000" units="1/cm"/>
+          <inkml:channelProperty channel="Y" name="resolution" value="1000" units="1/cm"/>
+        </inkml:channelProperties>
+      </inkml:inkSource>
+      <inkml:timestamp xml:id="ts0" timeString="2025-10-07T10:54:37.772"/>
+    </inkml:context>
+    <inkml:brush xml:id="br0">
+      <inkml:brushProperty name="width" value="0.35" units="cm"/>
+      <inkml:brushProperty name="height" value="2.1" units="cm"/>
+      <inkml:brushProperty name="color" value="#FFFFFF"/>
+      <inkml:brushProperty name="ignorePressure" value="1"/>
+      <inkml:brushProperty name="inkEffects" value="pencil"/>
+    </inkml:brush>
+  </inkml:definitions>
+  <inkml:trace contextRef="#ctx0" brushRef="#br0">1 3567,'4'0,"19"0,10 0,17 0,17 0,24 0,9 0,9-8,0-8,-1-6,24-11,16-5,13-5,10-8,11 1,9 3,16 2,-1 4,4 1,-9-3,-15-2,-9-6,-14 0,-7-7,-13-8,-14-1,-7-7,-10 1,-4-5,-10 6,-10 3,-6 8,1 2,-11 11,-3 0,-1 5,-3 4,-4 1,1 6,12 0,10-7,22-6,10 0,16-1,16-10,-4 5,-5 2,-12-4,-11 3,-4 1,-15 5,-17 5,-12 9,-10 2,-10 0,-9 6,-6 2,-5-1,-7 0,2 3,0 1,2-2,1-2,17-10,6-5,4-8,5 2,-2 5,2-10,0 4,3 1,-4 2,-4 4,3 4,1-1,-1 0,-2 1,4-1,0 3,0-5,-2-2,-2 1,4-1,-5 0,-1 3,-2 3,-9 1,-3 3,6 1,-1 0,-4 1,2 0,-8-1,-4 1,-3-4,-2 2,-4 1,2 2,-1 4</inkml:trace>
+</inkml:ink>
+</file>
+
+<file path=ppt/ink/ink213.xml><?xml version="1.0" encoding="utf-8"?>
+<inkml:ink xmlns:inkml="http://www.w3.org/2003/InkML">
+  <inkml:definitions>
+    <inkml:context xml:id="ctx0">
+      <inkml:inkSource xml:id="inkSrc0">
+        <inkml:traceFormat>
+          <inkml:channel name="X" type="integer" min="-2.14748E9" max="2.14748E9" units="cm"/>
+          <inkml:channel name="Y" type="integer" min="-2.14748E9" max="2.14748E9" units="cm"/>
+        </inkml:traceFormat>
+        <inkml:channelProperties>
+          <inkml:channelProperty channel="X" name="resolution" value="1000" units="1/cm"/>
+          <inkml:channelProperty channel="Y" name="resolution" value="1000" units="1/cm"/>
+        </inkml:channelProperties>
+      </inkml:inkSource>
+      <inkml:timestamp xml:id="ts0" timeString="2025-10-07T10:54:39.235"/>
+    </inkml:context>
+    <inkml:brush xml:id="br0">
+      <inkml:brushProperty name="width" value="0.35" units="cm"/>
+      <inkml:brushProperty name="height" value="2.1" units="cm"/>
+      <inkml:brushProperty name="color" value="#FFFFFF"/>
+      <inkml:brushProperty name="ignorePressure" value="1"/>
+      <inkml:brushProperty name="inkEffects" value="pencil"/>
+    </inkml:brush>
+  </inkml:definitions>
+  <inkml:trace contextRef="#ctx0" brushRef="#br0">1 141,'17'0,"33"0,33 0,29 0,17 0,4 0,-7 0,-4-13,-9-4,-15 0,-15 3,-14 0,-14 3,-11 2,-6 4,-3-3,-5 1,-2 1,-2 2,-1 1,4-3,1 0,5 9,1 26,-2 26,-7 25,-3 25,3 21,-4 20,-5 6,-5-4,-6-11,-4-11,-2-18,-1-18,-1-26</inkml:trace>
+</inkml:ink>
+</file>
+
+<file path=ppt/ink/ink214.xml><?xml version="1.0" encoding="utf-8"?>
+<inkml:ink xmlns:inkml="http://www.w3.org/2003/InkML">
+  <inkml:definitions>
+    <inkml:context xml:id="ctx0">
+      <inkml:inkSource xml:id="inkSrc0">
+        <inkml:traceFormat>
+          <inkml:channel name="X" type="integer" min="-2.14748E9" max="2.14748E9" units="cm"/>
+          <inkml:channel name="Y" type="integer" min="-2.14748E9" max="2.14748E9" units="cm"/>
+        </inkml:traceFormat>
+        <inkml:channelProperties>
+          <inkml:channelProperty channel="X" name="resolution" value="1000" units="1/cm"/>
+          <inkml:channelProperty channel="Y" name="resolution" value="1000" units="1/cm"/>
+        </inkml:channelProperties>
+      </inkml:inkSource>
+      <inkml:timestamp xml:id="ts0" timeString="2025-10-07T10:54:40.956"/>
+    </inkml:context>
+    <inkml:brush xml:id="br0">
+      <inkml:brushProperty name="width" value="0.35" units="cm"/>
+      <inkml:brushProperty name="height" value="2.1" units="cm"/>
+      <inkml:brushProperty name="color" value="#FFFFFF"/>
+      <inkml:brushProperty name="ignorePressure" value="1"/>
+      <inkml:brushProperty name="inkEffects" value="pencil"/>
+    </inkml:brush>
+  </inkml:definitions>
+  <inkml:trace contextRef="#ctx0" brushRef="#br0">0 0,'5'0,"31"0,50 0,53 0,51 0,46 0,35 0,28 0,29 0,28 0,10 0,13 0,16 0,2 0,12 0,46 0,28 0,15 0,9 0,-36 0,-30 0,-28 0,-33 0,-32 0,-40 0,-34 0,-55 0,-55 0,-56 0</inkml:trace>
+</inkml:ink>
+</file>
+
+<file path=ppt/ink/ink215.xml><?xml version="1.0" encoding="utf-8"?>
+<inkml:ink xmlns:inkml="http://www.w3.org/2003/InkML">
+  <inkml:definitions>
+    <inkml:context xml:id="ctx0">
+      <inkml:inkSource xml:id="inkSrc0">
+        <inkml:traceFormat>
+          <inkml:channel name="X" type="integer" min="-2.14748E9" max="2.14748E9" units="cm"/>
+          <inkml:channel name="Y" type="integer" min="-2.14748E9" max="2.14748E9" units="cm"/>
+        </inkml:traceFormat>
+        <inkml:channelProperties>
+          <inkml:channelProperty channel="X" name="resolution" value="1000" units="1/cm"/>
+          <inkml:channelProperty channel="Y" name="resolution" value="1000" units="1/cm"/>
+        </inkml:channelProperties>
+      </inkml:inkSource>
+      <inkml:timestamp xml:id="ts0" timeString="2025-10-07T10:54:42.268"/>
+    </inkml:context>
+    <inkml:brush xml:id="br0">
+      <inkml:brushProperty name="width" value="0.35" units="cm"/>
+      <inkml:brushProperty name="height" value="2.1" units="cm"/>
+      <inkml:brushProperty name="color" value="#FFFFFF"/>
+      <inkml:brushProperty name="ignorePressure" value="1"/>
+      <inkml:brushProperty name="inkEffects" value="pencil"/>
+    </inkml:brush>
+  </inkml:definitions>
+  <inkml:trace contextRef="#ctx0" brushRef="#br0">1 1,'4'0,"6"0,10 0,20 8,14 8,13 10,16 13,16 18,17 8,11 5,10-4,-5-9,-13-10,-21-13,-28-8,-25-3,-39 6,-32 8,-39 10,-30 6,-24 20,-2 3,12-4,6-1,17-7,19-12,11-9,12-12,13-12</inkml:trace>
 </inkml:ink>
 </file>
 
@@ -4944,25 +5509,23 @@
         <inkml:traceFormat>
           <inkml:channel name="X" type="integer" min="-2.14748E9" max="2.14748E9" units="cm"/>
           <inkml:channel name="Y" type="integer" min="-2.14748E9" max="2.14748E9" units="cm"/>
-          <inkml:channel name="F" type="integer" max="32767" units="dev"/>
         </inkml:traceFormat>
         <inkml:channelProperties>
           <inkml:channelProperty channel="X" name="resolution" value="1000" units="1/cm"/>
           <inkml:channelProperty channel="Y" name="resolution" value="1000" units="1/cm"/>
-          <inkml:channelProperty channel="F" name="resolution" value="0" units="1/dev"/>
         </inkml:channelProperties>
       </inkml:inkSource>
-      <inkml:timestamp xml:id="ts0" timeString="2025-10-19T12:26:35.368"/>
+      <inkml:timestamp xml:id="ts0" timeString="2025-10-07T10:04:20.885"/>
     </inkml:context>
     <inkml:brush xml:id="br0">
-      <inkml:brushProperty name="width" value="0.2" units="cm"/>
-      <inkml:brushProperty name="height" value="1.2" units="cm"/>
+      <inkml:brushProperty name="width" value="0.35" units="cm"/>
+      <inkml:brushProperty name="height" value="2.1" units="cm"/>
       <inkml:brushProperty name="color" value="#FFFFFF"/>
       <inkml:brushProperty name="ignorePressure" value="1"/>
       <inkml:brushProperty name="inkEffects" value="pencil"/>
     </inkml:brush>
   </inkml:definitions>
-  <inkml:trace contextRef="#ctx0" brushRef="#br0">1291 646 0,'0'25'0,"-2"0"0,0 1 0,-2-1 0,0 0 0,-2 0 0,0-1 0,-1 0 0,-2 0 0,0 0 0,-1-1 0,-1 0 0,-1-1 0,-1 0 0,-1-1 0,0 0 0,-1-1 0,-1 0 0,-1-1 0,-1-1 0,0 0 0,-1-1 0,-1-1 0,0-1 0,-1 0 0,0-2 0,-1 0 0,0-1 0,-1-1 0,0-1 0,-1-1 0,0 0 0,0-2 0,-1 0 0,1-2 0,-1-1 0,-1 0 0,1-2 0,0 0 0,0-2 0,-1 0 0,1-2 0,0 0 0,0-2 0,0 0 0,0-1 0,0-2 0,1 0 0,0-2 0,1 0 0,-1-1 0,2-1 0,-1-1 0,1-1 0,1 0 0,0-2 0,1 0 0,0-1 0,1-1 0,1-1 0,1 0 0,0-1 0,1-1 0,0 0 0,2-1 0,0 0 0,1-1 0,1 0 0,1-1 0,1 0 0,1-1 0,1 0 0,0 0 0,2 0 0,0-1 0,2 0 0,0 0 0,2-1 0,0 1 0,2 0 0,0-1 0,2 1 0,0 0 0,2 0 0,0 0 0,2 0 0,0 1 0,2-1 0,0 1 0,1 1 0,1 0 0,1 0 0,1 0 0,1 1 0,1 1 0,0 0 0,2 1 0,0 1 0,1 0 0,0 0 0,1 2 0,1 0 0,1 1 0,0 0 0,1 2 0,0 0 0,1 2 0,1 0 0,-1 1 0,2 0 0,-1 2 0,1 1 0,0 0 0,1 2 0,0 1 0,0 0 0,0 2 0,0 0 0,0 2 0,1 0 0,-1 2 0,0 0 0,0 2 0,1 0 0,-1 2 0,-1 0 0,1 1 0,-1 2 0,0 0 0,0 1 0,-1 2 0,0 0 0,-1 1 0,0 0 0,-1 2 0,0 0 0,-1 2 0,0 0 0,-1 1 0,-1 0 0,0 2 0,-1 0 0,-1 0 0,-1 1 0,-1 1 0,0 0 0,-1 1 0,-1 1 0,-1 0 0,-1 0 0,-1 0 0,0 1 0,-2 1 0,-1-1 0,0 1 0,-2 0 0,0 0 0,-2 0 0,0 0 0,-2 1 0</inkml:trace>
+  <inkml:trace contextRef="#ctx0" brushRef="#br0">1 1,'0'0</inkml:trace>
 </inkml:ink>
 </file>
 
@@ -4982,17 +5545,17 @@
           <inkml:channelProperty channel="F" name="resolution" value="0" units="1/dev"/>
         </inkml:channelProperties>
       </inkml:inkSource>
-      <inkml:timestamp xml:id="ts0" timeString="2025-10-19T12:26:47.030"/>
+      <inkml:timestamp xml:id="ts0" timeString="2025-10-07T10:04:33.522"/>
     </inkml:context>
     <inkml:brush xml:id="br0">
-      <inkml:brushProperty name="width" value="0.2" units="cm"/>
-      <inkml:brushProperty name="height" value="1.2" units="cm"/>
+      <inkml:brushProperty name="width" value="0.35" units="cm"/>
+      <inkml:brushProperty name="height" value="2.1" units="cm"/>
       <inkml:brushProperty name="color" value="#FFFFFF"/>
       <inkml:brushProperty name="ignorePressure" value="1"/>
       <inkml:brushProperty name="inkEffects" value="pencil"/>
     </inkml:brush>
   </inkml:definitions>
-  <inkml:trace contextRef="#ctx0" brushRef="#br0">1291 646 0,'0'25'0,"-2"0"0,0 1 0,-2-1 0,0 0 0,-2 0 0,0-1 0,-1 0 0,-2 0 0,0 0 0,-1-1 0,-1 0 0,-1-1 0,-1 0 0,-1-1 0,0 0 0,-1-1 0,-1 0 0,-1-1 0,-1-1 0,0 0 0,-1-1 0,-1-1 0,0-1 0,-1 0 0,0-2 0,-1 0 0,0-1 0,-1-1 0,0-1 0,-1-1 0,0 0 0,0-2 0,-1 0 0,1-2 0,-1-1 0,-1 0 0,1-2 0,0 0 0,0-2 0,-1 0 0,1-2 0,0 0 0,0-2 0,0 0 0,0-1 0,0-2 0,1 0 0,0-2 0,1 0 0,-1-1 0,2-1 0,-1-1 0,1-1 0,1 0 0,0-2 0,1 0 0,0-1 0,1-1 0,1-1 0,1 0 0,0-1 0,1-1 0,0 0 0,2-1 0,0 0 0,1-1 0,1 0 0,1-1 0,1 0 0,1-1 0,1 0 0,0 0 0,2 0 0,0-1 0,2 0 0,0 0 0,2-1 0,0 1 0,2 0 0,0-1 0,2 1 0,0 0 0,2 0 0,0 0 0,2 0 0,0 1 0,2-1 0,0 1 0,1 1 0,1 0 0,1 0 0,1 0 0,1 1 0,1 1 0,0 0 0,2 1 0,0 1 0,1 0 0,0 0 0,1 2 0,1 0 0,1 1 0,0 0 0,1 2 0,0 0 0,1 2 0,1 0 0,-1 1 0,2 0 0,-1 2 0,1 1 0,0 0 0,1 2 0,0 1 0,0 0 0,0 2 0,0 0 0,0 2 0,1 0 0,-1 2 0,0 0 0,0 2 0,1 0 0,-1 2 0,-1 0 0,1 1 0,-1 2 0,0 0 0,0 1 0,-1 2 0,0 0 0,-1 1 0,0 0 0,-1 2 0,0 0 0,-1 2 0,0 0 0,-1 1 0,-1 0 0,0 2 0,-1 0 0,-1 0 0,-1 1 0,-1 1 0,0 0 0,-1 1 0,-1 1 0,-1 0 0,-1 0 0,-1 0 0,0 1 0,-2 1 0,-1-1 0,0 1 0,-2 0 0,0 0 0,-2 0 0,0 0 0,-2 1 0</inkml:trace>
+  <inkml:trace contextRef="#ctx0" brushRef="#br0">0 0 0,'27965'53'0</inkml:trace>
 </inkml:ink>
 </file>
 
@@ -5012,17 +5575,17 @@
           <inkml:channelProperty channel="F" name="resolution" value="0" units="1/dev"/>
         </inkml:channelProperties>
       </inkml:inkSource>
-      <inkml:timestamp xml:id="ts0" timeString="2025-10-19T12:26:50.737"/>
+      <inkml:timestamp xml:id="ts0" timeString="2025-10-07T10:04:41.932"/>
     </inkml:context>
     <inkml:brush xml:id="br0">
-      <inkml:brushProperty name="width" value="0.2" units="cm"/>
-      <inkml:brushProperty name="height" value="1.2" units="cm"/>
+      <inkml:brushProperty name="width" value="0.35" units="cm"/>
+      <inkml:brushProperty name="height" value="2.1" units="cm"/>
       <inkml:brushProperty name="color" value="#FFFFFF"/>
       <inkml:brushProperty name="ignorePressure" value="1"/>
       <inkml:brushProperty name="inkEffects" value="pencil"/>
     </inkml:brush>
   </inkml:definitions>
-  <inkml:trace contextRef="#ctx0" brushRef="#br0">1291 646 0,'0'25'0,"-2"0"0,0 1 0,-2-1 0,0 0 0,-2 0 0,0-1 0,-1 0 0,-2 0 0,0 0 0,-1-1 0,-1 0 0,-1-1 0,-1 0 0,-1-1 0,0 0 0,-1-1 0,-1 0 0,-1-1 0,-1-1 0,0 0 0,-1-1 0,-1-1 0,0-1 0,-1 0 0,0-2 0,-1 0 0,0-1 0,-1-1 0,0-1 0,-1-1 0,0 0 0,0-2 0,-1 0 0,1-2 0,-1-1 0,-1 0 0,1-2 0,0 0 0,0-2 0,-1 0 0,1-2 0,0 0 0,0-2 0,0 0 0,0-1 0,0-2 0,1 0 0,0-2 0,1 0 0,-1-1 0,2-1 0,-1-1 0,1-1 0,1 0 0,0-2 0,1 0 0,0-1 0,1-1 0,1-1 0,1 0 0,0-1 0,1-1 0,0 0 0,2-1 0,0 0 0,1-1 0,1 0 0,1-1 0,1 0 0,1-1 0,1 0 0,0 0 0,2 0 0,0-1 0,2 0 0,0 0 0,2-1 0,0 1 0,2 0 0,0-1 0,2 1 0,0 0 0,2 0 0,0 0 0,2 0 0,0 1 0,2-1 0,0 1 0,1 1 0,1 0 0,1 0 0,1 0 0,1 1 0,1 1 0,0 0 0,2 1 0,0 1 0,1 0 0,0 0 0,1 2 0,1 0 0,1 1 0,0 0 0,1 2 0,0 0 0,1 2 0,1 0 0,-1 1 0,2 0 0,-1 2 0,1 1 0,0 0 0,1 2 0,0 1 0,0 0 0,0 2 0,0 0 0,0 2 0,1 0 0,-1 2 0,0 0 0,0 2 0,1 0 0,-1 2 0,-1 0 0,1 1 0,-1 2 0,0 0 0,0 1 0,-1 2 0,0 0 0,-1 1 0,0 0 0,-1 2 0,0 0 0,-1 2 0,0 0 0,-1 1 0,-1 0 0,0 2 0,-1 0 0,-1 0 0,-1 1 0,-1 1 0,0 0 0,-1 1 0,-1 1 0,-1 0 0,-1 0 0,-1 0 0,0 1 0,-2 1 0,-1-1 0,0 1 0,-2 0 0,0 0 0,-2 0 0,0 0 0,-2 1 0</inkml:trace>
+  <inkml:trace contextRef="#ctx0" brushRef="#br0">181 0 0,'-181'15698'0</inkml:trace>
 </inkml:ink>
 </file>
 
@@ -5042,17 +5605,17 @@
           <inkml:channelProperty channel="F" name="resolution" value="0" units="1/dev"/>
         </inkml:channelProperties>
       </inkml:inkSource>
-      <inkml:timestamp xml:id="ts0" timeString="2025-10-19T12:27:01.115"/>
+      <inkml:timestamp xml:id="ts0" timeString="2025-10-07T10:05:07.090"/>
     </inkml:context>
     <inkml:brush xml:id="br0">
-      <inkml:brushProperty name="width" value="0.2" units="cm"/>
-      <inkml:brushProperty name="height" value="1.2" units="cm"/>
+      <inkml:brushProperty name="width" value="0.35" units="cm"/>
+      <inkml:brushProperty name="height" value="2.1" units="cm"/>
       <inkml:brushProperty name="color" value="#FFFFFF"/>
       <inkml:brushProperty name="ignorePressure" value="1"/>
       <inkml:brushProperty name="inkEffects" value="pencil"/>
     </inkml:brush>
   </inkml:definitions>
-  <inkml:trace contextRef="#ctx0" brushRef="#br0">1291 646 0,'0'25'0,"-2"0"0,0 1 0,-2-1 0,0 0 0,-2 0 0,0-1 0,-1 0 0,-2 0 0,0 0 0,-1-1 0,-1 0 0,-1-1 0,-1 0 0,-1-1 0,0 0 0,-1-1 0,-1 0 0,-1-1 0,-1-1 0,0 0 0,-1-1 0,-1-1 0,0-1 0,-1 0 0,0-2 0,-1 0 0,0-1 0,-1-1 0,0-1 0,-1-1 0,0 0 0,0-2 0,-1 0 0,1-2 0,-1-1 0,-1 0 0,1-2 0,0 0 0,0-2 0,-1 0 0,1-2 0,0 0 0,0-2 0,0 0 0,0-1 0,0-2 0,1 0 0,0-2 0,1 0 0,-1-1 0,2-1 0,-1-1 0,1-1 0,1 0 0,0-2 0,1 0 0,0-1 0,1-1 0,1-1 0,1 0 0,0-1 0,1-1 0,0 0 0,2-1 0,0 0 0,1-1 0,1 0 0,1-1 0,1 0 0,1-1 0,1 0 0,0 0 0,2 0 0,0-1 0,2 0 0,0 0 0,2-1 0,0 1 0,2 0 0,0-1 0,2 1 0,0 0 0,2 0 0,0 0 0,2 0 0,0 1 0,2-1 0,0 1 0,1 1 0,1 0 0,1 0 0,1 0 0,1 1 0,1 1 0,0 0 0,2 1 0,0 1 0,1 0 0,0 0 0,1 2 0,1 0 0,1 1 0,0 0 0,1 2 0,0 0 0,1 2 0,1 0 0,-1 1 0,2 0 0,-1 2 0,1 1 0,0 0 0,1 2 0,0 1 0,0 0 0,0 2 0,0 0 0,0 2 0,1 0 0,-1 2 0,0 0 0,0 2 0,1 0 0,-1 2 0,-1 0 0,1 1 0,-1 2 0,0 0 0,0 1 0,-1 2 0,0 0 0,-1 1 0,0 0 0,-1 2 0,0 0 0,-1 2 0,0 0 0,-1 1 0,-1 0 0,0 2 0,-1 0 0,-1 0 0,-1 1 0,-1 1 0,0 0 0,-1 1 0,-1 1 0,-1 0 0,-1 0 0,-1 0 0,0 1 0,-2 1 0,-1-1 0,0 1 0,-2 0 0,0 0 0,-2 0 0,0 0 0,-2 1 0</inkml:trace>
+  <inkml:trace contextRef="#ctx0" brushRef="#br0">0 53 0,'28098'-53'0</inkml:trace>
 </inkml:ink>
 </file>
 
@@ -5072,17 +5635,17 @@
           <inkml:channelProperty channel="F" name="resolution" value="0" units="1/dev"/>
         </inkml:channelProperties>
       </inkml:inkSource>
-      <inkml:timestamp xml:id="ts0" timeString="2025-10-19T12:27:12.126"/>
+      <inkml:timestamp xml:id="ts0" timeString="2025-10-07T10:05:12.231"/>
     </inkml:context>
     <inkml:brush xml:id="br0">
-      <inkml:brushProperty name="width" value="0.2" units="cm"/>
-      <inkml:brushProperty name="height" value="1.2" units="cm"/>
+      <inkml:brushProperty name="width" value="0.35" units="cm"/>
+      <inkml:brushProperty name="height" value="2.1" units="cm"/>
       <inkml:brushProperty name="color" value="#FFFFFF"/>
       <inkml:brushProperty name="ignorePressure" value="1"/>
       <inkml:brushProperty name="inkEffects" value="pencil"/>
     </inkml:brush>
   </inkml:definitions>
-  <inkml:trace contextRef="#ctx0" brushRef="#br0">1291 646 0,'0'25'0,"-2"0"0,0 1 0,-2-1 0,0 0 0,-2 0 0,0-1 0,-1 0 0,-2 0 0,0 0 0,-1-1 0,-1 0 0,-1-1 0,-1 0 0,-1-1 0,0 0 0,-1-1 0,-1 0 0,-1-1 0,-1-1 0,0 0 0,-1-1 0,-1-1 0,0-1 0,-1 0 0,0-2 0,-1 0 0,0-1 0,-1-1 0,0-1 0,-1-1 0,0 0 0,0-2 0,-1 0 0,1-2 0,-1-1 0,-1 0 0,1-2 0,0 0 0,0-2 0,-1 0 0,1-2 0,0 0 0,0-2 0,0 0 0,0-1 0,0-2 0,1 0 0,0-2 0,1 0 0,-1-1 0,2-1 0,-1-1 0,1-1 0,1 0 0,0-2 0,1 0 0,0-1 0,1-1 0,1-1 0,1 0 0,0-1 0,1-1 0,0 0 0,2-1 0,0 0 0,1-1 0,1 0 0,1-1 0,1 0 0,1-1 0,1 0 0,0 0 0,2 0 0,0-1 0,2 0 0,0 0 0,2-1 0,0 1 0,2 0 0,0-1 0,2 1 0,0 0 0,2 0 0,0 0 0,2 0 0,0 1 0,2-1 0,0 1 0,1 1 0,1 0 0,1 0 0,1 0 0,1 1 0,1 1 0,0 0 0,2 1 0,0 1 0,1 0 0,0 0 0,1 2 0,1 0 0,1 1 0,0 0 0,1 2 0,0 0 0,1 2 0,1 0 0,-1 1 0,2 0 0,-1 2 0,1 1 0,0 0 0,1 2 0,0 1 0,0 0 0,0 2 0,0 0 0,0 2 0,1 0 0,-1 2 0,0 0 0,0 2 0,1 0 0,-1 2 0,-1 0 0,1 1 0,-1 2 0,0 0 0,0 1 0,-1 2 0,0 0 0,-1 1 0,0 0 0,-1 2 0,0 0 0,-1 2 0,0 0 0,-1 1 0,-1 0 0,0 2 0,-1 0 0,-1 0 0,-1 1 0,-1 1 0,0 0 0,-1 1 0,-1 1 0,-1 0 0,-1 0 0,-1 0 0,0 1 0,-2 1 0,-1-1 0,0 1 0,-2 0 0,0 0 0,-2 0 0,0 0 0,-2 1 0</inkml:trace>
+  <inkml:trace contextRef="#ctx0" brushRef="#br0">0 0 0,'105'15895'0</inkml:trace>
 </inkml:ink>
 </file>
 
@@ -5102,17 +5665,17 @@
           <inkml:channelProperty channel="F" name="resolution" value="0" units="1/dev"/>
         </inkml:channelProperties>
       </inkml:inkSource>
-      <inkml:timestamp xml:id="ts0" timeString="2025-10-19T12:27:19.209"/>
+      <inkml:timestamp xml:id="ts0" timeString="2025-10-07T10:06:11.194"/>
     </inkml:context>
     <inkml:brush xml:id="br0">
-      <inkml:brushProperty name="width" value="0.2" units="cm"/>
-      <inkml:brushProperty name="height" value="1.2" units="cm"/>
+      <inkml:brushProperty name="width" value="0.35" units="cm"/>
+      <inkml:brushProperty name="height" value="2.1" units="cm"/>
       <inkml:brushProperty name="color" value="#FFFFFF"/>
       <inkml:brushProperty name="ignorePressure" value="1"/>
       <inkml:brushProperty name="inkEffects" value="pencil"/>
     </inkml:brush>
   </inkml:definitions>
-  <inkml:trace contextRef="#ctx0" brushRef="#br0">1291 646 0,'0'25'0,"-2"0"0,0 1 0,-2-1 0,0 0 0,-2 0 0,0-1 0,-1 0 0,-2 0 0,0 0 0,-1-1 0,-1 0 0,-1-1 0,-1 0 0,-1-1 0,0 0 0,-1-1 0,-1 0 0,-1-1 0,-1-1 0,0 0 0,-1-1 0,-1-1 0,0-1 0,-1 0 0,0-2 0,-1 0 0,0-1 0,-1-1 0,0-1 0,-1-1 0,0 0 0,0-2 0,-1 0 0,1-2 0,-1-1 0,-1 0 0,1-2 0,0 0 0,0-2 0,-1 0 0,1-2 0,0 0 0,0-2 0,0 0 0,0-1 0,0-2 0,1 0 0,0-2 0,1 0 0,-1-1 0,2-1 0,-1-1 0,1-1 0,1 0 0,0-2 0,1 0 0,0-1 0,1-1 0,1-1 0,1 0 0,0-1 0,1-1 0,0 0 0,2-1 0,0 0 0,1-1 0,1 0 0,1-1 0,1 0 0,1-1 0,1 0 0,0 0 0,2 0 0,0-1 0,2 0 0,0 0 0,2-1 0,0 1 0,2 0 0,0-1 0,2 1 0,0 0 0,2 0 0,0 0 0,2 0 0,0 1 0,2-1 0,0 1 0,1 1 0,1 0 0,1 0 0,1 0 0,1 1 0,1 1 0,0 0 0,2 1 0,0 1 0,1 0 0,0 0 0,1 2 0,1 0 0,1 1 0,0 0 0,1 2 0,0 0 0,1 2 0,1 0 0,-1 1 0,2 0 0,-1 2 0,1 1 0,0 0 0,1 2 0,0 1 0,0 0 0,0 2 0,0 0 0,0 2 0,1 0 0,-1 2 0,0 0 0,0 2 0,1 0 0,-1 2 0,-1 0 0,1 1 0,-1 2 0,0 0 0,0 1 0,-1 2 0,0 0 0,-1 1 0,0 0 0,-1 2 0,0 0 0,-1 2 0,0 0 0,-1 1 0,-1 0 0,0 2 0,-1 0 0,-1 0 0,-1 1 0,-1 1 0,0 0 0,-1 1 0,-1 1 0,-1 0 0,-1 0 0,-1 0 0,0 1 0,-2 1 0,-1-1 0,0 1 0,-2 0 0,0 0 0,-2 0 0,0 0 0,-2 1 0</inkml:trace>
+  <inkml:trace contextRef="#ctx0" brushRef="#br0">0 0 0,'7096'78'0</inkml:trace>
 </inkml:ink>
 </file>
 
@@ -5132,17 +5695,17 @@
           <inkml:channelProperty channel="F" name="resolution" value="0" units="1/dev"/>
         </inkml:channelProperties>
       </inkml:inkSource>
-      <inkml:timestamp xml:id="ts0" timeString="2025-10-19T12:27:24.072"/>
+      <inkml:timestamp xml:id="ts0" timeString="2025-10-07T10:06:17.934"/>
     </inkml:context>
     <inkml:brush xml:id="br0">
-      <inkml:brushProperty name="width" value="0.2" units="cm"/>
-      <inkml:brushProperty name="height" value="1.2" units="cm"/>
+      <inkml:brushProperty name="width" value="0.35" units="cm"/>
+      <inkml:brushProperty name="height" value="2.1" units="cm"/>
       <inkml:brushProperty name="color" value="#FFFFFF"/>
       <inkml:brushProperty name="ignorePressure" value="1"/>
       <inkml:brushProperty name="inkEffects" value="pencil"/>
     </inkml:brush>
   </inkml:definitions>
-  <inkml:trace contextRef="#ctx0" brushRef="#br0">1291 646 0,'0'25'0,"-2"0"0,0 1 0,-2-1 0,0 0 0,-2 0 0,0-1 0,-1 0 0,-2 0 0,0 0 0,-1-1 0,-1 0 0,-1-1 0,-1 0 0,-1-1 0,0 0 0,-1-1 0,-1 0 0,-1-1 0,-1-1 0,0 0 0,-1-1 0,-1-1 0,0-1 0,-1 0 0,0-2 0,-1 0 0,0-1 0,-1-1 0,0-1 0,-1-1 0,0 0 0,0-2 0,-1 0 0,1-2 0,-1-1 0,-1 0 0,1-2 0,0 0 0,0-2 0,-1 0 0,1-2 0,0 0 0,0-2 0,0 0 0,0-1 0,0-2 0,1 0 0,0-2 0,1 0 0,-1-1 0,2-1 0,-1-1 0,1-1 0,1 0 0,0-2 0,1 0 0,0-1 0,1-1 0,1-1 0,1 0 0,0-1 0,1-1 0,0 0 0,2-1 0,0 0 0,1-1 0,1 0 0,1-1 0,1 0 0,1-1 0,1 0 0,0 0 0,2 0 0,0-1 0,2 0 0,0 0 0,2-1 0,0 1 0,2 0 0,0-1 0,2 1 0,0 0 0,2 0 0,0 0 0,2 0 0,0 1 0,2-1 0,0 1 0,1 1 0,1 0 0,1 0 0,1 0 0,1 1 0,1 1 0,0 0 0,2 1 0,0 1 0,1 0 0,0 0 0,1 2 0,1 0 0,1 1 0,0 0 0,1 2 0,0 0 0,1 2 0,1 0 0,-1 1 0,2 0 0,-1 2 0,1 1 0,0 0 0,1 2 0,0 1 0,0 0 0,0 2 0,0 0 0,0 2 0,1 0 0,-1 2 0,0 0 0,0 2 0,1 0 0,-1 2 0,-1 0 0,1 1 0,-1 2 0,0 0 0,0 1 0,-1 2 0,0 0 0,-1 1 0,0 0 0,-1 2 0,0 0 0,-1 2 0,0 0 0,-1 1 0,-1 0 0,0 2 0,-1 0 0,-1 0 0,-1 1 0,-1 1 0,0 0 0,-1 1 0,-1 1 0,-1 0 0,-1 0 0,-1 0 0,0 1 0,-2 1 0,-1-1 0,0 1 0,-2 0 0,0 0 0,-2 0 0,0 0 0,-2 1 0</inkml:trace>
+  <inkml:trace contextRef="#ctx0" brushRef="#br0">0 53 0,'7306'-53'0</inkml:trace>
 </inkml:ink>
 </file>
 
@@ -5154,25 +5717,23 @@
         <inkml:traceFormat>
           <inkml:channel name="X" type="integer" min="-2.14748E9" max="2.14748E9" units="cm"/>
           <inkml:channel name="Y" type="integer" min="-2.14748E9" max="2.14748E9" units="cm"/>
-          <inkml:channel name="F" type="integer" max="32767" units="dev"/>
         </inkml:traceFormat>
         <inkml:channelProperties>
           <inkml:channelProperty channel="X" name="resolution" value="1000" units="1/cm"/>
           <inkml:channelProperty channel="Y" name="resolution" value="1000" units="1/cm"/>
-          <inkml:channelProperty channel="F" name="resolution" value="0" units="1/dev"/>
         </inkml:channelProperties>
       </inkml:inkSource>
-      <inkml:timestamp xml:id="ts0" timeString="2025-10-19T12:27:27.467"/>
+      <inkml:timestamp xml:id="ts0" timeString="2025-10-07T10:06:24.583"/>
     </inkml:context>
     <inkml:brush xml:id="br0">
-      <inkml:brushProperty name="width" value="0.2" units="cm"/>
-      <inkml:brushProperty name="height" value="1.2" units="cm"/>
+      <inkml:brushProperty name="width" value="0.35" units="cm"/>
+      <inkml:brushProperty name="height" value="2.1" units="cm"/>
       <inkml:brushProperty name="color" value="#FFFFFF"/>
       <inkml:brushProperty name="ignorePressure" value="1"/>
       <inkml:brushProperty name="inkEffects" value="pencil"/>
     </inkml:brush>
   </inkml:definitions>
-  <inkml:trace contextRef="#ctx0" brushRef="#br0">1291 646 0,'0'25'0,"-2"0"0,0 1 0,-2-1 0,0 0 0,-2 0 0,0-1 0,-1 0 0,-2 0 0,0 0 0,-1-1 0,-1 0 0,-1-1 0,-1 0 0,-1-1 0,0 0 0,-1-1 0,-1 0 0,-1-1 0,-1-1 0,0 0 0,-1-1 0,-1-1 0,0-1 0,-1 0 0,0-2 0,-1 0 0,0-1 0,-1-1 0,0-1 0,-1-1 0,0 0 0,0-2 0,-1 0 0,1-2 0,-1-1 0,-1 0 0,1-2 0,0 0 0,0-2 0,-1 0 0,1-2 0,0 0 0,0-2 0,0 0 0,0-1 0,0-2 0,1 0 0,0-2 0,1 0 0,-1-1 0,2-1 0,-1-1 0,1-1 0,1 0 0,0-2 0,1 0 0,0-1 0,1-1 0,1-1 0,1 0 0,0-1 0,1-1 0,0 0 0,2-1 0,0 0 0,1-1 0,1 0 0,1-1 0,1 0 0,1-1 0,1 0 0,0 0 0,2 0 0,0-1 0,2 0 0,0 0 0,2-1 0,0 1 0,2 0 0,0-1 0,2 1 0,0 0 0,2 0 0,0 0 0,2 0 0,0 1 0,2-1 0,0 1 0,1 1 0,1 0 0,1 0 0,1 0 0,1 1 0,1 1 0,0 0 0,2 1 0,0 1 0,1 0 0,0 0 0,1 2 0,1 0 0,1 1 0,0 0 0,1 2 0,0 0 0,1 2 0,1 0 0,-1 1 0,2 0 0,-1 2 0,1 1 0,0 0 0,1 2 0,0 1 0,0 0 0,0 2 0,0 0 0,0 2 0,1 0 0,-1 2 0,0 0 0,0 2 0,1 0 0,-1 2 0,-1 0 0,1 1 0,-1 2 0,0 0 0,0 1 0,-1 2 0,0 0 0,-1 1 0,0 0 0,-1 2 0,0 0 0,-1 2 0,0 0 0,-1 1 0,-1 0 0,0 2 0,-1 0 0,-1 0 0,-1 1 0,-1 1 0,0 0 0,-1 1 0,-1 1 0,-1 0 0,-1 0 0,-1 0 0,0 1 0,-2 1 0,-1-1 0,0 1 0,-2 0 0,0 0 0,-2 0 0,0 0 0,-2 1 0</inkml:trace>
+  <inkml:trace contextRef="#ctx0" brushRef="#br0">1 0,'0'4,"0"7,0 5,0 4,0 4,0 6,0 3,0 0,0-1,0-2,0-1,0-1,0-1,0-1,0 0,0 0,0 0,0 0,0 0,0 0,0 0,0 0,0 5,0 1,0 0,0 3,0 0,0-1,0-2,0-2,0 2,0 1,0 0,0 2,4-5,2 2,-1 0,0 3,-2 0,-1-1,-1-2,0 2,-1 0,-1-1,1-2,0 2,0 6,0-1,-1-2,1-2,0-3,0-2,0-1,0-2,0 0,0 0,0-1,0 1,0 4,0 2,0 0,0 3,0 5,0-1,0-1,5-4,1 2,0-1,-2-2,0-2,-2 3,-1 0,-1-2,0-1,0-2,0 3,0 0,-1 5,1 4,0 0,0 1,0-1,0 0,0-1,0-4,0 2,0 2,0 0,0-3,0-4,0-2,0-2,0-2,0-1,0 4,0 2,0-1,0-1,0 4,0 4,0 5,0 0,0-4,0-3,0-3,0-4,0-1,0-2,0 0,0-1,0 1,0-1,0 1,0 4,0 7,0 5,0 5,0-2,0-3,0-1,0-2,0-4,0-2,0-4,4 3,2 0,0 0,-2-2,0-2,-2 5,-1-1,-1 5,0-1,0 4,0 3,-1 3,1-2,0 1,0-2,0 3,0 4,0-2,4-1,2 1,0-3,-1-1,-2-3,-1 0,-1-2,0 1,-1 3,0-2,-1-3,1-4,0 1,0 0,0-2,0-3,0-1,0 3,0 1,0-2,0 0,0-2,0 3,0 1,0 4,0-1,0 3,0 0,0-4,0 3,0-2,0 3,0-2,0 3,0-2,0 2,0 3,0 3,0 3,0-3,0-4,0-6,0 1,0 2,0 0,0 2,0-2,0-3,0-3,0 2,0-1,0-2,0-1,0-3,0 0,0-1,0-1,0 0,0 0,0 4,0 2,0 4,0 0,0 4,0-2,0 3,0 3,0-2,0 1,0-2,0 0,0 3,0-2,0 1,0-3,0 1,0-2,0-3,0-4,0-2,0 3,0-1,0 0,0-2,0-1,0 3,0 0,0 0,0-1,0-2,0-1,0 3,0 2,0 3,0 1,0 2,0 4,0-1,0-4,0 2,0 2,0 3,0-2,0 1,0 2,0-3,0 1,0-3,0 0,0-2,0 2,0-3,0 2,0-2,0 2,0-2,0 2,0-2,0 2,0-1,0-4,0-2,0-3,0-2,0 3,0 1,0 0,0-2,0-1,0-2,0 0,0 0,0-1,0 0,0 0,0 0,0 0,0 0,0 0,0 0,0 0,0 0,0 1,0-1,0 0,0 0,0 0,0 1,0-1,0 0,0 0,0 0,0-4</inkml:trace>
 </inkml:ink>
 </file>
 
@@ -5192,17 +5753,17 @@
           <inkml:channelProperty channel="F" name="resolution" value="0" units="1/dev"/>
         </inkml:channelProperties>
       </inkml:inkSource>
-      <inkml:timestamp xml:id="ts0" timeString="2025-10-19T12:27:35.083"/>
+      <inkml:timestamp xml:id="ts0" timeString="2025-10-07T10:06:29.724"/>
     </inkml:context>
     <inkml:brush xml:id="br0">
-      <inkml:brushProperty name="width" value="0.2" units="cm"/>
-      <inkml:brushProperty name="height" value="1.2" units="cm"/>
+      <inkml:brushProperty name="width" value="0.35" units="cm"/>
+      <inkml:brushProperty name="height" value="2.1" units="cm"/>
       <inkml:brushProperty name="color" value="#FFFFFF"/>
       <inkml:brushProperty name="ignorePressure" value="1"/>
       <inkml:brushProperty name="inkEffects" value="pencil"/>
     </inkml:brush>
   </inkml:definitions>
-  <inkml:trace contextRef="#ctx0" brushRef="#br0">1291 646 0,'0'25'0,"-2"0"0,0 1 0,-2-1 0,0 0 0,-2 0 0,0-1 0,-1 0 0,-2 0 0,0 0 0,-1-1 0,-1 0 0,-1-1 0,-1 0 0,-1-1 0,0 0 0,-1-1 0,-1 0 0,-1-1 0,-1-1 0,0 0 0,-1-1 0,-1-1 0,0-1 0,-1 0 0,0-2 0,-1 0 0,0-1 0,-1-1 0,0-1 0,-1-1 0,0 0 0,0-2 0,-1 0 0,1-2 0,-1-1 0,-1 0 0,1-2 0,0 0 0,0-2 0,-1 0 0,1-2 0,0 0 0,0-2 0,0 0 0,0-1 0,0-2 0,1 0 0,0-2 0,1 0 0,-1-1 0,2-1 0,-1-1 0,1-1 0,1 0 0,0-2 0,1 0 0,0-1 0,1-1 0,1-1 0,1 0 0,0-1 0,1-1 0,0 0 0,2-1 0,0 0 0,1-1 0,1 0 0,1-1 0,1 0 0,1-1 0,1 0 0,0 0 0,2 0 0,0-1 0,2 0 0,0 0 0,2-1 0,0 1 0,2 0 0,0-1 0,2 1 0,0 0 0,2 0 0,0 0 0,2 0 0,0 1 0,2-1 0,0 1 0,1 1 0,1 0 0,1 0 0,1 0 0,1 1 0,1 1 0,0 0 0,2 1 0,0 1 0,1 0 0,0 0 0,1 2 0,1 0 0,1 1 0,0 0 0,1 2 0,0 0 0,1 2 0,1 0 0,-1 1 0,2 0 0,-1 2 0,1 1 0,0 0 0,1 2 0,0 1 0,0 0 0,0 2 0,0 0 0,0 2 0,1 0 0,-1 2 0,0 0 0,0 2 0,1 0 0,-1 2 0,-1 0 0,1 1 0,-1 2 0,0 0 0,0 1 0,-1 2 0,0 0 0,-1 1 0,0 0 0,-1 2 0,0 0 0,-1 2 0,0 0 0,-1 1 0,-1 0 0,0 2 0,-1 0 0,-1 0 0,-1 1 0,-1 1 0,0 0 0,-1 1 0,-1 1 0,-1 0 0,-1 0 0,-1 0 0,0 1 0,-2 1 0,-1-1 0,0 1 0,-2 0 0,0 0 0,-2 0 0,0 0 0,-2 1 0</inkml:trace>
+  <inkml:trace contextRef="#ctx0" brushRef="#br0">0 0 0,'3902'27'0</inkml:trace>
 </inkml:ink>
 </file>
 
@@ -5222,17 +5783,17 @@
           <inkml:channelProperty channel="F" name="resolution" value="0" units="1/dev"/>
         </inkml:channelProperties>
       </inkml:inkSource>
-      <inkml:timestamp xml:id="ts0" timeString="2025-10-19T12:27:39.589"/>
+      <inkml:timestamp xml:id="ts0" timeString="2025-10-07T10:06:39.058"/>
     </inkml:context>
     <inkml:brush xml:id="br0">
-      <inkml:brushProperty name="width" value="0.2" units="cm"/>
-      <inkml:brushProperty name="height" value="1.2" units="cm"/>
+      <inkml:brushProperty name="width" value="0.35" units="cm"/>
+      <inkml:brushProperty name="height" value="2.1" units="cm"/>
       <inkml:brushProperty name="color" value="#FFFFFF"/>
       <inkml:brushProperty name="ignorePressure" value="1"/>
       <inkml:brushProperty name="inkEffects" value="pencil"/>
     </inkml:brush>
   </inkml:definitions>
-  <inkml:trace contextRef="#ctx0" brushRef="#br0">1291 646 0,'0'25'0,"-2"0"0,0 1 0,-2-1 0,0 0 0,-2 0 0,0-1 0,-1 0 0,-2 0 0,0 0 0,-1-1 0,-1 0 0,-1-1 0,-1 0 0,-1-1 0,0 0 0,-1-1 0,-1 0 0,-1-1 0,-1-1 0,0 0 0,-1-1 0,-1-1 0,0-1 0,-1 0 0,0-2 0,-1 0 0,0-1 0,-1-1 0,0-1 0,-1-1 0,0 0 0,0-2 0,-1 0 0,1-2 0,-1-1 0,-1 0 0,1-2 0,0 0 0,0-2 0,-1 0 0,1-2 0,0 0 0,0-2 0,0 0 0,0-1 0,0-2 0,1 0 0,0-2 0,1 0 0,-1-1 0,2-1 0,-1-1 0,1-1 0,1 0 0,0-2 0,1 0 0,0-1 0,1-1 0,1-1 0,1 0 0,0-1 0,1-1 0,0 0 0,2-1 0,0 0 0,1-1 0,1 0 0,1-1 0,1 0 0,1-1 0,1 0 0,0 0 0,2 0 0,0-1 0,2 0 0,0 0 0,2-1 0,0 1 0,2 0 0,0-1 0,2 1 0,0 0 0,2 0 0,0 0 0,2 0 0,0 1 0,2-1 0,0 1 0,1 1 0,1 0 0,1 0 0,1 0 0,1 1 0,1 1 0,0 0 0,2 1 0,0 1 0,1 0 0,0 0 0,1 2 0,1 0 0,1 1 0,0 0 0,1 2 0,0 0 0,1 2 0,1 0 0,-1 1 0,2 0 0,-1 2 0,1 1 0,0 0 0,1 2 0,0 1 0,0 0 0,0 2 0,0 0 0,0 2 0,1 0 0,-1 2 0,0 0 0,0 2 0,1 0 0,-1 2 0,-1 0 0,1 1 0,-1 2 0,0 0 0,0 1 0,-1 2 0,0 0 0,-1 1 0,0 0 0,-1 2 0,0 0 0,-1 2 0,0 0 0,-1 1 0,-1 0 0,0 2 0,-1 0 0,-1 0 0,-1 1 0,-1 1 0,0 0 0,-1 1 0,-1 1 0,-1 0 0,-1 0 0,-1 0 0,0 1 0,-2 1 0,-1-1 0,0 1 0,-2 0 0,0 0 0,-2 0 0,0 0 0,-2 1 0</inkml:trace>
+  <inkml:trace contextRef="#ctx0" brushRef="#br0">0 0 0,'3981'26'0</inkml:trace>
 </inkml:ink>
 </file>
 
@@ -5280,17 +5841,17 @@
           <inkml:channelProperty channel="F" name="resolution" value="0" units="1/dev"/>
         </inkml:channelProperties>
       </inkml:inkSource>
-      <inkml:timestamp xml:id="ts0" timeString="2025-10-19T12:27:46.097"/>
+      <inkml:timestamp xml:id="ts0" timeString="2025-10-07T10:06:42.387"/>
     </inkml:context>
     <inkml:brush xml:id="br0">
-      <inkml:brushProperty name="width" value="0.2" units="cm"/>
-      <inkml:brushProperty name="height" value="1.2" units="cm"/>
+      <inkml:brushProperty name="width" value="0.35" units="cm"/>
+      <inkml:brushProperty name="height" value="2.1" units="cm"/>
       <inkml:brushProperty name="color" value="#FFFFFF"/>
       <inkml:brushProperty name="ignorePressure" value="1"/>
       <inkml:brushProperty name="inkEffects" value="pencil"/>
     </inkml:brush>
   </inkml:definitions>
-  <inkml:trace contextRef="#ctx0" brushRef="#br0">1291 646 0,'0'25'0,"-2"0"0,0 1 0,-2-1 0,0 0 0,-2 0 0,0-1 0,-1 0 0,-2 0 0,0 0 0,-1-1 0,-1 0 0,-1-1 0,-1 0 0,-1-1 0,0 0 0,-1-1 0,-1 0 0,-1-1 0,-1-1 0,0 0 0,-1-1 0,-1-1 0,0-1 0,-1 0 0,0-2 0,-1 0 0,0-1 0,-1-1 0,0-1 0,-1-1 0,0 0 0,0-2 0,-1 0 0,1-2 0,-1-1 0,-1 0 0,1-2 0,0 0 0,0-2 0,-1 0 0,1-2 0,0 0 0,0-2 0,0 0 0,0-1 0,0-2 0,1 0 0,0-2 0,1 0 0,-1-1 0,2-1 0,-1-1 0,1-1 0,1 0 0,0-2 0,1 0 0,0-1 0,1-1 0,1-1 0,1 0 0,0-1 0,1-1 0,0 0 0,2-1 0,0 0 0,1-1 0,1 0 0,1-1 0,1 0 0,1-1 0,1 0 0,0 0 0,2 0 0,0-1 0,2 0 0,0 0 0,2-1 0,0 1 0,2 0 0,0-1 0,2 1 0,0 0 0,2 0 0,0 0 0,2 0 0,0 1 0,2-1 0,0 1 0,1 1 0,1 0 0,1 0 0,1 0 0,1 1 0,1 1 0,0 0 0,2 1 0,0 1 0,1 0 0,0 0 0,1 2 0,1 0 0,1 1 0,0 0 0,1 2 0,0 0 0,1 2 0,1 0 0,-1 1 0,2 0 0,-1 2 0,1 1 0,0 0 0,1 2 0,0 1 0,0 0 0,0 2 0,0 0 0,0 2 0,1 0 0,-1 2 0,0 0 0,0 2 0,1 0 0,-1 2 0,-1 0 0,1 1 0,-1 2 0,0 0 0,0 1 0,-1 2 0,0 0 0,-1 1 0,0 0 0,-1 2 0,0 0 0,-1 2 0,0 0 0,-1 1 0,-1 0 0,0 2 0,-1 0 0,-1 0 0,-1 1 0,-1 1 0,0 0 0,-1 1 0,-1 1 0,-1 0 0,-1 0 0,-1 0 0,0 1 0,-2 1 0,-1-1 0,0 1 0,-2 0 0,0 0 0,-2 0 0,0 0 0,-2 1 0</inkml:trace>
+  <inkml:trace contextRef="#ctx0" brushRef="#br0">105 0 0,'-105'5839'0</inkml:trace>
 </inkml:ink>
 </file>
 
@@ -5302,13 +5863,15 @@
         <inkml:traceFormat>
           <inkml:channel name="X" type="integer" min="-2.14748E9" max="2.14748E9" units="cm"/>
           <inkml:channel name="Y" type="integer" min="-2.14748E9" max="2.14748E9" units="cm"/>
+          <inkml:channel name="F" type="integer" max="32767" units="dev"/>
         </inkml:traceFormat>
         <inkml:channelProperties>
           <inkml:channelProperty channel="X" name="resolution" value="1000" units="1/cm"/>
           <inkml:channelProperty channel="Y" name="resolution" value="1000" units="1/cm"/>
+          <inkml:channelProperty channel="F" name="resolution" value="0" units="1/dev"/>
         </inkml:channelProperties>
       </inkml:inkSource>
-      <inkml:timestamp xml:id="ts0" timeString="2025-10-07T10:04:20.885"/>
+      <inkml:timestamp xml:id="ts0" timeString="2025-10-07T10:07:09.387"/>
     </inkml:context>
     <inkml:brush xml:id="br0">
       <inkml:brushProperty name="width" value="0.35" units="cm"/>
@@ -5318,7 +5881,7 @@
       <inkml:brushProperty name="inkEffects" value="pencil"/>
     </inkml:brush>
   </inkml:definitions>
-  <inkml:trace contextRef="#ctx0" brushRef="#br0">1 1,'0'0</inkml:trace>
+  <inkml:trace contextRef="#ctx0" brushRef="#br0">0 0 0,'7096'78'0</inkml:trace>
 </inkml:ink>
 </file>
 
@@ -5338,7 +5901,7 @@
           <inkml:channelProperty channel="F" name="resolution" value="0" units="1/dev"/>
         </inkml:channelProperties>
       </inkml:inkSource>
-      <inkml:timestamp xml:id="ts0" timeString="2025-10-07T10:04:33.522"/>
+      <inkml:timestamp xml:id="ts0" timeString="2025-10-07T10:07:09.388"/>
     </inkml:context>
     <inkml:brush xml:id="br0">
       <inkml:brushProperty name="width" value="0.35" units="cm"/>
@@ -5348,7 +5911,7 @@
       <inkml:brushProperty name="inkEffects" value="pencil"/>
     </inkml:brush>
   </inkml:definitions>
-  <inkml:trace contextRef="#ctx0" brushRef="#br0">0 0 0,'27965'53'0</inkml:trace>
+  <inkml:trace contextRef="#ctx0" brushRef="#br0">0 53 0,'7306'-53'0</inkml:trace>
 </inkml:ink>
 </file>
 
@@ -5360,15 +5923,13 @@
         <inkml:traceFormat>
           <inkml:channel name="X" type="integer" min="-2.14748E9" max="2.14748E9" units="cm"/>
           <inkml:channel name="Y" type="integer" min="-2.14748E9" max="2.14748E9" units="cm"/>
-          <inkml:channel name="F" type="integer" max="32767" units="dev"/>
         </inkml:traceFormat>
         <inkml:channelProperties>
           <inkml:channelProperty channel="X" name="resolution" value="1000" units="1/cm"/>
           <inkml:channelProperty channel="Y" name="resolution" value="1000" units="1/cm"/>
-          <inkml:channelProperty channel="F" name="resolution" value="0" units="1/dev"/>
         </inkml:channelProperties>
       </inkml:inkSource>
-      <inkml:timestamp xml:id="ts0" timeString="2025-10-07T10:04:41.932"/>
+      <inkml:timestamp xml:id="ts0" timeString="2025-10-07T10:07:09.389"/>
     </inkml:context>
     <inkml:brush xml:id="br0">
       <inkml:brushProperty name="width" value="0.35" units="cm"/>
@@ -5378,7 +5939,7 @@
       <inkml:brushProperty name="inkEffects" value="pencil"/>
     </inkml:brush>
   </inkml:definitions>
-  <inkml:trace contextRef="#ctx0" brushRef="#br0">181 0 0,'-181'15698'0</inkml:trace>
+  <inkml:trace contextRef="#ctx0" brushRef="#br0">1 0,'0'4,"0"7,0 5,0 4,0 4,0 6,0 3,0 0,0-1,0-2,0-1,0-1,0-1,0-1,0 0,0 0,0 0,0 0,0 0,0 0,0 0,0 0,0 5,0 1,0 0,0 3,0 0,0-1,0-2,0-2,0 2,0 1,0 0,0 2,4-5,2 2,-1 0,0 3,-2 0,-1-1,-1-2,0 2,-1 0,-1-1,1-2,0 2,0 6,0-1,-1-2,1-2,0-3,0-2,0-1,0-2,0 0,0 0,0-1,0 1,0 4,0 2,0 0,0 3,0 5,0-1,0-1,5-4,1 2,0-1,-2-2,0-2,-2 3,-1 0,-1-2,0-1,0-2,0 3,0 0,-1 5,1 4,0 0,0 1,0-1,0 0,0-1,0-4,0 2,0 2,0 0,0-3,0-4,0-2,0-2,0-2,0-1,0 4,0 2,0-1,0-1,0 4,0 4,0 5,0 0,0-4,0-3,0-3,0-4,0-1,0-2,0 0,0-1,0 1,0-1,0 1,0 4,0 7,0 5,0 5,0-2,0-3,0-1,0-2,0-4,0-2,0-4,4 3,2 0,0 0,-2-2,0-2,-2 5,-1-1,-1 5,0-1,0 4,0 3,-1 3,1-2,0 1,0-2,0 3,0 4,0-2,4-1,2 1,0-3,-1-1,-2-3,-1 0,-1-2,0 1,-1 3,0-2,-1-3,1-4,0 1,0 0,0-2,0-3,0-1,0 3,0 1,0-2,0 0,0-2,0 3,0 1,0 4,0-1,0 3,0 0,0-4,0 3,0-2,0 3,0-2,0 3,0-2,0 2,0 3,0 3,0 3,0-3,0-4,0-6,0 1,0 2,0 0,0 2,0-2,0-3,0-3,0 2,0-1,0-2,0-1,0-3,0 0,0-1,0-1,0 0,0 0,0 4,0 2,0 4,0 0,0 4,0-2,0 3,0 3,0-2,0 1,0-2,0 0,0 3,0-2,0 1,0-3,0 1,0-2,0-3,0-4,0-2,0 3,0-1,0 0,0-2,0-1,0 3,0 0,0 0,0-1,0-2,0-1,0 3,0 2,0 3,0 1,0 2,0 4,0-1,0-4,0 2,0 2,0 3,0-2,0 1,0 2,0-3,0 1,0-3,0 0,0-2,0 2,0-3,0 2,0-2,0 2,0-2,0 2,0-2,0 2,0-1,0-4,0-2,0-3,0-2,0 3,0 1,0 0,0-2,0-1,0-2,0 0,0 0,0-1,0 0,0 0,0 0,0 0,0 0,0 0,0 0,0 0,0 0,0 1,0-1,0 0,0 0,0 0,0 1,0-1,0 0,0 0,0 0,0-4</inkml:trace>
 </inkml:ink>
 </file>
 
@@ -5398,7 +5959,7 @@
           <inkml:channelProperty channel="F" name="resolution" value="0" units="1/dev"/>
         </inkml:channelProperties>
       </inkml:inkSource>
-      <inkml:timestamp xml:id="ts0" timeString="2025-10-07T10:05:07.090"/>
+      <inkml:timestamp xml:id="ts0" timeString="2025-10-07T10:07:09.390"/>
     </inkml:context>
     <inkml:brush xml:id="br0">
       <inkml:brushProperty name="width" value="0.35" units="cm"/>
@@ -5408,7 +5969,7 @@
       <inkml:brushProperty name="inkEffects" value="pencil"/>
     </inkml:brush>
   </inkml:definitions>
-  <inkml:trace contextRef="#ctx0" brushRef="#br0">0 53 0,'28098'-53'0</inkml:trace>
+  <inkml:trace contextRef="#ctx0" brushRef="#br0">0 0 0,'3902'27'0</inkml:trace>
 </inkml:ink>
 </file>
 
@@ -5428,7 +5989,7 @@
           <inkml:channelProperty channel="F" name="resolution" value="0" units="1/dev"/>
         </inkml:channelProperties>
       </inkml:inkSource>
-      <inkml:timestamp xml:id="ts0" timeString="2025-10-07T10:05:12.231"/>
+      <inkml:timestamp xml:id="ts0" timeString="2025-10-07T10:07:09.391"/>
     </inkml:context>
     <inkml:brush xml:id="br0">
       <inkml:brushProperty name="width" value="0.35" units="cm"/>
@@ -5438,7 +5999,7 @@
       <inkml:brushProperty name="inkEffects" value="pencil"/>
     </inkml:brush>
   </inkml:definitions>
-  <inkml:trace contextRef="#ctx0" brushRef="#br0">0 0 0,'105'15895'0</inkml:trace>
+  <inkml:trace contextRef="#ctx0" brushRef="#br0">0 0 0,'3981'26'0</inkml:trace>
 </inkml:ink>
 </file>
 
@@ -5458,7 +6019,7 @@
           <inkml:channelProperty channel="F" name="resolution" value="0" units="1/dev"/>
         </inkml:channelProperties>
       </inkml:inkSource>
-      <inkml:timestamp xml:id="ts0" timeString="2025-10-07T10:06:11.194"/>
+      <inkml:timestamp xml:id="ts0" timeString="2025-10-07T10:07:09.392"/>
     </inkml:context>
     <inkml:brush xml:id="br0">
       <inkml:brushProperty name="width" value="0.35" units="cm"/>
@@ -5468,7 +6029,7 @@
       <inkml:brushProperty name="inkEffects" value="pencil"/>
     </inkml:brush>
   </inkml:definitions>
-  <inkml:trace contextRef="#ctx0" brushRef="#br0">0 0 0,'7096'78'0</inkml:trace>
+  <inkml:trace contextRef="#ctx0" brushRef="#br0">105 0 0,'-105'5839'0</inkml:trace>
 </inkml:ink>
 </file>
 
@@ -5488,7 +6049,7 @@
           <inkml:channelProperty channel="F" name="resolution" value="0" units="1/dev"/>
         </inkml:channelProperties>
       </inkml:inkSource>
-      <inkml:timestamp xml:id="ts0" timeString="2025-10-07T10:06:17.934"/>
+      <inkml:timestamp xml:id="ts0" timeString="2025-10-07T10:45:29.618"/>
     </inkml:context>
     <inkml:brush xml:id="br0">
       <inkml:brushProperty name="width" value="0.35" units="cm"/>
@@ -5498,7 +6059,7 @@
       <inkml:brushProperty name="inkEffects" value="pencil"/>
     </inkml:brush>
   </inkml:definitions>
-  <inkml:trace contextRef="#ctx0" brushRef="#br0">0 53 0,'7306'-53'0</inkml:trace>
+  <inkml:trace contextRef="#ctx0" brushRef="#br0">0 0 0,'25'15830'0</inkml:trace>
 </inkml:ink>
 </file>
 
@@ -5510,13 +6071,15 @@
         <inkml:traceFormat>
           <inkml:channel name="X" type="integer" min="-2.14748E9" max="2.14748E9" units="cm"/>
           <inkml:channel name="Y" type="integer" min="-2.14748E9" max="2.14748E9" units="cm"/>
+          <inkml:channel name="F" type="integer" max="32767" units="dev"/>
         </inkml:traceFormat>
         <inkml:channelProperties>
           <inkml:channelProperty channel="X" name="resolution" value="1000" units="1/cm"/>
           <inkml:channelProperty channel="Y" name="resolution" value="1000" units="1/cm"/>
+          <inkml:channelProperty channel="F" name="resolution" value="0" units="1/dev"/>
         </inkml:channelProperties>
       </inkml:inkSource>
-      <inkml:timestamp xml:id="ts0" timeString="2025-10-07T10:06:24.583"/>
+      <inkml:timestamp xml:id="ts0" timeString="2025-10-07T10:45:53.917"/>
     </inkml:context>
     <inkml:brush xml:id="br0">
       <inkml:brushProperty name="width" value="0.35" units="cm"/>
@@ -5526,7 +6089,7 @@
       <inkml:brushProperty name="inkEffects" value="pencil"/>
     </inkml:brush>
   </inkml:definitions>
-  <inkml:trace contextRef="#ctx0" brushRef="#br0">1 0,'0'4,"0"7,0 5,0 4,0 4,0 6,0 3,0 0,0-1,0-2,0-1,0-1,0-1,0-1,0 0,0 0,0 0,0 0,0 0,0 0,0 0,0 0,0 5,0 1,0 0,0 3,0 0,0-1,0-2,0-2,0 2,0 1,0 0,0 2,4-5,2 2,-1 0,0 3,-2 0,-1-1,-1-2,0 2,-1 0,-1-1,1-2,0 2,0 6,0-1,-1-2,1-2,0-3,0-2,0-1,0-2,0 0,0 0,0-1,0 1,0 4,0 2,0 0,0 3,0 5,0-1,0-1,5-4,1 2,0-1,-2-2,0-2,-2 3,-1 0,-1-2,0-1,0-2,0 3,0 0,-1 5,1 4,0 0,0 1,0-1,0 0,0-1,0-4,0 2,0 2,0 0,0-3,0-4,0-2,0-2,0-2,0-1,0 4,0 2,0-1,0-1,0 4,0 4,0 5,0 0,0-4,0-3,0-3,0-4,0-1,0-2,0 0,0-1,0 1,0-1,0 1,0 4,0 7,0 5,0 5,0-2,0-3,0-1,0-2,0-4,0-2,0-4,4 3,2 0,0 0,-2-2,0-2,-2 5,-1-1,-1 5,0-1,0 4,0 3,-1 3,1-2,0 1,0-2,0 3,0 4,0-2,4-1,2 1,0-3,-1-1,-2-3,-1 0,-1-2,0 1,-1 3,0-2,-1-3,1-4,0 1,0 0,0-2,0-3,0-1,0 3,0 1,0-2,0 0,0-2,0 3,0 1,0 4,0-1,0 3,0 0,0-4,0 3,0-2,0 3,0-2,0 3,0-2,0 2,0 3,0 3,0 3,0-3,0-4,0-6,0 1,0 2,0 0,0 2,0-2,0-3,0-3,0 2,0-1,0-2,0-1,0-3,0 0,0-1,0-1,0 0,0 0,0 4,0 2,0 4,0 0,0 4,0-2,0 3,0 3,0-2,0 1,0-2,0 0,0 3,0-2,0 1,0-3,0 1,0-2,0-3,0-4,0-2,0 3,0-1,0 0,0-2,0-1,0 3,0 0,0 0,0-1,0-2,0-1,0 3,0 2,0 3,0 1,0 2,0 4,0-1,0-4,0 2,0 2,0 3,0-2,0 1,0 2,0-3,0 1,0-3,0 0,0-2,0 2,0-3,0 2,0-2,0 2,0-2,0 2,0-2,0 2,0-1,0-4,0-2,0-3,0-2,0 3,0 1,0 0,0-2,0-1,0-2,0 0,0 0,0-1,0 0,0 0,0 0,0 0,0 0,0 0,0 0,0 0,0 0,0 1,0-1,0 0,0 0,0 0,0 1,0-1,0 0,0 0,0 0,0-4</inkml:trace>
+  <inkml:trace contextRef="#ctx0" brushRef="#br0">4116 2058 0,'-2'81'0,"-2"-1"0,-4 1 0,-3-1 0,-4-1 0,-2 0 0,-3 0 0,-4-2 0,-2-1 0,-4 0 0,-2-2 0,-3-2 0,-3 0 0,-3-3 0,-3-1 0,-2-1 0,-3-3 0,-2-1 0,-3-3 0,-2-2 0,-2-2 0,-2-2 0,-3-3 0,-1-2 0,-3-3 0,-1-2 0,-1-3 0,-3-3 0,0-3 0,-2-3 0,-2-2 0,0-4 0,-1-2 0,-2-4 0,0-3 0,0-2 0,-1-4 0,-1-3 0,1-4 0,-1-2 0,0-4 0,1-2 0,-1-4 0,1-3 0,1-4 0,0-2 0,0-3 0,2-4 0,1-2 0,0-4 0,2-2 0,2-3 0,0-3 0,3-3 0,1-3 0,1-2 0,3-3 0,1-2 0,3-3 0,2-2 0,2-2 0,2-2 0,3-3 0,2-1 0,3-3 0,2-1 0,3-1 0,3-3 0,3 0 0,3-2 0,2-2 0,4 0 0,2-1 0,4-2 0,3 0 0,2 0 0,4-1 0,3-1 0,4 1 0,2-1 0,4 0 0,2 1 0,4-1 0,3 1 0,4 1 0,2 0 0,3 0 0,4 2 0,2 1 0,4 0 0,2 2 0,3 2 0,3 0 0,3 3 0,3 1 0,2 1 0,3 3 0,2 1 0,3 3 0,2 2 0,2 2 0,2 2 0,3 3 0,1 2 0,3 3 0,1 2 0,1 3 0,3 3 0,0 3 0,2 3 0,2 2 0,0 4 0,1 2 0,2 4 0,0 3 0,0 2 0,1 4 0,1 3 0,-1 4 0,1 2 0,0 4 0,-1 2 0,1 4 0,-1 3 0,-1 4 0,0 2 0,0 3 0,-2 4 0,-1 2 0,0 4 0,-2 2 0,-2 3 0,0 3 0,-3 3 0,-1 3 0,-1 2 0,-3 3 0,-1 2 0,-3 3 0,-2 2 0,-2 2 0,-2 2 0,-3 3 0,-2 1 0,-3 3 0,-2 1 0,-3 1 0,-3 3 0,-3 0 0,-3 2 0,-2 2 0,-4 0 0,-2 1 0,-4 2 0,-3 0 0,-2 0 0,-4 1 0,-3 1 0,-4-1 0,-2 1 0</inkml:trace>
 </inkml:ink>
 </file>
 
@@ -5546,17 +6109,17 @@
           <inkml:channelProperty channel="F" name="resolution" value="0" units="1/dev"/>
         </inkml:channelProperties>
       </inkml:inkSource>
-      <inkml:timestamp xml:id="ts0" timeString="2025-10-07T10:06:29.724"/>
+      <inkml:timestamp xml:id="ts0" timeString="2025-10-19T12:26:35.368"/>
     </inkml:context>
     <inkml:brush xml:id="br0">
-      <inkml:brushProperty name="width" value="0.35" units="cm"/>
-      <inkml:brushProperty name="height" value="2.1" units="cm"/>
+      <inkml:brushProperty name="width" value="0.2" units="cm"/>
+      <inkml:brushProperty name="height" value="1.2" units="cm"/>
       <inkml:brushProperty name="color" value="#FFFFFF"/>
       <inkml:brushProperty name="ignorePressure" value="1"/>
       <inkml:brushProperty name="inkEffects" value="pencil"/>
     </inkml:brush>
   </inkml:definitions>
-  <inkml:trace contextRef="#ctx0" brushRef="#br0">0 0 0,'3902'27'0</inkml:trace>
+  <inkml:trace contextRef="#ctx0" brushRef="#br0">1291 646 0,'0'25'0,"-2"0"0,0 1 0,-2-1 0,0 0 0,-2 0 0,0-1 0,-1 0 0,-2 0 0,0 0 0,-1-1 0,-1 0 0,-1-1 0,-1 0 0,-1-1 0,0 0 0,-1-1 0,-1 0 0,-1-1 0,-1-1 0,0 0 0,-1-1 0,-1-1 0,0-1 0,-1 0 0,0-2 0,-1 0 0,0-1 0,-1-1 0,0-1 0,-1-1 0,0 0 0,0-2 0,-1 0 0,1-2 0,-1-1 0,-1 0 0,1-2 0,0 0 0,0-2 0,-1 0 0,1-2 0,0 0 0,0-2 0,0 0 0,0-1 0,0-2 0,1 0 0,0-2 0,1 0 0,-1-1 0,2-1 0,-1-1 0,1-1 0,1 0 0,0-2 0,1 0 0,0-1 0,1-1 0,1-1 0,1 0 0,0-1 0,1-1 0,0 0 0,2-1 0,0 0 0,1-1 0,1 0 0,1-1 0,1 0 0,1-1 0,1 0 0,0 0 0,2 0 0,0-1 0,2 0 0,0 0 0,2-1 0,0 1 0,2 0 0,0-1 0,2 1 0,0 0 0,2 0 0,0 0 0,2 0 0,0 1 0,2-1 0,0 1 0,1 1 0,1 0 0,1 0 0,1 0 0,1 1 0,1 1 0,0 0 0,2 1 0,0 1 0,1 0 0,0 0 0,1 2 0,1 0 0,1 1 0,0 0 0,1 2 0,0 0 0,1 2 0,1 0 0,-1 1 0,2 0 0,-1 2 0,1 1 0,0 0 0,1 2 0,0 1 0,0 0 0,0 2 0,0 0 0,0 2 0,1 0 0,-1 2 0,0 0 0,0 2 0,1 0 0,-1 2 0,-1 0 0,1 1 0,-1 2 0,0 0 0,0 1 0,-1 2 0,0 0 0,-1 1 0,0 0 0,-1 2 0,0 0 0,-1 2 0,0 0 0,-1 1 0,-1 0 0,0 2 0,-1 0 0,-1 0 0,-1 1 0,-1 1 0,0 0 0,-1 1 0,-1 1 0,-1 0 0,-1 0 0,-1 0 0,0 1 0,-2 1 0,-1-1 0,0 1 0,-2 0 0,0 0 0,-2 0 0,0 0 0,-2 1 0</inkml:trace>
 </inkml:ink>
 </file>
 
@@ -5604,17 +6167,17 @@
           <inkml:channelProperty channel="F" name="resolution" value="0" units="1/dev"/>
         </inkml:channelProperties>
       </inkml:inkSource>
-      <inkml:timestamp xml:id="ts0" timeString="2025-10-07T10:06:39.058"/>
+      <inkml:timestamp xml:id="ts0" timeString="2025-10-19T12:26:47.030"/>
     </inkml:context>
     <inkml:brush xml:id="br0">
-      <inkml:brushProperty name="width" value="0.35" units="cm"/>
-      <inkml:brushProperty name="height" value="2.1" units="cm"/>
+      <inkml:brushProperty name="width" value="0.2" units="cm"/>
+      <inkml:brushProperty name="height" value="1.2" units="cm"/>
       <inkml:brushProperty name="color" value="#FFFFFF"/>
       <inkml:brushProperty name="ignorePressure" value="1"/>
       <inkml:brushProperty name="inkEffects" value="pencil"/>
     </inkml:brush>
   </inkml:definitions>
-  <inkml:trace contextRef="#ctx0" brushRef="#br0">0 0 0,'3981'26'0</inkml:trace>
+  <inkml:trace contextRef="#ctx0" brushRef="#br0">1291 646 0,'0'25'0,"-2"0"0,0 1 0,-2-1 0,0 0 0,-2 0 0,0-1 0,-1 0 0,-2 0 0,0 0 0,-1-1 0,-1 0 0,-1-1 0,-1 0 0,-1-1 0,0 0 0,-1-1 0,-1 0 0,-1-1 0,-1-1 0,0 0 0,-1-1 0,-1-1 0,0-1 0,-1 0 0,0-2 0,-1 0 0,0-1 0,-1-1 0,0-1 0,-1-1 0,0 0 0,0-2 0,-1 0 0,1-2 0,-1-1 0,-1 0 0,1-2 0,0 0 0,0-2 0,-1 0 0,1-2 0,0 0 0,0-2 0,0 0 0,0-1 0,0-2 0,1 0 0,0-2 0,1 0 0,-1-1 0,2-1 0,-1-1 0,1-1 0,1 0 0,0-2 0,1 0 0,0-1 0,1-1 0,1-1 0,1 0 0,0-1 0,1-1 0,0 0 0,2-1 0,0 0 0,1-1 0,1 0 0,1-1 0,1 0 0,1-1 0,1 0 0,0 0 0,2 0 0,0-1 0,2 0 0,0 0 0,2-1 0,0 1 0,2 0 0,0-1 0,2 1 0,0 0 0,2 0 0,0 0 0,2 0 0,0 1 0,2-1 0,0 1 0,1 1 0,1 0 0,1 0 0,1 0 0,1 1 0,1 1 0,0 0 0,2 1 0,0 1 0,1 0 0,0 0 0,1 2 0,1 0 0,1 1 0,0 0 0,1 2 0,0 0 0,1 2 0,1 0 0,-1 1 0,2 0 0,-1 2 0,1 1 0,0 0 0,1 2 0,0 1 0,0 0 0,0 2 0,0 0 0,0 2 0,1 0 0,-1 2 0,0 0 0,0 2 0,1 0 0,-1 2 0,-1 0 0,1 1 0,-1 2 0,0 0 0,0 1 0,-1 2 0,0 0 0,-1 1 0,0 0 0,-1 2 0,0 0 0,-1 2 0,0 0 0,-1 1 0,-1 0 0,0 2 0,-1 0 0,-1 0 0,-1 1 0,-1 1 0,0 0 0,-1 1 0,-1 1 0,-1 0 0,-1 0 0,-1 0 0,0 1 0,-2 1 0,-1-1 0,0 1 0,-2 0 0,0 0 0,-2 0 0,0 0 0,-2 1 0</inkml:trace>
 </inkml:ink>
 </file>
 
@@ -5634,17 +6197,17 @@
           <inkml:channelProperty channel="F" name="resolution" value="0" units="1/dev"/>
         </inkml:channelProperties>
       </inkml:inkSource>
-      <inkml:timestamp xml:id="ts0" timeString="2025-10-07T10:06:42.387"/>
+      <inkml:timestamp xml:id="ts0" timeString="2025-10-19T12:26:50.737"/>
     </inkml:context>
     <inkml:brush xml:id="br0">
-      <inkml:brushProperty name="width" value="0.35" units="cm"/>
-      <inkml:brushProperty name="height" value="2.1" units="cm"/>
+      <inkml:brushProperty name="width" value="0.2" units="cm"/>
+      <inkml:brushProperty name="height" value="1.2" units="cm"/>
       <inkml:brushProperty name="color" value="#FFFFFF"/>
       <inkml:brushProperty name="ignorePressure" value="1"/>
       <inkml:brushProperty name="inkEffects" value="pencil"/>
     </inkml:brush>
   </inkml:definitions>
-  <inkml:trace contextRef="#ctx0" brushRef="#br0">105 0 0,'-105'5839'0</inkml:trace>
+  <inkml:trace contextRef="#ctx0" brushRef="#br0">1291 646 0,'0'25'0,"-2"0"0,0 1 0,-2-1 0,0 0 0,-2 0 0,0-1 0,-1 0 0,-2 0 0,0 0 0,-1-1 0,-1 0 0,-1-1 0,-1 0 0,-1-1 0,0 0 0,-1-1 0,-1 0 0,-1-1 0,-1-1 0,0 0 0,-1-1 0,-1-1 0,0-1 0,-1 0 0,0-2 0,-1 0 0,0-1 0,-1-1 0,0-1 0,-1-1 0,0 0 0,0-2 0,-1 0 0,1-2 0,-1-1 0,-1 0 0,1-2 0,0 0 0,0-2 0,-1 0 0,1-2 0,0 0 0,0-2 0,0 0 0,0-1 0,0-2 0,1 0 0,0-2 0,1 0 0,-1-1 0,2-1 0,-1-1 0,1-1 0,1 0 0,0-2 0,1 0 0,0-1 0,1-1 0,1-1 0,1 0 0,0-1 0,1-1 0,0 0 0,2-1 0,0 0 0,1-1 0,1 0 0,1-1 0,1 0 0,1-1 0,1 0 0,0 0 0,2 0 0,0-1 0,2 0 0,0 0 0,2-1 0,0 1 0,2 0 0,0-1 0,2 1 0,0 0 0,2 0 0,0 0 0,2 0 0,0 1 0,2-1 0,0 1 0,1 1 0,1 0 0,1 0 0,1 0 0,1 1 0,1 1 0,0 0 0,2 1 0,0 1 0,1 0 0,0 0 0,1 2 0,1 0 0,1 1 0,0 0 0,1 2 0,0 0 0,1 2 0,1 0 0,-1 1 0,2 0 0,-1 2 0,1 1 0,0 0 0,1 2 0,0 1 0,0 0 0,0 2 0,0 0 0,0 2 0,1 0 0,-1 2 0,0 0 0,0 2 0,1 0 0,-1 2 0,-1 0 0,1 1 0,-1 2 0,0 0 0,0 1 0,-1 2 0,0 0 0,-1 1 0,0 0 0,-1 2 0,0 0 0,-1 2 0,0 0 0,-1 1 0,-1 0 0,0 2 0,-1 0 0,-1 0 0,-1 1 0,-1 1 0,0 0 0,-1 1 0,-1 1 0,-1 0 0,-1 0 0,-1 0 0,0 1 0,-2 1 0,-1-1 0,0 1 0,-2 0 0,0 0 0,-2 0 0,0 0 0,-2 1 0</inkml:trace>
 </inkml:ink>
 </file>
 
@@ -5664,17 +6227,17 @@
           <inkml:channelProperty channel="F" name="resolution" value="0" units="1/dev"/>
         </inkml:channelProperties>
       </inkml:inkSource>
-      <inkml:timestamp xml:id="ts0" timeString="2025-10-07T10:07:09.387"/>
+      <inkml:timestamp xml:id="ts0" timeString="2025-10-19T12:27:01.115"/>
     </inkml:context>
     <inkml:brush xml:id="br0">
-      <inkml:brushProperty name="width" value="0.35" units="cm"/>
-      <inkml:brushProperty name="height" value="2.1" units="cm"/>
+      <inkml:brushProperty name="width" value="0.2" units="cm"/>
+      <inkml:brushProperty name="height" value="1.2" units="cm"/>
       <inkml:brushProperty name="color" value="#FFFFFF"/>
       <inkml:brushProperty name="ignorePressure" value="1"/>
       <inkml:brushProperty name="inkEffects" value="pencil"/>
     </inkml:brush>
   </inkml:definitions>
-  <inkml:trace contextRef="#ctx0" brushRef="#br0">0 0 0,'7096'78'0</inkml:trace>
+  <inkml:trace contextRef="#ctx0" brushRef="#br0">1291 646 0,'0'25'0,"-2"0"0,0 1 0,-2-1 0,0 0 0,-2 0 0,0-1 0,-1 0 0,-2 0 0,0 0 0,-1-1 0,-1 0 0,-1-1 0,-1 0 0,-1-1 0,0 0 0,-1-1 0,-1 0 0,-1-1 0,-1-1 0,0 0 0,-1-1 0,-1-1 0,0-1 0,-1 0 0,0-2 0,-1 0 0,0-1 0,-1-1 0,0-1 0,-1-1 0,0 0 0,0-2 0,-1 0 0,1-2 0,-1-1 0,-1 0 0,1-2 0,0 0 0,0-2 0,-1 0 0,1-2 0,0 0 0,0-2 0,0 0 0,0-1 0,0-2 0,1 0 0,0-2 0,1 0 0,-1-1 0,2-1 0,-1-1 0,1-1 0,1 0 0,0-2 0,1 0 0,0-1 0,1-1 0,1-1 0,1 0 0,0-1 0,1-1 0,0 0 0,2-1 0,0 0 0,1-1 0,1 0 0,1-1 0,1 0 0,1-1 0,1 0 0,0 0 0,2 0 0,0-1 0,2 0 0,0 0 0,2-1 0,0 1 0,2 0 0,0-1 0,2 1 0,0 0 0,2 0 0,0 0 0,2 0 0,0 1 0,2-1 0,0 1 0,1 1 0,1 0 0,1 0 0,1 0 0,1 1 0,1 1 0,0 0 0,2 1 0,0 1 0,1 0 0,0 0 0,1 2 0,1 0 0,1 1 0,0 0 0,1 2 0,0 0 0,1 2 0,1 0 0,-1 1 0,2 0 0,-1 2 0,1 1 0,0 0 0,1 2 0,0 1 0,0 0 0,0 2 0,0 0 0,0 2 0,1 0 0,-1 2 0,0 0 0,0 2 0,1 0 0,-1 2 0,-1 0 0,1 1 0,-1 2 0,0 0 0,0 1 0,-1 2 0,0 0 0,-1 1 0,0 0 0,-1 2 0,0 0 0,-1 2 0,0 0 0,-1 1 0,-1 0 0,0 2 0,-1 0 0,-1 0 0,-1 1 0,-1 1 0,0 0 0,-1 1 0,-1 1 0,-1 0 0,-1 0 0,-1 0 0,0 1 0,-2 1 0,-1-1 0,0 1 0,-2 0 0,0 0 0,-2 0 0,0 0 0,-2 1 0</inkml:trace>
 </inkml:ink>
 </file>
 
@@ -5694,17 +6257,17 @@
           <inkml:channelProperty channel="F" name="resolution" value="0" units="1/dev"/>
         </inkml:channelProperties>
       </inkml:inkSource>
-      <inkml:timestamp xml:id="ts0" timeString="2025-10-07T10:07:09.388"/>
+      <inkml:timestamp xml:id="ts0" timeString="2025-10-19T12:27:12.126"/>
     </inkml:context>
     <inkml:brush xml:id="br0">
-      <inkml:brushProperty name="width" value="0.35" units="cm"/>
-      <inkml:brushProperty name="height" value="2.1" units="cm"/>
+      <inkml:brushProperty name="width" value="0.2" units="cm"/>
+      <inkml:brushProperty name="height" value="1.2" units="cm"/>
       <inkml:brushProperty name="color" value="#FFFFFF"/>
       <inkml:brushProperty name="ignorePressure" value="1"/>
       <inkml:brushProperty name="inkEffects" value="pencil"/>
     </inkml:brush>
   </inkml:definitions>
-  <inkml:trace contextRef="#ctx0" brushRef="#br0">0 53 0,'7306'-53'0</inkml:trace>
+  <inkml:trace contextRef="#ctx0" brushRef="#br0">1291 646 0,'0'25'0,"-2"0"0,0 1 0,-2-1 0,0 0 0,-2 0 0,0-1 0,-1 0 0,-2 0 0,0 0 0,-1-1 0,-1 0 0,-1-1 0,-1 0 0,-1-1 0,0 0 0,-1-1 0,-1 0 0,-1-1 0,-1-1 0,0 0 0,-1-1 0,-1-1 0,0-1 0,-1 0 0,0-2 0,-1 0 0,0-1 0,-1-1 0,0-1 0,-1-1 0,0 0 0,0-2 0,-1 0 0,1-2 0,-1-1 0,-1 0 0,1-2 0,0 0 0,0-2 0,-1 0 0,1-2 0,0 0 0,0-2 0,0 0 0,0-1 0,0-2 0,1 0 0,0-2 0,1 0 0,-1-1 0,2-1 0,-1-1 0,1-1 0,1 0 0,0-2 0,1 0 0,0-1 0,1-1 0,1-1 0,1 0 0,0-1 0,1-1 0,0 0 0,2-1 0,0 0 0,1-1 0,1 0 0,1-1 0,1 0 0,1-1 0,1 0 0,0 0 0,2 0 0,0-1 0,2 0 0,0 0 0,2-1 0,0 1 0,2 0 0,0-1 0,2 1 0,0 0 0,2 0 0,0 0 0,2 0 0,0 1 0,2-1 0,0 1 0,1 1 0,1 0 0,1 0 0,1 0 0,1 1 0,1 1 0,0 0 0,2 1 0,0 1 0,1 0 0,0 0 0,1 2 0,1 0 0,1 1 0,0 0 0,1 2 0,0 0 0,1 2 0,1 0 0,-1 1 0,2 0 0,-1 2 0,1 1 0,0 0 0,1 2 0,0 1 0,0 0 0,0 2 0,0 0 0,0 2 0,1 0 0,-1 2 0,0 0 0,0 2 0,1 0 0,-1 2 0,-1 0 0,1 1 0,-1 2 0,0 0 0,0 1 0,-1 2 0,0 0 0,-1 1 0,0 0 0,-1 2 0,0 0 0,-1 2 0,0 0 0,-1 1 0,-1 0 0,0 2 0,-1 0 0,-1 0 0,-1 1 0,-1 1 0,0 0 0,-1 1 0,-1 1 0,-1 0 0,-1 0 0,-1 0 0,0 1 0,-2 1 0,-1-1 0,0 1 0,-2 0 0,0 0 0,-2 0 0,0 0 0,-2 1 0</inkml:trace>
 </inkml:ink>
 </file>
 
@@ -5716,23 +6279,25 @@
         <inkml:traceFormat>
           <inkml:channel name="X" type="integer" min="-2.14748E9" max="2.14748E9" units="cm"/>
           <inkml:channel name="Y" type="integer" min="-2.14748E9" max="2.14748E9" units="cm"/>
+          <inkml:channel name="F" type="integer" max="32767" units="dev"/>
         </inkml:traceFormat>
         <inkml:channelProperties>
           <inkml:channelProperty channel="X" name="resolution" value="1000" units="1/cm"/>
           <inkml:channelProperty channel="Y" name="resolution" value="1000" units="1/cm"/>
+          <inkml:channelProperty channel="F" name="resolution" value="0" units="1/dev"/>
         </inkml:channelProperties>
       </inkml:inkSource>
-      <inkml:timestamp xml:id="ts0" timeString="2025-10-07T10:07:09.389"/>
+      <inkml:timestamp xml:id="ts0" timeString="2025-10-19T12:27:19.209"/>
     </inkml:context>
     <inkml:brush xml:id="br0">
-      <inkml:brushProperty name="width" value="0.35" units="cm"/>
-      <inkml:brushProperty name="height" value="2.1" units="cm"/>
+      <inkml:brushProperty name="width" value="0.2" units="cm"/>
+      <inkml:brushProperty name="height" value="1.2" units="cm"/>
       <inkml:brushProperty name="color" value="#FFFFFF"/>
       <inkml:brushProperty name="ignorePressure" value="1"/>
       <inkml:brushProperty name="inkEffects" value="pencil"/>
     </inkml:brush>
   </inkml:definitions>
-  <inkml:trace contextRef="#ctx0" brushRef="#br0">1 0,'0'4,"0"7,0 5,0 4,0 4,0 6,0 3,0 0,0-1,0-2,0-1,0-1,0-1,0-1,0 0,0 0,0 0,0 0,0 0,0 0,0 0,0 0,0 5,0 1,0 0,0 3,0 0,0-1,0-2,0-2,0 2,0 1,0 0,0 2,4-5,2 2,-1 0,0 3,-2 0,-1-1,-1-2,0 2,-1 0,-1-1,1-2,0 2,0 6,0-1,-1-2,1-2,0-3,0-2,0-1,0-2,0 0,0 0,0-1,0 1,0 4,0 2,0 0,0 3,0 5,0-1,0-1,5-4,1 2,0-1,-2-2,0-2,-2 3,-1 0,-1-2,0-1,0-2,0 3,0 0,-1 5,1 4,0 0,0 1,0-1,0 0,0-1,0-4,0 2,0 2,0 0,0-3,0-4,0-2,0-2,0-2,0-1,0 4,0 2,0-1,0-1,0 4,0 4,0 5,0 0,0-4,0-3,0-3,0-4,0-1,0-2,0 0,0-1,0 1,0-1,0 1,0 4,0 7,0 5,0 5,0-2,0-3,0-1,0-2,0-4,0-2,0-4,4 3,2 0,0 0,-2-2,0-2,-2 5,-1-1,-1 5,0-1,0 4,0 3,-1 3,1-2,0 1,0-2,0 3,0 4,0-2,4-1,2 1,0-3,-1-1,-2-3,-1 0,-1-2,0 1,-1 3,0-2,-1-3,1-4,0 1,0 0,0-2,0-3,0-1,0 3,0 1,0-2,0 0,0-2,0 3,0 1,0 4,0-1,0 3,0 0,0-4,0 3,0-2,0 3,0-2,0 3,0-2,0 2,0 3,0 3,0 3,0-3,0-4,0-6,0 1,0 2,0 0,0 2,0-2,0-3,0-3,0 2,0-1,0-2,0-1,0-3,0 0,0-1,0-1,0 0,0 0,0 4,0 2,0 4,0 0,0 4,0-2,0 3,0 3,0-2,0 1,0-2,0 0,0 3,0-2,0 1,0-3,0 1,0-2,0-3,0-4,0-2,0 3,0-1,0 0,0-2,0-1,0 3,0 0,0 0,0-1,0-2,0-1,0 3,0 2,0 3,0 1,0 2,0 4,0-1,0-4,0 2,0 2,0 3,0-2,0 1,0 2,0-3,0 1,0-3,0 0,0-2,0 2,0-3,0 2,0-2,0 2,0-2,0 2,0-2,0 2,0-1,0-4,0-2,0-3,0-2,0 3,0 1,0 0,0-2,0-1,0-2,0 0,0 0,0-1,0 0,0 0,0 0,0 0,0 0,0 0,0 0,0 0,0 0,0 1,0-1,0 0,0 0,0 0,0 1,0-1,0 0,0 0,0 0,0-4</inkml:trace>
+  <inkml:trace contextRef="#ctx0" brushRef="#br0">1291 646 0,'0'25'0,"-2"0"0,0 1 0,-2-1 0,0 0 0,-2 0 0,0-1 0,-1 0 0,-2 0 0,0 0 0,-1-1 0,-1 0 0,-1-1 0,-1 0 0,-1-1 0,0 0 0,-1-1 0,-1 0 0,-1-1 0,-1-1 0,0 0 0,-1-1 0,-1-1 0,0-1 0,-1 0 0,0-2 0,-1 0 0,0-1 0,-1-1 0,0-1 0,-1-1 0,0 0 0,0-2 0,-1 0 0,1-2 0,-1-1 0,-1 0 0,1-2 0,0 0 0,0-2 0,-1 0 0,1-2 0,0 0 0,0-2 0,0 0 0,0-1 0,0-2 0,1 0 0,0-2 0,1 0 0,-1-1 0,2-1 0,-1-1 0,1-1 0,1 0 0,0-2 0,1 0 0,0-1 0,1-1 0,1-1 0,1 0 0,0-1 0,1-1 0,0 0 0,2-1 0,0 0 0,1-1 0,1 0 0,1-1 0,1 0 0,1-1 0,1 0 0,0 0 0,2 0 0,0-1 0,2 0 0,0 0 0,2-1 0,0 1 0,2 0 0,0-1 0,2 1 0,0 0 0,2 0 0,0 0 0,2 0 0,0 1 0,2-1 0,0 1 0,1 1 0,1 0 0,1 0 0,1 0 0,1 1 0,1 1 0,0 0 0,2 1 0,0 1 0,1 0 0,0 0 0,1 2 0,1 0 0,1 1 0,0 0 0,1 2 0,0 0 0,1 2 0,1 0 0,-1 1 0,2 0 0,-1 2 0,1 1 0,0 0 0,1 2 0,0 1 0,0 0 0,0 2 0,0 0 0,0 2 0,1 0 0,-1 2 0,0 0 0,0 2 0,1 0 0,-1 2 0,-1 0 0,1 1 0,-1 2 0,0 0 0,0 1 0,-1 2 0,0 0 0,-1 1 0,0 0 0,-1 2 0,0 0 0,-1 2 0,0 0 0,-1 1 0,-1 0 0,0 2 0,-1 0 0,-1 0 0,-1 1 0,-1 1 0,0 0 0,-1 1 0,-1 1 0,-1 0 0,-1 0 0,-1 0 0,0 1 0,-2 1 0,-1-1 0,0 1 0,-2 0 0,0 0 0,-2 0 0,0 0 0,-2 1 0</inkml:trace>
 </inkml:ink>
 </file>
 
@@ -5752,17 +6317,17 @@
           <inkml:channelProperty channel="F" name="resolution" value="0" units="1/dev"/>
         </inkml:channelProperties>
       </inkml:inkSource>
-      <inkml:timestamp xml:id="ts0" timeString="2025-10-07T10:07:09.390"/>
+      <inkml:timestamp xml:id="ts0" timeString="2025-10-19T12:27:24.072"/>
     </inkml:context>
     <inkml:brush xml:id="br0">
-      <inkml:brushProperty name="width" value="0.35" units="cm"/>
-      <inkml:brushProperty name="height" value="2.1" units="cm"/>
+      <inkml:brushProperty name="width" value="0.2" units="cm"/>
+      <inkml:brushProperty name="height" value="1.2" units="cm"/>
       <inkml:brushProperty name="color" value="#FFFFFF"/>
       <inkml:brushProperty name="ignorePressure" value="1"/>
       <inkml:brushProperty name="inkEffects" value="pencil"/>
     </inkml:brush>
   </inkml:definitions>
-  <inkml:trace contextRef="#ctx0" brushRef="#br0">0 0 0,'3902'27'0</inkml:trace>
+  <inkml:trace contextRef="#ctx0" brushRef="#br0">1291 646 0,'0'25'0,"-2"0"0,0 1 0,-2-1 0,0 0 0,-2 0 0,0-1 0,-1 0 0,-2 0 0,0 0 0,-1-1 0,-1 0 0,-1-1 0,-1 0 0,-1-1 0,0 0 0,-1-1 0,-1 0 0,-1-1 0,-1-1 0,0 0 0,-1-1 0,-1-1 0,0-1 0,-1 0 0,0-2 0,-1 0 0,0-1 0,-1-1 0,0-1 0,-1-1 0,0 0 0,0-2 0,-1 0 0,1-2 0,-1-1 0,-1 0 0,1-2 0,0 0 0,0-2 0,-1 0 0,1-2 0,0 0 0,0-2 0,0 0 0,0-1 0,0-2 0,1 0 0,0-2 0,1 0 0,-1-1 0,2-1 0,-1-1 0,1-1 0,1 0 0,0-2 0,1 0 0,0-1 0,1-1 0,1-1 0,1 0 0,0-1 0,1-1 0,0 0 0,2-1 0,0 0 0,1-1 0,1 0 0,1-1 0,1 0 0,1-1 0,1 0 0,0 0 0,2 0 0,0-1 0,2 0 0,0 0 0,2-1 0,0 1 0,2 0 0,0-1 0,2 1 0,0 0 0,2 0 0,0 0 0,2 0 0,0 1 0,2-1 0,0 1 0,1 1 0,1 0 0,1 0 0,1 0 0,1 1 0,1 1 0,0 0 0,2 1 0,0 1 0,1 0 0,0 0 0,1 2 0,1 0 0,1 1 0,0 0 0,1 2 0,0 0 0,1 2 0,1 0 0,-1 1 0,2 0 0,-1 2 0,1 1 0,0 0 0,1 2 0,0 1 0,0 0 0,0 2 0,0 0 0,0 2 0,1 0 0,-1 2 0,0 0 0,0 2 0,1 0 0,-1 2 0,-1 0 0,1 1 0,-1 2 0,0 0 0,0 1 0,-1 2 0,0 0 0,-1 1 0,0 0 0,-1 2 0,0 0 0,-1 2 0,0 0 0,-1 1 0,-1 0 0,0 2 0,-1 0 0,-1 0 0,-1 1 0,-1 1 0,0 0 0,-1 1 0,-1 1 0,-1 0 0,-1 0 0,-1 0 0,0 1 0,-2 1 0,-1-1 0,0 1 0,-2 0 0,0 0 0,-2 0 0,0 0 0,-2 1 0</inkml:trace>
 </inkml:ink>
 </file>
 
@@ -5782,17 +6347,17 @@
           <inkml:channelProperty channel="F" name="resolution" value="0" units="1/dev"/>
         </inkml:channelProperties>
       </inkml:inkSource>
-      <inkml:timestamp xml:id="ts0" timeString="2025-10-07T10:07:09.391"/>
+      <inkml:timestamp xml:id="ts0" timeString="2025-10-19T12:27:27.467"/>
     </inkml:context>
     <inkml:brush xml:id="br0">
-      <inkml:brushProperty name="width" value="0.35" units="cm"/>
-      <inkml:brushProperty name="height" value="2.1" units="cm"/>
+      <inkml:brushProperty name="width" value="0.2" units="cm"/>
+      <inkml:brushProperty name="height" value="1.2" units="cm"/>
       <inkml:brushProperty name="color" value="#FFFFFF"/>
       <inkml:brushProperty name="ignorePressure" value="1"/>
       <inkml:brushProperty name="inkEffects" value="pencil"/>
     </inkml:brush>
   </inkml:definitions>
-  <inkml:trace contextRef="#ctx0" brushRef="#br0">0 0 0,'3981'26'0</inkml:trace>
+  <inkml:trace contextRef="#ctx0" brushRef="#br0">1291 646 0,'0'25'0,"-2"0"0,0 1 0,-2-1 0,0 0 0,-2 0 0,0-1 0,-1 0 0,-2 0 0,0 0 0,-1-1 0,-1 0 0,-1-1 0,-1 0 0,-1-1 0,0 0 0,-1-1 0,-1 0 0,-1-1 0,-1-1 0,0 0 0,-1-1 0,-1-1 0,0-1 0,-1 0 0,0-2 0,-1 0 0,0-1 0,-1-1 0,0-1 0,-1-1 0,0 0 0,0-2 0,-1 0 0,1-2 0,-1-1 0,-1 0 0,1-2 0,0 0 0,0-2 0,-1 0 0,1-2 0,0 0 0,0-2 0,0 0 0,0-1 0,0-2 0,1 0 0,0-2 0,1 0 0,-1-1 0,2-1 0,-1-1 0,1-1 0,1 0 0,0-2 0,1 0 0,0-1 0,1-1 0,1-1 0,1 0 0,0-1 0,1-1 0,0 0 0,2-1 0,0 0 0,1-1 0,1 0 0,1-1 0,1 0 0,1-1 0,1 0 0,0 0 0,2 0 0,0-1 0,2 0 0,0 0 0,2-1 0,0 1 0,2 0 0,0-1 0,2 1 0,0 0 0,2 0 0,0 0 0,2 0 0,0 1 0,2-1 0,0 1 0,1 1 0,1 0 0,1 0 0,1 0 0,1 1 0,1 1 0,0 0 0,2 1 0,0 1 0,1 0 0,0 0 0,1 2 0,1 0 0,1 1 0,0 0 0,1 2 0,0 0 0,1 2 0,1 0 0,-1 1 0,2 0 0,-1 2 0,1 1 0,0 0 0,1 2 0,0 1 0,0 0 0,0 2 0,0 0 0,0 2 0,1 0 0,-1 2 0,0 0 0,0 2 0,1 0 0,-1 2 0,-1 0 0,1 1 0,-1 2 0,0 0 0,0 1 0,-1 2 0,0 0 0,-1 1 0,0 0 0,-1 2 0,0 0 0,-1 2 0,0 0 0,-1 1 0,-1 0 0,0 2 0,-1 0 0,-1 0 0,-1 1 0,-1 1 0,0 0 0,-1 1 0,-1 1 0,-1 0 0,-1 0 0,-1 0 0,0 1 0,-2 1 0,-1-1 0,0 1 0,-2 0 0,0 0 0,-2 0 0,0 0 0,-2 1 0</inkml:trace>
 </inkml:ink>
 </file>
 
@@ -5812,17 +6377,17 @@
           <inkml:channelProperty channel="F" name="resolution" value="0" units="1/dev"/>
         </inkml:channelProperties>
       </inkml:inkSource>
-      <inkml:timestamp xml:id="ts0" timeString="2025-10-07T10:07:09.392"/>
+      <inkml:timestamp xml:id="ts0" timeString="2025-10-19T12:27:35.083"/>
     </inkml:context>
     <inkml:brush xml:id="br0">
-      <inkml:brushProperty name="width" value="0.35" units="cm"/>
-      <inkml:brushProperty name="height" value="2.1" units="cm"/>
+      <inkml:brushProperty name="width" value="0.2" units="cm"/>
+      <inkml:brushProperty name="height" value="1.2" units="cm"/>
       <inkml:brushProperty name="color" value="#FFFFFF"/>
       <inkml:brushProperty name="ignorePressure" value="1"/>
       <inkml:brushProperty name="inkEffects" value="pencil"/>
     </inkml:brush>
   </inkml:definitions>
-  <inkml:trace contextRef="#ctx0" brushRef="#br0">105 0 0,'-105'5839'0</inkml:trace>
+  <inkml:trace contextRef="#ctx0" brushRef="#br0">1291 646 0,'0'25'0,"-2"0"0,0 1 0,-2-1 0,0 0 0,-2 0 0,0-1 0,-1 0 0,-2 0 0,0 0 0,-1-1 0,-1 0 0,-1-1 0,-1 0 0,-1-1 0,0 0 0,-1-1 0,-1 0 0,-1-1 0,-1-1 0,0 0 0,-1-1 0,-1-1 0,0-1 0,-1 0 0,0-2 0,-1 0 0,0-1 0,-1-1 0,0-1 0,-1-1 0,0 0 0,0-2 0,-1 0 0,1-2 0,-1-1 0,-1 0 0,1-2 0,0 0 0,0-2 0,-1 0 0,1-2 0,0 0 0,0-2 0,0 0 0,0-1 0,0-2 0,1 0 0,0-2 0,1 0 0,-1-1 0,2-1 0,-1-1 0,1-1 0,1 0 0,0-2 0,1 0 0,0-1 0,1-1 0,1-1 0,1 0 0,0-1 0,1-1 0,0 0 0,2-1 0,0 0 0,1-1 0,1 0 0,1-1 0,1 0 0,1-1 0,1 0 0,0 0 0,2 0 0,0-1 0,2 0 0,0 0 0,2-1 0,0 1 0,2 0 0,0-1 0,2 1 0,0 0 0,2 0 0,0 0 0,2 0 0,0 1 0,2-1 0,0 1 0,1 1 0,1 0 0,1 0 0,1 0 0,1 1 0,1 1 0,0 0 0,2 1 0,0 1 0,1 0 0,0 0 0,1 2 0,1 0 0,1 1 0,0 0 0,1 2 0,0 0 0,1 2 0,1 0 0,-1 1 0,2 0 0,-1 2 0,1 1 0,0 0 0,1 2 0,0 1 0,0 0 0,0 2 0,0 0 0,0 2 0,1 0 0,-1 2 0,0 0 0,0 2 0,1 0 0,-1 2 0,-1 0 0,1 1 0,-1 2 0,0 0 0,0 1 0,-1 2 0,0 0 0,-1 1 0,0 0 0,-1 2 0,0 0 0,-1 2 0,0 0 0,-1 1 0,-1 0 0,0 2 0,-1 0 0,-1 0 0,-1 1 0,-1 1 0,0 0 0,-1 1 0,-1 1 0,-1 0 0,-1 0 0,-1 0 0,0 1 0,-2 1 0,-1-1 0,0 1 0,-2 0 0,0 0 0,-2 0 0,0 0 0,-2 1 0</inkml:trace>
 </inkml:ink>
 </file>
 
@@ -5842,17 +6407,17 @@
           <inkml:channelProperty channel="F" name="resolution" value="0" units="1/dev"/>
         </inkml:channelProperties>
       </inkml:inkSource>
-      <inkml:timestamp xml:id="ts0" timeString="2025-10-07T10:45:29.618"/>
+      <inkml:timestamp xml:id="ts0" timeString="2025-10-19T12:27:39.589"/>
     </inkml:context>
     <inkml:brush xml:id="br0">
-      <inkml:brushProperty name="width" value="0.35" units="cm"/>
-      <inkml:brushProperty name="height" value="2.1" units="cm"/>
+      <inkml:brushProperty name="width" value="0.2" units="cm"/>
+      <inkml:brushProperty name="height" value="1.2" units="cm"/>
       <inkml:brushProperty name="color" value="#FFFFFF"/>
       <inkml:brushProperty name="ignorePressure" value="1"/>
       <inkml:brushProperty name="inkEffects" value="pencil"/>
     </inkml:brush>
   </inkml:definitions>
-  <inkml:trace contextRef="#ctx0" brushRef="#br0">0 0 0,'25'15830'0</inkml:trace>
+  <inkml:trace contextRef="#ctx0" brushRef="#br0">1291 646 0,'0'25'0,"-2"0"0,0 1 0,-2-1 0,0 0 0,-2 0 0,0-1 0,-1 0 0,-2 0 0,0 0 0,-1-1 0,-1 0 0,-1-1 0,-1 0 0,-1-1 0,0 0 0,-1-1 0,-1 0 0,-1-1 0,-1-1 0,0 0 0,-1-1 0,-1-1 0,0-1 0,-1 0 0,0-2 0,-1 0 0,0-1 0,-1-1 0,0-1 0,-1-1 0,0 0 0,0-2 0,-1 0 0,1-2 0,-1-1 0,-1 0 0,1-2 0,0 0 0,0-2 0,-1 0 0,1-2 0,0 0 0,0-2 0,0 0 0,0-1 0,0-2 0,1 0 0,0-2 0,1 0 0,-1-1 0,2-1 0,-1-1 0,1-1 0,1 0 0,0-2 0,1 0 0,0-1 0,1-1 0,1-1 0,1 0 0,0-1 0,1-1 0,0 0 0,2-1 0,0 0 0,1-1 0,1 0 0,1-1 0,1 0 0,1-1 0,1 0 0,0 0 0,2 0 0,0-1 0,2 0 0,0 0 0,2-1 0,0 1 0,2 0 0,0-1 0,2 1 0,0 0 0,2 0 0,0 0 0,2 0 0,0 1 0,2-1 0,0 1 0,1 1 0,1 0 0,1 0 0,1 0 0,1 1 0,1 1 0,0 0 0,2 1 0,0 1 0,1 0 0,0 0 0,1 2 0,1 0 0,1 1 0,0 0 0,1 2 0,0 0 0,1 2 0,1 0 0,-1 1 0,2 0 0,-1 2 0,1 1 0,0 0 0,1 2 0,0 1 0,0 0 0,0 2 0,0 0 0,0 2 0,1 0 0,-1 2 0,0 0 0,0 2 0,1 0 0,-1 2 0,-1 0 0,1 1 0,-1 2 0,0 0 0,0 1 0,-1 2 0,0 0 0,-1 1 0,0 0 0,-1 2 0,0 0 0,-1 2 0,0 0 0,-1 1 0,-1 0 0,0 2 0,-1 0 0,-1 0 0,-1 1 0,-1 1 0,0 0 0,-1 1 0,-1 1 0,-1 0 0,-1 0 0,-1 0 0,0 1 0,-2 1 0,-1-1 0,0 1 0,-2 0 0,0 0 0,-2 0 0,0 0 0,-2 1 0</inkml:trace>
 </inkml:ink>
 </file>
 
@@ -5872,17 +6437,17 @@
           <inkml:channelProperty channel="F" name="resolution" value="0" units="1/dev"/>
         </inkml:channelProperties>
       </inkml:inkSource>
-      <inkml:timestamp xml:id="ts0" timeString="2025-10-07T10:45:53.917"/>
+      <inkml:timestamp xml:id="ts0" timeString="2025-10-19T12:27:46.097"/>
     </inkml:context>
     <inkml:brush xml:id="br0">
-      <inkml:brushProperty name="width" value="0.35" units="cm"/>
-      <inkml:brushProperty name="height" value="2.1" units="cm"/>
+      <inkml:brushProperty name="width" value="0.2" units="cm"/>
+      <inkml:brushProperty name="height" value="1.2" units="cm"/>
       <inkml:brushProperty name="color" value="#FFFFFF"/>
       <inkml:brushProperty name="ignorePressure" value="1"/>
       <inkml:brushProperty name="inkEffects" value="pencil"/>
     </inkml:brush>
   </inkml:definitions>
-  <inkml:trace contextRef="#ctx0" brushRef="#br0">4116 2058 0,'-2'81'0,"-2"-1"0,-4 1 0,-3-1 0,-4-1 0,-2 0 0,-3 0 0,-4-2 0,-2-1 0,-4 0 0,-2-2 0,-3-2 0,-3 0 0,-3-3 0,-3-1 0,-2-1 0,-3-3 0,-2-1 0,-3-3 0,-2-2 0,-2-2 0,-2-2 0,-3-3 0,-1-2 0,-3-3 0,-1-2 0,-1-3 0,-3-3 0,0-3 0,-2-3 0,-2-2 0,0-4 0,-1-2 0,-2-4 0,0-3 0,0-2 0,-1-4 0,-1-3 0,1-4 0,-1-2 0,0-4 0,1-2 0,-1-4 0,1-3 0,1-4 0,0-2 0,0-3 0,2-4 0,1-2 0,0-4 0,2-2 0,2-3 0,0-3 0,3-3 0,1-3 0,1-2 0,3-3 0,1-2 0,3-3 0,2-2 0,2-2 0,2-2 0,3-3 0,2-1 0,3-3 0,2-1 0,3-1 0,3-3 0,3 0 0,3-2 0,2-2 0,4 0 0,2-1 0,4-2 0,3 0 0,2 0 0,4-1 0,3-1 0,4 1 0,2-1 0,4 0 0,2 1 0,4-1 0,3 1 0,4 1 0,2 0 0,3 0 0,4 2 0,2 1 0,4 0 0,2 2 0,3 2 0,3 0 0,3 3 0,3 1 0,2 1 0,3 3 0,2 1 0,3 3 0,2 2 0,2 2 0,2 2 0,3 3 0,1 2 0,3 3 0,1 2 0,1 3 0,3 3 0,0 3 0,2 3 0,2 2 0,0 4 0,1 2 0,2 4 0,0 3 0,0 2 0,1 4 0,1 3 0,-1 4 0,1 2 0,0 4 0,-1 2 0,1 4 0,-1 3 0,-1 4 0,0 2 0,0 3 0,-2 4 0,-1 2 0,0 4 0,-2 2 0,-2 3 0,0 3 0,-3 3 0,-1 3 0,-1 2 0,-3 3 0,-1 2 0,-3 3 0,-2 2 0,-2 2 0,-2 2 0,-3 3 0,-2 1 0,-3 3 0,-2 1 0,-3 1 0,-3 3 0,-3 0 0,-3 2 0,-2 2 0,-4 0 0,-2 1 0,-4 2 0,-3 0 0,-2 0 0,-4 1 0,-3 1 0,-4-1 0,-2 1 0</inkml:trace>
+  <inkml:trace contextRef="#ctx0" brushRef="#br0">1291 646 0,'0'25'0,"-2"0"0,0 1 0,-2-1 0,0 0 0,-2 0 0,0-1 0,-1 0 0,-2 0 0,0 0 0,-1-1 0,-1 0 0,-1-1 0,-1 0 0,-1-1 0,0 0 0,-1-1 0,-1 0 0,-1-1 0,-1-1 0,0 0 0,-1-1 0,-1-1 0,0-1 0,-1 0 0,0-2 0,-1 0 0,0-1 0,-1-1 0,0-1 0,-1-1 0,0 0 0,0-2 0,-1 0 0,1-2 0,-1-1 0,-1 0 0,1-2 0,0 0 0,0-2 0,-1 0 0,1-2 0,0 0 0,0-2 0,0 0 0,0-1 0,0-2 0,1 0 0,0-2 0,1 0 0,-1-1 0,2-1 0,-1-1 0,1-1 0,1 0 0,0-2 0,1 0 0,0-1 0,1-1 0,1-1 0,1 0 0,0-1 0,1-1 0,0 0 0,2-1 0,0 0 0,1-1 0,1 0 0,1-1 0,1 0 0,1-1 0,1 0 0,0 0 0,2 0 0,0-1 0,2 0 0,0 0 0,2-1 0,0 1 0,2 0 0,0-1 0,2 1 0,0 0 0,2 0 0,0 0 0,2 0 0,0 1 0,2-1 0,0 1 0,1 1 0,1 0 0,1 0 0,1 0 0,1 1 0,1 1 0,0 0 0,2 1 0,0 1 0,1 0 0,0 0 0,1 2 0,1 0 0,1 1 0,0 0 0,1 2 0,0 0 0,1 2 0,1 0 0,-1 1 0,2 0 0,-1 2 0,1 1 0,0 0 0,1 2 0,0 1 0,0 0 0,0 2 0,0 0 0,0 2 0,1 0 0,-1 2 0,0 0 0,0 2 0,1 0 0,-1 2 0,-1 0 0,1 1 0,-1 2 0,0 0 0,0 1 0,-1 2 0,0 0 0,-1 1 0,0 0 0,-1 2 0,0 0 0,-1 2 0,0 0 0,-1 1 0,-1 0 0,0 2 0,-1 0 0,-1 0 0,-1 1 0,-1 1 0,0 0 0,-1 1 0,-1 1 0,-1 0 0,-1 0 0,-1 0 0,0 1 0,-2 1 0,-1-1 0,0 1 0,-2 0 0,0 0 0,-2 0 0,0 0 0,-2 1 0</inkml:trace>
 </inkml:ink>
 </file>
 
@@ -6035,7 +6600,7 @@
           <a:p>
             <a:fld id="{B8F9F58D-54D6-49D3-825B-81C29B586EBC}" type="datetimeFigureOut">
               <a:rPr lang="en-ZA" smtClean="0"/>
-              <a:t>2025/10/19</a:t>
+              <a:t>2025/10/21</a:t>
             </a:fld>
             <a:endParaRPr lang="en-ZA"/>
           </a:p>
@@ -6235,7 +6800,7 @@
           <a:p>
             <a:fld id="{B8F9F58D-54D6-49D3-825B-81C29B586EBC}" type="datetimeFigureOut">
               <a:rPr lang="en-ZA" smtClean="0"/>
-              <a:t>2025/10/19</a:t>
+              <a:t>2025/10/21</a:t>
             </a:fld>
             <a:endParaRPr lang="en-ZA"/>
           </a:p>
@@ -6445,7 +7010,7 @@
           <a:p>
             <a:fld id="{B8F9F58D-54D6-49D3-825B-81C29B586EBC}" type="datetimeFigureOut">
               <a:rPr lang="en-ZA" smtClean="0"/>
-              <a:t>2025/10/19</a:t>
+              <a:t>2025/10/21</a:t>
             </a:fld>
             <a:endParaRPr lang="en-ZA"/>
           </a:p>
@@ -6645,7 +7210,7 @@
           <a:p>
             <a:fld id="{B8F9F58D-54D6-49D3-825B-81C29B586EBC}" type="datetimeFigureOut">
               <a:rPr lang="en-ZA" smtClean="0"/>
-              <a:t>2025/10/19</a:t>
+              <a:t>2025/10/21</a:t>
             </a:fld>
             <a:endParaRPr lang="en-ZA"/>
           </a:p>
@@ -6921,7 +7486,7 @@
           <a:p>
             <a:fld id="{B8F9F58D-54D6-49D3-825B-81C29B586EBC}" type="datetimeFigureOut">
               <a:rPr lang="en-ZA" smtClean="0"/>
-              <a:t>2025/10/19</a:t>
+              <a:t>2025/10/21</a:t>
             </a:fld>
             <a:endParaRPr lang="en-ZA"/>
           </a:p>
@@ -7189,7 +7754,7 @@
           <a:p>
             <a:fld id="{B8F9F58D-54D6-49D3-825B-81C29B586EBC}" type="datetimeFigureOut">
               <a:rPr lang="en-ZA" smtClean="0"/>
-              <a:t>2025/10/19</a:t>
+              <a:t>2025/10/21</a:t>
             </a:fld>
             <a:endParaRPr lang="en-ZA"/>
           </a:p>
@@ -7604,7 +8169,7 @@
           <a:p>
             <a:fld id="{B8F9F58D-54D6-49D3-825B-81C29B586EBC}" type="datetimeFigureOut">
               <a:rPr lang="en-ZA" smtClean="0"/>
-              <a:t>2025/10/19</a:t>
+              <a:t>2025/10/21</a:t>
             </a:fld>
             <a:endParaRPr lang="en-ZA"/>
           </a:p>
@@ -7746,7 +8311,7 @@
           <a:p>
             <a:fld id="{B8F9F58D-54D6-49D3-825B-81C29B586EBC}" type="datetimeFigureOut">
               <a:rPr lang="en-ZA" smtClean="0"/>
-              <a:t>2025/10/19</a:t>
+              <a:t>2025/10/21</a:t>
             </a:fld>
             <a:endParaRPr lang="en-ZA"/>
           </a:p>
@@ -7859,7 +8424,7 @@
           <a:p>
             <a:fld id="{B8F9F58D-54D6-49D3-825B-81C29B586EBC}" type="datetimeFigureOut">
               <a:rPr lang="en-ZA" smtClean="0"/>
-              <a:t>2025/10/19</a:t>
+              <a:t>2025/10/21</a:t>
             </a:fld>
             <a:endParaRPr lang="en-ZA"/>
           </a:p>
@@ -8172,7 +8737,7 @@
           <a:p>
             <a:fld id="{B8F9F58D-54D6-49D3-825B-81C29B586EBC}" type="datetimeFigureOut">
               <a:rPr lang="en-ZA" smtClean="0"/>
-              <a:t>2025/10/19</a:t>
+              <a:t>2025/10/21</a:t>
             </a:fld>
             <a:endParaRPr lang="en-ZA"/>
           </a:p>
@@ -8461,7 +9026,7 @@
           <a:p>
             <a:fld id="{B8F9F58D-54D6-49D3-825B-81C29B586EBC}" type="datetimeFigureOut">
               <a:rPr lang="en-ZA" smtClean="0"/>
-              <a:t>2025/10/19</a:t>
+              <a:t>2025/10/21</a:t>
             </a:fld>
             <a:endParaRPr lang="en-ZA"/>
           </a:p>
@@ -8704,7 +9269,7 @@
           <a:p>
             <a:fld id="{B8F9F58D-54D6-49D3-825B-81C29B586EBC}" type="datetimeFigureOut">
               <a:rPr lang="en-ZA" smtClean="0"/>
-              <a:t>2025/10/19</a:t>
+              <a:t>2025/10/21</a:t>
             </a:fld>
             <a:endParaRPr lang="en-ZA"/>
           </a:p>
@@ -9272,6 +9837,1639 @@
 </file>
 
 <file path=ppt/slides/slide10.xml><?xml version="1.0" encoding="utf-8"?>
+<p:sld xmlns:a="http://schemas.openxmlformats.org/drawingml/2006/main" xmlns:r="http://schemas.openxmlformats.org/officeDocument/2006/relationships" xmlns:p="http://schemas.openxmlformats.org/presentationml/2006/main">
+  <p:cSld>
+    <p:bg>
+      <p:bgPr>
+        <a:gradFill>
+          <a:gsLst>
+            <a:gs pos="0">
+              <a:srgbClr val="002D18"/>
+            </a:gs>
+            <a:gs pos="39000">
+              <a:srgbClr val="002D18"/>
+            </a:gs>
+            <a:gs pos="83000">
+              <a:srgbClr val="014D26"/>
+            </a:gs>
+            <a:gs pos="100000">
+              <a:srgbClr val="014D26"/>
+            </a:gs>
+          </a:gsLst>
+          <a:lin ang="10800000" scaled="1"/>
+        </a:gradFill>
+        <a:effectLst/>
+      </p:bgPr>
+    </p:bg>
+    <p:spTree>
+      <p:nvGrpSpPr>
+        <p:cNvPr id="1" name="">
+          <a:extLst>
+            <a:ext uri="{FF2B5EF4-FFF2-40B4-BE49-F238E27FC236}">
+              <a16:creationId xmlns:a16="http://schemas.microsoft.com/office/drawing/2014/main" id="{B893CFB4-97AE-4F5E-BFFD-0447EFBCF9E6}"/>
+            </a:ext>
+          </a:extLst>
+        </p:cNvPr>
+        <p:cNvGrpSpPr/>
+        <p:nvPr/>
+      </p:nvGrpSpPr>
+      <p:grpSpPr>
+        <a:xfrm>
+          <a:off x="0" y="0"/>
+          <a:ext cx="0" cy="0"/>
+          <a:chOff x="0" y="0"/>
+          <a:chExt cx="0" cy="0"/>
+        </a:xfrm>
+      </p:grpSpPr>
+      <mc:AlternateContent xmlns:mc="http://schemas.openxmlformats.org/markup-compatibility/2006" xmlns:p14="http://schemas.microsoft.com/office/powerpoint/2010/main" xmlns:aink="http://schemas.microsoft.com/office/drawing/2016/ink">
+        <mc:Choice Requires="p14 aink">
+          <p:contentPart p14:bwMode="auto" r:id="rId2">
+            <p14:nvContentPartPr>
+              <p14:cNvPr id="2" name="Ink 1">
+                <a:extLst>
+                  <a:ext uri="{FF2B5EF4-FFF2-40B4-BE49-F238E27FC236}">
+                    <a16:creationId xmlns:a16="http://schemas.microsoft.com/office/drawing/2014/main" id="{D9E6E423-F67C-CDD4-1D80-81B5F7EB1636}"/>
+                  </a:ext>
+                </a:extLst>
+              </p14:cNvPr>
+              <p14:cNvContentPartPr/>
+              <p14:nvPr/>
+            </p14:nvContentPartPr>
+            <p14:xfrm>
+              <a:off x="4553367" y="600073"/>
+              <a:ext cx="360" cy="360"/>
+            </p14:xfrm>
+          </p:contentPart>
+        </mc:Choice>
+        <mc:Fallback xmlns="">
+          <p:pic>
+            <p:nvPicPr>
+              <p:cNvPr id="2" name="Ink 1">
+                <a:extLst>
+                  <a:ext uri="{FF2B5EF4-FFF2-40B4-BE49-F238E27FC236}">
+                    <a16:creationId xmlns:a16="http://schemas.microsoft.com/office/drawing/2014/main" id="{D9E6E423-F67C-CDD4-1D80-81B5F7EB1636}"/>
+                  </a:ext>
+                </a:extLst>
+              </p:cNvPr>
+              <p:cNvPicPr/>
+              <p:nvPr/>
+            </p:nvPicPr>
+            <p:blipFill>
+              <a:blip r:embed="rId3"/>
+              <a:stretch>
+                <a:fillRect/>
+              </a:stretch>
+            </p:blipFill>
+            <p:spPr>
+              <a:xfrm>
+                <a:off x="4490367" y="222073"/>
+                <a:ext cx="126000" cy="756000"/>
+              </a:xfrm>
+              <a:prstGeom prst="rect">
+                <a:avLst/>
+              </a:prstGeom>
+            </p:spPr>
+          </p:pic>
+        </mc:Fallback>
+      </mc:AlternateContent>
+      <mc:AlternateContent xmlns:mc="http://schemas.openxmlformats.org/markup-compatibility/2006" xmlns:p14="http://schemas.microsoft.com/office/powerpoint/2010/main" xmlns:aink="http://schemas.microsoft.com/office/drawing/2016/ink">
+        <mc:Choice Requires="p14 aink">
+          <p:contentPart p14:bwMode="auto" r:id="rId4">
+            <p14:nvContentPartPr>
+              <p14:cNvPr id="6" name="Ink 5">
+                <a:extLst>
+                  <a:ext uri="{FF2B5EF4-FFF2-40B4-BE49-F238E27FC236}">
+                    <a16:creationId xmlns:a16="http://schemas.microsoft.com/office/drawing/2014/main" id="{AEC61321-9988-37B6-0257-F818C16F3062}"/>
+                  </a:ext>
+                </a:extLst>
+              </p14:cNvPr>
+              <p14:cNvContentPartPr/>
+              <p14:nvPr/>
+            </p14:nvContentPartPr>
+            <p14:xfrm>
+              <a:off x="1065221" y="565330"/>
+              <a:ext cx="10067760" cy="19440"/>
+            </p14:xfrm>
+          </p:contentPart>
+        </mc:Choice>
+        <mc:Fallback xmlns="">
+          <p:pic>
+            <p:nvPicPr>
+              <p:cNvPr id="6" name="Ink 5">
+                <a:extLst>
+                  <a:ext uri="{FF2B5EF4-FFF2-40B4-BE49-F238E27FC236}">
+                    <a16:creationId xmlns:a16="http://schemas.microsoft.com/office/drawing/2014/main" id="{AEC61321-9988-37B6-0257-F818C16F3062}"/>
+                  </a:ext>
+                </a:extLst>
+              </p:cNvPr>
+              <p:cNvPicPr/>
+              <p:nvPr/>
+            </p:nvPicPr>
+            <p:blipFill>
+              <a:blip r:embed="rId5"/>
+              <a:stretch>
+                <a:fillRect/>
+              </a:stretch>
+            </p:blipFill>
+            <p:spPr>
+              <a:xfrm>
+                <a:off x="1002221" y="187330"/>
+                <a:ext cx="10193400" cy="775080"/>
+              </a:xfrm>
+              <a:prstGeom prst="rect">
+                <a:avLst/>
+              </a:prstGeom>
+            </p:spPr>
+          </p:pic>
+        </mc:Fallback>
+      </mc:AlternateContent>
+      <mc:AlternateContent xmlns:mc="http://schemas.openxmlformats.org/markup-compatibility/2006" xmlns:p14="http://schemas.microsoft.com/office/powerpoint/2010/main" xmlns:aink="http://schemas.microsoft.com/office/drawing/2016/ink">
+        <mc:Choice Requires="p14 aink">
+          <p:contentPart p14:bwMode="auto" r:id="rId6">
+            <p14:nvContentPartPr>
+              <p14:cNvPr id="10" name="Ink 9">
+                <a:extLst>
+                  <a:ext uri="{FF2B5EF4-FFF2-40B4-BE49-F238E27FC236}">
+                    <a16:creationId xmlns:a16="http://schemas.microsoft.com/office/drawing/2014/main" id="{6FD538FD-9D5E-1F2F-DE44-5D0D8B7423DF}"/>
+                  </a:ext>
+                </a:extLst>
+              </p14:cNvPr>
+              <p14:cNvContentPartPr/>
+              <p14:nvPr/>
+            </p14:nvContentPartPr>
+            <p14:xfrm>
+              <a:off x="1009161" y="593410"/>
+              <a:ext cx="65420" cy="5651740"/>
+            </p14:xfrm>
+          </p:contentPart>
+        </mc:Choice>
+        <mc:Fallback xmlns="">
+          <p:pic>
+            <p:nvPicPr>
+              <p:cNvPr id="10" name="Ink 9">
+                <a:extLst>
+                  <a:ext uri="{FF2B5EF4-FFF2-40B4-BE49-F238E27FC236}">
+                    <a16:creationId xmlns:a16="http://schemas.microsoft.com/office/drawing/2014/main" id="{6FD538FD-9D5E-1F2F-DE44-5D0D8B7423DF}"/>
+                  </a:ext>
+                </a:extLst>
+              </p:cNvPr>
+              <p:cNvPicPr/>
+              <p:nvPr/>
+            </p:nvPicPr>
+            <p:blipFill>
+              <a:blip r:embed="rId7"/>
+              <a:stretch>
+                <a:fillRect/>
+              </a:stretch>
+            </p:blipFill>
+            <p:spPr>
+              <a:xfrm>
+                <a:off x="946257" y="215403"/>
+                <a:ext cx="190868" cy="6407393"/>
+              </a:xfrm>
+              <a:prstGeom prst="rect">
+                <a:avLst/>
+              </a:prstGeom>
+            </p:spPr>
+          </p:pic>
+        </mc:Fallback>
+      </mc:AlternateContent>
+      <mc:AlternateContent xmlns:mc="http://schemas.openxmlformats.org/markup-compatibility/2006" xmlns:p14="http://schemas.microsoft.com/office/powerpoint/2010/main" xmlns:aink="http://schemas.microsoft.com/office/drawing/2016/ink">
+        <mc:Choice Requires="p14 aink">
+          <p:contentPart p14:bwMode="auto" r:id="rId8">
+            <p14:nvContentPartPr>
+              <p14:cNvPr id="12" name="Ink 11">
+                <a:extLst>
+                  <a:ext uri="{FF2B5EF4-FFF2-40B4-BE49-F238E27FC236}">
+                    <a16:creationId xmlns:a16="http://schemas.microsoft.com/office/drawing/2014/main" id="{96F55EEE-4908-DB2B-53CF-7BF808659DBC}"/>
+                  </a:ext>
+                </a:extLst>
+              </p14:cNvPr>
+              <p14:cNvContentPartPr/>
+              <p14:nvPr/>
+            </p14:nvContentPartPr>
+            <p14:xfrm>
+              <a:off x="1046141" y="6277810"/>
+              <a:ext cx="10115640" cy="19440"/>
+            </p14:xfrm>
+          </p:contentPart>
+        </mc:Choice>
+        <mc:Fallback xmlns="">
+          <p:pic>
+            <p:nvPicPr>
+              <p:cNvPr id="12" name="Ink 11">
+                <a:extLst>
+                  <a:ext uri="{FF2B5EF4-FFF2-40B4-BE49-F238E27FC236}">
+                    <a16:creationId xmlns:a16="http://schemas.microsoft.com/office/drawing/2014/main" id="{96F55EEE-4908-DB2B-53CF-7BF808659DBC}"/>
+                  </a:ext>
+                </a:extLst>
+              </p:cNvPr>
+              <p:cNvPicPr/>
+              <p:nvPr/>
+            </p:nvPicPr>
+            <p:blipFill>
+              <a:blip r:embed="rId9"/>
+              <a:stretch>
+                <a:fillRect/>
+              </a:stretch>
+            </p:blipFill>
+            <p:spPr>
+              <a:xfrm>
+                <a:off x="983141" y="5899810"/>
+                <a:ext cx="10241280" cy="775080"/>
+              </a:xfrm>
+              <a:prstGeom prst="rect">
+                <a:avLst/>
+              </a:prstGeom>
+            </p:spPr>
+          </p:pic>
+        </mc:Fallback>
+      </mc:AlternateContent>
+      <mc:AlternateContent xmlns:mc="http://schemas.openxmlformats.org/markup-compatibility/2006" xmlns:p14="http://schemas.microsoft.com/office/powerpoint/2010/main" xmlns:aink="http://schemas.microsoft.com/office/drawing/2016/ink">
+        <mc:Choice Requires="p14 aink">
+          <p:contentPart p14:bwMode="auto" r:id="rId10">
+            <p14:nvContentPartPr>
+              <p14:cNvPr id="14" name="Ink 13">
+                <a:extLst>
+                  <a:ext uri="{FF2B5EF4-FFF2-40B4-BE49-F238E27FC236}">
+                    <a16:creationId xmlns:a16="http://schemas.microsoft.com/office/drawing/2014/main" id="{50532382-22D8-1AA2-9AE8-6FDB78FC7BFB}"/>
+                  </a:ext>
+                </a:extLst>
+              </p14:cNvPr>
+              <p14:cNvContentPartPr/>
+              <p14:nvPr/>
+            </p14:nvContentPartPr>
+            <p14:xfrm>
+              <a:off x="11113901" y="584410"/>
+              <a:ext cx="38160" cy="5722560"/>
+            </p14:xfrm>
+          </p:contentPart>
+        </mc:Choice>
+        <mc:Fallback xmlns="">
+          <p:pic>
+            <p:nvPicPr>
+              <p:cNvPr id="14" name="Ink 13">
+                <a:extLst>
+                  <a:ext uri="{FF2B5EF4-FFF2-40B4-BE49-F238E27FC236}">
+                    <a16:creationId xmlns:a16="http://schemas.microsoft.com/office/drawing/2014/main" id="{50532382-22D8-1AA2-9AE8-6FDB78FC7BFB}"/>
+                  </a:ext>
+                </a:extLst>
+              </p:cNvPr>
+              <p:cNvPicPr/>
+              <p:nvPr/>
+            </p:nvPicPr>
+            <p:blipFill>
+              <a:blip r:embed="rId11"/>
+              <a:stretch>
+                <a:fillRect/>
+              </a:stretch>
+            </p:blipFill>
+            <p:spPr>
+              <a:xfrm>
+                <a:off x="11050901" y="206410"/>
+                <a:ext cx="163800" cy="6478200"/>
+              </a:xfrm>
+              <a:prstGeom prst="rect">
+                <a:avLst/>
+              </a:prstGeom>
+            </p:spPr>
+          </p:pic>
+        </mc:Fallback>
+      </mc:AlternateContent>
+      <p:grpSp>
+        <p:nvGrpSpPr>
+          <p:cNvPr id="39" name="Group 38">
+            <a:extLst>
+              <a:ext uri="{FF2B5EF4-FFF2-40B4-BE49-F238E27FC236}">
+                <a16:creationId xmlns:a16="http://schemas.microsoft.com/office/drawing/2014/main" id="{21C4ED62-2FBD-FEFF-4C88-FD16C46E515A}"/>
+              </a:ext>
+            </a:extLst>
+          </p:cNvPr>
+          <p:cNvGrpSpPr/>
+          <p:nvPr/>
+        </p:nvGrpSpPr>
+        <p:grpSpPr>
+          <a:xfrm>
+            <a:off x="1027421" y="1611850"/>
+            <a:ext cx="2630520" cy="3638160"/>
+            <a:chOff x="1027421" y="1611850"/>
+            <a:chExt cx="2630520" cy="3638160"/>
+          </a:xfrm>
+        </p:grpSpPr>
+        <mc:AlternateContent xmlns:mc="http://schemas.openxmlformats.org/markup-compatibility/2006" xmlns:p14="http://schemas.microsoft.com/office/powerpoint/2010/main" xmlns:aink="http://schemas.microsoft.com/office/drawing/2016/ink">
+          <mc:Choice Requires="p14 aink">
+            <p:contentPart p14:bwMode="auto" r:id="rId12">
+              <p14:nvContentPartPr>
+                <p14:cNvPr id="27" name="Ink 26">
+                  <a:extLst>
+                    <a:ext uri="{FF2B5EF4-FFF2-40B4-BE49-F238E27FC236}">
+                      <a16:creationId xmlns:a16="http://schemas.microsoft.com/office/drawing/2014/main" id="{E35462AC-6F76-A9D2-005E-9F7B60846F1D}"/>
+                    </a:ext>
+                  </a:extLst>
+                </p14:cNvPr>
+                <p14:cNvContentPartPr/>
+                <p14:nvPr/>
+              </p14:nvContentPartPr>
+              <p14:xfrm>
+                <a:off x="1065221" y="1611850"/>
+                <a:ext cx="2554920" cy="28440"/>
+              </p14:xfrm>
+            </p:contentPart>
+          </mc:Choice>
+          <mc:Fallback xmlns="">
+            <p:pic>
+              <p:nvPicPr>
+                <p:cNvPr id="27" name="Ink 26">
+                  <a:extLst>
+                    <a:ext uri="{FF2B5EF4-FFF2-40B4-BE49-F238E27FC236}">
+                      <a16:creationId xmlns:a16="http://schemas.microsoft.com/office/drawing/2014/main" id="{E35462AC-6F76-A9D2-005E-9F7B60846F1D}"/>
+                    </a:ext>
+                  </a:extLst>
+                </p:cNvPr>
+                <p:cNvPicPr/>
+                <p:nvPr/>
+              </p:nvPicPr>
+              <p:blipFill>
+                <a:blip r:embed="rId13"/>
+                <a:stretch>
+                  <a:fillRect/>
+                </a:stretch>
+              </p:blipFill>
+              <p:spPr>
+                <a:xfrm>
+                  <a:off x="1002221" y="1233850"/>
+                  <a:ext cx="2680560" cy="784080"/>
+                </a:xfrm>
+                <a:prstGeom prst="rect">
+                  <a:avLst/>
+                </a:prstGeom>
+              </p:spPr>
+            </p:pic>
+          </mc:Fallback>
+        </mc:AlternateContent>
+        <mc:AlternateContent xmlns:mc="http://schemas.openxmlformats.org/markup-compatibility/2006" xmlns:p14="http://schemas.microsoft.com/office/powerpoint/2010/main" xmlns:aink="http://schemas.microsoft.com/office/drawing/2016/ink">
+          <mc:Choice Requires="p14 aink">
+            <p:contentPart p14:bwMode="auto" r:id="rId14">
+              <p14:nvContentPartPr>
+                <p14:cNvPr id="29" name="Ink 28">
+                  <a:extLst>
+                    <a:ext uri="{FF2B5EF4-FFF2-40B4-BE49-F238E27FC236}">
+                      <a16:creationId xmlns:a16="http://schemas.microsoft.com/office/drawing/2014/main" id="{3125F305-7983-D0CC-E03E-A082A4D5165F}"/>
+                    </a:ext>
+                  </a:extLst>
+                </p14:cNvPr>
+                <p14:cNvContentPartPr/>
+                <p14:nvPr/>
+              </p14:nvContentPartPr>
+              <p14:xfrm>
+                <a:off x="1027421" y="5212930"/>
+                <a:ext cx="2630520" cy="19440"/>
+              </p14:xfrm>
+            </p:contentPart>
+          </mc:Choice>
+          <mc:Fallback xmlns="">
+            <p:pic>
+              <p:nvPicPr>
+                <p:cNvPr id="29" name="Ink 28">
+                  <a:extLst>
+                    <a:ext uri="{FF2B5EF4-FFF2-40B4-BE49-F238E27FC236}">
+                      <a16:creationId xmlns:a16="http://schemas.microsoft.com/office/drawing/2014/main" id="{3125F305-7983-D0CC-E03E-A082A4D5165F}"/>
+                    </a:ext>
+                  </a:extLst>
+                </p:cNvPr>
+                <p:cNvPicPr/>
+                <p:nvPr/>
+              </p:nvPicPr>
+              <p:blipFill>
+                <a:blip r:embed="rId15"/>
+                <a:stretch>
+                  <a:fillRect/>
+                </a:stretch>
+              </p:blipFill>
+              <p:spPr>
+                <a:xfrm>
+                  <a:off x="964421" y="4834930"/>
+                  <a:ext cx="2756160" cy="775080"/>
+                </a:xfrm>
+                <a:prstGeom prst="rect">
+                  <a:avLst/>
+                </a:prstGeom>
+              </p:spPr>
+            </p:pic>
+          </mc:Fallback>
+        </mc:AlternateContent>
+        <mc:AlternateContent xmlns:mc="http://schemas.openxmlformats.org/markup-compatibility/2006" xmlns:p14="http://schemas.microsoft.com/office/powerpoint/2010/main" xmlns:aink="http://schemas.microsoft.com/office/drawing/2016/ink">
+          <mc:Choice Requires="p14 aink">
+            <p:contentPart p14:bwMode="auto" r:id="rId16">
+              <p14:nvContentPartPr>
+                <p14:cNvPr id="30" name="Ink 29">
+                  <a:extLst>
+                    <a:ext uri="{FF2B5EF4-FFF2-40B4-BE49-F238E27FC236}">
+                      <a16:creationId xmlns:a16="http://schemas.microsoft.com/office/drawing/2014/main" id="{337C6E98-E778-ADE7-CC26-266EFBEB9B65}"/>
+                    </a:ext>
+                  </a:extLst>
+                </p14:cNvPr>
+                <p14:cNvContentPartPr/>
+                <p14:nvPr/>
+              </p14:nvContentPartPr>
+              <p14:xfrm>
+                <a:off x="3572621" y="1630930"/>
+                <a:ext cx="38520" cy="3619080"/>
+              </p14:xfrm>
+            </p:contentPart>
+          </mc:Choice>
+          <mc:Fallback xmlns="">
+            <p:pic>
+              <p:nvPicPr>
+                <p:cNvPr id="30" name="Ink 29">
+                  <a:extLst>
+                    <a:ext uri="{FF2B5EF4-FFF2-40B4-BE49-F238E27FC236}">
+                      <a16:creationId xmlns:a16="http://schemas.microsoft.com/office/drawing/2014/main" id="{337C6E98-E778-ADE7-CC26-266EFBEB9B65}"/>
+                    </a:ext>
+                  </a:extLst>
+                </p:cNvPr>
+                <p:cNvPicPr/>
+                <p:nvPr/>
+              </p:nvPicPr>
+              <p:blipFill>
+                <a:blip r:embed="rId17"/>
+                <a:stretch>
+                  <a:fillRect/>
+                </a:stretch>
+              </p:blipFill>
+              <p:spPr>
+                <a:xfrm>
+                  <a:off x="3509621" y="1252930"/>
+                  <a:ext cx="164160" cy="4374720"/>
+                </a:xfrm>
+                <a:prstGeom prst="rect">
+                  <a:avLst/>
+                </a:prstGeom>
+              </p:spPr>
+            </p:pic>
+          </mc:Fallback>
+        </mc:AlternateContent>
+      </p:grpSp>
+      <p:grpSp>
+        <p:nvGrpSpPr>
+          <p:cNvPr id="40" name="Group 39">
+            <a:extLst>
+              <a:ext uri="{FF2B5EF4-FFF2-40B4-BE49-F238E27FC236}">
+                <a16:creationId xmlns:a16="http://schemas.microsoft.com/office/drawing/2014/main" id="{3EA897D7-D3F2-A776-8156-04C7EF57D137}"/>
+              </a:ext>
+            </a:extLst>
+          </p:cNvPr>
+          <p:cNvGrpSpPr/>
+          <p:nvPr/>
+        </p:nvGrpSpPr>
+        <p:grpSpPr>
+          <a:xfrm>
+            <a:off x="1048448" y="2370716"/>
+            <a:ext cx="1433520" cy="2112120"/>
+            <a:chOff x="1048448" y="2370716"/>
+            <a:chExt cx="1433520" cy="2112120"/>
+          </a:xfrm>
+        </p:grpSpPr>
+        <mc:AlternateContent xmlns:mc="http://schemas.openxmlformats.org/markup-compatibility/2006" xmlns:p14="http://schemas.microsoft.com/office/powerpoint/2010/main" xmlns:aink="http://schemas.microsoft.com/office/drawing/2016/ink">
+          <mc:Choice Requires="p14 aink">
+            <p:contentPart p14:bwMode="auto" r:id="rId18">
+              <p14:nvContentPartPr>
+                <p14:cNvPr id="32" name="Ink 31">
+                  <a:extLst>
+                    <a:ext uri="{FF2B5EF4-FFF2-40B4-BE49-F238E27FC236}">
+                      <a16:creationId xmlns:a16="http://schemas.microsoft.com/office/drawing/2014/main" id="{2B81660D-9632-C5E4-4103-8BF7625FF405}"/>
+                    </a:ext>
+                  </a:extLst>
+                </p14:cNvPr>
+                <p14:cNvContentPartPr/>
+                <p14:nvPr/>
+              </p14:nvContentPartPr>
+              <p14:xfrm>
+                <a:off x="1048448" y="2370716"/>
+                <a:ext cx="1405080" cy="10080"/>
+              </p14:xfrm>
+            </p:contentPart>
+          </mc:Choice>
+          <mc:Fallback xmlns="">
+            <p:pic>
+              <p:nvPicPr>
+                <p:cNvPr id="32" name="Ink 31">
+                  <a:extLst>
+                    <a:ext uri="{FF2B5EF4-FFF2-40B4-BE49-F238E27FC236}">
+                      <a16:creationId xmlns:a16="http://schemas.microsoft.com/office/drawing/2014/main" id="{2B81660D-9632-C5E4-4103-8BF7625FF405}"/>
+                    </a:ext>
+                  </a:extLst>
+                </p:cNvPr>
+                <p:cNvPicPr/>
+                <p:nvPr/>
+              </p:nvPicPr>
+              <p:blipFill>
+                <a:blip r:embed="rId19"/>
+                <a:stretch>
+                  <a:fillRect/>
+                </a:stretch>
+              </p:blipFill>
+              <p:spPr>
+                <a:xfrm>
+                  <a:off x="985448" y="1992716"/>
+                  <a:ext cx="1530720" cy="765720"/>
+                </a:xfrm>
+                <a:prstGeom prst="rect">
+                  <a:avLst/>
+                </a:prstGeom>
+              </p:spPr>
+            </p:pic>
+          </mc:Fallback>
+        </mc:AlternateContent>
+        <mc:AlternateContent xmlns:mc="http://schemas.openxmlformats.org/markup-compatibility/2006" xmlns:p14="http://schemas.microsoft.com/office/powerpoint/2010/main" xmlns:aink="http://schemas.microsoft.com/office/drawing/2016/ink">
+          <mc:Choice Requires="p14 aink">
+            <p:contentPart p14:bwMode="auto" r:id="rId20">
+              <p14:nvContentPartPr>
+                <p14:cNvPr id="36" name="Ink 35">
+                  <a:extLst>
+                    <a:ext uri="{FF2B5EF4-FFF2-40B4-BE49-F238E27FC236}">
+                      <a16:creationId xmlns:a16="http://schemas.microsoft.com/office/drawing/2014/main" id="{D7B188C4-05EE-6B6C-C6BC-1F8D32D68E01}"/>
+                    </a:ext>
+                  </a:extLst>
+                </p14:cNvPr>
+                <p14:cNvContentPartPr/>
+                <p14:nvPr/>
+              </p14:nvContentPartPr>
+              <p14:xfrm>
+                <a:off x="1048448" y="4473116"/>
+                <a:ext cx="1433520" cy="9720"/>
+              </p14:xfrm>
+            </p:contentPart>
+          </mc:Choice>
+          <mc:Fallback xmlns="">
+            <p:pic>
+              <p:nvPicPr>
+                <p:cNvPr id="36" name="Ink 35">
+                  <a:extLst>
+                    <a:ext uri="{FF2B5EF4-FFF2-40B4-BE49-F238E27FC236}">
+                      <a16:creationId xmlns:a16="http://schemas.microsoft.com/office/drawing/2014/main" id="{D7B188C4-05EE-6B6C-C6BC-1F8D32D68E01}"/>
+                    </a:ext>
+                  </a:extLst>
+                </p:cNvPr>
+                <p:cNvPicPr/>
+                <p:nvPr/>
+              </p:nvPicPr>
+              <p:blipFill>
+                <a:blip r:embed="rId21"/>
+                <a:stretch>
+                  <a:fillRect/>
+                </a:stretch>
+              </p:blipFill>
+              <p:spPr>
+                <a:xfrm>
+                  <a:off x="985448" y="4095116"/>
+                  <a:ext cx="1559160" cy="765360"/>
+                </a:xfrm>
+                <a:prstGeom prst="rect">
+                  <a:avLst/>
+                </a:prstGeom>
+              </p:spPr>
+            </p:pic>
+          </mc:Fallback>
+        </mc:AlternateContent>
+        <mc:AlternateContent xmlns:mc="http://schemas.openxmlformats.org/markup-compatibility/2006" xmlns:p14="http://schemas.microsoft.com/office/powerpoint/2010/main" xmlns:aink="http://schemas.microsoft.com/office/drawing/2016/ink">
+          <mc:Choice Requires="p14 aink">
+            <p:contentPart p14:bwMode="auto" r:id="rId22">
+              <p14:nvContentPartPr>
+                <p14:cNvPr id="38" name="Ink 37">
+                  <a:extLst>
+                    <a:ext uri="{FF2B5EF4-FFF2-40B4-BE49-F238E27FC236}">
+                      <a16:creationId xmlns:a16="http://schemas.microsoft.com/office/drawing/2014/main" id="{CDCEBB95-943B-1874-3BA2-D0C30A1995BD}"/>
+                    </a:ext>
+                  </a:extLst>
+                </p14:cNvPr>
+                <p14:cNvContentPartPr/>
+                <p14:nvPr/>
+              </p14:nvContentPartPr>
+              <p14:xfrm>
+                <a:off x="2415368" y="2380436"/>
+                <a:ext cx="38160" cy="2102400"/>
+              </p14:xfrm>
+            </p:contentPart>
+          </mc:Choice>
+          <mc:Fallback xmlns="">
+            <p:pic>
+              <p:nvPicPr>
+                <p:cNvPr id="38" name="Ink 37">
+                  <a:extLst>
+                    <a:ext uri="{FF2B5EF4-FFF2-40B4-BE49-F238E27FC236}">
+                      <a16:creationId xmlns:a16="http://schemas.microsoft.com/office/drawing/2014/main" id="{CDCEBB95-943B-1874-3BA2-D0C30A1995BD}"/>
+                    </a:ext>
+                  </a:extLst>
+                </p:cNvPr>
+                <p:cNvPicPr/>
+                <p:nvPr/>
+              </p:nvPicPr>
+              <p:blipFill>
+                <a:blip r:embed="rId23"/>
+                <a:stretch>
+                  <a:fillRect/>
+                </a:stretch>
+              </p:blipFill>
+              <p:spPr>
+                <a:xfrm>
+                  <a:off x="2352368" y="2002436"/>
+                  <a:ext cx="163800" cy="2858040"/>
+                </a:xfrm>
+                <a:prstGeom prst="rect">
+                  <a:avLst/>
+                </a:prstGeom>
+              </p:spPr>
+            </p:pic>
+          </mc:Fallback>
+        </mc:AlternateContent>
+      </p:grpSp>
+      <p:grpSp>
+        <p:nvGrpSpPr>
+          <p:cNvPr id="41" name="Group 40">
+            <a:extLst>
+              <a:ext uri="{FF2B5EF4-FFF2-40B4-BE49-F238E27FC236}">
+                <a16:creationId xmlns:a16="http://schemas.microsoft.com/office/drawing/2014/main" id="{ED69FD45-37CD-7A29-0D32-B9A79F076066}"/>
+              </a:ext>
+            </a:extLst>
+          </p:cNvPr>
+          <p:cNvGrpSpPr/>
+          <p:nvPr/>
+        </p:nvGrpSpPr>
+        <p:grpSpPr>
+          <a:xfrm rot="10800000">
+            <a:off x="8461372" y="1609920"/>
+            <a:ext cx="2630520" cy="3638160"/>
+            <a:chOff x="1027421" y="1611850"/>
+            <a:chExt cx="2630520" cy="3638160"/>
+          </a:xfrm>
+        </p:grpSpPr>
+        <mc:AlternateContent xmlns:mc="http://schemas.openxmlformats.org/markup-compatibility/2006" xmlns:p14="http://schemas.microsoft.com/office/powerpoint/2010/main" xmlns:aink="http://schemas.microsoft.com/office/drawing/2016/ink">
+          <mc:Choice Requires="p14 aink">
+            <p:contentPart p14:bwMode="auto" r:id="rId24">
+              <p14:nvContentPartPr>
+                <p14:cNvPr id="42" name="Ink 41">
+                  <a:extLst>
+                    <a:ext uri="{FF2B5EF4-FFF2-40B4-BE49-F238E27FC236}">
+                      <a16:creationId xmlns:a16="http://schemas.microsoft.com/office/drawing/2014/main" id="{1D01E63F-63F9-765D-4302-375C6B78EB8B}"/>
+                    </a:ext>
+                  </a:extLst>
+                </p14:cNvPr>
+                <p14:cNvContentPartPr/>
+                <p14:nvPr/>
+              </p14:nvContentPartPr>
+              <p14:xfrm>
+                <a:off x="1065221" y="1611850"/>
+                <a:ext cx="2554920" cy="28440"/>
+              </p14:xfrm>
+            </p:contentPart>
+          </mc:Choice>
+          <mc:Fallback xmlns="">
+            <p:pic>
+              <p:nvPicPr>
+                <p:cNvPr id="42" name="Ink 41">
+                  <a:extLst>
+                    <a:ext uri="{FF2B5EF4-FFF2-40B4-BE49-F238E27FC236}">
+                      <a16:creationId xmlns:a16="http://schemas.microsoft.com/office/drawing/2014/main" id="{1D01E63F-63F9-765D-4302-375C6B78EB8B}"/>
+                    </a:ext>
+                  </a:extLst>
+                </p:cNvPr>
+                <p:cNvPicPr/>
+                <p:nvPr/>
+              </p:nvPicPr>
+              <p:blipFill>
+                <a:blip r:embed="rId25"/>
+                <a:stretch>
+                  <a:fillRect/>
+                </a:stretch>
+              </p:blipFill>
+              <p:spPr>
+                <a:xfrm>
+                  <a:off x="1002221" y="1233850"/>
+                  <a:ext cx="2680560" cy="784080"/>
+                </a:xfrm>
+                <a:prstGeom prst="rect">
+                  <a:avLst/>
+                </a:prstGeom>
+              </p:spPr>
+            </p:pic>
+          </mc:Fallback>
+        </mc:AlternateContent>
+        <mc:AlternateContent xmlns:mc="http://schemas.openxmlformats.org/markup-compatibility/2006" xmlns:p14="http://schemas.microsoft.com/office/powerpoint/2010/main" xmlns:aink="http://schemas.microsoft.com/office/drawing/2016/ink">
+          <mc:Choice Requires="p14 aink">
+            <p:contentPart p14:bwMode="auto" r:id="rId26">
+              <p14:nvContentPartPr>
+                <p14:cNvPr id="43" name="Ink 42">
+                  <a:extLst>
+                    <a:ext uri="{FF2B5EF4-FFF2-40B4-BE49-F238E27FC236}">
+                      <a16:creationId xmlns:a16="http://schemas.microsoft.com/office/drawing/2014/main" id="{AA7A7D3A-7EEE-2A84-B5FD-92CC7214E611}"/>
+                    </a:ext>
+                  </a:extLst>
+                </p14:cNvPr>
+                <p14:cNvContentPartPr/>
+                <p14:nvPr/>
+              </p14:nvContentPartPr>
+              <p14:xfrm>
+                <a:off x="1027421" y="5212930"/>
+                <a:ext cx="2630520" cy="19440"/>
+              </p14:xfrm>
+            </p:contentPart>
+          </mc:Choice>
+          <mc:Fallback xmlns="">
+            <p:pic>
+              <p:nvPicPr>
+                <p:cNvPr id="43" name="Ink 42">
+                  <a:extLst>
+                    <a:ext uri="{FF2B5EF4-FFF2-40B4-BE49-F238E27FC236}">
+                      <a16:creationId xmlns:a16="http://schemas.microsoft.com/office/drawing/2014/main" id="{AA7A7D3A-7EEE-2A84-B5FD-92CC7214E611}"/>
+                    </a:ext>
+                  </a:extLst>
+                </p:cNvPr>
+                <p:cNvPicPr/>
+                <p:nvPr/>
+              </p:nvPicPr>
+              <p:blipFill>
+                <a:blip r:embed="rId27"/>
+                <a:stretch>
+                  <a:fillRect/>
+                </a:stretch>
+              </p:blipFill>
+              <p:spPr>
+                <a:xfrm>
+                  <a:off x="964421" y="4834930"/>
+                  <a:ext cx="2756160" cy="775080"/>
+                </a:xfrm>
+                <a:prstGeom prst="rect">
+                  <a:avLst/>
+                </a:prstGeom>
+              </p:spPr>
+            </p:pic>
+          </mc:Fallback>
+        </mc:AlternateContent>
+        <mc:AlternateContent xmlns:mc="http://schemas.openxmlformats.org/markup-compatibility/2006" xmlns:p14="http://schemas.microsoft.com/office/powerpoint/2010/main" xmlns:aink="http://schemas.microsoft.com/office/drawing/2016/ink">
+          <mc:Choice Requires="p14 aink">
+            <p:contentPart p14:bwMode="auto" r:id="rId28">
+              <p14:nvContentPartPr>
+                <p14:cNvPr id="44" name="Ink 43">
+                  <a:extLst>
+                    <a:ext uri="{FF2B5EF4-FFF2-40B4-BE49-F238E27FC236}">
+                      <a16:creationId xmlns:a16="http://schemas.microsoft.com/office/drawing/2014/main" id="{079E80F4-1EC0-B0A0-618D-9D056B48B0AA}"/>
+                    </a:ext>
+                  </a:extLst>
+                </p14:cNvPr>
+                <p14:cNvContentPartPr/>
+                <p14:nvPr/>
+              </p14:nvContentPartPr>
+              <p14:xfrm>
+                <a:off x="3572621" y="1630930"/>
+                <a:ext cx="38520" cy="3619080"/>
+              </p14:xfrm>
+            </p:contentPart>
+          </mc:Choice>
+          <mc:Fallback xmlns="">
+            <p:pic>
+              <p:nvPicPr>
+                <p:cNvPr id="44" name="Ink 43">
+                  <a:extLst>
+                    <a:ext uri="{FF2B5EF4-FFF2-40B4-BE49-F238E27FC236}">
+                      <a16:creationId xmlns:a16="http://schemas.microsoft.com/office/drawing/2014/main" id="{079E80F4-1EC0-B0A0-618D-9D056B48B0AA}"/>
+                    </a:ext>
+                  </a:extLst>
+                </p:cNvPr>
+                <p:cNvPicPr/>
+                <p:nvPr/>
+              </p:nvPicPr>
+              <p:blipFill>
+                <a:blip r:embed="rId29"/>
+                <a:stretch>
+                  <a:fillRect/>
+                </a:stretch>
+              </p:blipFill>
+              <p:spPr>
+                <a:xfrm>
+                  <a:off x="3509621" y="1252930"/>
+                  <a:ext cx="164160" cy="4374720"/>
+                </a:xfrm>
+                <a:prstGeom prst="rect">
+                  <a:avLst/>
+                </a:prstGeom>
+              </p:spPr>
+            </p:pic>
+          </mc:Fallback>
+        </mc:AlternateContent>
+      </p:grpSp>
+      <p:grpSp>
+        <p:nvGrpSpPr>
+          <p:cNvPr id="45" name="Group 44">
+            <a:extLst>
+              <a:ext uri="{FF2B5EF4-FFF2-40B4-BE49-F238E27FC236}">
+                <a16:creationId xmlns:a16="http://schemas.microsoft.com/office/drawing/2014/main" id="{C67988F1-7702-82B9-7FB7-DCE0204019FD}"/>
+              </a:ext>
+            </a:extLst>
+          </p:cNvPr>
+          <p:cNvGrpSpPr/>
+          <p:nvPr/>
+        </p:nvGrpSpPr>
+        <p:grpSpPr>
+          <a:xfrm rot="10800000">
+            <a:off x="9650477" y="2384731"/>
+            <a:ext cx="1433520" cy="2112120"/>
+            <a:chOff x="1048448" y="2370716"/>
+            <a:chExt cx="1433520" cy="2112120"/>
+          </a:xfrm>
+        </p:grpSpPr>
+        <mc:AlternateContent xmlns:mc="http://schemas.openxmlformats.org/markup-compatibility/2006" xmlns:p14="http://schemas.microsoft.com/office/powerpoint/2010/main" xmlns:aink="http://schemas.microsoft.com/office/drawing/2016/ink">
+          <mc:Choice Requires="p14 aink">
+            <p:contentPart p14:bwMode="auto" r:id="rId30">
+              <p14:nvContentPartPr>
+                <p14:cNvPr id="47" name="Ink 46">
+                  <a:extLst>
+                    <a:ext uri="{FF2B5EF4-FFF2-40B4-BE49-F238E27FC236}">
+                      <a16:creationId xmlns:a16="http://schemas.microsoft.com/office/drawing/2014/main" id="{741B4A79-2D86-7932-2C59-B3480A57F57C}"/>
+                    </a:ext>
+                  </a:extLst>
+                </p14:cNvPr>
+                <p14:cNvContentPartPr/>
+                <p14:nvPr/>
+              </p14:nvContentPartPr>
+              <p14:xfrm>
+                <a:off x="1048448" y="2370716"/>
+                <a:ext cx="1405080" cy="10080"/>
+              </p14:xfrm>
+            </p:contentPart>
+          </mc:Choice>
+          <mc:Fallback xmlns="">
+            <p:pic>
+              <p:nvPicPr>
+                <p:cNvPr id="47" name="Ink 46">
+                  <a:extLst>
+                    <a:ext uri="{FF2B5EF4-FFF2-40B4-BE49-F238E27FC236}">
+                      <a16:creationId xmlns:a16="http://schemas.microsoft.com/office/drawing/2014/main" id="{741B4A79-2D86-7932-2C59-B3480A57F57C}"/>
+                    </a:ext>
+                  </a:extLst>
+                </p:cNvPr>
+                <p:cNvPicPr/>
+                <p:nvPr/>
+              </p:nvPicPr>
+              <p:blipFill>
+                <a:blip r:embed="rId31"/>
+                <a:stretch>
+                  <a:fillRect/>
+                </a:stretch>
+              </p:blipFill>
+              <p:spPr>
+                <a:xfrm>
+                  <a:off x="985448" y="1992716"/>
+                  <a:ext cx="1530720" cy="765720"/>
+                </a:xfrm>
+                <a:prstGeom prst="rect">
+                  <a:avLst/>
+                </a:prstGeom>
+              </p:spPr>
+            </p:pic>
+          </mc:Fallback>
+        </mc:AlternateContent>
+        <mc:AlternateContent xmlns:mc="http://schemas.openxmlformats.org/markup-compatibility/2006" xmlns:p14="http://schemas.microsoft.com/office/powerpoint/2010/main" xmlns:aink="http://schemas.microsoft.com/office/drawing/2016/ink">
+          <mc:Choice Requires="p14 aink">
+            <p:contentPart p14:bwMode="auto" r:id="rId32">
+              <p14:nvContentPartPr>
+                <p14:cNvPr id="49" name="Ink 48">
+                  <a:extLst>
+                    <a:ext uri="{FF2B5EF4-FFF2-40B4-BE49-F238E27FC236}">
+                      <a16:creationId xmlns:a16="http://schemas.microsoft.com/office/drawing/2014/main" id="{0C32BF97-4910-C0C1-D033-6DFF639DB3EF}"/>
+                    </a:ext>
+                  </a:extLst>
+                </p14:cNvPr>
+                <p14:cNvContentPartPr/>
+                <p14:nvPr/>
+              </p14:nvContentPartPr>
+              <p14:xfrm>
+                <a:off x="1048448" y="4473116"/>
+                <a:ext cx="1433520" cy="9720"/>
+              </p14:xfrm>
+            </p:contentPart>
+          </mc:Choice>
+          <mc:Fallback xmlns="">
+            <p:pic>
+              <p:nvPicPr>
+                <p:cNvPr id="49" name="Ink 48">
+                  <a:extLst>
+                    <a:ext uri="{FF2B5EF4-FFF2-40B4-BE49-F238E27FC236}">
+                      <a16:creationId xmlns:a16="http://schemas.microsoft.com/office/drawing/2014/main" id="{0C32BF97-4910-C0C1-D033-6DFF639DB3EF}"/>
+                    </a:ext>
+                  </a:extLst>
+                </p:cNvPr>
+                <p:cNvPicPr/>
+                <p:nvPr/>
+              </p:nvPicPr>
+              <p:blipFill>
+                <a:blip r:embed="rId33"/>
+                <a:stretch>
+                  <a:fillRect/>
+                </a:stretch>
+              </p:blipFill>
+              <p:spPr>
+                <a:xfrm>
+                  <a:off x="985448" y="4095116"/>
+                  <a:ext cx="1559160" cy="765360"/>
+                </a:xfrm>
+                <a:prstGeom prst="rect">
+                  <a:avLst/>
+                </a:prstGeom>
+              </p:spPr>
+            </p:pic>
+          </mc:Fallback>
+        </mc:AlternateContent>
+        <mc:AlternateContent xmlns:mc="http://schemas.openxmlformats.org/markup-compatibility/2006" xmlns:p14="http://schemas.microsoft.com/office/powerpoint/2010/main" xmlns:aink="http://schemas.microsoft.com/office/drawing/2016/ink">
+          <mc:Choice Requires="p14 aink">
+            <p:contentPart p14:bwMode="auto" r:id="rId34">
+              <p14:nvContentPartPr>
+                <p14:cNvPr id="50" name="Ink 49">
+                  <a:extLst>
+                    <a:ext uri="{FF2B5EF4-FFF2-40B4-BE49-F238E27FC236}">
+                      <a16:creationId xmlns:a16="http://schemas.microsoft.com/office/drawing/2014/main" id="{8E3133D1-45CA-0B98-B3AF-F7293EDA3A3F}"/>
+                    </a:ext>
+                  </a:extLst>
+                </p14:cNvPr>
+                <p14:cNvContentPartPr/>
+                <p14:nvPr/>
+              </p14:nvContentPartPr>
+              <p14:xfrm>
+                <a:off x="2415368" y="2380436"/>
+                <a:ext cx="38160" cy="2102400"/>
+              </p14:xfrm>
+            </p:contentPart>
+          </mc:Choice>
+          <mc:Fallback xmlns="">
+            <p:pic>
+              <p:nvPicPr>
+                <p:cNvPr id="50" name="Ink 49">
+                  <a:extLst>
+                    <a:ext uri="{FF2B5EF4-FFF2-40B4-BE49-F238E27FC236}">
+                      <a16:creationId xmlns:a16="http://schemas.microsoft.com/office/drawing/2014/main" id="{8E3133D1-45CA-0B98-B3AF-F7293EDA3A3F}"/>
+                    </a:ext>
+                  </a:extLst>
+                </p:cNvPr>
+                <p:cNvPicPr/>
+                <p:nvPr/>
+              </p:nvPicPr>
+              <p:blipFill>
+                <a:blip r:embed="rId35"/>
+                <a:stretch>
+                  <a:fillRect/>
+                </a:stretch>
+              </p:blipFill>
+              <p:spPr>
+                <a:xfrm>
+                  <a:off x="2352368" y="2002436"/>
+                  <a:ext cx="163800" cy="2858040"/>
+                </a:xfrm>
+                <a:prstGeom prst="rect">
+                  <a:avLst/>
+                </a:prstGeom>
+              </p:spPr>
+            </p:pic>
+          </mc:Fallback>
+        </mc:AlternateContent>
+      </p:grpSp>
+      <mc:AlternateContent xmlns:mc="http://schemas.openxmlformats.org/markup-compatibility/2006" xmlns:p14="http://schemas.microsoft.com/office/powerpoint/2010/main" xmlns:aink="http://schemas.microsoft.com/office/drawing/2016/ink">
+        <mc:Choice Requires="p14 aink">
+          <p:contentPart p14:bwMode="auto" r:id="rId36">
+            <p14:nvContentPartPr>
+              <p14:cNvPr id="58" name="Ink 57">
+                <a:extLst>
+                  <a:ext uri="{FF2B5EF4-FFF2-40B4-BE49-F238E27FC236}">
+                    <a16:creationId xmlns:a16="http://schemas.microsoft.com/office/drawing/2014/main" id="{5265A4D9-97A0-5603-625C-1A2184870FE7}"/>
+                  </a:ext>
+                </a:extLst>
+              </p14:cNvPr>
+              <p14:cNvContentPartPr/>
+              <p14:nvPr/>
+            </p14:nvContentPartPr>
+            <p14:xfrm>
+              <a:off x="6105327" y="600073"/>
+              <a:ext cx="9360" cy="5699160"/>
+            </p14:xfrm>
+          </p:contentPart>
+        </mc:Choice>
+        <mc:Fallback xmlns="">
+          <p:pic>
+            <p:nvPicPr>
+              <p:cNvPr id="58" name="Ink 57">
+                <a:extLst>
+                  <a:ext uri="{FF2B5EF4-FFF2-40B4-BE49-F238E27FC236}">
+                    <a16:creationId xmlns:a16="http://schemas.microsoft.com/office/drawing/2014/main" id="{5265A4D9-97A0-5603-625C-1A2184870FE7}"/>
+                  </a:ext>
+                </a:extLst>
+              </p:cNvPr>
+              <p:cNvPicPr/>
+              <p:nvPr/>
+            </p:nvPicPr>
+            <p:blipFill>
+              <a:blip r:embed="rId37"/>
+              <a:stretch>
+                <a:fillRect/>
+              </a:stretch>
+            </p:blipFill>
+            <p:spPr>
+              <a:xfrm>
+                <a:off x="6042327" y="222073"/>
+                <a:ext cx="135000" cy="6454800"/>
+              </a:xfrm>
+              <a:prstGeom prst="rect">
+                <a:avLst/>
+              </a:prstGeom>
+            </p:spPr>
+          </p:pic>
+        </mc:Fallback>
+      </mc:AlternateContent>
+      <mc:AlternateContent xmlns:mc="http://schemas.openxmlformats.org/markup-compatibility/2006" xmlns:p14="http://schemas.microsoft.com/office/powerpoint/2010/main" xmlns:aink="http://schemas.microsoft.com/office/drawing/2016/ink">
+        <mc:Choice Requires="p14 aink">
+          <p:contentPart p14:bwMode="auto" r:id="rId38">
+            <p14:nvContentPartPr>
+              <p14:cNvPr id="61" name="Ink 60">
+                <a:extLst>
+                  <a:ext uri="{FF2B5EF4-FFF2-40B4-BE49-F238E27FC236}">
+                    <a16:creationId xmlns:a16="http://schemas.microsoft.com/office/drawing/2014/main" id="{784AFC4B-7D86-C90E-CED6-0AB4FD25C0EF}"/>
+                  </a:ext>
+                </a:extLst>
+              </p14:cNvPr>
+              <p14:cNvContentPartPr/>
+              <p14:nvPr/>
+            </p14:nvContentPartPr>
+            <p14:xfrm>
+              <a:off x="5373627" y="2704630"/>
+              <a:ext cx="1482120" cy="1482120"/>
+            </p14:xfrm>
+          </p:contentPart>
+        </mc:Choice>
+        <mc:Fallback xmlns="">
+          <p:pic>
+            <p:nvPicPr>
+              <p:cNvPr id="61" name="Ink 60">
+                <a:extLst>
+                  <a:ext uri="{FF2B5EF4-FFF2-40B4-BE49-F238E27FC236}">
+                    <a16:creationId xmlns:a16="http://schemas.microsoft.com/office/drawing/2014/main" id="{784AFC4B-7D86-C90E-CED6-0AB4FD25C0EF}"/>
+                  </a:ext>
+                </a:extLst>
+              </p:cNvPr>
+              <p:cNvPicPr/>
+              <p:nvPr/>
+            </p:nvPicPr>
+            <p:blipFill>
+              <a:blip r:embed="rId39"/>
+              <a:stretch>
+                <a:fillRect/>
+              </a:stretch>
+            </p:blipFill>
+            <p:spPr>
+              <a:xfrm>
+                <a:off x="5310627" y="2326630"/>
+                <a:ext cx="1607760" cy="2237760"/>
+              </a:xfrm>
+              <a:prstGeom prst="rect">
+                <a:avLst/>
+              </a:prstGeom>
+            </p:spPr>
+          </p:pic>
+        </mc:Fallback>
+      </mc:AlternateContent>
+      <mc:AlternateContent xmlns:mc="http://schemas.openxmlformats.org/markup-compatibility/2006" xmlns:p14="http://schemas.microsoft.com/office/powerpoint/2010/main" xmlns:aink="http://schemas.microsoft.com/office/drawing/2016/ink">
+        <mc:Choice Requires="p14 aink">
+          <p:contentPart p14:bwMode="auto" r:id="rId40">
+            <p14:nvContentPartPr>
+              <p14:cNvPr id="7" name="Ink 6">
+                <a:extLst>
+                  <a:ext uri="{FF2B5EF4-FFF2-40B4-BE49-F238E27FC236}">
+                    <a16:creationId xmlns:a16="http://schemas.microsoft.com/office/drawing/2014/main" id="{CC418F59-9164-FED0-702D-C60E03F4C8AA}"/>
+                  </a:ext>
+                </a:extLst>
+              </p14:cNvPr>
+              <p14:cNvContentPartPr/>
+              <p14:nvPr/>
+            </p14:nvContentPartPr>
+            <p14:xfrm>
+              <a:off x="4247678" y="2162942"/>
+              <a:ext cx="580680" cy="580680"/>
+            </p14:xfrm>
+          </p:contentPart>
+        </mc:Choice>
+        <mc:Fallback xmlns="">
+          <p:pic>
+            <p:nvPicPr>
+              <p:cNvPr id="7" name="Ink 6">
+                <a:extLst>
+                  <a:ext uri="{FF2B5EF4-FFF2-40B4-BE49-F238E27FC236}">
+                    <a16:creationId xmlns:a16="http://schemas.microsoft.com/office/drawing/2014/main" id="{CC418F59-9164-FED0-702D-C60E03F4C8AA}"/>
+                  </a:ext>
+                </a:extLst>
+              </p:cNvPr>
+              <p:cNvPicPr/>
+              <p:nvPr/>
+            </p:nvPicPr>
+            <p:blipFill>
+              <a:blip r:embed="rId41"/>
+              <a:stretch>
+                <a:fillRect/>
+              </a:stretch>
+            </p:blipFill>
+            <p:spPr>
+              <a:xfrm>
+                <a:off x="4184678" y="1784942"/>
+                <a:ext cx="706320" cy="1336320"/>
+              </a:xfrm>
+              <a:prstGeom prst="rect">
+                <a:avLst/>
+              </a:prstGeom>
+            </p:spPr>
+          </p:pic>
+        </mc:Fallback>
+      </mc:AlternateContent>
+      <mc:AlternateContent xmlns:mc="http://schemas.openxmlformats.org/markup-compatibility/2006" xmlns:p14="http://schemas.microsoft.com/office/powerpoint/2010/main" xmlns:aink="http://schemas.microsoft.com/office/drawing/2016/ink">
+        <mc:Choice Requires="p14 aink">
+          <p:contentPart p14:bwMode="auto" r:id="rId42">
+            <p14:nvContentPartPr>
+              <p14:cNvPr id="9" name="Ink 8">
+                <a:extLst>
+                  <a:ext uri="{FF2B5EF4-FFF2-40B4-BE49-F238E27FC236}">
+                    <a16:creationId xmlns:a16="http://schemas.microsoft.com/office/drawing/2014/main" id="{55B69A49-B073-BDE0-B5FE-24C716ED74C7}"/>
+                  </a:ext>
+                </a:extLst>
+              </p14:cNvPr>
+              <p14:cNvContentPartPr/>
+              <p14:nvPr/>
+            </p14:nvContentPartPr>
+            <p14:xfrm>
+              <a:off x="3711842" y="3053421"/>
+              <a:ext cx="580680" cy="580680"/>
+            </p14:xfrm>
+          </p:contentPart>
+        </mc:Choice>
+        <mc:Fallback xmlns="">
+          <p:pic>
+            <p:nvPicPr>
+              <p:cNvPr id="9" name="Ink 8">
+                <a:extLst>
+                  <a:ext uri="{FF2B5EF4-FFF2-40B4-BE49-F238E27FC236}">
+                    <a16:creationId xmlns:a16="http://schemas.microsoft.com/office/drawing/2014/main" id="{55B69A49-B073-BDE0-B5FE-24C716ED74C7}"/>
+                  </a:ext>
+                </a:extLst>
+              </p:cNvPr>
+              <p:cNvPicPr/>
+              <p:nvPr/>
+            </p:nvPicPr>
+            <p:blipFill>
+              <a:blip r:embed="rId43"/>
+              <a:stretch>
+                <a:fillRect/>
+              </a:stretch>
+            </p:blipFill>
+            <p:spPr>
+              <a:xfrm>
+                <a:off x="3648842" y="2675421"/>
+                <a:ext cx="706320" cy="1336320"/>
+              </a:xfrm>
+              <a:prstGeom prst="rect">
+                <a:avLst/>
+              </a:prstGeom>
+            </p:spPr>
+          </p:pic>
+        </mc:Fallback>
+      </mc:AlternateContent>
+      <mc:AlternateContent xmlns:mc="http://schemas.openxmlformats.org/markup-compatibility/2006" xmlns:p14="http://schemas.microsoft.com/office/powerpoint/2010/main" xmlns:aink="http://schemas.microsoft.com/office/drawing/2016/ink">
+        <mc:Choice Requires="p14 aink">
+          <p:contentPart p14:bwMode="auto" r:id="rId44">
+            <p14:nvContentPartPr>
+              <p14:cNvPr id="11" name="Ink 10">
+                <a:extLst>
+                  <a:ext uri="{FF2B5EF4-FFF2-40B4-BE49-F238E27FC236}">
+                    <a16:creationId xmlns:a16="http://schemas.microsoft.com/office/drawing/2014/main" id="{29228211-042A-A100-F16D-A221F4DEDAFB}"/>
+                  </a:ext>
+                </a:extLst>
+              </p14:cNvPr>
+              <p14:cNvContentPartPr/>
+              <p14:nvPr/>
+            </p14:nvContentPartPr>
+            <p14:xfrm>
+              <a:off x="4294773" y="3943900"/>
+              <a:ext cx="580680" cy="580680"/>
+            </p14:xfrm>
+          </p:contentPart>
+        </mc:Choice>
+        <mc:Fallback xmlns="">
+          <p:pic>
+            <p:nvPicPr>
+              <p:cNvPr id="11" name="Ink 10">
+                <a:extLst>
+                  <a:ext uri="{FF2B5EF4-FFF2-40B4-BE49-F238E27FC236}">
+                    <a16:creationId xmlns:a16="http://schemas.microsoft.com/office/drawing/2014/main" id="{29228211-042A-A100-F16D-A221F4DEDAFB}"/>
+                  </a:ext>
+                </a:extLst>
+              </p:cNvPr>
+              <p:cNvPicPr/>
+              <p:nvPr/>
+            </p:nvPicPr>
+            <p:blipFill>
+              <a:blip r:embed="rId45"/>
+              <a:stretch>
+                <a:fillRect/>
+              </a:stretch>
+            </p:blipFill>
+            <p:spPr>
+              <a:xfrm>
+                <a:off x="4231773" y="3565900"/>
+                <a:ext cx="706320" cy="1336320"/>
+              </a:xfrm>
+              <a:prstGeom prst="rect">
+                <a:avLst/>
+              </a:prstGeom>
+            </p:spPr>
+          </p:pic>
+        </mc:Fallback>
+      </mc:AlternateContent>
+      <p:grpSp>
+        <p:nvGrpSpPr>
+          <p:cNvPr id="5" name="Group 4">
+            <a:extLst>
+              <a:ext uri="{FF2B5EF4-FFF2-40B4-BE49-F238E27FC236}">
+                <a16:creationId xmlns:a16="http://schemas.microsoft.com/office/drawing/2014/main" id="{E0BC74F9-DA3C-1420-DE95-9611AC9E3E57}"/>
+              </a:ext>
+            </a:extLst>
+          </p:cNvPr>
+          <p:cNvGrpSpPr/>
+          <p:nvPr/>
+        </p:nvGrpSpPr>
+        <p:grpSpPr>
+          <a:xfrm>
+            <a:off x="4941447" y="2059513"/>
+            <a:ext cx="1769760" cy="370080"/>
+            <a:chOff x="4941447" y="2059513"/>
+            <a:chExt cx="1769760" cy="370080"/>
+          </a:xfrm>
+        </p:grpSpPr>
+        <mc:AlternateContent xmlns:mc="http://schemas.openxmlformats.org/markup-compatibility/2006" xmlns:p14="http://schemas.microsoft.com/office/powerpoint/2010/main" xmlns:aink="http://schemas.microsoft.com/office/drawing/2016/ink">
+          <mc:Choice Requires="p14 aink">
+            <p:contentPart p14:bwMode="auto" r:id="rId46">
+              <p14:nvContentPartPr>
+                <p14:cNvPr id="3" name="Ink 2">
+                  <a:extLst>
+                    <a:ext uri="{FF2B5EF4-FFF2-40B4-BE49-F238E27FC236}">
+                      <a16:creationId xmlns:a16="http://schemas.microsoft.com/office/drawing/2014/main" id="{14B8DDCE-2B5F-DBAD-FCAA-21A2526FC7E8}"/>
+                    </a:ext>
+                  </a:extLst>
+                </p14:cNvPr>
+                <p14:cNvContentPartPr/>
+                <p14:nvPr/>
+              </p14:nvContentPartPr>
+              <p14:xfrm>
+                <a:off x="4941447" y="2206033"/>
+                <a:ext cx="1659960" cy="103320"/>
+              </p14:xfrm>
+            </p:contentPart>
+          </mc:Choice>
+          <mc:Fallback xmlns="">
+            <p:pic>
+              <p:nvPicPr>
+                <p:cNvPr id="3" name="Ink 2">
+                  <a:extLst>
+                    <a:ext uri="{FF2B5EF4-FFF2-40B4-BE49-F238E27FC236}">
+                      <a16:creationId xmlns:a16="http://schemas.microsoft.com/office/drawing/2014/main" id="{14B8DDCE-2B5F-DBAD-FCAA-21A2526FC7E8}"/>
+                    </a:ext>
+                  </a:extLst>
+                </p:cNvPr>
+                <p:cNvPicPr/>
+                <p:nvPr/>
+              </p:nvPicPr>
+              <p:blipFill>
+                <a:blip r:embed="rId47"/>
+                <a:stretch>
+                  <a:fillRect/>
+                </a:stretch>
+              </p:blipFill>
+              <p:spPr>
+                <a:xfrm>
+                  <a:off x="4878447" y="1828033"/>
+                  <a:ext cx="1785600" cy="858960"/>
+                </a:xfrm>
+                <a:prstGeom prst="rect">
+                  <a:avLst/>
+                </a:prstGeom>
+              </p:spPr>
+            </p:pic>
+          </mc:Fallback>
+        </mc:AlternateContent>
+        <mc:AlternateContent xmlns:mc="http://schemas.openxmlformats.org/markup-compatibility/2006" xmlns:p14="http://schemas.microsoft.com/office/powerpoint/2010/main" xmlns:aink="http://schemas.microsoft.com/office/drawing/2016/ink">
+          <mc:Choice Requires="p14 aink">
+            <p:contentPart p14:bwMode="auto" r:id="rId48">
+              <p14:nvContentPartPr>
+                <p14:cNvPr id="4" name="Ink 3">
+                  <a:extLst>
+                    <a:ext uri="{FF2B5EF4-FFF2-40B4-BE49-F238E27FC236}">
+                      <a16:creationId xmlns:a16="http://schemas.microsoft.com/office/drawing/2014/main" id="{E61AFD36-5BE6-ECC3-0876-A75D7DD44F76}"/>
+                    </a:ext>
+                  </a:extLst>
+                </p14:cNvPr>
+                <p14:cNvContentPartPr/>
+                <p14:nvPr/>
+              </p14:nvContentPartPr>
+              <p14:xfrm>
+                <a:off x="6409887" y="2059513"/>
+                <a:ext cx="301320" cy="370080"/>
+              </p14:xfrm>
+            </p:contentPart>
+          </mc:Choice>
+          <mc:Fallback xmlns="">
+            <p:pic>
+              <p:nvPicPr>
+                <p:cNvPr id="4" name="Ink 3">
+                  <a:extLst>
+                    <a:ext uri="{FF2B5EF4-FFF2-40B4-BE49-F238E27FC236}">
+                      <a16:creationId xmlns:a16="http://schemas.microsoft.com/office/drawing/2014/main" id="{E61AFD36-5BE6-ECC3-0876-A75D7DD44F76}"/>
+                    </a:ext>
+                  </a:extLst>
+                </p:cNvPr>
+                <p:cNvPicPr/>
+                <p:nvPr/>
+              </p:nvPicPr>
+              <p:blipFill>
+                <a:blip r:embed="rId49"/>
+                <a:stretch>
+                  <a:fillRect/>
+                </a:stretch>
+              </p:blipFill>
+              <p:spPr>
+                <a:xfrm>
+                  <a:off x="6347247" y="1681513"/>
+                  <a:ext cx="426960" cy="1125720"/>
+                </a:xfrm>
+                <a:prstGeom prst="rect">
+                  <a:avLst/>
+                </a:prstGeom>
+              </p:spPr>
+            </p:pic>
+          </mc:Fallback>
+        </mc:AlternateContent>
+      </p:grpSp>
+      <p:grpSp>
+        <p:nvGrpSpPr>
+          <p:cNvPr id="31" name="Group 30">
+            <a:extLst>
+              <a:ext uri="{FF2B5EF4-FFF2-40B4-BE49-F238E27FC236}">
+                <a16:creationId xmlns:a16="http://schemas.microsoft.com/office/drawing/2014/main" id="{0640B53C-2B4B-F578-8506-9DEB02E3C847}"/>
+              </a:ext>
+            </a:extLst>
+          </p:cNvPr>
+          <p:cNvGrpSpPr/>
+          <p:nvPr/>
+        </p:nvGrpSpPr>
+        <p:grpSpPr>
+          <a:xfrm>
+            <a:off x="4867287" y="4525873"/>
+            <a:ext cx="1743840" cy="1066320"/>
+            <a:chOff x="4867287" y="4525873"/>
+            <a:chExt cx="1743840" cy="1066320"/>
+          </a:xfrm>
+        </p:grpSpPr>
+        <mc:AlternateContent xmlns:mc="http://schemas.openxmlformats.org/markup-compatibility/2006" xmlns:p14="http://schemas.microsoft.com/office/powerpoint/2010/main" xmlns:aink="http://schemas.microsoft.com/office/drawing/2016/ink">
+          <mc:Choice Requires="p14 aink">
+            <p:contentPart p14:bwMode="auto" r:id="rId50">
+              <p14:nvContentPartPr>
+                <p14:cNvPr id="26" name="Ink 25">
+                  <a:extLst>
+                    <a:ext uri="{FF2B5EF4-FFF2-40B4-BE49-F238E27FC236}">
+                      <a16:creationId xmlns:a16="http://schemas.microsoft.com/office/drawing/2014/main" id="{F164D5B6-7132-D6B8-4D5D-31FF8C7EA673}"/>
+                    </a:ext>
+                  </a:extLst>
+                </p14:cNvPr>
+                <p14:cNvContentPartPr/>
+                <p14:nvPr/>
+              </p14:nvContentPartPr>
+              <p14:xfrm>
+                <a:off x="4867287" y="4525873"/>
+                <a:ext cx="1584000" cy="923040"/>
+              </p14:xfrm>
+            </p:contentPart>
+          </mc:Choice>
+          <mc:Fallback xmlns="">
+            <p:pic>
+              <p:nvPicPr>
+                <p:cNvPr id="26" name="Ink 25">
+                  <a:extLst>
+                    <a:ext uri="{FF2B5EF4-FFF2-40B4-BE49-F238E27FC236}">
+                      <a16:creationId xmlns:a16="http://schemas.microsoft.com/office/drawing/2014/main" id="{F164D5B6-7132-D6B8-4D5D-31FF8C7EA673}"/>
+                    </a:ext>
+                  </a:extLst>
+                </p:cNvPr>
+                <p:cNvPicPr/>
+                <p:nvPr/>
+              </p:nvPicPr>
+              <p:blipFill>
+                <a:blip r:embed="rId51"/>
+                <a:stretch>
+                  <a:fillRect/>
+                </a:stretch>
+              </p:blipFill>
+              <p:spPr>
+                <a:xfrm>
+                  <a:off x="4804647" y="4147873"/>
+                  <a:ext cx="1709640" cy="1678680"/>
+                </a:xfrm>
+                <a:prstGeom prst="rect">
+                  <a:avLst/>
+                </a:prstGeom>
+              </p:spPr>
+            </p:pic>
+          </mc:Fallback>
+        </mc:AlternateContent>
+        <mc:AlternateContent xmlns:mc="http://schemas.openxmlformats.org/markup-compatibility/2006" xmlns:p14="http://schemas.microsoft.com/office/powerpoint/2010/main" xmlns:aink="http://schemas.microsoft.com/office/drawing/2016/ink">
+          <mc:Choice Requires="p14 aink">
+            <p:contentPart p14:bwMode="auto" r:id="rId52">
+              <p14:nvContentPartPr>
+                <p14:cNvPr id="28" name="Ink 27">
+                  <a:extLst>
+                    <a:ext uri="{FF2B5EF4-FFF2-40B4-BE49-F238E27FC236}">
+                      <a16:creationId xmlns:a16="http://schemas.microsoft.com/office/drawing/2014/main" id="{9C851A59-FCBA-D263-C0C1-A35C1A97D5AD}"/>
+                    </a:ext>
+                  </a:extLst>
+                </p14:cNvPr>
+                <p14:cNvContentPartPr/>
+                <p14:nvPr/>
+              </p14:nvContentPartPr>
+              <p14:xfrm>
+                <a:off x="6224847" y="5218513"/>
+                <a:ext cx="386280" cy="373680"/>
+              </p14:xfrm>
+            </p:contentPart>
+          </mc:Choice>
+          <mc:Fallback xmlns="">
+            <p:pic>
+              <p:nvPicPr>
+                <p:cNvPr id="28" name="Ink 27">
+                  <a:extLst>
+                    <a:ext uri="{FF2B5EF4-FFF2-40B4-BE49-F238E27FC236}">
+                      <a16:creationId xmlns:a16="http://schemas.microsoft.com/office/drawing/2014/main" id="{9C851A59-FCBA-D263-C0C1-A35C1A97D5AD}"/>
+                    </a:ext>
+                  </a:extLst>
+                </p:cNvPr>
+                <p:cNvPicPr/>
+                <p:nvPr/>
+              </p:nvPicPr>
+              <p:blipFill>
+                <a:blip r:embed="rId53"/>
+                <a:stretch>
+                  <a:fillRect/>
+                </a:stretch>
+              </p:blipFill>
+              <p:spPr>
+                <a:xfrm>
+                  <a:off x="6162207" y="4840513"/>
+                  <a:ext cx="511920" cy="1129320"/>
+                </a:xfrm>
+                <a:prstGeom prst="rect">
+                  <a:avLst/>
+                </a:prstGeom>
+              </p:spPr>
+            </p:pic>
+          </mc:Fallback>
+        </mc:AlternateContent>
+      </p:grpSp>
+      <p:grpSp>
+        <p:nvGrpSpPr>
+          <p:cNvPr id="35" name="Group 34">
+            <a:extLst>
+              <a:ext uri="{FF2B5EF4-FFF2-40B4-BE49-F238E27FC236}">
+                <a16:creationId xmlns:a16="http://schemas.microsoft.com/office/drawing/2014/main" id="{C8729A07-1BBC-85E2-E8AF-8D8C294F4309}"/>
+              </a:ext>
+            </a:extLst>
+          </p:cNvPr>
+          <p:cNvGrpSpPr/>
+          <p:nvPr/>
+        </p:nvGrpSpPr>
+        <p:grpSpPr>
+          <a:xfrm>
+            <a:off x="3025167" y="3075793"/>
+            <a:ext cx="623520" cy="484200"/>
+            <a:chOff x="3025167" y="3075793"/>
+            <a:chExt cx="623520" cy="484200"/>
+          </a:xfrm>
+        </p:grpSpPr>
+        <mc:AlternateContent xmlns:mc="http://schemas.openxmlformats.org/markup-compatibility/2006" xmlns:p14="http://schemas.microsoft.com/office/powerpoint/2010/main" xmlns:aink="http://schemas.microsoft.com/office/drawing/2016/ink">
+          <mc:Choice Requires="p14 aink">
+            <p:contentPart p14:bwMode="auto" r:id="rId54">
+              <p14:nvContentPartPr>
+                <p14:cNvPr id="33" name="Ink 32">
+                  <a:extLst>
+                    <a:ext uri="{FF2B5EF4-FFF2-40B4-BE49-F238E27FC236}">
+                      <a16:creationId xmlns:a16="http://schemas.microsoft.com/office/drawing/2014/main" id="{000A413E-38D8-2C1A-0F2C-59719CFEB5C1}"/>
+                    </a:ext>
+                  </a:extLst>
+                </p14:cNvPr>
+                <p14:cNvContentPartPr/>
+                <p14:nvPr/>
+              </p14:nvContentPartPr>
+              <p14:xfrm>
+                <a:off x="3214887" y="3333553"/>
+                <a:ext cx="433800" cy="10080"/>
+              </p14:xfrm>
+            </p:contentPart>
+          </mc:Choice>
+          <mc:Fallback xmlns="">
+            <p:pic>
+              <p:nvPicPr>
+                <p:cNvPr id="33" name="Ink 32">
+                  <a:extLst>
+                    <a:ext uri="{FF2B5EF4-FFF2-40B4-BE49-F238E27FC236}">
+                      <a16:creationId xmlns:a16="http://schemas.microsoft.com/office/drawing/2014/main" id="{000A413E-38D8-2C1A-0F2C-59719CFEB5C1}"/>
+                    </a:ext>
+                  </a:extLst>
+                </p:cNvPr>
+                <p:cNvPicPr/>
+                <p:nvPr/>
+              </p:nvPicPr>
+              <p:blipFill>
+                <a:blip r:embed="rId55"/>
+                <a:stretch>
+                  <a:fillRect/>
+                </a:stretch>
+              </p:blipFill>
+              <p:spPr>
+                <a:xfrm>
+                  <a:off x="3152247" y="2955913"/>
+                  <a:ext cx="559440" cy="765720"/>
+                </a:xfrm>
+                <a:prstGeom prst="rect">
+                  <a:avLst/>
+                </a:prstGeom>
+              </p:spPr>
+            </p:pic>
+          </mc:Fallback>
+        </mc:AlternateContent>
+        <mc:AlternateContent xmlns:mc="http://schemas.openxmlformats.org/markup-compatibility/2006" xmlns:p14="http://schemas.microsoft.com/office/powerpoint/2010/main" xmlns:aink="http://schemas.microsoft.com/office/drawing/2016/ink">
+          <mc:Choice Requires="p14 aink">
+            <p:contentPart p14:bwMode="auto" r:id="rId56">
+              <p14:nvContentPartPr>
+                <p14:cNvPr id="34" name="Ink 33">
+                  <a:extLst>
+                    <a:ext uri="{FF2B5EF4-FFF2-40B4-BE49-F238E27FC236}">
+                      <a16:creationId xmlns:a16="http://schemas.microsoft.com/office/drawing/2014/main" id="{31C1FFA6-4B5E-DF4C-8840-72C5B075CBE3}"/>
+                    </a:ext>
+                  </a:extLst>
+                </p14:cNvPr>
+                <p14:cNvContentPartPr/>
+                <p14:nvPr/>
+              </p14:nvContentPartPr>
+              <p14:xfrm>
+                <a:off x="3025167" y="3075793"/>
+                <a:ext cx="318600" cy="484200"/>
+              </p14:xfrm>
+            </p:contentPart>
+          </mc:Choice>
+          <mc:Fallback xmlns="">
+            <p:pic>
+              <p:nvPicPr>
+                <p:cNvPr id="34" name="Ink 33">
+                  <a:extLst>
+                    <a:ext uri="{FF2B5EF4-FFF2-40B4-BE49-F238E27FC236}">
+                      <a16:creationId xmlns:a16="http://schemas.microsoft.com/office/drawing/2014/main" id="{31C1FFA6-4B5E-DF4C-8840-72C5B075CBE3}"/>
+                    </a:ext>
+                  </a:extLst>
+                </p:cNvPr>
+                <p:cNvPicPr/>
+                <p:nvPr/>
+              </p:nvPicPr>
+              <p:blipFill>
+                <a:blip r:embed="rId57"/>
+                <a:stretch>
+                  <a:fillRect/>
+                </a:stretch>
+              </p:blipFill>
+              <p:spPr>
+                <a:xfrm>
+                  <a:off x="2962527" y="2697793"/>
+                  <a:ext cx="444240" cy="1239840"/>
+                </a:xfrm>
+                <a:prstGeom prst="rect">
+                  <a:avLst/>
+                </a:prstGeom>
+              </p:spPr>
+            </p:pic>
+          </mc:Fallback>
+        </mc:AlternateContent>
+      </p:grpSp>
+    </p:spTree>
+    <p:extLst>
+      <p:ext uri="{BB962C8B-B14F-4D97-AF65-F5344CB8AC3E}">
+        <p14:creationId xmlns:p14="http://schemas.microsoft.com/office/powerpoint/2010/main" val="1665258569"/>
+      </p:ext>
+    </p:extLst>
+  </p:cSld>
+  <p:clrMapOvr>
+    <a:masterClrMapping/>
+  </p:clrMapOvr>
+</p:sld>
+</file>
+
+<file path=ppt/slides/slide11.xml><?xml version="1.0" encoding="utf-8"?>
 <p:sld xmlns:a="http://schemas.openxmlformats.org/drawingml/2006/main" xmlns:r="http://schemas.openxmlformats.org/officeDocument/2006/relationships" xmlns:p="http://schemas.openxmlformats.org/presentationml/2006/main">
   <p:cSld>
     <p:bg>
@@ -14929,7 +17127,7 @@
         <p:cNvPr id="1" name="">
           <a:extLst>
             <a:ext uri="{FF2B5EF4-FFF2-40B4-BE49-F238E27FC236}">
-              <a16:creationId xmlns:a16="http://schemas.microsoft.com/office/drawing/2014/main" id="{29F6BBB2-5297-DED0-A626-2C306783A355}"/>
+              <a16:creationId xmlns:a16="http://schemas.microsoft.com/office/drawing/2014/main" id="{016F03B7-FDDD-9E21-D19B-513308762C33}"/>
             </a:ext>
           </a:extLst>
         </p:cNvPr>
@@ -14951,7 +17149,7 @@
               <p14:cNvPr id="2" name="Ink 1">
                 <a:extLst>
                   <a:ext uri="{FF2B5EF4-FFF2-40B4-BE49-F238E27FC236}">
-                    <a16:creationId xmlns:a16="http://schemas.microsoft.com/office/drawing/2014/main" id="{2B901191-985F-0B3C-E8BB-2AF1B98C9BDD}"/>
+                    <a16:creationId xmlns:a16="http://schemas.microsoft.com/office/drawing/2014/main" id="{A1B7F46F-55BC-F6AF-639B-42DE8D064ECA}"/>
                   </a:ext>
                 </a:extLst>
               </p14:cNvPr>
@@ -14970,7 +17168,7 @@
               <p:cNvPr id="2" name="Ink 1">
                 <a:extLst>
                   <a:ext uri="{FF2B5EF4-FFF2-40B4-BE49-F238E27FC236}">
-                    <a16:creationId xmlns:a16="http://schemas.microsoft.com/office/drawing/2014/main" id="{2B901191-985F-0B3C-E8BB-2AF1B98C9BDD}"/>
+                    <a16:creationId xmlns:a16="http://schemas.microsoft.com/office/drawing/2014/main" id="{A1B7F46F-55BC-F6AF-639B-42DE8D064ECA}"/>
                   </a:ext>
                 </a:extLst>
               </p:cNvPr>
@@ -15002,7 +17200,7 @@
               <p14:cNvPr id="6" name="Ink 5">
                 <a:extLst>
                   <a:ext uri="{FF2B5EF4-FFF2-40B4-BE49-F238E27FC236}">
-                    <a16:creationId xmlns:a16="http://schemas.microsoft.com/office/drawing/2014/main" id="{EDBFC9FD-7A5A-0F37-C94E-E1CA7070AB05}"/>
+                    <a16:creationId xmlns:a16="http://schemas.microsoft.com/office/drawing/2014/main" id="{DBD817F7-2A55-3037-C40B-682684E8743B}"/>
                   </a:ext>
                 </a:extLst>
               </p14:cNvPr>
@@ -15021,7 +17219,7 @@
               <p:cNvPr id="6" name="Ink 5">
                 <a:extLst>
                   <a:ext uri="{FF2B5EF4-FFF2-40B4-BE49-F238E27FC236}">
-                    <a16:creationId xmlns:a16="http://schemas.microsoft.com/office/drawing/2014/main" id="{EDBFC9FD-7A5A-0F37-C94E-E1CA7070AB05}"/>
+                    <a16:creationId xmlns:a16="http://schemas.microsoft.com/office/drawing/2014/main" id="{DBD817F7-2A55-3037-C40B-682684E8743B}"/>
                   </a:ext>
                 </a:extLst>
               </p:cNvPr>
@@ -15053,7 +17251,7 @@
               <p14:cNvPr id="10" name="Ink 9">
                 <a:extLst>
                   <a:ext uri="{FF2B5EF4-FFF2-40B4-BE49-F238E27FC236}">
-                    <a16:creationId xmlns:a16="http://schemas.microsoft.com/office/drawing/2014/main" id="{8277058F-AD54-3DCB-9AB7-3D411EE2FB7B}"/>
+                    <a16:creationId xmlns:a16="http://schemas.microsoft.com/office/drawing/2014/main" id="{B2D975B5-31A3-3DEF-C973-C783C2AF599E}"/>
                   </a:ext>
                 </a:extLst>
               </p14:cNvPr>
@@ -15072,7 +17270,7 @@
               <p:cNvPr id="10" name="Ink 9">
                 <a:extLst>
                   <a:ext uri="{FF2B5EF4-FFF2-40B4-BE49-F238E27FC236}">
-                    <a16:creationId xmlns:a16="http://schemas.microsoft.com/office/drawing/2014/main" id="{8277058F-AD54-3DCB-9AB7-3D411EE2FB7B}"/>
+                    <a16:creationId xmlns:a16="http://schemas.microsoft.com/office/drawing/2014/main" id="{B2D975B5-31A3-3DEF-C973-C783C2AF599E}"/>
                   </a:ext>
                 </a:extLst>
               </p:cNvPr>
@@ -15104,7 +17302,7 @@
               <p14:cNvPr id="12" name="Ink 11">
                 <a:extLst>
                   <a:ext uri="{FF2B5EF4-FFF2-40B4-BE49-F238E27FC236}">
-                    <a16:creationId xmlns:a16="http://schemas.microsoft.com/office/drawing/2014/main" id="{64D96B3F-449B-493A-3058-83B3E27A26EB}"/>
+                    <a16:creationId xmlns:a16="http://schemas.microsoft.com/office/drawing/2014/main" id="{27109FAA-8935-294D-BB98-F5D71AF9B019}"/>
                   </a:ext>
                 </a:extLst>
               </p14:cNvPr>
@@ -15123,7 +17321,7 @@
               <p:cNvPr id="12" name="Ink 11">
                 <a:extLst>
                   <a:ext uri="{FF2B5EF4-FFF2-40B4-BE49-F238E27FC236}">
-                    <a16:creationId xmlns:a16="http://schemas.microsoft.com/office/drawing/2014/main" id="{64D96B3F-449B-493A-3058-83B3E27A26EB}"/>
+                    <a16:creationId xmlns:a16="http://schemas.microsoft.com/office/drawing/2014/main" id="{27109FAA-8935-294D-BB98-F5D71AF9B019}"/>
                   </a:ext>
                 </a:extLst>
               </p:cNvPr>
@@ -15155,6 +17353,1278 @@
               <p14:cNvPr id="14" name="Ink 13">
                 <a:extLst>
                   <a:ext uri="{FF2B5EF4-FFF2-40B4-BE49-F238E27FC236}">
+                    <a16:creationId xmlns:a16="http://schemas.microsoft.com/office/drawing/2014/main" id="{2D257C4A-35CD-921F-6EB4-53324CE8573F}"/>
+                  </a:ext>
+                </a:extLst>
+              </p14:cNvPr>
+              <p14:cNvContentPartPr/>
+              <p14:nvPr/>
+            </p14:nvContentPartPr>
+            <p14:xfrm>
+              <a:off x="11113901" y="584410"/>
+              <a:ext cx="38160" cy="5722560"/>
+            </p14:xfrm>
+          </p:contentPart>
+        </mc:Choice>
+        <mc:Fallback>
+          <p:pic>
+            <p:nvPicPr>
+              <p:cNvPr id="14" name="Ink 13">
+                <a:extLst>
+                  <a:ext uri="{FF2B5EF4-FFF2-40B4-BE49-F238E27FC236}">
+                    <a16:creationId xmlns:a16="http://schemas.microsoft.com/office/drawing/2014/main" id="{2D257C4A-35CD-921F-6EB4-53324CE8573F}"/>
+                  </a:ext>
+                </a:extLst>
+              </p:cNvPr>
+              <p:cNvPicPr/>
+              <p:nvPr/>
+            </p:nvPicPr>
+            <p:blipFill>
+              <a:blip r:embed="rId11"/>
+              <a:stretch>
+                <a:fillRect/>
+              </a:stretch>
+            </p:blipFill>
+            <p:spPr>
+              <a:xfrm>
+                <a:off x="11050901" y="206410"/>
+                <a:ext cx="163800" cy="6478200"/>
+              </a:xfrm>
+              <a:prstGeom prst="rect">
+                <a:avLst/>
+              </a:prstGeom>
+            </p:spPr>
+          </p:pic>
+        </mc:Fallback>
+      </mc:AlternateContent>
+      <p:grpSp>
+        <p:nvGrpSpPr>
+          <p:cNvPr id="39" name="Group 38">
+            <a:extLst>
+              <a:ext uri="{FF2B5EF4-FFF2-40B4-BE49-F238E27FC236}">
+                <a16:creationId xmlns:a16="http://schemas.microsoft.com/office/drawing/2014/main" id="{9BDEF1B5-579D-170C-4615-0BD4B6B78420}"/>
+              </a:ext>
+            </a:extLst>
+          </p:cNvPr>
+          <p:cNvGrpSpPr/>
+          <p:nvPr/>
+        </p:nvGrpSpPr>
+        <p:grpSpPr>
+          <a:xfrm>
+            <a:off x="1027421" y="1611850"/>
+            <a:ext cx="2630520" cy="3638160"/>
+            <a:chOff x="1027421" y="1611850"/>
+            <a:chExt cx="2630520" cy="3638160"/>
+          </a:xfrm>
+        </p:grpSpPr>
+        <mc:AlternateContent xmlns:mc="http://schemas.openxmlformats.org/markup-compatibility/2006">
+          <mc:Choice xmlns:p14="http://schemas.microsoft.com/office/powerpoint/2010/main" xmlns:aink="http://schemas.microsoft.com/office/drawing/2016/ink" Requires="p14 aink">
+            <p:contentPart p14:bwMode="auto" r:id="rId12">
+              <p14:nvContentPartPr>
+                <p14:cNvPr id="27" name="Ink 26">
+                  <a:extLst>
+                    <a:ext uri="{FF2B5EF4-FFF2-40B4-BE49-F238E27FC236}">
+                      <a16:creationId xmlns:a16="http://schemas.microsoft.com/office/drawing/2014/main" id="{07DB4311-514E-C1E8-1312-F7C71B797B63}"/>
+                    </a:ext>
+                  </a:extLst>
+                </p14:cNvPr>
+                <p14:cNvContentPartPr/>
+                <p14:nvPr/>
+              </p14:nvContentPartPr>
+              <p14:xfrm>
+                <a:off x="1065221" y="1611850"/>
+                <a:ext cx="2554920" cy="28440"/>
+              </p14:xfrm>
+            </p:contentPart>
+          </mc:Choice>
+          <mc:Fallback>
+            <p:pic>
+              <p:nvPicPr>
+                <p:cNvPr id="27" name="Ink 26">
+                  <a:extLst>
+                    <a:ext uri="{FF2B5EF4-FFF2-40B4-BE49-F238E27FC236}">
+                      <a16:creationId xmlns:a16="http://schemas.microsoft.com/office/drawing/2014/main" id="{07DB4311-514E-C1E8-1312-F7C71B797B63}"/>
+                    </a:ext>
+                  </a:extLst>
+                </p:cNvPr>
+                <p:cNvPicPr/>
+                <p:nvPr/>
+              </p:nvPicPr>
+              <p:blipFill>
+                <a:blip r:embed="rId13"/>
+                <a:stretch>
+                  <a:fillRect/>
+                </a:stretch>
+              </p:blipFill>
+              <p:spPr>
+                <a:xfrm>
+                  <a:off x="1002221" y="1233850"/>
+                  <a:ext cx="2680560" cy="784080"/>
+                </a:xfrm>
+                <a:prstGeom prst="rect">
+                  <a:avLst/>
+                </a:prstGeom>
+              </p:spPr>
+            </p:pic>
+          </mc:Fallback>
+        </mc:AlternateContent>
+        <mc:AlternateContent xmlns:mc="http://schemas.openxmlformats.org/markup-compatibility/2006">
+          <mc:Choice xmlns:p14="http://schemas.microsoft.com/office/powerpoint/2010/main" xmlns:aink="http://schemas.microsoft.com/office/drawing/2016/ink" Requires="p14 aink">
+            <p:contentPart p14:bwMode="auto" r:id="rId14">
+              <p14:nvContentPartPr>
+                <p14:cNvPr id="29" name="Ink 28">
+                  <a:extLst>
+                    <a:ext uri="{FF2B5EF4-FFF2-40B4-BE49-F238E27FC236}">
+                      <a16:creationId xmlns:a16="http://schemas.microsoft.com/office/drawing/2014/main" id="{EF83B2B0-9000-7DE5-5806-A179345B588E}"/>
+                    </a:ext>
+                  </a:extLst>
+                </p14:cNvPr>
+                <p14:cNvContentPartPr/>
+                <p14:nvPr/>
+              </p14:nvContentPartPr>
+              <p14:xfrm>
+                <a:off x="1027421" y="5212930"/>
+                <a:ext cx="2630520" cy="19440"/>
+              </p14:xfrm>
+            </p:contentPart>
+          </mc:Choice>
+          <mc:Fallback>
+            <p:pic>
+              <p:nvPicPr>
+                <p:cNvPr id="29" name="Ink 28">
+                  <a:extLst>
+                    <a:ext uri="{FF2B5EF4-FFF2-40B4-BE49-F238E27FC236}">
+                      <a16:creationId xmlns:a16="http://schemas.microsoft.com/office/drawing/2014/main" id="{EF83B2B0-9000-7DE5-5806-A179345B588E}"/>
+                    </a:ext>
+                  </a:extLst>
+                </p:cNvPr>
+                <p:cNvPicPr/>
+                <p:nvPr/>
+              </p:nvPicPr>
+              <p:blipFill>
+                <a:blip r:embed="rId15"/>
+                <a:stretch>
+                  <a:fillRect/>
+                </a:stretch>
+              </p:blipFill>
+              <p:spPr>
+                <a:xfrm>
+                  <a:off x="964421" y="4834930"/>
+                  <a:ext cx="2756160" cy="775080"/>
+                </a:xfrm>
+                <a:prstGeom prst="rect">
+                  <a:avLst/>
+                </a:prstGeom>
+              </p:spPr>
+            </p:pic>
+          </mc:Fallback>
+        </mc:AlternateContent>
+        <mc:AlternateContent xmlns:mc="http://schemas.openxmlformats.org/markup-compatibility/2006">
+          <mc:Choice xmlns:p14="http://schemas.microsoft.com/office/powerpoint/2010/main" xmlns:aink="http://schemas.microsoft.com/office/drawing/2016/ink" Requires="p14 aink">
+            <p:contentPart p14:bwMode="auto" r:id="rId16">
+              <p14:nvContentPartPr>
+                <p14:cNvPr id="30" name="Ink 29">
+                  <a:extLst>
+                    <a:ext uri="{FF2B5EF4-FFF2-40B4-BE49-F238E27FC236}">
+                      <a16:creationId xmlns:a16="http://schemas.microsoft.com/office/drawing/2014/main" id="{AA7136E3-957F-6E87-51AB-503DC937BC4D}"/>
+                    </a:ext>
+                  </a:extLst>
+                </p14:cNvPr>
+                <p14:cNvContentPartPr/>
+                <p14:nvPr/>
+              </p14:nvContentPartPr>
+              <p14:xfrm>
+                <a:off x="3572621" y="1630930"/>
+                <a:ext cx="38520" cy="3619080"/>
+              </p14:xfrm>
+            </p:contentPart>
+          </mc:Choice>
+          <mc:Fallback>
+            <p:pic>
+              <p:nvPicPr>
+                <p:cNvPr id="30" name="Ink 29">
+                  <a:extLst>
+                    <a:ext uri="{FF2B5EF4-FFF2-40B4-BE49-F238E27FC236}">
+                      <a16:creationId xmlns:a16="http://schemas.microsoft.com/office/drawing/2014/main" id="{AA7136E3-957F-6E87-51AB-503DC937BC4D}"/>
+                    </a:ext>
+                  </a:extLst>
+                </p:cNvPr>
+                <p:cNvPicPr/>
+                <p:nvPr/>
+              </p:nvPicPr>
+              <p:blipFill>
+                <a:blip r:embed="rId17"/>
+                <a:stretch>
+                  <a:fillRect/>
+                </a:stretch>
+              </p:blipFill>
+              <p:spPr>
+                <a:xfrm>
+                  <a:off x="3509621" y="1252930"/>
+                  <a:ext cx="164160" cy="4374720"/>
+                </a:xfrm>
+                <a:prstGeom prst="rect">
+                  <a:avLst/>
+                </a:prstGeom>
+              </p:spPr>
+            </p:pic>
+          </mc:Fallback>
+        </mc:AlternateContent>
+      </p:grpSp>
+      <p:grpSp>
+        <p:nvGrpSpPr>
+          <p:cNvPr id="40" name="Group 39">
+            <a:extLst>
+              <a:ext uri="{FF2B5EF4-FFF2-40B4-BE49-F238E27FC236}">
+                <a16:creationId xmlns:a16="http://schemas.microsoft.com/office/drawing/2014/main" id="{C84DA43B-F535-8DBF-C616-D3D716B98D0C}"/>
+              </a:ext>
+            </a:extLst>
+          </p:cNvPr>
+          <p:cNvGrpSpPr/>
+          <p:nvPr/>
+        </p:nvGrpSpPr>
+        <p:grpSpPr>
+          <a:xfrm>
+            <a:off x="1048448" y="2370716"/>
+            <a:ext cx="1433520" cy="2112120"/>
+            <a:chOff x="1048448" y="2370716"/>
+            <a:chExt cx="1433520" cy="2112120"/>
+          </a:xfrm>
+        </p:grpSpPr>
+        <mc:AlternateContent xmlns:mc="http://schemas.openxmlformats.org/markup-compatibility/2006">
+          <mc:Choice xmlns:p14="http://schemas.microsoft.com/office/powerpoint/2010/main" xmlns:aink="http://schemas.microsoft.com/office/drawing/2016/ink" Requires="p14 aink">
+            <p:contentPart p14:bwMode="auto" r:id="rId18">
+              <p14:nvContentPartPr>
+                <p14:cNvPr id="32" name="Ink 31">
+                  <a:extLst>
+                    <a:ext uri="{FF2B5EF4-FFF2-40B4-BE49-F238E27FC236}">
+                      <a16:creationId xmlns:a16="http://schemas.microsoft.com/office/drawing/2014/main" id="{6542E43E-2CCC-4611-DC7E-45CFBF49B6AB}"/>
+                    </a:ext>
+                  </a:extLst>
+                </p14:cNvPr>
+                <p14:cNvContentPartPr/>
+                <p14:nvPr/>
+              </p14:nvContentPartPr>
+              <p14:xfrm>
+                <a:off x="1048448" y="2370716"/>
+                <a:ext cx="1405080" cy="10080"/>
+              </p14:xfrm>
+            </p:contentPart>
+          </mc:Choice>
+          <mc:Fallback>
+            <p:pic>
+              <p:nvPicPr>
+                <p:cNvPr id="32" name="Ink 31">
+                  <a:extLst>
+                    <a:ext uri="{FF2B5EF4-FFF2-40B4-BE49-F238E27FC236}">
+                      <a16:creationId xmlns:a16="http://schemas.microsoft.com/office/drawing/2014/main" id="{6542E43E-2CCC-4611-DC7E-45CFBF49B6AB}"/>
+                    </a:ext>
+                  </a:extLst>
+                </p:cNvPr>
+                <p:cNvPicPr/>
+                <p:nvPr/>
+              </p:nvPicPr>
+              <p:blipFill>
+                <a:blip r:embed="rId19"/>
+                <a:stretch>
+                  <a:fillRect/>
+                </a:stretch>
+              </p:blipFill>
+              <p:spPr>
+                <a:xfrm>
+                  <a:off x="985448" y="1992716"/>
+                  <a:ext cx="1530720" cy="765720"/>
+                </a:xfrm>
+                <a:prstGeom prst="rect">
+                  <a:avLst/>
+                </a:prstGeom>
+              </p:spPr>
+            </p:pic>
+          </mc:Fallback>
+        </mc:AlternateContent>
+        <mc:AlternateContent xmlns:mc="http://schemas.openxmlformats.org/markup-compatibility/2006">
+          <mc:Choice xmlns:p14="http://schemas.microsoft.com/office/powerpoint/2010/main" xmlns:aink="http://schemas.microsoft.com/office/drawing/2016/ink" Requires="p14 aink">
+            <p:contentPart p14:bwMode="auto" r:id="rId20">
+              <p14:nvContentPartPr>
+                <p14:cNvPr id="36" name="Ink 35">
+                  <a:extLst>
+                    <a:ext uri="{FF2B5EF4-FFF2-40B4-BE49-F238E27FC236}">
+                      <a16:creationId xmlns:a16="http://schemas.microsoft.com/office/drawing/2014/main" id="{E878A797-AA98-7BBC-76D8-0C8079F2DFAF}"/>
+                    </a:ext>
+                  </a:extLst>
+                </p14:cNvPr>
+                <p14:cNvContentPartPr/>
+                <p14:nvPr/>
+              </p14:nvContentPartPr>
+              <p14:xfrm>
+                <a:off x="1048448" y="4473116"/>
+                <a:ext cx="1433520" cy="9720"/>
+              </p14:xfrm>
+            </p:contentPart>
+          </mc:Choice>
+          <mc:Fallback>
+            <p:pic>
+              <p:nvPicPr>
+                <p:cNvPr id="36" name="Ink 35">
+                  <a:extLst>
+                    <a:ext uri="{FF2B5EF4-FFF2-40B4-BE49-F238E27FC236}">
+                      <a16:creationId xmlns:a16="http://schemas.microsoft.com/office/drawing/2014/main" id="{E878A797-AA98-7BBC-76D8-0C8079F2DFAF}"/>
+                    </a:ext>
+                  </a:extLst>
+                </p:cNvPr>
+                <p:cNvPicPr/>
+                <p:nvPr/>
+              </p:nvPicPr>
+              <p:blipFill>
+                <a:blip r:embed="rId21"/>
+                <a:stretch>
+                  <a:fillRect/>
+                </a:stretch>
+              </p:blipFill>
+              <p:spPr>
+                <a:xfrm>
+                  <a:off x="985448" y="4095116"/>
+                  <a:ext cx="1559160" cy="765360"/>
+                </a:xfrm>
+                <a:prstGeom prst="rect">
+                  <a:avLst/>
+                </a:prstGeom>
+              </p:spPr>
+            </p:pic>
+          </mc:Fallback>
+        </mc:AlternateContent>
+        <mc:AlternateContent xmlns:mc="http://schemas.openxmlformats.org/markup-compatibility/2006">
+          <mc:Choice xmlns:p14="http://schemas.microsoft.com/office/powerpoint/2010/main" xmlns:aink="http://schemas.microsoft.com/office/drawing/2016/ink" Requires="p14 aink">
+            <p:contentPart p14:bwMode="auto" r:id="rId22">
+              <p14:nvContentPartPr>
+                <p14:cNvPr id="38" name="Ink 37">
+                  <a:extLst>
+                    <a:ext uri="{FF2B5EF4-FFF2-40B4-BE49-F238E27FC236}">
+                      <a16:creationId xmlns:a16="http://schemas.microsoft.com/office/drawing/2014/main" id="{636B31E7-53D5-3D11-866A-56711FB89650}"/>
+                    </a:ext>
+                  </a:extLst>
+                </p14:cNvPr>
+                <p14:cNvContentPartPr/>
+                <p14:nvPr/>
+              </p14:nvContentPartPr>
+              <p14:xfrm>
+                <a:off x="2415368" y="2380436"/>
+                <a:ext cx="38160" cy="2102400"/>
+              </p14:xfrm>
+            </p:contentPart>
+          </mc:Choice>
+          <mc:Fallback>
+            <p:pic>
+              <p:nvPicPr>
+                <p:cNvPr id="38" name="Ink 37">
+                  <a:extLst>
+                    <a:ext uri="{FF2B5EF4-FFF2-40B4-BE49-F238E27FC236}">
+                      <a16:creationId xmlns:a16="http://schemas.microsoft.com/office/drawing/2014/main" id="{636B31E7-53D5-3D11-866A-56711FB89650}"/>
+                    </a:ext>
+                  </a:extLst>
+                </p:cNvPr>
+                <p:cNvPicPr/>
+                <p:nvPr/>
+              </p:nvPicPr>
+              <p:blipFill>
+                <a:blip r:embed="rId23"/>
+                <a:stretch>
+                  <a:fillRect/>
+                </a:stretch>
+              </p:blipFill>
+              <p:spPr>
+                <a:xfrm>
+                  <a:off x="2352368" y="2002436"/>
+                  <a:ext cx="163800" cy="2858040"/>
+                </a:xfrm>
+                <a:prstGeom prst="rect">
+                  <a:avLst/>
+                </a:prstGeom>
+              </p:spPr>
+            </p:pic>
+          </mc:Fallback>
+        </mc:AlternateContent>
+      </p:grpSp>
+      <p:grpSp>
+        <p:nvGrpSpPr>
+          <p:cNvPr id="41" name="Group 40">
+            <a:extLst>
+              <a:ext uri="{FF2B5EF4-FFF2-40B4-BE49-F238E27FC236}">
+                <a16:creationId xmlns:a16="http://schemas.microsoft.com/office/drawing/2014/main" id="{97262633-B301-D064-674A-FA7382735197}"/>
+              </a:ext>
+            </a:extLst>
+          </p:cNvPr>
+          <p:cNvGrpSpPr/>
+          <p:nvPr/>
+        </p:nvGrpSpPr>
+        <p:grpSpPr>
+          <a:xfrm rot="10800000">
+            <a:off x="8461372" y="1609920"/>
+            <a:ext cx="2630520" cy="3638160"/>
+            <a:chOff x="1027421" y="1611850"/>
+            <a:chExt cx="2630520" cy="3638160"/>
+          </a:xfrm>
+        </p:grpSpPr>
+        <mc:AlternateContent xmlns:mc="http://schemas.openxmlformats.org/markup-compatibility/2006">
+          <mc:Choice xmlns:p14="http://schemas.microsoft.com/office/powerpoint/2010/main" xmlns:aink="http://schemas.microsoft.com/office/drawing/2016/ink" Requires="p14 aink">
+            <p:contentPart p14:bwMode="auto" r:id="rId24">
+              <p14:nvContentPartPr>
+                <p14:cNvPr id="42" name="Ink 41">
+                  <a:extLst>
+                    <a:ext uri="{FF2B5EF4-FFF2-40B4-BE49-F238E27FC236}">
+                      <a16:creationId xmlns:a16="http://schemas.microsoft.com/office/drawing/2014/main" id="{439124E2-0D11-B98A-441F-3DB5C2802F8D}"/>
+                    </a:ext>
+                  </a:extLst>
+                </p14:cNvPr>
+                <p14:cNvContentPartPr/>
+                <p14:nvPr/>
+              </p14:nvContentPartPr>
+              <p14:xfrm>
+                <a:off x="1065221" y="1611850"/>
+                <a:ext cx="2554920" cy="28440"/>
+              </p14:xfrm>
+            </p:contentPart>
+          </mc:Choice>
+          <mc:Fallback>
+            <p:pic>
+              <p:nvPicPr>
+                <p:cNvPr id="42" name="Ink 41">
+                  <a:extLst>
+                    <a:ext uri="{FF2B5EF4-FFF2-40B4-BE49-F238E27FC236}">
+                      <a16:creationId xmlns:a16="http://schemas.microsoft.com/office/drawing/2014/main" id="{439124E2-0D11-B98A-441F-3DB5C2802F8D}"/>
+                    </a:ext>
+                  </a:extLst>
+                </p:cNvPr>
+                <p:cNvPicPr/>
+                <p:nvPr/>
+              </p:nvPicPr>
+              <p:blipFill>
+                <a:blip r:embed="rId25"/>
+                <a:stretch>
+                  <a:fillRect/>
+                </a:stretch>
+              </p:blipFill>
+              <p:spPr>
+                <a:xfrm>
+                  <a:off x="1002221" y="1233850"/>
+                  <a:ext cx="2680560" cy="784080"/>
+                </a:xfrm>
+                <a:prstGeom prst="rect">
+                  <a:avLst/>
+                </a:prstGeom>
+              </p:spPr>
+            </p:pic>
+          </mc:Fallback>
+        </mc:AlternateContent>
+        <mc:AlternateContent xmlns:mc="http://schemas.openxmlformats.org/markup-compatibility/2006">
+          <mc:Choice xmlns:p14="http://schemas.microsoft.com/office/powerpoint/2010/main" xmlns:aink="http://schemas.microsoft.com/office/drawing/2016/ink" Requires="p14 aink">
+            <p:contentPart p14:bwMode="auto" r:id="rId26">
+              <p14:nvContentPartPr>
+                <p14:cNvPr id="43" name="Ink 42">
+                  <a:extLst>
+                    <a:ext uri="{FF2B5EF4-FFF2-40B4-BE49-F238E27FC236}">
+                      <a16:creationId xmlns:a16="http://schemas.microsoft.com/office/drawing/2014/main" id="{1C481FA0-458E-D6D9-3460-A9FEC191A3F3}"/>
+                    </a:ext>
+                  </a:extLst>
+                </p14:cNvPr>
+                <p14:cNvContentPartPr/>
+                <p14:nvPr/>
+              </p14:nvContentPartPr>
+              <p14:xfrm>
+                <a:off x="1027421" y="5212930"/>
+                <a:ext cx="2630520" cy="19440"/>
+              </p14:xfrm>
+            </p:contentPart>
+          </mc:Choice>
+          <mc:Fallback>
+            <p:pic>
+              <p:nvPicPr>
+                <p:cNvPr id="43" name="Ink 42">
+                  <a:extLst>
+                    <a:ext uri="{FF2B5EF4-FFF2-40B4-BE49-F238E27FC236}">
+                      <a16:creationId xmlns:a16="http://schemas.microsoft.com/office/drawing/2014/main" id="{1C481FA0-458E-D6D9-3460-A9FEC191A3F3}"/>
+                    </a:ext>
+                  </a:extLst>
+                </p:cNvPr>
+                <p:cNvPicPr/>
+                <p:nvPr/>
+              </p:nvPicPr>
+              <p:blipFill>
+                <a:blip r:embed="rId27"/>
+                <a:stretch>
+                  <a:fillRect/>
+                </a:stretch>
+              </p:blipFill>
+              <p:spPr>
+                <a:xfrm>
+                  <a:off x="964421" y="4834930"/>
+                  <a:ext cx="2756160" cy="775080"/>
+                </a:xfrm>
+                <a:prstGeom prst="rect">
+                  <a:avLst/>
+                </a:prstGeom>
+              </p:spPr>
+            </p:pic>
+          </mc:Fallback>
+        </mc:AlternateContent>
+        <mc:AlternateContent xmlns:mc="http://schemas.openxmlformats.org/markup-compatibility/2006">
+          <mc:Choice xmlns:p14="http://schemas.microsoft.com/office/powerpoint/2010/main" xmlns:aink="http://schemas.microsoft.com/office/drawing/2016/ink" Requires="p14 aink">
+            <p:contentPart p14:bwMode="auto" r:id="rId28">
+              <p14:nvContentPartPr>
+                <p14:cNvPr id="44" name="Ink 43">
+                  <a:extLst>
+                    <a:ext uri="{FF2B5EF4-FFF2-40B4-BE49-F238E27FC236}">
+                      <a16:creationId xmlns:a16="http://schemas.microsoft.com/office/drawing/2014/main" id="{12E9BEB3-885D-4E05-36BC-9A2DACF07E1A}"/>
+                    </a:ext>
+                  </a:extLst>
+                </p14:cNvPr>
+                <p14:cNvContentPartPr/>
+                <p14:nvPr/>
+              </p14:nvContentPartPr>
+              <p14:xfrm>
+                <a:off x="3572621" y="1630930"/>
+                <a:ext cx="38520" cy="3619080"/>
+              </p14:xfrm>
+            </p:contentPart>
+          </mc:Choice>
+          <mc:Fallback>
+            <p:pic>
+              <p:nvPicPr>
+                <p:cNvPr id="44" name="Ink 43">
+                  <a:extLst>
+                    <a:ext uri="{FF2B5EF4-FFF2-40B4-BE49-F238E27FC236}">
+                      <a16:creationId xmlns:a16="http://schemas.microsoft.com/office/drawing/2014/main" id="{12E9BEB3-885D-4E05-36BC-9A2DACF07E1A}"/>
+                    </a:ext>
+                  </a:extLst>
+                </p:cNvPr>
+                <p:cNvPicPr/>
+                <p:nvPr/>
+              </p:nvPicPr>
+              <p:blipFill>
+                <a:blip r:embed="rId29"/>
+                <a:stretch>
+                  <a:fillRect/>
+                </a:stretch>
+              </p:blipFill>
+              <p:spPr>
+                <a:xfrm>
+                  <a:off x="3509621" y="1252930"/>
+                  <a:ext cx="164160" cy="4374720"/>
+                </a:xfrm>
+                <a:prstGeom prst="rect">
+                  <a:avLst/>
+                </a:prstGeom>
+              </p:spPr>
+            </p:pic>
+          </mc:Fallback>
+        </mc:AlternateContent>
+      </p:grpSp>
+      <p:grpSp>
+        <p:nvGrpSpPr>
+          <p:cNvPr id="45" name="Group 44">
+            <a:extLst>
+              <a:ext uri="{FF2B5EF4-FFF2-40B4-BE49-F238E27FC236}">
+                <a16:creationId xmlns:a16="http://schemas.microsoft.com/office/drawing/2014/main" id="{A7B8BB9C-D57E-667C-7A5A-6E5C52A5327B}"/>
+              </a:ext>
+            </a:extLst>
+          </p:cNvPr>
+          <p:cNvGrpSpPr/>
+          <p:nvPr/>
+        </p:nvGrpSpPr>
+        <p:grpSpPr>
+          <a:xfrm rot="10800000">
+            <a:off x="9650477" y="2384731"/>
+            <a:ext cx="1433520" cy="2112120"/>
+            <a:chOff x="1048448" y="2370716"/>
+            <a:chExt cx="1433520" cy="2112120"/>
+          </a:xfrm>
+        </p:grpSpPr>
+        <mc:AlternateContent xmlns:mc="http://schemas.openxmlformats.org/markup-compatibility/2006">
+          <mc:Choice xmlns:p14="http://schemas.microsoft.com/office/powerpoint/2010/main" xmlns:aink="http://schemas.microsoft.com/office/drawing/2016/ink" Requires="p14 aink">
+            <p:contentPart p14:bwMode="auto" r:id="rId30">
+              <p14:nvContentPartPr>
+                <p14:cNvPr id="47" name="Ink 46">
+                  <a:extLst>
+                    <a:ext uri="{FF2B5EF4-FFF2-40B4-BE49-F238E27FC236}">
+                      <a16:creationId xmlns:a16="http://schemas.microsoft.com/office/drawing/2014/main" id="{EA6BEA2B-75B9-05B0-3BC5-E1F38BA3685D}"/>
+                    </a:ext>
+                  </a:extLst>
+                </p14:cNvPr>
+                <p14:cNvContentPartPr/>
+                <p14:nvPr/>
+              </p14:nvContentPartPr>
+              <p14:xfrm>
+                <a:off x="1048448" y="2370716"/>
+                <a:ext cx="1405080" cy="10080"/>
+              </p14:xfrm>
+            </p:contentPart>
+          </mc:Choice>
+          <mc:Fallback>
+            <p:pic>
+              <p:nvPicPr>
+                <p:cNvPr id="47" name="Ink 46">
+                  <a:extLst>
+                    <a:ext uri="{FF2B5EF4-FFF2-40B4-BE49-F238E27FC236}">
+                      <a16:creationId xmlns:a16="http://schemas.microsoft.com/office/drawing/2014/main" id="{EA6BEA2B-75B9-05B0-3BC5-E1F38BA3685D}"/>
+                    </a:ext>
+                  </a:extLst>
+                </p:cNvPr>
+                <p:cNvPicPr/>
+                <p:nvPr/>
+              </p:nvPicPr>
+              <p:blipFill>
+                <a:blip r:embed="rId31"/>
+                <a:stretch>
+                  <a:fillRect/>
+                </a:stretch>
+              </p:blipFill>
+              <p:spPr>
+                <a:xfrm>
+                  <a:off x="985448" y="1992716"/>
+                  <a:ext cx="1530720" cy="765720"/>
+                </a:xfrm>
+                <a:prstGeom prst="rect">
+                  <a:avLst/>
+                </a:prstGeom>
+              </p:spPr>
+            </p:pic>
+          </mc:Fallback>
+        </mc:AlternateContent>
+        <mc:AlternateContent xmlns:mc="http://schemas.openxmlformats.org/markup-compatibility/2006">
+          <mc:Choice xmlns:p14="http://schemas.microsoft.com/office/powerpoint/2010/main" xmlns:aink="http://schemas.microsoft.com/office/drawing/2016/ink" Requires="p14 aink">
+            <p:contentPart p14:bwMode="auto" r:id="rId32">
+              <p14:nvContentPartPr>
+                <p14:cNvPr id="49" name="Ink 48">
+                  <a:extLst>
+                    <a:ext uri="{FF2B5EF4-FFF2-40B4-BE49-F238E27FC236}">
+                      <a16:creationId xmlns:a16="http://schemas.microsoft.com/office/drawing/2014/main" id="{36B00D3C-0786-DB15-BCCF-2C6240D1DBF0}"/>
+                    </a:ext>
+                  </a:extLst>
+                </p14:cNvPr>
+                <p14:cNvContentPartPr/>
+                <p14:nvPr/>
+              </p14:nvContentPartPr>
+              <p14:xfrm>
+                <a:off x="1048448" y="4473116"/>
+                <a:ext cx="1433520" cy="9720"/>
+              </p14:xfrm>
+            </p:contentPart>
+          </mc:Choice>
+          <mc:Fallback>
+            <p:pic>
+              <p:nvPicPr>
+                <p:cNvPr id="49" name="Ink 48">
+                  <a:extLst>
+                    <a:ext uri="{FF2B5EF4-FFF2-40B4-BE49-F238E27FC236}">
+                      <a16:creationId xmlns:a16="http://schemas.microsoft.com/office/drawing/2014/main" id="{36B00D3C-0786-DB15-BCCF-2C6240D1DBF0}"/>
+                    </a:ext>
+                  </a:extLst>
+                </p:cNvPr>
+                <p:cNvPicPr/>
+                <p:nvPr/>
+              </p:nvPicPr>
+              <p:blipFill>
+                <a:blip r:embed="rId33"/>
+                <a:stretch>
+                  <a:fillRect/>
+                </a:stretch>
+              </p:blipFill>
+              <p:spPr>
+                <a:xfrm>
+                  <a:off x="985448" y="4095116"/>
+                  <a:ext cx="1559160" cy="765360"/>
+                </a:xfrm>
+                <a:prstGeom prst="rect">
+                  <a:avLst/>
+                </a:prstGeom>
+              </p:spPr>
+            </p:pic>
+          </mc:Fallback>
+        </mc:AlternateContent>
+        <mc:AlternateContent xmlns:mc="http://schemas.openxmlformats.org/markup-compatibility/2006">
+          <mc:Choice xmlns:p14="http://schemas.microsoft.com/office/powerpoint/2010/main" xmlns:aink="http://schemas.microsoft.com/office/drawing/2016/ink" Requires="p14 aink">
+            <p:contentPart p14:bwMode="auto" r:id="rId34">
+              <p14:nvContentPartPr>
+                <p14:cNvPr id="50" name="Ink 49">
+                  <a:extLst>
+                    <a:ext uri="{FF2B5EF4-FFF2-40B4-BE49-F238E27FC236}">
+                      <a16:creationId xmlns:a16="http://schemas.microsoft.com/office/drawing/2014/main" id="{B1F68D57-E587-B8E1-F3B7-F751F21B5D34}"/>
+                    </a:ext>
+                  </a:extLst>
+                </p14:cNvPr>
+                <p14:cNvContentPartPr/>
+                <p14:nvPr/>
+              </p14:nvContentPartPr>
+              <p14:xfrm>
+                <a:off x="2415368" y="2380436"/>
+                <a:ext cx="38160" cy="2102400"/>
+              </p14:xfrm>
+            </p:contentPart>
+          </mc:Choice>
+          <mc:Fallback>
+            <p:pic>
+              <p:nvPicPr>
+                <p:cNvPr id="50" name="Ink 49">
+                  <a:extLst>
+                    <a:ext uri="{FF2B5EF4-FFF2-40B4-BE49-F238E27FC236}">
+                      <a16:creationId xmlns:a16="http://schemas.microsoft.com/office/drawing/2014/main" id="{B1F68D57-E587-B8E1-F3B7-F751F21B5D34}"/>
+                    </a:ext>
+                  </a:extLst>
+                </p:cNvPr>
+                <p:cNvPicPr/>
+                <p:nvPr/>
+              </p:nvPicPr>
+              <p:blipFill>
+                <a:blip r:embed="rId35"/>
+                <a:stretch>
+                  <a:fillRect/>
+                </a:stretch>
+              </p:blipFill>
+              <p:spPr>
+                <a:xfrm>
+                  <a:off x="2352368" y="2002436"/>
+                  <a:ext cx="163800" cy="2858040"/>
+                </a:xfrm>
+                <a:prstGeom prst="rect">
+                  <a:avLst/>
+                </a:prstGeom>
+              </p:spPr>
+            </p:pic>
+          </mc:Fallback>
+        </mc:AlternateContent>
+      </p:grpSp>
+      <mc:AlternateContent xmlns:mc="http://schemas.openxmlformats.org/markup-compatibility/2006">
+        <mc:Choice xmlns:p14="http://schemas.microsoft.com/office/powerpoint/2010/main" xmlns:aink="http://schemas.microsoft.com/office/drawing/2016/ink" Requires="p14 aink">
+          <p:contentPart p14:bwMode="auto" r:id="rId36">
+            <p14:nvContentPartPr>
+              <p14:cNvPr id="58" name="Ink 57">
+                <a:extLst>
+                  <a:ext uri="{FF2B5EF4-FFF2-40B4-BE49-F238E27FC236}">
+                    <a16:creationId xmlns:a16="http://schemas.microsoft.com/office/drawing/2014/main" id="{658749C0-1B0E-9BA2-94AA-8101C35B2857}"/>
+                  </a:ext>
+                </a:extLst>
+              </p14:cNvPr>
+              <p14:cNvContentPartPr/>
+              <p14:nvPr/>
+            </p14:nvContentPartPr>
+            <p14:xfrm>
+              <a:off x="6105327" y="600073"/>
+              <a:ext cx="9360" cy="5699160"/>
+            </p14:xfrm>
+          </p:contentPart>
+        </mc:Choice>
+        <mc:Fallback>
+          <p:pic>
+            <p:nvPicPr>
+              <p:cNvPr id="58" name="Ink 57">
+                <a:extLst>
+                  <a:ext uri="{FF2B5EF4-FFF2-40B4-BE49-F238E27FC236}">
+                    <a16:creationId xmlns:a16="http://schemas.microsoft.com/office/drawing/2014/main" id="{658749C0-1B0E-9BA2-94AA-8101C35B2857}"/>
+                  </a:ext>
+                </a:extLst>
+              </p:cNvPr>
+              <p:cNvPicPr/>
+              <p:nvPr/>
+            </p:nvPicPr>
+            <p:blipFill>
+              <a:blip r:embed="rId37"/>
+              <a:stretch>
+                <a:fillRect/>
+              </a:stretch>
+            </p:blipFill>
+            <p:spPr>
+              <a:xfrm>
+                <a:off x="6042327" y="222073"/>
+                <a:ext cx="135000" cy="6454800"/>
+              </a:xfrm>
+              <a:prstGeom prst="rect">
+                <a:avLst/>
+              </a:prstGeom>
+            </p:spPr>
+          </p:pic>
+        </mc:Fallback>
+      </mc:AlternateContent>
+      <mc:AlternateContent xmlns:mc="http://schemas.openxmlformats.org/markup-compatibility/2006">
+        <mc:Choice xmlns:p14="http://schemas.microsoft.com/office/powerpoint/2010/main" xmlns:aink="http://schemas.microsoft.com/office/drawing/2016/ink" Requires="p14 aink">
+          <p:contentPart p14:bwMode="auto" r:id="rId38">
+            <p14:nvContentPartPr>
+              <p14:cNvPr id="61" name="Ink 60">
+                <a:extLst>
+                  <a:ext uri="{FF2B5EF4-FFF2-40B4-BE49-F238E27FC236}">
+                    <a16:creationId xmlns:a16="http://schemas.microsoft.com/office/drawing/2014/main" id="{B0F1F868-67E4-F9ED-C4AF-B7DA8597347E}"/>
+                  </a:ext>
+                </a:extLst>
+              </p14:cNvPr>
+              <p14:cNvContentPartPr/>
+              <p14:nvPr/>
+            </p14:nvContentPartPr>
+            <p14:xfrm>
+              <a:off x="5373627" y="2704630"/>
+              <a:ext cx="1482120" cy="1482120"/>
+            </p14:xfrm>
+          </p:contentPart>
+        </mc:Choice>
+        <mc:Fallback>
+          <p:pic>
+            <p:nvPicPr>
+              <p:cNvPr id="61" name="Ink 60">
+                <a:extLst>
+                  <a:ext uri="{FF2B5EF4-FFF2-40B4-BE49-F238E27FC236}">
+                    <a16:creationId xmlns:a16="http://schemas.microsoft.com/office/drawing/2014/main" id="{B0F1F868-67E4-F9ED-C4AF-B7DA8597347E}"/>
+                  </a:ext>
+                </a:extLst>
+              </p:cNvPr>
+              <p:cNvPicPr/>
+              <p:nvPr/>
+            </p:nvPicPr>
+            <p:blipFill>
+              <a:blip r:embed="rId39"/>
+              <a:stretch>
+                <a:fillRect/>
+              </a:stretch>
+            </p:blipFill>
+            <p:spPr>
+              <a:xfrm>
+                <a:off x="5310627" y="2326630"/>
+                <a:ext cx="1607760" cy="2237760"/>
+              </a:xfrm>
+              <a:prstGeom prst="rect">
+                <a:avLst/>
+              </a:prstGeom>
+            </p:spPr>
+          </p:pic>
+        </mc:Fallback>
+      </mc:AlternateContent>
+      <p:sp>
+        <p:nvSpPr>
+          <p:cNvPr id="3" name="TextBox 2">
+            <a:extLst>
+              <a:ext uri="{FF2B5EF4-FFF2-40B4-BE49-F238E27FC236}">
+                <a16:creationId xmlns:a16="http://schemas.microsoft.com/office/drawing/2014/main" id="{82B4F20E-03E8-1BC0-9F44-DA4906F48B58}"/>
+              </a:ext>
+            </a:extLst>
+          </p:cNvPr>
+          <p:cNvSpPr txBox="1"/>
+          <p:nvPr/>
+        </p:nvSpPr>
+        <p:spPr>
+          <a:xfrm>
+            <a:off x="1074581" y="600073"/>
+            <a:ext cx="10009416" cy="4708981"/>
+          </a:xfrm>
+          <a:prstGeom prst="rect">
+            <a:avLst/>
+          </a:prstGeom>
+          <a:noFill/>
+        </p:spPr>
+        <p:txBody>
+          <a:bodyPr wrap="square" rtlCol="0">
+            <a:spAutoFit/>
+          </a:bodyPr>
+          <a:lstStyle/>
+          <a:p>
+            <a:pPr marL="342900" indent="-342900">
+              <a:buFont typeface="Arial" panose="020B0604020202020204" pitchFamily="34" charset="0"/>
+              <a:buChar char="•"/>
+            </a:pPr>
+            <a:r>
+              <a:rPr lang="en-US" sz="2000" dirty="0">
+                <a:solidFill>
+                  <a:schemeClr val="bg1"/>
+                </a:solidFill>
+                <a:latin typeface="Segoe Print" panose="02000600000000000000" pitchFamily="2" charset="0"/>
+              </a:rPr>
+              <a:t>There were only 4 players from the selected TOTS that made it into the Data-Driven TOTS.</a:t>
+            </a:r>
+          </a:p>
+          <a:p>
+            <a:pPr marL="342900" indent="-342900">
+              <a:buFont typeface="Arial" panose="020B0604020202020204" pitchFamily="34" charset="0"/>
+              <a:buChar char="•"/>
+            </a:pPr>
+            <a:endParaRPr lang="en-US" sz="2000" dirty="0">
+              <a:solidFill>
+                <a:schemeClr val="bg1"/>
+              </a:solidFill>
+              <a:latin typeface="Segoe Print" panose="02000600000000000000" pitchFamily="2" charset="0"/>
+            </a:endParaRPr>
+          </a:p>
+          <a:p>
+            <a:pPr marL="342900" indent="-342900">
+              <a:buFont typeface="Arial" panose="020B0604020202020204" pitchFamily="34" charset="0"/>
+              <a:buChar char="•"/>
+            </a:pPr>
+            <a:r>
+              <a:rPr lang="en-ZA" sz="2000" dirty="0" err="1">
+                <a:solidFill>
+                  <a:schemeClr val="bg1"/>
+                </a:solidFill>
+                <a:latin typeface="Segoe Print" panose="02000600000000000000" pitchFamily="2" charset="0"/>
+              </a:rPr>
+              <a:t>PSxG</a:t>
+            </a:r>
+            <a:r>
+              <a:rPr lang="en-ZA" sz="2000" dirty="0">
+                <a:solidFill>
+                  <a:schemeClr val="bg1"/>
+                </a:solidFill>
+                <a:latin typeface="Segoe Print" panose="02000600000000000000" pitchFamily="2" charset="0"/>
+              </a:rPr>
+              <a:t>, Passes Over 40 Yards and Errors were the most influential for GK.</a:t>
+            </a:r>
+          </a:p>
+          <a:p>
+            <a:pPr marL="342900" indent="-342900">
+              <a:buFont typeface="Arial" panose="020B0604020202020204" pitchFamily="34" charset="0"/>
+              <a:buChar char="•"/>
+            </a:pPr>
+            <a:endParaRPr lang="en-ZA" sz="2000" dirty="0">
+              <a:solidFill>
+                <a:schemeClr val="bg1"/>
+              </a:solidFill>
+              <a:latin typeface="Segoe Print" panose="02000600000000000000" pitchFamily="2" charset="0"/>
+            </a:endParaRPr>
+          </a:p>
+          <a:p>
+            <a:pPr marL="342900" indent="-342900">
+              <a:buFont typeface="Arial" panose="020B0604020202020204" pitchFamily="34" charset="0"/>
+              <a:buChar char="•"/>
+            </a:pPr>
+            <a:r>
+              <a:rPr lang="en-ZA" sz="2000" dirty="0">
+                <a:solidFill>
+                  <a:schemeClr val="bg1"/>
+                </a:solidFill>
+                <a:latin typeface="Segoe Print" panose="02000600000000000000" pitchFamily="2" charset="0"/>
+              </a:rPr>
+              <a:t>Errors and Progressive passes were the most influential individual stats for defenders but overall, each type of defender was considered equally.</a:t>
+            </a:r>
+          </a:p>
+          <a:p>
+            <a:pPr marL="342900" indent="-342900">
+              <a:buFont typeface="Arial" panose="020B0604020202020204" pitchFamily="34" charset="0"/>
+              <a:buChar char="•"/>
+            </a:pPr>
+            <a:endParaRPr lang="en-ZA" sz="2000" dirty="0">
+              <a:solidFill>
+                <a:schemeClr val="bg1"/>
+              </a:solidFill>
+              <a:latin typeface="Segoe Print" panose="02000600000000000000" pitchFamily="2" charset="0"/>
+            </a:endParaRPr>
+          </a:p>
+          <a:p>
+            <a:pPr marL="342900" indent="-342900">
+              <a:buFont typeface="Arial" panose="020B0604020202020204" pitchFamily="34" charset="0"/>
+              <a:buChar char="•"/>
+            </a:pPr>
+            <a:r>
+              <a:rPr lang="en-ZA" sz="2000" dirty="0">
+                <a:solidFill>
+                  <a:schemeClr val="bg1"/>
+                </a:solidFill>
+                <a:latin typeface="Segoe Print" panose="02000600000000000000" pitchFamily="2" charset="0"/>
+              </a:rPr>
+              <a:t>Tackles won was the most influential stat for midfielders to compensate for the number of attacking stats considered. </a:t>
+            </a:r>
+          </a:p>
+          <a:p>
+            <a:pPr marL="342900" indent="-342900">
+              <a:buFont typeface="Arial" panose="020B0604020202020204" pitchFamily="34" charset="0"/>
+              <a:buChar char="•"/>
+            </a:pPr>
+            <a:endParaRPr lang="en-ZA" sz="2000" dirty="0">
+              <a:solidFill>
+                <a:schemeClr val="bg1"/>
+              </a:solidFill>
+              <a:latin typeface="Segoe Print" panose="02000600000000000000" pitchFamily="2" charset="0"/>
+            </a:endParaRPr>
+          </a:p>
+          <a:p>
+            <a:pPr marL="342900" indent="-342900">
+              <a:buFont typeface="Arial" panose="020B0604020202020204" pitchFamily="34" charset="0"/>
+              <a:buChar char="•"/>
+            </a:pPr>
+            <a:r>
+              <a:rPr lang="en-ZA" sz="2000" dirty="0">
+                <a:solidFill>
+                  <a:schemeClr val="bg1"/>
+                </a:solidFill>
+                <a:latin typeface="Segoe Print" panose="02000600000000000000" pitchFamily="2" charset="0"/>
+              </a:rPr>
+              <a:t>Non-Penalty Goals (normalised) was the most influential stat for attackers as output is considered most important when selecting attackers for a team.</a:t>
+            </a:r>
+          </a:p>
+        </p:txBody>
+      </p:sp>
+    </p:spTree>
+    <p:extLst>
+      <p:ext uri="{BB962C8B-B14F-4D97-AF65-F5344CB8AC3E}">
+        <p14:creationId xmlns:p14="http://schemas.microsoft.com/office/powerpoint/2010/main" val="2443012038"/>
+      </p:ext>
+    </p:extLst>
+  </p:cSld>
+  <p:clrMapOvr>
+    <a:masterClrMapping/>
+  </p:clrMapOvr>
+</p:sld>
+</file>
+
+<file path=ppt/slides/slide7.xml><?xml version="1.0" encoding="utf-8"?>
+<p:sld xmlns:a="http://schemas.openxmlformats.org/drawingml/2006/main" xmlns:r="http://schemas.openxmlformats.org/officeDocument/2006/relationships" xmlns:p="http://schemas.openxmlformats.org/presentationml/2006/main">
+  <p:cSld>
+    <p:bg>
+      <p:bgPr>
+        <a:gradFill>
+          <a:gsLst>
+            <a:gs pos="0">
+              <a:srgbClr val="002D18"/>
+            </a:gs>
+            <a:gs pos="39000">
+              <a:srgbClr val="002D18"/>
+            </a:gs>
+            <a:gs pos="83000">
+              <a:srgbClr val="014D26"/>
+            </a:gs>
+            <a:gs pos="100000">
+              <a:srgbClr val="014D26"/>
+            </a:gs>
+          </a:gsLst>
+          <a:lin ang="10800000" scaled="1"/>
+        </a:gradFill>
+        <a:effectLst/>
+      </p:bgPr>
+    </p:bg>
+    <p:spTree>
+      <p:nvGrpSpPr>
+        <p:cNvPr id="1" name="">
+          <a:extLst>
+            <a:ext uri="{FF2B5EF4-FFF2-40B4-BE49-F238E27FC236}">
+              <a16:creationId xmlns:a16="http://schemas.microsoft.com/office/drawing/2014/main" id="{29F6BBB2-5297-DED0-A626-2C306783A355}"/>
+            </a:ext>
+          </a:extLst>
+        </p:cNvPr>
+        <p:cNvGrpSpPr/>
+        <p:nvPr/>
+      </p:nvGrpSpPr>
+      <p:grpSpPr>
+        <a:xfrm>
+          <a:off x="0" y="0"/>
+          <a:ext cx="0" cy="0"/>
+          <a:chOff x="0" y="0"/>
+          <a:chExt cx="0" cy="0"/>
+        </a:xfrm>
+      </p:grpSpPr>
+      <mc:AlternateContent xmlns:mc="http://schemas.openxmlformats.org/markup-compatibility/2006" xmlns:p14="http://schemas.microsoft.com/office/powerpoint/2010/main" xmlns:aink="http://schemas.microsoft.com/office/drawing/2016/ink">
+        <mc:Choice Requires="p14 aink">
+          <p:contentPart p14:bwMode="auto" r:id="rId2">
+            <p14:nvContentPartPr>
+              <p14:cNvPr id="2" name="Ink 1">
+                <a:extLst>
+                  <a:ext uri="{FF2B5EF4-FFF2-40B4-BE49-F238E27FC236}">
+                    <a16:creationId xmlns:a16="http://schemas.microsoft.com/office/drawing/2014/main" id="{2B901191-985F-0B3C-E8BB-2AF1B98C9BDD}"/>
+                  </a:ext>
+                </a:extLst>
+              </p14:cNvPr>
+              <p14:cNvContentPartPr/>
+              <p14:nvPr/>
+            </p14:nvContentPartPr>
+            <p14:xfrm>
+              <a:off x="4553367" y="600073"/>
+              <a:ext cx="360" cy="360"/>
+            </p14:xfrm>
+          </p:contentPart>
+        </mc:Choice>
+        <mc:Fallback xmlns="">
+          <p:pic>
+            <p:nvPicPr>
+              <p:cNvPr id="2" name="Ink 1">
+                <a:extLst>
+                  <a:ext uri="{FF2B5EF4-FFF2-40B4-BE49-F238E27FC236}">
+                    <a16:creationId xmlns:a16="http://schemas.microsoft.com/office/drawing/2014/main" id="{2B901191-985F-0B3C-E8BB-2AF1B98C9BDD}"/>
+                  </a:ext>
+                </a:extLst>
+              </p:cNvPr>
+              <p:cNvPicPr/>
+              <p:nvPr/>
+            </p:nvPicPr>
+            <p:blipFill>
+              <a:blip r:embed="rId3"/>
+              <a:stretch>
+                <a:fillRect/>
+              </a:stretch>
+            </p:blipFill>
+            <p:spPr>
+              <a:xfrm>
+                <a:off x="4490367" y="222073"/>
+                <a:ext cx="126000" cy="756000"/>
+              </a:xfrm>
+              <a:prstGeom prst="rect">
+                <a:avLst/>
+              </a:prstGeom>
+            </p:spPr>
+          </p:pic>
+        </mc:Fallback>
+      </mc:AlternateContent>
+      <mc:AlternateContent xmlns:mc="http://schemas.openxmlformats.org/markup-compatibility/2006" xmlns:p14="http://schemas.microsoft.com/office/powerpoint/2010/main" xmlns:aink="http://schemas.microsoft.com/office/drawing/2016/ink">
+        <mc:Choice Requires="p14 aink">
+          <p:contentPart p14:bwMode="auto" r:id="rId4">
+            <p14:nvContentPartPr>
+              <p14:cNvPr id="6" name="Ink 5">
+                <a:extLst>
+                  <a:ext uri="{FF2B5EF4-FFF2-40B4-BE49-F238E27FC236}">
+                    <a16:creationId xmlns:a16="http://schemas.microsoft.com/office/drawing/2014/main" id="{EDBFC9FD-7A5A-0F37-C94E-E1CA7070AB05}"/>
+                  </a:ext>
+                </a:extLst>
+              </p14:cNvPr>
+              <p14:cNvContentPartPr/>
+              <p14:nvPr/>
+            </p14:nvContentPartPr>
+            <p14:xfrm>
+              <a:off x="1065221" y="565330"/>
+              <a:ext cx="10067760" cy="19440"/>
+            </p14:xfrm>
+          </p:contentPart>
+        </mc:Choice>
+        <mc:Fallback xmlns="">
+          <p:pic>
+            <p:nvPicPr>
+              <p:cNvPr id="6" name="Ink 5">
+                <a:extLst>
+                  <a:ext uri="{FF2B5EF4-FFF2-40B4-BE49-F238E27FC236}">
+                    <a16:creationId xmlns:a16="http://schemas.microsoft.com/office/drawing/2014/main" id="{EDBFC9FD-7A5A-0F37-C94E-E1CA7070AB05}"/>
+                  </a:ext>
+                </a:extLst>
+              </p:cNvPr>
+              <p:cNvPicPr/>
+              <p:nvPr/>
+            </p:nvPicPr>
+            <p:blipFill>
+              <a:blip r:embed="rId5"/>
+              <a:stretch>
+                <a:fillRect/>
+              </a:stretch>
+            </p:blipFill>
+            <p:spPr>
+              <a:xfrm>
+                <a:off x="1002221" y="187330"/>
+                <a:ext cx="10193400" cy="775080"/>
+              </a:xfrm>
+              <a:prstGeom prst="rect">
+                <a:avLst/>
+              </a:prstGeom>
+            </p:spPr>
+          </p:pic>
+        </mc:Fallback>
+      </mc:AlternateContent>
+      <mc:AlternateContent xmlns:mc="http://schemas.openxmlformats.org/markup-compatibility/2006" xmlns:p14="http://schemas.microsoft.com/office/powerpoint/2010/main" xmlns:aink="http://schemas.microsoft.com/office/drawing/2016/ink">
+        <mc:Choice Requires="p14 aink">
+          <p:contentPart p14:bwMode="auto" r:id="rId6">
+            <p14:nvContentPartPr>
+              <p14:cNvPr id="10" name="Ink 9">
+                <a:extLst>
+                  <a:ext uri="{FF2B5EF4-FFF2-40B4-BE49-F238E27FC236}">
+                    <a16:creationId xmlns:a16="http://schemas.microsoft.com/office/drawing/2014/main" id="{8277058F-AD54-3DCB-9AB7-3D411EE2FB7B}"/>
+                  </a:ext>
+                </a:extLst>
+              </p14:cNvPr>
+              <p14:cNvContentPartPr/>
+              <p14:nvPr/>
+            </p14:nvContentPartPr>
+            <p14:xfrm>
+              <a:off x="1009161" y="593410"/>
+              <a:ext cx="65420" cy="5651740"/>
+            </p14:xfrm>
+          </p:contentPart>
+        </mc:Choice>
+        <mc:Fallback xmlns="">
+          <p:pic>
+            <p:nvPicPr>
+              <p:cNvPr id="10" name="Ink 9">
+                <a:extLst>
+                  <a:ext uri="{FF2B5EF4-FFF2-40B4-BE49-F238E27FC236}">
+                    <a16:creationId xmlns:a16="http://schemas.microsoft.com/office/drawing/2014/main" id="{8277058F-AD54-3DCB-9AB7-3D411EE2FB7B}"/>
+                  </a:ext>
+                </a:extLst>
+              </p:cNvPr>
+              <p:cNvPicPr/>
+              <p:nvPr/>
+            </p:nvPicPr>
+            <p:blipFill>
+              <a:blip r:embed="rId7"/>
+              <a:stretch>
+                <a:fillRect/>
+              </a:stretch>
+            </p:blipFill>
+            <p:spPr>
+              <a:xfrm>
+                <a:off x="946257" y="215403"/>
+                <a:ext cx="190868" cy="6407393"/>
+              </a:xfrm>
+              <a:prstGeom prst="rect">
+                <a:avLst/>
+              </a:prstGeom>
+            </p:spPr>
+          </p:pic>
+        </mc:Fallback>
+      </mc:AlternateContent>
+      <mc:AlternateContent xmlns:mc="http://schemas.openxmlformats.org/markup-compatibility/2006" xmlns:p14="http://schemas.microsoft.com/office/powerpoint/2010/main" xmlns:aink="http://schemas.microsoft.com/office/drawing/2016/ink">
+        <mc:Choice Requires="p14 aink">
+          <p:contentPart p14:bwMode="auto" r:id="rId8">
+            <p14:nvContentPartPr>
+              <p14:cNvPr id="12" name="Ink 11">
+                <a:extLst>
+                  <a:ext uri="{FF2B5EF4-FFF2-40B4-BE49-F238E27FC236}">
+                    <a16:creationId xmlns:a16="http://schemas.microsoft.com/office/drawing/2014/main" id="{64D96B3F-449B-493A-3058-83B3E27A26EB}"/>
+                  </a:ext>
+                </a:extLst>
+              </p14:cNvPr>
+              <p14:cNvContentPartPr/>
+              <p14:nvPr/>
+            </p14:nvContentPartPr>
+            <p14:xfrm>
+              <a:off x="1046141" y="6277810"/>
+              <a:ext cx="10115640" cy="19440"/>
+            </p14:xfrm>
+          </p:contentPart>
+        </mc:Choice>
+        <mc:Fallback xmlns="">
+          <p:pic>
+            <p:nvPicPr>
+              <p:cNvPr id="12" name="Ink 11">
+                <a:extLst>
+                  <a:ext uri="{FF2B5EF4-FFF2-40B4-BE49-F238E27FC236}">
+                    <a16:creationId xmlns:a16="http://schemas.microsoft.com/office/drawing/2014/main" id="{64D96B3F-449B-493A-3058-83B3E27A26EB}"/>
+                  </a:ext>
+                </a:extLst>
+              </p:cNvPr>
+              <p:cNvPicPr/>
+              <p:nvPr/>
+            </p:nvPicPr>
+            <p:blipFill>
+              <a:blip r:embed="rId9"/>
+              <a:stretch>
+                <a:fillRect/>
+              </a:stretch>
+            </p:blipFill>
+            <p:spPr>
+              <a:xfrm>
+                <a:off x="983141" y="5899810"/>
+                <a:ext cx="10241280" cy="775080"/>
+              </a:xfrm>
+              <a:prstGeom prst="rect">
+                <a:avLst/>
+              </a:prstGeom>
+            </p:spPr>
+          </p:pic>
+        </mc:Fallback>
+      </mc:AlternateContent>
+      <mc:AlternateContent xmlns:mc="http://schemas.openxmlformats.org/markup-compatibility/2006" xmlns:p14="http://schemas.microsoft.com/office/powerpoint/2010/main" xmlns:aink="http://schemas.microsoft.com/office/drawing/2016/ink">
+        <mc:Choice Requires="p14 aink">
+          <p:contentPart p14:bwMode="auto" r:id="rId10">
+            <p14:nvContentPartPr>
+              <p14:cNvPr id="14" name="Ink 13">
+                <a:extLst>
+                  <a:ext uri="{FF2B5EF4-FFF2-40B4-BE49-F238E27FC236}">
                     <a16:creationId xmlns:a16="http://schemas.microsoft.com/office/drawing/2014/main" id="{8A6EB0DD-A5BB-7181-809A-CB124A86D05A}"/>
                   </a:ext>
                 </a:extLst>
@@ -15168,7 +18638,7 @@
             </p14:xfrm>
           </p:contentPart>
         </mc:Choice>
-        <mc:Fallback>
+        <mc:Fallback xmlns="">
           <p:pic>
             <p:nvPicPr>
               <p:cNvPr id="14" name="Ink 13">
@@ -15219,8 +18689,8 @@
             <a:chExt cx="2630520" cy="3638160"/>
           </a:xfrm>
         </p:grpSpPr>
-        <mc:AlternateContent xmlns:mc="http://schemas.openxmlformats.org/markup-compatibility/2006">
-          <mc:Choice xmlns:p14="http://schemas.microsoft.com/office/powerpoint/2010/main" xmlns:aink="http://schemas.microsoft.com/office/drawing/2016/ink" Requires="p14 aink">
+        <mc:AlternateContent xmlns:mc="http://schemas.openxmlformats.org/markup-compatibility/2006" xmlns:p14="http://schemas.microsoft.com/office/powerpoint/2010/main" xmlns:aink="http://schemas.microsoft.com/office/drawing/2016/ink">
+          <mc:Choice Requires="p14 aink">
             <p:contentPart p14:bwMode="auto" r:id="rId12">
               <p14:nvContentPartPr>
                 <p14:cNvPr id="27" name="Ink 26">
@@ -15239,7 +18709,7 @@
               </p14:xfrm>
             </p:contentPart>
           </mc:Choice>
-          <mc:Fallback>
+          <mc:Fallback xmlns="">
             <p:pic>
               <p:nvPicPr>
                 <p:cNvPr id="27" name="Ink 26">
@@ -15270,8 +18740,8 @@
             </p:pic>
           </mc:Fallback>
         </mc:AlternateContent>
-        <mc:AlternateContent xmlns:mc="http://schemas.openxmlformats.org/markup-compatibility/2006">
-          <mc:Choice xmlns:p14="http://schemas.microsoft.com/office/powerpoint/2010/main" xmlns:aink="http://schemas.microsoft.com/office/drawing/2016/ink" Requires="p14 aink">
+        <mc:AlternateContent xmlns:mc="http://schemas.openxmlformats.org/markup-compatibility/2006" xmlns:p14="http://schemas.microsoft.com/office/powerpoint/2010/main" xmlns:aink="http://schemas.microsoft.com/office/drawing/2016/ink">
+          <mc:Choice Requires="p14 aink">
             <p:contentPart p14:bwMode="auto" r:id="rId14">
               <p14:nvContentPartPr>
                 <p14:cNvPr id="29" name="Ink 28">
@@ -15290,7 +18760,7 @@
               </p14:xfrm>
             </p:contentPart>
           </mc:Choice>
-          <mc:Fallback>
+          <mc:Fallback xmlns="">
             <p:pic>
               <p:nvPicPr>
                 <p:cNvPr id="29" name="Ink 28">
@@ -15321,8 +18791,8 @@
             </p:pic>
           </mc:Fallback>
         </mc:AlternateContent>
-        <mc:AlternateContent xmlns:mc="http://schemas.openxmlformats.org/markup-compatibility/2006">
-          <mc:Choice xmlns:p14="http://schemas.microsoft.com/office/powerpoint/2010/main" xmlns:aink="http://schemas.microsoft.com/office/drawing/2016/ink" Requires="p14 aink">
+        <mc:AlternateContent xmlns:mc="http://schemas.openxmlformats.org/markup-compatibility/2006" xmlns:p14="http://schemas.microsoft.com/office/powerpoint/2010/main" xmlns:aink="http://schemas.microsoft.com/office/drawing/2016/ink">
+          <mc:Choice Requires="p14 aink">
             <p:contentPart p14:bwMode="auto" r:id="rId16">
               <p14:nvContentPartPr>
                 <p14:cNvPr id="30" name="Ink 29">
@@ -15341,7 +18811,7 @@
               </p14:xfrm>
             </p:contentPart>
           </mc:Choice>
-          <mc:Fallback>
+          <mc:Fallback xmlns="">
             <p:pic>
               <p:nvPicPr>
                 <p:cNvPr id="30" name="Ink 29">
@@ -15393,8 +18863,8 @@
             <a:chExt cx="1433520" cy="2112120"/>
           </a:xfrm>
         </p:grpSpPr>
-        <mc:AlternateContent xmlns:mc="http://schemas.openxmlformats.org/markup-compatibility/2006">
-          <mc:Choice xmlns:p14="http://schemas.microsoft.com/office/powerpoint/2010/main" xmlns:aink="http://schemas.microsoft.com/office/drawing/2016/ink" Requires="p14 aink">
+        <mc:AlternateContent xmlns:mc="http://schemas.openxmlformats.org/markup-compatibility/2006" xmlns:p14="http://schemas.microsoft.com/office/powerpoint/2010/main" xmlns:aink="http://schemas.microsoft.com/office/drawing/2016/ink">
+          <mc:Choice Requires="p14 aink">
             <p:contentPart p14:bwMode="auto" r:id="rId18">
               <p14:nvContentPartPr>
                 <p14:cNvPr id="32" name="Ink 31">
@@ -15413,7 +18883,7 @@
               </p14:xfrm>
             </p:contentPart>
           </mc:Choice>
-          <mc:Fallback>
+          <mc:Fallback xmlns="">
             <p:pic>
               <p:nvPicPr>
                 <p:cNvPr id="32" name="Ink 31">
@@ -15444,8 +18914,8 @@
             </p:pic>
           </mc:Fallback>
         </mc:AlternateContent>
-        <mc:AlternateContent xmlns:mc="http://schemas.openxmlformats.org/markup-compatibility/2006">
-          <mc:Choice xmlns:p14="http://schemas.microsoft.com/office/powerpoint/2010/main" xmlns:aink="http://schemas.microsoft.com/office/drawing/2016/ink" Requires="p14 aink">
+        <mc:AlternateContent xmlns:mc="http://schemas.openxmlformats.org/markup-compatibility/2006" xmlns:p14="http://schemas.microsoft.com/office/powerpoint/2010/main" xmlns:aink="http://schemas.microsoft.com/office/drawing/2016/ink">
+          <mc:Choice Requires="p14 aink">
             <p:contentPart p14:bwMode="auto" r:id="rId20">
               <p14:nvContentPartPr>
                 <p14:cNvPr id="36" name="Ink 35">
@@ -15464,7 +18934,7 @@
               </p14:xfrm>
             </p:contentPart>
           </mc:Choice>
-          <mc:Fallback>
+          <mc:Fallback xmlns="">
             <p:pic>
               <p:nvPicPr>
                 <p:cNvPr id="36" name="Ink 35">
@@ -15495,8 +18965,8 @@
             </p:pic>
           </mc:Fallback>
         </mc:AlternateContent>
-        <mc:AlternateContent xmlns:mc="http://schemas.openxmlformats.org/markup-compatibility/2006">
-          <mc:Choice xmlns:p14="http://schemas.microsoft.com/office/powerpoint/2010/main" xmlns:aink="http://schemas.microsoft.com/office/drawing/2016/ink" Requires="p14 aink">
+        <mc:AlternateContent xmlns:mc="http://schemas.openxmlformats.org/markup-compatibility/2006" xmlns:p14="http://schemas.microsoft.com/office/powerpoint/2010/main" xmlns:aink="http://schemas.microsoft.com/office/drawing/2016/ink">
+          <mc:Choice Requires="p14 aink">
             <p:contentPart p14:bwMode="auto" r:id="rId22">
               <p14:nvContentPartPr>
                 <p14:cNvPr id="38" name="Ink 37">
@@ -15515,7 +18985,7 @@
               </p14:xfrm>
             </p:contentPart>
           </mc:Choice>
-          <mc:Fallback>
+          <mc:Fallback xmlns="">
             <p:pic>
               <p:nvPicPr>
                 <p:cNvPr id="38" name="Ink 37">
@@ -15567,8 +19037,8 @@
             <a:chExt cx="2630520" cy="3638160"/>
           </a:xfrm>
         </p:grpSpPr>
-        <mc:AlternateContent xmlns:mc="http://schemas.openxmlformats.org/markup-compatibility/2006">
-          <mc:Choice xmlns:p14="http://schemas.microsoft.com/office/powerpoint/2010/main" xmlns:aink="http://schemas.microsoft.com/office/drawing/2016/ink" Requires="p14 aink">
+        <mc:AlternateContent xmlns:mc="http://schemas.openxmlformats.org/markup-compatibility/2006" xmlns:p14="http://schemas.microsoft.com/office/powerpoint/2010/main" xmlns:aink="http://schemas.microsoft.com/office/drawing/2016/ink">
+          <mc:Choice Requires="p14 aink">
             <p:contentPart p14:bwMode="auto" r:id="rId24">
               <p14:nvContentPartPr>
                 <p14:cNvPr id="42" name="Ink 41">
@@ -15587,7 +19057,7 @@
               </p14:xfrm>
             </p:contentPart>
           </mc:Choice>
-          <mc:Fallback>
+          <mc:Fallback xmlns="">
             <p:pic>
               <p:nvPicPr>
                 <p:cNvPr id="42" name="Ink 41">
@@ -15618,8 +19088,8 @@
             </p:pic>
           </mc:Fallback>
         </mc:AlternateContent>
-        <mc:AlternateContent xmlns:mc="http://schemas.openxmlformats.org/markup-compatibility/2006">
-          <mc:Choice xmlns:p14="http://schemas.microsoft.com/office/powerpoint/2010/main" xmlns:aink="http://schemas.microsoft.com/office/drawing/2016/ink" Requires="p14 aink">
+        <mc:AlternateContent xmlns:mc="http://schemas.openxmlformats.org/markup-compatibility/2006" xmlns:p14="http://schemas.microsoft.com/office/powerpoint/2010/main" xmlns:aink="http://schemas.microsoft.com/office/drawing/2016/ink">
+          <mc:Choice Requires="p14 aink">
             <p:contentPart p14:bwMode="auto" r:id="rId26">
               <p14:nvContentPartPr>
                 <p14:cNvPr id="43" name="Ink 42">
@@ -15638,7 +19108,7 @@
               </p14:xfrm>
             </p:contentPart>
           </mc:Choice>
-          <mc:Fallback>
+          <mc:Fallback xmlns="">
             <p:pic>
               <p:nvPicPr>
                 <p:cNvPr id="43" name="Ink 42">
@@ -15669,8 +19139,8 @@
             </p:pic>
           </mc:Fallback>
         </mc:AlternateContent>
-        <mc:AlternateContent xmlns:mc="http://schemas.openxmlformats.org/markup-compatibility/2006">
-          <mc:Choice xmlns:p14="http://schemas.microsoft.com/office/powerpoint/2010/main" xmlns:aink="http://schemas.microsoft.com/office/drawing/2016/ink" Requires="p14 aink">
+        <mc:AlternateContent xmlns:mc="http://schemas.openxmlformats.org/markup-compatibility/2006" xmlns:p14="http://schemas.microsoft.com/office/powerpoint/2010/main" xmlns:aink="http://schemas.microsoft.com/office/drawing/2016/ink">
+          <mc:Choice Requires="p14 aink">
             <p:contentPart p14:bwMode="auto" r:id="rId28">
               <p14:nvContentPartPr>
                 <p14:cNvPr id="44" name="Ink 43">
@@ -15689,7 +19159,7 @@
               </p14:xfrm>
             </p:contentPart>
           </mc:Choice>
-          <mc:Fallback>
+          <mc:Fallback xmlns="">
             <p:pic>
               <p:nvPicPr>
                 <p:cNvPr id="44" name="Ink 43">
@@ -15741,8 +19211,8 @@
             <a:chExt cx="1433520" cy="2112120"/>
           </a:xfrm>
         </p:grpSpPr>
-        <mc:AlternateContent xmlns:mc="http://schemas.openxmlformats.org/markup-compatibility/2006">
-          <mc:Choice xmlns:p14="http://schemas.microsoft.com/office/powerpoint/2010/main" xmlns:aink="http://schemas.microsoft.com/office/drawing/2016/ink" Requires="p14 aink">
+        <mc:AlternateContent xmlns:mc="http://schemas.openxmlformats.org/markup-compatibility/2006" xmlns:p14="http://schemas.microsoft.com/office/powerpoint/2010/main" xmlns:aink="http://schemas.microsoft.com/office/drawing/2016/ink">
+          <mc:Choice Requires="p14 aink">
             <p:contentPart p14:bwMode="auto" r:id="rId30">
               <p14:nvContentPartPr>
                 <p14:cNvPr id="47" name="Ink 46">
@@ -15761,7 +19231,7 @@
               </p14:xfrm>
             </p:contentPart>
           </mc:Choice>
-          <mc:Fallback>
+          <mc:Fallback xmlns="">
             <p:pic>
               <p:nvPicPr>
                 <p:cNvPr id="47" name="Ink 46">
@@ -15792,8 +19262,8 @@
             </p:pic>
           </mc:Fallback>
         </mc:AlternateContent>
-        <mc:AlternateContent xmlns:mc="http://schemas.openxmlformats.org/markup-compatibility/2006">
-          <mc:Choice xmlns:p14="http://schemas.microsoft.com/office/powerpoint/2010/main" xmlns:aink="http://schemas.microsoft.com/office/drawing/2016/ink" Requires="p14 aink">
+        <mc:AlternateContent xmlns:mc="http://schemas.openxmlformats.org/markup-compatibility/2006" xmlns:p14="http://schemas.microsoft.com/office/powerpoint/2010/main" xmlns:aink="http://schemas.microsoft.com/office/drawing/2016/ink">
+          <mc:Choice Requires="p14 aink">
             <p:contentPart p14:bwMode="auto" r:id="rId32">
               <p14:nvContentPartPr>
                 <p14:cNvPr id="49" name="Ink 48">
@@ -15812,7 +19282,7 @@
               </p14:xfrm>
             </p:contentPart>
           </mc:Choice>
-          <mc:Fallback>
+          <mc:Fallback xmlns="">
             <p:pic>
               <p:nvPicPr>
                 <p:cNvPr id="49" name="Ink 48">
@@ -15843,8 +19313,8 @@
             </p:pic>
           </mc:Fallback>
         </mc:AlternateContent>
-        <mc:AlternateContent xmlns:mc="http://schemas.openxmlformats.org/markup-compatibility/2006">
-          <mc:Choice xmlns:p14="http://schemas.microsoft.com/office/powerpoint/2010/main" xmlns:aink="http://schemas.microsoft.com/office/drawing/2016/ink" Requires="p14 aink">
+        <mc:AlternateContent xmlns:mc="http://schemas.openxmlformats.org/markup-compatibility/2006" xmlns:p14="http://schemas.microsoft.com/office/powerpoint/2010/main" xmlns:aink="http://schemas.microsoft.com/office/drawing/2016/ink">
+          <mc:Choice Requires="p14 aink">
             <p:contentPart p14:bwMode="auto" r:id="rId34">
               <p14:nvContentPartPr>
                 <p14:cNvPr id="50" name="Ink 49">
@@ -15863,7 +19333,7 @@
               </p14:xfrm>
             </p:contentPart>
           </mc:Choice>
-          <mc:Fallback>
+          <mc:Fallback xmlns="">
             <p:pic>
               <p:nvPicPr>
                 <p:cNvPr id="50" name="Ink 49">
@@ -15895,8 +19365,8 @@
           </mc:Fallback>
         </mc:AlternateContent>
       </p:grpSp>
-      <mc:AlternateContent xmlns:mc="http://schemas.openxmlformats.org/markup-compatibility/2006">
-        <mc:Choice xmlns:p14="http://schemas.microsoft.com/office/powerpoint/2010/main" xmlns:aink="http://schemas.microsoft.com/office/drawing/2016/ink" Requires="p14 aink">
+      <mc:AlternateContent xmlns:mc="http://schemas.openxmlformats.org/markup-compatibility/2006" xmlns:p14="http://schemas.microsoft.com/office/powerpoint/2010/main" xmlns:aink="http://schemas.microsoft.com/office/drawing/2016/ink">
+        <mc:Choice Requires="p14 aink">
           <p:contentPart p14:bwMode="auto" r:id="rId36">
             <p14:nvContentPartPr>
               <p14:cNvPr id="58" name="Ink 57">
@@ -15915,7 +19385,7 @@
             </p14:xfrm>
           </p:contentPart>
         </mc:Choice>
-        <mc:Fallback>
+        <mc:Fallback xmlns="">
           <p:pic>
             <p:nvPicPr>
               <p:cNvPr id="58" name="Ink 57">
@@ -15946,8 +19416,8 @@
           </p:pic>
         </mc:Fallback>
       </mc:AlternateContent>
-      <mc:AlternateContent xmlns:mc="http://schemas.openxmlformats.org/markup-compatibility/2006">
-        <mc:Choice xmlns:p14="http://schemas.microsoft.com/office/powerpoint/2010/main" xmlns:aink="http://schemas.microsoft.com/office/drawing/2016/ink" Requires="p14 aink">
+      <mc:AlternateContent xmlns:mc="http://schemas.openxmlformats.org/markup-compatibility/2006" xmlns:p14="http://schemas.microsoft.com/office/powerpoint/2010/main" xmlns:aink="http://schemas.microsoft.com/office/drawing/2016/ink">
+        <mc:Choice Requires="p14 aink">
           <p:contentPart p14:bwMode="auto" r:id="rId38">
             <p14:nvContentPartPr>
               <p14:cNvPr id="61" name="Ink 60">
@@ -15966,7 +19436,7 @@
             </p14:xfrm>
           </p:contentPart>
         </mc:Choice>
-        <mc:Fallback>
+        <mc:Fallback xmlns="">
           <p:pic>
             <p:nvPicPr>
               <p:cNvPr id="61" name="Ink 60">
@@ -15997,8 +19467,8 @@
           </p:pic>
         </mc:Fallback>
       </mc:AlternateContent>
-      <mc:AlternateContent xmlns:mc="http://schemas.openxmlformats.org/markup-compatibility/2006">
-        <mc:Choice xmlns:p14="http://schemas.microsoft.com/office/powerpoint/2010/main" xmlns:aink="http://schemas.microsoft.com/office/drawing/2016/ink" Requires="p14 aink">
+      <mc:AlternateContent xmlns:mc="http://schemas.openxmlformats.org/markup-compatibility/2006" xmlns:p14="http://schemas.microsoft.com/office/powerpoint/2010/main" xmlns:aink="http://schemas.microsoft.com/office/drawing/2016/ink">
+        <mc:Choice Requires="p14 aink">
           <p:contentPart p14:bwMode="auto" r:id="rId40">
             <p14:nvContentPartPr>
               <p14:cNvPr id="17" name="Ink 16">
@@ -16017,7 +19487,7 @@
             </p14:xfrm>
           </p:contentPart>
         </mc:Choice>
-        <mc:Fallback>
+        <mc:Fallback xmlns="">
           <p:pic>
             <p:nvPicPr>
               <p:cNvPr id="17" name="Ink 16">
@@ -16048,8 +19518,8 @@
           </p:pic>
         </mc:Fallback>
       </mc:AlternateContent>
-      <mc:AlternateContent xmlns:mc="http://schemas.openxmlformats.org/markup-compatibility/2006">
-        <mc:Choice xmlns:p14="http://schemas.microsoft.com/office/powerpoint/2010/main" xmlns:aink="http://schemas.microsoft.com/office/drawing/2016/ink" Requires="p14 aink">
+      <mc:AlternateContent xmlns:mc="http://schemas.openxmlformats.org/markup-compatibility/2006" xmlns:p14="http://schemas.microsoft.com/office/powerpoint/2010/main" xmlns:aink="http://schemas.microsoft.com/office/drawing/2016/ink">
+        <mc:Choice Requires="p14 aink">
           <p:contentPart p14:bwMode="auto" r:id="rId42">
             <p14:nvContentPartPr>
               <p14:cNvPr id="19" name="Ink 18">
@@ -16068,7 +19538,7 @@
             </p14:xfrm>
           </p:contentPart>
         </mc:Choice>
-        <mc:Fallback>
+        <mc:Fallback xmlns="">
           <p:pic>
             <p:nvPicPr>
               <p:cNvPr id="19" name="Ink 18">
@@ -16099,8 +19569,8 @@
           </p:pic>
         </mc:Fallback>
       </mc:AlternateContent>
-      <mc:AlternateContent xmlns:mc="http://schemas.openxmlformats.org/markup-compatibility/2006">
-        <mc:Choice xmlns:p14="http://schemas.microsoft.com/office/powerpoint/2010/main" xmlns:aink="http://schemas.microsoft.com/office/drawing/2016/ink" Requires="p14 aink">
+      <mc:AlternateContent xmlns:mc="http://schemas.openxmlformats.org/markup-compatibility/2006" xmlns:p14="http://schemas.microsoft.com/office/powerpoint/2010/main" xmlns:aink="http://schemas.microsoft.com/office/drawing/2016/ink">
+        <mc:Choice Requires="p14 aink">
           <p:contentPart p14:bwMode="auto" r:id="rId44">
             <p14:nvContentPartPr>
               <p14:cNvPr id="20" name="Ink 19">
@@ -16119,7 +19589,7 @@
             </p14:xfrm>
           </p:contentPart>
         </mc:Choice>
-        <mc:Fallback>
+        <mc:Fallback xmlns="">
           <p:pic>
             <p:nvPicPr>
               <p:cNvPr id="20" name="Ink 19">
@@ -16150,8 +19620,8 @@
           </p:pic>
         </mc:Fallback>
       </mc:AlternateContent>
-      <mc:AlternateContent xmlns:mc="http://schemas.openxmlformats.org/markup-compatibility/2006">
-        <mc:Choice xmlns:p14="http://schemas.microsoft.com/office/powerpoint/2010/main" xmlns:aink="http://schemas.microsoft.com/office/drawing/2016/ink" Requires="p14 aink">
+      <mc:AlternateContent xmlns:mc="http://schemas.openxmlformats.org/markup-compatibility/2006" xmlns:p14="http://schemas.microsoft.com/office/powerpoint/2010/main" xmlns:aink="http://schemas.microsoft.com/office/drawing/2016/ink">
+        <mc:Choice Requires="p14 aink">
           <p:contentPart p14:bwMode="auto" r:id="rId46">
             <p14:nvContentPartPr>
               <p14:cNvPr id="21" name="Ink 20">
@@ -16170,7 +19640,7 @@
             </p14:xfrm>
           </p:contentPart>
         </mc:Choice>
-        <mc:Fallback>
+        <mc:Fallback xmlns="">
           <p:pic>
             <p:nvPicPr>
               <p:cNvPr id="21" name="Ink 20">
@@ -16201,8 +19671,8 @@
           </p:pic>
         </mc:Fallback>
       </mc:AlternateContent>
-      <mc:AlternateContent xmlns:mc="http://schemas.openxmlformats.org/markup-compatibility/2006">
-        <mc:Choice xmlns:p14="http://schemas.microsoft.com/office/powerpoint/2010/main" xmlns:aink="http://schemas.microsoft.com/office/drawing/2016/ink" Requires="p14 aink">
+      <mc:AlternateContent xmlns:mc="http://schemas.openxmlformats.org/markup-compatibility/2006" xmlns:p14="http://schemas.microsoft.com/office/powerpoint/2010/main" xmlns:aink="http://schemas.microsoft.com/office/drawing/2016/ink">
+        <mc:Choice Requires="p14 aink">
           <p:contentPart p14:bwMode="auto" r:id="rId48">
             <p14:nvContentPartPr>
               <p14:cNvPr id="22" name="Ink 21">
@@ -16221,7 +19691,7 @@
             </p14:xfrm>
           </p:contentPart>
         </mc:Choice>
-        <mc:Fallback>
+        <mc:Fallback xmlns="">
           <p:pic>
             <p:nvPicPr>
               <p:cNvPr id="22" name="Ink 21">
@@ -16252,8 +19722,8 @@
           </p:pic>
         </mc:Fallback>
       </mc:AlternateContent>
-      <mc:AlternateContent xmlns:mc="http://schemas.openxmlformats.org/markup-compatibility/2006">
-        <mc:Choice xmlns:p14="http://schemas.microsoft.com/office/powerpoint/2010/main" xmlns:aink="http://schemas.microsoft.com/office/drawing/2016/ink" Requires="p14 aink">
+      <mc:AlternateContent xmlns:mc="http://schemas.openxmlformats.org/markup-compatibility/2006" xmlns:p14="http://schemas.microsoft.com/office/powerpoint/2010/main" xmlns:aink="http://schemas.microsoft.com/office/drawing/2016/ink">
+        <mc:Choice Requires="p14 aink">
           <p:contentPart p14:bwMode="auto" r:id="rId50">
             <p14:nvContentPartPr>
               <p14:cNvPr id="23" name="Ink 22">
@@ -16272,7 +19742,7 @@
             </p14:xfrm>
           </p:contentPart>
         </mc:Choice>
-        <mc:Fallback>
+        <mc:Fallback xmlns="">
           <p:pic>
             <p:nvPicPr>
               <p:cNvPr id="23" name="Ink 22">
@@ -16303,8 +19773,8 @@
           </p:pic>
         </mc:Fallback>
       </mc:AlternateContent>
-      <mc:AlternateContent xmlns:mc="http://schemas.openxmlformats.org/markup-compatibility/2006">
-        <mc:Choice xmlns:p14="http://schemas.microsoft.com/office/powerpoint/2010/main" xmlns:aink="http://schemas.microsoft.com/office/drawing/2016/ink" Requires="p14 aink">
+      <mc:AlternateContent xmlns:mc="http://schemas.openxmlformats.org/markup-compatibility/2006" xmlns:p14="http://schemas.microsoft.com/office/powerpoint/2010/main" xmlns:aink="http://schemas.microsoft.com/office/drawing/2016/ink">
+        <mc:Choice Requires="p14 aink">
           <p:contentPart p14:bwMode="auto" r:id="rId52">
             <p14:nvContentPartPr>
               <p14:cNvPr id="24" name="Ink 23">
@@ -16323,7 +19793,7 @@
             </p14:xfrm>
           </p:contentPart>
         </mc:Choice>
-        <mc:Fallback>
+        <mc:Fallback xmlns="">
           <p:pic>
             <p:nvPicPr>
               <p:cNvPr id="24" name="Ink 23">
@@ -16354,8 +19824,8 @@
           </p:pic>
         </mc:Fallback>
       </mc:AlternateContent>
-      <mc:AlternateContent xmlns:mc="http://schemas.openxmlformats.org/markup-compatibility/2006">
-        <mc:Choice xmlns:p14="http://schemas.microsoft.com/office/powerpoint/2010/main" xmlns:aink="http://schemas.microsoft.com/office/drawing/2016/ink" Requires="p14 aink">
+      <mc:AlternateContent xmlns:mc="http://schemas.openxmlformats.org/markup-compatibility/2006" xmlns:p14="http://schemas.microsoft.com/office/powerpoint/2010/main" xmlns:aink="http://schemas.microsoft.com/office/drawing/2016/ink">
+        <mc:Choice Requires="p14 aink">
           <p:contentPart p14:bwMode="auto" r:id="rId54">
             <p14:nvContentPartPr>
               <p14:cNvPr id="25" name="Ink 24">
@@ -16374,7 +19844,7 @@
             </p14:xfrm>
           </p:contentPart>
         </mc:Choice>
-        <mc:Fallback>
+        <mc:Fallback xmlns="">
           <p:pic>
             <p:nvPicPr>
               <p:cNvPr id="25" name="Ink 24">
@@ -16405,8 +19875,8 @@
           </p:pic>
         </mc:Fallback>
       </mc:AlternateContent>
-      <mc:AlternateContent xmlns:mc="http://schemas.openxmlformats.org/markup-compatibility/2006">
-        <mc:Choice xmlns:p14="http://schemas.microsoft.com/office/powerpoint/2010/main" xmlns:aink="http://schemas.microsoft.com/office/drawing/2016/ink" Requires="p14 aink">
+      <mc:AlternateContent xmlns:mc="http://schemas.openxmlformats.org/markup-compatibility/2006" xmlns:p14="http://schemas.microsoft.com/office/powerpoint/2010/main" xmlns:aink="http://schemas.microsoft.com/office/drawing/2016/ink">
+        <mc:Choice Requires="p14 aink">
           <p:contentPart p14:bwMode="auto" r:id="rId56">
             <p14:nvContentPartPr>
               <p14:cNvPr id="26" name="Ink 25">
@@ -16425,7 +19895,7 @@
             </p14:xfrm>
           </p:contentPart>
         </mc:Choice>
-        <mc:Fallback>
+        <mc:Fallback xmlns="">
           <p:pic>
             <p:nvPicPr>
               <p:cNvPr id="26" name="Ink 25">
@@ -16456,8 +19926,8 @@
           </p:pic>
         </mc:Fallback>
       </mc:AlternateContent>
-      <mc:AlternateContent xmlns:mc="http://schemas.openxmlformats.org/markup-compatibility/2006">
-        <mc:Choice xmlns:p14="http://schemas.microsoft.com/office/powerpoint/2010/main" xmlns:aink="http://schemas.microsoft.com/office/drawing/2016/ink" Requires="p14 aink">
+      <mc:AlternateContent xmlns:mc="http://schemas.openxmlformats.org/markup-compatibility/2006" xmlns:p14="http://schemas.microsoft.com/office/powerpoint/2010/main" xmlns:aink="http://schemas.microsoft.com/office/drawing/2016/ink">
+        <mc:Choice Requires="p14 aink">
           <p:contentPart p14:bwMode="auto" r:id="rId58">
             <p14:nvContentPartPr>
               <p14:cNvPr id="28" name="Ink 27">
@@ -16476,7 +19946,7 @@
             </p14:xfrm>
           </p:contentPart>
         </mc:Choice>
-        <mc:Fallback>
+        <mc:Fallback xmlns="">
           <p:pic>
             <p:nvPicPr>
               <p:cNvPr id="28" name="Ink 27">
@@ -16507,8 +19977,8 @@
           </p:pic>
         </mc:Fallback>
       </mc:AlternateContent>
-      <mc:AlternateContent xmlns:mc="http://schemas.openxmlformats.org/markup-compatibility/2006">
-        <mc:Choice xmlns:p14="http://schemas.microsoft.com/office/powerpoint/2010/main" xmlns:aink="http://schemas.microsoft.com/office/drawing/2016/ink" Requires="p14 aink">
+      <mc:AlternateContent xmlns:mc="http://schemas.openxmlformats.org/markup-compatibility/2006" xmlns:p14="http://schemas.microsoft.com/office/powerpoint/2010/main" xmlns:aink="http://schemas.microsoft.com/office/drawing/2016/ink">
+        <mc:Choice Requires="p14 aink">
           <p:contentPart p14:bwMode="auto" r:id="rId60">
             <p14:nvContentPartPr>
               <p14:cNvPr id="31" name="Ink 30">
@@ -16527,7 +19997,7 @@
             </p14:xfrm>
           </p:contentPart>
         </mc:Choice>
-        <mc:Fallback>
+        <mc:Fallback xmlns="">
           <p:pic>
             <p:nvPicPr>
               <p:cNvPr id="31" name="Ink 30">
@@ -16571,7 +20041,7 @@
 </p:sld>
 </file>
 
-<file path=ppt/slides/slide7.xml><?xml version="1.0" encoding="utf-8"?>
+<file path=ppt/slides/slide8.xml><?xml version="1.0" encoding="utf-8"?>
 <p:sld xmlns:a="http://schemas.openxmlformats.org/drawingml/2006/main" xmlns:r="http://schemas.openxmlformats.org/officeDocument/2006/relationships" xmlns:p="http://schemas.openxmlformats.org/presentationml/2006/main">
   <p:cSld>
     <p:bg>
@@ -18812,7 +22282,7 @@
 </p:sld>
 </file>
 
-<file path=ppt/slides/slide8.xml><?xml version="1.0" encoding="utf-8"?>
+<file path=ppt/slides/slide9.xml><?xml version="1.0" encoding="utf-8"?>
 <p:sld xmlns:a="http://schemas.openxmlformats.org/drawingml/2006/main" xmlns:r="http://schemas.openxmlformats.org/officeDocument/2006/relationships" xmlns:p="http://schemas.openxmlformats.org/presentationml/2006/main">
   <p:cSld>
     <p:bg>
@@ -20619,1639 +24089,6 @@
 </p:sld>
 </file>
 
-<file path=ppt/slides/slide9.xml><?xml version="1.0" encoding="utf-8"?>
-<p:sld xmlns:a="http://schemas.openxmlformats.org/drawingml/2006/main" xmlns:r="http://schemas.openxmlformats.org/officeDocument/2006/relationships" xmlns:p="http://schemas.openxmlformats.org/presentationml/2006/main">
-  <p:cSld>
-    <p:bg>
-      <p:bgPr>
-        <a:gradFill>
-          <a:gsLst>
-            <a:gs pos="0">
-              <a:srgbClr val="002D18"/>
-            </a:gs>
-            <a:gs pos="39000">
-              <a:srgbClr val="002D18"/>
-            </a:gs>
-            <a:gs pos="83000">
-              <a:srgbClr val="014D26"/>
-            </a:gs>
-            <a:gs pos="100000">
-              <a:srgbClr val="014D26"/>
-            </a:gs>
-          </a:gsLst>
-          <a:lin ang="10800000" scaled="1"/>
-        </a:gradFill>
-        <a:effectLst/>
-      </p:bgPr>
-    </p:bg>
-    <p:spTree>
-      <p:nvGrpSpPr>
-        <p:cNvPr id="1" name="">
-          <a:extLst>
-            <a:ext uri="{FF2B5EF4-FFF2-40B4-BE49-F238E27FC236}">
-              <a16:creationId xmlns:a16="http://schemas.microsoft.com/office/drawing/2014/main" id="{B893CFB4-97AE-4F5E-BFFD-0447EFBCF9E6}"/>
-            </a:ext>
-          </a:extLst>
-        </p:cNvPr>
-        <p:cNvGrpSpPr/>
-        <p:nvPr/>
-      </p:nvGrpSpPr>
-      <p:grpSpPr>
-        <a:xfrm>
-          <a:off x="0" y="0"/>
-          <a:ext cx="0" cy="0"/>
-          <a:chOff x="0" y="0"/>
-          <a:chExt cx="0" cy="0"/>
-        </a:xfrm>
-      </p:grpSpPr>
-      <mc:AlternateContent xmlns:mc="http://schemas.openxmlformats.org/markup-compatibility/2006" xmlns:p14="http://schemas.microsoft.com/office/powerpoint/2010/main" xmlns:aink="http://schemas.microsoft.com/office/drawing/2016/ink">
-        <mc:Choice Requires="p14 aink">
-          <p:contentPart p14:bwMode="auto" r:id="rId2">
-            <p14:nvContentPartPr>
-              <p14:cNvPr id="2" name="Ink 1">
-                <a:extLst>
-                  <a:ext uri="{FF2B5EF4-FFF2-40B4-BE49-F238E27FC236}">
-                    <a16:creationId xmlns:a16="http://schemas.microsoft.com/office/drawing/2014/main" id="{D9E6E423-F67C-CDD4-1D80-81B5F7EB1636}"/>
-                  </a:ext>
-                </a:extLst>
-              </p14:cNvPr>
-              <p14:cNvContentPartPr/>
-              <p14:nvPr/>
-            </p14:nvContentPartPr>
-            <p14:xfrm>
-              <a:off x="4553367" y="600073"/>
-              <a:ext cx="360" cy="360"/>
-            </p14:xfrm>
-          </p:contentPart>
-        </mc:Choice>
-        <mc:Fallback xmlns="">
-          <p:pic>
-            <p:nvPicPr>
-              <p:cNvPr id="2" name="Ink 1">
-                <a:extLst>
-                  <a:ext uri="{FF2B5EF4-FFF2-40B4-BE49-F238E27FC236}">
-                    <a16:creationId xmlns:a16="http://schemas.microsoft.com/office/drawing/2014/main" id="{D9E6E423-F67C-CDD4-1D80-81B5F7EB1636}"/>
-                  </a:ext>
-                </a:extLst>
-              </p:cNvPr>
-              <p:cNvPicPr/>
-              <p:nvPr/>
-            </p:nvPicPr>
-            <p:blipFill>
-              <a:blip r:embed="rId3"/>
-              <a:stretch>
-                <a:fillRect/>
-              </a:stretch>
-            </p:blipFill>
-            <p:spPr>
-              <a:xfrm>
-                <a:off x="4490367" y="222073"/>
-                <a:ext cx="126000" cy="756000"/>
-              </a:xfrm>
-              <a:prstGeom prst="rect">
-                <a:avLst/>
-              </a:prstGeom>
-            </p:spPr>
-          </p:pic>
-        </mc:Fallback>
-      </mc:AlternateContent>
-      <mc:AlternateContent xmlns:mc="http://schemas.openxmlformats.org/markup-compatibility/2006" xmlns:p14="http://schemas.microsoft.com/office/powerpoint/2010/main" xmlns:aink="http://schemas.microsoft.com/office/drawing/2016/ink">
-        <mc:Choice Requires="p14 aink">
-          <p:contentPart p14:bwMode="auto" r:id="rId4">
-            <p14:nvContentPartPr>
-              <p14:cNvPr id="6" name="Ink 5">
-                <a:extLst>
-                  <a:ext uri="{FF2B5EF4-FFF2-40B4-BE49-F238E27FC236}">
-                    <a16:creationId xmlns:a16="http://schemas.microsoft.com/office/drawing/2014/main" id="{AEC61321-9988-37B6-0257-F818C16F3062}"/>
-                  </a:ext>
-                </a:extLst>
-              </p14:cNvPr>
-              <p14:cNvContentPartPr/>
-              <p14:nvPr/>
-            </p14:nvContentPartPr>
-            <p14:xfrm>
-              <a:off x="1065221" y="565330"/>
-              <a:ext cx="10067760" cy="19440"/>
-            </p14:xfrm>
-          </p:contentPart>
-        </mc:Choice>
-        <mc:Fallback xmlns="">
-          <p:pic>
-            <p:nvPicPr>
-              <p:cNvPr id="6" name="Ink 5">
-                <a:extLst>
-                  <a:ext uri="{FF2B5EF4-FFF2-40B4-BE49-F238E27FC236}">
-                    <a16:creationId xmlns:a16="http://schemas.microsoft.com/office/drawing/2014/main" id="{AEC61321-9988-37B6-0257-F818C16F3062}"/>
-                  </a:ext>
-                </a:extLst>
-              </p:cNvPr>
-              <p:cNvPicPr/>
-              <p:nvPr/>
-            </p:nvPicPr>
-            <p:blipFill>
-              <a:blip r:embed="rId5"/>
-              <a:stretch>
-                <a:fillRect/>
-              </a:stretch>
-            </p:blipFill>
-            <p:spPr>
-              <a:xfrm>
-                <a:off x="1002221" y="187330"/>
-                <a:ext cx="10193400" cy="775080"/>
-              </a:xfrm>
-              <a:prstGeom prst="rect">
-                <a:avLst/>
-              </a:prstGeom>
-            </p:spPr>
-          </p:pic>
-        </mc:Fallback>
-      </mc:AlternateContent>
-      <mc:AlternateContent xmlns:mc="http://schemas.openxmlformats.org/markup-compatibility/2006" xmlns:p14="http://schemas.microsoft.com/office/powerpoint/2010/main" xmlns:aink="http://schemas.microsoft.com/office/drawing/2016/ink">
-        <mc:Choice Requires="p14 aink">
-          <p:contentPart p14:bwMode="auto" r:id="rId6">
-            <p14:nvContentPartPr>
-              <p14:cNvPr id="10" name="Ink 9">
-                <a:extLst>
-                  <a:ext uri="{FF2B5EF4-FFF2-40B4-BE49-F238E27FC236}">
-                    <a16:creationId xmlns:a16="http://schemas.microsoft.com/office/drawing/2014/main" id="{6FD538FD-9D5E-1F2F-DE44-5D0D8B7423DF}"/>
-                  </a:ext>
-                </a:extLst>
-              </p14:cNvPr>
-              <p14:cNvContentPartPr/>
-              <p14:nvPr/>
-            </p14:nvContentPartPr>
-            <p14:xfrm>
-              <a:off x="1009161" y="593410"/>
-              <a:ext cx="65420" cy="5651740"/>
-            </p14:xfrm>
-          </p:contentPart>
-        </mc:Choice>
-        <mc:Fallback xmlns="">
-          <p:pic>
-            <p:nvPicPr>
-              <p:cNvPr id="10" name="Ink 9">
-                <a:extLst>
-                  <a:ext uri="{FF2B5EF4-FFF2-40B4-BE49-F238E27FC236}">
-                    <a16:creationId xmlns:a16="http://schemas.microsoft.com/office/drawing/2014/main" id="{6FD538FD-9D5E-1F2F-DE44-5D0D8B7423DF}"/>
-                  </a:ext>
-                </a:extLst>
-              </p:cNvPr>
-              <p:cNvPicPr/>
-              <p:nvPr/>
-            </p:nvPicPr>
-            <p:blipFill>
-              <a:blip r:embed="rId7"/>
-              <a:stretch>
-                <a:fillRect/>
-              </a:stretch>
-            </p:blipFill>
-            <p:spPr>
-              <a:xfrm>
-                <a:off x="946257" y="215403"/>
-                <a:ext cx="190868" cy="6407393"/>
-              </a:xfrm>
-              <a:prstGeom prst="rect">
-                <a:avLst/>
-              </a:prstGeom>
-            </p:spPr>
-          </p:pic>
-        </mc:Fallback>
-      </mc:AlternateContent>
-      <mc:AlternateContent xmlns:mc="http://schemas.openxmlformats.org/markup-compatibility/2006" xmlns:p14="http://schemas.microsoft.com/office/powerpoint/2010/main" xmlns:aink="http://schemas.microsoft.com/office/drawing/2016/ink">
-        <mc:Choice Requires="p14 aink">
-          <p:contentPart p14:bwMode="auto" r:id="rId8">
-            <p14:nvContentPartPr>
-              <p14:cNvPr id="12" name="Ink 11">
-                <a:extLst>
-                  <a:ext uri="{FF2B5EF4-FFF2-40B4-BE49-F238E27FC236}">
-                    <a16:creationId xmlns:a16="http://schemas.microsoft.com/office/drawing/2014/main" id="{96F55EEE-4908-DB2B-53CF-7BF808659DBC}"/>
-                  </a:ext>
-                </a:extLst>
-              </p14:cNvPr>
-              <p14:cNvContentPartPr/>
-              <p14:nvPr/>
-            </p14:nvContentPartPr>
-            <p14:xfrm>
-              <a:off x="1046141" y="6277810"/>
-              <a:ext cx="10115640" cy="19440"/>
-            </p14:xfrm>
-          </p:contentPart>
-        </mc:Choice>
-        <mc:Fallback xmlns="">
-          <p:pic>
-            <p:nvPicPr>
-              <p:cNvPr id="12" name="Ink 11">
-                <a:extLst>
-                  <a:ext uri="{FF2B5EF4-FFF2-40B4-BE49-F238E27FC236}">
-                    <a16:creationId xmlns:a16="http://schemas.microsoft.com/office/drawing/2014/main" id="{96F55EEE-4908-DB2B-53CF-7BF808659DBC}"/>
-                  </a:ext>
-                </a:extLst>
-              </p:cNvPr>
-              <p:cNvPicPr/>
-              <p:nvPr/>
-            </p:nvPicPr>
-            <p:blipFill>
-              <a:blip r:embed="rId9"/>
-              <a:stretch>
-                <a:fillRect/>
-              </a:stretch>
-            </p:blipFill>
-            <p:spPr>
-              <a:xfrm>
-                <a:off x="983141" y="5899810"/>
-                <a:ext cx="10241280" cy="775080"/>
-              </a:xfrm>
-              <a:prstGeom prst="rect">
-                <a:avLst/>
-              </a:prstGeom>
-            </p:spPr>
-          </p:pic>
-        </mc:Fallback>
-      </mc:AlternateContent>
-      <mc:AlternateContent xmlns:mc="http://schemas.openxmlformats.org/markup-compatibility/2006" xmlns:p14="http://schemas.microsoft.com/office/powerpoint/2010/main" xmlns:aink="http://schemas.microsoft.com/office/drawing/2016/ink">
-        <mc:Choice Requires="p14 aink">
-          <p:contentPart p14:bwMode="auto" r:id="rId10">
-            <p14:nvContentPartPr>
-              <p14:cNvPr id="14" name="Ink 13">
-                <a:extLst>
-                  <a:ext uri="{FF2B5EF4-FFF2-40B4-BE49-F238E27FC236}">
-                    <a16:creationId xmlns:a16="http://schemas.microsoft.com/office/drawing/2014/main" id="{50532382-22D8-1AA2-9AE8-6FDB78FC7BFB}"/>
-                  </a:ext>
-                </a:extLst>
-              </p14:cNvPr>
-              <p14:cNvContentPartPr/>
-              <p14:nvPr/>
-            </p14:nvContentPartPr>
-            <p14:xfrm>
-              <a:off x="11113901" y="584410"/>
-              <a:ext cx="38160" cy="5722560"/>
-            </p14:xfrm>
-          </p:contentPart>
-        </mc:Choice>
-        <mc:Fallback xmlns="">
-          <p:pic>
-            <p:nvPicPr>
-              <p:cNvPr id="14" name="Ink 13">
-                <a:extLst>
-                  <a:ext uri="{FF2B5EF4-FFF2-40B4-BE49-F238E27FC236}">
-                    <a16:creationId xmlns:a16="http://schemas.microsoft.com/office/drawing/2014/main" id="{50532382-22D8-1AA2-9AE8-6FDB78FC7BFB}"/>
-                  </a:ext>
-                </a:extLst>
-              </p:cNvPr>
-              <p:cNvPicPr/>
-              <p:nvPr/>
-            </p:nvPicPr>
-            <p:blipFill>
-              <a:blip r:embed="rId11"/>
-              <a:stretch>
-                <a:fillRect/>
-              </a:stretch>
-            </p:blipFill>
-            <p:spPr>
-              <a:xfrm>
-                <a:off x="11050901" y="206410"/>
-                <a:ext cx="163800" cy="6478200"/>
-              </a:xfrm>
-              <a:prstGeom prst="rect">
-                <a:avLst/>
-              </a:prstGeom>
-            </p:spPr>
-          </p:pic>
-        </mc:Fallback>
-      </mc:AlternateContent>
-      <p:grpSp>
-        <p:nvGrpSpPr>
-          <p:cNvPr id="39" name="Group 38">
-            <a:extLst>
-              <a:ext uri="{FF2B5EF4-FFF2-40B4-BE49-F238E27FC236}">
-                <a16:creationId xmlns:a16="http://schemas.microsoft.com/office/drawing/2014/main" id="{21C4ED62-2FBD-FEFF-4C88-FD16C46E515A}"/>
-              </a:ext>
-            </a:extLst>
-          </p:cNvPr>
-          <p:cNvGrpSpPr/>
-          <p:nvPr/>
-        </p:nvGrpSpPr>
-        <p:grpSpPr>
-          <a:xfrm>
-            <a:off x="1027421" y="1611850"/>
-            <a:ext cx="2630520" cy="3638160"/>
-            <a:chOff x="1027421" y="1611850"/>
-            <a:chExt cx="2630520" cy="3638160"/>
-          </a:xfrm>
-        </p:grpSpPr>
-        <mc:AlternateContent xmlns:mc="http://schemas.openxmlformats.org/markup-compatibility/2006" xmlns:p14="http://schemas.microsoft.com/office/powerpoint/2010/main" xmlns:aink="http://schemas.microsoft.com/office/drawing/2016/ink">
-          <mc:Choice Requires="p14 aink">
-            <p:contentPart p14:bwMode="auto" r:id="rId12">
-              <p14:nvContentPartPr>
-                <p14:cNvPr id="27" name="Ink 26">
-                  <a:extLst>
-                    <a:ext uri="{FF2B5EF4-FFF2-40B4-BE49-F238E27FC236}">
-                      <a16:creationId xmlns:a16="http://schemas.microsoft.com/office/drawing/2014/main" id="{E35462AC-6F76-A9D2-005E-9F7B60846F1D}"/>
-                    </a:ext>
-                  </a:extLst>
-                </p14:cNvPr>
-                <p14:cNvContentPartPr/>
-                <p14:nvPr/>
-              </p14:nvContentPartPr>
-              <p14:xfrm>
-                <a:off x="1065221" y="1611850"/>
-                <a:ext cx="2554920" cy="28440"/>
-              </p14:xfrm>
-            </p:contentPart>
-          </mc:Choice>
-          <mc:Fallback xmlns="">
-            <p:pic>
-              <p:nvPicPr>
-                <p:cNvPr id="27" name="Ink 26">
-                  <a:extLst>
-                    <a:ext uri="{FF2B5EF4-FFF2-40B4-BE49-F238E27FC236}">
-                      <a16:creationId xmlns:a16="http://schemas.microsoft.com/office/drawing/2014/main" id="{E35462AC-6F76-A9D2-005E-9F7B60846F1D}"/>
-                    </a:ext>
-                  </a:extLst>
-                </p:cNvPr>
-                <p:cNvPicPr/>
-                <p:nvPr/>
-              </p:nvPicPr>
-              <p:blipFill>
-                <a:blip r:embed="rId13"/>
-                <a:stretch>
-                  <a:fillRect/>
-                </a:stretch>
-              </p:blipFill>
-              <p:spPr>
-                <a:xfrm>
-                  <a:off x="1002221" y="1233850"/>
-                  <a:ext cx="2680560" cy="784080"/>
-                </a:xfrm>
-                <a:prstGeom prst="rect">
-                  <a:avLst/>
-                </a:prstGeom>
-              </p:spPr>
-            </p:pic>
-          </mc:Fallback>
-        </mc:AlternateContent>
-        <mc:AlternateContent xmlns:mc="http://schemas.openxmlformats.org/markup-compatibility/2006" xmlns:p14="http://schemas.microsoft.com/office/powerpoint/2010/main" xmlns:aink="http://schemas.microsoft.com/office/drawing/2016/ink">
-          <mc:Choice Requires="p14 aink">
-            <p:contentPart p14:bwMode="auto" r:id="rId14">
-              <p14:nvContentPartPr>
-                <p14:cNvPr id="29" name="Ink 28">
-                  <a:extLst>
-                    <a:ext uri="{FF2B5EF4-FFF2-40B4-BE49-F238E27FC236}">
-                      <a16:creationId xmlns:a16="http://schemas.microsoft.com/office/drawing/2014/main" id="{3125F305-7983-D0CC-E03E-A082A4D5165F}"/>
-                    </a:ext>
-                  </a:extLst>
-                </p14:cNvPr>
-                <p14:cNvContentPartPr/>
-                <p14:nvPr/>
-              </p14:nvContentPartPr>
-              <p14:xfrm>
-                <a:off x="1027421" y="5212930"/>
-                <a:ext cx="2630520" cy="19440"/>
-              </p14:xfrm>
-            </p:contentPart>
-          </mc:Choice>
-          <mc:Fallback xmlns="">
-            <p:pic>
-              <p:nvPicPr>
-                <p:cNvPr id="29" name="Ink 28">
-                  <a:extLst>
-                    <a:ext uri="{FF2B5EF4-FFF2-40B4-BE49-F238E27FC236}">
-                      <a16:creationId xmlns:a16="http://schemas.microsoft.com/office/drawing/2014/main" id="{3125F305-7983-D0CC-E03E-A082A4D5165F}"/>
-                    </a:ext>
-                  </a:extLst>
-                </p:cNvPr>
-                <p:cNvPicPr/>
-                <p:nvPr/>
-              </p:nvPicPr>
-              <p:blipFill>
-                <a:blip r:embed="rId15"/>
-                <a:stretch>
-                  <a:fillRect/>
-                </a:stretch>
-              </p:blipFill>
-              <p:spPr>
-                <a:xfrm>
-                  <a:off x="964421" y="4834930"/>
-                  <a:ext cx="2756160" cy="775080"/>
-                </a:xfrm>
-                <a:prstGeom prst="rect">
-                  <a:avLst/>
-                </a:prstGeom>
-              </p:spPr>
-            </p:pic>
-          </mc:Fallback>
-        </mc:AlternateContent>
-        <mc:AlternateContent xmlns:mc="http://schemas.openxmlformats.org/markup-compatibility/2006" xmlns:p14="http://schemas.microsoft.com/office/powerpoint/2010/main" xmlns:aink="http://schemas.microsoft.com/office/drawing/2016/ink">
-          <mc:Choice Requires="p14 aink">
-            <p:contentPart p14:bwMode="auto" r:id="rId16">
-              <p14:nvContentPartPr>
-                <p14:cNvPr id="30" name="Ink 29">
-                  <a:extLst>
-                    <a:ext uri="{FF2B5EF4-FFF2-40B4-BE49-F238E27FC236}">
-                      <a16:creationId xmlns:a16="http://schemas.microsoft.com/office/drawing/2014/main" id="{337C6E98-E778-ADE7-CC26-266EFBEB9B65}"/>
-                    </a:ext>
-                  </a:extLst>
-                </p14:cNvPr>
-                <p14:cNvContentPartPr/>
-                <p14:nvPr/>
-              </p14:nvContentPartPr>
-              <p14:xfrm>
-                <a:off x="3572621" y="1630930"/>
-                <a:ext cx="38520" cy="3619080"/>
-              </p14:xfrm>
-            </p:contentPart>
-          </mc:Choice>
-          <mc:Fallback xmlns="">
-            <p:pic>
-              <p:nvPicPr>
-                <p:cNvPr id="30" name="Ink 29">
-                  <a:extLst>
-                    <a:ext uri="{FF2B5EF4-FFF2-40B4-BE49-F238E27FC236}">
-                      <a16:creationId xmlns:a16="http://schemas.microsoft.com/office/drawing/2014/main" id="{337C6E98-E778-ADE7-CC26-266EFBEB9B65}"/>
-                    </a:ext>
-                  </a:extLst>
-                </p:cNvPr>
-                <p:cNvPicPr/>
-                <p:nvPr/>
-              </p:nvPicPr>
-              <p:blipFill>
-                <a:blip r:embed="rId17"/>
-                <a:stretch>
-                  <a:fillRect/>
-                </a:stretch>
-              </p:blipFill>
-              <p:spPr>
-                <a:xfrm>
-                  <a:off x="3509621" y="1252930"/>
-                  <a:ext cx="164160" cy="4374720"/>
-                </a:xfrm>
-                <a:prstGeom prst="rect">
-                  <a:avLst/>
-                </a:prstGeom>
-              </p:spPr>
-            </p:pic>
-          </mc:Fallback>
-        </mc:AlternateContent>
-      </p:grpSp>
-      <p:grpSp>
-        <p:nvGrpSpPr>
-          <p:cNvPr id="40" name="Group 39">
-            <a:extLst>
-              <a:ext uri="{FF2B5EF4-FFF2-40B4-BE49-F238E27FC236}">
-                <a16:creationId xmlns:a16="http://schemas.microsoft.com/office/drawing/2014/main" id="{3EA897D7-D3F2-A776-8156-04C7EF57D137}"/>
-              </a:ext>
-            </a:extLst>
-          </p:cNvPr>
-          <p:cNvGrpSpPr/>
-          <p:nvPr/>
-        </p:nvGrpSpPr>
-        <p:grpSpPr>
-          <a:xfrm>
-            <a:off x="1048448" y="2370716"/>
-            <a:ext cx="1433520" cy="2112120"/>
-            <a:chOff x="1048448" y="2370716"/>
-            <a:chExt cx="1433520" cy="2112120"/>
-          </a:xfrm>
-        </p:grpSpPr>
-        <mc:AlternateContent xmlns:mc="http://schemas.openxmlformats.org/markup-compatibility/2006" xmlns:p14="http://schemas.microsoft.com/office/powerpoint/2010/main" xmlns:aink="http://schemas.microsoft.com/office/drawing/2016/ink">
-          <mc:Choice Requires="p14 aink">
-            <p:contentPart p14:bwMode="auto" r:id="rId18">
-              <p14:nvContentPartPr>
-                <p14:cNvPr id="32" name="Ink 31">
-                  <a:extLst>
-                    <a:ext uri="{FF2B5EF4-FFF2-40B4-BE49-F238E27FC236}">
-                      <a16:creationId xmlns:a16="http://schemas.microsoft.com/office/drawing/2014/main" id="{2B81660D-9632-C5E4-4103-8BF7625FF405}"/>
-                    </a:ext>
-                  </a:extLst>
-                </p14:cNvPr>
-                <p14:cNvContentPartPr/>
-                <p14:nvPr/>
-              </p14:nvContentPartPr>
-              <p14:xfrm>
-                <a:off x="1048448" y="2370716"/>
-                <a:ext cx="1405080" cy="10080"/>
-              </p14:xfrm>
-            </p:contentPart>
-          </mc:Choice>
-          <mc:Fallback xmlns="">
-            <p:pic>
-              <p:nvPicPr>
-                <p:cNvPr id="32" name="Ink 31">
-                  <a:extLst>
-                    <a:ext uri="{FF2B5EF4-FFF2-40B4-BE49-F238E27FC236}">
-                      <a16:creationId xmlns:a16="http://schemas.microsoft.com/office/drawing/2014/main" id="{2B81660D-9632-C5E4-4103-8BF7625FF405}"/>
-                    </a:ext>
-                  </a:extLst>
-                </p:cNvPr>
-                <p:cNvPicPr/>
-                <p:nvPr/>
-              </p:nvPicPr>
-              <p:blipFill>
-                <a:blip r:embed="rId19"/>
-                <a:stretch>
-                  <a:fillRect/>
-                </a:stretch>
-              </p:blipFill>
-              <p:spPr>
-                <a:xfrm>
-                  <a:off x="985448" y="1992716"/>
-                  <a:ext cx="1530720" cy="765720"/>
-                </a:xfrm>
-                <a:prstGeom prst="rect">
-                  <a:avLst/>
-                </a:prstGeom>
-              </p:spPr>
-            </p:pic>
-          </mc:Fallback>
-        </mc:AlternateContent>
-        <mc:AlternateContent xmlns:mc="http://schemas.openxmlformats.org/markup-compatibility/2006" xmlns:p14="http://schemas.microsoft.com/office/powerpoint/2010/main" xmlns:aink="http://schemas.microsoft.com/office/drawing/2016/ink">
-          <mc:Choice Requires="p14 aink">
-            <p:contentPart p14:bwMode="auto" r:id="rId20">
-              <p14:nvContentPartPr>
-                <p14:cNvPr id="36" name="Ink 35">
-                  <a:extLst>
-                    <a:ext uri="{FF2B5EF4-FFF2-40B4-BE49-F238E27FC236}">
-                      <a16:creationId xmlns:a16="http://schemas.microsoft.com/office/drawing/2014/main" id="{D7B188C4-05EE-6B6C-C6BC-1F8D32D68E01}"/>
-                    </a:ext>
-                  </a:extLst>
-                </p14:cNvPr>
-                <p14:cNvContentPartPr/>
-                <p14:nvPr/>
-              </p14:nvContentPartPr>
-              <p14:xfrm>
-                <a:off x="1048448" y="4473116"/>
-                <a:ext cx="1433520" cy="9720"/>
-              </p14:xfrm>
-            </p:contentPart>
-          </mc:Choice>
-          <mc:Fallback xmlns="">
-            <p:pic>
-              <p:nvPicPr>
-                <p:cNvPr id="36" name="Ink 35">
-                  <a:extLst>
-                    <a:ext uri="{FF2B5EF4-FFF2-40B4-BE49-F238E27FC236}">
-                      <a16:creationId xmlns:a16="http://schemas.microsoft.com/office/drawing/2014/main" id="{D7B188C4-05EE-6B6C-C6BC-1F8D32D68E01}"/>
-                    </a:ext>
-                  </a:extLst>
-                </p:cNvPr>
-                <p:cNvPicPr/>
-                <p:nvPr/>
-              </p:nvPicPr>
-              <p:blipFill>
-                <a:blip r:embed="rId21"/>
-                <a:stretch>
-                  <a:fillRect/>
-                </a:stretch>
-              </p:blipFill>
-              <p:spPr>
-                <a:xfrm>
-                  <a:off x="985448" y="4095116"/>
-                  <a:ext cx="1559160" cy="765360"/>
-                </a:xfrm>
-                <a:prstGeom prst="rect">
-                  <a:avLst/>
-                </a:prstGeom>
-              </p:spPr>
-            </p:pic>
-          </mc:Fallback>
-        </mc:AlternateContent>
-        <mc:AlternateContent xmlns:mc="http://schemas.openxmlformats.org/markup-compatibility/2006" xmlns:p14="http://schemas.microsoft.com/office/powerpoint/2010/main" xmlns:aink="http://schemas.microsoft.com/office/drawing/2016/ink">
-          <mc:Choice Requires="p14 aink">
-            <p:contentPart p14:bwMode="auto" r:id="rId22">
-              <p14:nvContentPartPr>
-                <p14:cNvPr id="38" name="Ink 37">
-                  <a:extLst>
-                    <a:ext uri="{FF2B5EF4-FFF2-40B4-BE49-F238E27FC236}">
-                      <a16:creationId xmlns:a16="http://schemas.microsoft.com/office/drawing/2014/main" id="{CDCEBB95-943B-1874-3BA2-D0C30A1995BD}"/>
-                    </a:ext>
-                  </a:extLst>
-                </p14:cNvPr>
-                <p14:cNvContentPartPr/>
-                <p14:nvPr/>
-              </p14:nvContentPartPr>
-              <p14:xfrm>
-                <a:off x="2415368" y="2380436"/>
-                <a:ext cx="38160" cy="2102400"/>
-              </p14:xfrm>
-            </p:contentPart>
-          </mc:Choice>
-          <mc:Fallback xmlns="">
-            <p:pic>
-              <p:nvPicPr>
-                <p:cNvPr id="38" name="Ink 37">
-                  <a:extLst>
-                    <a:ext uri="{FF2B5EF4-FFF2-40B4-BE49-F238E27FC236}">
-                      <a16:creationId xmlns:a16="http://schemas.microsoft.com/office/drawing/2014/main" id="{CDCEBB95-943B-1874-3BA2-D0C30A1995BD}"/>
-                    </a:ext>
-                  </a:extLst>
-                </p:cNvPr>
-                <p:cNvPicPr/>
-                <p:nvPr/>
-              </p:nvPicPr>
-              <p:blipFill>
-                <a:blip r:embed="rId23"/>
-                <a:stretch>
-                  <a:fillRect/>
-                </a:stretch>
-              </p:blipFill>
-              <p:spPr>
-                <a:xfrm>
-                  <a:off x="2352368" y="2002436"/>
-                  <a:ext cx="163800" cy="2858040"/>
-                </a:xfrm>
-                <a:prstGeom prst="rect">
-                  <a:avLst/>
-                </a:prstGeom>
-              </p:spPr>
-            </p:pic>
-          </mc:Fallback>
-        </mc:AlternateContent>
-      </p:grpSp>
-      <p:grpSp>
-        <p:nvGrpSpPr>
-          <p:cNvPr id="41" name="Group 40">
-            <a:extLst>
-              <a:ext uri="{FF2B5EF4-FFF2-40B4-BE49-F238E27FC236}">
-                <a16:creationId xmlns:a16="http://schemas.microsoft.com/office/drawing/2014/main" id="{ED69FD45-37CD-7A29-0D32-B9A79F076066}"/>
-              </a:ext>
-            </a:extLst>
-          </p:cNvPr>
-          <p:cNvGrpSpPr/>
-          <p:nvPr/>
-        </p:nvGrpSpPr>
-        <p:grpSpPr>
-          <a:xfrm rot="10800000">
-            <a:off x="8461372" y="1609920"/>
-            <a:ext cx="2630520" cy="3638160"/>
-            <a:chOff x="1027421" y="1611850"/>
-            <a:chExt cx="2630520" cy="3638160"/>
-          </a:xfrm>
-        </p:grpSpPr>
-        <mc:AlternateContent xmlns:mc="http://schemas.openxmlformats.org/markup-compatibility/2006" xmlns:p14="http://schemas.microsoft.com/office/powerpoint/2010/main" xmlns:aink="http://schemas.microsoft.com/office/drawing/2016/ink">
-          <mc:Choice Requires="p14 aink">
-            <p:contentPart p14:bwMode="auto" r:id="rId24">
-              <p14:nvContentPartPr>
-                <p14:cNvPr id="42" name="Ink 41">
-                  <a:extLst>
-                    <a:ext uri="{FF2B5EF4-FFF2-40B4-BE49-F238E27FC236}">
-                      <a16:creationId xmlns:a16="http://schemas.microsoft.com/office/drawing/2014/main" id="{1D01E63F-63F9-765D-4302-375C6B78EB8B}"/>
-                    </a:ext>
-                  </a:extLst>
-                </p14:cNvPr>
-                <p14:cNvContentPartPr/>
-                <p14:nvPr/>
-              </p14:nvContentPartPr>
-              <p14:xfrm>
-                <a:off x="1065221" y="1611850"/>
-                <a:ext cx="2554920" cy="28440"/>
-              </p14:xfrm>
-            </p:contentPart>
-          </mc:Choice>
-          <mc:Fallback xmlns="">
-            <p:pic>
-              <p:nvPicPr>
-                <p:cNvPr id="42" name="Ink 41">
-                  <a:extLst>
-                    <a:ext uri="{FF2B5EF4-FFF2-40B4-BE49-F238E27FC236}">
-                      <a16:creationId xmlns:a16="http://schemas.microsoft.com/office/drawing/2014/main" id="{1D01E63F-63F9-765D-4302-375C6B78EB8B}"/>
-                    </a:ext>
-                  </a:extLst>
-                </p:cNvPr>
-                <p:cNvPicPr/>
-                <p:nvPr/>
-              </p:nvPicPr>
-              <p:blipFill>
-                <a:blip r:embed="rId25"/>
-                <a:stretch>
-                  <a:fillRect/>
-                </a:stretch>
-              </p:blipFill>
-              <p:spPr>
-                <a:xfrm>
-                  <a:off x="1002221" y="1233850"/>
-                  <a:ext cx="2680560" cy="784080"/>
-                </a:xfrm>
-                <a:prstGeom prst="rect">
-                  <a:avLst/>
-                </a:prstGeom>
-              </p:spPr>
-            </p:pic>
-          </mc:Fallback>
-        </mc:AlternateContent>
-        <mc:AlternateContent xmlns:mc="http://schemas.openxmlformats.org/markup-compatibility/2006" xmlns:p14="http://schemas.microsoft.com/office/powerpoint/2010/main" xmlns:aink="http://schemas.microsoft.com/office/drawing/2016/ink">
-          <mc:Choice Requires="p14 aink">
-            <p:contentPart p14:bwMode="auto" r:id="rId26">
-              <p14:nvContentPartPr>
-                <p14:cNvPr id="43" name="Ink 42">
-                  <a:extLst>
-                    <a:ext uri="{FF2B5EF4-FFF2-40B4-BE49-F238E27FC236}">
-                      <a16:creationId xmlns:a16="http://schemas.microsoft.com/office/drawing/2014/main" id="{AA7A7D3A-7EEE-2A84-B5FD-92CC7214E611}"/>
-                    </a:ext>
-                  </a:extLst>
-                </p14:cNvPr>
-                <p14:cNvContentPartPr/>
-                <p14:nvPr/>
-              </p14:nvContentPartPr>
-              <p14:xfrm>
-                <a:off x="1027421" y="5212930"/>
-                <a:ext cx="2630520" cy="19440"/>
-              </p14:xfrm>
-            </p:contentPart>
-          </mc:Choice>
-          <mc:Fallback xmlns="">
-            <p:pic>
-              <p:nvPicPr>
-                <p:cNvPr id="43" name="Ink 42">
-                  <a:extLst>
-                    <a:ext uri="{FF2B5EF4-FFF2-40B4-BE49-F238E27FC236}">
-                      <a16:creationId xmlns:a16="http://schemas.microsoft.com/office/drawing/2014/main" id="{AA7A7D3A-7EEE-2A84-B5FD-92CC7214E611}"/>
-                    </a:ext>
-                  </a:extLst>
-                </p:cNvPr>
-                <p:cNvPicPr/>
-                <p:nvPr/>
-              </p:nvPicPr>
-              <p:blipFill>
-                <a:blip r:embed="rId27"/>
-                <a:stretch>
-                  <a:fillRect/>
-                </a:stretch>
-              </p:blipFill>
-              <p:spPr>
-                <a:xfrm>
-                  <a:off x="964421" y="4834930"/>
-                  <a:ext cx="2756160" cy="775080"/>
-                </a:xfrm>
-                <a:prstGeom prst="rect">
-                  <a:avLst/>
-                </a:prstGeom>
-              </p:spPr>
-            </p:pic>
-          </mc:Fallback>
-        </mc:AlternateContent>
-        <mc:AlternateContent xmlns:mc="http://schemas.openxmlformats.org/markup-compatibility/2006" xmlns:p14="http://schemas.microsoft.com/office/powerpoint/2010/main" xmlns:aink="http://schemas.microsoft.com/office/drawing/2016/ink">
-          <mc:Choice Requires="p14 aink">
-            <p:contentPart p14:bwMode="auto" r:id="rId28">
-              <p14:nvContentPartPr>
-                <p14:cNvPr id="44" name="Ink 43">
-                  <a:extLst>
-                    <a:ext uri="{FF2B5EF4-FFF2-40B4-BE49-F238E27FC236}">
-                      <a16:creationId xmlns:a16="http://schemas.microsoft.com/office/drawing/2014/main" id="{079E80F4-1EC0-B0A0-618D-9D056B48B0AA}"/>
-                    </a:ext>
-                  </a:extLst>
-                </p14:cNvPr>
-                <p14:cNvContentPartPr/>
-                <p14:nvPr/>
-              </p14:nvContentPartPr>
-              <p14:xfrm>
-                <a:off x="3572621" y="1630930"/>
-                <a:ext cx="38520" cy="3619080"/>
-              </p14:xfrm>
-            </p:contentPart>
-          </mc:Choice>
-          <mc:Fallback xmlns="">
-            <p:pic>
-              <p:nvPicPr>
-                <p:cNvPr id="44" name="Ink 43">
-                  <a:extLst>
-                    <a:ext uri="{FF2B5EF4-FFF2-40B4-BE49-F238E27FC236}">
-                      <a16:creationId xmlns:a16="http://schemas.microsoft.com/office/drawing/2014/main" id="{079E80F4-1EC0-B0A0-618D-9D056B48B0AA}"/>
-                    </a:ext>
-                  </a:extLst>
-                </p:cNvPr>
-                <p:cNvPicPr/>
-                <p:nvPr/>
-              </p:nvPicPr>
-              <p:blipFill>
-                <a:blip r:embed="rId29"/>
-                <a:stretch>
-                  <a:fillRect/>
-                </a:stretch>
-              </p:blipFill>
-              <p:spPr>
-                <a:xfrm>
-                  <a:off x="3509621" y="1252930"/>
-                  <a:ext cx="164160" cy="4374720"/>
-                </a:xfrm>
-                <a:prstGeom prst="rect">
-                  <a:avLst/>
-                </a:prstGeom>
-              </p:spPr>
-            </p:pic>
-          </mc:Fallback>
-        </mc:AlternateContent>
-      </p:grpSp>
-      <p:grpSp>
-        <p:nvGrpSpPr>
-          <p:cNvPr id="45" name="Group 44">
-            <a:extLst>
-              <a:ext uri="{FF2B5EF4-FFF2-40B4-BE49-F238E27FC236}">
-                <a16:creationId xmlns:a16="http://schemas.microsoft.com/office/drawing/2014/main" id="{C67988F1-7702-82B9-7FB7-DCE0204019FD}"/>
-              </a:ext>
-            </a:extLst>
-          </p:cNvPr>
-          <p:cNvGrpSpPr/>
-          <p:nvPr/>
-        </p:nvGrpSpPr>
-        <p:grpSpPr>
-          <a:xfrm rot="10800000">
-            <a:off x="9650477" y="2384731"/>
-            <a:ext cx="1433520" cy="2112120"/>
-            <a:chOff x="1048448" y="2370716"/>
-            <a:chExt cx="1433520" cy="2112120"/>
-          </a:xfrm>
-        </p:grpSpPr>
-        <mc:AlternateContent xmlns:mc="http://schemas.openxmlformats.org/markup-compatibility/2006" xmlns:p14="http://schemas.microsoft.com/office/powerpoint/2010/main" xmlns:aink="http://schemas.microsoft.com/office/drawing/2016/ink">
-          <mc:Choice Requires="p14 aink">
-            <p:contentPart p14:bwMode="auto" r:id="rId30">
-              <p14:nvContentPartPr>
-                <p14:cNvPr id="47" name="Ink 46">
-                  <a:extLst>
-                    <a:ext uri="{FF2B5EF4-FFF2-40B4-BE49-F238E27FC236}">
-                      <a16:creationId xmlns:a16="http://schemas.microsoft.com/office/drawing/2014/main" id="{741B4A79-2D86-7932-2C59-B3480A57F57C}"/>
-                    </a:ext>
-                  </a:extLst>
-                </p14:cNvPr>
-                <p14:cNvContentPartPr/>
-                <p14:nvPr/>
-              </p14:nvContentPartPr>
-              <p14:xfrm>
-                <a:off x="1048448" y="2370716"/>
-                <a:ext cx="1405080" cy="10080"/>
-              </p14:xfrm>
-            </p:contentPart>
-          </mc:Choice>
-          <mc:Fallback xmlns="">
-            <p:pic>
-              <p:nvPicPr>
-                <p:cNvPr id="47" name="Ink 46">
-                  <a:extLst>
-                    <a:ext uri="{FF2B5EF4-FFF2-40B4-BE49-F238E27FC236}">
-                      <a16:creationId xmlns:a16="http://schemas.microsoft.com/office/drawing/2014/main" id="{741B4A79-2D86-7932-2C59-B3480A57F57C}"/>
-                    </a:ext>
-                  </a:extLst>
-                </p:cNvPr>
-                <p:cNvPicPr/>
-                <p:nvPr/>
-              </p:nvPicPr>
-              <p:blipFill>
-                <a:blip r:embed="rId31"/>
-                <a:stretch>
-                  <a:fillRect/>
-                </a:stretch>
-              </p:blipFill>
-              <p:spPr>
-                <a:xfrm>
-                  <a:off x="985448" y="1992716"/>
-                  <a:ext cx="1530720" cy="765720"/>
-                </a:xfrm>
-                <a:prstGeom prst="rect">
-                  <a:avLst/>
-                </a:prstGeom>
-              </p:spPr>
-            </p:pic>
-          </mc:Fallback>
-        </mc:AlternateContent>
-        <mc:AlternateContent xmlns:mc="http://schemas.openxmlformats.org/markup-compatibility/2006" xmlns:p14="http://schemas.microsoft.com/office/powerpoint/2010/main" xmlns:aink="http://schemas.microsoft.com/office/drawing/2016/ink">
-          <mc:Choice Requires="p14 aink">
-            <p:contentPart p14:bwMode="auto" r:id="rId32">
-              <p14:nvContentPartPr>
-                <p14:cNvPr id="49" name="Ink 48">
-                  <a:extLst>
-                    <a:ext uri="{FF2B5EF4-FFF2-40B4-BE49-F238E27FC236}">
-                      <a16:creationId xmlns:a16="http://schemas.microsoft.com/office/drawing/2014/main" id="{0C32BF97-4910-C0C1-D033-6DFF639DB3EF}"/>
-                    </a:ext>
-                  </a:extLst>
-                </p14:cNvPr>
-                <p14:cNvContentPartPr/>
-                <p14:nvPr/>
-              </p14:nvContentPartPr>
-              <p14:xfrm>
-                <a:off x="1048448" y="4473116"/>
-                <a:ext cx="1433520" cy="9720"/>
-              </p14:xfrm>
-            </p:contentPart>
-          </mc:Choice>
-          <mc:Fallback xmlns="">
-            <p:pic>
-              <p:nvPicPr>
-                <p:cNvPr id="49" name="Ink 48">
-                  <a:extLst>
-                    <a:ext uri="{FF2B5EF4-FFF2-40B4-BE49-F238E27FC236}">
-                      <a16:creationId xmlns:a16="http://schemas.microsoft.com/office/drawing/2014/main" id="{0C32BF97-4910-C0C1-D033-6DFF639DB3EF}"/>
-                    </a:ext>
-                  </a:extLst>
-                </p:cNvPr>
-                <p:cNvPicPr/>
-                <p:nvPr/>
-              </p:nvPicPr>
-              <p:blipFill>
-                <a:blip r:embed="rId33"/>
-                <a:stretch>
-                  <a:fillRect/>
-                </a:stretch>
-              </p:blipFill>
-              <p:spPr>
-                <a:xfrm>
-                  <a:off x="985448" y="4095116"/>
-                  <a:ext cx="1559160" cy="765360"/>
-                </a:xfrm>
-                <a:prstGeom prst="rect">
-                  <a:avLst/>
-                </a:prstGeom>
-              </p:spPr>
-            </p:pic>
-          </mc:Fallback>
-        </mc:AlternateContent>
-        <mc:AlternateContent xmlns:mc="http://schemas.openxmlformats.org/markup-compatibility/2006" xmlns:p14="http://schemas.microsoft.com/office/powerpoint/2010/main" xmlns:aink="http://schemas.microsoft.com/office/drawing/2016/ink">
-          <mc:Choice Requires="p14 aink">
-            <p:contentPart p14:bwMode="auto" r:id="rId34">
-              <p14:nvContentPartPr>
-                <p14:cNvPr id="50" name="Ink 49">
-                  <a:extLst>
-                    <a:ext uri="{FF2B5EF4-FFF2-40B4-BE49-F238E27FC236}">
-                      <a16:creationId xmlns:a16="http://schemas.microsoft.com/office/drawing/2014/main" id="{8E3133D1-45CA-0B98-B3AF-F7293EDA3A3F}"/>
-                    </a:ext>
-                  </a:extLst>
-                </p14:cNvPr>
-                <p14:cNvContentPartPr/>
-                <p14:nvPr/>
-              </p14:nvContentPartPr>
-              <p14:xfrm>
-                <a:off x="2415368" y="2380436"/>
-                <a:ext cx="38160" cy="2102400"/>
-              </p14:xfrm>
-            </p:contentPart>
-          </mc:Choice>
-          <mc:Fallback xmlns="">
-            <p:pic>
-              <p:nvPicPr>
-                <p:cNvPr id="50" name="Ink 49">
-                  <a:extLst>
-                    <a:ext uri="{FF2B5EF4-FFF2-40B4-BE49-F238E27FC236}">
-                      <a16:creationId xmlns:a16="http://schemas.microsoft.com/office/drawing/2014/main" id="{8E3133D1-45CA-0B98-B3AF-F7293EDA3A3F}"/>
-                    </a:ext>
-                  </a:extLst>
-                </p:cNvPr>
-                <p:cNvPicPr/>
-                <p:nvPr/>
-              </p:nvPicPr>
-              <p:blipFill>
-                <a:blip r:embed="rId35"/>
-                <a:stretch>
-                  <a:fillRect/>
-                </a:stretch>
-              </p:blipFill>
-              <p:spPr>
-                <a:xfrm>
-                  <a:off x="2352368" y="2002436"/>
-                  <a:ext cx="163800" cy="2858040"/>
-                </a:xfrm>
-                <a:prstGeom prst="rect">
-                  <a:avLst/>
-                </a:prstGeom>
-              </p:spPr>
-            </p:pic>
-          </mc:Fallback>
-        </mc:AlternateContent>
-      </p:grpSp>
-      <mc:AlternateContent xmlns:mc="http://schemas.openxmlformats.org/markup-compatibility/2006" xmlns:p14="http://schemas.microsoft.com/office/powerpoint/2010/main" xmlns:aink="http://schemas.microsoft.com/office/drawing/2016/ink">
-        <mc:Choice Requires="p14 aink">
-          <p:contentPart p14:bwMode="auto" r:id="rId36">
-            <p14:nvContentPartPr>
-              <p14:cNvPr id="58" name="Ink 57">
-                <a:extLst>
-                  <a:ext uri="{FF2B5EF4-FFF2-40B4-BE49-F238E27FC236}">
-                    <a16:creationId xmlns:a16="http://schemas.microsoft.com/office/drawing/2014/main" id="{5265A4D9-97A0-5603-625C-1A2184870FE7}"/>
-                  </a:ext>
-                </a:extLst>
-              </p14:cNvPr>
-              <p14:cNvContentPartPr/>
-              <p14:nvPr/>
-            </p14:nvContentPartPr>
-            <p14:xfrm>
-              <a:off x="6105327" y="600073"/>
-              <a:ext cx="9360" cy="5699160"/>
-            </p14:xfrm>
-          </p:contentPart>
-        </mc:Choice>
-        <mc:Fallback xmlns="">
-          <p:pic>
-            <p:nvPicPr>
-              <p:cNvPr id="58" name="Ink 57">
-                <a:extLst>
-                  <a:ext uri="{FF2B5EF4-FFF2-40B4-BE49-F238E27FC236}">
-                    <a16:creationId xmlns:a16="http://schemas.microsoft.com/office/drawing/2014/main" id="{5265A4D9-97A0-5603-625C-1A2184870FE7}"/>
-                  </a:ext>
-                </a:extLst>
-              </p:cNvPr>
-              <p:cNvPicPr/>
-              <p:nvPr/>
-            </p:nvPicPr>
-            <p:blipFill>
-              <a:blip r:embed="rId37"/>
-              <a:stretch>
-                <a:fillRect/>
-              </a:stretch>
-            </p:blipFill>
-            <p:spPr>
-              <a:xfrm>
-                <a:off x="6042327" y="222073"/>
-                <a:ext cx="135000" cy="6454800"/>
-              </a:xfrm>
-              <a:prstGeom prst="rect">
-                <a:avLst/>
-              </a:prstGeom>
-            </p:spPr>
-          </p:pic>
-        </mc:Fallback>
-      </mc:AlternateContent>
-      <mc:AlternateContent xmlns:mc="http://schemas.openxmlformats.org/markup-compatibility/2006" xmlns:p14="http://schemas.microsoft.com/office/powerpoint/2010/main" xmlns:aink="http://schemas.microsoft.com/office/drawing/2016/ink">
-        <mc:Choice Requires="p14 aink">
-          <p:contentPart p14:bwMode="auto" r:id="rId38">
-            <p14:nvContentPartPr>
-              <p14:cNvPr id="61" name="Ink 60">
-                <a:extLst>
-                  <a:ext uri="{FF2B5EF4-FFF2-40B4-BE49-F238E27FC236}">
-                    <a16:creationId xmlns:a16="http://schemas.microsoft.com/office/drawing/2014/main" id="{784AFC4B-7D86-C90E-CED6-0AB4FD25C0EF}"/>
-                  </a:ext>
-                </a:extLst>
-              </p14:cNvPr>
-              <p14:cNvContentPartPr/>
-              <p14:nvPr/>
-            </p14:nvContentPartPr>
-            <p14:xfrm>
-              <a:off x="5373627" y="2704630"/>
-              <a:ext cx="1482120" cy="1482120"/>
-            </p14:xfrm>
-          </p:contentPart>
-        </mc:Choice>
-        <mc:Fallback xmlns="">
-          <p:pic>
-            <p:nvPicPr>
-              <p:cNvPr id="61" name="Ink 60">
-                <a:extLst>
-                  <a:ext uri="{FF2B5EF4-FFF2-40B4-BE49-F238E27FC236}">
-                    <a16:creationId xmlns:a16="http://schemas.microsoft.com/office/drawing/2014/main" id="{784AFC4B-7D86-C90E-CED6-0AB4FD25C0EF}"/>
-                  </a:ext>
-                </a:extLst>
-              </p:cNvPr>
-              <p:cNvPicPr/>
-              <p:nvPr/>
-            </p:nvPicPr>
-            <p:blipFill>
-              <a:blip r:embed="rId39"/>
-              <a:stretch>
-                <a:fillRect/>
-              </a:stretch>
-            </p:blipFill>
-            <p:spPr>
-              <a:xfrm>
-                <a:off x="5310627" y="2326630"/>
-                <a:ext cx="1607760" cy="2237760"/>
-              </a:xfrm>
-              <a:prstGeom prst="rect">
-                <a:avLst/>
-              </a:prstGeom>
-            </p:spPr>
-          </p:pic>
-        </mc:Fallback>
-      </mc:AlternateContent>
-      <mc:AlternateContent xmlns:mc="http://schemas.openxmlformats.org/markup-compatibility/2006" xmlns:p14="http://schemas.microsoft.com/office/powerpoint/2010/main" xmlns:aink="http://schemas.microsoft.com/office/drawing/2016/ink">
-        <mc:Choice Requires="p14 aink">
-          <p:contentPart p14:bwMode="auto" r:id="rId40">
-            <p14:nvContentPartPr>
-              <p14:cNvPr id="7" name="Ink 6">
-                <a:extLst>
-                  <a:ext uri="{FF2B5EF4-FFF2-40B4-BE49-F238E27FC236}">
-                    <a16:creationId xmlns:a16="http://schemas.microsoft.com/office/drawing/2014/main" id="{CC418F59-9164-FED0-702D-C60E03F4C8AA}"/>
-                  </a:ext>
-                </a:extLst>
-              </p14:cNvPr>
-              <p14:cNvContentPartPr/>
-              <p14:nvPr/>
-            </p14:nvContentPartPr>
-            <p14:xfrm>
-              <a:off x="4247678" y="2162942"/>
-              <a:ext cx="580680" cy="580680"/>
-            </p14:xfrm>
-          </p:contentPart>
-        </mc:Choice>
-        <mc:Fallback xmlns="">
-          <p:pic>
-            <p:nvPicPr>
-              <p:cNvPr id="7" name="Ink 6">
-                <a:extLst>
-                  <a:ext uri="{FF2B5EF4-FFF2-40B4-BE49-F238E27FC236}">
-                    <a16:creationId xmlns:a16="http://schemas.microsoft.com/office/drawing/2014/main" id="{CC418F59-9164-FED0-702D-C60E03F4C8AA}"/>
-                  </a:ext>
-                </a:extLst>
-              </p:cNvPr>
-              <p:cNvPicPr/>
-              <p:nvPr/>
-            </p:nvPicPr>
-            <p:blipFill>
-              <a:blip r:embed="rId41"/>
-              <a:stretch>
-                <a:fillRect/>
-              </a:stretch>
-            </p:blipFill>
-            <p:spPr>
-              <a:xfrm>
-                <a:off x="4184678" y="1784942"/>
-                <a:ext cx="706320" cy="1336320"/>
-              </a:xfrm>
-              <a:prstGeom prst="rect">
-                <a:avLst/>
-              </a:prstGeom>
-            </p:spPr>
-          </p:pic>
-        </mc:Fallback>
-      </mc:AlternateContent>
-      <mc:AlternateContent xmlns:mc="http://schemas.openxmlformats.org/markup-compatibility/2006" xmlns:p14="http://schemas.microsoft.com/office/powerpoint/2010/main" xmlns:aink="http://schemas.microsoft.com/office/drawing/2016/ink">
-        <mc:Choice Requires="p14 aink">
-          <p:contentPart p14:bwMode="auto" r:id="rId42">
-            <p14:nvContentPartPr>
-              <p14:cNvPr id="9" name="Ink 8">
-                <a:extLst>
-                  <a:ext uri="{FF2B5EF4-FFF2-40B4-BE49-F238E27FC236}">
-                    <a16:creationId xmlns:a16="http://schemas.microsoft.com/office/drawing/2014/main" id="{55B69A49-B073-BDE0-B5FE-24C716ED74C7}"/>
-                  </a:ext>
-                </a:extLst>
-              </p14:cNvPr>
-              <p14:cNvContentPartPr/>
-              <p14:nvPr/>
-            </p14:nvContentPartPr>
-            <p14:xfrm>
-              <a:off x="3711842" y="3053421"/>
-              <a:ext cx="580680" cy="580680"/>
-            </p14:xfrm>
-          </p:contentPart>
-        </mc:Choice>
-        <mc:Fallback xmlns="">
-          <p:pic>
-            <p:nvPicPr>
-              <p:cNvPr id="9" name="Ink 8">
-                <a:extLst>
-                  <a:ext uri="{FF2B5EF4-FFF2-40B4-BE49-F238E27FC236}">
-                    <a16:creationId xmlns:a16="http://schemas.microsoft.com/office/drawing/2014/main" id="{55B69A49-B073-BDE0-B5FE-24C716ED74C7}"/>
-                  </a:ext>
-                </a:extLst>
-              </p:cNvPr>
-              <p:cNvPicPr/>
-              <p:nvPr/>
-            </p:nvPicPr>
-            <p:blipFill>
-              <a:blip r:embed="rId43"/>
-              <a:stretch>
-                <a:fillRect/>
-              </a:stretch>
-            </p:blipFill>
-            <p:spPr>
-              <a:xfrm>
-                <a:off x="3648842" y="2675421"/>
-                <a:ext cx="706320" cy="1336320"/>
-              </a:xfrm>
-              <a:prstGeom prst="rect">
-                <a:avLst/>
-              </a:prstGeom>
-            </p:spPr>
-          </p:pic>
-        </mc:Fallback>
-      </mc:AlternateContent>
-      <mc:AlternateContent xmlns:mc="http://schemas.openxmlformats.org/markup-compatibility/2006" xmlns:p14="http://schemas.microsoft.com/office/powerpoint/2010/main" xmlns:aink="http://schemas.microsoft.com/office/drawing/2016/ink">
-        <mc:Choice Requires="p14 aink">
-          <p:contentPart p14:bwMode="auto" r:id="rId44">
-            <p14:nvContentPartPr>
-              <p14:cNvPr id="11" name="Ink 10">
-                <a:extLst>
-                  <a:ext uri="{FF2B5EF4-FFF2-40B4-BE49-F238E27FC236}">
-                    <a16:creationId xmlns:a16="http://schemas.microsoft.com/office/drawing/2014/main" id="{29228211-042A-A100-F16D-A221F4DEDAFB}"/>
-                  </a:ext>
-                </a:extLst>
-              </p14:cNvPr>
-              <p14:cNvContentPartPr/>
-              <p14:nvPr/>
-            </p14:nvContentPartPr>
-            <p14:xfrm>
-              <a:off x="4294773" y="3943900"/>
-              <a:ext cx="580680" cy="580680"/>
-            </p14:xfrm>
-          </p:contentPart>
-        </mc:Choice>
-        <mc:Fallback xmlns="">
-          <p:pic>
-            <p:nvPicPr>
-              <p:cNvPr id="11" name="Ink 10">
-                <a:extLst>
-                  <a:ext uri="{FF2B5EF4-FFF2-40B4-BE49-F238E27FC236}">
-                    <a16:creationId xmlns:a16="http://schemas.microsoft.com/office/drawing/2014/main" id="{29228211-042A-A100-F16D-A221F4DEDAFB}"/>
-                  </a:ext>
-                </a:extLst>
-              </p:cNvPr>
-              <p:cNvPicPr/>
-              <p:nvPr/>
-            </p:nvPicPr>
-            <p:blipFill>
-              <a:blip r:embed="rId45"/>
-              <a:stretch>
-                <a:fillRect/>
-              </a:stretch>
-            </p:blipFill>
-            <p:spPr>
-              <a:xfrm>
-                <a:off x="4231773" y="3565900"/>
-                <a:ext cx="706320" cy="1336320"/>
-              </a:xfrm>
-              <a:prstGeom prst="rect">
-                <a:avLst/>
-              </a:prstGeom>
-            </p:spPr>
-          </p:pic>
-        </mc:Fallback>
-      </mc:AlternateContent>
-      <p:grpSp>
-        <p:nvGrpSpPr>
-          <p:cNvPr id="5" name="Group 4">
-            <a:extLst>
-              <a:ext uri="{FF2B5EF4-FFF2-40B4-BE49-F238E27FC236}">
-                <a16:creationId xmlns:a16="http://schemas.microsoft.com/office/drawing/2014/main" id="{E0BC74F9-DA3C-1420-DE95-9611AC9E3E57}"/>
-              </a:ext>
-            </a:extLst>
-          </p:cNvPr>
-          <p:cNvGrpSpPr/>
-          <p:nvPr/>
-        </p:nvGrpSpPr>
-        <p:grpSpPr>
-          <a:xfrm>
-            <a:off x="4941447" y="2059513"/>
-            <a:ext cx="1769760" cy="370080"/>
-            <a:chOff x="4941447" y="2059513"/>
-            <a:chExt cx="1769760" cy="370080"/>
-          </a:xfrm>
-        </p:grpSpPr>
-        <mc:AlternateContent xmlns:mc="http://schemas.openxmlformats.org/markup-compatibility/2006" xmlns:p14="http://schemas.microsoft.com/office/powerpoint/2010/main" xmlns:aink="http://schemas.microsoft.com/office/drawing/2016/ink">
-          <mc:Choice Requires="p14 aink">
-            <p:contentPart p14:bwMode="auto" r:id="rId46">
-              <p14:nvContentPartPr>
-                <p14:cNvPr id="3" name="Ink 2">
-                  <a:extLst>
-                    <a:ext uri="{FF2B5EF4-FFF2-40B4-BE49-F238E27FC236}">
-                      <a16:creationId xmlns:a16="http://schemas.microsoft.com/office/drawing/2014/main" id="{14B8DDCE-2B5F-DBAD-FCAA-21A2526FC7E8}"/>
-                    </a:ext>
-                  </a:extLst>
-                </p14:cNvPr>
-                <p14:cNvContentPartPr/>
-                <p14:nvPr/>
-              </p14:nvContentPartPr>
-              <p14:xfrm>
-                <a:off x="4941447" y="2206033"/>
-                <a:ext cx="1659960" cy="103320"/>
-              </p14:xfrm>
-            </p:contentPart>
-          </mc:Choice>
-          <mc:Fallback xmlns="">
-            <p:pic>
-              <p:nvPicPr>
-                <p:cNvPr id="3" name="Ink 2">
-                  <a:extLst>
-                    <a:ext uri="{FF2B5EF4-FFF2-40B4-BE49-F238E27FC236}">
-                      <a16:creationId xmlns:a16="http://schemas.microsoft.com/office/drawing/2014/main" id="{14B8DDCE-2B5F-DBAD-FCAA-21A2526FC7E8}"/>
-                    </a:ext>
-                  </a:extLst>
-                </p:cNvPr>
-                <p:cNvPicPr/>
-                <p:nvPr/>
-              </p:nvPicPr>
-              <p:blipFill>
-                <a:blip r:embed="rId47"/>
-                <a:stretch>
-                  <a:fillRect/>
-                </a:stretch>
-              </p:blipFill>
-              <p:spPr>
-                <a:xfrm>
-                  <a:off x="4878447" y="1828033"/>
-                  <a:ext cx="1785600" cy="858960"/>
-                </a:xfrm>
-                <a:prstGeom prst="rect">
-                  <a:avLst/>
-                </a:prstGeom>
-              </p:spPr>
-            </p:pic>
-          </mc:Fallback>
-        </mc:AlternateContent>
-        <mc:AlternateContent xmlns:mc="http://schemas.openxmlformats.org/markup-compatibility/2006" xmlns:p14="http://schemas.microsoft.com/office/powerpoint/2010/main" xmlns:aink="http://schemas.microsoft.com/office/drawing/2016/ink">
-          <mc:Choice Requires="p14 aink">
-            <p:contentPart p14:bwMode="auto" r:id="rId48">
-              <p14:nvContentPartPr>
-                <p14:cNvPr id="4" name="Ink 3">
-                  <a:extLst>
-                    <a:ext uri="{FF2B5EF4-FFF2-40B4-BE49-F238E27FC236}">
-                      <a16:creationId xmlns:a16="http://schemas.microsoft.com/office/drawing/2014/main" id="{E61AFD36-5BE6-ECC3-0876-A75D7DD44F76}"/>
-                    </a:ext>
-                  </a:extLst>
-                </p14:cNvPr>
-                <p14:cNvContentPartPr/>
-                <p14:nvPr/>
-              </p14:nvContentPartPr>
-              <p14:xfrm>
-                <a:off x="6409887" y="2059513"/>
-                <a:ext cx="301320" cy="370080"/>
-              </p14:xfrm>
-            </p:contentPart>
-          </mc:Choice>
-          <mc:Fallback xmlns="">
-            <p:pic>
-              <p:nvPicPr>
-                <p:cNvPr id="4" name="Ink 3">
-                  <a:extLst>
-                    <a:ext uri="{FF2B5EF4-FFF2-40B4-BE49-F238E27FC236}">
-                      <a16:creationId xmlns:a16="http://schemas.microsoft.com/office/drawing/2014/main" id="{E61AFD36-5BE6-ECC3-0876-A75D7DD44F76}"/>
-                    </a:ext>
-                  </a:extLst>
-                </p:cNvPr>
-                <p:cNvPicPr/>
-                <p:nvPr/>
-              </p:nvPicPr>
-              <p:blipFill>
-                <a:blip r:embed="rId49"/>
-                <a:stretch>
-                  <a:fillRect/>
-                </a:stretch>
-              </p:blipFill>
-              <p:spPr>
-                <a:xfrm>
-                  <a:off x="6347247" y="1681513"/>
-                  <a:ext cx="426960" cy="1125720"/>
-                </a:xfrm>
-                <a:prstGeom prst="rect">
-                  <a:avLst/>
-                </a:prstGeom>
-              </p:spPr>
-            </p:pic>
-          </mc:Fallback>
-        </mc:AlternateContent>
-      </p:grpSp>
-      <p:grpSp>
-        <p:nvGrpSpPr>
-          <p:cNvPr id="31" name="Group 30">
-            <a:extLst>
-              <a:ext uri="{FF2B5EF4-FFF2-40B4-BE49-F238E27FC236}">
-                <a16:creationId xmlns:a16="http://schemas.microsoft.com/office/drawing/2014/main" id="{0640B53C-2B4B-F578-8506-9DEB02E3C847}"/>
-              </a:ext>
-            </a:extLst>
-          </p:cNvPr>
-          <p:cNvGrpSpPr/>
-          <p:nvPr/>
-        </p:nvGrpSpPr>
-        <p:grpSpPr>
-          <a:xfrm>
-            <a:off x="4867287" y="4525873"/>
-            <a:ext cx="1743840" cy="1066320"/>
-            <a:chOff x="4867287" y="4525873"/>
-            <a:chExt cx="1743840" cy="1066320"/>
-          </a:xfrm>
-        </p:grpSpPr>
-        <mc:AlternateContent xmlns:mc="http://schemas.openxmlformats.org/markup-compatibility/2006" xmlns:p14="http://schemas.microsoft.com/office/powerpoint/2010/main" xmlns:aink="http://schemas.microsoft.com/office/drawing/2016/ink">
-          <mc:Choice Requires="p14 aink">
-            <p:contentPart p14:bwMode="auto" r:id="rId50">
-              <p14:nvContentPartPr>
-                <p14:cNvPr id="26" name="Ink 25">
-                  <a:extLst>
-                    <a:ext uri="{FF2B5EF4-FFF2-40B4-BE49-F238E27FC236}">
-                      <a16:creationId xmlns:a16="http://schemas.microsoft.com/office/drawing/2014/main" id="{F164D5B6-7132-D6B8-4D5D-31FF8C7EA673}"/>
-                    </a:ext>
-                  </a:extLst>
-                </p14:cNvPr>
-                <p14:cNvContentPartPr/>
-                <p14:nvPr/>
-              </p14:nvContentPartPr>
-              <p14:xfrm>
-                <a:off x="4867287" y="4525873"/>
-                <a:ext cx="1584000" cy="923040"/>
-              </p14:xfrm>
-            </p:contentPart>
-          </mc:Choice>
-          <mc:Fallback xmlns="">
-            <p:pic>
-              <p:nvPicPr>
-                <p:cNvPr id="26" name="Ink 25">
-                  <a:extLst>
-                    <a:ext uri="{FF2B5EF4-FFF2-40B4-BE49-F238E27FC236}">
-                      <a16:creationId xmlns:a16="http://schemas.microsoft.com/office/drawing/2014/main" id="{F164D5B6-7132-D6B8-4D5D-31FF8C7EA673}"/>
-                    </a:ext>
-                  </a:extLst>
-                </p:cNvPr>
-                <p:cNvPicPr/>
-                <p:nvPr/>
-              </p:nvPicPr>
-              <p:blipFill>
-                <a:blip r:embed="rId51"/>
-                <a:stretch>
-                  <a:fillRect/>
-                </a:stretch>
-              </p:blipFill>
-              <p:spPr>
-                <a:xfrm>
-                  <a:off x="4804647" y="4147873"/>
-                  <a:ext cx="1709640" cy="1678680"/>
-                </a:xfrm>
-                <a:prstGeom prst="rect">
-                  <a:avLst/>
-                </a:prstGeom>
-              </p:spPr>
-            </p:pic>
-          </mc:Fallback>
-        </mc:AlternateContent>
-        <mc:AlternateContent xmlns:mc="http://schemas.openxmlformats.org/markup-compatibility/2006" xmlns:p14="http://schemas.microsoft.com/office/powerpoint/2010/main" xmlns:aink="http://schemas.microsoft.com/office/drawing/2016/ink">
-          <mc:Choice Requires="p14 aink">
-            <p:contentPart p14:bwMode="auto" r:id="rId52">
-              <p14:nvContentPartPr>
-                <p14:cNvPr id="28" name="Ink 27">
-                  <a:extLst>
-                    <a:ext uri="{FF2B5EF4-FFF2-40B4-BE49-F238E27FC236}">
-                      <a16:creationId xmlns:a16="http://schemas.microsoft.com/office/drawing/2014/main" id="{9C851A59-FCBA-D263-C0C1-A35C1A97D5AD}"/>
-                    </a:ext>
-                  </a:extLst>
-                </p14:cNvPr>
-                <p14:cNvContentPartPr/>
-                <p14:nvPr/>
-              </p14:nvContentPartPr>
-              <p14:xfrm>
-                <a:off x="6224847" y="5218513"/>
-                <a:ext cx="386280" cy="373680"/>
-              </p14:xfrm>
-            </p:contentPart>
-          </mc:Choice>
-          <mc:Fallback xmlns="">
-            <p:pic>
-              <p:nvPicPr>
-                <p:cNvPr id="28" name="Ink 27">
-                  <a:extLst>
-                    <a:ext uri="{FF2B5EF4-FFF2-40B4-BE49-F238E27FC236}">
-                      <a16:creationId xmlns:a16="http://schemas.microsoft.com/office/drawing/2014/main" id="{9C851A59-FCBA-D263-C0C1-A35C1A97D5AD}"/>
-                    </a:ext>
-                  </a:extLst>
-                </p:cNvPr>
-                <p:cNvPicPr/>
-                <p:nvPr/>
-              </p:nvPicPr>
-              <p:blipFill>
-                <a:blip r:embed="rId53"/>
-                <a:stretch>
-                  <a:fillRect/>
-                </a:stretch>
-              </p:blipFill>
-              <p:spPr>
-                <a:xfrm>
-                  <a:off x="6162207" y="4840513"/>
-                  <a:ext cx="511920" cy="1129320"/>
-                </a:xfrm>
-                <a:prstGeom prst="rect">
-                  <a:avLst/>
-                </a:prstGeom>
-              </p:spPr>
-            </p:pic>
-          </mc:Fallback>
-        </mc:AlternateContent>
-      </p:grpSp>
-      <p:grpSp>
-        <p:nvGrpSpPr>
-          <p:cNvPr id="35" name="Group 34">
-            <a:extLst>
-              <a:ext uri="{FF2B5EF4-FFF2-40B4-BE49-F238E27FC236}">
-                <a16:creationId xmlns:a16="http://schemas.microsoft.com/office/drawing/2014/main" id="{C8729A07-1BBC-85E2-E8AF-8D8C294F4309}"/>
-              </a:ext>
-            </a:extLst>
-          </p:cNvPr>
-          <p:cNvGrpSpPr/>
-          <p:nvPr/>
-        </p:nvGrpSpPr>
-        <p:grpSpPr>
-          <a:xfrm>
-            <a:off x="3025167" y="3075793"/>
-            <a:ext cx="623520" cy="484200"/>
-            <a:chOff x="3025167" y="3075793"/>
-            <a:chExt cx="623520" cy="484200"/>
-          </a:xfrm>
-        </p:grpSpPr>
-        <mc:AlternateContent xmlns:mc="http://schemas.openxmlformats.org/markup-compatibility/2006" xmlns:p14="http://schemas.microsoft.com/office/powerpoint/2010/main" xmlns:aink="http://schemas.microsoft.com/office/drawing/2016/ink">
-          <mc:Choice Requires="p14 aink">
-            <p:contentPart p14:bwMode="auto" r:id="rId54">
-              <p14:nvContentPartPr>
-                <p14:cNvPr id="33" name="Ink 32">
-                  <a:extLst>
-                    <a:ext uri="{FF2B5EF4-FFF2-40B4-BE49-F238E27FC236}">
-                      <a16:creationId xmlns:a16="http://schemas.microsoft.com/office/drawing/2014/main" id="{000A413E-38D8-2C1A-0F2C-59719CFEB5C1}"/>
-                    </a:ext>
-                  </a:extLst>
-                </p14:cNvPr>
-                <p14:cNvContentPartPr/>
-                <p14:nvPr/>
-              </p14:nvContentPartPr>
-              <p14:xfrm>
-                <a:off x="3214887" y="3333553"/>
-                <a:ext cx="433800" cy="10080"/>
-              </p14:xfrm>
-            </p:contentPart>
-          </mc:Choice>
-          <mc:Fallback xmlns="">
-            <p:pic>
-              <p:nvPicPr>
-                <p:cNvPr id="33" name="Ink 32">
-                  <a:extLst>
-                    <a:ext uri="{FF2B5EF4-FFF2-40B4-BE49-F238E27FC236}">
-                      <a16:creationId xmlns:a16="http://schemas.microsoft.com/office/drawing/2014/main" id="{000A413E-38D8-2C1A-0F2C-59719CFEB5C1}"/>
-                    </a:ext>
-                  </a:extLst>
-                </p:cNvPr>
-                <p:cNvPicPr/>
-                <p:nvPr/>
-              </p:nvPicPr>
-              <p:blipFill>
-                <a:blip r:embed="rId55"/>
-                <a:stretch>
-                  <a:fillRect/>
-                </a:stretch>
-              </p:blipFill>
-              <p:spPr>
-                <a:xfrm>
-                  <a:off x="3152247" y="2955913"/>
-                  <a:ext cx="559440" cy="765720"/>
-                </a:xfrm>
-                <a:prstGeom prst="rect">
-                  <a:avLst/>
-                </a:prstGeom>
-              </p:spPr>
-            </p:pic>
-          </mc:Fallback>
-        </mc:AlternateContent>
-        <mc:AlternateContent xmlns:mc="http://schemas.openxmlformats.org/markup-compatibility/2006" xmlns:p14="http://schemas.microsoft.com/office/powerpoint/2010/main" xmlns:aink="http://schemas.microsoft.com/office/drawing/2016/ink">
-          <mc:Choice Requires="p14 aink">
-            <p:contentPart p14:bwMode="auto" r:id="rId56">
-              <p14:nvContentPartPr>
-                <p14:cNvPr id="34" name="Ink 33">
-                  <a:extLst>
-                    <a:ext uri="{FF2B5EF4-FFF2-40B4-BE49-F238E27FC236}">
-                      <a16:creationId xmlns:a16="http://schemas.microsoft.com/office/drawing/2014/main" id="{31C1FFA6-4B5E-DF4C-8840-72C5B075CBE3}"/>
-                    </a:ext>
-                  </a:extLst>
-                </p14:cNvPr>
-                <p14:cNvContentPartPr/>
-                <p14:nvPr/>
-              </p14:nvContentPartPr>
-              <p14:xfrm>
-                <a:off x="3025167" y="3075793"/>
-                <a:ext cx="318600" cy="484200"/>
-              </p14:xfrm>
-            </p:contentPart>
-          </mc:Choice>
-          <mc:Fallback xmlns="">
-            <p:pic>
-              <p:nvPicPr>
-                <p:cNvPr id="34" name="Ink 33">
-                  <a:extLst>
-                    <a:ext uri="{FF2B5EF4-FFF2-40B4-BE49-F238E27FC236}">
-                      <a16:creationId xmlns:a16="http://schemas.microsoft.com/office/drawing/2014/main" id="{31C1FFA6-4B5E-DF4C-8840-72C5B075CBE3}"/>
-                    </a:ext>
-                  </a:extLst>
-                </p:cNvPr>
-                <p:cNvPicPr/>
-                <p:nvPr/>
-              </p:nvPicPr>
-              <p:blipFill>
-                <a:blip r:embed="rId57"/>
-                <a:stretch>
-                  <a:fillRect/>
-                </a:stretch>
-              </p:blipFill>
-              <p:spPr>
-                <a:xfrm>
-                  <a:off x="2962527" y="2697793"/>
-                  <a:ext cx="444240" cy="1239840"/>
-                </a:xfrm>
-                <a:prstGeom prst="rect">
-                  <a:avLst/>
-                </a:prstGeom>
-              </p:spPr>
-            </p:pic>
-          </mc:Fallback>
-        </mc:AlternateContent>
-      </p:grpSp>
-    </p:spTree>
-    <p:extLst>
-      <p:ext uri="{BB962C8B-B14F-4D97-AF65-F5344CB8AC3E}">
-        <p14:creationId xmlns:p14="http://schemas.microsoft.com/office/powerpoint/2010/main" val="1665258569"/>
-      </p:ext>
-    </p:extLst>
-  </p:cSld>
-  <p:clrMapOvr>
-    <a:masterClrMapping/>
-  </p:clrMapOvr>
-</p:sld>
-</file>
-
 <file path=ppt/theme/theme1.xml><?xml version="1.0" encoding="utf-8"?>
 <a:theme xmlns:a="http://schemas.openxmlformats.org/drawingml/2006/main" name="Office Theme">
   <a:themeElements>
